--- a/Preso_Mats/Game theory and intentions for SO2021 2.pptx
+++ b/Preso_Mats/Game theory and intentions for SO2021 2.pptx
@@ -13,28 +13,26 @@
     <p:sldId id="275" r:id="rId7"/>
     <p:sldId id="268" r:id="rId8"/>
     <p:sldId id="279" r:id="rId9"/>
-    <p:sldId id="285" r:id="rId10"/>
-    <p:sldId id="286" r:id="rId11"/>
-    <p:sldId id="287" r:id="rId12"/>
-    <p:sldId id="288" r:id="rId13"/>
-    <p:sldId id="289" r:id="rId14"/>
-    <p:sldId id="290" r:id="rId15"/>
-    <p:sldId id="291" r:id="rId16"/>
-    <p:sldId id="292" r:id="rId17"/>
-    <p:sldId id="293" r:id="rId18"/>
-    <p:sldId id="294" r:id="rId19"/>
-    <p:sldId id="295" r:id="rId20"/>
-    <p:sldId id="270" r:id="rId21"/>
-    <p:sldId id="267" r:id="rId22"/>
-    <p:sldId id="278" r:id="rId23"/>
-    <p:sldId id="260" r:id="rId24"/>
-    <p:sldId id="264" r:id="rId25"/>
-    <p:sldId id="261" r:id="rId26"/>
-    <p:sldId id="262" r:id="rId27"/>
-    <p:sldId id="263" r:id="rId28"/>
-    <p:sldId id="257" r:id="rId29"/>
-    <p:sldId id="258" r:id="rId30"/>
-    <p:sldId id="259" r:id="rId31"/>
+    <p:sldId id="287" r:id="rId10"/>
+    <p:sldId id="288" r:id="rId11"/>
+    <p:sldId id="289" r:id="rId12"/>
+    <p:sldId id="290" r:id="rId13"/>
+    <p:sldId id="291" r:id="rId14"/>
+    <p:sldId id="292" r:id="rId15"/>
+    <p:sldId id="293" r:id="rId16"/>
+    <p:sldId id="294" r:id="rId17"/>
+    <p:sldId id="295" r:id="rId18"/>
+    <p:sldId id="270" r:id="rId19"/>
+    <p:sldId id="267" r:id="rId20"/>
+    <p:sldId id="278" r:id="rId21"/>
+    <p:sldId id="260" r:id="rId22"/>
+    <p:sldId id="264" r:id="rId23"/>
+    <p:sldId id="261" r:id="rId24"/>
+    <p:sldId id="262" r:id="rId25"/>
+    <p:sldId id="263" r:id="rId26"/>
+    <p:sldId id="257" r:id="rId27"/>
+    <p:sldId id="258" r:id="rId28"/>
+    <p:sldId id="259" r:id="rId29"/>
   </p:sldIdLst>
   <p:sldSz cx="9144000" cy="6858000" type="screen4x3"/>
   <p:notesSz cx="6858000" cy="9144000"/>
@@ -284,7 +282,7 @@
             <a:spLocks noGrp="1" noChangeArrowheads="1"/>
             <a:extLst>
               <a:ext uri="smNativeData">
-                <pr:smNativeData xmlns:mc="http://schemas.openxmlformats.org/markup-compatibility/2006" xmlns:p14="http://schemas.microsoft.com/office/powerpoint/2010/main" xmlns:p15="http://schemas.microsoft.com/office/powerpoint/2012/main" xmlns:pr="smNativeData" xmlns="smNativeData" val="SMDATA_16_OZjwYBMAAAAlAAAAZAAAAA0AAAAAkAAAAEgAAACQAAAASAAAAAAAAAACAAAAAAAAAAEAAABQAAAAAAAAAAAA4D8AAAAAAADgPwAAAAAAAOA/AAAAAAAA4D8AAAAAAADgPwAAAAAAAOA/AAAAAAAA4D8AAAAAAADgPwAAAAAAAOA/AAAAAAAA4D8CAAAAjAAAAAAAAAAAAAAARHLEDP///wgAAAAAAAAAAAAAAAAAAAAAAAAAAAAAAAAAAAAAZAAAAAEAAABAAAAAAAAAAAAAAAAAAAAAAAAAAAAAAAAAAAAAAAAAAAAAAAAAAAAAAAAAAAAAAAAAAAAAAAAAAAAAAAAAAAAAAAAAAAAAAAAAAAAAAAAAAAAAAAAAAAAAFAAAADwAAAAAAAAAAAAAAAAAAAkUAAAAAQAAABQAAAAUAAAAFAAAAAEAAAAAAAAAZAAAAGQAAAAAAAAAZAAAAGQAAAAVAAAAYAAAAAAAAAAAAAAADwAAACADAAAAAAAAAAAAAAEAAACgMgAAVgcAAKr4//8BAAAAf39/AAEAAABkAAAAAAAAABQAAABAHwAAAAAAACYAAAAAAAAAwOD//wAAAAAmAAAAZAAAABYAAABMAAAAAAAAAAAAAAAEAAAAAAAAAAEAAADn5uYKAAAAACgAAAAoAAAAZAAAAGQAAAAAAAAAzMzMAAAAAABQAAAAUAAAAGQAAABkAAAAAAAAABcAAAAUAAAAAAAAAAAAAAD/fwAA/38AAAAAAAAJAAAABAAAAAAAAAAeAAAAaAAAAAAAAAAAAAAAAAAAAAAAAAAAAAAAECcAABAnAAAAAAAAAAAAAAAAAAAAAAAAAAAAAAAAAAAAAAAAAAAAABQAAAAAAAAAwMD/AAAAAABkAAAAMgAAAAAAAABkAAAAAAAAAH9/fwAKAAAAIgAAABgAAAAAAAAAAAAAAAAAAAAAAAAAAAAAAAAAAAAkAAAAJAAAAAAAAAAHAAAAAAAAAAAAAAAAAAAAAAAAAAAAAAAAAAAAf39/ACUAAABYAAAAAAAAAAAAAAAAAAAAAAAAAAAAAAAAAAAAAAAAAAAAAAAAAAAAAAAAAAAAAAA/AAAAAAAAAKCGAQAAAAAAAAAAAAAAAAAMAAAAAQAAAAAAAAAAAAAAAAAAAB8AAABUAAAAAAAABQAAAAEAAAAAAAAAAAAAAAAAAAAAAAAAAAAAAAAAAAAAAAAAAAAAAAJ/f38AAAAAA8zMzADAwP8Af39/AAAAAAAAAAAAAAAAAAAAAAAAAAAAIQAAABgAAAAUAAAAOAQAAOgGAAAINAAAmBUAABAAAAAmAAAACAAAAIGAAAAAAAAAMAAAABQAAAAAAAAAAAD//wAAAQAAAP//AAABAA=="/>
+                <pr:smNativeData xmlns="smNativeData" xmlns:pr="smNativeData" xmlns:p15="http://schemas.microsoft.com/office/powerpoint/2012/main" xmlns:p14="http://schemas.microsoft.com/office/powerpoint/2010/main" xmlns:mc="http://schemas.openxmlformats.org/markup-compatibility/2006" val="SMDATA_16_OZjwYBMAAAAlAAAAZAAAAA0AAAAAkAAAAEgAAACQAAAASAAAAAAAAAACAAAAAAAAAAEAAABQAAAAAAAAAAAA4D8AAAAAAADgPwAAAAAAAOA/AAAAAAAA4D8AAAAAAADgPwAAAAAAAOA/AAAAAAAA4D8AAAAAAADgPwAAAAAAAOA/AAAAAAAA4D8CAAAAjAAAAAAAAAAAAAAARHLEDP///wgAAAAAAAAAAAAAAAAAAAAAAAAAAAAAAAAAAAAAZAAAAAEAAABAAAAAAAAAAAAAAAAAAAAAAAAAAAAAAAAAAAAAAAAAAAAAAAAAAAAAAAAAAAAAAAAAAAAAAAAAAAAAAAAAAAAAAAAAAAAAAAAAAAAAAAAAAAAAAAAAAAAAFAAAADwAAAAAAAAAAAAAAAAAAAkUAAAAAQAAABQAAAAUAAAAFAAAAAEAAAAAAAAAZAAAAGQAAAAAAAAAZAAAAGQAAAAVAAAAYAAAAAAAAAAAAAAADwAAACADAAAAAAAAAAAAAAEAAACgMgAAVgcAAKr4//8BAAAAf39/AAEAAABkAAAAAAAAABQAAABAHwAAAAAAACYAAAAAAAAAwOD//wAAAAAmAAAAZAAAABYAAABMAAAAAAAAAAAAAAAEAAAAAAAAAAEAAADn5uYKAAAAACgAAAAoAAAAZAAAAGQAAAAAAAAAzMzMAAAAAABQAAAAUAAAAGQAAABkAAAAAAAAABcAAAAUAAAAAAAAAAAAAAD/fwAA/38AAAAAAAAJAAAABAAAAAAAAAAeAAAAaAAAAAAAAAAAAAAAAAAAAAAAAAAAAAAAECcAABAnAAAAAAAAAAAAAAAAAAAAAAAAAAAAAAAAAAAAAAAAAAAAABQAAAAAAAAAwMD/AAAAAABkAAAAMgAAAAAAAABkAAAAAAAAAH9/fwAKAAAAIgAAABgAAAAAAAAAAAAAAAAAAAAAAAAAAAAAAAAAAAAkAAAAJAAAAAAAAAAHAAAAAAAAAAAAAAAAAAAAAAAAAAAAAAAAAAAAf39/ACUAAABYAAAAAAAAAAAAAAAAAAAAAAAAAAAAAAAAAAAAAAAAAAAAAAAAAAAAAAAAAAAAAAA/AAAAAAAAAKCGAQAAAAAAAAAAAAAAAAAMAAAAAQAAAAAAAAAAAAAAAAAAAB8AAABUAAAAAAAABQAAAAEAAAAAAAAAAAAAAAAAAAAAAAAAAAAAAAAAAAAAAAAAAAAAAAJ/f38AAAAAA8zMzADAwP8Af39/AAAAAAAAAAAAAAAAAAAAAAAAAAAAIQAAABgAAAAUAAAAOAQAAOgGAAAINAAAmBUAABAAAAAmAAAACAAAAIGAAAAAAAAAMAAAABQAAAAAAAAAAAD//wAAAQAAAP//AAABAA=="/>
               </a:ext>
             </a:extLst>
           </p:cNvSpPr>
@@ -350,7 +348,7 @@
             <a:spLocks noGrp="1" noChangeArrowheads="1"/>
             <a:extLst>
               <a:ext uri="smNativeData">
-                <pr:smNativeData xmlns:mc="http://schemas.openxmlformats.org/markup-compatibility/2006" xmlns:p14="http://schemas.microsoft.com/office/powerpoint/2010/main" xmlns:p15="http://schemas.microsoft.com/office/powerpoint/2012/main" xmlns:pr="smNativeData" xmlns="smNativeData" val="SMDATA_16_OZjwYBMAAAAlAAAAZAAAAA0AAAAAkAAAAEgAAACQAAAASAAAAAAAAAAAAAAAAAAAAAEAAABQAAAAAAAAAAAA4D8AAAAAAADgPwAAAAAAAOA/AAAAAAAA4D8AAAAAAADgPwAAAAAAAOA/AAAAAAAA4D8AAAAAAADgPwAAAAAAAOA/AAAAAAAA4D8CAAAAjAAAAAAAAAAAAAAARHLEDP///wgAAAAAAAAAAAAAAAAAAAAAAAAAAAAAAAAAAAAAZAAAAAEAAABAAAAAAAAAAAAAAAAAAAAAAAAAAAAAAAAAAAAAAAAAAAAAAAAAAAAAAAAAAAAAAAAAAAAAAAAAAAAAAAAAAAAAAAAAAAAAAAAAAAAAAAAAAAAAAAAAAAAAFAAAADwAAAAAAAAAAAAAAAAAAAkUAAAAAQAAABQAAAAUAAAAFAAAAAEAAAAAAAAAZAAAAGQAAAAAAAAAZAAAAGQAAAAVAAAAYAAAAAAAAAAAAAAADwAAACADAAAAAAAAAAAAAAEAAACgMgAAVgcAAKr4//8BAAAAf39/AAEAAABkAAAAAAAAABQAAABAHwAAAAAAACYAAAAAAAAAwOD//wAAAAAmAAAAZAAAABYAAABMAAAAAAAAAAAAAAAEAAAAAAAAAAEAAADn5uYKAAAAACgAAAAoAAAAZAAAAGQAAAAAAAAAzMzMAAAAAABQAAAAUAAAAGQAAABkAAAAAAAAABcAAAAUAAAAAAAAAAAAAAD/fwAA/38AAAAAAAAJAAAABAAAAAAAAAAeAAAAaAAAAAAAAAAAAAAAAAAAAAAAAAAAAAAAECcAABAnAAAAAAAAAAAAAAAAAAAAAAAAAAAAAAAAAAAAAAAAAAAAABQAAAAAAAAAwMD/AAAAAABkAAAAMgAAAAAAAABkAAAAAAAAAH9/fwAKAAAAIgAAABgAAAAAAAAAAAAAAAAAAAAAAAAAAAAAAAAAAAAkAAAAJAAAAAAAAAAHAAAAAAAAAAAAAAAAAAAAAAAAAAAAAAAAAAAAf39/ACUAAABYAAAAAAAAAAAAAAAAAAAAAAAAAAAAAAAAAAAAAAAAAAAAAAAAAAAAAAAAAAAAAAA/AAAAAAAAAKCGAQAAAAAAAAAAAAAAAAAMAAAAAQAAAAAAAAAAAAAAAAAAAB8AAABUAAAAAAAABQAAAAEAAAAAAAAAAAAAAAAAAAAAAAAAAAAAAAAAAAAAAAAAAAAAAAJ/f38AAAAAA8zMzADAwP8Af39/AAAAAAAAAAAAAAAAAAAAAAAAAAAAIQAAABgAAAAUAAAACAcAACkWAAA4MQAAWCAAABAAAAAmAAAACAAAAAGAAAAAAAAAMAAAABQAAAAAAAAAAAD//wAAAQAAAP//AAABAA=="/>
+                <pr:smNativeData xmlns="smNativeData" xmlns:pr="smNativeData" xmlns:p15="http://schemas.microsoft.com/office/powerpoint/2012/main" xmlns:p14="http://schemas.microsoft.com/office/powerpoint/2010/main" xmlns:mc="http://schemas.openxmlformats.org/markup-compatibility/2006" val="SMDATA_16_OZjwYBMAAAAlAAAAZAAAAA0AAAAAkAAAAEgAAACQAAAASAAAAAAAAAAAAAAAAAAAAAEAAABQAAAAAAAAAAAA4D8AAAAAAADgPwAAAAAAAOA/AAAAAAAA4D8AAAAAAADgPwAAAAAAAOA/AAAAAAAA4D8AAAAAAADgPwAAAAAAAOA/AAAAAAAA4D8CAAAAjAAAAAAAAAAAAAAARHLEDP///wgAAAAAAAAAAAAAAAAAAAAAAAAAAAAAAAAAAAAAZAAAAAEAAABAAAAAAAAAAAAAAAAAAAAAAAAAAAAAAAAAAAAAAAAAAAAAAAAAAAAAAAAAAAAAAAAAAAAAAAAAAAAAAAAAAAAAAAAAAAAAAAAAAAAAAAAAAAAAAAAAAAAAFAAAADwAAAAAAAAAAAAAAAAAAAkUAAAAAQAAABQAAAAUAAAAFAAAAAEAAAAAAAAAZAAAAGQAAAAAAAAAZAAAAGQAAAAVAAAAYAAAAAAAAAAAAAAADwAAACADAAAAAAAAAAAAAAEAAACgMgAAVgcAAKr4//8BAAAAf39/AAEAAABkAAAAAAAAABQAAABAHwAAAAAAACYAAAAAAAAAwOD//wAAAAAmAAAAZAAAABYAAABMAAAAAAAAAAAAAAAEAAAAAAAAAAEAAADn5uYKAAAAACgAAAAoAAAAZAAAAGQAAAAAAAAAzMzMAAAAAABQAAAAUAAAAGQAAABkAAAAAAAAABcAAAAUAAAAAAAAAAAAAAD/fwAA/38AAAAAAAAJAAAABAAAAAAAAAAeAAAAaAAAAAAAAAAAAAAAAAAAAAAAAAAAAAAAECcAABAnAAAAAAAAAAAAAAAAAAAAAAAAAAAAAAAAAAAAAAAAAAAAABQAAAAAAAAAwMD/AAAAAABkAAAAMgAAAAAAAABkAAAAAAAAAH9/fwAKAAAAIgAAABgAAAAAAAAAAAAAAAAAAAAAAAAAAAAAAAAAAAAkAAAAJAAAAAAAAAAHAAAAAAAAAAAAAAAAAAAAAAAAAAAAAAAAAAAAf39/ACUAAABYAAAAAAAAAAAAAAAAAAAAAAAAAAAAAAAAAAAAAAAAAAAAAAAAAAAAAAAAAAAAAAA/AAAAAAAAAKCGAQAAAAAAAAAAAAAAAAAMAAAAAQAAAAAAAAAAAAAAAAAAAB8AAABUAAAAAAAABQAAAAEAAAAAAAAAAAAAAAAAAAAAAAAAAAAAAAAAAAAAAAAAAAAAAAJ/f38AAAAAA8zMzADAwP8Af39/AAAAAAAAAAAAAAAAAAAAAAAAAAAAIQAAABgAAAAUAAAACAcAACkWAAA4MQAAWCAAABAAAAAmAAAACAAAAAGAAAAAAAAAMAAAABQAAAAAAAAAAAD//wAAAQAAAP//AAABAA=="/>
               </a:ext>
             </a:extLst>
           </p:cNvSpPr>
@@ -421,7 +419,7 @@
             <a:spLocks noGrp="1" noChangeArrowheads="1"/>
             <a:extLst>
               <a:ext uri="smNativeData">
-                <pr:smNativeData xmlns:mc="http://schemas.openxmlformats.org/markup-compatibility/2006" xmlns:p14="http://schemas.microsoft.com/office/powerpoint/2010/main" xmlns:p15="http://schemas.microsoft.com/office/powerpoint/2012/main" xmlns:pr="smNativeData" xmlns="smNativeData" val="SMDATA_16_OZjwYBMAAAAlAAAAZAAAAA0AAAAAkAAAAEgAAACQAAAASAAAAAAAAAABAAAAAAAAAAEAAABQAAAAAAAAAAAA4D8AAAAAAADgPwAAAAAAAOA/AAAAAAAA4D8AAAAAAADgPwAAAAAAAOA/AAAAAAAA4D8AAAAAAADgPwAAAAAAAOA/AAAAAAAA4D8CAAAAjAAAAAAAAAAAAAAARHLEDP///wgAAAAAAAAAAAAAAAAAAAAAAAAAAAAAAAAAAAAAZAAAAAEAAABAAAAAAAAAAAAAAAAAAAAAAAAAAAAAAAAAAAAAAAAAAAAAAAAAAAAAAAAAAAAAAAAAAAAAAAAAAAAAAAAAAAAAAAAAAAAAAAAAAAAAAAAAAAAAAAAAAAAAFAAAADwAAAAAAAAAAAAAAAAAAAkUAAAAAQAAABQAAAAUAAAAFAAAAAEAAAAAAAAAZAAAAGQAAAAAAAAAZAAAAGQAAAAVAAAAYAAAAAAAAAAAAAAADwAAACADAAAAAAAAAAAAAAEAAACgMgAAVgcAAKr4//8BAAAAf39/AAEAAABkAAAAAAAAABQAAABAHwAAAAAAACYAAAAAAAAAwOD//wAAAAAmAAAAZAAAABYAAABMAAAAAAAAAAAAAAAEAAAAAAAAAAEAAADn5uYKAAAAACgAAAAoAAAAZAAAAGQAAAAAAAAAzMzMAAAAAABQAAAAUAAAAGQAAABkAAAAAAAAABcAAAAUAAAAAAAAAAAAAAD/fwAA/38AAAAAAAAJAAAABAAAAAAAAAAeAAAAaAAAAAAAAAAAAAAAAAAAAAAAAAAAAAAAECcAABAnAAAAAAAAAAAAAAAAAAAAAAAAAAAAAAAAAAAAAAAAAAAAABQAAAAAAAAAwMD/AAAAAABkAAAAMgAAAAAAAABkAAAAAAAAAH9/fwAKAAAAIgAAABgAAAAAAAAAAAAAAAAAAAAAAAAAAAAAAAAAAAAkAAAAJAAAAAAAAAAHAAAAAAAAAAAAAAAAAAAAAAAAAAAAAAAAAAAAf39/ACUAAABYAAAAAAAAAAAAAAAAAAAAAAAAAAAAAAAAAAAAAAAAAAAAAAAAAAAAAAAAAAAAAAA/AAAAAAAAAKCGAQAAAAAAAAAAAAAAAAAMAAAAAQAAAAAAAAAAAAAAAAAAAB8AAABUAAAAAAAABQAAAAEAAAAAAAAAAAAAAAAAAAAAAAAAAAAAAAAAAAAAAAAAAAAAAAJ/f38AAAAAA8zMzADAwP8Af39/AAAAAAAAAAAAAAAAAAAAAAAAAAAAIQAAABgAAAAUAAAA3gMAABonAACGEAAAWSkAABAAAAAmAAAACAAAAAAAAAAAAAAAMAAAABQAAAAAAAAAAAD//wAAAQAAAP//AAABAA=="/>
+                <pr:smNativeData xmlns="smNativeData" xmlns:pr="smNativeData" xmlns:p15="http://schemas.microsoft.com/office/powerpoint/2012/main" xmlns:p14="http://schemas.microsoft.com/office/powerpoint/2010/main" xmlns:mc="http://schemas.openxmlformats.org/markup-compatibility/2006" val="SMDATA_16_OZjwYBMAAAAlAAAAZAAAAA0AAAAAkAAAAEgAAACQAAAASAAAAAAAAAABAAAAAAAAAAEAAABQAAAAAAAAAAAA4D8AAAAAAADgPwAAAAAAAOA/AAAAAAAA4D8AAAAAAADgPwAAAAAAAOA/AAAAAAAA4D8AAAAAAADgPwAAAAAAAOA/AAAAAAAA4D8CAAAAjAAAAAAAAAAAAAAARHLEDP///wgAAAAAAAAAAAAAAAAAAAAAAAAAAAAAAAAAAAAAZAAAAAEAAABAAAAAAAAAAAAAAAAAAAAAAAAAAAAAAAAAAAAAAAAAAAAAAAAAAAAAAAAAAAAAAAAAAAAAAAAAAAAAAAAAAAAAAAAAAAAAAAAAAAAAAAAAAAAAAAAAAAAAFAAAADwAAAAAAAAAAAAAAAAAAAkUAAAAAQAAABQAAAAUAAAAFAAAAAEAAAAAAAAAZAAAAGQAAAAAAAAAZAAAAGQAAAAVAAAAYAAAAAAAAAAAAAAADwAAACADAAAAAAAAAAAAAAEAAACgMgAAVgcAAKr4//8BAAAAf39/AAEAAABkAAAAAAAAABQAAABAHwAAAAAAACYAAAAAAAAAwOD//wAAAAAmAAAAZAAAABYAAABMAAAAAAAAAAAAAAAEAAAAAAAAAAEAAADn5uYKAAAAACgAAAAoAAAAZAAAAGQAAAAAAAAAzMzMAAAAAABQAAAAUAAAAGQAAABkAAAAAAAAABcAAAAUAAAAAAAAAAAAAAD/fwAA/38AAAAAAAAJAAAABAAAAAAAAAAeAAAAaAAAAAAAAAAAAAAAAAAAAAAAAAAAAAAAECcAABAnAAAAAAAAAAAAAAAAAAAAAAAAAAAAAAAAAAAAAAAAAAAAABQAAAAAAAAAwMD/AAAAAABkAAAAMgAAAAAAAABkAAAAAAAAAH9/fwAKAAAAIgAAABgAAAAAAAAAAAAAAAAAAAAAAAAAAAAAAAAAAAAkAAAAJAAAAAAAAAAHAAAAAAAAAAAAAAAAAAAAAAAAAAAAAAAAAAAAf39/ACUAAABYAAAAAAAAAAAAAAAAAAAAAAAAAAAAAAAAAAAAAAAAAAAAAAAAAAAAAAAAAAAAAAA/AAAAAAAAAKCGAQAAAAAAAAAAAAAAAAAMAAAAAQAAAAAAAAAAAAAAAAAAAB8AAABUAAAAAAAABQAAAAEAAAAAAAAAAAAAAAAAAAAAAAAAAAAAAAAAAAAAAAAAAAAAAAJ/f38AAAAAA8zMzADAwP8Af39/AAAAAAAAAAAAAAAAAAAAAAAAAAAAIQAAABgAAAAUAAAA3gMAABonAACGEAAAWSkAABAAAAAmAAAACAAAAAAAAAAAAAAAMAAAABQAAAAAAAAAAAD//wAAAQAAAP//AAABAA=="/>
               </a:ext>
             </a:extLst>
           </p:cNvSpPr>
@@ -451,7 +449,7 @@
             <a:spLocks noGrp="1" noChangeArrowheads="1"/>
             <a:extLst>
               <a:ext uri="smNativeData">
-                <pr:smNativeData xmlns:mc="http://schemas.openxmlformats.org/markup-compatibility/2006" xmlns:p14="http://schemas.microsoft.com/office/powerpoint/2010/main" xmlns:p15="http://schemas.microsoft.com/office/powerpoint/2012/main" xmlns:pr="smNativeData" xmlns="smNativeData" val="SMDATA_16_OZjwYBMAAAAlAAAAZAAAAA0AAAAAkAAAAEgAAACQAAAASAAAAAAAAAABAAAAAAAAAAEAAABQAAAAAAAAAAAA4D8AAAAAAADgPwAAAAAAAOA/AAAAAAAA4D8AAAAAAADgPwAAAAAAAOA/AAAAAAAA4D8AAAAAAADgPwAAAAAAAOA/AAAAAAAA4D8CAAAAjAAAAAAAAAAAAAAARHLEDP///wgAAAAAAAAAAAAAAAAAAAAAAAAAAAAAAAAAAAAAZAAAAAEAAABAAAAAAAAAAAAAAAAAAAAAAAAAAAAAAAAAAAAAAAAAAAAAAAAAAAAAAAAAAAAAAAAAAAAAAAAAAAAAAAAAAAAAAAAAAAAAAAAAAAAAAAAAAAAAAAAAAAAAFAAAADwAAAAAAAAAAAAAAAAAAAkUAAAAAQAAABQAAAAUAAAAFAAAAAEAAAAAAAAAZAAAAGQAAAAAAAAAZAAAAGQAAAAVAAAAYAAAAAAAAAAAAAAADwAAACADAAAAAAAAAAAAAAEAAACgMgAAVgcAAKr4//8BAAAAf39/AAEAAABkAAAAAAAAABQAAABAHwAAAAAAACYAAAAAAAAAwOD//wAAAAAmAAAAZAAAABYAAABMAAAAAAAAAAAAAAAEAAAAAAAAAAEAAADn5uYKAAAAACgAAAAoAAAAZAAAAGQAAAAAAAAAzMzMAAAAAABQAAAAUAAAAGQAAABkAAAAAAAAABcAAAAUAAAAAAAAAAAAAAD/fwAA/38AAAAAAAAJAAAABAAAAAAAAAAeAAAAaAAAAAAAAAAAAAAAAAAAAAAAAAAAAAAAECcAABAnAAAAAAAAAAAAAAAAAAAAAAAAAAAAAAAAAAAAAAAAAAAAABQAAAAAAAAAwMD/AAAAAABkAAAAMgAAAAAAAABkAAAAAAAAAH9/fwAKAAAAIgAAABgAAAAAAAAAAAAAAAAAAAAAAAAAAAAAAAAAAAAkAAAAJAAAAAAAAAAHAAAAAAAAAAAAAAAAAAAAAAAAAAAAAAAAAAAAf39/ACUAAABYAAAAAAAAAAAAAAAAAAAAAAAAAAAAAAAAAAAAAAAAAAAAAAAAAAAAAAAAAAAAAAA/AAAAAAAAAKCGAQAAAAAAAAAAAAAAAAAMAAAAAQAAAAAAAAAAAAAAAAAAAB8AAABUAAAAAAAABQAAAAEAAAAAAAAAAAAAAAAAAAAAAAAAAAAAAAAAAAAAAAAAAAAAAAJ/f38AAAAAA8zMzADAwP8Af39/AAAAAAAAAAAAAAAAAAAAAAAAAAAAIQAAABgAAAAUAAAAohIAABonAACeJQAAWSkAABAAAAAmAAAACAAAAAAAAAAAAAAAMAAAABQAAAAAAAAAAAD//wAAAQAAAP//AAABAA=="/>
+                <pr:smNativeData xmlns="smNativeData" xmlns:pr="smNativeData" xmlns:p15="http://schemas.microsoft.com/office/powerpoint/2012/main" xmlns:p14="http://schemas.microsoft.com/office/powerpoint/2010/main" xmlns:mc="http://schemas.openxmlformats.org/markup-compatibility/2006" val="SMDATA_16_OZjwYBMAAAAlAAAAZAAAAA0AAAAAkAAAAEgAAACQAAAASAAAAAAAAAABAAAAAAAAAAEAAABQAAAAAAAAAAAA4D8AAAAAAADgPwAAAAAAAOA/AAAAAAAA4D8AAAAAAADgPwAAAAAAAOA/AAAAAAAA4D8AAAAAAADgPwAAAAAAAOA/AAAAAAAA4D8CAAAAjAAAAAAAAAAAAAAARHLEDP///wgAAAAAAAAAAAAAAAAAAAAAAAAAAAAAAAAAAAAAZAAAAAEAAABAAAAAAAAAAAAAAAAAAAAAAAAAAAAAAAAAAAAAAAAAAAAAAAAAAAAAAAAAAAAAAAAAAAAAAAAAAAAAAAAAAAAAAAAAAAAAAAAAAAAAAAAAAAAAAAAAAAAAFAAAADwAAAAAAAAAAAAAAAAAAAkUAAAAAQAAABQAAAAUAAAAFAAAAAEAAAAAAAAAZAAAAGQAAAAAAAAAZAAAAGQAAAAVAAAAYAAAAAAAAAAAAAAADwAAACADAAAAAAAAAAAAAAEAAACgMgAAVgcAAKr4//8BAAAAf39/AAEAAABkAAAAAAAAABQAAABAHwAAAAAAACYAAAAAAAAAwOD//wAAAAAmAAAAZAAAABYAAABMAAAAAAAAAAAAAAAEAAAAAAAAAAEAAADn5uYKAAAAACgAAAAoAAAAZAAAAGQAAAAAAAAAzMzMAAAAAABQAAAAUAAAAGQAAABkAAAAAAAAABcAAAAUAAAAAAAAAAAAAAD/fwAA/38AAAAAAAAJAAAABAAAAAAAAAAeAAAAaAAAAAAAAAAAAAAAAAAAAAAAAAAAAAAAECcAABAnAAAAAAAAAAAAAAAAAAAAAAAAAAAAAAAAAAAAAAAAAAAAABQAAAAAAAAAwMD/AAAAAABkAAAAMgAAAAAAAABkAAAAAAAAAH9/fwAKAAAAIgAAABgAAAAAAAAAAAAAAAAAAAAAAAAAAAAAAAAAAAAkAAAAJAAAAAAAAAAHAAAAAAAAAAAAAAAAAAAAAAAAAAAAAAAAAAAAf39/ACUAAABYAAAAAAAAAAAAAAAAAAAAAAAAAAAAAAAAAAAAAAAAAAAAAAAAAAAAAAAAAAAAAAA/AAAAAAAAAKCGAQAAAAAAAAAAAAAAAAAMAAAAAQAAAAAAAAAAAAAAAAAAAB8AAABUAAAAAAAABQAAAAEAAAAAAAAAAAAAAAAAAAAAAAAAAAAAAAAAAAAAAAAAAAAAAAJ/f38AAAAAA8zMzADAwP8Af39/AAAAAAAAAAAAAAAAAAAAAAAAAAAAIQAAABgAAAAUAAAAohIAABonAACeJQAAWSkAABAAAAAmAAAACAAAAAAAAAAAAAAAMAAAABQAAAAAAAAAAAD//wAAAQAAAP//AAABAA=="/>
               </a:ext>
             </a:extLst>
           </p:cNvSpPr>
@@ -478,7 +476,7 @@
             <a:spLocks noGrp="1" noChangeArrowheads="1"/>
             <a:extLst>
               <a:ext uri="smNativeData">
-                <pr:smNativeData xmlns:mc="http://schemas.openxmlformats.org/markup-compatibility/2006" xmlns:p14="http://schemas.microsoft.com/office/powerpoint/2010/main" xmlns:p15="http://schemas.microsoft.com/office/powerpoint/2012/main" xmlns:pr="smNativeData" xmlns="smNativeData" val="SMDATA_16_OZjwYBMAAAAlAAAAZAAAAA0AAAAAkAAAAEgAAACQAAAASAAAAAAAAAABAAAAAAAAAAEAAABQAAAAAAAAAAAA4D8AAAAAAADgPwAAAAAAAOA/AAAAAAAA4D8AAAAAAADgPwAAAAAAAOA/AAAAAAAA4D8AAAAAAADgPwAAAAAAAOA/AAAAAAAA4D8CAAAAjAAAAAAAAAAAAAAARHLEDP///wgAAAAAAAAAAAAAAAAAAAAAAAAAAAAAAAAAAAAAZAAAAAEAAABAAAAAAAAAAAAAAAAAAAAAAAAAAAAAAAAAAAAAAAAAAAAAAAAAAAAAAAAAAAAAAAAAAAAAAAAAAAAAAAAAAAAAAAAAAAAAAAAAAAAAAAAAAAAAAAAAAAAAFAAAADwAAAAAAAAAAAAAAAAAAAkUAAAAAQAAABQAAAAUAAAAFAAAAAEAAAAAAAAAZAAAAGQAAAAAAAAAZAAAAGQAAAAVAAAAYAAAAAAAAAAAAAAADwAAACADAAAAAAAAAAAAAAEAAACgMgAAVgcAAKr4//8BAAAAf39/AAEAAABkAAAAAAAAABQAAABAHwAAAAAAACYAAAAAAAAAwOD//wAAAAAmAAAAZAAAABYAAABMAAAAAAAAAAAAAAAEAAAAAAAAAAEAAADn5uYKAAAAACgAAAAoAAAAZAAAAGQAAAAAAAAAzMzMAAAAAABQAAAAUAAAAGQAAABkAAAAAAAAABcAAAAUAAAAAAAAAAAAAAD/fwAA/38AAAAAAAAJAAAABAAAAAAAAAAeAAAAaAAAAAAAAAAAAAAAAAAAAAAAAAAAAAAAECcAABAnAAAAAAAAAAAAAAAAAAAAAAAAAAAAAAAAAAAAAAAAAAAAABQAAAAAAAAAwMD/AAAAAABkAAAAMgAAAAAAAABkAAAAAAAAAH9/fwAKAAAAIgAAABgAAAAAAAAAAAAAAAAAAAAAAAAAAAAAAAAAAAAkAAAAJAAAAAAAAAAHAAAAAAAAAAAAAAAAAAAAAAAAAAAAAAAAAAAAf39/ACUAAABYAAAAAAAAAAAAAAAAAAAAAAAAAAAAAAAAAAAAAAAAAAAAAAAAAAAAAAAAAAAAAAA/AAAAAAAAAKCGAQAAAAAAAAAAAAAAAAAMAAAAAQAAAAAAAAAAAAAAAAAAAB8AAABUAAAAAAAABQAAAAEAAAAAAAAAAAAAAAAAAAAAAAAAAAAAAAAAAAAAAAAAAAAAAAJ/f38AAAAAA8zMzADAwP8Af39/AAAAAAAAAAAAAAAAAAAAAAAAAAAAIQAAABgAAAAUAAAAuicAABonAABiNAAAWSkAABAAAAAmAAAACAAAAAAAAAAAAAAAMAAAABQAAAAAAAAAAAD//wAAAQAAAP//AAABAA=="/>
+                <pr:smNativeData xmlns="smNativeData" xmlns:pr="smNativeData" xmlns:p15="http://schemas.microsoft.com/office/powerpoint/2012/main" xmlns:p14="http://schemas.microsoft.com/office/powerpoint/2010/main" xmlns:mc="http://schemas.openxmlformats.org/markup-compatibility/2006" val="SMDATA_16_OZjwYBMAAAAlAAAAZAAAAA0AAAAAkAAAAEgAAACQAAAASAAAAAAAAAABAAAAAAAAAAEAAABQAAAAAAAAAAAA4D8AAAAAAADgPwAAAAAAAOA/AAAAAAAA4D8AAAAAAADgPwAAAAAAAOA/AAAAAAAA4D8AAAAAAADgPwAAAAAAAOA/AAAAAAAA4D8CAAAAjAAAAAAAAAAAAAAARHLEDP///wgAAAAAAAAAAAAAAAAAAAAAAAAAAAAAAAAAAAAAZAAAAAEAAABAAAAAAAAAAAAAAAAAAAAAAAAAAAAAAAAAAAAAAAAAAAAAAAAAAAAAAAAAAAAAAAAAAAAAAAAAAAAAAAAAAAAAAAAAAAAAAAAAAAAAAAAAAAAAAAAAAAAAFAAAADwAAAAAAAAAAAAAAAAAAAkUAAAAAQAAABQAAAAUAAAAFAAAAAEAAAAAAAAAZAAAAGQAAAAAAAAAZAAAAGQAAAAVAAAAYAAAAAAAAAAAAAAADwAAACADAAAAAAAAAAAAAAEAAACgMgAAVgcAAKr4//8BAAAAf39/AAEAAABkAAAAAAAAABQAAABAHwAAAAAAACYAAAAAAAAAwOD//wAAAAAmAAAAZAAAABYAAABMAAAAAAAAAAAAAAAEAAAAAAAAAAEAAADn5uYKAAAAACgAAAAoAAAAZAAAAGQAAAAAAAAAzMzMAAAAAABQAAAAUAAAAGQAAABkAAAAAAAAABcAAAAUAAAAAAAAAAAAAAD/fwAA/38AAAAAAAAJAAAABAAAAAAAAAAeAAAAaAAAAAAAAAAAAAAAAAAAAAAAAAAAAAAAECcAABAnAAAAAAAAAAAAAAAAAAAAAAAAAAAAAAAAAAAAAAAAAAAAABQAAAAAAAAAwMD/AAAAAABkAAAAMgAAAAAAAABkAAAAAAAAAH9/fwAKAAAAIgAAABgAAAAAAAAAAAAAAAAAAAAAAAAAAAAAAAAAAAAkAAAAJAAAAAAAAAAHAAAAAAAAAAAAAAAAAAAAAAAAAAAAAAAAAAAAf39/ACUAAABYAAAAAAAAAAAAAAAAAAAAAAAAAAAAAAAAAAAAAAAAAAAAAAAAAAAAAAAAAAAAAAA/AAAAAAAAAKCGAQAAAAAAAAAAAAAAAAAMAAAAAQAAAAAAAAAAAAAAAAAAAB8AAABUAAAAAAAABQAAAAEAAAAAAAAAAAAAAAAAAAAAAAAAAAAAAAAAAAAAAAAAAAAAAAJ/f38AAAAAA8zMzADAwP8Af39/AAAAAAAAAAAAAAAAAAAAAAAAAAAAIQAAABgAAAAUAAAAuicAABonAABiNAAAWSkAABAAAAAmAAAACAAAAAAAAAAAAAAAMAAAABQAAAAAAAAAAAD//wAAAQAAAP//AAABAA=="/>
               </a:ext>
             </a:extLst>
           </p:cNvSpPr>
@@ -534,7 +532,7 @@
             <a:spLocks noGrp="1" noChangeArrowheads="1"/>
             <a:extLst>
               <a:ext uri="smNativeData">
-                <pr:smNativeData xmlns:mc="http://schemas.openxmlformats.org/markup-compatibility/2006" xmlns:p14="http://schemas.microsoft.com/office/powerpoint/2010/main" xmlns:p15="http://schemas.microsoft.com/office/powerpoint/2012/main" xmlns:pr="smNativeData" xmlns="smNativeData" val="SMDATA_16_OZjwYBMAAAAlAAAAZAAAAA0AAAAAkAAAAEgAAACQAAAASAAAAAAAAAABAAAAAAAAAAEAAABQAAAAAAAAAAAA4D8AAAAAAADgPwAAAAAAAOA/AAAAAAAA4D8AAAAAAADgPwAAAAAAAOA/AAAAAAAA4D8AAAAAAADgPwAAAAAAAOA/AAAAAAAA4D8CAAAAjAAAAAAAAAAAAAAARHLEDP///wgAAAAAAAAAAAAAAAAAAAAAAAAAAAAAAAAAAAAAZAAAAAEAAABAAAAAAAAAAAAAAAAAAAAAAAAAAAAAAAAAAAAAAAAAAAAAAAAAAAAAAAAAAAAAAAAAAAAAAAAAAAAAAAAAAAAAAAAAAAAAAAAAAAAAAAAAAAAAAAAAAAAAFAAAADwAAAAAAAAAAAAAAAAAAAkUAAAAAQAAABQAAAAUAAAAFAAAAAEAAAAAAAAAZAAAAGQAAAAAAAAAZAAAAGQAAAAVAAAAYAAAAAAAAAAAAAAADwAAACADAAAAAAAAAAAAAAEAAACgMgAAVgcAAKr4//8BAAAAf39/AAEAAABkAAAAAAAAABQAAABAHwAAAAAAACYAAAAAAAAAwOD//wAAAAAmAAAAZAAAABYAAABMAAAAAAAAAAAAAAAEAAAAAAAAAAEAAADn5uYKAAAAACgAAAAoAAAAZAAAAGQAAAAAAAAAzMzMAAAAAABQAAAAUAAAAGQAAABkAAAAAAAAABcAAAAUAAAAAAAAAAAAAAD/fwAA/38AAAAAAAAJAAAABAAAAAAAAAAeAAAAaAAAAAAAAAAAAAAAAAAAAAAAAAAAAAAAECcAABAnAAAAAAAAAAAAAAAAAAAAAAAAAAAAAAAAAAAAAAAAAAAAABQAAAAAAAAAwMD/AAAAAABkAAAAMgAAAAAAAABkAAAAAAAAAH9/fwAKAAAAIgAAABgAAAAAAAAAAAAAAAAAAAAAAAAAAAAAAAAAAAAkAAAAJAAAAAAAAAAHAAAAAAAAAAAAAAAAAAAAAAAAAAAAAAAAAAAAf39/ACUAAABYAAAAAAAAAAAAAAAAAAAAAAAAAAAAAAAAAAAAAAAAAAAAAAAAAAAAAAAAAAAAAAA/AAAAAAAAAKCGAQAAAAAAAAAAAAAAAAAMAAAAAQAAAAAAAAAAAAAAAAAAAB8AAABUAAAAAAAABQAAAAEAAAAAAAAAAAAAAAAAAAAAAAAAAAAAAAAAAAAAAAAAAAAAAAJ/f38AAAAAA8zMzADAwP8Af39/AAAAAAAAAAAAAAAAAAAAAAAAAAAAIQAAABgAAAAUAAAA3gMAAD8CAABiNAAAZwoAABAAAAAmAAAACAAAAAAAAAAAAAAAMAAAABQAAAAAAAAAAAD//wAAAQAAAP//AAABAA=="/>
+                <pr:smNativeData xmlns="smNativeData" xmlns:pr="smNativeData" xmlns:p15="http://schemas.microsoft.com/office/powerpoint/2012/main" xmlns:p14="http://schemas.microsoft.com/office/powerpoint/2010/main" xmlns:mc="http://schemas.openxmlformats.org/markup-compatibility/2006" val="SMDATA_16_OZjwYBMAAAAlAAAAZAAAAA0AAAAAkAAAAEgAAACQAAAASAAAAAAAAAABAAAAAAAAAAEAAABQAAAAAAAAAAAA4D8AAAAAAADgPwAAAAAAAOA/AAAAAAAA4D8AAAAAAADgPwAAAAAAAOA/AAAAAAAA4D8AAAAAAADgPwAAAAAAAOA/AAAAAAAA4D8CAAAAjAAAAAAAAAAAAAAARHLEDP///wgAAAAAAAAAAAAAAAAAAAAAAAAAAAAAAAAAAAAAZAAAAAEAAABAAAAAAAAAAAAAAAAAAAAAAAAAAAAAAAAAAAAAAAAAAAAAAAAAAAAAAAAAAAAAAAAAAAAAAAAAAAAAAAAAAAAAAAAAAAAAAAAAAAAAAAAAAAAAAAAAAAAAFAAAADwAAAAAAAAAAAAAAAAAAAkUAAAAAQAAABQAAAAUAAAAFAAAAAEAAAAAAAAAZAAAAGQAAAAAAAAAZAAAAGQAAAAVAAAAYAAAAAAAAAAAAAAADwAAACADAAAAAAAAAAAAAAEAAACgMgAAVgcAAKr4//8BAAAAf39/AAEAAABkAAAAAAAAABQAAABAHwAAAAAAACYAAAAAAAAAwOD//wAAAAAmAAAAZAAAABYAAABMAAAAAAAAAAAAAAAEAAAAAAAAAAEAAADn5uYKAAAAACgAAAAoAAAAZAAAAGQAAAAAAAAAzMzMAAAAAABQAAAAUAAAAGQAAABkAAAAAAAAABcAAAAUAAAAAAAAAAAAAAD/fwAA/38AAAAAAAAJAAAABAAAAAAAAAAeAAAAaAAAAAAAAAAAAAAAAAAAAAAAAAAAAAAAECcAABAnAAAAAAAAAAAAAAAAAAAAAAAAAAAAAAAAAAAAAAAAAAAAABQAAAAAAAAAwMD/AAAAAABkAAAAMgAAAAAAAABkAAAAAAAAAH9/fwAKAAAAIgAAABgAAAAAAAAAAAAAAAAAAAAAAAAAAAAAAAAAAAAkAAAAJAAAAAAAAAAHAAAAAAAAAAAAAAAAAAAAAAAAAAAAAAAAAAAAf39/ACUAAABYAAAAAAAAAAAAAAAAAAAAAAAAAAAAAAAAAAAAAAAAAAAAAAAAAAAAAAAAAAAAAAA/AAAAAAAAAKCGAQAAAAAAAAAAAAAAAAAMAAAAAQAAAAAAAAAAAAAAAAAAAB8AAABUAAAAAAAABQAAAAEAAAAAAAAAAAAAAAAAAAAAAAAAAAAAAAAAAAAAAAAAAAAAAAJ/f38AAAAAA8zMzADAwP8Af39/AAAAAAAAAAAAAAAAAAAAAAAAAAAAIQAAABgAAAAUAAAA3gMAAD8CAABiNAAAZwoAABAAAAAmAAAACAAAAAAAAAAAAAAAMAAAABQAAAAAAAAAAAD//wAAAQAAAP//AAABAA=="/>
               </a:ext>
             </a:extLst>
           </p:cNvSpPr>
@@ -563,7 +561,7 @@
             <a:spLocks noGrp="1" noChangeArrowheads="1"/>
             <a:extLst>
               <a:ext uri="smNativeData">
-                <pr:smNativeData xmlns:mc="http://schemas.openxmlformats.org/markup-compatibility/2006" xmlns:p14="http://schemas.microsoft.com/office/powerpoint/2010/main" xmlns:p15="http://schemas.microsoft.com/office/powerpoint/2012/main" xmlns:pr="smNativeData" xmlns="smNativeData" val="SMDATA_16_OZjwYBMAAAAlAAAAZAAAAA0AAAAAkAAAAEgAAACQAAAASAAAAAAAAAAAAAAAAQAAAAEAAABQAAAAAAAAAAAA4D8AAAAAAADgPwAAAAAAAOA/AAAAAAAA4D8AAAAAAADgPwAAAAAAAOA/AAAAAAAA4D8AAAAAAADgPwAAAAAAAOA/AAAAAAAA4D8CAAAAjAAAAAAAAAAAAAAARHLEDP///wgAAAAAAAAAAAAAAAAAAAAAAAAAAAAAAAAAAAAAZAAAAAEAAABAAAAAAAAAAAAAAAAAAAAAAAAAAAAAAAAAAAAAAAAAAAAAAAAAAAAAAAAAAAAAAAAAAAAAAAAAAAAAAAAAAAAAAAAAAAAAAAAAAAAAAAAAAAAAAAAAAAAAFAAAADwAAAAAAAAAAAAAAAAAAAkUAAAAAQAAABQAAAAUAAAAFAAAAAEAAAAAAAAAZAAAAGQAAAAAAAAAZAAAAGQAAAAVAAAAYAAAAAAAAAAAAAAADwAAACADAAAAAAAAAAAAAAEAAACgMgAAVgcAAKr4//8BAAAAf39/AAEAAABkAAAAAAAAABQAAABAHwAAAAAAACYAAAAAAAAAwOD//wAAAAAmAAAAZAAAABYAAABMAAAAAAAAAAAAAAAEAAAAAAAAAAEAAADn5uYKAAAAACgAAAAoAAAAZAAAAGQAAAAAAAAAzMzMAAAAAABQAAAAUAAAAGQAAABkAAAAAAAAABcAAAAUAAAAAAAAAAAAAAD/fwAA/38AAAAAAAAJAAAABAAAAAAAAAAeAAAAaAAAAAAAAAAAAAAAAAAAAAAAAAAAAAAAECcAABAnAAAAAAAAAAAAAAAAAAAAAAAAAAAAAAAAAAAAAAAAAAAAABQAAAAAAAAAwMD/AAAAAABkAAAAMgAAAAAAAABkAAAAAAAAAH9/fwAKAAAAIgAAABgAAAAAAAAAAAAAAAAAAAAAAAAAAAAAAAAAAAAkAAAAJAAAAAAAAAAHAAAAAAAAAAAAAAAAAAAAAAAAAAAAAAAAAAAAf39/ACUAAABYAAAAAAAAAAAAAAAAAAAAAAAAAAAAAAAAAAAAAAAAAAAAAAAAAAAAAAAAAAAAAAA/AAAAAAAAAKCGAQAAAAAAAAAAAAAAAAAMAAAAAQAAAAAAAAAAAAAAAAAAAB8AAABUAAAAAAAABQAAAAEAAAAAAAAAAAAAAAAAAAAAAAAAAAAAAAAAAAAAAAAAAAAAAAJ/f38AAAAAA8zMzADAwP8Af39/AAAAAAAAAAAAAAAAAAAAAAAAAAAAIQAAABgAAAAUAAAA3gMAADsLAABiNAAAACYAABAAAAAmAAAACAAAAAIAAAAAAAAAMAAAABQAAAAAAAAAAAD//wAAAQAAAP//AAABAA=="/>
+                <pr:smNativeData xmlns="smNativeData" xmlns:pr="smNativeData" xmlns:p15="http://schemas.microsoft.com/office/powerpoint/2012/main" xmlns:p14="http://schemas.microsoft.com/office/powerpoint/2010/main" xmlns:mc="http://schemas.openxmlformats.org/markup-compatibility/2006" val="SMDATA_16_OZjwYBMAAAAlAAAAZAAAAA0AAAAAkAAAAEgAAACQAAAASAAAAAAAAAAAAAAAAQAAAAEAAABQAAAAAAAAAAAA4D8AAAAAAADgPwAAAAAAAOA/AAAAAAAA4D8AAAAAAADgPwAAAAAAAOA/AAAAAAAA4D8AAAAAAADgPwAAAAAAAOA/AAAAAAAA4D8CAAAAjAAAAAAAAAAAAAAARHLEDP///wgAAAAAAAAAAAAAAAAAAAAAAAAAAAAAAAAAAAAAZAAAAAEAAABAAAAAAAAAAAAAAAAAAAAAAAAAAAAAAAAAAAAAAAAAAAAAAAAAAAAAAAAAAAAAAAAAAAAAAAAAAAAAAAAAAAAAAAAAAAAAAAAAAAAAAAAAAAAAAAAAAAAAFAAAADwAAAAAAAAAAAAAAAAAAAkUAAAAAQAAABQAAAAUAAAAFAAAAAEAAAAAAAAAZAAAAGQAAAAAAAAAZAAAAGQAAAAVAAAAYAAAAAAAAAAAAAAADwAAACADAAAAAAAAAAAAAAEAAACgMgAAVgcAAKr4//8BAAAAf39/AAEAAABkAAAAAAAAABQAAABAHwAAAAAAACYAAAAAAAAAwOD//wAAAAAmAAAAZAAAABYAAABMAAAAAAAAAAAAAAAEAAAAAAAAAAEAAADn5uYKAAAAACgAAAAoAAAAZAAAAGQAAAAAAAAAzMzMAAAAAABQAAAAUAAAAGQAAABkAAAAAAAAABcAAAAUAAAAAAAAAAAAAAD/fwAA/38AAAAAAAAJAAAABAAAAAAAAAAeAAAAaAAAAAAAAAAAAAAAAAAAAAAAAAAAAAAAECcAABAnAAAAAAAAAAAAAAAAAAAAAAAAAAAAAAAAAAAAAAAAAAAAABQAAAAAAAAAwMD/AAAAAABkAAAAMgAAAAAAAABkAAAAAAAAAH9/fwAKAAAAIgAAABgAAAAAAAAAAAAAAAAAAAAAAAAAAAAAAAAAAAAkAAAAJAAAAAAAAAAHAAAAAAAAAAAAAAAAAAAAAAAAAAAAAAAAAAAAf39/ACUAAABYAAAAAAAAAAAAAAAAAAAAAAAAAAAAAAAAAAAAAAAAAAAAAAAAAAAAAAAAAAAAAAA/AAAAAAAAAKCGAQAAAAAAAAAAAAAAAAAMAAAAAQAAAAAAAAAAAAAAAAAAAB8AAABUAAAAAAAABQAAAAEAAAAAAAAAAAAAAAAAAAAAAAAAAAAAAAAAAAAAAAAAAAAAAAJ/f38AAAAAA8zMzADAwP8Af39/AAAAAAAAAAAAAAAAAAAAAAAAAAAAIQAAABgAAAAUAAAA3gMAADsLAABiNAAAACYAABAAAAAmAAAACAAAAAIAAAAAAAAAMAAAABQAAAAAAAAAAAD//wAAAQAAAP//AAABAA=="/>
               </a:ext>
             </a:extLst>
           </p:cNvSpPr>
@@ -628,7 +626,7 @@
             <a:spLocks noGrp="1" noChangeArrowheads="1"/>
             <a:extLst>
               <a:ext uri="smNativeData">
-                <pr:smNativeData xmlns:mc="http://schemas.openxmlformats.org/markup-compatibility/2006" xmlns:p14="http://schemas.microsoft.com/office/powerpoint/2010/main" xmlns:p15="http://schemas.microsoft.com/office/powerpoint/2012/main" xmlns:pr="smNativeData" xmlns="smNativeData" val="SMDATA_16_OZjwYBMAAAAlAAAAZAAAAA0AAAAAkAAAAEgAAACQAAAASAAAAAAAAAABAAAAAAAAAAEAAABQAAAAAAAAAAAA4D8AAAAAAADgPwAAAAAAAOA/AAAAAAAA4D8AAAAAAADgPwAAAAAAAOA/AAAAAAAA4D8AAAAAAADgPwAAAAAAAOA/AAAAAAAA4D8CAAAAjAAAAAAAAAAAAAAARHLEDP///wgAAAAAAAAAAAAAAAAAAAAAAAAAAAAAAAAAAAAAZAAAAAEAAABAAAAAAAAAAAAAAAAAAAAAAAAAAAAAAAAAAAAAAAAAAAAAAAAAAAAAAAAAAAAAAAAAAAAAAAAAAAAAAAAAAAAAAAAAAAAAAAAAAAAAAAAAAAAAAAAAAAAAFAAAADwAAAAAAAAAAAAAAAAAAAkUAAAAAQAAABQAAAAUAAAAFAAAAAEAAAAAAAAAZAAAAGQAAAAAAAAAZAAAAGQAAAAVAAAAYAAAAAAAAAAAAAAADwAAACADAAAAAAAAAAAAAAEAAACgMgAAVgcAAKr4//8BAAAAf39/AAEAAABkAAAAAAAAABQAAABAHwAAAAAAACYAAAAAAAAAwOD//wAAAAAmAAAAZAAAABYAAABMAAAAAAAAAAAAAAAEAAAAAAAAAAEAAADn5uYKAAAAACgAAAAoAAAAZAAAAGQAAAAAAAAAzMzMAAAAAABQAAAAUAAAAGQAAABkAAAAAAAAABcAAAAUAAAAAAAAAAAAAAD/fwAA/38AAAAAAAAJAAAABAAAAAAAAAAeAAAAaAAAAAAAAAAAAAAAAAAAAAAAAAAAAAAAECcAABAnAAAAAAAAAAAAAAAAAAAAAAAAAAAAAAAAAAAAAAAAAAAAABQAAAAAAAAAwMD/AAAAAABkAAAAMgAAAAAAAABkAAAAAAAAAH9/fwAKAAAAIgAAABgAAAAAAAAAAAAAAAAAAAAAAAAAAAAAAAAAAAAkAAAAJAAAAAAAAAAHAAAAAAAAAAAAAAAAAAAAAAAAAAAAAAAAAAAAf39/ACUAAABYAAAAAAAAAAAAAAAAAAAAAAAAAAAAAAAAAAAAAAAAAAAAAAAAAAAAAAAAAAAAAAA/AAAAAAAAAKCGAQAAAAAAAAAAAAAAAAAMAAAAAQAAAAAAAAAAAAAAAAAAAB8AAABUAAAAAAAABQAAAAEAAAAAAAAAAAAAAAAAAAAAAAAAAAAAAAAAAAAAAAAAAAAAAAJ/f38AAAAAA8zMzADAwP8Af39/AAAAAAAAAAAAAAAAAAAAAAAAAAAAIQAAABgAAAAUAAAA3gMAABonAACGEAAAWSkAABAAAAAmAAAACAAAAAAAAAAAAAAAMAAAABQAAAAAAAAAAAD//wAAAQAAAP//AAABAA=="/>
+                <pr:smNativeData xmlns="smNativeData" xmlns:pr="smNativeData" xmlns:p15="http://schemas.microsoft.com/office/powerpoint/2012/main" xmlns:p14="http://schemas.microsoft.com/office/powerpoint/2010/main" xmlns:mc="http://schemas.openxmlformats.org/markup-compatibility/2006" val="SMDATA_16_OZjwYBMAAAAlAAAAZAAAAA0AAAAAkAAAAEgAAACQAAAASAAAAAAAAAABAAAAAAAAAAEAAABQAAAAAAAAAAAA4D8AAAAAAADgPwAAAAAAAOA/AAAAAAAA4D8AAAAAAADgPwAAAAAAAOA/AAAAAAAA4D8AAAAAAADgPwAAAAAAAOA/AAAAAAAA4D8CAAAAjAAAAAAAAAAAAAAARHLEDP///wgAAAAAAAAAAAAAAAAAAAAAAAAAAAAAAAAAAAAAZAAAAAEAAABAAAAAAAAAAAAAAAAAAAAAAAAAAAAAAAAAAAAAAAAAAAAAAAAAAAAAAAAAAAAAAAAAAAAAAAAAAAAAAAAAAAAAAAAAAAAAAAAAAAAAAAAAAAAAAAAAAAAAFAAAADwAAAAAAAAAAAAAAAAAAAkUAAAAAQAAABQAAAAUAAAAFAAAAAEAAAAAAAAAZAAAAGQAAAAAAAAAZAAAAGQAAAAVAAAAYAAAAAAAAAAAAAAADwAAACADAAAAAAAAAAAAAAEAAACgMgAAVgcAAKr4//8BAAAAf39/AAEAAABkAAAAAAAAABQAAABAHwAAAAAAACYAAAAAAAAAwOD//wAAAAAmAAAAZAAAABYAAABMAAAAAAAAAAAAAAAEAAAAAAAAAAEAAADn5uYKAAAAACgAAAAoAAAAZAAAAGQAAAAAAAAAzMzMAAAAAABQAAAAUAAAAGQAAABkAAAAAAAAABcAAAAUAAAAAAAAAAAAAAD/fwAA/38AAAAAAAAJAAAABAAAAAAAAAAeAAAAaAAAAAAAAAAAAAAAAAAAAAAAAAAAAAAAECcAABAnAAAAAAAAAAAAAAAAAAAAAAAAAAAAAAAAAAAAAAAAAAAAABQAAAAAAAAAwMD/AAAAAABkAAAAMgAAAAAAAABkAAAAAAAAAH9/fwAKAAAAIgAAABgAAAAAAAAAAAAAAAAAAAAAAAAAAAAAAAAAAAAkAAAAJAAAAAAAAAAHAAAAAAAAAAAAAAAAAAAAAAAAAAAAAAAAAAAAf39/ACUAAABYAAAAAAAAAAAAAAAAAAAAAAAAAAAAAAAAAAAAAAAAAAAAAAAAAAAAAAAAAAAAAAA/AAAAAAAAAKCGAQAAAAAAAAAAAAAAAAAMAAAAAQAAAAAAAAAAAAAAAAAAAB8AAABUAAAAAAAABQAAAAEAAAAAAAAAAAAAAAAAAAAAAAAAAAAAAAAAAAAAAAAAAAAAAAJ/f38AAAAAA8zMzADAwP8Af39/AAAAAAAAAAAAAAAAAAAAAAAAAAAAIQAAABgAAAAUAAAA3gMAABonAACGEAAAWSkAABAAAAAmAAAACAAAAAAAAAAAAAAAMAAAABQAAAAAAAAAAAD//wAAAQAAAP//AAABAA=="/>
               </a:ext>
             </a:extLst>
           </p:cNvSpPr>
@@ -658,7 +656,7 @@
             <a:spLocks noGrp="1" noChangeArrowheads="1"/>
             <a:extLst>
               <a:ext uri="smNativeData">
-                <pr:smNativeData xmlns:mc="http://schemas.openxmlformats.org/markup-compatibility/2006" xmlns:p14="http://schemas.microsoft.com/office/powerpoint/2010/main" xmlns:p15="http://schemas.microsoft.com/office/powerpoint/2012/main" xmlns:pr="smNativeData" xmlns="smNativeData" val="SMDATA_16_OZjwYBMAAAAlAAAAZAAAAA0AAAAAkAAAAEgAAACQAAAASAAAAAAAAAABAAAAAAAAAAEAAABQAAAAAAAAAAAA4D8AAAAAAADgPwAAAAAAAOA/AAAAAAAA4D8AAAAAAADgPwAAAAAAAOA/AAAAAAAA4D8AAAAAAADgPwAAAAAAAOA/AAAAAAAA4D8CAAAAjAAAAAAAAAAAAAAARHLEDP///wgAAAAAAAAAAAAAAAAAAAAAAAAAAAAAAAAAAAAAZAAAAAEAAABAAAAAAAAAAAAAAAAAAAAAAAAAAAAAAAAAAAAAAAAAAAAAAAAAAAAAAAAAAAAAAAAAAAAAAAAAAAAAAAAAAAAAAAAAAAAAAAAAAAAAAAAAAAAAAAAAAAAAFAAAADwAAAAAAAAAAAAAAAAAAAkUAAAAAQAAABQAAAAUAAAAFAAAAAEAAAAAAAAAZAAAAGQAAAAAAAAAZAAAAGQAAAAVAAAAYAAAAAAAAAAAAAAADwAAACADAAAAAAAAAAAAAAEAAACgMgAAVgcAAKr4//8BAAAAf39/AAEAAABkAAAAAAAAABQAAABAHwAAAAAAACYAAAAAAAAAwOD//wAAAAAmAAAAZAAAABYAAABMAAAAAAAAAAAAAAAEAAAAAAAAAAEAAADn5uYKAAAAACgAAAAoAAAAZAAAAGQAAAAAAAAAzMzMAAAAAABQAAAAUAAAAGQAAABkAAAAAAAAABcAAAAUAAAAAAAAAAAAAAD/fwAA/38AAAAAAAAJAAAABAAAAAAAAAAeAAAAaAAAAAAAAAAAAAAAAAAAAAAAAAAAAAAAECcAABAnAAAAAAAAAAAAAAAAAAAAAAAAAAAAAAAAAAAAAAAAAAAAABQAAAAAAAAAwMD/AAAAAABkAAAAMgAAAAAAAABkAAAAAAAAAH9/fwAKAAAAIgAAABgAAAAAAAAAAAAAAAAAAAAAAAAAAAAAAAAAAAAkAAAAJAAAAAAAAAAHAAAAAAAAAAAAAAAAAAAAAAAAAAAAAAAAAAAAf39/ACUAAABYAAAAAAAAAAAAAAAAAAAAAAAAAAAAAAAAAAAAAAAAAAAAAAAAAAAAAAAAAAAAAAA/AAAAAAAAAKCGAQAAAAAAAAAAAAAAAAAMAAAAAQAAAAAAAAAAAAAAAAAAAB8AAABUAAAAAAAABQAAAAEAAAAAAAAAAAAAAAAAAAAAAAAAAAAAAAAAAAAAAAAAAAAAAAJ/f38AAAAAA8zMzADAwP8Af39/AAAAAAAAAAAAAAAAAAAAAAAAAAAAIQAAABgAAAAUAAAAohIAABonAACeJQAAWSkAABAAAAAmAAAACAAAAAAAAAAAAAAAMAAAABQAAAAAAAAAAAD//wAAAQAAAP//AAABAA=="/>
+                <pr:smNativeData xmlns="smNativeData" xmlns:pr="smNativeData" xmlns:p15="http://schemas.microsoft.com/office/powerpoint/2012/main" xmlns:p14="http://schemas.microsoft.com/office/powerpoint/2010/main" xmlns:mc="http://schemas.openxmlformats.org/markup-compatibility/2006" val="SMDATA_16_OZjwYBMAAAAlAAAAZAAAAA0AAAAAkAAAAEgAAACQAAAASAAAAAAAAAABAAAAAAAAAAEAAABQAAAAAAAAAAAA4D8AAAAAAADgPwAAAAAAAOA/AAAAAAAA4D8AAAAAAADgPwAAAAAAAOA/AAAAAAAA4D8AAAAAAADgPwAAAAAAAOA/AAAAAAAA4D8CAAAAjAAAAAAAAAAAAAAARHLEDP///wgAAAAAAAAAAAAAAAAAAAAAAAAAAAAAAAAAAAAAZAAAAAEAAABAAAAAAAAAAAAAAAAAAAAAAAAAAAAAAAAAAAAAAAAAAAAAAAAAAAAAAAAAAAAAAAAAAAAAAAAAAAAAAAAAAAAAAAAAAAAAAAAAAAAAAAAAAAAAAAAAAAAAFAAAADwAAAAAAAAAAAAAAAAAAAkUAAAAAQAAABQAAAAUAAAAFAAAAAEAAAAAAAAAZAAAAGQAAAAAAAAAZAAAAGQAAAAVAAAAYAAAAAAAAAAAAAAADwAAACADAAAAAAAAAAAAAAEAAACgMgAAVgcAAKr4//8BAAAAf39/AAEAAABkAAAAAAAAABQAAABAHwAAAAAAACYAAAAAAAAAwOD//wAAAAAmAAAAZAAAABYAAABMAAAAAAAAAAAAAAAEAAAAAAAAAAEAAADn5uYKAAAAACgAAAAoAAAAZAAAAGQAAAAAAAAAzMzMAAAAAABQAAAAUAAAAGQAAABkAAAAAAAAABcAAAAUAAAAAAAAAAAAAAD/fwAA/38AAAAAAAAJAAAABAAAAAAAAAAeAAAAaAAAAAAAAAAAAAAAAAAAAAAAAAAAAAAAECcAABAnAAAAAAAAAAAAAAAAAAAAAAAAAAAAAAAAAAAAAAAAAAAAABQAAAAAAAAAwMD/AAAAAABkAAAAMgAAAAAAAABkAAAAAAAAAH9/fwAKAAAAIgAAABgAAAAAAAAAAAAAAAAAAAAAAAAAAAAAAAAAAAAkAAAAJAAAAAAAAAAHAAAAAAAAAAAAAAAAAAAAAAAAAAAAAAAAAAAAf39/ACUAAABYAAAAAAAAAAAAAAAAAAAAAAAAAAAAAAAAAAAAAAAAAAAAAAAAAAAAAAAAAAAAAAA/AAAAAAAAAKCGAQAAAAAAAAAAAAAAAAAMAAAAAQAAAAAAAAAAAAAAAAAAAB8AAABUAAAAAAAABQAAAAEAAAAAAAAAAAAAAAAAAAAAAAAAAAAAAAAAAAAAAAAAAAAAAAJ/f38AAAAAA8zMzADAwP8Af39/AAAAAAAAAAAAAAAAAAAAAAAAAAAAIQAAABgAAAAUAAAAohIAABonAACeJQAAWSkAABAAAAAmAAAACAAAAAAAAAAAAAAAMAAAABQAAAAAAAAAAAD//wAAAQAAAP//AAABAA=="/>
               </a:ext>
             </a:extLst>
           </p:cNvSpPr>
@@ -685,7 +683,7 @@
             <a:spLocks noGrp="1" noChangeArrowheads="1"/>
             <a:extLst>
               <a:ext uri="smNativeData">
-                <pr:smNativeData xmlns:mc="http://schemas.openxmlformats.org/markup-compatibility/2006" xmlns:p14="http://schemas.microsoft.com/office/powerpoint/2010/main" xmlns:p15="http://schemas.microsoft.com/office/powerpoint/2012/main" xmlns:pr="smNativeData" xmlns="smNativeData" val="SMDATA_16_OZjwYBMAAAAlAAAAZAAAAA0AAAAAkAAAAEgAAACQAAAASAAAAAAAAAABAAAAAAAAAAEAAABQAAAAAAAAAAAA4D8AAAAAAADgPwAAAAAAAOA/AAAAAAAA4D8AAAAAAADgPwAAAAAAAOA/AAAAAAAA4D8AAAAAAADgPwAAAAAAAOA/AAAAAAAA4D8CAAAAjAAAAAAAAAAAAAAARHLEDP///wgAAAAAAAAAAAAAAAAAAAAAAAAAAAAAAAAAAAAAZAAAAAEAAABAAAAAAAAAAAAAAAAAAAAAAAAAAAAAAAAAAAAAAAAAAAAAAAAAAAAAAAAAAAAAAAAAAAAAAAAAAAAAAAAAAAAAAAAAAAAAAAAAAAAAAAAAAAAAAAAAAAAAFAAAADwAAAAAAAAAAAAAAAAAAAkUAAAAAQAAABQAAAAUAAAAFAAAAAEAAAAAAAAAZAAAAGQAAAAAAAAAZAAAAGQAAAAVAAAAYAAAAAAAAAAAAAAADwAAACADAAAAAAAAAAAAAAEAAACgMgAAVgcAAKr4//8BAAAAf39/AAEAAABkAAAAAAAAABQAAABAHwAAAAAAACYAAAAAAAAAwOD//wAAAAAmAAAAZAAAABYAAABMAAAAAAAAAAAAAAAEAAAAAAAAAAEAAADn5uYKAAAAACgAAAAoAAAAZAAAAGQAAAAAAAAAzMzMAAAAAABQAAAAUAAAAGQAAABkAAAAAAAAABcAAAAUAAAAAAAAAAAAAAD/fwAA/38AAAAAAAAJAAAABAAAAAAAAAAeAAAAaAAAAAAAAAAAAAAAAAAAAAAAAAAAAAAAECcAABAnAAAAAAAAAAAAAAAAAAAAAAAAAAAAAAAAAAAAAAAAAAAAABQAAAAAAAAAwMD/AAAAAABkAAAAMgAAAAAAAABkAAAAAAAAAH9/fwAKAAAAIgAAABgAAAAAAAAAAAAAAAAAAAAAAAAAAAAAAAAAAAAkAAAAJAAAAAAAAAAHAAAAAAAAAAAAAAAAAAAAAAAAAAAAAAAAAAAAf39/ACUAAABYAAAAAAAAAAAAAAAAAAAAAAAAAAAAAAAAAAAAAAAAAAAAAAAAAAAAAAAAAAAAAAA/AAAAAAAAAKCGAQAAAAAAAAAAAAAAAAAMAAAAAQAAAAAAAAAAAAAAAAAAAB8AAABUAAAAAAAABQAAAAEAAAAAAAAAAAAAAAAAAAAAAAAAAAAAAAAAAAAAAAAAAAAAAAJ/f38AAAAAA8zMzADAwP8Af39/AAAAAAAAAAAAAAAAAAAAAAAAAAAAIQAAABgAAAAUAAAAuicAABonAABiNAAAWSkAABAAAAAmAAAACAAAAAAAAAAAAAAAMAAAABQAAAAAAAAAAAD//wAAAQAAAP//AAABAA=="/>
+                <pr:smNativeData xmlns="smNativeData" xmlns:pr="smNativeData" xmlns:p15="http://schemas.microsoft.com/office/powerpoint/2012/main" xmlns:p14="http://schemas.microsoft.com/office/powerpoint/2010/main" xmlns:mc="http://schemas.openxmlformats.org/markup-compatibility/2006" val="SMDATA_16_OZjwYBMAAAAlAAAAZAAAAA0AAAAAkAAAAEgAAACQAAAASAAAAAAAAAABAAAAAAAAAAEAAABQAAAAAAAAAAAA4D8AAAAAAADgPwAAAAAAAOA/AAAAAAAA4D8AAAAAAADgPwAAAAAAAOA/AAAAAAAA4D8AAAAAAADgPwAAAAAAAOA/AAAAAAAA4D8CAAAAjAAAAAAAAAAAAAAARHLEDP///wgAAAAAAAAAAAAAAAAAAAAAAAAAAAAAAAAAAAAAZAAAAAEAAABAAAAAAAAAAAAAAAAAAAAAAAAAAAAAAAAAAAAAAAAAAAAAAAAAAAAAAAAAAAAAAAAAAAAAAAAAAAAAAAAAAAAAAAAAAAAAAAAAAAAAAAAAAAAAAAAAAAAAFAAAADwAAAAAAAAAAAAAAAAAAAkUAAAAAQAAABQAAAAUAAAAFAAAAAEAAAAAAAAAZAAAAGQAAAAAAAAAZAAAAGQAAAAVAAAAYAAAAAAAAAAAAAAADwAAACADAAAAAAAAAAAAAAEAAACgMgAAVgcAAKr4//8BAAAAf39/AAEAAABkAAAAAAAAABQAAABAHwAAAAAAACYAAAAAAAAAwOD//wAAAAAmAAAAZAAAABYAAABMAAAAAAAAAAAAAAAEAAAAAAAAAAEAAADn5uYKAAAAACgAAAAoAAAAZAAAAGQAAAAAAAAAzMzMAAAAAABQAAAAUAAAAGQAAABkAAAAAAAAABcAAAAUAAAAAAAAAAAAAAD/fwAA/38AAAAAAAAJAAAABAAAAAAAAAAeAAAAaAAAAAAAAAAAAAAAAAAAAAAAAAAAAAAAECcAABAnAAAAAAAAAAAAAAAAAAAAAAAAAAAAAAAAAAAAAAAAAAAAABQAAAAAAAAAwMD/AAAAAABkAAAAMgAAAAAAAABkAAAAAAAAAH9/fwAKAAAAIgAAABgAAAAAAAAAAAAAAAAAAAAAAAAAAAAAAAAAAAAkAAAAJAAAAAAAAAAHAAAAAAAAAAAAAAAAAAAAAAAAAAAAAAAAAAAAf39/ACUAAABYAAAAAAAAAAAAAAAAAAAAAAAAAAAAAAAAAAAAAAAAAAAAAAAAAAAAAAAAAAAAAAA/AAAAAAAAAKCGAQAAAAAAAAAAAAAAAAAMAAAAAQAAAAAAAAAAAAAAAAAAAB8AAABUAAAAAAAABQAAAAEAAAAAAAAAAAAAAAAAAAAAAAAAAAAAAAAAAAAAAAAAAAAAAAJ/f38AAAAAA8zMzADAwP8Af39/AAAAAAAAAAAAAAAAAAAAAAAAAAAAIQAAABgAAAAUAAAAuicAABonAABiNAAAWSkAABAAAAAmAAAACAAAAAAAAAAAAAAAMAAAABQAAAAAAAAAAAD//wAAAQAAAP//AAABAA=="/>
               </a:ext>
             </a:extLst>
           </p:cNvSpPr>
@@ -741,7 +739,7 @@
             <a:spLocks noGrp="1" noChangeArrowheads="1"/>
             <a:extLst>
               <a:ext uri="smNativeData">
-                <pr:smNativeData xmlns:mc="http://schemas.openxmlformats.org/markup-compatibility/2006" xmlns:p14="http://schemas.microsoft.com/office/powerpoint/2010/main" xmlns:p15="http://schemas.microsoft.com/office/powerpoint/2012/main" xmlns:pr="smNativeData" xmlns="smNativeData" val="SMDATA_16_OZjwYBMAAAAlAAAAZAAAAA0AAAAAkAAAAEgAAACQAAAASAAAAAAAAAABAAAAAQAAAAEAAABQAAAAAAAAAAAA4D8AAAAAAADgPwAAAAAAAOA/AAAAAAAA4D8AAAAAAADgPwAAAAAAAOA/AAAAAAAA4D8AAAAAAADgPwAAAAAAAOA/AAAAAAAA4D8CAAAAjAAAAAAAAAAAAAAARHLEDP///wgAAAAAAAAAAAAAAAAAAAAAAAAAAAAAAAAAAAAAZAAAAAEAAABAAAAAAAAAAAAAAAAAAAAAAAAAAAAAAAAAAAAAAAAAAAAAAAAAAAAAAAAAAAAAAAAAAAAAAAAAAAAAAAAAAAAAAAAAAAAAAAAAAAAAAAAAAAAAAAAAAAAAFAAAADwAAAAAAAAAAAAAAAAAAAkUAAAAAQAAABQAAAAUAAAAFAAAAAEAAAAAAAAAZAAAAGQAAAAAAAAAZAAAAGQAAAAVAAAAYAAAAAAAAAAAAAAADwAAACADAAAAAAAAAAAAAAEAAACgMgAAVgcAAKr4//8BAAAAf39/AAEAAABkAAAAAAAAABQAAABAHwAAAAAAACYAAAAAAAAAwOD//wAAAAAmAAAAZAAAABYAAABMAAAAAAAAAAAAAAAEAAAAAAAAAAEAAADn5uYKAAAAACgAAAAoAAAAZAAAAGQAAAAAAAAAzMzMAAAAAABQAAAAUAAAAGQAAABkAAAAAAAAABcAAAAUAAAAAAAAAAAAAAD/fwAA/38AAAAAAAAJAAAABAAAAAAAAAAeAAAAaAAAAAAAAAAAAAAAAAAAAAAAAAAAAAAAECcAABAnAAAAAAAAAAAAAAAAAAAAAAAAAAAAAAAAAAAAAAAAAAAAABQAAAAAAAAAwMD/AAAAAABkAAAAMgAAAAAAAABkAAAAAAAAAH9/fwAKAAAAIgAAABgAAAAAAAAAAAAAAAAAAAAAAAAAAAAAAAAAAAAkAAAAJAAAAAAAAAAHAAAAAAAAAAAAAAAAAAAAAAAAAAAAAAAAAAAAf39/ACUAAABYAAAAAAAAAAAAAAAAAAAAAAAAAAAAAAAAAAAAAAAAAAAAAAAAAAAAAAAAAAAAAAA/AAAAAAAAAKCGAQAAAAAAAAAAAAAAAAAMAAAAAQAAAAAAAAAAAAAAAAAAAB8AAABUAAAAAAAABQAAAAEAAAAAAAAAAAAAAAAAAAAAAAAAAAAAAAAAAAAAAAAAAAAAAAJ/f38AAAAAA8zMzADAwP8Af39/AAAAAAAAAAAAAAAAAAAAAAAAAAAAIQAAABgAAAAUAAAAQSgAAD8CAABiNAAAACYAABAAAAAmAAAACAAAAAMAAAAAAAAAMAAAABQAAAAAAAAAAAD//wAAAQAAAP//AAABAA=="/>
+                <pr:smNativeData xmlns="smNativeData" xmlns:pr="smNativeData" xmlns:p15="http://schemas.microsoft.com/office/powerpoint/2012/main" xmlns:p14="http://schemas.microsoft.com/office/powerpoint/2010/main" xmlns:mc="http://schemas.openxmlformats.org/markup-compatibility/2006" val="SMDATA_16_OZjwYBMAAAAlAAAAZAAAAA0AAAAAkAAAAEgAAACQAAAASAAAAAAAAAABAAAAAQAAAAEAAABQAAAAAAAAAAAA4D8AAAAAAADgPwAAAAAAAOA/AAAAAAAA4D8AAAAAAADgPwAAAAAAAOA/AAAAAAAA4D8AAAAAAADgPwAAAAAAAOA/AAAAAAAA4D8CAAAAjAAAAAAAAAAAAAAARHLEDP///wgAAAAAAAAAAAAAAAAAAAAAAAAAAAAAAAAAAAAAZAAAAAEAAABAAAAAAAAAAAAAAAAAAAAAAAAAAAAAAAAAAAAAAAAAAAAAAAAAAAAAAAAAAAAAAAAAAAAAAAAAAAAAAAAAAAAAAAAAAAAAAAAAAAAAAAAAAAAAAAAAAAAAFAAAADwAAAAAAAAAAAAAAAAAAAkUAAAAAQAAABQAAAAUAAAAFAAAAAEAAAAAAAAAZAAAAGQAAAAAAAAAZAAAAGQAAAAVAAAAYAAAAAAAAAAAAAAADwAAACADAAAAAAAAAAAAAAEAAACgMgAAVgcAAKr4//8BAAAAf39/AAEAAABkAAAAAAAAABQAAABAHwAAAAAAACYAAAAAAAAAwOD//wAAAAAmAAAAZAAAABYAAABMAAAAAAAAAAAAAAAEAAAAAAAAAAEAAADn5uYKAAAAACgAAAAoAAAAZAAAAGQAAAAAAAAAzMzMAAAAAABQAAAAUAAAAGQAAABkAAAAAAAAABcAAAAUAAAAAAAAAAAAAAD/fwAA/38AAAAAAAAJAAAABAAAAAAAAAAeAAAAaAAAAAAAAAAAAAAAAAAAAAAAAAAAAAAAECcAABAnAAAAAAAAAAAAAAAAAAAAAAAAAAAAAAAAAAAAAAAAAAAAABQAAAAAAAAAwMD/AAAAAABkAAAAMgAAAAAAAABkAAAAAAAAAH9/fwAKAAAAIgAAABgAAAAAAAAAAAAAAAAAAAAAAAAAAAAAAAAAAAAkAAAAJAAAAAAAAAAHAAAAAAAAAAAAAAAAAAAAAAAAAAAAAAAAAAAAf39/ACUAAABYAAAAAAAAAAAAAAAAAAAAAAAAAAAAAAAAAAAAAAAAAAAAAAAAAAAAAAAAAAAAAAA/AAAAAAAAAKCGAQAAAAAAAAAAAAAAAAAMAAAAAQAAAAAAAAAAAAAAAAAAAB8AAABUAAAAAAAABQAAAAEAAAAAAAAAAAAAAAAAAAAAAAAAAAAAAAAAAAAAAAAAAAAAAAJ/f38AAAAAA8zMzADAwP8Af39/AAAAAAAAAAAAAAAAAAAAAAAAAAAAIQAAABgAAAAUAAAAQSgAAD8CAABiNAAAACYAABAAAAAmAAAACAAAAAMAAAAAAAAAMAAAABQAAAAAAAAAAAD//wAAAQAAAP//AAABAA=="/>
               </a:ext>
             </a:extLst>
           </p:cNvSpPr>
@@ -779,7 +777,7 @@
             <a:spLocks noGrp="1" noChangeArrowheads="1"/>
             <a:extLst>
               <a:ext uri="smNativeData">
-                <pr:smNativeData xmlns:mc="http://schemas.openxmlformats.org/markup-compatibility/2006" xmlns:p14="http://schemas.microsoft.com/office/powerpoint/2010/main" xmlns:p15="http://schemas.microsoft.com/office/powerpoint/2012/main" xmlns:pr="smNativeData" xmlns="smNativeData" val="SMDATA_16_OZjwYBMAAAAlAAAAZAAAAA0AAAAAkAAAAEgAAACQAAAASAAAAAAAAAAAAAAAAQAAAAEAAABQAAAAAAAAAAAA4D8AAAAAAADgPwAAAAAAAOA/AAAAAAAA4D8AAAAAAADgPwAAAAAAAOA/AAAAAAAA4D8AAAAAAADgPwAAAAAAAOA/AAAAAAAA4D8CAAAAjAAAAAAAAAAAAAAARHLEDP///wgAAAAAAAAAAAAAAAAAAAAAAAAAAAAAAAAAAAAAZAAAAAEAAABAAAAAAAAAAAAAAAAAAAAAAAAAAAAAAAAAAAAAAAAAAAAAAAAAAAAAAAAAAAAAAAAAAAAAAAAAAAAAAAAAAAAAAAAAAAAAAAAAAAAAAAAAAAAAAAAAAAAAFAAAADwAAAAAAAAAAAAAAAAAAAkUAAAAAQAAABQAAAAUAAAAFAAAAAEAAAAAAAAAZAAAAGQAAAAAAAAAZAAAAGQAAAAVAAAAYAAAAAAAAAAAAAAADwAAACADAAAAAAAAAAAAAAEAAACgMgAAVgcAAKr4//8BAAAAf39/AAEAAABkAAAAAAAAABQAAABAHwAAAAAAACYAAAAAAAAAwOD//wAAAAAmAAAAZAAAABYAAABMAAAAAAAAAAAAAAAEAAAAAAAAAAEAAADn5uYKAAAAACgAAAAoAAAAZAAAAGQAAAAAAAAAzMzMAAAAAABQAAAAUAAAAGQAAABkAAAAAAAAABcAAAAUAAAAAAAAAAAAAAD/fwAA/38AAAAAAAAJAAAABAAAAAAAAAAeAAAAaAAAAAAAAAAAAAAAAAAAAAAAAAAAAAAAECcAABAnAAAAAAAAAAAAAAAAAAAAAAAAAAAAAAAAAAAAAAAAAAAAABQAAAAAAAAAwMD/AAAAAABkAAAAMgAAAAAAAABkAAAAAAAAAH9/fwAKAAAAIgAAABgAAAAAAAAAAAAAAAAAAAAAAAAAAAAAAAAAAAAkAAAAJAAAAAAAAAAHAAAAAAAAAAAAAAAAAAAAAAAAAAAAAAAAAAAAf39/ACUAAABYAAAAAAAAAAAAAAAAAAAAAAAAAAAAAAAAAAAAAAAAAAAAAAAAAAAAAAAAAAAAAAA/AAAAAAAAAKCGAQAAAAAAAAAAAAAAAAAMAAAAAQAAAAAAAAAAAAAAAAAAAB8AAABUAAAAAAAABQAAAAEAAAAAAAAAAAAAAAAAAAAAAAAAAAAAAAAAAAAAAAAAAAAAAAJ/f38AAAAAA8zMzADAwP8Af39/AAAAAAAAAAAAAAAAAAAAAAAAAAAAIQAAABgAAAAUAAAA3gMAAD8CAACNJwAAACYAABAAAAAmAAAACAAAAAMAAAAAAAAAMAAAABQAAAAAAAAAAAD//wAAAQAAAP//AAABAA=="/>
+                <pr:smNativeData xmlns="smNativeData" xmlns:pr="smNativeData" xmlns:p15="http://schemas.microsoft.com/office/powerpoint/2012/main" xmlns:p14="http://schemas.microsoft.com/office/powerpoint/2010/main" xmlns:mc="http://schemas.openxmlformats.org/markup-compatibility/2006" val="SMDATA_16_OZjwYBMAAAAlAAAAZAAAAA0AAAAAkAAAAEgAAACQAAAASAAAAAAAAAAAAAAAAQAAAAEAAABQAAAAAAAAAAAA4D8AAAAAAADgPwAAAAAAAOA/AAAAAAAA4D8AAAAAAADgPwAAAAAAAOA/AAAAAAAA4D8AAAAAAADgPwAAAAAAAOA/AAAAAAAA4D8CAAAAjAAAAAAAAAAAAAAARHLEDP///wgAAAAAAAAAAAAAAAAAAAAAAAAAAAAAAAAAAAAAZAAAAAEAAABAAAAAAAAAAAAAAAAAAAAAAAAAAAAAAAAAAAAAAAAAAAAAAAAAAAAAAAAAAAAAAAAAAAAAAAAAAAAAAAAAAAAAAAAAAAAAAAAAAAAAAAAAAAAAAAAAAAAAFAAAADwAAAAAAAAAAAAAAAAAAAkUAAAAAQAAABQAAAAUAAAAFAAAAAEAAAAAAAAAZAAAAGQAAAAAAAAAZAAAAGQAAAAVAAAAYAAAAAAAAAAAAAAADwAAACADAAAAAAAAAAAAAAEAAACgMgAAVgcAAKr4//8BAAAAf39/AAEAAABkAAAAAAAAABQAAABAHwAAAAAAACYAAAAAAAAAwOD//wAAAAAmAAAAZAAAABYAAABMAAAAAAAAAAAAAAAEAAAAAAAAAAEAAADn5uYKAAAAACgAAAAoAAAAZAAAAGQAAAAAAAAAzMzMAAAAAABQAAAAUAAAAGQAAABkAAAAAAAAABcAAAAUAAAAAAAAAAAAAAD/fwAA/38AAAAAAAAJAAAABAAAAAAAAAAeAAAAaAAAAAAAAAAAAAAAAAAAAAAAAAAAAAAAECcAABAnAAAAAAAAAAAAAAAAAAAAAAAAAAAAAAAAAAAAAAAAAAAAABQAAAAAAAAAwMD/AAAAAABkAAAAMgAAAAAAAABkAAAAAAAAAH9/fwAKAAAAIgAAABgAAAAAAAAAAAAAAAAAAAAAAAAAAAAAAAAAAAAkAAAAJAAAAAAAAAAHAAAAAAAAAAAAAAAAAAAAAAAAAAAAAAAAAAAAf39/ACUAAABYAAAAAAAAAAAAAAAAAAAAAAAAAAAAAAAAAAAAAAAAAAAAAAAAAAAAAAAAAAAAAAA/AAAAAAAAAKCGAQAAAAAAAAAAAAAAAAAMAAAAAQAAAAAAAAAAAAAAAAAAAB8AAABUAAAAAAAABQAAAAEAAAAAAAAAAAAAAAAAAAAAAAAAAAAAAAAAAAAAAAAAAAAAAAJ/f38AAAAAA8zMzADAwP8Af39/AAAAAAAAAAAAAAAAAAAAAAAAAAAAIQAAABgAAAAUAAAA3gMAAD8CAACNJwAAACYAABAAAAAmAAAACAAAAAMAAAAAAAAAMAAAABQAAAAAAAAAAAD//wAAAQAAAP//AAABAA=="/>
               </a:ext>
             </a:extLst>
           </p:cNvSpPr>
@@ -849,7 +847,7 @@
             <a:spLocks noGrp="1" noChangeArrowheads="1"/>
             <a:extLst>
               <a:ext uri="smNativeData">
-                <pr:smNativeData xmlns:mc="http://schemas.openxmlformats.org/markup-compatibility/2006" xmlns:p14="http://schemas.microsoft.com/office/powerpoint/2010/main" xmlns:p15="http://schemas.microsoft.com/office/powerpoint/2012/main" xmlns:pr="smNativeData" xmlns="smNativeData" val="SMDATA_16_OZjwYBMAAAAlAAAAZAAAAA0AAAAAkAAAAEgAAACQAAAASAAAAAAAAAABAAAAAAAAAAEAAABQAAAAAAAAAAAA4D8AAAAAAADgPwAAAAAAAOA/AAAAAAAA4D8AAAAAAADgPwAAAAAAAOA/AAAAAAAA4D8AAAAAAADgPwAAAAAAAOA/AAAAAAAA4D8CAAAAjAAAAAAAAAAAAAAARHLEDP///wgAAAAAAAAAAAAAAAAAAAAAAAAAAAAAAAAAAAAAZAAAAAEAAABAAAAAAAAAAAAAAAAAAAAAAAAAAAAAAAAAAAAAAAAAAAAAAAAAAAAAAAAAAAAAAAAAAAAAAAAAAAAAAAAAAAAAAAAAAAAAAAAAAAAAAAAAAAAAAAAAAAAAFAAAADwAAAAAAAAAAAAAAAAAAAkUAAAAAQAAABQAAAAUAAAAFAAAAAEAAAAAAAAAZAAAAGQAAAAAAAAAZAAAAGQAAAAVAAAAYAAAAAAAAAAAAAAADwAAACADAAAAAAAAAAAAAAEAAACgMgAAVgcAAKr4//8BAAAAf39/AAEAAABkAAAAAAAAABQAAABAHwAAAAAAACYAAAAAAAAAwOD//wAAAAAmAAAAZAAAABYAAABMAAAAAAAAAAAAAAAEAAAAAAAAAAEAAADn5uYKAAAAACgAAAAoAAAAZAAAAGQAAAAAAAAAzMzMAAAAAABQAAAAUAAAAGQAAABkAAAAAAAAABcAAAAUAAAAAAAAAAAAAAD/fwAA/38AAAAAAAAJAAAABAAAAAAAAAAeAAAAaAAAAAAAAAAAAAAAAAAAAAAAAAAAAAAAECcAABAnAAAAAAAAAAAAAAAAAAAAAAAAAAAAAAAAAAAAAAAAAAAAABQAAAAAAAAAwMD/AAAAAABkAAAAMgAAAAAAAABkAAAAAAAAAH9/fwAKAAAAIgAAABgAAAAAAAAAAAAAAAAAAAAAAAAAAAAAAAAAAAAkAAAAJAAAAAAAAAAHAAAAAAAAAAAAAAAAAAAAAAAAAAAAAAAAAAAAf39/ACUAAABYAAAAAAAAAAAAAAAAAAAAAAAAAAAAAAAAAAAAAAAAAAAAAAAAAAAAAAAAAAAAAAA/AAAAAAAAAKCGAQAAAAAAAAAAAAAAAAAMAAAAAQAAAAAAAAAAAAAAAAAAAB8AAABUAAAAAAAABQAAAAEAAAAAAAAAAAAAAAAAAAAAAAAAAAAAAAAAAAAAAAAAAAAAAAJ/f38AAAAAA8zMzADAwP8Af39/AAAAAAAAAAAAAAAAAAAAAAAAAAAAIQAAABgAAAAUAAAA3gMAABonAACGEAAAWSkAABAAAAAmAAAACAAAAAAAAAAAAAAAMAAAABQAAAAAAAAAAAD//wAAAQAAAP//AAABAA=="/>
+                <pr:smNativeData xmlns="smNativeData" xmlns:pr="smNativeData" xmlns:p15="http://schemas.microsoft.com/office/powerpoint/2012/main" xmlns:p14="http://schemas.microsoft.com/office/powerpoint/2010/main" xmlns:mc="http://schemas.openxmlformats.org/markup-compatibility/2006" val="SMDATA_16_OZjwYBMAAAAlAAAAZAAAAA0AAAAAkAAAAEgAAACQAAAASAAAAAAAAAABAAAAAAAAAAEAAABQAAAAAAAAAAAA4D8AAAAAAADgPwAAAAAAAOA/AAAAAAAA4D8AAAAAAADgPwAAAAAAAOA/AAAAAAAA4D8AAAAAAADgPwAAAAAAAOA/AAAAAAAA4D8CAAAAjAAAAAAAAAAAAAAARHLEDP///wgAAAAAAAAAAAAAAAAAAAAAAAAAAAAAAAAAAAAAZAAAAAEAAABAAAAAAAAAAAAAAAAAAAAAAAAAAAAAAAAAAAAAAAAAAAAAAAAAAAAAAAAAAAAAAAAAAAAAAAAAAAAAAAAAAAAAAAAAAAAAAAAAAAAAAAAAAAAAAAAAAAAAFAAAADwAAAAAAAAAAAAAAAAAAAkUAAAAAQAAABQAAAAUAAAAFAAAAAEAAAAAAAAAZAAAAGQAAAAAAAAAZAAAAGQAAAAVAAAAYAAAAAAAAAAAAAAADwAAACADAAAAAAAAAAAAAAEAAACgMgAAVgcAAKr4//8BAAAAf39/AAEAAABkAAAAAAAAABQAAABAHwAAAAAAACYAAAAAAAAAwOD//wAAAAAmAAAAZAAAABYAAABMAAAAAAAAAAAAAAAEAAAAAAAAAAEAAADn5uYKAAAAACgAAAAoAAAAZAAAAGQAAAAAAAAAzMzMAAAAAABQAAAAUAAAAGQAAABkAAAAAAAAABcAAAAUAAAAAAAAAAAAAAD/fwAA/38AAAAAAAAJAAAABAAAAAAAAAAeAAAAaAAAAAAAAAAAAAAAAAAAAAAAAAAAAAAAECcAABAnAAAAAAAAAAAAAAAAAAAAAAAAAAAAAAAAAAAAAAAAAAAAABQAAAAAAAAAwMD/AAAAAABkAAAAMgAAAAAAAABkAAAAAAAAAH9/fwAKAAAAIgAAABgAAAAAAAAAAAAAAAAAAAAAAAAAAAAAAAAAAAAkAAAAJAAAAAAAAAAHAAAAAAAAAAAAAAAAAAAAAAAAAAAAAAAAAAAAf39/ACUAAABYAAAAAAAAAAAAAAAAAAAAAAAAAAAAAAAAAAAAAAAAAAAAAAAAAAAAAAAAAAAAAAA/AAAAAAAAAKCGAQAAAAAAAAAAAAAAAAAMAAAAAQAAAAAAAAAAAAAAAAAAAB8AAABUAAAAAAAABQAAAAEAAAAAAAAAAAAAAAAAAAAAAAAAAAAAAAAAAAAAAAAAAAAAAAJ/f38AAAAAA8zMzADAwP8Af39/AAAAAAAAAAAAAAAAAAAAAAAAAAAAIQAAABgAAAAUAAAA3gMAABonAACGEAAAWSkAABAAAAAmAAAACAAAAAAAAAAAAAAAMAAAABQAAAAAAAAAAAD//wAAAQAAAP//AAABAA=="/>
               </a:ext>
             </a:extLst>
           </p:cNvSpPr>
@@ -879,7 +877,7 @@
             <a:spLocks noGrp="1" noChangeArrowheads="1"/>
             <a:extLst>
               <a:ext uri="smNativeData">
-                <pr:smNativeData xmlns:mc="http://schemas.openxmlformats.org/markup-compatibility/2006" xmlns:p14="http://schemas.microsoft.com/office/powerpoint/2010/main" xmlns:p15="http://schemas.microsoft.com/office/powerpoint/2012/main" xmlns:pr="smNativeData" xmlns="smNativeData" val="SMDATA_16_OZjwYBMAAAAlAAAAZAAAAA0AAAAAkAAAAEgAAACQAAAASAAAAAAAAAABAAAAAAAAAAEAAABQAAAAAAAAAAAA4D8AAAAAAADgPwAAAAAAAOA/AAAAAAAA4D8AAAAAAADgPwAAAAAAAOA/AAAAAAAA4D8AAAAAAADgPwAAAAAAAOA/AAAAAAAA4D8CAAAAjAAAAAAAAAAAAAAARHLEDP///wgAAAAAAAAAAAAAAAAAAAAAAAAAAAAAAAAAAAAAZAAAAAEAAABAAAAAAAAAAAAAAAAAAAAAAAAAAAAAAAAAAAAAAAAAAAAAAAAAAAAAAAAAAAAAAAAAAAAAAAAAAAAAAAAAAAAAAAAAAAAAAAAAAAAAAAAAAAAAAAAAAAAAFAAAADwAAAAAAAAAAAAAAAAAAAkUAAAAAQAAABQAAAAUAAAAFAAAAAEAAAAAAAAAZAAAAGQAAAAAAAAAZAAAAGQAAAAVAAAAYAAAAAAAAAAAAAAADwAAACADAAAAAAAAAAAAAAEAAACgMgAAVgcAAKr4//8BAAAAf39/AAEAAABkAAAAAAAAABQAAABAHwAAAAAAACYAAAAAAAAAwOD//wAAAAAmAAAAZAAAABYAAABMAAAAAAAAAAAAAAAEAAAAAAAAAAEAAADn5uYKAAAAACgAAAAoAAAAZAAAAGQAAAAAAAAAzMzMAAAAAABQAAAAUAAAAGQAAABkAAAAAAAAABcAAAAUAAAAAAAAAAAAAAD/fwAA/38AAAAAAAAJAAAABAAAAAAAAAAeAAAAaAAAAAAAAAAAAAAAAAAAAAAAAAAAAAAAECcAABAnAAAAAAAAAAAAAAAAAAAAAAAAAAAAAAAAAAAAAAAAAAAAABQAAAAAAAAAwMD/AAAAAABkAAAAMgAAAAAAAABkAAAAAAAAAH9/fwAKAAAAIgAAABgAAAAAAAAAAAAAAAAAAAAAAAAAAAAAAAAAAAAkAAAAJAAAAAAAAAAHAAAAAAAAAAAAAAAAAAAAAAAAAAAAAAAAAAAAf39/ACUAAABYAAAAAAAAAAAAAAAAAAAAAAAAAAAAAAAAAAAAAAAAAAAAAAAAAAAAAAAAAAAAAAA/AAAAAAAAAKCGAQAAAAAAAAAAAAAAAAAMAAAAAQAAAAAAAAAAAAAAAAAAAB8AAABUAAAAAAAABQAAAAEAAAAAAAAAAAAAAAAAAAAAAAAAAAAAAAAAAAAAAAAAAAAAAAJ/f38AAAAAA8zMzADAwP8Af39/AAAAAAAAAAAAAAAAAAAAAAAAAAAAIQAAABgAAAAUAAAAohIAABonAACeJQAAWSkAABAAAAAmAAAACAAAAAAAAAAAAAAAMAAAABQAAAAAAAAAAAD//wAAAQAAAP//AAABAA=="/>
+                <pr:smNativeData xmlns="smNativeData" xmlns:pr="smNativeData" xmlns:p15="http://schemas.microsoft.com/office/powerpoint/2012/main" xmlns:p14="http://schemas.microsoft.com/office/powerpoint/2010/main" xmlns:mc="http://schemas.openxmlformats.org/markup-compatibility/2006" val="SMDATA_16_OZjwYBMAAAAlAAAAZAAAAA0AAAAAkAAAAEgAAACQAAAASAAAAAAAAAABAAAAAAAAAAEAAABQAAAAAAAAAAAA4D8AAAAAAADgPwAAAAAAAOA/AAAAAAAA4D8AAAAAAADgPwAAAAAAAOA/AAAAAAAA4D8AAAAAAADgPwAAAAAAAOA/AAAAAAAA4D8CAAAAjAAAAAAAAAAAAAAARHLEDP///wgAAAAAAAAAAAAAAAAAAAAAAAAAAAAAAAAAAAAAZAAAAAEAAABAAAAAAAAAAAAAAAAAAAAAAAAAAAAAAAAAAAAAAAAAAAAAAAAAAAAAAAAAAAAAAAAAAAAAAAAAAAAAAAAAAAAAAAAAAAAAAAAAAAAAAAAAAAAAAAAAAAAAFAAAADwAAAAAAAAAAAAAAAAAAAkUAAAAAQAAABQAAAAUAAAAFAAAAAEAAAAAAAAAZAAAAGQAAAAAAAAAZAAAAGQAAAAVAAAAYAAAAAAAAAAAAAAADwAAACADAAAAAAAAAAAAAAEAAACgMgAAVgcAAKr4//8BAAAAf39/AAEAAABkAAAAAAAAABQAAABAHwAAAAAAACYAAAAAAAAAwOD//wAAAAAmAAAAZAAAABYAAABMAAAAAAAAAAAAAAAEAAAAAAAAAAEAAADn5uYKAAAAACgAAAAoAAAAZAAAAGQAAAAAAAAAzMzMAAAAAABQAAAAUAAAAGQAAABkAAAAAAAAABcAAAAUAAAAAAAAAAAAAAD/fwAA/38AAAAAAAAJAAAABAAAAAAAAAAeAAAAaAAAAAAAAAAAAAAAAAAAAAAAAAAAAAAAECcAABAnAAAAAAAAAAAAAAAAAAAAAAAAAAAAAAAAAAAAAAAAAAAAABQAAAAAAAAAwMD/AAAAAABkAAAAMgAAAAAAAABkAAAAAAAAAH9/fwAKAAAAIgAAABgAAAAAAAAAAAAAAAAAAAAAAAAAAAAAAAAAAAAkAAAAJAAAAAAAAAAHAAAAAAAAAAAAAAAAAAAAAAAAAAAAAAAAAAAAf39/ACUAAABYAAAAAAAAAAAAAAAAAAAAAAAAAAAAAAAAAAAAAAAAAAAAAAAAAAAAAAAAAAAAAAA/AAAAAAAAAKCGAQAAAAAAAAAAAAAAAAAMAAAAAQAAAAAAAAAAAAAAAAAAAB8AAABUAAAAAAAABQAAAAEAAAAAAAAAAAAAAAAAAAAAAAAAAAAAAAAAAAAAAAAAAAAAAAJ/f38AAAAAA8zMzADAwP8Af39/AAAAAAAAAAAAAAAAAAAAAAAAAAAAIQAAABgAAAAUAAAAohIAABonAACeJQAAWSkAABAAAAAmAAAACAAAAAAAAAAAAAAAMAAAABQAAAAAAAAAAAD//wAAAQAAAP//AAABAA=="/>
               </a:ext>
             </a:extLst>
           </p:cNvSpPr>
@@ -906,7 +904,7 @@
             <a:spLocks noGrp="1" noChangeArrowheads="1"/>
             <a:extLst>
               <a:ext uri="smNativeData">
-                <pr:smNativeData xmlns:mc="http://schemas.openxmlformats.org/markup-compatibility/2006" xmlns:p14="http://schemas.microsoft.com/office/powerpoint/2010/main" xmlns:p15="http://schemas.microsoft.com/office/powerpoint/2012/main" xmlns:pr="smNativeData" xmlns="smNativeData" val="SMDATA_16_OZjwYBMAAAAlAAAAZAAAAA0AAAAAkAAAAEgAAACQAAAASAAAAAAAAAABAAAAAAAAAAEAAABQAAAAAAAAAAAA4D8AAAAAAADgPwAAAAAAAOA/AAAAAAAA4D8AAAAAAADgPwAAAAAAAOA/AAAAAAAA4D8AAAAAAADgPwAAAAAAAOA/AAAAAAAA4D8CAAAAjAAAAAAAAAAAAAAARHLEDP///wgAAAAAAAAAAAAAAAAAAAAAAAAAAAAAAAAAAAAAZAAAAAEAAABAAAAAAAAAAAAAAAAAAAAAAAAAAAAAAAAAAAAAAAAAAAAAAAAAAAAAAAAAAAAAAAAAAAAAAAAAAAAAAAAAAAAAAAAAAAAAAAAAAAAAAAAAAAAAAAAAAAAAFAAAADwAAAAAAAAAAAAAAAAAAAkUAAAAAQAAABQAAAAUAAAAFAAAAAEAAAAAAAAAZAAAAGQAAAAAAAAAZAAAAGQAAAAVAAAAYAAAAAAAAAAAAAAADwAAACADAAAAAAAAAAAAAAEAAACgMgAAVgcAAKr4//8BAAAAf39/AAEAAABkAAAAAAAAABQAAABAHwAAAAAAACYAAAAAAAAAwOD//wAAAAAmAAAAZAAAABYAAABMAAAAAAAAAAAAAAAEAAAAAAAAAAEAAADn5uYKAAAAACgAAAAoAAAAZAAAAGQAAAAAAAAAzMzMAAAAAABQAAAAUAAAAGQAAABkAAAAAAAAABcAAAAUAAAAAAAAAAAAAAD/fwAA/38AAAAAAAAJAAAABAAAAAAAAAAeAAAAaAAAAAAAAAAAAAAAAAAAAAAAAAAAAAAAECcAABAnAAAAAAAAAAAAAAAAAAAAAAAAAAAAAAAAAAAAAAAAAAAAABQAAAAAAAAAwMD/AAAAAABkAAAAMgAAAAAAAABkAAAAAAAAAH9/fwAKAAAAIgAAABgAAAAAAAAAAAAAAAAAAAAAAAAAAAAAAAAAAAAkAAAAJAAAAAAAAAAHAAAAAAAAAAAAAAAAAAAAAAAAAAAAAAAAAAAAf39/ACUAAABYAAAAAAAAAAAAAAAAAAAAAAAAAAAAAAAAAAAAAAAAAAAAAAAAAAAAAAAAAAAAAAA/AAAAAAAAAKCGAQAAAAAAAAAAAAAAAAAMAAAAAQAAAAAAAAAAAAAAAAAAAB8AAABUAAAAAAAABQAAAAEAAAAAAAAAAAAAAAAAAAAAAAAAAAAAAAAAAAAAAAAAAAAAAAJ/f38AAAAAA8zMzADAwP8Af39/AAAAAAAAAAAAAAAAAAAAAAAAAAAAIQAAABgAAAAUAAAAuicAABonAABiNAAAWSkAABAAAAAmAAAACAAAAAAAAAAAAAAAMAAAABQAAAAAAAAAAAD//wAAAQAAAP//AAABAA=="/>
+                <pr:smNativeData xmlns="smNativeData" xmlns:pr="smNativeData" xmlns:p15="http://schemas.microsoft.com/office/powerpoint/2012/main" xmlns:p14="http://schemas.microsoft.com/office/powerpoint/2010/main" xmlns:mc="http://schemas.openxmlformats.org/markup-compatibility/2006" val="SMDATA_16_OZjwYBMAAAAlAAAAZAAAAA0AAAAAkAAAAEgAAACQAAAASAAAAAAAAAABAAAAAAAAAAEAAABQAAAAAAAAAAAA4D8AAAAAAADgPwAAAAAAAOA/AAAAAAAA4D8AAAAAAADgPwAAAAAAAOA/AAAAAAAA4D8AAAAAAADgPwAAAAAAAOA/AAAAAAAA4D8CAAAAjAAAAAAAAAAAAAAARHLEDP///wgAAAAAAAAAAAAAAAAAAAAAAAAAAAAAAAAAAAAAZAAAAAEAAABAAAAAAAAAAAAAAAAAAAAAAAAAAAAAAAAAAAAAAAAAAAAAAAAAAAAAAAAAAAAAAAAAAAAAAAAAAAAAAAAAAAAAAAAAAAAAAAAAAAAAAAAAAAAAAAAAAAAAFAAAADwAAAAAAAAAAAAAAAAAAAkUAAAAAQAAABQAAAAUAAAAFAAAAAEAAAAAAAAAZAAAAGQAAAAAAAAAZAAAAGQAAAAVAAAAYAAAAAAAAAAAAAAADwAAACADAAAAAAAAAAAAAAEAAACgMgAAVgcAAKr4//8BAAAAf39/AAEAAABkAAAAAAAAABQAAABAHwAAAAAAACYAAAAAAAAAwOD//wAAAAAmAAAAZAAAABYAAABMAAAAAAAAAAAAAAAEAAAAAAAAAAEAAADn5uYKAAAAACgAAAAoAAAAZAAAAGQAAAAAAAAAzMzMAAAAAABQAAAAUAAAAGQAAABkAAAAAAAAABcAAAAUAAAAAAAAAAAAAAD/fwAA/38AAAAAAAAJAAAABAAAAAAAAAAeAAAAaAAAAAAAAAAAAAAAAAAAAAAAAAAAAAAAECcAABAnAAAAAAAAAAAAAAAAAAAAAAAAAAAAAAAAAAAAAAAAAAAAABQAAAAAAAAAwMD/AAAAAABkAAAAMgAAAAAAAABkAAAAAAAAAH9/fwAKAAAAIgAAABgAAAAAAAAAAAAAAAAAAAAAAAAAAAAAAAAAAAAkAAAAJAAAAAAAAAAHAAAAAAAAAAAAAAAAAAAAAAAAAAAAAAAAAAAAf39/ACUAAABYAAAAAAAAAAAAAAAAAAAAAAAAAAAAAAAAAAAAAAAAAAAAAAAAAAAAAAAAAAAAAAA/AAAAAAAAAKCGAQAAAAAAAAAAAAAAAAAMAAAAAQAAAAAAAAAAAAAAAAAAAB8AAABUAAAAAAAABQAAAAEAAAAAAAAAAAAAAAAAAAAAAAAAAAAAAAAAAAAAAAAAAAAAAAJ/f38AAAAAA8zMzADAwP8Af39/AAAAAAAAAAAAAAAAAAAAAAAAAAAAIQAAABgAAAAUAAAAuicAABonAABiNAAAWSkAABAAAAAmAAAACAAAAAAAAAAAAAAAMAAAABQAAAAAAAAAAAD//wAAAQAAAP//AAABAA=="/>
               </a:ext>
             </a:extLst>
           </p:cNvSpPr>
@@ -962,7 +960,7 @@
             <a:spLocks noGrp="1" noChangeArrowheads="1"/>
             <a:extLst>
               <a:ext uri="smNativeData">
-                <pr:smNativeData xmlns:mc="http://schemas.openxmlformats.org/markup-compatibility/2006" xmlns:p14="http://schemas.microsoft.com/office/powerpoint/2010/main" xmlns:p15="http://schemas.microsoft.com/office/powerpoint/2012/main" xmlns:pr="smNativeData" xmlns="smNativeData" val="SMDATA_16_OZjwYBMAAAAlAAAAZAAAAA0AAAAAkAAAAEgAAACQAAAASAAAAAAAAAABAAAAAAAAAAEAAABQAAAAAAAAAAAA4D8AAAAAAADgPwAAAAAAAOA/AAAAAAAA4D8AAAAAAADgPwAAAAAAAOA/AAAAAAAA4D8AAAAAAADgPwAAAAAAAOA/AAAAAAAA4D8CAAAAjAAAAAAAAAAAAAAARHLEDP///wgAAAAAAAAAAAAAAAAAAAAAAAAAAAAAAAAAAAAAZAAAAAEAAABAAAAAAAAAAAAAAAAAAAAAAAAAAAAAAAAAAAAAAAAAAAAAAAAAAAAAAAAAAAAAAAAAAAAAAAAAAAAAAAAAAAAAAAAAAAAAAAAAAAAAAAAAAAAAAAAAAAAAFAAAADwAAAAAAAAAAAAAAAAAAAkUAAAAAQAAABQAAAAUAAAAFAAAAAEAAAAAAAAAZAAAAGQAAAAAAAAAZAAAAGQAAAAVAAAAYAAAAAAAAAAAAAAADwAAACADAAAAAAAAAAAAAAEAAACgMgAAVgcAAKr4//8BAAAAf39/AAEAAABkAAAAAAAAABQAAABAHwAAAAAAACYAAAAAAAAAwOD//wAAAAAmAAAAZAAAABYAAABMAAAAAAAAAAAAAAAEAAAAAAAAAAEAAADn5uYKAAAAACgAAAAoAAAAZAAAAGQAAAAAAAAAzMzMAAAAAABQAAAAUAAAAGQAAABkAAAAAAAAABcAAAAUAAAAAAAAAAAAAAD/fwAA/38AAAAAAAAJAAAABAAAAAAAAAAeAAAAaAAAAAAAAAAAAAAAAAAAAAAAAAAAAAAAECcAABAnAAAAAAAAAAAAAAAAAAAAAAAAAAAAAAAAAAAAAAAAAAAAABQAAAAAAAAAwMD/AAAAAABkAAAAMgAAAAAAAABkAAAAAAAAAH9/fwAKAAAAIgAAABgAAAAAAAAAAAAAAAAAAAAAAAAAAAAAAAAAAAAkAAAAJAAAAAAAAAAHAAAAAAAAAAAAAAAAAAAAAAAAAAAAAAAAAAAAf39/ACUAAABYAAAAAAAAAAAAAAAAAAAAAAAAAAAAAAAAAAAAAAAAAAAAAAAAAAAAAAAAAAAAAAA/AAAAAAAAAKCGAQAAAAAAAAAAAAAAAAAMAAAAAQAAAAAAAAAAAAAAAAAAAB8AAABUAAAAAAAABQAAAAEAAAAAAAAAAAAAAAAAAAAAAAAAAAAAAAAAAAAAAAAAAAAAAAJ/f38AAAAAA8zMzADAwP8Af39/AAAAAAAAAAAAAAAAAAAAAAAAAAAAIQAAABgAAAAUAAAA3gMAAD8CAABiNAAAZwoAABAAAAAmAAAACAAAAAAAAAAAAAAAMAAAABQAAAAAAAAAAAD//wAAAQAAAP//AAABAA=="/>
+                <pr:smNativeData xmlns="smNativeData" xmlns:pr="smNativeData" xmlns:p15="http://schemas.microsoft.com/office/powerpoint/2012/main" xmlns:p14="http://schemas.microsoft.com/office/powerpoint/2010/main" xmlns:mc="http://schemas.openxmlformats.org/markup-compatibility/2006" val="SMDATA_16_OZjwYBMAAAAlAAAAZAAAAA0AAAAAkAAAAEgAAACQAAAASAAAAAAAAAABAAAAAAAAAAEAAABQAAAAAAAAAAAA4D8AAAAAAADgPwAAAAAAAOA/AAAAAAAA4D8AAAAAAADgPwAAAAAAAOA/AAAAAAAA4D8AAAAAAADgPwAAAAAAAOA/AAAAAAAA4D8CAAAAjAAAAAAAAAAAAAAARHLEDP///wgAAAAAAAAAAAAAAAAAAAAAAAAAAAAAAAAAAAAAZAAAAAEAAABAAAAAAAAAAAAAAAAAAAAAAAAAAAAAAAAAAAAAAAAAAAAAAAAAAAAAAAAAAAAAAAAAAAAAAAAAAAAAAAAAAAAAAAAAAAAAAAAAAAAAAAAAAAAAAAAAAAAAFAAAADwAAAAAAAAAAAAAAAAAAAkUAAAAAQAAABQAAAAUAAAAFAAAAAEAAAAAAAAAZAAAAGQAAAAAAAAAZAAAAGQAAAAVAAAAYAAAAAAAAAAAAAAADwAAACADAAAAAAAAAAAAAAEAAACgMgAAVgcAAKr4//8BAAAAf39/AAEAAABkAAAAAAAAABQAAABAHwAAAAAAACYAAAAAAAAAwOD//wAAAAAmAAAAZAAAABYAAABMAAAAAAAAAAAAAAAEAAAAAAAAAAEAAADn5uYKAAAAACgAAAAoAAAAZAAAAGQAAAAAAAAAzMzMAAAAAABQAAAAUAAAAGQAAABkAAAAAAAAABcAAAAUAAAAAAAAAAAAAAD/fwAA/38AAAAAAAAJAAAABAAAAAAAAAAeAAAAaAAAAAAAAAAAAAAAAAAAAAAAAAAAAAAAECcAABAnAAAAAAAAAAAAAAAAAAAAAAAAAAAAAAAAAAAAAAAAAAAAABQAAAAAAAAAwMD/AAAAAABkAAAAMgAAAAAAAABkAAAAAAAAAH9/fwAKAAAAIgAAABgAAAAAAAAAAAAAAAAAAAAAAAAAAAAAAAAAAAAkAAAAJAAAAAAAAAAHAAAAAAAAAAAAAAAAAAAAAAAAAAAAAAAAAAAAf39/ACUAAABYAAAAAAAAAAAAAAAAAAAAAAAAAAAAAAAAAAAAAAAAAAAAAAAAAAAAAAAAAAAAAAA/AAAAAAAAAKCGAQAAAAAAAAAAAAAAAAAMAAAAAQAAAAAAAAAAAAAAAAAAAB8AAABUAAAAAAAABQAAAAEAAAAAAAAAAAAAAAAAAAAAAAAAAAAAAAAAAAAAAAAAAAAAAAJ/f38AAAAAA8zMzADAwP8Af39/AAAAAAAAAAAAAAAAAAAAAAAAAAAAIQAAABgAAAAUAAAA3gMAAD8CAABiNAAAZwoAABAAAAAmAAAACAAAAAAAAAAAAAAAMAAAABQAAAAAAAAAAAD//wAAAQAAAP//AAABAA=="/>
               </a:ext>
             </a:extLst>
           </p:cNvSpPr>
@@ -991,7 +989,7 @@
             <a:spLocks noGrp="1" noChangeArrowheads="1"/>
             <a:extLst>
               <a:ext uri="smNativeData">
-                <pr:smNativeData xmlns:mc="http://schemas.openxmlformats.org/markup-compatibility/2006" xmlns:p14="http://schemas.microsoft.com/office/powerpoint/2010/main" xmlns:p15="http://schemas.microsoft.com/office/powerpoint/2012/main" xmlns:pr="smNativeData" xmlns="smNativeData" val="SMDATA_16_OZjwYBMAAAAlAAAAZAAAAA0AAAAAkAAAAEgAAACQAAAASAAAAAAAAAAAAAAAAAAAAAEAAABQAAAAAAAAAAAA4D8AAAAAAADgPwAAAAAAAOA/AAAAAAAA4D8AAAAAAADgPwAAAAAAAOA/AAAAAAAA4D8AAAAAAADgPwAAAAAAAOA/AAAAAAAA4D8CAAAAjAAAAAAAAAAAAAAARHLEDP///wgAAAAAAAAAAAAAAAAAAAAAAAAAAAAAAAAAAAAAZAAAAAEAAABAAAAAAAAAAAAAAAAAAAAAAAAAAAAAAAAAAAAAAAAAAAAAAAAAAAAAAAAAAAAAAAAAAAAAAAAAAAAAAAAAAAAAAAAAAAAAAAAAAAAAAAAAAAAAAAAAAAAAFAAAADwAAAAAAAAAAAAAAAAAAAkUAAAAAQAAABQAAAAUAAAAFAAAAAEAAAAAAAAAZAAAAGQAAAAAAAAAZAAAAGQAAAAVAAAAYAAAAAAAAAAAAAAADwAAACADAAAAAAAAAAAAAAEAAACgMgAAVgcAAKr4//8BAAAAf39/AAEAAABkAAAAAAAAABQAAABAHwAAAAAAACYAAAAAAAAAwOD//wAAAAAmAAAAZAAAABYAAABMAAAAAAAAAAAAAAAEAAAAAAAAAAEAAADn5uYKAAAAACgAAAAoAAAAZAAAAGQAAAAAAAAAzMzMAAAAAABQAAAAUAAAAGQAAABkAAAAAAAAABcAAAAUAAAAAAAAAAAAAAD/fwAA/38AAAAAAAAJAAAABAAAAAAAAAAeAAAAaAAAAAAAAAAAAAAAAAAAAAAAAAAAAAAAECcAABAnAAAAAAAAAAAAAAAAAAAAAAAAAAAAAAAAAAAAAAAAAAAAABQAAAAAAAAAwMD/AAAAAABkAAAAMgAAAAAAAABkAAAAAAAAAH9/fwAKAAAAIgAAABgAAAAAAAAAAAAAAAAAAAAAAAAAAAAAAAAAAAAkAAAAJAAAAAAAAAAHAAAAAAAAAAAAAAAAAAAAAAAAAAAAAAAAAAAAf39/ACUAAABYAAAAAAAAAAAAAAAAAAAAAAAAAAAAAAAAAAAAAAAAAAAAAAAAAAAAAAAAAAAAAAA/AAAAAAAAAKCGAQAAAAAAAAAAAAAAAAAMAAAAAQAAAAAAAAAAAAAAAAAAAB8AAABUAAAAAAAABQAAAAEAAAAAAAAAAAAAAAAAAAAAAAAAAAAAAAAAAAAAAAAAAAAAAAJ/f38AAAAAA8zMzADAwP8Af39/AAAAAAAAAAAAAAAAAAAAAAAAAAAAIQAAABgAAAAUAAAA3gMAADsLAABiNAAAACYAABAAAAAmAAAACAAAAAAAAAAAAAAAMAAAABQAAAAAAAAAAAD//wAAAQAAAP//AAABAA=="/>
+                <pr:smNativeData xmlns="smNativeData" xmlns:pr="smNativeData" xmlns:p15="http://schemas.microsoft.com/office/powerpoint/2012/main" xmlns:p14="http://schemas.microsoft.com/office/powerpoint/2010/main" xmlns:mc="http://schemas.openxmlformats.org/markup-compatibility/2006" val="SMDATA_16_OZjwYBMAAAAlAAAAZAAAAA0AAAAAkAAAAEgAAACQAAAASAAAAAAAAAAAAAAAAAAAAAEAAABQAAAAAAAAAAAA4D8AAAAAAADgPwAAAAAAAOA/AAAAAAAA4D8AAAAAAADgPwAAAAAAAOA/AAAAAAAA4D8AAAAAAADgPwAAAAAAAOA/AAAAAAAA4D8CAAAAjAAAAAAAAAAAAAAARHLEDP///wgAAAAAAAAAAAAAAAAAAAAAAAAAAAAAAAAAAAAAZAAAAAEAAABAAAAAAAAAAAAAAAAAAAAAAAAAAAAAAAAAAAAAAAAAAAAAAAAAAAAAAAAAAAAAAAAAAAAAAAAAAAAAAAAAAAAAAAAAAAAAAAAAAAAAAAAAAAAAAAAAAAAAFAAAADwAAAAAAAAAAAAAAAAAAAkUAAAAAQAAABQAAAAUAAAAFAAAAAEAAAAAAAAAZAAAAGQAAAAAAAAAZAAAAGQAAAAVAAAAYAAAAAAAAAAAAAAADwAAACADAAAAAAAAAAAAAAEAAACgMgAAVgcAAKr4//8BAAAAf39/AAEAAABkAAAAAAAAABQAAABAHwAAAAAAACYAAAAAAAAAwOD//wAAAAAmAAAAZAAAABYAAABMAAAAAAAAAAAAAAAEAAAAAAAAAAEAAADn5uYKAAAAACgAAAAoAAAAZAAAAGQAAAAAAAAAzMzMAAAAAABQAAAAUAAAAGQAAABkAAAAAAAAABcAAAAUAAAAAAAAAAAAAAD/fwAA/38AAAAAAAAJAAAABAAAAAAAAAAeAAAAaAAAAAAAAAAAAAAAAAAAAAAAAAAAAAAAECcAABAnAAAAAAAAAAAAAAAAAAAAAAAAAAAAAAAAAAAAAAAAAAAAABQAAAAAAAAAwMD/AAAAAABkAAAAMgAAAAAAAABkAAAAAAAAAH9/fwAKAAAAIgAAABgAAAAAAAAAAAAAAAAAAAAAAAAAAAAAAAAAAAAkAAAAJAAAAAAAAAAHAAAAAAAAAAAAAAAAAAAAAAAAAAAAAAAAAAAAf39/ACUAAABYAAAAAAAAAAAAAAAAAAAAAAAAAAAAAAAAAAAAAAAAAAAAAAAAAAAAAAAAAAAAAAA/AAAAAAAAAKCGAQAAAAAAAAAAAAAAAAAMAAAAAQAAAAAAAAAAAAAAAAAAAB8AAABUAAAAAAAABQAAAAEAAAAAAAAAAAAAAAAAAAAAAAAAAAAAAAAAAAAAAAAAAAAAAAJ/f38AAAAAA8zMzADAwP8Af39/AAAAAAAAAAAAAAAAAAAAAAAAAAAAIQAAABgAAAAUAAAA3gMAADsLAABiNAAAACYAABAAAAAmAAAACAAAAAAAAAAAAAAAMAAAABQAAAAAAAAAAAD//wAAAQAAAP//AAABAA=="/>
               </a:ext>
             </a:extLst>
           </p:cNvSpPr>
@@ -1068,7 +1066,7 @@
             <a:spLocks noGrp="1" noChangeArrowheads="1"/>
             <a:extLst>
               <a:ext uri="smNativeData">
-                <pr:smNativeData xmlns:mc="http://schemas.openxmlformats.org/markup-compatibility/2006" xmlns:p14="http://schemas.microsoft.com/office/powerpoint/2010/main" xmlns:p15="http://schemas.microsoft.com/office/powerpoint/2012/main" xmlns:pr="smNativeData" xmlns="smNativeData" val="SMDATA_16_OZjwYBMAAAAlAAAAZAAAAA0AAAAAkAAAAEgAAACQAAAASAAAAAAAAAABAAAAAAAAAAEAAABQAAAAAAAAAAAA4D8AAAAAAADgPwAAAAAAAOA/AAAAAAAA4D8AAAAAAADgPwAAAAAAAOA/AAAAAAAA4D8AAAAAAADgPwAAAAAAAOA/AAAAAAAA4D8CAAAAjAAAAAAAAAAAAAAARHLEDP///wgAAAAAAAAAAAAAAAAAAAAAAAAAAAAAAAAAAAAAZAAAAAEAAABAAAAAAAAAAAAAAAAAAAAAAAAAAAAAAAAAAAAAAAAAAAAAAAAAAAAAAAAAAAAAAAAAAAAAAAAAAAAAAAAAAAAAAAAAAAAAAAAAAAAAAAAAAAAAAAAAAAAAFAAAADwAAAAAAAAAAAAAAAAAAAkUAAAAAQAAABQAAAAUAAAAFAAAAAEAAAAAAAAAZAAAAGQAAAAAAAAAZAAAAGQAAAAVAAAAYAAAAAAAAAAAAAAADwAAACADAAAAAAAAAAAAAAEAAACgMgAAVgcAAKr4//8BAAAAf39/AAEAAABkAAAAAAAAABQAAABAHwAAAAAAACYAAAAAAAAAwOD//wAAAAAmAAAAZAAAABYAAABMAAAAAAAAAAAAAAAEAAAAAAAAAAEAAADn5uYKAAAAACgAAAAoAAAAZAAAAGQAAAAAAAAAzMzMAAAAAABQAAAAUAAAAGQAAABkAAAAAAAAABcAAAAUAAAAAAAAAAAAAAD/fwAA/38AAAAAAAAJAAAABAAAAAAAAAAeAAAAaAAAAAAAAAAAAAAAAAAAAAAAAAAAAAAAECcAABAnAAAAAAAAAAAAAAAAAAAAAAAAAAAAAAAAAAAAAAAAAAAAABQAAAAAAAAAwMD/AAAAAABkAAAAMgAAAAAAAABkAAAAAAAAAH9/fwAKAAAAIgAAABgAAAAAAAAAAAAAAAAAAAAAAAAAAAAAAAAAAAAkAAAAJAAAAAAAAAAHAAAAAAAAAAAAAAAAAAAAAAAAAAAAAAAAAAAAf39/ACUAAABYAAAAAAAAAAAAAAAAAAAAAAAAAAAAAAAAAAAAAAAAAAAAAAAAAAAAAAAAAAAAAAA/AAAAAAAAAKCGAQAAAAAAAAAAAAAAAAAMAAAAAQAAAAAAAAAAAAAAAAAAAB8AAABUAAAAAAAABQAAAAEAAAAAAAAAAAAAAAAAAAAAAAAAAAAAAAAAAAAAAAAAAAAAAAJ/f38AAAAAA8zMzADAwP8Af39/AAAAAAAAAAAAAAAAAAAAAAAAAAAAIQAAABgAAAAUAAAA3gMAABonAACGEAAAWSkAABAAAAAmAAAACAAAAAAAAAAAAAAAMAAAABQAAAAAAAAAAAD//wAAAQAAAP//AAABAA=="/>
+                <pr:smNativeData xmlns="smNativeData" xmlns:pr="smNativeData" xmlns:p15="http://schemas.microsoft.com/office/powerpoint/2012/main" xmlns:p14="http://schemas.microsoft.com/office/powerpoint/2010/main" xmlns:mc="http://schemas.openxmlformats.org/markup-compatibility/2006" val="SMDATA_16_OZjwYBMAAAAlAAAAZAAAAA0AAAAAkAAAAEgAAACQAAAASAAAAAAAAAABAAAAAAAAAAEAAABQAAAAAAAAAAAA4D8AAAAAAADgPwAAAAAAAOA/AAAAAAAA4D8AAAAAAADgPwAAAAAAAOA/AAAAAAAA4D8AAAAAAADgPwAAAAAAAOA/AAAAAAAA4D8CAAAAjAAAAAAAAAAAAAAARHLEDP///wgAAAAAAAAAAAAAAAAAAAAAAAAAAAAAAAAAAAAAZAAAAAEAAABAAAAAAAAAAAAAAAAAAAAAAAAAAAAAAAAAAAAAAAAAAAAAAAAAAAAAAAAAAAAAAAAAAAAAAAAAAAAAAAAAAAAAAAAAAAAAAAAAAAAAAAAAAAAAAAAAAAAAFAAAADwAAAAAAAAAAAAAAAAAAAkUAAAAAQAAABQAAAAUAAAAFAAAAAEAAAAAAAAAZAAAAGQAAAAAAAAAZAAAAGQAAAAVAAAAYAAAAAAAAAAAAAAADwAAACADAAAAAAAAAAAAAAEAAACgMgAAVgcAAKr4//8BAAAAf39/AAEAAABkAAAAAAAAABQAAABAHwAAAAAAACYAAAAAAAAAwOD//wAAAAAmAAAAZAAAABYAAABMAAAAAAAAAAAAAAAEAAAAAAAAAAEAAADn5uYKAAAAACgAAAAoAAAAZAAAAGQAAAAAAAAAzMzMAAAAAABQAAAAUAAAAGQAAABkAAAAAAAAABcAAAAUAAAAAAAAAAAAAAD/fwAA/38AAAAAAAAJAAAABAAAAAAAAAAeAAAAaAAAAAAAAAAAAAAAAAAAAAAAAAAAAAAAECcAABAnAAAAAAAAAAAAAAAAAAAAAAAAAAAAAAAAAAAAAAAAAAAAABQAAAAAAAAAwMD/AAAAAABkAAAAMgAAAAAAAABkAAAAAAAAAH9/fwAKAAAAIgAAABgAAAAAAAAAAAAAAAAAAAAAAAAAAAAAAAAAAAAkAAAAJAAAAAAAAAAHAAAAAAAAAAAAAAAAAAAAAAAAAAAAAAAAAAAAf39/ACUAAABYAAAAAAAAAAAAAAAAAAAAAAAAAAAAAAAAAAAAAAAAAAAAAAAAAAAAAAAAAAAAAAA/AAAAAAAAAKCGAQAAAAAAAAAAAAAAAAAMAAAAAQAAAAAAAAAAAAAAAAAAAB8AAABUAAAAAAAABQAAAAEAAAAAAAAAAAAAAAAAAAAAAAAAAAAAAAAAAAAAAAAAAAAAAAJ/f38AAAAAA8zMzADAwP8Af39/AAAAAAAAAAAAAAAAAAAAAAAAAAAAIQAAABgAAAAUAAAA3gMAABonAACGEAAAWSkAABAAAAAmAAAACAAAAAAAAAAAAAAAMAAAABQAAAAAAAAAAAD//wAAAQAAAP//AAABAA=="/>
               </a:ext>
             </a:extLst>
           </p:cNvSpPr>
@@ -1098,7 +1096,7 @@
             <a:spLocks noGrp="1" noChangeArrowheads="1"/>
             <a:extLst>
               <a:ext uri="smNativeData">
-                <pr:smNativeData xmlns:mc="http://schemas.openxmlformats.org/markup-compatibility/2006" xmlns:p14="http://schemas.microsoft.com/office/powerpoint/2010/main" xmlns:p15="http://schemas.microsoft.com/office/powerpoint/2012/main" xmlns:pr="smNativeData" xmlns="smNativeData" val="SMDATA_16_OZjwYBMAAAAlAAAAZAAAAA0AAAAAkAAAAEgAAACQAAAASAAAAAAAAAABAAAAAAAAAAEAAABQAAAAAAAAAAAA4D8AAAAAAADgPwAAAAAAAOA/AAAAAAAA4D8AAAAAAADgPwAAAAAAAOA/AAAAAAAA4D8AAAAAAADgPwAAAAAAAOA/AAAAAAAA4D8CAAAAjAAAAAAAAAAAAAAARHLEDP///wgAAAAAAAAAAAAAAAAAAAAAAAAAAAAAAAAAAAAAZAAAAAEAAABAAAAAAAAAAAAAAAAAAAAAAAAAAAAAAAAAAAAAAAAAAAAAAAAAAAAAAAAAAAAAAAAAAAAAAAAAAAAAAAAAAAAAAAAAAAAAAAAAAAAAAAAAAAAAAAAAAAAAFAAAADwAAAAAAAAAAAAAAAAAAAkUAAAAAQAAABQAAAAUAAAAFAAAAAEAAAAAAAAAZAAAAGQAAAAAAAAAZAAAAGQAAAAVAAAAYAAAAAAAAAAAAAAADwAAACADAAAAAAAAAAAAAAEAAACgMgAAVgcAAKr4//8BAAAAf39/AAEAAABkAAAAAAAAABQAAABAHwAAAAAAACYAAAAAAAAAwOD//wAAAAAmAAAAZAAAABYAAABMAAAAAAAAAAAAAAAEAAAAAAAAAAEAAADn5uYKAAAAACgAAAAoAAAAZAAAAGQAAAAAAAAAzMzMAAAAAABQAAAAUAAAAGQAAABkAAAAAAAAABcAAAAUAAAAAAAAAAAAAAD/fwAA/38AAAAAAAAJAAAABAAAAAAAAAAeAAAAaAAAAAAAAAAAAAAAAAAAAAAAAAAAAAAAECcAABAnAAAAAAAAAAAAAAAAAAAAAAAAAAAAAAAAAAAAAAAAAAAAABQAAAAAAAAAwMD/AAAAAABkAAAAMgAAAAAAAABkAAAAAAAAAH9/fwAKAAAAIgAAABgAAAAAAAAAAAAAAAAAAAAAAAAAAAAAAAAAAAAkAAAAJAAAAAAAAAAHAAAAAAAAAAAAAAAAAAAAAAAAAAAAAAAAAAAAf39/ACUAAABYAAAAAAAAAAAAAAAAAAAAAAAAAAAAAAAAAAAAAAAAAAAAAAAAAAAAAAAAAAAAAAA/AAAAAAAAAKCGAQAAAAAAAAAAAAAAAAAMAAAAAQAAAAAAAAAAAAAAAAAAAB8AAABUAAAAAAAABQAAAAEAAAAAAAAAAAAAAAAAAAAAAAAAAAAAAAAAAAAAAAAAAAAAAAJ/f38AAAAAA8zMzADAwP8Af39/AAAAAAAAAAAAAAAAAAAAAAAAAAAAIQAAABgAAAAUAAAAohIAABonAACeJQAAWSkAABAAAAAmAAAACAAAAAAAAAAAAAAAMAAAABQAAAAAAAAAAAD//wAAAQAAAP//AAABAA=="/>
+                <pr:smNativeData xmlns="smNativeData" xmlns:pr="smNativeData" xmlns:p15="http://schemas.microsoft.com/office/powerpoint/2012/main" xmlns:p14="http://schemas.microsoft.com/office/powerpoint/2010/main" xmlns:mc="http://schemas.openxmlformats.org/markup-compatibility/2006" val="SMDATA_16_OZjwYBMAAAAlAAAAZAAAAA0AAAAAkAAAAEgAAACQAAAASAAAAAAAAAABAAAAAAAAAAEAAABQAAAAAAAAAAAA4D8AAAAAAADgPwAAAAAAAOA/AAAAAAAA4D8AAAAAAADgPwAAAAAAAOA/AAAAAAAA4D8AAAAAAADgPwAAAAAAAOA/AAAAAAAA4D8CAAAAjAAAAAAAAAAAAAAARHLEDP///wgAAAAAAAAAAAAAAAAAAAAAAAAAAAAAAAAAAAAAZAAAAAEAAABAAAAAAAAAAAAAAAAAAAAAAAAAAAAAAAAAAAAAAAAAAAAAAAAAAAAAAAAAAAAAAAAAAAAAAAAAAAAAAAAAAAAAAAAAAAAAAAAAAAAAAAAAAAAAAAAAAAAAFAAAADwAAAAAAAAAAAAAAAAAAAkUAAAAAQAAABQAAAAUAAAAFAAAAAEAAAAAAAAAZAAAAGQAAAAAAAAAZAAAAGQAAAAVAAAAYAAAAAAAAAAAAAAADwAAACADAAAAAAAAAAAAAAEAAACgMgAAVgcAAKr4//8BAAAAf39/AAEAAABkAAAAAAAAABQAAABAHwAAAAAAACYAAAAAAAAAwOD//wAAAAAmAAAAZAAAABYAAABMAAAAAAAAAAAAAAAEAAAAAAAAAAEAAADn5uYKAAAAACgAAAAoAAAAZAAAAGQAAAAAAAAAzMzMAAAAAABQAAAAUAAAAGQAAABkAAAAAAAAABcAAAAUAAAAAAAAAAAAAAD/fwAA/38AAAAAAAAJAAAABAAAAAAAAAAeAAAAaAAAAAAAAAAAAAAAAAAAAAAAAAAAAAAAECcAABAnAAAAAAAAAAAAAAAAAAAAAAAAAAAAAAAAAAAAAAAAAAAAABQAAAAAAAAAwMD/AAAAAABkAAAAMgAAAAAAAABkAAAAAAAAAH9/fwAKAAAAIgAAABgAAAAAAAAAAAAAAAAAAAAAAAAAAAAAAAAAAAAkAAAAJAAAAAAAAAAHAAAAAAAAAAAAAAAAAAAAAAAAAAAAAAAAAAAAf39/ACUAAABYAAAAAAAAAAAAAAAAAAAAAAAAAAAAAAAAAAAAAAAAAAAAAAAAAAAAAAAAAAAAAAA/AAAAAAAAAKCGAQAAAAAAAAAAAAAAAAAMAAAAAQAAAAAAAAAAAAAAAAAAAB8AAABUAAAAAAAABQAAAAEAAAAAAAAAAAAAAAAAAAAAAAAAAAAAAAAAAAAAAAAAAAAAAAJ/f38AAAAAA8zMzADAwP8Af39/AAAAAAAAAAAAAAAAAAAAAAAAAAAAIQAAABgAAAAUAAAAohIAABonAACeJQAAWSkAABAAAAAmAAAACAAAAAAAAAAAAAAAMAAAABQAAAAAAAAAAAD//wAAAQAAAP//AAABAA=="/>
               </a:ext>
             </a:extLst>
           </p:cNvSpPr>
@@ -1125,7 +1123,7 @@
             <a:spLocks noGrp="1" noChangeArrowheads="1"/>
             <a:extLst>
               <a:ext uri="smNativeData">
-                <pr:smNativeData xmlns:mc="http://schemas.openxmlformats.org/markup-compatibility/2006" xmlns:p14="http://schemas.microsoft.com/office/powerpoint/2010/main" xmlns:p15="http://schemas.microsoft.com/office/powerpoint/2012/main" xmlns:pr="smNativeData" xmlns="smNativeData" val="SMDATA_16_OZjwYBMAAAAlAAAAZAAAAA0AAAAAkAAAAEgAAACQAAAASAAAAAAAAAABAAAAAAAAAAEAAABQAAAAAAAAAAAA4D8AAAAAAADgPwAAAAAAAOA/AAAAAAAA4D8AAAAAAADgPwAAAAAAAOA/AAAAAAAA4D8AAAAAAADgPwAAAAAAAOA/AAAAAAAA4D8CAAAAjAAAAAAAAAAAAAAARHLEDP///wgAAAAAAAAAAAAAAAAAAAAAAAAAAAAAAAAAAAAAZAAAAAEAAABAAAAAAAAAAAAAAAAAAAAAAAAAAAAAAAAAAAAAAAAAAAAAAAAAAAAAAAAAAAAAAAAAAAAAAAAAAAAAAAAAAAAAAAAAAAAAAAAAAAAAAAAAAAAAAAAAAAAAFAAAADwAAAAAAAAAAAAAAAAAAAkUAAAAAQAAABQAAAAUAAAAFAAAAAEAAAAAAAAAZAAAAGQAAAAAAAAAZAAAAGQAAAAVAAAAYAAAAAAAAAAAAAAADwAAACADAAAAAAAAAAAAAAEAAACgMgAAVgcAAKr4//8BAAAAf39/AAEAAABkAAAAAAAAABQAAABAHwAAAAAAACYAAAAAAAAAwOD//wAAAAAmAAAAZAAAABYAAABMAAAAAAAAAAAAAAAEAAAAAAAAAAEAAADn5uYKAAAAACgAAAAoAAAAZAAAAGQAAAAAAAAAzMzMAAAAAABQAAAAUAAAAGQAAABkAAAAAAAAABcAAAAUAAAAAAAAAAAAAAD/fwAA/38AAAAAAAAJAAAABAAAAAAAAAAeAAAAaAAAAAAAAAAAAAAAAAAAAAAAAAAAAAAAECcAABAnAAAAAAAAAAAAAAAAAAAAAAAAAAAAAAAAAAAAAAAAAAAAABQAAAAAAAAAwMD/AAAAAABkAAAAMgAAAAAAAABkAAAAAAAAAH9/fwAKAAAAIgAAABgAAAAAAAAAAAAAAAAAAAAAAAAAAAAAAAAAAAAkAAAAJAAAAAAAAAAHAAAAAAAAAAAAAAAAAAAAAAAAAAAAAAAAAAAAf39/ACUAAABYAAAAAAAAAAAAAAAAAAAAAAAAAAAAAAAAAAAAAAAAAAAAAAAAAAAAAAAAAAAAAAA/AAAAAAAAAKCGAQAAAAAAAAAAAAAAAAAMAAAAAQAAAAAAAAAAAAAAAAAAAB8AAABUAAAAAAAABQAAAAEAAAAAAAAAAAAAAAAAAAAAAAAAAAAAAAAAAAAAAAAAAAAAAAJ/f38AAAAAA8zMzADAwP8Af39/AAAAAAAAAAAAAAAAAAAAAAAAAAAAIQAAABgAAAAUAAAAuicAABonAABiNAAAWSkAABAAAAAmAAAACAAAAAAAAAAAAAAAMAAAABQAAAAAAAAAAAD//wAAAQAAAP//AAABAA=="/>
+                <pr:smNativeData xmlns="smNativeData" xmlns:pr="smNativeData" xmlns:p15="http://schemas.microsoft.com/office/powerpoint/2012/main" xmlns:p14="http://schemas.microsoft.com/office/powerpoint/2010/main" xmlns:mc="http://schemas.openxmlformats.org/markup-compatibility/2006" val="SMDATA_16_OZjwYBMAAAAlAAAAZAAAAA0AAAAAkAAAAEgAAACQAAAASAAAAAAAAAABAAAAAAAAAAEAAABQAAAAAAAAAAAA4D8AAAAAAADgPwAAAAAAAOA/AAAAAAAA4D8AAAAAAADgPwAAAAAAAOA/AAAAAAAA4D8AAAAAAADgPwAAAAAAAOA/AAAAAAAA4D8CAAAAjAAAAAAAAAAAAAAARHLEDP///wgAAAAAAAAAAAAAAAAAAAAAAAAAAAAAAAAAAAAAZAAAAAEAAABAAAAAAAAAAAAAAAAAAAAAAAAAAAAAAAAAAAAAAAAAAAAAAAAAAAAAAAAAAAAAAAAAAAAAAAAAAAAAAAAAAAAAAAAAAAAAAAAAAAAAAAAAAAAAAAAAAAAAFAAAADwAAAAAAAAAAAAAAAAAAAkUAAAAAQAAABQAAAAUAAAAFAAAAAEAAAAAAAAAZAAAAGQAAAAAAAAAZAAAAGQAAAAVAAAAYAAAAAAAAAAAAAAADwAAACADAAAAAAAAAAAAAAEAAACgMgAAVgcAAKr4//8BAAAAf39/AAEAAABkAAAAAAAAABQAAABAHwAAAAAAACYAAAAAAAAAwOD//wAAAAAmAAAAZAAAABYAAABMAAAAAAAAAAAAAAAEAAAAAAAAAAEAAADn5uYKAAAAACgAAAAoAAAAZAAAAGQAAAAAAAAAzMzMAAAAAABQAAAAUAAAAGQAAABkAAAAAAAAABcAAAAUAAAAAAAAAAAAAAD/fwAA/38AAAAAAAAJAAAABAAAAAAAAAAeAAAAaAAAAAAAAAAAAAAAAAAAAAAAAAAAAAAAECcAABAnAAAAAAAAAAAAAAAAAAAAAAAAAAAAAAAAAAAAAAAAAAAAABQAAAAAAAAAwMD/AAAAAABkAAAAMgAAAAAAAABkAAAAAAAAAH9/fwAKAAAAIgAAABgAAAAAAAAAAAAAAAAAAAAAAAAAAAAAAAAAAAAkAAAAJAAAAAAAAAAHAAAAAAAAAAAAAAAAAAAAAAAAAAAAAAAAAAAAf39/ACUAAABYAAAAAAAAAAAAAAAAAAAAAAAAAAAAAAAAAAAAAAAAAAAAAAAAAAAAAAAAAAAAAAA/AAAAAAAAAKCGAQAAAAAAAAAAAAAAAAAMAAAAAQAAAAAAAAAAAAAAAAAAAB8AAABUAAAAAAAABQAAAAEAAAAAAAAAAAAAAAAAAAAAAAAAAAAAAAAAAAAAAAAAAAAAAAJ/f38AAAAAA8zMzADAwP8Af39/AAAAAAAAAAAAAAAAAAAAAAAAAAAAIQAAABgAAAAUAAAAuicAABonAABiNAAAWSkAABAAAAAmAAAACAAAAAAAAAAAAAAAMAAAABQAAAAAAAAAAAD//wAAAQAAAP//AAABAA=="/>
               </a:ext>
             </a:extLst>
           </p:cNvSpPr>
@@ -1181,7 +1179,7 @@
             <a:spLocks noGrp="1" noChangeArrowheads="1"/>
             <a:extLst>
               <a:ext uri="smNativeData">
-                <pr:smNativeData xmlns:mc="http://schemas.openxmlformats.org/markup-compatibility/2006" xmlns:p14="http://schemas.microsoft.com/office/powerpoint/2010/main" xmlns:p15="http://schemas.microsoft.com/office/powerpoint/2012/main" xmlns:pr="smNativeData" xmlns="smNativeData" val="SMDATA_16_OZjwYBMAAAAlAAAAZAAAAA0AAAAAkAAAAEgAAACQAAAASAAAAAAAAAACAAAAAAAAAAEAAABQAAAAAAAAAAAA4D8AAAAAAADgPwAAAAAAAOA/AAAAAAAA4D8AAAAAAADgPwAAAAAAAOA/AAAAAAAA4D8AAAAAAADgPwAAAAAAAOA/AAAAAAAA4D8CAAAAjAAAAAAAAAAAAAAARHLEDP///wgAAAAAAAAAAAAAAAAAAAAAAAAAAAAAAAAAAAAAZAAAAAEAAABAAAAAAAAAAAAAAAAAAAAAAAAAAAAAAAAAAAAAAAAAAAAAAAAAAAAAAAAAAAAAAAAAAAAAAAAAAAAAAAAAAAAAAAAAAAAAAAAAAAAAAAAAAAAAAAAAAAAAFAAAADwAAAAAAAAAAAAAAAAAAAkUAAAAAQAAABQAAAAUAAAAFAAAAAEAAAAAAAAAZAAAAGQAAAAAAAAAZAAAAGQAAAAVAAAAYAAAAAAAAAAAAAAADwAAACADAAAAAAAAAAAAAAEAAACgMgAAVgcAAKr4//8BAAAAf39/AAEAAABkAAAAAAAAABQAAABAHwAAAAAAACYAAAAAAAAAwOD//wAAAAAmAAAAZAAAABYAAABMAAAAAAAAAAAAAAAEAAAAAAAAAAEAAADn5uYKAAAAACgAAAAoAAAAZAAAAGQAAAAAAAAAzMzMAAAAAABQAAAAUAAAAGQAAABkAAAAAAAAABcAAAAUAAAAAAAAAAAAAAD/fwAA/38AAAAAAAAJAAAABAAAAAAAAAAeAAAAaAAAAAAAAAAAAAAAAAAAAAAAAAAAAAAAECcAABAnAAAAAAAAAAAAAAAAAAAAAAAAAAAAAAAAAAAAAAAAAAAAABQAAAAAAAAAwMD/AAAAAABkAAAAMgAAAAAAAABkAAAAAAAAAH9/fwAKAAAAIgAAABgAAAAAAAAAAAAAAAAAAAAAAAAAAAAAAAAAAAAkAAAAJAAAAAAAAAAHAAAAAAAAAAAAAAAAAAAAAAAAAAAAAAAAAAAAf39/ACUAAABYAAAAAAAAAAAAAAAAAAAAAAAAAAAAAAAAAAAAAAAAAAAAAAAAAAAAAAAAAAAAAAA/AAAAAAAAAKCGAQAAAAAAAAAAAAAAAAAMAAAAAQAAAAAAAAAAAAAAAAAAAB8AAABUAAAAAAAABQAAAAEAAAAAAAAAAAAAAAAAAAAAAAAAAAAAAAAAAAAAAAAAAAAAAAJ/f38AAAAAA8zMzADAwP8Af39/AAAAAAAAAAAAAAAAAAAAAAAAAAAAIQAAABgAAAAUAAAA1wMAAIUKAABbNAAAERwAABAAAAAmAAAACAAAAIGAAAAAAAAAMAAAABQAAAAAAAAAAAD//wAAAQAAAP//AAABAA=="/>
+                <pr:smNativeData xmlns="smNativeData" xmlns:pr="smNativeData" xmlns:p15="http://schemas.microsoft.com/office/powerpoint/2012/main" xmlns:p14="http://schemas.microsoft.com/office/powerpoint/2010/main" xmlns:mc="http://schemas.openxmlformats.org/markup-compatibility/2006" val="SMDATA_16_OZjwYBMAAAAlAAAAZAAAAA0AAAAAkAAAAEgAAACQAAAASAAAAAAAAAACAAAAAAAAAAEAAABQAAAAAAAAAAAA4D8AAAAAAADgPwAAAAAAAOA/AAAAAAAA4D8AAAAAAADgPwAAAAAAAOA/AAAAAAAA4D8AAAAAAADgPwAAAAAAAOA/AAAAAAAA4D8CAAAAjAAAAAAAAAAAAAAARHLEDP///wgAAAAAAAAAAAAAAAAAAAAAAAAAAAAAAAAAAAAAZAAAAAEAAABAAAAAAAAAAAAAAAAAAAAAAAAAAAAAAAAAAAAAAAAAAAAAAAAAAAAAAAAAAAAAAAAAAAAAAAAAAAAAAAAAAAAAAAAAAAAAAAAAAAAAAAAAAAAAAAAAAAAAFAAAADwAAAAAAAAAAAAAAAAAAAkUAAAAAQAAABQAAAAUAAAAFAAAAAEAAAAAAAAAZAAAAGQAAAAAAAAAZAAAAGQAAAAVAAAAYAAAAAAAAAAAAAAADwAAACADAAAAAAAAAAAAAAEAAACgMgAAVgcAAKr4//8BAAAAf39/AAEAAABkAAAAAAAAABQAAABAHwAAAAAAACYAAAAAAAAAwOD//wAAAAAmAAAAZAAAABYAAABMAAAAAAAAAAAAAAAEAAAAAAAAAAEAAADn5uYKAAAAACgAAAAoAAAAZAAAAGQAAAAAAAAAzMzMAAAAAABQAAAAUAAAAGQAAABkAAAAAAAAABcAAAAUAAAAAAAAAAAAAAD/fwAA/38AAAAAAAAJAAAABAAAAAAAAAAeAAAAaAAAAAAAAAAAAAAAAAAAAAAAAAAAAAAAECcAABAnAAAAAAAAAAAAAAAAAAAAAAAAAAAAAAAAAAAAAAAAAAAAABQAAAAAAAAAwMD/AAAAAABkAAAAMgAAAAAAAABkAAAAAAAAAH9/fwAKAAAAIgAAABgAAAAAAAAAAAAAAAAAAAAAAAAAAAAAAAAAAAAkAAAAJAAAAAAAAAAHAAAAAAAAAAAAAAAAAAAAAAAAAAAAAAAAAAAAf39/ACUAAABYAAAAAAAAAAAAAAAAAAAAAAAAAAAAAAAAAAAAAAAAAAAAAAAAAAAAAAAAAAAAAAA/AAAAAAAAAKCGAQAAAAAAAAAAAAAAAAAMAAAAAQAAAAAAAAAAAAAAAAAAAB8AAABUAAAAAAAABQAAAAEAAAAAAAAAAAAAAAAAAAAAAAAAAAAAAAAAAAAAAAAAAAAAAAJ/f38AAAAAA8zMzADAwP8Af39/AAAAAAAAAAAAAAAAAAAAAAAAAAAAIQAAABgAAAAUAAAA1wMAAIUKAABbNAAAERwAABAAAAAmAAAACAAAAIGAAAAAAAAAMAAAABQAAAAAAAAAAAD//wAAAQAAAP//AAABAA=="/>
               </a:ext>
             </a:extLst>
           </p:cNvSpPr>
@@ -1247,7 +1245,7 @@
             <a:spLocks noGrp="1" noChangeArrowheads="1"/>
             <a:extLst>
               <a:ext uri="smNativeData">
-                <pr:smNativeData xmlns:mc="http://schemas.openxmlformats.org/markup-compatibility/2006" xmlns:p14="http://schemas.microsoft.com/office/powerpoint/2010/main" xmlns:p15="http://schemas.microsoft.com/office/powerpoint/2012/main" xmlns:pr="smNativeData" xmlns="smNativeData" val="SMDATA_16_OZjwYBMAAAAlAAAAZAAAAA0AAAAAkAAAAEgAAACQAAAASAAAAAAAAAAAAAAAAAAAAAEAAABQAAAAAAAAAAAA4D8AAAAAAADgPwAAAAAAAOA/AAAAAAAA4D8AAAAAAADgPwAAAAAAAOA/AAAAAAAA4D8AAAAAAADgPwAAAAAAAOA/AAAAAAAA4D8CAAAAjAAAAAAAAAAAAAAARHLEDP///wgAAAAAAAAAAAAAAAAAAAAAAAAAAAAAAAAAAAAAZAAAAAEAAABAAAAAAAAAAAAAAAAAAAAAAAAAAAAAAAAAAAAAAAAAAAAAAAAAAAAAAAAAAAAAAAAAAAAAAAAAAAAAAAAAAAAAAAAAAAAAAAAAAAAAAAAAAAAAAAAAAAAAFAAAADwAAAAAAAAAAAAAAAAAAAkUAAAAAQAAABQAAAAUAAAAFAAAAAEAAAAAAAAAZAAAAGQAAAAAAAAAZAAAAGQAAAAVAAAAYAAAAAAAAAAAAAAADwAAACADAAAAAAAAAAAAAAEAAACgMgAAVgcAAKr4//8BAAAAf39/AAEAAABkAAAAAAAAABQAAABAHwAAAAAAACYAAAAAAAAAwOD//wAAAAAmAAAAZAAAABYAAABMAAAAAAAAAAAAAAAEAAAAAAAAAAEAAADn5uYKAAAAACgAAAAoAAAAZAAAAGQAAAAAAAAAzMzMAAAAAABQAAAAUAAAAGQAAABkAAAAAAAAABcAAAAUAAAAAAAAAAAAAAD/fwAA/38AAAAAAAAJAAAABAAAAAAAAAAeAAAAaAAAAAAAAAAAAAAAAAAAAAAAAAAAAAAAECcAABAnAAAAAAAAAAAAAAAAAAAAAAAAAAAAAAAAAAAAAAAAAAAAABQAAAAAAAAAwMD/AAAAAABkAAAAMgAAAAAAAABkAAAAAAAAAH9/fwAKAAAAIgAAABgAAAAAAAAAAAAAAAAAAAAAAAAAAAAAAAAAAAAkAAAAJAAAAAAAAAAHAAAAAAAAAAAAAAAAAAAAAAAAAAAAAAAAAAAAf39/ACUAAABYAAAAAAAAAAAAAAAAAAAAAAAAAAAAAAAAAAAAAAAAAAAAAAAAAAAAAAAAAAAAAAA/AAAAAAAAAKCGAQAAAAAAAAAAAAAAAAAMAAAAAQAAAAAAAAAAAAAAAAAAAB8AAABUAAAAAAAABQAAAAEAAAAAAAAAAAAAAAAAAAAAAAAAAAAAAAAAAAAAAAAAAAAAAAJ/f38AAAAAA8zMzADAwP8Af39/AAAAAAAAAAAAAAAAAAAAAAAAAAAAIQAAABgAAAAUAAAA1wMAADwcAABbNAAAdiUAABAAAAAmAAAACAAAAAGAAAAAAAAAMAAAABQAAAAAAAAAAAD//wAAAQAAAP//AAABAA=="/>
+                <pr:smNativeData xmlns="smNativeData" xmlns:pr="smNativeData" xmlns:p15="http://schemas.microsoft.com/office/powerpoint/2012/main" xmlns:p14="http://schemas.microsoft.com/office/powerpoint/2010/main" xmlns:mc="http://schemas.openxmlformats.org/markup-compatibility/2006" val="SMDATA_16_OZjwYBMAAAAlAAAAZAAAAA0AAAAAkAAAAEgAAACQAAAASAAAAAAAAAAAAAAAAAAAAAEAAABQAAAAAAAAAAAA4D8AAAAAAADgPwAAAAAAAOA/AAAAAAAA4D8AAAAAAADgPwAAAAAAAOA/AAAAAAAA4D8AAAAAAADgPwAAAAAAAOA/AAAAAAAA4D8CAAAAjAAAAAAAAAAAAAAARHLEDP///wgAAAAAAAAAAAAAAAAAAAAAAAAAAAAAAAAAAAAAZAAAAAEAAABAAAAAAAAAAAAAAAAAAAAAAAAAAAAAAAAAAAAAAAAAAAAAAAAAAAAAAAAAAAAAAAAAAAAAAAAAAAAAAAAAAAAAAAAAAAAAAAAAAAAAAAAAAAAAAAAAAAAAFAAAADwAAAAAAAAAAAAAAAAAAAkUAAAAAQAAABQAAAAUAAAAFAAAAAEAAAAAAAAAZAAAAGQAAAAAAAAAZAAAAGQAAAAVAAAAYAAAAAAAAAAAAAAADwAAACADAAAAAAAAAAAAAAEAAACgMgAAVgcAAKr4//8BAAAAf39/AAEAAABkAAAAAAAAABQAAABAHwAAAAAAACYAAAAAAAAAwOD//wAAAAAmAAAAZAAAABYAAABMAAAAAAAAAAAAAAAEAAAAAAAAAAEAAADn5uYKAAAAACgAAAAoAAAAZAAAAGQAAAAAAAAAzMzMAAAAAABQAAAAUAAAAGQAAABkAAAAAAAAABcAAAAUAAAAAAAAAAAAAAD/fwAA/38AAAAAAAAJAAAABAAAAAAAAAAeAAAAaAAAAAAAAAAAAAAAAAAAAAAAAAAAAAAAECcAABAnAAAAAAAAAAAAAAAAAAAAAAAAAAAAAAAAAAAAAAAAAAAAABQAAAAAAAAAwMD/AAAAAABkAAAAMgAAAAAAAABkAAAAAAAAAH9/fwAKAAAAIgAAABgAAAAAAAAAAAAAAAAAAAAAAAAAAAAAAAAAAAAkAAAAJAAAAAAAAAAHAAAAAAAAAAAAAAAAAAAAAAAAAAAAAAAAAAAAf39/ACUAAABYAAAAAAAAAAAAAAAAAAAAAAAAAAAAAAAAAAAAAAAAAAAAAAAAAAAAAAAAAAAAAAA/AAAAAAAAAKCGAQAAAAAAAAAAAAAAAAAMAAAAAQAAAAAAAAAAAAAAAAAAAB8AAABUAAAAAAAABQAAAAEAAAAAAAAAAAAAAAAAAAAAAAAAAAAAAAAAAAAAAAAAAAAAAAJ/f38AAAAAA8zMzADAwP8Af39/AAAAAAAAAAAAAAAAAAAAAAAAAAAAIQAAABgAAAAUAAAA1wMAADwcAABbNAAAdiUAABAAAAAmAAAACAAAAAGAAAAAAAAAMAAAABQAAAAAAAAAAAD//wAAAQAAAP//AAABAA=="/>
               </a:ext>
             </a:extLst>
           </p:cNvSpPr>
@@ -1354,7 +1352,7 @@
             <a:spLocks noGrp="1" noChangeArrowheads="1"/>
             <a:extLst>
               <a:ext uri="smNativeData">
-                <pr:smNativeData xmlns:mc="http://schemas.openxmlformats.org/markup-compatibility/2006" xmlns:p14="http://schemas.microsoft.com/office/powerpoint/2010/main" xmlns:p15="http://schemas.microsoft.com/office/powerpoint/2012/main" xmlns:pr="smNativeData" xmlns="smNativeData" val="SMDATA_16_OZjwYBMAAAAlAAAAZAAAAA0AAAAAkAAAAEgAAACQAAAASAAAAAAAAAABAAAAAAAAAAEAAABQAAAAAAAAAAAA4D8AAAAAAADgPwAAAAAAAOA/AAAAAAAA4D8AAAAAAADgPwAAAAAAAOA/AAAAAAAA4D8AAAAAAADgPwAAAAAAAOA/AAAAAAAA4D8CAAAAjAAAAAAAAAAAAAAARHLEDP///wgAAAAAAAAAAAAAAAAAAAAAAAAAAAAAAAAAAAAAZAAAAAEAAABAAAAAAAAAAAAAAAAAAAAAAAAAAAAAAAAAAAAAAAAAAAAAAAAAAAAAAAAAAAAAAAAAAAAAAAAAAAAAAAAAAAAAAAAAAAAAAAAAAAAAAAAAAAAAAAAAAAAAFAAAADwAAAAAAAAAAAAAAAAAAAkUAAAAAQAAABQAAAAUAAAAFAAAAAEAAAAAAAAAZAAAAGQAAAAAAAAAZAAAAGQAAAAVAAAAYAAAAAAAAAAAAAAADwAAACADAAAAAAAAAAAAAAEAAACgMgAAVgcAAKr4//8BAAAAf39/AAEAAABkAAAAAAAAABQAAABAHwAAAAAAACYAAAAAAAAAwOD//wAAAAAmAAAAZAAAABYAAABMAAAAAAAAAAAAAAAEAAAAAAAAAAEAAADn5uYKAAAAACgAAAAoAAAAZAAAAGQAAAAAAAAAzMzMAAAAAABQAAAAUAAAAGQAAABkAAAAAAAAABcAAAAUAAAAAAAAAAAAAAD/fwAA/38AAAAAAAAJAAAABAAAAAAAAAAeAAAAaAAAAAAAAAAAAAAAAAAAAAAAAAAAAAAAECcAABAnAAAAAAAAAAAAAAAAAAAAAAAAAAAAAAAAAAAAAAAAAAAAABQAAAAAAAAAwMD/AAAAAABkAAAAMgAAAAAAAABkAAAAAAAAAH9/fwAKAAAAIgAAABgAAAAAAAAAAAAAAAAAAAAAAAAAAAAAAAAAAAAkAAAAJAAAAAAAAAAHAAAAAAAAAAAAAAAAAAAAAAAAAAAAAAAAAAAAf39/ACUAAABYAAAAAAAAAAAAAAAAAAAAAAAAAAAAAAAAAAAAAAAAAAAAAAAAAAAAAAAAAAAAAAA/AAAAAAAAAKCGAQAAAAAAAAAAAAAAAAAMAAAAAQAAAAAAAAAAAAAAAAAAAB8AAABUAAAAAAAABQAAAAEAAAAAAAAAAAAAAAAAAAAAAAAAAAAAAAAAAAAAAAAAAAAAAAJ/f38AAAAAA8zMzADAwP8Af39/AAAAAAAAAAAAAAAAAAAAAAAAAAAAIQAAABgAAAAUAAAA3gMAABonAACGEAAAWSkAABAAAAAmAAAACAAAAAAAAAAAAAAAMAAAABQAAAAAAAAAAAD//wAAAQAAAP//AAABAA=="/>
+                <pr:smNativeData xmlns="smNativeData" xmlns:pr="smNativeData" xmlns:p15="http://schemas.microsoft.com/office/powerpoint/2012/main" xmlns:p14="http://schemas.microsoft.com/office/powerpoint/2010/main" xmlns:mc="http://schemas.openxmlformats.org/markup-compatibility/2006" val="SMDATA_16_OZjwYBMAAAAlAAAAZAAAAA0AAAAAkAAAAEgAAACQAAAASAAAAAAAAAABAAAAAAAAAAEAAABQAAAAAAAAAAAA4D8AAAAAAADgPwAAAAAAAOA/AAAAAAAA4D8AAAAAAADgPwAAAAAAAOA/AAAAAAAA4D8AAAAAAADgPwAAAAAAAOA/AAAAAAAA4D8CAAAAjAAAAAAAAAAAAAAARHLEDP///wgAAAAAAAAAAAAAAAAAAAAAAAAAAAAAAAAAAAAAZAAAAAEAAABAAAAAAAAAAAAAAAAAAAAAAAAAAAAAAAAAAAAAAAAAAAAAAAAAAAAAAAAAAAAAAAAAAAAAAAAAAAAAAAAAAAAAAAAAAAAAAAAAAAAAAAAAAAAAAAAAAAAAFAAAADwAAAAAAAAAAAAAAAAAAAkUAAAAAQAAABQAAAAUAAAAFAAAAAEAAAAAAAAAZAAAAGQAAAAAAAAAZAAAAGQAAAAVAAAAYAAAAAAAAAAAAAAADwAAACADAAAAAAAAAAAAAAEAAACgMgAAVgcAAKr4//8BAAAAf39/AAEAAABkAAAAAAAAABQAAABAHwAAAAAAACYAAAAAAAAAwOD//wAAAAAmAAAAZAAAABYAAABMAAAAAAAAAAAAAAAEAAAAAAAAAAEAAADn5uYKAAAAACgAAAAoAAAAZAAAAGQAAAAAAAAAzMzMAAAAAABQAAAAUAAAAGQAAABkAAAAAAAAABcAAAAUAAAAAAAAAAAAAAD/fwAA/38AAAAAAAAJAAAABAAAAAAAAAAeAAAAaAAAAAAAAAAAAAAAAAAAAAAAAAAAAAAAECcAABAnAAAAAAAAAAAAAAAAAAAAAAAAAAAAAAAAAAAAAAAAAAAAABQAAAAAAAAAwMD/AAAAAABkAAAAMgAAAAAAAABkAAAAAAAAAH9/fwAKAAAAIgAAABgAAAAAAAAAAAAAAAAAAAAAAAAAAAAAAAAAAAAkAAAAJAAAAAAAAAAHAAAAAAAAAAAAAAAAAAAAAAAAAAAAAAAAAAAAf39/ACUAAABYAAAAAAAAAAAAAAAAAAAAAAAAAAAAAAAAAAAAAAAAAAAAAAAAAAAAAAAAAAAAAAA/AAAAAAAAAKCGAQAAAAAAAAAAAAAAAAAMAAAAAQAAAAAAAAAAAAAAAAAAAB8AAABUAAAAAAAABQAAAAEAAAAAAAAAAAAAAAAAAAAAAAAAAAAAAAAAAAAAAAAAAAAAAAJ/f38AAAAAA8zMzADAwP8Af39/AAAAAAAAAAAAAAAAAAAAAAAAAAAAIQAAABgAAAAUAAAA3gMAABonAACGEAAAWSkAABAAAAAmAAAACAAAAAAAAAAAAAAAMAAAABQAAAAAAAAAAAD//wAAAQAAAP//AAABAA=="/>
               </a:ext>
             </a:extLst>
           </p:cNvSpPr>
@@ -1384,7 +1382,7 @@
             <a:spLocks noGrp="1" noChangeArrowheads="1"/>
             <a:extLst>
               <a:ext uri="smNativeData">
-                <pr:smNativeData xmlns:mc="http://schemas.openxmlformats.org/markup-compatibility/2006" xmlns:p14="http://schemas.microsoft.com/office/powerpoint/2010/main" xmlns:p15="http://schemas.microsoft.com/office/powerpoint/2012/main" xmlns:pr="smNativeData" xmlns="smNativeData" val="SMDATA_16_OZjwYBMAAAAlAAAAZAAAAA0AAAAAkAAAAEgAAACQAAAASAAAAAAAAAABAAAAAAAAAAEAAABQAAAAAAAAAAAA4D8AAAAAAADgPwAAAAAAAOA/AAAAAAAA4D8AAAAAAADgPwAAAAAAAOA/AAAAAAAA4D8AAAAAAADgPwAAAAAAAOA/AAAAAAAA4D8CAAAAjAAAAAAAAAAAAAAARHLEDP///wgAAAAAAAAAAAAAAAAAAAAAAAAAAAAAAAAAAAAAZAAAAAEAAABAAAAAAAAAAAAAAAAAAAAAAAAAAAAAAAAAAAAAAAAAAAAAAAAAAAAAAAAAAAAAAAAAAAAAAAAAAAAAAAAAAAAAAAAAAAAAAAAAAAAAAAAAAAAAAAAAAAAAFAAAADwAAAAAAAAAAAAAAAAAAAkUAAAAAQAAABQAAAAUAAAAFAAAAAEAAAAAAAAAZAAAAGQAAAAAAAAAZAAAAGQAAAAVAAAAYAAAAAAAAAAAAAAADwAAACADAAAAAAAAAAAAAAEAAACgMgAAVgcAAKr4//8BAAAAf39/AAEAAABkAAAAAAAAABQAAABAHwAAAAAAACYAAAAAAAAAwOD//wAAAAAmAAAAZAAAABYAAABMAAAAAAAAAAAAAAAEAAAAAAAAAAEAAADn5uYKAAAAACgAAAAoAAAAZAAAAGQAAAAAAAAAzMzMAAAAAABQAAAAUAAAAGQAAABkAAAAAAAAABcAAAAUAAAAAAAAAAAAAAD/fwAA/38AAAAAAAAJAAAABAAAAAAAAAAeAAAAaAAAAAAAAAAAAAAAAAAAAAAAAAAAAAAAECcAABAnAAAAAAAAAAAAAAAAAAAAAAAAAAAAAAAAAAAAAAAAAAAAABQAAAAAAAAAwMD/AAAAAABkAAAAMgAAAAAAAABkAAAAAAAAAH9/fwAKAAAAIgAAABgAAAAAAAAAAAAAAAAAAAAAAAAAAAAAAAAAAAAkAAAAJAAAAAAAAAAHAAAAAAAAAAAAAAAAAAAAAAAAAAAAAAAAAAAAf39/ACUAAABYAAAAAAAAAAAAAAAAAAAAAAAAAAAAAAAAAAAAAAAAAAAAAAAAAAAAAAAAAAAAAAA/AAAAAAAAAKCGAQAAAAAAAAAAAAAAAAAMAAAAAQAAAAAAAAAAAAAAAAAAAB8AAABUAAAAAAAABQAAAAEAAAAAAAAAAAAAAAAAAAAAAAAAAAAAAAAAAAAAAAAAAAAAAAJ/f38AAAAAA8zMzADAwP8Af39/AAAAAAAAAAAAAAAAAAAAAAAAAAAAIQAAABgAAAAUAAAAohIAABonAACeJQAAWSkAABAAAAAmAAAACAAAAAAAAAAAAAAAMAAAABQAAAAAAAAAAAD//wAAAQAAAP//AAABAA=="/>
+                <pr:smNativeData xmlns="smNativeData" xmlns:pr="smNativeData" xmlns:p15="http://schemas.microsoft.com/office/powerpoint/2012/main" xmlns:p14="http://schemas.microsoft.com/office/powerpoint/2010/main" xmlns:mc="http://schemas.openxmlformats.org/markup-compatibility/2006" val="SMDATA_16_OZjwYBMAAAAlAAAAZAAAAA0AAAAAkAAAAEgAAACQAAAASAAAAAAAAAABAAAAAAAAAAEAAABQAAAAAAAAAAAA4D8AAAAAAADgPwAAAAAAAOA/AAAAAAAA4D8AAAAAAADgPwAAAAAAAOA/AAAAAAAA4D8AAAAAAADgPwAAAAAAAOA/AAAAAAAA4D8CAAAAjAAAAAAAAAAAAAAARHLEDP///wgAAAAAAAAAAAAAAAAAAAAAAAAAAAAAAAAAAAAAZAAAAAEAAABAAAAAAAAAAAAAAAAAAAAAAAAAAAAAAAAAAAAAAAAAAAAAAAAAAAAAAAAAAAAAAAAAAAAAAAAAAAAAAAAAAAAAAAAAAAAAAAAAAAAAAAAAAAAAAAAAAAAAFAAAADwAAAAAAAAAAAAAAAAAAAkUAAAAAQAAABQAAAAUAAAAFAAAAAEAAAAAAAAAZAAAAGQAAAAAAAAAZAAAAGQAAAAVAAAAYAAAAAAAAAAAAAAADwAAACADAAAAAAAAAAAAAAEAAACgMgAAVgcAAKr4//8BAAAAf39/AAEAAABkAAAAAAAAABQAAABAHwAAAAAAACYAAAAAAAAAwOD//wAAAAAmAAAAZAAAABYAAABMAAAAAAAAAAAAAAAEAAAAAAAAAAEAAADn5uYKAAAAACgAAAAoAAAAZAAAAGQAAAAAAAAAzMzMAAAAAABQAAAAUAAAAGQAAABkAAAAAAAAABcAAAAUAAAAAAAAAAAAAAD/fwAA/38AAAAAAAAJAAAABAAAAAAAAAAeAAAAaAAAAAAAAAAAAAAAAAAAAAAAAAAAAAAAECcAABAnAAAAAAAAAAAAAAAAAAAAAAAAAAAAAAAAAAAAAAAAAAAAABQAAAAAAAAAwMD/AAAAAABkAAAAMgAAAAAAAABkAAAAAAAAAH9/fwAKAAAAIgAAABgAAAAAAAAAAAAAAAAAAAAAAAAAAAAAAAAAAAAkAAAAJAAAAAAAAAAHAAAAAAAAAAAAAAAAAAAAAAAAAAAAAAAAAAAAf39/ACUAAABYAAAAAAAAAAAAAAAAAAAAAAAAAAAAAAAAAAAAAAAAAAAAAAAAAAAAAAAAAAAAAAA/AAAAAAAAAKCGAQAAAAAAAAAAAAAAAAAMAAAAAQAAAAAAAAAAAAAAAAAAAB8AAABUAAAAAAAABQAAAAEAAAAAAAAAAAAAAAAAAAAAAAAAAAAAAAAAAAAAAAAAAAAAAAJ/f38AAAAAA8zMzADAwP8Af39/AAAAAAAAAAAAAAAAAAAAAAAAAAAAIQAAABgAAAAUAAAAohIAABonAACeJQAAWSkAABAAAAAmAAAACAAAAAAAAAAAAAAAMAAAABQAAAAAAAAAAAD//wAAAQAAAP//AAABAA=="/>
               </a:ext>
             </a:extLst>
           </p:cNvSpPr>
@@ -1411,7 +1409,7 @@
             <a:spLocks noGrp="1" noChangeArrowheads="1"/>
             <a:extLst>
               <a:ext uri="smNativeData">
-                <pr:smNativeData xmlns:mc="http://schemas.openxmlformats.org/markup-compatibility/2006" xmlns:p14="http://schemas.microsoft.com/office/powerpoint/2010/main" xmlns:p15="http://schemas.microsoft.com/office/powerpoint/2012/main" xmlns:pr="smNativeData" xmlns="smNativeData" val="SMDATA_16_OZjwYBMAAAAlAAAAZAAAAA0AAAAAkAAAAEgAAACQAAAASAAAAAAAAAABAAAAAAAAAAEAAABQAAAAAAAAAAAA4D8AAAAAAADgPwAAAAAAAOA/AAAAAAAA4D8AAAAAAADgPwAAAAAAAOA/AAAAAAAA4D8AAAAAAADgPwAAAAAAAOA/AAAAAAAA4D8CAAAAjAAAAAAAAAAAAAAARHLEDP///wgAAAAAAAAAAAAAAAAAAAAAAAAAAAAAAAAAAAAAZAAAAAEAAABAAAAAAAAAAAAAAAAAAAAAAAAAAAAAAAAAAAAAAAAAAAAAAAAAAAAAAAAAAAAAAAAAAAAAAAAAAAAAAAAAAAAAAAAAAAAAAAAAAAAAAAAAAAAAAAAAAAAAFAAAADwAAAAAAAAAAAAAAAAAAAkUAAAAAQAAABQAAAAUAAAAFAAAAAEAAAAAAAAAZAAAAGQAAAAAAAAAZAAAAGQAAAAVAAAAYAAAAAAAAAAAAAAADwAAACADAAAAAAAAAAAAAAEAAACgMgAAVgcAAKr4//8BAAAAf39/AAEAAABkAAAAAAAAABQAAABAHwAAAAAAACYAAAAAAAAAwOD//wAAAAAmAAAAZAAAABYAAABMAAAAAAAAAAAAAAAEAAAAAAAAAAEAAADn5uYKAAAAACgAAAAoAAAAZAAAAGQAAAAAAAAAzMzMAAAAAABQAAAAUAAAAGQAAABkAAAAAAAAABcAAAAUAAAAAAAAAAAAAAD/fwAA/38AAAAAAAAJAAAABAAAAAAAAAAeAAAAaAAAAAAAAAAAAAAAAAAAAAAAAAAAAAAAECcAABAnAAAAAAAAAAAAAAAAAAAAAAAAAAAAAAAAAAAAAAAAAAAAABQAAAAAAAAAwMD/AAAAAABkAAAAMgAAAAAAAABkAAAAAAAAAH9/fwAKAAAAIgAAABgAAAAAAAAAAAAAAAAAAAAAAAAAAAAAAAAAAAAkAAAAJAAAAAAAAAAHAAAAAAAAAAAAAAAAAAAAAAAAAAAAAAAAAAAAf39/ACUAAABYAAAAAAAAAAAAAAAAAAAAAAAAAAAAAAAAAAAAAAAAAAAAAAAAAAAAAAAAAAAAAAA/AAAAAAAAAKCGAQAAAAAAAAAAAAAAAAAMAAAAAQAAAAAAAAAAAAAAAAAAAB8AAABUAAAAAAAABQAAAAEAAAAAAAAAAAAAAAAAAAAAAAAAAAAAAAAAAAAAAAAAAAAAAAJ/f38AAAAAA8zMzADAwP8Af39/AAAAAAAAAAAAAAAAAAAAAAAAAAAAIQAAABgAAAAUAAAAuicAABonAABiNAAAWSkAABAAAAAmAAAACAAAAAAAAAAAAAAAMAAAABQAAAAAAAAAAAD//wAAAQAAAP//AAABAA=="/>
+                <pr:smNativeData xmlns="smNativeData" xmlns:pr="smNativeData" xmlns:p15="http://schemas.microsoft.com/office/powerpoint/2012/main" xmlns:p14="http://schemas.microsoft.com/office/powerpoint/2010/main" xmlns:mc="http://schemas.openxmlformats.org/markup-compatibility/2006" val="SMDATA_16_OZjwYBMAAAAlAAAAZAAAAA0AAAAAkAAAAEgAAACQAAAASAAAAAAAAAABAAAAAAAAAAEAAABQAAAAAAAAAAAA4D8AAAAAAADgPwAAAAAAAOA/AAAAAAAA4D8AAAAAAADgPwAAAAAAAOA/AAAAAAAA4D8AAAAAAADgPwAAAAAAAOA/AAAAAAAA4D8CAAAAjAAAAAAAAAAAAAAARHLEDP///wgAAAAAAAAAAAAAAAAAAAAAAAAAAAAAAAAAAAAAZAAAAAEAAABAAAAAAAAAAAAAAAAAAAAAAAAAAAAAAAAAAAAAAAAAAAAAAAAAAAAAAAAAAAAAAAAAAAAAAAAAAAAAAAAAAAAAAAAAAAAAAAAAAAAAAAAAAAAAAAAAAAAAFAAAADwAAAAAAAAAAAAAAAAAAAkUAAAAAQAAABQAAAAUAAAAFAAAAAEAAAAAAAAAZAAAAGQAAAAAAAAAZAAAAGQAAAAVAAAAYAAAAAAAAAAAAAAADwAAACADAAAAAAAAAAAAAAEAAACgMgAAVgcAAKr4//8BAAAAf39/AAEAAABkAAAAAAAAABQAAABAHwAAAAAAACYAAAAAAAAAwOD//wAAAAAmAAAAZAAAABYAAABMAAAAAAAAAAAAAAAEAAAAAAAAAAEAAADn5uYKAAAAACgAAAAoAAAAZAAAAGQAAAAAAAAAzMzMAAAAAABQAAAAUAAAAGQAAABkAAAAAAAAABcAAAAUAAAAAAAAAAAAAAD/fwAA/38AAAAAAAAJAAAABAAAAAAAAAAeAAAAaAAAAAAAAAAAAAAAAAAAAAAAAAAAAAAAECcAABAnAAAAAAAAAAAAAAAAAAAAAAAAAAAAAAAAAAAAAAAAAAAAABQAAAAAAAAAwMD/AAAAAABkAAAAMgAAAAAAAABkAAAAAAAAAH9/fwAKAAAAIgAAABgAAAAAAAAAAAAAAAAAAAAAAAAAAAAAAAAAAAAkAAAAJAAAAAAAAAAHAAAAAAAAAAAAAAAAAAAAAAAAAAAAAAAAAAAAf39/ACUAAABYAAAAAAAAAAAAAAAAAAAAAAAAAAAAAAAAAAAAAAAAAAAAAAAAAAAAAAAAAAAAAAA/AAAAAAAAAKCGAQAAAAAAAAAAAAAAAAAMAAAAAQAAAAAAAAAAAAAAAAAAAB8AAABUAAAAAAAABQAAAAEAAAAAAAAAAAAAAAAAAAAAAAAAAAAAAAAAAAAAAAAAAAAAAAJ/f38AAAAAA8zMzADAwP8Af39/AAAAAAAAAAAAAAAAAAAAAAAAAAAAIQAAABgAAAAUAAAAuicAABonAABiNAAAWSkAABAAAAAmAAAACAAAAAAAAAAAAAAAMAAAABQAAAAAAAAAAAD//wAAAQAAAP//AAABAA=="/>
               </a:ext>
             </a:extLst>
           </p:cNvSpPr>
@@ -1467,7 +1465,7 @@
             <a:spLocks noGrp="1" noChangeArrowheads="1"/>
             <a:extLst>
               <a:ext uri="smNativeData">
-                <pr:smNativeData xmlns:mc="http://schemas.openxmlformats.org/markup-compatibility/2006" xmlns:p14="http://schemas.microsoft.com/office/powerpoint/2010/main" xmlns:p15="http://schemas.microsoft.com/office/powerpoint/2012/main" xmlns:pr="smNativeData" xmlns="smNativeData" val="SMDATA_16_OZjwYBMAAAAlAAAAZAAAAA0AAAAAkAAAAEgAAACQAAAASAAAAAAAAAABAAAAAAAAAAEAAABQAAAAAAAAAAAA4D8AAAAAAADgPwAAAAAAAOA/AAAAAAAA4D8AAAAAAADgPwAAAAAAAOA/AAAAAAAA4D8AAAAAAADgPwAAAAAAAOA/AAAAAAAA4D8CAAAAjAAAAAAAAAAAAAAARHLEDP///wgAAAAAAAAAAAAAAAAAAAAAAAAAAAAAAAAAAAAAZAAAAAEAAABAAAAAAAAAAAAAAAAAAAAAAAAAAAAAAAAAAAAAAAAAAAAAAAAAAAAAAAAAAAAAAAAAAAAAAAAAAAAAAAAAAAAAAAAAAAAAAAAAAAAAAAAAAAAAAAAAAAAAFAAAADwAAAAAAAAAAAAAAAAAAAkUAAAAAQAAABQAAAAUAAAAFAAAAAEAAAAAAAAAZAAAAGQAAAAAAAAAZAAAAGQAAAAVAAAAYAAAAAAAAAAAAAAADwAAACADAAAAAAAAAAAAAAEAAACgMgAAVgcAAKr4//8BAAAAf39/AAEAAABkAAAAAAAAABQAAABAHwAAAAAAACYAAAAAAAAAwOD//wAAAAAmAAAAZAAAABYAAABMAAAAAAAAAAAAAAAEAAAAAAAAAAEAAADn5uYKAAAAACgAAAAoAAAAZAAAAGQAAAAAAAAAzMzMAAAAAABQAAAAUAAAAGQAAABkAAAAAAAAABcAAAAUAAAAAAAAAAAAAAD/fwAA/38AAAAAAAAJAAAABAAAAAAAAAAeAAAAaAAAAAAAAAAAAAAAAAAAAAAAAAAAAAAAECcAABAnAAAAAAAAAAAAAAAAAAAAAAAAAAAAAAAAAAAAAAAAAAAAABQAAAAAAAAAwMD/AAAAAABkAAAAMgAAAAAAAABkAAAAAAAAAH9/fwAKAAAAIgAAABgAAAAAAAAAAAAAAAAAAAAAAAAAAAAAAAAAAAAkAAAAJAAAAAAAAAAHAAAAAAAAAAAAAAAAAAAAAAAAAAAAAAAAAAAAf39/ACUAAABYAAAAAAAAAAAAAAAAAAAAAAAAAAAAAAAAAAAAAAAAAAAAAAAAAAAAAAAAAAAAAAA/AAAAAAAAAKCGAQAAAAAAAAAAAAAAAAAMAAAAAQAAAAAAAAAAAAAAAAAAAB8AAABUAAAAAAAABQAAAAEAAAAAAAAAAAAAAAAAAAAAAAAAAAAAAAAAAAAAAAAAAAAAAAJ/f38AAAAAA8zMzADAwP8Af39/AAAAAAAAAAAAAAAAAAAAAAAAAAAAIQAAABgAAAAUAAAA3gMAAD8CAABiNAAAZwoAABAAAAAmAAAACAAAAAAAAAAAAAAAMAAAABQAAAAAAAAAAAD//wAAAQAAAP//AAABAA=="/>
+                <pr:smNativeData xmlns="smNativeData" xmlns:pr="smNativeData" xmlns:p15="http://schemas.microsoft.com/office/powerpoint/2012/main" xmlns:p14="http://schemas.microsoft.com/office/powerpoint/2010/main" xmlns:mc="http://schemas.openxmlformats.org/markup-compatibility/2006" val="SMDATA_16_OZjwYBMAAAAlAAAAZAAAAA0AAAAAkAAAAEgAAACQAAAASAAAAAAAAAABAAAAAAAAAAEAAABQAAAAAAAAAAAA4D8AAAAAAADgPwAAAAAAAOA/AAAAAAAA4D8AAAAAAADgPwAAAAAAAOA/AAAAAAAA4D8AAAAAAADgPwAAAAAAAOA/AAAAAAAA4D8CAAAAjAAAAAAAAAAAAAAARHLEDP///wgAAAAAAAAAAAAAAAAAAAAAAAAAAAAAAAAAAAAAZAAAAAEAAABAAAAAAAAAAAAAAAAAAAAAAAAAAAAAAAAAAAAAAAAAAAAAAAAAAAAAAAAAAAAAAAAAAAAAAAAAAAAAAAAAAAAAAAAAAAAAAAAAAAAAAAAAAAAAAAAAAAAAFAAAADwAAAAAAAAAAAAAAAAAAAkUAAAAAQAAABQAAAAUAAAAFAAAAAEAAAAAAAAAZAAAAGQAAAAAAAAAZAAAAGQAAAAVAAAAYAAAAAAAAAAAAAAADwAAACADAAAAAAAAAAAAAAEAAACgMgAAVgcAAKr4//8BAAAAf39/AAEAAABkAAAAAAAAABQAAABAHwAAAAAAACYAAAAAAAAAwOD//wAAAAAmAAAAZAAAABYAAABMAAAAAAAAAAAAAAAEAAAAAAAAAAEAAADn5uYKAAAAACgAAAAoAAAAZAAAAGQAAAAAAAAAzMzMAAAAAABQAAAAUAAAAGQAAABkAAAAAAAAABcAAAAUAAAAAAAAAAAAAAD/fwAA/38AAAAAAAAJAAAABAAAAAAAAAAeAAAAaAAAAAAAAAAAAAAAAAAAAAAAAAAAAAAAECcAABAnAAAAAAAAAAAAAAAAAAAAAAAAAAAAAAAAAAAAAAAAAAAAABQAAAAAAAAAwMD/AAAAAABkAAAAMgAAAAAAAABkAAAAAAAAAH9/fwAKAAAAIgAAABgAAAAAAAAAAAAAAAAAAAAAAAAAAAAAAAAAAAAkAAAAJAAAAAAAAAAHAAAAAAAAAAAAAAAAAAAAAAAAAAAAAAAAAAAAf39/ACUAAABYAAAAAAAAAAAAAAAAAAAAAAAAAAAAAAAAAAAAAAAAAAAAAAAAAAAAAAAAAAAAAAA/AAAAAAAAAKCGAQAAAAAAAAAAAAAAAAAMAAAAAQAAAAAAAAAAAAAAAAAAAB8AAABUAAAAAAAABQAAAAEAAAAAAAAAAAAAAAAAAAAAAAAAAAAAAAAAAAAAAAAAAAAAAAJ/f38AAAAAA8zMzADAwP8Af39/AAAAAAAAAAAAAAAAAAAAAAAAAAAAIQAAABgAAAAUAAAA3gMAAD8CAABiNAAAZwoAABAAAAAmAAAACAAAAAAAAAAAAAAAMAAAABQAAAAAAAAAAAD//wAAAQAAAP//AAABAA=="/>
               </a:ext>
             </a:extLst>
           </p:cNvSpPr>
@@ -1496,7 +1494,7 @@
             <a:spLocks noGrp="1" noChangeArrowheads="1"/>
             <a:extLst>
               <a:ext uri="smNativeData">
-                <pr:smNativeData xmlns:mc="http://schemas.openxmlformats.org/markup-compatibility/2006" xmlns:p14="http://schemas.microsoft.com/office/powerpoint/2010/main" xmlns:p15="http://schemas.microsoft.com/office/powerpoint/2012/main" xmlns:pr="smNativeData" xmlns="smNativeData" val="SMDATA_16_OZjwYBMAAAAlAAAAZAAAAA0AAAAAkAAAAEgAAACQAAAASAAAAAAAAAAAAAAAAAAAAAEAAABQAAAAAAAAAAAA4D8AAAAAAADgPwAAAAAAAOA/AAAAAAAA4D8AAAAAAADgPwAAAAAAAOA/AAAAAAAA4D8AAAAAAADgPwAAAAAAAOA/AAAAAAAA4D8CAAAAjAAAAAAAAAAAAAAARHLEDP///wgAAAAAAAAAAAAAAAAAAAAAAAAAAAAAAAAAAAAAZAAAAAEAAABAAAAAAAAAAAAAAAAAAAAAAAAAAAAAAAAAAAAAAAAAAAAAAAAAAAAAAAAAAAAAAAAAAAAAAAAAAAAAAAAAAAAAAAAAAAAAAAAAAAAAAAAAAAAAAAAAAAAAFAAAADwAAAAAAAAAAAAAAAAAAAkUAAAAAQAAABQAAAAUAAAAFAAAAAEAAAAAAAAAZAAAAGQAAAAAAAAAZAAAAGQAAAAVAAAAYAAAAAAAAAAAAAAADwAAACADAAAAAAAAAAAAAAEAAACgMgAAVgcAAKr4//8BAAAAf39/AAEAAABkAAAAAAAAABQAAABAHwAAAAAAACYAAAAAAAAAwOD//wAAAAAmAAAAZAAAABYAAABMAAAAAAAAAAAAAAAEAAAAAAAAAAEAAADn5uYKAAAAACgAAAAoAAAAZAAAAGQAAAAAAAAAzMzMAAAAAABQAAAAUAAAAGQAAABkAAAAAAAAABcAAAAUAAAAAAAAAAAAAAD/fwAA/38AAAAAAAAJAAAABAAAAAAAAAAeAAAAaAAAAAAAAAAAAAAAAAAAAAAAAAAAAAAAECcAABAnAAAAAAAAAAAAAAAAAAAAAAAAAAAAAAAAAAAAAAAAAAAAABQAAAAAAAAAwMD/AAAAAABkAAAAMgAAAAAAAABkAAAAAAAAAH9/fwAKAAAAIgAAABgAAAAAAAAAAAAAAAAAAAAAAAAAAAAAAAAAAAAkAAAAJAAAAAAAAAAHAAAAAAAAAAAAAAAAAAAAAAAAAAAAAAAAAAAAf39/ACUAAABYAAAAAAAAAAAAAAAAAAAAAAAAAAAAAAAAAAAAAAAAAAAAAAAAAAAAAAAAAAAAAAA/AAAAAAAAAKCGAQAAAAAAAAAAAAAAAAAMAAAAAQAAAAAAAAAAAAAAAAAAAB8AAABUAAAAAAAABQAAAAEAAAAAAAAAAAAAAAAAAAAAAAAAAAAAAAAAAAAAAAAAAAAAAAJ/f38AAAAAA8zMzADAwP8Af39/AAAAAAAAAAAAAAAAAAAAAAAAAAAAIQAAABgAAAAUAAAA3gMAADsLAADGGwAAACYAABAAAAAmAAAACAAAAAEAAAAAAAAAMAAAABQAAAAAAAAAAAD//wAAAQAAAP//AAABAA=="/>
+                <pr:smNativeData xmlns="smNativeData" xmlns:pr="smNativeData" xmlns:p15="http://schemas.microsoft.com/office/powerpoint/2012/main" xmlns:p14="http://schemas.microsoft.com/office/powerpoint/2010/main" xmlns:mc="http://schemas.openxmlformats.org/markup-compatibility/2006" val="SMDATA_16_OZjwYBMAAAAlAAAAZAAAAA0AAAAAkAAAAEgAAACQAAAASAAAAAAAAAAAAAAAAAAAAAEAAABQAAAAAAAAAAAA4D8AAAAAAADgPwAAAAAAAOA/AAAAAAAA4D8AAAAAAADgPwAAAAAAAOA/AAAAAAAA4D8AAAAAAADgPwAAAAAAAOA/AAAAAAAA4D8CAAAAjAAAAAAAAAAAAAAARHLEDP///wgAAAAAAAAAAAAAAAAAAAAAAAAAAAAAAAAAAAAAZAAAAAEAAABAAAAAAAAAAAAAAAAAAAAAAAAAAAAAAAAAAAAAAAAAAAAAAAAAAAAAAAAAAAAAAAAAAAAAAAAAAAAAAAAAAAAAAAAAAAAAAAAAAAAAAAAAAAAAAAAAAAAAFAAAADwAAAAAAAAAAAAAAAAAAAkUAAAAAQAAABQAAAAUAAAAFAAAAAEAAAAAAAAAZAAAAGQAAAAAAAAAZAAAAGQAAAAVAAAAYAAAAAAAAAAAAAAADwAAACADAAAAAAAAAAAAAAEAAACgMgAAVgcAAKr4//8BAAAAf39/AAEAAABkAAAAAAAAABQAAABAHwAAAAAAACYAAAAAAAAAwOD//wAAAAAmAAAAZAAAABYAAABMAAAAAAAAAAAAAAAEAAAAAAAAAAEAAADn5uYKAAAAACgAAAAoAAAAZAAAAGQAAAAAAAAAzMzMAAAAAABQAAAAUAAAAGQAAABkAAAAAAAAABcAAAAUAAAAAAAAAAAAAAD/fwAA/38AAAAAAAAJAAAABAAAAAAAAAAeAAAAaAAAAAAAAAAAAAAAAAAAAAAAAAAAAAAAECcAABAnAAAAAAAAAAAAAAAAAAAAAAAAAAAAAAAAAAAAAAAAAAAAABQAAAAAAAAAwMD/AAAAAABkAAAAMgAAAAAAAABkAAAAAAAAAH9/fwAKAAAAIgAAABgAAAAAAAAAAAAAAAAAAAAAAAAAAAAAAAAAAAAkAAAAJAAAAAAAAAAHAAAAAAAAAAAAAAAAAAAAAAAAAAAAAAAAAAAAf39/ACUAAABYAAAAAAAAAAAAAAAAAAAAAAAAAAAAAAAAAAAAAAAAAAAAAAAAAAAAAAAAAAAAAAA/AAAAAAAAAKCGAQAAAAAAAAAAAAAAAAAMAAAAAQAAAAAAAAAAAAAAAAAAAB8AAABUAAAAAAAABQAAAAEAAAAAAAAAAAAAAAAAAAAAAAAAAAAAAAAAAAAAAAAAAAAAAAJ/f38AAAAAA8zMzADAwP8Af39/AAAAAAAAAAAAAAAAAAAAAAAAAAAAIQAAABgAAAAUAAAA3gMAADsLAADGGwAAACYAABAAAAAmAAAACAAAAAEAAAAAAAAAMAAAABQAAAAAAAAAAAD//wAAAQAAAP//AAABAA=="/>
               </a:ext>
             </a:extLst>
           </p:cNvSpPr>
@@ -1562,7 +1560,7 @@
             <a:spLocks noGrp="1" noChangeArrowheads="1"/>
             <a:extLst>
               <a:ext uri="smNativeData">
-                <pr:smNativeData xmlns:mc="http://schemas.openxmlformats.org/markup-compatibility/2006" xmlns:p14="http://schemas.microsoft.com/office/powerpoint/2010/main" xmlns:p15="http://schemas.microsoft.com/office/powerpoint/2012/main" xmlns:pr="smNativeData" xmlns="smNativeData" val="SMDATA_16_OZjwYBMAAAAlAAAAZAAAAA0AAAAAkAAAAEgAAACQAAAASAAAAAAAAAAAAAAAAAAAAAEAAABQAAAAAAAAAAAA4D8AAAAAAADgPwAAAAAAAOA/AAAAAAAA4D8AAAAAAADgPwAAAAAAAOA/AAAAAAAA4D8AAAAAAADgPwAAAAAAAOA/AAAAAAAA4D8CAAAAjAAAAAAAAAAAAAAARHLEDP///wgAAAAAAAAAAAAAAAAAAAAAAAAAAAAAAAAAAAAAZAAAAAEAAABAAAAAAAAAAAAAAAAAAAAAAAAAAAAAAAAAAAAAAAAAAAAAAAAAAAAAAAAAAAAAAAAAAAAAAAAAAAAAAAAAAAAAAAAAAAAAAAAAAAAAAAAAAAAAAAAAAAAAFAAAADwAAAAAAAAAAAAAAAAAAAkUAAAAAQAAABQAAAAUAAAAFAAAAAEAAAAAAAAAZAAAAGQAAAAAAAAAZAAAAGQAAAAVAAAAYAAAAAAAAAAAAAAADwAAACADAAAAAAAAAAAAAAEAAACgMgAAVgcAAKr4//8BAAAAf39/AAEAAABkAAAAAAAAABQAAABAHwAAAAAAACYAAAAAAAAAwOD//wAAAAAmAAAAZAAAABYAAABMAAAAAAAAAAAAAAAEAAAAAAAAAAEAAADn5uYKAAAAACgAAAAoAAAAZAAAAGQAAAAAAAAAzMzMAAAAAABQAAAAUAAAAGQAAABkAAAAAAAAABcAAAAUAAAAAAAAAAAAAAD/fwAA/38AAAAAAAAJAAAABAAAAAAAAAAeAAAAaAAAAAAAAAAAAAAAAAAAAAAAAAAAAAAAECcAABAnAAAAAAAAAAAAAAAAAAAAAAAAAAAAAAAAAAAAAAAAAAAAABQAAAAAAAAAwMD/AAAAAABkAAAAMgAAAAAAAABkAAAAAAAAAH9/fwAKAAAAIgAAABgAAAAAAAAAAAAAAAAAAAAAAAAAAAAAAAAAAAAkAAAAJAAAAAAAAAAHAAAAAAAAAAAAAAAAAAAAAAAAAAAAAAAAAAAAf39/ACUAAABYAAAAAAAAAAAAAAAAAAAAAAAAAAAAAAAAAAAAAAAAAAAAAAAAAAAAAAAAAAAAAAA/AAAAAAAAAKCGAQAAAAAAAAAAAAAAAAAMAAAAAQAAAAAAAAAAAAAAAAAAAB8AAABUAAAAAAAABQAAAAEAAAAAAAAAAAAAAAAAAAAAAAAAAAAAAAAAAAAAAAAAAAAAAAJ/f38AAAAAA8zMzADAwP8Af39/AAAAAAAAAAAAAAAAAAAAAAAAAAAAIQAAABgAAAAUAAAAehwAADsLAABiNAAAACYAABAAAAAmAAAACAAAAAEAAAAAAAAAMAAAABQAAAAAAAAAAAD//wAAAQAAAP//AAABAA=="/>
+                <pr:smNativeData xmlns="smNativeData" xmlns:pr="smNativeData" xmlns:p15="http://schemas.microsoft.com/office/powerpoint/2012/main" xmlns:p14="http://schemas.microsoft.com/office/powerpoint/2010/main" xmlns:mc="http://schemas.openxmlformats.org/markup-compatibility/2006" val="SMDATA_16_OZjwYBMAAAAlAAAAZAAAAA0AAAAAkAAAAEgAAACQAAAASAAAAAAAAAAAAAAAAAAAAAEAAABQAAAAAAAAAAAA4D8AAAAAAADgPwAAAAAAAOA/AAAAAAAA4D8AAAAAAADgPwAAAAAAAOA/AAAAAAAA4D8AAAAAAADgPwAAAAAAAOA/AAAAAAAA4D8CAAAAjAAAAAAAAAAAAAAARHLEDP///wgAAAAAAAAAAAAAAAAAAAAAAAAAAAAAAAAAAAAAZAAAAAEAAABAAAAAAAAAAAAAAAAAAAAAAAAAAAAAAAAAAAAAAAAAAAAAAAAAAAAAAAAAAAAAAAAAAAAAAAAAAAAAAAAAAAAAAAAAAAAAAAAAAAAAAAAAAAAAAAAAAAAAFAAAADwAAAAAAAAAAAAAAAAAAAkUAAAAAQAAABQAAAAUAAAAFAAAAAEAAAAAAAAAZAAAAGQAAAAAAAAAZAAAAGQAAAAVAAAAYAAAAAAAAAAAAAAADwAAACADAAAAAAAAAAAAAAEAAACgMgAAVgcAAKr4//8BAAAAf39/AAEAAABkAAAAAAAAABQAAABAHwAAAAAAACYAAAAAAAAAwOD//wAAAAAmAAAAZAAAABYAAABMAAAAAAAAAAAAAAAEAAAAAAAAAAEAAADn5uYKAAAAACgAAAAoAAAAZAAAAGQAAAAAAAAAzMzMAAAAAABQAAAAUAAAAGQAAABkAAAAAAAAABcAAAAUAAAAAAAAAAAAAAD/fwAA/38AAAAAAAAJAAAABAAAAAAAAAAeAAAAaAAAAAAAAAAAAAAAAAAAAAAAAAAAAAAAECcAABAnAAAAAAAAAAAAAAAAAAAAAAAAAAAAAAAAAAAAAAAAAAAAABQAAAAAAAAAwMD/AAAAAABkAAAAMgAAAAAAAABkAAAAAAAAAH9/fwAKAAAAIgAAABgAAAAAAAAAAAAAAAAAAAAAAAAAAAAAAAAAAAAkAAAAJAAAAAAAAAAHAAAAAAAAAAAAAAAAAAAAAAAAAAAAAAAAAAAAf39/ACUAAABYAAAAAAAAAAAAAAAAAAAAAAAAAAAAAAAAAAAAAAAAAAAAAAAAAAAAAAAAAAAAAAA/AAAAAAAAAKCGAQAAAAAAAAAAAAAAAAAMAAAAAQAAAAAAAAAAAAAAAAAAAB8AAABUAAAAAAAABQAAAAEAAAAAAAAAAAAAAAAAAAAAAAAAAAAAAAAAAAAAAAAAAAAAAAJ/f38AAAAAA8zMzADAwP8Af39/AAAAAAAAAAAAAAAAAAAAAAAAAAAAIQAAABgAAAAUAAAAehwAADsLAABiNAAAACYAABAAAAAmAAAACAAAAAEAAAAAAAAAMAAAABQAAAAAAAAAAAD//wAAAQAAAP//AAABAA=="/>
               </a:ext>
             </a:extLst>
           </p:cNvSpPr>
@@ -1628,7 +1626,7 @@
             <a:spLocks noGrp="1" noChangeArrowheads="1"/>
             <a:extLst>
               <a:ext uri="smNativeData">
-                <pr:smNativeData xmlns:mc="http://schemas.openxmlformats.org/markup-compatibility/2006" xmlns:p14="http://schemas.microsoft.com/office/powerpoint/2010/main" xmlns:p15="http://schemas.microsoft.com/office/powerpoint/2012/main" xmlns:pr="smNativeData" xmlns="smNativeData" val="SMDATA_16_OZjwYBMAAAAlAAAAZAAAAA0AAAAAkAAAAEgAAACQAAAASAAAAAAAAAABAAAAAAAAAAEAAABQAAAAAAAAAAAA4D8AAAAAAADgPwAAAAAAAOA/AAAAAAAA4D8AAAAAAADgPwAAAAAAAOA/AAAAAAAA4D8AAAAAAADgPwAAAAAAAOA/AAAAAAAA4D8CAAAAjAAAAAAAAAAAAAAARHLEDP///wgAAAAAAAAAAAAAAAAAAAAAAAAAAAAAAAAAAAAAZAAAAAEAAABAAAAAAAAAAAAAAAAAAAAAAAAAAAAAAAAAAAAAAAAAAAAAAAAAAAAAAAAAAAAAAAAAAAAAAAAAAAAAAAAAAAAAAAAAAAAAAAAAAAAAAAAAAAAAAAAAAAAAFAAAADwAAAAAAAAAAAAAAAAAAAkUAAAAAQAAABQAAAAUAAAAFAAAAAEAAAAAAAAAZAAAAGQAAAAAAAAAZAAAAGQAAAAVAAAAYAAAAAAAAAAAAAAADwAAACADAAAAAAAAAAAAAAEAAACgMgAAVgcAAKr4//8BAAAAf39/AAEAAABkAAAAAAAAABQAAABAHwAAAAAAACYAAAAAAAAAwOD//wAAAAAmAAAAZAAAABYAAABMAAAAAAAAAAAAAAAEAAAAAAAAAAEAAADn5uYKAAAAACgAAAAoAAAAZAAAAGQAAAAAAAAAzMzMAAAAAABQAAAAUAAAAGQAAABkAAAAAAAAABcAAAAUAAAAAAAAAAAAAAD/fwAA/38AAAAAAAAJAAAABAAAAAAAAAAeAAAAaAAAAAAAAAAAAAAAAAAAAAAAAAAAAAAAECcAABAnAAAAAAAAAAAAAAAAAAAAAAAAAAAAAAAAAAAAAAAAAAAAABQAAAAAAAAAwMD/AAAAAABkAAAAMgAAAAAAAABkAAAAAAAAAH9/fwAKAAAAIgAAABgAAAAAAAAAAAAAAAAAAAAAAAAAAAAAAAAAAAAkAAAAJAAAAAAAAAAHAAAAAAAAAAAAAAAAAAAAAAAAAAAAAAAAAAAAf39/ACUAAABYAAAAAAAAAAAAAAAAAAAAAAAAAAAAAAAAAAAAAAAAAAAAAAAAAAAAAAAAAAAAAAA/AAAAAAAAAKCGAQAAAAAAAAAAAAAAAAAMAAAAAQAAAAAAAAAAAAAAAAAAAB8AAABUAAAAAAAABQAAAAEAAAAAAAAAAAAAAAAAAAAAAAAAAAAAAAAAAAAAAAAAAAAAAAJ/f38AAAAAA8zMzADAwP8Af39/AAAAAAAAAAAAAAAAAAAAAAAAAAAAIQAAABgAAAAUAAAA3gMAABonAACGEAAAWSkAABAAAAAmAAAACAAAAAAAAAAAAAAAMAAAABQAAAAAAAAAAAD//wAAAQAAAP//AAABAA=="/>
+                <pr:smNativeData xmlns="smNativeData" xmlns:pr="smNativeData" xmlns:p15="http://schemas.microsoft.com/office/powerpoint/2012/main" xmlns:p14="http://schemas.microsoft.com/office/powerpoint/2010/main" xmlns:mc="http://schemas.openxmlformats.org/markup-compatibility/2006" val="SMDATA_16_OZjwYBMAAAAlAAAAZAAAAA0AAAAAkAAAAEgAAACQAAAASAAAAAAAAAABAAAAAAAAAAEAAABQAAAAAAAAAAAA4D8AAAAAAADgPwAAAAAAAOA/AAAAAAAA4D8AAAAAAADgPwAAAAAAAOA/AAAAAAAA4D8AAAAAAADgPwAAAAAAAOA/AAAAAAAA4D8CAAAAjAAAAAAAAAAAAAAARHLEDP///wgAAAAAAAAAAAAAAAAAAAAAAAAAAAAAAAAAAAAAZAAAAAEAAABAAAAAAAAAAAAAAAAAAAAAAAAAAAAAAAAAAAAAAAAAAAAAAAAAAAAAAAAAAAAAAAAAAAAAAAAAAAAAAAAAAAAAAAAAAAAAAAAAAAAAAAAAAAAAAAAAAAAAFAAAADwAAAAAAAAAAAAAAAAAAAkUAAAAAQAAABQAAAAUAAAAFAAAAAEAAAAAAAAAZAAAAGQAAAAAAAAAZAAAAGQAAAAVAAAAYAAAAAAAAAAAAAAADwAAACADAAAAAAAAAAAAAAEAAACgMgAAVgcAAKr4//8BAAAAf39/AAEAAABkAAAAAAAAABQAAABAHwAAAAAAACYAAAAAAAAAwOD//wAAAAAmAAAAZAAAABYAAABMAAAAAAAAAAAAAAAEAAAAAAAAAAEAAADn5uYKAAAAACgAAAAoAAAAZAAAAGQAAAAAAAAAzMzMAAAAAABQAAAAUAAAAGQAAABkAAAAAAAAABcAAAAUAAAAAAAAAAAAAAD/fwAA/38AAAAAAAAJAAAABAAAAAAAAAAeAAAAaAAAAAAAAAAAAAAAAAAAAAAAAAAAAAAAECcAABAnAAAAAAAAAAAAAAAAAAAAAAAAAAAAAAAAAAAAAAAAAAAAABQAAAAAAAAAwMD/AAAAAABkAAAAMgAAAAAAAABkAAAAAAAAAH9/fwAKAAAAIgAAABgAAAAAAAAAAAAAAAAAAAAAAAAAAAAAAAAAAAAkAAAAJAAAAAAAAAAHAAAAAAAAAAAAAAAAAAAAAAAAAAAAAAAAAAAAf39/ACUAAABYAAAAAAAAAAAAAAAAAAAAAAAAAAAAAAAAAAAAAAAAAAAAAAAAAAAAAAAAAAAAAAA/AAAAAAAAAKCGAQAAAAAAAAAAAAAAAAAMAAAAAQAAAAAAAAAAAAAAAAAAAB8AAABUAAAAAAAABQAAAAEAAAAAAAAAAAAAAAAAAAAAAAAAAAAAAAAAAAAAAAAAAAAAAAJ/f38AAAAAA8zMzADAwP8Af39/AAAAAAAAAAAAAAAAAAAAAAAAAAAAIQAAABgAAAAUAAAA3gMAABonAACGEAAAWSkAABAAAAAmAAAACAAAAAAAAAAAAAAAMAAAABQAAAAAAAAAAAD//wAAAQAAAP//AAABAA=="/>
               </a:ext>
             </a:extLst>
           </p:cNvSpPr>
@@ -1658,7 +1656,7 @@
             <a:spLocks noGrp="1" noChangeArrowheads="1"/>
             <a:extLst>
               <a:ext uri="smNativeData">
-                <pr:smNativeData xmlns:mc="http://schemas.openxmlformats.org/markup-compatibility/2006" xmlns:p14="http://schemas.microsoft.com/office/powerpoint/2010/main" xmlns:p15="http://schemas.microsoft.com/office/powerpoint/2012/main" xmlns:pr="smNativeData" xmlns="smNativeData" val="SMDATA_16_OZjwYBMAAAAlAAAAZAAAAA0AAAAAkAAAAEgAAACQAAAASAAAAAAAAAABAAAAAAAAAAEAAABQAAAAAAAAAAAA4D8AAAAAAADgPwAAAAAAAOA/AAAAAAAA4D8AAAAAAADgPwAAAAAAAOA/AAAAAAAA4D8AAAAAAADgPwAAAAAAAOA/AAAAAAAA4D8CAAAAjAAAAAAAAAAAAAAARHLEDP///wgAAAAAAAAAAAAAAAAAAAAAAAAAAAAAAAAAAAAAZAAAAAEAAABAAAAAAAAAAAAAAAAAAAAAAAAAAAAAAAAAAAAAAAAAAAAAAAAAAAAAAAAAAAAAAAAAAAAAAAAAAAAAAAAAAAAAAAAAAAAAAAAAAAAAAAAAAAAAAAAAAAAAFAAAADwAAAAAAAAAAAAAAAAAAAkUAAAAAQAAABQAAAAUAAAAFAAAAAEAAAAAAAAAZAAAAGQAAAAAAAAAZAAAAGQAAAAVAAAAYAAAAAAAAAAAAAAADwAAACADAAAAAAAAAAAAAAEAAACgMgAAVgcAAKr4//8BAAAAf39/AAEAAABkAAAAAAAAABQAAABAHwAAAAAAACYAAAAAAAAAwOD//wAAAAAmAAAAZAAAABYAAABMAAAAAAAAAAAAAAAEAAAAAAAAAAEAAADn5uYKAAAAACgAAAAoAAAAZAAAAGQAAAAAAAAAzMzMAAAAAABQAAAAUAAAAGQAAABkAAAAAAAAABcAAAAUAAAAAAAAAAAAAAD/fwAA/38AAAAAAAAJAAAABAAAAAAAAAAeAAAAaAAAAAAAAAAAAAAAAAAAAAAAAAAAAAAAECcAABAnAAAAAAAAAAAAAAAAAAAAAAAAAAAAAAAAAAAAAAAAAAAAABQAAAAAAAAAwMD/AAAAAABkAAAAMgAAAAAAAABkAAAAAAAAAH9/fwAKAAAAIgAAABgAAAAAAAAAAAAAAAAAAAAAAAAAAAAAAAAAAAAkAAAAJAAAAAAAAAAHAAAAAAAAAAAAAAAAAAAAAAAAAAAAAAAAAAAAf39/ACUAAABYAAAAAAAAAAAAAAAAAAAAAAAAAAAAAAAAAAAAAAAAAAAAAAAAAAAAAAAAAAAAAAA/AAAAAAAAAKCGAQAAAAAAAAAAAAAAAAAMAAAAAQAAAAAAAAAAAAAAAAAAAB8AAABUAAAAAAAABQAAAAEAAAAAAAAAAAAAAAAAAAAAAAAAAAAAAAAAAAAAAAAAAAAAAAJ/f38AAAAAA8zMzADAwP8Af39/AAAAAAAAAAAAAAAAAAAAAAAAAAAAIQAAABgAAAAUAAAAohIAABonAACeJQAAWSkAABAAAAAmAAAACAAAAAAAAAAAAAAAMAAAABQAAAAAAAAAAAD//wAAAQAAAP//AAABAA=="/>
+                <pr:smNativeData xmlns="smNativeData" xmlns:pr="smNativeData" xmlns:p15="http://schemas.microsoft.com/office/powerpoint/2012/main" xmlns:p14="http://schemas.microsoft.com/office/powerpoint/2010/main" xmlns:mc="http://schemas.openxmlformats.org/markup-compatibility/2006" val="SMDATA_16_OZjwYBMAAAAlAAAAZAAAAA0AAAAAkAAAAEgAAACQAAAASAAAAAAAAAABAAAAAAAAAAEAAABQAAAAAAAAAAAA4D8AAAAAAADgPwAAAAAAAOA/AAAAAAAA4D8AAAAAAADgPwAAAAAAAOA/AAAAAAAA4D8AAAAAAADgPwAAAAAAAOA/AAAAAAAA4D8CAAAAjAAAAAAAAAAAAAAARHLEDP///wgAAAAAAAAAAAAAAAAAAAAAAAAAAAAAAAAAAAAAZAAAAAEAAABAAAAAAAAAAAAAAAAAAAAAAAAAAAAAAAAAAAAAAAAAAAAAAAAAAAAAAAAAAAAAAAAAAAAAAAAAAAAAAAAAAAAAAAAAAAAAAAAAAAAAAAAAAAAAAAAAAAAAFAAAADwAAAAAAAAAAAAAAAAAAAkUAAAAAQAAABQAAAAUAAAAFAAAAAEAAAAAAAAAZAAAAGQAAAAAAAAAZAAAAGQAAAAVAAAAYAAAAAAAAAAAAAAADwAAACADAAAAAAAAAAAAAAEAAACgMgAAVgcAAKr4//8BAAAAf39/AAEAAABkAAAAAAAAABQAAABAHwAAAAAAACYAAAAAAAAAwOD//wAAAAAmAAAAZAAAABYAAABMAAAAAAAAAAAAAAAEAAAAAAAAAAEAAADn5uYKAAAAACgAAAAoAAAAZAAAAGQAAAAAAAAAzMzMAAAAAABQAAAAUAAAAGQAAABkAAAAAAAAABcAAAAUAAAAAAAAAAAAAAD/fwAA/38AAAAAAAAJAAAABAAAAAAAAAAeAAAAaAAAAAAAAAAAAAAAAAAAAAAAAAAAAAAAECcAABAnAAAAAAAAAAAAAAAAAAAAAAAAAAAAAAAAAAAAAAAAAAAAABQAAAAAAAAAwMD/AAAAAABkAAAAMgAAAAAAAABkAAAAAAAAAH9/fwAKAAAAIgAAABgAAAAAAAAAAAAAAAAAAAAAAAAAAAAAAAAAAAAkAAAAJAAAAAAAAAAHAAAAAAAAAAAAAAAAAAAAAAAAAAAAAAAAAAAAf39/ACUAAABYAAAAAAAAAAAAAAAAAAAAAAAAAAAAAAAAAAAAAAAAAAAAAAAAAAAAAAAAAAAAAAA/AAAAAAAAAKCGAQAAAAAAAAAAAAAAAAAMAAAAAQAAAAAAAAAAAAAAAAAAAB8AAABUAAAAAAAABQAAAAEAAAAAAAAAAAAAAAAAAAAAAAAAAAAAAAAAAAAAAAAAAAAAAAJ/f38AAAAAA8zMzADAwP8Af39/AAAAAAAAAAAAAAAAAAAAAAAAAAAAIQAAABgAAAAUAAAAohIAABonAACeJQAAWSkAABAAAAAmAAAACAAAAAAAAAAAAAAAMAAAABQAAAAAAAAAAAD//wAAAQAAAP//AAABAA=="/>
               </a:ext>
             </a:extLst>
           </p:cNvSpPr>
@@ -1685,7 +1683,7 @@
             <a:spLocks noGrp="1" noChangeArrowheads="1"/>
             <a:extLst>
               <a:ext uri="smNativeData">
-                <pr:smNativeData xmlns:mc="http://schemas.openxmlformats.org/markup-compatibility/2006" xmlns:p14="http://schemas.microsoft.com/office/powerpoint/2010/main" xmlns:p15="http://schemas.microsoft.com/office/powerpoint/2012/main" xmlns:pr="smNativeData" xmlns="smNativeData" val="SMDATA_16_OZjwYBMAAAAlAAAAZAAAAA0AAAAAkAAAAEgAAACQAAAASAAAAAAAAAABAAAAAAAAAAEAAABQAAAAAAAAAAAA4D8AAAAAAADgPwAAAAAAAOA/AAAAAAAA4D8AAAAAAADgPwAAAAAAAOA/AAAAAAAA4D8AAAAAAADgPwAAAAAAAOA/AAAAAAAA4D8CAAAAjAAAAAAAAAAAAAAARHLEDP///wgAAAAAAAAAAAAAAAAAAAAAAAAAAAAAAAAAAAAAZAAAAAEAAABAAAAAAAAAAAAAAAAAAAAAAAAAAAAAAAAAAAAAAAAAAAAAAAAAAAAAAAAAAAAAAAAAAAAAAAAAAAAAAAAAAAAAAAAAAAAAAAAAAAAAAAAAAAAAAAAAAAAAFAAAADwAAAAAAAAAAAAAAAAAAAkUAAAAAQAAABQAAAAUAAAAFAAAAAEAAAAAAAAAZAAAAGQAAAAAAAAAZAAAAGQAAAAVAAAAYAAAAAAAAAAAAAAADwAAACADAAAAAAAAAAAAAAEAAACgMgAAVgcAAKr4//8BAAAAf39/AAEAAABkAAAAAAAAABQAAABAHwAAAAAAACYAAAAAAAAAwOD//wAAAAAmAAAAZAAAABYAAABMAAAAAAAAAAAAAAAEAAAAAAAAAAEAAADn5uYKAAAAACgAAAAoAAAAZAAAAGQAAAAAAAAAzMzMAAAAAABQAAAAUAAAAGQAAABkAAAAAAAAABcAAAAUAAAAAAAAAAAAAAD/fwAA/38AAAAAAAAJAAAABAAAAAAAAAAeAAAAaAAAAAAAAAAAAAAAAAAAAAAAAAAAAAAAECcAABAnAAAAAAAAAAAAAAAAAAAAAAAAAAAAAAAAAAAAAAAAAAAAABQAAAAAAAAAwMD/AAAAAABkAAAAMgAAAAAAAABkAAAAAAAAAH9/fwAKAAAAIgAAABgAAAAAAAAAAAAAAAAAAAAAAAAAAAAAAAAAAAAkAAAAJAAAAAAAAAAHAAAAAAAAAAAAAAAAAAAAAAAAAAAAAAAAAAAAf39/ACUAAABYAAAAAAAAAAAAAAAAAAAAAAAAAAAAAAAAAAAAAAAAAAAAAAAAAAAAAAAAAAAAAAA/AAAAAAAAAKCGAQAAAAAAAAAAAAAAAAAMAAAAAQAAAAAAAAAAAAAAAAAAAB8AAABUAAAAAAAABQAAAAEAAAAAAAAAAAAAAAAAAAAAAAAAAAAAAAAAAAAAAAAAAAAAAAJ/f38AAAAAA8zMzADAwP8Af39/AAAAAAAAAAAAAAAAAAAAAAAAAAAAIQAAABgAAAAUAAAAuicAABonAABiNAAAWSkAABAAAAAmAAAACAAAAAAAAAAAAAAAMAAAABQAAAAAAAAAAAD//wAAAQAAAP//AAABAA=="/>
+                <pr:smNativeData xmlns="smNativeData" xmlns:pr="smNativeData" xmlns:p15="http://schemas.microsoft.com/office/powerpoint/2012/main" xmlns:p14="http://schemas.microsoft.com/office/powerpoint/2010/main" xmlns:mc="http://schemas.openxmlformats.org/markup-compatibility/2006" val="SMDATA_16_OZjwYBMAAAAlAAAAZAAAAA0AAAAAkAAAAEgAAACQAAAASAAAAAAAAAABAAAAAAAAAAEAAABQAAAAAAAAAAAA4D8AAAAAAADgPwAAAAAAAOA/AAAAAAAA4D8AAAAAAADgPwAAAAAAAOA/AAAAAAAA4D8AAAAAAADgPwAAAAAAAOA/AAAAAAAA4D8CAAAAjAAAAAAAAAAAAAAARHLEDP///wgAAAAAAAAAAAAAAAAAAAAAAAAAAAAAAAAAAAAAZAAAAAEAAABAAAAAAAAAAAAAAAAAAAAAAAAAAAAAAAAAAAAAAAAAAAAAAAAAAAAAAAAAAAAAAAAAAAAAAAAAAAAAAAAAAAAAAAAAAAAAAAAAAAAAAAAAAAAAAAAAAAAAFAAAADwAAAAAAAAAAAAAAAAAAAkUAAAAAQAAABQAAAAUAAAAFAAAAAEAAAAAAAAAZAAAAGQAAAAAAAAAZAAAAGQAAAAVAAAAYAAAAAAAAAAAAAAADwAAACADAAAAAAAAAAAAAAEAAACgMgAAVgcAAKr4//8BAAAAf39/AAEAAABkAAAAAAAAABQAAABAHwAAAAAAACYAAAAAAAAAwOD//wAAAAAmAAAAZAAAABYAAABMAAAAAAAAAAAAAAAEAAAAAAAAAAEAAADn5uYKAAAAACgAAAAoAAAAZAAAAGQAAAAAAAAAzMzMAAAAAABQAAAAUAAAAGQAAABkAAAAAAAAABcAAAAUAAAAAAAAAAAAAAD/fwAA/38AAAAAAAAJAAAABAAAAAAAAAAeAAAAaAAAAAAAAAAAAAAAAAAAAAAAAAAAAAAAECcAABAnAAAAAAAAAAAAAAAAAAAAAAAAAAAAAAAAAAAAAAAAAAAAABQAAAAAAAAAwMD/AAAAAABkAAAAMgAAAAAAAABkAAAAAAAAAH9/fwAKAAAAIgAAABgAAAAAAAAAAAAAAAAAAAAAAAAAAAAAAAAAAAAkAAAAJAAAAAAAAAAHAAAAAAAAAAAAAAAAAAAAAAAAAAAAAAAAAAAAf39/ACUAAABYAAAAAAAAAAAAAAAAAAAAAAAAAAAAAAAAAAAAAAAAAAAAAAAAAAAAAAAAAAAAAAA/AAAAAAAAAKCGAQAAAAAAAAAAAAAAAAAMAAAAAQAAAAAAAAAAAAAAAAAAAB8AAABUAAAAAAAABQAAAAEAAAAAAAAAAAAAAAAAAAAAAAAAAAAAAAAAAAAAAAAAAAAAAAJ/f38AAAAAA8zMzADAwP8Af39/AAAAAAAAAAAAAAAAAAAAAAAAAAAAIQAAABgAAAAUAAAAuicAABonAABiNAAAWSkAABAAAAAmAAAACAAAAAAAAAAAAAAAMAAAABQAAAAAAAAAAAD//wAAAQAAAP//AAABAA=="/>
               </a:ext>
             </a:extLst>
           </p:cNvSpPr>
@@ -1741,7 +1739,7 @@
             <a:spLocks noGrp="1" noChangeArrowheads="1"/>
             <a:extLst>
               <a:ext uri="smNativeData">
-                <pr:smNativeData xmlns:mc="http://schemas.openxmlformats.org/markup-compatibility/2006" xmlns:p14="http://schemas.microsoft.com/office/powerpoint/2010/main" xmlns:p15="http://schemas.microsoft.com/office/powerpoint/2012/main" xmlns:pr="smNativeData" xmlns="smNativeData" val="SMDATA_16_OZjwYBMAAAAlAAAAZAAAAA0AAAAAkAAAAEgAAACQAAAASAAAAAAAAAABAAAAAAAAAAEAAABQAAAAAAAAAAAA4D8AAAAAAADgPwAAAAAAAOA/AAAAAAAA4D8AAAAAAADgPwAAAAAAAOA/AAAAAAAA4D8AAAAAAADgPwAAAAAAAOA/AAAAAAAA4D8CAAAAjAAAAAAAAAAAAAAARHLEDP///wgAAAAAAAAAAAAAAAAAAAAAAAAAAAAAAAAAAAAAZAAAAAEAAABAAAAAAAAAAAAAAAAAAAAAAAAAAAAAAAAAAAAAAAAAAAAAAAAAAAAAAAAAAAAAAAAAAAAAAAAAAAAAAAAAAAAAAAAAAAAAAAAAAAAAAAAAAAAAAAAAAAAAFAAAADwAAAAAAAAAAAAAAAAAAAkUAAAAAQAAABQAAAAUAAAAFAAAAAEAAAAAAAAAZAAAAGQAAAAAAAAAZAAAAGQAAAAVAAAAYAAAAAAAAAAAAAAADwAAACADAAAAAAAAAAAAAAEAAACgMgAAVgcAAKr4//8BAAAAf39/AAEAAABkAAAAAAAAABQAAABAHwAAAAAAACYAAAAAAAAAwOD//wAAAAAmAAAAZAAAABYAAABMAAAAAAAAAAAAAAAEAAAAAAAAAAEAAADn5uYKAAAAACgAAAAoAAAAZAAAAGQAAAAAAAAAzMzMAAAAAABQAAAAUAAAAGQAAABkAAAAAAAAABcAAAAUAAAAAAAAAAAAAAD/fwAA/38AAAAAAAAJAAAABAAAAAAAAAAeAAAAaAAAAAAAAAAAAAAAAAAAAAAAAAAAAAAAECcAABAnAAAAAAAAAAAAAAAAAAAAAAAAAAAAAAAAAAAAAAAAAAAAABQAAAAAAAAAwMD/AAAAAABkAAAAMgAAAAAAAABkAAAAAAAAAH9/fwAKAAAAIgAAABgAAAAAAAAAAAAAAAAAAAAAAAAAAAAAAAAAAAAkAAAAJAAAAAAAAAAHAAAAAAAAAAAAAAAAAAAAAAAAAAAAAAAAAAAAf39/ACUAAABYAAAAAAAAAAAAAAAAAAAAAAAAAAAAAAAAAAAAAAAAAAAAAAAAAAAAAAAAAAAAAAA/AAAAAAAAAKCGAQAAAAAAAAAAAAAAAAAMAAAAAQAAAAAAAAAAAAAAAAAAAB8AAABUAAAAAAAABQAAAAEAAAAAAAAAAAAAAAAAAAAAAAAAAAAAAAAAAAAAAAAAAAAAAAJ/f38AAAAAA8zMzADAwP8Af39/AAAAAAAAAAAAAAAAAAAAAAAAAAAAIQAAABgAAAAUAAAA4AMAAD8CAABkNAAAZwoAABAAAAAmAAAACAAAAAEAAAAAAAAAMAAAABQAAAAAAAAAAAD//wAAAQAAAP//AAABAA=="/>
+                <pr:smNativeData xmlns="smNativeData" xmlns:pr="smNativeData" xmlns:p15="http://schemas.microsoft.com/office/powerpoint/2012/main" xmlns:p14="http://schemas.microsoft.com/office/powerpoint/2010/main" xmlns:mc="http://schemas.openxmlformats.org/markup-compatibility/2006" val="SMDATA_16_OZjwYBMAAAAlAAAAZAAAAA0AAAAAkAAAAEgAAACQAAAASAAAAAAAAAABAAAAAAAAAAEAAABQAAAAAAAAAAAA4D8AAAAAAADgPwAAAAAAAOA/AAAAAAAA4D8AAAAAAADgPwAAAAAAAOA/AAAAAAAA4D8AAAAAAADgPwAAAAAAAOA/AAAAAAAA4D8CAAAAjAAAAAAAAAAAAAAARHLEDP///wgAAAAAAAAAAAAAAAAAAAAAAAAAAAAAAAAAAAAAZAAAAAEAAABAAAAAAAAAAAAAAAAAAAAAAAAAAAAAAAAAAAAAAAAAAAAAAAAAAAAAAAAAAAAAAAAAAAAAAAAAAAAAAAAAAAAAAAAAAAAAAAAAAAAAAAAAAAAAAAAAAAAAFAAAADwAAAAAAAAAAAAAAAAAAAkUAAAAAQAAABQAAAAUAAAAFAAAAAEAAAAAAAAAZAAAAGQAAAAAAAAAZAAAAGQAAAAVAAAAYAAAAAAAAAAAAAAADwAAACADAAAAAAAAAAAAAAEAAACgMgAAVgcAAKr4//8BAAAAf39/AAEAAABkAAAAAAAAABQAAABAHwAAAAAAACYAAAAAAAAAwOD//wAAAAAmAAAAZAAAABYAAABMAAAAAAAAAAAAAAAEAAAAAAAAAAEAAADn5uYKAAAAACgAAAAoAAAAZAAAAGQAAAAAAAAAzMzMAAAAAABQAAAAUAAAAGQAAABkAAAAAAAAABcAAAAUAAAAAAAAAAAAAAD/fwAA/38AAAAAAAAJAAAABAAAAAAAAAAeAAAAaAAAAAAAAAAAAAAAAAAAAAAAAAAAAAAAECcAABAnAAAAAAAAAAAAAAAAAAAAAAAAAAAAAAAAAAAAAAAAAAAAABQAAAAAAAAAwMD/AAAAAABkAAAAMgAAAAAAAABkAAAAAAAAAH9/fwAKAAAAIgAAABgAAAAAAAAAAAAAAAAAAAAAAAAAAAAAAAAAAAAkAAAAJAAAAAAAAAAHAAAAAAAAAAAAAAAAAAAAAAAAAAAAAAAAAAAAf39/ACUAAABYAAAAAAAAAAAAAAAAAAAAAAAAAAAAAAAAAAAAAAAAAAAAAAAAAAAAAAAAAAAAAAA/AAAAAAAAAKCGAQAAAAAAAAAAAAAAAAAMAAAAAQAAAAAAAAAAAAAAAAAAAB8AAABUAAAAAAAABQAAAAEAAAAAAAAAAAAAAAAAAAAAAAAAAAAAAAAAAAAAAAAAAAAAAAJ/f38AAAAAA8zMzADAwP8Af39/AAAAAAAAAAAAAAAAAAAAAAAAAAAAIQAAABgAAAAUAAAA4AMAAD8CAABkNAAAZwoAABAAAAAmAAAACAAAAAEAAAAAAAAAMAAAABQAAAAAAAAAAAD//wAAAQAAAP//AAABAA=="/>
               </a:ext>
             </a:extLst>
           </p:cNvSpPr>
@@ -1775,7 +1773,7 @@
             <a:spLocks noGrp="1" noChangeArrowheads="1"/>
             <a:extLst>
               <a:ext uri="smNativeData">
-                <pr:smNativeData xmlns:mc="http://schemas.openxmlformats.org/markup-compatibility/2006" xmlns:p14="http://schemas.microsoft.com/office/powerpoint/2010/main" xmlns:p15="http://schemas.microsoft.com/office/powerpoint/2012/main" xmlns:pr="smNativeData" xmlns="smNativeData" val="SMDATA_16_OZjwYBMAAAAlAAAAZAAAAA0AAAAAkAAAAEgAAACQAAAASAAAAAAAAAACAAAAAAAAAAEAAABQAAAAAAAAAAAA4D8AAAAAAADgPwAAAAAAAOA/AAAAAAAA4D8AAAAAAADgPwAAAAAAAOA/AAAAAAAA4D8AAAAAAADgPwAAAAAAAOA/AAAAAAAA4D8CAAAAjAAAAAAAAAAAAAAARHLEDP///wgAAAAAAAAAAAAAAAAAAAAAAAAAAAAAAAAAAAAAZAAAAAEAAABAAAAAAAAAAAAAAAAAAAAAAAAAAAAAAAAAAAAAAAAAAAAAAAAAAAAAAAAAAAAAAAAAAAAAAAAAAAAAAAAAAAAAAAAAAAAAAAAAAAAAAAAAAAAAAAAAAAAAFAAAADwAAAAAAAAAAAAAAAAAAAkUAAAAAQAAABQAAAAUAAAAFAAAAAEAAAAAAAAAZAAAAGQAAAAAAAAAZAAAAGQAAAAVAAAAYAAAAAAAAAAAAAAADwAAACADAAAAAAAAAAAAAAEAAACgMgAAVgcAAKr4//8BAAAAf39/AAEAAABkAAAAAAAAABQAAABAHwAAAAAAACYAAAAAAAAAwOD//wAAAAAmAAAAZAAAABYAAABMAAAAAAAAAAAAAAAEAAAAAAAAAAEAAADn5uYKAAAAACgAAAAoAAAAZAAAAGQAAAAAAAAAzMzMAAAAAABQAAAAUAAAAGQAAABkAAAAAAAAABcAAAAUAAAAAAAAAAAAAAD/fwAA/38AAAAAAAAJAAAABAAAAAAAAAAeAAAAaAAAAAAAAAAAAAAAAAAAAAAAAAAAAAAAECcAABAnAAAAAAAAAAAAAAAAAAAAAAAAAAAAAAAAAAAAAAAAAAAAABQAAAAAAAAAwMD/AAAAAABkAAAAMgAAAAAAAABkAAAAAAAAAH9/fwAKAAAAIgAAABgAAAAAAAAAAAAAAAAAAAAAAAAAAAAAAAAAAAAkAAAAJAAAAAAAAAAHAAAAAAAAAAAAAAAAAAAAAAAAAAAAAAAAAAAAf39/ACUAAABYAAAAAAAAAAAAAAAAAAAAAAAAAAAAAAAAAAAAAAAAAAAAAAAAAAAAAAAAAAAAAAA/AAAAAAAAAKCGAQAAAAAAAAAAAAAAAAAMAAAAAQAAAAAAAAAAAAAAAAAAAB8AAABUAAAAAAAABQAAAAEAAAAAAAAAAAAAAAAAAAAAAAAAAAAAAAAAAAAAAAAAAAAAAAJ/f38AAAAAA8zMzADAwP8Af39/AAAAAAAAAAAAAAAAAAAAAAAAAAAAIQAAABgAAAAUAAAA4AMAAFgKAACsGwAAaQ8AABAAAAAmAAAACAAAAIGAAAAAAAAAMAAAABQAAAAAAAAAAAD//wAAAQAAAP//AAABAA=="/>
+                <pr:smNativeData xmlns="smNativeData" xmlns:pr="smNativeData" xmlns:p15="http://schemas.microsoft.com/office/powerpoint/2012/main" xmlns:p14="http://schemas.microsoft.com/office/powerpoint/2010/main" xmlns:mc="http://schemas.openxmlformats.org/markup-compatibility/2006" val="SMDATA_16_OZjwYBMAAAAlAAAAZAAAAA0AAAAAkAAAAEgAAACQAAAASAAAAAAAAAACAAAAAAAAAAEAAABQAAAAAAAAAAAA4D8AAAAAAADgPwAAAAAAAOA/AAAAAAAA4D8AAAAAAADgPwAAAAAAAOA/AAAAAAAA4D8AAAAAAADgPwAAAAAAAOA/AAAAAAAA4D8CAAAAjAAAAAAAAAAAAAAARHLEDP///wgAAAAAAAAAAAAAAAAAAAAAAAAAAAAAAAAAAAAAZAAAAAEAAABAAAAAAAAAAAAAAAAAAAAAAAAAAAAAAAAAAAAAAAAAAAAAAAAAAAAAAAAAAAAAAAAAAAAAAAAAAAAAAAAAAAAAAAAAAAAAAAAAAAAAAAAAAAAAAAAAAAAAFAAAADwAAAAAAAAAAAAAAAAAAAkUAAAAAQAAABQAAAAUAAAAFAAAAAEAAAAAAAAAZAAAAGQAAAAAAAAAZAAAAGQAAAAVAAAAYAAAAAAAAAAAAAAADwAAACADAAAAAAAAAAAAAAEAAACgMgAAVgcAAKr4//8BAAAAf39/AAEAAABkAAAAAAAAABQAAABAHwAAAAAAACYAAAAAAAAAwOD//wAAAAAmAAAAZAAAABYAAABMAAAAAAAAAAAAAAAEAAAAAAAAAAEAAADn5uYKAAAAACgAAAAoAAAAZAAAAGQAAAAAAAAAzMzMAAAAAABQAAAAUAAAAGQAAABkAAAAAAAAABcAAAAUAAAAAAAAAAAAAAD/fwAA/38AAAAAAAAJAAAABAAAAAAAAAAeAAAAaAAAAAAAAAAAAAAAAAAAAAAAAAAAAAAAECcAABAnAAAAAAAAAAAAAAAAAAAAAAAAAAAAAAAAAAAAAAAAAAAAABQAAAAAAAAAwMD/AAAAAABkAAAAMgAAAAAAAABkAAAAAAAAAH9/fwAKAAAAIgAAABgAAAAAAAAAAAAAAAAAAAAAAAAAAAAAAAAAAAAkAAAAJAAAAAAAAAAHAAAAAAAAAAAAAAAAAAAAAAAAAAAAAAAAAAAAf39/ACUAAABYAAAAAAAAAAAAAAAAAAAAAAAAAAAAAAAAAAAAAAAAAAAAAAAAAAAAAAAAAAAAAAA/AAAAAAAAAKCGAQAAAAAAAAAAAAAAAAAMAAAAAQAAAAAAAAAAAAAAAAAAAB8AAABUAAAAAAAABQAAAAEAAAAAAAAAAAAAAAAAAAAAAAAAAAAAAAAAAAAAAAAAAAAAAAJ/f38AAAAAA8zMzADAwP8Af39/AAAAAAAAAAAAAAAAAAAAAAAAAAAAIQAAABgAAAAUAAAA4AMAAFgKAACsGwAAaQ8AABAAAAAmAAAACAAAAIGAAAAAAAAAMAAAABQAAAAAAAAAAAD//wAAAQAAAP//AAABAA=="/>
               </a:ext>
             </a:extLst>
           </p:cNvSpPr>
@@ -1850,7 +1848,7 @@
             <a:spLocks noGrp="1" noChangeArrowheads="1"/>
             <a:extLst>
               <a:ext uri="smNativeData">
-                <pr:smNativeData xmlns:mc="http://schemas.openxmlformats.org/markup-compatibility/2006" xmlns:p14="http://schemas.microsoft.com/office/powerpoint/2010/main" xmlns:p15="http://schemas.microsoft.com/office/powerpoint/2012/main" xmlns:pr="smNativeData" xmlns="smNativeData" val="SMDATA_16_OZjwYBMAAAAlAAAAZAAAAA0AAAAAkAAAAEgAAACQAAAASAAAAAAAAAAAAAAAAAAAAAEAAABQAAAAAAAAAAAA4D8AAAAAAADgPwAAAAAAAOA/AAAAAAAA4D8AAAAAAADgPwAAAAAAAOA/AAAAAAAA4D8AAAAAAADgPwAAAAAAAOA/AAAAAAAA4D8CAAAAjAAAAAAAAAAAAAAARHLEDP///wgAAAAAAAAAAAAAAAAAAAAAAAAAAAAAAAAAAAAAZAAAAAEAAABAAAAAAAAAAAAAAAAAAAAAAAAAAAAAAAAAAAAAAAAAAAAAAAAAAAAAAAAAAAAAAAAAAAAAAAAAAAAAAAAAAAAAAAAAAAAAAAAAAAAAAAAAAAAAAAAAAAAAFAAAADwAAAAAAAAAAAAAAAAAAAkUAAAAAQAAABQAAAAUAAAAFAAAAAEAAAAAAAAAZAAAAGQAAAAAAAAAZAAAAGQAAAAVAAAAYAAAAAAAAAAAAAAADwAAACADAAAAAAAAAAAAAAEAAACgMgAAVgcAAKr4//8BAAAAf39/AAEAAABkAAAAAAAAABQAAABAHwAAAAAAACYAAAAAAAAAwOD//wAAAAAmAAAAZAAAABYAAABMAAAAAAAAAAAAAAAEAAAAAAAAAAEAAADn5uYKAAAAACgAAAAoAAAAZAAAAGQAAAAAAAAAzMzMAAAAAABQAAAAUAAAAGQAAABkAAAAAAAAABcAAAAUAAAAAAAAAAAAAAD/fwAA/38AAAAAAAAJAAAABAAAAAAAAAAeAAAAaAAAAAAAAAAAAAAAAAAAAAAAAAAAAAAAECcAABAnAAAAAAAAAAAAAAAAAAAAAAAAAAAAAAAAAAAAAAAAAAAAABQAAAAAAAAAwMD/AAAAAABkAAAAMgAAAAAAAABkAAAAAAAAAH9/fwAKAAAAIgAAABgAAAAAAAAAAAAAAAAAAAAAAAAAAAAAAAAAAAAkAAAAJAAAAAAAAAAHAAAAAAAAAAAAAAAAAAAAAAAAAAAAAAAAAAAAf39/ACUAAABYAAAAAAAAAAAAAAAAAAAAAAAAAAAAAAAAAAAAAAAAAAAAAAAAAAAAAAAAAAAAAAA/AAAAAAAAAKCGAQAAAAAAAAAAAAAAAAAMAAAAAQAAAAAAAAAAAAAAAAAAAB8AAABUAAAAAAAABQAAAAEAAAAAAAAAAAAAAAAAAAAAAAAAAAAAAAAAAAAAAAAAAAAAAAJ/f38AAAAAA8zMzADAwP8Af39/AAAAAAAAAAAAAAAAAAAAAAAAAAAAIQAAABgAAAAUAAAA4AMAAGkPAACsGwAAFCYAABAAAAAmAAAACAAAAAEAAAAAAAAAMAAAABQAAAAAAAAAAAD//wAAAQAAAP//AAABAA=="/>
+                <pr:smNativeData xmlns="smNativeData" xmlns:pr="smNativeData" xmlns:p15="http://schemas.microsoft.com/office/powerpoint/2012/main" xmlns:p14="http://schemas.microsoft.com/office/powerpoint/2010/main" xmlns:mc="http://schemas.openxmlformats.org/markup-compatibility/2006" val="SMDATA_16_OZjwYBMAAAAlAAAAZAAAAA0AAAAAkAAAAEgAAACQAAAASAAAAAAAAAAAAAAAAAAAAAEAAABQAAAAAAAAAAAA4D8AAAAAAADgPwAAAAAAAOA/AAAAAAAA4D8AAAAAAADgPwAAAAAAAOA/AAAAAAAA4D8AAAAAAADgPwAAAAAAAOA/AAAAAAAA4D8CAAAAjAAAAAAAAAAAAAAARHLEDP///wgAAAAAAAAAAAAAAAAAAAAAAAAAAAAAAAAAAAAAZAAAAAEAAABAAAAAAAAAAAAAAAAAAAAAAAAAAAAAAAAAAAAAAAAAAAAAAAAAAAAAAAAAAAAAAAAAAAAAAAAAAAAAAAAAAAAAAAAAAAAAAAAAAAAAAAAAAAAAAAAAAAAAFAAAADwAAAAAAAAAAAAAAAAAAAkUAAAAAQAAABQAAAAUAAAAFAAAAAEAAAAAAAAAZAAAAGQAAAAAAAAAZAAAAGQAAAAVAAAAYAAAAAAAAAAAAAAADwAAACADAAAAAAAAAAAAAAEAAACgMgAAVgcAAKr4//8BAAAAf39/AAEAAABkAAAAAAAAABQAAABAHwAAAAAAACYAAAAAAAAAwOD//wAAAAAmAAAAZAAAABYAAABMAAAAAAAAAAAAAAAEAAAAAAAAAAEAAADn5uYKAAAAACgAAAAoAAAAZAAAAGQAAAAAAAAAzMzMAAAAAABQAAAAUAAAAGQAAABkAAAAAAAAABcAAAAUAAAAAAAAAAAAAAD/fwAA/38AAAAAAAAJAAAABAAAAAAAAAAeAAAAaAAAAAAAAAAAAAAAAAAAAAAAAAAAAAAAECcAABAnAAAAAAAAAAAAAAAAAAAAAAAAAAAAAAAAAAAAAAAAAAAAABQAAAAAAAAAwMD/AAAAAABkAAAAMgAAAAAAAABkAAAAAAAAAH9/fwAKAAAAIgAAABgAAAAAAAAAAAAAAAAAAAAAAAAAAAAAAAAAAAAkAAAAJAAAAAAAAAAHAAAAAAAAAAAAAAAAAAAAAAAAAAAAAAAAAAAAf39/ACUAAABYAAAAAAAAAAAAAAAAAAAAAAAAAAAAAAAAAAAAAAAAAAAAAAAAAAAAAAAAAAAAAAA/AAAAAAAAAKCGAQAAAAAAAAAAAAAAAAAMAAAAAQAAAAAAAAAAAAAAAAAAAB8AAABUAAAAAAAABQAAAAEAAAAAAAAAAAAAAAAAAAAAAAAAAAAAAAAAAAAAAAAAAAAAAAJ/f38AAAAAA8zMzADAwP8Af39/AAAAAAAAAAAAAAAAAAAAAAAAAAAAIQAAABgAAAAUAAAA4AMAAGkPAACsGwAAFCYAABAAAAAmAAAACAAAAAEAAAAAAAAAMAAAABQAAAAAAAAAAAD//wAAAQAAAP//AAABAA=="/>
               </a:ext>
             </a:extLst>
           </p:cNvSpPr>
@@ -1916,7 +1914,7 @@
             <a:spLocks noGrp="1" noChangeArrowheads="1"/>
             <a:extLst>
               <a:ext uri="smNativeData">
-                <pr:smNativeData xmlns:mc="http://schemas.openxmlformats.org/markup-compatibility/2006" xmlns:p14="http://schemas.microsoft.com/office/powerpoint/2010/main" xmlns:p15="http://schemas.microsoft.com/office/powerpoint/2012/main" xmlns:pr="smNativeData" xmlns="smNativeData" val="SMDATA_16_OZjwYBMAAAAlAAAAZAAAAA0AAAAAkAAAAEgAAACQAAAASAAAAAAAAAACAAAAAAAAAAEAAABQAAAAAAAAAAAA4D8AAAAAAADgPwAAAAAAAOA/AAAAAAAA4D8AAAAAAADgPwAAAAAAAOA/AAAAAAAA4D8AAAAAAADgPwAAAAAAAOA/AAAAAAAA4D8CAAAAjAAAAAAAAAAAAAAARHLEDP///wgAAAAAAAAAAAAAAAAAAAAAAAAAAAAAAAAAAAAAZAAAAAEAAABAAAAAAAAAAAAAAAAAAAAAAAAAAAAAAAAAAAAAAAAAAAAAAAAAAAAAAAAAAAAAAAAAAAAAAAAAAAAAAAAAAAAAAAAAAAAAAAAAAAAAAAAAAAAAAAAAAAAAFAAAADwAAAAAAAAAAAAAAAAAAAkUAAAAAQAAABQAAAAUAAAAFAAAAAEAAAAAAAAAZAAAAGQAAAAAAAAAZAAAAGQAAAAVAAAAYAAAAAAAAAAAAAAADwAAACADAAAAAAAAAAAAAAEAAACgMgAAVgcAAKr4//8BAAAAf39/AAEAAABkAAAAAAAAABQAAABAHwAAAAAAACYAAAAAAAAAwOD//wAAAAAmAAAAZAAAABYAAABMAAAAAAAAAAAAAAAEAAAAAAAAAAEAAADn5uYKAAAAACgAAAAoAAAAZAAAAGQAAAAAAAAAzMzMAAAAAABQAAAAUAAAAGQAAABkAAAAAAAAABcAAAAUAAAAAAAAAAAAAAD/fwAA/38AAAAAAAAJAAAABAAAAAAAAAAeAAAAaAAAAAAAAAAAAAAAAAAAAAAAAAAAAAAAECcAABAnAAAAAAAAAAAAAAAAAAAAAAAAAAAAAAAAAAAAAAAAAAAAABQAAAAAAAAAwMD/AAAAAABkAAAAMgAAAAAAAABkAAAAAAAAAH9/fwAKAAAAIgAAABgAAAAAAAAAAAAAAAAAAAAAAAAAAAAAAAAAAAAkAAAAJAAAAAAAAAAHAAAAAAAAAAAAAAAAAAAAAAAAAAAAAAAAAAAAf39/ACUAAABYAAAAAAAAAAAAAAAAAAAAAAAAAAAAAAAAAAAAAAAAAAAAAAAAAAAAAAAAAAAAAAA/AAAAAAAAAKCGAQAAAAAAAAAAAAAAAAAMAAAAAQAAAAAAAAAAAAAAAAAAAB8AAABUAAAAAAAABQAAAAEAAAAAAAAAAAAAAAAAAAAAAAAAAAAAAAAAAAAAAAAAAAAAAAJ/f38AAAAAA8zMzADAwP8Af39/AAAAAAAAAAAAAAAAAAAAAAAAAAAAIQAAABgAAAAUAAAAehwAAFgKAABkNAAAaQ8AABAAAAAmAAAACAAAAIGAAAAAAAAAMAAAABQAAAAAAAAAAAD//wAAAQAAAP//AAABAA=="/>
+                <pr:smNativeData xmlns="smNativeData" xmlns:pr="smNativeData" xmlns:p15="http://schemas.microsoft.com/office/powerpoint/2012/main" xmlns:p14="http://schemas.microsoft.com/office/powerpoint/2010/main" xmlns:mc="http://schemas.openxmlformats.org/markup-compatibility/2006" val="SMDATA_16_OZjwYBMAAAAlAAAAZAAAAA0AAAAAkAAAAEgAAACQAAAASAAAAAAAAAACAAAAAAAAAAEAAABQAAAAAAAAAAAA4D8AAAAAAADgPwAAAAAAAOA/AAAAAAAA4D8AAAAAAADgPwAAAAAAAOA/AAAAAAAA4D8AAAAAAADgPwAAAAAAAOA/AAAAAAAA4D8CAAAAjAAAAAAAAAAAAAAARHLEDP///wgAAAAAAAAAAAAAAAAAAAAAAAAAAAAAAAAAAAAAZAAAAAEAAABAAAAAAAAAAAAAAAAAAAAAAAAAAAAAAAAAAAAAAAAAAAAAAAAAAAAAAAAAAAAAAAAAAAAAAAAAAAAAAAAAAAAAAAAAAAAAAAAAAAAAAAAAAAAAAAAAAAAAFAAAADwAAAAAAAAAAAAAAAAAAAkUAAAAAQAAABQAAAAUAAAAFAAAAAEAAAAAAAAAZAAAAGQAAAAAAAAAZAAAAGQAAAAVAAAAYAAAAAAAAAAAAAAADwAAACADAAAAAAAAAAAAAAEAAACgMgAAVgcAAKr4//8BAAAAf39/AAEAAABkAAAAAAAAABQAAABAHwAAAAAAACYAAAAAAAAAwOD//wAAAAAmAAAAZAAAABYAAABMAAAAAAAAAAAAAAAEAAAAAAAAAAEAAADn5uYKAAAAACgAAAAoAAAAZAAAAGQAAAAAAAAAzMzMAAAAAABQAAAAUAAAAGQAAABkAAAAAAAAABcAAAAUAAAAAAAAAAAAAAD/fwAA/38AAAAAAAAJAAAABAAAAAAAAAAeAAAAaAAAAAAAAAAAAAAAAAAAAAAAAAAAAAAAECcAABAnAAAAAAAAAAAAAAAAAAAAAAAAAAAAAAAAAAAAAAAAAAAAABQAAAAAAAAAwMD/AAAAAABkAAAAMgAAAAAAAABkAAAAAAAAAH9/fwAKAAAAIgAAABgAAAAAAAAAAAAAAAAAAAAAAAAAAAAAAAAAAAAkAAAAJAAAAAAAAAAHAAAAAAAAAAAAAAAAAAAAAAAAAAAAAAAAAAAAf39/ACUAAABYAAAAAAAAAAAAAAAAAAAAAAAAAAAAAAAAAAAAAAAAAAAAAAAAAAAAAAAAAAAAAAA/AAAAAAAAAKCGAQAAAAAAAAAAAAAAAAAMAAAAAQAAAAAAAAAAAAAAAAAAAB8AAABUAAAAAAAABQAAAAEAAAAAAAAAAAAAAAAAAAAAAAAAAAAAAAAAAAAAAAAAAAAAAAJ/f38AAAAAA8zMzADAwP8Af39/AAAAAAAAAAAAAAAAAAAAAAAAAAAAIQAAABgAAAAUAAAAehwAAFgKAABkNAAAaQ8AABAAAAAmAAAACAAAAIGAAAAAAAAAMAAAABQAAAAAAAAAAAD//wAAAQAAAP//AAABAA=="/>
               </a:ext>
             </a:extLst>
           </p:cNvSpPr>
@@ -1991,7 +1989,7 @@
             <a:spLocks noGrp="1" noChangeArrowheads="1"/>
             <a:extLst>
               <a:ext uri="smNativeData">
-                <pr:smNativeData xmlns:mc="http://schemas.openxmlformats.org/markup-compatibility/2006" xmlns:p14="http://schemas.microsoft.com/office/powerpoint/2010/main" xmlns:p15="http://schemas.microsoft.com/office/powerpoint/2012/main" xmlns:pr="smNativeData" xmlns="smNativeData" val="SMDATA_16_OZjwYBMAAAAlAAAAZAAAAA0AAAAAkAAAAEgAAACQAAAASAAAAAAAAAAAAAAAAAAAAAEAAABQAAAAAAAAAAAA4D8AAAAAAADgPwAAAAAAAOA/AAAAAAAA4D8AAAAAAADgPwAAAAAAAOA/AAAAAAAA4D8AAAAAAADgPwAAAAAAAOA/AAAAAAAA4D8CAAAAjAAAAAAAAAAAAAAARHLEDP///wgAAAAAAAAAAAAAAAAAAAAAAAAAAAAAAAAAAAAAZAAAAAEAAABAAAAAAAAAAAAAAAAAAAAAAAAAAAAAAAAAAAAAAAAAAAAAAAAAAAAAAAAAAAAAAAAAAAAAAAAAAAAAAAAAAAAAAAAAAAAAAAAAAAAAAAAAAAAAAAAAAAAAFAAAADwAAAAAAAAAAAAAAAAAAAkUAAAAAQAAABQAAAAUAAAAFAAAAAEAAAAAAAAAZAAAAGQAAAAAAAAAZAAAAGQAAAAVAAAAYAAAAAAAAAAAAAAADwAAACADAAAAAAAAAAAAAAEAAACgMgAAVgcAAKr4//8BAAAAf39/AAEAAABkAAAAAAAAABQAAABAHwAAAAAAACYAAAAAAAAAwOD//wAAAAAmAAAAZAAAABYAAABMAAAAAAAAAAAAAAAEAAAAAAAAAAEAAADn5uYKAAAAACgAAAAoAAAAZAAAAGQAAAAAAAAAzMzMAAAAAABQAAAAUAAAAGQAAABkAAAAAAAAABcAAAAUAAAAAAAAAAAAAAD/fwAA/38AAAAAAAAJAAAABAAAAAAAAAAeAAAAaAAAAAAAAAAAAAAAAAAAAAAAAAAAAAAAECcAABAnAAAAAAAAAAAAAAAAAAAAAAAAAAAAAAAAAAAAAAAAAAAAABQAAAAAAAAAwMD/AAAAAABkAAAAMgAAAAAAAABkAAAAAAAAAH9/fwAKAAAAIgAAABgAAAAAAAAAAAAAAAAAAAAAAAAAAAAAAAAAAAAkAAAAJAAAAAAAAAAHAAAAAAAAAAAAAAAAAAAAAAAAAAAAAAAAAAAAf39/ACUAAABYAAAAAAAAAAAAAAAAAAAAAAAAAAAAAAAAAAAAAAAAAAAAAAAAAAAAAAAAAAAAAAA/AAAAAAAAAKCGAQAAAAAAAAAAAAAAAAAMAAAAAQAAAAAAAAAAAAAAAAAAAB8AAABUAAAAAAAABQAAAAEAAAAAAAAAAAAAAAAAAAAAAAAAAAAAAAAAAAAAAAAAAAAAAAJ/f38AAAAAA8zMzADAwP8Af39/AAAAAAAAAAAAAAAAAAAAAAAAAAAAIQAAABgAAAAUAAAAehwAAGkPAABkNAAAFCYAABAAAAAmAAAACAAAAAEAAAAAAAAAMAAAABQAAAAAAAAAAAD//wAAAQAAAP//AAABAA=="/>
+                <pr:smNativeData xmlns="smNativeData" xmlns:pr="smNativeData" xmlns:p15="http://schemas.microsoft.com/office/powerpoint/2012/main" xmlns:p14="http://schemas.microsoft.com/office/powerpoint/2010/main" xmlns:mc="http://schemas.openxmlformats.org/markup-compatibility/2006" val="SMDATA_16_OZjwYBMAAAAlAAAAZAAAAA0AAAAAkAAAAEgAAACQAAAASAAAAAAAAAAAAAAAAAAAAAEAAABQAAAAAAAAAAAA4D8AAAAAAADgPwAAAAAAAOA/AAAAAAAA4D8AAAAAAADgPwAAAAAAAOA/AAAAAAAA4D8AAAAAAADgPwAAAAAAAOA/AAAAAAAA4D8CAAAAjAAAAAAAAAAAAAAARHLEDP///wgAAAAAAAAAAAAAAAAAAAAAAAAAAAAAAAAAAAAAZAAAAAEAAABAAAAAAAAAAAAAAAAAAAAAAAAAAAAAAAAAAAAAAAAAAAAAAAAAAAAAAAAAAAAAAAAAAAAAAAAAAAAAAAAAAAAAAAAAAAAAAAAAAAAAAAAAAAAAAAAAAAAAFAAAADwAAAAAAAAAAAAAAAAAAAkUAAAAAQAAABQAAAAUAAAAFAAAAAEAAAAAAAAAZAAAAGQAAAAAAAAAZAAAAGQAAAAVAAAAYAAAAAAAAAAAAAAADwAAACADAAAAAAAAAAAAAAEAAACgMgAAVgcAAKr4//8BAAAAf39/AAEAAABkAAAAAAAAABQAAABAHwAAAAAAACYAAAAAAAAAwOD//wAAAAAmAAAAZAAAABYAAABMAAAAAAAAAAAAAAAEAAAAAAAAAAEAAADn5uYKAAAAACgAAAAoAAAAZAAAAGQAAAAAAAAAzMzMAAAAAABQAAAAUAAAAGQAAABkAAAAAAAAABcAAAAUAAAAAAAAAAAAAAD/fwAA/38AAAAAAAAJAAAABAAAAAAAAAAeAAAAaAAAAAAAAAAAAAAAAAAAAAAAAAAAAAAAECcAABAnAAAAAAAAAAAAAAAAAAAAAAAAAAAAAAAAAAAAAAAAAAAAABQAAAAAAAAAwMD/AAAAAABkAAAAMgAAAAAAAABkAAAAAAAAAH9/fwAKAAAAIgAAABgAAAAAAAAAAAAAAAAAAAAAAAAAAAAAAAAAAAAkAAAAJAAAAAAAAAAHAAAAAAAAAAAAAAAAAAAAAAAAAAAAAAAAAAAAf39/ACUAAABYAAAAAAAAAAAAAAAAAAAAAAAAAAAAAAAAAAAAAAAAAAAAAAAAAAAAAAAAAAAAAAA/AAAAAAAAAKCGAQAAAAAAAAAAAAAAAAAMAAAAAQAAAAAAAAAAAAAAAAAAAB8AAABUAAAAAAAABQAAAAEAAAAAAAAAAAAAAAAAAAAAAAAAAAAAAAAAAAAAAAAAAAAAAAJ/f38AAAAAA8zMzADAwP8Af39/AAAAAAAAAAAAAAAAAAAAAAAAAAAAIQAAABgAAAAUAAAAehwAAGkPAABkNAAAFCYAABAAAAAmAAAACAAAAAEAAAAAAAAAMAAAABQAAAAAAAAAAAD//wAAAQAAAP//AAABAA=="/>
               </a:ext>
             </a:extLst>
           </p:cNvSpPr>
@@ -2057,7 +2055,7 @@
             <a:spLocks noGrp="1" noChangeArrowheads="1"/>
             <a:extLst>
               <a:ext uri="smNativeData">
-                <pr:smNativeData xmlns:mc="http://schemas.openxmlformats.org/markup-compatibility/2006" xmlns:p14="http://schemas.microsoft.com/office/powerpoint/2010/main" xmlns:p15="http://schemas.microsoft.com/office/powerpoint/2012/main" xmlns:pr="smNativeData" xmlns="smNativeData" val="SMDATA_16_OZjwYBMAAAAlAAAAZAAAAA0AAAAAkAAAAEgAAACQAAAASAAAAAAAAAABAAAAAAAAAAEAAABQAAAAAAAAAAAA4D8AAAAAAADgPwAAAAAAAOA/AAAAAAAA4D8AAAAAAADgPwAAAAAAAOA/AAAAAAAA4D8AAAAAAADgPwAAAAAAAOA/AAAAAAAA4D8CAAAAjAAAAAAAAAAAAAAARHLEDP///wgAAAAAAAAAAAAAAAAAAAAAAAAAAAAAAAAAAAAAZAAAAAEAAABAAAAAAAAAAAAAAAAAAAAAAAAAAAAAAAAAAAAAAAAAAAAAAAAAAAAAAAAAAAAAAAAAAAAAAAAAAAAAAAAAAAAAAAAAAAAAAAAAAAAAAAAAAAAAAAAAAAAAFAAAADwAAAAAAAAAAAAAAAAAAAkUAAAAAQAAABQAAAAUAAAAFAAAAAEAAAAAAAAAZAAAAGQAAAAAAAAAZAAAAGQAAAAVAAAAYAAAAAAAAAAAAAAADwAAACADAAAAAAAAAAAAAAEAAACgMgAAVgcAAKr4//8BAAAAf39/AAEAAABkAAAAAAAAABQAAABAHwAAAAAAACYAAAAAAAAAwOD//wAAAAAmAAAAZAAAABYAAABMAAAAAAAAAAAAAAAEAAAAAAAAAAEAAADn5uYKAAAAACgAAAAoAAAAZAAAAGQAAAAAAAAAzMzMAAAAAABQAAAAUAAAAGQAAABkAAAAAAAAABcAAAAUAAAAAAAAAAAAAAD/fwAA/38AAAAAAAAJAAAABAAAAAAAAAAeAAAAaAAAAAAAAAAAAAAAAAAAAAAAAAAAAAAAECcAABAnAAAAAAAAAAAAAAAAAAAAAAAAAAAAAAAAAAAAAAAAAAAAABQAAAAAAAAAwMD/AAAAAABkAAAAMgAAAAAAAABkAAAAAAAAAH9/fwAKAAAAIgAAABgAAAAAAAAAAAAAAAAAAAAAAAAAAAAAAAAAAAAkAAAAJAAAAAAAAAAHAAAAAAAAAAAAAAAAAAAAAAAAAAAAAAAAAAAAf39/ACUAAABYAAAAAAAAAAAAAAAAAAAAAAAAAAAAAAAAAAAAAAAAAAAAAAAAAAAAAAAAAAAAAAA/AAAAAAAAAKCGAQAAAAAAAAAAAAAAAAAMAAAAAQAAAAAAAAAAAAAAAAAAAB8AAABUAAAAAAAABQAAAAEAAAAAAAAAAAAAAAAAAAAAAAAAAAAAAAAAAAAAAAAAAAAAAAJ/f38AAAAAA8zMzADAwP8Af39/AAAAAAAAAAAAAAAAAAAAAAAAAAAAIQAAABgAAAAUAAAA3gMAABonAACGEAAAWSkAABAAAAAmAAAACAAAAAAAAAAAAAAAMAAAABQAAAAAAAAAAAD//wAAAQAAAP//AAABAA=="/>
+                <pr:smNativeData xmlns="smNativeData" xmlns:pr="smNativeData" xmlns:p15="http://schemas.microsoft.com/office/powerpoint/2012/main" xmlns:p14="http://schemas.microsoft.com/office/powerpoint/2010/main" xmlns:mc="http://schemas.openxmlformats.org/markup-compatibility/2006" val="SMDATA_16_OZjwYBMAAAAlAAAAZAAAAA0AAAAAkAAAAEgAAACQAAAASAAAAAAAAAABAAAAAAAAAAEAAABQAAAAAAAAAAAA4D8AAAAAAADgPwAAAAAAAOA/AAAAAAAA4D8AAAAAAADgPwAAAAAAAOA/AAAAAAAA4D8AAAAAAADgPwAAAAAAAOA/AAAAAAAA4D8CAAAAjAAAAAAAAAAAAAAARHLEDP///wgAAAAAAAAAAAAAAAAAAAAAAAAAAAAAAAAAAAAAZAAAAAEAAABAAAAAAAAAAAAAAAAAAAAAAAAAAAAAAAAAAAAAAAAAAAAAAAAAAAAAAAAAAAAAAAAAAAAAAAAAAAAAAAAAAAAAAAAAAAAAAAAAAAAAAAAAAAAAAAAAAAAAFAAAADwAAAAAAAAAAAAAAAAAAAkUAAAAAQAAABQAAAAUAAAAFAAAAAEAAAAAAAAAZAAAAGQAAAAAAAAAZAAAAGQAAAAVAAAAYAAAAAAAAAAAAAAADwAAACADAAAAAAAAAAAAAAEAAACgMgAAVgcAAKr4//8BAAAAf39/AAEAAABkAAAAAAAAABQAAABAHwAAAAAAACYAAAAAAAAAwOD//wAAAAAmAAAAZAAAABYAAABMAAAAAAAAAAAAAAAEAAAAAAAAAAEAAADn5uYKAAAAACgAAAAoAAAAZAAAAGQAAAAAAAAAzMzMAAAAAABQAAAAUAAAAGQAAABkAAAAAAAAABcAAAAUAAAAAAAAAAAAAAD/fwAA/38AAAAAAAAJAAAABAAAAAAAAAAeAAAAaAAAAAAAAAAAAAAAAAAAAAAAAAAAAAAAECcAABAnAAAAAAAAAAAAAAAAAAAAAAAAAAAAAAAAAAAAAAAAAAAAABQAAAAAAAAAwMD/AAAAAABkAAAAMgAAAAAAAABkAAAAAAAAAH9/fwAKAAAAIgAAABgAAAAAAAAAAAAAAAAAAAAAAAAAAAAAAAAAAAAkAAAAJAAAAAAAAAAHAAAAAAAAAAAAAAAAAAAAAAAAAAAAAAAAAAAAf39/ACUAAABYAAAAAAAAAAAAAAAAAAAAAAAAAAAAAAAAAAAAAAAAAAAAAAAAAAAAAAAAAAAAAAA/AAAAAAAAAKCGAQAAAAAAAAAAAAAAAAAMAAAAAQAAAAAAAAAAAAAAAAAAAB8AAABUAAAAAAAABQAAAAEAAAAAAAAAAAAAAAAAAAAAAAAAAAAAAAAAAAAAAAAAAAAAAAJ/f38AAAAAA8zMzADAwP8Af39/AAAAAAAAAAAAAAAAAAAAAAAAAAAAIQAAABgAAAAUAAAA3gMAABonAACGEAAAWSkAABAAAAAmAAAACAAAAAAAAAAAAAAAMAAAABQAAAAAAAAAAAD//wAAAQAAAP//AAABAA=="/>
               </a:ext>
             </a:extLst>
           </p:cNvSpPr>
@@ -2087,7 +2085,7 @@
             <a:spLocks noGrp="1" noChangeArrowheads="1"/>
             <a:extLst>
               <a:ext uri="smNativeData">
-                <pr:smNativeData xmlns:mc="http://schemas.openxmlformats.org/markup-compatibility/2006" xmlns:p14="http://schemas.microsoft.com/office/powerpoint/2010/main" xmlns:p15="http://schemas.microsoft.com/office/powerpoint/2012/main" xmlns:pr="smNativeData" xmlns="smNativeData" val="SMDATA_16_OZjwYBMAAAAlAAAAZAAAAA0AAAAAkAAAAEgAAACQAAAASAAAAAAAAAABAAAAAAAAAAEAAABQAAAAAAAAAAAA4D8AAAAAAADgPwAAAAAAAOA/AAAAAAAA4D8AAAAAAADgPwAAAAAAAOA/AAAAAAAA4D8AAAAAAADgPwAAAAAAAOA/AAAAAAAA4D8CAAAAjAAAAAAAAAAAAAAARHLEDP///wgAAAAAAAAAAAAAAAAAAAAAAAAAAAAAAAAAAAAAZAAAAAEAAABAAAAAAAAAAAAAAAAAAAAAAAAAAAAAAAAAAAAAAAAAAAAAAAAAAAAAAAAAAAAAAAAAAAAAAAAAAAAAAAAAAAAAAAAAAAAAAAAAAAAAAAAAAAAAAAAAAAAAFAAAADwAAAAAAAAAAAAAAAAAAAkUAAAAAQAAABQAAAAUAAAAFAAAAAEAAAAAAAAAZAAAAGQAAAAAAAAAZAAAAGQAAAAVAAAAYAAAAAAAAAAAAAAADwAAACADAAAAAAAAAAAAAAEAAACgMgAAVgcAAKr4//8BAAAAf39/AAEAAABkAAAAAAAAABQAAABAHwAAAAAAACYAAAAAAAAAwOD//wAAAAAmAAAAZAAAABYAAABMAAAAAAAAAAAAAAAEAAAAAAAAAAEAAADn5uYKAAAAACgAAAAoAAAAZAAAAGQAAAAAAAAAzMzMAAAAAABQAAAAUAAAAGQAAABkAAAAAAAAABcAAAAUAAAAAAAAAAAAAAD/fwAA/38AAAAAAAAJAAAABAAAAAAAAAAeAAAAaAAAAAAAAAAAAAAAAAAAAAAAAAAAAAAAECcAABAnAAAAAAAAAAAAAAAAAAAAAAAAAAAAAAAAAAAAAAAAAAAAABQAAAAAAAAAwMD/AAAAAABkAAAAMgAAAAAAAABkAAAAAAAAAH9/fwAKAAAAIgAAABgAAAAAAAAAAAAAAAAAAAAAAAAAAAAAAAAAAAAkAAAAJAAAAAAAAAAHAAAAAAAAAAAAAAAAAAAAAAAAAAAAAAAAAAAAf39/ACUAAABYAAAAAAAAAAAAAAAAAAAAAAAAAAAAAAAAAAAAAAAAAAAAAAAAAAAAAAAAAAAAAAA/AAAAAAAAAKCGAQAAAAAAAAAAAAAAAAAMAAAAAQAAAAAAAAAAAAAAAAAAAB8AAABUAAAAAAAABQAAAAEAAAAAAAAAAAAAAAAAAAAAAAAAAAAAAAAAAAAAAAAAAAAAAAJ/f38AAAAAA8zMzADAwP8Af39/AAAAAAAAAAAAAAAAAAAAAAAAAAAAIQAAABgAAAAUAAAAohIAABonAACeJQAAWSkAABAAAAAmAAAACAAAAAAAAAAAAAAAMAAAABQAAAAAAAAAAAD//wAAAQAAAP//AAABAA=="/>
+                <pr:smNativeData xmlns="smNativeData" xmlns:pr="smNativeData" xmlns:p15="http://schemas.microsoft.com/office/powerpoint/2012/main" xmlns:p14="http://schemas.microsoft.com/office/powerpoint/2010/main" xmlns:mc="http://schemas.openxmlformats.org/markup-compatibility/2006" val="SMDATA_16_OZjwYBMAAAAlAAAAZAAAAA0AAAAAkAAAAEgAAACQAAAASAAAAAAAAAABAAAAAAAAAAEAAABQAAAAAAAAAAAA4D8AAAAAAADgPwAAAAAAAOA/AAAAAAAA4D8AAAAAAADgPwAAAAAAAOA/AAAAAAAA4D8AAAAAAADgPwAAAAAAAOA/AAAAAAAA4D8CAAAAjAAAAAAAAAAAAAAARHLEDP///wgAAAAAAAAAAAAAAAAAAAAAAAAAAAAAAAAAAAAAZAAAAAEAAABAAAAAAAAAAAAAAAAAAAAAAAAAAAAAAAAAAAAAAAAAAAAAAAAAAAAAAAAAAAAAAAAAAAAAAAAAAAAAAAAAAAAAAAAAAAAAAAAAAAAAAAAAAAAAAAAAAAAAFAAAADwAAAAAAAAAAAAAAAAAAAkUAAAAAQAAABQAAAAUAAAAFAAAAAEAAAAAAAAAZAAAAGQAAAAAAAAAZAAAAGQAAAAVAAAAYAAAAAAAAAAAAAAADwAAACADAAAAAAAAAAAAAAEAAACgMgAAVgcAAKr4//8BAAAAf39/AAEAAABkAAAAAAAAABQAAABAHwAAAAAAACYAAAAAAAAAwOD//wAAAAAmAAAAZAAAABYAAABMAAAAAAAAAAAAAAAEAAAAAAAAAAEAAADn5uYKAAAAACgAAAAoAAAAZAAAAGQAAAAAAAAAzMzMAAAAAABQAAAAUAAAAGQAAABkAAAAAAAAABcAAAAUAAAAAAAAAAAAAAD/fwAA/38AAAAAAAAJAAAABAAAAAAAAAAeAAAAaAAAAAAAAAAAAAAAAAAAAAAAAAAAAAAAECcAABAnAAAAAAAAAAAAAAAAAAAAAAAAAAAAAAAAAAAAAAAAAAAAABQAAAAAAAAAwMD/AAAAAABkAAAAMgAAAAAAAABkAAAAAAAAAH9/fwAKAAAAIgAAABgAAAAAAAAAAAAAAAAAAAAAAAAAAAAAAAAAAAAkAAAAJAAAAAAAAAAHAAAAAAAAAAAAAAAAAAAAAAAAAAAAAAAAAAAAf39/ACUAAABYAAAAAAAAAAAAAAAAAAAAAAAAAAAAAAAAAAAAAAAAAAAAAAAAAAAAAAAAAAAAAAA/AAAAAAAAAKCGAQAAAAAAAAAAAAAAAAAMAAAAAQAAAAAAAAAAAAAAAAAAAB8AAABUAAAAAAAABQAAAAEAAAAAAAAAAAAAAAAAAAAAAAAAAAAAAAAAAAAAAAAAAAAAAAJ/f38AAAAAA8zMzADAwP8Af39/AAAAAAAAAAAAAAAAAAAAAAAAAAAAIQAAABgAAAAUAAAAohIAABonAACeJQAAWSkAABAAAAAmAAAACAAAAAAAAAAAAAAAMAAAABQAAAAAAAAAAAD//wAAAQAAAP//AAABAA=="/>
               </a:ext>
             </a:extLst>
           </p:cNvSpPr>
@@ -2114,7 +2112,7 @@
             <a:spLocks noGrp="1" noChangeArrowheads="1"/>
             <a:extLst>
               <a:ext uri="smNativeData">
-                <pr:smNativeData xmlns:mc="http://schemas.openxmlformats.org/markup-compatibility/2006" xmlns:p14="http://schemas.microsoft.com/office/powerpoint/2010/main" xmlns:p15="http://schemas.microsoft.com/office/powerpoint/2012/main" xmlns:pr="smNativeData" xmlns="smNativeData" val="SMDATA_16_OZjwYBMAAAAlAAAAZAAAAA0AAAAAkAAAAEgAAACQAAAASAAAAAAAAAABAAAAAAAAAAEAAABQAAAAAAAAAAAA4D8AAAAAAADgPwAAAAAAAOA/AAAAAAAA4D8AAAAAAADgPwAAAAAAAOA/AAAAAAAA4D8AAAAAAADgPwAAAAAAAOA/AAAAAAAA4D8CAAAAjAAAAAAAAAAAAAAARHLEDP///wgAAAAAAAAAAAAAAAAAAAAAAAAAAAAAAAAAAAAAZAAAAAEAAABAAAAAAAAAAAAAAAAAAAAAAAAAAAAAAAAAAAAAAAAAAAAAAAAAAAAAAAAAAAAAAAAAAAAAAAAAAAAAAAAAAAAAAAAAAAAAAAAAAAAAAAAAAAAAAAAAAAAAFAAAADwAAAAAAAAAAAAAAAAAAAkUAAAAAQAAABQAAAAUAAAAFAAAAAEAAAAAAAAAZAAAAGQAAAAAAAAAZAAAAGQAAAAVAAAAYAAAAAAAAAAAAAAADwAAACADAAAAAAAAAAAAAAEAAACgMgAAVgcAAKr4//8BAAAAf39/AAEAAABkAAAAAAAAABQAAABAHwAAAAAAACYAAAAAAAAAwOD//wAAAAAmAAAAZAAAABYAAABMAAAAAAAAAAAAAAAEAAAAAAAAAAEAAADn5uYKAAAAACgAAAAoAAAAZAAAAGQAAAAAAAAAzMzMAAAAAABQAAAAUAAAAGQAAABkAAAAAAAAABcAAAAUAAAAAAAAAAAAAAD/fwAA/38AAAAAAAAJAAAABAAAAAAAAAAeAAAAaAAAAAAAAAAAAAAAAAAAAAAAAAAAAAAAECcAABAnAAAAAAAAAAAAAAAAAAAAAAAAAAAAAAAAAAAAAAAAAAAAABQAAAAAAAAAwMD/AAAAAABkAAAAMgAAAAAAAABkAAAAAAAAAH9/fwAKAAAAIgAAABgAAAAAAAAAAAAAAAAAAAAAAAAAAAAAAAAAAAAkAAAAJAAAAAAAAAAHAAAAAAAAAAAAAAAAAAAAAAAAAAAAAAAAAAAAf39/ACUAAABYAAAAAAAAAAAAAAAAAAAAAAAAAAAAAAAAAAAAAAAAAAAAAAAAAAAAAAAAAAAAAAA/AAAAAAAAAKCGAQAAAAAAAAAAAAAAAAAMAAAAAQAAAAAAAAAAAAAAAAAAAB8AAABUAAAAAAAABQAAAAEAAAAAAAAAAAAAAAAAAAAAAAAAAAAAAAAAAAAAAAAAAAAAAAJ/f38AAAAAA8zMzADAwP8Af39/AAAAAAAAAAAAAAAAAAAAAAAAAAAAIQAAABgAAAAUAAAAuicAABonAABiNAAAWSkAABAAAAAmAAAACAAAAAAAAAAAAAAAMAAAABQAAAAAAAAAAAD//wAAAQAAAP//AAABAA=="/>
+                <pr:smNativeData xmlns="smNativeData" xmlns:pr="smNativeData" xmlns:p15="http://schemas.microsoft.com/office/powerpoint/2012/main" xmlns:p14="http://schemas.microsoft.com/office/powerpoint/2010/main" xmlns:mc="http://schemas.openxmlformats.org/markup-compatibility/2006" val="SMDATA_16_OZjwYBMAAAAlAAAAZAAAAA0AAAAAkAAAAEgAAACQAAAASAAAAAAAAAABAAAAAAAAAAEAAABQAAAAAAAAAAAA4D8AAAAAAADgPwAAAAAAAOA/AAAAAAAA4D8AAAAAAADgPwAAAAAAAOA/AAAAAAAA4D8AAAAAAADgPwAAAAAAAOA/AAAAAAAA4D8CAAAAjAAAAAAAAAAAAAAARHLEDP///wgAAAAAAAAAAAAAAAAAAAAAAAAAAAAAAAAAAAAAZAAAAAEAAABAAAAAAAAAAAAAAAAAAAAAAAAAAAAAAAAAAAAAAAAAAAAAAAAAAAAAAAAAAAAAAAAAAAAAAAAAAAAAAAAAAAAAAAAAAAAAAAAAAAAAAAAAAAAAAAAAAAAAFAAAADwAAAAAAAAAAAAAAAAAAAkUAAAAAQAAABQAAAAUAAAAFAAAAAEAAAAAAAAAZAAAAGQAAAAAAAAAZAAAAGQAAAAVAAAAYAAAAAAAAAAAAAAADwAAACADAAAAAAAAAAAAAAEAAACgMgAAVgcAAKr4//8BAAAAf39/AAEAAABkAAAAAAAAABQAAABAHwAAAAAAACYAAAAAAAAAwOD//wAAAAAmAAAAZAAAABYAAABMAAAAAAAAAAAAAAAEAAAAAAAAAAEAAADn5uYKAAAAACgAAAAoAAAAZAAAAGQAAAAAAAAAzMzMAAAAAABQAAAAUAAAAGQAAABkAAAAAAAAABcAAAAUAAAAAAAAAAAAAAD/fwAA/38AAAAAAAAJAAAABAAAAAAAAAAeAAAAaAAAAAAAAAAAAAAAAAAAAAAAAAAAAAAAECcAABAnAAAAAAAAAAAAAAAAAAAAAAAAAAAAAAAAAAAAAAAAAAAAABQAAAAAAAAAwMD/AAAAAABkAAAAMgAAAAAAAABkAAAAAAAAAH9/fwAKAAAAIgAAABgAAAAAAAAAAAAAAAAAAAAAAAAAAAAAAAAAAAAkAAAAJAAAAAAAAAAHAAAAAAAAAAAAAAAAAAAAAAAAAAAAAAAAAAAAf39/ACUAAABYAAAAAAAAAAAAAAAAAAAAAAAAAAAAAAAAAAAAAAAAAAAAAAAAAAAAAAAAAAAAAAA/AAAAAAAAAKCGAQAAAAAAAAAAAAAAAAAMAAAAAQAAAAAAAAAAAAAAAAAAAB8AAABUAAAAAAAABQAAAAEAAAAAAAAAAAAAAAAAAAAAAAAAAAAAAAAAAAAAAAAAAAAAAAJ/f38AAAAAA8zMzADAwP8Af39/AAAAAAAAAAAAAAAAAAAAAAAAAAAAIQAAABgAAAAUAAAAuicAABonAABiNAAAWSkAABAAAAAmAAAACAAAAAAAAAAAAAAAMAAAABQAAAAAAAAAAAD//wAAAQAAAP//AAABAA=="/>
               </a:ext>
             </a:extLst>
           </p:cNvSpPr>
@@ -2170,7 +2168,7 @@
             <a:spLocks noGrp="1" noChangeArrowheads="1"/>
             <a:extLst>
               <a:ext uri="smNativeData">
-                <pr:smNativeData xmlns:mc="http://schemas.openxmlformats.org/markup-compatibility/2006" xmlns:p14="http://schemas.microsoft.com/office/powerpoint/2010/main" xmlns:p15="http://schemas.microsoft.com/office/powerpoint/2012/main" xmlns:pr="smNativeData" xmlns="smNativeData" val="SMDATA_16_OZjwYBMAAAAlAAAAZAAAAA0AAAAAkAAAAEgAAACQAAAASAAAAAAAAAABAAAAAAAAAAEAAABQAAAAAAAAAAAA4D8AAAAAAADgPwAAAAAAAOA/AAAAAAAA4D8AAAAAAADgPwAAAAAAAOA/AAAAAAAA4D8AAAAAAADgPwAAAAAAAOA/AAAAAAAA4D8CAAAAjAAAAAAAAAAAAAAARHLEDP///wgAAAAAAAAAAAAAAAAAAAAAAAAAAAAAAAAAAAAAZAAAAAEAAABAAAAAAAAAAAAAAAAAAAAAAAAAAAAAAAAAAAAAAAAAAAAAAAAAAAAAAAAAAAAAAAAAAAAAAAAAAAAAAAAAAAAAAAAAAAAAAAAAAAAAAAAAAAAAAAAAAAAAFAAAADwAAAAAAAAAAAAAAAAAAAkUAAAAAQAAABQAAAAUAAAAFAAAAAEAAAAAAAAAZAAAAGQAAAAAAAAAZAAAAGQAAAAVAAAAYAAAAAAAAAAAAAAADwAAACADAAAAAAAAAAAAAAEAAACgMgAAVgcAAKr4//8BAAAAf39/AAEAAABkAAAAAAAAABQAAABAHwAAAAAAACYAAAAAAAAAwOD//wAAAAAmAAAAZAAAABYAAABMAAAAAAAAAAAAAAAEAAAAAAAAAAEAAADn5uYKAAAAACgAAAAoAAAAZAAAAGQAAAAAAAAAzMzMAAAAAABQAAAAUAAAAGQAAABkAAAAAAAAABcAAAAUAAAAAAAAAAAAAAD/fwAA/38AAAAAAAAJAAAABAAAAAAAAAAeAAAAaAAAAAAAAAAAAAAAAAAAAAAAAAAAAAAAECcAABAnAAAAAAAAAAAAAAAAAAAAAAAAAAAAAAAAAAAAAAAAAAAAABQAAAAAAAAAwMD/AAAAAABkAAAAMgAAAAAAAABkAAAAAAAAAH9/fwAKAAAAIgAAABgAAAAAAAAAAAAAAAAAAAAAAAAAAAAAAAAAAAAkAAAAJAAAAAAAAAAHAAAAAAAAAAAAAAAAAAAAAAAAAAAAAAAAAAAAf39/ACUAAABYAAAAAAAAAAAAAAAAAAAAAAAAAAAAAAAAAAAAAAAAAAAAAAAAAAAAAAAAAAAAAAA/AAAAAAAAAKCGAQAAAAAAAAAAAAAAAAAMAAAAAQAAAAAAAAAAAAAAAAAAAB8AAABUAAAAAAAABQAAAAEAAAAAAAAAAAAAAAAAAAAAAAAAAAAAAAAAAAAAAAAAAAAAAAJ/f38AAAAAA8zMzADAwP8Af39/AAAAAAAAAAAAAAAAAAAAAAAAAAAAIQAAABgAAAAUAAAA3gMAAD8CAABiNAAAZwoAABAAAAAmAAAACAAAAAAAAAAAAAAAMAAAABQAAAAAAAAAAAD//wAAAQAAAP//AAABAA=="/>
+                <pr:smNativeData xmlns="smNativeData" xmlns:pr="smNativeData" xmlns:p15="http://schemas.microsoft.com/office/powerpoint/2012/main" xmlns:p14="http://schemas.microsoft.com/office/powerpoint/2010/main" xmlns:mc="http://schemas.openxmlformats.org/markup-compatibility/2006" val="SMDATA_16_OZjwYBMAAAAlAAAAZAAAAA0AAAAAkAAAAEgAAACQAAAASAAAAAAAAAABAAAAAAAAAAEAAABQAAAAAAAAAAAA4D8AAAAAAADgPwAAAAAAAOA/AAAAAAAA4D8AAAAAAADgPwAAAAAAAOA/AAAAAAAA4D8AAAAAAADgPwAAAAAAAOA/AAAAAAAA4D8CAAAAjAAAAAAAAAAAAAAARHLEDP///wgAAAAAAAAAAAAAAAAAAAAAAAAAAAAAAAAAAAAAZAAAAAEAAABAAAAAAAAAAAAAAAAAAAAAAAAAAAAAAAAAAAAAAAAAAAAAAAAAAAAAAAAAAAAAAAAAAAAAAAAAAAAAAAAAAAAAAAAAAAAAAAAAAAAAAAAAAAAAAAAAAAAAFAAAADwAAAAAAAAAAAAAAAAAAAkUAAAAAQAAABQAAAAUAAAAFAAAAAEAAAAAAAAAZAAAAGQAAAAAAAAAZAAAAGQAAAAVAAAAYAAAAAAAAAAAAAAADwAAACADAAAAAAAAAAAAAAEAAACgMgAAVgcAAKr4//8BAAAAf39/AAEAAABkAAAAAAAAABQAAABAHwAAAAAAACYAAAAAAAAAwOD//wAAAAAmAAAAZAAAABYAAABMAAAAAAAAAAAAAAAEAAAAAAAAAAEAAADn5uYKAAAAACgAAAAoAAAAZAAAAGQAAAAAAAAAzMzMAAAAAABQAAAAUAAAAGQAAABkAAAAAAAAABcAAAAUAAAAAAAAAAAAAAD/fwAA/38AAAAAAAAJAAAABAAAAAAAAAAeAAAAaAAAAAAAAAAAAAAAAAAAAAAAAAAAAAAAECcAABAnAAAAAAAAAAAAAAAAAAAAAAAAAAAAAAAAAAAAAAAAAAAAABQAAAAAAAAAwMD/AAAAAABkAAAAMgAAAAAAAABkAAAAAAAAAH9/fwAKAAAAIgAAABgAAAAAAAAAAAAAAAAAAAAAAAAAAAAAAAAAAAAkAAAAJAAAAAAAAAAHAAAAAAAAAAAAAAAAAAAAAAAAAAAAAAAAAAAAf39/ACUAAABYAAAAAAAAAAAAAAAAAAAAAAAAAAAAAAAAAAAAAAAAAAAAAAAAAAAAAAAAAAAAAAA/AAAAAAAAAKCGAQAAAAAAAAAAAAAAAAAMAAAAAQAAAAAAAAAAAAAAAAAAAB8AAABUAAAAAAAABQAAAAEAAAAAAAAAAAAAAAAAAAAAAAAAAAAAAAAAAAAAAAAAAAAAAAJ/f38AAAAAA8zMzADAwP8Af39/AAAAAAAAAAAAAAAAAAAAAAAAAAAAIQAAABgAAAAUAAAA3gMAAD8CAABiNAAAZwoAABAAAAAmAAAACAAAAAAAAAAAAAAAMAAAABQAAAAAAAAAAAD//wAAAQAAAP//AAABAA=="/>
               </a:ext>
             </a:extLst>
           </p:cNvSpPr>
@@ -2199,7 +2197,7 @@
             <a:spLocks noGrp="1" noChangeArrowheads="1"/>
             <a:extLst>
               <a:ext uri="smNativeData">
-                <pr:smNativeData xmlns:mc="http://schemas.openxmlformats.org/markup-compatibility/2006" xmlns:p14="http://schemas.microsoft.com/office/powerpoint/2010/main" xmlns:p15="http://schemas.microsoft.com/office/powerpoint/2012/main" xmlns:pr="smNativeData" xmlns="smNativeData" val="SMDATA_16_OZjwYBMAAAAlAAAAZAAAAA0AAAAAkAAAAEgAAACQAAAASAAAAAAAAAABAAAAAAAAAAEAAABQAAAAAAAAAAAA4D8AAAAAAADgPwAAAAAAAOA/AAAAAAAA4D8AAAAAAADgPwAAAAAAAOA/AAAAAAAA4D8AAAAAAADgPwAAAAAAAOA/AAAAAAAA4D8CAAAAjAAAAAAAAAAAAAAARHLEDP///wgAAAAAAAAAAAAAAAAAAAAAAAAAAAAAAAAAAAAAZAAAAAEAAABAAAAAAAAAAAAAAAAAAAAAAAAAAAAAAAAAAAAAAAAAAAAAAAAAAAAAAAAAAAAAAAAAAAAAAAAAAAAAAAAAAAAAAAAAAAAAAAAAAAAAAAAAAAAAAAAAAAAAFAAAADwAAAAAAAAAAAAAAAAAAAkUAAAAAQAAABQAAAAUAAAAFAAAAAEAAAAAAAAAZAAAAGQAAAAAAAAAZAAAAGQAAAAVAAAAYAAAAAAAAAAAAAAADwAAACADAAAAAAAAAAAAAAEAAACgMgAAVgcAAKr4//8BAAAAf39/AAEAAABkAAAAAAAAABQAAABAHwAAAAAAACYAAAAAAAAAwOD//wAAAAAmAAAAZAAAABYAAABMAAAAAAAAAAAAAAAEAAAAAAAAAAEAAADn5uYKAAAAACgAAAAoAAAAZAAAAGQAAAAAAAAAzMzMAAAAAABQAAAAUAAAAGQAAABkAAAAAAAAABcAAAAUAAAAAAAAAAAAAAD/fwAA/38AAAAAAAAJAAAABAAAAAAAAAAeAAAAaAAAAAAAAAAAAAAAAAAAAAAAAAAAAAAAECcAABAnAAAAAAAAAAAAAAAAAAAAAAAAAAAAAAAAAAAAAAAAAAAAABQAAAAAAAAAwMD/AAAAAABkAAAAMgAAAAAAAABkAAAAAAAAAH9/fwAKAAAAIgAAABgAAAAAAAAAAAAAAAAAAAAAAAAAAAAAAAAAAAAkAAAAJAAAAAAAAAAHAAAAAAAAAAAAAAAAAAAAAAAAAAAAAAAAAAAAf39/ACUAAABYAAAAAAAAAAAAAAAAAAAAAAAAAAAAAAAAAAAAAAAAAAAAAAAAAAAAAAAAAAAAAAA/AAAAAAAAAKCGAQAAAAAAAAAAAAAAAAAMAAAAAQAAAAAAAAAAAAAAAAAAAB8AAABUAAAAAAAABQAAAAEAAAAAAAAAAAAAAAAAAAAAAAAAAAAAAAAAAAAAAAAAAAAAAAJ/f38AAAAAA8zMzADAwP8Af39/AAAAAAAAAAAAAAAAAAAAAAAAAAAAIQAAABgAAAAUAAAA3gMAABonAACGEAAAWSkAABAAAAAmAAAACAAAAAAAAAAAAAAAMAAAABQAAAAAAAAAAAD//wAAAQAAAP//AAABAA=="/>
+                <pr:smNativeData xmlns="smNativeData" xmlns:pr="smNativeData" xmlns:p15="http://schemas.microsoft.com/office/powerpoint/2012/main" xmlns:p14="http://schemas.microsoft.com/office/powerpoint/2010/main" xmlns:mc="http://schemas.openxmlformats.org/markup-compatibility/2006" val="SMDATA_16_OZjwYBMAAAAlAAAAZAAAAA0AAAAAkAAAAEgAAACQAAAASAAAAAAAAAABAAAAAAAAAAEAAABQAAAAAAAAAAAA4D8AAAAAAADgPwAAAAAAAOA/AAAAAAAA4D8AAAAAAADgPwAAAAAAAOA/AAAAAAAA4D8AAAAAAADgPwAAAAAAAOA/AAAAAAAA4D8CAAAAjAAAAAAAAAAAAAAARHLEDP///wgAAAAAAAAAAAAAAAAAAAAAAAAAAAAAAAAAAAAAZAAAAAEAAABAAAAAAAAAAAAAAAAAAAAAAAAAAAAAAAAAAAAAAAAAAAAAAAAAAAAAAAAAAAAAAAAAAAAAAAAAAAAAAAAAAAAAAAAAAAAAAAAAAAAAAAAAAAAAAAAAAAAAFAAAADwAAAAAAAAAAAAAAAAAAAkUAAAAAQAAABQAAAAUAAAAFAAAAAEAAAAAAAAAZAAAAGQAAAAAAAAAZAAAAGQAAAAVAAAAYAAAAAAAAAAAAAAADwAAACADAAAAAAAAAAAAAAEAAACgMgAAVgcAAKr4//8BAAAAf39/AAEAAABkAAAAAAAAABQAAABAHwAAAAAAACYAAAAAAAAAwOD//wAAAAAmAAAAZAAAABYAAABMAAAAAAAAAAAAAAAEAAAAAAAAAAEAAADn5uYKAAAAACgAAAAoAAAAZAAAAGQAAAAAAAAAzMzMAAAAAABQAAAAUAAAAGQAAABkAAAAAAAAABcAAAAUAAAAAAAAAAAAAAD/fwAA/38AAAAAAAAJAAAABAAAAAAAAAAeAAAAaAAAAAAAAAAAAAAAAAAAAAAAAAAAAAAAECcAABAnAAAAAAAAAAAAAAAAAAAAAAAAAAAAAAAAAAAAAAAAAAAAABQAAAAAAAAAwMD/AAAAAABkAAAAMgAAAAAAAABkAAAAAAAAAH9/fwAKAAAAIgAAABgAAAAAAAAAAAAAAAAAAAAAAAAAAAAAAAAAAAAkAAAAJAAAAAAAAAAHAAAAAAAAAAAAAAAAAAAAAAAAAAAAAAAAAAAAf39/ACUAAABYAAAAAAAAAAAAAAAAAAAAAAAAAAAAAAAAAAAAAAAAAAAAAAAAAAAAAAAAAAAAAAA/AAAAAAAAAKCGAQAAAAAAAAAAAAAAAAAMAAAAAQAAAAAAAAAAAAAAAAAAAB8AAABUAAAAAAAABQAAAAEAAAAAAAAAAAAAAAAAAAAAAAAAAAAAAAAAAAAAAAAAAAAAAAJ/f38AAAAAA8zMzADAwP8Af39/AAAAAAAAAAAAAAAAAAAAAAAAAAAAIQAAABgAAAAUAAAA3gMAABonAACGEAAAWSkAABAAAAAmAAAACAAAAAAAAAAAAAAAMAAAABQAAAAAAAAAAAD//wAAAQAAAP//AAABAA=="/>
               </a:ext>
             </a:extLst>
           </p:cNvSpPr>
@@ -2229,7 +2227,7 @@
             <a:spLocks noGrp="1" noChangeArrowheads="1"/>
             <a:extLst>
               <a:ext uri="smNativeData">
-                <pr:smNativeData xmlns:mc="http://schemas.openxmlformats.org/markup-compatibility/2006" xmlns:p14="http://schemas.microsoft.com/office/powerpoint/2010/main" xmlns:p15="http://schemas.microsoft.com/office/powerpoint/2012/main" xmlns:pr="smNativeData" xmlns="smNativeData" val="SMDATA_16_OZjwYBMAAAAlAAAAZAAAAA0AAAAAkAAAAEgAAACQAAAASAAAAAAAAAABAAAAAAAAAAEAAABQAAAAAAAAAAAA4D8AAAAAAADgPwAAAAAAAOA/AAAAAAAA4D8AAAAAAADgPwAAAAAAAOA/AAAAAAAA4D8AAAAAAADgPwAAAAAAAOA/AAAAAAAA4D8CAAAAjAAAAAAAAAAAAAAARHLEDP///wgAAAAAAAAAAAAAAAAAAAAAAAAAAAAAAAAAAAAAZAAAAAEAAABAAAAAAAAAAAAAAAAAAAAAAAAAAAAAAAAAAAAAAAAAAAAAAAAAAAAAAAAAAAAAAAAAAAAAAAAAAAAAAAAAAAAAAAAAAAAAAAAAAAAAAAAAAAAAAAAAAAAAFAAAADwAAAAAAAAAAAAAAAAAAAkUAAAAAQAAABQAAAAUAAAAFAAAAAEAAAAAAAAAZAAAAGQAAAAAAAAAZAAAAGQAAAAVAAAAYAAAAAAAAAAAAAAADwAAACADAAAAAAAAAAAAAAEAAACgMgAAVgcAAKr4//8BAAAAf39/AAEAAABkAAAAAAAAABQAAABAHwAAAAAAACYAAAAAAAAAwOD//wAAAAAmAAAAZAAAABYAAABMAAAAAAAAAAAAAAAEAAAAAAAAAAEAAADn5uYKAAAAACgAAAAoAAAAZAAAAGQAAAAAAAAAzMzMAAAAAABQAAAAUAAAAGQAAABkAAAAAAAAABcAAAAUAAAAAAAAAAAAAAD/fwAA/38AAAAAAAAJAAAABAAAAAAAAAAeAAAAaAAAAAAAAAAAAAAAAAAAAAAAAAAAAAAAECcAABAnAAAAAAAAAAAAAAAAAAAAAAAAAAAAAAAAAAAAAAAAAAAAABQAAAAAAAAAwMD/AAAAAABkAAAAMgAAAAAAAABkAAAAAAAAAH9/fwAKAAAAIgAAABgAAAAAAAAAAAAAAAAAAAAAAAAAAAAAAAAAAAAkAAAAJAAAAAAAAAAHAAAAAAAAAAAAAAAAAAAAAAAAAAAAAAAAAAAAf39/ACUAAABYAAAAAAAAAAAAAAAAAAAAAAAAAAAAAAAAAAAAAAAAAAAAAAAAAAAAAAAAAAAAAAA/AAAAAAAAAKCGAQAAAAAAAAAAAAAAAAAMAAAAAQAAAAAAAAAAAAAAAAAAAB8AAABUAAAAAAAABQAAAAEAAAAAAAAAAAAAAAAAAAAAAAAAAAAAAAAAAAAAAAAAAAAAAAJ/f38AAAAAA8zMzADAwP8Af39/AAAAAAAAAAAAAAAAAAAAAAAAAAAAIQAAABgAAAAUAAAAohIAABonAACeJQAAWSkAABAAAAAmAAAACAAAAAAAAAAAAAAAMAAAABQAAAAAAAAAAAD//wAAAQAAAP//AAABAA=="/>
+                <pr:smNativeData xmlns="smNativeData" xmlns:pr="smNativeData" xmlns:p15="http://schemas.microsoft.com/office/powerpoint/2012/main" xmlns:p14="http://schemas.microsoft.com/office/powerpoint/2010/main" xmlns:mc="http://schemas.openxmlformats.org/markup-compatibility/2006" val="SMDATA_16_OZjwYBMAAAAlAAAAZAAAAA0AAAAAkAAAAEgAAACQAAAASAAAAAAAAAABAAAAAAAAAAEAAABQAAAAAAAAAAAA4D8AAAAAAADgPwAAAAAAAOA/AAAAAAAA4D8AAAAAAADgPwAAAAAAAOA/AAAAAAAA4D8AAAAAAADgPwAAAAAAAOA/AAAAAAAA4D8CAAAAjAAAAAAAAAAAAAAARHLEDP///wgAAAAAAAAAAAAAAAAAAAAAAAAAAAAAAAAAAAAAZAAAAAEAAABAAAAAAAAAAAAAAAAAAAAAAAAAAAAAAAAAAAAAAAAAAAAAAAAAAAAAAAAAAAAAAAAAAAAAAAAAAAAAAAAAAAAAAAAAAAAAAAAAAAAAAAAAAAAAAAAAAAAAFAAAADwAAAAAAAAAAAAAAAAAAAkUAAAAAQAAABQAAAAUAAAAFAAAAAEAAAAAAAAAZAAAAGQAAAAAAAAAZAAAAGQAAAAVAAAAYAAAAAAAAAAAAAAADwAAACADAAAAAAAAAAAAAAEAAACgMgAAVgcAAKr4//8BAAAAf39/AAEAAABkAAAAAAAAABQAAABAHwAAAAAAACYAAAAAAAAAwOD//wAAAAAmAAAAZAAAABYAAABMAAAAAAAAAAAAAAAEAAAAAAAAAAEAAADn5uYKAAAAACgAAAAoAAAAZAAAAGQAAAAAAAAAzMzMAAAAAABQAAAAUAAAAGQAAABkAAAAAAAAABcAAAAUAAAAAAAAAAAAAAD/fwAA/38AAAAAAAAJAAAABAAAAAAAAAAeAAAAaAAAAAAAAAAAAAAAAAAAAAAAAAAAAAAAECcAABAnAAAAAAAAAAAAAAAAAAAAAAAAAAAAAAAAAAAAAAAAAAAAABQAAAAAAAAAwMD/AAAAAABkAAAAMgAAAAAAAABkAAAAAAAAAH9/fwAKAAAAIgAAABgAAAAAAAAAAAAAAAAAAAAAAAAAAAAAAAAAAAAkAAAAJAAAAAAAAAAHAAAAAAAAAAAAAAAAAAAAAAAAAAAAAAAAAAAAf39/ACUAAABYAAAAAAAAAAAAAAAAAAAAAAAAAAAAAAAAAAAAAAAAAAAAAAAAAAAAAAAAAAAAAAA/AAAAAAAAAKCGAQAAAAAAAAAAAAAAAAAMAAAAAQAAAAAAAAAAAAAAAAAAAB8AAABUAAAAAAAABQAAAAEAAAAAAAAAAAAAAAAAAAAAAAAAAAAAAAAAAAAAAAAAAAAAAAJ/f38AAAAAA8zMzADAwP8Af39/AAAAAAAAAAAAAAAAAAAAAAAAAAAAIQAAABgAAAAUAAAAohIAABonAACeJQAAWSkAABAAAAAmAAAACAAAAAAAAAAAAAAAMAAAABQAAAAAAAAAAAD//wAAAQAAAP//AAABAA=="/>
               </a:ext>
             </a:extLst>
           </p:cNvSpPr>
@@ -2256,7 +2254,7 @@
             <a:spLocks noGrp="1" noChangeArrowheads="1"/>
             <a:extLst>
               <a:ext uri="smNativeData">
-                <pr:smNativeData xmlns:mc="http://schemas.openxmlformats.org/markup-compatibility/2006" xmlns:p14="http://schemas.microsoft.com/office/powerpoint/2010/main" xmlns:p15="http://schemas.microsoft.com/office/powerpoint/2012/main" xmlns:pr="smNativeData" xmlns="smNativeData" val="SMDATA_16_OZjwYBMAAAAlAAAAZAAAAA0AAAAAkAAAAEgAAACQAAAASAAAAAAAAAABAAAAAAAAAAEAAABQAAAAAAAAAAAA4D8AAAAAAADgPwAAAAAAAOA/AAAAAAAA4D8AAAAAAADgPwAAAAAAAOA/AAAAAAAA4D8AAAAAAADgPwAAAAAAAOA/AAAAAAAA4D8CAAAAjAAAAAAAAAAAAAAARHLEDP///wgAAAAAAAAAAAAAAAAAAAAAAAAAAAAAAAAAAAAAZAAAAAEAAABAAAAAAAAAAAAAAAAAAAAAAAAAAAAAAAAAAAAAAAAAAAAAAAAAAAAAAAAAAAAAAAAAAAAAAAAAAAAAAAAAAAAAAAAAAAAAAAAAAAAAAAAAAAAAAAAAAAAAFAAAADwAAAAAAAAAAAAAAAAAAAkUAAAAAQAAABQAAAAUAAAAFAAAAAEAAAAAAAAAZAAAAGQAAAAAAAAAZAAAAGQAAAAVAAAAYAAAAAAAAAAAAAAADwAAACADAAAAAAAAAAAAAAEAAACgMgAAVgcAAKr4//8BAAAAf39/AAEAAABkAAAAAAAAABQAAABAHwAAAAAAACYAAAAAAAAAwOD//wAAAAAmAAAAZAAAABYAAABMAAAAAAAAAAAAAAAEAAAAAAAAAAEAAADn5uYKAAAAACgAAAAoAAAAZAAAAGQAAAAAAAAAzMzMAAAAAABQAAAAUAAAAGQAAABkAAAAAAAAABcAAAAUAAAAAAAAAAAAAAD/fwAA/38AAAAAAAAJAAAABAAAAAAAAAAeAAAAaAAAAAAAAAAAAAAAAAAAAAAAAAAAAAAAECcAABAnAAAAAAAAAAAAAAAAAAAAAAAAAAAAAAAAAAAAAAAAAAAAABQAAAAAAAAAwMD/AAAAAABkAAAAMgAAAAAAAABkAAAAAAAAAH9/fwAKAAAAIgAAABgAAAAAAAAAAAAAAAAAAAAAAAAAAAAAAAAAAAAkAAAAJAAAAAAAAAAHAAAAAAAAAAAAAAAAAAAAAAAAAAAAAAAAAAAAf39/ACUAAABYAAAAAAAAAAAAAAAAAAAAAAAAAAAAAAAAAAAAAAAAAAAAAAAAAAAAAAAAAAAAAAA/AAAAAAAAAKCGAQAAAAAAAAAAAAAAAAAMAAAAAQAAAAAAAAAAAAAAAAAAAB8AAABUAAAAAAAABQAAAAEAAAAAAAAAAAAAAAAAAAAAAAAAAAAAAAAAAAAAAAAAAAAAAAJ/f38AAAAAA8zMzADAwP8Af39/AAAAAAAAAAAAAAAAAAAAAAAAAAAAIQAAABgAAAAUAAAAuicAABonAABiNAAAWSkAABAAAAAmAAAACAAAAAAAAAAAAAAAMAAAABQAAAAAAAAAAAD//wAAAQAAAP//AAABAA=="/>
+                <pr:smNativeData xmlns="smNativeData" xmlns:pr="smNativeData" xmlns:p15="http://schemas.microsoft.com/office/powerpoint/2012/main" xmlns:p14="http://schemas.microsoft.com/office/powerpoint/2010/main" xmlns:mc="http://schemas.openxmlformats.org/markup-compatibility/2006" val="SMDATA_16_OZjwYBMAAAAlAAAAZAAAAA0AAAAAkAAAAEgAAACQAAAASAAAAAAAAAABAAAAAAAAAAEAAABQAAAAAAAAAAAA4D8AAAAAAADgPwAAAAAAAOA/AAAAAAAA4D8AAAAAAADgPwAAAAAAAOA/AAAAAAAA4D8AAAAAAADgPwAAAAAAAOA/AAAAAAAA4D8CAAAAjAAAAAAAAAAAAAAARHLEDP///wgAAAAAAAAAAAAAAAAAAAAAAAAAAAAAAAAAAAAAZAAAAAEAAABAAAAAAAAAAAAAAAAAAAAAAAAAAAAAAAAAAAAAAAAAAAAAAAAAAAAAAAAAAAAAAAAAAAAAAAAAAAAAAAAAAAAAAAAAAAAAAAAAAAAAAAAAAAAAAAAAAAAAFAAAADwAAAAAAAAAAAAAAAAAAAkUAAAAAQAAABQAAAAUAAAAFAAAAAEAAAAAAAAAZAAAAGQAAAAAAAAAZAAAAGQAAAAVAAAAYAAAAAAAAAAAAAAADwAAACADAAAAAAAAAAAAAAEAAACgMgAAVgcAAKr4//8BAAAAf39/AAEAAABkAAAAAAAAABQAAABAHwAAAAAAACYAAAAAAAAAwOD//wAAAAAmAAAAZAAAABYAAABMAAAAAAAAAAAAAAAEAAAAAAAAAAEAAADn5uYKAAAAACgAAAAoAAAAZAAAAGQAAAAAAAAAzMzMAAAAAABQAAAAUAAAAGQAAABkAAAAAAAAABcAAAAUAAAAAAAAAAAAAAD/fwAA/38AAAAAAAAJAAAABAAAAAAAAAAeAAAAaAAAAAAAAAAAAAAAAAAAAAAAAAAAAAAAECcAABAnAAAAAAAAAAAAAAAAAAAAAAAAAAAAAAAAAAAAAAAAAAAAABQAAAAAAAAAwMD/AAAAAABkAAAAMgAAAAAAAABkAAAAAAAAAH9/fwAKAAAAIgAAABgAAAAAAAAAAAAAAAAAAAAAAAAAAAAAAAAAAAAkAAAAJAAAAAAAAAAHAAAAAAAAAAAAAAAAAAAAAAAAAAAAAAAAAAAAf39/ACUAAABYAAAAAAAAAAAAAAAAAAAAAAAAAAAAAAAAAAAAAAAAAAAAAAAAAAAAAAAAAAAAAAA/AAAAAAAAAKCGAQAAAAAAAAAAAAAAAAAMAAAAAQAAAAAAAAAAAAAAAAAAAB8AAABUAAAAAAAABQAAAAEAAAAAAAAAAAAAAAAAAAAAAAAAAAAAAAAAAAAAAAAAAAAAAAJ/f38AAAAAA8zMzADAwP8Af39/AAAAAAAAAAAAAAAAAAAAAAAAAAAAIQAAABgAAAAUAAAAuicAABonAABiNAAAWSkAABAAAAAmAAAACAAAAAAAAAAAAAAAMAAAABQAAAAAAAAAAAD//wAAAQAAAP//AAABAA=="/>
               </a:ext>
             </a:extLst>
           </p:cNvSpPr>
@@ -2312,7 +2310,7 @@
             <a:spLocks noGrp="1" noChangeArrowheads="1"/>
             <a:extLst>
               <a:ext uri="smNativeData">
-                <pr:smNativeData xmlns:mc="http://schemas.openxmlformats.org/markup-compatibility/2006" xmlns:p14="http://schemas.microsoft.com/office/powerpoint/2010/main" xmlns:p15="http://schemas.microsoft.com/office/powerpoint/2012/main" xmlns:pr="smNativeData" xmlns="smNativeData" val="SMDATA_16_OZjwYBMAAAAlAAAAZAAAAA0AAAAAkAAAAEgAAACQAAAASAAAAAAAAAABAAAAAAAAAAEAAABQAAAAAAAAAAAA4D8AAAAAAADgPwAAAAAAAOA/AAAAAAAA4D8AAAAAAADgPwAAAAAAAOA/AAAAAAAA4D8AAAAAAADgPwAAAAAAAOA/AAAAAAAA4D8CAAAAjAAAAAAAAAAAAAAARHLEDP///wgAAAAAAAAAAAAAAAAAAAAAAAAAAAAAAAAAAAAAZAAAAAEAAABAAAAAAAAAAAAAAAAAAAAAAAAAAAAAAAAAAAAAAAAAAAAAAAAAAAAAAAAAAAAAAAAAAAAAAAAAAAAAAAAAAAAAAAAAAAAAAAAAAAAAAAAAAAAAAAAAAAAAFAAAADwAAAAAAAAAAAAAAAAAAAkUAAAAAQAAABQAAAAUAAAAFAAAAAEAAAAAAAAAZAAAAGQAAAAAAAAAZAAAAGQAAAAVAAAAYAAAAAAAAAAAAAAADwAAACADAAAAAAAAAAAAAAEAAACgMgAAVgcAAKr4//8BAAAAf39/AAEAAABkAAAAAAAAABQAAABAHwAAAAAAACYAAAAAAAAAwOD//wAAAAAmAAAAZAAAABYAAABMAAAAAAAAAAAAAAAEAAAAAAAAAAEAAADn5uYKAAAAACgAAAAoAAAAZAAAAGQAAAAAAAAAzMzMAAAAAABQAAAAUAAAAGQAAABkAAAAAAAAABcAAAAUAAAAAAAAAAAAAAD/fwAA/38AAAAAAAAJAAAABAAAAAAAAAAeAAAAaAAAAAAAAAAAAAAAAAAAAAAAAAAAAAAAECcAABAnAAAAAAAAAAAAAAAAAAAAAAAAAAAAAAAAAAAAAAAAAAAAABQAAAAAAAAAwMD/AAAAAABkAAAAMgAAAAAAAABkAAAAAAAAAH9/fwAKAAAAIgAAABgAAAAAAAAAAAAAAAAAAAAAAAAAAAAAAAAAAAAkAAAAJAAAAAAAAAAHAAAAAAAAAAAAAAAAAAAAAAAAAAAAAAAAAAAAf39/ACUAAABYAAAAAAAAAAAAAAAAAAAAAAAAAAAAAAAAAAAAAAAAAAAAAAAAAAAAAAAAAAAAAAA/AAAAAAAAAKCGAQAAAAAAAAAAAAAAAAAMAAAAAQAAAAAAAAAAAAAAAAAAAB8AAABUAAAAAAAABQAAAAEAAAAAAAAAAAAAAAAAAAAAAAAAAAAAAAAAAAAAAAAAAAAAAAJ/f38AAAAAA8zMzADAwP8Af39/AAAAAAAAAAAAAAAAAAAAAAAAAAAAIQAAABgAAAAUAAAA3gMAABonAACGEAAAWSkAABAAAAAmAAAACAAAAAAAAAAAAAAAMAAAABQAAAAAAAAAAAD//wAAAQAAAP//AAABAA=="/>
+                <pr:smNativeData xmlns="smNativeData" xmlns:pr="smNativeData" xmlns:p15="http://schemas.microsoft.com/office/powerpoint/2012/main" xmlns:p14="http://schemas.microsoft.com/office/powerpoint/2010/main" xmlns:mc="http://schemas.openxmlformats.org/markup-compatibility/2006" val="SMDATA_16_OZjwYBMAAAAlAAAAZAAAAA0AAAAAkAAAAEgAAACQAAAASAAAAAAAAAABAAAAAAAAAAEAAABQAAAAAAAAAAAA4D8AAAAAAADgPwAAAAAAAOA/AAAAAAAA4D8AAAAAAADgPwAAAAAAAOA/AAAAAAAA4D8AAAAAAADgPwAAAAAAAOA/AAAAAAAA4D8CAAAAjAAAAAAAAAAAAAAARHLEDP///wgAAAAAAAAAAAAAAAAAAAAAAAAAAAAAAAAAAAAAZAAAAAEAAABAAAAAAAAAAAAAAAAAAAAAAAAAAAAAAAAAAAAAAAAAAAAAAAAAAAAAAAAAAAAAAAAAAAAAAAAAAAAAAAAAAAAAAAAAAAAAAAAAAAAAAAAAAAAAAAAAAAAAFAAAADwAAAAAAAAAAAAAAAAAAAkUAAAAAQAAABQAAAAUAAAAFAAAAAEAAAAAAAAAZAAAAGQAAAAAAAAAZAAAAGQAAAAVAAAAYAAAAAAAAAAAAAAADwAAACADAAAAAAAAAAAAAAEAAACgMgAAVgcAAKr4//8BAAAAf39/AAEAAABkAAAAAAAAABQAAABAHwAAAAAAACYAAAAAAAAAwOD//wAAAAAmAAAAZAAAABYAAABMAAAAAAAAAAAAAAAEAAAAAAAAAAEAAADn5uYKAAAAACgAAAAoAAAAZAAAAGQAAAAAAAAAzMzMAAAAAABQAAAAUAAAAGQAAABkAAAAAAAAABcAAAAUAAAAAAAAAAAAAAD/fwAA/38AAAAAAAAJAAAABAAAAAAAAAAeAAAAaAAAAAAAAAAAAAAAAAAAAAAAAAAAAAAAECcAABAnAAAAAAAAAAAAAAAAAAAAAAAAAAAAAAAAAAAAAAAAAAAAABQAAAAAAAAAwMD/AAAAAABkAAAAMgAAAAAAAABkAAAAAAAAAH9/fwAKAAAAIgAAABgAAAAAAAAAAAAAAAAAAAAAAAAAAAAAAAAAAAAkAAAAJAAAAAAAAAAHAAAAAAAAAAAAAAAAAAAAAAAAAAAAAAAAAAAAf39/ACUAAABYAAAAAAAAAAAAAAAAAAAAAAAAAAAAAAAAAAAAAAAAAAAAAAAAAAAAAAAAAAAAAAA/AAAAAAAAAKCGAQAAAAAAAAAAAAAAAAAMAAAAAQAAAAAAAAAAAAAAAAAAAB8AAABUAAAAAAAABQAAAAEAAAAAAAAAAAAAAAAAAAAAAAAAAAAAAAAAAAAAAAAAAAAAAAJ/f38AAAAAA8zMzADAwP8Af39/AAAAAAAAAAAAAAAAAAAAAAAAAAAAIQAAABgAAAAUAAAA3gMAABonAACGEAAAWSkAABAAAAAmAAAACAAAAAAAAAAAAAAAMAAAABQAAAAAAAAAAAD//wAAAQAAAP//AAABAA=="/>
               </a:ext>
             </a:extLst>
           </p:cNvSpPr>
@@ -2342,7 +2340,7 @@
             <a:spLocks noGrp="1" noChangeArrowheads="1"/>
             <a:extLst>
               <a:ext uri="smNativeData">
-                <pr:smNativeData xmlns:mc="http://schemas.openxmlformats.org/markup-compatibility/2006" xmlns:p14="http://schemas.microsoft.com/office/powerpoint/2010/main" xmlns:p15="http://schemas.microsoft.com/office/powerpoint/2012/main" xmlns:pr="smNativeData" xmlns="smNativeData" val="SMDATA_16_OZjwYBMAAAAlAAAAZAAAAA0AAAAAkAAAAEgAAACQAAAASAAAAAAAAAABAAAAAAAAAAEAAABQAAAAAAAAAAAA4D8AAAAAAADgPwAAAAAAAOA/AAAAAAAA4D8AAAAAAADgPwAAAAAAAOA/AAAAAAAA4D8AAAAAAADgPwAAAAAAAOA/AAAAAAAA4D8CAAAAjAAAAAAAAAAAAAAARHLEDP///wgAAAAAAAAAAAAAAAAAAAAAAAAAAAAAAAAAAAAAZAAAAAEAAABAAAAAAAAAAAAAAAAAAAAAAAAAAAAAAAAAAAAAAAAAAAAAAAAAAAAAAAAAAAAAAAAAAAAAAAAAAAAAAAAAAAAAAAAAAAAAAAAAAAAAAAAAAAAAAAAAAAAAFAAAADwAAAAAAAAAAAAAAAAAAAkUAAAAAQAAABQAAAAUAAAAFAAAAAEAAAAAAAAAZAAAAGQAAAAAAAAAZAAAAGQAAAAVAAAAYAAAAAAAAAAAAAAADwAAACADAAAAAAAAAAAAAAEAAACgMgAAVgcAAKr4//8BAAAAf39/AAEAAABkAAAAAAAAABQAAABAHwAAAAAAACYAAAAAAAAAwOD//wAAAAAmAAAAZAAAABYAAABMAAAAAAAAAAAAAAAEAAAAAAAAAAEAAADn5uYKAAAAACgAAAAoAAAAZAAAAGQAAAAAAAAAzMzMAAAAAABQAAAAUAAAAGQAAABkAAAAAAAAABcAAAAUAAAAAAAAAAAAAAD/fwAA/38AAAAAAAAJAAAABAAAAAAAAAAeAAAAaAAAAAAAAAAAAAAAAAAAAAAAAAAAAAAAECcAABAnAAAAAAAAAAAAAAAAAAAAAAAAAAAAAAAAAAAAAAAAAAAAABQAAAAAAAAAwMD/AAAAAABkAAAAMgAAAAAAAABkAAAAAAAAAH9/fwAKAAAAIgAAABgAAAAAAAAAAAAAAAAAAAAAAAAAAAAAAAAAAAAkAAAAJAAAAAAAAAAHAAAAAAAAAAAAAAAAAAAAAAAAAAAAAAAAAAAAf39/ACUAAABYAAAAAAAAAAAAAAAAAAAAAAAAAAAAAAAAAAAAAAAAAAAAAAAAAAAAAAAAAAAAAAA/AAAAAAAAAKCGAQAAAAAAAAAAAAAAAAAMAAAAAQAAAAAAAAAAAAAAAAAAAB8AAABUAAAAAAAABQAAAAEAAAAAAAAAAAAAAAAAAAAAAAAAAAAAAAAAAAAAAAAAAAAAAAJ/f38AAAAAA8zMzADAwP8Af39/AAAAAAAAAAAAAAAAAAAAAAAAAAAAIQAAABgAAAAUAAAAohIAABonAACeJQAAWSkAABAAAAAmAAAACAAAAAAAAAAAAAAAMAAAABQAAAAAAAAAAAD//wAAAQAAAP//AAABAA=="/>
+                <pr:smNativeData xmlns="smNativeData" xmlns:pr="smNativeData" xmlns:p15="http://schemas.microsoft.com/office/powerpoint/2012/main" xmlns:p14="http://schemas.microsoft.com/office/powerpoint/2010/main" xmlns:mc="http://schemas.openxmlformats.org/markup-compatibility/2006" val="SMDATA_16_OZjwYBMAAAAlAAAAZAAAAA0AAAAAkAAAAEgAAACQAAAASAAAAAAAAAABAAAAAAAAAAEAAABQAAAAAAAAAAAA4D8AAAAAAADgPwAAAAAAAOA/AAAAAAAA4D8AAAAAAADgPwAAAAAAAOA/AAAAAAAA4D8AAAAAAADgPwAAAAAAAOA/AAAAAAAA4D8CAAAAjAAAAAAAAAAAAAAARHLEDP///wgAAAAAAAAAAAAAAAAAAAAAAAAAAAAAAAAAAAAAZAAAAAEAAABAAAAAAAAAAAAAAAAAAAAAAAAAAAAAAAAAAAAAAAAAAAAAAAAAAAAAAAAAAAAAAAAAAAAAAAAAAAAAAAAAAAAAAAAAAAAAAAAAAAAAAAAAAAAAAAAAAAAAFAAAADwAAAAAAAAAAAAAAAAAAAkUAAAAAQAAABQAAAAUAAAAFAAAAAEAAAAAAAAAZAAAAGQAAAAAAAAAZAAAAGQAAAAVAAAAYAAAAAAAAAAAAAAADwAAACADAAAAAAAAAAAAAAEAAACgMgAAVgcAAKr4//8BAAAAf39/AAEAAABkAAAAAAAAABQAAABAHwAAAAAAACYAAAAAAAAAwOD//wAAAAAmAAAAZAAAABYAAABMAAAAAAAAAAAAAAAEAAAAAAAAAAEAAADn5uYKAAAAACgAAAAoAAAAZAAAAGQAAAAAAAAAzMzMAAAAAABQAAAAUAAAAGQAAABkAAAAAAAAABcAAAAUAAAAAAAAAAAAAAD/fwAA/38AAAAAAAAJAAAABAAAAAAAAAAeAAAAaAAAAAAAAAAAAAAAAAAAAAAAAAAAAAAAECcAABAnAAAAAAAAAAAAAAAAAAAAAAAAAAAAAAAAAAAAAAAAAAAAABQAAAAAAAAAwMD/AAAAAABkAAAAMgAAAAAAAABkAAAAAAAAAH9/fwAKAAAAIgAAABgAAAAAAAAAAAAAAAAAAAAAAAAAAAAAAAAAAAAkAAAAJAAAAAAAAAAHAAAAAAAAAAAAAAAAAAAAAAAAAAAAAAAAAAAAf39/ACUAAABYAAAAAAAAAAAAAAAAAAAAAAAAAAAAAAAAAAAAAAAAAAAAAAAAAAAAAAAAAAAAAAA/AAAAAAAAAKCGAQAAAAAAAAAAAAAAAAAMAAAAAQAAAAAAAAAAAAAAAAAAAB8AAABUAAAAAAAABQAAAAEAAAAAAAAAAAAAAAAAAAAAAAAAAAAAAAAAAAAAAAAAAAAAAAJ/f38AAAAAA8zMzADAwP8Af39/AAAAAAAAAAAAAAAAAAAAAAAAAAAAIQAAABgAAAAUAAAAohIAABonAACeJQAAWSkAABAAAAAmAAAACAAAAAAAAAAAAAAAMAAAABQAAAAAAAAAAAD//wAAAQAAAP//AAABAA=="/>
               </a:ext>
             </a:extLst>
           </p:cNvSpPr>
@@ -2369,7 +2367,7 @@
             <a:spLocks noGrp="1" noChangeArrowheads="1"/>
             <a:extLst>
               <a:ext uri="smNativeData">
-                <pr:smNativeData xmlns:mc="http://schemas.openxmlformats.org/markup-compatibility/2006" xmlns:p14="http://schemas.microsoft.com/office/powerpoint/2010/main" xmlns:p15="http://schemas.microsoft.com/office/powerpoint/2012/main" xmlns:pr="smNativeData" xmlns="smNativeData" val="SMDATA_16_OZjwYBMAAAAlAAAAZAAAAA0AAAAAkAAAAEgAAACQAAAASAAAAAAAAAABAAAAAAAAAAEAAABQAAAAAAAAAAAA4D8AAAAAAADgPwAAAAAAAOA/AAAAAAAA4D8AAAAAAADgPwAAAAAAAOA/AAAAAAAA4D8AAAAAAADgPwAAAAAAAOA/AAAAAAAA4D8CAAAAjAAAAAAAAAAAAAAARHLEDP///wgAAAAAAAAAAAAAAAAAAAAAAAAAAAAAAAAAAAAAZAAAAAEAAABAAAAAAAAAAAAAAAAAAAAAAAAAAAAAAAAAAAAAAAAAAAAAAAAAAAAAAAAAAAAAAAAAAAAAAAAAAAAAAAAAAAAAAAAAAAAAAAAAAAAAAAAAAAAAAAAAAAAAFAAAADwAAAAAAAAAAAAAAAAAAAkUAAAAAQAAABQAAAAUAAAAFAAAAAEAAAAAAAAAZAAAAGQAAAAAAAAAZAAAAGQAAAAVAAAAYAAAAAAAAAAAAAAADwAAACADAAAAAAAAAAAAAAEAAACgMgAAVgcAAKr4//8BAAAAf39/AAEAAABkAAAAAAAAABQAAABAHwAAAAAAACYAAAAAAAAAwOD//wAAAAAmAAAAZAAAABYAAABMAAAAAAAAAAAAAAAEAAAAAAAAAAEAAADn5uYKAAAAACgAAAAoAAAAZAAAAGQAAAAAAAAAzMzMAAAAAABQAAAAUAAAAGQAAABkAAAAAAAAABcAAAAUAAAAAAAAAAAAAAD/fwAA/38AAAAAAAAJAAAABAAAAAAAAAAeAAAAaAAAAAAAAAAAAAAAAAAAAAAAAAAAAAAAECcAABAnAAAAAAAAAAAAAAAAAAAAAAAAAAAAAAAAAAAAAAAAAAAAABQAAAAAAAAAwMD/AAAAAABkAAAAMgAAAAAAAABkAAAAAAAAAH9/fwAKAAAAIgAAABgAAAAAAAAAAAAAAAAAAAAAAAAAAAAAAAAAAAAkAAAAJAAAAAAAAAAHAAAAAAAAAAAAAAAAAAAAAAAAAAAAAAAAAAAAf39/ACUAAABYAAAAAAAAAAAAAAAAAAAAAAAAAAAAAAAAAAAAAAAAAAAAAAAAAAAAAAAAAAAAAAA/AAAAAAAAAKCGAQAAAAAAAAAAAAAAAAAMAAAAAQAAAAAAAAAAAAAAAAAAAB8AAABUAAAAAAAABQAAAAEAAAAAAAAAAAAAAAAAAAAAAAAAAAAAAAAAAAAAAAAAAAAAAAJ/f38AAAAAA8zMzADAwP8Af39/AAAAAAAAAAAAAAAAAAAAAAAAAAAAIQAAABgAAAAUAAAAuicAABonAABiNAAAWSkAABAAAAAmAAAACAAAAAAAAAAAAAAAMAAAABQAAAAAAAAAAAD//wAAAQAAAP//AAABAA=="/>
+                <pr:smNativeData xmlns="smNativeData" xmlns:pr="smNativeData" xmlns:p15="http://schemas.microsoft.com/office/powerpoint/2012/main" xmlns:p14="http://schemas.microsoft.com/office/powerpoint/2010/main" xmlns:mc="http://schemas.openxmlformats.org/markup-compatibility/2006" val="SMDATA_16_OZjwYBMAAAAlAAAAZAAAAA0AAAAAkAAAAEgAAACQAAAASAAAAAAAAAABAAAAAAAAAAEAAABQAAAAAAAAAAAA4D8AAAAAAADgPwAAAAAAAOA/AAAAAAAA4D8AAAAAAADgPwAAAAAAAOA/AAAAAAAA4D8AAAAAAADgPwAAAAAAAOA/AAAAAAAA4D8CAAAAjAAAAAAAAAAAAAAARHLEDP///wgAAAAAAAAAAAAAAAAAAAAAAAAAAAAAAAAAAAAAZAAAAAEAAABAAAAAAAAAAAAAAAAAAAAAAAAAAAAAAAAAAAAAAAAAAAAAAAAAAAAAAAAAAAAAAAAAAAAAAAAAAAAAAAAAAAAAAAAAAAAAAAAAAAAAAAAAAAAAAAAAAAAAFAAAADwAAAAAAAAAAAAAAAAAAAkUAAAAAQAAABQAAAAUAAAAFAAAAAEAAAAAAAAAZAAAAGQAAAAAAAAAZAAAAGQAAAAVAAAAYAAAAAAAAAAAAAAADwAAACADAAAAAAAAAAAAAAEAAACgMgAAVgcAAKr4//8BAAAAf39/AAEAAABkAAAAAAAAABQAAABAHwAAAAAAACYAAAAAAAAAwOD//wAAAAAmAAAAZAAAABYAAABMAAAAAAAAAAAAAAAEAAAAAAAAAAEAAADn5uYKAAAAACgAAAAoAAAAZAAAAGQAAAAAAAAAzMzMAAAAAABQAAAAUAAAAGQAAABkAAAAAAAAABcAAAAUAAAAAAAAAAAAAAD/fwAA/38AAAAAAAAJAAAABAAAAAAAAAAeAAAAaAAAAAAAAAAAAAAAAAAAAAAAAAAAAAAAECcAABAnAAAAAAAAAAAAAAAAAAAAAAAAAAAAAAAAAAAAAAAAAAAAABQAAAAAAAAAwMD/AAAAAABkAAAAMgAAAAAAAABkAAAAAAAAAH9/fwAKAAAAIgAAABgAAAAAAAAAAAAAAAAAAAAAAAAAAAAAAAAAAAAkAAAAJAAAAAAAAAAHAAAAAAAAAAAAAAAAAAAAAAAAAAAAAAAAAAAAf39/ACUAAABYAAAAAAAAAAAAAAAAAAAAAAAAAAAAAAAAAAAAAAAAAAAAAAAAAAAAAAAAAAAAAAA/AAAAAAAAAKCGAQAAAAAAAAAAAAAAAAAMAAAAAQAAAAAAAAAAAAAAAAAAAB8AAABUAAAAAAAABQAAAAEAAAAAAAAAAAAAAAAAAAAAAAAAAAAAAAAAAAAAAAAAAAAAAAJ/f38AAAAAA8zMzADAwP8Af39/AAAAAAAAAAAAAAAAAAAAAAAAAAAAIQAAABgAAAAUAAAAuicAABonAABiNAAAWSkAABAAAAAmAAAACAAAAAAAAAAAAAAAMAAAABQAAAAAAAAAAAD//wAAAQAAAP//AAABAA=="/>
               </a:ext>
             </a:extLst>
           </p:cNvSpPr>
@@ -2425,7 +2423,7 @@
             <a:spLocks noGrp="1" noChangeArrowheads="1"/>
             <a:extLst>
               <a:ext uri="smNativeData">
-                <pr:smNativeData xmlns:mc="http://schemas.openxmlformats.org/markup-compatibility/2006" xmlns:p14="http://schemas.microsoft.com/office/powerpoint/2010/main" xmlns:p15="http://schemas.microsoft.com/office/powerpoint/2012/main" xmlns:pr="smNativeData" xmlns="smNativeData" val="SMDATA_16_OZjwYBMAAAAlAAAAZAAAAA0AAAAAkAAAAEgAAACQAAAASAAAAAAAAAACAAAAAAAAAAEAAABQAAAAAAAAAAAA4D8AAAAAAADgPwAAAAAAAOA/AAAAAAAA4D8AAAAAAADgPwAAAAAAAOA/AAAAAAAA4D8AAAAAAADgPwAAAAAAAOA/AAAAAAAA4D8CAAAAjAAAAAAAAAAAAAAARHLEDP///wgAAAAAAAAAAAAAAAAAAAAAAAAAAAAAAAAAAAAAZAAAAAEAAABAAAAAAAAAAAAAAAAAAAAAAAAAAAAAAAAAAAAAAAAAAAAAAAAAAAAAAAAAAAAAAAAAAAAAAAAAAAAAAAAAAAAAAAAAAAAAAAAAAAAAAAAAAAAAAAAAAAAAFAAAADwAAAAAAAAAAAAAAAAAAAkUAAAAAQAAABQAAAAUAAAAFAAAAAEAAAAAAAAAZAAAAGQAAAAAAAAAZAAAAGQAAAAVAAAAYAAAAAAAAAAAAAAADwAAACADAAAAAAAAAAAAAAEAAACgMgAAVgcAAKr4//8BAAAAf39/AAEAAABkAAAAAAAAABQAAABAHwAAAAAAACYAAAAAAAAAwOD//wAAAAAmAAAAZAAAABYAAABMAAAAAAAAAAAAAAAEAAAAAAAAAAEAAADn5uYKAAAAACgAAAAoAAAAZAAAAGQAAAAAAAAAzMzMAAAAAABQAAAAUAAAAGQAAABkAAAAAAAAABcAAAAUAAAAAAAAAAAAAAD/fwAA/38AAAAAAAAJAAAABAAAAAAAAAAeAAAAaAAAAAAAAAAAAAAAAAAAAAAAAAAAAAAAECcAABAnAAAAAAAAAAAAAAAAAAAAAAAAAAAAAAAAAAAAAAAAAAAAABQAAAAAAAAAwMD/AAAAAABkAAAAMgAAAAAAAABkAAAAAAAAAH9/fwAKAAAAIgAAABgAAAAAAAAAAAAAAAAAAAAAAAAAAAAAAAAAAAAkAAAAJAAAAAAAAAAHAAAAAAAAAAAAAAAAAAAAAAAAAAAAAAAAAAAAf39/ACUAAABYAAAAAAAAAAAAAAAAAAAAAAAAAAAAAAAAAAAAAAAAAAAAAAAAAAAAAAAAAAAAAAA/AAAAAAAAAKCGAQAAAAAAAAAAAAAAAAAMAAAAAQAAAAAAAAAAAAAAAAAAAB8AAABUAAAAAAAABQAAAAEAAAAAAAAAAAAAAAAAAAAAAAAAAAAAAAAAAAAAAAAAAAAAAAJ/f38AAAAAA8zMzADAwP8Af39/AAAAAAAAAAAAAAAAAAAAAAAAAAAAIQAAABgAAAAUAAAA4AMAANACAAAEFgAAqAwAABAAAAAmAAAACAAAAIGAAAAAAAAAMAAAABQAAAAAAAAAAAD//wAAAQAAAP//AAABAA=="/>
+                <pr:smNativeData xmlns="smNativeData" xmlns:pr="smNativeData" xmlns:p15="http://schemas.microsoft.com/office/powerpoint/2012/main" xmlns:p14="http://schemas.microsoft.com/office/powerpoint/2010/main" xmlns:mc="http://schemas.openxmlformats.org/markup-compatibility/2006" val="SMDATA_16_OZjwYBMAAAAlAAAAZAAAAA0AAAAAkAAAAEgAAACQAAAASAAAAAAAAAACAAAAAAAAAAEAAABQAAAAAAAAAAAA4D8AAAAAAADgPwAAAAAAAOA/AAAAAAAA4D8AAAAAAADgPwAAAAAAAOA/AAAAAAAA4D8AAAAAAADgPwAAAAAAAOA/AAAAAAAA4D8CAAAAjAAAAAAAAAAAAAAARHLEDP///wgAAAAAAAAAAAAAAAAAAAAAAAAAAAAAAAAAAAAAZAAAAAEAAABAAAAAAAAAAAAAAAAAAAAAAAAAAAAAAAAAAAAAAAAAAAAAAAAAAAAAAAAAAAAAAAAAAAAAAAAAAAAAAAAAAAAAAAAAAAAAAAAAAAAAAAAAAAAAAAAAAAAAFAAAADwAAAAAAAAAAAAAAAAAAAkUAAAAAQAAABQAAAAUAAAAFAAAAAEAAAAAAAAAZAAAAGQAAAAAAAAAZAAAAGQAAAAVAAAAYAAAAAAAAAAAAAAADwAAACADAAAAAAAAAAAAAAEAAACgMgAAVgcAAKr4//8BAAAAf39/AAEAAABkAAAAAAAAABQAAABAHwAAAAAAACYAAAAAAAAAwOD//wAAAAAmAAAAZAAAABYAAABMAAAAAAAAAAAAAAAEAAAAAAAAAAEAAADn5uYKAAAAACgAAAAoAAAAZAAAAGQAAAAAAAAAzMzMAAAAAABQAAAAUAAAAGQAAABkAAAAAAAAABcAAAAUAAAAAAAAAAAAAAD/fwAA/38AAAAAAAAJAAAABAAAAAAAAAAeAAAAaAAAAAAAAAAAAAAAAAAAAAAAAAAAAAAAECcAABAnAAAAAAAAAAAAAAAAAAAAAAAAAAAAAAAAAAAAAAAAAAAAABQAAAAAAAAAwMD/AAAAAABkAAAAMgAAAAAAAABkAAAAAAAAAH9/fwAKAAAAIgAAABgAAAAAAAAAAAAAAAAAAAAAAAAAAAAAAAAAAAAkAAAAJAAAAAAAAAAHAAAAAAAAAAAAAAAAAAAAAAAAAAAAAAAAAAAAf39/ACUAAABYAAAAAAAAAAAAAAAAAAAAAAAAAAAAAAAAAAAAAAAAAAAAAAAAAAAAAAAAAAAAAAA/AAAAAAAAAKCGAQAAAAAAAAAAAAAAAAAMAAAAAQAAAAAAAAAAAAAAAAAAAB8AAABUAAAAAAAABQAAAAEAAAAAAAAAAAAAAAAAAAAAAAAAAAAAAAAAAAAAAAAAAAAAAAJ/f38AAAAAA8zMzADAwP8Af39/AAAAAAAAAAAAAAAAAAAAAAAAAAAAIQAAABgAAAAUAAAA4AMAANACAAAEFgAAqAwAABAAAAAmAAAACAAAAIGAAAAAAAAAMAAAABQAAAAAAAAAAAD//wAAAQAAAP//AAABAA=="/>
               </a:ext>
             </a:extLst>
           </p:cNvSpPr>
@@ -2491,7 +2489,7 @@
             <a:spLocks noGrp="1" noChangeArrowheads="1"/>
             <a:extLst>
               <a:ext uri="smNativeData">
-                <pr:smNativeData xmlns:mc="http://schemas.openxmlformats.org/markup-compatibility/2006" xmlns:p14="http://schemas.microsoft.com/office/powerpoint/2010/main" xmlns:p15="http://schemas.microsoft.com/office/powerpoint/2012/main" xmlns:pr="smNativeData" xmlns="smNativeData" val="SMDATA_16_OZjwYBMAAAAlAAAAZAAAAA0AAAAAkAAAAEgAAACQAAAASAAAAAAAAAAAAAAAAAAAAAEAAABQAAAAAAAAAAAA4D8AAAAAAADgPwAAAAAAAOA/AAAAAAAA4D8AAAAAAADgPwAAAAAAAOA/AAAAAAAA4D8AAAAAAADgPwAAAAAAAOA/AAAAAAAA4D8CAAAAjAAAAAAAAAAAAAAARHLEDP///wgAAAAAAAAAAAAAAAAAAAAAAAAAAAAAAAAAAAAAZAAAAAEAAABAAAAAAAAAAAAAAAAAAAAAAAAAAAAAAAAAAAAAAAAAAAAAAAAAAAAAAAAAAAAAAAAAAAAAAAAAAAAAAAAAAAAAAAAAAAAAAAAAAAAAAAAAAAAAAAAAAAAAFAAAADwAAAAAAAAAAAAAAAAAAAkUAAAAAQAAABQAAAAUAAAAFAAAAAEAAAAAAAAAZAAAAGQAAAAAAAAAZAAAAGQAAAAVAAAAYAAAAAAAAAAAAAAADwAAACADAAAAAAAAAAAAAAEAAACgMgAAVgcAAKr4//8BAAAAf39/AAEAAABkAAAAAAAAABQAAABAHwAAAAAAACYAAAAAAAAAwOD//wAAAAAmAAAAZAAAABYAAABMAAAAAAAAAAAAAAAEAAAAAAAAAAEAAADn5uYKAAAAACgAAAAoAAAAZAAAAGQAAAAAAAAAzMzMAAAAAABQAAAAUAAAAGQAAABkAAAAAAAAABcAAAAUAAAAAAAAAAAAAAD/fwAA/38AAAAAAAAJAAAABAAAAAAAAAAeAAAAaAAAAAAAAAAAAAAAAAAAAAAAAAAAAAAAECcAABAnAAAAAAAAAAAAAAAAAAAAAAAAAAAAAAAAAAAAAAAAAAAAABQAAAAAAAAAwMD/AAAAAABkAAAAMgAAAAAAAABkAAAAAAAAAH9/fwAKAAAAIgAAABgAAAAAAAAAAAAAAAAAAAAAAAAAAAAAAAAAAAAkAAAAJAAAAAAAAAAHAAAAAAAAAAAAAAAAAAAAAAAAAAAAAAAAAAAAf39/ACUAAABYAAAAAAAAAAAAAAAAAAAAAAAAAAAAAAAAAAAAAAAAAAAAAAAAAAAAAAAAAAAAAAA/AAAAAAAAAKCGAQAAAAAAAAAAAAAAAAAMAAAAAQAAAAAAAAAAAAAAAAAAAB8AAABUAAAAAAAABQAAAAEAAAAAAAAAAAAAAAAAAAAAAAAAAAAAAAAAAAAAAAAAAAAAAAJ/f38AAAAAA8zMzADAwP8Af39/AAAAAAAAAAAAAAAAAAAAAAAAAAAAIQAAABgAAAAUAAAA6hcAABMGAABkNAAADiQAABAAAAAmAAAACAAAAAGAAAAAAAAAMAAAABQAAAAAAAAAAAD//wAAAQAAAP//AAABAA=="/>
+                <pr:smNativeData xmlns="smNativeData" xmlns:pr="smNativeData" xmlns:p15="http://schemas.microsoft.com/office/powerpoint/2012/main" xmlns:p14="http://schemas.microsoft.com/office/powerpoint/2010/main" xmlns:mc="http://schemas.openxmlformats.org/markup-compatibility/2006" val="SMDATA_16_OZjwYBMAAAAlAAAAZAAAAA0AAAAAkAAAAEgAAACQAAAASAAAAAAAAAAAAAAAAAAAAAEAAABQAAAAAAAAAAAA4D8AAAAAAADgPwAAAAAAAOA/AAAAAAAA4D8AAAAAAADgPwAAAAAAAOA/AAAAAAAA4D8AAAAAAADgPwAAAAAAAOA/AAAAAAAA4D8CAAAAjAAAAAAAAAAAAAAARHLEDP///wgAAAAAAAAAAAAAAAAAAAAAAAAAAAAAAAAAAAAAZAAAAAEAAABAAAAAAAAAAAAAAAAAAAAAAAAAAAAAAAAAAAAAAAAAAAAAAAAAAAAAAAAAAAAAAAAAAAAAAAAAAAAAAAAAAAAAAAAAAAAAAAAAAAAAAAAAAAAAAAAAAAAAFAAAADwAAAAAAAAAAAAAAAAAAAkUAAAAAQAAABQAAAAUAAAAFAAAAAEAAAAAAAAAZAAAAGQAAAAAAAAAZAAAAGQAAAAVAAAAYAAAAAAAAAAAAAAADwAAACADAAAAAAAAAAAAAAEAAACgMgAAVgcAAKr4//8BAAAAf39/AAEAAABkAAAAAAAAABQAAABAHwAAAAAAACYAAAAAAAAAwOD//wAAAAAmAAAAZAAAABYAAABMAAAAAAAAAAAAAAAEAAAAAAAAAAEAAADn5uYKAAAAACgAAAAoAAAAZAAAAGQAAAAAAAAAzMzMAAAAAABQAAAAUAAAAGQAAABkAAAAAAAAABcAAAAUAAAAAAAAAAAAAAD/fwAA/38AAAAAAAAJAAAABAAAAAAAAAAeAAAAaAAAAAAAAAAAAAAAAAAAAAAAAAAAAAAAECcAABAnAAAAAAAAAAAAAAAAAAAAAAAAAAAAAAAAAAAAAAAAAAAAABQAAAAAAAAAwMD/AAAAAABkAAAAMgAAAAAAAABkAAAAAAAAAH9/fwAKAAAAIgAAABgAAAAAAAAAAAAAAAAAAAAAAAAAAAAAAAAAAAAkAAAAJAAAAAAAAAAHAAAAAAAAAAAAAAAAAAAAAAAAAAAAAAAAAAAAf39/ACUAAABYAAAAAAAAAAAAAAAAAAAAAAAAAAAAAAAAAAAAAAAAAAAAAAAAAAAAAAAAAAAAAAA/AAAAAAAAAKCGAQAAAAAAAAAAAAAAAAAMAAAAAQAAAAAAAAAAAAAAAAAAAB8AAABUAAAAAAAABQAAAAEAAAAAAAAAAAAAAAAAAAAAAAAAAAAAAAAAAAAAAAAAAAAAAAJ/f38AAAAAA8zMzADAwP8Af39/AAAAAAAAAAAAAAAAAAAAAAAAAAAAIQAAABgAAAAUAAAA6hcAABMGAABkNAAADiQAABAAAAAmAAAACAAAAAGAAAAAAAAAMAAAABQAAAAAAAAAAAD//wAAAQAAAP//AAABAA=="/>
               </a:ext>
             </a:extLst>
           </p:cNvSpPr>
@@ -2585,7 +2583,7 @@
             <a:spLocks noGrp="1" noChangeArrowheads="1"/>
             <a:extLst>
               <a:ext uri="smNativeData">
-                <pr:smNativeData xmlns:mc="http://schemas.openxmlformats.org/markup-compatibility/2006" xmlns:p14="http://schemas.microsoft.com/office/powerpoint/2010/main" xmlns:p15="http://schemas.microsoft.com/office/powerpoint/2012/main" xmlns:pr="smNativeData" xmlns="smNativeData" val="SMDATA_16_OZjwYBMAAAAlAAAAZAAAAA0AAAAAkAAAAEgAAACQAAAASAAAAAAAAAAAAAAAAAAAAAEAAABQAAAAAAAAAAAA4D8AAAAAAADgPwAAAAAAAOA/AAAAAAAA4D8AAAAAAADgPwAAAAAAAOA/AAAAAAAA4D8AAAAAAADgPwAAAAAAAOA/AAAAAAAA4D8CAAAAjAAAAAAAAAAAAAAARHLEDP///wgAAAAAAAAAAAAAAAAAAAAAAAAAAAAAAAAAAAAAZAAAAAEAAABAAAAAAAAAAAAAAAAAAAAAAAAAAAAAAAAAAAAAAAAAAAAAAAAAAAAAAAAAAAAAAAAAAAAAAAAAAAAAAAAAAAAAAAAAAAAAAAAAAAAAAAAAAAAAAAAAAAAAFAAAADwAAAAAAAAAAAAAAAAAAAkUAAAAAQAAABQAAAAUAAAAFAAAAAEAAAAAAAAAZAAAAGQAAAAAAAAAZAAAAGQAAAAVAAAAYAAAAAAAAAAAAAAADwAAACADAAAAAAAAAAAAAAEAAACgMgAAVgcAAKr4//8BAAAAf39/AAEAAABkAAAAAAAAABQAAABAHwAAAAAAACYAAAAAAAAAwOD//wAAAAAmAAAAZAAAABYAAABMAAAAAAAAAAAAAAAEAAAAAAAAAAEAAADn5uYKAAAAACgAAAAoAAAAZAAAAGQAAAAAAAAAzMzMAAAAAABQAAAAUAAAAGQAAABkAAAAAAAAABcAAAAUAAAAAAAAAAAAAAD/fwAA/38AAAAAAAAJAAAABAAAAAoAAAAeAAAAaAAAAAAAAAAAAAAAAAAAAAAAAAAAAAAAECcAABAnAAAAAAAAAAAAAAAAAAAAAAAAAAAAAAAAAAAAAAAAAAAAABQAAAAAAAAAwMD/AAAAAABkAAAAMgAAAAAAAABkAAAAAAAAAH9/fwAKAAAAIgAAABgAAAAAAAAAAAAAAAAAAAAAAAAAAAAAAAAAAAAkAAAAJAAAAAAAAAAHAAAAAAAAAAAAAAAAAAAAAAAAAAAAAAAAAAAAf39/ACUAAABYAAAAAAAAAAAAAAAAAAAAAAAAAAAAAAAAAAAAAAAAAAAAAAAAAAAAAAAAAAAAAAA/AAAAAAAAAKCGAQAAAAAAAAAAAAAAAAAMAAAAAQAAAAAAAAAAAAAAAAAAAB8AAABUAAAAAAAABQAAAAEAAAAAAAAAAAAAAAAAAAAAAAAAAAAAAAAAAAAAAAAAAAAAAAJ/f38AAAAAA8zMzADAwP8Af39/AAAAAAAAAAAAAAAAAAAAAAAAAAAAIQAAABgAAAAUAAAA4AMAAKgMAAAEFgAAGyQAABAAAAAmAAAACAAAAAGAAAAAAAAAMAAAABQAAAAAAAAAAAD//wAAAQAAAP//AAABAA=="/>
+                <pr:smNativeData xmlns="smNativeData" xmlns:pr="smNativeData" xmlns:p15="http://schemas.microsoft.com/office/powerpoint/2012/main" xmlns:p14="http://schemas.microsoft.com/office/powerpoint/2010/main" xmlns:mc="http://schemas.openxmlformats.org/markup-compatibility/2006" val="SMDATA_16_OZjwYBMAAAAlAAAAZAAAAA0AAAAAkAAAAEgAAACQAAAASAAAAAAAAAAAAAAAAAAAAAEAAABQAAAAAAAAAAAA4D8AAAAAAADgPwAAAAAAAOA/AAAAAAAA4D8AAAAAAADgPwAAAAAAAOA/AAAAAAAA4D8AAAAAAADgPwAAAAAAAOA/AAAAAAAA4D8CAAAAjAAAAAAAAAAAAAAARHLEDP///wgAAAAAAAAAAAAAAAAAAAAAAAAAAAAAAAAAAAAAZAAAAAEAAABAAAAAAAAAAAAAAAAAAAAAAAAAAAAAAAAAAAAAAAAAAAAAAAAAAAAAAAAAAAAAAAAAAAAAAAAAAAAAAAAAAAAAAAAAAAAAAAAAAAAAAAAAAAAAAAAAAAAAFAAAADwAAAAAAAAAAAAAAAAAAAkUAAAAAQAAABQAAAAUAAAAFAAAAAEAAAAAAAAAZAAAAGQAAAAAAAAAZAAAAGQAAAAVAAAAYAAAAAAAAAAAAAAADwAAACADAAAAAAAAAAAAAAEAAACgMgAAVgcAAKr4//8BAAAAf39/AAEAAABkAAAAAAAAABQAAABAHwAAAAAAACYAAAAAAAAAwOD//wAAAAAmAAAAZAAAABYAAABMAAAAAAAAAAAAAAAEAAAAAAAAAAEAAADn5uYKAAAAACgAAAAoAAAAZAAAAGQAAAAAAAAAzMzMAAAAAABQAAAAUAAAAGQAAABkAAAAAAAAABcAAAAUAAAAAAAAAAAAAAD/fwAA/38AAAAAAAAJAAAABAAAAAoAAAAeAAAAaAAAAAAAAAAAAAAAAAAAAAAAAAAAAAAAECcAABAnAAAAAAAAAAAAAAAAAAAAAAAAAAAAAAAAAAAAAAAAAAAAABQAAAAAAAAAwMD/AAAAAABkAAAAMgAAAAAAAABkAAAAAAAAAH9/fwAKAAAAIgAAABgAAAAAAAAAAAAAAAAAAAAAAAAAAAAAAAAAAAAkAAAAJAAAAAAAAAAHAAAAAAAAAAAAAAAAAAAAAAAAAAAAAAAAAAAAf39/ACUAAABYAAAAAAAAAAAAAAAAAAAAAAAAAAAAAAAAAAAAAAAAAAAAAAAAAAAAAAAAAAAAAAA/AAAAAAAAAKCGAQAAAAAAAAAAAAAAAAAMAAAAAQAAAAAAAAAAAAAAAAAAAB8AAABUAAAAAAAABQAAAAEAAAAAAAAAAAAAAAAAAAAAAAAAAAAAAAAAAAAAAAAAAAAAAAJ/f38AAAAAA8zMzADAwP8Af39/AAAAAAAAAAAAAAAAAAAAAAAAAAAAIQAAABgAAAAUAAAA4AMAAKgMAAAEFgAAGyQAABAAAAAmAAAACAAAAAGAAAAAAAAAMAAAABQAAAAAAAAAAAD//wAAAQAAAP//AAABAA=="/>
               </a:ext>
             </a:extLst>
           </p:cNvSpPr>
@@ -2656,7 +2654,7 @@
             <a:spLocks noGrp="1" noChangeArrowheads="1"/>
             <a:extLst>
               <a:ext uri="smNativeData">
-                <pr:smNativeData xmlns:mc="http://schemas.openxmlformats.org/markup-compatibility/2006" xmlns:p14="http://schemas.microsoft.com/office/powerpoint/2010/main" xmlns:p15="http://schemas.microsoft.com/office/powerpoint/2012/main" xmlns:pr="smNativeData" xmlns="smNativeData" val="SMDATA_16_OZjwYBMAAAAlAAAAZAAAAA0AAAAAkAAAAEgAAACQAAAASAAAAAAAAAABAAAAAAAAAAEAAABQAAAAAAAAAAAA4D8AAAAAAADgPwAAAAAAAOA/AAAAAAAA4D8AAAAAAADgPwAAAAAAAOA/AAAAAAAA4D8AAAAAAADgPwAAAAAAAOA/AAAAAAAA4D8CAAAAjAAAAAAAAAAAAAAARHLEDP///wgAAAAAAAAAAAAAAAAAAAAAAAAAAAAAAAAAAAAAZAAAAAEAAABAAAAAAAAAAAAAAAAAAAAAAAAAAAAAAAAAAAAAAAAAAAAAAAAAAAAAAAAAAAAAAAAAAAAAAAAAAAAAAAAAAAAAAAAAAAAAAAAAAAAAAAAAAAAAAAAAAAAAFAAAADwAAAAAAAAAAAAAAAAAAAkUAAAAAQAAABQAAAAUAAAAFAAAAAEAAAAAAAAAZAAAAGQAAAAAAAAAZAAAAGQAAAAVAAAAYAAAAAAAAAAAAAAADwAAACADAAAAAAAAAAAAAAEAAACgMgAAVgcAAKr4//8BAAAAf39/AAEAAABkAAAAAAAAABQAAABAHwAAAAAAACYAAAAAAAAAwOD//wAAAAAmAAAAZAAAABYAAABMAAAAAAAAAAAAAAAEAAAAAAAAAAEAAADn5uYKAAAAACgAAAAoAAAAZAAAAGQAAAAAAAAAzMzMAAAAAABQAAAAUAAAAGQAAABkAAAAAAAAABcAAAAUAAAAAAAAAAAAAAD/fwAA/38AAAAAAAAJAAAABAAAAAAAAAAeAAAAaAAAAAAAAAAAAAAAAAAAAAAAAAAAAAAAECcAABAnAAAAAAAAAAAAAAAAAAAAAAAAAAAAAAAAAAAAAAAAAAAAABQAAAAAAAAAwMD/AAAAAABkAAAAMgAAAAAAAABkAAAAAAAAAH9/fwAKAAAAIgAAABgAAAAAAAAAAAAAAAAAAAAAAAAAAAAAAAAAAAAkAAAAJAAAAAAAAAAHAAAAAAAAAAAAAAAAAAAAAAAAAAAAAAAAAAAAf39/ACUAAABYAAAAAAAAAAAAAAAAAAAAAAAAAAAAAAAAAAAAAAAAAAAAAAAAAAAAAAAAAAAAAAA/AAAAAAAAAKCGAQAAAAAAAAAAAAAAAAAMAAAAAQAAAAAAAAAAAAAAAAAAAB8AAABUAAAAAAAABQAAAAEAAAAAAAAAAAAAAAAAAAAAAAAAAAAAAAAAAAAAAAAAAAAAAAJ/f38AAAAAA8zMzADAwP8Af39/AAAAAAAAAAAAAAAAAAAAAAAAAAAAIQAAABgAAAAUAAAA3gMAABonAACGEAAAWSkAABAAAAAmAAAACAAAAAAAAAAAAAAAMAAAABQAAAAAAAAAAAD//wAAAQAAAP//AAABAA=="/>
+                <pr:smNativeData xmlns="smNativeData" xmlns:pr="smNativeData" xmlns:p15="http://schemas.microsoft.com/office/powerpoint/2012/main" xmlns:p14="http://schemas.microsoft.com/office/powerpoint/2010/main" xmlns:mc="http://schemas.openxmlformats.org/markup-compatibility/2006" val="SMDATA_16_OZjwYBMAAAAlAAAAZAAAAA0AAAAAkAAAAEgAAACQAAAASAAAAAAAAAABAAAAAAAAAAEAAABQAAAAAAAAAAAA4D8AAAAAAADgPwAAAAAAAOA/AAAAAAAA4D8AAAAAAADgPwAAAAAAAOA/AAAAAAAA4D8AAAAAAADgPwAAAAAAAOA/AAAAAAAA4D8CAAAAjAAAAAAAAAAAAAAARHLEDP///wgAAAAAAAAAAAAAAAAAAAAAAAAAAAAAAAAAAAAAZAAAAAEAAABAAAAAAAAAAAAAAAAAAAAAAAAAAAAAAAAAAAAAAAAAAAAAAAAAAAAAAAAAAAAAAAAAAAAAAAAAAAAAAAAAAAAAAAAAAAAAAAAAAAAAAAAAAAAAAAAAAAAAFAAAADwAAAAAAAAAAAAAAAAAAAkUAAAAAQAAABQAAAAUAAAAFAAAAAEAAAAAAAAAZAAAAGQAAAAAAAAAZAAAAGQAAAAVAAAAYAAAAAAAAAAAAAAADwAAACADAAAAAAAAAAAAAAEAAACgMgAAVgcAAKr4//8BAAAAf39/AAEAAABkAAAAAAAAABQAAABAHwAAAAAAACYAAAAAAAAAwOD//wAAAAAmAAAAZAAAABYAAABMAAAAAAAAAAAAAAAEAAAAAAAAAAEAAADn5uYKAAAAACgAAAAoAAAAZAAAAGQAAAAAAAAAzMzMAAAAAABQAAAAUAAAAGQAAABkAAAAAAAAABcAAAAUAAAAAAAAAAAAAAD/fwAA/38AAAAAAAAJAAAABAAAAAAAAAAeAAAAaAAAAAAAAAAAAAAAAAAAAAAAAAAAAAAAECcAABAnAAAAAAAAAAAAAAAAAAAAAAAAAAAAAAAAAAAAAAAAAAAAABQAAAAAAAAAwMD/AAAAAABkAAAAMgAAAAAAAABkAAAAAAAAAH9/fwAKAAAAIgAAABgAAAAAAAAAAAAAAAAAAAAAAAAAAAAAAAAAAAAkAAAAJAAAAAAAAAAHAAAAAAAAAAAAAAAAAAAAAAAAAAAAAAAAAAAAf39/ACUAAABYAAAAAAAAAAAAAAAAAAAAAAAAAAAAAAAAAAAAAAAAAAAAAAAAAAAAAAAAAAAAAAA/AAAAAAAAAKCGAQAAAAAAAAAAAAAAAAAMAAAAAQAAAAAAAAAAAAAAAAAAAB8AAABUAAAAAAAABQAAAAEAAAAAAAAAAAAAAAAAAAAAAAAAAAAAAAAAAAAAAAAAAAAAAAJ/f38AAAAAA8zMzADAwP8Af39/AAAAAAAAAAAAAAAAAAAAAAAAAAAAIQAAABgAAAAUAAAA3gMAABonAACGEAAAWSkAABAAAAAmAAAACAAAAAAAAAAAAAAAMAAAABQAAAAAAAAAAAD//wAAAQAAAP//AAABAA=="/>
               </a:ext>
             </a:extLst>
           </p:cNvSpPr>
@@ -2686,7 +2684,7 @@
             <a:spLocks noGrp="1" noChangeArrowheads="1"/>
             <a:extLst>
               <a:ext uri="smNativeData">
-                <pr:smNativeData xmlns:mc="http://schemas.openxmlformats.org/markup-compatibility/2006" xmlns:p14="http://schemas.microsoft.com/office/powerpoint/2010/main" xmlns:p15="http://schemas.microsoft.com/office/powerpoint/2012/main" xmlns:pr="smNativeData" xmlns="smNativeData" val="SMDATA_16_OZjwYBMAAAAlAAAAZAAAAA0AAAAAkAAAAEgAAACQAAAASAAAAAAAAAABAAAAAAAAAAEAAABQAAAAAAAAAAAA4D8AAAAAAADgPwAAAAAAAOA/AAAAAAAA4D8AAAAAAADgPwAAAAAAAOA/AAAAAAAA4D8AAAAAAADgPwAAAAAAAOA/AAAAAAAA4D8CAAAAjAAAAAAAAAAAAAAARHLEDP///wgAAAAAAAAAAAAAAAAAAAAAAAAAAAAAAAAAAAAAZAAAAAEAAABAAAAAAAAAAAAAAAAAAAAAAAAAAAAAAAAAAAAAAAAAAAAAAAAAAAAAAAAAAAAAAAAAAAAAAAAAAAAAAAAAAAAAAAAAAAAAAAAAAAAAAAAAAAAAAAAAAAAAFAAAADwAAAAAAAAAAAAAAAAAAAkUAAAAAQAAABQAAAAUAAAAFAAAAAEAAAAAAAAAZAAAAGQAAAAAAAAAZAAAAGQAAAAVAAAAYAAAAAAAAAAAAAAADwAAACADAAAAAAAAAAAAAAEAAACgMgAAVgcAAKr4//8BAAAAf39/AAEAAABkAAAAAAAAABQAAABAHwAAAAAAACYAAAAAAAAAwOD//wAAAAAmAAAAZAAAABYAAABMAAAAAAAAAAAAAAAEAAAAAAAAAAEAAADn5uYKAAAAACgAAAAoAAAAZAAAAGQAAAAAAAAAzMzMAAAAAABQAAAAUAAAAGQAAABkAAAAAAAAABcAAAAUAAAAAAAAAAAAAAD/fwAA/38AAAAAAAAJAAAABAAAAAAAAAAeAAAAaAAAAAAAAAAAAAAAAAAAAAAAAAAAAAAAECcAABAnAAAAAAAAAAAAAAAAAAAAAAAAAAAAAAAAAAAAAAAAAAAAABQAAAAAAAAAwMD/AAAAAABkAAAAMgAAAAAAAABkAAAAAAAAAH9/fwAKAAAAIgAAABgAAAAAAAAAAAAAAAAAAAAAAAAAAAAAAAAAAAAkAAAAJAAAAAAAAAAHAAAAAAAAAAAAAAAAAAAAAAAAAAAAAAAAAAAAf39/ACUAAABYAAAAAAAAAAAAAAAAAAAAAAAAAAAAAAAAAAAAAAAAAAAAAAAAAAAAAAAAAAAAAAA/AAAAAAAAAKCGAQAAAAAAAAAAAAAAAAAMAAAAAQAAAAAAAAAAAAAAAAAAAB8AAABUAAAAAAAABQAAAAEAAAAAAAAAAAAAAAAAAAAAAAAAAAAAAAAAAAAAAAAAAAAAAAJ/f38AAAAAA8zMzADAwP8Af39/AAAAAAAAAAAAAAAAAAAAAAAAAAAAIQAAABgAAAAUAAAAohIAABonAACeJQAAWSkAABAAAAAmAAAACAAAAAAAAAAAAAAAMAAAABQAAAAAAAAAAAD//wAAAQAAAP//AAABAA=="/>
+                <pr:smNativeData xmlns="smNativeData" xmlns:pr="smNativeData" xmlns:p15="http://schemas.microsoft.com/office/powerpoint/2012/main" xmlns:p14="http://schemas.microsoft.com/office/powerpoint/2010/main" xmlns:mc="http://schemas.openxmlformats.org/markup-compatibility/2006" val="SMDATA_16_OZjwYBMAAAAlAAAAZAAAAA0AAAAAkAAAAEgAAACQAAAASAAAAAAAAAABAAAAAAAAAAEAAABQAAAAAAAAAAAA4D8AAAAAAADgPwAAAAAAAOA/AAAAAAAA4D8AAAAAAADgPwAAAAAAAOA/AAAAAAAA4D8AAAAAAADgPwAAAAAAAOA/AAAAAAAA4D8CAAAAjAAAAAAAAAAAAAAARHLEDP///wgAAAAAAAAAAAAAAAAAAAAAAAAAAAAAAAAAAAAAZAAAAAEAAABAAAAAAAAAAAAAAAAAAAAAAAAAAAAAAAAAAAAAAAAAAAAAAAAAAAAAAAAAAAAAAAAAAAAAAAAAAAAAAAAAAAAAAAAAAAAAAAAAAAAAAAAAAAAAAAAAAAAAFAAAADwAAAAAAAAAAAAAAAAAAAkUAAAAAQAAABQAAAAUAAAAFAAAAAEAAAAAAAAAZAAAAGQAAAAAAAAAZAAAAGQAAAAVAAAAYAAAAAAAAAAAAAAADwAAACADAAAAAAAAAAAAAAEAAACgMgAAVgcAAKr4//8BAAAAf39/AAEAAABkAAAAAAAAABQAAABAHwAAAAAAACYAAAAAAAAAwOD//wAAAAAmAAAAZAAAABYAAABMAAAAAAAAAAAAAAAEAAAAAAAAAAEAAADn5uYKAAAAACgAAAAoAAAAZAAAAGQAAAAAAAAAzMzMAAAAAABQAAAAUAAAAGQAAABkAAAAAAAAABcAAAAUAAAAAAAAAAAAAAD/fwAA/38AAAAAAAAJAAAABAAAAAAAAAAeAAAAaAAAAAAAAAAAAAAAAAAAAAAAAAAAAAAAECcAABAnAAAAAAAAAAAAAAAAAAAAAAAAAAAAAAAAAAAAAAAAAAAAABQAAAAAAAAAwMD/AAAAAABkAAAAMgAAAAAAAABkAAAAAAAAAH9/fwAKAAAAIgAAABgAAAAAAAAAAAAAAAAAAAAAAAAAAAAAAAAAAAAkAAAAJAAAAAAAAAAHAAAAAAAAAAAAAAAAAAAAAAAAAAAAAAAAAAAAf39/ACUAAABYAAAAAAAAAAAAAAAAAAAAAAAAAAAAAAAAAAAAAAAAAAAAAAAAAAAAAAAAAAAAAAA/AAAAAAAAAKCGAQAAAAAAAAAAAAAAAAAMAAAAAQAAAAAAAAAAAAAAAAAAAB8AAABUAAAAAAAABQAAAAEAAAAAAAAAAAAAAAAAAAAAAAAAAAAAAAAAAAAAAAAAAAAAAAJ/f38AAAAAA8zMzADAwP8Af39/AAAAAAAAAAAAAAAAAAAAAAAAAAAAIQAAABgAAAAUAAAAohIAABonAACeJQAAWSkAABAAAAAmAAAACAAAAAAAAAAAAAAAMAAAABQAAAAAAAAAAAD//wAAAQAAAP//AAABAA=="/>
               </a:ext>
             </a:extLst>
           </p:cNvSpPr>
@@ -2713,7 +2711,7 @@
             <a:spLocks noGrp="1" noChangeArrowheads="1"/>
             <a:extLst>
               <a:ext uri="smNativeData">
-                <pr:smNativeData xmlns:mc="http://schemas.openxmlformats.org/markup-compatibility/2006" xmlns:p14="http://schemas.microsoft.com/office/powerpoint/2010/main" xmlns:p15="http://schemas.microsoft.com/office/powerpoint/2012/main" xmlns:pr="smNativeData" xmlns="smNativeData" val="SMDATA_16_OZjwYBMAAAAlAAAAZAAAAA0AAAAAkAAAAEgAAACQAAAASAAAAAAAAAABAAAAAAAAAAEAAABQAAAAAAAAAAAA4D8AAAAAAADgPwAAAAAAAOA/AAAAAAAA4D8AAAAAAADgPwAAAAAAAOA/AAAAAAAA4D8AAAAAAADgPwAAAAAAAOA/AAAAAAAA4D8CAAAAjAAAAAAAAAAAAAAARHLEDP///wgAAAAAAAAAAAAAAAAAAAAAAAAAAAAAAAAAAAAAZAAAAAEAAABAAAAAAAAAAAAAAAAAAAAAAAAAAAAAAAAAAAAAAAAAAAAAAAAAAAAAAAAAAAAAAAAAAAAAAAAAAAAAAAAAAAAAAAAAAAAAAAAAAAAAAAAAAAAAAAAAAAAAFAAAADwAAAAAAAAAAAAAAAAAAAkUAAAAAQAAABQAAAAUAAAAFAAAAAEAAAAAAAAAZAAAAGQAAAAAAAAAZAAAAGQAAAAVAAAAYAAAAAAAAAAAAAAADwAAACADAAAAAAAAAAAAAAEAAACgMgAAVgcAAKr4//8BAAAAf39/AAEAAABkAAAAAAAAABQAAABAHwAAAAAAACYAAAAAAAAAwOD//wAAAAAmAAAAZAAAABYAAABMAAAAAAAAAAAAAAAEAAAAAAAAAAEAAADn5uYKAAAAACgAAAAoAAAAZAAAAGQAAAAAAAAAzMzMAAAAAABQAAAAUAAAAGQAAABkAAAAAAAAABcAAAAUAAAAAAAAAAAAAAD/fwAA/38AAAAAAAAJAAAABAAAAAAAAAAeAAAAaAAAAAAAAAAAAAAAAAAAAAAAAAAAAAAAECcAABAnAAAAAAAAAAAAAAAAAAAAAAAAAAAAAAAAAAAAAAAAAAAAABQAAAAAAAAAwMD/AAAAAABkAAAAMgAAAAAAAABkAAAAAAAAAH9/fwAKAAAAIgAAABgAAAAAAAAAAAAAAAAAAAAAAAAAAAAAAAAAAAAkAAAAJAAAAAAAAAAHAAAAAAAAAAAAAAAAAAAAAAAAAAAAAAAAAAAAf39/ACUAAABYAAAAAAAAAAAAAAAAAAAAAAAAAAAAAAAAAAAAAAAAAAAAAAAAAAAAAAAAAAAAAAA/AAAAAAAAAKCGAQAAAAAAAAAAAAAAAAAMAAAAAQAAAAAAAAAAAAAAAAAAAB8AAABUAAAAAAAABQAAAAEAAAAAAAAAAAAAAAAAAAAAAAAAAAAAAAAAAAAAAAAAAAAAAAJ/f38AAAAAA8zMzADAwP8Af39/AAAAAAAAAAAAAAAAAAAAAAAAAAAAIQAAABgAAAAUAAAAuicAABonAABiNAAAWSkAABAAAAAmAAAACAAAAAAAAAAAAAAAMAAAABQAAAAAAAAAAAD//wAAAQAAAP//AAABAA=="/>
+                <pr:smNativeData xmlns="smNativeData" xmlns:pr="smNativeData" xmlns:p15="http://schemas.microsoft.com/office/powerpoint/2012/main" xmlns:p14="http://schemas.microsoft.com/office/powerpoint/2010/main" xmlns:mc="http://schemas.openxmlformats.org/markup-compatibility/2006" val="SMDATA_16_OZjwYBMAAAAlAAAAZAAAAA0AAAAAkAAAAEgAAACQAAAASAAAAAAAAAABAAAAAAAAAAEAAABQAAAAAAAAAAAA4D8AAAAAAADgPwAAAAAAAOA/AAAAAAAA4D8AAAAAAADgPwAAAAAAAOA/AAAAAAAA4D8AAAAAAADgPwAAAAAAAOA/AAAAAAAA4D8CAAAAjAAAAAAAAAAAAAAARHLEDP///wgAAAAAAAAAAAAAAAAAAAAAAAAAAAAAAAAAAAAAZAAAAAEAAABAAAAAAAAAAAAAAAAAAAAAAAAAAAAAAAAAAAAAAAAAAAAAAAAAAAAAAAAAAAAAAAAAAAAAAAAAAAAAAAAAAAAAAAAAAAAAAAAAAAAAAAAAAAAAAAAAAAAAFAAAADwAAAAAAAAAAAAAAAAAAAkUAAAAAQAAABQAAAAUAAAAFAAAAAEAAAAAAAAAZAAAAGQAAAAAAAAAZAAAAGQAAAAVAAAAYAAAAAAAAAAAAAAADwAAACADAAAAAAAAAAAAAAEAAACgMgAAVgcAAKr4//8BAAAAf39/AAEAAABkAAAAAAAAABQAAABAHwAAAAAAACYAAAAAAAAAwOD//wAAAAAmAAAAZAAAABYAAABMAAAAAAAAAAAAAAAEAAAAAAAAAAEAAADn5uYKAAAAACgAAAAoAAAAZAAAAGQAAAAAAAAAzMzMAAAAAABQAAAAUAAAAGQAAABkAAAAAAAAABcAAAAUAAAAAAAAAAAAAAD/fwAA/38AAAAAAAAJAAAABAAAAAAAAAAeAAAAaAAAAAAAAAAAAAAAAAAAAAAAAAAAAAAAECcAABAnAAAAAAAAAAAAAAAAAAAAAAAAAAAAAAAAAAAAAAAAAAAAABQAAAAAAAAAwMD/AAAAAABkAAAAMgAAAAAAAABkAAAAAAAAAH9/fwAKAAAAIgAAABgAAAAAAAAAAAAAAAAAAAAAAAAAAAAAAAAAAAAkAAAAJAAAAAAAAAAHAAAAAAAAAAAAAAAAAAAAAAAAAAAAAAAAAAAAf39/ACUAAABYAAAAAAAAAAAAAAAAAAAAAAAAAAAAAAAAAAAAAAAAAAAAAAAAAAAAAAAAAAAAAAA/AAAAAAAAAKCGAQAAAAAAAAAAAAAAAAAMAAAAAQAAAAAAAAAAAAAAAAAAAB8AAABUAAAAAAAABQAAAAEAAAAAAAAAAAAAAAAAAAAAAAAAAAAAAAAAAAAAAAAAAAAAAAJ/f38AAAAAA8zMzADAwP8Af39/AAAAAAAAAAAAAAAAAAAAAAAAAAAAIQAAABgAAAAUAAAAuicAABonAABiNAAAWSkAABAAAAAmAAAACAAAAAAAAAAAAAAAMAAAABQAAAAAAAAAAAD//wAAAQAAAP//AAABAA=="/>
               </a:ext>
             </a:extLst>
           </p:cNvSpPr>
@@ -2769,7 +2767,7 @@
             <a:spLocks noGrp="1" noChangeArrowheads="1"/>
             <a:extLst>
               <a:ext uri="smNativeData">
-                <pr:smNativeData xmlns:mc="http://schemas.openxmlformats.org/markup-compatibility/2006" xmlns:p14="http://schemas.microsoft.com/office/powerpoint/2010/main" xmlns:p15="http://schemas.microsoft.com/office/powerpoint/2012/main" xmlns:pr="smNativeData" xmlns="smNativeData" val="SMDATA_16_OZjwYBMAAAAlAAAAZAAAAA0AAAAAkAAAAEgAAACQAAAASAAAAAAAAAACAAAAAAAAAAEAAABQAAAAAAAAAAAA4D8AAAAAAADgPwAAAAAAAOA/AAAAAAAA4D8AAAAAAADgPwAAAAAAAOA/AAAAAAAA4D8AAAAAAADgPwAAAAAAAOA/AAAAAAAA4D8CAAAAjAAAAAAAAAAAAAAARHLEDP///wgAAAAAAAAAAAAAAAAAAAAAAAAAAAAAAAAAAAAAZAAAAAEAAABAAAAAAAAAAAAAAAAAAAAAAAAAAAAAAAAAAAAAAAAAAAAAAAAAAAAAAAAAAAAAAAAAAAAAAAAAAAAAAAAAAAAAAAAAAAAAAAAAAAAAAAAAAAAAAAAAAAAAFAAAADwAAAAAAAAAAAAAAAAAAAkUAAAAAQAAABQAAAAUAAAAFAAAAAEAAAAAAAAAZAAAAGQAAAAAAAAAZAAAAGQAAAAVAAAAYAAAAAAAAAAAAAAADwAAACADAAAAAAAAAAAAAAEAAACgMgAAVgcAAKr4//8BAAAAf39/AAEAAABkAAAAAAAAABQAAABAHwAAAAAAACYAAAAAAAAAwOD//wAAAAAmAAAAZAAAABYAAABMAAAAAAAAAAAAAAAEAAAAAAAAAAEAAADn5uYKAAAAACgAAAAoAAAAZAAAAGQAAAAAAAAAzMzMAAAAAABQAAAAUAAAAGQAAABkAAAAAAAAABcAAAAUAAAAAAAAAAAAAAD/fwAA/38AAAAAAAAJAAAABAAAAAAAAAAeAAAAaAAAAAAAAAAAAAAAAAAAAAAAAAAAAAAAECcAABAnAAAAAAAAAAAAAAAAAAAAAAAAAAAAAAAAAAAAAAAAAAAAABQAAAAAAAAAwMD/AAAAAABkAAAAMgAAAAAAAABkAAAAAAAAAH9/fwAKAAAAIgAAABgAAAAAAAAAAAAAAAAAAAAAAAAAAAAAAAAAAAAkAAAAJAAAAAAAAAAHAAAAAAAAAAAAAAAAAAAAAAAAAAAAAAAAAAAAf39/ACUAAABYAAAAAAAAAAAAAAAAAAAAAAAAAAAAAAAAAAAAAAAAAAAAAAAAAAAAAAAAAAAAAAA/AAAAAAAAAKCGAQAAAAAAAAAAAAAAAAAMAAAAAQAAAAAAAAAAAAAAAAAAAB8AAABUAAAAAAAABQAAAAEAAAAAAAAAAAAAAAAAAAAAAAAAAAAAAAAAAAAAAAAAAAAAAAJ/f38AAAAAA8zMzADAwP8Af39/AAAAAAAAAAAAAAAAAAAAAAAAAAAAIQAAABgAAAAUAAAA4AMAANACAAAEFgAAqAwAABAAAAAmAAAACAAAAIGAAAAAAAAAMAAAABQAAAAAAAAAAAD//wAAAQAAAP//AAABAA=="/>
+                <pr:smNativeData xmlns="smNativeData" xmlns:pr="smNativeData" xmlns:p15="http://schemas.microsoft.com/office/powerpoint/2012/main" xmlns:p14="http://schemas.microsoft.com/office/powerpoint/2010/main" xmlns:mc="http://schemas.openxmlformats.org/markup-compatibility/2006" val="SMDATA_16_OZjwYBMAAAAlAAAAZAAAAA0AAAAAkAAAAEgAAACQAAAASAAAAAAAAAACAAAAAAAAAAEAAABQAAAAAAAAAAAA4D8AAAAAAADgPwAAAAAAAOA/AAAAAAAA4D8AAAAAAADgPwAAAAAAAOA/AAAAAAAA4D8AAAAAAADgPwAAAAAAAOA/AAAAAAAA4D8CAAAAjAAAAAAAAAAAAAAARHLEDP///wgAAAAAAAAAAAAAAAAAAAAAAAAAAAAAAAAAAAAAZAAAAAEAAABAAAAAAAAAAAAAAAAAAAAAAAAAAAAAAAAAAAAAAAAAAAAAAAAAAAAAAAAAAAAAAAAAAAAAAAAAAAAAAAAAAAAAAAAAAAAAAAAAAAAAAAAAAAAAAAAAAAAAFAAAADwAAAAAAAAAAAAAAAAAAAkUAAAAAQAAABQAAAAUAAAAFAAAAAEAAAAAAAAAZAAAAGQAAAAAAAAAZAAAAGQAAAAVAAAAYAAAAAAAAAAAAAAADwAAACADAAAAAAAAAAAAAAEAAACgMgAAVgcAAKr4//8BAAAAf39/AAEAAABkAAAAAAAAABQAAABAHwAAAAAAACYAAAAAAAAAwOD//wAAAAAmAAAAZAAAABYAAABMAAAAAAAAAAAAAAAEAAAAAAAAAAEAAADn5uYKAAAAACgAAAAoAAAAZAAAAGQAAAAAAAAAzMzMAAAAAABQAAAAUAAAAGQAAABkAAAAAAAAABcAAAAUAAAAAAAAAAAAAAD/fwAA/38AAAAAAAAJAAAABAAAAAAAAAAeAAAAaAAAAAAAAAAAAAAAAAAAAAAAAAAAAAAAECcAABAnAAAAAAAAAAAAAAAAAAAAAAAAAAAAAAAAAAAAAAAAAAAAABQAAAAAAAAAwMD/AAAAAABkAAAAMgAAAAAAAABkAAAAAAAAAH9/fwAKAAAAIgAAABgAAAAAAAAAAAAAAAAAAAAAAAAAAAAAAAAAAAAkAAAAJAAAAAAAAAAHAAAAAAAAAAAAAAAAAAAAAAAAAAAAAAAAAAAAf39/ACUAAABYAAAAAAAAAAAAAAAAAAAAAAAAAAAAAAAAAAAAAAAAAAAAAAAAAAAAAAAAAAAAAAA/AAAAAAAAAKCGAQAAAAAAAAAAAAAAAAAMAAAAAQAAAAAAAAAAAAAAAAAAAB8AAABUAAAAAAAABQAAAAEAAAAAAAAAAAAAAAAAAAAAAAAAAAAAAAAAAAAAAAAAAAAAAAJ/f38AAAAAA8zMzADAwP8Af39/AAAAAAAAAAAAAAAAAAAAAAAAAAAAIQAAABgAAAAUAAAA4AMAANACAAAEFgAAqAwAABAAAAAmAAAACAAAAIGAAAAAAAAAMAAAABQAAAAAAAAAAAD//wAAAQAAAP//AAABAA=="/>
               </a:ext>
             </a:extLst>
           </p:cNvSpPr>
@@ -2835,7 +2833,7 @@
             <a:spLocks noGrp="1" noChangeArrowheads="1"/>
             <a:extLst>
               <a:ext uri="smNativeData">
-                <pr:smNativeData xmlns:mc="http://schemas.openxmlformats.org/markup-compatibility/2006" xmlns:p14="http://schemas.microsoft.com/office/powerpoint/2010/main" xmlns:p15="http://schemas.microsoft.com/office/powerpoint/2012/main" xmlns:pr="smNativeData" xmlns="smNativeData" val="SMDATA_16_OZjwYBMAAAAlAAAAZAAAAC0AAAAAkAAAAEgAAACQAAAASAAAAAAAAAAAAAAAAAAAAAEAAABQAAAAAAAAAAAA4D8AAAAAAADgPwAAAAAAAOA/AAAAAAAA4D8AAAAAAADgPwAAAAAAAOA/AAAAAAAA4D8AAAAAAADgPwAAAAAAAOA/AAAAAAAA4D8CAAAAjAAAAAAAAAAAAAAARHLEDP///wgAAAAAAAAAAAAAAAAAAAAAAAAAAAAAAAAAAAAAZAAAAAEAAABAAAAAAAAAAAAAAAAAAAAAAAAAAAAAAAAAAAAAAAAAAAAAAAAAAAAAAAAAAAAAAAAAAAAAAAAAAAAAAAAAAAAAAAAAAAAAAAAAAAAAAAAAAAAAAAAAAAAAFAAAADwAAAAAAAAAAAAAAAAAAAkUAAAAAQAAABQAAAAUAAAAFAAAAAEAAAAAAAAAZAAAAGQAAAAAAAAAZAAAAGQAAAAVAAAAYAAAAAAAAAAAAAAADwAAACADAAAAAAAAAAAAAAEAAACgMgAAVgcAAKr4//8BAAAAf39/AAEAAABkAAAAAAAAABQAAABAHwAAAAAAACYAAAAAAAAAwOD//wAAAAAmAAAAZAAAABYAAABMAAAAAAAAAAAAAAAEAAAAAAAAAAEAAADn5uYKAAAAACgAAAAoAAAAZAAAAGQAAAAAAAAAzMzMAAAAAABQAAAAUAAAAGQAAABkAAAAAAAAABcAAAAUAAAAAAAAAAAAAAD/fwAA/38AAAAAAAAJAAAABAAAAAAAAAAeAAAAaAAAAAAAAAAAAAAAAAAAAAAAAAAAAAAAECcAABAnAAAAAAAAAAAAAAAAAAAAAAAAAAAAAAAAAAAAAAAAAAAAABQAAAAAAAAAwMD/AAAAAABkAAAAMgAAAAAAAABkAAAAAAAAAH9/fwAKAAAAIgAAABgAAAAAAAAAAAAAAAAAAAAAAAAAAAAAAAAAAAAkAAAAJAAAAAAAAAAHAAAAAAAAAAAAAAAAAAAAAAAAAAAAAAAAAAAAf39/ACUAAABYAAAAAAAAAAAAAAAAAAAAAAAAAAAAAAAAAAAAAAAAAAAAAAAAAAAAAAAAAAAAAAA/AAAAAAAAAKCGAQAAAAAAAAAAAAAAAAAMAAAAAQAAAAAAAAAAAAAAAAAAAB8AAABUAAAAAAAABQAAAAEAAAAAAAAAAAAAAAAAAAAAAAAAAAAAAAAAAAAAAAAAAAAAAAJ/f38AAAAAA8zMzADAwP8Af39/AAAAAAAAAAAAAAAAAAAAAAAAAAAAIQAAABgAAAAUAAAA6hcAABMGAABkNAAADiQAABAAAAAmAAAACAAAAAGAAAAAAAAAMAAAABQAAAAAAAAAAAD//wAAAQAAAP//AAABAA=="/>
+                <pr:smNativeData xmlns="smNativeData" xmlns:pr="smNativeData" xmlns:p15="http://schemas.microsoft.com/office/powerpoint/2012/main" xmlns:p14="http://schemas.microsoft.com/office/powerpoint/2010/main" xmlns:mc="http://schemas.openxmlformats.org/markup-compatibility/2006" val="SMDATA_16_OZjwYBMAAAAlAAAAZAAAAC0AAAAAkAAAAEgAAACQAAAASAAAAAAAAAAAAAAAAAAAAAEAAABQAAAAAAAAAAAA4D8AAAAAAADgPwAAAAAAAOA/AAAAAAAA4D8AAAAAAADgPwAAAAAAAOA/AAAAAAAA4D8AAAAAAADgPwAAAAAAAOA/AAAAAAAA4D8CAAAAjAAAAAAAAAAAAAAARHLEDP///wgAAAAAAAAAAAAAAAAAAAAAAAAAAAAAAAAAAAAAZAAAAAEAAABAAAAAAAAAAAAAAAAAAAAAAAAAAAAAAAAAAAAAAAAAAAAAAAAAAAAAAAAAAAAAAAAAAAAAAAAAAAAAAAAAAAAAAAAAAAAAAAAAAAAAAAAAAAAAAAAAAAAAFAAAADwAAAAAAAAAAAAAAAAAAAkUAAAAAQAAABQAAAAUAAAAFAAAAAEAAAAAAAAAZAAAAGQAAAAAAAAAZAAAAGQAAAAVAAAAYAAAAAAAAAAAAAAADwAAACADAAAAAAAAAAAAAAEAAACgMgAAVgcAAKr4//8BAAAAf39/AAEAAABkAAAAAAAAABQAAABAHwAAAAAAACYAAAAAAAAAwOD//wAAAAAmAAAAZAAAABYAAABMAAAAAAAAAAAAAAAEAAAAAAAAAAEAAADn5uYKAAAAACgAAAAoAAAAZAAAAGQAAAAAAAAAzMzMAAAAAABQAAAAUAAAAGQAAABkAAAAAAAAABcAAAAUAAAAAAAAAAAAAAD/fwAA/38AAAAAAAAJAAAABAAAAAAAAAAeAAAAaAAAAAAAAAAAAAAAAAAAAAAAAAAAAAAAECcAABAnAAAAAAAAAAAAAAAAAAAAAAAAAAAAAAAAAAAAAAAAAAAAABQAAAAAAAAAwMD/AAAAAABkAAAAMgAAAAAAAABkAAAAAAAAAH9/fwAKAAAAIgAAABgAAAAAAAAAAAAAAAAAAAAAAAAAAAAAAAAAAAAkAAAAJAAAAAAAAAAHAAAAAAAAAAAAAAAAAAAAAAAAAAAAAAAAAAAAf39/ACUAAABYAAAAAAAAAAAAAAAAAAAAAAAAAAAAAAAAAAAAAAAAAAAAAAAAAAAAAAAAAAAAAAA/AAAAAAAAAKCGAQAAAAAAAAAAAAAAAAAMAAAAAQAAAAAAAAAAAAAAAAAAAB8AAABUAAAAAAAABQAAAAEAAAAAAAAAAAAAAAAAAAAAAAAAAAAAAAAAAAAAAAAAAAAAAAJ/f38AAAAAA8zMzADAwP8Af39/AAAAAAAAAAAAAAAAAAAAAAAAAAAAIQAAABgAAAAUAAAA6hcAABMGAABkNAAADiQAABAAAAAmAAAACAAAAAGAAAAAAAAAMAAAABQAAAAAAAAAAAD//wAAAQAAAP//AAABAA=="/>
               </a:ext>
             </a:extLst>
           </p:cNvSpPr>
@@ -2906,7 +2904,7 @@
             <a:spLocks noGrp="1" noChangeArrowheads="1"/>
             <a:extLst>
               <a:ext uri="smNativeData">
-                <pr:smNativeData xmlns:mc="http://schemas.openxmlformats.org/markup-compatibility/2006" xmlns:p14="http://schemas.microsoft.com/office/powerpoint/2010/main" xmlns:p15="http://schemas.microsoft.com/office/powerpoint/2012/main" xmlns:pr="smNativeData" xmlns="smNativeData" val="SMDATA_16_OZjwYBMAAAAlAAAAZAAAAA0AAAAAkAAAAEgAAACQAAAASAAAAAAAAAAAAAAAAAAAAAEAAABQAAAAAAAAAAAA4D8AAAAAAADgPwAAAAAAAOA/AAAAAAAA4D8AAAAAAADgPwAAAAAAAOA/AAAAAAAA4D8AAAAAAADgPwAAAAAAAOA/AAAAAAAA4D8CAAAAjAAAAAAAAAAAAAAARHLEDP///wgAAAAAAAAAAAAAAAAAAAAAAAAAAAAAAAAAAAAAZAAAAAEAAABAAAAAAAAAAAAAAAAAAAAAAAAAAAAAAAAAAAAAAAAAAAAAAAAAAAAAAAAAAAAAAAAAAAAAAAAAAAAAAAAAAAAAAAAAAAAAAAAAAAAAAAAAAAAAAAAAAAAAFAAAADwAAAAAAAAAAAAAAAAAAAkUAAAAAQAAABQAAAAUAAAAFAAAAAEAAAAAAAAAZAAAAGQAAAAAAAAAZAAAAGQAAAAVAAAAYAAAAAAAAAAAAAAADwAAACADAAAAAAAAAAAAAAEAAACgMgAAVgcAAKr4//8BAAAAf39/AAEAAABkAAAAAAAAABQAAABAHwAAAAAAACYAAAAAAAAAwOD//wAAAAAmAAAAZAAAABYAAABMAAAAAAAAAAAAAAAEAAAAAAAAAAEAAADn5uYKAAAAACgAAAAoAAAAZAAAAGQAAAAAAAAAzMzMAAAAAABQAAAAUAAAAGQAAABkAAAAAAAAABcAAAAUAAAAAAAAAAAAAAD/fwAA/38AAAAAAAAJAAAABAAAAAAAAAAeAAAAaAAAAAAAAAAAAAAAAAAAAAAAAAAAAAAAECcAABAnAAAAAAAAAAAAAAAAAAAAAAAAAAAAAAAAAAAAAAAAAAAAABQAAAAAAAAAwMD/AAAAAABkAAAAMgAAAAAAAABkAAAAAAAAAH9/fwAKAAAAIgAAABgAAAAAAAAAAAAAAAAAAAAAAAAAAAAAAAAAAAAkAAAAJAAAAAAAAAAHAAAAAAAAAAAAAAAAAAAAAAAAAAAAAAAAAAAAf39/ACUAAABYAAAAAAAAAAAAAAAAAAAAAAAAAAAAAAAAAAAAAAAAAAAAAAAAAAAAAAAAAAAAAAA/AAAAAAAAAKCGAQAAAAAAAAAAAAAAAAAMAAAAAQAAAAAAAAAAAAAAAAAAAB8AAABUAAAAAAAABQAAAAEAAAAAAAAAAAAAAAAAAAAAAAAAAAAAAAAAAAAAAAAAAAAAAAJ/f38AAAAAA8zMzADAwP8Af39/AAAAAAAAAAAAAAAAAAAAAAAAAAAAIQAAABgAAAAUAAAA4AMAAKgMAAAEFgAAGyQAABAAAAAmAAAACAAAAAGAAAAAAAAAMAAAABQAAAAAAAAAAAD//wAAAQAAAP//AAABAA=="/>
+                <pr:smNativeData xmlns="smNativeData" xmlns:pr="smNativeData" xmlns:p15="http://schemas.microsoft.com/office/powerpoint/2012/main" xmlns:p14="http://schemas.microsoft.com/office/powerpoint/2010/main" xmlns:mc="http://schemas.openxmlformats.org/markup-compatibility/2006" val="SMDATA_16_OZjwYBMAAAAlAAAAZAAAAA0AAAAAkAAAAEgAAACQAAAASAAAAAAAAAAAAAAAAAAAAAEAAABQAAAAAAAAAAAA4D8AAAAAAADgPwAAAAAAAOA/AAAAAAAA4D8AAAAAAADgPwAAAAAAAOA/AAAAAAAA4D8AAAAAAADgPwAAAAAAAOA/AAAAAAAA4D8CAAAAjAAAAAAAAAAAAAAARHLEDP///wgAAAAAAAAAAAAAAAAAAAAAAAAAAAAAAAAAAAAAZAAAAAEAAABAAAAAAAAAAAAAAAAAAAAAAAAAAAAAAAAAAAAAAAAAAAAAAAAAAAAAAAAAAAAAAAAAAAAAAAAAAAAAAAAAAAAAAAAAAAAAAAAAAAAAAAAAAAAAAAAAAAAAFAAAADwAAAAAAAAAAAAAAAAAAAkUAAAAAQAAABQAAAAUAAAAFAAAAAEAAAAAAAAAZAAAAGQAAAAAAAAAZAAAAGQAAAAVAAAAYAAAAAAAAAAAAAAADwAAACADAAAAAAAAAAAAAAEAAACgMgAAVgcAAKr4//8BAAAAf39/AAEAAABkAAAAAAAAABQAAABAHwAAAAAAACYAAAAAAAAAwOD//wAAAAAmAAAAZAAAABYAAABMAAAAAAAAAAAAAAAEAAAAAAAAAAEAAADn5uYKAAAAACgAAAAoAAAAZAAAAGQAAAAAAAAAzMzMAAAAAABQAAAAUAAAAGQAAABkAAAAAAAAABcAAAAUAAAAAAAAAAAAAAD/fwAA/38AAAAAAAAJAAAABAAAAAAAAAAeAAAAaAAAAAAAAAAAAAAAAAAAAAAAAAAAAAAAECcAABAnAAAAAAAAAAAAAAAAAAAAAAAAAAAAAAAAAAAAAAAAAAAAABQAAAAAAAAAwMD/AAAAAABkAAAAMgAAAAAAAABkAAAAAAAAAH9/fwAKAAAAIgAAABgAAAAAAAAAAAAAAAAAAAAAAAAAAAAAAAAAAAAkAAAAJAAAAAAAAAAHAAAAAAAAAAAAAAAAAAAAAAAAAAAAAAAAAAAAf39/ACUAAABYAAAAAAAAAAAAAAAAAAAAAAAAAAAAAAAAAAAAAAAAAAAAAAAAAAAAAAAAAAAAAAA/AAAAAAAAAKCGAQAAAAAAAAAAAAAAAAAMAAAAAQAAAAAAAAAAAAAAAAAAAB8AAABUAAAAAAAABQAAAAEAAAAAAAAAAAAAAAAAAAAAAAAAAAAAAAAAAAAAAAAAAAAAAAJ/f38AAAAAA8zMzADAwP8Af39/AAAAAAAAAAAAAAAAAAAAAAAAAAAAIQAAABgAAAAUAAAA4AMAAKgMAAAEFgAAGyQAABAAAAAmAAAACAAAAAGAAAAAAAAAMAAAABQAAAAAAAAAAAD//wAAAQAAAP//AAABAA=="/>
               </a:ext>
             </a:extLst>
           </p:cNvSpPr>
@@ -2977,7 +2975,7 @@
             <a:spLocks noGrp="1" noChangeArrowheads="1"/>
             <a:extLst>
               <a:ext uri="smNativeData">
-                <pr:smNativeData xmlns:mc="http://schemas.openxmlformats.org/markup-compatibility/2006" xmlns:p14="http://schemas.microsoft.com/office/powerpoint/2010/main" xmlns:p15="http://schemas.microsoft.com/office/powerpoint/2012/main" xmlns:pr="smNativeData" xmlns="smNativeData" val="SMDATA_16_OZjwYBMAAAAlAAAAZAAAAA0AAAAAkAAAAEgAAACQAAAASAAAAAAAAAABAAAAAAAAAAEAAABQAAAAAAAAAAAA4D8AAAAAAADgPwAAAAAAAOA/AAAAAAAA4D8AAAAAAADgPwAAAAAAAOA/AAAAAAAA4D8AAAAAAADgPwAAAAAAAOA/AAAAAAAA4D8CAAAAjAAAAAAAAAAAAAAARHLEDP///wgAAAAAAAAAAAAAAAAAAAAAAAAAAAAAAAAAAAAAZAAAAAEAAABAAAAAAAAAAAAAAAAAAAAAAAAAAAAAAAAAAAAAAAAAAAAAAAAAAAAAAAAAAAAAAAAAAAAAAAAAAAAAAAAAAAAAAAAAAAAAAAAAAAAAAAAAAAAAAAAAAAAAFAAAADwAAAAAAAAAAAAAAAAAAAkUAAAAAQAAABQAAAAUAAAAFAAAAAEAAAAAAAAAZAAAAGQAAAAAAAAAZAAAAGQAAAAVAAAAYAAAAAAAAAAAAAAADwAAACADAAAAAAAAAAAAAAEAAACgMgAAVgcAAKr4//8BAAAAf39/AAEAAABkAAAAAAAAABQAAABAHwAAAAAAACYAAAAAAAAAwOD//wAAAAAmAAAAZAAAABYAAABMAAAAAAAAAAAAAAAEAAAAAAAAAAEAAADn5uYKAAAAACgAAAAoAAAAZAAAAGQAAAAAAAAAzMzMAAAAAABQAAAAUAAAAGQAAABkAAAAAAAAABcAAAAUAAAAAAAAAAAAAAD/fwAA/38AAAAAAAAJAAAABAAAAAAAAAAeAAAAaAAAAAAAAAAAAAAAAAAAAAAAAAAAAAAAECcAABAnAAAAAAAAAAAAAAAAAAAAAAAAAAAAAAAAAAAAAAAAAAAAABQAAAAAAAAAwMD/AAAAAABkAAAAMgAAAAAAAABkAAAAAAAAAH9/fwAKAAAAIgAAABgAAAAAAAAAAAAAAAAAAAAAAAAAAAAAAAAAAAAkAAAAJAAAAAAAAAAHAAAAAAAAAAAAAAAAAAAAAAAAAAAAAAAAAAAAf39/ACUAAABYAAAAAAAAAAAAAAAAAAAAAAAAAAAAAAAAAAAAAAAAAAAAAAAAAAAAAAAAAAAAAAA/AAAAAAAAAKCGAQAAAAAAAAAAAAAAAAAMAAAAAQAAAAAAAAAAAAAAAAAAAB8AAABUAAAAAAAABQAAAAEAAAAAAAAAAAAAAAAAAAAAAAAAAAAAAAAAAAAAAAAAAAAAAAJ/f38AAAAAA8zMzADAwP8Af39/AAAAAAAAAAAAAAAAAAAAAAAAAAAAIQAAABgAAAAUAAAA3gMAABonAACGEAAAWSkAABAAAAAmAAAACAAAAAAAAAAAAAAAMAAAABQAAAAAAAAAAAD//wAAAQAAAP//AAABAA=="/>
+                <pr:smNativeData xmlns="smNativeData" xmlns:pr="smNativeData" xmlns:p15="http://schemas.microsoft.com/office/powerpoint/2012/main" xmlns:p14="http://schemas.microsoft.com/office/powerpoint/2010/main" xmlns:mc="http://schemas.openxmlformats.org/markup-compatibility/2006" val="SMDATA_16_OZjwYBMAAAAlAAAAZAAAAA0AAAAAkAAAAEgAAACQAAAASAAAAAAAAAABAAAAAAAAAAEAAABQAAAAAAAAAAAA4D8AAAAAAADgPwAAAAAAAOA/AAAAAAAA4D8AAAAAAADgPwAAAAAAAOA/AAAAAAAA4D8AAAAAAADgPwAAAAAAAOA/AAAAAAAA4D8CAAAAjAAAAAAAAAAAAAAARHLEDP///wgAAAAAAAAAAAAAAAAAAAAAAAAAAAAAAAAAAAAAZAAAAAEAAABAAAAAAAAAAAAAAAAAAAAAAAAAAAAAAAAAAAAAAAAAAAAAAAAAAAAAAAAAAAAAAAAAAAAAAAAAAAAAAAAAAAAAAAAAAAAAAAAAAAAAAAAAAAAAAAAAAAAAFAAAADwAAAAAAAAAAAAAAAAAAAkUAAAAAQAAABQAAAAUAAAAFAAAAAEAAAAAAAAAZAAAAGQAAAAAAAAAZAAAAGQAAAAVAAAAYAAAAAAAAAAAAAAADwAAACADAAAAAAAAAAAAAAEAAACgMgAAVgcAAKr4//8BAAAAf39/AAEAAABkAAAAAAAAABQAAABAHwAAAAAAACYAAAAAAAAAwOD//wAAAAAmAAAAZAAAABYAAABMAAAAAAAAAAAAAAAEAAAAAAAAAAEAAADn5uYKAAAAACgAAAAoAAAAZAAAAGQAAAAAAAAAzMzMAAAAAABQAAAAUAAAAGQAAABkAAAAAAAAABcAAAAUAAAAAAAAAAAAAAD/fwAA/38AAAAAAAAJAAAABAAAAAAAAAAeAAAAaAAAAAAAAAAAAAAAAAAAAAAAAAAAAAAAECcAABAnAAAAAAAAAAAAAAAAAAAAAAAAAAAAAAAAAAAAAAAAAAAAABQAAAAAAAAAwMD/AAAAAABkAAAAMgAAAAAAAABkAAAAAAAAAH9/fwAKAAAAIgAAABgAAAAAAAAAAAAAAAAAAAAAAAAAAAAAAAAAAAAkAAAAJAAAAAAAAAAHAAAAAAAAAAAAAAAAAAAAAAAAAAAAAAAAAAAAf39/ACUAAABYAAAAAAAAAAAAAAAAAAAAAAAAAAAAAAAAAAAAAAAAAAAAAAAAAAAAAAAAAAAAAAA/AAAAAAAAAKCGAQAAAAAAAAAAAAAAAAAMAAAAAQAAAAAAAAAAAAAAAAAAAB8AAABUAAAAAAAABQAAAAEAAAAAAAAAAAAAAAAAAAAAAAAAAAAAAAAAAAAAAAAAAAAAAAJ/f38AAAAAA8zMzADAwP8Af39/AAAAAAAAAAAAAAAAAAAAAAAAAAAAIQAAABgAAAAUAAAA3gMAABonAACGEAAAWSkAABAAAAAmAAAACAAAAAAAAAAAAAAAMAAAABQAAAAAAAAAAAD//wAAAQAAAP//AAABAA=="/>
               </a:ext>
             </a:extLst>
           </p:cNvSpPr>
@@ -3007,7 +3005,7 @@
             <a:spLocks noGrp="1" noChangeArrowheads="1"/>
             <a:extLst>
               <a:ext uri="smNativeData">
-                <pr:smNativeData xmlns:mc="http://schemas.openxmlformats.org/markup-compatibility/2006" xmlns:p14="http://schemas.microsoft.com/office/powerpoint/2010/main" xmlns:p15="http://schemas.microsoft.com/office/powerpoint/2012/main" xmlns:pr="smNativeData" xmlns="smNativeData" val="SMDATA_16_OZjwYBMAAAAlAAAAZAAAAA0AAAAAkAAAAEgAAACQAAAASAAAAAAAAAABAAAAAAAAAAEAAABQAAAAAAAAAAAA4D8AAAAAAADgPwAAAAAAAOA/AAAAAAAA4D8AAAAAAADgPwAAAAAAAOA/AAAAAAAA4D8AAAAAAADgPwAAAAAAAOA/AAAAAAAA4D8CAAAAjAAAAAAAAAAAAAAARHLEDP///wgAAAAAAAAAAAAAAAAAAAAAAAAAAAAAAAAAAAAAZAAAAAEAAABAAAAAAAAAAAAAAAAAAAAAAAAAAAAAAAAAAAAAAAAAAAAAAAAAAAAAAAAAAAAAAAAAAAAAAAAAAAAAAAAAAAAAAAAAAAAAAAAAAAAAAAAAAAAAAAAAAAAAFAAAADwAAAAAAAAAAAAAAAAAAAkUAAAAAQAAABQAAAAUAAAAFAAAAAEAAAAAAAAAZAAAAGQAAAAAAAAAZAAAAGQAAAAVAAAAYAAAAAAAAAAAAAAADwAAACADAAAAAAAAAAAAAAEAAACgMgAAVgcAAKr4//8BAAAAf39/AAEAAABkAAAAAAAAABQAAABAHwAAAAAAACYAAAAAAAAAwOD//wAAAAAmAAAAZAAAABYAAABMAAAAAAAAAAAAAAAEAAAAAAAAAAEAAADn5uYKAAAAACgAAAAoAAAAZAAAAGQAAAAAAAAAzMzMAAAAAABQAAAAUAAAAGQAAABkAAAAAAAAABcAAAAUAAAAAAAAAAAAAAD/fwAA/38AAAAAAAAJAAAABAAAAAAAAAAeAAAAaAAAAAAAAAAAAAAAAAAAAAAAAAAAAAAAECcAABAnAAAAAAAAAAAAAAAAAAAAAAAAAAAAAAAAAAAAAAAAAAAAABQAAAAAAAAAwMD/AAAAAABkAAAAMgAAAAAAAABkAAAAAAAAAH9/fwAKAAAAIgAAABgAAAAAAAAAAAAAAAAAAAAAAAAAAAAAAAAAAAAkAAAAJAAAAAAAAAAHAAAAAAAAAAAAAAAAAAAAAAAAAAAAAAAAAAAAf39/ACUAAABYAAAAAAAAAAAAAAAAAAAAAAAAAAAAAAAAAAAAAAAAAAAAAAAAAAAAAAAAAAAAAAA/AAAAAAAAAKCGAQAAAAAAAAAAAAAAAAAMAAAAAQAAAAAAAAAAAAAAAAAAAB8AAABUAAAAAAAABQAAAAEAAAAAAAAAAAAAAAAAAAAAAAAAAAAAAAAAAAAAAAAAAAAAAAJ/f38AAAAAA8zMzADAwP8Af39/AAAAAAAAAAAAAAAAAAAAAAAAAAAAIQAAABgAAAAUAAAAohIAABonAACeJQAAWSkAABAAAAAmAAAACAAAAAAAAAAAAAAAMAAAABQAAAAAAAAAAAD//wAAAQAAAP//AAABAA=="/>
+                <pr:smNativeData xmlns="smNativeData" xmlns:pr="smNativeData" xmlns:p15="http://schemas.microsoft.com/office/powerpoint/2012/main" xmlns:p14="http://schemas.microsoft.com/office/powerpoint/2010/main" xmlns:mc="http://schemas.openxmlformats.org/markup-compatibility/2006" val="SMDATA_16_OZjwYBMAAAAlAAAAZAAAAA0AAAAAkAAAAEgAAACQAAAASAAAAAAAAAABAAAAAAAAAAEAAABQAAAAAAAAAAAA4D8AAAAAAADgPwAAAAAAAOA/AAAAAAAA4D8AAAAAAADgPwAAAAAAAOA/AAAAAAAA4D8AAAAAAADgPwAAAAAAAOA/AAAAAAAA4D8CAAAAjAAAAAAAAAAAAAAARHLEDP///wgAAAAAAAAAAAAAAAAAAAAAAAAAAAAAAAAAAAAAZAAAAAEAAABAAAAAAAAAAAAAAAAAAAAAAAAAAAAAAAAAAAAAAAAAAAAAAAAAAAAAAAAAAAAAAAAAAAAAAAAAAAAAAAAAAAAAAAAAAAAAAAAAAAAAAAAAAAAAAAAAAAAAFAAAADwAAAAAAAAAAAAAAAAAAAkUAAAAAQAAABQAAAAUAAAAFAAAAAEAAAAAAAAAZAAAAGQAAAAAAAAAZAAAAGQAAAAVAAAAYAAAAAAAAAAAAAAADwAAACADAAAAAAAAAAAAAAEAAACgMgAAVgcAAKr4//8BAAAAf39/AAEAAABkAAAAAAAAABQAAABAHwAAAAAAACYAAAAAAAAAwOD//wAAAAAmAAAAZAAAABYAAABMAAAAAAAAAAAAAAAEAAAAAAAAAAEAAADn5uYKAAAAACgAAAAoAAAAZAAAAGQAAAAAAAAAzMzMAAAAAABQAAAAUAAAAGQAAABkAAAAAAAAABcAAAAUAAAAAAAAAAAAAAD/fwAA/38AAAAAAAAJAAAABAAAAAAAAAAeAAAAaAAAAAAAAAAAAAAAAAAAAAAAAAAAAAAAECcAABAnAAAAAAAAAAAAAAAAAAAAAAAAAAAAAAAAAAAAAAAAAAAAABQAAAAAAAAAwMD/AAAAAABkAAAAMgAAAAAAAABkAAAAAAAAAH9/fwAKAAAAIgAAABgAAAAAAAAAAAAAAAAAAAAAAAAAAAAAAAAAAAAkAAAAJAAAAAAAAAAHAAAAAAAAAAAAAAAAAAAAAAAAAAAAAAAAAAAAf39/ACUAAABYAAAAAAAAAAAAAAAAAAAAAAAAAAAAAAAAAAAAAAAAAAAAAAAAAAAAAAAAAAAAAAA/AAAAAAAAAKCGAQAAAAAAAAAAAAAAAAAMAAAAAQAAAAAAAAAAAAAAAAAAAB8AAABUAAAAAAAABQAAAAEAAAAAAAAAAAAAAAAAAAAAAAAAAAAAAAAAAAAAAAAAAAAAAAJ/f38AAAAAA8zMzADAwP8Af39/AAAAAAAAAAAAAAAAAAAAAAAAAAAAIQAAABgAAAAUAAAAohIAABonAACeJQAAWSkAABAAAAAmAAAACAAAAAAAAAAAAAAAMAAAABQAAAAAAAAAAAD//wAAAQAAAP//AAABAA=="/>
               </a:ext>
             </a:extLst>
           </p:cNvSpPr>
@@ -3034,7 +3032,7 @@
             <a:spLocks noGrp="1" noChangeArrowheads="1"/>
             <a:extLst>
               <a:ext uri="smNativeData">
-                <pr:smNativeData xmlns:mc="http://schemas.openxmlformats.org/markup-compatibility/2006" xmlns:p14="http://schemas.microsoft.com/office/powerpoint/2010/main" xmlns:p15="http://schemas.microsoft.com/office/powerpoint/2012/main" xmlns:pr="smNativeData" xmlns="smNativeData" val="SMDATA_16_OZjwYBMAAAAlAAAAZAAAAA0AAAAAkAAAAEgAAACQAAAASAAAAAAAAAABAAAAAAAAAAEAAABQAAAAAAAAAAAA4D8AAAAAAADgPwAAAAAAAOA/AAAAAAAA4D8AAAAAAADgPwAAAAAAAOA/AAAAAAAA4D8AAAAAAADgPwAAAAAAAOA/AAAAAAAA4D8CAAAAjAAAAAAAAAAAAAAARHLEDP///wgAAAAAAAAAAAAAAAAAAAAAAAAAAAAAAAAAAAAAZAAAAAEAAABAAAAAAAAAAAAAAAAAAAAAAAAAAAAAAAAAAAAAAAAAAAAAAAAAAAAAAAAAAAAAAAAAAAAAAAAAAAAAAAAAAAAAAAAAAAAAAAAAAAAAAAAAAAAAAAAAAAAAFAAAADwAAAAAAAAAAAAAAAAAAAkUAAAAAQAAABQAAAAUAAAAFAAAAAEAAAAAAAAAZAAAAGQAAAAAAAAAZAAAAGQAAAAVAAAAYAAAAAAAAAAAAAAADwAAACADAAAAAAAAAAAAAAEAAACgMgAAVgcAAKr4//8BAAAAf39/AAEAAABkAAAAAAAAABQAAABAHwAAAAAAACYAAAAAAAAAwOD//wAAAAAmAAAAZAAAABYAAABMAAAAAAAAAAAAAAAEAAAAAAAAAAEAAADn5uYKAAAAACgAAAAoAAAAZAAAAGQAAAAAAAAAzMzMAAAAAABQAAAAUAAAAGQAAABkAAAAAAAAABcAAAAUAAAAAAAAAAAAAAD/fwAA/38AAAAAAAAJAAAABAAAAAAAAAAeAAAAaAAAAAAAAAAAAAAAAAAAAAAAAAAAAAAAECcAABAnAAAAAAAAAAAAAAAAAAAAAAAAAAAAAAAAAAAAAAAAAAAAABQAAAAAAAAAwMD/AAAAAABkAAAAMgAAAAAAAABkAAAAAAAAAH9/fwAKAAAAIgAAABgAAAAAAAAAAAAAAAAAAAAAAAAAAAAAAAAAAAAkAAAAJAAAAAAAAAAHAAAAAAAAAAAAAAAAAAAAAAAAAAAAAAAAAAAAf39/ACUAAABYAAAAAAAAAAAAAAAAAAAAAAAAAAAAAAAAAAAAAAAAAAAAAAAAAAAAAAAAAAAAAAA/AAAAAAAAAKCGAQAAAAAAAAAAAAAAAAAMAAAAAQAAAAAAAAAAAAAAAAAAAB8AAABUAAAAAAAABQAAAAEAAAAAAAAAAAAAAAAAAAAAAAAAAAAAAAAAAAAAAAAAAAAAAAJ/f38AAAAAA8zMzADAwP8Af39/AAAAAAAAAAAAAAAAAAAAAAAAAAAAIQAAABgAAAAUAAAAuicAABonAABiNAAAWSkAABAAAAAmAAAACAAAAAAAAAAAAAAAMAAAABQAAAAAAAAAAAD//wAAAQAAAP//AAABAA=="/>
+                <pr:smNativeData xmlns="smNativeData" xmlns:pr="smNativeData" xmlns:p15="http://schemas.microsoft.com/office/powerpoint/2012/main" xmlns:p14="http://schemas.microsoft.com/office/powerpoint/2010/main" xmlns:mc="http://schemas.openxmlformats.org/markup-compatibility/2006" val="SMDATA_16_OZjwYBMAAAAlAAAAZAAAAA0AAAAAkAAAAEgAAACQAAAASAAAAAAAAAABAAAAAAAAAAEAAABQAAAAAAAAAAAA4D8AAAAAAADgPwAAAAAAAOA/AAAAAAAA4D8AAAAAAADgPwAAAAAAAOA/AAAAAAAA4D8AAAAAAADgPwAAAAAAAOA/AAAAAAAA4D8CAAAAjAAAAAAAAAAAAAAARHLEDP///wgAAAAAAAAAAAAAAAAAAAAAAAAAAAAAAAAAAAAAZAAAAAEAAABAAAAAAAAAAAAAAAAAAAAAAAAAAAAAAAAAAAAAAAAAAAAAAAAAAAAAAAAAAAAAAAAAAAAAAAAAAAAAAAAAAAAAAAAAAAAAAAAAAAAAAAAAAAAAAAAAAAAAFAAAADwAAAAAAAAAAAAAAAAAAAkUAAAAAQAAABQAAAAUAAAAFAAAAAEAAAAAAAAAZAAAAGQAAAAAAAAAZAAAAGQAAAAVAAAAYAAAAAAAAAAAAAAADwAAACADAAAAAAAAAAAAAAEAAACgMgAAVgcAAKr4//8BAAAAf39/AAEAAABkAAAAAAAAABQAAABAHwAAAAAAACYAAAAAAAAAwOD//wAAAAAmAAAAZAAAABYAAABMAAAAAAAAAAAAAAAEAAAAAAAAAAEAAADn5uYKAAAAACgAAAAoAAAAZAAAAGQAAAAAAAAAzMzMAAAAAABQAAAAUAAAAGQAAABkAAAAAAAAABcAAAAUAAAAAAAAAAAAAAD/fwAA/38AAAAAAAAJAAAABAAAAAAAAAAeAAAAaAAAAAAAAAAAAAAAAAAAAAAAAAAAAAAAECcAABAnAAAAAAAAAAAAAAAAAAAAAAAAAAAAAAAAAAAAAAAAAAAAABQAAAAAAAAAwMD/AAAAAABkAAAAMgAAAAAAAABkAAAAAAAAAH9/fwAKAAAAIgAAABgAAAAAAAAAAAAAAAAAAAAAAAAAAAAAAAAAAAAkAAAAJAAAAAAAAAAHAAAAAAAAAAAAAAAAAAAAAAAAAAAAAAAAAAAAf39/ACUAAABYAAAAAAAAAAAAAAAAAAAAAAAAAAAAAAAAAAAAAAAAAAAAAAAAAAAAAAAAAAAAAAA/AAAAAAAAAKCGAQAAAAAAAAAAAAAAAAAMAAAAAQAAAAAAAAAAAAAAAAAAAB8AAABUAAAAAAAABQAAAAEAAAAAAAAAAAAAAAAAAAAAAAAAAAAAAAAAAAAAAAAAAAAAAAJ/f38AAAAAA8zMzADAwP8Af39/AAAAAAAAAAAAAAAAAAAAAAAAAAAAIQAAABgAAAAUAAAAuicAABonAABiNAAAWSkAABAAAAAmAAAACAAAAAAAAAAAAAAAMAAAABQAAAAAAAAAAAD//wAAAQAAAP//AAABAA=="/>
               </a:ext>
             </a:extLst>
           </p:cNvSpPr>
@@ -3098,7 +3096,7 @@
             <a:spLocks noGrp="1" noChangeArrowheads="1"/>
             <a:extLst>
               <a:ext uri="smNativeData">
-                <pr:smNativeData xmlns:mc="http://schemas.openxmlformats.org/markup-compatibility/2006" xmlns:p14="http://schemas.microsoft.com/office/powerpoint/2010/main" xmlns:p15="http://schemas.microsoft.com/office/powerpoint/2012/main" xmlns:pr="smNativeData" xmlns="smNativeData" val="SMDATA_16_OZjwYBMAAAAlAAAAZAAAAA0AAAAAkAAAAEgAAACQAAAASAAAAAAAAAABAAAAAAAAAAEAAABQAAAAAAAAAAAA4D8AAAAAAADgPwAAAAAAAOA/AAAAAAAA4D8AAAAAAADgPwAAAAAAAOA/AAAAAAAA4D8AAAAAAADgPwAAAAAAAOA/AAAAAAAA4D8CAAAAjAAAAAAAAAAAAAAA////AP///wgAAAAAAAAAAAAAAAAAAAAAAAAAAAAAAAAAAAAAeAAAAAEAAABAAAAAAAAAAAAAAABaAAAAAAAAAAAAAAAAAAAAAAAAAAAAAAAAAAAAAAAAAAAAAAAAAAAAAAAAAAAAAAAAAAAAAAAAAAAAAAAAAAAAAAAAAAAAAAAAAAAAFAAAADwAAAAAAAAAAAAAAAAAAAAPAAAAAQAAACMAAAAjAAAAIwAAAB4AAAAAAAAAZAAAAGQAAAAAAAAAZAAAAGQAAAAVAAAAYAAAAAAAAAAAAAAADwAAACADAAAAAAAAAAAAAAEAAACgMgAAVgcAAKr4//8BAAAAf39/AAEAAABkAAAAAAAAABQAAABAHwAAAAAAACYAAAAAAAAAwOD//wAAAAAmAAAAZAAAABYAAABMAAAAAAAAAAAAAAAEAAAAAAAAAAEAAADn5uYKAAAAACgAAAAoAAAAZAAAAGQAAAAAAAAAzMzMAAAAAABQAAAAUAAAAGQAAABkAAAAAAAAABcAAAAUAAAAAAAAAAAAAAD/fwAA/38AAAAAAAAJAAAABAAAAIBiNhEeAAAAaAAAAAAAAAAAAAAAAAAAAAAAAAAAAAAAECcAABAnAAAAAAAAAAAAAAAAAAAAAAAAAAAAAAAAAAAAAAAAAAAAABQAAAAAAAAAwMD/AAAAAABkAAAAMgAAAAAAAABkAAAAAAAAAH9/fwAKAAAAIgAAABgAAAAAAAAAAAAAAAAAAAAAAAAAAAAAAAAAAAAkAAAAJAAAAAAAAAAHAAAAAAAAAAAAAAAAAAAAAAAAAAAAAAAAAAAAf39/ACUAAABYAAAAAAAAAAAAAAAAAAAAAAAAAAAAAAAAAAAAAAAAAAAAAAAAAAAAAAAAAAAAAAA/AAAAAAAAAKCGAQAAAAAAAAAAAAAAAAAMAAAAAQAAAAAAAAAAAAAAAAAAAB8AAABUAAAA////AAAAAAEAAAAAAAAAAAAAAAAAAAAAAAAAAAAAAAAAAAAAAAAAAAAAAAB/f38AAAAAA8zMzADAwP8Af39/AAAAAAAAAAAAAAAAAAAAAAAAAAAAIQAAABgAAAAUAAAA3gMAAD8CAABiNAAAZwoAABAAAAAmAAAACAAAAL8vAAAAAAAAMAAAABQAAAAAAAAAAAD//wAAAQAAAP//AAABAA=="/>
+                <pr:smNativeData xmlns="smNativeData" xmlns:pr="smNativeData" xmlns:p15="http://schemas.microsoft.com/office/powerpoint/2012/main" xmlns:p14="http://schemas.microsoft.com/office/powerpoint/2010/main" xmlns:mc="http://schemas.openxmlformats.org/markup-compatibility/2006" val="SMDATA_16_OZjwYBMAAAAlAAAAZAAAAA0AAAAAkAAAAEgAAACQAAAASAAAAAAAAAABAAAAAAAAAAEAAABQAAAAAAAAAAAA4D8AAAAAAADgPwAAAAAAAOA/AAAAAAAA4D8AAAAAAADgPwAAAAAAAOA/AAAAAAAA4D8AAAAAAADgPwAAAAAAAOA/AAAAAAAA4D8CAAAAjAAAAAAAAAAAAAAA////AP///wgAAAAAAAAAAAAAAAAAAAAAAAAAAAAAAAAAAAAAeAAAAAEAAABAAAAAAAAAAAAAAABaAAAAAAAAAAAAAAAAAAAAAAAAAAAAAAAAAAAAAAAAAAAAAAAAAAAAAAAAAAAAAAAAAAAAAAAAAAAAAAAAAAAAAAAAAAAAAAAAAAAAFAAAADwAAAAAAAAAAAAAAAAAAAAPAAAAAQAAACMAAAAjAAAAIwAAAB4AAAAAAAAAZAAAAGQAAAAAAAAAZAAAAGQAAAAVAAAAYAAAAAAAAAAAAAAADwAAACADAAAAAAAAAAAAAAEAAACgMgAAVgcAAKr4//8BAAAAf39/AAEAAABkAAAAAAAAABQAAABAHwAAAAAAACYAAAAAAAAAwOD//wAAAAAmAAAAZAAAABYAAABMAAAAAAAAAAAAAAAEAAAAAAAAAAEAAADn5uYKAAAAACgAAAAoAAAAZAAAAGQAAAAAAAAAzMzMAAAAAABQAAAAUAAAAGQAAABkAAAAAAAAABcAAAAUAAAAAAAAAAAAAAD/fwAA/38AAAAAAAAJAAAABAAAAIBiNhEeAAAAaAAAAAAAAAAAAAAAAAAAAAAAAAAAAAAAECcAABAnAAAAAAAAAAAAAAAAAAAAAAAAAAAAAAAAAAAAAAAAAAAAABQAAAAAAAAAwMD/AAAAAABkAAAAMgAAAAAAAABkAAAAAAAAAH9/fwAKAAAAIgAAABgAAAAAAAAAAAAAAAAAAAAAAAAAAAAAAAAAAAAkAAAAJAAAAAAAAAAHAAAAAAAAAAAAAAAAAAAAAAAAAAAAAAAAAAAAf39/ACUAAABYAAAAAAAAAAAAAAAAAAAAAAAAAAAAAAAAAAAAAAAAAAAAAAAAAAAAAAAAAAAAAAA/AAAAAAAAAKCGAQAAAAAAAAAAAAAAAAAMAAAAAQAAAAAAAAAAAAAAAAAAAB8AAABUAAAA////AAAAAAEAAAAAAAAAAAAAAAAAAAAAAAAAAAAAAAAAAAAAAAAAAAAAAAB/f38AAAAAA8zMzADAwP8Af39/AAAAAAAAAAAAAAAAAAAAAAAAAAAAIQAAABgAAAAUAAAA3gMAAD8CAABiNAAAZwoAABAAAAAmAAAACAAAAL8vAAAAAAAAMAAAABQAAAAAAAAAAAD//wAAAQAAAP//AAABAA=="/>
               </a:ext>
             </a:extLst>
           </p:cNvSpPr>
@@ -3139,7 +3137,7 @@
             <a:spLocks noGrp="1" noChangeArrowheads="1"/>
             <a:extLst>
               <a:ext uri="smNativeData">
-                <pr:smNativeData xmlns:mc="http://schemas.openxmlformats.org/markup-compatibility/2006" xmlns:p14="http://schemas.microsoft.com/office/powerpoint/2010/main" xmlns:p15="http://schemas.microsoft.com/office/powerpoint/2012/main" xmlns:pr="smNativeData" xmlns="smNativeData" val="SMDATA_16_OZjwYBMAAAAlAAAAZAAAAA0AAAAAkAAAAEgAAACQAAAASAAAAAAAAAAAAAAAAAAAAAEAAABQAAAAAAAAAAAA4D8AAAAAAADgPwAAAAAAAOA/AAAAAAAA4D8AAAAAAADgPwAAAAAAAOA/AAAAAAAA4D8AAAAAAADgPwAAAAAAAOA/AAAAAAAA4D8CAAAAjAAAAAAAAAAAAAAA////AP///wgAAAAAAAAAAAAAAAAAAAAAAAAAAAAAAAAAAAAAeAAAAAEAAABAAAAAAAAAAAAAAABaAAAAAAAAAAAAAAAAAAAAAAAAAAAAAAAAAAAAAAAAAAAAAAAAAAAAAAAAAAAAAAAAAAAAAAAAAAAAAAAAAAAAAAAAAAAAAAAAAAAAFAAAADwAAAAAAAAAAAAAAAAAAAAPAAAAAQAAACMAAAAjAAAAIwAAAB4AAAAAAAAAZAAAAGQAAAAAAAAAZAAAAGQAAAAVAAAAYAAAAAAAAAAAAAAADwAAACADAAAAAAAAAAAAAAEAAACgMgAAVgcAAKr4//8BAAAAf39/AAEAAABkAAAAAAAAABQAAABAHwAAAAAAACYAAAAAAAAAwOD//wAAAAAmAAAAZAAAABYAAABMAAAAAAAAAAAAAAAEAAAAAAAAAAEAAADn5uYKAAAAACgAAAAoAAAAZAAAAGQAAAAAAAAAzMzMAAAAAABQAAAAUAAAAGQAAABkAAAAAAAAABcAAAAUAAAAAAAAAAAAAAD/fwAA/38AAAAAAAAJAAAABAAAAHAb+QMeAAAAaAAAAAAAAAAAAAAAAAAAAAAAAAAAAAAAECcAABAnAAAAAAAAAAAAAAAAAAAAAAAAAAAAAAAAAAAAAAAAAAAAABQAAAAAAAAAwMD/AAAAAABkAAAAMgAAAAAAAABkAAAAAAAAAH9/fwAKAAAAIgAAABgAAAAAAAAAAAAAAAAAAAAAAAAAAAAAAAAAAAAkAAAAJAAAAAAAAAAHAAAAAAAAAAAAAAAAAAAAAAAAAAAAAAAAAAAAf39/ACUAAABYAAAAAAAAAAAAAAAAAAAAAAAAAAAAAAAAAAAAAAAAAAAAAAAAAAAAAAAAAAAAAAA/AAAAAAAAAKCGAQAAAAAAAAAAAAAAAAAMAAAAAQAAAAAAAAAAAAAAAAAAAB8AAABUAAAA////AAAAAAEAAAAAAAAAAAAAAAAAAAAAAAAAAAAAAAAAAAAAAAAAAAAAAAB/f38AAAAAA8zMzADAwP8Af39/AAAAAAAAAAAAAAAAAAAAAAAAAAAAIQAAABgAAAAUAAAA3gMAADsLAABiNAAAACYAABAAAAAmAAAACAAAAD8vAAAAAAAAMAAAABQAAAAAAAAAAAD//wAAAQAAAP//AAABAA=="/>
+                <pr:smNativeData xmlns="smNativeData" xmlns:pr="smNativeData" xmlns:p15="http://schemas.microsoft.com/office/powerpoint/2012/main" xmlns:p14="http://schemas.microsoft.com/office/powerpoint/2010/main" xmlns:mc="http://schemas.openxmlformats.org/markup-compatibility/2006" val="SMDATA_16_OZjwYBMAAAAlAAAAZAAAAA0AAAAAkAAAAEgAAACQAAAASAAAAAAAAAAAAAAAAAAAAAEAAABQAAAAAAAAAAAA4D8AAAAAAADgPwAAAAAAAOA/AAAAAAAA4D8AAAAAAADgPwAAAAAAAOA/AAAAAAAA4D8AAAAAAADgPwAAAAAAAOA/AAAAAAAA4D8CAAAAjAAAAAAAAAAAAAAA////AP///wgAAAAAAAAAAAAAAAAAAAAAAAAAAAAAAAAAAAAAeAAAAAEAAABAAAAAAAAAAAAAAABaAAAAAAAAAAAAAAAAAAAAAAAAAAAAAAAAAAAAAAAAAAAAAAAAAAAAAAAAAAAAAAAAAAAAAAAAAAAAAAAAAAAAAAAAAAAAAAAAAAAAFAAAADwAAAAAAAAAAAAAAAAAAAAPAAAAAQAAACMAAAAjAAAAIwAAAB4AAAAAAAAAZAAAAGQAAAAAAAAAZAAAAGQAAAAVAAAAYAAAAAAAAAAAAAAADwAAACADAAAAAAAAAAAAAAEAAACgMgAAVgcAAKr4//8BAAAAf39/AAEAAABkAAAAAAAAABQAAABAHwAAAAAAACYAAAAAAAAAwOD//wAAAAAmAAAAZAAAABYAAABMAAAAAAAAAAAAAAAEAAAAAAAAAAEAAADn5uYKAAAAACgAAAAoAAAAZAAAAGQAAAAAAAAAzMzMAAAAAABQAAAAUAAAAGQAAABkAAAAAAAAABcAAAAUAAAAAAAAAAAAAAD/fwAA/38AAAAAAAAJAAAABAAAAHAb+QMeAAAAaAAAAAAAAAAAAAAAAAAAAAAAAAAAAAAAECcAABAnAAAAAAAAAAAAAAAAAAAAAAAAAAAAAAAAAAAAAAAAAAAAABQAAAAAAAAAwMD/AAAAAABkAAAAMgAAAAAAAABkAAAAAAAAAH9/fwAKAAAAIgAAABgAAAAAAAAAAAAAAAAAAAAAAAAAAAAAAAAAAAAkAAAAJAAAAAAAAAAHAAAAAAAAAAAAAAAAAAAAAAAAAAAAAAAAAAAAf39/ACUAAABYAAAAAAAAAAAAAAAAAAAAAAAAAAAAAAAAAAAAAAAAAAAAAAAAAAAAAAAAAAAAAAA/AAAAAAAAAKCGAQAAAAAAAAAAAAAAAAAMAAAAAQAAAAAAAAAAAAAAAAAAAB8AAABUAAAA////AAAAAAEAAAAAAAAAAAAAAAAAAAAAAAAAAAAAAAAAAAAAAAAAAAAAAAB/f38AAAAAA8zMzADAwP8Af39/AAAAAAAAAAAAAAAAAAAAAAAAAAAAIQAAABgAAAAUAAAA3gMAADsLAABiNAAAACYAABAAAAAmAAAACAAAAD8vAAAAAAAAMAAAABQAAAAAAAAAAAD//wAAAQAAAP//AAABAA=="/>
               </a:ext>
             </a:extLst>
           </p:cNvSpPr>
@@ -3212,7 +3210,7 @@
             <a:spLocks noGrp="1" noChangeArrowheads="1"/>
             <a:extLst>
               <a:ext uri="smNativeData">
-                <pr:smNativeData xmlns:mc="http://schemas.openxmlformats.org/markup-compatibility/2006" xmlns:p14="http://schemas.microsoft.com/office/powerpoint/2010/main" xmlns:p15="http://schemas.microsoft.com/office/powerpoint/2012/main" xmlns:pr="smNativeData" xmlns="smNativeData" val="SMDATA_16_OZjwYBMAAAAlAAAAZAAAAA0AAAAAkAAAAEgAAACQAAAASAAAAAAAAAABAAAAAAAAAAEAAABQAAAAAAAAAAAA4D8AAAAAAADgPwAAAAAAAOA/AAAAAAAA4D8AAAAAAADgPwAAAAAAAOA/AAAAAAAA4D8AAAAAAADgPwAAAAAAAOA/AAAAAAAA4D8CAAAAjAAAAAAAAAAAAAAA////AP///wgAAAAAAAAAAAAAAAAAAAAAAAAAAAAAAAAAAAAAeAAAAAEAAABAAAAAAAAAAAAAAABaAAAAAAAAAAAAAAAAAAAAAAAAAAAAAAAAAAAAAAAAAAAAAAAAAAAAAAAAAAAAAAAAAAAAAAAAAAAAAAAAAAAAAAAAAAAAAAAAAAAAFAAAADwAAAAAAAAAAAAAAAAAAAAPAAAAAQAAACMAAAAjAAAAIwAAAB4AAAAAAAAAZAAAAGQAAAAAAAAAZAAAAGQAAAAVAAAAYAAAAAAAAAAAAAAADwAAACADAAAAAAAAAAAAAAEAAACgMgAAVgcAAKr4//8BAAAAf39/AAEAAABkAAAAAAAAABQAAABAHwAAAAAAACYAAAAAAAAAwOD//wAAAAAmAAAAZAAAABYAAABMAAAAAAAAAAAAAAAEAAAAAAAAAAEAAADn5uYKAAAAACgAAAAoAAAAZAAAAGQAAAAAAAAAzMzMAAAAAABQAAAAUAAAAGQAAABkAAAAAAAAABcAAAAUAAAAAAAAAAAAAAD/fwAA/38AAAAAAAAJAAAABAAAAHFwUrIeAAAAaAAAAAAAAAAAAAAAAAAAAAAAAAAAAAAAECcAABAnAAAAAAAAAAAAAAAAAAAAAAAAAAAAAAAAAAAAAAAAAAAAABQAAAAAAAAAwMD/AAAAAABkAAAAMgAAAAAAAABkAAAAAAAAAH9/fwAKAAAAIgAAABgAAAAAAAAAAAAAAAAAAAAAAAAAAAAAAAAAAAAkAAAAJAAAAAAAAAAHAAAAAAAAAAAAAAAAAAAAAAAAAAAAAAAAAAAAf39/ACUAAABYAAAAAAAAAAAAAAAAAAAAAAAAAAAAAAAAAAAAAAAAAAAAAAAAAAAAAAAAAAAAAAA/AAAAAAAAAKCGAQAAAAAAAAAAAAAAAAAMAAAAAQAAAAAAAAAAAAAAAAAAAB8AAABUAAAA////AAAAAAEAAAAAAAAAAAAAAAAAAAAAAAAAAAAAAAAAAAAAAAAAAAAAAAB/f38AAAAAA8zMzADAwP8Af39/AAAAAAAAAAAAAAAAAAAAAAAAAAAAIQAAABgAAAAUAAAA3gMAABonAACGEAAAWSkAABAAAAAmAAAACAAAAL+PAAAAAAAAMAAAABQAAAAAAAAAAAD//wAAAQAAAP//AAABAA=="/>
+                <pr:smNativeData xmlns="smNativeData" xmlns:pr="smNativeData" xmlns:p15="http://schemas.microsoft.com/office/powerpoint/2012/main" xmlns:p14="http://schemas.microsoft.com/office/powerpoint/2010/main" xmlns:mc="http://schemas.openxmlformats.org/markup-compatibility/2006" val="SMDATA_16_OZjwYBMAAAAlAAAAZAAAAA0AAAAAkAAAAEgAAACQAAAASAAAAAAAAAABAAAAAAAAAAEAAABQAAAAAAAAAAAA4D8AAAAAAADgPwAAAAAAAOA/AAAAAAAA4D8AAAAAAADgPwAAAAAAAOA/AAAAAAAA4D8AAAAAAADgPwAAAAAAAOA/AAAAAAAA4D8CAAAAjAAAAAAAAAAAAAAA////AP///wgAAAAAAAAAAAAAAAAAAAAAAAAAAAAAAAAAAAAAeAAAAAEAAABAAAAAAAAAAAAAAABaAAAAAAAAAAAAAAAAAAAAAAAAAAAAAAAAAAAAAAAAAAAAAAAAAAAAAAAAAAAAAAAAAAAAAAAAAAAAAAAAAAAAAAAAAAAAAAAAAAAAFAAAADwAAAAAAAAAAAAAAAAAAAAPAAAAAQAAACMAAAAjAAAAIwAAAB4AAAAAAAAAZAAAAGQAAAAAAAAAZAAAAGQAAAAVAAAAYAAAAAAAAAAAAAAADwAAACADAAAAAAAAAAAAAAEAAACgMgAAVgcAAKr4//8BAAAAf39/AAEAAABkAAAAAAAAABQAAABAHwAAAAAAACYAAAAAAAAAwOD//wAAAAAmAAAAZAAAABYAAABMAAAAAAAAAAAAAAAEAAAAAAAAAAEAAADn5uYKAAAAACgAAAAoAAAAZAAAAGQAAAAAAAAAzMzMAAAAAABQAAAAUAAAAGQAAABkAAAAAAAAABcAAAAUAAAAAAAAAAAAAAD/fwAA/38AAAAAAAAJAAAABAAAAHFwUrIeAAAAaAAAAAAAAAAAAAAAAAAAAAAAAAAAAAAAECcAABAnAAAAAAAAAAAAAAAAAAAAAAAAAAAAAAAAAAAAAAAAAAAAABQAAAAAAAAAwMD/AAAAAABkAAAAMgAAAAAAAABkAAAAAAAAAH9/fwAKAAAAIgAAABgAAAAAAAAAAAAAAAAAAAAAAAAAAAAAAAAAAAAkAAAAJAAAAAAAAAAHAAAAAAAAAAAAAAAAAAAAAAAAAAAAAAAAAAAAf39/ACUAAABYAAAAAAAAAAAAAAAAAAAAAAAAAAAAAAAAAAAAAAAAAAAAAAAAAAAAAAAAAAAAAAA/AAAAAAAAAKCGAQAAAAAAAAAAAAAAAAAMAAAAAQAAAAAAAAAAAAAAAAAAAB8AAABUAAAA////AAAAAAEAAAAAAAAAAAAAAAAAAAAAAAAAAAAAAAAAAAAAAAAAAAAAAAB/f38AAAAAA8zMzADAwP8Af39/AAAAAAAAAAAAAAAAAAAAAAAAAAAAIQAAABgAAAAUAAAA3gMAABonAACGEAAAWSkAABAAAAAmAAAACAAAAL+PAAAAAAAAMAAAABQAAAAAAAAAAAD//wAAAQAAAP//AAABAA=="/>
               </a:ext>
             </a:extLst>
           </p:cNvSpPr>
@@ -3286,7 +3284,7 @@
             <a:spLocks noGrp="1" noChangeArrowheads="1"/>
             <a:extLst>
               <a:ext uri="smNativeData">
-                <pr:smNativeData xmlns:mc="http://schemas.openxmlformats.org/markup-compatibility/2006" xmlns:p14="http://schemas.microsoft.com/office/powerpoint/2010/main" xmlns:p15="http://schemas.microsoft.com/office/powerpoint/2012/main" xmlns:pr="smNativeData" xmlns="smNativeData" val="SMDATA_16_OZjwYBMAAAAlAAAAZAAAAA0AAAAAkAAAAEgAAACQAAAASAAAAAAAAAABAAAAAAAAAAEAAABQAAAAAAAAAAAA4D8AAAAAAADgPwAAAAAAAOA/AAAAAAAA4D8AAAAAAADgPwAAAAAAAOA/AAAAAAAA4D8AAAAAAADgPwAAAAAAAOA/AAAAAAAA4D8CAAAAjAAAAAAAAAAAAAAA////AP///wgAAAAAAAAAAAAAAAAAAAAAAAAAAAAAAAAAAAAAeAAAAAEAAABAAAAAAAAAAAAAAABaAAAAAAAAAAAAAAAAAAAAAAAAAAAAAAAAAAAAAAAAAAAAAAAAAAAAAAAAAAAAAAAAAAAAAAAAAAAAAAAAAAAAAAAAAAAAAAAAAAAAFAAAADwAAAAAAAAAAAAAAAAAAAAPAAAAAQAAACMAAAAjAAAAIwAAAB4AAAAAAAAAZAAAAGQAAAAAAAAAZAAAAGQAAAAVAAAAYAAAAAAAAAAAAAAADwAAACADAAAAAAAAAAAAAAEAAACgMgAAVgcAAKr4//8BAAAAf39/AAEAAABkAAAAAAAAABQAAABAHwAAAAAAACYAAAAAAAAAwOD//wAAAAAmAAAAZAAAABYAAABMAAAAAAAAAAAAAAAEAAAAAAAAAAEAAADn5uYKAAAAACgAAAAoAAAAZAAAAGQAAAAAAAAAzMzMAAAAAABQAAAAUAAAAGQAAABkAAAAAAAAABcAAAAUAAAAAAAAAAAAAAD/fwAA/38AAAAAAAAJAAAABAAAAFdriAAeAAAAaAAAAAAAAAAAAAAAAAAAAAAAAAAAAAAAECcAABAnAAAAAAAAAAAAAAAAAAAAAAAAAAAAAAAAAAAAAAAAAAAAABQAAAAAAAAAwMD/AAAAAABkAAAAMgAAAAAAAABkAAAAAAAAAH9/fwAKAAAAIgAAABgAAAAAAAAAAAAAAAAAAAAAAAAAAAAAAAAAAAAkAAAAJAAAAAAAAAAHAAAAAAAAAAAAAAAAAAAAAAAAAAAAAAAAAAAAf39/ACUAAABYAAAAAAAAAAAAAAAAAAAAAAAAAAAAAAAAAAAAAAAAAAAAAAAAAAAAAAAAAAAAAAA/AAAAAAAAAKCGAQAAAAAAAAAAAAAAAAAMAAAAAQAAAAAAAAAAAAAAAAAAAB8AAABUAAAA////AAAAAAEAAAAAAAAAAAAAAAAAAAAAAAAAAAAAAAAAAAAAAAAAAAAAAAB/f38AAAAAA8zMzADAwP8Af39/AAAAAAAAAAAAAAAAAAAAAAAAAAAAIQAAABgAAAAUAAAAohIAABonAACeJQAAWSkAABAAAAAmAAAACAAAAL+PAAAAAAAAMAAAABQAAAAAAAAAAAD//wAAAQAAAP//AAABAA=="/>
+                <pr:smNativeData xmlns="smNativeData" xmlns:pr="smNativeData" xmlns:p15="http://schemas.microsoft.com/office/powerpoint/2012/main" xmlns:p14="http://schemas.microsoft.com/office/powerpoint/2010/main" xmlns:mc="http://schemas.openxmlformats.org/markup-compatibility/2006" val="SMDATA_16_OZjwYBMAAAAlAAAAZAAAAA0AAAAAkAAAAEgAAACQAAAASAAAAAAAAAABAAAAAAAAAAEAAABQAAAAAAAAAAAA4D8AAAAAAADgPwAAAAAAAOA/AAAAAAAA4D8AAAAAAADgPwAAAAAAAOA/AAAAAAAA4D8AAAAAAADgPwAAAAAAAOA/AAAAAAAA4D8CAAAAjAAAAAAAAAAAAAAA////AP///wgAAAAAAAAAAAAAAAAAAAAAAAAAAAAAAAAAAAAAeAAAAAEAAABAAAAAAAAAAAAAAABaAAAAAAAAAAAAAAAAAAAAAAAAAAAAAAAAAAAAAAAAAAAAAAAAAAAAAAAAAAAAAAAAAAAAAAAAAAAAAAAAAAAAAAAAAAAAAAAAAAAAFAAAADwAAAAAAAAAAAAAAAAAAAAPAAAAAQAAACMAAAAjAAAAIwAAAB4AAAAAAAAAZAAAAGQAAAAAAAAAZAAAAGQAAAAVAAAAYAAAAAAAAAAAAAAADwAAACADAAAAAAAAAAAAAAEAAACgMgAAVgcAAKr4//8BAAAAf39/AAEAAABkAAAAAAAAABQAAABAHwAAAAAAACYAAAAAAAAAwOD//wAAAAAmAAAAZAAAABYAAABMAAAAAAAAAAAAAAAEAAAAAAAAAAEAAADn5uYKAAAAACgAAAAoAAAAZAAAAGQAAAAAAAAAzMzMAAAAAABQAAAAUAAAAGQAAABkAAAAAAAAABcAAAAUAAAAAAAAAAAAAAD/fwAA/38AAAAAAAAJAAAABAAAAFdriAAeAAAAaAAAAAAAAAAAAAAAAAAAAAAAAAAAAAAAECcAABAnAAAAAAAAAAAAAAAAAAAAAAAAAAAAAAAAAAAAAAAAAAAAABQAAAAAAAAAwMD/AAAAAABkAAAAMgAAAAAAAABkAAAAAAAAAH9/fwAKAAAAIgAAABgAAAAAAAAAAAAAAAAAAAAAAAAAAAAAAAAAAAAkAAAAJAAAAAAAAAAHAAAAAAAAAAAAAAAAAAAAAAAAAAAAAAAAAAAAf39/ACUAAABYAAAAAAAAAAAAAAAAAAAAAAAAAAAAAAAAAAAAAAAAAAAAAAAAAAAAAAAAAAAAAAA/AAAAAAAAAKCGAQAAAAAAAAAAAAAAAAAMAAAAAQAAAAAAAAAAAAAAAAAAAB8AAABUAAAA////AAAAAAEAAAAAAAAAAAAAAAAAAAAAAAAAAAAAAAAAAAAAAAAAAAAAAAB/f38AAAAAA8zMzADAwP8Af39/AAAAAAAAAAAAAAAAAAAAAAAAAAAAIQAAABgAAAAUAAAAohIAABonAACeJQAAWSkAABAAAAAmAAAACAAAAL+PAAAAAAAAMAAAABQAAAAAAAAAAAD//wAAAQAAAP//AAABAA=="/>
               </a:ext>
             </a:extLst>
           </p:cNvSpPr>
@@ -3357,7 +3355,7 @@
             <a:spLocks noGrp="1" noChangeArrowheads="1"/>
             <a:extLst>
               <a:ext uri="smNativeData">
-                <pr:smNativeData xmlns:mc="http://schemas.openxmlformats.org/markup-compatibility/2006" xmlns:p14="http://schemas.microsoft.com/office/powerpoint/2010/main" xmlns:p15="http://schemas.microsoft.com/office/powerpoint/2012/main" xmlns:pr="smNativeData" xmlns="smNativeData" val="SMDATA_16_OZjwYBMAAAAlAAAAZAAAAA0AAAAAkAAAAEgAAACQAAAASAAAAAAAAAABAAAAAAAAAAEAAABQAAAAAAAAAAAA4D8AAAAAAADgPwAAAAAAAOA/AAAAAAAA4D8AAAAAAADgPwAAAAAAAOA/AAAAAAAA4D8AAAAAAADgPwAAAAAAAOA/AAAAAAAA4D8CAAAAjAAAAAAAAAAAAAAA////AP///wgAAAAAAAAAAAAAAAAAAAAAAAAAAAAAAAAAAAAAeAAAAAEAAABAAAAAAAAAAAAAAABaAAAAAAAAAAAAAAAAAAAAAAAAAAAAAAAAAAAAAAAAAAAAAAAAAAAAAAAAAAAAAAAAAAAAAAAAAAAAAAAAAAAAAAAAAAAAAAAAAAAAFAAAADwAAAAAAAAAAAAAAAAAAAAPAAAAAQAAACMAAAAjAAAAIwAAAB4AAAAAAAAAZAAAAGQAAAAAAAAAZAAAAGQAAAAVAAAAYAAAAAAAAAAAAAAADwAAACADAAAAAAAAAAAAAAEAAACgMgAAVgcAAKr4//8BAAAAf39/AAEAAABkAAAAAAAAABQAAABAHwAAAAAAACYAAAAAAAAAwOD//wAAAAAmAAAAZAAAABYAAABMAAAAAAAAAAAAAAAEAAAAAAAAAAEAAADn5uYKAAAAACgAAAAoAAAAZAAAAGQAAAAAAAAAzMzMAAAAAABQAAAAUAAAAGQAAABkAAAAAAAAABcAAAAUAAAAAAAAAAAAAAD/fwAA/38AAAAAAAAJAAAABAAAAJOy/wAeAAAAaAAAAAAAAAAAAAAAAAAAAAAAAAAAAAAAECcAABAnAAAAAAAAAAAAAAAAAAAAAAAAAAAAAAAAAAAAAAAAAAAAABQAAAAAAAAAwMD/AAAAAABkAAAAMgAAAAAAAABkAAAAAAAAAH9/fwAKAAAAIgAAABgAAAAAAAAAAAAAAAAAAAAAAAAAAAAAAAAAAAAkAAAAJAAAAAAAAAAHAAAAAAAAAAAAAAAAAAAAAAAAAAAAAAAAAAAAf39/ACUAAABYAAAAAAAAAAAAAAAAAAAAAAAAAAAAAAAAAAAAAAAAAAAAAAAAAAAAAAAAAAAAAAA/AAAAAAAAAKCGAQAAAAAAAAAAAAAAAAAMAAAAAQAAAAAAAAAAAAAAAAAAAB8AAABUAAAA////AAAAAAEAAAAAAAAAAAAAAAAAAAAAAAAAAAAAAAAAAAAAAAAAAAAAAAB/f38AAAAAA8zMzADAwP8Af39/AAAAAAAAAAAAAAAAAAAAAAAAAAAAIQAAABgAAAAUAAAAuicAABonAABiNAAAWSkAABAAAAAmAAAACAAAAL+PAAAAAAAAMAAAABQAAAAAAAAAAAD//wAAAQAAAP//AAABAA=="/>
+                <pr:smNativeData xmlns="smNativeData" xmlns:pr="smNativeData" xmlns:p15="http://schemas.microsoft.com/office/powerpoint/2012/main" xmlns:p14="http://schemas.microsoft.com/office/powerpoint/2010/main" xmlns:mc="http://schemas.openxmlformats.org/markup-compatibility/2006" val="SMDATA_16_OZjwYBMAAAAlAAAAZAAAAA0AAAAAkAAAAEgAAACQAAAASAAAAAAAAAABAAAAAAAAAAEAAABQAAAAAAAAAAAA4D8AAAAAAADgPwAAAAAAAOA/AAAAAAAA4D8AAAAAAADgPwAAAAAAAOA/AAAAAAAA4D8AAAAAAADgPwAAAAAAAOA/AAAAAAAA4D8CAAAAjAAAAAAAAAAAAAAA////AP///wgAAAAAAAAAAAAAAAAAAAAAAAAAAAAAAAAAAAAAeAAAAAEAAABAAAAAAAAAAAAAAABaAAAAAAAAAAAAAAAAAAAAAAAAAAAAAAAAAAAAAAAAAAAAAAAAAAAAAAAAAAAAAAAAAAAAAAAAAAAAAAAAAAAAAAAAAAAAAAAAAAAAFAAAADwAAAAAAAAAAAAAAAAAAAAPAAAAAQAAACMAAAAjAAAAIwAAAB4AAAAAAAAAZAAAAGQAAAAAAAAAZAAAAGQAAAAVAAAAYAAAAAAAAAAAAAAADwAAACADAAAAAAAAAAAAAAEAAACgMgAAVgcAAKr4//8BAAAAf39/AAEAAABkAAAAAAAAABQAAABAHwAAAAAAACYAAAAAAAAAwOD//wAAAAAmAAAAZAAAABYAAABMAAAAAAAAAAAAAAAEAAAAAAAAAAEAAADn5uYKAAAAACgAAAAoAAAAZAAAAGQAAAAAAAAAzMzMAAAAAABQAAAAUAAAAGQAAABkAAAAAAAAABcAAAAUAAAAAAAAAAAAAAD/fwAA/38AAAAAAAAJAAAABAAAAJOy/wAeAAAAaAAAAAAAAAAAAAAAAAAAAAAAAAAAAAAAECcAABAnAAAAAAAAAAAAAAAAAAAAAAAAAAAAAAAAAAAAAAAAAAAAABQAAAAAAAAAwMD/AAAAAABkAAAAMgAAAAAAAABkAAAAAAAAAH9/fwAKAAAAIgAAABgAAAAAAAAAAAAAAAAAAAAAAAAAAAAAAAAAAAAkAAAAJAAAAAAAAAAHAAAAAAAAAAAAAAAAAAAAAAAAAAAAAAAAAAAAf39/ACUAAABYAAAAAAAAAAAAAAAAAAAAAAAAAAAAAAAAAAAAAAAAAAAAAAAAAAAAAAAAAAAAAAA/AAAAAAAAAKCGAQAAAAAAAAAAAAAAAAAMAAAAAQAAAAAAAAAAAAAAAAAAAB8AAABUAAAA////AAAAAAEAAAAAAAAAAAAAAAAAAAAAAAAAAAAAAAAAAAAAAAAAAAAAAAB/f38AAAAAA8zMzADAwP8Af39/AAAAAAAAAAAAAAAAAAAAAAAAAAAAIQAAABgAAAAUAAAAuicAABonAABiNAAAWSkAABAAAAAmAAAACAAAAL+PAAAAAAAAMAAAABQAAAAAAAAAAAD//wAAAQAAAP//AAABAA=="/>
               </a:ext>
             </a:extLst>
           </p:cNvSpPr>
@@ -4097,7 +4095,7 @@
             <a:spLocks noGrp="1" noChangeArrowheads="1"/>
             <a:extLst>
               <a:ext uri="smNativeData">
-                <pr:smNativeData xmlns:mc="http://schemas.openxmlformats.org/markup-compatibility/2006" xmlns:p14="http://schemas.microsoft.com/office/powerpoint/2010/main" xmlns:p15="http://schemas.microsoft.com/office/powerpoint/2012/main" xmlns:pr="smNativeData" xmlns="smNativeData" val="SMDATA_16_OZjwYBMAAAAlAAAAZAAAAA0AAAAAkAAAAEgAAACQAAAASAAAAAAAAAACAAAAAAAAAAEAAABQAAAAAAAAAAAA4D8AAAAAAADgPwAAAAAAAOA/AAAAAAAA4D8AAAAAAADgPwAAAAAAAOA/AAAAAAAA4D8AAAAAAADgPwAAAAAAAOA/AAAAAAAA4D8CAAAAjAAAAAAAAAAAAAAARHLEDP///wgAAAAAAAAAAAAAAAAAAAAAAAAAAAAAAAAAAAAAZAAAAAEAAABAAAAAAAAAAAAAAAAAAAAAAAAAAAAAAAAAAAAAAAAAAAAAAAAAAAAAAAAAAAAAAAAAAAAAAAAAAAAAAAAAAAAAAAAAAAAAAAAAAAAAAAAAAAAAAAAAAAAAFAAAADwAAAAAAAAAAAAAAAAAAAkUAAAAAQAAABQAAAAUAAAAFAAAAAEAAAAAAAAAZAAAAGQAAAAAAAAAZAAAAGQAAAAVAAAAYAAAAAAAAAAAAAAADwAAACADAAAAAAAAAAAAAAEAAACgMgAAVgcAAKr4//8BAAAAf39/AAEAAABkAAAAAAAAABQAAABAHwAAAAAAACYAAAAAAAAAwOD//wAAAAAmAAAAZAAAABYAAABMAAAAAAAAAAAAAAAEAAAAAAAAAAEAAADn5uYKAAAAACgAAAAoAAAAZAAAAGQAAAAAAAAAzMzMAAAAAABQAAAAUAAAAGQAAABkAAAAAAAAABcAAAAUAAAAAAAAAAAAAAD/fwAA/38AAAAAAAAJAAAABAAAAAAAAAAeAAAAaAAAAAAAAAAAAAAAAAAAAAAAAAAAAAAAECcAABAnAAAAAAAAAAAAAAAAAAAAAAAAAAAAAAAAAAAAAAAAAAAAABQAAAAAAAAAwMD/AAAAAABkAAAAMgAAAAAAAABkAAAAAAAAAH9/fwAKAAAAIgAAABgAAAAAAAAAAAAAAAAAAAAAAAAAAAAAAAAAAAAkAAAAJAAAAAAAAAAHAAAAAAAAAAAAAAAAAAAAAAAAAAAAAAAAAAAAf39/ACUAAABYAAAAAAAAAAAAAAAAAAAAAAAAAAAAAAAAAAAAAAAAAAAAAAAAAAAAAAAAAAAAAAA/AAAAAAAAAKCGAQAAAAAAAAAAAAAAAAAMAAAAAQAAAAAAAAAAAAAAAAAAAB8AAABUAAAARHLEBf///wEAAAAAAAAAAAAAAAAAAAAAAAAAAAAAAAAAAAAAAAAAAAAAAAJ/f38A5+bmA8zMzADAwP8Af39/AAAAAAAAAAAAAAAAAAAAAAAAAAAAIQAAABgAAAAUAAAAOAQAAOgGAAAINAAAmBUAABAAAAAmAAAACAAAAAAgAAAAAAAAMAAAABQAAAAAAAAAAAD//wAAAQAAAP//AAABAA=="/>
+                <pr:smNativeData xmlns="smNativeData" xmlns:pr="smNativeData" xmlns:p15="http://schemas.microsoft.com/office/powerpoint/2012/main" xmlns:p14="http://schemas.microsoft.com/office/powerpoint/2010/main" xmlns:mc="http://schemas.openxmlformats.org/markup-compatibility/2006" val="SMDATA_16_OZjwYBMAAAAlAAAAZAAAAA0AAAAAkAAAAEgAAACQAAAASAAAAAAAAAACAAAAAAAAAAEAAABQAAAAAAAAAAAA4D8AAAAAAADgPwAAAAAAAOA/AAAAAAAA4D8AAAAAAADgPwAAAAAAAOA/AAAAAAAA4D8AAAAAAADgPwAAAAAAAOA/AAAAAAAA4D8CAAAAjAAAAAAAAAAAAAAARHLEDP///wgAAAAAAAAAAAAAAAAAAAAAAAAAAAAAAAAAAAAAZAAAAAEAAABAAAAAAAAAAAAAAAAAAAAAAAAAAAAAAAAAAAAAAAAAAAAAAAAAAAAAAAAAAAAAAAAAAAAAAAAAAAAAAAAAAAAAAAAAAAAAAAAAAAAAAAAAAAAAAAAAAAAAFAAAADwAAAAAAAAAAAAAAAAAAAkUAAAAAQAAABQAAAAUAAAAFAAAAAEAAAAAAAAAZAAAAGQAAAAAAAAAZAAAAGQAAAAVAAAAYAAAAAAAAAAAAAAADwAAACADAAAAAAAAAAAAAAEAAACgMgAAVgcAAKr4//8BAAAAf39/AAEAAABkAAAAAAAAABQAAABAHwAAAAAAACYAAAAAAAAAwOD//wAAAAAmAAAAZAAAABYAAABMAAAAAAAAAAAAAAAEAAAAAAAAAAEAAADn5uYKAAAAACgAAAAoAAAAZAAAAGQAAAAAAAAAzMzMAAAAAABQAAAAUAAAAGQAAABkAAAAAAAAABcAAAAUAAAAAAAAAAAAAAD/fwAA/38AAAAAAAAJAAAABAAAAAAAAAAeAAAAaAAAAAAAAAAAAAAAAAAAAAAAAAAAAAAAECcAABAnAAAAAAAAAAAAAAAAAAAAAAAAAAAAAAAAAAAAAAAAAAAAABQAAAAAAAAAwMD/AAAAAABkAAAAMgAAAAAAAABkAAAAAAAAAH9/fwAKAAAAIgAAABgAAAAAAAAAAAAAAAAAAAAAAAAAAAAAAAAAAAAkAAAAJAAAAAAAAAAHAAAAAAAAAAAAAAAAAAAAAAAAAAAAAAAAAAAAf39/ACUAAABYAAAAAAAAAAAAAAAAAAAAAAAAAAAAAAAAAAAAAAAAAAAAAAAAAAAAAAAAAAAAAAA/AAAAAAAAAKCGAQAAAAAAAAAAAAAAAAAMAAAAAQAAAAAAAAAAAAAAAAAAAB8AAABUAAAARHLEBf///wEAAAAAAAAAAAAAAAAAAAAAAAAAAAAAAAAAAAAAAAAAAAAAAAJ/f38A5+bmA8zMzADAwP8Af39/AAAAAAAAAAAAAAAAAAAAAAAAAAAAIQAAABgAAAAUAAAAOAQAAOgGAAAINAAAmBUAABAAAAAmAAAACAAAAAAgAAAAAAAAMAAAABQAAAAAAAAAAAD//wAAAQAAAP//AAABAA=="/>
               </a:ext>
             </a:extLst>
           </p:cNvSpPr>
@@ -4131,7 +4129,7 @@
             <a:spLocks noGrp="1" noChangeArrowheads="1"/>
             <a:extLst>
               <a:ext uri="smNativeData">
-                <pr:smNativeData xmlns:mc="http://schemas.openxmlformats.org/markup-compatibility/2006" xmlns:p14="http://schemas.microsoft.com/office/powerpoint/2010/main" xmlns:p15="http://schemas.microsoft.com/office/powerpoint/2012/main" xmlns:pr="smNativeData" xmlns="smNativeData" val="SMDATA_16_OZjwYBMAAAAlAAAAZAAAAA0AAAAAkAAAAEgAAACQAAAASAAAAAAAAAAAAAAAAAAAAAEAAABQAAAAAAAAAAAA4D8AAAAAAADgPwAAAAAAAOA/AAAAAAAA4D8AAAAAAADgPwAAAAAAAOA/AAAAAAAA4D8AAAAAAADgPwAAAAAAAOA/AAAAAAAA4D8CAAAAjAAAAAAAAAAAAAAARHLEDP///wgAAAAAAAAAAAAAAAAAAAAAAAAAAAAAAAAAAAAAZAAAAAEAAABAAAAAAAAAAAAAAAAAAAAAAAAAAAAAAAAAAAAAAAAAAAAAAAAAAAAAAAAAAAAAAAAAAAAAAAAAAAAAAAAAAAAAAAAAAAAAAAAAAAAAAAAAAAAAAAAAAAAAFAAAADwAAAAAAAAAAAAAAAAAAAkUAAAAAQAAABQAAAAUAAAAFAAAAAEAAAAAAAAAZAAAAGQAAAAAAAAAZAAAAGQAAAAVAAAAYAAAAAAAAAAAAAAADwAAACADAAAAAAAAAAAAAAEAAACgMgAAVgcAAKr4//8BAAAAf39/AAEAAABkAAAAAAAAABQAAABAHwAAAAAAACYAAAAAAAAAwOD//wAAAAAmAAAAZAAAABYAAABMAAAAAAAAAAAAAAAEAAAAAAAAAAEAAADn5uYKAAAAACgAAAAoAAAAZAAAAGQAAAAAAAAAzMzMAAAAAABQAAAAUAAAAGQAAABkAAAAAAAAABcAAAAUAAAAAAAAAAAAAAD/fwAA/38AAAAAAAAJAAAABAAAAAAAAAAeAAAAaAAAAAAAAAAAAAAAAAAAAAAAAAAAAAAAECcAABAnAAAAAAAAAAAAAAAAAAAAAAAAAAAAAAAAAAAAAAAAAAAAABQAAAAAAAAAwMD/AAAAAABkAAAAMgAAAAAAAABkAAAAAAAAAH9/fwAKAAAAIgAAABgAAAAAAAAAAAAAAAAAAAAAAAAAAAAAAAAAAAAkAAAAJAAAAAAAAAAHAAAAAAAAAAAAAAAAAAAAAAAAAAAAAAAAAAAAf39/ACUAAABYAAAAAAAAAAAAAAAAAAAAAAAAAAAAAAAAAAAAAAAAAAAAAAAAAAAAAAAAAAAAAAA/AAAAAAAAAKCGAQAAAAAAAAAAAAAAAAAMAAAAAQAAAAAAAAAAAAAAAAAAAB8AAABUAAAARHLEBf///wEAAAAAAAAAAAAAAAAAAAAAAAAAAAAAAAAAAAAAAAAAAAAAAAJ/f38A5+bmA8zMzADAwP8Af39/AAAAAAAAAAAAAAAAAAAAAAAAAAAAIQAAABgAAAAUAAAACAcAAFkZAACcGAAAWCAAABAAAAAmAAAACAAAAAEAAAAAAAAAMAAAABQAAAAAAAAAAAD//wAAAQAAAP//AAABAA=="/>
+                <pr:smNativeData xmlns="smNativeData" xmlns:pr="smNativeData" xmlns:p15="http://schemas.microsoft.com/office/powerpoint/2012/main" xmlns:p14="http://schemas.microsoft.com/office/powerpoint/2010/main" xmlns:mc="http://schemas.openxmlformats.org/markup-compatibility/2006" val="SMDATA_16_OZjwYBMAAAAlAAAAZAAAAA0AAAAAkAAAAEgAAACQAAAASAAAAAAAAAAAAAAAAAAAAAEAAABQAAAAAAAAAAAA4D8AAAAAAADgPwAAAAAAAOA/AAAAAAAA4D8AAAAAAADgPwAAAAAAAOA/AAAAAAAA4D8AAAAAAADgPwAAAAAAAOA/AAAAAAAA4D8CAAAAjAAAAAAAAAAAAAAARHLEDP///wgAAAAAAAAAAAAAAAAAAAAAAAAAAAAAAAAAAAAAZAAAAAEAAABAAAAAAAAAAAAAAAAAAAAAAAAAAAAAAAAAAAAAAAAAAAAAAAAAAAAAAAAAAAAAAAAAAAAAAAAAAAAAAAAAAAAAAAAAAAAAAAAAAAAAAAAAAAAAAAAAAAAAFAAAADwAAAAAAAAAAAAAAAAAAAkUAAAAAQAAABQAAAAUAAAAFAAAAAEAAAAAAAAAZAAAAGQAAAAAAAAAZAAAAGQAAAAVAAAAYAAAAAAAAAAAAAAADwAAACADAAAAAAAAAAAAAAEAAACgMgAAVgcAAKr4//8BAAAAf39/AAEAAABkAAAAAAAAABQAAABAHwAAAAAAACYAAAAAAAAAwOD//wAAAAAmAAAAZAAAABYAAABMAAAAAAAAAAAAAAAEAAAAAAAAAAEAAADn5uYKAAAAACgAAAAoAAAAZAAAAGQAAAAAAAAAzMzMAAAAAABQAAAAUAAAAGQAAABkAAAAAAAAABcAAAAUAAAAAAAAAAAAAAD/fwAA/38AAAAAAAAJAAAABAAAAAAAAAAeAAAAaAAAAAAAAAAAAAAAAAAAAAAAAAAAAAAAECcAABAnAAAAAAAAAAAAAAAAAAAAAAAAAAAAAAAAAAAAAAAAAAAAABQAAAAAAAAAwMD/AAAAAABkAAAAMgAAAAAAAABkAAAAAAAAAH9/fwAKAAAAIgAAABgAAAAAAAAAAAAAAAAAAAAAAAAAAAAAAAAAAAAkAAAAJAAAAAAAAAAHAAAAAAAAAAAAAAAAAAAAAAAAAAAAAAAAAAAAf39/ACUAAABYAAAAAAAAAAAAAAAAAAAAAAAAAAAAAAAAAAAAAAAAAAAAAAAAAAAAAAAAAAAAAAA/AAAAAAAAAKCGAQAAAAAAAAAAAAAAAAAMAAAAAQAAAAAAAAAAAAAAAAAAAB8AAABUAAAARHLEBf///wEAAAAAAAAAAAAAAAAAAAAAAAAAAAAAAAAAAAAAAAAAAAAAAAJ/f38A5+bmA8zMzADAwP8Af39/AAAAAAAAAAAAAAAAAAAAAAAAAAAAIQAAABgAAAAUAAAACAcAAFkZAACcGAAAWCAAABAAAAAmAAAACAAAAAEAAAAAAAAAMAAAABQAAAAAAAAAAAD//wAAAQAAAP//AAABAA=="/>
               </a:ext>
             </a:extLst>
           </p:cNvSpPr>
@@ -4141,7 +4139,7 @@
         </p:nvSpPr>
         <p:spPr>
           <a:xfrm>
-            <a:off x="1143000" y="4120515"/>
+            <a:off x="5008938" y="4120515"/>
             <a:ext cx="2857500" cy="1137285"/>
           </a:xfrm>
         </p:spPr>
@@ -4153,6 +4151,7 @@
               <a:defRPr lang="en-us"/>
             </a:pPr>
             <a:r>
+              <a:rPr dirty="0"/>
               <a:t>Michael D. Ryall</a:t>
             </a:r>
           </a:p>
@@ -4161,6 +4160,7 @@
               <a:defRPr lang="en-us"/>
             </a:pPr>
             <a:r>
+              <a:rPr dirty="0"/>
               <a:t>University of Toronto</a:t>
             </a:r>
           </a:p>
@@ -4172,7 +4172,7 @@
           <p:cNvSpPr>
             <a:extLst>
               <a:ext uri="smNativeData">
-                <pr:smNativeData xmlns:mc="http://schemas.openxmlformats.org/markup-compatibility/2006" xmlns:p14="http://schemas.microsoft.com/office/powerpoint/2010/main" xmlns:p15="http://schemas.microsoft.com/office/powerpoint/2012/main" xmlns:pr="smNativeData" xmlns="smNativeData" val="SMDATA_16_OZjwYBMAAAAlAAAAZAAAAA0AAAAAkAAAAEgAAACQAAAASAAAAAAAAAAAAAAAAAAAAAEAAABQAAAAAAAAAAAA4D8AAAAAAADgPwAAAAAAAOA/AAAAAAAA4D8AAAAAAADgPwAAAAAAAOA/AAAAAAAA4D8AAAAAAADgPwAAAAAAAOA/AAAAAAAA4D8CAAAAjAAAAAAAAAAAAAAA////AP///wgAAAAAAAAAAAAAAAAAAAAAAAAAAAAAAAAAAAAAeAAAAAEAAABAAAAAAAAAAAAAAABaAAAAAAAAAAAAAAAAAAAAAAAAAAAAAAAAAAAAAAAAAAAAAAAAAAAAAAAAAAAAAAAAAAAAAAAAAAAAAAAAAAAAAAAAAAAAAAAAAAAAFAAAADwAAAAAAAAAAAAAAAAAAAAPAAAAAQAAACMAAAAjAAAAIwAAAB4AAAAAAAAAZAAAAGQAAAAAAAAAZAAAAGQAAAAVAAAAYAAAAAAAAAAAAAAADwAAACADAAAAAAAAAAAAAAEAAACgMgAAVgcAAKr4//8BAAAAf39/AAEAAABkAAAAAAAAABQAAABAHwAAAAAAACYAAAAAAAAAwOD//wAAAAAmAAAAZAAAABYAAABMAAAAAAAAAAAAAAAEAAAAAAAAAAEAAADn5uYKAAAAACgAAAAoAAAAZAAAAGQAAAAAAAAAzMzMAAAAAABQAAAAUAAAAGQAAABkAAAAAAAAABcAAAAUAAAAAAAAAAAAAAD/fwAA/38AAAAAAAAJAAAABAAAAKwVAwQeAAAAaAAAAAAAAAAAAAAAAAAAAAAAAAAAAAAAECcAABAnAAAAAAAAAAAAAAAAAAAAAAAAAAAAAAAAAAAAAAAAAAAAABQAAAAAAAAAwMD/AAAAAABkAAAAMgAAAAAAAABkAAAAAAAAAH9/fwAKAAAAIgAAABgAAAAAAAAAAAAAAAAAAAAAAAAAAAAAAAAAAAAkAAAAJAAAAAAAAAAHAAAAAAAAAAAAAAAAAAAAAAAAAAAAAAAAAAAAf39/ACUAAABYAAAAAAAAAAAAAAAAAAAAAAAAAAAAAAAAAAAAAAAAAAAAAAAAAAAAAAAAAAAAAAA/AAAAAAAAAKCGAQAAAAAAAAAAAAAAAAAMAAAAAQAAAAAAAAAAAAAAAAAAAB8AAABUAAAA////AP///wEAAAAAAAAAAAAAAAAAAAAAAAAAAAAAAAAAAAAAAAAAAAAAAAB/f38A5+bmA8zMzADAwP8Af39/AAAAAAAAAAAAAAAAAAAAAAAAAAAAIQAAABgAAAAUAAAAzR0AAFkZAABhLwAAWCAAABAAAAAmAAAACAAAAP//////////MAAAABQAAAAAAAAAAAD//wAAAQAAAP//AAABAA=="/>
+                <pr:smNativeData xmlns="smNativeData" xmlns:pr="smNativeData" xmlns:p15="http://schemas.microsoft.com/office/powerpoint/2012/main" xmlns:p14="http://schemas.microsoft.com/office/powerpoint/2010/main" xmlns:mc="http://schemas.openxmlformats.org/markup-compatibility/2006" val="SMDATA_16_OZjwYBMAAAAlAAAAZAAAAA0AAAAAkAAAAEgAAACQAAAASAAAAAAAAAAAAAAAAAAAAAEAAABQAAAAAAAAAAAA4D8AAAAAAADgPwAAAAAAAOA/AAAAAAAA4D8AAAAAAADgPwAAAAAAAOA/AAAAAAAA4D8AAAAAAADgPwAAAAAAAOA/AAAAAAAA4D8CAAAAjAAAAAAAAAAAAAAA////AP///wgAAAAAAAAAAAAAAAAAAAAAAAAAAAAAAAAAAAAAeAAAAAEAAABAAAAAAAAAAAAAAABaAAAAAAAAAAAAAAAAAAAAAAAAAAAAAAAAAAAAAAAAAAAAAAAAAAAAAAAAAAAAAAAAAAAAAAAAAAAAAAAAAAAAAAAAAAAAAAAAAAAAFAAAADwAAAAAAAAAAAAAAAAAAAAPAAAAAQAAACMAAAAjAAAAIwAAAB4AAAAAAAAAZAAAAGQAAAAAAAAAZAAAAGQAAAAVAAAAYAAAAAAAAAAAAAAADwAAACADAAAAAAAAAAAAAAEAAACgMgAAVgcAAKr4//8BAAAAf39/AAEAAABkAAAAAAAAABQAAABAHwAAAAAAACYAAAAAAAAAwOD//wAAAAAmAAAAZAAAABYAAABMAAAAAAAAAAAAAAAEAAAAAAAAAAEAAADn5uYKAAAAACgAAAAoAAAAZAAAAGQAAAAAAAAAzMzMAAAAAABQAAAAUAAAAGQAAABkAAAAAAAAABcAAAAUAAAAAAAAAAAAAAD/fwAA/38AAAAAAAAJAAAABAAAAKwVAwQeAAAAaAAAAAAAAAAAAAAAAAAAAAAAAAAAAAAAECcAABAnAAAAAAAAAAAAAAAAAAAAAAAAAAAAAAAAAAAAAAAAAAAAABQAAAAAAAAAwMD/AAAAAABkAAAAMgAAAAAAAABkAAAAAAAAAH9/fwAKAAAAIgAAABgAAAAAAAAAAAAAAAAAAAAAAAAAAAAAAAAAAAAkAAAAJAAAAAAAAAAHAAAAAAAAAAAAAAAAAAAAAAAAAAAAAAAAAAAAf39/ACUAAABYAAAAAAAAAAAAAAAAAAAAAAAAAAAAAAAAAAAAAAAAAAAAAAAAAAAAAAAAAAAAAAA/AAAAAAAAAKCGAQAAAAAAAAAAAAAAAAAMAAAAAQAAAAAAAAAAAAAAAAAAAB8AAABUAAAA////AP///wEAAAAAAAAAAAAAAAAAAAAAAAAAAAAAAAAAAAAAAAAAAAAAAAB/f38A5+bmA8zMzADAwP8Af39/AAAAAAAAAAAAAAAAAAAAAAAAAAAAIQAAABgAAAAUAAAAzR0AAFkZAABhLwAAWCAAABAAAAAmAAAACAAAAP//////////MAAAABQAAAAAAAAAAAD//wAAAQAAAP//AAABAA=="/>
               </a:ext>
             </a:extLst>
           </p:cNvSpPr>
@@ -4180,7 +4180,7 @@
         </p:nvSpPr>
         <p:spPr>
           <a:xfrm>
-            <a:off x="4844415" y="4120515"/>
+            <a:off x="1200669" y="4120515"/>
             <a:ext cx="2857500" cy="1137285"/>
           </a:xfrm>
           <a:prstGeom prst="rect">
@@ -4363,6 +4363,7 @@
               <a:defRPr lang="en-us"/>
             </a:pPr>
             <a:r>
+              <a:rPr dirty="0"/>
               <a:t>Brian Epstein</a:t>
             </a:r>
           </a:p>
@@ -4371,6 +4372,7 @@
               <a:defRPr lang="en-us"/>
             </a:pPr>
             <a:r>
+              <a:rPr dirty="0"/>
               <a:t>Tufts University</a:t>
             </a:r>
           </a:p>
@@ -4408,141 +4410,7 @@
             <a:spLocks noGrp="1" noChangeArrowheads="1"/>
             <a:extLst>
               <a:ext uri="smNativeData">
-                <pr:smNativeData xmlns="smNativeData" xmlns:pr="smNativeData" xmlns:p15="http://schemas.microsoft.com/office/powerpoint/2012/main" xmlns:p14="http://schemas.microsoft.com/office/powerpoint/2010/main" xmlns:mc="http://schemas.openxmlformats.org/markup-compatibility/2006" val="SMDATA_16_8bPwYBMAAAAlAAAAZAAAAA0AAAAAkAAAAEgAAACQAAAASAAAAAAAAAABAAAAAAAAAAEAAABQAAAAAAAAAAAA4D8AAAAAAADgPwAAAAAAAOA/AAAAAAAA4D8AAAAAAADgPwAAAAAAAOA/AAAAAAAA4D8AAAAAAADgPwAAAAAAAOA/AAAAAAAA4D8CAAAAjAAAAAAAAAAAAAAARHLEDP///wgAAAAAAAAAAAAAAAAAAAAAAAAAAAAAAAAAAAAAZAAAAAEAAABAAAAAAAAAAAAAAAAAAAAAAAAAAAAAAAAAAAAAAAAAAAAAAAAAAAAAAAAAAAAAAAAAAAAAAAAAAAAAAAAAAAAAAAAAAAAAAAAAAAAAAAAAAAAAAAAAAAAAFAAAADwAAAAAAAAAAAAAAAAAAAkUAAAAAQAAABQAAAAUAAAAFAAAAAEAAAAAAAAAZAAAAGQAAAAAAAAAZAAAAGQAAAAVAAAAYAAAAAAAAAAAAAAADwAAACADAAAAAAAAAAAAAAEAAACgMgAAVgcAAKr4//8BAAAAf39/AAEAAABkAAAAAAAAABQAAABAHwAAAAAAACYAAAAAAAAAwOD//wAAAAAmAAAAZAAAABYAAABMAAAAAAAAAAAAAAAEAAAAAAAAAAEAAADn5uYKAAAAACgAAAAoAAAAZAAAAGQAAAAAAAAAzMzMAAAAAABQAAAAUAAAAGQAAABkAAAAAAAAABcAAAAUAAAAAAAAAAAAAAD/fwAA/38AAAAAAAAJAAAABAAAAAAAAAAeAAAAaAAAAAAAAAAAAAAAAAAAAAAAAAAAAAAAECcAABAnAAAAAAAAAAAAAAAAAAAAAAAAAAAAAAAAAAAAAAAAAAAAABQAAAAAAAAAwMD/AAAAAABkAAAAMgAAAAAAAABkAAAAAAAAAH9/fwAKAAAAIgAAABgAAAAAAAAAAAAAAAAAAAAAAAAAAAAAAAAAAAAkAAAAJAAAAAAAAAAHAAAAAAAAAAAAAAAAAAAAAAAAAAAAAAAAAAAAf39/ACUAAABYAAAAAAAAAAAAAAAAAAAAAAAAAAAAAAAAAAAAAAAAAAAAAAAAAAAAAAAAAAAAAAA/AAAAAAAAAKCGAQAAAAAAAAAAAAAAAAAMAAAAAQAAAAAAAAAAAAAAAAAAAB8AAABUAAAARHLEBf///wEAAAAAAAAAAAAAAAAAAAAAAAAAAAAAAAAAAAAAAAAAAAAAAAJ/f38A5+bmA8zMzADAwP8Af39/AAAAAAAAAAAAAAAAAAAAAAAAAAAAIQAAABgAAAAUAAAA3gMAAD8CAABiNAAAZwoAABAAAAAmAAAACAAAAAAAAAAAAAAAMAAAABQAAAAAAAAAAAD//wAAAQAAAP//AAABAA=="/>
-              </a:ext>
-            </a:extLst>
-          </p:cNvSpPr>
-          <p:nvPr>
-            <p:ph type="title"/>
-          </p:nvPr>
-        </p:nvSpPr>
-        <p:spPr/>
-        <p:txBody>
-          <a:bodyPr/>
-          <a:lstStyle/>
-          <a:p>
-            <a:pPr>
-              <a:defRPr lang="en-us"/>
-            </a:pPr>
-            <a:r>
-              <a:t>Central claim</a:t>
-            </a:r>
-          </a:p>
-        </p:txBody>
-      </p:sp>
-      <p:sp>
-        <p:nvSpPr>
-          <p:cNvPr id="3" name="Content Placeholder 2"/>
-          <p:cNvSpPr>
-            <a:spLocks noGrp="1" noChangeArrowheads="1"/>
-            <a:extLst>
-              <a:ext uri="smNativeData">
-                <pr:smNativeData xmlns="smNativeData" xmlns:pr="smNativeData" xmlns:p15="http://schemas.microsoft.com/office/powerpoint/2012/main" xmlns:p14="http://schemas.microsoft.com/office/powerpoint/2010/main" xmlns:mc="http://schemas.openxmlformats.org/markup-compatibility/2006" val="SMDATA_16_8bPwYBMAAAAlAAAAZAAAAA0AAAAAkAAAAEgAAACQAAAASAAAAAAAAAAAAAAAAAAAAAEAAABQAAAAAAAAAAAA4D8AAAAAAADgPwAAAAAAAOA/AAAAAAAA4D8AAAAAAADgPwAAAAAAAOA/AAAAAAAA4D8AAAAAAADgPwAAAAAAAOA/AAAAAAAA4D8CAAAAjAAAAAAAAAAAAAAARHLEDP///wgAAAAAAAAAAAAAAAAAAAAAAAAAAAAAAAAAAAAAZAAAAAEAAABAAAAAAAAAAAAAAAAAAAAAAAAAAAAAAAAAAAAAAAAAAAAAAAAAAAAAAAAAAAAAAAAAAAAAAAAAAAAAAAAAAAAAAAAAAAAAAAAAAAAAAAAAAAAAAAAAAAAAFAAAADwAAAAAAAAAAAAAAAAAAAkUAAAAAQAAABQAAAAUAAAAFAAAAAEAAAAAAAAAZAAAAGQAAAAAAAAAZAAAAGQAAAAVAAAAYAAAAAAAAAAAAAAADwAAACADAAAAAAAAAAAAAAEAAACgMgAAVgcAAKr4//8BAAAAf39/AAEAAABkAAAAAAAAABQAAABAHwAAAAAAACYAAAAAAAAAwOD//wAAAAAmAAAAZAAAABYAAABMAAAAAAAAAAAAAAAEAAAAAAAAAAEAAADn5uYKAAAAACgAAAAoAAAAZAAAAGQAAAAAAAAAzMzMAAAAAABQAAAAUAAAAGQAAABkAAAAAAAAABcAAAAUAAAAAAAAAAAAAAD/fwAA/38AAAAAAAAJAAAABAAAAAAAAAAeAAAAaAAAAAAAAAAAAAAAAAAAAAAAAAAAAAAAECcAABAnAAAAAAAAAAAAAAAAAAAAAAAAAAAAAAAAAAAAAAAAAAAAABQAAAAAAAAAwMD/AAAAAABkAAAAMgAAAAAAAABkAAAAAAAAAH9/fwAKAAAAIgAAABgAAAAAAAAAAAAAAAAAAAAAAAAAAAAAAAAAAAAkAAAAJAAAAAAAAAAHAAAAAAAAAAAAAAAAAAAAAAAAAAAAAAAAAAAAf39/ACUAAABYAAAAAAAAAAAAAAAAAAAAAAAAAAAAAAAAAAAAAAAAAAAAAAAAAAAAAAAAAAAAAAA/AAAAAAAAAKCGAQAAAAAAAAAAAAAAAAAMAAAAAQAAAAAAAAAAAAAAAAAAAB8AAABUAAAARHLEBf///wEAAAAAAAAAAAAAAAAAAAAAAAAAAAAAAAAAAAAAAAAAAAAAAAJ/f38A5+bmA8zMzADAwP8Af39/AAAAAAAAAAAAAAAAAAAAAAAAAAAAIQAAABgAAAAUAAAA3gMAADsLAABiNAAAACYAABAAAAAmAAAACAAAAAAgAAAAAAAAMAAAABQAAAAAAAAAAAD//wAAAQAAAP//AAABAA=="/>
-              </a:ext>
-            </a:extLst>
-          </p:cNvSpPr>
-          <p:nvPr>
-            <p:ph type="body" idx="1"/>
-          </p:nvPr>
-        </p:nvSpPr>
-        <p:spPr/>
-        <p:txBody>
-          <a:bodyPr vert="horz" wrap="square" lIns="91440" tIns="45720" rIns="91440" bIns="45720" numCol="1" spcCol="215900" anchor="t">
-            <a:prstTxWarp prst="textNoShape">
-              <a:avLst/>
-            </a:prstTxWarp>
-          </a:bodyPr>
-          <a:lstStyle/>
-          <a:p>
-            <a:pPr>
-              <a:defRPr lang="en-us"/>
-            </a:pPr>
-            <a:r>
-              <a:t>Crucial features are:</a:t>
-            </a:r>
-          </a:p>
-          <a:p>
-            <a:pPr lvl="1">
-              <a:defRPr lang="en-us"/>
-            </a:pPr>
-            <a:r>
-              <a:t>The agent inhabiting a dynamically changing world</a:t>
-            </a:r>
-          </a:p>
-          <a:p>
-            <a:pPr lvl="1">
-              <a:defRPr lang="en-us"/>
-            </a:pPr>
-            <a:r>
-              <a:t>The agent deploying </a:t>
-            </a:r>
-            <a:r>
-              <a:rPr lang="en-us" i="1"/>
-              <a:t>unawareness—</a:t>
-            </a:r>
-            <a:r>
-              <a:t>either “triggered” or “intentional” unawareness in unfolding choice and action</a:t>
-            </a:r>
-          </a:p>
-          <a:p>
-            <a:pPr>
-              <a:defRPr lang="en-us"/>
-            </a:pPr>
-            <a:r>
-              <a:t>The literature’s inquiry into planning is related, but not sufficient</a:t>
-            </a:r>
-          </a:p>
-          <a:p>
-            <a:pPr lvl="1">
-              <a:defRPr lang="en-us"/>
-            </a:pPr>
-            <a:r>
-              <a:t>A standard simple B-D model of cognition is sufficient to model plans</a:t>
-            </a:r>
-          </a:p>
-          <a:p>
-            <a:pPr>
-              <a:defRPr lang="en-us"/>
-            </a:pPr>
-            <a:r>
-              <a:t>[Something about plan reconsideration]</a:t>
-            </a:r>
-          </a:p>
-        </p:txBody>
-      </p:sp>
-    </p:spTree>
-  </p:cSld>
-  <p:clrMapOvr>
-    <a:masterClrMapping/>
-  </p:clrMapOvr>
-</p:sld>
-</file>
-
-<file path=ppt/slides/slide11.xml><?xml version="1.0" encoding="utf-8"?>
-<p:sld xmlns:a="http://schemas.openxmlformats.org/drawingml/2006/main" xmlns:r="http://schemas.openxmlformats.org/officeDocument/2006/relationships" xmlns:p="http://schemas.openxmlformats.org/presentationml/2006/main">
-  <p:cSld>
-    <p:spTree>
-      <p:nvGrpSpPr>
-        <p:cNvPr id="1" name=""/>
-        <p:cNvGrpSpPr/>
-        <p:nvPr/>
-      </p:nvGrpSpPr>
-      <p:grpSpPr>
-        <a:xfrm>
-          <a:off x="0" y="0"/>
-          <a:ext cx="0" cy="0"/>
-          <a:chOff x="0" y="0"/>
-          <a:chExt cx="0" cy="0"/>
-        </a:xfrm>
-      </p:grpSpPr>
-      <p:sp>
-        <p:nvSpPr>
-          <p:cNvPr id="2" name="Title 1"/>
-          <p:cNvSpPr>
-            <a:spLocks noGrp="1" noChangeArrowheads="1"/>
-            <a:extLst>
-              <a:ext uri="smNativeData">
-                <pr:smNativeData xmlns="smNativeData" xmlns:pr="smNativeData" xmlns:p15="http://schemas.microsoft.com/office/powerpoint/2012/main" xmlns:p14="http://schemas.microsoft.com/office/powerpoint/2010/main" xmlns:mc="http://schemas.openxmlformats.org/markup-compatibility/2006" val="SMDATA_16_8bPwYBMAAAAlAAAAZAAAAA0AAAAAkAAAAEgAAACQAAAASAAAAAAAAAABAAAAAAAAAAEAAABQAAAAAAAAAAAA4D8AAAAAAADgPwAAAAAAAOA/AAAAAAAA4D8AAAAAAADgPwAAAAAAAOA/AAAAAAAA4D8AAAAAAADgPwAAAAAAAOA/AAAAAAAA4D8CAAAAjAAAAAAAAAAAAAAARHLEDP///wgAAAAAAAAAAAAAAAAAAAAAAAAAAAAAAAAAAAAAZAAAAAEAAABAAAAAAAAAAAAAAAAAAAAAAAAAAAAAAAAAAAAAAAAAAAAAAAAAAAAAAAAAAAAAAAAAAAAAAAAAAAAAAAAAAAAAAAAAAAAAAAAAAAAAAAAAAAAAAAAAAAAAFAAAADwAAAAAAAAAAAAAAAAAAAkUAAAAAQAAABQAAAAUAAAAFAAAAAEAAAAAAAAAZAAAAGQAAAAAAAAAZAAAAGQAAAAVAAAAYAAAAAAAAAAAAAAADwAAACADAAAAAAAAAAAAAAEAAACgMgAAVgcAAKr4//8BAAAAf39/AAEAAABkAAAAAAAAABQAAABAHwAAAAAAACYAAAAAAAAAwOD//wAAAAAmAAAAZAAAABYAAABMAAAAAAAAAAAAAAAEAAAAAAAAAAEAAADn5uYKAAAAACgAAAAoAAAAZAAAAGQAAAAAAAAAzMzMAAAAAABQAAAAUAAAAGQAAABkAAAAAAAAABcAAAAUAAAAAAAAAAAAAAD/fwAA/38AAAAAAAAJAAAABAAAAAUAAAAeAAAAaAAAAAAAAAAAAAAAAAAAAAAAAAAAAAAAECcAABAnAAAAAAAAAAAAAAAAAAAAAAAAAAAAAAAAAAAAAAAAAAAAABQAAAAAAAAAwMD/AAAAAABkAAAAMgAAAAAAAABkAAAAAAAAAH9/fwAKAAAAIgAAABgAAAAAAAAAAAAAAAAAAAAAAAAAAAAAAAAAAAAkAAAAJAAAAAAAAAAHAAAAAAAAAAAAAAAAAAAAAAAAAAAAAAAAAAAAf39/ACUAAABYAAAAAAAAAAAAAAAAAAAAAAAAAAAAAAAAAAAAAAAAAAAAAAAAAAAAAAAAAAAAAAA/AAAAAAAAAKCGAQAAAAAAAAAAAAAAAAAMAAAAAQAAAAAAAAAAAAAAAAAAAB8AAABUAAAARHLEBf///wEAAAAAAAAAAAAAAAAAAAAAAAAAAAAAAAAAAAAAAAAAAAAAAAJ/f38A5+bmA8zMzADAwP8Af39/AAAAAAAAAAAAAAAAAAAAAAAAAAAAIQAAABgAAAAUAAAA3gMAAD8CAABiNAAAZwoAAAAAAAAmAAAACAAAAAEAAAAAAAAAMAAAABQAAAAAAAAAAAD//wAAAQAAAP//AAABAA=="/>
+                <pr:smNativeData xmlns:mc="http://schemas.openxmlformats.org/markup-compatibility/2006" xmlns:p14="http://schemas.microsoft.com/office/powerpoint/2010/main" xmlns:p15="http://schemas.microsoft.com/office/powerpoint/2012/main" xmlns:pr="smNativeData" xmlns="smNativeData" val="SMDATA_16_8bPwYBMAAAAlAAAAZAAAAA0AAAAAkAAAAEgAAACQAAAASAAAAAAAAAABAAAAAAAAAAEAAABQAAAAAAAAAAAA4D8AAAAAAADgPwAAAAAAAOA/AAAAAAAA4D8AAAAAAADgPwAAAAAAAOA/AAAAAAAA4D8AAAAAAADgPwAAAAAAAOA/AAAAAAAA4D8CAAAAjAAAAAAAAAAAAAAARHLEDP///wgAAAAAAAAAAAAAAAAAAAAAAAAAAAAAAAAAAAAAZAAAAAEAAABAAAAAAAAAAAAAAAAAAAAAAAAAAAAAAAAAAAAAAAAAAAAAAAAAAAAAAAAAAAAAAAAAAAAAAAAAAAAAAAAAAAAAAAAAAAAAAAAAAAAAAAAAAAAAAAAAAAAAFAAAADwAAAAAAAAAAAAAAAAAAAkUAAAAAQAAABQAAAAUAAAAFAAAAAEAAAAAAAAAZAAAAGQAAAAAAAAAZAAAAGQAAAAVAAAAYAAAAAAAAAAAAAAADwAAACADAAAAAAAAAAAAAAEAAACgMgAAVgcAAKr4//8BAAAAf39/AAEAAABkAAAAAAAAABQAAABAHwAAAAAAACYAAAAAAAAAwOD//wAAAAAmAAAAZAAAABYAAABMAAAAAAAAAAAAAAAEAAAAAAAAAAEAAADn5uYKAAAAACgAAAAoAAAAZAAAAGQAAAAAAAAAzMzMAAAAAABQAAAAUAAAAGQAAABkAAAAAAAAABcAAAAUAAAAAAAAAAAAAAD/fwAA/38AAAAAAAAJAAAABAAAAIAAAAAeAAAAaAAAAAAAAAAAAAAAAAAAAAAAAAAAAAAAECcAABAnAAAAAAAAAAAAAAAAAAAAAAAAAAAAAAAAAAAAAAAAAAAAABQAAAAAAAAAwMD/AAAAAABkAAAAMgAAAAAAAABkAAAAAAAAAH9/fwAKAAAAIgAAABgAAAAAAAAAAAAAAAAAAAAAAAAAAAAAAAAAAAAkAAAAJAAAAAAAAAAHAAAAAAAAAAAAAAAAAAAAAAAAAAAAAAAAAAAAf39/ACUAAABYAAAAAAAAAAAAAAAAAAAAAAAAAAAAAAAAAAAAAAAAAAAAAAAAAAAAAAAAAAAAAAA/AAAAAAAAAKCGAQAAAAAAAAAAAAAAAAAMAAAAAQAAAAAAAAAAAAAAAAAAAB8AAABUAAAARHLEBf///wEAAAAAAAAAAAAAAAAAAAAAAAAAAAAAAAAAAAAAAAAAAAAAAAJ/f38A5+bmA8zMzADAwP8Af39/AAAAAAAAAAAAAAAAAAAAAAAAAAAAIQAAABgAAAAUAAAA3gMAAD8CAABiNAAAZwoAAAAAAAAmAAAACAAAAAEAAAAAAAAAMAAAABQAAAAAAAAAAAD//wAAAQAAAP//AAABAA=="/>
               </a:ext>
             </a:extLst>
           </p:cNvSpPr>
@@ -4564,304 +4432,6 @@
               <a:defRPr lang="en-us"/>
             </a:pPr>
             <a:r>
-              <a:t>The best toy problem</a:t>
-            </a:r>
-          </a:p>
-        </p:txBody>
-      </p:sp>
-      <p:sp>
-        <p:nvSpPr>
-          <p:cNvPr id="3" name="Content Placeholder 2"/>
-          <p:cNvSpPr>
-            <a:spLocks noGrp="1" noChangeArrowheads="1"/>
-            <a:extLst>
-              <a:ext uri="smNativeData">
-                <pr:smNativeData xmlns="smNativeData" xmlns:pr="smNativeData" xmlns:p15="http://schemas.microsoft.com/office/powerpoint/2012/main" xmlns:p14="http://schemas.microsoft.com/office/powerpoint/2010/main" xmlns:mc="http://schemas.openxmlformats.org/markup-compatibility/2006" val="SMDATA_16_8bPwYBMAAAAlAAAAZAAAAA0AAAAAkAAAAEgAAACQAAAASAAAAAAAAAAAAAAAAAAAAAEAAABQAAAAAAAAAAAA4D8AAAAAAADgPwAAAAAAAOA/AAAAAAAA4D8AAAAAAADgPwAAAAAAAOA/AAAAAAAA4D8AAAAAAADgPwAAAAAAAOA/AAAAAAAA4D8CAAAAjAAAAAAAAAAAAAAARHLEDP///wgAAAAAAAAAAAAAAAAAAAAAAAAAAAAAAAAAAAAAZAAAAAEAAABAAAAAAAAAAAAAAAAAAAAAAAAAAAAAAAAAAAAAAAAAAAAAAAAAAAAAAAAAAAAAAAAAAAAAAAAAAAAAAAAAAAAAAAAAAAAAAAAAAAAAAAAAAAAAAAAAAAAAFAAAADwAAAAAAAAAAAAAAAAAAAkUAAAAAQAAABQAAAAUAAAAFAAAAAEAAAAAAAAAZAAAAGQAAAAAAAAAZAAAAGQAAAAVAAAAYAAAAAAAAAAAAAAADwAAACADAAAAAAAAAAAAAAEAAACgMgAAVgcAAKr4//8BAAAAf39/AAEAAABkAAAAAAAAABQAAABAHwAAAAAAACYAAAAAAAAAwOD//wAAAAAmAAAAZAAAABYAAABMAAAAAAAAAAAAAAAEAAAAAAAAAAEAAADn5uYKAAAAACgAAAAoAAAAZAAAAGQAAAAAAAAAzMzMAAAAAABQAAAAUAAAAGQAAABkAAAAAAAAABcAAAAUAAAAAAAAAAAAAAD/fwAA/38AAAAAAAAJAAAABAAAAAAAAAAeAAAAaAAAAAAAAAAAAAAAAAAAAAAAAAAAAAAAECcAABAnAAAAAAAAAAAAAAAAAAAAAAAAAAAAAAAAAAAAAAAAAAAAABQAAAAAAAAAwMD/AAAAAABkAAAAMgAAAAAAAABkAAAAAAAAAH9/fwAKAAAAIgAAABgAAAAAAAAAAAAAAAAAAAAAAAAAAAAAAAAAAAAkAAAAJAAAAAAAAAAHAAAAAAAAAAAAAAAAAAAAAAAAAAAAAAAAAAAAf39/ACUAAABYAAAAAAAAAAAAAAAAAAAAAAAAAAAAAAAAAAAAAAAAAAAAAAAAAAAAAAAAAAAAAAA/AAAAAAAAAKCGAQAAAAAAAAAAAAAAAAAMAAAAAQAAAAAAAAAAAAAAAAAAAB8AAABUAAAARHLEBf///wEAAAAAAAAAAAAAAAAAAAAAAAAAAAAAAAAAAAAAAAAAAAAAAAJ/f38A5+bmA8zMzADAwP8Af39/AAAAAAAAAAAAAAAAAAAAAAAAAAAAIQAAABgAAAAUAAAAmAMAAOMJAAAcNAAAZCgAAAAAAAAmAAAACAAAAAEgAAAAAAAAMAAAABQAAAAAAAAAAAD//wAAAQAAAP//AAABAA=="/>
-              </a:ext>
-            </a:extLst>
-          </p:cNvSpPr>
-          <p:nvPr>
-            <p:ph type="body" idx="1"/>
-          </p:nvPr>
-        </p:nvSpPr>
-        <p:spPr>
-          <a:xfrm>
-            <a:off x="584200" y="1607185"/>
-            <a:ext cx="7886700" cy="4958715"/>
-          </a:xfrm>
-        </p:spPr>
-        <p:txBody>
-          <a:bodyPr vert="horz" wrap="square" lIns="91440" tIns="45720" rIns="91440" bIns="45720" numCol="1" spcCol="215900" anchor="t">
-            <a:prstTxWarp prst="textNoShape">
-              <a:avLst/>
-            </a:prstTxWarp>
-          </a:bodyPr>
-          <a:lstStyle/>
-          <a:p>
-            <a:pPr>
-              <a:lnSpc>
-                <a:spcPct val="100000"/>
-              </a:lnSpc>
-              <a:spcBef>
-                <a:spcPts val="600"/>
-              </a:spcBef>
-              <a:spcAft>
-                <a:spcPts val="600"/>
-              </a:spcAft>
-              <a:buFont typeface="Wingdings" pitchFamily="2" charset="2"/>
-              <a:buChar char=""/>
-              <a:defRPr lang="en-us" sz="2400"/>
-            </a:pPr>
-            <a:r>
-              <a:t>The time is </a:t>
-            </a:r>
-            <a:r>
-              <a:rPr lang="en-us" i="1">
-                <a:latin typeface="DejaVu Math TeX Gyre" pitchFamily="1" charset="0"/>
-                <a:ea typeface="DejaVu Math TeX Gyre" pitchFamily="1" charset="0"/>
-                <a:cs typeface="DejaVu Math TeX Gyre" pitchFamily="1" charset="0"/>
-              </a:rPr>
-              <a:t>t </a:t>
-            </a:r>
-            <a:r>
-              <a:rPr lang="en-us">
-                <a:latin typeface="DejaVu Math TeX Gyre" pitchFamily="1" charset="0"/>
-                <a:ea typeface="DejaVu Math TeX Gyre" pitchFamily="1" charset="0"/>
-                <a:cs typeface="DejaVu Math TeX Gyre" pitchFamily="1" charset="0"/>
-              </a:rPr>
-              <a:t>=</a:t>
-            </a:r>
-            <a:r>
-              <a:rPr lang="en-us" i="1">
-                <a:latin typeface="DejaVu Math TeX Gyre" pitchFamily="1" charset="0"/>
-                <a:ea typeface="DejaVu Math TeX Gyre" pitchFamily="1" charset="0"/>
-                <a:cs typeface="DejaVu Math TeX Gyre" pitchFamily="1" charset="0"/>
-              </a:rPr>
-              <a:t> 0</a:t>
-            </a:r>
-          </a:p>
-          <a:p>
-            <a:pPr>
-              <a:lnSpc>
-                <a:spcPct val="100000"/>
-              </a:lnSpc>
-              <a:spcBef>
-                <a:spcPts val="600"/>
-              </a:spcBef>
-              <a:spcAft>
-                <a:spcPts val="600"/>
-              </a:spcAft>
-              <a:buFont typeface="Wingdings" pitchFamily="2" charset="2"/>
-              <a:buChar char=""/>
-              <a:defRPr lang="en-us" sz="2400"/>
-            </a:pPr>
-            <a:r>
-              <a:t>Brian’s infant is sitting in the family room</a:t>
-            </a:r>
-          </a:p>
-          <a:p>
-            <a:pPr>
-              <a:lnSpc>
-                <a:spcPct val="100000"/>
-              </a:lnSpc>
-              <a:spcBef>
-                <a:spcPts val="600"/>
-              </a:spcBef>
-              <a:spcAft>
-                <a:spcPts val="600"/>
-              </a:spcAft>
-              <a:buFont typeface="Wingdings" pitchFamily="2" charset="2"/>
-              <a:buChar char=""/>
-              <a:defRPr lang="en-us" sz="2400"/>
-            </a:pPr>
-            <a:r>
-              <a:t>Some distance in front of her are two toys, A and B</a:t>
-            </a:r>
-          </a:p>
-          <a:p>
-            <a:pPr>
-              <a:lnSpc>
-                <a:spcPct val="100000"/>
-              </a:lnSpc>
-              <a:spcBef>
-                <a:spcPts val="600"/>
-              </a:spcBef>
-              <a:spcAft>
-                <a:spcPts val="600"/>
-              </a:spcAft>
-              <a:buFont typeface="Wingdings" pitchFamily="2" charset="2"/>
-              <a:buChar char=""/>
-              <a:defRPr lang="en-us" sz="2400"/>
-            </a:pPr>
-            <a:r>
-              <a:t>Things are going on around her: adults are chatting in the next room, the TV is on, the dog is barking outside</a:t>
-            </a:r>
-          </a:p>
-          <a:p>
-            <a:pPr>
-              <a:lnSpc>
-                <a:spcPct val="100000"/>
-              </a:lnSpc>
-              <a:spcBef>
-                <a:spcPts val="600"/>
-              </a:spcBef>
-              <a:spcAft>
-                <a:spcPts val="600"/>
-              </a:spcAft>
-              <a:buFont typeface="Wingdings" pitchFamily="2" charset="2"/>
-              <a:buChar char=""/>
-              <a:defRPr lang="en-us" sz="2400"/>
-            </a:pPr>
-            <a:r>
-              <a:t>Infant desires the best toy</a:t>
-            </a:r>
-          </a:p>
-          <a:p>
-            <a:pPr lvl="1">
-              <a:lnSpc>
-                <a:spcPct val="100000"/>
-              </a:lnSpc>
-              <a:spcBef>
-                <a:spcPts val="600"/>
-              </a:spcBef>
-              <a:spcAft>
-                <a:spcPts val="600"/>
-              </a:spcAft>
-              <a:buFont typeface="Wingdings" pitchFamily="2" charset="2"/>
-              <a:buChar char=""/>
-              <a:defRPr lang="en-us" sz="2400"/>
-            </a:pPr>
-            <a:r>
-              <a:t>Best toy &gt; second-best toy &gt; no toy</a:t>
-            </a:r>
-          </a:p>
-          <a:p>
-            <a:pPr lvl="1">
-              <a:lnSpc>
-                <a:spcPct val="100000"/>
-              </a:lnSpc>
-              <a:spcBef>
-                <a:spcPts val="600"/>
-              </a:spcBef>
-              <a:spcAft>
-                <a:spcPts val="600"/>
-              </a:spcAft>
-              <a:buFont typeface="Wingdings" pitchFamily="2" charset="2"/>
-              <a:buChar char=""/>
-              <a:defRPr lang="en-us" sz="2400"/>
-            </a:pPr>
-            <a:r>
-              <a:t>Uncertain whether A or B is best</a:t>
-            </a:r>
-          </a:p>
-          <a:p>
-            <a:pPr lvl="1">
-              <a:lnSpc>
-                <a:spcPct val="100000"/>
-              </a:lnSpc>
-              <a:spcBef>
-                <a:spcPts val="600"/>
-              </a:spcBef>
-              <a:spcAft>
-                <a:spcPts val="600"/>
-              </a:spcAft>
-              <a:buFont typeface="Wingdings" pitchFamily="2" charset="2"/>
-              <a:buChar char=""/>
-              <a:defRPr lang="en-us" sz="2400"/>
-            </a:pPr>
-            <a:r>
-              <a:t>Tune-playing taken as signal of best</a:t>
-            </a:r>
-          </a:p>
-          <a:p>
-            <a:pPr>
-              <a:lnSpc>
-                <a:spcPct val="100000"/>
-              </a:lnSpc>
-              <a:spcBef>
-                <a:spcPts val="600"/>
-              </a:spcBef>
-              <a:spcAft>
-                <a:spcPts val="600"/>
-              </a:spcAft>
-              <a:buFont typeface="Wingdings" pitchFamily="2" charset="2"/>
-              <a:buChar char=""/>
-              <a:defRPr lang="en-us" sz="2400"/>
-            </a:pPr>
-            <a:r>
-              <a:t>What happens</a:t>
-            </a:r>
-          </a:p>
-          <a:p>
-            <a:pPr>
-              <a:lnSpc>
-                <a:spcPct val="70000"/>
-              </a:lnSpc>
-              <a:spcBef>
-                <a:spcPts val="320"/>
-              </a:spcBef>
-              <a:buFont typeface="Wingdings" pitchFamily="2" charset="2"/>
-              <a:buChar char=""/>
-              <a:defRPr lang="en-us" sz="1400"/>
-            </a:pPr>
-            <a:endParaRPr/>
-          </a:p>
-        </p:txBody>
-      </p:sp>
-    </p:spTree>
-  </p:cSld>
-  <p:clrMapOvr>
-    <a:masterClrMapping/>
-  </p:clrMapOvr>
-</p:sld>
-</file>
-
-<file path=ppt/slides/slide12.xml><?xml version="1.0" encoding="utf-8"?>
-<p:sld xmlns:a="http://schemas.openxmlformats.org/drawingml/2006/main" xmlns:r="http://schemas.openxmlformats.org/officeDocument/2006/relationships" xmlns:p="http://schemas.openxmlformats.org/presentationml/2006/main">
-  <p:cSld>
-    <p:spTree>
-      <p:nvGrpSpPr>
-        <p:cNvPr id="1" name=""/>
-        <p:cNvGrpSpPr/>
-        <p:nvPr/>
-      </p:nvGrpSpPr>
-      <p:grpSpPr>
-        <a:xfrm>
-          <a:off x="0" y="0"/>
-          <a:ext cx="0" cy="0"/>
-          <a:chOff x="0" y="0"/>
-          <a:chExt cx="0" cy="0"/>
-        </a:xfrm>
-      </p:grpSpPr>
-      <p:sp>
-        <p:nvSpPr>
-          <p:cNvPr id="2" name="Title 1"/>
-          <p:cNvSpPr>
-            <a:spLocks noGrp="1" noChangeArrowheads="1"/>
-            <a:extLst>
-              <a:ext uri="smNativeData">
-                <pr:smNativeData xmlns="smNativeData" xmlns:pr="smNativeData" xmlns:p15="http://schemas.microsoft.com/office/powerpoint/2012/main" xmlns:p14="http://schemas.microsoft.com/office/powerpoint/2010/main" xmlns:mc="http://schemas.openxmlformats.org/markup-compatibility/2006" val="SMDATA_16_8bPwYBMAAAAlAAAAZAAAAA0AAAAAkAAAAEgAAACQAAAASAAAAAAAAAABAAAAAAAAAAEAAABQAAAAAAAAAAAA4D8AAAAAAADgPwAAAAAAAOA/AAAAAAAA4D8AAAAAAADgPwAAAAAAAOA/AAAAAAAA4D8AAAAAAADgPwAAAAAAAOA/AAAAAAAA4D8CAAAAjAAAAAAAAAAAAAAARHLEDP///wgAAAAAAAAAAAAAAAAAAAAAAAAAAAAAAAAAAAAAZAAAAAEAAABAAAAAAAAAAAAAAAAAAAAAAAAAAAAAAAAAAAAAAAAAAAAAAAAAAAAAAAAAAAAAAAAAAAAAAAAAAAAAAAAAAAAAAAAAAAAAAAAAAAAAAAAAAAAAAAAAAAAAFAAAADwAAAAAAAAAAAAAAAAAAAkUAAAAAQAAABQAAAAUAAAAFAAAAAEAAAAAAAAAZAAAAGQAAAAAAAAAZAAAAGQAAAAVAAAAYAAAAAAAAAAAAAAADwAAACADAAAAAAAAAAAAAAEAAACgMgAAVgcAAKr4//8BAAAAf39/AAEAAABkAAAAAAAAABQAAABAHwAAAAAAACYAAAAAAAAAwOD//wAAAAAmAAAAZAAAABYAAABMAAAAAAAAAAAAAAAEAAAAAAAAAAEAAADn5uYKAAAAACgAAAAoAAAAZAAAAGQAAAAAAAAAzMzMAAAAAABQAAAAUAAAAGQAAABkAAAAAAAAABcAAAAUAAAAAAAAAAAAAAD/fwAA/38AAAAAAAAJAAAABAAAAIAAAAAeAAAAaAAAAAAAAAAAAAAAAAAAAAAAAAAAAAAAECcAABAnAAAAAAAAAAAAAAAAAAAAAAAAAAAAAAAAAAAAAAAAAAAAABQAAAAAAAAAwMD/AAAAAABkAAAAMgAAAAAAAABkAAAAAAAAAH9/fwAKAAAAIgAAABgAAAAAAAAAAAAAAAAAAAAAAAAAAAAAAAAAAAAkAAAAJAAAAAAAAAAHAAAAAAAAAAAAAAAAAAAAAAAAAAAAAAAAAAAAf39/ACUAAABYAAAAAAAAAAAAAAAAAAAAAAAAAAAAAAAAAAAAAAAAAAAAAAAAAAAAAAAAAAAAAAA/AAAAAAAAAKCGAQAAAAAAAAAAAAAAAAAMAAAAAQAAAAAAAAAAAAAAAAAAAB8AAABUAAAARHLEBf///wEAAAAAAAAAAAAAAAAAAAAAAAAAAAAAAAAAAAAAAAAAAAAAAAJ/f38A5+bmA8zMzADAwP8Af39/AAAAAAAAAAAAAAAAAAAAAAAAAAAAIQAAABgAAAAUAAAA3gMAAD8CAABiNAAAZwoAAAAAAAAmAAAACAAAAAEAAAAAAAAAMAAAABQAAAAAAAAAAAD//wAAAQAAAP//AAABAA=="/>
-              </a:ext>
-            </a:extLst>
-          </p:cNvSpPr>
-          <p:nvPr>
-            <p:ph type="title"/>
-          </p:nvPr>
-        </p:nvSpPr>
-        <p:spPr>
-          <a:xfrm>
-            <a:off x="628650" y="365125"/>
-            <a:ext cx="7886700" cy="1325880"/>
-          </a:xfrm>
-        </p:spPr>
-        <p:txBody>
-          <a:bodyPr/>
-          <a:lstStyle/>
-          <a:p>
-            <a:pPr>
-              <a:defRPr lang="en-us"/>
-            </a:pPr>
-            <a:r>
               <a:t>State spaces</a:t>
             </a:r>
           </a:p>
@@ -4873,7 +4443,7 @@
           <p:cNvSpPr txBox="1">
             <a:extLst>
               <a:ext uri="smNativeData">
-                <pr:smNativeData xmlns="smNativeData" xmlns:pr="smNativeData" xmlns:p15="http://schemas.microsoft.com/office/powerpoint/2012/main" xmlns:p14="http://schemas.microsoft.com/office/powerpoint/2010/main" xmlns:mc="http://schemas.openxmlformats.org/markup-compatibility/2006" val="SMDATA_16_8bPwYBMAAAAlAAAAEgAAAA8BAAAAkAAAAEgAAACQAAAASAAAAAAAAAAAAAAAAAAAAAEAAABQAAAAAAAAAAAA4D8AAAAAAADgPwAAAAAAAOA/AAAAAAAA4D8AAAAAAADgPwAAAAAAAOA/AAAAAAAA4D8AAAAAAADgPwAAAAAAAOA/AAAAAAAA4D8CAAAAjAAAAAAAAAAAAAAARHLEDP///wgAAAAAAAAAAAAAAAAAAAAAAAAAAAAAAAAAAAAAZAAAAAEAAABAAAAAAAAAAAAAAAAAAAAAAAAAAAAAAAAAAAAAAAAAAAAAAAAAAAAAAAAAAAAAAAAAAAAAAAAAAAAAAAAAAAAAAAAAAAAAAAAAAAAAAAAAAAAAAAAAAAAAFAAAADwAAAAAAAAAAAAAAAAAAAkUAAAAAQAAABQAAAAUAAAAFAAAAAEAAAAAAAAAZAAAAGQAAAAAAAAAZAAAAGQAAAAVAAAAYAAAAAAAAAAAAAAADwAAACADAAAAAAAAAAAAAAEAAACgMgAAVgcAAKr4//8BAAAAf39/AAEAAABkAAAAAAAAABQAAABAHwAAAAAAACYAAAAAAAAAwOD//wAAAAAmAAAAZAAAABYAAABMAAAAAAAAAAAAAAAEAAAAAAAAAAEAAADn5uYKAAAAACgAAAAoAAAAZAAAAGQAAAAAAAAAzMzMAAAAAABQAAAAUAAAAGQAAABkAAAAAAAAABcAAAAUAAAAAAAAAAAAAAD/fwAA/38AAAAAAAAJAAAABAAAAAAAAAAeAAAAaAAAAAAAAAAAAAAAAAAAAAAAAAAAAAAAECcAABAnAAAAAAAAAAAAAAAAAAAAAAAAAAAAAAAAAAAAAAAAAAAAABQAAAAAAAAAwMD/AAAAAABkAAAAMgAAAAAAAABkAAAAAAAAAH9/fwAKAAAAIgAAABgAAAAAAAAAAAAAAAAAAAAAAAAAAAAAAAAAAAAkAAAAJAAAAAAAAAAHAAAAAAAAAAAAAAAAAAAAAAAAAAAAAAAAAAAAf39/ACUAAABYAAAAAAAAAAAAAAAAAAAAAAAAAAAAAAAAAAAAAAAAAAAAAAAAAAAAAAAAAAAAAAA/AAAAAAAAAKCGAQAAAAAAAAAAAAAAAAAMAAAAAQAAAAAAAAAAAAAAAAAAAB8AAABUAAAARHLEBf///wEAAAAAAAAAAAAAAAAAAAAAAAAAAAAAAAAAAAAAAAAAAAAAAAJ/f38A5+bmA8zMzADAwP8Af39/AAAAAAAAAAAAAAAAAAAAAAAAAAAAIQAAABgAAAAUAAAAbQgAAM8jAAD4MAAAWicAAAAAAAAmAAAACAAAAP//////////MAAAABQAAAAAAAAAAAD//wAAAQAAAP//AAABAA=="/>
+                <pr:smNativeData xmlns:mc="http://schemas.openxmlformats.org/markup-compatibility/2006" xmlns:p14="http://schemas.microsoft.com/office/powerpoint/2010/main" xmlns:p15="http://schemas.microsoft.com/office/powerpoint/2012/main" xmlns:pr="smNativeData" xmlns="smNativeData" val="SMDATA_16_8bPwYBMAAAAlAAAAEgAAAA8BAAAAkAAAAEgAAACQAAAASAAAAAAAAAAAAAAAAAAAAAEAAABQAAAAAAAAAAAA4D8AAAAAAADgPwAAAAAAAOA/AAAAAAAA4D8AAAAAAADgPwAAAAAAAOA/AAAAAAAA4D8AAAAAAADgPwAAAAAAAOA/AAAAAAAA4D8CAAAAjAAAAAAAAAAAAAAARHLEDP///wgAAAAAAAAAAAAAAAAAAAAAAAAAAAAAAAAAAAAAZAAAAAEAAABAAAAAAAAAAAAAAAAAAAAAAAAAAAAAAAAAAAAAAAAAAAAAAAAAAAAAAAAAAAAAAAAAAAAAAAAAAAAAAAAAAAAAAAAAAAAAAAAAAAAAAAAAAAAAAAAAAAAAFAAAADwAAAAAAAAAAAAAAAAAAAkUAAAAAQAAABQAAAAUAAAAFAAAAAEAAAAAAAAAZAAAAGQAAAAAAAAAZAAAAGQAAAAVAAAAYAAAAAAAAAAAAAAADwAAACADAAAAAAAAAAAAAAEAAACgMgAAVgcAAKr4//8BAAAAf39/AAEAAABkAAAAAAAAABQAAABAHwAAAAAAACYAAAAAAAAAwOD//wAAAAAmAAAAZAAAABYAAABMAAAAAAAAAAAAAAAEAAAAAAAAAAEAAADn5uYKAAAAACgAAAAoAAAAZAAAAGQAAAAAAAAAzMzMAAAAAABQAAAAUAAAAGQAAABkAAAAAAAAABcAAAAUAAAAAAAAAAAAAAD/fwAA/38AAAAAAAAJAAAABAAAAAAAAAAeAAAAaAAAAAAAAAAAAAAAAAAAAAAAAAAAAAAAECcAABAnAAAAAAAAAAAAAAAAAAAAAAAAAAAAAAAAAAAAAAAAAAAAABQAAAAAAAAAwMD/AAAAAABkAAAAMgAAAAAAAABkAAAAAAAAAH9/fwAKAAAAIgAAABgAAAAAAAAAAAAAAAAAAAAAAAAAAAAAAAAAAAAkAAAAJAAAAAAAAAAHAAAAAAAAAAAAAAAAAAAAAAAAAAAAAAAAAAAAf39/ACUAAABYAAAAAAAAAAAAAAAAAAAAAAAAAAAAAAAAAAAAAAAAAAAAAAAAAAAAAAAAAAAAAAA/AAAAAAAAAKCGAQAAAAAAAAAAAAAAAAAMAAAAAQAAAAAAAAAAAAAAAAAAAB8AAABUAAAARHLEBf///wEAAAAAAAAAAAAAAAAAAAAAAAAAAAAAAAAAAAAAAAAAAAAAAAJ/f38A5+bmA8zMzADAwP8Af39/AAAAAAAAAAAAAAAAAAAAAAAAAAAAIQAAABgAAAAUAAAAbQgAAM8jAAD4MAAAWicAAAAAAAAmAAAACAAAAP//////////MAAAABQAAAAAAAAAAAD//wAAAQAAAP//AAABAA=="/>
               </a:ext>
             </a:extLst>
           </p:cNvSpPr>
@@ -4980,7 +4550,7 @@
           <p:cNvSpPr txBox="1">
             <a:extLst>
               <a:ext uri="smNativeData">
-                <pr:smNativeData xmlns="smNativeData" xmlns:pr="smNativeData" xmlns:p15="http://schemas.microsoft.com/office/powerpoint/2012/main" xmlns:p14="http://schemas.microsoft.com/office/powerpoint/2010/main" xmlns:mc="http://schemas.openxmlformats.org/markup-compatibility/2006" val="SMDATA_16_8bPwYBMAAAAlAAAAEgAAAA8BAAAAkAAAAEgAAACQAAAASAAAAAAAAAAAAAAAAAAAAAEAAABQAAAAAAAAAAAA4D8AAAAAAADgPwAAAAAAAOA/AAAAAAAA4D8AAAAAAADgPwAAAAAAAOA/AAAAAAAA4D8AAAAAAADgPwAAAAAAAOA/AAAAAAAA4D8CAAAAjAAAAAAAAAAAAAAARHLEDP///wgAAAAAAAAAAAAAAAAAAAAAAAAAAAAAAAAAAAAAZAAAAAEAAABAAAAAAAAAAAAAAAAAAAAAAAAAAAAAAAAAAAAAAAAAAAAAAAAAAAAAAAAAAAAAAAAAAAAAAAAAAAAAAAAAAAAAAAAAAAAAAAAAAAAAAAAAAAAAAAAAAAAAFAAAADwAAAAAAAAAAAAAAAAAAAkUAAAAAQAAABQAAAAUAAAAFAAAAAEAAAAAAAAAZAAAAGQAAAAAAAAAZAAAAGQAAAAVAAAAYAAAAAAAAAAAAAAADwAAACADAAAAAAAAAAAAAAEAAACgMgAAVgcAAKr4//8BAAAAf39/AAEAAABkAAAAAAAAABQAAABAHwAAAAAAACYAAAAAAAAAwOD//wAAAAAmAAAAZAAAABYAAABMAAAAAAAAAAAAAAAEAAAAAAAAAAEAAADn5uYKAAAAACgAAAAoAAAAZAAAAGQAAAAAAAAAzMzMAAAAAABQAAAAUAAAAGQAAABkAAAAAAAAABcAAAAUAAAAAAAAAAAAAAD/fwAA/38AAAAAAAAJAAAABAAAAOUAAAAeAAAAaAAAAAAAAAAAAAAAAAAAAAAAAAAAAAAAECcAABAnAAAAAAAAAAAAAAAAAAAAAAAAAAAAAAAAAAAAAAAAAAAAABQAAAAAAAAAwMD/AAAAAABkAAAAMgAAAAAAAABkAAAAAAAAAH9/fwAKAAAAIgAAABgAAAAAAAAAAAAAAAAAAAAAAAAAAAAAAAAAAAAkAAAAJAAAAAAAAAAHAAAAAAAAAAAAAAAAAAAAAAAAAAAAAAAAAAAAf39/ACUAAABYAAAAAAAAAAAAAAAAAAAAAAAAAAAAAAAAAAAAAAAAAAAAAAAAAAAAAAAAAAAAAAA/AAAAAAAAAKCGAQAAAAAAAAAAAAAAAAAMAAAAAQAAAAAAAAAAAAAAAAAAAB8AAABUAAAARHLEBf///wEAAAAAAAAAAAAAAAAAAAAAAAAAAAAAAAAAAAAAAAAAAAAAAAJ/f38A5+bmA8zMzADAwP8Af39/AAAAAAAAAAAAAAAAAAAAAAAAAAAAIQAAABgAAAAUAAAAmQQAANsNAABiNAAAzRAAAAAAAAAmAAAACAAAAP//////////MAAAABQAAAAAAAAAAAD//wAAAQAAAP//AAABAA=="/>
+                <pr:smNativeData xmlns:mc="http://schemas.openxmlformats.org/markup-compatibility/2006" xmlns:p14="http://schemas.microsoft.com/office/powerpoint/2010/main" xmlns:p15="http://schemas.microsoft.com/office/powerpoint/2012/main" xmlns:pr="smNativeData" xmlns="smNativeData" val="SMDATA_16_8bPwYBMAAAAlAAAAEgAAAA8BAAAAkAAAAEgAAACQAAAASAAAAAAAAAAAAAAAAAAAAAEAAABQAAAAAAAAAAAA4D8AAAAAAADgPwAAAAAAAOA/AAAAAAAA4D8AAAAAAADgPwAAAAAAAOA/AAAAAAAA4D8AAAAAAADgPwAAAAAAAOA/AAAAAAAA4D8CAAAAjAAAAAAAAAAAAAAARHLEDP///wgAAAAAAAAAAAAAAAAAAAAAAAAAAAAAAAAAAAAAZAAAAAEAAABAAAAAAAAAAAAAAAAAAAAAAAAAAAAAAAAAAAAAAAAAAAAAAAAAAAAAAAAAAAAAAAAAAAAAAAAAAAAAAAAAAAAAAAAAAAAAAAAAAAAAAAAAAAAAAAAAAAAAFAAAADwAAAAAAAAAAAAAAAAAAAkUAAAAAQAAABQAAAAUAAAAFAAAAAEAAAAAAAAAZAAAAGQAAAAAAAAAZAAAAGQAAAAVAAAAYAAAAAAAAAAAAAAADwAAACADAAAAAAAAAAAAAAEAAACgMgAAVgcAAKr4//8BAAAAf39/AAEAAABkAAAAAAAAABQAAABAHwAAAAAAACYAAAAAAAAAwOD//wAAAAAmAAAAZAAAABYAAABMAAAAAAAAAAAAAAAEAAAAAAAAAAEAAADn5uYKAAAAACgAAAAoAAAAZAAAAGQAAAAAAAAAzMzMAAAAAABQAAAAUAAAAGQAAABkAAAAAAAAABcAAAAUAAAAAAAAAAAAAAD/fwAA/38AAAAAAAAJAAAABAAAAOUAAAAeAAAAaAAAAAAAAAAAAAAAAAAAAAAAAAAAAAAAECcAABAnAAAAAAAAAAAAAAAAAAAAAAAAAAAAAAAAAAAAAAAAAAAAABQAAAAAAAAAwMD/AAAAAABkAAAAMgAAAAAAAABkAAAAAAAAAH9/fwAKAAAAIgAAABgAAAAAAAAAAAAAAAAAAAAAAAAAAAAAAAAAAAAkAAAAJAAAAAAAAAAHAAAAAAAAAAAAAAAAAAAAAAAAAAAAAAAAAAAAf39/ACUAAABYAAAAAAAAAAAAAAAAAAAAAAAAAAAAAAAAAAAAAAAAAAAAAAAAAAAAAAAAAAAAAAA/AAAAAAAAAKCGAQAAAAAAAAAAAAAAAAAMAAAAAQAAAAAAAAAAAAAAAAAAAB8AAABUAAAARHLEBf///wEAAAAAAAAAAAAAAAAAAAAAAAAAAAAAAAAAAAAAAAAAAAAAAAJ/f38A5+bmA8zMzADAwP8Af39/AAAAAAAAAAAAAAAAAAAAAAAAAAAAIQAAABgAAAAUAAAAmQQAANsNAABiNAAAzRAAAAAAAAAmAAAACAAAAP//////////MAAAABQAAAAAAAAAAAD//wAAAQAAAP//AAABAA=="/>
               </a:ext>
             </a:extLst>
           </p:cNvSpPr>
@@ -5029,7 +4599,7 @@
           <p:cNvSpPr txBox="1">
             <a:extLst>
               <a:ext uri="smNativeData">
-                <pr:smNativeData xmlns="smNativeData" xmlns:pr="smNativeData" xmlns:p15="http://schemas.microsoft.com/office/powerpoint/2012/main" xmlns:p14="http://schemas.microsoft.com/office/powerpoint/2010/main" xmlns:mc="http://schemas.openxmlformats.org/markup-compatibility/2006" val="SMDATA_16_8bPwYBMAAAAlAAAAEgAAAE8BAAAAkAAAAEgAAACQAAAASAAAAAAAAAAAAAAAAAAAAAEAAABQAAAAAAAAAAAA4D8AAAAAAADgPwAAAAAAAOA/AAAAAAAA4D8AAAAAAADgPwAAAAAAAOA/AAAAAAAA4D8AAAAAAADgPwAAAAAAAOA/AAAAAAAA4D8CAAAAjAAAAAAAAAAAAAAARHLEDP///wgAAAAAAAAAAAAAAAAAAAAAAAAAAAAAAAAAAAAAZAAAAAEAAABAAAAAAAAAAAAAAAAAAAAAAAAAAAAAAAAAAAAAAAAAAAAAAAAAAAAAAAAAAAAAAAAAAAAAAAAAAAAAAAAAAAAAAAAAAAAAAAAAAAAAAAAAAAAAAAAAAAAAFAAAADwAAAAAAAAAAAAAAAAAAAkUAAAAAQAAABQAAAAUAAAAFAAAAAEAAAAAAAAAZAAAAGQAAAAAAAAAZAAAAGQAAAAVAAAAYAAAAAAAAAAAAAAADwAAACADAAAAAAAAAAAAAAEAAACgMgAAVgcAAKr4//8BAAAAf39/AAEAAABkAAAAAAAAABQAAABAHwAAAAAAACYAAAAAAAAAwOD//wAAAAAmAAAAZAAAABYAAABMAAAAAAAAAAAAAAAEAAAAAAAAAAEAAADn5uYKAAAAACgAAAAoAAAAZAAAAGQAAAAAAAAAzMzMAAAAAABQAAAAUAAAAGQAAABkAAAAAAAAABcAAAAUAAAAAAAAANwIAAD/fwAA/38AAAAAAAAJAAAABAAAAP////8eAAAAaAAAAAAAAAAAAAAAAAAAAAAAAAAAAAAAECcAABAnAAAAAAAAAAAAAAAAAAAAAAAAAAAAAAAAAAAAAAAAAAAAABQAAAAAAAAAwMD/AAAAAABkAAAAMgAAAAAAAABkAAAAAAAAAH9/fwAKAAAAIgAAABgAAAAAAAAAAAAAAAAAAAAAAAAAAAAAAAAAAAAkAAAAJAAAAAAAAAAHAAAAAAAAAAAAAAAAAAAAAAAAAAAAAAAAAAAAf39/ACUAAABYAAAAAAAAAAAAAAAAAAAAAAAAAAAAAAAAAAAAAAAAAAAAAAAAAAAAAAAAAAAAAAA/AAAAAAAAAKCGAQAAAAAAAAAAAAAAAAAMAAAAAQAAAAAAAAAAAAAAAAAAAB8AAABUAAAARHLEBf///wEAAAAAAAAAAAAAAAAAAAAAAAAAAAAAAAAAAAAAAAAAAAAAAAJ/f38A5+bmA8zMzADAwP8Af39/AAAAAAAAAAAAAAAAAAAAAAAAAAAAIQAAABgAAAAUAAAA9ywAAP8XAADTNQAA3xkAAAAgAAAmAAAACAAAAP//////////MAAAABQAAAAAAAAAAAD//wAAAQAAAP//AAABAA=="/>
+                <pr:smNativeData xmlns:mc="http://schemas.openxmlformats.org/markup-compatibility/2006" xmlns:p14="http://schemas.microsoft.com/office/powerpoint/2010/main" xmlns:p15="http://schemas.microsoft.com/office/powerpoint/2012/main" xmlns:pr="smNativeData" xmlns="smNativeData" val="SMDATA_16_8bPwYBMAAAAlAAAAEgAAAE8BAAAAkAAAAEgAAACQAAAASAAAAAAAAAAAAAAAAAAAAAEAAABQAAAAAAAAAAAA4D8AAAAAAADgPwAAAAAAAOA/AAAAAAAA4D8AAAAAAADgPwAAAAAAAOA/AAAAAAAA4D8AAAAAAADgPwAAAAAAAOA/AAAAAAAA4D8CAAAAjAAAAAAAAAAAAAAARHLEDP///wgAAAAAAAAAAAAAAAAAAAAAAAAAAAAAAAAAAAAAZAAAAAEAAABAAAAAAAAAAAAAAAAAAAAAAAAAAAAAAAAAAAAAAAAAAAAAAAAAAAAAAAAAAAAAAAAAAAAAAAAAAAAAAAAAAAAAAAAAAAAAAAAAAAAAAAAAAAAAAAAAAAAAFAAAADwAAAAAAAAAAAAAAAAAAAkUAAAAAQAAABQAAAAUAAAAFAAAAAEAAAAAAAAAZAAAAGQAAAAAAAAAZAAAAGQAAAAVAAAAYAAAAAAAAAAAAAAADwAAACADAAAAAAAAAAAAAAEAAACgMgAAVgcAAKr4//8BAAAAf39/AAEAAABkAAAAAAAAABQAAABAHwAAAAAAACYAAAAAAAAAwOD//wAAAAAmAAAAZAAAABYAAABMAAAAAAAAAAAAAAAEAAAAAAAAAAEAAADn5uYKAAAAACgAAAAoAAAAZAAAAGQAAAAAAAAAzMzMAAAAAABQAAAAUAAAAGQAAABkAAAAAAAAABcAAAAUAAAAAAAAANwIAAD/fwAA/38AAAAAAAAJAAAABAAAAP////8eAAAAaAAAAAAAAAAAAAAAAAAAAAAAAAAAAAAAECcAABAnAAAAAAAAAAAAAAAAAAAAAAAAAAAAAAAAAAAAAAAAAAAAABQAAAAAAAAAwMD/AAAAAABkAAAAMgAAAAAAAABkAAAAAAAAAH9/fwAKAAAAIgAAABgAAAAAAAAAAAAAAAAAAAAAAAAAAAAAAAAAAAAkAAAAJAAAAAAAAAAHAAAAAAAAAAAAAAAAAAAAAAAAAAAAAAAAAAAAf39/ACUAAABYAAAAAAAAAAAAAAAAAAAAAAAAAAAAAAAAAAAAAAAAAAAAAAAAAAAAAAAAAAAAAAA/AAAAAAAAAKCGAQAAAAAAAAAAAAAAAAAMAAAAAQAAAAAAAAAAAAAAAAAAAB8AAABUAAAARHLEBf///wEAAAAAAAAAAAAAAAAAAAAAAAAAAAAAAAAAAAAAAAAAAAAAAAJ/f38A5+bmA8zMzADAwP8Af39/AAAAAAAAAAAAAAAAAAAAAAAAAAAAIQAAABgAAAAUAAAA9ywAAP8XAADTNQAA3xkAAAAgAAAmAAAACAAAAP//////////MAAAABQAAAAAAAAAAAD//wAAAQAAAP//AAABAA=="/>
               </a:ext>
             </a:extLst>
           </p:cNvSpPr>
@@ -5076,7 +4646,7 @@
           <p:cNvSpPr txBox="1">
             <a:extLst>
               <a:ext uri="smNativeData">
-                <pr:smNativeData xmlns="smNativeData" xmlns:pr="smNativeData" xmlns:p15="http://schemas.microsoft.com/office/powerpoint/2012/main" xmlns:p14="http://schemas.microsoft.com/office/powerpoint/2010/main" xmlns:mc="http://schemas.openxmlformats.org/markup-compatibility/2006" val="SMDATA_16_8bPwYBMAAAAlAAAAEgAAAE8BAAAAkAAAAEgAAACQAAAASAAAAAAAAAAAAAAAAAAAAAEAAABQAAAAAAAAAAAA4D8AAAAAAADgPwAAAAAAAOA/AAAAAAAA4D8AAAAAAADgPwAAAAAAAOA/AAAAAAAA4D8AAAAAAADgPwAAAAAAAOA/AAAAAAAA4D8CAAAAjAAAAAAAAAAAAAAARHLEDP///wgAAAAAAAAAAAAAAAAAAAAAAAAAAAAAAAAAAAAAZAAAAAEAAABAAAAAAAAAAAAAAAAAAAAAAAAAAAAAAAAAAAAAAAAAAAAAAAAAAAAAAAAAAAAAAAAAAAAAAAAAAAAAAAAAAAAAAAAAAAAAAAAAAAAAAAAAAAAAAAAAAAAAFAAAADwAAAAAAAAAAAAAAAAAAAkUAAAAAQAAABQAAAAUAAAAFAAAAAEAAAAAAAAAZAAAAGQAAAAAAAAAZAAAAGQAAAAVAAAAYAAAAAAAAAAAAAAADwAAACADAAAAAAAAAAAAAAEAAACgMgAAVgcAAKr4//8BAAAAf39/AAEAAABkAAAAAAAAABQAAABAHwAAAAAAACYAAAAAAAAAwOD//wAAAAAmAAAAZAAAABYAAABMAAAAAAAAAAAAAAAEAAAAAAAAAAEAAADn5uYKAAAAACgAAAAoAAAAZAAAAGQAAAAAAAAAzMzMAAAAAABQAAAAUAAAAGQAAABkAAAAAAAAABcAAAAUAAAAAAAAANwIAAD/fwAA/38AAAAAAAAJAAAABAAAAP////8eAAAAaAAAAAAAAAAAAAAAAAAAAAAAAAAAAAAAECcAABAnAAAAAAAAAAAAAAAAAAAAAAAAAAAAAAAAAAAAAAAAAAAAABQAAAAAAAAAwMD/AAAAAABkAAAAMgAAAAAAAABkAAAAAAAAAH9/fwAKAAAAIgAAABgAAAAAAAAAAAAAAAAAAAAAAAAAAAAAAAAAAAAkAAAAJAAAAAAAAAAHAAAAAAAAAAAAAAAAAAAAAAAAAAAAAAAAAAAAf39/ACUAAABYAAAAAAAAAAAAAAAAAAAAAAAAAAAAAAAAAAAAAAAAAAAAAAAAAAAAAAAAAAAAAAA/AAAAAAAAAKCGAQAAAAAAAAAAAAAAAAAMAAAAAQAAAAAAAAAAAAAAAAAAAB8AAABUAAAARHLEBf///wEAAAAAAAAAAAAAAAAAAAAAAAAAAAAAAAAAAAAAAAAAAAAAAAJ/f38A5+bmA8zMzADAwP8Af39/AAAAAAAAAAAAAAAAAAAAAAAAAAAAIQAAABgAAAAUAAAA9ywAAEIcAADTNQAAIh4AAAAgAAAmAAAACAAAAP//////////MAAAABQAAAAAAAAAAAD//wAAAQAAAP//AAABAA=="/>
+                <pr:smNativeData xmlns:mc="http://schemas.openxmlformats.org/markup-compatibility/2006" xmlns:p14="http://schemas.microsoft.com/office/powerpoint/2010/main" xmlns:p15="http://schemas.microsoft.com/office/powerpoint/2012/main" xmlns:pr="smNativeData" xmlns="smNativeData" val="SMDATA_16_8bPwYBMAAAAlAAAAEgAAAE8BAAAAkAAAAEgAAACQAAAASAAAAAAAAAAAAAAAAAAAAAEAAABQAAAAAAAAAAAA4D8AAAAAAADgPwAAAAAAAOA/AAAAAAAA4D8AAAAAAADgPwAAAAAAAOA/AAAAAAAA4D8AAAAAAADgPwAAAAAAAOA/AAAAAAAA4D8CAAAAjAAAAAAAAAAAAAAARHLEDP///wgAAAAAAAAAAAAAAAAAAAAAAAAAAAAAAAAAAAAAZAAAAAEAAABAAAAAAAAAAAAAAAAAAAAAAAAAAAAAAAAAAAAAAAAAAAAAAAAAAAAAAAAAAAAAAAAAAAAAAAAAAAAAAAAAAAAAAAAAAAAAAAAAAAAAAAAAAAAAAAAAAAAAFAAAADwAAAAAAAAAAAAAAAAAAAkUAAAAAQAAABQAAAAUAAAAFAAAAAEAAAAAAAAAZAAAAGQAAAAAAAAAZAAAAGQAAAAVAAAAYAAAAAAAAAAAAAAADwAAACADAAAAAAAAAAAAAAEAAACgMgAAVgcAAKr4//8BAAAAf39/AAEAAABkAAAAAAAAABQAAABAHwAAAAAAACYAAAAAAAAAwOD//wAAAAAmAAAAZAAAABYAAABMAAAAAAAAAAAAAAAEAAAAAAAAAAEAAADn5uYKAAAAACgAAAAoAAAAZAAAAGQAAAAAAAAAzMzMAAAAAABQAAAAUAAAAGQAAABkAAAAAAAAABcAAAAUAAAAAAAAANwIAAD/fwAA/38AAAAAAAAJAAAABAAAAP////8eAAAAaAAAAAAAAAAAAAAAAAAAAAAAAAAAAAAAECcAABAnAAAAAAAAAAAAAAAAAAAAAAAAAAAAAAAAAAAAAAAAAAAAABQAAAAAAAAAwMD/AAAAAABkAAAAMgAAAAAAAABkAAAAAAAAAH9/fwAKAAAAIgAAABgAAAAAAAAAAAAAAAAAAAAAAAAAAAAAAAAAAAAkAAAAJAAAAAAAAAAHAAAAAAAAAAAAAAAAAAAAAAAAAAAAAAAAAAAAf39/ACUAAABYAAAAAAAAAAAAAAAAAAAAAAAAAAAAAAAAAAAAAAAAAAAAAAAAAAAAAAAAAAAAAAA/AAAAAAAAAKCGAQAAAAAAAAAAAAAAAAAMAAAAAQAAAAAAAAAAAAAAAAAAAB8AAABUAAAARHLEBf///wEAAAAAAAAAAAAAAAAAAAAAAAAAAAAAAAAAAAAAAAAAAAAAAAJ/f38A5+bmA8zMzADAwP8Af39/AAAAAAAAAAAAAAAAAAAAAAAAAAAAIQAAABgAAAAUAAAA9ywAAEIcAADTNQAAIh4AAAAgAAAmAAAACAAAAP//////////MAAAABQAAAAAAAAAAAD//wAAAQAAAP//AAABAA=="/>
               </a:ext>
             </a:extLst>
           </p:cNvSpPr>
@@ -5116,7 +4686,7 @@
             <a:picLocks noChangeAspect="1"/>
             <a:extLst>
               <a:ext uri="smNativeData">
-                <pr:smNativeData xmlns="smNativeData" xmlns:pr="smNativeData" xmlns:p15="http://schemas.microsoft.com/office/powerpoint/2012/main" xmlns:p14="http://schemas.microsoft.com/office/powerpoint/2010/main" xmlns:mc="http://schemas.openxmlformats.org/markup-compatibility/2006" val="SMDATA_18_8bPwYBMAAAAlAAAAEQAAAC8BAAAAkAAAAEgAAACQAAAASAAAAAAAAAAAAAAAAAAAAAEAAABQAAAAAAAAAAAA4D8AAAAAAADgPwAAAAAAAOA/AAAAAAAA4D8AAAAAAADgPwAAAAAAAOA/AAAAAAAA4D8AAAAAAADgPwAAAAAAAOA/AAAAAAAA4D8CAAAAjAAAAAAAAAAAAAAARHLEDP///wgAAAAAAAAAAAAAAAAAAAAAAAAAAAAAAAAAAAAAZAAAAAEAAABAAAAAAAAAAAAAAAAAAAAAAAAAAAAAAAAAAAAAAAAAAAAAAAAAAAAAAAAAAAAAAAAAAAAAAAAAAAAAAAAAAAAAAAAAAAAAAAAAAAAAAAAAAAAAAAAAAAAAFAAAADwAAAAAAAAAAAAAAAAAAAkUAAAAAQAAABQAAAAUAAAAFAAAAAEAAAAAAAAAZAAAAGQAAAAAAAAAZAAAAGQAAAAVAAAAYAAAAAAAAAAAAAAADwAAACADAAAAAAAAAAAAAAEAAACgMgAAVgcAAKr4//8BAAAAf39/AAEAAABkAAAAAAAAABQAAABAHwAAAAAAACYAAAAAAAAAwOD//wAAAAAmAAAAZAAAABYAAABMAAAAAAAAAAAAAAAEAAAAAAAAAAEAAADn5uYKAAAAACgAAAAoAAAAZAAAAGQAAAAAAAAAzMzMAAAAAABQAAAAUAAAAGQAAABkAAAAAAAAAAcAAAA4AAAAAAAAAAAAAAAAAAAA////AAAAAAAAAAAAAAAAAAAAAAAAAAAAAAAAAAAAAABkAAAAZAAAAAAAAAAjAAAABAAAAGQAAAAXAAAAFAAAAAAAAAAAAAAA/38AAP9/AAAAAAAACQAAAAQAAAAAAAAAHgAAAGgAAAAAAAAAAAAAAAAAAAAAAAAAAAAAABAnAAAQJwAAAAAAAAAAAAAAAAAAAAAAAAAAAAAAAAAAAAAAAAAAAAAUAAAAAAAAAMDA/wAAAAAAZAAAADIAAAAAAAAAZAAAAAAAAAB/f38ACgAAACIAAAAYAAAAAAAAAAAAAAAAAAAAAAAAAAAAAAAAAAAAJAAAACQAAAAAAAAABwAAAAAAAAAAAAAAAAAAAAAAAAAAAAAAAAAAAH9/fwAlAAAAWAAAAAAAAAAAAAAAAAAAAAAAAAAAAAAAAAAAAAAAAAAAAAAAAAAAAAAAAAAAAAAAPwAAAAAAAACghgEAAAAAAAAAAAAAAAAADAAAAAEAAAAAAAAAAAAAAAAAAAAfAAAAVAAAAERyxAX///8BAAAAAAAAAAAAAAAAAAAAAAAAAAAAAAAAAAAAAAAAAAAAAAACf39/AOfm5gPMzMwAwMD/AH9/fwAAAAAAAAAAAAAAAAD///8AAAAAACEAAAAYAAAAFAAAAKYAAAC4FAAAwC0AABYiAAAAAAAAJgAAAAgAAAD//////////zAAAAAUAAAAAAAAAAAA//8AAAEAAAD//wAAAQA="/>
+                <pr:smNativeData xmlns:mc="http://schemas.openxmlformats.org/markup-compatibility/2006" xmlns:p14="http://schemas.microsoft.com/office/powerpoint/2010/main" xmlns:p15="http://schemas.microsoft.com/office/powerpoint/2012/main" xmlns:pr="smNativeData" xmlns="smNativeData" val="SMDATA_18_8bPwYBMAAAAlAAAAEQAAAC8BAAAAkAAAAEgAAACQAAAASAAAAAAAAAAAAAAAAAAAAAEAAABQAAAAAAAAAAAA4D8AAAAAAADgPwAAAAAAAOA/AAAAAAAA4D8AAAAAAADgPwAAAAAAAOA/AAAAAAAA4D8AAAAAAADgPwAAAAAAAOA/AAAAAAAA4D8CAAAAjAAAAAAAAAAAAAAARHLEDP///wgAAAAAAAAAAAAAAAAAAAAAAAAAAAAAAAAAAAAAZAAAAAEAAABAAAAAAAAAAAAAAAAAAAAAAAAAAAAAAAAAAAAAAAAAAAAAAAAAAAAAAAAAAAAAAAAAAAAAAAAAAAAAAAAAAAAAAAAAAAAAAAAAAAAAAAAAAAAAAAAAAAAAFAAAADwAAAAAAAAAAAAAAAAAAAkUAAAAAQAAABQAAAAUAAAAFAAAAAEAAAAAAAAAZAAAAGQAAAAAAAAAZAAAAGQAAAAVAAAAYAAAAAAAAAAAAAAADwAAACADAAAAAAAAAAAAAAEAAACgMgAAVgcAAKr4//8BAAAAf39/AAEAAABkAAAAAAAAABQAAABAHwAAAAAAACYAAAAAAAAAwOD//wAAAAAmAAAAZAAAABYAAABMAAAAAAAAAAAAAAAEAAAAAAAAAAEAAADn5uYKAAAAACgAAAAoAAAAZAAAAGQAAAAAAAAAzMzMAAAAAABQAAAAUAAAAGQAAABkAAAAAAAAAAcAAAA4AAAAAAAAAAAAAAAAAAAA////AAAAAAAAAAAAAAAAAAAAAAAAAAAAAAAAAAAAAABkAAAAZAAAAAAAAAAjAAAABAAAAGQAAAAXAAAAFAAAAAAAAAAAAAAA/38AAP9/AAAAAAAACQAAAAQAAAAAAAAAHgAAAGgAAAAAAAAAAAAAAAAAAAAAAAAAAAAAABAnAAAQJwAAAAAAAAAAAAAAAAAAAAAAAAAAAAAAAAAAAAAAAAAAAAAUAAAAAAAAAMDA/wAAAAAAZAAAADIAAAAAAAAAZAAAAAAAAAB/f38ACgAAACIAAAAYAAAAAAAAAAAAAAAAAAAAAAAAAAAAAAAAAAAAJAAAACQAAAAAAAAABwAAAAAAAAAAAAAAAAAAAAAAAAAAAAAAAAAAAH9/fwAlAAAAWAAAAAAAAAAAAAAAAAAAAAAAAAAAAAAAAAAAAAAAAAAAAAAAAAAAAAAAAAAAAAAAPwAAAAAAAACghgEAAAAAAAAAAAAAAAAADAAAAAEAAAAAAAAAAAAAAAAAAAAfAAAAVAAAAERyxAX///8BAAAAAAAAAAAAAAAAAAAAAAAAAAAAAAAAAAAAAAAAAAAAAAACf39/AOfm5gPMzMwAwMD/AH9/fwAAAAAAAAAAAAAAAAD///8AAAAAACEAAAAYAAAAFAAAAKYAAAC4FAAAwC0AABYiAAAAAAAAJgAAAAgAAAD//////////zAAAAAUAAAAAAAAAAAA//8AAAEAAAD//wAAAQA="/>
               </a:ext>
             </a:extLst>
           </p:cNvPicPr>
@@ -5151,7 +4721,7 @@
 </p:sld>
 </file>
 
-<file path=ppt/slides/slide13.xml><?xml version="1.0" encoding="utf-8"?>
+<file path=ppt/slides/slide11.xml><?xml version="1.0" encoding="utf-8"?>
 <p:sld xmlns:a="http://schemas.openxmlformats.org/drawingml/2006/main" xmlns:r="http://schemas.openxmlformats.org/officeDocument/2006/relationships" xmlns:p="http://schemas.openxmlformats.org/presentationml/2006/main">
   <p:cSld>
     <p:spTree>
@@ -5175,7 +4745,7 @@
             <a:spLocks noGrp="1" noChangeArrowheads="1"/>
             <a:extLst>
               <a:ext uri="smNativeData">
-                <pr:smNativeData xmlns="smNativeData" xmlns:pr="smNativeData" xmlns:p15="http://schemas.microsoft.com/office/powerpoint/2012/main" xmlns:p14="http://schemas.microsoft.com/office/powerpoint/2010/main" xmlns:mc="http://schemas.openxmlformats.org/markup-compatibility/2006" val="SMDATA_16_8bPwYBMAAAAlAAAAZAAAAA8BAAAAkAAAAEgAAACQAAAASAAAAAAAAAABAAAAAAAAAAEAAABQAAAAAAAAAAAA4D8AAAAAAADgPwAAAAAAAOA/AAAAAAAA4D8AAAAAAADgPwAAAAAAAOA/AAAAAAAA4D8AAAAAAADgPwAAAAAAAOA/AAAAAAAA4D8CAAAAjAAAAAAAAAAAAAAARHLEDP///wgAAAAAAAAAAAAAAAAAAAAAAAAAAAAAAAAAAAAAZAAAAAEAAABAAAAAAAAAAAAAAAAAAAAAAAAAAAAAAAAAAAAAAAAAAAAAAAAAAAAAAAAAAAAAAAAAAAAAAAAAAAAAAAAAAAAAAAAAAAAAAAAAAAAAAAAAAAAAAAAAAAAAFAAAADwAAAAAAAAAAAAAAAAAAAkUAAAAAQAAABQAAAAUAAAAFAAAAAEAAAAAAAAAZAAAAGQAAAAAAAAAZAAAAGQAAAAVAAAAYAAAAAAAAAAAAAAADwAAACADAAAAAAAAAAAAAAEAAACgMgAAVgcAAKr4//8BAAAAf39/AAEAAABkAAAAAAAAABQAAABAHwAAAAAAACYAAAAAAAAAwOD//wAAAAAmAAAAZAAAABYAAABMAAAAAAAAAAAAAAAEAAAAAAAAAAEAAADn5uYKAAAAACgAAAAoAAAAZAAAAGQAAAAAAAAAzMzMAAAAAABQAAAAUAAAAGQAAABkAAAAAAAAABcAAAAUAAAAAAAAAAAAAAD/fwAA/38AAAAAAAAJAAAABAAAAP////8eAAAAaAAAAAAAAAAAAAAAAAAAAAAAAAAAAAAAECcAABAnAAAAAAAAAAAAAAAAAAAAAAAAAAAAAAAAAAAAAAAAAAAAABQAAAAAAAAAwMD/AAAAAABkAAAAMgAAAAAAAABkAAAAAAAAAH9/fwAKAAAAIgAAABgAAAAAAAAAAAAAAAAAAAAAAAAAAAAAAAAAAAAkAAAAJAAAAAAAAAAHAAAAAAAAAAAAAAAAAAAAAAAAAAAAAAAAAAAAf39/ACUAAABYAAAAAAAAAAAAAAAAAAAAAAAAAAAAAAAAAAAAAAAAAAAAAAAAAAAAAAAAAAAAAAA/AAAAAAAAAKCGAQAAAAAAAAAAAAAAAAAMAAAAAQAAAAAAAAAAAAAAAAAAAB8AAABUAAAARHLEBf///wEAAAAAAAAAAAAAAAAAAAAAAAAAAAAAAAAAAAAAAAAAAAAAAAJ/f38A5+bmA8zMzADAwP8Af39/AAAAAAAAAAAAAAAAAAAAAAAAAAAAIQAAABgAAAAUAAAA3gMAAD8CAABiNAAAZwoAAAAAAAAmAAAACAAAAAEAAAAAAAAAMAAAABQAAAAAAAAAAAD//wAAAQAAAP//AAABAA=="/>
+                <pr:smNativeData xmlns:mc="http://schemas.openxmlformats.org/markup-compatibility/2006" xmlns:p14="http://schemas.microsoft.com/office/powerpoint/2010/main" xmlns:p15="http://schemas.microsoft.com/office/powerpoint/2012/main" xmlns:pr="smNativeData" xmlns="smNativeData" val="SMDATA_16_8bPwYBMAAAAlAAAAZAAAAA8BAAAAkAAAAEgAAACQAAAASAAAAAAAAAABAAAAAAAAAAEAAABQAAAAAAAAAAAA4D8AAAAAAADgPwAAAAAAAOA/AAAAAAAA4D8AAAAAAADgPwAAAAAAAOA/AAAAAAAA4D8AAAAAAADgPwAAAAAAAOA/AAAAAAAA4D8CAAAAjAAAAAAAAAAAAAAARHLEDP///wgAAAAAAAAAAAAAAAAAAAAAAAAAAAAAAAAAAAAAZAAAAAEAAABAAAAAAAAAAAAAAAAAAAAAAAAAAAAAAAAAAAAAAAAAAAAAAAAAAAAAAAAAAAAAAAAAAAAAAAAAAAAAAAAAAAAAAAAAAAAAAAAAAAAAAAAAAAAAAAAAAAAAFAAAADwAAAAAAAAAAAAAAAAAAAkUAAAAAQAAABQAAAAUAAAAFAAAAAEAAAAAAAAAZAAAAGQAAAAAAAAAZAAAAGQAAAAVAAAAYAAAAAAAAAAAAAAADwAAACADAAAAAAAAAAAAAAEAAACgMgAAVgcAAKr4//8BAAAAf39/AAEAAABkAAAAAAAAABQAAABAHwAAAAAAACYAAAAAAAAAwOD//wAAAAAmAAAAZAAAABYAAABMAAAAAAAAAAAAAAAEAAAAAAAAAAEAAADn5uYKAAAAACgAAAAoAAAAZAAAAGQAAAAAAAAAzMzMAAAAAABQAAAAUAAAAGQAAABkAAAAAAAAABcAAAAUAAAAAAAAAAAAAAD/fwAA/38AAAAAAAAJAAAABAAAAP////8eAAAAaAAAAAAAAAAAAAAAAAAAAAAAAAAAAAAAECcAABAnAAAAAAAAAAAAAAAAAAAAAAAAAAAAAAAAAAAAAAAAAAAAABQAAAAAAAAAwMD/AAAAAABkAAAAMgAAAAAAAABkAAAAAAAAAH9/fwAKAAAAIgAAABgAAAAAAAAAAAAAAAAAAAAAAAAAAAAAAAAAAAAkAAAAJAAAAAAAAAAHAAAAAAAAAAAAAAAAAAAAAAAAAAAAAAAAAAAAf39/ACUAAABYAAAAAAAAAAAAAAAAAAAAAAAAAAAAAAAAAAAAAAAAAAAAAAAAAAAAAAAAAAAAAAA/AAAAAAAAAKCGAQAAAAAAAAAAAAAAAAAMAAAAAQAAAAAAAAAAAAAAAAAAAB8AAABUAAAARHLEBf///wEAAAAAAAAAAAAAAAAAAAAAAAAAAAAAAAAAAAAAAAAAAAAAAAJ/f38A5+bmA8zMzADAwP8Af39/AAAAAAAAAAAAAAAAAAAAAAAAAAAAIQAAABgAAAAUAAAA3gMAAD8CAABiNAAAZwoAAAAAAAAmAAAACAAAAAEAAAAAAAAAMAAAABQAAAAAAAAAAAD//wAAAQAAAP//AAABAA=="/>
               </a:ext>
             </a:extLst>
           </p:cNvSpPr>
@@ -5197,7 +4767,8 @@
               <a:defRPr lang="en-us"/>
             </a:pPr>
             <a:r>
-              <a:t>Mental states are also described</a:t>
+              <a:rPr dirty="0"/>
+              <a:t>Mental states are also included in each state</a:t>
             </a:r>
           </a:p>
         </p:txBody>
@@ -5208,7 +4779,7 @@
           <p:cNvSpPr txBox="1">
             <a:extLst>
               <a:ext uri="smNativeData">
-                <pr:smNativeData xmlns="smNativeData" xmlns:pr="smNativeData" xmlns:p15="http://schemas.microsoft.com/office/powerpoint/2012/main" xmlns:p14="http://schemas.microsoft.com/office/powerpoint/2010/main" xmlns:mc="http://schemas.openxmlformats.org/markup-compatibility/2006" val="SMDATA_16_8bPwYBMAAAAlAAAAEgAAAA8BAAAAkAAAAEgAAACQAAAASAAAAAAAAAAAAAAAAAAAAAEAAABQAAAAAAAAAAAA4D8AAAAAAADgPwAAAAAAAOA/AAAAAAAA4D8AAAAAAADgPwAAAAAAAOA/AAAAAAAA4D8AAAAAAADgPwAAAAAAAOA/AAAAAAAA4D8CAAAAjAAAAAAAAAAAAAAARHLEDP///wgAAAAAAAAAAAAAAAAAAAAAAAAAAAAAAAAAAAAAZAAAAAEAAABAAAAAAAAAAAAAAAAAAAAAAAAAAAAAAAAAAAAAAAAAAAAAAAAAAAAAAAAAAAAAAAAAAAAAAAAAAAAAAAAAAAAAAAAAAAAAAAAAAAAAAAAAAAAAAAAAAAAAFAAAADwAAAAAAAAAAAAAAAAAAAkUAAAAAQAAABQAAAAUAAAAFAAAAAEAAAAAAAAAZAAAAGQAAAAAAAAAZAAAAGQAAAAVAAAAYAAAAAAAAAAAAAAADwAAACADAAAAAAAAAAAAAAEAAACgMgAAVgcAAKr4//8BAAAAf39/AAEAAABkAAAAAAAAABQAAABAHwAAAAAAACYAAAAAAAAAwOD//wAAAAAmAAAAZAAAABYAAABMAAAAAAAAAAAAAAAEAAAAAAAAAAEAAADn5uYKAAAAACgAAAAoAAAAZAAAAGQAAAAAAAAAzMzMAAAAAABQAAAAUAAAAGQAAABkAAAAAAAAABcAAAAUAAAAAAAAAAAAAAD/fwAA/38AAAAAAAAJAAAABAAAAP////8eAAAAaAAAAAAAAAAAAAAAAAAAAAAAAAAAAAAAECcAABAnAAAAAAAAAAAAAAAAAAAAAAAAAAAAAAAAAAAAAAAAAAAAABQAAAAAAAAAwMD/AAAAAABkAAAAMgAAAAAAAABkAAAAAAAAAH9/fwAKAAAAIgAAABgAAAAAAAAAAAAAAAAAAAAAAAAAAAAAAAAAAAAkAAAAJAAAAAAAAAAHAAAAAAAAAAAAAAAAAAAAAAAAAAAAAAAAAAAAf39/ACUAAABYAAAAAAAAAAAAAAAAAAAAAAAAAAAAAAAAAAAAAAAAAAAAAAAAAAAAAAAAAAAAAAA/AAAAAAAAAKCGAQAAAAAAAAAAAAAAAAAMAAAAAQAAAAAAAAAAAAAAAAAAAB8AAABUAAAARHLEBf///wEAAAAAAAAAAAAAAAAAAAAAAAAAAAAAAAAAAAAAAAAAAAAAAAJ/f38A5+bmA8zMzADAwP8Af39/AAAAAAAAAAAAAAAAAAAAAAAAAAAAIQAAABgAAAAUAAAAbAEAAHcPAAD4DAAA+BIAAAAAAAAmAAAACAAAAP//////////MAAAABQAAAAAAAAAAAD//wAAAQAAAP//AAABAA=="/>
+                <pr:smNativeData xmlns:mc="http://schemas.openxmlformats.org/markup-compatibility/2006" xmlns:p14="http://schemas.microsoft.com/office/powerpoint/2010/main" xmlns:p15="http://schemas.microsoft.com/office/powerpoint/2012/main" xmlns:pr="smNativeData" xmlns="smNativeData" val="SMDATA_16_8bPwYBMAAAAlAAAAEgAAAA8BAAAAkAAAAEgAAACQAAAASAAAAAAAAAAAAAAAAAAAAAEAAABQAAAAAAAAAAAA4D8AAAAAAADgPwAAAAAAAOA/AAAAAAAA4D8AAAAAAADgPwAAAAAAAOA/AAAAAAAA4D8AAAAAAADgPwAAAAAAAOA/AAAAAAAA4D8CAAAAjAAAAAAAAAAAAAAARHLEDP///wgAAAAAAAAAAAAAAAAAAAAAAAAAAAAAAAAAAAAAZAAAAAEAAABAAAAAAAAAAAAAAAAAAAAAAAAAAAAAAAAAAAAAAAAAAAAAAAAAAAAAAAAAAAAAAAAAAAAAAAAAAAAAAAAAAAAAAAAAAAAAAAAAAAAAAAAAAAAAAAAAAAAAFAAAADwAAAAAAAAAAAAAAAAAAAkUAAAAAQAAABQAAAAUAAAAFAAAAAEAAAAAAAAAZAAAAGQAAAAAAAAAZAAAAGQAAAAVAAAAYAAAAAAAAAAAAAAADwAAACADAAAAAAAAAAAAAAEAAACgMgAAVgcAAKr4//8BAAAAf39/AAEAAABkAAAAAAAAABQAAABAHwAAAAAAACYAAAAAAAAAwOD//wAAAAAmAAAAZAAAABYAAABMAAAAAAAAAAAAAAAEAAAAAAAAAAEAAADn5uYKAAAAACgAAAAoAAAAZAAAAGQAAAAAAAAAzMzMAAAAAABQAAAAUAAAAGQAAABkAAAAAAAAABcAAAAUAAAAAAAAAAAAAAD/fwAA/38AAAAAAAAJAAAABAAAAP////8eAAAAaAAAAAAAAAAAAAAAAAAAAAAAAAAAAAAAECcAABAnAAAAAAAAAAAAAAAAAAAAAAAAAAAAAAAAAAAAAAAAAAAAABQAAAAAAAAAwMD/AAAAAABkAAAAMgAAAAAAAABkAAAAAAAAAH9/fwAKAAAAIgAAABgAAAAAAAAAAAAAAAAAAAAAAAAAAAAAAAAAAAAkAAAAJAAAAAAAAAAHAAAAAAAAAAAAAAAAAAAAAAAAAAAAAAAAAAAAf39/ACUAAABYAAAAAAAAAAAAAAAAAAAAAAAAAAAAAAAAAAAAAAAAAAAAAAAAAAAAAAAAAAAAAAA/AAAAAAAAAKCGAQAAAAAAAAAAAAAAAAAMAAAAAQAAAAAAAAAAAAAAAAAAAB8AAABUAAAARHLEBf///wEAAAAAAAAAAAAAAAAAAAAAAAAAAAAAAAAAAAAAAAAAAAAAAAJ/f38A5+bmA8zMzADAwP8Af39/AAAAAAAAAAAAAAAAAAAAAAAAAAAAIQAAABgAAAAUAAAAbAEAAHcPAAD4DAAA+BIAAAAAAAAmAAAACAAAAP//////////MAAAABQAAAAAAAAAAAD//wAAAQAAAP//AAABAA=="/>
               </a:ext>
             </a:extLst>
           </p:cNvSpPr>
@@ -5257,7 +4828,7 @@
           <p:cNvSpPr txBox="1">
             <a:extLst>
               <a:ext uri="smNativeData">
-                <pr:smNativeData xmlns="smNativeData" xmlns:pr="smNativeData" xmlns:p15="http://schemas.microsoft.com/office/powerpoint/2012/main" xmlns:p14="http://schemas.microsoft.com/office/powerpoint/2010/main" xmlns:mc="http://schemas.openxmlformats.org/markup-compatibility/2006" val="SMDATA_16_8bPwYBMAAAAlAAAAEgAAAA8BAAAAkAAAAEgAAACQAAAASAAAAAAAAAAAAAAAAAAAAAEAAABQAAAAAAAAAAAA4D8AAAAAAADgPwAAAAAAAOA/AAAAAAAA4D8AAAAAAADgPwAAAAAAAOA/AAAAAAAA4D8AAAAAAADgPwAAAAAAAOA/AAAAAAAA4D8CAAAAjAAAAAAAAAAAAAAARHLEDP///wgAAAAAAAAAAAAAAAAAAAAAAAAAAAAAAAAAAAAAZAAAAAEAAABAAAAAAAAAAAAAAAAAAAAAAAAAAAAAAAAAAAAAAAAAAAAAAAAAAAAAAAAAAAAAAAAAAAAAAAAAAAAAAAAAAAAAAAAAAAAAAAAAAAAAAAAAAAAAAAAAAAAAFAAAADwAAAAAAAAAAAAAAAAAAAkUAAAAAQAAABQAAAAUAAAAFAAAAAEAAAAAAAAAZAAAAGQAAAAAAAAAZAAAAGQAAAAVAAAAYAAAAAAAAAAAAAAADwAAACADAAAAAAAAAAAAAAEAAACgMgAAVgcAAKr4//8BAAAAf39/AAEAAABkAAAAAAAAABQAAABAHwAAAAAAACYAAAAAAAAAwOD//wAAAAAmAAAAZAAAABYAAABMAAAAAAAAAAAAAAAEAAAAAAAAAAEAAADn5uYKAAAAACgAAAAoAAAAZAAAAGQAAAAAAAAAzMzMAAAAAABQAAAAUAAAAGQAAABkAAAAAAAAABcAAAAUAAAAAAAAAAAAAAD/fwAA/38AAAAAAAAJAAAABAAAAP////8eAAAAaAAAAAAAAAAAAAAAAAAAAAAAAAAAAAAAECcAABAnAAAAAAAAAAAAAAAAAAAAAAAAAAAAAAAAAAAAAAAAAAAAABQAAAAAAAAAwMD/AAAAAABkAAAAMgAAAAAAAABkAAAAAAAAAH9/fwAKAAAAIgAAABgAAAAAAAAAAAAAAAAAAAAAAAAAAAAAAAAAAAAkAAAAJAAAAAAAAAAHAAAAAAAAAAAAAAAAAAAAAAAAAAAAAAAAAAAAf39/ACUAAABYAAAAAAAAAAAAAAAAAAAAAAAAAAAAAAAAAAAAAAAAAAAAAAAAAAAAAAAAAAAAAAA/AAAAAAAAAKCGAQAAAAAAAAAAAAAAAAAMAAAAAQAAAAAAAAAAAAAAAAAAAB8AAABUAAAARHLEBf///wEAAAAAAAAAAAAAAAAAAAAAAAAAAAAAAAAAAAAAAAAAAAAAAAJ/f38A5+bmA8zMzADAwP8Af39/AAAAAAAAAAAAAAAAAAAAAAAAAAAAIQAAABgAAAAUAAAAbAEAAPIeAAD4DAAA9ygAAAAAAAAmAAAACAAAAP//////////MAAAABQAAAAAAAAAAAD//wAAAQAAAP//AAABAA=="/>
+                <pr:smNativeData xmlns:mc="http://schemas.openxmlformats.org/markup-compatibility/2006" xmlns:p14="http://schemas.microsoft.com/office/powerpoint/2010/main" xmlns:p15="http://schemas.microsoft.com/office/powerpoint/2012/main" xmlns:pr="smNativeData" xmlns="smNativeData" val="SMDATA_16_8bPwYBMAAAAlAAAAEgAAAA8BAAAAkAAAAEgAAACQAAAASAAAAAAAAAAAAAAAAAAAAAEAAABQAAAAAAAAAAAA4D8AAAAAAADgPwAAAAAAAOA/AAAAAAAA4D8AAAAAAADgPwAAAAAAAOA/AAAAAAAA4D8AAAAAAADgPwAAAAAAAOA/AAAAAAAA4D8CAAAAjAAAAAAAAAAAAAAARHLEDP///wgAAAAAAAAAAAAAAAAAAAAAAAAAAAAAAAAAAAAAZAAAAAEAAABAAAAAAAAAAAAAAAAAAAAAAAAAAAAAAAAAAAAAAAAAAAAAAAAAAAAAAAAAAAAAAAAAAAAAAAAAAAAAAAAAAAAAAAAAAAAAAAAAAAAAAAAAAAAAAAAAAAAAFAAAADwAAAAAAAAAAAAAAAAAAAkUAAAAAQAAABQAAAAUAAAAFAAAAAEAAAAAAAAAZAAAAGQAAAAAAAAAZAAAAGQAAAAVAAAAYAAAAAAAAAAAAAAADwAAACADAAAAAAAAAAAAAAEAAACgMgAAVgcAAKr4//8BAAAAf39/AAEAAABkAAAAAAAAABQAAABAHwAAAAAAACYAAAAAAAAAwOD//wAAAAAmAAAAZAAAABYAAABMAAAAAAAAAAAAAAAEAAAAAAAAAAEAAADn5uYKAAAAACgAAAAoAAAAZAAAAGQAAAAAAAAAzMzMAAAAAABQAAAAUAAAAGQAAABkAAAAAAAAABcAAAAUAAAAAAAAAAAAAAD/fwAA/38AAAAAAAAJAAAABAAAAP////8eAAAAaAAAAAAAAAAAAAAAAAAAAAAAAAAAAAAAECcAABAnAAAAAAAAAAAAAAAAAAAAAAAAAAAAAAAAAAAAAAAAAAAAABQAAAAAAAAAwMD/AAAAAABkAAAAMgAAAAAAAABkAAAAAAAAAH9/fwAKAAAAIgAAABgAAAAAAAAAAAAAAAAAAAAAAAAAAAAAAAAAAAAkAAAAJAAAAAAAAAAHAAAAAAAAAAAAAAAAAAAAAAAAAAAAAAAAAAAAf39/ACUAAABYAAAAAAAAAAAAAAAAAAAAAAAAAAAAAAAAAAAAAAAAAAAAAAAAAAAAAAAAAAAAAAA/AAAAAAAAAKCGAQAAAAAAAAAAAAAAAAAMAAAAAQAAAAAAAAAAAAAAAAAAAB8AAABUAAAARHLEBf///wEAAAAAAAAAAAAAAAAAAAAAAAAAAAAAAAAAAAAAAAAAAAAAAAJ/f38A5+bmA8zMzADAwP8Af39/AAAAAAAAAAAAAAAAAAAAAAAAAAAAIQAAABgAAAAUAAAAbAEAAPIeAAD4DAAA9ygAAAAAAAAmAAAACAAAAP//////////MAAAABQAAAAAAAAAAAD//wAAAQAAAP//AAABAA=="/>
               </a:ext>
             </a:extLst>
           </p:cNvSpPr>
@@ -5307,7 +4878,7 @@
             <a:picLocks noChangeAspect="1"/>
             <a:extLst>
               <a:ext uri="smNativeData">
-                <pr:smNativeData xmlns="smNativeData" xmlns:pr="smNativeData" xmlns:p15="http://schemas.microsoft.com/office/powerpoint/2012/main" xmlns:p14="http://schemas.microsoft.com/office/powerpoint/2010/main" xmlns:mc="http://schemas.openxmlformats.org/markup-compatibility/2006" val="SMDATA_18_8bPwYBMAAAAlAAAAEQAAAC8BAAAAkAAAAEgAAACQAAAASAAAAAAAAAAAAAAAAAAAAAEAAABQAAAAAAAAAAAA4D8AAAAAAADgPwAAAAAAAOA/AAAAAAAA4D8AAAAAAADgPwAAAAAAAOA/AAAAAAAA4D8AAAAAAADgPwAAAAAAAOA/AAAAAAAA4D8CAAAAjAAAAAAAAAAAAAAARHLEDP///wgAAAAAAAAAAAAAAAAAAAAAAAAAAAAAAAAAAAAAZAAAAAEAAABAAAAAAAAAAAAAAAAAAAAAAAAAAAAAAAAAAAAAAAAAAAAAAAAAAAAAAAAAAAAAAAAAAAAAAAAAAAAAAAAAAAAAAAAAAAAAAAAAAAAAAAAAAAAAAAAAAAAAFAAAADwAAAAAAAAAAAAAAAAAAAkUAAAAAQAAABQAAAAUAAAAFAAAAAEAAAAAAAAAZAAAAGQAAAAAAAAAZAAAAGQAAAAVAAAAYAAAAAAAAAAAAAAADwAAACADAAAAAAAAAAAAAAEAAACgMgAAVgcAAKr4//8BAAAAf39/AAEAAABkAAAAAAAAABQAAABAHwAAAAAAACYAAAAAAAAAwOD//wAAAAAmAAAAZAAAABYAAABMAAAAAAAAAAAAAAAEAAAAAAAAAAEAAADn5uYKAAAAACgAAAAoAAAAZAAAAGQAAAAAAAAAzMzMAAAAAABQAAAAUAAAAGQAAABkAAAAAAAAAAcAAAA4AAAAAAAAAAAAAAAAAAAA////AAAAAAAAAAAAAAAAAAAAAAAAAAAAAAAAAAAAAABkAAAAZAAAAAAAAAAjAAAABAAAAGQAAAAXAAAAFAAAAAAAAAAAAAAA/38AAP9/AAAAAAAACQAAAAQAAAAAAAAAHgAAAGgAAAAAAAAAAAAAAAAAAAAAAAAAAAAAABAnAAAQJwAAAAAAAAAAAAAAAAAAAAAAAAAAAAAAAAAAAAAAAAAAAAAUAAAAAAAAAMDA/wAAAAAAZAAAADIAAAAAAAAAZAAAAAAAAAB/f38ACgAAACIAAAAYAAAAAAAAAAAAAAAAAAAAAAAAAAAAAAAAAAAAJAAAACQAAAAAAAAABwAAAAAAAAAAAAAAAAAAAAAAAAAAAAAAAAAAAH9/fwAlAAAAWAAAAAAAAAAAAAAAAAAAAAAAAAAAAAAAAAAAAAAAAAAAAAAAAAAAAAAAAAAAAAAAPwAAAAAAAACghgEAAAAAAAAAAAAAAAAADAAAAAEAAAAAAAAAAAAAAAAAAAAfAAAAVAAAAERyxAX///8BAAAAAAAAAAAAAAAAAAAAAAAAAAAAAAAAAAAAAAAAAAAAAAACf39/AOfm5gPMzMwAwMD/AH9/fwAAAAAAAAAAAAAAAAD///8AAAAAACEAAAAYAAAAFAAAAOUPAADWCgAAvTUAAPMnAAAAAAAAJgAAAAgAAAD//////////zAAAAAUAAAAAAAAAAAA//8AAAEAAAD//wAAAQA="/>
+                <pr:smNativeData xmlns:mc="http://schemas.openxmlformats.org/markup-compatibility/2006" xmlns:p14="http://schemas.microsoft.com/office/powerpoint/2010/main" xmlns:p15="http://schemas.microsoft.com/office/powerpoint/2012/main" xmlns:pr="smNativeData" xmlns="smNativeData" val="SMDATA_18_8bPwYBMAAAAlAAAAEQAAAC8BAAAAkAAAAEgAAACQAAAASAAAAAAAAAAAAAAAAAAAAAEAAABQAAAAAAAAAAAA4D8AAAAAAADgPwAAAAAAAOA/AAAAAAAA4D8AAAAAAADgPwAAAAAAAOA/AAAAAAAA4D8AAAAAAADgPwAAAAAAAOA/AAAAAAAA4D8CAAAAjAAAAAAAAAAAAAAARHLEDP///wgAAAAAAAAAAAAAAAAAAAAAAAAAAAAAAAAAAAAAZAAAAAEAAABAAAAAAAAAAAAAAAAAAAAAAAAAAAAAAAAAAAAAAAAAAAAAAAAAAAAAAAAAAAAAAAAAAAAAAAAAAAAAAAAAAAAAAAAAAAAAAAAAAAAAAAAAAAAAAAAAAAAAFAAAADwAAAAAAAAAAAAAAAAAAAkUAAAAAQAAABQAAAAUAAAAFAAAAAEAAAAAAAAAZAAAAGQAAAAAAAAAZAAAAGQAAAAVAAAAYAAAAAAAAAAAAAAADwAAACADAAAAAAAAAAAAAAEAAACgMgAAVgcAAKr4//8BAAAAf39/AAEAAABkAAAAAAAAABQAAABAHwAAAAAAACYAAAAAAAAAwOD//wAAAAAmAAAAZAAAABYAAABMAAAAAAAAAAAAAAAEAAAAAAAAAAEAAADn5uYKAAAAACgAAAAoAAAAZAAAAGQAAAAAAAAAzMzMAAAAAABQAAAAUAAAAGQAAABkAAAAAAAAAAcAAAA4AAAAAAAAAAAAAAAAAAAA////AAAAAAAAAAAAAAAAAAAAAAAAAAAAAAAAAAAAAABkAAAAZAAAAAAAAAAjAAAABAAAAGQAAAAXAAAAFAAAAAAAAAAAAAAA/38AAP9/AAAAAAAACQAAAAQAAAAAAAAAHgAAAGgAAAAAAAAAAAAAAAAAAAAAAAAAAAAAABAnAAAQJwAAAAAAAAAAAAAAAAAAAAAAAAAAAAAAAAAAAAAAAAAAAAAUAAAAAAAAAMDA/wAAAAAAZAAAADIAAAAAAAAAZAAAAAAAAAB/f38ACgAAACIAAAAYAAAAAAAAAAAAAAAAAAAAAAAAAAAAAAAAAAAAJAAAACQAAAAAAAAABwAAAAAAAAAAAAAAAAAAAAAAAAAAAAAAAAAAAH9/fwAlAAAAWAAAAAAAAAAAAAAAAAAAAAAAAAAAAAAAAAAAAAAAAAAAAAAAAAAAAAAAAAAAAAAAPwAAAAAAAACghgEAAAAAAAAAAAAAAAAADAAAAAEAAAAAAAAAAAAAAAAAAAAfAAAAVAAAAERyxAX///8BAAAAAAAAAAAAAAAAAAAAAAAAAAAAAAAAAAAAAAAAAAAAAAACf39/AOfm5gPMzMwAwMD/AH9/fwAAAAAAAAAAAAAAAAD///8AAAAAACEAAAAYAAAAFAAAAOUPAADWCgAAvTUAAPMnAAAAAAAAJgAAAAgAAAD//////////zAAAAAUAAAAAAAAAAAA//8AAAEAAAD//wAAAQA="/>
               </a:ext>
             </a:extLst>
           </p:cNvPicPr>
@@ -5342,7 +4913,7 @@
 </p:sld>
 </file>
 
-<file path=ppt/slides/slide14.xml><?xml version="1.0" encoding="utf-8"?>
+<file path=ppt/slides/slide12.xml><?xml version="1.0" encoding="utf-8"?>
 <p:sld xmlns:a="http://schemas.openxmlformats.org/drawingml/2006/main" xmlns:r="http://schemas.openxmlformats.org/officeDocument/2006/relationships" xmlns:p="http://schemas.openxmlformats.org/presentationml/2006/main">
   <p:cSld>
     <p:spTree>
@@ -5366,7 +4937,7 @@
             <a:spLocks noGrp="1" noChangeArrowheads="1"/>
             <a:extLst>
               <a:ext uri="smNativeData">
-                <pr:smNativeData xmlns="smNativeData" xmlns:pr="smNativeData" xmlns:p15="http://schemas.microsoft.com/office/powerpoint/2012/main" xmlns:p14="http://schemas.microsoft.com/office/powerpoint/2010/main" xmlns:mc="http://schemas.openxmlformats.org/markup-compatibility/2006" val="SMDATA_16_8bPwYBMAAAAlAAAAZAAAAA0AAAAAkAAAAEgAAACQAAAASAAAAAAAAAABAAAAAAAAAAEAAABQAAAAAAAAAAAA4D8AAAAAAADgPwAAAAAAAOA/AAAAAAAA4D8AAAAAAADgPwAAAAAAAOA/AAAAAAAA4D8AAAAAAADgPwAAAAAAAOA/AAAAAAAA4D8CAAAAjAAAAAAAAAAAAAAARHLEDP///wgAAAAAAAAAAAAAAAAAAAAAAAAAAAAAAAAAAAAAZAAAAAEAAABAAAAAAAAAAAAAAAAAAAAAAAAAAAAAAAAAAAAAAAAAAAAAAAAAAAAAAAAAAAAAAAAAAAAAAAAAAAAAAAAAAAAAAAAAAAAAAAAAAAAAAAAAAAAAAAAAAAAAFAAAADwAAAAAAAAAAAAAAAAAAAkUAAAAAQAAABQAAAAUAAAAFAAAAAEAAAAAAAAAZAAAAGQAAAAAAAAAZAAAAGQAAAAVAAAAYAAAAAAAAAAAAAAADwAAACADAAAAAAAAAAAAAAEAAACgMgAAVgcAAKr4//8BAAAAf39/AAEAAABkAAAAAAAAABQAAABAHwAAAAAAACYAAAAAAAAAwOD//wAAAAAmAAAAZAAAABYAAABMAAAAAAAAAAAAAAAEAAAAAAAAAAEAAADn5uYKAAAAACgAAAAoAAAAZAAAAGQAAAAAAAAAzMzMAAAAAABQAAAAUAAAAGQAAABkAAAAAAAAABcAAAAUAAAAAAAAAAAAAAD/fwAA/38AAAAAAAAJAAAABAAAAAAAAAAeAAAAaAAAAAAAAAAAAAAAAAAAAAAAAAAAAAAAECcAABAnAAAAAAAAAAAAAAAAAAAAAAAAAAAAAAAAAAAAAAAAAAAAABQAAAAAAAAAwMD/AAAAAABkAAAAMgAAAAAAAABkAAAAAAAAAH9/fwAKAAAAIgAAABgAAAAAAAAAAAAAAAAAAAAAAAAAAAAAAAAAAAAkAAAAJAAAAAAAAAAHAAAAAAAAAAAAAAAAAAAAAAAAAAAAAAAAAAAAf39/ACUAAABYAAAAAAAAAAAAAAAAAAAAAAAAAAAAAAAAAAAAAAAAAAAAAAAAAAAAAAAAAAAAAAA/AAAAAAAAAKCGAQAAAAAAAAAAAAAAAAAMAAAAAQAAAAAAAAAAAAAAAAAAAB8AAABUAAAARHLEBf///wEAAAAAAAAAAAAAAAAAAAAAAAAAAAAAAAAAAAAAAAAAAAAAAAJ/f38A5+bmA8zMzADAwP8Af39/AAAAAAAAAAAAAAAAAAAAAAAAAAAAIQAAABgAAAAUAAAA3gMAAD8CAABiNAAAZwoAAAAAAAAmAAAACAAAAAEAAAAAAAAAMAAAABQAAAAAAAAAAAD//wAAAQAAAP//AAABAA=="/>
+                <pr:smNativeData xmlns:mc="http://schemas.openxmlformats.org/markup-compatibility/2006" xmlns:p14="http://schemas.microsoft.com/office/powerpoint/2010/main" xmlns:p15="http://schemas.microsoft.com/office/powerpoint/2012/main" xmlns:pr="smNativeData" xmlns="smNativeData" val="SMDATA_16_8bPwYBMAAAAlAAAAZAAAAA0AAAAAkAAAAEgAAACQAAAASAAAAAAAAAABAAAAAAAAAAEAAABQAAAAAAAAAAAA4D8AAAAAAADgPwAAAAAAAOA/AAAAAAAA4D8AAAAAAADgPwAAAAAAAOA/AAAAAAAA4D8AAAAAAADgPwAAAAAAAOA/AAAAAAAA4D8CAAAAjAAAAAAAAAAAAAAARHLEDP///wgAAAAAAAAAAAAAAAAAAAAAAAAAAAAAAAAAAAAAZAAAAAEAAABAAAAAAAAAAAAAAAAAAAAAAAAAAAAAAAAAAAAAAAAAAAAAAAAAAAAAAAAAAAAAAAAAAAAAAAAAAAAAAAAAAAAAAAAAAAAAAAAAAAAAAAAAAAAAAAAAAAAAFAAAADwAAAAAAAAAAAAAAAAAAAkUAAAAAQAAABQAAAAUAAAAFAAAAAEAAAAAAAAAZAAAAGQAAAAAAAAAZAAAAGQAAAAVAAAAYAAAAAAAAAAAAAAADwAAACADAAAAAAAAAAAAAAEAAACgMgAAVgcAAKr4//8BAAAAf39/AAEAAABkAAAAAAAAABQAAABAHwAAAAAAACYAAAAAAAAAwOD//wAAAAAmAAAAZAAAABYAAABMAAAAAAAAAAAAAAAEAAAAAAAAAAEAAADn5uYKAAAAACgAAAAoAAAAZAAAAGQAAAAAAAAAzMzMAAAAAABQAAAAUAAAAGQAAABkAAAAAAAAABcAAAAUAAAAAAAAAAAAAAD/fwAA/38AAAAAAAAJAAAABAAAAAAAAAAeAAAAaAAAAAAAAAAAAAAAAAAAAAAAAAAAAAAAECcAABAnAAAAAAAAAAAAAAAAAAAAAAAAAAAAAAAAAAAAAAAAAAAAABQAAAAAAAAAwMD/AAAAAABkAAAAMgAAAAAAAABkAAAAAAAAAH9/fwAKAAAAIgAAABgAAAAAAAAAAAAAAAAAAAAAAAAAAAAAAAAAAAAkAAAAJAAAAAAAAAAHAAAAAAAAAAAAAAAAAAAAAAAAAAAAAAAAAAAAf39/ACUAAABYAAAAAAAAAAAAAAAAAAAAAAAAAAAAAAAAAAAAAAAAAAAAAAAAAAAAAAAAAAAAAAA/AAAAAAAAAKCGAQAAAAAAAAAAAAAAAAAMAAAAAQAAAAAAAAAAAAAAAAAAAB8AAABUAAAARHLEBf///wEAAAAAAAAAAAAAAAAAAAAAAAAAAAAAAAAAAAAAAAAAAAAAAAJ/f38A5+bmA8zMzADAwP8Af39/AAAAAAAAAAAAAAAAAAAAAAAAAAAAIQAAABgAAAAUAAAA3gMAAD8CAABiNAAAZwoAAAAAAAAmAAAACAAAAAEAAAAAAAAAMAAAABQAAAAAAAAAAAD//wAAAQAAAP//AAABAA=="/>
               </a:ext>
             </a:extLst>
           </p:cNvSpPr>
@@ -5400,7 +4971,7 @@
             <a:spLocks noGrp="1" noChangeArrowheads="1"/>
             <a:extLst>
               <a:ext uri="smNativeData">
-                <pr:smNativeData xmlns="smNativeData" xmlns:pr="smNativeData" xmlns:p15="http://schemas.microsoft.com/office/powerpoint/2012/main" xmlns:p14="http://schemas.microsoft.com/office/powerpoint/2010/main" xmlns:mc="http://schemas.openxmlformats.org/markup-compatibility/2006" val="SMDATA_16_8bPwYBMAAAAlAAAAZAAAAA0AAAAAkAAAAEgAAACQAAAASAAAAAAAAAAAAAAAAAAAAAEAAABQAAAAAAAAAAAA4D8AAAAAAADgPwAAAAAAAOA/AAAAAAAA4D8AAAAAAADgPwAAAAAAAOA/AAAAAAAA4D8AAAAAAADgPwAAAAAAAOA/AAAAAAAA4D8CAAAAjAAAAAAAAAAAAAAARHLEDP///wgAAAAAAAAAAAAAAAAAAAAAAAAAAAAAAAAAAAAAZAAAAAEAAABAAAAAAAAAAAAAAAAAAAAAAAAAAAAAAAAAAAAAAAAAAAAAAAAAAAAAAAAAAAAAAAAAAAAAAAAAAAAAAAAAAAAAAAAAAAAAAAAAAAAAAAAAAAAAAAAAAAAAFAAAADwAAAAAAAAAAAAAAAAAAAkUAAAAAQAAABQAAAAUAAAAFAAAAAEAAAAAAAAAZAAAAGQAAAAAAAAAZAAAAGQAAAAVAAAAYAAAAAAAAAAAAAAADwAAACADAAAAAAAAAAAAAAEAAACgMgAAVgcAAKr4//8BAAAAf39/AAEAAABkAAAAAAAAABQAAABAHwAAAAAAACYAAAAAAAAAwOD//wAAAAAmAAAAZAAAABYAAABMAAAAAAAAAAAAAAAEAAAAAAAAAAEAAADn5uYKAAAAACgAAAAoAAAAZAAAAGQAAAAAAAAAzMzMAAAAAABQAAAAUAAAAGQAAABkAAAAAAAAABcAAAAUAAAAAAAAAAAAAAD/fwAA/38AAAAAAAAJAAAABAAAAABQ8AoeAAAAaAAAAAAAAAAAAAAAAAAAAAAAAAAAAAAAECcAABAnAAAAAAAAAAAAAAAAAAAAAAAAAAAAAAAAAAAAAAAAAAAAABQAAAAAAAAAwMD/AAAAAABkAAAAMgAAAAAAAABkAAAAAAAAAH9/fwAKAAAAIgAAABgAAAAAAAAAAAAAAAAAAAAAAAAAAAAAAAAAAAAkAAAAJAAAAAAAAAAHAAAAAAAAAAAAAAAAAAAAAAAAAAAAAAAAAAAAf39/ACUAAABYAAAAAAAAAAAAAAAAAAAAAAAAAAAAAAAAAAAAAAAAAAAAAAAAAAAAAAAAAAAAAAA/AAAAAAAAAKCGAQAAAAAAAAAAAAAAAAAMAAAAAQAAAAAAAAAAAAAAAAAAAB8AAABUAAAARHLEBf///wEAAAAAAAAAAAAAAAAAAAAAAAAAAAAAAAAAAAAAAAAAAAAAAAJ/f38A5+bmA8zMzADAwP8Af39/AAAAAAAAAAAAAAAAAAAAAAAAAAAAIQAAABgAAAAUAAAAfgMAAGcKAABVNgAALCUAAAAAAAAmAAAACAAAAAEgAAAAAAAAMAAAABQAAAAAAAAAAAD//wAAAQAAAP//AAABAA=="/>
+                <pr:smNativeData xmlns:mc="http://schemas.openxmlformats.org/markup-compatibility/2006" xmlns:p14="http://schemas.microsoft.com/office/powerpoint/2010/main" xmlns:p15="http://schemas.microsoft.com/office/powerpoint/2012/main" xmlns:pr="smNativeData" xmlns="smNativeData" val="SMDATA_16_8bPwYBMAAAAlAAAAZAAAAA0AAAAAkAAAAEgAAACQAAAASAAAAAAAAAAAAAAAAAAAAAEAAABQAAAAAAAAAAAA4D8AAAAAAADgPwAAAAAAAOA/AAAAAAAA4D8AAAAAAADgPwAAAAAAAOA/AAAAAAAA4D8AAAAAAADgPwAAAAAAAOA/AAAAAAAA4D8CAAAAjAAAAAAAAAAAAAAARHLEDP///wgAAAAAAAAAAAAAAAAAAAAAAAAAAAAAAAAAAAAAZAAAAAEAAABAAAAAAAAAAAAAAAAAAAAAAAAAAAAAAAAAAAAAAAAAAAAAAAAAAAAAAAAAAAAAAAAAAAAAAAAAAAAAAAAAAAAAAAAAAAAAAAAAAAAAAAAAAAAAAAAAAAAAFAAAADwAAAAAAAAAAAAAAAAAAAkUAAAAAQAAABQAAAAUAAAAFAAAAAEAAAAAAAAAZAAAAGQAAAAAAAAAZAAAAGQAAAAVAAAAYAAAAAAAAAAAAAAADwAAACADAAAAAAAAAAAAAAEAAACgMgAAVgcAAKr4//8BAAAAf39/AAEAAABkAAAAAAAAABQAAABAHwAAAAAAACYAAAAAAAAAwOD//wAAAAAmAAAAZAAAABYAAABMAAAAAAAAAAAAAAAEAAAAAAAAAAEAAADn5uYKAAAAACgAAAAoAAAAZAAAAGQAAAAAAAAAzMzMAAAAAABQAAAAUAAAAGQAAABkAAAAAAAAABcAAAAUAAAAAAAAAAAAAAD/fwAA/38AAAAAAAAJAAAABAAAAABQ8AoeAAAAaAAAAAAAAAAAAAAAAAAAAAAAAAAAAAAAECcAABAnAAAAAAAAAAAAAAAAAAAAAAAAAAAAAAAAAAAAAAAAAAAAABQAAAAAAAAAwMD/AAAAAABkAAAAMgAAAAAAAABkAAAAAAAAAH9/fwAKAAAAIgAAABgAAAAAAAAAAAAAAAAAAAAAAAAAAAAAAAAAAAAkAAAAJAAAAAAAAAAHAAAAAAAAAAAAAAAAAAAAAAAAAAAAAAAAAAAAf39/ACUAAABYAAAAAAAAAAAAAAAAAAAAAAAAAAAAAAAAAAAAAAAAAAAAAAAAAAAAAAAAAAAAAAA/AAAAAAAAAKCGAQAAAAAAAAAAAAAAAAAMAAAAAQAAAAAAAAAAAAAAAAAAAB8AAABUAAAARHLEBf///wEAAAAAAAAAAAAAAAAAAAAAAAAAAAAAAAAAAAAAAAAAAAAAAAJ/f38A5+bmA8zMzADAwP8Af39/AAAAAAAAAAAAAAAAAAAAAAAAAAAAIQAAABgAAAAUAAAAfgMAAGcKAABVNgAALCUAAAAAAAAmAAAACAAAAAEgAAAAAAAAMAAAABQAAAAAAAAAAAD//wAAAQAAAP//AAABAA=="/>
               </a:ext>
             </a:extLst>
           </p:cNvSpPr>
@@ -5441,10 +5012,11 @@
               </a:defRPr>
             </a:pPr>
             <a:r>
+              <a:rPr dirty="0"/>
               <a:t>Time begins (</a:t>
             </a:r>
             <a:r>
-              <a:rPr lang="en-us" i="1">
+              <a:rPr lang="en-us" i="1" dirty="0">
                 <a:latin typeface="DejaVu Math TeX Gyre" pitchFamily="1" charset="0"/>
                 <a:ea typeface="DejaVu Math TeX Gyre" pitchFamily="1" charset="0"/>
                 <a:cs typeface="DejaVu Math TeX Gyre" pitchFamily="1" charset="0"/>
@@ -5452,7 +5024,7 @@
               <a:t>t</a:t>
             </a:r>
             <a:r>
-              <a:rPr lang="en-us">
+              <a:rPr lang="en-us" dirty="0">
                 <a:latin typeface="DejaVu Math TeX Gyre" pitchFamily="1" charset="0"/>
                 <a:ea typeface="DejaVu Math TeX Gyre" pitchFamily="1" charset="0"/>
                 <a:cs typeface="DejaVu Math TeX Gyre" pitchFamily="1" charset="0"/>
@@ -5460,6 +5032,7 @@
               <a:t> = 0</a:t>
             </a:r>
             <a:r>
+              <a:rPr dirty="0"/>
               <a:t>) </a:t>
             </a:r>
           </a:p>
@@ -5479,10 +5052,11 @@
               <a:defRPr lang="en-us" sz="2400"/>
             </a:pPr>
             <a:r>
-              <a:rPr lang="en-us" b="1"/>
-              <a:t>Phase 1  - Focus:</a:t>
-            </a:r>
-            <a:r>
+              <a:rPr lang="en-us" b="1" dirty="0"/>
+              <a:t>Phase 1 - Focus:</a:t>
+            </a:r>
+            <a:r>
+              <a:rPr dirty="0"/>
               <a:t> choose problem</a:t>
             </a:r>
           </a:p>
@@ -5502,10 +5076,11 @@
               <a:defRPr lang="en-us" sz="2400"/>
             </a:pPr>
             <a:r>
+              <a:rPr dirty="0"/>
               <a:t>New state determined by individual + Nature acts (</a:t>
             </a:r>
             <a:r>
-              <a:rPr lang="en-us" i="1">
+              <a:rPr lang="en-us" i="1" dirty="0">
                 <a:latin typeface="DejaVu Math TeX Gyre" pitchFamily="1" charset="0"/>
                 <a:ea typeface="DejaVu Math TeX Gyre" pitchFamily="1" charset="0"/>
                 <a:cs typeface="DejaVu Math TeX Gyre" pitchFamily="1" charset="0"/>
@@ -5513,7 +5088,7 @@
               <a:t>t</a:t>
             </a:r>
             <a:r>
-              <a:rPr lang="en-us">
+              <a:rPr lang="en-us" dirty="0">
                 <a:latin typeface="DejaVu Math TeX Gyre" pitchFamily="1" charset="0"/>
                 <a:ea typeface="DejaVu Math TeX Gyre" pitchFamily="1" charset="0"/>
                 <a:cs typeface="DejaVu Math TeX Gyre" pitchFamily="1" charset="0"/>
@@ -5521,6 +5096,7 @@
               <a:t> = 1</a:t>
             </a:r>
             <a:r>
+              <a:rPr dirty="0"/>
               <a:t>)</a:t>
             </a:r>
           </a:p>
@@ -5540,10 +5116,11 @@
               <a:defRPr lang="en-us" sz="2400"/>
             </a:pPr>
             <a:r>
-              <a:rPr lang="en-us" b="1"/>
+              <a:rPr lang="en-us" b="1" dirty="0"/>
               <a:t>Phase 2 - Intend:</a:t>
             </a:r>
             <a:r>
+              <a:rPr dirty="0"/>
               <a:t> identify goal</a:t>
             </a:r>
           </a:p>
@@ -5563,10 +5140,11 @@
               <a:defRPr lang="en-us" sz="2400"/>
             </a:pPr>
             <a:r>
+              <a:rPr dirty="0"/>
               <a:t>New state (</a:t>
             </a:r>
             <a:r>
-              <a:rPr lang="en-us" i="1">
+              <a:rPr lang="en-us" i="1" dirty="0">
                 <a:latin typeface="DejaVu Math TeX Gyre" pitchFamily="1" charset="0"/>
                 <a:ea typeface="DejaVu Math TeX Gyre" pitchFamily="1" charset="0"/>
                 <a:cs typeface="DejaVu Math TeX Gyre" pitchFamily="1" charset="0"/>
@@ -5574,7 +5152,7 @@
               <a:t>t</a:t>
             </a:r>
             <a:r>
-              <a:rPr lang="en-us">
+              <a:rPr lang="en-us" dirty="0">
                 <a:latin typeface="DejaVu Math TeX Gyre" pitchFamily="1" charset="0"/>
                 <a:ea typeface="DejaVu Math TeX Gyre" pitchFamily="1" charset="0"/>
                 <a:cs typeface="DejaVu Math TeX Gyre" pitchFamily="1" charset="0"/>
@@ -5582,6 +5160,7 @@
               <a:t> = 2</a:t>
             </a:r>
             <a:r>
+              <a:rPr dirty="0"/>
               <a:t>)</a:t>
             </a:r>
           </a:p>
@@ -5601,10 +5180,11 @@
               <a:defRPr lang="en-us" sz="2400"/>
             </a:pPr>
             <a:r>
-              <a:rPr lang="en-us" b="1"/>
+              <a:rPr lang="en-us" b="1" dirty="0"/>
               <a:t>Phase 3 - Plan:</a:t>
             </a:r>
             <a:r>
+              <a:rPr dirty="0"/>
               <a:t> elaborate plan to attain goal</a:t>
             </a:r>
           </a:p>
@@ -5624,10 +5204,11 @@
               <a:defRPr lang="en-us" sz="2400"/>
             </a:pPr>
             <a:r>
+              <a:rPr dirty="0"/>
               <a:t>New state (</a:t>
             </a:r>
             <a:r>
-              <a:rPr lang="en-us" i="1">
+              <a:rPr lang="en-us" i="1" dirty="0">
                 <a:latin typeface="DejaVu Math TeX Gyre" pitchFamily="1" charset="0"/>
                 <a:ea typeface="DejaVu Math TeX Gyre" pitchFamily="1" charset="0"/>
                 <a:cs typeface="DejaVu Math TeX Gyre" pitchFamily="1" charset="0"/>
@@ -5635,7 +5216,7 @@
               <a:t>t</a:t>
             </a:r>
             <a:r>
-              <a:rPr lang="en-us">
+              <a:rPr lang="en-us" dirty="0">
                 <a:latin typeface="DejaVu Math TeX Gyre" pitchFamily="1" charset="0"/>
                 <a:ea typeface="DejaVu Math TeX Gyre" pitchFamily="1" charset="0"/>
                 <a:cs typeface="DejaVu Math TeX Gyre" pitchFamily="1" charset="0"/>
@@ -5643,6 +5224,7 @@
               <a:t> = 3</a:t>
             </a:r>
             <a:r>
+              <a:rPr dirty="0"/>
               <a:t>)</a:t>
             </a:r>
           </a:p>
@@ -5662,10 +5244,11 @@
               <a:defRPr lang="en-us" sz="2400"/>
             </a:pPr>
             <a:r>
-              <a:rPr lang="en-us" b="1"/>
+              <a:rPr lang="en-us" b="1" dirty="0"/>
               <a:t>Phase 4 - Act:</a:t>
             </a:r>
             <a:r>
+              <a:rPr dirty="0"/>
               <a:t> implement the plan </a:t>
             </a:r>
           </a:p>
@@ -5685,10 +5268,11 @@
               <a:defRPr lang="en-us" sz="2400"/>
             </a:pPr>
             <a:r>
+              <a:rPr dirty="0"/>
               <a:t>New state (</a:t>
             </a:r>
             <a:r>
-              <a:rPr lang="en-us" i="1">
+              <a:rPr lang="en-us" i="1" dirty="0">
                 <a:latin typeface="DejaVu Math TeX Gyre" pitchFamily="1" charset="0"/>
                 <a:ea typeface="DejaVu Math TeX Gyre" pitchFamily="1" charset="0"/>
                 <a:cs typeface="DejaVu Math TeX Gyre" pitchFamily="1" charset="0"/>
@@ -5696,7 +5280,7 @@
               <a:t>t</a:t>
             </a:r>
             <a:r>
-              <a:rPr lang="en-us">
+              <a:rPr lang="en-us" dirty="0">
                 <a:latin typeface="DejaVu Math TeX Gyre" pitchFamily="1" charset="0"/>
                 <a:ea typeface="DejaVu Math TeX Gyre" pitchFamily="1" charset="0"/>
                 <a:cs typeface="DejaVu Math TeX Gyre" pitchFamily="1" charset="0"/>
@@ -5704,6 +5288,7 @@
               <a:t> = 4</a:t>
             </a:r>
             <a:r>
+              <a:rPr dirty="0"/>
               <a:t>)</a:t>
             </a:r>
           </a:p>
@@ -5719,7 +5304,7 @@
               <a:buChar char=""/>
               <a:defRPr lang="en-us" sz="1400"/>
             </a:pPr>
-            <a:endParaRPr/>
+            <a:endParaRPr dirty="0"/>
           </a:p>
           <a:p>
             <a:pPr>
@@ -5733,7 +5318,7 @@
               <a:buChar char=""/>
               <a:defRPr lang="en-us" sz="1400"/>
             </a:pPr>
-            <a:endParaRPr/>
+            <a:endParaRPr dirty="0"/>
           </a:p>
         </p:txBody>
       </p:sp>
@@ -5743,7 +5328,7 @@
           <p:cNvSpPr txBox="1">
             <a:extLst>
               <a:ext uri="smNativeData">
-                <pr:smNativeData xmlns="smNativeData" xmlns:pr="smNativeData" xmlns:p15="http://schemas.microsoft.com/office/powerpoint/2012/main" xmlns:p14="http://schemas.microsoft.com/office/powerpoint/2010/main" xmlns:mc="http://schemas.openxmlformats.org/markup-compatibility/2006" val="SMDATA_16_8bPwYBMAAAAlAAAAEgAAAA8BAAAAkAAAAEgAAACQAAAASAAAAAAAAAAAAAAAAAAAAAEAAABQAAAAAAAAAAAA4D8AAAAAAADgPwAAAAAAAOA/AAAAAAAA4D8AAAAAAADgPwAAAAAAAOA/AAAAAAAA4D8AAAAAAADgPwAAAAAAAOA/AAAAAAAA4D8CAAAAjAAAAAAAAAAAAAAARHLEDP///wgAAAAAAAAAAAAAAAAAAAAAAAAAAAAAAAAAAAAAZAAAAAEAAABAAAAAAAAAAAAAAAAAAAAAAAAAAAAAAAAAAAAAAAAAAAAAAAAAAAAAAAAAAAAAAAAAAAAAAAAAAAAAAAAAAAAAAAAAAAAAAAAAAAAAAAAAAAAAAAAAAAAAFAAAADwAAAAAAAAAAAAAAAAAAAkUAAAAAQAAABQAAAAUAAAAFAAAAAEAAAAAAAAAZAAAAGQAAAAAAAAAZAAAAGQAAAAVAAAAYAAAAAAAAAAAAAAADwAAACADAAAAAAAAAAAAAAEAAACgMgAAVgcAAKr4//8BAAAAf39/AAEAAABkAAAAAAAAABQAAABAHwAAAAAAACYAAAAAAAAAwOD//wAAAAAmAAAAZAAAABYAAABMAAAAAAAAAAAAAAAEAAAAAAAAAAEAAADn5uYKAAAAACgAAAAoAAAAZAAAAGQAAAAAAAAAzMzMAAAAAABQAAAAUAAAAGQAAABkAAAAAAAAABcAAAAUAAAAAAAAAAAAAAD/fwAA/38AAAAAAAAJAAAABAAAAAIAAAAeAAAAaAAAAAAAAAAAAAAAAAAAAAAAAAAAAAAAECcAABAnAAAAAAAAAAAAAAAAAAAAAAAAAAAAAAAAAAAAAAAAAAAAABQAAAAAAAAAwMD/AAAAAABkAAAAMgAAAAAAAABkAAAAAAAAAH9/fwAKAAAAIgAAABgAAAAAAAAAAAAAAAAAAAAAAAAAAAAAAAAAAAAkAAAAJAAAAAAAAAAHAAAAAAAAAAAAAAAAAAAAAAAAAAAAAAAAAAAAf39/ACUAAABYAAAAAAAAAAAAAAAAAAAAAAAAAAAAAAAAAAAAAAAAAAAAAAAAAAAAAAAAAAAAAAA/AAAAAAAAAKCGAQAAAAAAAAAAAAAAAAAMAAAAAQAAAAAAAAAAAAAAAAAAAB8AAABUAAAARHLEBf///wEAAAAAAAAAAAAAAAAAAAAAAAAAAAAAAAAAAAAAAAAAAAAAAAJ/f38A5+bmA8zMzADAwP8Af39/AAAAAAAAAAAAAAAAAAAAAAAAAAAAIQAAABgAAAAUAAAAPAQAAMsmAAAFNAAAvSkAAAAAAAAmAAAACAAAAP//////////MAAAABQAAAAAAAAAAAD//wAAAQAAAP//AAABAA=="/>
+                <pr:smNativeData xmlns:mc="http://schemas.openxmlformats.org/markup-compatibility/2006" xmlns:p14="http://schemas.microsoft.com/office/powerpoint/2010/main" xmlns:p15="http://schemas.microsoft.com/office/powerpoint/2012/main" xmlns:pr="smNativeData" xmlns="smNativeData" val="SMDATA_16_8bPwYBMAAAAlAAAAEgAAAA8BAAAAkAAAAEgAAACQAAAASAAAAAAAAAAAAAAAAAAAAAEAAABQAAAAAAAAAAAA4D8AAAAAAADgPwAAAAAAAOA/AAAAAAAA4D8AAAAAAADgPwAAAAAAAOA/AAAAAAAA4D8AAAAAAADgPwAAAAAAAOA/AAAAAAAA4D8CAAAAjAAAAAAAAAAAAAAARHLEDP///wgAAAAAAAAAAAAAAAAAAAAAAAAAAAAAAAAAAAAAZAAAAAEAAABAAAAAAAAAAAAAAAAAAAAAAAAAAAAAAAAAAAAAAAAAAAAAAAAAAAAAAAAAAAAAAAAAAAAAAAAAAAAAAAAAAAAAAAAAAAAAAAAAAAAAAAAAAAAAAAAAAAAAFAAAADwAAAAAAAAAAAAAAAAAAAkUAAAAAQAAABQAAAAUAAAAFAAAAAEAAAAAAAAAZAAAAGQAAAAAAAAAZAAAAGQAAAAVAAAAYAAAAAAAAAAAAAAADwAAACADAAAAAAAAAAAAAAEAAACgMgAAVgcAAKr4//8BAAAAf39/AAEAAABkAAAAAAAAABQAAABAHwAAAAAAACYAAAAAAAAAwOD//wAAAAAmAAAAZAAAABYAAABMAAAAAAAAAAAAAAAEAAAAAAAAAAEAAADn5uYKAAAAACgAAAAoAAAAZAAAAGQAAAAAAAAAzMzMAAAAAABQAAAAUAAAAGQAAABkAAAAAAAAABcAAAAUAAAAAAAAAAAAAAD/fwAA/38AAAAAAAAJAAAABAAAAAIAAAAeAAAAaAAAAAAAAAAAAAAAAAAAAAAAAAAAAAAAECcAABAnAAAAAAAAAAAAAAAAAAAAAAAAAAAAAAAAAAAAAAAAAAAAABQAAAAAAAAAwMD/AAAAAABkAAAAMgAAAAAAAABkAAAAAAAAAH9/fwAKAAAAIgAAABgAAAAAAAAAAAAAAAAAAAAAAAAAAAAAAAAAAAAkAAAAJAAAAAAAAAAHAAAAAAAAAAAAAAAAAAAAAAAAAAAAAAAAAAAAf39/ACUAAABYAAAAAAAAAAAAAAAAAAAAAAAAAAAAAAAAAAAAAAAAAAAAAAAAAAAAAAAAAAAAAAA/AAAAAAAAAKCGAQAAAAAAAAAAAAAAAAAMAAAAAQAAAAAAAAAAAAAAAAAAAB8AAABUAAAARHLEBf///wEAAAAAAAAAAAAAAAAAAAAAAAAAAAAAAAAAAAAAAAAAAAAAAAJ/f38A5+bmA8zMzADAwP8Af39/AAAAAAAAAAAAAAAAAAAAAAAAAAAAIQAAABgAAAAUAAAAPAQAAMsmAAAFNAAAvSkAAAAAAAAmAAAACAAAAP//////////MAAAABQAAAAAAAAAAAD//wAAAQAAAP//AAABAA=="/>
               </a:ext>
             </a:extLst>
           </p:cNvSpPr>
@@ -5798,7 +5383,7 @@
 </p:sld>
 </file>
 
-<file path=ppt/slides/slide15.xml><?xml version="1.0" encoding="utf-8"?>
+<file path=ppt/slides/slide13.xml><?xml version="1.0" encoding="utf-8"?>
 <p:sld xmlns:a="http://schemas.openxmlformats.org/drawingml/2006/main" xmlns:r="http://schemas.openxmlformats.org/officeDocument/2006/relationships" xmlns:p="http://schemas.openxmlformats.org/presentationml/2006/main">
   <p:cSld>
     <p:spTree>
@@ -5822,7 +5407,7 @@
             <a:spLocks noGrp="1" noChangeArrowheads="1"/>
             <a:extLst>
               <a:ext uri="smNativeData">
-                <pr:smNativeData xmlns="smNativeData" xmlns:pr="smNativeData" xmlns:p15="http://schemas.microsoft.com/office/powerpoint/2012/main" xmlns:p14="http://schemas.microsoft.com/office/powerpoint/2010/main" xmlns:mc="http://schemas.openxmlformats.org/markup-compatibility/2006" val="SMDATA_16_8bPwYBMAAAAlAAAAZAAAAA8BAAAAkAAAAEgAAACQAAAASAAAAAAAAAABAAAAAAAAAAEAAABQAAAAAAAAAAAA4D8AAAAAAADgPwAAAAAAAOA/AAAAAAAA4D8AAAAAAADgPwAAAAAAAOA/AAAAAAAA4D8AAAAAAADgPwAAAAAAAOA/AAAAAAAA4D8CAAAAjAAAAAAAAAAAAAAARHLEDP///wgAAAAAAAAAAAAAAAAAAAAAAAAAAAAAAAAAAAAAZAAAAAEAAABAAAAAAAAAAAAAAAAAAAAAAAAAAAAAAAAAAAAAAAAAAAAAAAAAAAAAAAAAAAAAAAAAAAAAAAAAAAAAAAAAAAAAAAAAAAAAAAAAAAAAAAAAAAAAAAAAAAAAFAAAADwAAAAAAAAAAAAAAAAAAAkUAAAAAQAAABQAAAAUAAAAFAAAAAEAAAAAAAAAZAAAAGQAAAAAAAAAZAAAAGQAAAAVAAAAYAAAAAAAAAAAAAAADwAAACADAAAAAAAAAAAAAAEAAACgMgAAVgcAAKr4//8BAAAAf39/AAEAAABkAAAAAAAAABQAAABAHwAAAAAAACYAAAAAAAAAwOD//wAAAAAmAAAAZAAAABYAAABMAAAAAAAAAAAAAAAEAAAAAAAAAAEAAADn5uYKAAAAACgAAAAoAAAAZAAAAGQAAAAAAAAAzMzMAAAAAABQAAAAUAAAAGQAAABkAAAAAAAAABcAAAAUAAAAAAAAAAAAAAD/fwAA/38AAAAAAAAJAAAABAAAAJECAAAeAAAAaAAAAAAAAAAAAAAAAAAAAAAAAAAAAAAAECcAABAnAAAAAAAAAAAAAAAAAAAAAAAAAAAAAAAAAAAAAAAAAAAAABQAAAAAAAAAwMD/AAAAAABkAAAAMgAAAAAAAABkAAAAAAAAAH9/fwAKAAAAIgAAABgAAAAAAAAAAAAAAAAAAAAAAAAAAAAAAAAAAAAkAAAAJAAAAAAAAAAHAAAAAAAAAAAAAAAAAAAAAAAAAAAAAAAAAAAAf39/ACUAAABYAAAAAAAAAAAAAAAAAAAAAAAAAAAAAAAAAAAAAAAAAAAAAAAAAAAAAAAAAAAAAAA/AAAAAAAAAKCGAQAAAAAAAAAAAAAAAAAMAAAAAQAAAAAAAAAAAAAAAAAAAB8AAABUAAAARHLEBf///wEAAAAAAAAAAAAAAAAAAAAAAAAAAAAAAAAAAAAAAAAAAAAAAAJ/f38A5+bmA8zMzADAwP8Af39/AAAAAAAAAAAAAAAAAAAAAAAAAAAAIQAAABgAAAAUAAAA3gMAAD8CAABiNAAAZwoAAAAAAAAmAAAACAAAAAEAAAAAAAAAMAAAABQAAAAAAAAAAAD//wAAAQAAAP//AAABAA=="/>
+                <pr:smNativeData xmlns:mc="http://schemas.openxmlformats.org/markup-compatibility/2006" xmlns:p14="http://schemas.microsoft.com/office/powerpoint/2010/main" xmlns:p15="http://schemas.microsoft.com/office/powerpoint/2012/main" xmlns:pr="smNativeData" xmlns="smNativeData" val="SMDATA_16_8bPwYBMAAAAlAAAAZAAAAA8BAAAAkAAAAEgAAACQAAAASAAAAAAAAAABAAAAAAAAAAEAAABQAAAAAAAAAAAA4D8AAAAAAADgPwAAAAAAAOA/AAAAAAAA4D8AAAAAAADgPwAAAAAAAOA/AAAAAAAA4D8AAAAAAADgPwAAAAAAAOA/AAAAAAAA4D8CAAAAjAAAAAAAAAAAAAAARHLEDP///wgAAAAAAAAAAAAAAAAAAAAAAAAAAAAAAAAAAAAAZAAAAAEAAABAAAAAAAAAAAAAAAAAAAAAAAAAAAAAAAAAAAAAAAAAAAAAAAAAAAAAAAAAAAAAAAAAAAAAAAAAAAAAAAAAAAAAAAAAAAAAAAAAAAAAAAAAAAAAAAAAAAAAFAAAADwAAAAAAAAAAAAAAAAAAAkUAAAAAQAAABQAAAAUAAAAFAAAAAEAAAAAAAAAZAAAAGQAAAAAAAAAZAAAAGQAAAAVAAAAYAAAAAAAAAAAAAAADwAAACADAAAAAAAAAAAAAAEAAACgMgAAVgcAAKr4//8BAAAAf39/AAEAAABkAAAAAAAAABQAAABAHwAAAAAAACYAAAAAAAAAwOD//wAAAAAmAAAAZAAAABYAAABMAAAAAAAAAAAAAAAEAAAAAAAAAAEAAADn5uYKAAAAACgAAAAoAAAAZAAAAGQAAAAAAAAAzMzMAAAAAABQAAAAUAAAAGQAAABkAAAAAAAAABcAAAAUAAAAAAAAAAAAAAD/fwAA/38AAAAAAAAJAAAABAAAAJECAAAeAAAAaAAAAAAAAAAAAAAAAAAAAAAAAAAAAAAAECcAABAnAAAAAAAAAAAAAAAAAAAAAAAAAAAAAAAAAAAAAAAAAAAAABQAAAAAAAAAwMD/AAAAAABkAAAAMgAAAAAAAABkAAAAAAAAAH9/fwAKAAAAIgAAABgAAAAAAAAAAAAAAAAAAAAAAAAAAAAAAAAAAAAkAAAAJAAAAAAAAAAHAAAAAAAAAAAAAAAAAAAAAAAAAAAAAAAAAAAAf39/ACUAAABYAAAAAAAAAAAAAAAAAAAAAAAAAAAAAAAAAAAAAAAAAAAAAAAAAAAAAAAAAAAAAAA/AAAAAAAAAKCGAQAAAAAAAAAAAAAAAAAMAAAAAQAAAAAAAAAAAAAAAAAAAB8AAABUAAAARHLEBf///wEAAAAAAAAAAAAAAAAAAAAAAAAAAAAAAAAAAAAAAAAAAAAAAAJ/f38A5+bmA8zMzADAwP8Af39/AAAAAAAAAAAAAAAAAAAAAAAAAAAAIQAAABgAAAAUAAAA3gMAAD8CAABiNAAAZwoAAAAAAAAmAAAACAAAAAEAAAAAAAAAMAAAABQAAAAAAAAAAAD//wAAAQAAAP//AAABAA=="/>
               </a:ext>
             </a:extLst>
           </p:cNvSpPr>
@@ -5856,7 +5441,7 @@
             <a:picLocks noChangeAspect="1"/>
             <a:extLst>
               <a:ext uri="smNativeData">
-                <pr:smNativeData xmlns="smNativeData" xmlns:pr="smNativeData" xmlns:p15="http://schemas.microsoft.com/office/powerpoint/2012/main" xmlns:p14="http://schemas.microsoft.com/office/powerpoint/2010/main" xmlns:mc="http://schemas.openxmlformats.org/markup-compatibility/2006" val="SMDATA_18_8bPwYBMAAAAlAAAAEQAAAC8BAAAAkAAAAEgAAACQAAAASAAAAAAAAAAAAAAAAAAAAAEAAABQAAAAAAAAAAAA4D8AAAAAAADgPwAAAAAAAOA/AAAAAAAA4D8AAAAAAADgPwAAAAAAAOA/AAAAAAAA4D8AAAAAAADgPwAAAAAAAOA/AAAAAAAA4D8CAAAAjAAAAAAAAAAAAAAARHLEDP///wgAAAAAAAAAAAAAAAAAAAAAAAAAAAAAAAAAAAAAZAAAAAEAAABAAAAAAAAAAAAAAAAAAAAAAAAAAAAAAAAAAAAAAAAAAAAAAAAAAAAAAAAAAAAAAAAAAAAAAAAAAAAAAAAAAAAAAAAAAAAAAAAAAAAAAAAAAAAAAAAAAAAAFAAAADwAAAAAAAAAAAAAAAAAAAkUAAAAAQAAABQAAAAUAAAAFAAAAAEAAAAAAAAAZAAAAGQAAAAAAAAAZAAAAGQAAAAVAAAAYAAAAAAAAAAAAAAADwAAACADAAAAAAAAAAAAAAEAAACgMgAAVgcAAKr4//8BAAAAf39/AAEAAABkAAAAAAAAABQAAABAHwAAAAAAACYAAAAAAAAAwOD//wAAAAAmAAAAZAAAABYAAABMAAAAAAAAAAAAAAAEAAAAAAAAAAEAAADn5uYKAAAAACgAAAAoAAAAZAAAAGQAAAAAAAAAzMzMAAAAAABQAAAAUAAAAGQAAABkAAAAAAAAAAcAAAA4AAAAAAAAAAAAAAAAAAAA////AAAAAAAAAAAAAAAAAAAAAAAAAAAAAAAAAAAAAABkAAAAZAAAAAAAAAAjAAAABAAAAGQAAAAXAAAAFAAAAAAAAAAAAAAA/38AAP9/AAAAAAAACQAAAAQAAAAAAAAAHgAAAGgAAAAAAAAAAAAAAAAAAAAAAAAAAAAAABAnAAAQJwAAAAAAAAAAAAAAAAAAAAAAAAAAAAAAAAAAAAAAAAAAAAAUAAAAAAAAAMDA/wAAAAAAZAAAADIAAAAAAAAAZAAAAAAAAAB/f38ACgAAACIAAAAYAAAAAAAAAAAAAAAAAAAAAAAAAAAAAAAAAAAAJAAAACQAAAAAAAAABwAAAAAAAAAAAAAAAAAAAAAAAAAAAAAAAAAAAH9/fwAlAAAAWAAAAAAAAAAAAAAAAAAAAAAAAAAAAAAAAAAAAAAAAAAAAAAAAAAAAAAAAAAAAAAAPwAAAAAAAACghgEAAAAAAAAAAAAAAAAADAAAAAEAAAAAAAAAAAAAAAAAAAAfAAAAVAAAAERyxAX///8BAAAAAAAAAAAAAAAAAAAAAAAAAAAAAAAAAAAAAAAAAAAAAAACf39/AOfm5gPMzMwAwMD/AH9/fwAAAAAAAAAAAAAAAAD///8AAAAAACEAAAAYAAAAFAAAAF4AAAAODAAAfAgAADwSAAAAAAAAJgAAAAgAAAD//////////zAAAAAUAAAAAAAAAAAA//8AAAEAAAD//wAAAQA="/>
+                <pr:smNativeData xmlns:mc="http://schemas.openxmlformats.org/markup-compatibility/2006" xmlns:p14="http://schemas.microsoft.com/office/powerpoint/2010/main" xmlns:p15="http://schemas.microsoft.com/office/powerpoint/2012/main" xmlns:pr="smNativeData" xmlns="smNativeData" val="SMDATA_18_8bPwYBMAAAAlAAAAEQAAAC8BAAAAkAAAAEgAAACQAAAASAAAAAAAAAAAAAAAAAAAAAEAAABQAAAAAAAAAAAA4D8AAAAAAADgPwAAAAAAAOA/AAAAAAAA4D8AAAAAAADgPwAAAAAAAOA/AAAAAAAA4D8AAAAAAADgPwAAAAAAAOA/AAAAAAAA4D8CAAAAjAAAAAAAAAAAAAAARHLEDP///wgAAAAAAAAAAAAAAAAAAAAAAAAAAAAAAAAAAAAAZAAAAAEAAABAAAAAAAAAAAAAAAAAAAAAAAAAAAAAAAAAAAAAAAAAAAAAAAAAAAAAAAAAAAAAAAAAAAAAAAAAAAAAAAAAAAAAAAAAAAAAAAAAAAAAAAAAAAAAAAAAAAAAFAAAADwAAAAAAAAAAAAAAAAAAAkUAAAAAQAAABQAAAAUAAAAFAAAAAEAAAAAAAAAZAAAAGQAAAAAAAAAZAAAAGQAAAAVAAAAYAAAAAAAAAAAAAAADwAAACADAAAAAAAAAAAAAAEAAACgMgAAVgcAAKr4//8BAAAAf39/AAEAAABkAAAAAAAAABQAAABAHwAAAAAAACYAAAAAAAAAwOD//wAAAAAmAAAAZAAAABYAAABMAAAAAAAAAAAAAAAEAAAAAAAAAAEAAADn5uYKAAAAACgAAAAoAAAAZAAAAGQAAAAAAAAAzMzMAAAAAABQAAAAUAAAAGQAAABkAAAAAAAAAAcAAAA4AAAAAAAAAAAAAAAAAAAA////AAAAAAAAAAAAAAAAAAAAAAAAAAAAAAAAAAAAAABkAAAAZAAAAAAAAAAjAAAABAAAAGQAAAAXAAAAFAAAAAAAAAAAAAAA/38AAP9/AAAAAAAACQAAAAQAAAAAAAAAHgAAAGgAAAAAAAAAAAAAAAAAAAAAAAAAAAAAABAnAAAQJwAAAAAAAAAAAAAAAAAAAAAAAAAAAAAAAAAAAAAAAAAAAAAUAAAAAAAAAMDA/wAAAAAAZAAAADIAAAAAAAAAZAAAAAAAAAB/f38ACgAAACIAAAAYAAAAAAAAAAAAAAAAAAAAAAAAAAAAAAAAAAAAJAAAACQAAAAAAAAABwAAAAAAAAAAAAAAAAAAAAAAAAAAAAAAAAAAAH9/fwAlAAAAWAAAAAAAAAAAAAAAAAAAAAAAAAAAAAAAAAAAAAAAAAAAAAAAAAAAAAAAAAAAAAAAPwAAAAAAAACghgEAAAAAAAAAAAAAAAAADAAAAAEAAAAAAAAAAAAAAAAAAAAfAAAAVAAAAERyxAX///8BAAAAAAAAAAAAAAAAAAAAAAAAAAAAAAAAAAAAAAAAAAAAAAACf39/AOfm5gPMzMwAwMD/AH9/fwAAAAAAAAAAAAAAAAD///8AAAAAACEAAAAYAAAAFAAAAF4AAAAODAAAfAgAADwSAAAAAAAAJgAAAAgAAAD//////////zAAAAAUAAAAAAAAAAAA//8AAAEAAAD//wAAAQA="/>
               </a:ext>
             </a:extLst>
           </p:cNvPicPr>
@@ -5890,7 +5475,7 @@
             <a:picLocks noChangeAspect="1"/>
             <a:extLst>
               <a:ext uri="smNativeData">
-                <pr:smNativeData xmlns="smNativeData" xmlns:pr="smNativeData" xmlns:p15="http://schemas.microsoft.com/office/powerpoint/2012/main" xmlns:p14="http://schemas.microsoft.com/office/powerpoint/2010/main" xmlns:mc="http://schemas.openxmlformats.org/markup-compatibility/2006" val="SMDATA_18_8bPwYBMAAAAlAAAAEQAAAC8BAAAAkAAAAEgAAACQAAAASAAAAAAAAAAAAAAAAAAAAAEAAABQAAAAAAAAAAAA4D8AAAAAAADgPwAAAAAAAOA/AAAAAAAA4D8AAAAAAADgPwAAAAAAAOA/AAAAAAAA4D8AAAAAAADgPwAAAAAAAOA/AAAAAAAA4D8CAAAAjAAAAAAAAAAAAAAARHLEDP///wgAAAAAAAAAAAAAAAAAAAAAAAAAAAAAAAAAAAAAZAAAAAEAAABAAAAAAAAAAAAAAAAAAAAAAAAAAAAAAAAAAAAAAAAAAAAAAAAAAAAAAAAAAAAAAAAAAAAAAAAAAAAAAAAAAAAAAAAAAAAAAAAAAAAAAAAAAAAAAAAAAAAAFAAAADwAAAAAAAAAAAAAAAAAAAkUAAAAAQAAABQAAAAUAAAAFAAAAAEAAAAAAAAAZAAAAGQAAAAAAAAAZAAAAGQAAAAVAAAAYAAAAAAAAAAAAAAADwAAACADAAAAAAAAAAAAAAEAAACgMgAAVgcAAKr4//8BAAAAf39/AAEAAABkAAAAAAAAABQAAABAHwAAAAAAACYAAAAAAAAAwOD//wAAAAAmAAAAZAAAABYAAABMAAAAAAAAAAAAAAAEAAAAAAAAAAEAAADn5uYKAAAAACgAAAAoAAAAZAAAAGQAAAAAAAAAzMzMAAAAAABQAAAAUAAAAGQAAABkAAAAAAAAAAcAAAA4AAAAAAAAAAAAAAAAAAAA////AAAAAAAAAAAAAAAAAAAAAAAAAAAAAAAAAAAAAABkAAAAZAAAAAAAAAAjAAAABAAAAGQAAAAXAAAAFAAAAAAAAAAAAAAA/38AAP9/AAAAAAAACQAAAAQAAAAgS+QLHgAAAGgAAAAAAAAAAAAAAAAAAAAAAAAAAAAAABAnAAAQJwAAAAAAAAAAAAAAAAAAAAAAAAAAAAAAAAAAAAAAAAAAAAAUAAAAAAAAAMDA/wAAAAAAZAAAADIAAAAAAAAAZAAAAAAAAAB/f38ACgAAACIAAAAYAAAAAAAAAAAAAAAAAAAAAAAAAAAAAAAAAAAAJAAAACQAAAAAAAAABwAAAAAAAAAAAAAAAAAAAAAAAAAAAAAAAAAAAH9/fwAlAAAAWAAAAAAAAAAAAAAAAAAAAAAAAAAAAAAAAAAAAAAAAAAAAAAAAAAAAAAAAAAAAAAAPwAAAAAAAACghgEAAAAAAAAAAAAAAAAADAAAAAEAAAAAAAAAAAAAAAAAAAAfAAAAVAAAAERyxAX///8BAAAAAAAAAAAAAAAAAAAAAAAAAAAAAAAAAAAAAAAAAAAAAAACf39/AOfm5gPMzMwAwMD/AH9/fwAAAAAAAAAAAAAAAAD///8AAAAAACEAAAAYAAAAFAAAADoDAAA4CQAAijUAAGMLAAAAAAAAJgAAAAgAAAD//////////zAAAAAUAAAAAAAAAAAA//8AAAEAAAD//wAAAQA="/>
+                <pr:smNativeData xmlns:mc="http://schemas.openxmlformats.org/markup-compatibility/2006" xmlns:p14="http://schemas.microsoft.com/office/powerpoint/2010/main" xmlns:p15="http://schemas.microsoft.com/office/powerpoint/2012/main" xmlns:pr="smNativeData" xmlns="smNativeData" val="SMDATA_18_8bPwYBMAAAAlAAAAEQAAAC8BAAAAkAAAAEgAAACQAAAASAAAAAAAAAAAAAAAAAAAAAEAAABQAAAAAAAAAAAA4D8AAAAAAADgPwAAAAAAAOA/AAAAAAAA4D8AAAAAAADgPwAAAAAAAOA/AAAAAAAA4D8AAAAAAADgPwAAAAAAAOA/AAAAAAAA4D8CAAAAjAAAAAAAAAAAAAAARHLEDP///wgAAAAAAAAAAAAAAAAAAAAAAAAAAAAAAAAAAAAAZAAAAAEAAABAAAAAAAAAAAAAAAAAAAAAAAAAAAAAAAAAAAAAAAAAAAAAAAAAAAAAAAAAAAAAAAAAAAAAAAAAAAAAAAAAAAAAAAAAAAAAAAAAAAAAAAAAAAAAAAAAAAAAFAAAADwAAAAAAAAAAAAAAAAAAAkUAAAAAQAAABQAAAAUAAAAFAAAAAEAAAAAAAAAZAAAAGQAAAAAAAAAZAAAAGQAAAAVAAAAYAAAAAAAAAAAAAAADwAAACADAAAAAAAAAAAAAAEAAACgMgAAVgcAAKr4//8BAAAAf39/AAEAAABkAAAAAAAAABQAAABAHwAAAAAAACYAAAAAAAAAwOD//wAAAAAmAAAAZAAAABYAAABMAAAAAAAAAAAAAAAEAAAAAAAAAAEAAADn5uYKAAAAACgAAAAoAAAAZAAAAGQAAAAAAAAAzMzMAAAAAABQAAAAUAAAAGQAAABkAAAAAAAAAAcAAAA4AAAAAAAAAAAAAAAAAAAA////AAAAAAAAAAAAAAAAAAAAAAAAAAAAAAAAAAAAAABkAAAAZAAAAAAAAAAjAAAABAAAAGQAAAAXAAAAFAAAAAAAAAAAAAAA/38AAP9/AAAAAAAACQAAAAQAAAAgS+QLHgAAAGgAAAAAAAAAAAAAAAAAAAAAAAAAAAAAABAnAAAQJwAAAAAAAAAAAAAAAAAAAAAAAAAAAAAAAAAAAAAAAAAAAAAUAAAAAAAAAMDA/wAAAAAAZAAAADIAAAAAAAAAZAAAAAAAAAB/f38ACgAAACIAAAAYAAAAAAAAAAAAAAAAAAAAAAAAAAAAAAAAAAAAJAAAACQAAAAAAAAABwAAAAAAAAAAAAAAAAAAAAAAAAAAAAAAAAAAAH9/fwAlAAAAWAAAAAAAAAAAAAAAAAAAAAAAAAAAAAAAAAAAAAAAAAAAAAAAAAAAAAAAAAAAAAAAPwAAAAAAAACghgEAAAAAAAAAAAAAAAAADAAAAAEAAAAAAAAAAAAAAAAAAAAfAAAAVAAAAERyxAX///8BAAAAAAAAAAAAAAAAAAAAAAAAAAAAAAAAAAAAAAAAAAAAAAACf39/AOfm5gPMzMwAwMD/AH9/fwAAAAAAAAAAAAAAAAD///8AAAAAACEAAAAYAAAAFAAAADoDAAA4CQAAijUAAGMLAAAAAAAAJgAAAAgAAAD//////////zAAAAAUAAAAAAAAAAAA//8AAAEAAAD//wAAAQA="/>
               </a:ext>
             </a:extLst>
           </p:cNvPicPr>
@@ -5924,7 +5509,7 @@
             <a:picLocks noChangeAspect="1"/>
             <a:extLst>
               <a:ext uri="smNativeData">
-                <pr:smNativeData xmlns="smNativeData" xmlns:pr="smNativeData" xmlns:p15="http://schemas.microsoft.com/office/powerpoint/2012/main" xmlns:p14="http://schemas.microsoft.com/office/powerpoint/2010/main" xmlns:mc="http://schemas.openxmlformats.org/markup-compatibility/2006" val="SMDATA_18_8bPwYBMAAAAlAAAAEQAAAC8BAAAAkAAAAEgAAACQAAAASAAAAAAAAAAAAAAAAAAAAAEAAABQAAAAAAAAAAAA4D8AAAAAAADgPwAAAAAAAOA/AAAAAAAA4D8AAAAAAADgPwAAAAAAAOA/AAAAAAAA4D8AAAAAAADgPwAAAAAAAOA/AAAAAAAA4D8CAAAAjAAAAAAAAAAAAAAARHLEDP///wgAAAAAAAAAAAAAAAAAAAAAAAAAAAAAAAAAAAAAZAAAAAEAAABAAAAAAAAAAAAAAAAAAAAAAAAAAAAAAAAAAAAAAAAAAAAAAAAAAAAAAAAAAAAAAAAAAAAAAAAAAAAAAAAAAAAAAAAAAAAAAAAAAAAAAAAAAAAAAAAAAAAAFAAAADwAAAAAAAAAAAAAAAAAAAkUAAAAAQAAABQAAAAUAAAAFAAAAAEAAAAAAAAAZAAAAGQAAAAAAAAAZAAAAGQAAAAVAAAAYAAAAAAAAAAAAAAADwAAACADAAAAAAAAAAAAAAEAAACgMgAAVgcAAKr4//8BAAAAf39/AAEAAABkAAAAAAAAABQAAABAHwAAAAAAACYAAAAAAAAAwOD//wAAAAAmAAAAZAAAABYAAABMAAAAAAAAAAAAAAAEAAAAAAAAAAEAAADn5uYKAAAAACgAAAAoAAAAZAAAAGQAAAAAAAAAzMzMAAAAAABQAAAAUAAAAGQAAABkAAAAAAAAAAcAAAA4AAAAAAAAAAAAAAAAAAAA////AAAAAAAAAAAAkwcAAFMKAACHBAAAHgoAAAAAAABkAAAAZAAAAAAAAAAjAAAABAAAAGQAAAAXAAAAFAAAAAAAAAAAAAAA/38AAP9/AAAAAAAACQAAAAQAAAAgnHcKHgAAAGgAAAAAAAAAAAAAAAAAAAAAAAAAAAAAABAnAAAQJwAAAAAAAAAAAAAAAAAAAAAAAAAAAAAAAAAAAAAAAAAAAAAUAAAAAAAAAMDA/wAAAAAAZAAAADIAAAAAAAAAZAAAAAAAAAB/f38ACgAAACIAAAAYAAAAAAAAAAAAAAAAAAAAAAAAAAAAAAAAAAAAJAAAACQAAAAAAAAABwAAAAAAAAAAAAAAAAAAAAAAAAAAAAAAAAAAAH9/fwAlAAAAWAAAAAAAAAAAAAAAAAAAAAAAAAAAAAAAAAAAAAAAAAAAAAAAAAAAAAAAAAAAAAAAPwAAAAAAAACghgEAAAAAAAAAAAAAAAAADAAAAAEAAAAAAAAAAAAAAAAAAAAfAAAAVAAAAERyxAX///8BAAAAAAAAAAAAAAAAAAAAAAAAAAAAAAAAAAAAAAAAAAAAAAACf39/AOfm5gPMzMwAwMD/AH9/fwAAAAAAAAAAAAAAAAD///8AAAAAACEAAAAYAAAAFAAAADkGAAB3EwAAsA0AADgVAAAAAAAAJgAAAAgAAAD//////////zAAAAAUAAAAAAAAAAAA//8AAAEAAAD//wAAAQA="/>
+                <pr:smNativeData xmlns:mc="http://schemas.openxmlformats.org/markup-compatibility/2006" xmlns:p14="http://schemas.microsoft.com/office/powerpoint/2010/main" xmlns:p15="http://schemas.microsoft.com/office/powerpoint/2012/main" xmlns:pr="smNativeData" xmlns="smNativeData" val="SMDATA_18_8bPwYBMAAAAlAAAAEQAAAC8BAAAAkAAAAEgAAACQAAAASAAAAAAAAAAAAAAAAAAAAAEAAABQAAAAAAAAAAAA4D8AAAAAAADgPwAAAAAAAOA/AAAAAAAA4D8AAAAAAADgPwAAAAAAAOA/AAAAAAAA4D8AAAAAAADgPwAAAAAAAOA/AAAAAAAA4D8CAAAAjAAAAAAAAAAAAAAARHLEDP///wgAAAAAAAAAAAAAAAAAAAAAAAAAAAAAAAAAAAAAZAAAAAEAAABAAAAAAAAAAAAAAAAAAAAAAAAAAAAAAAAAAAAAAAAAAAAAAAAAAAAAAAAAAAAAAAAAAAAAAAAAAAAAAAAAAAAAAAAAAAAAAAAAAAAAAAAAAAAAAAAAAAAAFAAAADwAAAAAAAAAAAAAAAAAAAkUAAAAAQAAABQAAAAUAAAAFAAAAAEAAAAAAAAAZAAAAGQAAAAAAAAAZAAAAGQAAAAVAAAAYAAAAAAAAAAAAAAADwAAACADAAAAAAAAAAAAAAEAAACgMgAAVgcAAKr4//8BAAAAf39/AAEAAABkAAAAAAAAABQAAABAHwAAAAAAACYAAAAAAAAAwOD//wAAAAAmAAAAZAAAABYAAABMAAAAAAAAAAAAAAAEAAAAAAAAAAEAAADn5uYKAAAAACgAAAAoAAAAZAAAAGQAAAAAAAAAzMzMAAAAAABQAAAAUAAAAGQAAABkAAAAAAAAAAcAAAA4AAAAAAAAAAAAAAAAAAAA////AAAAAAAAAAAAkwcAAFMKAACHBAAAHgoAAAAAAABkAAAAZAAAAAAAAAAjAAAABAAAAGQAAAAXAAAAFAAAAAAAAAAAAAAA/38AAP9/AAAAAAAACQAAAAQAAAAgnHcKHgAAAGgAAAAAAAAAAAAAAAAAAAAAAAAAAAAAABAnAAAQJwAAAAAAAAAAAAAAAAAAAAAAAAAAAAAAAAAAAAAAAAAAAAAUAAAAAAAAAMDA/wAAAAAAZAAAADIAAAAAAAAAZAAAAAAAAAB/f38ACgAAACIAAAAYAAAAAAAAAAAAAAAAAAAAAAAAAAAAAAAAAAAAJAAAACQAAAAAAAAABwAAAAAAAAAAAAAAAAAAAAAAAAAAAAAAAAAAAH9/fwAlAAAAWAAAAAAAAAAAAAAAAAAAAAAAAAAAAAAAAAAAAAAAAAAAAAAAAAAAAAAAAAAAAAAAPwAAAAAAAACghgEAAAAAAAAAAAAAAAAADAAAAAEAAAAAAAAAAAAAAAAAAAAfAAAAVAAAAERyxAX///8BAAAAAAAAAAAAAAAAAAAAAAAAAAAAAAAAAAAAAAAAAAAAAAACf39/AOfm5gPMzMwAwMD/AH9/fwAAAAAAAAAAAAAAAAD///8AAAAAACEAAAAYAAAAFAAAADkGAAB3EwAAsA0AADgVAAAAAAAAJgAAAAgAAAD//////////zAAAAAUAAAAAAAAAAAA//8AAAEAAAD//wAAAQA="/>
               </a:ext>
             </a:extLst>
           </p:cNvPicPr>
@@ -5959,7 +5544,7 @@
             <a:picLocks noChangeAspect="1"/>
             <a:extLst>
               <a:ext uri="smNativeData">
-                <pr:smNativeData xmlns="smNativeData" xmlns:pr="smNativeData" xmlns:p15="http://schemas.microsoft.com/office/powerpoint/2012/main" xmlns:p14="http://schemas.microsoft.com/office/powerpoint/2010/main" xmlns:mc="http://schemas.openxmlformats.org/markup-compatibility/2006" val="SMDATA_18_8bPwYBMAAAAlAAAAEQAAAC8BAAAAkAAAAEgAAACQAAAASAAAAAAAAAAAAAAAAAAAAAEAAABQAAAAAAAAAAAA4D8AAAAAAADgPwAAAAAAAOA/AAAAAAAA4D8AAAAAAADgPwAAAAAAAOA/AAAAAAAA4D8AAAAAAADgPwAAAAAAAOA/AAAAAAAA4D8CAAAAjAAAAAAAAAAAAAAARHLEDP///wgAAAAAAAAAAAAAAAAAAAAAAAAAAAAAAAAAAAAAZAAAAAEAAABAAAAAAAAAAAAAAAAAAAAAAAAAAAAAAAAAAAAAAAAAAAAAAAAAAAAAAAAAAAAAAAAAAAAAAAAAAAAAAAAAAAAAAAAAAAAAAAAAAAAAAAAAAAAAAAAAAAAAFAAAADwAAAAAAAAAAAAAAAAAAAkUAAAAAQAAABQAAAAUAAAAFAAAAAEAAAAAAAAAZAAAAGQAAAAAAAAAZAAAAGQAAAAVAAAAYAAAAAAAAAAAAAAADwAAACADAAAAAAAAAAAAAAEAAACgMgAAVgcAAKr4//8BAAAAf39/AAEAAABkAAAAAAAAABQAAABAHwAAAAAAACYAAAAAAAAAwOD//wAAAAAmAAAAZAAAABYAAABMAAAAAAAAAAAAAAAEAAAAAAAAAAEAAADn5uYKAAAAACgAAAAoAAAAZAAAAGQAAAAAAAAAzMzMAAAAAABQAAAAUAAAAGQAAABkAAAAAAAAAAcAAAA4AAAAAAAAAAAAAAAAAAAA////AAAAAAAAAAAAAAAAAAAAAAAAAAAAAAAAAAAAAABkAAAAZAAAAAAAAAAjAAAABAAAAGQAAAAXAAAAFAAAAAAAAAAAAAAA/38AAP9/AAAAAAAACQAAAAQAAAAgS+QLHgAAAGgAAAAAAAAAAAAAAAAAAAAAAAAAAAAAABAnAAAQJwAAAAAAAAAAAAAAAAAAAAAAAAAAAAAAAAAAAAAAAAAAAAAUAAAAAAAAAMDA/wAAAAAAZAAAADIAAAAAAAAAZAAAAAAAAAB/f38ACgAAACIAAAAYAAAAAAAAAAAAAAAAAAAAAAAAAAAAAAAAAAAAJAAAACQAAAAAAAAABwAAAAAAAAAAAAAAAAAAAAAAAAAAAAAAAAAAAH9/fwAlAAAAWAAAAAAAAAAAAAAAAAAAAAAAAAAAAAAAAAAAAAAAAAAAAAAAAAAAAAAAAAAAAAAAPwAAAAAAAACghgEAAAAAAAAAAAAAAAAADAAAAAEAAAAAAAAAAAAAAAAAAAAfAAAAVAAAAERyxAX///8BAAAAAAAAAAAAAAAAAAAAAAAAAAAAAAAAAAAAAAAAAAAAAAACf39/AOfm5gPMzMwAwMD/AH9/fwAAAAAAAAAAAAAAAAD///8AAAAAACEAAAAYAAAAFAAAADAKAABGFgAAOxMAAAYaAAAAAAAAJgAAAAgAAAD//////////zAAAAAUAAAAAAAAAAAA//8AAAEAAAD//wAAAQA="/>
+                <pr:smNativeData xmlns:mc="http://schemas.openxmlformats.org/markup-compatibility/2006" xmlns:p14="http://schemas.microsoft.com/office/powerpoint/2010/main" xmlns:p15="http://schemas.microsoft.com/office/powerpoint/2012/main" xmlns:pr="smNativeData" xmlns="smNativeData" val="SMDATA_18_8bPwYBMAAAAlAAAAEQAAAC8BAAAAkAAAAEgAAACQAAAASAAAAAAAAAAAAAAAAAAAAAEAAABQAAAAAAAAAAAA4D8AAAAAAADgPwAAAAAAAOA/AAAAAAAA4D8AAAAAAADgPwAAAAAAAOA/AAAAAAAA4D8AAAAAAADgPwAAAAAAAOA/AAAAAAAA4D8CAAAAjAAAAAAAAAAAAAAARHLEDP///wgAAAAAAAAAAAAAAAAAAAAAAAAAAAAAAAAAAAAAZAAAAAEAAABAAAAAAAAAAAAAAAAAAAAAAAAAAAAAAAAAAAAAAAAAAAAAAAAAAAAAAAAAAAAAAAAAAAAAAAAAAAAAAAAAAAAAAAAAAAAAAAAAAAAAAAAAAAAAAAAAAAAAFAAAADwAAAAAAAAAAAAAAAAAAAkUAAAAAQAAABQAAAAUAAAAFAAAAAEAAAAAAAAAZAAAAGQAAAAAAAAAZAAAAGQAAAAVAAAAYAAAAAAAAAAAAAAADwAAACADAAAAAAAAAAAAAAEAAACgMgAAVgcAAKr4//8BAAAAf39/AAEAAABkAAAAAAAAABQAAABAHwAAAAAAACYAAAAAAAAAwOD//wAAAAAmAAAAZAAAABYAAABMAAAAAAAAAAAAAAAEAAAAAAAAAAEAAADn5uYKAAAAACgAAAAoAAAAZAAAAGQAAAAAAAAAzMzMAAAAAABQAAAAUAAAAGQAAABkAAAAAAAAAAcAAAA4AAAAAAAAAAAAAAAAAAAA////AAAAAAAAAAAAAAAAAAAAAAAAAAAAAAAAAAAAAABkAAAAZAAAAAAAAAAjAAAABAAAAGQAAAAXAAAAFAAAAAAAAAAAAAAA/38AAP9/AAAAAAAACQAAAAQAAAAgS+QLHgAAAGgAAAAAAAAAAAAAAAAAAAAAAAAAAAAAABAnAAAQJwAAAAAAAAAAAAAAAAAAAAAAAAAAAAAAAAAAAAAAAAAAAAAUAAAAAAAAAMDA/wAAAAAAZAAAADIAAAAAAAAAZAAAAAAAAAB/f38ACgAAACIAAAAYAAAAAAAAAAAAAAAAAAAAAAAAAAAAAAAAAAAAJAAAACQAAAAAAAAABwAAAAAAAAAAAAAAAAAAAAAAAAAAAAAAAAAAAH9/fwAlAAAAWAAAAAAAAAAAAAAAAAAAAAAAAAAAAAAAAAAAAAAAAAAAAAAAAAAAAAAAAAAAAAAAPwAAAAAAAACghgEAAAAAAAAAAAAAAAAADAAAAAEAAAAAAAAAAAAAAAAAAAAfAAAAVAAAAERyxAX///8BAAAAAAAAAAAAAAAAAAAAAAAAAAAAAAAAAAAAAAAAAAAAAAACf39/AOfm5gPMzMwAwMD/AH9/fwAAAAAAAAAAAAAAAAD///8AAAAAACEAAAAYAAAAFAAAADAKAABGFgAAOxMAAAYaAAAAAAAAJgAAAAgAAAD//////////zAAAAAUAAAAAAAAAAAA//8AAAEAAAD//wAAAQA="/>
               </a:ext>
             </a:extLst>
           </p:cNvPicPr>
@@ -5992,7 +5577,7 @@
           <p:cNvSpPr>
             <a:extLst>
               <a:ext uri="smNativeData">
-                <pr:smNativeData xmlns="smNativeData" xmlns:pr="smNativeData" xmlns:p15="http://schemas.microsoft.com/office/powerpoint/2012/main" xmlns:p14="http://schemas.microsoft.com/office/powerpoint/2010/main" xmlns:mc="http://schemas.openxmlformats.org/markup-compatibility/2006" val="SMDATA_16_8bPwYBMAAAAlAAAACgAAAA8BAAAAkAAAAEgAAACQAAAASAAAAAAAAAAAAAAAAAAAAAEAAABQAAAAAAAAAAAA4D8AAAAAAADgPwAAAAAAAOA/AAAAAAAA4D8AAAAAAADgPwAAAAAAAOA/AAAAAAAA4D8AAAAAAADgPwAAAAAAAOA/AAAAAAAA4D8CAAAAjAAAAAAAAAAAAAAARHLEDP///wgAAAAAAAAAAAAAAAAAAAAAAAAAAAAAAAAAAAAAZAAAAAEAAABAAAAAAAAAAAAAAAAAAAAAAAAAAAAAAAAAAAAAAAAAAAAAAAAAAAAAAAAAAAAAAAAAAAAAAAAAAAAAAAAAAAAAAAAAAAAAAAAAAAAAAAAAAAAAAAAAAAAAFAAAADwAAAABAAAAAgAAAHCtRwAUAAAAAQAAABQAAAAUAAAAFAAAAAEAAAAAAAAAZAAAAGQAAAABAAAAlgAAAJYAAAAVAAAAYAAAAAAAAAAAAAAADwAAACADAAAAAAAAAAAAAAEAAACgMgAAVgcAAKr4//8BAAAAf39/AAEAAABkAAAAAAAAABQAAABAHwAAAAAAACYAAAAAAAAAwOD//wAAAAAmAAAAZAAAABYAAABMAAAAAAAAAAAAAAAEAAAAAAAAAAEAAADn5uYKAAAAACgAAAAoAAAAZAAAAGQAAAAAAAAAzMzMAAAAAABQAAAAUAAAAGQAAABkAAAAAAAAABcAAAAUAAAAAAAAAAAAAAD/fwAA/38AAAAAAAAJAAAABAAAAAAAAAAeAAAAaAAAAAAAAAAAAAAAAAAAAAAAAAAAAAAAECcAABAnAAAAAAAAAAAAAAAAAAAAAAAAAAAAAAAAAAAAAAAAAAAAABQAAAAAAAAAwMD/AAAAAABkAAAAMgAAAAAAAABkAAAAAAAAAH9/fwAKAAAAIgAAABgAAAAAAAAAAAAAAAAAAAAAAAAAAAAAAAAAAAAkAAAAJAAAAAAAAAAHAAAAAAAAAAAAAAAAAAAAAAAAAAAAAAAAAAAAf39/ACUAAABYAAAAAAAAAAAAAAAAAAAAAAAAAAAAAAAAAAAAAAAAAAAAAAAAAAAAAAAAAAAAAAA/AAAAAAAAAKCGAQAAAAAAAAAAAAAAAAAMAAAAAQAAAAAAAAAAAAAAAAAAAB8AAABUAAAARHLEBf///wEAAAAAAAAAAAAAAAAAAAAAAAAAAAAAAAAAAAAAAAAAAHCtRwx/f38A5+bmA8zMzADAwP8Af39/AAAAAAAAAAAAAAAAAAAAAAAAAAAAIQAAABgAAAAUAAAAVQUAAOQRAAAWCAAA4xMAAAAAAAAmAAAACAAAAP//////////MAAAABQAAAAAAAAAAAD//wAAAQAAAP//AAABAA=="/>
+                <pr:smNativeData xmlns:mc="http://schemas.openxmlformats.org/markup-compatibility/2006" xmlns:p14="http://schemas.microsoft.com/office/powerpoint/2010/main" xmlns:p15="http://schemas.microsoft.com/office/powerpoint/2012/main" xmlns:pr="smNativeData" xmlns="smNativeData" val="SMDATA_16_8bPwYBMAAAAlAAAACgAAAA8BAAAAkAAAAEgAAACQAAAASAAAAAAAAAAAAAAAAAAAAAEAAABQAAAAAAAAAAAA4D8AAAAAAADgPwAAAAAAAOA/AAAAAAAA4D8AAAAAAADgPwAAAAAAAOA/AAAAAAAA4D8AAAAAAADgPwAAAAAAAOA/AAAAAAAA4D8CAAAAjAAAAAAAAAAAAAAARHLEDP///wgAAAAAAAAAAAAAAAAAAAAAAAAAAAAAAAAAAAAAZAAAAAEAAABAAAAAAAAAAAAAAAAAAAAAAAAAAAAAAAAAAAAAAAAAAAAAAAAAAAAAAAAAAAAAAAAAAAAAAAAAAAAAAAAAAAAAAAAAAAAAAAAAAAAAAAAAAAAAAAAAAAAAFAAAADwAAAABAAAAAgAAAHCtRwAUAAAAAQAAABQAAAAUAAAAFAAAAAEAAAAAAAAAZAAAAGQAAAABAAAAlgAAAJYAAAAVAAAAYAAAAAAAAAAAAAAADwAAACADAAAAAAAAAAAAAAEAAACgMgAAVgcAAKr4//8BAAAAf39/AAEAAABkAAAAAAAAABQAAABAHwAAAAAAACYAAAAAAAAAwOD//wAAAAAmAAAAZAAAABYAAABMAAAAAAAAAAAAAAAEAAAAAAAAAAEAAADn5uYKAAAAACgAAAAoAAAAZAAAAGQAAAAAAAAAzMzMAAAAAABQAAAAUAAAAGQAAABkAAAAAAAAABcAAAAUAAAAAAAAAAAAAAD/fwAA/38AAAAAAAAJAAAABAAAAAAAAAAeAAAAaAAAAAAAAAAAAAAAAAAAAAAAAAAAAAAAECcAABAnAAAAAAAAAAAAAAAAAAAAAAAAAAAAAAAAAAAAAAAAAAAAABQAAAAAAAAAwMD/AAAAAABkAAAAMgAAAAAAAABkAAAAAAAAAH9/fwAKAAAAIgAAABgAAAAAAAAAAAAAAAAAAAAAAAAAAAAAAAAAAAAkAAAAJAAAAAAAAAAHAAAAAAAAAAAAAAAAAAAAAAAAAAAAAAAAAAAAf39/ACUAAABYAAAAAAAAAAAAAAAAAAAAAAAAAAAAAAAAAAAAAAAAAAAAAAAAAAAAAAAAAAAAAAA/AAAAAAAAAKCGAQAAAAAAAAAAAAAAAAAMAAAAAQAAAAAAAAAAAAAAAAAAAB8AAABUAAAARHLEBf///wEAAAAAAAAAAAAAAAAAAAAAAAAAAAAAAAAAAAAAAAAAAHCtRwx/f38A5+bmA8zMzADAwP8Af39/AAAAAAAAAAAAAAAAAAAAAAAAAAAAIQAAABgAAAAUAAAAVQUAAOQRAAAWCAAA4xMAAAAAAAAmAAAACAAAAP//////////MAAAABQAAAAAAAAAAAD//wAAAQAAAP//AAABAA=="/>
               </a:ext>
             </a:extLst>
           </p:cNvSpPr>
@@ -6024,7 +5609,7 @@
           <p:cNvSpPr>
             <a:extLst>
               <a:ext uri="smNativeData">
-                <pr:smNativeData xmlns="smNativeData" xmlns:pr="smNativeData" xmlns:p15="http://schemas.microsoft.com/office/powerpoint/2012/main" xmlns:p14="http://schemas.microsoft.com/office/powerpoint/2010/main" xmlns:mc="http://schemas.openxmlformats.org/markup-compatibility/2006" val="SMDATA_16_8bPwYBMAAAAlAAAACgAAAA8BAAAAkAAAAEgAAACQAAAASAAAAAAAAAAAAAAAAAAAAAEAAABQAAAAAAAAAAAA4D8AAAAAAADgPwAAAAAAAOA/AAAAAAAA4D8AAAAAAADgPwAAAAAAAOA/AAAAAAAA4D8AAAAAAADgPwAAAAAAAOA/AAAAAAAA4D8CAAAAjAAAAAAAAAAAAAAARHLEDP///wgAAAAAAAAAAAAAAAAAAAAAAAAAAAAAAAAAAAAAZAAAAAEAAABAAAAAAAAAAAAAAAAAAAAAAAAAAAAAAAAAAAAAAAAAAAAAAAAAAAAAAAAAAAAAAAAAAAAAAAAAAAAAAAAAAAAAAAAAAAAAAAAAAAAAAAAAAAAAAAAAAAAAFAAAADwAAAABAAAAAgAAAHCtRwAUAAAAAQAAABQAAAAUAAAAFAAAAAEAAAAAAAAAZAAAAGQAAAABAAAAlgAAAJYAAAAVAAAAYAAAAAAAAAAAAAAADwAAACADAAAAAAAAAAAAAAEAAACgMgAAVgcAAKr4//8BAAAAf39/AAEAAABkAAAAAAAAABQAAABAHwAAAAAAACYAAAAAAAAAwOD//wAAAAAmAAAAZAAAABYAAABMAAAAAAAAAAAAAAAEAAAAAAAAAAEAAADn5uYKAAAAACgAAAAoAAAAZAAAAGQAAAAAAAAAzMzMAAAAAABQAAAAUAAAAGQAAABkAAAAAAAAABcAAAAUAAAAAAAAAAAAAAD/fwAA/38AAAAAAAAJAAAABAAAAKcBAAAeAAAAaAAAAAAAAAAAAAAAAAAAAAAAAAAAAAAAECcAABAnAAAAAAAAAAAAAAAAAAAAAAAAAAAAAAAAAAAAAAAAAAAAABQAAAAAAAAAwMD/AAAAAABkAAAAMgAAAAAAAABkAAAAAAAAAH9/fwAKAAAAIgAAABgAAAAAAAAAAAAAAAAAAAAAAAAAAAAAAAAAAAAkAAAAJAAAAAAAAAAHAAAAAAAAAAAAAAAAAAAAAAAAAAAAAAAAAAAAf39/ACUAAABYAAAAAAAAAAAAAAAAAAAAAAAAAAAAAAAAAAAAAAAAAAAAAAAAAAAAAAAAAAAAAAA/AAAAAAAAAKCGAQAAAAAAAAAAAAAAAAAMAAAAAQAAAAAAAAAAAAAAAAAAAB8AAABUAAAARHLEBf///wEAAAAAAAAAAAAAAAAAAAAAAAAAAAAAAAAAAAAAAAAAAHCtRwx/f38A5+bmA8zMzADAwP8Af39/AAAAAAAAAAAAAAAAAAAAAAAAAAAAIQAAABgAAAAUAAAAAwoAANoUAACyDAAAmxYAAAAAAAAmAAAACAAAAP//////////MAAAABQAAAAAAAAAAAD//wAAAQAAAP//AAABAA=="/>
+                <pr:smNativeData xmlns:mc="http://schemas.openxmlformats.org/markup-compatibility/2006" xmlns:p14="http://schemas.microsoft.com/office/powerpoint/2010/main" xmlns:p15="http://schemas.microsoft.com/office/powerpoint/2012/main" xmlns:pr="smNativeData" xmlns="smNativeData" val="SMDATA_16_8bPwYBMAAAAlAAAACgAAAA8BAAAAkAAAAEgAAACQAAAASAAAAAAAAAAAAAAAAAAAAAEAAABQAAAAAAAAAAAA4D8AAAAAAADgPwAAAAAAAOA/AAAAAAAA4D8AAAAAAADgPwAAAAAAAOA/AAAAAAAA4D8AAAAAAADgPwAAAAAAAOA/AAAAAAAA4D8CAAAAjAAAAAAAAAAAAAAARHLEDP///wgAAAAAAAAAAAAAAAAAAAAAAAAAAAAAAAAAAAAAZAAAAAEAAABAAAAAAAAAAAAAAAAAAAAAAAAAAAAAAAAAAAAAAAAAAAAAAAAAAAAAAAAAAAAAAAAAAAAAAAAAAAAAAAAAAAAAAAAAAAAAAAAAAAAAAAAAAAAAAAAAAAAAFAAAADwAAAABAAAAAgAAAHCtRwAUAAAAAQAAABQAAAAUAAAAFAAAAAEAAAAAAAAAZAAAAGQAAAABAAAAlgAAAJYAAAAVAAAAYAAAAAAAAAAAAAAADwAAACADAAAAAAAAAAAAAAEAAACgMgAAVgcAAKr4//8BAAAAf39/AAEAAABkAAAAAAAAABQAAABAHwAAAAAAACYAAAAAAAAAwOD//wAAAAAmAAAAZAAAABYAAABMAAAAAAAAAAAAAAAEAAAAAAAAAAEAAADn5uYKAAAAACgAAAAoAAAAZAAAAGQAAAAAAAAAzMzMAAAAAABQAAAAUAAAAGQAAABkAAAAAAAAABcAAAAUAAAAAAAAAAAAAAD/fwAA/38AAAAAAAAJAAAABAAAAKcBAAAeAAAAaAAAAAAAAAAAAAAAAAAAAAAAAAAAAAAAECcAABAnAAAAAAAAAAAAAAAAAAAAAAAAAAAAAAAAAAAAAAAAAAAAABQAAAAAAAAAwMD/AAAAAABkAAAAMgAAAAAAAABkAAAAAAAAAH9/fwAKAAAAIgAAABgAAAAAAAAAAAAAAAAAAAAAAAAAAAAAAAAAAAAkAAAAJAAAAAAAAAAHAAAAAAAAAAAAAAAAAAAAAAAAAAAAAAAAAAAAf39/ACUAAABYAAAAAAAAAAAAAAAAAAAAAAAAAAAAAAAAAAAAAAAAAAAAAAAAAAAAAAAAAAAAAAA/AAAAAAAAAKCGAQAAAAAAAAAAAAAAAAAMAAAAAQAAAAAAAAAAAAAAAAAAAB8AAABUAAAARHLEBf///wEAAAAAAAAAAAAAAAAAAAAAAAAAAAAAAAAAAAAAAAAAAHCtRwx/f38A5+bmA8zMzADAwP8Af39/AAAAAAAAAAAAAAAAAAAAAAAAAAAAIQAAABgAAAAUAAAAAwoAANoUAACyDAAAmxYAAAAAAAAmAAAACAAAAP//////////MAAAABQAAAAAAAAAAAD//wAAAQAAAP//AAABAA=="/>
               </a:ext>
             </a:extLst>
           </p:cNvSpPr>
@@ -6057,7 +5642,7 @@
             <a:picLocks noChangeAspect="1"/>
             <a:extLst>
               <a:ext uri="smNativeData">
-                <pr:smNativeData xmlns="smNativeData" xmlns:pr="smNativeData" xmlns:p15="http://schemas.microsoft.com/office/powerpoint/2012/main" xmlns:p14="http://schemas.microsoft.com/office/powerpoint/2010/main" xmlns:mc="http://schemas.openxmlformats.org/markup-compatibility/2006" val="SMDATA_18_8bPwYBMAAAAlAAAAEQAAAC8BAAAAkAAAAEgAAACQAAAASAAAAAAAAAAAAAAAAAAAAAEAAABQAAAAAAAAAAAA4D8AAAAAAADgPwAAAAAAAOA/AAAAAAAA4D8AAAAAAADgPwAAAAAAAOA/AAAAAAAA4D8AAAAAAADgPwAAAAAAAOA/AAAAAAAA4D8CAAAAjAAAAAAAAAAAAAAARHLEDP///wgAAAAAAAAAAAAAAAAAAAAAAAAAAAAAAAAAAAAAZAAAAAEAAABAAAAAAAAAAAAAAAAAAAAAAAAAAAAAAAAAAAAAAAAAAAAAAAAAAAAAAAAAAAAAAAAAAAAAAAAAAAAAAAAAAAAAAAAAAAAAAAAAAAAAAAAAAAAAAAAAAAAAFAAAADwAAAAAAAAAAAAAAAAAAAkUAAAAAQAAABQAAAAUAAAAFAAAAAEAAAAAAAAAZAAAAGQAAAAAAAAAZAAAAGQAAAAVAAAAYAAAAAAAAAAAAAAADwAAACADAAAAAAAAAAAAAAEAAACgMgAAVgcAAKr4//8BAAAAf39/AAEAAABkAAAAAAAAABQAAABAHwAAAAAAACYAAAAAAAAAwOD//wAAAAAmAAAAZAAAABYAAABMAAAAAAAAAAAAAAAEAAAAAAAAAAEAAADn5uYKAAAAACgAAAAoAAAAZAAAAGQAAAAAAAAAzMzMAAAAAABQAAAAUAAAAGQAAABkAAAAAAAAAAcAAAA4AAAAAAAAAAAAAAAAAAAA////AAAAAAAAAAAA7gcAAGwMAADRBAAArQsAAAAAAABkAAAAZAAAAAAAAAAjAAAABAAAAGQAAAAXAAAAFAAAAAAAAAAAAAAA/38AAP9/AAAAAAAACQAAAAQAAAAgnHcKHgAAAGgAAAAAAAAAAAAAAAAAAAAAAAAAAAAAABAnAAAQJwAAAAAAAAAAAAAAAAAAAAAAAAAAAAAAAAAAAAAAAAAAAAAUAAAAAAAAAMDA/wAAAAAAZAAAADIAAAAAAAAAZAAAAAAAAAB/f38ACgAAACIAAAAYAAAAAAAAAAAAAAAAAAAAAAAAAAAAAAAAAAAAJAAAACQAAAAAAAAABwAAAAAAAAAAAAAAAAAAAAAAAAAAAAAAAAAAAH9/fwAlAAAAWAAAAAAAAAAAAAAAAAAAAAAAAAAAAAAAAAAAAAAAAAAAAAAAAAAAAAAAAAAAAAAAPwAAAAAAAACghgEAAAAAAAAAAAAAAAAADAAAAAEAAAAAAAAAAAAAAAAAAAAfAAAAVAAAAERyxAX///8BAAAAAAAAAAAAAAAAAAAAAAAAAAAAAAAAAAAAAAAAAAAAAAACf39/AOfm5gPMzMwAwMD/AH9/fwAAAAAAAAAAAAAAAAD///8AAAAAACEAAAAYAAAAFAAAAOUOAAAVGwAAZRYAAIgcAAAAAAAAJgAAAAgAAAD//////////zAAAAAUAAAAAAAAAAAA//8AAAEAAAD//wAAAQA="/>
+                <pr:smNativeData xmlns:mc="http://schemas.openxmlformats.org/markup-compatibility/2006" xmlns:p14="http://schemas.microsoft.com/office/powerpoint/2010/main" xmlns:p15="http://schemas.microsoft.com/office/powerpoint/2012/main" xmlns:pr="smNativeData" xmlns="smNativeData" val="SMDATA_18_8bPwYBMAAAAlAAAAEQAAAC8BAAAAkAAAAEgAAACQAAAASAAAAAAAAAAAAAAAAAAAAAEAAABQAAAAAAAAAAAA4D8AAAAAAADgPwAAAAAAAOA/AAAAAAAA4D8AAAAAAADgPwAAAAAAAOA/AAAAAAAA4D8AAAAAAADgPwAAAAAAAOA/AAAAAAAA4D8CAAAAjAAAAAAAAAAAAAAARHLEDP///wgAAAAAAAAAAAAAAAAAAAAAAAAAAAAAAAAAAAAAZAAAAAEAAABAAAAAAAAAAAAAAAAAAAAAAAAAAAAAAAAAAAAAAAAAAAAAAAAAAAAAAAAAAAAAAAAAAAAAAAAAAAAAAAAAAAAAAAAAAAAAAAAAAAAAAAAAAAAAAAAAAAAAFAAAADwAAAAAAAAAAAAAAAAAAAkUAAAAAQAAABQAAAAUAAAAFAAAAAEAAAAAAAAAZAAAAGQAAAAAAAAAZAAAAGQAAAAVAAAAYAAAAAAAAAAAAAAADwAAACADAAAAAAAAAAAAAAEAAACgMgAAVgcAAKr4//8BAAAAf39/AAEAAABkAAAAAAAAABQAAABAHwAAAAAAACYAAAAAAAAAwOD//wAAAAAmAAAAZAAAABYAAABMAAAAAAAAAAAAAAAEAAAAAAAAAAEAAADn5uYKAAAAACgAAAAoAAAAZAAAAGQAAAAAAAAAzMzMAAAAAABQAAAAUAAAAGQAAABkAAAAAAAAAAcAAAA4AAAAAAAAAAAAAAAAAAAA////AAAAAAAAAAAA7gcAAGwMAADRBAAArQsAAAAAAABkAAAAZAAAAAAAAAAjAAAABAAAAGQAAAAXAAAAFAAAAAAAAAAAAAAA/38AAP9/AAAAAAAACQAAAAQAAAAgnHcKHgAAAGgAAAAAAAAAAAAAAAAAAAAAAAAAAAAAABAnAAAQJwAAAAAAAAAAAAAAAAAAAAAAAAAAAAAAAAAAAAAAAAAAAAAUAAAAAAAAAMDA/wAAAAAAZAAAADIAAAAAAAAAZAAAAAAAAAB/f38ACgAAACIAAAAYAAAAAAAAAAAAAAAAAAAAAAAAAAAAAAAAAAAAJAAAACQAAAAAAAAABwAAAAAAAAAAAAAAAAAAAAAAAAAAAAAAAAAAAH9/fwAlAAAAWAAAAAAAAAAAAAAAAAAAAAAAAAAAAAAAAAAAAAAAAAAAAAAAAAAAAAAAAAAAAAAAPwAAAAAAAACghgEAAAAAAAAAAAAAAAAADAAAAAEAAAAAAAAAAAAAAAAAAAAfAAAAVAAAAERyxAX///8BAAAAAAAAAAAAAAAAAAAAAAAAAAAAAAAAAAAAAAAAAAAAAAACf39/AOfm5gPMzMwAwMD/AH9/fwAAAAAAAAAAAAAAAAD///8AAAAAACEAAAAYAAAAFAAAAOUOAAAVGwAAZRYAAIgcAAAAAAAAJgAAAAgAAAD//////////zAAAAAUAAAAAAAAAAAA//8AAAEAAAD//wAAAQA="/>
               </a:ext>
             </a:extLst>
           </p:cNvPicPr>
@@ -6092,7 +5677,7 @@
             <a:picLocks noChangeAspect="1"/>
             <a:extLst>
               <a:ext uri="smNativeData">
-                <pr:smNativeData xmlns="smNativeData" xmlns:pr="smNativeData" xmlns:p15="http://schemas.microsoft.com/office/powerpoint/2012/main" xmlns:p14="http://schemas.microsoft.com/office/powerpoint/2010/main" xmlns:mc="http://schemas.openxmlformats.org/markup-compatibility/2006" val="SMDATA_18_8bPwYBMAAAAlAAAAEQAAAC8BAAAAkAAAAEgAAACQAAAASAAAAAAAAAAAAAAAAAAAAAEAAABQAAAAAAAAAAAA4D8AAAAAAADgPwAAAAAAAOA/AAAAAAAA4D8AAAAAAADgPwAAAAAAAOA/AAAAAAAA4D8AAAAAAADgPwAAAAAAAOA/AAAAAAAA4D8CAAAAjAAAAAAAAAAAAAAARHLEDP///wgAAAAAAAAAAAAAAAAAAAAAAAAAAAAAAAAAAAAAZAAAAAEAAABAAAAAAAAAAAAAAAAAAAAAAAAAAAAAAAAAAAAAAAAAAAAAAAAAAAAAAAAAAAAAAAAAAAAAAAAAAAAAAAAAAAAAAAAAAAAAAAAAAAAAAAAAAAAAAAAAAAAAFAAAADwAAAAAAAAAAAAAAAAAAAkUAAAAAQAAABQAAAAUAAAAFAAAAAEAAAAAAAAAZAAAAGQAAAAAAAAAZAAAAGQAAAAVAAAAYAAAAAAAAAAAAAAADwAAACADAAAAAAAAAAAAAAEAAACgMgAAVgcAAKr4//8BAAAAf39/AAEAAABkAAAAAAAAABQAAABAHwAAAAAAACYAAAAAAAAAwOD//wAAAAAmAAAAZAAAABYAAABMAAAAAAAAAAAAAAAEAAAAAAAAAAEAAADn5uYKAAAAACgAAAAoAAAAZAAAAGQAAAAAAAAAzMzMAAAAAABQAAAAUAAAAGQAAABkAAAAAAAAAAcAAAA4AAAAAAAAAAAAAAAAAAAA////AAAAAAAAAAAAAAAAAAAAAAAAAAAAAAAAAAAAAABkAAAAZAAAAAAAAAAjAAAABAAAAGQAAAAXAAAAFAAAAAAAAAAAAAAA/38AAP9/AAAAAAAACQAAAAQAAAAgS+QLHgAAAGgAAAAAAAAAAAAAAAAAAAAAAAAAAAAAABAnAAAQJwAAAAAAAAAAAAAAAAAAAAAAAAAAAAAAAAAAAAAAAAAAAAAUAAAAAAAAAMDA/wAAAAAAZAAAADIAAAAAAAAAZAAAAAAAAAB/f38ACgAAACIAAAAYAAAAAAAAAAAAAAAAAAAAAAAAAAAAAAAAAAAAJAAAACQAAAAAAAAABwAAAAAAAAAAAAAAAAAAAAAAAAAAAAAAAAAAAH9/fwAlAAAAWAAAAAAAAAAAAAAAAAAAAAAAAAAAAAAAAAAAAAAAAAAAAAAAAAAAAAAAAAAAAAAAPwAAAAAAAACghgEAAAAAAAAAAAAAAAAADAAAAAEAAAAAAAAAAAAAAAAAAAAfAAAAVAAAAERyxAX///8BAAAAAAAAAAAAAAAAAAAAAAAAAAAAAAAAAAAAAAAAAAAAAAACf39/AOfm5gPMzMwAwMD/AH9/fwAAAAAAAAAAAAAAAAD///8AAAAAACEAAAAYAAAAFAAAAGQUAAB3HQAAYh0AADEhAAAAAAAAJgAAAAgAAAD//////////zAAAAAUAAAAAAAAAAAA//8AAAEAAAD//wAAAQA="/>
+                <pr:smNativeData xmlns:mc="http://schemas.openxmlformats.org/markup-compatibility/2006" xmlns:p14="http://schemas.microsoft.com/office/powerpoint/2010/main" xmlns:p15="http://schemas.microsoft.com/office/powerpoint/2012/main" xmlns:pr="smNativeData" xmlns="smNativeData" val="SMDATA_18_8bPwYBMAAAAlAAAAEQAAAC8BAAAAkAAAAEgAAACQAAAASAAAAAAAAAAAAAAAAAAAAAEAAABQAAAAAAAAAAAA4D8AAAAAAADgPwAAAAAAAOA/AAAAAAAA4D8AAAAAAADgPwAAAAAAAOA/AAAAAAAA4D8AAAAAAADgPwAAAAAAAOA/AAAAAAAA4D8CAAAAjAAAAAAAAAAAAAAARHLEDP///wgAAAAAAAAAAAAAAAAAAAAAAAAAAAAAAAAAAAAAZAAAAAEAAABAAAAAAAAAAAAAAAAAAAAAAAAAAAAAAAAAAAAAAAAAAAAAAAAAAAAAAAAAAAAAAAAAAAAAAAAAAAAAAAAAAAAAAAAAAAAAAAAAAAAAAAAAAAAAAAAAAAAAFAAAADwAAAAAAAAAAAAAAAAAAAkUAAAAAQAAABQAAAAUAAAAFAAAAAEAAAAAAAAAZAAAAGQAAAAAAAAAZAAAAGQAAAAVAAAAYAAAAAAAAAAAAAAADwAAACADAAAAAAAAAAAAAAEAAACgMgAAVgcAAKr4//8BAAAAf39/AAEAAABkAAAAAAAAABQAAABAHwAAAAAAACYAAAAAAAAAwOD//wAAAAAmAAAAZAAAABYAAABMAAAAAAAAAAAAAAAEAAAAAAAAAAEAAADn5uYKAAAAACgAAAAoAAAAZAAAAGQAAAAAAAAAzMzMAAAAAABQAAAAUAAAAGQAAABkAAAAAAAAAAcAAAA4AAAAAAAAAAAAAAAAAAAA////AAAAAAAAAAAAAAAAAAAAAAAAAAAAAAAAAAAAAABkAAAAZAAAAAAAAAAjAAAABAAAAGQAAAAXAAAAFAAAAAAAAAAAAAAA/38AAP9/AAAAAAAACQAAAAQAAAAgS+QLHgAAAGgAAAAAAAAAAAAAAAAAAAAAAAAAAAAAABAnAAAQJwAAAAAAAAAAAAAAAAAAAAAAAAAAAAAAAAAAAAAAAAAAAAAUAAAAAAAAAMDA/wAAAAAAZAAAADIAAAAAAAAAZAAAAAAAAAB/f38ACgAAACIAAAAYAAAAAAAAAAAAAAAAAAAAAAAAAAAAAAAAAAAAJAAAACQAAAAAAAAABwAAAAAAAAAAAAAAAAAAAAAAAAAAAAAAAAAAAH9/fwAlAAAAWAAAAAAAAAAAAAAAAAAAAAAAAAAAAAAAAAAAAAAAAAAAAAAAAAAAAAAAAAAAAAAAPwAAAAAAAACghgEAAAAAAAAAAAAAAAAADAAAAAEAAAAAAAAAAAAAAAAAAAAfAAAAVAAAAERyxAX///8BAAAAAAAAAAAAAAAAAAAAAAAAAAAAAAAAAAAAAAAAAAAAAAACf39/AOfm5gPMzMwAwMD/AH9/fwAAAAAAAAAAAAAAAAD///8AAAAAACEAAAAYAAAAFAAAAGQUAAB3HQAAYh0AADEhAAAAAAAAJgAAAAgAAAD//////////zAAAAAUAAAAAAAAAAAA//8AAAEAAAD//wAAAQA="/>
               </a:ext>
             </a:extLst>
           </p:cNvPicPr>
@@ -6125,7 +5710,7 @@
           <p:cNvSpPr>
             <a:extLst>
               <a:ext uri="smNativeData">
-                <pr:smNativeData xmlns="smNativeData" xmlns:pr="smNativeData" xmlns:p15="http://schemas.microsoft.com/office/powerpoint/2012/main" xmlns:p14="http://schemas.microsoft.com/office/powerpoint/2010/main" xmlns:mc="http://schemas.openxmlformats.org/markup-compatibility/2006" val="SMDATA_16_8bPwYBMAAAAlAAAACgAAAA8BAAAAkAAAAEgAAACQAAAASAAAAAAAAAAAAAAAAAAAAAEAAABQAAAAAAAAAAAA4D8AAAAAAADgPwAAAAAAAOA/AAAAAAAA4D8AAAAAAADgPwAAAAAAAOA/AAAAAAAA4D8AAAAAAADgPwAAAAAAAOA/AAAAAAAA4D8CAAAAjAAAAAAAAAAAAAAARHLEDP///wgAAAAAAAAAAAAAAAAAAAAAAAAAAAAAAAAAAAAAZAAAAAEAAABAAAAAAAAAAAAAAAAAAAAAAAAAAAAAAAAAAAAAAAAAAAAAAAAAAAAAAAAAAAAAAAAAAAAAAAAAAAAAAAAAAAAAAAAAAAAAAAAAAAAAAAAAAAAAAAAAAAAAFAAAADwAAAABAAAAAgAAAHCtRwAUAAAAAQAAABQAAAAUAAAAFAAAAAEAAAAAAAAAZAAAAGQAAAABAAAAlgAAAJYAAAAVAAAAYAAAAAAAAAAAAAAADwAAACADAAAAAAAAAAAAAAEAAACgMgAAVgcAAKr4//8BAAAAf39/AAEAAABkAAAAAAAAABQAAABAHwAAAAAAACYAAAAAAAAAwOD//wAAAAAmAAAAZAAAABYAAABMAAAAAAAAAAAAAAAEAAAAAAAAAAEAAADn5uYKAAAAACgAAAAoAAAAZAAAAGQAAAAAAAAAzMzMAAAAAABQAAAAUAAAAGQAAABkAAAAAAAAABcAAAAUAAAAAAAAAAAAAAD/fwAA/38AAAAAAAAJAAAABAAAAFUAAAAeAAAAaAAAAAAAAAAAAAAAAAAAAAAAAAAAAAAAECcAABAnAAAAAAAAAAAAAAAAAAAAAAAAAAAAAAAAAAAAAAAAAAAAABQAAAAAAAAAwMD/AAAAAABkAAAAMgAAAAAAAABkAAAAAAAAAH9/fwAKAAAAIgAAABgAAAAAAAAAAAAAAAAAAAAAAAAAAAAAAAAAAAAkAAAAJAAAAAAAAAAHAAAAAAAAAAAAAAAAAAAAAAAAAAAAAAAAAAAAf39/ACUAAABYAAAAAAAAAAAAAAAAAAAAAAAAAAAAAAAAAAAAAAAAAAAAAAAAAAAAAAAAAAAAAAA/AAAAAAAAAKCGAQAAAAAAAAAAAAAAAAAMAAAAAQAAAAAAAAAAAAAAAAAAAB8AAABUAAAARHLEBf///wEAAAAAAAAAAAAAAAAAAAAAAAAAAAAAAAAAAAAAAAAAAHCtRwx/f38A5+bmA8zMzADAwP8Af39/AAAAAAAAAAAAAAAAAAAAAAAAAAAAIQAAABgAAAAUAAAA9w8AAIcZAAAhEgAANxsAAAAAAAAmAAAACAAAAP//////////MAAAABQAAAAAAAAAAAD//wAAAQAAAP//AAABAA=="/>
+                <pr:smNativeData xmlns:mc="http://schemas.openxmlformats.org/markup-compatibility/2006" xmlns:p14="http://schemas.microsoft.com/office/powerpoint/2010/main" xmlns:p15="http://schemas.microsoft.com/office/powerpoint/2012/main" xmlns:pr="smNativeData" xmlns="smNativeData" val="SMDATA_16_8bPwYBMAAAAlAAAACgAAAA8BAAAAkAAAAEgAAACQAAAASAAAAAAAAAAAAAAAAAAAAAEAAABQAAAAAAAAAAAA4D8AAAAAAADgPwAAAAAAAOA/AAAAAAAA4D8AAAAAAADgPwAAAAAAAOA/AAAAAAAA4D8AAAAAAADgPwAAAAAAAOA/AAAAAAAA4D8CAAAAjAAAAAAAAAAAAAAARHLEDP///wgAAAAAAAAAAAAAAAAAAAAAAAAAAAAAAAAAAAAAZAAAAAEAAABAAAAAAAAAAAAAAAAAAAAAAAAAAAAAAAAAAAAAAAAAAAAAAAAAAAAAAAAAAAAAAAAAAAAAAAAAAAAAAAAAAAAAAAAAAAAAAAAAAAAAAAAAAAAAAAAAAAAAFAAAADwAAAABAAAAAgAAAHCtRwAUAAAAAQAAABQAAAAUAAAAFAAAAAEAAAAAAAAAZAAAAGQAAAABAAAAlgAAAJYAAAAVAAAAYAAAAAAAAAAAAAAADwAAACADAAAAAAAAAAAAAAEAAACgMgAAVgcAAKr4//8BAAAAf39/AAEAAABkAAAAAAAAABQAAABAHwAAAAAAACYAAAAAAAAAwOD//wAAAAAmAAAAZAAAABYAAABMAAAAAAAAAAAAAAAEAAAAAAAAAAEAAADn5uYKAAAAACgAAAAoAAAAZAAAAGQAAAAAAAAAzMzMAAAAAABQAAAAUAAAAGQAAABkAAAAAAAAABcAAAAUAAAAAAAAAAAAAAD/fwAA/38AAAAAAAAJAAAABAAAAFUAAAAeAAAAaAAAAAAAAAAAAAAAAAAAAAAAAAAAAAAAECcAABAnAAAAAAAAAAAAAAAAAAAAAAAAAAAAAAAAAAAAAAAAAAAAABQAAAAAAAAAwMD/AAAAAABkAAAAMgAAAAAAAABkAAAAAAAAAH9/fwAKAAAAIgAAABgAAAAAAAAAAAAAAAAAAAAAAAAAAAAAAAAAAAAkAAAAJAAAAAAAAAAHAAAAAAAAAAAAAAAAAAAAAAAAAAAAAAAAAAAAf39/ACUAAABYAAAAAAAAAAAAAAAAAAAAAAAAAAAAAAAAAAAAAAAAAAAAAAAAAAAAAAAAAAAAAAA/AAAAAAAAAKCGAQAAAAAAAAAAAAAAAAAMAAAAAQAAAAAAAAAAAAAAAAAAAB8AAABUAAAARHLEBf///wEAAAAAAAAAAAAAAAAAAAAAAAAAAAAAAAAAAAAAAAAAAHCtRwx/f38A5+bmA8zMzADAwP8Af39/AAAAAAAAAAAAAAAAAAAAAAAAAAAAIQAAABgAAAAUAAAA9w8AAIcZAAAhEgAANxsAAAAAAAAmAAAACAAAAP//////////MAAAABQAAAAAAAAAAAD//wAAAQAAAP//AAABAA=="/>
               </a:ext>
             </a:extLst>
           </p:cNvSpPr>
@@ -6157,7 +5742,7 @@
           <p:cNvSpPr>
             <a:extLst>
               <a:ext uri="smNativeData">
-                <pr:smNativeData xmlns="smNativeData" xmlns:pr="smNativeData" xmlns:p15="http://schemas.microsoft.com/office/powerpoint/2012/main" xmlns:p14="http://schemas.microsoft.com/office/powerpoint/2010/main" xmlns:mc="http://schemas.openxmlformats.org/markup-compatibility/2006" val="SMDATA_16_8bPwYBMAAAAlAAAACgAAAA8BAAAAkAAAAEgAAACQAAAASAAAAAAAAAAAAAAAAAAAAAEAAABQAAAAAAAAAAAA4D8AAAAAAADgPwAAAAAAAOA/AAAAAAAA4D8AAAAAAADgPwAAAAAAAOA/AAAAAAAA4D8AAAAAAADgPwAAAAAAAOA/AAAAAAAA4D8CAAAAjAAAAAAAAAAAAAAARHLEDP///wgAAAAAAAAAAAAAAAAAAAAAAAAAAAAAAAAAAAAAZAAAAAEAAABAAAAAAAAAAAAAAAAAAAAAAAAAAAAAAAAAAAAAAAAAAAAAAAAAAAAAAAAAAAAAAAAAAAAAAAAAAAAAAAAAAAAAAAAAAAAAAAAAAAAAAAAAAAAAAAAAAAAAFAAAADwAAAABAAAAAgAAAHCtRwAUAAAAAQAAABQAAAAUAAAAFAAAAAEAAAAAAAAAZAAAAGQAAAABAAAAlgAAAJYAAAAVAAAAYAAAAAAAAAAAAAAADwAAACADAAAAAAAAAAAAAAEAAACgMgAAVgcAAKr4//8BAAAAf39/AAEAAABkAAAAAAAAABQAAABAHwAAAAAAACYAAAAAAAAAwOD//wAAAAAmAAAAZAAAABYAAABMAAAAAAAAAAAAAAAEAAAAAAAAAAEAAADn5uYKAAAAACgAAAAoAAAAZAAAAGQAAAAAAAAAzMzMAAAAAABQAAAAUAAAAGQAAABkAAAAAAAAABcAAAAUAAAAAAAAAAAAAAD/fwAA/38AAAAAAAAJAAAABAAAACBL5AseAAAAaAAAAAAAAAAAAAAAAAAAAAAAAAAAAAAAECcAABAnAAAAAAAAAAAAAAAAAAAAAAAAAAAAAAAAAAAAAAAAAAAAABQAAAAAAAAAwMD/AAAAAABkAAAAMgAAAAAAAABkAAAAAAAAAH9/fwAKAAAAIgAAABgAAAAAAAAAAAAAAAAAAAAAAAAAAAAAAAAAAAAkAAAAJAAAAAAAAAAHAAAAAAAAAAAAAAAAAAAAAAAAAAAAAAAAAAAAf39/ACUAAABYAAAAAAAAAAAAAAAAAAAAAAAAAAAAAAAAAAAAAAAAAAAAAAAAAAAAAAAAAAAAAAA/AAAAAAAAAKCGAQAAAAAAAAAAAAAAAAAMAAAAAQAAAAAAAAAAAAAAAAAAAB8AAABUAAAARHLEBf///wEAAAAAAAAAAAAAAAAAAAAAAAAAAAAAAAAAAAAAAAAAAHCtRwx/f38A5+bmA8zMzADAwP8Af39/AAAAAAAAAAAAAAAAAAAAAAAAAAAAIQAAABgAAAAUAAAAOxMAAFEcAACSFQAAyx0AAAAAAAAmAAAACAAAAP//////////MAAAABQAAAAAAAAAAAD//wAAAQAAAP//AAABAA=="/>
+                <pr:smNativeData xmlns:mc="http://schemas.openxmlformats.org/markup-compatibility/2006" xmlns:p14="http://schemas.microsoft.com/office/powerpoint/2010/main" xmlns:p15="http://schemas.microsoft.com/office/powerpoint/2012/main" xmlns:pr="smNativeData" xmlns="smNativeData" val="SMDATA_16_8bPwYBMAAAAlAAAACgAAAA8BAAAAkAAAAEgAAACQAAAASAAAAAAAAAAAAAAAAAAAAAEAAABQAAAAAAAAAAAA4D8AAAAAAADgPwAAAAAAAOA/AAAAAAAA4D8AAAAAAADgPwAAAAAAAOA/AAAAAAAA4D8AAAAAAADgPwAAAAAAAOA/AAAAAAAA4D8CAAAAjAAAAAAAAAAAAAAARHLEDP///wgAAAAAAAAAAAAAAAAAAAAAAAAAAAAAAAAAAAAAZAAAAAEAAABAAAAAAAAAAAAAAAAAAAAAAAAAAAAAAAAAAAAAAAAAAAAAAAAAAAAAAAAAAAAAAAAAAAAAAAAAAAAAAAAAAAAAAAAAAAAAAAAAAAAAAAAAAAAAAAAAAAAAFAAAADwAAAABAAAAAgAAAHCtRwAUAAAAAQAAABQAAAAUAAAAFAAAAAEAAAAAAAAAZAAAAGQAAAABAAAAlgAAAJYAAAAVAAAAYAAAAAAAAAAAAAAADwAAACADAAAAAAAAAAAAAAEAAACgMgAAVgcAAKr4//8BAAAAf39/AAEAAABkAAAAAAAAABQAAABAHwAAAAAAACYAAAAAAAAAwOD//wAAAAAmAAAAZAAAABYAAABMAAAAAAAAAAAAAAAEAAAAAAAAAAEAAADn5uYKAAAAACgAAAAoAAAAZAAAAGQAAAAAAAAAzMzMAAAAAABQAAAAUAAAAGQAAABkAAAAAAAAABcAAAAUAAAAAAAAAAAAAAD/fwAA/38AAAAAAAAJAAAABAAAACBL5AseAAAAaAAAAAAAAAAAAAAAAAAAAAAAAAAAAAAAECcAABAnAAAAAAAAAAAAAAAAAAAAAAAAAAAAAAAAAAAAAAAAAAAAABQAAAAAAAAAwMD/AAAAAABkAAAAMgAAAAAAAABkAAAAAAAAAH9/fwAKAAAAIgAAABgAAAAAAAAAAAAAAAAAAAAAAAAAAAAAAAAAAAAkAAAAJAAAAAAAAAAHAAAAAAAAAAAAAAAAAAAAAAAAAAAAAAAAAAAAf39/ACUAAABYAAAAAAAAAAAAAAAAAAAAAAAAAAAAAAAAAAAAAAAAAAAAAAAAAAAAAAAAAAAAAAA/AAAAAAAAAKCGAQAAAAAAAAAAAAAAAAAMAAAAAQAAAAAAAAAAAAAAAAAAAB8AAABUAAAARHLEBf///wEAAAAAAAAAAAAAAAAAAAAAAAAAAAAAAAAAAAAAAAAAAHCtRwx/f38A5+bmA8zMzADAwP8Af39/AAAAAAAAAAAAAAAAAAAAAAAAAAAAIQAAABgAAAAUAAAAOxMAAFEcAACSFQAAyx0AAAAAAAAmAAAACAAAAP//////////MAAAABQAAAAAAAAAAAD//wAAAQAAAP//AAABAA=="/>
               </a:ext>
             </a:extLst>
           </p:cNvSpPr>
@@ -6190,7 +5775,7 @@
             <a:picLocks noChangeAspect="1"/>
             <a:extLst>
               <a:ext uri="smNativeData">
-                <pr:smNativeData xmlns="smNativeData" xmlns:pr="smNativeData" xmlns:p15="http://schemas.microsoft.com/office/powerpoint/2012/main" xmlns:p14="http://schemas.microsoft.com/office/powerpoint/2010/main" xmlns:mc="http://schemas.openxmlformats.org/markup-compatibility/2006" val="SMDATA_18_8bPwYBMAAAAlAAAAEQAAAC8BAAAAkAAAAEgAAACQAAAASAAAAAAAAAAAAAAAAAAAAAEAAABQAAAAAAAAAAAA4D8AAAAAAADgPwAAAAAAAOA/AAAAAAAA4D8AAAAAAADgPwAAAAAAAOA/AAAAAAAA4D8AAAAAAADgPwAAAAAAAOA/AAAAAAAA4D8CAAAAjAAAAAAAAAAAAAAARHLEDP///wgAAAAAAAAAAAAAAAAAAAAAAAAAAAAAAAAAAAAAZAAAAAEAAABAAAAAAAAAAAAAAAAAAAAAAAAAAAAAAAAAAAAAAAAAAAAAAAAAAAAAAAAAAAAAAAAAAAAAAAAAAAAAAAAAAAAAAAAAAAAAAAAAAAAAAAAAAAAAAAAAAAAAFAAAADwAAAAAAAAAAAAAAAAAAAkUAAAAAQAAABQAAAAUAAAAFAAAAAEAAAAAAAAAZAAAAGQAAAAAAAAAZAAAAGQAAAAVAAAAYAAAAAAAAAAAAAAADwAAACADAAAAAAAAAAAAAAEAAACgMgAAVgcAAKr4//8BAAAAf39/AAEAAABkAAAAAAAAABQAAABAHwAAAAAAACYAAAAAAAAAwOD//wAAAAAmAAAAZAAAABYAAABMAAAAAAAAAAAAAAAEAAAAAAAAAAEAAADn5uYKAAAAACgAAAAoAAAAZAAAAGQAAAAAAAAAzMzMAAAAAABQAAAAUAAAAGQAAABkAAAAAAAAAAcAAAA4AAAAAAAAAAAAAAAAAAAA////AAAAAAAAAAAAAAAAAAAAAAAAAAAAAAAAAAAAAABkAAAAZAAAAAAAAAAjAAAABAAAAGQAAAAXAAAAFAAAAAAAAAAAAAAA/38AAP9/AAAAAAAACQAAAAQAAAAgnHcKHgAAAGgAAAAAAAAAAAAAAAAAAAAAAAAAAAAAABAnAAAQJwAAAAAAAAAAAAAAAAAAAAAAAAAAAAAAAAAAAAAAAAAAAAAUAAAAAAAAAMDA/wAAAAAAZAAAADIAAAAAAAAAZAAAAAAAAAB/f38ACgAAACIAAAAYAAAAAAAAAAAAAAAAAAAAAAAAAAAAAAAAAAAAJAAAACQAAAAAAAAABwAAAAAAAAAAAAAAAAAAAAAAAAAAAAAAAAAAAH9/fwAlAAAAWAAAAAAAAAAAAAAAAAAAAAAAAAAAAAAAAAAAAAAAAAAAAAAAAAAAAAAAAAAAAAAAPwAAAAAAAACghgEAAAAAAAAAAAAAAAAADAAAAAEAAAAAAAAAAAAAAAAAAAAfAAAAVAAAAERyxAX///8BAAAAAAAAAAAAAAAAAAAAAAAAAAAAAAAAAAAAAAAAAAAAAAACf39/AOfm5gPMzMwAwMD/AH9/fwAAAAAAAAAAAAAAAAD///8AAAAAACEAAAAYAAAAFAAAAGMaAAD5IgAAXiIAAJUkAAAAAAAAJgAAAAgAAAD//////////zAAAAAUAAAAAAAAAAAA//8AAAEAAAD//wAAAQA="/>
+                <pr:smNativeData xmlns:mc="http://schemas.openxmlformats.org/markup-compatibility/2006" xmlns:p14="http://schemas.microsoft.com/office/powerpoint/2010/main" xmlns:p15="http://schemas.microsoft.com/office/powerpoint/2012/main" xmlns:pr="smNativeData" xmlns="smNativeData" val="SMDATA_18_8bPwYBMAAAAlAAAAEQAAAC8BAAAAkAAAAEgAAACQAAAASAAAAAAAAAAAAAAAAAAAAAEAAABQAAAAAAAAAAAA4D8AAAAAAADgPwAAAAAAAOA/AAAAAAAA4D8AAAAAAADgPwAAAAAAAOA/AAAAAAAA4D8AAAAAAADgPwAAAAAAAOA/AAAAAAAA4D8CAAAAjAAAAAAAAAAAAAAARHLEDP///wgAAAAAAAAAAAAAAAAAAAAAAAAAAAAAAAAAAAAAZAAAAAEAAABAAAAAAAAAAAAAAAAAAAAAAAAAAAAAAAAAAAAAAAAAAAAAAAAAAAAAAAAAAAAAAAAAAAAAAAAAAAAAAAAAAAAAAAAAAAAAAAAAAAAAAAAAAAAAAAAAAAAAFAAAADwAAAAAAAAAAAAAAAAAAAkUAAAAAQAAABQAAAAUAAAAFAAAAAEAAAAAAAAAZAAAAGQAAAAAAAAAZAAAAGQAAAAVAAAAYAAAAAAAAAAAAAAADwAAACADAAAAAAAAAAAAAAEAAACgMgAAVgcAAKr4//8BAAAAf39/AAEAAABkAAAAAAAAABQAAABAHwAAAAAAACYAAAAAAAAAwOD//wAAAAAmAAAAZAAAABYAAABMAAAAAAAAAAAAAAAEAAAAAAAAAAEAAADn5uYKAAAAACgAAAAoAAAAZAAAAGQAAAAAAAAAzMzMAAAAAABQAAAAUAAAAGQAAABkAAAAAAAAAAcAAAA4AAAAAAAAAAAAAAAAAAAA////AAAAAAAAAAAAAAAAAAAAAAAAAAAAAAAAAAAAAABkAAAAZAAAAAAAAAAjAAAABAAAAGQAAAAXAAAAFAAAAAAAAAAAAAAA/38AAP9/AAAAAAAACQAAAAQAAAAgnHcKHgAAAGgAAAAAAAAAAAAAAAAAAAAAAAAAAAAAABAnAAAQJwAAAAAAAAAAAAAAAAAAAAAAAAAAAAAAAAAAAAAAAAAAAAAUAAAAAAAAAMDA/wAAAAAAZAAAADIAAAAAAAAAZAAAAAAAAAB/f38ACgAAACIAAAAYAAAAAAAAAAAAAAAAAAAAAAAAAAAAAAAAAAAAJAAAACQAAAAAAAAABwAAAAAAAAAAAAAAAAAAAAAAAAAAAAAAAAAAAH9/fwAlAAAAWAAAAAAAAAAAAAAAAAAAAAAAAAAAAAAAAAAAAAAAAAAAAAAAAAAAAAAAAAAAAAAAPwAAAAAAAACghgEAAAAAAAAAAAAAAAAADAAAAAEAAAAAAAAAAAAAAAAAAAAfAAAAVAAAAERyxAX///8BAAAAAAAAAAAAAAAAAAAAAAAAAAAAAAAAAAAAAAAAAAAAAAACf39/AOfm5gPMzMwAwMD/AH9/fwAAAAAAAAAAAAAAAAD///8AAAAAACEAAAAYAAAAFAAAAGMaAAD5IgAAXiIAAJUkAAAAAAAAJgAAAAgAAAD//////////zAAAAAUAAAAAAAAAAAA//8AAAEAAAD//wAAAQA="/>
               </a:ext>
             </a:extLst>
           </p:cNvPicPr>
@@ -6224,7 +5809,7 @@
             <a:picLocks noChangeAspect="1"/>
             <a:extLst>
               <a:ext uri="smNativeData">
-                <pr:smNativeData xmlns="smNativeData" xmlns:pr="smNativeData" xmlns:p15="http://schemas.microsoft.com/office/powerpoint/2012/main" xmlns:p14="http://schemas.microsoft.com/office/powerpoint/2010/main" xmlns:mc="http://schemas.openxmlformats.org/markup-compatibility/2006" val="SMDATA_18_8bPwYBMAAAAlAAAAEQAAAC8BAAAAkAAAAEgAAACQAAAASAAAAAAAAAAAAAAAAAAAAAEAAABQAAAAAAAAAAAA4D8AAAAAAADgPwAAAAAAAOA/AAAAAAAA4D8AAAAAAADgPwAAAAAAAOA/AAAAAAAA4D8AAAAAAADgPwAAAAAAAOA/AAAAAAAA4D8CAAAAjAAAAAAAAAAAAAAARHLEDP///wgAAAAAAAAAAAAAAAAAAAAAAAAAAAAAAAAAAAAAZAAAAAEAAABAAAAAAAAAAAAAAAAAAAAAAAAAAAAAAAAAAAAAAAAAAAAAAAAAAAAAAAAAAAAAAAAAAAAAAAAAAAAAAAAAAAAAAAAAAAAAAAAAAAAAAAAAAAAAAAAAAAAAFAAAADwAAAAAAAAAAAAAAAAAAAkUAAAAAQAAABQAAAAUAAAAFAAAAAEAAAAAAAAAZAAAAGQAAAAAAAAAZAAAAGQAAAAVAAAAYAAAAAAAAAAAAAAADwAAACADAAAAAAAAAAAAAAEAAACgMgAAVgcAAKr4//8BAAAAf39/AAEAAABkAAAAAAAAABQAAABAHwAAAAAAACYAAAAAAAAAwOD//wAAAAAmAAAAZAAAABYAAABMAAAAAAAAAAAAAAAEAAAAAAAAAAEAAADn5uYKAAAAACgAAAAoAAAAZAAAAGQAAAAAAAAAzMzMAAAAAABQAAAAUAAAAGQAAABkAAAAAAAAAAcAAAA4AAAAAAAAAAAAAAAAAAAA////AAAAAAAAAAAAAAAAAAAAAAAAAAAAAAAAAAAAAABkAAAAZAAAAAAAAAAjAAAABAAAAGQAAAAXAAAAFAAAAAAAAAAAAAAA/38AAP9/AAAAAAAACQAAAAQAAAAgS+QLHgAAAGgAAAAAAAAAAAAAAAAAAAAAAAAAAAAAABAnAAAQJwAAAAAAAAAAAAAAAAAAAAAAAAAAAAAAAAAAAAAAAAAAAAAUAAAAAAAAAMDA/wAAAAAAZAAAADIAAAAAAAAAZAAAAAAAAAB/f38ACgAAACIAAAAYAAAAAAAAAAAAAAAAAAAAAAAAAAAAAAAAAAAAJAAAACQAAAAAAAAABwAAAAAAAAAAAAAAAAAAAAAAAAAAAAAAAAAAAH9/fwAlAAAAWAAAAAAAAAAAAAAAAAAAAAAAAAAAAAAAAAAAAAAAAAAAAAAAAAAAAAAAAAAAAAAAPwAAAAAAAACghgEAAAAAAAAAAAAAAAAADAAAAAEAAAAAAAAAAAAAAAAAAAAfAAAAVAAAAERyxAX///8BAAAAAAAAAAAAAAAAAAAAAAAAAAAAAAAAAAAAAAAAAAAAAAACf39/AOfm5gPMzMwAwMD/AH9/fwAAAAAAAAAAAAAAAAD///8AAAAAACEAAAAYAAAAFAAAAH8hAACwJQAAfSoAAGopAAAAAAAAJgAAAAgAAAD//////////zAAAAAUAAAAAAAAAAAA//8AAAEAAAD//wAAAQA="/>
+                <pr:smNativeData xmlns:mc="http://schemas.openxmlformats.org/markup-compatibility/2006" xmlns:p14="http://schemas.microsoft.com/office/powerpoint/2010/main" xmlns:p15="http://schemas.microsoft.com/office/powerpoint/2012/main" xmlns:pr="smNativeData" xmlns="smNativeData" val="SMDATA_18_8bPwYBMAAAAlAAAAEQAAAC8BAAAAkAAAAEgAAACQAAAASAAAAAAAAAAAAAAAAAAAAAEAAABQAAAAAAAAAAAA4D8AAAAAAADgPwAAAAAAAOA/AAAAAAAA4D8AAAAAAADgPwAAAAAAAOA/AAAAAAAA4D8AAAAAAADgPwAAAAAAAOA/AAAAAAAA4D8CAAAAjAAAAAAAAAAAAAAARHLEDP///wgAAAAAAAAAAAAAAAAAAAAAAAAAAAAAAAAAAAAAZAAAAAEAAABAAAAAAAAAAAAAAAAAAAAAAAAAAAAAAAAAAAAAAAAAAAAAAAAAAAAAAAAAAAAAAAAAAAAAAAAAAAAAAAAAAAAAAAAAAAAAAAAAAAAAAAAAAAAAAAAAAAAAFAAAADwAAAAAAAAAAAAAAAAAAAkUAAAAAQAAABQAAAAUAAAAFAAAAAEAAAAAAAAAZAAAAGQAAAAAAAAAZAAAAGQAAAAVAAAAYAAAAAAAAAAAAAAADwAAACADAAAAAAAAAAAAAAEAAACgMgAAVgcAAKr4//8BAAAAf39/AAEAAABkAAAAAAAAABQAAABAHwAAAAAAACYAAAAAAAAAwOD//wAAAAAmAAAAZAAAABYAAABMAAAAAAAAAAAAAAAEAAAAAAAAAAEAAADn5uYKAAAAACgAAAAoAAAAZAAAAGQAAAAAAAAAzMzMAAAAAABQAAAAUAAAAGQAAABkAAAAAAAAAAcAAAA4AAAAAAAAAAAAAAAAAAAA////AAAAAAAAAAAAAAAAAAAAAAAAAAAAAAAAAAAAAABkAAAAZAAAAAAAAAAjAAAABAAAAGQAAAAXAAAAFAAAAAAAAAAAAAAA/38AAP9/AAAAAAAACQAAAAQAAAAgS+QLHgAAAGgAAAAAAAAAAAAAAAAAAAAAAAAAAAAAABAnAAAQJwAAAAAAAAAAAAAAAAAAAAAAAAAAAAAAAAAAAAAAAAAAAAAUAAAAAAAAAMDA/wAAAAAAZAAAADIAAAAAAAAAZAAAAAAAAAB/f38ACgAAACIAAAAYAAAAAAAAAAAAAAAAAAAAAAAAAAAAAAAAAAAAJAAAACQAAAAAAAAABwAAAAAAAAAAAAAAAAAAAAAAAAAAAAAAAAAAAH9/fwAlAAAAWAAAAAAAAAAAAAAAAAAAAAAAAAAAAAAAAAAAAAAAAAAAAAAAAAAAAAAAAAAAAAAAPwAAAAAAAACghgEAAAAAAAAAAAAAAAAADAAAAAEAAAAAAAAAAAAAAAAAAAAfAAAAVAAAAERyxAX///8BAAAAAAAAAAAAAAAAAAAAAAAAAAAAAAAAAAAAAAAAAAAAAAACf39/AOfm5gPMzMwAwMD/AH9/fwAAAAAAAAAAAAAAAAD///8AAAAAACEAAAAYAAAAFAAAAH8hAACwJQAAfSoAAGopAAAAAAAAJgAAAAgAAAD//////////zAAAAAUAAAAAAAAAAAA//8AAAEAAAD//wAAAQA="/>
               </a:ext>
             </a:extLst>
           </p:cNvPicPr>
@@ -6257,7 +5842,7 @@
           <p:cNvSpPr>
             <a:extLst>
               <a:ext uri="smNativeData">
-                <pr:smNativeData xmlns="smNativeData" xmlns:pr="smNativeData" xmlns:p15="http://schemas.microsoft.com/office/powerpoint/2012/main" xmlns:p14="http://schemas.microsoft.com/office/powerpoint/2010/main" xmlns:mc="http://schemas.openxmlformats.org/markup-compatibility/2006" val="SMDATA_16_8bPwYBMAAAAlAAAACgAAAA8BAAAAkAAAAEgAAACQAAAASAAAAAAAAAAAAAAAAAAAAAEAAABQAAAAAAAAAAAA4D8AAAAAAADgPwAAAAAAAOA/AAAAAAAA4D8AAAAAAADgPwAAAAAAAOA/AAAAAAAA4D8AAAAAAADgPwAAAAAAAOA/AAAAAAAA4D8CAAAAjAAAAAAAAAAAAAAARHLEDP///wgAAAAAAAAAAAAAAAAAAAAAAAAAAAAAAAAAAAAAZAAAAAEAAABAAAAAAAAAAAAAAAAAAAAAAAAAAAAAAAAAAAAAAAAAAAAAAAAAAAAAAAAAAAAAAAAAAAAAAAAAAAAAAAAAAAAAAAAAAAAAAAAAAAAAAAAAAAAAAAAAAAAAFAAAADwAAAABAAAAAgAAAHCtRwAUAAAAAQAAABQAAAAUAAAAFAAAAAEAAAAAAAAAZAAAAGQAAAABAAAAlgAAAJYAAAAVAAAAYAAAAAAAAAAAAAAADwAAACADAAAAAAAAAAAAAAEAAACgMgAAVgcAAKr4//8BAAAAf39/AAEAAABkAAAAAAAAABQAAABAHwAAAAAAACYAAAAAAAAAwOD//wAAAAAmAAAAZAAAABYAAABMAAAAAAAAAAAAAAAEAAAAAAAAAAEAAADn5uYKAAAAACgAAAAoAAAAZAAAAGQAAAAAAAAAzMzMAAAAAABQAAAAUAAAAGQAAABkAAAAAAAAABcAAAAUAAAAAAAAAAAAAAD/fwAA/38AAAAAAAAJAAAABAAAAAAAAAAeAAAAaAAAAAAAAAAAAAAAAAAAAAAAAAAAAAAAECcAABAnAAAAAAAAAAAAAAAAAAAAAAAAAAAAAAAAAAAAAAAAAAAAABQAAAAAAAAAwMD/AAAAAABkAAAAMgAAAAAAAABkAAAAAAAAAH9/fwAKAAAAIgAAABgAAAAAAAAAAAAAAAAAAAAAAAAAAAAAAAAAAAAkAAAAJAAAAAAAAAAHAAAAAAAAAAAAAAAAAAAAAAAAAAAAAAAAAAAAf39/ACUAAABYAAAAAAAAAAAAAAAAAAAAAAAAAAAAAAAAAAAAAAAAAAAAAAAAAAAAAAAAAAAAAAA/AAAAAAAAAKCGAQAAAAAAAAAAAAAAAAAMAAAAAQAAAAAAAAAAAAAAAAAAAB8AAABUAAAARHLEBf///wEAAAAAAAAAAAAAAAAAAAAAAAAAAAAAAAAAAAAAAAAAAHCtRwx/f38A5+bmA8zMzADAwP8Af39/AAAAAAAAAAAAAAAAAAAAAAAAAAAAIQAAABgAAAAUAAAAESAAAFUkAACKJAAAFiYAAAAAAAAmAAAACAAAAP//////////MAAAABQAAAAAAAAAAAD//wAAAQAAAP//AAABAA=="/>
+                <pr:smNativeData xmlns:mc="http://schemas.openxmlformats.org/markup-compatibility/2006" xmlns:p14="http://schemas.microsoft.com/office/powerpoint/2010/main" xmlns:p15="http://schemas.microsoft.com/office/powerpoint/2012/main" xmlns:pr="smNativeData" xmlns="smNativeData" val="SMDATA_16_8bPwYBMAAAAlAAAACgAAAA8BAAAAkAAAAEgAAACQAAAASAAAAAAAAAAAAAAAAAAAAAEAAABQAAAAAAAAAAAA4D8AAAAAAADgPwAAAAAAAOA/AAAAAAAA4D8AAAAAAADgPwAAAAAAAOA/AAAAAAAA4D8AAAAAAADgPwAAAAAAAOA/AAAAAAAA4D8CAAAAjAAAAAAAAAAAAAAARHLEDP///wgAAAAAAAAAAAAAAAAAAAAAAAAAAAAAAAAAAAAAZAAAAAEAAABAAAAAAAAAAAAAAAAAAAAAAAAAAAAAAAAAAAAAAAAAAAAAAAAAAAAAAAAAAAAAAAAAAAAAAAAAAAAAAAAAAAAAAAAAAAAAAAAAAAAAAAAAAAAAAAAAAAAAFAAAADwAAAABAAAAAgAAAHCtRwAUAAAAAQAAABQAAAAUAAAAFAAAAAEAAAAAAAAAZAAAAGQAAAABAAAAlgAAAJYAAAAVAAAAYAAAAAAAAAAAAAAADwAAACADAAAAAAAAAAAAAAEAAACgMgAAVgcAAKr4//8BAAAAf39/AAEAAABkAAAAAAAAABQAAABAHwAAAAAAACYAAAAAAAAAwOD//wAAAAAmAAAAZAAAABYAAABMAAAAAAAAAAAAAAAEAAAAAAAAAAEAAADn5uYKAAAAACgAAAAoAAAAZAAAAGQAAAAAAAAAzMzMAAAAAABQAAAAUAAAAGQAAABkAAAAAAAAABcAAAAUAAAAAAAAAAAAAAD/fwAA/38AAAAAAAAJAAAABAAAAAAAAAAeAAAAaAAAAAAAAAAAAAAAAAAAAAAAAAAAAAAAECcAABAnAAAAAAAAAAAAAAAAAAAAAAAAAAAAAAAAAAAAAAAAAAAAABQAAAAAAAAAwMD/AAAAAABkAAAAMgAAAAAAAABkAAAAAAAAAH9/fwAKAAAAIgAAABgAAAAAAAAAAAAAAAAAAAAAAAAAAAAAAAAAAAAkAAAAJAAAAAAAAAAHAAAAAAAAAAAAAAAAAAAAAAAAAAAAAAAAAAAAf39/ACUAAABYAAAAAAAAAAAAAAAAAAAAAAAAAAAAAAAAAAAAAAAAAAAAAAAAAAAAAAAAAAAAAAA/AAAAAAAAAKCGAQAAAAAAAAAAAAAAAAAMAAAAAQAAAAAAAAAAAAAAAAAAAB8AAABUAAAARHLEBf///wEAAAAAAAAAAAAAAAAAAAAAAAAAAAAAAAAAAAAAAAAAAHCtRwx/f38A5+bmA8zMzADAwP8Af39/AAAAAAAAAAAAAAAAAAAAAAAAAAAAIQAAABgAAAAUAAAAESAAAFUkAACKJAAAFiYAAAAAAAAmAAAACAAAAP//////////MAAAABQAAAAAAAAAAAD//wAAAQAAAP//AAABAA=="/>
               </a:ext>
             </a:extLst>
           </p:cNvSpPr>
@@ -6289,7 +5874,7 @@
           <p:cNvSpPr>
             <a:extLst>
               <a:ext uri="smNativeData">
-                <pr:smNativeData xmlns="smNativeData" xmlns:pr="smNativeData" xmlns:p15="http://schemas.microsoft.com/office/powerpoint/2012/main" xmlns:p14="http://schemas.microsoft.com/office/powerpoint/2010/main" xmlns:mc="http://schemas.openxmlformats.org/markup-compatibility/2006" val="SMDATA_16_8bPwYBMAAAAlAAAACgAAAA8BAAAAkAAAAEgAAACQAAAASAAAAAAAAAAAAAAAAAAAAAEAAABQAAAAAAAAAAAA4D8AAAAAAADgPwAAAAAAAOA/AAAAAAAA4D8AAAAAAADgPwAAAAAAAOA/AAAAAAAA4D8AAAAAAADgPwAAAAAAAOA/AAAAAAAA4D8CAAAAjAAAAAAAAAAAAAAARHLEDP///wgAAAAAAAAAAAAAAAAAAAAAAAAAAAAAAAAAAAAAZAAAAAEAAABAAAAAAAAAAAAAAAAAAAAAAAAAAAAAAAAAAAAAAAAAAAAAAAAAAAAAAAAAAAAAAAAAAAAAAAAAAAAAAAAAAAAAAAAAAAAAAAAAAAAAAAAAAAAAAAAAAAAAFAAAADwAAAABAAAAAgAAAHCtRwAUAAAAAQAAABQAAAAUAAAAFAAAAAEAAAAAAAAAZAAAAGQAAAABAAAAlgAAAJYAAAAVAAAAYAAAAAAAAAAAAAAADwAAACADAAAAAAAAAAAAAAEAAACgMgAAVgcAAKr4//8BAAAAf39/AAEAAABkAAAAAAAAABQAAABAHwAAAAAAACYAAAAAAAAAwOD//wAAAAAmAAAAZAAAABYAAABMAAAAAAAAAAAAAAAEAAAAAAAAAAEAAADn5uYKAAAAACgAAAAoAAAAZAAAAGQAAAAAAAAAzMzMAAAAAABQAAAAUAAAAGQAAABkAAAAAAAAABcAAAAUAAAAAAAAAAAAAAD/fwAA/38AAAAAAAAJAAAABAAAAAEAAAAeAAAAaAAAAAAAAAAAAAAAAAAAAAAAAAAAAAAAECcAABAnAAAAAAAAAAAAAAAAAAAAAAAAAAAAAAAAAAAAAAAAAAAAABQAAAAAAAAAwMD/AAAAAABkAAAAMgAAAAAAAABkAAAAAAAAAH9/fwAKAAAAIgAAABgAAAAAAAAAAAAAAAAAAAAAAAAAAAAAAAAAAAAkAAAAJAAAAAAAAAAHAAAAAAAAAAAAAAAAAAAAAAAAAAAAAAAAAAAAf39/ACUAAABYAAAAAAAAAAAAAAAAAAAAAAAAAAAAAAAAAAAAAAAAAAAAAAAAAAAAAAAAAAAAAAA/AAAAAAAAAKCGAQAAAAAAAAAAAAAAAAAMAAAAAQAAAAAAAAAAAAAAAAAAAB8AAABUAAAARHLEBf///wEAAAAAAAAAAAAAAAAAAAAAAAAAAAAAAAAAAAAAAAAAAHCtRwx/f38A5+bmA8zMzADAwP8Af39/AAAAAAAAAAAAAAAAAAAAAAAAAAAAIQAAABgAAAAUAAAA8RkAAK8gAACOHQAAOyMAAAAAAAAmAAAACAAAAP//////////MAAAABQAAAAAAAAAAAD//wAAAQAAAP//AAABAA=="/>
+                <pr:smNativeData xmlns:mc="http://schemas.openxmlformats.org/markup-compatibility/2006" xmlns:p14="http://schemas.microsoft.com/office/powerpoint/2010/main" xmlns:p15="http://schemas.microsoft.com/office/powerpoint/2012/main" xmlns:pr="smNativeData" xmlns="smNativeData" val="SMDATA_16_8bPwYBMAAAAlAAAACgAAAA8BAAAAkAAAAEgAAACQAAAASAAAAAAAAAAAAAAAAAAAAAEAAABQAAAAAAAAAAAA4D8AAAAAAADgPwAAAAAAAOA/AAAAAAAA4D8AAAAAAADgPwAAAAAAAOA/AAAAAAAA4D8AAAAAAADgPwAAAAAAAOA/AAAAAAAA4D8CAAAAjAAAAAAAAAAAAAAARHLEDP///wgAAAAAAAAAAAAAAAAAAAAAAAAAAAAAAAAAAAAAZAAAAAEAAABAAAAAAAAAAAAAAAAAAAAAAAAAAAAAAAAAAAAAAAAAAAAAAAAAAAAAAAAAAAAAAAAAAAAAAAAAAAAAAAAAAAAAAAAAAAAAAAAAAAAAAAAAAAAAAAAAAAAAFAAAADwAAAABAAAAAgAAAHCtRwAUAAAAAQAAABQAAAAUAAAAFAAAAAEAAAAAAAAAZAAAAGQAAAABAAAAlgAAAJYAAAAVAAAAYAAAAAAAAAAAAAAADwAAACADAAAAAAAAAAAAAAEAAACgMgAAVgcAAKr4//8BAAAAf39/AAEAAABkAAAAAAAAABQAAABAHwAAAAAAACYAAAAAAAAAwOD//wAAAAAmAAAAZAAAABYAAABMAAAAAAAAAAAAAAAEAAAAAAAAAAEAAADn5uYKAAAAACgAAAAoAAAAZAAAAGQAAAAAAAAAzMzMAAAAAABQAAAAUAAAAGQAAABkAAAAAAAAABcAAAAUAAAAAAAAAAAAAAD/fwAA/38AAAAAAAAJAAAABAAAAAEAAAAeAAAAaAAAAAAAAAAAAAAAAAAAAAAAAAAAAAAAECcAABAnAAAAAAAAAAAAAAAAAAAAAAAAAAAAAAAAAAAAAAAAAAAAABQAAAAAAAAAwMD/AAAAAABkAAAAMgAAAAAAAABkAAAAAAAAAH9/fwAKAAAAIgAAABgAAAAAAAAAAAAAAAAAAAAAAAAAAAAAAAAAAAAkAAAAJAAAAAAAAAAHAAAAAAAAAAAAAAAAAAAAAAAAAAAAAAAAAAAAf39/ACUAAABYAAAAAAAAAAAAAAAAAAAAAAAAAAAAAAAAAAAAAAAAAAAAAAAAAAAAAAAAAAAAAAA/AAAAAAAAAKCGAQAAAAAAAAAAAAAAAAAMAAAAAQAAAAAAAAAAAAAAAAAAAB8AAABUAAAARHLEBf///wEAAAAAAAAAAAAAAAAAAAAAAAAAAAAAAAAAAAAAAAAAAHCtRwx/f38A5+bmA8zMzADAwP8Af39/AAAAAAAAAAAAAAAAAAAAAAAAAAAAIQAAABgAAAAUAAAA8RkAAK8gAACOHQAAOyMAAAAAAAAmAAAACAAAAP//////////MAAAABQAAAAAAAAAAAD//wAAAQAAAP//AAABAA=="/>
               </a:ext>
             </a:extLst>
           </p:cNvSpPr>
@@ -6322,7 +5907,7 @@
             <a:picLocks noChangeAspect="1"/>
             <a:extLst>
               <a:ext uri="smNativeData">
-                <pr:smNativeData xmlns="smNativeData" xmlns:pr="smNativeData" xmlns:p15="http://schemas.microsoft.com/office/powerpoint/2012/main" xmlns:p14="http://schemas.microsoft.com/office/powerpoint/2010/main" xmlns:mc="http://schemas.openxmlformats.org/markup-compatibility/2006" val="SMDATA_18_8bPwYBMAAAAlAAAAEQAAAC8BAAAAkAAAAEgAAACQAAAASAAAAAAAAAAAAAAAAAAAAAEAAABQAAAAAAAAAAAA4D8AAAAAAADgPwAAAAAAAOA/AAAAAAAA4D8AAAAAAADgPwAAAAAAAOA/AAAAAAAA4D8AAAAAAADgPwAAAAAAAOA/AAAAAAAA4D8CAAAAjAAAAAAAAAAAAAAARHLEDP///wgAAAAAAAAAAAAAAAAAAAAAAAAAAAAAAAAAAAAAZAAAAAEAAABAAAAAAAAAAAAAAAAAAAAAAAAAAAAAAAAAAAAAAAAAAAAAAAAAAAAAAAAAAAAAAAAAAAAAAAAAAAAAAAAAAAAAAAAAAAAAAAAAAAAAAAAAAAAAAAAAAAAAFAAAADwAAAAAAAAAAAAAAAAAAAkUAAAAAQAAABQAAAAUAAAAFAAAAAEAAAAAAAAAZAAAAGQAAAAAAAAAZAAAAGQAAAAVAAAAYAAAAAAAAAAAAAAADwAAACADAAAAAAAAAAAAAAEAAACgMgAAVgcAAKr4//8BAAAAf39/AAEAAABkAAAAAAAAABQAAABAHwAAAAAAACYAAAAAAAAAwOD//wAAAAAmAAAAZAAAABYAAABMAAAAAAAAAAAAAAAEAAAAAAAAAAEAAADn5uYKAAAAACgAAAAoAAAAZAAAAGQAAAAAAAAAzMzMAAAAAABQAAAAUAAAAGQAAABkAAAAAAAAAAcAAAA4AAAAAAAAAAAAAAAAAAAA////AAAAAAAAAAAAAAAAAAAAAAAAAAAAAAAAAAAAAABkAAAAZAAAAAAAAAAjAAAABAAAAGQAAAAXAAAAFAAAAAAAAAAAAAAA/38AAP9/AAAAAAAACQAAAAQAAAAgnHcKHgAAAGgAAAAAAAAAAAAAAAAAAAAAAAAAAAAAABAnAAAQJwAAAAAAAAAAAAAAAAAAAAAAAAAAAAAAAAAAAAAAAAAAAAAUAAAAAAAAAMDA/wAAAAAAZAAAADIAAAAAAAAAZAAAAAAAAAB/f38ACgAAACIAAAAYAAAAAAAAAAAAAAAAAAAAAAAAAAAAAAAAAAAAJAAAACQAAAAAAAAABwAAAAAAAAAAAAAAAAAAAAAAAAAAAAAAAAAAAH9/fwAlAAAAWAAAAAAAAAAAAAAAAAAAAAAAAAAAAAAAAAAAAAAAAAAAAAAAAAAAAAAAAAAAAAAAPwAAAAAAAACghgEAAAAAAAAAAAAAAAAADAAAAAEAAAAAAAAAAAAAAAAAAAAfAAAAVAAAAERyxAX///8BAAAAAAAAAAAAAAAAAAAAAAAAAAAAAAAAAAAAAAAAAAAAAAACf39/AOfm5gPMzMwAwMD/AH9/fwAAAAAAAAAAAAAAAAD///8AAAAAACEAAAAYAAAAFAAAAM0oAAD5IgAA4y8AAGUkAAAAAAAAJgAAAAgAAAD//////////zAAAAAUAAAAAAAAAAAA//8AAAEAAAD//wAAAQA="/>
+                <pr:smNativeData xmlns:mc="http://schemas.openxmlformats.org/markup-compatibility/2006" xmlns:p14="http://schemas.microsoft.com/office/powerpoint/2010/main" xmlns:p15="http://schemas.microsoft.com/office/powerpoint/2012/main" xmlns:pr="smNativeData" xmlns="smNativeData" val="SMDATA_18_8bPwYBMAAAAlAAAAEQAAAC8BAAAAkAAAAEgAAACQAAAASAAAAAAAAAAAAAAAAAAAAAEAAABQAAAAAAAAAAAA4D8AAAAAAADgPwAAAAAAAOA/AAAAAAAA4D8AAAAAAADgPwAAAAAAAOA/AAAAAAAA4D8AAAAAAADgPwAAAAAAAOA/AAAAAAAA4D8CAAAAjAAAAAAAAAAAAAAARHLEDP///wgAAAAAAAAAAAAAAAAAAAAAAAAAAAAAAAAAAAAAZAAAAAEAAABAAAAAAAAAAAAAAAAAAAAAAAAAAAAAAAAAAAAAAAAAAAAAAAAAAAAAAAAAAAAAAAAAAAAAAAAAAAAAAAAAAAAAAAAAAAAAAAAAAAAAAAAAAAAAAAAAAAAAFAAAADwAAAAAAAAAAAAAAAAAAAkUAAAAAQAAABQAAAAUAAAAFAAAAAEAAAAAAAAAZAAAAGQAAAAAAAAAZAAAAGQAAAAVAAAAYAAAAAAAAAAAAAAADwAAACADAAAAAAAAAAAAAAEAAACgMgAAVgcAAKr4//8BAAAAf39/AAEAAABkAAAAAAAAABQAAABAHwAAAAAAACYAAAAAAAAAwOD//wAAAAAmAAAAZAAAABYAAABMAAAAAAAAAAAAAAAEAAAAAAAAAAEAAADn5uYKAAAAACgAAAAoAAAAZAAAAGQAAAAAAAAAzMzMAAAAAABQAAAAUAAAAGQAAABkAAAAAAAAAAcAAAA4AAAAAAAAAAAAAAAAAAAA////AAAAAAAAAAAAAAAAAAAAAAAAAAAAAAAAAAAAAABkAAAAZAAAAAAAAAAjAAAABAAAAGQAAAAXAAAAFAAAAAAAAAAAAAAA/38AAP9/AAAAAAAACQAAAAQAAAAgnHcKHgAAAGgAAAAAAAAAAAAAAAAAAAAAAAAAAAAAABAnAAAQJwAAAAAAAAAAAAAAAAAAAAAAAAAAAAAAAAAAAAAAAAAAAAAUAAAAAAAAAMDA/wAAAAAAZAAAADIAAAAAAAAAZAAAAAAAAAB/f38ACgAAACIAAAAYAAAAAAAAAAAAAAAAAAAAAAAAAAAAAAAAAAAAJAAAACQAAAAAAAAABwAAAAAAAAAAAAAAAAAAAAAAAAAAAAAAAAAAAH9/fwAlAAAAWAAAAAAAAAAAAAAAAAAAAAAAAAAAAAAAAAAAAAAAAAAAAAAAAAAAAAAAAAAAAAAAPwAAAAAAAACghgEAAAAAAAAAAAAAAAAADAAAAAEAAAAAAAAAAAAAAAAAAAAfAAAAVAAAAERyxAX///8BAAAAAAAAAAAAAAAAAAAAAAAAAAAAAAAAAAAAAAAAAAAAAAACf39/AOfm5gPMzMwAwMD/AH9/fwAAAAAAAAAAAAAAAAD///8AAAAAACEAAAAYAAAAFAAAAM0oAAD5IgAA4y8AAGUkAAAAAAAAJgAAAAgAAAD//////////zAAAAAUAAAAAAAAAAAA//8AAAEAAAD//wAAAQA="/>
               </a:ext>
             </a:extLst>
           </p:cNvPicPr>
@@ -6356,7 +5941,7 @@
             <a:picLocks noChangeAspect="1"/>
             <a:extLst>
               <a:ext uri="smNativeData">
-                <pr:smNativeData xmlns="smNativeData" xmlns:pr="smNativeData" xmlns:p15="http://schemas.microsoft.com/office/powerpoint/2012/main" xmlns:p14="http://schemas.microsoft.com/office/powerpoint/2010/main" xmlns:mc="http://schemas.openxmlformats.org/markup-compatibility/2006" val="SMDATA_18_8bPwYBMAAAAlAAAAEQAAAC8BAAAAkAAAAEgAAACQAAAASAAAAAAAAAAAAAAAAAAAAAEAAABQAAAAAAAAAAAA4D8AAAAAAADgPwAAAAAAAOA/AAAAAAAA4D8AAAAAAADgPwAAAAAAAOA/AAAAAAAA4D8AAAAAAADgPwAAAAAAAOA/AAAAAAAA4D8CAAAAjAAAAAAAAAAAAAAARHLEDP///wgAAAAAAAAAAAAAAAAAAAAAAAAAAAAAAAAAAAAAZAAAAAEAAABAAAAAAAAAAAAAAAAAAAAAAAAAAAAAAAAAAAAAAAAAAAAAAAAAAAAAAAAAAAAAAAAAAAAAAAAAAAAAAAAAAAAAAAAAAAAAAAAAAAAAAAAAAAAAAAAAAAAAFAAAADwAAAAAAAAAAAAAAAAAAAkUAAAAAQAAABQAAAAUAAAAFAAAAAEAAAAAAAAAZAAAAGQAAAAAAAAAZAAAAGQAAAAVAAAAYAAAAAAAAAAAAAAADwAAACADAAAAAAAAAAAAAAEAAACgMgAAVgcAAKr4//8BAAAAf39/AAEAAABkAAAAAAAAABQAAABAHwAAAAAAACYAAAAAAAAAwOD//wAAAAAmAAAAZAAAABYAAABMAAAAAAAAAAAAAAAEAAAAAAAAAAEAAADn5uYKAAAAACgAAAAoAAAAZAAAAGQAAAAAAAAAzMzMAAAAAABQAAAAUAAAAGQAAABkAAAAAAAAAAcAAAA4AAAAAAAAAAAAAAAAAAAA////AAAAAAAAAAAAAAAAAAAAAAAAAAAAAAAAAAAAAABkAAAAZAAAAAAAAAAjAAAABAAAAGQAAAAXAAAAFAAAAAAAAAAAAAAA/38AAP9/AAAAAAAACQAAAAQAAAAgS+QLHgAAAGgAAAAAAAAAAAAAAAAAAAAAAAAAAAAAABAnAAAQJwAAAAAAAAAAAAAAAAAAAAAAAAAAAAAAAAAAAAAAAAAAAAAUAAAAAAAAAMDA/wAAAAAAZAAAADIAAAAAAAAAZAAAAAAAAAB/f38ACgAAACIAAAAYAAAAAAAAAAAAAAAAAAAAAAAAAAAAAAAAAAAAJAAAACQAAAAAAAAABwAAAAAAAAAAAAAAAAAAAAAAAAAAAAAAAAAAAH9/fwAlAAAAWAAAAAAAAAAAAAAAAAAAAAAAAAAAAAAAAAAAAAAAAAAAAAAAAAAAAAAAAAAAAAAAPwAAAAAAAACghgEAAAAAAAAAAAAAAAAADAAAAAEAAAAAAAAAAAAAAAAAAAAfAAAAVAAAAERyxAX///8BAAAAAAAAAAAAAAAAAAAAAAAAAAAAAAAAAAAAAAAAAAAAAAACf39/AOfm5gPMzMwAwMD/AH9/fwAAAAAAAAAAAAAAAAD///8AAAAAACEAAAAYAAAAFAAAAGEtAAAVGwAAVDcAAHAgAAAAAAAAJgAAAAgAAAD//////////zAAAAAUAAAAAAAAAAAA//8AAAEAAAD//wAAAQA="/>
+                <pr:smNativeData xmlns:mc="http://schemas.openxmlformats.org/markup-compatibility/2006" xmlns:p14="http://schemas.microsoft.com/office/powerpoint/2010/main" xmlns:p15="http://schemas.microsoft.com/office/powerpoint/2012/main" xmlns:pr="smNativeData" xmlns="smNativeData" val="SMDATA_18_8bPwYBMAAAAlAAAAEQAAAC8BAAAAkAAAAEgAAACQAAAASAAAAAAAAAAAAAAAAAAAAAEAAABQAAAAAAAAAAAA4D8AAAAAAADgPwAAAAAAAOA/AAAAAAAA4D8AAAAAAADgPwAAAAAAAOA/AAAAAAAA4D8AAAAAAADgPwAAAAAAAOA/AAAAAAAA4D8CAAAAjAAAAAAAAAAAAAAARHLEDP///wgAAAAAAAAAAAAAAAAAAAAAAAAAAAAAAAAAAAAAZAAAAAEAAABAAAAAAAAAAAAAAAAAAAAAAAAAAAAAAAAAAAAAAAAAAAAAAAAAAAAAAAAAAAAAAAAAAAAAAAAAAAAAAAAAAAAAAAAAAAAAAAAAAAAAAAAAAAAAAAAAAAAAFAAAADwAAAAAAAAAAAAAAAAAAAkUAAAAAQAAABQAAAAUAAAAFAAAAAEAAAAAAAAAZAAAAGQAAAAAAAAAZAAAAGQAAAAVAAAAYAAAAAAAAAAAAAAADwAAACADAAAAAAAAAAAAAAEAAACgMgAAVgcAAKr4//8BAAAAf39/AAEAAABkAAAAAAAAABQAAABAHwAAAAAAACYAAAAAAAAAwOD//wAAAAAmAAAAZAAAABYAAABMAAAAAAAAAAAAAAAEAAAAAAAAAAEAAADn5uYKAAAAACgAAAAoAAAAZAAAAGQAAAAAAAAAzMzMAAAAAABQAAAAUAAAAGQAAABkAAAAAAAAAAcAAAA4AAAAAAAAAAAAAAAAAAAA////AAAAAAAAAAAAAAAAAAAAAAAAAAAAAAAAAAAAAABkAAAAZAAAAAAAAAAjAAAABAAAAGQAAAAXAAAAFAAAAAAAAAAAAAAA/38AAP9/AAAAAAAACQAAAAQAAAAgS+QLHgAAAGgAAAAAAAAAAAAAAAAAAAAAAAAAAAAAABAnAAAQJwAAAAAAAAAAAAAAAAAAAAAAAAAAAAAAAAAAAAAAAAAAAAAUAAAAAAAAAMDA/wAAAAAAZAAAADIAAAAAAAAAZAAAAAAAAAB/f38ACgAAACIAAAAYAAAAAAAAAAAAAAAAAAAAAAAAAAAAAAAAAAAAJAAAACQAAAAAAAAABwAAAAAAAAAAAAAAAAAAAAAAAAAAAAAAAAAAAH9/fwAlAAAAWAAAAAAAAAAAAAAAAAAAAAAAAAAAAAAAAAAAAAAAAAAAAAAAAAAAAAAAAAAAAAAAPwAAAAAAAACghgEAAAAAAAAAAAAAAAAADAAAAAEAAAAAAAAAAAAAAAAAAAAfAAAAVAAAAERyxAX///8BAAAAAAAAAAAAAAAAAAAAAAAAAAAAAAAAAAAAAAAAAAAAAAACf39/AOfm5gPMzMwAwMD/AH9/fwAAAAAAAAAAAAAAAAD///8AAAAAACEAAAAYAAAAFAAAAGEtAAAVGwAAVDcAAHAgAAAAAAAAJgAAAAgAAAD//////////zAAAAAUAAAAAAAAAAAA//8AAAEAAAD//wAAAQA="/>
               </a:ext>
             </a:extLst>
           </p:cNvPicPr>
@@ -6389,7 +5974,7 @@
           <p:cNvSpPr>
             <a:extLst>
               <a:ext uri="smNativeData">
-                <pr:smNativeData xmlns="smNativeData" xmlns:pr="smNativeData" xmlns:p15="http://schemas.microsoft.com/office/powerpoint/2012/main" xmlns:p14="http://schemas.microsoft.com/office/powerpoint/2010/main" xmlns:mc="http://schemas.openxmlformats.org/markup-compatibility/2006" val="SMDATA_16_8bPwYBMAAAAlAAAACgAAAA8BAAAAkAAAAEgAAACQAAAASAAAAAAAAAAAAAAAAAAAAAEAAABQAAAAAAAAAAAA4D8AAAAAAADgPwAAAAAAAOA/AAAAAAAA4D8AAAAAAADgPwAAAAAAAOA/AAAAAAAA4D8AAAAAAADgPwAAAAAAAOA/AAAAAAAA4D8CAAAAjAAAAAAAAAAAAAAARHLEDP///wgAAAAAAAAAAAAAAAAAAAAAAAAAAAAAAAAAAAAAZAAAAAEAAABAAAAAAAAAAAAAAAAAAAAAAAAAAAAAAAAAAAAAAAAAAAAAAAAAAAAAAAAAAAAAAAAAAAAAAAAAAAAAAAAAAAAAAAAAAAAAAAAAAAAAAAAAAAAAAAAAAAAAFAAAADwAAAABAAAAAgAAAHCtRwAUAAAAAQAAABQAAAAUAAAAFAAAAAEAAAAAAAAAZAAAAGQAAAABAAAAlgAAAJYAAAAVAAAAYAAAAAAAAAAAAAAADwAAACADAAAAAAAAAAAAAAEAAACgMgAAVgcAAKr4//8BAAAAf39/AAEAAABkAAAAAAAAABQAAABAHwAAAAAAACYAAAAAAAAAwOD//wAAAAAmAAAAZAAAABYAAABMAAAAAAAAAAAAAAAEAAAAAAAAAAEAAADn5uYKAAAAACgAAAAoAAAAZAAAAGQAAAAAAAAAzMzMAAAAAABQAAAAUAAAAGQAAABkAAAAAAAAABcAAAAUAAAAAAAAAAAAAAD/fwAA/38AAAAAAAAJAAAABAAAAAEAAAAeAAAAaAAAAAAAAAAAAAAAAAAAAAAAAAAAAAAAECcAABAnAAAAAAAAAAAAAAAAAAAAAAAAAAAAAAAAAAAAAAAAAAAAABQAAAAAAAAAwMD/AAAAAABkAAAAMgAAAAAAAABkAAAAAAAAAH9/fwAKAAAAIgAAABgAAAAAAAAAAAAAAAAAAAAAAAAAAAAAAAAAAAAkAAAAJAAAAAAAAAAHAAAAAAAAAAAAAAAAAAAAAAAAAAAAAAAAAAAAf39/ACUAAABYAAAAAAAAAAAAAAAAAAAAAAAAAAAAAAAAAAAAAAAAAAAAAAAAAAAAAAAAAAAAAAA/AAAAAAAAAKCGAQAAAAAAAAAAAAAAAAAMAAAAAQAAAAAAAAAAAAAAAAAAAB8AAABUAAAARHLEBf///wEAAAAAAAAAAAAAAAAAAAAAAAAAAAAAAAAAAAAAAAAAAHCtRwx/f38A5+bmA8zMzADAwP8Af39/AAAAAAAAAAAAAAAAAAAAAAAAAAAAIQAAABgAAAAUAAAALygAABckAAB8LAAAFiYAAAAAAAAmAAAACAAAAP//////////MAAAABQAAAAAAAAAAAD//wAAAQAAAP//AAABAA=="/>
+                <pr:smNativeData xmlns:mc="http://schemas.openxmlformats.org/markup-compatibility/2006" xmlns:p14="http://schemas.microsoft.com/office/powerpoint/2010/main" xmlns:p15="http://schemas.microsoft.com/office/powerpoint/2012/main" xmlns:pr="smNativeData" xmlns="smNativeData" val="SMDATA_16_8bPwYBMAAAAlAAAACgAAAA8BAAAAkAAAAEgAAACQAAAASAAAAAAAAAAAAAAAAAAAAAEAAABQAAAAAAAAAAAA4D8AAAAAAADgPwAAAAAAAOA/AAAAAAAA4D8AAAAAAADgPwAAAAAAAOA/AAAAAAAA4D8AAAAAAADgPwAAAAAAAOA/AAAAAAAA4D8CAAAAjAAAAAAAAAAAAAAARHLEDP///wgAAAAAAAAAAAAAAAAAAAAAAAAAAAAAAAAAAAAAZAAAAAEAAABAAAAAAAAAAAAAAAAAAAAAAAAAAAAAAAAAAAAAAAAAAAAAAAAAAAAAAAAAAAAAAAAAAAAAAAAAAAAAAAAAAAAAAAAAAAAAAAAAAAAAAAAAAAAAAAAAAAAAFAAAADwAAAABAAAAAgAAAHCtRwAUAAAAAQAAABQAAAAUAAAAFAAAAAEAAAAAAAAAZAAAAGQAAAABAAAAlgAAAJYAAAAVAAAAYAAAAAAAAAAAAAAADwAAACADAAAAAAAAAAAAAAEAAACgMgAAVgcAAKr4//8BAAAAf39/AAEAAABkAAAAAAAAABQAAABAHwAAAAAAACYAAAAAAAAAwOD//wAAAAAmAAAAZAAAABYAAABMAAAAAAAAAAAAAAAEAAAAAAAAAAEAAADn5uYKAAAAACgAAAAoAAAAZAAAAGQAAAAAAAAAzMzMAAAAAABQAAAAUAAAAGQAAABkAAAAAAAAABcAAAAUAAAAAAAAAAAAAAD/fwAA/38AAAAAAAAJAAAABAAAAAEAAAAeAAAAaAAAAAAAAAAAAAAAAAAAAAAAAAAAAAAAECcAABAnAAAAAAAAAAAAAAAAAAAAAAAAAAAAAAAAAAAAAAAAAAAAABQAAAAAAAAAwMD/AAAAAABkAAAAMgAAAAAAAABkAAAAAAAAAH9/fwAKAAAAIgAAABgAAAAAAAAAAAAAAAAAAAAAAAAAAAAAAAAAAAAkAAAAJAAAAAAAAAAHAAAAAAAAAAAAAAAAAAAAAAAAAAAAAAAAAAAAf39/ACUAAABYAAAAAAAAAAAAAAAAAAAAAAAAAAAAAAAAAAAAAAAAAAAAAAAAAAAAAAAAAAAAAAA/AAAAAAAAAKCGAQAAAAAAAAAAAAAAAAAMAAAAAQAAAAAAAAAAAAAAAAAAAB8AAABUAAAARHLEBf///wEAAAAAAAAAAAAAAAAAAAAAAAAAAAAAAAAAAAAAAAAAAHCtRwx/f38A5+bmA8zMzADAwP8Af39/AAAAAAAAAAAAAAAAAAAAAAAAAAAAIQAAABgAAAAUAAAALygAABckAAB8LAAAFiYAAAAAAAAmAAAACAAAAP//////////MAAAABQAAAAAAAAAAAD//wAAAQAAAP//AAABAA=="/>
               </a:ext>
             </a:extLst>
           </p:cNvSpPr>
@@ -6421,7 +6006,7 @@
           <p:cNvSpPr>
             <a:extLst>
               <a:ext uri="smNativeData">
-                <pr:smNativeData xmlns="smNativeData" xmlns:pr="smNativeData" xmlns:p15="http://schemas.microsoft.com/office/powerpoint/2012/main" xmlns:p14="http://schemas.microsoft.com/office/powerpoint/2010/main" xmlns:mc="http://schemas.openxmlformats.org/markup-compatibility/2006" val="SMDATA_16_8bPwYBMAAAAlAAAACgAAAA8BAAAAkAAAAEgAAACQAAAASAAAAAAAAAAAAAAAAAAAAAEAAABQAAAAAAAAAAAA4D8AAAAAAADgPwAAAAAAAOA/AAAAAAAA4D8AAAAAAADgPwAAAAAAAOA/AAAAAAAA4D8AAAAAAADgPwAAAAAAAOA/AAAAAAAA4D8CAAAAjAAAAAAAAAAAAAAARHLEDP///wgAAAAAAAAAAAAAAAAAAAAAAAAAAAAAAAAAAAAAZAAAAAEAAABAAAAAAAAAAAAAAAAAAAAAAAAAAAAAAAAAAAAAAAAAAAAAAAAAAAAAAAAAAAAAAAAAAAAAAAAAAAAAAAAAAAAAAAAAAAAAAAAAAAAAAAAAAAAAAAAAAAAAFAAAADwAAAABAAAAAgAAAHCtRwAUAAAAAQAAABQAAAAUAAAAFAAAAAEAAAAAAAAAZAAAAGQAAAABAAAAlgAAAJYAAAAVAAAAYAAAAAAAAAAAAAAADwAAACADAAAAAAAAAAAAAAEAAACgMgAAVgcAAKr4//8BAAAAf39/AAEAAABkAAAAAAAAABQAAABAHwAAAAAAACYAAAAAAAAAwOD//wAAAAAmAAAAZAAAABYAAABMAAAAAAAAAAAAAAAEAAAAAAAAAAEAAADn5uYKAAAAACgAAAAoAAAAZAAAAGQAAAAAAAAAzMzMAAAAAABQAAAAUAAAAGQAAABkAAAAAAAAABcAAAAUAAAAAAAAAAAAAAD/fwAA/38AAAAAAAAJAAAABAAAAAAAAAAeAAAAaAAAAAAAAAAAAAAAAAAAAAAAAAAAAAAAECcAABAnAAAAAAAAAAAAAAAAAAAAAAAAAAAAAAAAAAAAAAAAAAAAABQAAAAAAAAAwMD/AAAAAABkAAAAMgAAAAAAAABkAAAAAAAAAH9/fwAKAAAAIgAAABgAAAAAAAAAAAAAAAAAAAAAAAAAAAAAAAAAAAAkAAAAJAAAAAAAAAAHAAAAAAAAAAAAAAAAAAAAAAAAAAAAAAAAAAAAf39/ACUAAABYAAAAAAAAAAAAAAAAAAAAAAAAAAAAAAAAAAAAAAAAAAAAAAAAAAAAAAAAAAAAAAA/AAAAAAAAAKCGAQAAAAAAAAAAAAAAAAAMAAAAAQAAAAAAAAAAAAAAAAAAAB8AAABUAAAARHLEBf///wEAAAAAAAAAAAAAAAAAAAAAAAAAAAAAAAAAAAAAAAAAAHCtRwx/f38A5+bmA8zMzADAwP8Af39/AAAAAAAAAAAAAAAAAAAAAAAAAAAAIQAAABgAAAAUAAAAwiwAAAggAACCMQAAICMAAAAAAAAmAAAACAAAAP//////////MAAAABQAAAAAAAAAAAD//wAAAQAAAP//AAABAA=="/>
+                <pr:smNativeData xmlns:mc="http://schemas.openxmlformats.org/markup-compatibility/2006" xmlns:p14="http://schemas.microsoft.com/office/powerpoint/2010/main" xmlns:p15="http://schemas.microsoft.com/office/powerpoint/2012/main" xmlns:pr="smNativeData" xmlns="smNativeData" val="SMDATA_16_8bPwYBMAAAAlAAAACgAAAA8BAAAAkAAAAEgAAACQAAAASAAAAAAAAAAAAAAAAAAAAAEAAABQAAAAAAAAAAAA4D8AAAAAAADgPwAAAAAAAOA/AAAAAAAA4D8AAAAAAADgPwAAAAAAAOA/AAAAAAAA4D8AAAAAAADgPwAAAAAAAOA/AAAAAAAA4D8CAAAAjAAAAAAAAAAAAAAARHLEDP///wgAAAAAAAAAAAAAAAAAAAAAAAAAAAAAAAAAAAAAZAAAAAEAAABAAAAAAAAAAAAAAAAAAAAAAAAAAAAAAAAAAAAAAAAAAAAAAAAAAAAAAAAAAAAAAAAAAAAAAAAAAAAAAAAAAAAAAAAAAAAAAAAAAAAAAAAAAAAAAAAAAAAAFAAAADwAAAABAAAAAgAAAHCtRwAUAAAAAQAAABQAAAAUAAAAFAAAAAEAAAAAAAAAZAAAAGQAAAABAAAAlgAAAJYAAAAVAAAAYAAAAAAAAAAAAAAADwAAACADAAAAAAAAAAAAAAEAAACgMgAAVgcAAKr4//8BAAAAf39/AAEAAABkAAAAAAAAABQAAABAHwAAAAAAACYAAAAAAAAAwOD//wAAAAAmAAAAZAAAABYAAABMAAAAAAAAAAAAAAAEAAAAAAAAAAEAAADn5uYKAAAAACgAAAAoAAAAZAAAAGQAAAAAAAAAzMzMAAAAAABQAAAAUAAAAGQAAABkAAAAAAAAABcAAAAUAAAAAAAAAAAAAAD/fwAA/38AAAAAAAAJAAAABAAAAAAAAAAeAAAAaAAAAAAAAAAAAAAAAAAAAAAAAAAAAAAAECcAABAnAAAAAAAAAAAAAAAAAAAAAAAAAAAAAAAAAAAAAAAAAAAAABQAAAAAAAAAwMD/AAAAAABkAAAAMgAAAAAAAABkAAAAAAAAAH9/fwAKAAAAIgAAABgAAAAAAAAAAAAAAAAAAAAAAAAAAAAAAAAAAAAkAAAAJAAAAAAAAAAHAAAAAAAAAAAAAAAAAAAAAAAAAAAAAAAAAAAAf39/ACUAAABYAAAAAAAAAAAAAAAAAAAAAAAAAAAAAAAAAAAAAAAAAAAAAAAAAAAAAAAAAAAAAAA/AAAAAAAAAKCGAQAAAAAAAAAAAAAAAAAMAAAAAQAAAAAAAAAAAAAAAAAAAB8AAABUAAAARHLEBf///wEAAAAAAAAAAAAAAAAAAAAAAAAAAAAAAAAAAAAAAAAAAHCtRwx/f38A5+bmA8zMzADAwP8Af39/AAAAAAAAAAAAAAAAAAAAAAAAAAAAIQAAABgAAAAUAAAAwiwAAAggAACCMQAAICMAAAAAAAAmAAAACAAAAP//////////MAAAABQAAAAAAAAAAAD//wAAAQAAAP//AAABAA=="/>
               </a:ext>
             </a:extLst>
           </p:cNvSpPr>
@@ -6455,7 +6040,7 @@
 </p:sld>
 </file>
 
-<file path=ppt/slides/slide16.xml><?xml version="1.0" encoding="utf-8"?>
+<file path=ppt/slides/slide14.xml><?xml version="1.0" encoding="utf-8"?>
 <p:sld xmlns:a="http://schemas.openxmlformats.org/drawingml/2006/main" xmlns:r="http://schemas.openxmlformats.org/officeDocument/2006/relationships" xmlns:p="http://schemas.openxmlformats.org/presentationml/2006/main">
   <p:cSld>
     <p:spTree>
@@ -6479,7 +6064,7 @@
             <a:spLocks noGrp="1" noChangeArrowheads="1"/>
             <a:extLst>
               <a:ext uri="smNativeData">
-                <pr:smNativeData xmlns="smNativeData" xmlns:pr="smNativeData" xmlns:p15="http://schemas.microsoft.com/office/powerpoint/2012/main" xmlns:p14="http://schemas.microsoft.com/office/powerpoint/2010/main" xmlns:mc="http://schemas.openxmlformats.org/markup-compatibility/2006" val="SMDATA_16_8bPwYBMAAAAlAAAAZAAAAA0AAAAAkAAAAEgAAACQAAAASAAAAAAAAAABAAAAAAAAAAEAAABQAAAAAAAAAAAA4D8AAAAAAADgPwAAAAAAAOA/AAAAAAAA4D8AAAAAAADgPwAAAAAAAOA/AAAAAAAA4D8AAAAAAADgPwAAAAAAAOA/AAAAAAAA4D8CAAAAjAAAAAAAAAAAAAAARHLEDP///wgAAAAAAAAAAAAAAAAAAAAAAAAAAAAAAAAAAAAAZAAAAAEAAABAAAAAAAAAAAAAAAAAAAAAAAAAAAAAAAAAAAAAAAAAAAAAAAAAAAAAAAAAAAAAAAAAAAAAAAAAAAAAAAAAAAAAAAAAAAAAAAAAAAAAAAAAAAAAAAAAAAAAFAAAADwAAAAAAAAAAAAAAAAAAAkUAAAAAQAAABQAAAAUAAAAFAAAAAEAAAAAAAAAZAAAAGQAAAAAAAAAZAAAAGQAAAAVAAAAYAAAAAAAAAAAAAAADwAAACADAAAAAAAAAAAAAAEAAACgMgAAVgcAAKr4//8BAAAAf39/AAEAAABkAAAAAAAAABQAAABAHwAAAAAAACYAAAAAAAAAwOD//wAAAAAmAAAAZAAAABYAAABMAAAAAAAAAAAAAAAEAAAAAAAAAAEAAADn5uYKAAAAACgAAAAoAAAAZAAAAGQAAAAAAAAAzMzMAAAAAABQAAAAUAAAAGQAAABkAAAAAAAAABcAAAAUAAAAAAAAAAAAAAD/fwAA/38AAAAAAAAJAAAABAAAAAUAAAAeAAAAaAAAAAAAAAAAAAAAAAAAAAAAAAAAAAAAECcAABAnAAAAAAAAAAAAAAAAAAAAAAAAAAAAAAAAAAAAAAAAAAAAABQAAAAAAAAAwMD/AAAAAABkAAAAMgAAAAAAAABkAAAAAAAAAH9/fwAKAAAAIgAAABgAAAAAAAAAAAAAAAAAAAAAAAAAAAAAAAAAAAAkAAAAJAAAAAAAAAAHAAAAAAAAAAAAAAAAAAAAAAAAAAAAAAAAAAAAf39/ACUAAABYAAAAAAAAAAAAAAAAAAAAAAAAAAAAAAAAAAAAAAAAAAAAAAAAAAAAAAAAAAAAAAA/AAAAAAAAAKCGAQAAAAAAAAAAAAAAAAAMAAAAAQAAAAAAAAAAAAAAAAAAAB8AAABUAAAARHLEBf///wEAAAAAAAAAAAAAAAAAAAAAAAAAAAAAAAAAAAAAAAAAAAAAAAJ/f38A5+bmA8zMzADAwP8Af39/AAAAAAAAAAAAAAAAAAAAAAAAAAAAIQAAABgAAAAUAAAA3gMAAD8CAABiNAAAZwoAAAAAAAAmAAAACAAAAAEAAAAAAAAAMAAAABQAAAAAAAAAAAD//wAAAQAAAP//AAABAA=="/>
+                <pr:smNativeData xmlns:mc="http://schemas.openxmlformats.org/markup-compatibility/2006" xmlns:p14="http://schemas.microsoft.com/office/powerpoint/2010/main" xmlns:p15="http://schemas.microsoft.com/office/powerpoint/2012/main" xmlns:pr="smNativeData" xmlns="smNativeData" val="SMDATA_16_8bPwYBMAAAAlAAAAZAAAAA0AAAAAkAAAAEgAAACQAAAASAAAAAAAAAABAAAAAAAAAAEAAABQAAAAAAAAAAAA4D8AAAAAAADgPwAAAAAAAOA/AAAAAAAA4D8AAAAAAADgPwAAAAAAAOA/AAAAAAAA4D8AAAAAAADgPwAAAAAAAOA/AAAAAAAA4D8CAAAAjAAAAAAAAAAAAAAARHLEDP///wgAAAAAAAAAAAAAAAAAAAAAAAAAAAAAAAAAAAAAZAAAAAEAAABAAAAAAAAAAAAAAAAAAAAAAAAAAAAAAAAAAAAAAAAAAAAAAAAAAAAAAAAAAAAAAAAAAAAAAAAAAAAAAAAAAAAAAAAAAAAAAAAAAAAAAAAAAAAAAAAAAAAAFAAAADwAAAAAAAAAAAAAAAAAAAkUAAAAAQAAABQAAAAUAAAAFAAAAAEAAAAAAAAAZAAAAGQAAAAAAAAAZAAAAGQAAAAVAAAAYAAAAAAAAAAAAAAADwAAACADAAAAAAAAAAAAAAEAAACgMgAAVgcAAKr4//8BAAAAf39/AAEAAABkAAAAAAAAABQAAABAHwAAAAAAACYAAAAAAAAAwOD//wAAAAAmAAAAZAAAABYAAABMAAAAAAAAAAAAAAAEAAAAAAAAAAEAAADn5uYKAAAAACgAAAAoAAAAZAAAAGQAAAAAAAAAzMzMAAAAAABQAAAAUAAAAGQAAABkAAAAAAAAABcAAAAUAAAAAAAAAAAAAAD/fwAA/38AAAAAAAAJAAAABAAAAAUAAAAeAAAAaAAAAAAAAAAAAAAAAAAAAAAAAAAAAAAAECcAABAnAAAAAAAAAAAAAAAAAAAAAAAAAAAAAAAAAAAAAAAAAAAAABQAAAAAAAAAwMD/AAAAAABkAAAAMgAAAAAAAABkAAAAAAAAAH9/fwAKAAAAIgAAABgAAAAAAAAAAAAAAAAAAAAAAAAAAAAAAAAAAAAkAAAAJAAAAAAAAAAHAAAAAAAAAAAAAAAAAAAAAAAAAAAAAAAAAAAAf39/ACUAAABYAAAAAAAAAAAAAAAAAAAAAAAAAAAAAAAAAAAAAAAAAAAAAAAAAAAAAAAAAAAAAAA/AAAAAAAAAKCGAQAAAAAAAAAAAAAAAAAMAAAAAQAAAAAAAAAAAAAAAAAAAB8AAABUAAAARHLEBf///wEAAAAAAAAAAAAAAAAAAAAAAAAAAAAAAAAAAAAAAAAAAAAAAAJ/f38A5+bmA8zMzADAwP8Af39/AAAAAAAAAAAAAAAAAAAAAAAAAAAAIQAAABgAAAAUAAAA3gMAAD8CAABiNAAAZwoAAAAAAAAmAAAACAAAAAEAAAAAAAAAMAAAABQAAAAAAAAAAAD//wAAAQAAAP//AAABAA=="/>
               </a:ext>
             </a:extLst>
           </p:cNvSpPr>
@@ -6512,7 +6097,7 @@
           <p:cNvSpPr txBox="1">
             <a:extLst>
               <a:ext uri="smNativeData">
-                <pr:smNativeData xmlns="smNativeData" xmlns:pr="smNativeData" xmlns:p15="http://schemas.microsoft.com/office/powerpoint/2012/main" xmlns:p14="http://schemas.microsoft.com/office/powerpoint/2010/main" xmlns:mc="http://schemas.openxmlformats.org/markup-compatibility/2006" val="SMDATA_16_8bPwYBMAAAAlAAAAEgAAAA8BAAAAkAAAAEgAAACQAAAASAAAAAAAAAAAAAAAAAAAAAEAAABQAAAAAAAAAAAA4D8AAAAAAADgPwAAAAAAAOA/AAAAAAAA4D8AAAAAAADgPwAAAAAAAOA/AAAAAAAA4D8AAAAAAADgPwAAAAAAAOA/AAAAAAAA4D8CAAAAjAAAAAAAAAAAAAAARHLEDP///wgAAAAAAAAAAAAAAAAAAAAAAAAAAAAAAAAAAAAAZAAAAAEAAABAAAAAAAAAAAAAAAAAAAAAAAAAAAAAAAAAAAAAAAAAAAAAAAAAAAAAAAAAAAAAAAAAAAAAAAAAAAAAAAAAAAAAAAAAAAAAAAAAAAAAAAAAAAAAAAAAAAAAFAAAADwAAAAAAAAAAAAAAAAAAAkUAAAAAQAAABQAAAAUAAAAFAAAAAEAAAAAAAAAZAAAAGQAAAAAAAAAZAAAAGQAAAAVAAAAYAAAAAAAAAAAAAAADwAAACADAAAAAAAAAAAAAAEAAACgMgAAVgcAAKr4//8BAAAAf39/AAEAAABkAAAAAAAAABQAAABAHwAAAAAAACYAAAAAAAAAwOD//wAAAAAmAAAAZAAAABYAAABMAAAAAAAAAAAAAAAEAAAAAAAAAAEAAADn5uYKAAAAACgAAAAoAAAAZAAAAGQAAAAAAAAAzMzMAAAAAABQAAAAUAAAAGQAAABkAAAAAAAAABcAAAAUAAAAAAAAAAAAAAD/fwAA/38AAAAAAAAJAAAABAAAAMBtvgYeAAAAaAAAAAAAAAAAAAAAAAAAAAAAAAAAAAAAECcAABAnAAAAAAAAAAAAAAAAAAAAAAAAAAAAAAAAAAAAAAAAAAAAABQAAAAAAAAAwMD/AAAAAABkAAAAMgAAAAAAAABkAAAAAAAAAH9/fwAKAAAAIgAAABgAAAAAAAAAAAAAAAAAAAAAAAAAAAAAAAAAAAAkAAAAJAAAAAAAAAAHAAAAAAAAAAAAAAAAAAAAAAAAAAAAAAAAAAAAf39/ACUAAABYAAAAAAAAAAAAAAAAAAAAAAAAAAAAAAAAAAAAAAAAAAAAAAAAAAAAAAAAAAAAAAA/AAAAAAAAAKCGAQAAAAAAAAAAAAAAAAAMAAAAAQAAAAAAAAAAAAAAAAAAAB8AAABUAAAARHLEBf///wEAAAAAAAAAAAAAAAAAAAAAAAAAAAAAAAAAAAAAAAAAAAAAAAJ/f38A5+bmA8zMzADAwP8Af39/AAAAAAAAAAAAAAAAAAAAAAAAAAAAIQAAABgAAAAUAAAAsQIAAH8iAACQNQAAhygAAAAAAAAmAAAACAAAAP//////////MAAAABQAAAAAAAAAAAD//wAAAQAAAP//AAABAA=="/>
+                <pr:smNativeData xmlns:mc="http://schemas.openxmlformats.org/markup-compatibility/2006" xmlns:p14="http://schemas.microsoft.com/office/powerpoint/2010/main" xmlns:p15="http://schemas.microsoft.com/office/powerpoint/2012/main" xmlns:pr="smNativeData" xmlns="smNativeData" val="SMDATA_16_8bPwYBMAAAAlAAAAEgAAAA8BAAAAkAAAAEgAAACQAAAASAAAAAAAAAAAAAAAAAAAAAEAAABQAAAAAAAAAAAA4D8AAAAAAADgPwAAAAAAAOA/AAAAAAAA4D8AAAAAAADgPwAAAAAAAOA/AAAAAAAA4D8AAAAAAADgPwAAAAAAAOA/AAAAAAAA4D8CAAAAjAAAAAAAAAAAAAAARHLEDP///wgAAAAAAAAAAAAAAAAAAAAAAAAAAAAAAAAAAAAAZAAAAAEAAABAAAAAAAAAAAAAAAAAAAAAAAAAAAAAAAAAAAAAAAAAAAAAAAAAAAAAAAAAAAAAAAAAAAAAAAAAAAAAAAAAAAAAAAAAAAAAAAAAAAAAAAAAAAAAAAAAAAAAFAAAADwAAAAAAAAAAAAAAAAAAAkUAAAAAQAAABQAAAAUAAAAFAAAAAEAAAAAAAAAZAAAAGQAAAAAAAAAZAAAAGQAAAAVAAAAYAAAAAAAAAAAAAAADwAAACADAAAAAAAAAAAAAAEAAACgMgAAVgcAAKr4//8BAAAAf39/AAEAAABkAAAAAAAAABQAAABAHwAAAAAAACYAAAAAAAAAwOD//wAAAAAmAAAAZAAAABYAAABMAAAAAAAAAAAAAAAEAAAAAAAAAAEAAADn5uYKAAAAACgAAAAoAAAAZAAAAGQAAAAAAAAAzMzMAAAAAABQAAAAUAAAAGQAAABkAAAAAAAAABcAAAAUAAAAAAAAAAAAAAD/fwAA/38AAAAAAAAJAAAABAAAAMBtvgYeAAAAaAAAAAAAAAAAAAAAAAAAAAAAAAAAAAAAECcAABAnAAAAAAAAAAAAAAAAAAAAAAAAAAAAAAAAAAAAAAAAAAAAABQAAAAAAAAAwMD/AAAAAABkAAAAMgAAAAAAAABkAAAAAAAAAH9/fwAKAAAAIgAAABgAAAAAAAAAAAAAAAAAAAAAAAAAAAAAAAAAAAAkAAAAJAAAAAAAAAAHAAAAAAAAAAAAAAAAAAAAAAAAAAAAAAAAAAAAf39/ACUAAABYAAAAAAAAAAAAAAAAAAAAAAAAAAAAAAAAAAAAAAAAAAAAAAAAAAAAAAAAAAAAAAA/AAAAAAAAAKCGAQAAAAAAAAAAAAAAAAAMAAAAAQAAAAAAAAAAAAAAAAAAAB8AAABUAAAARHLEBf///wEAAAAAAAAAAAAAAAAAAAAAAAAAAAAAAAAAAAAAAAAAAAAAAAJ/f38A5+bmA8zMzADAwP8Af39/AAAAAAAAAAAAAAAAAAAAAAAAAAAAIQAAABgAAAAUAAAAsQIAAH8iAACQNQAAhygAAAAAAAAmAAAACAAAAP//////////MAAAABQAAAAAAAAAAAD//wAAAQAAAP//AAABAA=="/>
               </a:ext>
             </a:extLst>
           </p:cNvSpPr>
@@ -6554,6 +6139,7 @@
               </a:defRPr>
             </a:pPr>
             <a:r>
+              <a:rPr dirty="0"/>
               <a:t>How does a rational agent solve this problem?</a:t>
             </a:r>
           </a:p>
@@ -6579,10 +6165,7 @@
               </a:defRPr>
             </a:pPr>
             <a:r>
-              <a:t></a:t>
-            </a:r>
-            <a:r>
-              <a:rPr lang="en-us">
+              <a:rPr lang="en-us" dirty="0">
                 <a:latin typeface="Calibri" pitchFamily="2" charset="0"/>
                 <a:ea typeface="Calibri" pitchFamily="2" charset="0"/>
                 <a:cs typeface="Calibri" pitchFamily="2" charset="0"/>
@@ -6599,7 +6182,7 @@
             <a:picLocks noChangeAspect="1"/>
             <a:extLst>
               <a:ext uri="smNativeData">
-                <pr:smNativeData xmlns="smNativeData" xmlns:pr="smNativeData" xmlns:p15="http://schemas.microsoft.com/office/powerpoint/2012/main" xmlns:p14="http://schemas.microsoft.com/office/powerpoint/2010/main" xmlns:mc="http://schemas.openxmlformats.org/markup-compatibility/2006" val="SMDATA_18_8bPwYBMAAAAlAAAAEQAAAC8BAAAAkAAAAEgAAACQAAAASAAAAAAAAAAAAAAAAAAAAAEAAABQAAAAAAAAAAAA4D8AAAAAAADgPwAAAAAAAOA/AAAAAAAA4D8AAAAAAADgPwAAAAAAAOA/AAAAAAAA4D8AAAAAAADgPwAAAAAAAOA/AAAAAAAA4D8CAAAAjAAAAAAAAAAAAAAARHLEDP///wgAAAAAAAAAAAAAAAAAAAAAAAAAAAAAAAAAAAAAZAAAAAEAAABAAAAAAAAAAAAAAAAAAAAAAAAAAAAAAAAAAAAAAAAAAAAAAAAAAAAAAAAAAAAAAAAAAAAAAAAAAAAAAAAAAAAAAAAAAAAAAAAAAAAAAAAAAAAAAAAAAAAAFAAAADwAAAAAAAAAAAAAAAAAAAkUAAAAAQAAABQAAAAUAAAAFAAAAAEAAAAAAAAAZAAAAGQAAAAAAAAAZAAAAGQAAAAVAAAAYAAAAAAAAAAAAAAADwAAACADAAAAAAAAAAAAAAEAAACgMgAAVgcAAKr4//8BAAAAf39/AAEAAABkAAAAAAAAABQAAABAHwAAAAAAACYAAAAAAAAAwOD//wAAAAAmAAAAZAAAABYAAABMAAAAAAAAAAAAAAAEAAAAAAAAAAEAAADn5uYKAAAAACgAAAAoAAAAZAAAAGQAAAAAAAAAzMzMAAAAAABQAAAAUAAAAGQAAABkAAAAAAAAAAcAAAA4AAAAAAAAAAAAAAAAAAAA////AAAAAAAAAAAAAAAAAAAAAAAAAAAAAAAAAAAAAABkAAAAZAAAAAAAAAAjAAAABAAAAGQAAAAXAAAAFAAAAAAAAAAAAAAA/38AAP9/AAAAAAAACQAAAAQAAAAFAAAAHgAAAGgAAAAAAAAAAAAAAAAAAAAAAAAAAAAAABAnAAAQJwAAAAAAAAAAAAAAAAAAAAAAAAAAAAAAAAAAAAAAAAAAAAAUAAAAAAAAAMDA/wAAAAAAZAAAADIAAAAAAAAAZAAAAAAAAAB/f38ACgAAACIAAAAYAAAAAAAAAAAAAAAAAAAAAAAAAAAAAAAAAAAAJAAAACQAAAAAAAAABwAAAAAAAAAAAAAAAAAAAAAAAAAAAAAAAAAAAH9/fwAlAAAAWAAAAAAAAAAAAAAAAAAAAAAAAAAAAAAAAAAAAAAAAAAAAAAAAAAAAAAAAAAAAAAAPwAAAAAAAACghgEAAAAAAAAAAAAAAAAADAAAAAEAAAAAAAAAAAAAAAAAAAAfAAAAVAAAAERyxAX///8BAAAAAAAAAAAAAAAAAAAAAAAAAAAAAAAAAAAAAAAAAAAAAAACf39/AOfm5gPMzMwAwMD/AH9/fwAAAAAAAAAAAAAAAAD///8AAAAAACEAAAAYAAAAFAAAAEYBAAByEAAATAsAACcYAAAAAAAAJgAAAAgAAAD//////////zAAAAAUAAAAAAAAAAAA//8AAAEAAAD//wAAAQA="/>
+                <pr:smNativeData xmlns:mc="http://schemas.openxmlformats.org/markup-compatibility/2006" xmlns:p14="http://schemas.microsoft.com/office/powerpoint/2010/main" xmlns:p15="http://schemas.microsoft.com/office/powerpoint/2012/main" xmlns:pr="smNativeData" xmlns="smNativeData" val="SMDATA_18_8bPwYBMAAAAlAAAAEQAAAC8BAAAAkAAAAEgAAACQAAAASAAAAAAAAAAAAAAAAAAAAAEAAABQAAAAAAAAAAAA4D8AAAAAAADgPwAAAAAAAOA/AAAAAAAA4D8AAAAAAADgPwAAAAAAAOA/AAAAAAAA4D8AAAAAAADgPwAAAAAAAOA/AAAAAAAA4D8CAAAAjAAAAAAAAAAAAAAARHLEDP///wgAAAAAAAAAAAAAAAAAAAAAAAAAAAAAAAAAAAAAZAAAAAEAAABAAAAAAAAAAAAAAAAAAAAAAAAAAAAAAAAAAAAAAAAAAAAAAAAAAAAAAAAAAAAAAAAAAAAAAAAAAAAAAAAAAAAAAAAAAAAAAAAAAAAAAAAAAAAAAAAAAAAAFAAAADwAAAAAAAAAAAAAAAAAAAkUAAAAAQAAABQAAAAUAAAAFAAAAAEAAAAAAAAAZAAAAGQAAAAAAAAAZAAAAGQAAAAVAAAAYAAAAAAAAAAAAAAADwAAACADAAAAAAAAAAAAAAEAAACgMgAAVgcAAKr4//8BAAAAf39/AAEAAABkAAAAAAAAABQAAABAHwAAAAAAACYAAAAAAAAAwOD//wAAAAAmAAAAZAAAABYAAABMAAAAAAAAAAAAAAAEAAAAAAAAAAEAAADn5uYKAAAAACgAAAAoAAAAZAAAAGQAAAAAAAAAzMzMAAAAAABQAAAAUAAAAGQAAABkAAAAAAAAAAcAAAA4AAAAAAAAAAAAAAAAAAAA////AAAAAAAAAAAAAAAAAAAAAAAAAAAAAAAAAAAAAABkAAAAZAAAAAAAAAAjAAAABAAAAGQAAAAXAAAAFAAAAAAAAAAAAAAA/38AAP9/AAAAAAAACQAAAAQAAAAFAAAAHgAAAGgAAAAAAAAAAAAAAAAAAAAAAAAAAAAAABAnAAAQJwAAAAAAAAAAAAAAAAAAAAAAAAAAAAAAAAAAAAAAAAAAAAAUAAAAAAAAAMDA/wAAAAAAZAAAADIAAAAAAAAAZAAAAAAAAAB/f38ACgAAACIAAAAYAAAAAAAAAAAAAAAAAAAAAAAAAAAAAAAAAAAAJAAAACQAAAAAAAAABwAAAAAAAAAAAAAAAAAAAAAAAAAAAAAAAAAAAH9/fwAlAAAAWAAAAAAAAAAAAAAAAAAAAAAAAAAAAAAAAAAAAAAAAAAAAAAAAAAAAAAAAAAAAAAAPwAAAAAAAACghgEAAAAAAAAAAAAAAAAADAAAAAEAAAAAAAAAAAAAAAAAAAAfAAAAVAAAAERyxAX///8BAAAAAAAAAAAAAAAAAAAAAAAAAAAAAAAAAAAAAAAAAAAAAAACf39/AOfm5gPMzMwAwMD/AH9/fwAAAAAAAAAAAAAAAAD///8AAAAAACEAAAAYAAAAFAAAAEYBAAByEAAATAsAACcYAAAAAAAAJgAAAAgAAAD//////////zAAAAAUAAAAAAAAAAAA//8AAAEAAAD//wAAAQA="/>
               </a:ext>
             </a:extLst>
           </p:cNvPicPr>
@@ -6633,7 +6216,7 @@
             <a:picLocks noChangeAspect="1"/>
             <a:extLst>
               <a:ext uri="smNativeData">
-                <pr:smNativeData xmlns="smNativeData" xmlns:pr="smNativeData" xmlns:p15="http://schemas.microsoft.com/office/powerpoint/2012/main" xmlns:p14="http://schemas.microsoft.com/office/powerpoint/2010/main" xmlns:mc="http://schemas.openxmlformats.org/markup-compatibility/2006" val="SMDATA_18_8bPwYBMAAAAlAAAAEQAAAC8BAAAAkAAAAEgAAACQAAAASAAAAAAAAAAAAAAAAAAAAAEAAABQAAAAAAAAAAAA4D8AAAAAAADgPwAAAAAAAOA/AAAAAAAA4D8AAAAAAADgPwAAAAAAAOA/AAAAAAAA4D8AAAAAAADgPwAAAAAAAOA/AAAAAAAA4D8CAAAAjAAAAAAAAAAAAAAARHLEDP///wgAAAAAAAAAAAAAAAAAAAAAAAAAAAAAAAAAAAAAZAAAAAEAAABAAAAAAAAAAAAAAAAAAAAAAAAAAAAAAAAAAAAAAAAAAAAAAAAAAAAAAAAAAAAAAAAAAAAAAAAAAAAAAAAAAAAAAAAAAAAAAAAAAAAAAAAAAAAAAAAAAAAAFAAAADwAAAAAAAAAAAAAAAAAAAkUAAAAAQAAABQAAAAUAAAAFAAAAAEAAAAAAAAAZAAAAGQAAAAAAAAAZAAAAGQAAAAVAAAAYAAAAAAAAAAAAAAADwAAACADAAAAAAAAAAAAAAEAAACgMgAAVgcAAKr4//8BAAAAf39/AAEAAABkAAAAAAAAABQAAABAHwAAAAAAACYAAAAAAAAAwOD//wAAAAAmAAAAZAAAABYAAABMAAAAAAAAAAAAAAAEAAAAAAAAAAEAAADn5uYKAAAAACgAAAAoAAAAZAAAAGQAAAAAAAAAzMzMAAAAAABQAAAAUAAAAGQAAABkAAAAAAAAAAcAAAA4AAAAAAAAAAAAAAAAAAAA////AAAAAAAAAAAAAAAAAAAAAAAAAAAAAAAAAAAAAABkAAAAZAAAAAAAAAAjAAAABAAAAGQAAAAXAAAAFAAAAAAAAAAAAAAA/38AAP9/AAAAAAAACQAAAAQAAAAFAAAAHgAAAGgAAAAAAAAAAAAAAAAAAAAAAAAAAAAAABAnAAAQJwAAAAAAAAAAAAAAAAAAAAAAAAAAAAAAAAAAAAAAAAAAAAAUAAAAAAAAAMDA/wAAAAAAZAAAADIAAAAAAAAAZAAAAAAAAAB/f38ACgAAACIAAAAYAAAAAAAAAAAAAAAAAAAAAAAAAAAAAAAAAAAAJAAAACQAAAAAAAAABwAAAAAAAAAAAAAAAAAAAAAAAAAAAAAAAAAAAH9/fwAlAAAAWAAAAAAAAAAAAAAAAAAAAAAAAAAAAAAAAAAAAAAAAAAAAAAAAAAAAAAAAAAAAAAAPwAAAAAAAACghgEAAAAAAAAAAAAAAAAADAAAAAEAAAAAAAAAAAAAAAAAAAAfAAAAVAAAAERyxAX///8BAAAAAAAAAAAAAAAAAAAAAAAAAAAAAAAAAAAAAAAAAAAAAAACf39/AOfm5gPMzMwAwMD/AH9/fwAAAAAAAAAAAAAAAAD///8AAAAAACEAAAAYAAAAFAAAACQFAACODQAAXwkAACgPAAAAAAAAJgAAAAgAAAD//////////zAAAAAUAAAAAAAAAAAA//8AAAEAAAD//wAAAQA="/>
+                <pr:smNativeData xmlns:mc="http://schemas.openxmlformats.org/markup-compatibility/2006" xmlns:p14="http://schemas.microsoft.com/office/powerpoint/2010/main" xmlns:p15="http://schemas.microsoft.com/office/powerpoint/2012/main" xmlns:pr="smNativeData" xmlns="smNativeData" val="SMDATA_18_8bPwYBMAAAAlAAAAEQAAAC8BAAAAkAAAAEgAAACQAAAASAAAAAAAAAAAAAAAAAAAAAEAAABQAAAAAAAAAAAA4D8AAAAAAADgPwAAAAAAAOA/AAAAAAAA4D8AAAAAAADgPwAAAAAAAOA/AAAAAAAA4D8AAAAAAADgPwAAAAAAAOA/AAAAAAAA4D8CAAAAjAAAAAAAAAAAAAAARHLEDP///wgAAAAAAAAAAAAAAAAAAAAAAAAAAAAAAAAAAAAAZAAAAAEAAABAAAAAAAAAAAAAAAAAAAAAAAAAAAAAAAAAAAAAAAAAAAAAAAAAAAAAAAAAAAAAAAAAAAAAAAAAAAAAAAAAAAAAAAAAAAAAAAAAAAAAAAAAAAAAAAAAAAAAFAAAADwAAAAAAAAAAAAAAAAAAAkUAAAAAQAAABQAAAAUAAAAFAAAAAEAAAAAAAAAZAAAAGQAAAAAAAAAZAAAAGQAAAAVAAAAYAAAAAAAAAAAAAAADwAAACADAAAAAAAAAAAAAAEAAACgMgAAVgcAAKr4//8BAAAAf39/AAEAAABkAAAAAAAAABQAAABAHwAAAAAAACYAAAAAAAAAwOD//wAAAAAmAAAAZAAAABYAAABMAAAAAAAAAAAAAAAEAAAAAAAAAAEAAADn5uYKAAAAACgAAAAoAAAAZAAAAGQAAAAAAAAAzMzMAAAAAABQAAAAUAAAAGQAAABkAAAAAAAAAAcAAAA4AAAAAAAAAAAAAAAAAAAA////AAAAAAAAAAAAAAAAAAAAAAAAAAAAAAAAAAAAAABkAAAAZAAAAAAAAAAjAAAABAAAAGQAAAAXAAAAFAAAAAAAAAAAAAAA/38AAP9/AAAAAAAACQAAAAQAAAAFAAAAHgAAAGgAAAAAAAAAAAAAAAAAAAAAAAAAAAAAABAnAAAQJwAAAAAAAAAAAAAAAAAAAAAAAAAAAAAAAAAAAAAAAAAAAAAUAAAAAAAAAMDA/wAAAAAAZAAAADIAAAAAAAAAZAAAAAAAAAB/f38ACgAAACIAAAAYAAAAAAAAAAAAAAAAAAAAAAAAAAAAAAAAAAAAJAAAACQAAAAAAAAABwAAAAAAAAAAAAAAAAAAAAAAAAAAAAAAAAAAAH9/fwAlAAAAWAAAAAAAAAAAAAAAAAAAAAAAAAAAAAAAAAAAAAAAAAAAAAAAAAAAAAAAAAAAAAAAPwAAAAAAAACghgEAAAAAAAAAAAAAAAAADAAAAAEAAAAAAAAAAAAAAAAAAAAfAAAAVAAAAERyxAX///8BAAAAAAAAAAAAAAAAAAAAAAAAAAAAAAAAAAAAAAAAAAAAAAACf39/AOfm5gPMzMwAwMD/AH9/fwAAAAAAAAAAAAAAAAD///8AAAAAACEAAAAYAAAAFAAAACQFAACODQAAXwkAACgPAAAAAAAAJgAAAAgAAAD//////////zAAAAAUAAAAAAAAAAAA//8AAAEAAAD//wAAAQA="/>
               </a:ext>
             </a:extLst>
           </p:cNvPicPr>
@@ -6667,7 +6250,7 @@
             <a:picLocks noChangeAspect="1"/>
             <a:extLst>
               <a:ext uri="smNativeData">
-                <pr:smNativeData xmlns="smNativeData" xmlns:pr="smNativeData" xmlns:p15="http://schemas.microsoft.com/office/powerpoint/2012/main" xmlns:p14="http://schemas.microsoft.com/office/powerpoint/2010/main" xmlns:mc="http://schemas.openxmlformats.org/markup-compatibility/2006" val="SMDATA_18_8bPwYBMAAAAlAAAAEQAAAC8BAAAAkAAAAEgAAACQAAAASAAAAAAAAAAAAAAAAAAAAAEAAABQAAAAAAAAAAAA4D8AAAAAAADgPwAAAAAAAOA/AAAAAAAA4D8AAAAAAADgPwAAAAAAAOA/AAAAAAAA4D8AAAAAAADgPwAAAAAAAOA/AAAAAAAA4D8CAAAAjAAAAAAAAAAAAAAARHLEDP///wgAAAAAAAAAAAAAAAAAAAAAAAAAAAAAAAAAAAAAZAAAAAEAAABAAAAAAAAAAAAAAAAAAAAAAAAAAAAAAAAAAAAAAAAAAAAAAAAAAAAAAAAAAAAAAAAAAAAAAAAAAAAAAAAAAAAAAAAAAAAAAAAAAAAAAAAAAAAAAAAAAAAAFAAAADwAAAAAAAAAAAAAAAAAAAkUAAAAAQAAABQAAAAUAAAAFAAAAAEAAAAAAAAAZAAAAGQAAAAAAAAAZAAAAGQAAAAVAAAAYAAAAAAAAAAAAAAADwAAACADAAAAAAAAAAAAAAEAAACgMgAAVgcAAKr4//8BAAAAf39/AAEAAABkAAAAAAAAABQAAABAHwAAAAAAACYAAAAAAAAAwOD//wAAAAAmAAAAZAAAABYAAABMAAAAAAAAAAAAAAAEAAAAAAAAAAEAAADn5uYKAAAAACgAAAAoAAAAZAAAAGQAAAAAAAAAzMzMAAAAAABQAAAAUAAAAGQAAABkAAAAAAAAAAcAAAA4AAAAAAAAAAAAAAAAAAAA////AAAAAAAAAAAAAAAAAAAAAAAAAAAAAAAAAAAAAABkAAAAZAAAAAAAAAAjAAAABAAAAGQAAAAXAAAAFAAAAAAAAAAAAAAA/38AAP9/AAAAAAAACQAAAAQAAAACAAAAHgAAAGgAAAAAAAAAAAAAAAAAAAAAAAAAAAAAABAnAAAQJwAAAAAAAAAAAAAAAAAAAAAAAAAAAAAAAAAAAAAAAAAAAAAUAAAAAAAAAMDA/wAAAAAAZAAAADIAAAAAAAAAZAAAAAAAAAB/f38ACgAAACIAAAAYAAAAAAAAAAAAAAAAAAAAAAAAAAAAAAAAAAAAJAAAACQAAAAAAAAABwAAAAAAAAAAAAAAAAAAAAAAAAAAAAAAAAAAAH9/fwAlAAAAWAAAAAAAAAAAAAAAAAAAAAAAAAAAAAAAAAAAAAAAAAAAAAAAAAAAAAAAAAAAAAAAPwAAAAAAAACghgEAAAAAAAAAAAAAAAAADAAAAAEAAAAAAAAAAAAAAAAAAAAfAAAAVAAAAERyxAX///8BAAAAAAAAAAAAAAAAAAAAAAAAAAAAAAAAAAAAAAAAAAAAAAACf39/AOfm5gPMzMwAwMD/AH9/fwAAAAAAAAAAAAAAAAD///8AAAAAACEAAAAYAAAAFAAAAFMYAACODQAAgRwAAPsPAAAAAAAAJgAAAAgAAAD//////////zAAAAAUAAAAAAAAAAAA//8AAAEAAAD//wAAAQA="/>
+                <pr:smNativeData xmlns:mc="http://schemas.openxmlformats.org/markup-compatibility/2006" xmlns:p14="http://schemas.microsoft.com/office/powerpoint/2010/main" xmlns:p15="http://schemas.microsoft.com/office/powerpoint/2012/main" xmlns:pr="smNativeData" xmlns="smNativeData" val="SMDATA_18_8bPwYBMAAAAlAAAAEQAAAC8BAAAAkAAAAEgAAACQAAAASAAAAAAAAAAAAAAAAAAAAAEAAABQAAAAAAAAAAAA4D8AAAAAAADgPwAAAAAAAOA/AAAAAAAA4D8AAAAAAADgPwAAAAAAAOA/AAAAAAAA4D8AAAAAAADgPwAAAAAAAOA/AAAAAAAA4D8CAAAAjAAAAAAAAAAAAAAARHLEDP///wgAAAAAAAAAAAAAAAAAAAAAAAAAAAAAAAAAAAAAZAAAAAEAAABAAAAAAAAAAAAAAAAAAAAAAAAAAAAAAAAAAAAAAAAAAAAAAAAAAAAAAAAAAAAAAAAAAAAAAAAAAAAAAAAAAAAAAAAAAAAAAAAAAAAAAAAAAAAAAAAAAAAAFAAAADwAAAAAAAAAAAAAAAAAAAkUAAAAAQAAABQAAAAUAAAAFAAAAAEAAAAAAAAAZAAAAGQAAAAAAAAAZAAAAGQAAAAVAAAAYAAAAAAAAAAAAAAADwAAACADAAAAAAAAAAAAAAEAAACgMgAAVgcAAKr4//8BAAAAf39/AAEAAABkAAAAAAAAABQAAABAHwAAAAAAACYAAAAAAAAAwOD//wAAAAAmAAAAZAAAABYAAABMAAAAAAAAAAAAAAAEAAAAAAAAAAEAAADn5uYKAAAAACgAAAAoAAAAZAAAAGQAAAAAAAAAzMzMAAAAAABQAAAAUAAAAGQAAABkAAAAAAAAAAcAAAA4AAAAAAAAAAAAAAAAAAAA////AAAAAAAAAAAAAAAAAAAAAAAAAAAAAAAAAAAAAABkAAAAZAAAAAAAAAAjAAAABAAAAGQAAAAXAAAAFAAAAAAAAAAAAAAA/38AAP9/AAAAAAAACQAAAAQAAAACAAAAHgAAAGgAAAAAAAAAAAAAAAAAAAAAAAAAAAAAABAnAAAQJwAAAAAAAAAAAAAAAAAAAAAAAAAAAAAAAAAAAAAAAAAAAAAUAAAAAAAAAMDA/wAAAAAAZAAAADIAAAAAAAAAZAAAAAAAAAB/f38ACgAAACIAAAAYAAAAAAAAAAAAAAAAAAAAAAAAAAAAAAAAAAAAJAAAACQAAAAAAAAABwAAAAAAAAAAAAAAAAAAAAAAAAAAAAAAAAAAAH9/fwAlAAAAWAAAAAAAAAAAAAAAAAAAAAAAAAAAAAAAAAAAAAAAAAAAAAAAAAAAAAAAAAAAAAAAPwAAAAAAAACghgEAAAAAAAAAAAAAAAAADAAAAAEAAAAAAAAAAAAAAAAAAAAfAAAAVAAAAERyxAX///8BAAAAAAAAAAAAAAAAAAAAAAAAAAAAAAAAAAAAAAAAAAAAAAACf39/AOfm5gPMzMwAwMD/AH9/fwAAAAAAAAAAAAAAAAD///8AAAAAACEAAAAYAAAAFAAAAFMYAACODQAAgRwAAPsPAAAAAAAAJgAAAAgAAAD//////////zAAAAAUAAAAAAAAAAAA//8AAAEAAAD//wAAAQA="/>
               </a:ext>
             </a:extLst>
           </p:cNvPicPr>
@@ -6701,7 +6284,7 @@
             <a:picLocks noChangeAspect="1"/>
             <a:extLst>
               <a:ext uri="smNativeData">
-                <pr:smNativeData xmlns="smNativeData" xmlns:pr="smNativeData" xmlns:p15="http://schemas.microsoft.com/office/powerpoint/2012/main" xmlns:p14="http://schemas.microsoft.com/office/powerpoint/2010/main" xmlns:mc="http://schemas.openxmlformats.org/markup-compatibility/2006" val="SMDATA_18_8bPwYBMAAAAlAAAAEQAAAC8BAAAAkAAAAEgAAACQAAAASAAAAAAAAAAAAAAAAAAAAAEAAABQAAAAAAAAAAAA4D8AAAAAAADgPwAAAAAAAOA/AAAAAAAA4D8AAAAAAADgPwAAAAAAAOA/AAAAAAAA4D8AAAAAAADgPwAAAAAAAOA/AAAAAAAA4D8CAAAAjAAAAAAAAAAAAAAARHLEDP///wgAAAAAAAAAAAAAAAAAAAAAAAAAAAAAAAAAAAAAZAAAAAEAAABAAAAAAAAAAAAAAAAAAAAAAAAAAAAAAAAAAAAAAAAAAAAAAAAAAAAAAAAAAAAAAAAAAAAAAAAAAAAAAAAAAAAAAAAAAAAAAAAAAAAAAAAAAAAAAAAAAAAAFAAAADwAAAAAAAAAAAAAAAAAAAkUAAAAAQAAABQAAAAUAAAAFAAAAAEAAAAAAAAAZAAAAGQAAAAAAAAAZAAAAGQAAAAVAAAAYAAAAAAAAAAAAAAADwAAACADAAAAAAAAAAAAAAEAAACgMgAAVgcAAKr4//8BAAAAf39/AAEAAABkAAAAAAAAABQAAABAHwAAAAAAACYAAAAAAAAAwOD//wAAAAAmAAAAZAAAABYAAABMAAAAAAAAAAAAAAAEAAAAAAAAAAEAAADn5uYKAAAAACgAAAAoAAAAZAAAAGQAAAAAAAAAzMzMAAAAAABQAAAAUAAAAGQAAABkAAAAAAAAAAcAAAA4AAAAAAAAAAAAAAAAAAAA////AAAAAAAAAAAAAAAAAAAAAAAAAAAAAAAAAAAAAABkAAAAZAAAAAAAAAAjAAAABAAAAGQAAAAXAAAAFAAAAAAAAAAAAAAA/38AAP9/AAAAAAAACQAAAAQAAAACAAAAHgAAAGgAAAAAAAAAAAAAAAAAAAAAAAAAAAAAABAnAAAQJwAAAAAAAAAAAAAAAAAAAAAAAAAAAAAAAAAAAAAAAAAAAAAUAAAAAAAAAMDA/wAAAAAAZAAAADIAAAAAAAAAZAAAAAAAAAB/f38ACgAAACIAAAAYAAAAAAAAAAAAAAAAAAAAAAAAAAAAAAAAAAAAJAAAACQAAAAAAAAABwAAAAAAAAAAAAAAAAAAAAAAAAAAAAAAAAAAAH9/fwAlAAAAWAAAAAAAAAAAAAAAAAAAAAAAAAAAAAAAAAAAAAAAAAAAAAAAAAAAAAAAAAAAAAAAPwAAAAAAAACghgEAAAAAAAAAAAAAAAAADAAAAAEAAAAAAAAAAAAAAAAAAAAfAAAAVAAAAERyxAX///8BAAAAAAAAAAAAAAAAAAAAAAAAAAAAAAAAAAAAAAAAAAAAAAACf39/AOfm5gPMzMwAwMD/AH9/fwAAAAAAAAAAAAAAAAD///8AAAAAACEAAAAYAAAAFAAAALQoAACODQAAWS0AAHcPAAAAAAAAJgAAAAgAAAD//////////zAAAAAUAAAAAAAAAAAA//8AAAEAAAD//wAAAQA="/>
+                <pr:smNativeData xmlns:mc="http://schemas.openxmlformats.org/markup-compatibility/2006" xmlns:p14="http://schemas.microsoft.com/office/powerpoint/2010/main" xmlns:p15="http://schemas.microsoft.com/office/powerpoint/2012/main" xmlns:pr="smNativeData" xmlns="smNativeData" val="SMDATA_18_8bPwYBMAAAAlAAAAEQAAAC8BAAAAkAAAAEgAAACQAAAASAAAAAAAAAAAAAAAAAAAAAEAAABQAAAAAAAAAAAA4D8AAAAAAADgPwAAAAAAAOA/AAAAAAAA4D8AAAAAAADgPwAAAAAAAOA/AAAAAAAA4D8AAAAAAADgPwAAAAAAAOA/AAAAAAAA4D8CAAAAjAAAAAAAAAAAAAAARHLEDP///wgAAAAAAAAAAAAAAAAAAAAAAAAAAAAAAAAAAAAAZAAAAAEAAABAAAAAAAAAAAAAAAAAAAAAAAAAAAAAAAAAAAAAAAAAAAAAAAAAAAAAAAAAAAAAAAAAAAAAAAAAAAAAAAAAAAAAAAAAAAAAAAAAAAAAAAAAAAAAAAAAAAAAFAAAADwAAAAAAAAAAAAAAAAAAAkUAAAAAQAAABQAAAAUAAAAFAAAAAEAAAAAAAAAZAAAAGQAAAAAAAAAZAAAAGQAAAAVAAAAYAAAAAAAAAAAAAAADwAAACADAAAAAAAAAAAAAAEAAACgMgAAVgcAAKr4//8BAAAAf39/AAEAAABkAAAAAAAAABQAAABAHwAAAAAAACYAAAAAAAAAwOD//wAAAAAmAAAAZAAAABYAAABMAAAAAAAAAAAAAAAEAAAAAAAAAAEAAADn5uYKAAAAACgAAAAoAAAAZAAAAGQAAAAAAAAAzMzMAAAAAABQAAAAUAAAAGQAAABkAAAAAAAAAAcAAAA4AAAAAAAAAAAAAAAAAAAA////AAAAAAAAAAAAAAAAAAAAAAAAAAAAAAAAAAAAAABkAAAAZAAAAAAAAAAjAAAABAAAAGQAAAAXAAAAFAAAAAAAAAAAAAAA/38AAP9/AAAAAAAACQAAAAQAAAACAAAAHgAAAGgAAAAAAAAAAAAAAAAAAAAAAAAAAAAAABAnAAAQJwAAAAAAAAAAAAAAAAAAAAAAAAAAAAAAAAAAAAAAAAAAAAAUAAAAAAAAAMDA/wAAAAAAZAAAADIAAAAAAAAAZAAAAAAAAAB/f38ACgAAACIAAAAYAAAAAAAAAAAAAAAAAAAAAAAAAAAAAAAAAAAAJAAAACQAAAAAAAAABwAAAAAAAAAAAAAAAAAAAAAAAAAAAAAAAAAAAH9/fwAlAAAAWAAAAAAAAAAAAAAAAAAAAAAAAAAAAAAAAAAAAAAAAAAAAAAAAAAAAAAAAAAAAAAAPwAAAAAAAACghgEAAAAAAAAAAAAAAAAADAAAAAEAAAAAAAAAAAAAAAAAAAAfAAAAVAAAAERyxAX///8BAAAAAAAAAAAAAAAAAAAAAAAAAAAAAAAAAAAAAAAAAAAAAAACf39/AOfm5gPMzMwAwMD/AH9/fwAAAAAAAAAAAAAAAAD///8AAAAAACEAAAAYAAAAFAAAALQoAACODQAAWS0AAHcPAAAAAAAAJgAAAAgAAAD//////////zAAAAAUAAAAAAAAAAAA//8AAAEAAAD//wAAAQA="/>
               </a:ext>
             </a:extLst>
           </p:cNvPicPr>
@@ -6735,7 +6318,7 @@
             <a:picLocks noChangeAspect="1"/>
             <a:extLst>
               <a:ext uri="smNativeData">
-                <pr:smNativeData xmlns="smNativeData" xmlns:pr="smNativeData" xmlns:p15="http://schemas.microsoft.com/office/powerpoint/2012/main" xmlns:p14="http://schemas.microsoft.com/office/powerpoint/2010/main" xmlns:mc="http://schemas.openxmlformats.org/markup-compatibility/2006" val="SMDATA_18_8bPwYBMAAAAlAAAAEQAAAC8BAAAAkAAAAEgAAACQAAAASAAAAAAAAAAAAAAAAAAAAAEAAABQAAAAAAAAAAAA4D8AAAAAAADgPwAAAAAAAOA/AAAAAAAA4D8AAAAAAADgPwAAAAAAAOA/AAAAAAAA4D8AAAAAAADgPwAAAAAAAOA/AAAAAAAA4D8CAAAAjAAAAAAAAAAAAAAARHLEDP///wgAAAAAAAAAAAAAAAAAAAAAAAAAAAAAAAAAAAAAZAAAAAEAAABAAAAAAAAAAAAAAAAAAAAAAAAAAAAAAAAAAAAAAAAAAAAAAAAAAAAAAAAAAAAAAAAAAAAAAAAAAAAAAAAAAAAAAAAAAAAAAAAAAAAAAAAAAAAAAAAAAAAAFAAAADwAAAAAAAAAAAAAAAAAAAkUAAAAAQAAABQAAAAUAAAAFAAAAAEAAAAAAAAAZAAAAGQAAAAAAAAAZAAAAGQAAAAVAAAAYAAAAAAAAAAAAAAADwAAACADAAAAAAAAAAAAAAEAAACgMgAAVgcAAKr4//8BAAAAf39/AAEAAABkAAAAAAAAABQAAABAHwAAAAAAACYAAAAAAAAAwOD//wAAAAAmAAAAZAAAABYAAABMAAAAAAAAAAAAAAAEAAAAAAAAAAEAAADn5uYKAAAAACgAAAAoAAAAZAAAAGQAAAAAAAAAzMzMAAAAAABQAAAAUAAAAGQAAABkAAAAAAAAAAcAAAA4AAAAAAAAAAAAAAAAAAAA////AAAAAAAAAAAAkwcAAFMKAACHBAAAHgoAAAAAAABkAAAAZAAAAAAAAAAjAAAABAAAAGQAAAAXAAAAFAAAAAAAAAAAAAAA/38AAP9/AAAAAAAACQAAAAQAAAACAAAAHgAAAGgAAAAAAAAAAAAAAAAAAAAAAAAAAAAAABAnAAAQJwAAAAAAAAAAAAAAAAAAAAAAAAAAAAAAAAAAAAAAAAAAAAAUAAAAAAAAAMDA/wAAAAAAZAAAADIAAAAAAAAAZAAAAAAAAAB/f38ACgAAACIAAAAYAAAAAAAAAAAAAAAAAAAAAAAAAAAAAAAAAAAAJAAAACQAAAAAAAAABwAAAAAAAAAAAAAAAAAAAAAAAAAAAAAAAAAAAH9/fwAlAAAAWAAAAAAAAAAAAAAAAAAAAAAAAAAAAAAAAAAAAAAAAAAAAAAAAAAAAAAAAAAAAAAAPwAAAAAAAACghgEAAAAAAAAAAAAAAAAADAAAAAEAAAAAAAAAAAAAAAAAAAAfAAAAVAAAAERyxAX///8BAAAAAAAAAAAAAAAAAAAAAAAAAAAAAAAAAAAAAAAAAAAAAAACf39/AOfm5gPMzMwAwMD/AH9/fwAAAAAAAAAAAAAAAAD///8AAAAAACEAAAAYAAAAFAAAAJkIAABqGQAAEBAAACsbAAAAAAAAJgAAAAgAAAD//////////zAAAAAUAAAAAAAAAAAA//8AAAEAAAD//wAAAQA="/>
+                <pr:smNativeData xmlns:mc="http://schemas.openxmlformats.org/markup-compatibility/2006" xmlns:p14="http://schemas.microsoft.com/office/powerpoint/2010/main" xmlns:p15="http://schemas.microsoft.com/office/powerpoint/2012/main" xmlns:pr="smNativeData" xmlns="smNativeData" val="SMDATA_18_8bPwYBMAAAAlAAAAEQAAAC8BAAAAkAAAAEgAAACQAAAASAAAAAAAAAAAAAAAAAAAAAEAAABQAAAAAAAAAAAA4D8AAAAAAADgPwAAAAAAAOA/AAAAAAAA4D8AAAAAAADgPwAAAAAAAOA/AAAAAAAA4D8AAAAAAADgPwAAAAAAAOA/AAAAAAAA4D8CAAAAjAAAAAAAAAAAAAAARHLEDP///wgAAAAAAAAAAAAAAAAAAAAAAAAAAAAAAAAAAAAAZAAAAAEAAABAAAAAAAAAAAAAAAAAAAAAAAAAAAAAAAAAAAAAAAAAAAAAAAAAAAAAAAAAAAAAAAAAAAAAAAAAAAAAAAAAAAAAAAAAAAAAAAAAAAAAAAAAAAAAAAAAAAAAFAAAADwAAAAAAAAAAAAAAAAAAAkUAAAAAQAAABQAAAAUAAAAFAAAAAEAAAAAAAAAZAAAAGQAAAAAAAAAZAAAAGQAAAAVAAAAYAAAAAAAAAAAAAAADwAAACADAAAAAAAAAAAAAAEAAACgMgAAVgcAAKr4//8BAAAAf39/AAEAAABkAAAAAAAAABQAAABAHwAAAAAAACYAAAAAAAAAwOD//wAAAAAmAAAAZAAAABYAAABMAAAAAAAAAAAAAAAEAAAAAAAAAAEAAADn5uYKAAAAACgAAAAoAAAAZAAAAGQAAAAAAAAAzMzMAAAAAABQAAAAUAAAAGQAAABkAAAAAAAAAAcAAAA4AAAAAAAAAAAAAAAAAAAA////AAAAAAAAAAAAkwcAAFMKAACHBAAAHgoAAAAAAABkAAAAZAAAAAAAAAAjAAAABAAAAGQAAAAXAAAAFAAAAAAAAAAAAAAA/38AAP9/AAAAAAAACQAAAAQAAAACAAAAHgAAAGgAAAAAAAAAAAAAAAAAAAAAAAAAAAAAABAnAAAQJwAAAAAAAAAAAAAAAAAAAAAAAAAAAAAAAAAAAAAAAAAAAAAUAAAAAAAAAMDA/wAAAAAAZAAAADIAAAAAAAAAZAAAAAAAAAB/f38ACgAAACIAAAAYAAAAAAAAAAAAAAAAAAAAAAAAAAAAAAAAAAAAJAAAACQAAAAAAAAABwAAAAAAAAAAAAAAAAAAAAAAAAAAAAAAAAAAAH9/fwAlAAAAWAAAAAAAAAAAAAAAAAAAAAAAAAAAAAAAAAAAAAAAAAAAAAAAAAAAAAAAAAAAAAAAPwAAAAAAAACghgEAAAAAAAAAAAAAAAAADAAAAAEAAAAAAAAAAAAAAAAAAAAfAAAAVAAAAERyxAX///8BAAAAAAAAAAAAAAAAAAAAAAAAAAAAAAAAAAAAAAAAAAAAAAACf39/AOfm5gPMzMwAwMD/AH9/fwAAAAAAAAAAAAAAAAD///8AAAAAACEAAAAYAAAAFAAAAJkIAABqGQAAEBAAACsbAAAAAAAAJgAAAAgAAAD//////////zAAAAAUAAAAAAAAAAAA//8AAAEAAAD//wAAAQA="/>
               </a:ext>
             </a:extLst>
           </p:cNvPicPr>
@@ -6769,7 +6352,7 @@
           <p:cNvSpPr>
             <a:extLst>
               <a:ext uri="smNativeData">
-                <pr:smNativeData xmlns="smNativeData" xmlns:pr="smNativeData" xmlns:p15="http://schemas.microsoft.com/office/powerpoint/2012/main" xmlns:p14="http://schemas.microsoft.com/office/powerpoint/2010/main" xmlns:mc="http://schemas.openxmlformats.org/markup-compatibility/2006" val="SMDATA_16_8bPwYBMAAAAlAAAACgAAAA8BAAAAkAAAAEgAAACQAAAASAAAAAAAAAAAAAAAAAAAAAEAAABQAAAAAAAAAAAA4D8AAAAAAADgPwAAAAAAAOA/AAAAAAAA4D8AAAAAAADgPwAAAAAAAOA/AAAAAAAA4D8AAAAAAADgPwAAAAAAAOA/AAAAAAAA4D8CAAAAjAAAAAAAAAAAAAAARHLEDP///wgAAAAAAAAAAAAAAAAAAAAAAAAAAAAAAAAAAAAAZAAAAAEAAABAAAAAAAAAAAAAAAAAAAAAAAAAAAAAAAAAAAAAAAAAAAAAAAAAAAAAAAAAAAAAAAAAAAAAAAAAAAAAAAAAAAAAAAAAAAAAAAAAAAAAAAAAAAAAAAAAAAAAFAAAADwAAAABAAAAAgAAAHCtRwAUAAAAAQAAABQAAAAUAAAAFAAAAAEAAAAAAAAAZAAAAGQAAAABAAAAlgAAAJYAAAAVAAAAYAAAAAAAAAAAAAAADwAAACADAAAAAAAAAAAAAAEAAACgMgAAVgcAAKr4//8BAAAAf39/AAEAAABkAAAAAAAAABQAAABAHwAAAAAAACYAAAAAAAAAwOD//wAAAAAmAAAAZAAAABYAAABMAAAAAAAAAAAAAAAEAAAAAAAAAAEAAADn5uYKAAAAACgAAAAoAAAAZAAAAGQAAAAAAAAAzMzMAAAAAABQAAAAUAAAAGQAAABkAAAAAAAAABcAAAAUAAAAAAAAAAAAAAD/fwAA/38AAAAAAAAJAAAABAAAAP///wAeAAAAaAAAAAAAAAAAAAAAAAAAAAAAAAAAAAAAECcAABAnAAAAAAAAAAAAAAAAAAAAAAAAAAAAAAAAAAAAAAAAAAAAABQAAAAAAAAAwMD/AAAAAABkAAAAMgAAAAAAAABkAAAAAAAAAH9/fwAKAAAAIgAAABgAAAAAAAAAAAAAAAAAAAAAAAAAAAAAAAAAAAAkAAAAJAAAAAAAAAAHAAAAAAAAAAAAAAAAAAAAAAAAAAAAAAAAAAAAf39/ACUAAABYAAAAAAAAAAAAAAAAAAAAAAAAAAAAAAAAAAAAAAAAAAAAAAAAAAAAAAAAAAAAAAA/AAAAAAAAAKCGAQAAAAAAAAAAAAAAAAAMAAAAAQAAAAAAAAAAAAAAAAAAAB8AAABUAAAARHLEBf///wEAAAAAAAAAAAAAAAAAAAAAAAAAAAAAAAAAAAAAAAAAAHCtRwx/f38A5+bmA8zMzADAwP8Af39/AAAAAAAAAAAAAAAAAAAAAAAAAAAAIQAAABgAAAAUAAAAtQcAANcXAAB2CgAA1hkAAAAAAAAmAAAACAAAAP//////////MAAAABQAAAAAAAAAAAD//wAAAQAAAP//AAABAA=="/>
+                <pr:smNativeData xmlns:mc="http://schemas.openxmlformats.org/markup-compatibility/2006" xmlns:p14="http://schemas.microsoft.com/office/powerpoint/2010/main" xmlns:p15="http://schemas.microsoft.com/office/powerpoint/2012/main" xmlns:pr="smNativeData" xmlns="smNativeData" val="SMDATA_16_8bPwYBMAAAAlAAAACgAAAA8BAAAAkAAAAEgAAACQAAAASAAAAAAAAAAAAAAAAAAAAAEAAABQAAAAAAAAAAAA4D8AAAAAAADgPwAAAAAAAOA/AAAAAAAA4D8AAAAAAADgPwAAAAAAAOA/AAAAAAAA4D8AAAAAAADgPwAAAAAAAOA/AAAAAAAA4D8CAAAAjAAAAAAAAAAAAAAARHLEDP///wgAAAAAAAAAAAAAAAAAAAAAAAAAAAAAAAAAAAAAZAAAAAEAAABAAAAAAAAAAAAAAAAAAAAAAAAAAAAAAAAAAAAAAAAAAAAAAAAAAAAAAAAAAAAAAAAAAAAAAAAAAAAAAAAAAAAAAAAAAAAAAAAAAAAAAAAAAAAAAAAAAAAAFAAAADwAAAABAAAAAgAAAHCtRwAUAAAAAQAAABQAAAAUAAAAFAAAAAEAAAAAAAAAZAAAAGQAAAABAAAAlgAAAJYAAAAVAAAAYAAAAAAAAAAAAAAADwAAACADAAAAAAAAAAAAAAEAAACgMgAAVgcAAKr4//8BAAAAf39/AAEAAABkAAAAAAAAABQAAABAHwAAAAAAACYAAAAAAAAAwOD//wAAAAAmAAAAZAAAABYAAABMAAAAAAAAAAAAAAAEAAAAAAAAAAEAAADn5uYKAAAAACgAAAAoAAAAZAAAAGQAAAAAAAAAzMzMAAAAAABQAAAAUAAAAGQAAABkAAAAAAAAABcAAAAUAAAAAAAAAAAAAAD/fwAA/38AAAAAAAAJAAAABAAAAP///wAeAAAAaAAAAAAAAAAAAAAAAAAAAAAAAAAAAAAAECcAABAnAAAAAAAAAAAAAAAAAAAAAAAAAAAAAAAAAAAAAAAAAAAAABQAAAAAAAAAwMD/AAAAAABkAAAAMgAAAAAAAABkAAAAAAAAAH9/fwAKAAAAIgAAABgAAAAAAAAAAAAAAAAAAAAAAAAAAAAAAAAAAAAkAAAAJAAAAAAAAAAHAAAAAAAAAAAAAAAAAAAAAAAAAAAAAAAAAAAAf39/ACUAAABYAAAAAAAAAAAAAAAAAAAAAAAAAAAAAAAAAAAAAAAAAAAAAAAAAAAAAAAAAAAAAAA/AAAAAAAAAKCGAQAAAAAAAAAAAAAAAAAMAAAAAQAAAAAAAAAAAAAAAAAAAB8AAABUAAAARHLEBf///wEAAAAAAAAAAAAAAAAAAAAAAAAAAAAAAAAAAAAAAAAAAHCtRwx/f38A5+bmA8zMzADAwP8Af39/AAAAAAAAAAAAAAAAAAAAAAAAAAAAIQAAABgAAAAUAAAAtQcAANcXAAB2CgAA1hkAAAAAAAAmAAAACAAAAP//////////MAAAABQAAAAAAAAAAAD//wAAAQAAAP//AAABAA=="/>
               </a:ext>
             </a:extLst>
           </p:cNvSpPr>
@@ -6801,7 +6384,7 @@
           <p:cNvSpPr>
             <a:extLst>
               <a:ext uri="smNativeData">
-                <pr:smNativeData xmlns="smNativeData" xmlns:pr="smNativeData" xmlns:p15="http://schemas.microsoft.com/office/powerpoint/2012/main" xmlns:p14="http://schemas.microsoft.com/office/powerpoint/2010/main" xmlns:mc="http://schemas.openxmlformats.org/markup-compatibility/2006" val="SMDATA_16_8bPwYBMAAAAlAAAACgAAAA8BAAAAkAAAAEgAAACQAAAASAAAAAAAAAAAAAAAAAAAAAEAAABQAAAAAAAAAAAA4D8AAAAAAADgPwAAAAAAAOA/AAAAAAAA4D8AAAAAAADgPwAAAAAAAOA/AAAAAAAA4D8AAAAAAADgPwAAAAAAAOA/AAAAAAAA4D8CAAAAjAAAAAAAAAAAAAAARHLEDP///wgAAAAAAAAAAAAAAAAAAAAAAAAAAAAAAAAAAAAAZAAAAAEAAABAAAAAAAAAAAAAAAAAAAAAAAAAAAAAAAAAAAAAAAAAAAAAAAAAAAAAAAAAAAAAAAAAAAAAAAAAAAAAAAAAAAAAAAAAAAAAAAAAAAAAAAAAAAAAAAAAAAAAFAAAADwAAAABAAAAAgAAAHCtRwAUAAAAAQAAABQAAAAUAAAAFAAAAAEAAAAAAAAAZAAAAGQAAAABAAAAlgAAAJYAAAAVAAAAYAAAAAAAAAAAAAAADwAAACADAAAAAAAAAAAAAAEAAACgMgAAVgcAAKr4//8BAAAAf39/AAEAAABkAAAAAAAAABQAAABAHwAAAAAAACYAAAAAAAAAwOD//wAAAAAmAAAAZAAAABYAAABMAAAAAAAAAAAAAAAEAAAAAAAAAAEAAADn5uYKAAAAACgAAAAoAAAAZAAAAGQAAAAAAAAAzMzMAAAAAABQAAAAUAAAAGQAAABkAAAAAAAAABcAAAAUAAAAAAAAAAAAAAD/fwAA/38AAAAAAAAJAAAABAAAAAAAAAAeAAAAaAAAAAAAAAAAAAAAAAAAAAAAAAAAAAAAECcAABAnAAAAAAAAAAAAAAAAAAAAAAAAAAAAAAAAAAAAAAAAAAAAABQAAAAAAAAAwMD/AAAAAABkAAAAMgAAAAAAAABkAAAAAAAAAH9/fwAKAAAAIgAAABgAAAAAAAAAAAAAAAAAAAAAAAAAAAAAAAAAAAAkAAAAJAAAAAAAAAAHAAAAAAAAAAAAAAAAAAAAAAAAAAAAAAAAAAAAf39/ACUAAABYAAAAAAAAAAAAAAAAAAAAAAAAAAAAAAAAAAAAAAAAAAAAAAAAAAAAAAAAAAAAAAA/AAAAAAAAAKCGAQAAAAAAAAAAAAAAAAAMAAAAAQAAAAAAAAAAAAAAAAAAAB8AAABUAAAARHLEBf///wEAAAAAAAAAAAAAAAAAAAAAAAAAAAAAAAAAAAAAAAAAAHCtRwx/f38A5+bmA8zMzADAwP8Af39/AAAAAAAAAAAAAAAAAAAAAAAAAAAAIQAAABgAAAAUAAAAYwwAAM0aAAASDwAAjhwAAAAAAAAmAAAACAAAAP//////////MAAAABQAAAAAAAAAAAD//wAAAQAAAP//AAABAA=="/>
+                <pr:smNativeData xmlns:mc="http://schemas.openxmlformats.org/markup-compatibility/2006" xmlns:p14="http://schemas.microsoft.com/office/powerpoint/2010/main" xmlns:p15="http://schemas.microsoft.com/office/powerpoint/2012/main" xmlns:pr="smNativeData" xmlns="smNativeData" val="SMDATA_16_8bPwYBMAAAAlAAAACgAAAA8BAAAAkAAAAEgAAACQAAAASAAAAAAAAAAAAAAAAAAAAAEAAABQAAAAAAAAAAAA4D8AAAAAAADgPwAAAAAAAOA/AAAAAAAA4D8AAAAAAADgPwAAAAAAAOA/AAAAAAAA4D8AAAAAAADgPwAAAAAAAOA/AAAAAAAA4D8CAAAAjAAAAAAAAAAAAAAARHLEDP///wgAAAAAAAAAAAAAAAAAAAAAAAAAAAAAAAAAAAAAZAAAAAEAAABAAAAAAAAAAAAAAAAAAAAAAAAAAAAAAAAAAAAAAAAAAAAAAAAAAAAAAAAAAAAAAAAAAAAAAAAAAAAAAAAAAAAAAAAAAAAAAAAAAAAAAAAAAAAAAAAAAAAAFAAAADwAAAABAAAAAgAAAHCtRwAUAAAAAQAAABQAAAAUAAAAFAAAAAEAAAAAAAAAZAAAAGQAAAABAAAAlgAAAJYAAAAVAAAAYAAAAAAAAAAAAAAADwAAACADAAAAAAAAAAAAAAEAAACgMgAAVgcAAKr4//8BAAAAf39/AAEAAABkAAAAAAAAABQAAABAHwAAAAAAACYAAAAAAAAAwOD//wAAAAAmAAAAZAAAABYAAABMAAAAAAAAAAAAAAAEAAAAAAAAAAEAAADn5uYKAAAAACgAAAAoAAAAZAAAAGQAAAAAAAAAzMzMAAAAAABQAAAAUAAAAGQAAABkAAAAAAAAABcAAAAUAAAAAAAAAAAAAAD/fwAA/38AAAAAAAAJAAAABAAAAAAAAAAeAAAAaAAAAAAAAAAAAAAAAAAAAAAAAAAAAAAAECcAABAnAAAAAAAAAAAAAAAAAAAAAAAAAAAAAAAAAAAAAAAAAAAAABQAAAAAAAAAwMD/AAAAAABkAAAAMgAAAAAAAABkAAAAAAAAAH9/fwAKAAAAIgAAABgAAAAAAAAAAAAAAAAAAAAAAAAAAAAAAAAAAAAkAAAAJAAAAAAAAAAHAAAAAAAAAAAAAAAAAAAAAAAAAAAAAAAAAAAAf39/ACUAAABYAAAAAAAAAAAAAAAAAAAAAAAAAAAAAAAAAAAAAAAAAAAAAAAAAAAAAAAAAAAAAAA/AAAAAAAAAKCGAQAAAAAAAAAAAAAAAAAMAAAAAQAAAAAAAAAAAAAAAAAAAB8AAABUAAAARHLEBf///wEAAAAAAAAAAAAAAAAAAAAAAAAAAAAAAAAAAAAAAAAAAHCtRwx/f38A5+bmA8zMzADAwP8Af39/AAAAAAAAAAAAAAAAAAAAAAAAAAAAIQAAABgAAAAUAAAAYwwAAM0aAAASDwAAjhwAAAAAAAAmAAAACAAAAP//////////MAAAABQAAAAAAAAAAAD//wAAAQAAAP//AAABAA=="/>
               </a:ext>
             </a:extLst>
           </p:cNvSpPr>
@@ -6834,7 +6417,7 @@
             <a:picLocks noChangeAspect="1"/>
             <a:extLst>
               <a:ext uri="smNativeData">
-                <pr:smNativeData xmlns="smNativeData" xmlns:pr="smNativeData" xmlns:p15="http://schemas.microsoft.com/office/powerpoint/2012/main" xmlns:p14="http://schemas.microsoft.com/office/powerpoint/2010/main" xmlns:mc="http://schemas.openxmlformats.org/markup-compatibility/2006" val="SMDATA_18_8bPwYBMAAAAlAAAAEQAAAC8BAAAAkAAAAEgAAACQAAAASAAAAAAAAAAAAAAAAAAAAAEAAABQAAAAAAAAAAAA4D8AAAAAAADgPwAAAAAAAOA/AAAAAAAA4D8AAAAAAADgPwAAAAAAAOA/AAAAAAAA4D8AAAAAAADgPwAAAAAAAOA/AAAAAAAA4D8CAAAAjAAAAAAAAAAAAAAARHLEDP///wgAAAAAAAAAAAAAAAAAAAAAAAAAAAAAAAAAAAAAZAAAAAEAAABAAAAAAAAAAAAAAAAAAAAAAAAAAAAAAAAAAAAAAAAAAAAAAAAAAAAAAAAAAAAAAAAAAAAAAAAAAAAAAAAAAAAAAAAAAAAAAAAAAAAAAAAAAAAAAAAAAAAAFAAAADwAAAAAAAAAAAAAAAAAAAkUAAAAAQAAABQAAAAUAAAAFAAAAAEAAAAAAAAAZAAAAGQAAAAAAAAAZAAAAGQAAAAVAAAAYAAAAAAAAAAAAAAADwAAACADAAAAAAAAAAAAAAEAAACgMgAAVgcAAKr4//8BAAAAf39/AAEAAABkAAAAAAAAABQAAABAHwAAAAAAACYAAAAAAAAAwOD//wAAAAAmAAAAZAAAABYAAABMAAAAAAAAAAAAAAAEAAAAAAAAAAEAAADn5uYKAAAAACgAAAAoAAAAZAAAAGQAAAAAAAAAzMzMAAAAAABQAAAAUAAAAGQAAABkAAAAAAAAAAcAAAA4AAAAAAAAAAAAAAAAAAAA////AAAAAAAAAAAAAAAAAAAAAAAAAAAAAAAAAAAAAABkAAAAZAAAAAAAAAAjAAAABAAAAGQAAAAXAAAAFAAAAAAAAAAAAAAA/38AAP9/AAAAAAAACQAAAAQAAAACAAAAHgAAAGgAAAAAAAAAAAAAAAAAAAAAAAAAAAAAABAnAAAQJwAAAAAAAAAAAAAAAAAAAAAAAAAAAAAAAAAAAAAAAAAAAAAUAAAAAAAAAMDA/wAAAAAAZAAAADIAAAAAAAAAZAAAAAAAAAB/f38ACgAAACIAAAAYAAAAAAAAAAAAAAAAAAAAAAAAAAAAAAAAAAAAJAAAACQAAAAAAAAABwAAAAAAAAAAAAAAAAAAAAAAAAAAAAAAAAAAAH9/fwAlAAAAWAAAAAAAAAAAAAAAAAAAAAAAAAAAAAAAAAAAAAAAAAAAAAAAAAAAAAAAAAAAAAAAPwAAAAAAAACghgEAAAAAAAAAAAAAAAAADAAAAAEAAAAAAAAAAAAAAAAAAAAfAAAAVAAAAERyxAX///8BAAAAAAAAAAAAAAAAAAAAAAAAAAAAAAAAAAAAAAAAAAAAAAACf39/AOfm5gPMzMwAwMD/AH9/fwAAAAAAAAAAAAAAAAD///8AAAAAACEAAAAYAAAAFAAAAB4UAACEEAAA9B0AABUYAAAAAAAAJgAAAAgAAAD//////////zAAAAAUAAAAAAAAAAAA//8AAAEAAAD//wAAAQA="/>
+                <pr:smNativeData xmlns:mc="http://schemas.openxmlformats.org/markup-compatibility/2006" xmlns:p14="http://schemas.microsoft.com/office/powerpoint/2010/main" xmlns:p15="http://schemas.microsoft.com/office/powerpoint/2012/main" xmlns:pr="smNativeData" xmlns="smNativeData" val="SMDATA_18_8bPwYBMAAAAlAAAAEQAAAC8BAAAAkAAAAEgAAACQAAAASAAAAAAAAAAAAAAAAAAAAAEAAABQAAAAAAAAAAAA4D8AAAAAAADgPwAAAAAAAOA/AAAAAAAA4D8AAAAAAADgPwAAAAAAAOA/AAAAAAAA4D8AAAAAAADgPwAAAAAAAOA/AAAAAAAA4D8CAAAAjAAAAAAAAAAAAAAARHLEDP///wgAAAAAAAAAAAAAAAAAAAAAAAAAAAAAAAAAAAAAZAAAAAEAAABAAAAAAAAAAAAAAAAAAAAAAAAAAAAAAAAAAAAAAAAAAAAAAAAAAAAAAAAAAAAAAAAAAAAAAAAAAAAAAAAAAAAAAAAAAAAAAAAAAAAAAAAAAAAAAAAAAAAAFAAAADwAAAAAAAAAAAAAAAAAAAkUAAAAAQAAABQAAAAUAAAAFAAAAAEAAAAAAAAAZAAAAGQAAAAAAAAAZAAAAGQAAAAVAAAAYAAAAAAAAAAAAAAADwAAACADAAAAAAAAAAAAAAEAAACgMgAAVgcAAKr4//8BAAAAf39/AAEAAABkAAAAAAAAABQAAABAHwAAAAAAACYAAAAAAAAAwOD//wAAAAAmAAAAZAAAABYAAABMAAAAAAAAAAAAAAAEAAAAAAAAAAEAAADn5uYKAAAAACgAAAAoAAAAZAAAAGQAAAAAAAAAzMzMAAAAAABQAAAAUAAAAGQAAABkAAAAAAAAAAcAAAA4AAAAAAAAAAAAAAAAAAAA////AAAAAAAAAAAAAAAAAAAAAAAAAAAAAAAAAAAAAABkAAAAZAAAAAAAAAAjAAAABAAAAGQAAAAXAAAAFAAAAAAAAAAAAAAA/38AAP9/AAAAAAAACQAAAAQAAAACAAAAHgAAAGgAAAAAAAAAAAAAAAAAAAAAAAAAAAAAABAnAAAQJwAAAAAAAAAAAAAAAAAAAAAAAAAAAAAAAAAAAAAAAAAAAAAUAAAAAAAAAMDA/wAAAAAAZAAAADIAAAAAAAAAZAAAAAAAAAB/f38ACgAAACIAAAAYAAAAAAAAAAAAAAAAAAAAAAAAAAAAAAAAAAAAJAAAACQAAAAAAAAABwAAAAAAAAAAAAAAAAAAAAAAAAAAAAAAAAAAAH9/fwAlAAAAWAAAAAAAAAAAAAAAAAAAAAAAAAAAAAAAAAAAAAAAAAAAAAAAAAAAAAAAAAAAAAAAPwAAAAAAAACghgEAAAAAAAAAAAAAAAAADAAAAAEAAAAAAAAAAAAAAAAAAAAfAAAAVAAAAERyxAX///8BAAAAAAAAAAAAAAAAAAAAAAAAAAAAAAAAAAAAAAAAAAAAAAACf39/AOfm5gPMzMwAwMD/AH9/fwAAAAAAAAAAAAAAAAD///8AAAAAACEAAAAYAAAAFAAAAB4UAACEEAAA9B0AABUYAAAAAAAAJgAAAAgAAAD//////////zAAAAAUAAAAAAAAAAAA//8AAAEAAAD//wAAAQA="/>
               </a:ext>
             </a:extLst>
           </p:cNvPicPr>
@@ -6867,7 +6450,7 @@
           <p:cNvSpPr>
             <a:extLst>
               <a:ext uri="smNativeData">
-                <pr:smNativeData xmlns="smNativeData" xmlns:pr="smNativeData" xmlns:p15="http://schemas.microsoft.com/office/powerpoint/2012/main" xmlns:p14="http://schemas.microsoft.com/office/powerpoint/2010/main" xmlns:mc="http://schemas.openxmlformats.org/markup-compatibility/2006" val="SMDATA_16_8bPwYBMAAAAlAAAACgAAAA8BAAAAkAAAAEgAAACQAAAASAAAAAAAAAAAAAAAAAAAAAEAAABQAAAAAAAAAAAA4D8AAAAAAADgPwAAAAAAAOA/AAAAAAAA4D8AAAAAAADgPwAAAAAAAOA/AAAAAAAA4D8AAAAAAADgPwAAAAAAAOA/AAAAAAAA4D8CAAAAjAAAAAAAAAAAAAAARHLEDP///wgAAAAAAAAAAAAAAAAAAAAAAAAAAAAAAAAAAAAAZAAAAAEAAABAAAAAAAAAAAAAAAAAAAAAAAAAAAAAAAAAAAAAAAAAAAAAAAAAAAAAAAAAAAAAAAAAAAAAAAAAAAAAAAAAAAAAAAAAAAAAAAAAAAAAAAAAAAAAAAAAAAAAFAAAADwAAAABAAAAAgAAAHCtRwAUAAAAAQAAABQAAAAUAAAAFAAAAAEAAAAAAAAAZAAAAGQAAAABAAAAlgAAAJYAAAAVAAAAYAAAAAAAAAAAAAAADwAAACADAAAAAAAAAAAAAAEAAACgMgAAVgcAAKr4//8BAAAAf39/AAEAAABkAAAAAAAAABQAAABAHwAAAAAAACYAAAAAAAAAwOD//wAAAAAmAAAAZAAAABYAAABMAAAAAAAAAAAAAAAEAAAAAAAAAAEAAADn5uYKAAAAACgAAAAoAAAAZAAAAGQAAAAAAAAAzMzMAAAAAABQAAAAUAAAAGQAAABkAAAAAAAAABcAAAAUAAAAAAAAAAAAAAD/fwAA/38AAAAAAAAJAAAABAAAAP///wAeAAAAaAAAAAAAAAAAAAAAAAAAAAAAAAAAAAAAECcAABAnAAAAAAAAAAAAAAAAAAAAAAAAAAAAAAAAAAAAAAAAAAAAABQAAAAAAAAAwMD/AAAAAABkAAAAMgAAAAAAAABkAAAAAAAAAH9/fwAKAAAAIgAAABgAAAAAAAAAAAAAAAAAAAAAAAAAAAAAAAAAAAAkAAAAJAAAAAAAAAAHAAAAAAAAAAAAAAAAAAAAAAAAAAAAAAAAAAAAf39/ACUAAABYAAAAAAAAAAAAAAAAAAAAAAAAAAAAAAAAAAAAAAAAAAAAAAAAAAAAAAAAAAAAAAA/AAAAAAAAAKCGAQAAAAAAAAAAAAAAAAAMAAAAAQAAAAAAAAAAAAAAAAAAAB8AAABUAAAARHLEBf///wEAAAAAAAAAAAAAAAAAAAAAAAAAAAAAAAAAAAAAAAAAAHCtRwx/f38A5+bmA8zMzADAwP8Af39/AAAAAAAAAAAAAAAAAAAAAAAAAAAAIQAAABgAAAAUAAAAbBoAAOAXAAAbHQAAvBkAAAAAAAAmAAAACAAAAP//////////MAAAABQAAAAAAAAAAAD//wAAAQAAAP//AAABAA=="/>
+                <pr:smNativeData xmlns:mc="http://schemas.openxmlformats.org/markup-compatibility/2006" xmlns:p14="http://schemas.microsoft.com/office/powerpoint/2010/main" xmlns:p15="http://schemas.microsoft.com/office/powerpoint/2012/main" xmlns:pr="smNativeData" xmlns="smNativeData" val="SMDATA_16_8bPwYBMAAAAlAAAACgAAAA8BAAAAkAAAAEgAAACQAAAASAAAAAAAAAAAAAAAAAAAAAEAAABQAAAAAAAAAAAA4D8AAAAAAADgPwAAAAAAAOA/AAAAAAAA4D8AAAAAAADgPwAAAAAAAOA/AAAAAAAA4D8AAAAAAADgPwAAAAAAAOA/AAAAAAAA4D8CAAAAjAAAAAAAAAAAAAAARHLEDP///wgAAAAAAAAAAAAAAAAAAAAAAAAAAAAAAAAAAAAAZAAAAAEAAABAAAAAAAAAAAAAAAAAAAAAAAAAAAAAAAAAAAAAAAAAAAAAAAAAAAAAAAAAAAAAAAAAAAAAAAAAAAAAAAAAAAAAAAAAAAAAAAAAAAAAAAAAAAAAAAAAAAAAFAAAADwAAAABAAAAAgAAAHCtRwAUAAAAAQAAABQAAAAUAAAAFAAAAAEAAAAAAAAAZAAAAGQAAAABAAAAlgAAAJYAAAAVAAAAYAAAAAAAAAAAAAAADwAAACADAAAAAAAAAAAAAAEAAACgMgAAVgcAAKr4//8BAAAAf39/AAEAAABkAAAAAAAAABQAAABAHwAAAAAAACYAAAAAAAAAwOD//wAAAAAmAAAAZAAAABYAAABMAAAAAAAAAAAAAAAEAAAAAAAAAAEAAADn5uYKAAAAACgAAAAoAAAAZAAAAGQAAAAAAAAAzMzMAAAAAABQAAAAUAAAAGQAAABkAAAAAAAAABcAAAAUAAAAAAAAAAAAAAD/fwAA/38AAAAAAAAJAAAABAAAAP///wAeAAAAaAAAAAAAAAAAAAAAAAAAAAAAAAAAAAAAECcAABAnAAAAAAAAAAAAAAAAAAAAAAAAAAAAAAAAAAAAAAAAAAAAABQAAAAAAAAAwMD/AAAAAABkAAAAMgAAAAAAAABkAAAAAAAAAH9/fwAKAAAAIgAAABgAAAAAAAAAAAAAAAAAAAAAAAAAAAAAAAAAAAAkAAAAJAAAAAAAAAAHAAAAAAAAAAAAAAAAAAAAAAAAAAAAAAAAAAAAf39/ACUAAABYAAAAAAAAAAAAAAAAAAAAAAAAAAAAAAAAAAAAAAAAAAAAAAAAAAAAAAAAAAAAAAA/AAAAAAAAAKCGAQAAAAAAAAAAAAAAAAAMAAAAAQAAAAAAAAAAAAAAAAAAAB8AAABUAAAARHLEBf///wEAAAAAAAAAAAAAAAAAAAAAAAAAAAAAAAAAAAAAAAAAAHCtRwx/f38A5+bmA8zMzADAwP8Af39/AAAAAAAAAAAAAAAAAAAAAAAAAAAAIQAAABgAAAAUAAAAbBoAAOAXAAAbHQAAvBkAAAAAAAAmAAAACAAAAP//////////MAAAABQAAAAAAAAAAAD//wAAAQAAAP//AAABAA=="/>
               </a:ext>
             </a:extLst>
           </p:cNvSpPr>
@@ -6899,7 +6482,7 @@
           <p:cNvSpPr>
             <a:extLst>
               <a:ext uri="smNativeData">
-                <pr:smNativeData xmlns="smNativeData" xmlns:pr="smNativeData" xmlns:p15="http://schemas.microsoft.com/office/powerpoint/2012/main" xmlns:p14="http://schemas.microsoft.com/office/powerpoint/2010/main" xmlns:mc="http://schemas.openxmlformats.org/markup-compatibility/2006" val="SMDATA_16_8bPwYBMAAAAlAAAACgAAAA8BAAAAkAAAAEgAAACQAAAASAAAAAAAAAAAAAAAAAAAAAEAAABQAAAAAAAAAAAA4D8AAAAAAADgPwAAAAAAAOA/AAAAAAAA4D8AAAAAAADgPwAAAAAAAOA/AAAAAAAA4D8AAAAAAADgPwAAAAAAAOA/AAAAAAAA4D8CAAAAjAAAAAAAAAAAAAAARHLEDP///wgAAAAAAAAAAAAAAAAAAAAAAAAAAAAAAAAAAAAAZAAAAAEAAABAAAAAAAAAAAAAAAAAAAAAAAAAAAAAAAAAAAAAAAAAAAAAAAAAAAAAAAAAAAAAAAAAAAAAAAAAAAAAAAAAAAAAAAAAAAAAAAAAAAAAAAAAAAAAAAAAAAAAFAAAADwAAAABAAAAAgAAAHCtRwAUAAAAAQAAABQAAAAUAAAAFAAAAAEAAAAAAAAAZAAAAGQAAAABAAAAlgAAAJYAAAAVAAAAYAAAAAAAAAAAAAAADwAAACADAAAAAAAAAAAAAAEAAACgMgAAVgcAAKr4//8BAAAAf39/AAEAAABkAAAAAAAAABQAAABAHwAAAAAAACYAAAAAAAAAwOD//wAAAAAmAAAAZAAAABYAAABMAAAAAAAAAAAAAAAEAAAAAAAAAAEAAADn5uYKAAAAACgAAAAoAAAAZAAAAGQAAAAAAAAAzMzMAAAAAABQAAAAUAAAAGQAAABkAAAAAAAAABcAAAAUAAAAAAAAAAAAAAD/fwAA/38AAAAAAAAJAAAABAAAAMBvCAQeAAAAaAAAAAAAAAAAAAAAAAAAAAAAAAAAAAAAECcAABAnAAAAAAAAAAAAAAAAAAAAAAAAAAAAAAAAAAAAAAAAAAAAABQAAAAAAAAAwMD/AAAAAABkAAAAMgAAAAAAAABkAAAAAAAAAH9/fwAKAAAAIgAAABgAAAAAAAAAAAAAAAAAAAAAAAAAAAAAAAAAAAAkAAAAJAAAAAAAAAAHAAAAAAAAAAAAAAAAAAAAAAAAAAAAAAAAAAAAf39/ACUAAABYAAAAAAAAAAAAAAAAAAAAAAAAAAAAAAAAAAAAAAAAAAAAAAAAAAAAAAAAAAAAAAA/AAAAAAAAAKCGAQAAAAAAAAAAAAAAAAAMAAAAAQAAAAAAAAAAAAAAAAAAAB8AAABUAAAARHLEBf///wEAAAAAAAAAAAAAAAAAAAAAAAAAAAAAAAAAAAAAAAAAAHCtRwx/f38A5+bmA8zMzADAwP8Af39/AAAAAAAAAAAAAAAAAAAAAAAAAAAAIQAAABgAAAAUAAAA4hwAAM0aAACnHwAAAR0AAAAAAAAmAAAACAAAAP//////////MAAAABQAAAAAAAAAAAD//wAAAQAAAP//AAABAA=="/>
+                <pr:smNativeData xmlns:mc="http://schemas.openxmlformats.org/markup-compatibility/2006" xmlns:p14="http://schemas.microsoft.com/office/powerpoint/2010/main" xmlns:p15="http://schemas.microsoft.com/office/powerpoint/2012/main" xmlns:pr="smNativeData" xmlns="smNativeData" val="SMDATA_16_8bPwYBMAAAAlAAAACgAAAA8BAAAAkAAAAEgAAACQAAAASAAAAAAAAAAAAAAAAAAAAAEAAABQAAAAAAAAAAAA4D8AAAAAAADgPwAAAAAAAOA/AAAAAAAA4D8AAAAAAADgPwAAAAAAAOA/AAAAAAAA4D8AAAAAAADgPwAAAAAAAOA/AAAAAAAA4D8CAAAAjAAAAAAAAAAAAAAARHLEDP///wgAAAAAAAAAAAAAAAAAAAAAAAAAAAAAAAAAAAAAZAAAAAEAAABAAAAAAAAAAAAAAAAAAAAAAAAAAAAAAAAAAAAAAAAAAAAAAAAAAAAAAAAAAAAAAAAAAAAAAAAAAAAAAAAAAAAAAAAAAAAAAAAAAAAAAAAAAAAAAAAAAAAAFAAAADwAAAABAAAAAgAAAHCtRwAUAAAAAQAAABQAAAAUAAAAFAAAAAEAAAAAAAAAZAAAAGQAAAABAAAAlgAAAJYAAAAVAAAAYAAAAAAAAAAAAAAADwAAACADAAAAAAAAAAAAAAEAAACgMgAAVgcAAKr4//8BAAAAf39/AAEAAABkAAAAAAAAABQAAABAHwAAAAAAACYAAAAAAAAAwOD//wAAAAAmAAAAZAAAABYAAABMAAAAAAAAAAAAAAAEAAAAAAAAAAEAAADn5uYKAAAAACgAAAAoAAAAZAAAAGQAAAAAAAAAzMzMAAAAAABQAAAAUAAAAGQAAABkAAAAAAAAABcAAAAUAAAAAAAAAAAAAAD/fwAA/38AAAAAAAAJAAAABAAAAMBvCAQeAAAAaAAAAAAAAAAAAAAAAAAAAAAAAAAAAAAAECcAABAnAAAAAAAAAAAAAAAAAAAAAAAAAAAAAAAAAAAAAAAAAAAAABQAAAAAAAAAwMD/AAAAAABkAAAAMgAAAAAAAABkAAAAAAAAAH9/fwAKAAAAIgAAABgAAAAAAAAAAAAAAAAAAAAAAAAAAAAAAAAAAAAkAAAAJAAAAAAAAAAHAAAAAAAAAAAAAAAAAAAAAAAAAAAAAAAAAAAAf39/ACUAAABYAAAAAAAAAAAAAAAAAAAAAAAAAAAAAAAAAAAAAAAAAAAAAAAAAAAAAAAAAAAAAAA/AAAAAAAAAKCGAQAAAAAAAAAAAAAAAAAMAAAAAQAAAAAAAAAAAAAAAAAAAB8AAABUAAAARHLEBf///wEAAAAAAAAAAAAAAAAAAAAAAAAAAAAAAAAAAAAAAAAAAHCtRwx/f38A5+bmA8zMzADAwP8Af39/AAAAAAAAAAAAAAAAAAAAAAAAAAAAIQAAABgAAAAUAAAA4hwAAM0aAACnHwAAAR0AAAAAAAAmAAAACAAAAP//////////MAAAABQAAAAAAAAAAAD//wAAAQAAAP//AAABAA=="/>
               </a:ext>
             </a:extLst>
           </p:cNvSpPr>
@@ -6931,7 +6514,7 @@
           <p:cNvSpPr>
             <a:extLst>
               <a:ext uri="smNativeData">
-                <pr:smNativeData xmlns="smNativeData" xmlns:pr="smNativeData" xmlns:p15="http://schemas.microsoft.com/office/powerpoint/2012/main" xmlns:p14="http://schemas.microsoft.com/office/powerpoint/2010/main" xmlns:mc="http://schemas.openxmlformats.org/markup-compatibility/2006" val="SMDATA_16_8bPwYBMAAAAlAAAACgAAAA8BAAAAkAAAAEgAAACQAAAASAAAAAAAAAAAAAAAAAAAAAEAAABQAAAAAAAAAAAA4D8AAAAAAADgPwAAAAAAAOA/AAAAAAAA4D8AAAAAAADgPwAAAAAAAOA/AAAAAAAA4D8AAAAAAADgPwAAAAAAAOA/AAAAAAAA4D8CAAAAjAAAAAAAAAAAAAAARHLEDP///wgAAAAAAAAAAAAAAAAAAAAAAAAAAAAAAAAAAAAAZAAAAAEAAABAAAAAAAAAAAAAAAAAAAAAAAAAAAAAAAAAAAAAAAAAAAAAAAAAAAAAAAAAAAAAAAAAAAAAAAAAAAAAAAAAAAAAAAAAAAAAAAAAAAAAAAAAAAAAAAAAAAAAFAAAADwAAAABAAAAAgAAAHCtRwAUAAAAAQAAABQAAAAUAAAAFAAAAAEAAAAAAAAAZAAAAGQAAAABAAAAlgAAAJYAAAAVAAAAYAAAAAAAAAAAAAAADwAAACADAAAAAAAAAAAAAAEAAACgMgAAVgcAAKr4//8BAAAAf39/AAEAAABkAAAAAAAAABQAAABAHwAAAAAAACYAAAAAAAAAwOD//wAAAAAmAAAAZAAAABYAAABMAAAAAAAAAAAAAAAEAAAAAAAAAAEAAADn5uYKAAAAACgAAAAoAAAAZAAAAGQAAAAAAAAAzMzMAAAAAABQAAAAUAAAAGQAAABkAAAAAAAAABcAAAAUAAAAAAAAAAAAAAD/fwAA/38AAAAAAAAJAAAABAAAAAABAAEeAAAAaAAAAAAAAAAAAAAAAAAAAAAAAAAAAAAAECcAABAnAAAAAAAAAAAAAAAAAAAAAAAAAAAAAAAAAAAAAAAAAAAAABQAAAAAAAAAwMD/AAAAAABkAAAAMgAAAAAAAABkAAAAAAAAAH9/fwAKAAAAIgAAABgAAAAAAAAAAAAAAAAAAAAAAAAAAAAAAAAAAAAkAAAAJAAAAAAAAAAHAAAAAAAAAAAAAAAAAAAAAAAAAAAAAAAAAAAAf39/ACUAAABYAAAAAAAAAAAAAAAAAAAAAAAAAAAAAAAAAAAAAAAAAAAAAAAAAAAAAAAAAAAAAAA/AAAAAAAAAKCGAQAAAAAAAAAAAAAAAAAMAAAAAQAAAAAAAAAAAAAAAAAAAB8AAABUAAAARHLEBf///wEAAAAAAAAAAAAAAAAAAAAAAAAAAAAAAAAAAAAAAAAAAHCtRwx/f38A5+bmA8zMzADAwP8Af39/AAAAAAAAAAAAAAAAAAAAAAAAAAAAIQAAABgAAAAUAAAAeSkAAH8XAAA6LAAAfhkAAAAAAAAmAAAACAAAAP//////////MAAAABQAAAAAAAAAAAD//wAAAQAAAP//AAABAA=="/>
+                <pr:smNativeData xmlns:mc="http://schemas.openxmlformats.org/markup-compatibility/2006" xmlns:p14="http://schemas.microsoft.com/office/powerpoint/2010/main" xmlns:p15="http://schemas.microsoft.com/office/powerpoint/2012/main" xmlns:pr="smNativeData" xmlns="smNativeData" val="SMDATA_16_8bPwYBMAAAAlAAAACgAAAA8BAAAAkAAAAEgAAACQAAAASAAAAAAAAAAAAAAAAAAAAAEAAABQAAAAAAAAAAAA4D8AAAAAAADgPwAAAAAAAOA/AAAAAAAA4D8AAAAAAADgPwAAAAAAAOA/AAAAAAAA4D8AAAAAAADgPwAAAAAAAOA/AAAAAAAA4D8CAAAAjAAAAAAAAAAAAAAARHLEDP///wgAAAAAAAAAAAAAAAAAAAAAAAAAAAAAAAAAAAAAZAAAAAEAAABAAAAAAAAAAAAAAAAAAAAAAAAAAAAAAAAAAAAAAAAAAAAAAAAAAAAAAAAAAAAAAAAAAAAAAAAAAAAAAAAAAAAAAAAAAAAAAAAAAAAAAAAAAAAAAAAAAAAAFAAAADwAAAABAAAAAgAAAHCtRwAUAAAAAQAAABQAAAAUAAAAFAAAAAEAAAAAAAAAZAAAAGQAAAABAAAAlgAAAJYAAAAVAAAAYAAAAAAAAAAAAAAADwAAACADAAAAAAAAAAAAAAEAAACgMgAAVgcAAKr4//8BAAAAf39/AAEAAABkAAAAAAAAABQAAABAHwAAAAAAACYAAAAAAAAAwOD//wAAAAAmAAAAZAAAABYAAABMAAAAAAAAAAAAAAAEAAAAAAAAAAEAAADn5uYKAAAAACgAAAAoAAAAZAAAAGQAAAAAAAAAzMzMAAAAAABQAAAAUAAAAGQAAABkAAAAAAAAABcAAAAUAAAAAAAAAAAAAAD/fwAA/38AAAAAAAAJAAAABAAAAAABAAEeAAAAaAAAAAAAAAAAAAAAAAAAAAAAAAAAAAAAECcAABAnAAAAAAAAAAAAAAAAAAAAAAAAAAAAAAAAAAAAAAAAAAAAABQAAAAAAAAAwMD/AAAAAABkAAAAMgAAAAAAAABkAAAAAAAAAH9/fwAKAAAAIgAAABgAAAAAAAAAAAAAAAAAAAAAAAAAAAAAAAAAAAAkAAAAJAAAAAAAAAAHAAAAAAAAAAAAAAAAAAAAAAAAAAAAAAAAAAAAf39/ACUAAABYAAAAAAAAAAAAAAAAAAAAAAAAAAAAAAAAAAAAAAAAAAAAAAAAAAAAAAAAAAAAAAA/AAAAAAAAAKCGAQAAAAAAAAAAAAAAAAAMAAAAAQAAAAAAAAAAAAAAAAAAAB8AAABUAAAARHLEBf///wEAAAAAAAAAAAAAAAAAAAAAAAAAAAAAAAAAAAAAAAAAAHCtRwx/f38A5+bmA8zMzADAwP8Af39/AAAAAAAAAAAAAAAAAAAAAAAAAAAAIQAAABgAAAAUAAAAeSkAAH8XAAA6LAAAfhkAAAAAAAAmAAAACAAAAP//////////MAAAABQAAAAAAAAAAAD//wAAAQAAAP//AAABAA=="/>
               </a:ext>
             </a:extLst>
           </p:cNvSpPr>
@@ -6963,7 +6546,7 @@
           <p:cNvSpPr>
             <a:extLst>
               <a:ext uri="smNativeData">
-                <pr:smNativeData xmlns="smNativeData" xmlns:pr="smNativeData" xmlns:p15="http://schemas.microsoft.com/office/powerpoint/2012/main" xmlns:p14="http://schemas.microsoft.com/office/powerpoint/2010/main" xmlns:mc="http://schemas.openxmlformats.org/markup-compatibility/2006" val="SMDATA_16_8bPwYBMAAAAlAAAACgAAAA8BAAAAkAAAAEgAAACQAAAASAAAAAAAAAAAAAAAAAAAAAEAAABQAAAAAAAAAAAA4D8AAAAAAADgPwAAAAAAAOA/AAAAAAAA4D8AAAAAAADgPwAAAAAAAOA/AAAAAAAA4D8AAAAAAADgPwAAAAAAAOA/AAAAAAAA4D8CAAAAjAAAAAAAAAAAAAAARHLEDP///wgAAAAAAAAAAAAAAAAAAAAAAAAAAAAAAAAAAAAAZAAAAAEAAABAAAAAAAAAAAAAAAAAAAAAAAAAAAAAAAAAAAAAAAAAAAAAAAAAAAAAAAAAAAAAAAAAAAAAAAAAAAAAAAAAAAAAAAAAAAAAAAAAAAAAAAAAAAAAAAAAAAAAFAAAADwAAAABAAAAAAAAAAAAAAkUAAAAAQAAABQAAAAUAAAAFAAAAAEAAAAAAAAAZAAAAGQAAAABAAAAlgAAAJYAAAAVAAAAYAAAAAAAAAAAAAAADwAAACADAAAAAAAAAAAAAAEAAACgMgAAVgcAAKr4//8BAAAAf39/AAEAAABkAAAAAAAAABQAAABAHwAAAAAAACYAAAAAAAAAwOD//wAAAAAmAAAAZAAAABYAAABMAAAAAAAAAAAAAAAEAAAAAAAAAAEAAADn5uYKAAAAACgAAAAoAAAAZAAAAGQAAAAAAAAAzMzMAAAAAABQAAAAUAAAAGQAAABkAAAAAAAAABcAAAAUAAAAAAAAAAAAAAD/fwAA/38AAAAAAAAJAAAABAAAAHMAZQAeAAAAaAAAAAAAAAAAAAAAAAAAAAAAAAAAAAAAECcAABAnAAAAAAAAAAAAAAAAAAAAAAAAAAAAAAAAAAAAAAAAAAAAABQAAAAAAAAAwMD/AAAAAABkAAAAMgAAAAAAAABkAAAAAAAAAH9/fwAKAAAAIgAAABgAAAAAAAAAAAAAAAAAAAAAAAAAAAAAAAAAAAAkAAAAJAAAAAAAAAAHAAAAAAAAAAAAAAAAAAAAAAAAAAAAAAAAAAAAf39/ACUAAABYAAAAAAAAAAAAAAAAAAAAAAAAAAAAAAAAAAAAAAAAAAAAAAAAAAAAAAAAAAAAAAA/AAAAAAAAAKCGAQAAAAAAAAAAAAAAAAAMAAAAAQAAAAAAAAAAAAAAAAAAAB8AAABUAAAARHLEBf///wEAAAAAAAAAAAAAAAAAAAAAAAAAAAAAAAAAAAAAAAAAAAAAAAJ/f38A5+bmA8zMzADAwP8Af39/AAAAAAAAAAAAAAAAAAAAAAAAAAAAIQAAABgAAAAUAAAA+goAACESAACbFQAAIxIAAAAAAAAmAAAACAAAAP//////////MAAAABQAAAAAAAAAAAD//wAAAQAAAP//AAABAA=="/>
+                <pr:smNativeData xmlns:mc="http://schemas.openxmlformats.org/markup-compatibility/2006" xmlns:p14="http://schemas.microsoft.com/office/powerpoint/2010/main" xmlns:p15="http://schemas.microsoft.com/office/powerpoint/2012/main" xmlns:pr="smNativeData" xmlns="smNativeData" val="SMDATA_16_8bPwYBMAAAAlAAAACgAAAA8BAAAAkAAAAEgAAACQAAAASAAAAAAAAAAAAAAAAAAAAAEAAABQAAAAAAAAAAAA4D8AAAAAAADgPwAAAAAAAOA/AAAAAAAA4D8AAAAAAADgPwAAAAAAAOA/AAAAAAAA4D8AAAAAAADgPwAAAAAAAOA/AAAAAAAA4D8CAAAAjAAAAAAAAAAAAAAARHLEDP///wgAAAAAAAAAAAAAAAAAAAAAAAAAAAAAAAAAAAAAZAAAAAEAAABAAAAAAAAAAAAAAAAAAAAAAAAAAAAAAAAAAAAAAAAAAAAAAAAAAAAAAAAAAAAAAAAAAAAAAAAAAAAAAAAAAAAAAAAAAAAAAAAAAAAAAAAAAAAAAAAAAAAAFAAAADwAAAABAAAAAAAAAAAAAAkUAAAAAQAAABQAAAAUAAAAFAAAAAEAAAAAAAAAZAAAAGQAAAABAAAAlgAAAJYAAAAVAAAAYAAAAAAAAAAAAAAADwAAACADAAAAAAAAAAAAAAEAAACgMgAAVgcAAKr4//8BAAAAf39/AAEAAABkAAAAAAAAABQAAABAHwAAAAAAACYAAAAAAAAAwOD//wAAAAAmAAAAZAAAABYAAABMAAAAAAAAAAAAAAAEAAAAAAAAAAEAAADn5uYKAAAAACgAAAAoAAAAZAAAAGQAAAAAAAAAzMzMAAAAAABQAAAAUAAAAGQAAABkAAAAAAAAABcAAAAUAAAAAAAAAAAAAAD/fwAA/38AAAAAAAAJAAAABAAAAHMAZQAeAAAAaAAAAAAAAAAAAAAAAAAAAAAAAAAAAAAAECcAABAnAAAAAAAAAAAAAAAAAAAAAAAAAAAAAAAAAAAAAAAAAAAAABQAAAAAAAAAwMD/AAAAAABkAAAAMgAAAAAAAABkAAAAAAAAAH9/fwAKAAAAIgAAABgAAAAAAAAAAAAAAAAAAAAAAAAAAAAAAAAAAAAkAAAAJAAAAAAAAAAHAAAAAAAAAAAAAAAAAAAAAAAAAAAAAAAAAAAAf39/ACUAAABYAAAAAAAAAAAAAAAAAAAAAAAAAAAAAAAAAAAAAAAAAAAAAAAAAAAAAAAAAAAAAAA/AAAAAAAAAKCGAQAAAAAAAAAAAAAAAAAMAAAAAQAAAAAAAAAAAAAAAAAAAB8AAABUAAAARHLEBf///wEAAAAAAAAAAAAAAAAAAAAAAAAAAAAAAAAAAAAAAAAAAAAAAAJ/f38A5+bmA8zMzADAwP8Af39/AAAAAAAAAAAAAAAAAAAAAAAAAAAAIQAAABgAAAAUAAAA+goAACESAACbFQAAIxIAAAAAAAAmAAAACAAAAP//////////MAAAABQAAAAAAAAAAAD//wAAAQAAAP//AAABAA=="/>
               </a:ext>
             </a:extLst>
           </p:cNvSpPr>
@@ -6995,7 +6578,7 @@
           <p:cNvSpPr>
             <a:extLst>
               <a:ext uri="smNativeData">
-                <pr:smNativeData xmlns="smNativeData" xmlns:pr="smNativeData" xmlns:p15="http://schemas.microsoft.com/office/powerpoint/2012/main" xmlns:p14="http://schemas.microsoft.com/office/powerpoint/2010/main" xmlns:mc="http://schemas.openxmlformats.org/markup-compatibility/2006" val="SMDATA_16_8bPwYBMAAAAlAAAACgAAAA8BAAAAkAAAAEgAAACQAAAASAAAAAAAAAAAAAAAAAAAAAEAAABQAAAAAAAAAAAA4D8AAAAAAADgPwAAAAAAAOA/AAAAAAAA4D8AAAAAAADgPwAAAAAAAOA/AAAAAAAA4D8AAAAAAADgPwAAAAAAAOA/AAAAAAAA4D8CAAAAjAAAAAAAAAAAAAAARHLEDP///wgAAAAAAAAAAAAAAAAAAAAAAAAAAAAAAAAAAAAAZAAAAAEAAABAAAAAAAAAAAAAAAAAAAAAAAAAAAAAAAAAAAAAAAAAAAAAAAAAAAAAAAAAAAAAAAAAAAAAAAAAAAAAAAAAAAAAAAAAAAAAAAAAAAAAAAAAAAAAAAAAAAAAFAAAADwAAAABAAAAAAAAAAAAAAkUAAAAAQAAABQAAAAUAAAAFAAAAAEAAAAAAAAAZAAAAGQAAAABAAAAlgAAAJYAAAAVAAAAYAAAAAAAAAAAAAAADwAAACADAAAAAAAAAAAAAAEAAACgMgAAVgcAAKr4//8BAAAAf39/AAEAAABkAAAAAAAAABQAAABAHwAAAAAAACYAAAAAAAAAwOD//wAAAAAmAAAAZAAAABYAAABMAAAAAAAAAAAAAAAEAAAAAAAAAAEAAADn5uYKAAAAACgAAAAoAAAAZAAAAGQAAAAAAAAAzMzMAAAAAABQAAAAUAAAAGQAAABkAAAAAAAAABcAAAAUAAAAAAAAAAAAAAD/fwAA/38AAAAAAAAJAAAABAAAAAAAAAAeAAAAaAAAAAAAAAAAAAAAAAAAAAAAAAAAAAAAECcAABAnAAAAAAAAAAAAAAAAAAAAAAAAAAAAAAAAAAAAAAAAAAAAABQAAAAAAAAAwMD/AAAAAABkAAAAMgAAAAAAAABkAAAAAAAAAH9/fwAKAAAAIgAAABgAAAAAAAAAAAAAAAAAAAAAAAAAAAAAAAAAAAAkAAAAJAAAAAAAAAAHAAAAAAAAAAAAAAAAAAAAAAAAAAAAAAAAAAAAf39/ACUAAABYAAAAAAAAAAAAAAAAAAAAAAAAAAAAAAAAAAAAAAAAAAAAAAAAAAAAAAAAAAAAAAA/AAAAAAAAAKCGAQAAAAAAAAAAAAAAAAAMAAAAAQAAAAAAAAAAAAAAAAAAAB8AAABUAAAARHLEBf///wEAAAAAAAAAAAAAAAAAAAAAAAAAAAAAAAAAAAAAAAAAAAAAAAJ/f38A5+bmA8zMzADAwP8Af39/AAAAAAAAAAAAAAAAAAAAAAAAAAAAIQAAABgAAAAUAAAAqB0AACESAADGJgAAIxIAAAAAAAAmAAAACAAAAP//////////MAAAABQAAAAAAAAAAAD//wAAAQAAAP//AAABAA=="/>
+                <pr:smNativeData xmlns:mc="http://schemas.openxmlformats.org/markup-compatibility/2006" xmlns:p14="http://schemas.microsoft.com/office/powerpoint/2010/main" xmlns:p15="http://schemas.microsoft.com/office/powerpoint/2012/main" xmlns:pr="smNativeData" xmlns="smNativeData" val="SMDATA_16_8bPwYBMAAAAlAAAACgAAAA8BAAAAkAAAAEgAAACQAAAASAAAAAAAAAAAAAAAAAAAAAEAAABQAAAAAAAAAAAA4D8AAAAAAADgPwAAAAAAAOA/AAAAAAAA4D8AAAAAAADgPwAAAAAAAOA/AAAAAAAA4D8AAAAAAADgPwAAAAAAAOA/AAAAAAAA4D8CAAAAjAAAAAAAAAAAAAAARHLEDP///wgAAAAAAAAAAAAAAAAAAAAAAAAAAAAAAAAAAAAAZAAAAAEAAABAAAAAAAAAAAAAAAAAAAAAAAAAAAAAAAAAAAAAAAAAAAAAAAAAAAAAAAAAAAAAAAAAAAAAAAAAAAAAAAAAAAAAAAAAAAAAAAAAAAAAAAAAAAAAAAAAAAAAFAAAADwAAAABAAAAAAAAAAAAAAkUAAAAAQAAABQAAAAUAAAAFAAAAAEAAAAAAAAAZAAAAGQAAAABAAAAlgAAAJYAAAAVAAAAYAAAAAAAAAAAAAAADwAAACADAAAAAAAAAAAAAAEAAACgMgAAVgcAAKr4//8BAAAAf39/AAEAAABkAAAAAAAAABQAAABAHwAAAAAAACYAAAAAAAAAwOD//wAAAAAmAAAAZAAAABYAAABMAAAAAAAAAAAAAAAEAAAAAAAAAAEAAADn5uYKAAAAACgAAAAoAAAAZAAAAGQAAAAAAAAAzMzMAAAAAABQAAAAUAAAAGQAAABkAAAAAAAAABcAAAAUAAAAAAAAAAAAAAD/fwAA/38AAAAAAAAJAAAABAAAAAAAAAAeAAAAaAAAAAAAAAAAAAAAAAAAAAAAAAAAAAAAECcAABAnAAAAAAAAAAAAAAAAAAAAAAAAAAAAAAAAAAAAAAAAAAAAABQAAAAAAAAAwMD/AAAAAABkAAAAMgAAAAAAAABkAAAAAAAAAH9/fwAKAAAAIgAAABgAAAAAAAAAAAAAAAAAAAAAAAAAAAAAAAAAAAAkAAAAJAAAAAAAAAAHAAAAAAAAAAAAAAAAAAAAAAAAAAAAAAAAAAAAf39/ACUAAABYAAAAAAAAAAAAAAAAAAAAAAAAAAAAAAAAAAAAAAAAAAAAAAAAAAAAAAAAAAAAAAA/AAAAAAAAAKCGAQAAAAAAAAAAAAAAAAAMAAAAAQAAAAAAAAAAAAAAAAAAAB8AAABUAAAARHLEBf///wEAAAAAAAAAAAAAAAAAAAAAAAAAAAAAAAAAAAAAAAAAAAAAAAJ/f38A5+bmA8zMzADAwP8Af39/AAAAAAAAAAAAAAAAAAAAAAAAAAAAIQAAABgAAAAUAAAAqB0AACESAADGJgAAIxIAAAAAAAAmAAAACAAAAP//////////MAAAABQAAAAAAAAAAAD//wAAAQAAAP//AAABAA=="/>
               </a:ext>
             </a:extLst>
           </p:cNvSpPr>
@@ -7027,7 +6610,7 @@
           <p:cNvSpPr txBox="1">
             <a:extLst>
               <a:ext uri="smNativeData">
-                <pr:smNativeData xmlns="smNativeData" xmlns:pr="smNativeData" xmlns:p15="http://schemas.microsoft.com/office/powerpoint/2012/main" xmlns:p14="http://schemas.microsoft.com/office/powerpoint/2010/main" xmlns:mc="http://schemas.openxmlformats.org/markup-compatibility/2006" val="SMDATA_16_8bPwYBMAAAAlAAAAEgAAAE8BAAAAkAAAAEgAAACQAAAASAAAAAAAAAAAAAAAAAAAAAEAAABQAAAAAAAAAAAA4D8AAAAAAADgPwAAAAAAAOA/AAAAAAAA4D8AAAAAAADgPwAAAAAAAOA/AAAAAAAA4D8AAAAAAADgPwAAAAAAAOA/AAAAAAAA4D8CAAAAjAAAAAAAAAAAAAAARHLEDP///wgAAAAAAAAAAAAAAAAAAAAAAAAAAAAAAAAAAAAAZAAAAAEAAABAAAAAAAAAAAAAAAAAAAAAAAAAAAAAAAAAAAAAAAAAAAAAAAAAAAAAAAAAAAAAAAAAAAAAAAAAAAAAAAAAAAAAAAAAAAAAAAAAAAAAAAAAAAAAAAAAAAAAFAAAADwAAAAAAAAAAAAAAAAAAAkUAAAAAQAAABQAAAAUAAAAFAAAAAEAAAAAAAAAZAAAAGQAAAAAAAAAZAAAAGQAAAAVAAAAYAAAAAAAAAAAAAAADwAAACADAAAAAAAAAAAAAAEAAACgMgAAVgcAAKr4//8BAAAAf39/AAEAAABkAAAAAAAAABQAAABAHwAAAAAAACYAAAAAAAAAwOD//wAAAAAmAAAAZAAAABYAAABMAAAAAAAAAAAAAAAEAAAAAAAAAAEAAADn5uYKAAAAACgAAAAoAAAAZAAAAGQAAAAAAAAAzMzMAAAAAABQAAAAUAAAAGQAAABkAAAAAAAAABcAAAAUAAAAAAAAAFgBAAD/fwAA/38AAAAAAAAJAAAABAAAAAAAAAAeAAAAaAAAAAAAAAAAAAAAAAAAAAAAAAAAAAAAECcAABAnAAAAAAAAAAAAAAAAAAAAAAAAAAAAAAAAAAAAAAAAAAAAABQAAAAAAAAAwMD/AAAAAABkAAAAMgAAAAAAAABkAAAAAAAAAH9/fwAKAAAAIgAAABgAAAAAAAAAAAAAAAAAAAAAAAAAAAAAAAAAAAAkAAAAJAAAAAAAAAAHAAAAAAAAAAAAAAAAAAAAAAAAAAAAAAAAAAAAf39/ACUAAABYAAAAAAAAAAAAAAAAAAAAAAAAAAAAAAAAAAAAAAAAAAAAAAAAAAAAAAAAAAAAAAA/AAAAAAAAAKCGAQAAAAAAAAAAAAAAAAAMAAAAAQAAAAAAAAAAAAAAAAAAAB8AAABUAAAARHLEBf///wEAAAAAAAAAAAAAAAAAAAAAAAAAAAAAAAAAAAAAAAAAAAAAAAJ/f38A5+bmA8zMzADAwP8Af39/AAAAAAAAAAAAAAAAAAAAAAAAAAAAIQAAABgAAAAUAAAAlA0AANcQAAAeFAAApxMAAAAgAAAmAAAACAAAAP//////////MAAAABQAAAAAAAAAAAD//wAAAQAAAP//AAABAA=="/>
+                <pr:smNativeData xmlns:mc="http://schemas.openxmlformats.org/markup-compatibility/2006" xmlns:p14="http://schemas.microsoft.com/office/powerpoint/2010/main" xmlns:p15="http://schemas.microsoft.com/office/powerpoint/2012/main" xmlns:pr="smNativeData" xmlns="smNativeData" val="SMDATA_16_8bPwYBMAAAAlAAAAEgAAAE8BAAAAkAAAAEgAAACQAAAASAAAAAAAAAAAAAAAAAAAAAEAAABQAAAAAAAAAAAA4D8AAAAAAADgPwAAAAAAAOA/AAAAAAAA4D8AAAAAAADgPwAAAAAAAOA/AAAAAAAA4D8AAAAAAADgPwAAAAAAAOA/AAAAAAAA4D8CAAAAjAAAAAAAAAAAAAAARHLEDP///wgAAAAAAAAAAAAAAAAAAAAAAAAAAAAAAAAAAAAAZAAAAAEAAABAAAAAAAAAAAAAAAAAAAAAAAAAAAAAAAAAAAAAAAAAAAAAAAAAAAAAAAAAAAAAAAAAAAAAAAAAAAAAAAAAAAAAAAAAAAAAAAAAAAAAAAAAAAAAAAAAAAAAFAAAADwAAAAAAAAAAAAAAAAAAAkUAAAAAQAAABQAAAAUAAAAFAAAAAEAAAAAAAAAZAAAAGQAAAAAAAAAZAAAAGQAAAAVAAAAYAAAAAAAAAAAAAAADwAAACADAAAAAAAAAAAAAAEAAACgMgAAVgcAAKr4//8BAAAAf39/AAEAAABkAAAAAAAAABQAAABAHwAAAAAAACYAAAAAAAAAwOD//wAAAAAmAAAAZAAAABYAAABMAAAAAAAAAAAAAAAEAAAAAAAAAAEAAADn5uYKAAAAACgAAAAoAAAAZAAAAGQAAAAAAAAAzMzMAAAAAABQAAAAUAAAAGQAAABkAAAAAAAAABcAAAAUAAAAAAAAAFgBAAD/fwAA/38AAAAAAAAJAAAABAAAAAAAAAAeAAAAaAAAAAAAAAAAAAAAAAAAAAAAAAAAAAAAECcAABAnAAAAAAAAAAAAAAAAAAAAAAAAAAAAAAAAAAAAAAAAAAAAABQAAAAAAAAAwMD/AAAAAABkAAAAMgAAAAAAAABkAAAAAAAAAH9/fwAKAAAAIgAAABgAAAAAAAAAAAAAAAAAAAAAAAAAAAAAAAAAAAAkAAAAJAAAAAAAAAAHAAAAAAAAAAAAAAAAAAAAAAAAAAAAAAAAAAAAf39/ACUAAABYAAAAAAAAAAAAAAAAAAAAAAAAAAAAAAAAAAAAAAAAAAAAAAAAAAAAAAAAAAAAAAA/AAAAAAAAAKCGAQAAAAAAAAAAAAAAAAAMAAAAAQAAAAAAAAAAAAAAAAAAAB8AAABUAAAARHLEBf///wEAAAAAAAAAAAAAAAAAAAAAAAAAAAAAAAAAAAAAAAAAAAAAAAJ/f38A5+bmA8zMzADAwP8Af39/AAAAAAAAAAAAAAAAAAAAAAAAAAAAIQAAABgAAAAUAAAAlA0AANcQAAAeFAAApxMAAAAgAAAmAAAACAAAAP//////////MAAAABQAAAAAAAAAAAD//wAAAQAAAP//AAABAA=="/>
               </a:ext>
             </a:extLst>
           </p:cNvSpPr>
@@ -7035,7 +6618,7 @@
         </p:nvSpPr>
         <p:spPr>
           <a:xfrm>
-            <a:off x="2207260" y="2737485"/>
+            <a:off x="2207260" y="2716704"/>
             <a:ext cx="1062990" cy="457200"/>
           </a:xfrm>
           <a:prstGeom prst="rect">
@@ -7059,10 +6642,14 @@
               </a:defRPr>
             </a:pPr>
             <a:r>
+              <a:rPr dirty="0"/>
               <a:t>nature</a:t>
             </a:r>
-            <a:br/>
-            <a:r>
+            <a:br>
+              <a:rPr dirty="0"/>
+            </a:br>
+            <a:r>
+              <a:rPr dirty="0"/>
               <a:t>rings B</a:t>
             </a:r>
           </a:p>
@@ -7074,7 +6661,7 @@
           <p:cNvSpPr txBox="1">
             <a:extLst>
               <a:ext uri="smNativeData">
-                <pr:smNativeData xmlns="smNativeData" xmlns:pr="smNativeData" xmlns:p15="http://schemas.microsoft.com/office/powerpoint/2012/main" xmlns:p14="http://schemas.microsoft.com/office/powerpoint/2010/main" xmlns:mc="http://schemas.openxmlformats.org/markup-compatibility/2006" val="SMDATA_16_8bPwYBMAAAAlAAAAEgAAAE8BAAAAkAAAAEgAAACQAAAASAAAAAAAAAAAAAAAAAAAAAEAAABQAAAAAAAAAAAA4D8AAAAAAADgPwAAAAAAAOA/AAAAAAAA4D8AAAAAAADgPwAAAAAAAOA/AAAAAAAA4D8AAAAAAADgPwAAAAAAAOA/AAAAAAAA4D8CAAAAjAAAAAAAAAAAAAAARHLEDP///wgAAAAAAAAAAAAAAAAAAAAAAAAAAAAAAAAAAAAAZAAAAAEAAABAAAAAAAAAAAAAAAAAAAAAAAAAAAAAAAAAAAAAAAAAAAAAAAAAAAAAAAAAAAAAAAAAAAAAAAAAAAAAAAAAAAAAAAAAAAAAAAAAAAAAAAAAAAAAAAAAAAAAFAAAADwAAAAAAAAAAAAAAAAAAAkUAAAAAQAAABQAAAAUAAAAFAAAAAEAAAAAAAAAZAAAAGQAAAAAAAAAZAAAAGQAAAAVAAAAYAAAAAAAAAAAAAAADwAAACADAAAAAAAAAAAAAAEAAACgMgAAVgcAAKr4//8BAAAAf39/AAEAAABkAAAAAAAAABQAAABAHwAAAAAAACYAAAAAAAAAwOD//wAAAAAmAAAAZAAAABYAAABMAAAAAAAAAAAAAAAEAAAAAAAAAAEAAADn5uYKAAAAACgAAAAoAAAAZAAAAGQAAAAAAAAAzMzMAAAAAABQAAAAUAAAAGQAAABkAAAAAAAAABcAAAAUAAAAAAAAAFgBAAD/fwAA/38AAAAAAAAJAAAABAAAAAABAAEeAAAAaAAAAAAAAAAAAAAAAAAAAAAAAAAAAAAAECcAABAnAAAAAAAAAAAAAAAAAAAAAAAAAAAAAAAAAAAAAAAAAAAAABQAAAAAAAAAwMD/AAAAAABkAAAAMgAAAAAAAABkAAAAAAAAAH9/fwAKAAAAIgAAABgAAAAAAAAAAAAAAAAAAAAAAAAAAAAAAAAAAAAkAAAAJAAAAAAAAAAHAAAAAAAAAAAAAAAAAAAAAAAAAAAAAAAAAAAAf39/ACUAAABYAAAAAAAAAAAAAAAAAAAAAAAAAAAAAAAAAAAAAAAAAAAAAAAAAAAAAAAAAAAAAAA/AAAAAAAAAKCGAQAAAAAAAAAAAAAAAAAMAAAAAQAAAAAAAAAAAAAAAAAAAB8AAABUAAAARHLEBf///wEAAAAAAAAAAAAAAAAAAAAAAAAAAAAAAAAAAAAAAAAAAAAAAAJ/f38A5+bmA8zMzADAwP8Af39/AAAAAAAAAAAAAAAAAAAAAAAAAAAAIQAAABgAAAAUAAAAVR8AALoQAADfJQAAihMAAAAgAAAmAAAACAAAAP//////////MAAAABQAAAAAAAAAAAD//wAAAQAAAP//AAABAA=="/>
+                <pr:smNativeData xmlns:mc="http://schemas.openxmlformats.org/markup-compatibility/2006" xmlns:p14="http://schemas.microsoft.com/office/powerpoint/2010/main" xmlns:p15="http://schemas.microsoft.com/office/powerpoint/2012/main" xmlns:pr="smNativeData" xmlns="smNativeData" val="SMDATA_16_8bPwYBMAAAAlAAAAEgAAAE8BAAAAkAAAAEgAAACQAAAASAAAAAAAAAAAAAAAAAAAAAEAAABQAAAAAAAAAAAA4D8AAAAAAADgPwAAAAAAAOA/AAAAAAAA4D8AAAAAAADgPwAAAAAAAOA/AAAAAAAA4D8AAAAAAADgPwAAAAAAAOA/AAAAAAAA4D8CAAAAjAAAAAAAAAAAAAAARHLEDP///wgAAAAAAAAAAAAAAAAAAAAAAAAAAAAAAAAAAAAAZAAAAAEAAABAAAAAAAAAAAAAAAAAAAAAAAAAAAAAAAAAAAAAAAAAAAAAAAAAAAAAAAAAAAAAAAAAAAAAAAAAAAAAAAAAAAAAAAAAAAAAAAAAAAAAAAAAAAAAAAAAAAAAFAAAADwAAAAAAAAAAAAAAAAAAAkUAAAAAQAAABQAAAAUAAAAFAAAAAEAAAAAAAAAZAAAAGQAAAAAAAAAZAAAAGQAAAAVAAAAYAAAAAAAAAAAAAAADwAAACADAAAAAAAAAAAAAAEAAACgMgAAVgcAAKr4//8BAAAAf39/AAEAAABkAAAAAAAAABQAAABAHwAAAAAAACYAAAAAAAAAwOD//wAAAAAmAAAAZAAAABYAAABMAAAAAAAAAAAAAAAEAAAAAAAAAAEAAADn5uYKAAAAACgAAAAoAAAAZAAAAGQAAAAAAAAAzMzMAAAAAABQAAAAUAAAAGQAAABkAAAAAAAAABcAAAAUAAAAAAAAAFgBAAD/fwAA/38AAAAAAAAJAAAABAAAAAABAAEeAAAAaAAAAAAAAAAAAAAAAAAAAAAAAAAAAAAAECcAABAnAAAAAAAAAAAAAAAAAAAAAAAAAAAAAAAAAAAAAAAAAAAAABQAAAAAAAAAwMD/AAAAAABkAAAAMgAAAAAAAABkAAAAAAAAAH9/fwAKAAAAIgAAABgAAAAAAAAAAAAAAAAAAAAAAAAAAAAAAAAAAAAkAAAAJAAAAAAAAAAHAAAAAAAAAAAAAAAAAAAAAAAAAAAAAAAAAAAAf39/ACUAAABYAAAAAAAAAAAAAAAAAAAAAAAAAAAAAAAAAAAAAAAAAAAAAAAAAAAAAAAAAAAAAAA/AAAAAAAAAKCGAQAAAAAAAAAAAAAAAAAMAAAAAQAAAAAAAAAAAAAAAAAAAB8AAABUAAAARHLEBf///wEAAAAAAAAAAAAAAAAAAAAAAAAAAAAAAAAAAAAAAAAAAAAAAAJ/f38A5+bmA8zMzADAwP8Af39/AAAAAAAAAAAAAAAAAAAAAAAAAAAAIQAAABgAAAAUAAAAVR8AALoQAADfJQAAihMAAAAgAAAmAAAACAAAAP//////////MAAAABQAAAAAAAAAAAD//wAAAQAAAP//AAABAA=="/>
               </a:ext>
             </a:extLst>
           </p:cNvSpPr>
@@ -7121,7 +6708,7 @@
           <p:cNvSpPr>
             <a:extLst>
               <a:ext uri="smNativeData">
-                <pr:smNativeData xmlns="smNativeData" xmlns:pr="smNativeData" xmlns:p15="http://schemas.microsoft.com/office/powerpoint/2012/main" xmlns:p14="http://schemas.microsoft.com/office/powerpoint/2010/main" xmlns:mc="http://schemas.openxmlformats.org/markup-compatibility/2006" val="SMDATA_16_8bPwYBMAAAAlAAAACgAAAA8BAAAAkAAAAEgAAACQAAAASAAAAAAAAAAAAAAAAAAAAAEAAABQAAAAAAAAAAAA4D8AAAAAAADgPwAAAAAAAOA/AAAAAAAA4D8AAAAAAADgPwAAAAAAAOA/AAAAAAAA4D8AAAAAAADgPwAAAAAAAOA/AAAAAAAA4D8CAAAAjAAAAAAAAAAAAAAARHLEDP///wgAAAAAAAAAAAAAAAAAAAAAAAAAAAAAAAAAAAAAZAAAAAEAAABAAAAAAAAAAAAAAAAAAAAAAAAAAAAAAAAAAAAAAAAAAAAAAAAAAAAAAAAAAAAAAAAAAAAAAAAAAAAAAAAAAAAAAAAAAAAAAAAAAAAAAAAAAAAAAAAAAAAAFAAAADwAAAABAAAAAAAAAAAA/wAUAAAAAQAAABQAAAAUAAAAFAAAAAEAAAAAAAAAZAAAAGQAAAABAAAAlgAAAJYAAAAVAAAAYAAAAAAAAAAAAAAADwAAACADAAAAAAAAAAAAAAEAAACgMgAAVgcAAKr4//8BAAAAf39/AAEAAABkAAAAAAAAABQAAABAHwAAAAAAACYAAAAAAAAAwOD//wAAAAAmAAAAZAAAABYAAABMAAAAAAAAAAAAAAAEAAAAAAAAAAEAAADn5uYKAAAAACgAAAAoAAAAZAAAAGQAAAAAAAAAzMzMAAAAAABQAAAAUAAAAGQAAABkAAAAAAAAABcAAAAUAAAAAAAAAAAAAAD/fwAA/38AAAAAAAAJAAAABAAAAAABAAEeAAAAaAAAAAAAAAAAAAAAAAAAAAAAAAAAAAAAECcAABAnAAAAAAAAAAAAAAAAAAAAAAAAAAAAAAAAAAAAAAAAAAAAABQAAAAAAAAAwMD/AAAAAABkAAAAMgAAAAAAAABkAAAAAAAAAH9/fwAKAAAAIgAAABgAAAAAAAAAAAAAAAAAAAAAAAAAAAAAAAAAAAAkAAAAJAAAAAAAAAAHAAAAAAAAAAAAAAAAAAAAAAAAAAAAAAAAAAAAf39/ACUAAABYAAAAAAAAAAAAAAAAAAAAAAAAAAAAAAAAAAAAAAAAAAAAAAAAAAAAAAAAAAAAAAA/AAAAAAAAAKCGAQAAAAAAAAAAAAAAAAAMAAAAAQAAAAAAAAAAAAAAAAAAAB8AAABUAAAARHLEBf///wEAAAAAAAAAAAAAAAAAAAAAAAAAAAAAAAAAAAAAAAAAAAAA/wB/f38A5+bmA8zMzADAwP8Af39/AAAAAAAAAAAAAAAAAAAAAAAAAAAAIQAAABgAAAAUAAAATAsAAG4WAADiFQAAcBYAAAAAAAAmAAAACAAAAP//////////MAAAABQAAAAAAAAAAAD//wAAAQAAAP//AAABAA=="/>
+                <pr:smNativeData xmlns:mc="http://schemas.openxmlformats.org/markup-compatibility/2006" xmlns:p14="http://schemas.microsoft.com/office/powerpoint/2010/main" xmlns:p15="http://schemas.microsoft.com/office/powerpoint/2012/main" xmlns:pr="smNativeData" xmlns="smNativeData" val="SMDATA_16_8bPwYBMAAAAlAAAACgAAAA8BAAAAkAAAAEgAAACQAAAASAAAAAAAAAAAAAAAAAAAAAEAAABQAAAAAAAAAAAA4D8AAAAAAADgPwAAAAAAAOA/AAAAAAAA4D8AAAAAAADgPwAAAAAAAOA/AAAAAAAA4D8AAAAAAADgPwAAAAAAAOA/AAAAAAAA4D8CAAAAjAAAAAAAAAAAAAAARHLEDP///wgAAAAAAAAAAAAAAAAAAAAAAAAAAAAAAAAAAAAAZAAAAAEAAABAAAAAAAAAAAAAAAAAAAAAAAAAAAAAAAAAAAAAAAAAAAAAAAAAAAAAAAAAAAAAAAAAAAAAAAAAAAAAAAAAAAAAAAAAAAAAAAAAAAAAAAAAAAAAAAAAAAAAFAAAADwAAAABAAAAAAAAAAAA/wAUAAAAAQAAABQAAAAUAAAAFAAAAAEAAAAAAAAAZAAAAGQAAAABAAAAlgAAAJYAAAAVAAAAYAAAAAAAAAAAAAAADwAAACADAAAAAAAAAAAAAAEAAACgMgAAVgcAAKr4//8BAAAAf39/AAEAAABkAAAAAAAAABQAAABAHwAAAAAAACYAAAAAAAAAwOD//wAAAAAmAAAAZAAAABYAAABMAAAAAAAAAAAAAAAEAAAAAAAAAAEAAADn5uYKAAAAACgAAAAoAAAAZAAAAGQAAAAAAAAAzMzMAAAAAABQAAAAUAAAAGQAAABkAAAAAAAAABcAAAAUAAAAAAAAAAAAAAD/fwAA/38AAAAAAAAJAAAABAAAAAABAAEeAAAAaAAAAAAAAAAAAAAAAAAAAAAAAAAAAAAAECcAABAnAAAAAAAAAAAAAAAAAAAAAAAAAAAAAAAAAAAAAAAAAAAAABQAAAAAAAAAwMD/AAAAAABkAAAAMgAAAAAAAABkAAAAAAAAAH9/fwAKAAAAIgAAABgAAAAAAAAAAAAAAAAAAAAAAAAAAAAAAAAAAAAkAAAAJAAAAAAAAAAHAAAAAAAAAAAAAAAAAAAAAAAAAAAAAAAAAAAAf39/ACUAAABYAAAAAAAAAAAAAAAAAAAAAAAAAAAAAAAAAAAAAAAAAAAAAAAAAAAAAAAAAAAAAAA/AAAAAAAAAKCGAQAAAAAAAAAAAAAAAAAMAAAAAQAAAAAAAAAAAAAAAAAAAB8AAABUAAAARHLEBf///wEAAAAAAAAAAAAAAAAAAAAAAAAAAAAAAAAAAAAAAAAAAAAA/wB/f38A5+bmA8zMzADAwP8Af39/AAAAAAAAAAAAAAAAAAAAAAAAAAAAIQAAABgAAAAUAAAATAsAAG4WAADiFQAAcBYAAAAAAAAmAAAACAAAAP//////////MAAAABQAAAAAAAAAAAD//wAAAQAAAP//AAABAA=="/>
               </a:ext>
             </a:extLst>
           </p:cNvSpPr>
@@ -7153,7 +6740,7 @@
           <p:cNvSpPr txBox="1">
             <a:extLst>
               <a:ext uri="smNativeData">
-                <pr:smNativeData xmlns="smNativeData" xmlns:pr="smNativeData" xmlns:p15="http://schemas.microsoft.com/office/powerpoint/2012/main" xmlns:p14="http://schemas.microsoft.com/office/powerpoint/2010/main" xmlns:mc="http://schemas.openxmlformats.org/markup-compatibility/2006" val="SMDATA_16_8bPwYBMAAAAlAAAAEgAAAE8BAAAAkAAAAEgAAACQAAAASAAAAAAAAAAAAAAAAAAAAAEAAABQAAAAAAAAAAAA4D8AAAAAAADgPwAAAAAAAOA/AAAAAAAA4D8AAAAAAADgPwAAAAAAAOA/AAAAAAAA4D8AAAAAAADgPwAAAAAAAOA/AAAAAAAA4D8CAAAAjAAAAAAAAAAAAAAARHLEDP///wgAAAAAAAAAAAAAAAAAAAAAAAAAAAAAAAAAAAAAZAAAAAEAAABAAAAAAAAAAAAAAAAAAAAAAAAAAAAAAAAAAAAAAAAAAAAAAAAAAAAAAAAAAAAAAAAAAAAAAAAAAAAAAAAAAAAAAAAAAAAAAAAAAAAAAAAAAAAAAAAAAAAAFAAAADwAAAAAAAAAAAAAAAAAAAkUAAAAAQAAABQAAAAUAAAAFAAAAAEAAAAAAAAAZAAAAGQAAAAAAAAAZAAAAGQAAAAVAAAAYAAAAAAAAAAAAAAADwAAACADAAAAAAAAAAAAAAEAAACgMgAAVgcAAKr4//8BAAAAf39/AAEAAABkAAAAAAAAABQAAABAHwAAAAAAACYAAAAAAAAAwOD//wAAAAAmAAAAZAAAABYAAABMAAAAAAAAAAAAAAAEAAAAAAAAAAEAAADn5uYKAAAAACgAAAAoAAAAZAAAAGQAAAAAAAAAzMzMAAAAAABQAAAAUAAAAGQAAABkAAAAAAAAABcAAAAUAAAAAAAAAFgBAAD/fwAA/38AAAAAAAAJAAAABAAAAAABAAEeAAAAaAAAAAAAAAAAAAAAAAAAAAAAAAAAAAAAECcAABAnAAAAAAAAAAAAAAAAAAAAAAAAAAAAAAAAAAAAAAAAAAAAABQAAAAAAAAAwMD/AAAAAABkAAAAMgAAAAAAAABkAAAAAAAAAH9/fwAKAAAAIgAAABgAAAAAAAAAAAAAAAAAAAAAAAAAAAAAAAAAAAAkAAAAJAAAAAAAAAAHAAAAAAAAAAAAAAAAAAAAAAAAAAAAAAAAAAAAf39/ACUAAABYAAAAAAAAAAAAAAAAAAAAAAAAAAAAAAAAAAAAAAAAAAAAAAAAAAAAAAAAAAAAAAA/AAAAAAAAAKCGAQAAAAAAAAAAAAAAAAAMAAAAAQAAAAAAAAAAAAAAAAAAAB8AAABUAAAARHLEBf///wEAAAAAAAAAAAAAAAAAAAAAAAAAAAAAAAAAAAAAAAAAAAAAAAJ/f38A5+bmA8zMzADAwP8Af39/AAAAAAAAAAAAAAAAAAAAAAAAAAAAIQAAABgAAAAUAAAABQwAABAVAACPEgAA4BcAAAAgAAAmAAAACAAAAP//////////MAAAABQAAAAAAAAAAAD//wAAAQAAAP//AAABAA=="/>
+                <pr:smNativeData xmlns:mc="http://schemas.openxmlformats.org/markup-compatibility/2006" xmlns:p14="http://schemas.microsoft.com/office/powerpoint/2010/main" xmlns:p15="http://schemas.microsoft.com/office/powerpoint/2012/main" xmlns:pr="smNativeData" xmlns="smNativeData" val="SMDATA_16_8bPwYBMAAAAlAAAAEgAAAE8BAAAAkAAAAEgAAACQAAAASAAAAAAAAAAAAAAAAAAAAAEAAABQAAAAAAAAAAAA4D8AAAAAAADgPwAAAAAAAOA/AAAAAAAA4D8AAAAAAADgPwAAAAAAAOA/AAAAAAAA4D8AAAAAAADgPwAAAAAAAOA/AAAAAAAA4D8CAAAAjAAAAAAAAAAAAAAARHLEDP///wgAAAAAAAAAAAAAAAAAAAAAAAAAAAAAAAAAAAAAZAAAAAEAAABAAAAAAAAAAAAAAAAAAAAAAAAAAAAAAAAAAAAAAAAAAAAAAAAAAAAAAAAAAAAAAAAAAAAAAAAAAAAAAAAAAAAAAAAAAAAAAAAAAAAAAAAAAAAAAAAAAAAAFAAAADwAAAAAAAAAAAAAAAAAAAkUAAAAAQAAABQAAAAUAAAAFAAAAAEAAAAAAAAAZAAAAGQAAAAAAAAAZAAAAGQAAAAVAAAAYAAAAAAAAAAAAAAADwAAACADAAAAAAAAAAAAAAEAAACgMgAAVgcAAKr4//8BAAAAf39/AAEAAABkAAAAAAAAABQAAABAHwAAAAAAACYAAAAAAAAAwOD//wAAAAAmAAAAZAAAABYAAABMAAAAAAAAAAAAAAAEAAAAAAAAAAEAAADn5uYKAAAAACgAAAAoAAAAZAAAAGQAAAAAAAAAzMzMAAAAAABQAAAAUAAAAGQAAABkAAAAAAAAABcAAAAUAAAAAAAAAFgBAAD/fwAA/38AAAAAAAAJAAAABAAAAAABAAEeAAAAaAAAAAAAAAAAAAAAAAAAAAAAAAAAAAAAECcAABAnAAAAAAAAAAAAAAAAAAAAAAAAAAAAAAAAAAAAAAAAAAAAABQAAAAAAAAAwMD/AAAAAABkAAAAMgAAAAAAAABkAAAAAAAAAH9/fwAKAAAAIgAAABgAAAAAAAAAAAAAAAAAAAAAAAAAAAAAAAAAAAAkAAAAJAAAAAAAAAAHAAAAAAAAAAAAAAAAAAAAAAAAAAAAAAAAAAAAf39/ACUAAABYAAAAAAAAAAAAAAAAAAAAAAAAAAAAAAAAAAAAAAAAAAAAAAAAAAAAAAAAAAAAAAA/AAAAAAAAAKCGAQAAAAAAAAAAAAAAAAAMAAAAAQAAAAAAAAAAAAAAAAAAAB8AAABUAAAARHLEBf///wEAAAAAAAAAAAAAAAAAAAAAAAAAAAAAAAAAAAAAAAAAAAAAAAJ/f38A5+bmA8zMzADAwP8Af39/AAAAAAAAAAAAAAAAAAAAAAAAAAAAIQAAABgAAAAUAAAABQwAABAVAACPEgAA4BcAAAAgAAAmAAAACAAAAP//////////MAAAABQAAAAAAAAAAAD//wAAAQAAAP//AAABAA=="/>
               </a:ext>
             </a:extLst>
           </p:cNvSpPr>
@@ -7197,7 +6784,7 @@
             <a:picLocks noChangeAspect="1"/>
             <a:extLst>
               <a:ext uri="smNativeData">
-                <pr:smNativeData xmlns="smNativeData" xmlns:pr="smNativeData" xmlns:p15="http://schemas.microsoft.com/office/powerpoint/2012/main" xmlns:p14="http://schemas.microsoft.com/office/powerpoint/2010/main" xmlns:mc="http://schemas.openxmlformats.org/markup-compatibility/2006" val="SMDATA_18_8bPwYBMAAAAlAAAAEQAAAC8BAAAAkAAAAEgAAACQAAAASAAAAAAAAAAAAAAAAAAAAAEAAABQAAAAAAAAAAAA4D8AAAAAAADgPwAAAAAAAOA/AAAAAAAA4D8AAAAAAADgPwAAAAAAAOA/AAAAAAAA4D8AAAAAAADgPwAAAAAAAOA/AAAAAAAA4D8CAAAAjAAAAAAAAAAAAAAARHLEDP///wgAAAAAAAAAAAAAAAAAAAAAAAAAAAAAAAAAAAAAZAAAAAEAAABAAAAAAAAAAAAAAAAAAAAAAAAAAAAAAAAAAAAAAAAAAAAAAAAAAAAAAAAAAAAAAAAAAAAAAAAAAAAAAAAAAAAAAAAAAAAAAAAAAAAAAAAAAAAAAAAAAAAAFAAAADwAAAAAAAAAAAAAAAAAAAkUAAAAAQAAABQAAAAUAAAAFAAAAAEAAAAAAAAAZAAAAGQAAAAAAAAAZAAAAGQAAAAVAAAAYAAAAAAAAAAAAAAADwAAACADAAAAAAAAAAAAAAEAAACgMgAAVgcAAKr4//8BAAAAf39/AAEAAABkAAAAAAAAABQAAABAHwAAAAAAACYAAAAAAAAAwOD//wAAAAAmAAAAZAAAABYAAABMAAAAAAAAAAAAAAAEAAAAAAAAAAEAAADn5uYKAAAAACgAAAAoAAAAZAAAAGQAAAAAAAAAzMzMAAAAAABQAAAAUAAAAGQAAABkAAAAAAAAAAcAAAA4AAAAAAAAAAAAAAAAAAAA////AAAAAAAAAAAAAAAAAAAAAAAAAAAAAAAAAAAAAABkAAAAZAAAAAAAAAAjAAAABAAAAGQAAAAXAAAAFAAAAAAAAAAAAAAA/38AAP9/AAAAAAAACQAAAAQAAAAFAAAAHgAAAGgAAAAAAAAAAAAAAAAAAAAAAAAAAAAAABAnAAAQJwAAAAAAAAAAAAAAAAAAAAAAAAAAAAAAAAAAAAAAAAAAAAAUAAAAAAAAAMDA/wAAAAAAZAAAADIAAAAAAAAAZAAAAAAAAAB/f38ACgAAACIAAAAYAAAAAAAAAAAAAAAAAAAAAAAAAAAAAAAAAAAAJAAAACQAAAAAAAAABwAAAAAAAAAAAAAAAAAAAAAAAAAAAAAAAAAAAH9/fwAlAAAAWAAAAAAAAAAAAAAAAAAAAAAAAAAAAAAAAAAAAAAAAAAAAAAAAAAAAAAAAAAAAAAAPwAAAAAAAACghgEAAAAAAAAAAAAAAAAADAAAAAEAAAAAAAAAAAAAAAAAAAAfAAAAVAAAAERyxAX///8BAAAAAAAAAAAAAAAAAAAAAAAAAAAAAAAAAAAAAAAAAAAAAAACf39/AOfm5gPMzMwAwMD/AH9/fwAAAAAAAAAAAAAAAAD///8AAAAAACEAAAAYAAAAFAAAAAIZAABrGQAAgyAAAPsaAAAAAAAAJgAAAAgAAAD//////////zAAAAAUAAAAAAAAAAAA//8AAAEAAAD//wAAAQA="/>
+                <pr:smNativeData xmlns:mc="http://schemas.openxmlformats.org/markup-compatibility/2006" xmlns:p14="http://schemas.microsoft.com/office/powerpoint/2010/main" xmlns:p15="http://schemas.microsoft.com/office/powerpoint/2012/main" xmlns:pr="smNativeData" xmlns="smNativeData" val="SMDATA_18_8bPwYBMAAAAlAAAAEQAAAC8BAAAAkAAAAEgAAACQAAAASAAAAAAAAAAAAAAAAAAAAAEAAABQAAAAAAAAAAAA4D8AAAAAAADgPwAAAAAAAOA/AAAAAAAA4D8AAAAAAADgPwAAAAAAAOA/AAAAAAAA4D8AAAAAAADgPwAAAAAAAOA/AAAAAAAA4D8CAAAAjAAAAAAAAAAAAAAARHLEDP///wgAAAAAAAAAAAAAAAAAAAAAAAAAAAAAAAAAAAAAZAAAAAEAAABAAAAAAAAAAAAAAAAAAAAAAAAAAAAAAAAAAAAAAAAAAAAAAAAAAAAAAAAAAAAAAAAAAAAAAAAAAAAAAAAAAAAAAAAAAAAAAAAAAAAAAAAAAAAAAAAAAAAAFAAAADwAAAAAAAAAAAAAAAAAAAkUAAAAAQAAABQAAAAUAAAAFAAAAAEAAAAAAAAAZAAAAGQAAAAAAAAAZAAAAGQAAAAVAAAAYAAAAAAAAAAAAAAADwAAACADAAAAAAAAAAAAAAEAAACgMgAAVgcAAKr4//8BAAAAf39/AAEAAABkAAAAAAAAABQAAABAHwAAAAAAACYAAAAAAAAAwOD//wAAAAAmAAAAZAAAABYAAABMAAAAAAAAAAAAAAAEAAAAAAAAAAEAAADn5uYKAAAAACgAAAAoAAAAZAAAAGQAAAAAAAAAzMzMAAAAAABQAAAAUAAAAGQAAABkAAAAAAAAAAcAAAA4AAAAAAAAAAAAAAAAAAAA////AAAAAAAAAAAAAAAAAAAAAAAAAAAAAAAAAAAAAABkAAAAZAAAAAAAAAAjAAAABAAAAGQAAAAXAAAAFAAAAAAAAAAAAAAA/38AAP9/AAAAAAAACQAAAAQAAAAFAAAAHgAAAGgAAAAAAAAAAAAAAAAAAAAAAAAAAAAAABAnAAAQJwAAAAAAAAAAAAAAAAAAAAAAAAAAAAAAAAAAAAAAAAAAAAAUAAAAAAAAAMDA/wAAAAAAZAAAADIAAAAAAAAAZAAAAAAAAAB/f38ACgAAACIAAAAYAAAAAAAAAAAAAAAAAAAAAAAAAAAAAAAAAAAAJAAAACQAAAAAAAAABwAAAAAAAAAAAAAAAAAAAAAAAAAAAAAAAAAAAH9/fwAlAAAAWAAAAAAAAAAAAAAAAAAAAAAAAAAAAAAAAAAAAAAAAAAAAAAAAAAAAAAAAAAAAAAAPwAAAAAAAACghgEAAAAAAAAAAAAAAAAADAAAAAEAAAAAAAAAAAAAAAAAAAAfAAAAVAAAAERyxAX///8BAAAAAAAAAAAAAAAAAAAAAAAAAAAAAAAAAAAAAAAAAAAAAAACf39/AOfm5gPMzMwAwMD/AH9/fwAAAAAAAAAAAAAAAAD///8AAAAAACEAAAAYAAAAFAAAAAIZAABrGQAAgyAAAPsaAAAAAAAAJgAAAAgAAAD//////////zAAAAAUAAAAAAAAAAAA//8AAAEAAAD//wAAAQA="/>
               </a:ext>
             </a:extLst>
           </p:cNvPicPr>
@@ -7230,7 +6817,7 @@
           <p:cNvSpPr>
             <a:extLst>
               <a:ext uri="smNativeData">
-                <pr:smNativeData xmlns="smNativeData" xmlns:pr="smNativeData" xmlns:p15="http://schemas.microsoft.com/office/powerpoint/2012/main" xmlns:p14="http://schemas.microsoft.com/office/powerpoint/2010/main" xmlns:mc="http://schemas.openxmlformats.org/markup-compatibility/2006" val="SMDATA_16_8bPwYBMAAAAlAAAACgAAAA8BAAAAkAAAAEgAAACQAAAASAAAAAAAAAAAAAAAAAAAAAEAAABQAAAAAAAAAAAA4D8AAAAAAADgPwAAAAAAAOA/AAAAAAAA4D8AAAAAAADgPwAAAAAAAOA/AAAAAAAA4D8AAAAAAADgPwAAAAAAAOA/AAAAAAAA4D8CAAAAjAAAAAAAAAAAAAAARHLEDP///wgAAAAAAAAAAAAAAAAAAAAAAAAAAAAAAAAAAAAAZAAAAAEAAABAAAAAAAAAAAAAAAAAAAAAAAAAAAAAAAAAAAAAAAAAAAAAAAAAAAAAAAAAAAAAAAAAAAAAAAAAAAAAAAAAAAAAAAAAAAAAAAAAAAAAAAAAAAAAAAAAAAAAFAAAADwAAAABAAAAAAAAAAAA/wAUAAAAAQAAABQAAAAUAAAAFAAAAAEAAAAAAAAAZAAAAGQAAAABAAAAlgAAAJYAAAAVAAAAYAAAAAAAAAAAAAAADwAAACADAAAAAAAAAAAAAAEAAACgMgAAVgcAAKr4//8BAAAAf39/AAEAAABkAAAAAAAAABQAAABAHwAAAAAAACYAAAAAAAAAwOD//wAAAAAmAAAAZAAAABYAAABMAAAAAAAAAAAAAAAEAAAAAAAAAAEAAADn5uYKAAAAACgAAAAoAAAAZAAAAGQAAAAAAAAAzMzMAAAAAABQAAAAUAAAAGQAAABkAAAAAAAAABcAAAAUAAAAAAAAAAAAAAD/fwAA/38AAAAAAAAJAAAABAAAAAABAAEeAAAAaAAAAAAAAAAAAAAAAAAAAAAAAAAAAAAAECcAABAnAAAAAAAAAAAAAAAAAAAAAAAAAAAAAAAAAAAAAAAAAAAAABQAAAAAAAAAwMD/AAAAAABkAAAAMgAAAAAAAABkAAAAAAAAAH9/fwAKAAAAIgAAABgAAAAAAAAAAAAAAAAAAAAAAAAAAAAAAAAAAAAkAAAAJAAAAAAAAAAHAAAAAAAAAAAAAAAAAAAAAAAAAAAAAAAAAAAAf39/ACUAAABYAAAAAAAAAAAAAAAAAAAAAAAAAAAAAAAAAAAAAAAAAAAAAAAAAAAAAAAAAAAAAAA/AAAAAAAAAKCGAQAAAAAAAAAAAAAAAAAMAAAAAQAAAAAAAAAAAAAAAAAAAB8AAABUAAAARHLEBf///wEAAAAAAAAAAAAAAAAAAAAAAAAAAAAAAAAAAAAAAAAAAAAA/wB/f38A5+bmA8zMzADAwP8Af39/AAAAAAAAAAAAAAAAAAAAAAAAAAAAIQAAABgAAAAUAAAA9B0AAG4WAADPJgAAcBYAAAAAAAAmAAAACAAAAP//////////MAAAABQAAAAAAAAAAAD//wAAAQAAAP//AAABAA=="/>
+                <pr:smNativeData xmlns:mc="http://schemas.openxmlformats.org/markup-compatibility/2006" xmlns:p14="http://schemas.microsoft.com/office/powerpoint/2010/main" xmlns:p15="http://schemas.microsoft.com/office/powerpoint/2012/main" xmlns:pr="smNativeData" xmlns="smNativeData" val="SMDATA_16_8bPwYBMAAAAlAAAACgAAAA8BAAAAkAAAAEgAAACQAAAASAAAAAAAAAAAAAAAAAAAAAEAAABQAAAAAAAAAAAA4D8AAAAAAADgPwAAAAAAAOA/AAAAAAAA4D8AAAAAAADgPwAAAAAAAOA/AAAAAAAA4D8AAAAAAADgPwAAAAAAAOA/AAAAAAAA4D8CAAAAjAAAAAAAAAAAAAAARHLEDP///wgAAAAAAAAAAAAAAAAAAAAAAAAAAAAAAAAAAAAAZAAAAAEAAABAAAAAAAAAAAAAAAAAAAAAAAAAAAAAAAAAAAAAAAAAAAAAAAAAAAAAAAAAAAAAAAAAAAAAAAAAAAAAAAAAAAAAAAAAAAAAAAAAAAAAAAAAAAAAAAAAAAAAFAAAADwAAAABAAAAAAAAAAAA/wAUAAAAAQAAABQAAAAUAAAAFAAAAAEAAAAAAAAAZAAAAGQAAAABAAAAlgAAAJYAAAAVAAAAYAAAAAAAAAAAAAAADwAAACADAAAAAAAAAAAAAAEAAACgMgAAVgcAAKr4//8BAAAAf39/AAEAAABkAAAAAAAAABQAAABAHwAAAAAAACYAAAAAAAAAwOD//wAAAAAmAAAAZAAAABYAAABMAAAAAAAAAAAAAAAEAAAAAAAAAAEAAADn5uYKAAAAACgAAAAoAAAAZAAAAGQAAAAAAAAAzMzMAAAAAABQAAAAUAAAAGQAAABkAAAAAAAAABcAAAAUAAAAAAAAAAAAAAD/fwAA/38AAAAAAAAJAAAABAAAAAABAAEeAAAAaAAAAAAAAAAAAAAAAAAAAAAAAAAAAAAAECcAABAnAAAAAAAAAAAAAAAAAAAAAAAAAAAAAAAAAAAAAAAAAAAAABQAAAAAAAAAwMD/AAAAAABkAAAAMgAAAAAAAABkAAAAAAAAAH9/fwAKAAAAIgAAABgAAAAAAAAAAAAAAAAAAAAAAAAAAAAAAAAAAAAkAAAAJAAAAAAAAAAHAAAAAAAAAAAAAAAAAAAAAAAAAAAAAAAAAAAAf39/ACUAAABYAAAAAAAAAAAAAAAAAAAAAAAAAAAAAAAAAAAAAAAAAAAAAAAAAAAAAAAAAAAAAAA/AAAAAAAAAKCGAQAAAAAAAAAAAAAAAAAMAAAAAQAAAAAAAAAAAAAAAAAAAB8AAABUAAAARHLEBf///wEAAAAAAAAAAAAAAAAAAAAAAAAAAAAAAAAAAAAAAAAAAAAA/wB/f38A5+bmA8zMzADAwP8Af39/AAAAAAAAAAAAAAAAAAAAAAAAAAAAIQAAABgAAAAUAAAA9B0AAG4WAADPJgAAcBYAAAAAAAAmAAAACAAAAP//////////MAAAABQAAAAAAAAAAAD//wAAAQAAAP//AAABAA=="/>
               </a:ext>
             </a:extLst>
           </p:cNvSpPr>
@@ -7262,7 +6849,7 @@
           <p:cNvSpPr txBox="1">
             <a:extLst>
               <a:ext uri="smNativeData">
-                <pr:smNativeData xmlns="smNativeData" xmlns:pr="smNativeData" xmlns:p15="http://schemas.microsoft.com/office/powerpoint/2012/main" xmlns:p14="http://schemas.microsoft.com/office/powerpoint/2010/main" xmlns:mc="http://schemas.openxmlformats.org/markup-compatibility/2006" val="SMDATA_16_8bPwYBMAAAAlAAAAEgAAAE8BAAAAkAAAAEgAAACQAAAASAAAAAAAAAAAAAAAAAAAAAEAAABQAAAAAAAAAAAA4D8AAAAAAADgPwAAAAAAAOA/AAAAAAAA4D8AAAAAAADgPwAAAAAAAOA/AAAAAAAA4D8AAAAAAADgPwAAAAAAAOA/AAAAAAAA4D8CAAAAjAAAAAAAAAAAAAAARHLEDP///wgAAAAAAAAAAAAAAAAAAAAAAAAAAAAAAAAAAAAAZAAAAAEAAABAAAAAAAAAAAAAAAAAAAAAAAAAAAAAAAAAAAAAAAAAAAAAAAAAAAAAAAAAAAAAAAAAAAAAAAAAAAAAAAAAAAAAAAAAAAAAAAAAAAAAAAAAAAAAAAAAAAAAFAAAADwAAAAAAAAAAAAAAAAAAAkUAAAAAQAAABQAAAAUAAAAFAAAAAEAAAAAAAAAZAAAAGQAAAAAAAAAZAAAAGQAAAAVAAAAYAAAAAAAAAAAAAAADwAAACADAAAAAAAAAAAAAAEAAACgMgAAVgcAAKr4//8BAAAAf39/AAEAAABkAAAAAAAAABQAAABAHwAAAAAAACYAAAAAAAAAwOD//wAAAAAmAAAAZAAAABYAAABMAAAAAAAAAAAAAAAEAAAAAAAAAAEAAADn5uYKAAAAACgAAAAoAAAAZAAAAGQAAAAAAAAAzMzMAAAAAABQAAAAUAAAAGQAAABkAAAAAAAAABcAAAAUAAAAAAAAAFgBAAD/fwAA/38AAAAAAAAJAAAABAAAAFB9ew4eAAAAaAAAAAAAAAAAAAAAAAAAAAAAAAAAAAAAECcAABAnAAAAAAAAAAAAAAAAAAAAAAAAAAAAAAAAAAAAAAAAAAAAABQAAAAAAAAAwMD/AAAAAABkAAAAMgAAAAAAAABkAAAAAAAAAH9/fwAKAAAAIgAAABgAAAAAAAAAAAAAAAAAAAAAAAAAAAAAAAAAAAAkAAAAJAAAAAAAAAAHAAAAAAAAAAAAAAAAAAAAAAAAAAAAAAAAAAAAf39/ACUAAABYAAAAAAAAAAAAAAAAAAAAAAAAAAAAAAAAAAAAAAAAAAAAAAAAAAAAAAAAAAAAAAA/AAAAAAAAAKCGAQAAAAAAAAAAAAAAAAAMAAAAAQAAAAAAAAAAAAAAAAAAAB8AAABUAAAARHLEBf///wEAAAAAAAAAAAAAAAAAAAAAAAAAAAAAAAAAAAAAAAAAAAAAAAJ/f38A5+bmA8zMzADAwP8Af39/AAAAAAAAAAAAAAAAAAAAAAAAAAAAIQAAABgAAAAUAAAAjB4AACAVAAAWJQAA8BcAAAAgAAAmAAAACAAAAP//////////MAAAABQAAAAAAAAAAAD//wAAAQAAAP//AAABAA=="/>
+                <pr:smNativeData xmlns:mc="http://schemas.openxmlformats.org/markup-compatibility/2006" xmlns:p14="http://schemas.microsoft.com/office/powerpoint/2010/main" xmlns:p15="http://schemas.microsoft.com/office/powerpoint/2012/main" xmlns:pr="smNativeData" xmlns="smNativeData" val="SMDATA_16_8bPwYBMAAAAlAAAAEgAAAE8BAAAAkAAAAEgAAACQAAAASAAAAAAAAAAAAAAAAAAAAAEAAABQAAAAAAAAAAAA4D8AAAAAAADgPwAAAAAAAOA/AAAAAAAA4D8AAAAAAADgPwAAAAAAAOA/AAAAAAAA4D8AAAAAAADgPwAAAAAAAOA/AAAAAAAA4D8CAAAAjAAAAAAAAAAAAAAARHLEDP///wgAAAAAAAAAAAAAAAAAAAAAAAAAAAAAAAAAAAAAZAAAAAEAAABAAAAAAAAAAAAAAAAAAAAAAAAAAAAAAAAAAAAAAAAAAAAAAAAAAAAAAAAAAAAAAAAAAAAAAAAAAAAAAAAAAAAAAAAAAAAAAAAAAAAAAAAAAAAAAAAAAAAAFAAAADwAAAAAAAAAAAAAAAAAAAkUAAAAAQAAABQAAAAUAAAAFAAAAAEAAAAAAAAAZAAAAGQAAAAAAAAAZAAAAGQAAAAVAAAAYAAAAAAAAAAAAAAADwAAACADAAAAAAAAAAAAAAEAAACgMgAAVgcAAKr4//8BAAAAf39/AAEAAABkAAAAAAAAABQAAABAHwAAAAAAACYAAAAAAAAAwOD//wAAAAAmAAAAZAAAABYAAABMAAAAAAAAAAAAAAAEAAAAAAAAAAEAAADn5uYKAAAAACgAAAAoAAAAZAAAAGQAAAAAAAAAzMzMAAAAAABQAAAAUAAAAGQAAABkAAAAAAAAABcAAAAUAAAAAAAAAFgBAAD/fwAA/38AAAAAAAAJAAAABAAAAFB9ew4eAAAAaAAAAAAAAAAAAAAAAAAAAAAAAAAAAAAAECcAABAnAAAAAAAAAAAAAAAAAAAAAAAAAAAAAAAAAAAAAAAAAAAAABQAAAAAAAAAwMD/AAAAAABkAAAAMgAAAAAAAABkAAAAAAAAAH9/fwAKAAAAIgAAABgAAAAAAAAAAAAAAAAAAAAAAAAAAAAAAAAAAAAkAAAAJAAAAAAAAAAHAAAAAAAAAAAAAAAAAAAAAAAAAAAAAAAAAAAAf39/ACUAAABYAAAAAAAAAAAAAAAAAAAAAAAAAAAAAAAAAAAAAAAAAAAAAAAAAAAAAAAAAAAAAAA/AAAAAAAAAKCGAQAAAAAAAAAAAAAAAAAMAAAAAQAAAAAAAAAAAAAAAAAAAB8AAABUAAAARHLEBf///wEAAAAAAAAAAAAAAAAAAAAAAAAAAAAAAAAAAAAAAAAAAAAAAAJ/f38A5+bmA8zMzADAwP8Af39/AAAAAAAAAAAAAAAAAAAAAAAAAAAAIQAAABgAAAAUAAAAjB4AACAVAAAWJQAA8BcAAAAgAAAmAAAACAAAAP//////////MAAAABQAAAAAAAAAAAD//wAAAQAAAP//AAABAA=="/>
               </a:ext>
             </a:extLst>
           </p:cNvSpPr>
@@ -7310,7 +6897,7 @@
             <a:picLocks noChangeAspect="1"/>
             <a:extLst>
               <a:ext uri="smNativeData">
-                <pr:smNativeData xmlns="smNativeData" xmlns:pr="smNativeData" xmlns:p15="http://schemas.microsoft.com/office/powerpoint/2012/main" xmlns:p14="http://schemas.microsoft.com/office/powerpoint/2010/main" xmlns:mc="http://schemas.openxmlformats.org/markup-compatibility/2006" val="SMDATA_18_8bPwYBMAAAAlAAAAEQAAAC8BAAAAkAAAAEgAAACQAAAASAAAAAAAAAAAAAAAAAAAAAEAAABQAAAAAAAAAAAA4D8AAAAAAADgPwAAAAAAAOA/AAAAAAAA4D8AAAAAAADgPwAAAAAAAOA/AAAAAAAA4D8AAAAAAADgPwAAAAAAAOA/AAAAAAAA4D8CAAAAjAAAAAAAAAAAAAAARHLEDP///wgAAAAAAAAAAAAAAAAAAAAAAAAAAAAAAAAAAAAAZAAAAAEAAABAAAAAAAAAAAAAAAAAAAAAAAAAAAAAAAAAAAAAAAAAAAAAAAAAAAAAAAAAAAAAAAAAAAAAAAAAAAAAAAAAAAAAAAAAAAAAAAAAAAAAAAAAAAAAAAAAAAAAFAAAADwAAAAAAAAAAAAAAAAAAAkUAAAAAQAAABQAAAAUAAAAFAAAAAEAAAAAAAAAZAAAAGQAAAAAAAAAZAAAAGQAAAAVAAAAYAAAAAAAAAAAAAAADwAAACADAAAAAAAAAAAAAAEAAACgMgAAVgcAAKr4//8BAAAAf39/AAEAAABkAAAAAAAAABQAAABAHwAAAAAAACYAAAAAAAAAwOD//wAAAAAmAAAAZAAAABYAAABMAAAAAAAAAAAAAAAEAAAAAAAAAAEAAADn5uYKAAAAACgAAAAoAAAAZAAAAGQAAAAAAAAAzMzMAAAAAABQAAAAUAAAAGQAAABkAAAAAAAAAAcAAAA4AAAAAAAAAAAAAAAAAAAA////AAAAAAAAAAAAAAAAAAAAAAAAAAAAAAAAAAAAAABkAAAAZAAAAAAAAAAjAAAABAAAAGQAAAAXAAAAFAAAAAAAAAAAAAAA/38AAP9/AAAAAAAACQAAAAQAAAAFAAAAHgAAAGgAAAAAAAAAAAAAAAAAAAAAAAAAAAAAABAnAAAQJwAAAAAAAAAAAAAAAAAAAAAAAAAAAAAAAAAAAAAAAAAAAAAUAAAAAAAAAMDA/wAAAAAAZAAAADIAAAAAAAAAZAAAAAAAAAB/f38ACgAAACIAAAAYAAAAAAAAAAAAAAAAAAAAAAAAAAAAAAAAAAAAJAAAACQAAAAAAAAABwAAAAAAAAAAAAAAAAAAAAAAAAAAAAAAAAAAAH9/fwAlAAAAWAAAAAAAAAAAAAAAAAAAAAAAAAAAAAAAAAAAAAAAAAAAAAAAAAAAAAAAAAAAAAAAPwAAAAAAAACghgEAAAAAAAAAAAAAAAAADAAAAAEAAAAAAAAAAAAAAAAAAAAfAAAAVAAAAERyxAX///8BAAAAAAAAAAAAAAAAAAAAAAAAAAAAAAAAAAAAAAAAAAAAAAACf39/AOfm5gPMzMwAwMD/AH9/fwAAAAAAAAAAAAAAAAD///8AAAAAACEAAAAYAAAAFAAAAHkpAACLGQAAoTAAAAkbAAAAAAAAJgAAAAgAAAD//////////zAAAAAUAAAAAAAAAAAA//8AAAEAAAD//wAAAQA="/>
+                <pr:smNativeData xmlns:mc="http://schemas.openxmlformats.org/markup-compatibility/2006" xmlns:p14="http://schemas.microsoft.com/office/powerpoint/2010/main" xmlns:p15="http://schemas.microsoft.com/office/powerpoint/2012/main" xmlns:pr="smNativeData" xmlns="smNativeData" val="SMDATA_18_8bPwYBMAAAAlAAAAEQAAAC8BAAAAkAAAAEgAAACQAAAASAAAAAAAAAAAAAAAAAAAAAEAAABQAAAAAAAAAAAA4D8AAAAAAADgPwAAAAAAAOA/AAAAAAAA4D8AAAAAAADgPwAAAAAAAOA/AAAAAAAA4D8AAAAAAADgPwAAAAAAAOA/AAAAAAAA4D8CAAAAjAAAAAAAAAAAAAAARHLEDP///wgAAAAAAAAAAAAAAAAAAAAAAAAAAAAAAAAAAAAAZAAAAAEAAABAAAAAAAAAAAAAAAAAAAAAAAAAAAAAAAAAAAAAAAAAAAAAAAAAAAAAAAAAAAAAAAAAAAAAAAAAAAAAAAAAAAAAAAAAAAAAAAAAAAAAAAAAAAAAAAAAAAAAFAAAADwAAAAAAAAAAAAAAAAAAAkUAAAAAQAAABQAAAAUAAAAFAAAAAEAAAAAAAAAZAAAAGQAAAAAAAAAZAAAAGQAAAAVAAAAYAAAAAAAAAAAAAAADwAAACADAAAAAAAAAAAAAAEAAACgMgAAVgcAAKr4//8BAAAAf39/AAEAAABkAAAAAAAAABQAAABAHwAAAAAAACYAAAAAAAAAwOD//wAAAAAmAAAAZAAAABYAAABMAAAAAAAAAAAAAAAEAAAAAAAAAAEAAADn5uYKAAAAACgAAAAoAAAAZAAAAGQAAAAAAAAAzMzMAAAAAABQAAAAUAAAAGQAAABkAAAAAAAAAAcAAAA4AAAAAAAAAAAAAAAAAAAA////AAAAAAAAAAAAAAAAAAAAAAAAAAAAAAAAAAAAAABkAAAAZAAAAAAAAAAjAAAABAAAAGQAAAAXAAAAFAAAAAAAAAAAAAAA/38AAP9/AAAAAAAACQAAAAQAAAAFAAAAHgAAAGgAAAAAAAAAAAAAAAAAAAAAAAAAAAAAABAnAAAQJwAAAAAAAAAAAAAAAAAAAAAAAAAAAAAAAAAAAAAAAAAAAAAUAAAAAAAAAMDA/wAAAAAAZAAAADIAAAAAAAAAZAAAAAAAAAB/f38ACgAAACIAAAAYAAAAAAAAAAAAAAAAAAAAAAAAAAAAAAAAAAAAJAAAACQAAAAAAAAABwAAAAAAAAAAAAAAAAAAAAAAAAAAAAAAAAAAAH9/fwAlAAAAWAAAAAAAAAAAAAAAAAAAAAAAAAAAAAAAAAAAAAAAAAAAAAAAAAAAAAAAAAAAAAAAPwAAAAAAAACghgEAAAAAAAAAAAAAAAAADAAAAAEAAAAAAAAAAAAAAAAAAAAfAAAAVAAAAERyxAX///8BAAAAAAAAAAAAAAAAAAAAAAAAAAAAAAAAAAAAAAAAAAAAAAACf39/AOfm5gPMzMwAwMD/AH9/fwAAAAAAAAAAAAAAAAD///8AAAAAACEAAAAYAAAAFAAAAHkpAACLGQAAoTAAAAkbAAAAAAAAJgAAAAgAAAD//////////zAAAAAUAAAAAAAAAAAA//8AAAEAAAD//wAAAQA="/>
               </a:ext>
             </a:extLst>
           </p:cNvPicPr>
@@ -7343,7 +6930,7 @@
           <p:cNvSpPr>
             <a:extLst>
               <a:ext uri="smNativeData">
-                <pr:smNativeData xmlns="smNativeData" xmlns:pr="smNativeData" xmlns:p15="http://schemas.microsoft.com/office/powerpoint/2012/main" xmlns:p14="http://schemas.microsoft.com/office/powerpoint/2010/main" xmlns:mc="http://schemas.openxmlformats.org/markup-compatibility/2006" val="SMDATA_16_8bPwYBMAAAAlAAAACgAAAA8BAAAAkAAAAEgAAACQAAAASAAAAAAAAAAAAAAAAAAAAAEAAABQAAAAAAAAAAAA4D8AAAAAAADgPwAAAAAAAOA/AAAAAAAA4D8AAAAAAADgPwAAAAAAAOA/AAAAAAAA4D8AAAAAAADgPwAAAAAAAOA/AAAAAAAA4D8CAAAAjAAAAAAAAAAAAAAARHLEDP///wgAAAAAAAAAAAAAAAAAAAAAAAAAAAAAAAAAAAAAZAAAAAEAAABAAAAAAAAAAAAAAAAAAAAAAAAAAAAAAAAAAAAAAAAAAAAAAAAAAAAAAAAAAAAAAAAAAAAAAAAAAAAAAAAAAAAAAAAAAAAAAAAAAAAAAAAAAAAAAAAAAAAAFAAAADwAAAABAAAAAAAAAAAA/wAUAAAAAQAAABQAAAAUAAAAFAAAAAEAAAAAAAAAZAAAAGQAAAABAAAAlgAAAJYAAAAVAAAAYAAAAAAAAAAAAAAADwAAACADAAAAAAAAAAAAAAEAAACgMgAAVgcAAKr4//8BAAAAf39/AAEAAABkAAAAAAAAABQAAABAHwAAAAAAACYAAAAAAAAAwOD//wAAAAAmAAAAZAAAABYAAABMAAAAAAAAAAAAAAAEAAAAAAAAAAEAAADn5uYKAAAAACgAAAAoAAAAZAAAAGQAAAAAAAAAzMzMAAAAAABQAAAAUAAAAGQAAABkAAAAAAAAABcAAAAUAAAAAAAAAAAAAAD/fwAA/38AAAAAAAAJAAAABAAAAAABAAEeAAAAaAAAAAAAAAAAAAAAAAAAAAAAAAAAAAAAECcAABAnAAAAAAAAAAAAAAAAAAAAAAAAAAAAAAAAAAAAAAAAAAAAABQAAAAAAAAAwMD/AAAAAABkAAAAMgAAAAAAAABkAAAAAAAAAH9/fwAKAAAAIgAAABgAAAAAAAAAAAAAAAAAAAAAAAAAAAAAAAAAAAAkAAAAJAAAAAAAAAAHAAAAAAAAAAAAAAAAAAAAAAAAAAAAAAAAAAAAf39/ACUAAABYAAAAAAAAAAAAAAAAAAAAAAAAAAAAAAAAAAAAAAAAAAAAAAAAAAAAAAAAAAAAAAA/AAAAAAAAAKCGAQAAAAAAAAAAAAAAAAAMAAAAAQAAAAAAAAAAAAAAAAAAAB8AAABUAAAARHLEBf///wEAAAAAAAAAAAAAAAAAAAAAAAAAAAAAAAAAAAAAAAAAAAAA/wB/f38A5+bmA8zMzADAwP8Af39/AAAAAAAAAAAAAAAAAAAAAAAAAAAAIQAAABgAAAAUAAAApy4AAFUWAAA6NAAAVxYAAAAAAAAmAAAACAAAAP//////////MAAAABQAAAAAAAAAAAD//wAAAQAAAP//AAABAA=="/>
+                <pr:smNativeData xmlns:mc="http://schemas.openxmlformats.org/markup-compatibility/2006" xmlns:p14="http://schemas.microsoft.com/office/powerpoint/2010/main" xmlns:p15="http://schemas.microsoft.com/office/powerpoint/2012/main" xmlns:pr="smNativeData" xmlns="smNativeData" val="SMDATA_16_8bPwYBMAAAAlAAAACgAAAA8BAAAAkAAAAEgAAACQAAAASAAAAAAAAAAAAAAAAAAAAAEAAABQAAAAAAAAAAAA4D8AAAAAAADgPwAAAAAAAOA/AAAAAAAA4D8AAAAAAADgPwAAAAAAAOA/AAAAAAAA4D8AAAAAAADgPwAAAAAAAOA/AAAAAAAA4D8CAAAAjAAAAAAAAAAAAAAARHLEDP///wgAAAAAAAAAAAAAAAAAAAAAAAAAAAAAAAAAAAAAZAAAAAEAAABAAAAAAAAAAAAAAAAAAAAAAAAAAAAAAAAAAAAAAAAAAAAAAAAAAAAAAAAAAAAAAAAAAAAAAAAAAAAAAAAAAAAAAAAAAAAAAAAAAAAAAAAAAAAAAAAAAAAAFAAAADwAAAABAAAAAAAAAAAA/wAUAAAAAQAAABQAAAAUAAAAFAAAAAEAAAAAAAAAZAAAAGQAAAABAAAAlgAAAJYAAAAVAAAAYAAAAAAAAAAAAAAADwAAACADAAAAAAAAAAAAAAEAAACgMgAAVgcAAKr4//8BAAAAf39/AAEAAABkAAAAAAAAABQAAABAHwAAAAAAACYAAAAAAAAAwOD//wAAAAAmAAAAZAAAABYAAABMAAAAAAAAAAAAAAAEAAAAAAAAAAEAAADn5uYKAAAAACgAAAAoAAAAZAAAAGQAAAAAAAAAzMzMAAAAAABQAAAAUAAAAGQAAABkAAAAAAAAABcAAAAUAAAAAAAAAAAAAAD/fwAA/38AAAAAAAAJAAAABAAAAAABAAEeAAAAaAAAAAAAAAAAAAAAAAAAAAAAAAAAAAAAECcAABAnAAAAAAAAAAAAAAAAAAAAAAAAAAAAAAAAAAAAAAAAAAAAABQAAAAAAAAAwMD/AAAAAABkAAAAMgAAAAAAAABkAAAAAAAAAH9/fwAKAAAAIgAAABgAAAAAAAAAAAAAAAAAAAAAAAAAAAAAAAAAAAAkAAAAJAAAAAAAAAAHAAAAAAAAAAAAAAAAAAAAAAAAAAAAAAAAAAAAf39/ACUAAABYAAAAAAAAAAAAAAAAAAAAAAAAAAAAAAAAAAAAAAAAAAAAAAAAAAAAAAAAAAAAAAA/AAAAAAAAAKCGAQAAAAAAAAAAAAAAAAAMAAAAAQAAAAAAAAAAAAAAAAAAAB8AAABUAAAARHLEBf///wEAAAAAAAAAAAAAAAAAAAAAAAAAAAAAAAAAAAAAAAAAAAAA/wB/f38A5+bmA8zMzADAwP8Af39/AAAAAAAAAAAAAAAAAAAAAAAAAAAAIQAAABgAAAAUAAAApy4AAFUWAAA6NAAAVxYAAAAAAAAmAAAACAAAAP//////////MAAAABQAAAAAAAAAAAD//wAAAQAAAP//AAABAA=="/>
               </a:ext>
             </a:extLst>
           </p:cNvSpPr>
@@ -7375,7 +6962,7 @@
           <p:cNvSpPr txBox="1">
             <a:extLst>
               <a:ext uri="smNativeData">
-                <pr:smNativeData xmlns="smNativeData" xmlns:pr="smNativeData" xmlns:p15="http://schemas.microsoft.com/office/powerpoint/2012/main" xmlns:p14="http://schemas.microsoft.com/office/powerpoint/2010/main" xmlns:mc="http://schemas.openxmlformats.org/markup-compatibility/2006" val="SMDATA_16_8bPwYBMAAAAlAAAAEgAAAE8BAAAAkAAAAEgAAACQAAAASAAAAAAAAAAAAAAAAAAAAAEAAABQAAAAAAAAAAAA4D8AAAAAAADgPwAAAAAAAOA/AAAAAAAA4D8AAAAAAADgPwAAAAAAAOA/AAAAAAAA4D8AAAAAAADgPwAAAAAAAOA/AAAAAAAA4D8CAAAAjAAAAAAAAAAAAAAARHLEDP///wgAAAAAAAAAAAAAAAAAAAAAAAAAAAAAAAAAAAAAZAAAAAEAAABAAAAAAAAAAAAAAAAAAAAAAAAAAAAAAAAAAAAAAAAAAAAAAAAAAAAAAAAAAAAAAAAAAAAAAAAAAAAAAAAAAAAAAAAAAAAAAAAAAAAAAAAAAAAAAAAAAAAAFAAAADwAAAAAAAAAAAAAAAAAAAkUAAAAAQAAABQAAAAUAAAAFAAAAAEAAAAAAAAAZAAAAGQAAAAAAAAAZAAAAGQAAAAVAAAAYAAAAAAAAAAAAAAADwAAACADAAAAAAAAAAAAAAEAAACgMgAAVgcAAKr4//8BAAAAf39/AAEAAABkAAAAAAAAABQAAABAHwAAAAAAACYAAAAAAAAAwOD//wAAAAAmAAAAZAAAABYAAABMAAAAAAAAAAAAAAAEAAAAAAAAAAEAAADn5uYKAAAAACgAAAAoAAAAZAAAAGQAAAAAAAAAzMzMAAAAAABQAAAAUAAAAGQAAABkAAAAAAAAABcAAAAUAAAAAAAAAFgBAAD/fwAA/38AAAAAAAAJAAAABAAAAAABAAEeAAAAaAAAAAAAAAAAAAAAAAAAAAAAAAAAAAAAECcAABAnAAAAAAAAAAAAAAAAAAAAAAAAAAAAAAAAAAAAAAAAAAAAABQAAAAAAAAAwMD/AAAAAABkAAAAMgAAAAAAAABkAAAAAAAAAH9/fwAKAAAAIgAAABgAAAAAAAAAAAAAAAAAAAAAAAAAAAAAAAAAAAAkAAAAJAAAAAAAAAAHAAAAAAAAAAAAAAAAAAAAAAAAAAAAAAAAAAAAf39/ACUAAABYAAAAAAAAAAAAAAAAAAAAAAAAAAAAAAAAAAAAAAAAAAAAAAAAAAAAAAAAAAAAAAA/AAAAAAAAAKCGAQAAAAAAAAAAAAAAAAAMAAAAAQAAAAAAAAAAAAAAAAAAAB8AAABUAAAARHLEBf///wEAAAAAAAAAAAAAAAAAAAAAAAAAAAAAAAAAAAAAAAAAAAAAAAJ/f38A5+bmA8zMzADAwP8Af39/AAAAAAAAAAAAAAAAAAAAAAAAAAAAIQAAABgAAAAUAAAAPy8AAAcVAADJNQAA1xcAAAAgAAAmAAAACAAAAP//////////MAAAABQAAAAAAAAAAAD//wAAAQAAAP//AAABAA=="/>
+                <pr:smNativeData xmlns:mc="http://schemas.openxmlformats.org/markup-compatibility/2006" xmlns:p14="http://schemas.microsoft.com/office/powerpoint/2010/main" xmlns:p15="http://schemas.microsoft.com/office/powerpoint/2012/main" xmlns:pr="smNativeData" xmlns="smNativeData" val="SMDATA_16_8bPwYBMAAAAlAAAAEgAAAE8BAAAAkAAAAEgAAACQAAAASAAAAAAAAAAAAAAAAAAAAAEAAABQAAAAAAAAAAAA4D8AAAAAAADgPwAAAAAAAOA/AAAAAAAA4D8AAAAAAADgPwAAAAAAAOA/AAAAAAAA4D8AAAAAAADgPwAAAAAAAOA/AAAAAAAA4D8CAAAAjAAAAAAAAAAAAAAARHLEDP///wgAAAAAAAAAAAAAAAAAAAAAAAAAAAAAAAAAAAAAZAAAAAEAAABAAAAAAAAAAAAAAAAAAAAAAAAAAAAAAAAAAAAAAAAAAAAAAAAAAAAAAAAAAAAAAAAAAAAAAAAAAAAAAAAAAAAAAAAAAAAAAAAAAAAAAAAAAAAAAAAAAAAAFAAAADwAAAAAAAAAAAAAAAAAAAkUAAAAAQAAABQAAAAUAAAAFAAAAAEAAAAAAAAAZAAAAGQAAAAAAAAAZAAAAGQAAAAVAAAAYAAAAAAAAAAAAAAADwAAACADAAAAAAAAAAAAAAEAAACgMgAAVgcAAKr4//8BAAAAf39/AAEAAABkAAAAAAAAABQAAABAHwAAAAAAACYAAAAAAAAAwOD//wAAAAAmAAAAZAAAABYAAABMAAAAAAAAAAAAAAAEAAAAAAAAAAEAAADn5uYKAAAAACgAAAAoAAAAZAAAAGQAAAAAAAAAzMzMAAAAAABQAAAAUAAAAGQAAABkAAAAAAAAABcAAAAUAAAAAAAAAFgBAAD/fwAA/38AAAAAAAAJAAAABAAAAAABAAEeAAAAaAAAAAAAAAAAAAAAAAAAAAAAAAAAAAAAECcAABAnAAAAAAAAAAAAAAAAAAAAAAAAAAAAAAAAAAAAAAAAAAAAABQAAAAAAAAAwMD/AAAAAABkAAAAMgAAAAAAAABkAAAAAAAAAH9/fwAKAAAAIgAAABgAAAAAAAAAAAAAAAAAAAAAAAAAAAAAAAAAAAAkAAAAJAAAAAAAAAAHAAAAAAAAAAAAAAAAAAAAAAAAAAAAAAAAAAAAf39/ACUAAABYAAAAAAAAAAAAAAAAAAAAAAAAAAAAAAAAAAAAAAAAAAAAAAAAAAAAAAAAAAAAAAA/AAAAAAAAAKCGAQAAAAAAAAAAAAAAAAAMAAAAAQAAAAAAAAAAAAAAAAAAAB8AAABUAAAARHLEBf///wEAAAAAAAAAAAAAAAAAAAAAAAAAAAAAAAAAAAAAAAAAAAAAAAJ/f38A5+bmA8zMzADAwP8Af39/AAAAAAAAAAAAAAAAAAAAAAAAAAAAIQAAABgAAAAUAAAAPy8AAAcVAADJNQAA1xcAAAAgAAAmAAAACAAAAP//////////MAAAABQAAAAAAAAAAAD//wAAAQAAAP//AAABAA=="/>
               </a:ext>
             </a:extLst>
           </p:cNvSpPr>
@@ -7422,7 +7009,7 @@
           <p:cNvSpPr>
             <a:extLst>
               <a:ext uri="smNativeData">
-                <pr:smNativeData xmlns="smNativeData" xmlns:pr="smNativeData" xmlns:p15="http://schemas.microsoft.com/office/powerpoint/2012/main" xmlns:p14="http://schemas.microsoft.com/office/powerpoint/2010/main" xmlns:mc="http://schemas.openxmlformats.org/markup-compatibility/2006" val="SMDATA_16_8bPwYBMAAAAlAAAACgAAAA8BAAAAkAAAAEgAAACQAAAASAAAAAAAAAAAAAAAAAAAAAEAAABQAAAAAAAAAAAA4D8AAAAAAADgPwAAAAAAAOA/AAAAAAAA4D8AAAAAAADgPwAAAAAAAOA/AAAAAAAA4D8AAAAAAADgPwAAAAAAAOA/AAAAAAAA4D8CAAAAjAAAAAAAAAAAAAAARHLEDP///wgAAAAAAAAAAAAAAAAAAAAAAAAAAAAAAAAAAAAAZAAAAAEAAABAAAAAAAAAAAAAAAAAAAAAAAAAAAAAAAAAAAAAAAAAAAAAAAAAAAAAAAAAAAAAAAAAAAAAAAAAAAAAAAAAAAAAAAAAAAAAAAAAAAAAAAAAAAAAAAAAAAAAFAAAADwAAAABAAAAAgAAAHCtRwAUAAAAAQAAABQAAAAUAAAAFAAAAAEAAAAAAAAAZAAAAGQAAAABAAAAlgAAAJYAAAAVAAAAYAAAAAAAAAAAAAAADwAAACADAAAAAAAAAAAAAAEAAACgMgAAVgcAAKr4//8BAAAAf39/AAEAAABkAAAAAAAAABQAAABAHwAAAAAAACYAAAAAAAAAwOD//wAAAAAmAAAAZAAAABYAAABMAAAAAAAAAAAAAAAEAAAAAAAAAAEAAADn5uYKAAAAACgAAAAoAAAAZAAAAGQAAAAAAAAAzMzMAAAAAABQAAAAUAAAAGQAAABkAAAAAAAAABcAAAAUAAAAAAAAAAAAAAD/fwAA/38AAAAAAAAJAAAABAAAAJBgbgweAAAAaAAAAAAAAAAAAAAAAAAAAAAAAAAAAAAAECcAABAnAAAAAAAAAAAAAAAAAAAAAAAAAAAAAAAAAAAAAAAAAAAAABQAAAAAAAAAwMD/AAAAAABkAAAAMgAAAAAAAABkAAAAAAAAAH9/fwAKAAAAIgAAABgAAAAAAAAAAAAAAAAAAAAAAAAAAAAAAAAAAAAkAAAAJAAAAAAAAAAHAAAAAAAAAAAAAAAAAAAAAAAAAAAAAAAAAAAAf39/ACUAAABYAAAAAAAAAAAAAAAAAAAAAAAAAAAAAAAAAAAAAAAAAAAAAAAAAAAAAAAAAAAAAAA/AAAAAAAAAKCGAQAAAAAAAAAAAAAAAAAMAAAAAQAAAAAAAAAAAAAAAAAAAB8AAABUAAAARHLEBf///wEAAAAAAAAAAAAAAAAAAAAAAAAAAAAAAAAAAAAAAAAAAHCtRwx/f38A5+bmA8zMzADAwP8Af39/AAAAAAAAAAAAAAAAAAAAAAAAAAAAIQAAABgAAAAUAAAAWS0AAM0aAAAeMAAAAR0AAAAAAAAmAAAACAAAAP//////////MAAAABQAAAAAAAAAAAD//wAAAQAAAP//AAABAA=="/>
+                <pr:smNativeData xmlns:mc="http://schemas.openxmlformats.org/markup-compatibility/2006" xmlns:p14="http://schemas.microsoft.com/office/powerpoint/2010/main" xmlns:p15="http://schemas.microsoft.com/office/powerpoint/2012/main" xmlns:pr="smNativeData" xmlns="smNativeData" val="SMDATA_16_8bPwYBMAAAAlAAAACgAAAA8BAAAAkAAAAEgAAACQAAAASAAAAAAAAAAAAAAAAAAAAAEAAABQAAAAAAAAAAAA4D8AAAAAAADgPwAAAAAAAOA/AAAAAAAA4D8AAAAAAADgPwAAAAAAAOA/AAAAAAAA4D8AAAAAAADgPwAAAAAAAOA/AAAAAAAA4D8CAAAAjAAAAAAAAAAAAAAARHLEDP///wgAAAAAAAAAAAAAAAAAAAAAAAAAAAAAAAAAAAAAZAAAAAEAAABAAAAAAAAAAAAAAAAAAAAAAAAAAAAAAAAAAAAAAAAAAAAAAAAAAAAAAAAAAAAAAAAAAAAAAAAAAAAAAAAAAAAAAAAAAAAAAAAAAAAAAAAAAAAAAAAAAAAAFAAAADwAAAABAAAAAgAAAHCtRwAUAAAAAQAAABQAAAAUAAAAFAAAAAEAAAAAAAAAZAAAAGQAAAABAAAAlgAAAJYAAAAVAAAAYAAAAAAAAAAAAAAADwAAACADAAAAAAAAAAAAAAEAAACgMgAAVgcAAKr4//8BAAAAf39/AAEAAABkAAAAAAAAABQAAABAHwAAAAAAACYAAAAAAAAAwOD//wAAAAAmAAAAZAAAABYAAABMAAAAAAAAAAAAAAAEAAAAAAAAAAEAAADn5uYKAAAAACgAAAAoAAAAZAAAAGQAAAAAAAAAzMzMAAAAAABQAAAAUAAAAGQAAABkAAAAAAAAABcAAAAUAAAAAAAAAAAAAAD/fwAA/38AAAAAAAAJAAAABAAAAJBgbgweAAAAaAAAAAAAAAAAAAAAAAAAAAAAAAAAAAAAECcAABAnAAAAAAAAAAAAAAAAAAAAAAAAAAAAAAAAAAAAAAAAAAAAABQAAAAAAAAAwMD/AAAAAABkAAAAMgAAAAAAAABkAAAAAAAAAH9/fwAKAAAAIgAAABgAAAAAAAAAAAAAAAAAAAAAAAAAAAAAAAAAAAAkAAAAJAAAAAAAAAAHAAAAAAAAAAAAAAAAAAAAAAAAAAAAAAAAAAAAf39/ACUAAABYAAAAAAAAAAAAAAAAAAAAAAAAAAAAAAAAAAAAAAAAAAAAAAAAAAAAAAAAAAAAAAA/AAAAAAAAAKCGAQAAAAAAAAAAAAAAAAAMAAAAAQAAAAAAAAAAAAAAAAAAAB8AAABUAAAARHLEBf///wEAAAAAAAAAAAAAAAAAAAAAAAAAAAAAAAAAAAAAAAAAAHCtRwx/f38A5+bmA8zMzADAwP8Af39/AAAAAAAAAAAAAAAAAAAAAAAAAAAAIQAAABgAAAAUAAAAWS0AAM0aAAAeMAAAAR0AAAAAAAAmAAAACAAAAP//////////MAAAABQAAAAAAAAAAAD//wAAAQAAAP//AAABAA=="/>
               </a:ext>
             </a:extLst>
           </p:cNvSpPr>
@@ -7455,7 +7042,7 @@
             <a:picLocks noChangeAspect="1"/>
             <a:extLst>
               <a:ext uri="smNativeData">
-                <pr:smNativeData xmlns="smNativeData" xmlns:pr="smNativeData" xmlns:p15="http://schemas.microsoft.com/office/powerpoint/2012/main" xmlns:p14="http://schemas.microsoft.com/office/powerpoint/2010/main" xmlns:mc="http://schemas.openxmlformats.org/markup-compatibility/2006" val="SMDATA_18_8bPwYBMAAAAlAAAAEQAAAC8BAAAAkAAAAEgAAACQAAAASAAAAAAAAAAAAAAAAAAAAAEAAABQAAAAAAAAAAAA4D8AAAAAAADgPwAAAAAAAOA/AAAAAAAA4D8AAAAAAADgPwAAAAAAAOA/AAAAAAAA4D8AAAAAAADgPwAAAAAAAOA/AAAAAAAA4D8CAAAAjAAAAAAAAAAAAAAARHLEDP///wgAAAAAAAAAAAAAAAAAAAAAAAAAAAAAAAAAAAAAZAAAAAEAAABAAAAAAAAAAAAAAAAAAAAAAAAAAAAAAAAAAAAAAAAAAAAAAAAAAAAAAAAAAAAAAAAAAAAAAAAAAAAAAAAAAAAAAAAAAAAAAAAAAAAAAAAAAAAAAAAAAAAAFAAAADwAAAAAAAAAAAAAAAAAAAkUAAAAAQAAABQAAAAUAAAAFAAAAAEAAAAAAAAAZAAAAGQAAAAAAAAAZAAAAGQAAAAVAAAAYAAAAAAAAAAAAAAADwAAACADAAAAAAAAAAAAAAEAAACgMgAAVgcAAKr4//8BAAAAf39/AAEAAABkAAAAAAAAABQAAABAHwAAAAAAACYAAAAAAAAAwOD//wAAAAAmAAAAZAAAABYAAABMAAAAAAAAAAAAAAAEAAAAAAAAAAEAAADn5uYKAAAAACgAAAAoAAAAZAAAAGQAAAAAAAAAzMzMAAAAAABQAAAAUAAAAGQAAABkAAAAAAAAAAcAAAA4AAAAAAAAAAAAAAAAAAAA////AAAAAAAAAAAAAAAAAAAAAAAAAAAAAAAAAAAAAABkAAAAZAAAAAAAAAAjAAAABAAAAGQAAAAXAAAAFAAAAAAAAAAAAAAA/38AAP9/AAAAAAAACQAAAAQAAAAAAAAAHgAAAGgAAAAAAAAAAAAAAAAAAAAAAAAAAAAAABAnAAAQJwAAAAAAAAAAAAAAAAAAAAAAAAAAAAAAAAAAAAAAAAAAAAAUAAAAAAAAAMDA/wAAAAAAZAAAADIAAAAAAAAAZAAAAAAAAAB/f38ACgAAACIAAAAYAAAAAAAAAAAAAAAAAAAAAAAAAAAAAAAAAAAAJAAAACQAAAAAAAAABwAAAAAAAAAAAAAAAAAAAAAAAAAAAAAAAAAAAH9/fwAlAAAAWAAAAAAAAAAAAAAAAAAAAAAAAAAAAAAAAAAAAAAAAAAAAAAAAAAAAAAAAAAAAAAAPwAAAAAAAACghgEAAAAAAAAAAAAAAAAADAAAAAEAAAAAAAAAAAAAAAAAAAAfAAAAVAAAAERyxAX///8BAAAAAAAAAAAAAAAAAAAAAAAAAAAAAAAAAAAAAAAAAAAAAAACf39/AOfm5gPMzMwAwMD/AH9/fwAAAAAAAAAAAAAAAAD///8AAAAAACEAAAAYAAAAFAAAAColAABUEAAAPy8AABUYAAAAAAAAJgAAAAgAAAD//////////zAAAAAUAAAAAAAAAAAA//8AAAEAAAD//wAAAQA="/>
+                <pr:smNativeData xmlns:mc="http://schemas.openxmlformats.org/markup-compatibility/2006" xmlns:p14="http://schemas.microsoft.com/office/powerpoint/2010/main" xmlns:p15="http://schemas.microsoft.com/office/powerpoint/2012/main" xmlns:pr="smNativeData" xmlns="smNativeData" val="SMDATA_18_8bPwYBMAAAAlAAAAEQAAAC8BAAAAkAAAAEgAAACQAAAASAAAAAAAAAAAAAAAAAAAAAEAAABQAAAAAAAAAAAA4D8AAAAAAADgPwAAAAAAAOA/AAAAAAAA4D8AAAAAAADgPwAAAAAAAOA/AAAAAAAA4D8AAAAAAADgPwAAAAAAAOA/AAAAAAAA4D8CAAAAjAAAAAAAAAAAAAAARHLEDP///wgAAAAAAAAAAAAAAAAAAAAAAAAAAAAAAAAAAAAAZAAAAAEAAABAAAAAAAAAAAAAAAAAAAAAAAAAAAAAAAAAAAAAAAAAAAAAAAAAAAAAAAAAAAAAAAAAAAAAAAAAAAAAAAAAAAAAAAAAAAAAAAAAAAAAAAAAAAAAAAAAAAAAFAAAADwAAAAAAAAAAAAAAAAAAAkUAAAAAQAAABQAAAAUAAAAFAAAAAEAAAAAAAAAZAAAAGQAAAAAAAAAZAAAAGQAAAAVAAAAYAAAAAAAAAAAAAAADwAAACADAAAAAAAAAAAAAAEAAACgMgAAVgcAAKr4//8BAAAAf39/AAEAAABkAAAAAAAAABQAAABAHwAAAAAAACYAAAAAAAAAwOD//wAAAAAmAAAAZAAAABYAAABMAAAAAAAAAAAAAAAEAAAAAAAAAAEAAADn5uYKAAAAACgAAAAoAAAAZAAAAGQAAAAAAAAAzMzMAAAAAABQAAAAUAAAAGQAAABkAAAAAAAAAAcAAAA4AAAAAAAAAAAAAAAAAAAA////AAAAAAAAAAAAAAAAAAAAAAAAAAAAAAAAAAAAAABkAAAAZAAAAAAAAAAjAAAABAAAAGQAAAAXAAAAFAAAAAAAAAAAAAAA/38AAP9/AAAAAAAACQAAAAQAAAAAAAAAHgAAAGgAAAAAAAAAAAAAAAAAAAAAAAAAAAAAABAnAAAQJwAAAAAAAAAAAAAAAAAAAAAAAAAAAAAAAAAAAAAAAAAAAAAUAAAAAAAAAMDA/wAAAAAAZAAAADIAAAAAAAAAZAAAAAAAAAB/f38ACgAAACIAAAAYAAAAAAAAAAAAAAAAAAAAAAAAAAAAAAAAAAAAJAAAACQAAAAAAAAABwAAAAAAAAAAAAAAAAAAAAAAAAAAAAAAAAAAAH9/fwAlAAAAWAAAAAAAAAAAAAAAAAAAAAAAAAAAAAAAAAAAAAAAAAAAAAAAAAAAAAAAAAAAAAAAPwAAAAAAAACghgEAAAAAAAAAAAAAAAAADAAAAAEAAAAAAAAAAAAAAAAAAAAfAAAAVAAAAERyxAX///8BAAAAAAAAAAAAAAAAAAAAAAAAAAAAAAAAAAAAAAAAAAAAAAACf39/AOfm5gPMzMwAwMD/AH9/fwAAAAAAAAAAAAAAAAD///8AAAAAACEAAAAYAAAAFAAAAColAABUEAAAPy8AABUYAAAAAAAAJgAAAAgAAAD//////////zAAAAAUAAAAAAAAAAAA//8AAAEAAAD//wAAAQA="/>
               </a:ext>
             </a:extLst>
           </p:cNvPicPr>
@@ -7487,10 +7074,88 @@
   <p:clrMapOvr>
     <a:masterClrMapping/>
   </p:clrMapOvr>
+  <p:timing>
+    <p:tnLst>
+      <p:par>
+        <p:cTn id="1" dur="indefinite" restart="never" nodeType="tmRoot">
+          <p:childTnLst>
+            <p:seq concurrent="1" nextAc="seek">
+              <p:cTn id="2" dur="indefinite" nodeType="mainSeq">
+                <p:childTnLst>
+                  <p:par>
+                    <p:cTn id="3" fill="hold">
+                      <p:stCondLst>
+                        <p:cond delay="indefinite"/>
+                      </p:stCondLst>
+                      <p:childTnLst>
+                        <p:par>
+                          <p:cTn id="4" fill="hold">
+                            <p:stCondLst>
+                              <p:cond delay="0"/>
+                            </p:stCondLst>
+                            <p:childTnLst>
+                              <p:par>
+                                <p:cTn id="5" presetID="1" presetClass="entr" presetSubtype="0" fill="hold" grpId="0" nodeType="clickEffect">
+                                  <p:stCondLst>
+                                    <p:cond delay="0"/>
+                                  </p:stCondLst>
+                                  <p:childTnLst>
+                                    <p:set>
+                                      <p:cBhvr>
+                                        <p:cTn id="6" dur="1" fill="hold">
+                                          <p:stCondLst>
+                                            <p:cond delay="0"/>
+                                          </p:stCondLst>
+                                        </p:cTn>
+                                        <p:tgtEl>
+                                          <p:spTgt spid="3"/>
+                                        </p:tgtEl>
+                                        <p:attrNameLst>
+                                          <p:attrName>style.visibility</p:attrName>
+                                        </p:attrNameLst>
+                                      </p:cBhvr>
+                                      <p:to>
+                                        <p:strVal val="visible"/>
+                                      </p:to>
+                                    </p:set>
+                                  </p:childTnLst>
+                                </p:cTn>
+                              </p:par>
+                            </p:childTnLst>
+                          </p:cTn>
+                        </p:par>
+                      </p:childTnLst>
+                    </p:cTn>
+                  </p:par>
+                </p:childTnLst>
+              </p:cTn>
+              <p:prevCondLst>
+                <p:cond evt="onPrev" delay="0">
+                  <p:tgtEl>
+                    <p:sldTgt/>
+                  </p:tgtEl>
+                </p:cond>
+              </p:prevCondLst>
+              <p:nextCondLst>
+                <p:cond evt="onNext" delay="0">
+                  <p:tgtEl>
+                    <p:sldTgt/>
+                  </p:tgtEl>
+                </p:cond>
+              </p:nextCondLst>
+            </p:seq>
+          </p:childTnLst>
+        </p:cTn>
+      </p:par>
+    </p:tnLst>
+    <p:bldLst>
+      <p:bldP spid="3" grpId="0"/>
+    </p:bldLst>
+  </p:timing>
 </p:sld>
 </file>
 
-<file path=ppt/slides/slide17.xml><?xml version="1.0" encoding="utf-8"?>
+<file path=ppt/slides/slide15.xml><?xml version="1.0" encoding="utf-8"?>
 <p:sld xmlns:a="http://schemas.openxmlformats.org/drawingml/2006/main" xmlns:r="http://schemas.openxmlformats.org/officeDocument/2006/relationships" xmlns:p="http://schemas.openxmlformats.org/presentationml/2006/main">
   <p:cSld>
     <p:spTree>
@@ -7514,7 +7179,7 @@
             <a:spLocks noGrp="1" noChangeArrowheads="1"/>
             <a:extLst>
               <a:ext uri="smNativeData">
-                <pr:smNativeData xmlns="smNativeData" xmlns:pr="smNativeData" xmlns:p15="http://schemas.microsoft.com/office/powerpoint/2012/main" xmlns:p14="http://schemas.microsoft.com/office/powerpoint/2010/main" xmlns:mc="http://schemas.openxmlformats.org/markup-compatibility/2006" val="SMDATA_16_8bPwYBMAAAAlAAAAZAAAAA8BAAAAkAAAAEgAAACQAAAASAAAAAAAAAABAAAAAAAAAAEAAABQAAAAAAAAAAAA4D8AAAAAAADgPwAAAAAAAOA/AAAAAAAA4D8AAAAAAADgPwAAAAAAAOA/AAAAAAAA4D8AAAAAAADgPwAAAAAAAOA/AAAAAAAA4D8CAAAAjAAAAAAAAAAAAAAARHLEDP///wgAAAAAAAAAAAAAAAAAAAAAAAAAAAAAAAAAAAAAZAAAAAEAAABAAAAAAAAAAAAAAAAAAAAAAAAAAAAAAAAAAAAAAAAAAAAAAAAAAAAAAAAAAAAAAAAAAAAAAAAAAAAAAAAAAAAAAAAAAAAAAAAAAAAAAAAAAAAAAAAAAAAAFAAAADwAAAAAAAAAAAAAAAAAAAkUAAAAAQAAABQAAAAUAAAAFAAAAAEAAAAAAAAAZAAAAGQAAAAAAAAAZAAAAGQAAAAVAAAAYAAAAAAAAAAAAAAADwAAACADAAAAAAAAAAAAAAEAAACgMgAAVgcAAKr4//8BAAAAf39/AAEAAABkAAAAAAAAABQAAABAHwAAAAAAACYAAAAAAAAAwOD//wAAAAAmAAAAZAAAABYAAABMAAAAAAAAAAAAAAAEAAAAAAAAAAEAAADn5uYKAAAAACgAAAAoAAAAZAAAAGQAAAAAAAAAzMzMAAAAAABQAAAAUAAAAGQAAABkAAAAAAAAABcAAAAUAAAAAAAAAAAAAAD/fwAA/38AAAAAAAAJAAAABAAAAAABAAEeAAAAaAAAAAAAAAAAAAAAAAAAAAAAAAAAAAAAECcAABAnAAAAAAAAAAAAAAAAAAAAAAAAAAAAAAAAAAAAAAAAAAAAABQAAAAAAAAAwMD/AAAAAABkAAAAMgAAAAAAAABkAAAAAAAAAH9/fwAKAAAAIgAAABgAAAAAAAAAAAAAAAAAAAAAAAAAAAAAAAAAAAAkAAAAJAAAAAAAAAAHAAAAAAAAAAAAAAAAAAAAAAAAAAAAAAAAAAAAf39/ACUAAABYAAAAAAAAAAAAAAAAAAAAAAAAAAAAAAAAAAAAAAAAAAAAAAAAAAAAAAAAAAAAAAA/AAAAAAAAAKCGAQAAAAAAAAAAAAAAAAAMAAAAAQAAAAAAAAAAAAAAAAAAAB8AAABUAAAARHLEBf///wEAAAAAAAAAAAAAAAAAAAAAAAAAAAAAAAAAAAAAAAAAAAAAAAJ/f38A5+bmA8zMzADAwP8Af39/AAAAAAAAAAAAAAAAAAAAAAAAAAAAIQAAABgAAAAUAAAA3gMAAD8CAABiNAAAZwoAAAAAAAAmAAAACAAAAAEAAAAAAAAAMAAAABQAAAAAAAAAAAD//wAAAQAAAP//AAABAA=="/>
+                <pr:smNativeData xmlns:mc="http://schemas.openxmlformats.org/markup-compatibility/2006" xmlns:p14="http://schemas.microsoft.com/office/powerpoint/2010/main" xmlns:p15="http://schemas.microsoft.com/office/powerpoint/2012/main" xmlns:pr="smNativeData" xmlns="smNativeData" val="SMDATA_16_8bPwYBMAAAAlAAAAZAAAAA8BAAAAkAAAAEgAAACQAAAASAAAAAAAAAABAAAAAAAAAAEAAABQAAAAAAAAAAAA4D8AAAAAAADgPwAAAAAAAOA/AAAAAAAA4D8AAAAAAADgPwAAAAAAAOA/AAAAAAAA4D8AAAAAAADgPwAAAAAAAOA/AAAAAAAA4D8CAAAAjAAAAAAAAAAAAAAARHLEDP///wgAAAAAAAAAAAAAAAAAAAAAAAAAAAAAAAAAAAAAZAAAAAEAAABAAAAAAAAAAAAAAAAAAAAAAAAAAAAAAAAAAAAAAAAAAAAAAAAAAAAAAAAAAAAAAAAAAAAAAAAAAAAAAAAAAAAAAAAAAAAAAAAAAAAAAAAAAAAAAAAAAAAAFAAAADwAAAAAAAAAAAAAAAAAAAkUAAAAAQAAABQAAAAUAAAAFAAAAAEAAAAAAAAAZAAAAGQAAAAAAAAAZAAAAGQAAAAVAAAAYAAAAAAAAAAAAAAADwAAACADAAAAAAAAAAAAAAEAAACgMgAAVgcAAKr4//8BAAAAf39/AAEAAABkAAAAAAAAABQAAABAHwAAAAAAACYAAAAAAAAAwOD//wAAAAAmAAAAZAAAABYAAABMAAAAAAAAAAAAAAAEAAAAAAAAAAEAAADn5uYKAAAAACgAAAAoAAAAZAAAAGQAAAAAAAAAzMzMAAAAAABQAAAAUAAAAGQAAABkAAAAAAAAABcAAAAUAAAAAAAAAAAAAAD/fwAA/38AAAAAAAAJAAAABAAAAAABAAEeAAAAaAAAAAAAAAAAAAAAAAAAAAAAAAAAAAAAECcAABAnAAAAAAAAAAAAAAAAAAAAAAAAAAAAAAAAAAAAAAAAAAAAABQAAAAAAAAAwMD/AAAAAABkAAAAMgAAAAAAAABkAAAAAAAAAH9/fwAKAAAAIgAAABgAAAAAAAAAAAAAAAAAAAAAAAAAAAAAAAAAAAAkAAAAJAAAAAAAAAAHAAAAAAAAAAAAAAAAAAAAAAAAAAAAAAAAAAAAf39/ACUAAABYAAAAAAAAAAAAAAAAAAAAAAAAAAAAAAAAAAAAAAAAAAAAAAAAAAAAAAAAAAAAAAA/AAAAAAAAAKCGAQAAAAAAAAAAAAAAAAAMAAAAAQAAAAAAAAAAAAAAAAAAAB8AAABUAAAARHLEBf///wEAAAAAAAAAAAAAAAAAAAAAAAAAAAAAAAAAAAAAAAAAAAAAAAJ/f38A5+bmA8zMzADAwP8Af39/AAAAAAAAAAAAAAAAAAAAAAAAAAAAIQAAABgAAAAUAAAA3gMAAD8CAABiNAAAZwoAAAAAAAAmAAAACAAAAAEAAAAAAAAAMAAAABQAAAAAAAAAAAD//wAAAQAAAP//AAABAA=="/>
               </a:ext>
             </a:extLst>
           </p:cNvSpPr>
@@ -7552,7 +7217,7 @@
             <a:picLocks noChangeAspect="1"/>
             <a:extLst>
               <a:ext uri="smNativeData">
-                <pr:smNativeData xmlns="smNativeData" xmlns:pr="smNativeData" xmlns:p15="http://schemas.microsoft.com/office/powerpoint/2012/main" xmlns:p14="http://schemas.microsoft.com/office/powerpoint/2010/main" xmlns:mc="http://schemas.openxmlformats.org/markup-compatibility/2006" val="SMDATA_18_8bPwYBMAAAAlAAAAEQAAAC8BAAAAkAAAAEgAAACQAAAASAAAAAAAAAAAAAAAAAAAAAEAAABQAAAAAAAAAAAA4D8AAAAAAADgPwAAAAAAAOA/AAAAAAAA4D8AAAAAAADgPwAAAAAAAOA/AAAAAAAA4D8AAAAAAADgPwAAAAAAAOA/AAAAAAAA4D8CAAAAjAAAAAAAAAAAAAAARHLEDP///wgAAAAAAAAAAAAAAAAAAAAAAAAAAAAAAAAAAAAAZAAAAAEAAABAAAAAAAAAAAAAAAAAAAAAAAAAAAAAAAAAAAAAAAAAAAAAAAAAAAAAAAAAAAAAAAAAAAAAAAAAAAAAAAAAAAAAAAAAAAAAAAAAAAAAAAAAAAAAAAAAAAAAFAAAADwAAAAAAAAAAAAAAAAAAAkUAAAAAQAAABQAAAAUAAAAFAAAAAEAAAAAAAAAZAAAAGQAAAAAAAAAZAAAAGQAAAAVAAAAYAAAAAAAAAAAAAAADwAAACADAAAAAAAAAAAAAAEAAACgMgAAVgcAAKr4//8BAAAAf39/AAEAAABkAAAAAAAAABQAAABAHwAAAAAAACYAAAAAAAAAwOD//wAAAAAmAAAAZAAAABYAAABMAAAAAAAAAAAAAAAEAAAAAAAAAAEAAADn5uYKAAAAACgAAAAoAAAAZAAAAGQAAAAAAAAAzMzMAAAAAABQAAAAUAAAAGQAAABkAAAAAAAAAAcAAAA4AAAAAAAAAAAAAAAAAAAA////AAAAAAAAAAAAAAAAAAAAAAAAAAAAAAAAAAAAAABkAAAAZAAAAAAAAAAjAAAABAAAAGQAAAAXAAAAFAAAAAAAAAAAAAAA/38AAP9/AAAAAAAACQAAAAQAAAAAAQABHgAAAGgAAAAAAAAAAAAAAAAAAAAAAAAAAAAAABAnAAAQJwAAAAAAAAAAAAAAAAAAAAAAAAAAAAAAAAAAAAAAAAAAAAAUAAAAAAAAAMDA/wAAAAAAZAAAADIAAAAAAAAAZAAAAAAAAAB/f38ACgAAACIAAAAYAAAAAAAAAAAAAAAAAAAAAAAAAAAAAAAAAAAAJAAAACQAAAAAAAAABwAAAAAAAAAAAAAAAAAAAAAAAAAAAAAAAAAAAH9/fwAlAAAAWAAAAAAAAAAAAAAAAAAAAAAAAAAAAAAAAAAAAAAAAAAAAAAAAAAAAAAAAAAAAAAAPwAAAAAAAACghgEAAAAAAAAAAAAAAAAADAAAAAEAAAAAAAAAAAAAAAAAAAAfAAAAVAAAAERyxAX///8BAAAAAAAAAAAAAAAAAAAAAAAAAAAAAAAAAAAAAAAAAAAAAAACf39/AOfm5gPMzMwAwMD/AH9/fwAAAAAAAAAAAAAAAAD///8AAAAAACEAAAAYAAAAFAAAAEYBAAByEAAATAsAACcYAAAAAAAAJgAAAAgAAAD//////////zAAAAAUAAAAAAAAAAAA//8AAAEAAAD//wAAAQA="/>
+                <pr:smNativeData xmlns:mc="http://schemas.openxmlformats.org/markup-compatibility/2006" xmlns:p14="http://schemas.microsoft.com/office/powerpoint/2010/main" xmlns:p15="http://schemas.microsoft.com/office/powerpoint/2012/main" xmlns:pr="smNativeData" xmlns="smNativeData" val="SMDATA_18_8bPwYBMAAAAlAAAAEQAAAC8BAAAAkAAAAEgAAACQAAAASAAAAAAAAAAAAAAAAAAAAAEAAABQAAAAAAAAAAAA4D8AAAAAAADgPwAAAAAAAOA/AAAAAAAA4D8AAAAAAADgPwAAAAAAAOA/AAAAAAAA4D8AAAAAAADgPwAAAAAAAOA/AAAAAAAA4D8CAAAAjAAAAAAAAAAAAAAARHLEDP///wgAAAAAAAAAAAAAAAAAAAAAAAAAAAAAAAAAAAAAZAAAAAEAAABAAAAAAAAAAAAAAAAAAAAAAAAAAAAAAAAAAAAAAAAAAAAAAAAAAAAAAAAAAAAAAAAAAAAAAAAAAAAAAAAAAAAAAAAAAAAAAAAAAAAAAAAAAAAAAAAAAAAAFAAAADwAAAAAAAAAAAAAAAAAAAkUAAAAAQAAABQAAAAUAAAAFAAAAAEAAAAAAAAAZAAAAGQAAAAAAAAAZAAAAGQAAAAVAAAAYAAAAAAAAAAAAAAADwAAACADAAAAAAAAAAAAAAEAAACgMgAAVgcAAKr4//8BAAAAf39/AAEAAABkAAAAAAAAABQAAABAHwAAAAAAACYAAAAAAAAAwOD//wAAAAAmAAAAZAAAABYAAABMAAAAAAAAAAAAAAAEAAAAAAAAAAEAAADn5uYKAAAAACgAAAAoAAAAZAAAAGQAAAAAAAAAzMzMAAAAAABQAAAAUAAAAGQAAABkAAAAAAAAAAcAAAA4AAAAAAAAAAAAAAAAAAAA////AAAAAAAAAAAAAAAAAAAAAAAAAAAAAAAAAAAAAABkAAAAZAAAAAAAAAAjAAAABAAAAGQAAAAXAAAAFAAAAAAAAAAAAAAA/38AAP9/AAAAAAAACQAAAAQAAAAAAQABHgAAAGgAAAAAAAAAAAAAAAAAAAAAAAAAAAAAABAnAAAQJwAAAAAAAAAAAAAAAAAAAAAAAAAAAAAAAAAAAAAAAAAAAAAUAAAAAAAAAMDA/wAAAAAAZAAAADIAAAAAAAAAZAAAAAAAAAB/f38ACgAAACIAAAAYAAAAAAAAAAAAAAAAAAAAAAAAAAAAAAAAAAAAJAAAACQAAAAAAAAABwAAAAAAAAAAAAAAAAAAAAAAAAAAAAAAAAAAAH9/fwAlAAAAWAAAAAAAAAAAAAAAAAAAAAAAAAAAAAAAAAAAAAAAAAAAAAAAAAAAAAAAAAAAAAAAPwAAAAAAAACghgEAAAAAAAAAAAAAAAAADAAAAAEAAAAAAAAAAAAAAAAAAAAfAAAAVAAAAERyxAX///8BAAAAAAAAAAAAAAAAAAAAAAAAAAAAAAAAAAAAAAAAAAAAAAACf39/AOfm5gPMzMwAwMD/AH9/fwAAAAAAAAAAAAAAAAD///8AAAAAACEAAAAYAAAAFAAAAEYBAAByEAAATAsAACcYAAAAAAAAJgAAAAgAAAD//////////zAAAAAUAAAAAAAAAAAA//8AAAEAAAD//wAAAQA="/>
               </a:ext>
             </a:extLst>
           </p:cNvPicPr>
@@ -7586,7 +7251,7 @@
             <a:picLocks noChangeAspect="1"/>
             <a:extLst>
               <a:ext uri="smNativeData">
-                <pr:smNativeData xmlns="smNativeData" xmlns:pr="smNativeData" xmlns:p15="http://schemas.microsoft.com/office/powerpoint/2012/main" xmlns:p14="http://schemas.microsoft.com/office/powerpoint/2010/main" xmlns:mc="http://schemas.openxmlformats.org/markup-compatibility/2006" val="SMDATA_18_8bPwYBMAAAAlAAAAEQAAAC8BAAAAkAAAAEgAAACQAAAASAAAAAAAAAAAAAAAAAAAAAEAAABQAAAAAAAAAAAA4D8AAAAAAADgPwAAAAAAAOA/AAAAAAAA4D8AAAAAAADgPwAAAAAAAOA/AAAAAAAA4D8AAAAAAADgPwAAAAAAAOA/AAAAAAAA4D8CAAAAjAAAAAAAAAAAAAAARHLEDP///wgAAAAAAAAAAAAAAAAAAAAAAAAAAAAAAAAAAAAAZAAAAAEAAABAAAAAAAAAAAAAAAAAAAAAAAAAAAAAAAAAAAAAAAAAAAAAAAAAAAAAAAAAAAAAAAAAAAAAAAAAAAAAAAAAAAAAAAAAAAAAAAAAAAAAAAAAAAAAAAAAAAAAFAAAADwAAAAAAAAAAAAAAAAAAAkUAAAAAQAAABQAAAAUAAAAFAAAAAEAAAAAAAAAZAAAAGQAAAAAAAAAZAAAAGQAAAAVAAAAYAAAAAAAAAAAAAAADwAAACADAAAAAAAAAAAAAAEAAACgMgAAVgcAAKr4//8BAAAAf39/AAEAAABkAAAAAAAAABQAAABAHwAAAAAAACYAAAAAAAAAwOD//wAAAAAmAAAAZAAAABYAAABMAAAAAAAAAAAAAAAEAAAAAAAAAAEAAADn5uYKAAAAACgAAAAoAAAAZAAAAGQAAAAAAAAAzMzMAAAAAABQAAAAUAAAAGQAAABkAAAAAAAAAAcAAAA4AAAAAAAAAAAAAAAAAAAA////AAAAAAAAAAAAAAAAAAAAAAAAAAAAAAAAAAAAAABkAAAAZAAAAAAAAAAjAAAABAAAAGQAAAAXAAAAFAAAAAAAAAAAAAAA/38AAP9/AAAAAAAACQAAAAQAAAAFAAAAHgAAAGgAAAAAAAAAAAAAAAAAAAAAAAAAAAAAABAnAAAQJwAAAAAAAAAAAAAAAAAAAAAAAAAAAAAAAAAAAAAAAAAAAAAUAAAAAAAAAMDA/wAAAAAAZAAAADIAAAAAAAAAZAAAAAAAAAB/f38ACgAAACIAAAAYAAAAAAAAAAAAAAAAAAAAAAAAAAAAAAAAAAAAJAAAACQAAAAAAAAABwAAAAAAAAAAAAAAAAAAAAAAAAAAAAAAAAAAAH9/fwAlAAAAWAAAAAAAAAAAAAAAAAAAAAAAAAAAAAAAAAAAAAAAAAAAAAAAAAAAAAAAAAAAAAAAPwAAAAAAAACghgEAAAAAAAAAAAAAAAAADAAAAAEAAAAAAAAAAAAAAAAAAAAfAAAAVAAAAERyxAX///8BAAAAAAAAAAAAAAAAAAAAAAAAAAAAAAAAAAAAAAAAAAAAAAACf39/AOfm5gPMzMwAwMD/AH9/fwAAAAAAAAAAAAAAAAD///8AAAAAACEAAAAYAAAAFAAAACQFAACODQAAXwkAACgPAAAAAAAAJgAAAAgAAAD//////////zAAAAAUAAAAAAAAAAAA//8AAAEAAAD//wAAAQA="/>
+                <pr:smNativeData xmlns:mc="http://schemas.openxmlformats.org/markup-compatibility/2006" xmlns:p14="http://schemas.microsoft.com/office/powerpoint/2010/main" xmlns:p15="http://schemas.microsoft.com/office/powerpoint/2012/main" xmlns:pr="smNativeData" xmlns="smNativeData" val="SMDATA_18_8bPwYBMAAAAlAAAAEQAAAC8BAAAAkAAAAEgAAACQAAAASAAAAAAAAAAAAAAAAAAAAAEAAABQAAAAAAAAAAAA4D8AAAAAAADgPwAAAAAAAOA/AAAAAAAA4D8AAAAAAADgPwAAAAAAAOA/AAAAAAAA4D8AAAAAAADgPwAAAAAAAOA/AAAAAAAA4D8CAAAAjAAAAAAAAAAAAAAARHLEDP///wgAAAAAAAAAAAAAAAAAAAAAAAAAAAAAAAAAAAAAZAAAAAEAAABAAAAAAAAAAAAAAAAAAAAAAAAAAAAAAAAAAAAAAAAAAAAAAAAAAAAAAAAAAAAAAAAAAAAAAAAAAAAAAAAAAAAAAAAAAAAAAAAAAAAAAAAAAAAAAAAAAAAAFAAAADwAAAAAAAAAAAAAAAAAAAkUAAAAAQAAABQAAAAUAAAAFAAAAAEAAAAAAAAAZAAAAGQAAAAAAAAAZAAAAGQAAAAVAAAAYAAAAAAAAAAAAAAADwAAACADAAAAAAAAAAAAAAEAAACgMgAAVgcAAKr4//8BAAAAf39/AAEAAABkAAAAAAAAABQAAABAHwAAAAAAACYAAAAAAAAAwOD//wAAAAAmAAAAZAAAABYAAABMAAAAAAAAAAAAAAAEAAAAAAAAAAEAAADn5uYKAAAAACgAAAAoAAAAZAAAAGQAAAAAAAAAzMzMAAAAAABQAAAAUAAAAGQAAABkAAAAAAAAAAcAAAA4AAAAAAAAAAAAAAAAAAAA////AAAAAAAAAAAAAAAAAAAAAAAAAAAAAAAAAAAAAABkAAAAZAAAAAAAAAAjAAAABAAAAGQAAAAXAAAAFAAAAAAAAAAAAAAA/38AAP9/AAAAAAAACQAAAAQAAAAFAAAAHgAAAGgAAAAAAAAAAAAAAAAAAAAAAAAAAAAAABAnAAAQJwAAAAAAAAAAAAAAAAAAAAAAAAAAAAAAAAAAAAAAAAAAAAAUAAAAAAAAAMDA/wAAAAAAZAAAADIAAAAAAAAAZAAAAAAAAAB/f38ACgAAACIAAAAYAAAAAAAAAAAAAAAAAAAAAAAAAAAAAAAAAAAAJAAAACQAAAAAAAAABwAAAAAAAAAAAAAAAAAAAAAAAAAAAAAAAAAAAH9/fwAlAAAAWAAAAAAAAAAAAAAAAAAAAAAAAAAAAAAAAAAAAAAAAAAAAAAAAAAAAAAAAAAAAAAAPwAAAAAAAACghgEAAAAAAAAAAAAAAAAADAAAAAEAAAAAAAAAAAAAAAAAAAAfAAAAVAAAAERyxAX///8BAAAAAAAAAAAAAAAAAAAAAAAAAAAAAAAAAAAAAAAAAAAAAAACf39/AOfm5gPMzMwAwMD/AH9/fwAAAAAAAAAAAAAAAAD///8AAAAAACEAAAAYAAAAFAAAACQFAACODQAAXwkAACgPAAAAAAAAJgAAAAgAAAD//////////zAAAAAUAAAAAAAAAAAA//8AAAEAAAD//wAAAQA="/>
               </a:ext>
             </a:extLst>
           </p:cNvPicPr>
@@ -7620,7 +7285,7 @@
             <a:picLocks noChangeAspect="1"/>
             <a:extLst>
               <a:ext uri="smNativeData">
-                <pr:smNativeData xmlns="smNativeData" xmlns:pr="smNativeData" xmlns:p15="http://schemas.microsoft.com/office/powerpoint/2012/main" xmlns:p14="http://schemas.microsoft.com/office/powerpoint/2010/main" xmlns:mc="http://schemas.openxmlformats.org/markup-compatibility/2006" val="SMDATA_18_8bPwYBMAAAAlAAAAEQAAAC8BAAAAkAAAAEgAAACQAAAASAAAAAAAAAAAAAAAAAAAAAEAAABQAAAAAAAAAAAA4D8AAAAAAADgPwAAAAAAAOA/AAAAAAAA4D8AAAAAAADgPwAAAAAAAOA/AAAAAAAA4D8AAAAAAADgPwAAAAAAAOA/AAAAAAAA4D8CAAAAjAAAAAAAAAAAAAAARHLEDP///wgAAAAAAAAAAAAAAAAAAAAAAAAAAAAAAAAAAAAAZAAAAAEAAABAAAAAAAAAAAAAAAAAAAAAAAAAAAAAAAAAAAAAAAAAAAAAAAAAAAAAAAAAAAAAAAAAAAAAAAAAAAAAAAAAAAAAAAAAAAAAAAAAAAAAAAAAAAAAAAAAAAAAFAAAADwAAAAAAAAAAAAAAAAAAAkUAAAAAQAAABQAAAAUAAAAFAAAAAEAAAAAAAAAZAAAAGQAAAAAAAAAZAAAAGQAAAAVAAAAYAAAAAAAAAAAAAAADwAAACADAAAAAAAAAAAAAAEAAACgMgAAVgcAAKr4//8BAAAAf39/AAEAAABkAAAAAAAAABQAAABAHwAAAAAAACYAAAAAAAAAwOD//wAAAAAmAAAAZAAAABYAAABMAAAAAAAAAAAAAAAEAAAAAAAAAAEAAADn5uYKAAAAACgAAAAoAAAAZAAAAGQAAAAAAAAAzMzMAAAAAABQAAAAUAAAAGQAAABkAAAAAAAAAAcAAAA4AAAAAAAAAAAAAAAAAAAA////AAAAAAAAAAAAAAAAAAAAAAAAAAAAAAAAAAAAAABkAAAAZAAAAAAAAAAjAAAABAAAAGQAAAAXAAAAFAAAAAAAAAAAAAAA/38AAP9/AAAAAAAACQAAAAQAAAAAAAAAHgAAAGgAAAAAAAAAAAAAAAAAAAAAAAAAAAAAABAnAAAQJwAAAAAAAAAAAAAAAAAAAAAAAAAAAAAAAAAAAAAAAAAAAAAUAAAAAAAAAMDA/wAAAAAAZAAAADIAAAAAAAAAZAAAAAAAAAB/f38ACgAAACIAAAAYAAAAAAAAAAAAAAAAAAAAAAAAAAAAAAAAAAAAJAAAACQAAAAAAAAABwAAAAAAAAAAAAAAAAAAAAAAAAAAAAAAAAAAAH9/fwAlAAAAWAAAAAAAAAAAAAAAAAAAAAAAAAAAAAAAAAAAAAAAAAAAAAAAAAAAAAAAAAAAAAAAPwAAAAAAAACghgEAAAAAAAAAAAAAAAAADAAAAAEAAAAAAAAAAAAAAAAAAAAfAAAAVAAAAERyxAX///8BAAAAAAAAAAAAAAAAAAAAAAAAAAAAAAAAAAAAAAAAAAAAAAACf39/AOfm5gPMzMwAwMD/AH9/fwAAAAAAAAAAAAAAAAD///8AAAAAACEAAAAYAAAAFAAAAFMYAACODQAAgRwAAPsPAAAAAAAAJgAAAAgAAAD//////////zAAAAAUAAAAAAAAAAAA//8AAAEAAAD//wAAAQA="/>
+                <pr:smNativeData xmlns:mc="http://schemas.openxmlformats.org/markup-compatibility/2006" xmlns:p14="http://schemas.microsoft.com/office/powerpoint/2010/main" xmlns:p15="http://schemas.microsoft.com/office/powerpoint/2012/main" xmlns:pr="smNativeData" xmlns="smNativeData" val="SMDATA_18_8bPwYBMAAAAlAAAAEQAAAC8BAAAAkAAAAEgAAACQAAAASAAAAAAAAAAAAAAAAAAAAAEAAABQAAAAAAAAAAAA4D8AAAAAAADgPwAAAAAAAOA/AAAAAAAA4D8AAAAAAADgPwAAAAAAAOA/AAAAAAAA4D8AAAAAAADgPwAAAAAAAOA/AAAAAAAA4D8CAAAAjAAAAAAAAAAAAAAARHLEDP///wgAAAAAAAAAAAAAAAAAAAAAAAAAAAAAAAAAAAAAZAAAAAEAAABAAAAAAAAAAAAAAAAAAAAAAAAAAAAAAAAAAAAAAAAAAAAAAAAAAAAAAAAAAAAAAAAAAAAAAAAAAAAAAAAAAAAAAAAAAAAAAAAAAAAAAAAAAAAAAAAAAAAAFAAAADwAAAAAAAAAAAAAAAAAAAkUAAAAAQAAABQAAAAUAAAAFAAAAAEAAAAAAAAAZAAAAGQAAAAAAAAAZAAAAGQAAAAVAAAAYAAAAAAAAAAAAAAADwAAACADAAAAAAAAAAAAAAEAAACgMgAAVgcAAKr4//8BAAAAf39/AAEAAABkAAAAAAAAABQAAABAHwAAAAAAACYAAAAAAAAAwOD//wAAAAAmAAAAZAAAABYAAABMAAAAAAAAAAAAAAAEAAAAAAAAAAEAAADn5uYKAAAAACgAAAAoAAAAZAAAAGQAAAAAAAAAzMzMAAAAAABQAAAAUAAAAGQAAABkAAAAAAAAAAcAAAA4AAAAAAAAAAAAAAAAAAAA////AAAAAAAAAAAAAAAAAAAAAAAAAAAAAAAAAAAAAABkAAAAZAAAAAAAAAAjAAAABAAAAGQAAAAXAAAAFAAAAAAAAAAAAAAA/38AAP9/AAAAAAAACQAAAAQAAAAAAAAAHgAAAGgAAAAAAAAAAAAAAAAAAAAAAAAAAAAAABAnAAAQJwAAAAAAAAAAAAAAAAAAAAAAAAAAAAAAAAAAAAAAAAAAAAAUAAAAAAAAAMDA/wAAAAAAZAAAADIAAAAAAAAAZAAAAAAAAAB/f38ACgAAACIAAAAYAAAAAAAAAAAAAAAAAAAAAAAAAAAAAAAAAAAAJAAAACQAAAAAAAAABwAAAAAAAAAAAAAAAAAAAAAAAAAAAAAAAAAAAH9/fwAlAAAAWAAAAAAAAAAAAAAAAAAAAAAAAAAAAAAAAAAAAAAAAAAAAAAAAAAAAAAAAAAAAAAAPwAAAAAAAACghgEAAAAAAAAAAAAAAAAADAAAAAEAAAAAAAAAAAAAAAAAAAAfAAAAVAAAAERyxAX///8BAAAAAAAAAAAAAAAAAAAAAAAAAAAAAAAAAAAAAAAAAAAAAAACf39/AOfm5gPMzMwAwMD/AH9/fwAAAAAAAAAAAAAAAAD///8AAAAAACEAAAAYAAAAFAAAAFMYAACODQAAgRwAAPsPAAAAAAAAJgAAAAgAAAD//////////zAAAAAUAAAAAAAAAAAA//8AAAEAAAD//wAAAQA="/>
               </a:ext>
             </a:extLst>
           </p:cNvPicPr>
@@ -7654,7 +7319,7 @@
             <a:picLocks noChangeAspect="1"/>
             <a:extLst>
               <a:ext uri="smNativeData">
-                <pr:smNativeData xmlns="smNativeData" xmlns:pr="smNativeData" xmlns:p15="http://schemas.microsoft.com/office/powerpoint/2012/main" xmlns:p14="http://schemas.microsoft.com/office/powerpoint/2010/main" xmlns:mc="http://schemas.openxmlformats.org/markup-compatibility/2006" val="SMDATA_18_8bPwYBMAAAAlAAAAEQAAAC8BAAAAkAAAAEgAAACQAAAASAAAAAAAAAAAAAAAAAAAAAEAAABQAAAAAAAAAAAA4D8AAAAAAADgPwAAAAAAAOA/AAAAAAAA4D8AAAAAAADgPwAAAAAAAOA/AAAAAAAA4D8AAAAAAADgPwAAAAAAAOA/AAAAAAAA4D8CAAAAjAAAAAAAAAAAAAAARHLEDP///wgAAAAAAAAAAAAAAAAAAAAAAAAAAAAAAAAAAAAAZAAAAAEAAABAAAAAAAAAAAAAAAAAAAAAAAAAAAAAAAAAAAAAAAAAAAAAAAAAAAAAAAAAAAAAAAAAAAAAAAAAAAAAAAAAAAAAAAAAAAAAAAAAAAAAAAAAAAAAAAAAAAAAFAAAADwAAAAAAAAAAAAAAAAAAAkUAAAAAQAAABQAAAAUAAAAFAAAAAEAAAAAAAAAZAAAAGQAAAAAAAAAZAAAAGQAAAAVAAAAYAAAAAAAAAAAAAAADwAAACADAAAAAAAAAAAAAAEAAACgMgAAVgcAAKr4//8BAAAAf39/AAEAAABkAAAAAAAAABQAAABAHwAAAAAAACYAAAAAAAAAwOD//wAAAAAmAAAAZAAAABYAAABMAAAAAAAAAAAAAAAEAAAAAAAAAAEAAADn5uYKAAAAACgAAAAoAAAAZAAAAGQAAAAAAAAAzMzMAAAAAABQAAAAUAAAAGQAAABkAAAAAAAAAAcAAAA4AAAAAAAAAAAAAAAAAAAA////AAAAAAAAAAAAAAAAAAAAAAAAAAAAAAAAAAAAAABkAAAAZAAAAAAAAAAjAAAABAAAAGQAAAAXAAAAFAAAAAAAAAAAAAAA/38AAP9/AAAAAAAACQAAAAQAAAAAAAAAHgAAAGgAAAAAAAAAAAAAAAAAAAAAAAAAAAAAABAnAAAQJwAAAAAAAAAAAAAAAAAAAAAAAAAAAAAAAAAAAAAAAAAAAAAUAAAAAAAAAMDA/wAAAAAAZAAAADIAAAAAAAAAZAAAAAAAAAB/f38ACgAAACIAAAAYAAAAAAAAAAAAAAAAAAAAAAAAAAAAAAAAAAAAJAAAACQAAAAAAAAABwAAAAAAAAAAAAAAAAAAAAAAAAAAAAAAAAAAAH9/fwAlAAAAWAAAAAAAAAAAAAAAAAAAAAAAAAAAAAAAAAAAAAAAAAAAAAAAAAAAAAAAAAAAAAAAPwAAAAAAAACghgEAAAAAAAAAAAAAAAAADAAAAAEAAAAAAAAAAAAAAAAAAAAfAAAAVAAAAERyxAX///8BAAAAAAAAAAAAAAAAAAAAAAAAAAAAAAAAAAAAAAAAAAAAAAACf39/AOfm5gPMzMwAwMD/AH9/fwAAAAAAAAAAAAAAAAD///8AAAAAACEAAAAYAAAAFAAAALQoAACODQAAWS0AAHcPAAAAAAAAJgAAAAgAAAD//////////zAAAAAUAAAAAAAAAAAA//8AAAEAAAD//wAAAQA="/>
+                <pr:smNativeData xmlns:mc="http://schemas.openxmlformats.org/markup-compatibility/2006" xmlns:p14="http://schemas.microsoft.com/office/powerpoint/2010/main" xmlns:p15="http://schemas.microsoft.com/office/powerpoint/2012/main" xmlns:pr="smNativeData" xmlns="smNativeData" val="SMDATA_18_8bPwYBMAAAAlAAAAEQAAAC8BAAAAkAAAAEgAAACQAAAASAAAAAAAAAAAAAAAAAAAAAEAAABQAAAAAAAAAAAA4D8AAAAAAADgPwAAAAAAAOA/AAAAAAAA4D8AAAAAAADgPwAAAAAAAOA/AAAAAAAA4D8AAAAAAADgPwAAAAAAAOA/AAAAAAAA4D8CAAAAjAAAAAAAAAAAAAAARHLEDP///wgAAAAAAAAAAAAAAAAAAAAAAAAAAAAAAAAAAAAAZAAAAAEAAABAAAAAAAAAAAAAAAAAAAAAAAAAAAAAAAAAAAAAAAAAAAAAAAAAAAAAAAAAAAAAAAAAAAAAAAAAAAAAAAAAAAAAAAAAAAAAAAAAAAAAAAAAAAAAAAAAAAAAFAAAADwAAAAAAAAAAAAAAAAAAAkUAAAAAQAAABQAAAAUAAAAFAAAAAEAAAAAAAAAZAAAAGQAAAAAAAAAZAAAAGQAAAAVAAAAYAAAAAAAAAAAAAAADwAAACADAAAAAAAAAAAAAAEAAACgMgAAVgcAAKr4//8BAAAAf39/AAEAAABkAAAAAAAAABQAAABAHwAAAAAAACYAAAAAAAAAwOD//wAAAAAmAAAAZAAAABYAAABMAAAAAAAAAAAAAAAEAAAAAAAAAAEAAADn5uYKAAAAACgAAAAoAAAAZAAAAGQAAAAAAAAAzMzMAAAAAABQAAAAUAAAAGQAAABkAAAAAAAAAAcAAAA4AAAAAAAAAAAAAAAAAAAA////AAAAAAAAAAAAAAAAAAAAAAAAAAAAAAAAAAAAAABkAAAAZAAAAAAAAAAjAAAABAAAAGQAAAAXAAAAFAAAAAAAAAAAAAAA/38AAP9/AAAAAAAACQAAAAQAAAAAAAAAHgAAAGgAAAAAAAAAAAAAAAAAAAAAAAAAAAAAABAnAAAQJwAAAAAAAAAAAAAAAAAAAAAAAAAAAAAAAAAAAAAAAAAAAAAUAAAAAAAAAMDA/wAAAAAAZAAAADIAAAAAAAAAZAAAAAAAAAB/f38ACgAAACIAAAAYAAAAAAAAAAAAAAAAAAAAAAAAAAAAAAAAAAAAJAAAACQAAAAAAAAABwAAAAAAAAAAAAAAAAAAAAAAAAAAAAAAAAAAAH9/fwAlAAAAWAAAAAAAAAAAAAAAAAAAAAAAAAAAAAAAAAAAAAAAAAAAAAAAAAAAAAAAAAAAAAAAPwAAAAAAAACghgEAAAAAAAAAAAAAAAAADAAAAAEAAAAAAAAAAAAAAAAAAAAfAAAAVAAAAERyxAX///8BAAAAAAAAAAAAAAAAAAAAAAAAAAAAAAAAAAAAAAAAAAAAAAACf39/AOfm5gPMzMwAwMD/AH9/fwAAAAAAAAAAAAAAAAD///8AAAAAACEAAAAYAAAAFAAAALQoAACODQAAWS0AAHcPAAAAAAAAJgAAAAgAAAD//////////zAAAAAUAAAAAAAAAAAA//8AAAEAAAD//wAAAQA="/>
               </a:ext>
             </a:extLst>
           </p:cNvPicPr>
@@ -7688,7 +7353,7 @@
             <a:picLocks noChangeAspect="1"/>
             <a:extLst>
               <a:ext uri="smNativeData">
-                <pr:smNativeData xmlns="smNativeData" xmlns:pr="smNativeData" xmlns:p15="http://schemas.microsoft.com/office/powerpoint/2012/main" xmlns:p14="http://schemas.microsoft.com/office/powerpoint/2010/main" xmlns:mc="http://schemas.openxmlformats.org/markup-compatibility/2006" val="SMDATA_18_8bPwYBMAAAAlAAAAEQAAAC8BAAAAkAAAAEgAAACQAAAASAAAAAAAAAAAAAAAAAAAAAEAAABQAAAAAAAAAAAA4D8AAAAAAADgPwAAAAAAAOA/AAAAAAAA4D8AAAAAAADgPwAAAAAAAOA/AAAAAAAA4D8AAAAAAADgPwAAAAAAAOA/AAAAAAAA4D8CAAAAjAAAAAAAAAAAAAAARHLEDP///wgAAAAAAAAAAAAAAAAAAAAAAAAAAAAAAAAAAAAAZAAAAAEAAABAAAAAAAAAAAAAAAAAAAAAAAAAAAAAAAAAAAAAAAAAAAAAAAAAAAAAAAAAAAAAAAAAAAAAAAAAAAAAAAAAAAAAAAAAAAAAAAAAAAAAAAAAAAAAAAAAAAAAFAAAADwAAAAAAAAAAAAAAAAAAAkUAAAAAQAAABQAAAAUAAAAFAAAAAEAAAAAAAAAZAAAAGQAAAAAAAAAZAAAAGQAAAAVAAAAYAAAAAAAAAAAAAAADwAAACADAAAAAAAAAAAAAAEAAACgMgAAVgcAAKr4//8BAAAAf39/AAEAAABkAAAAAAAAABQAAABAHwAAAAAAACYAAAAAAAAAwOD//wAAAAAmAAAAZAAAABYAAABMAAAAAAAAAAAAAAAEAAAAAAAAAAEAAADn5uYKAAAAACgAAAAoAAAAZAAAAGQAAAAAAAAAzMzMAAAAAABQAAAAUAAAAGQAAABkAAAAAAAAAAcAAAA4AAAAAAAAAAAAAAAAAAAA////AAAAAAAAAAAAkwcAAFMKAACHBAAAHgoAAAAAAABkAAAAZAAAAAAAAAAjAAAABAAAAGQAAAAXAAAAFAAAAAAAAAAAAAAA/38AAP9/AAAAAAAACQAAAAQAAAAAAAAAHgAAAGgAAAAAAAAAAAAAAAAAAAAAAAAAAAAAABAnAAAQJwAAAAAAAAAAAAAAAAAAAAAAAAAAAAAAAAAAAAAAAAAAAAAUAAAAAAAAAMDA/wAAAAAAZAAAADIAAAAAAAAAZAAAAAAAAAB/f38ACgAAACIAAAAYAAAAAAAAAAAAAAAAAAAAAAAAAAAAAAAAAAAAJAAAACQAAAAAAAAABwAAAAAAAAAAAAAAAAAAAAAAAAAAAAAAAAAAAH9/fwAlAAAAWAAAAAAAAAAAAAAAAAAAAAAAAAAAAAAAAAAAAAAAAAAAAAAAAAAAAAAAAAAAAAAAPwAAAAAAAACghgEAAAAAAAAAAAAAAAAADAAAAAEAAAAAAAAAAAAAAAAAAAAfAAAAVAAAAERyxAX///8BAAAAAAAAAAAAAAAAAAAAAAAAAAAAAAAAAAAAAAAAAAAAAAACf39/AOfm5gPMzMwAwMD/AH9/fwAAAAAAAAAAAAAAAAD///8AAAAAACEAAAAYAAAAFAAAAJkIAABqGQAAEBAAACsbAAAAAAAAJgAAAAgAAAD//////////zAAAAAUAAAAAAAAAAAA//8AAAEAAAD//wAAAQA="/>
+                <pr:smNativeData xmlns:mc="http://schemas.openxmlformats.org/markup-compatibility/2006" xmlns:p14="http://schemas.microsoft.com/office/powerpoint/2010/main" xmlns:p15="http://schemas.microsoft.com/office/powerpoint/2012/main" xmlns:pr="smNativeData" xmlns="smNativeData" val="SMDATA_18_8bPwYBMAAAAlAAAAEQAAAC8BAAAAkAAAAEgAAACQAAAASAAAAAAAAAAAAAAAAAAAAAEAAABQAAAAAAAAAAAA4D8AAAAAAADgPwAAAAAAAOA/AAAAAAAA4D8AAAAAAADgPwAAAAAAAOA/AAAAAAAA4D8AAAAAAADgPwAAAAAAAOA/AAAAAAAA4D8CAAAAjAAAAAAAAAAAAAAARHLEDP///wgAAAAAAAAAAAAAAAAAAAAAAAAAAAAAAAAAAAAAZAAAAAEAAABAAAAAAAAAAAAAAAAAAAAAAAAAAAAAAAAAAAAAAAAAAAAAAAAAAAAAAAAAAAAAAAAAAAAAAAAAAAAAAAAAAAAAAAAAAAAAAAAAAAAAAAAAAAAAAAAAAAAAFAAAADwAAAAAAAAAAAAAAAAAAAkUAAAAAQAAABQAAAAUAAAAFAAAAAEAAAAAAAAAZAAAAGQAAAAAAAAAZAAAAGQAAAAVAAAAYAAAAAAAAAAAAAAADwAAACADAAAAAAAAAAAAAAEAAACgMgAAVgcAAKr4//8BAAAAf39/AAEAAABkAAAAAAAAABQAAABAHwAAAAAAACYAAAAAAAAAwOD//wAAAAAmAAAAZAAAABYAAABMAAAAAAAAAAAAAAAEAAAAAAAAAAEAAADn5uYKAAAAACgAAAAoAAAAZAAAAGQAAAAAAAAAzMzMAAAAAABQAAAAUAAAAGQAAABkAAAAAAAAAAcAAAA4AAAAAAAAAAAAAAAAAAAA////AAAAAAAAAAAAkwcAAFMKAACHBAAAHgoAAAAAAABkAAAAZAAAAAAAAAAjAAAABAAAAGQAAAAXAAAAFAAAAAAAAAAAAAAA/38AAP9/AAAAAAAACQAAAAQAAAAAAAAAHgAAAGgAAAAAAAAAAAAAAAAAAAAAAAAAAAAAABAnAAAQJwAAAAAAAAAAAAAAAAAAAAAAAAAAAAAAAAAAAAAAAAAAAAAUAAAAAAAAAMDA/wAAAAAAZAAAADIAAAAAAAAAZAAAAAAAAAB/f38ACgAAACIAAAAYAAAAAAAAAAAAAAAAAAAAAAAAAAAAAAAAAAAAJAAAACQAAAAAAAAABwAAAAAAAAAAAAAAAAAAAAAAAAAAAAAAAAAAAH9/fwAlAAAAWAAAAAAAAAAAAAAAAAAAAAAAAAAAAAAAAAAAAAAAAAAAAAAAAAAAAAAAAAAAAAAAPwAAAAAAAACghgEAAAAAAAAAAAAAAAAADAAAAAEAAAAAAAAAAAAAAAAAAAAfAAAAVAAAAERyxAX///8BAAAAAAAAAAAAAAAAAAAAAAAAAAAAAAAAAAAAAAAAAAAAAAACf39/AOfm5gPMzMwAwMD/AH9/fwAAAAAAAAAAAAAAAAD///8AAAAAACEAAAAYAAAAFAAAAJkIAABqGQAAEBAAACsbAAAAAAAAJgAAAAgAAAD//////////zAAAAAUAAAAAAAAAAAA//8AAAEAAAD//wAAAQA="/>
               </a:ext>
             </a:extLst>
           </p:cNvPicPr>
@@ -7722,7 +7387,7 @@
           <p:cNvSpPr>
             <a:extLst>
               <a:ext uri="smNativeData">
-                <pr:smNativeData xmlns="smNativeData" xmlns:pr="smNativeData" xmlns:p15="http://schemas.microsoft.com/office/powerpoint/2012/main" xmlns:p14="http://schemas.microsoft.com/office/powerpoint/2010/main" xmlns:mc="http://schemas.openxmlformats.org/markup-compatibility/2006" val="SMDATA_16_8bPwYBMAAAAlAAAACgAAAA8BAAAAkAAAAEgAAACQAAAASAAAAAAAAAAAAAAAAAAAAAEAAABQAAAAAAAAAAAA4D8AAAAAAADgPwAAAAAAAOA/AAAAAAAA4D8AAAAAAADgPwAAAAAAAOA/AAAAAAAA4D8AAAAAAADgPwAAAAAAAOA/AAAAAAAA4D8CAAAAjAAAAAAAAAAAAAAARHLEDP///wgAAAAAAAAAAAAAAAAAAAAAAAAAAAAAAAAAAAAAZAAAAAEAAABAAAAAAAAAAAAAAAAAAAAAAAAAAAAAAAAAAAAAAAAAAAAAAAAAAAAAAAAAAAAAAAAAAAAAAAAAAAAAAAAAAAAAAAAAAAAAAAAAAAAAAAAAAAAAAAAAAAAAFAAAADwAAAABAAAAAgAAAHCtRwAUAAAAAQAAABQAAAAUAAAAFAAAAAEAAAAAAAAAZAAAAGQAAAABAAAAlgAAAJYAAAAVAAAAYAAAAAAAAAAAAAAADwAAACADAAAAAAAAAAAAAAEAAACgMgAAVgcAAKr4//8BAAAAf39/AAEAAABkAAAAAAAAABQAAABAHwAAAAAAACYAAAAAAAAAwOD//wAAAAAmAAAAZAAAABYAAABMAAAAAAAAAAAAAAAEAAAAAAAAAAEAAADn5uYKAAAAACgAAAAoAAAAZAAAAGQAAAAAAAAAzMzMAAAAAABQAAAAUAAAAGQAAABkAAAAAAAAABcAAAAUAAAAAAAAAAAAAAD/fwAA/38AAAAAAAAJAAAABAAAAP///wAeAAAAaAAAAAAAAAAAAAAAAAAAAAAAAAAAAAAAECcAABAnAAAAAAAAAAAAAAAAAAAAAAAAAAAAAAAAAAAAAAAAAAAAABQAAAAAAAAAwMD/AAAAAABkAAAAMgAAAAAAAABkAAAAAAAAAH9/fwAKAAAAIgAAABgAAAAAAAAAAAAAAAAAAAAAAAAAAAAAAAAAAAAkAAAAJAAAAAAAAAAHAAAAAAAAAAAAAAAAAAAAAAAAAAAAAAAAAAAAf39/ACUAAABYAAAAAAAAAAAAAAAAAAAAAAAAAAAAAAAAAAAAAAAAAAAAAAAAAAAAAAAAAAAAAAA/AAAAAAAAAKCGAQAAAAAAAAAAAAAAAAAMAAAAAQAAAAAAAAAAAAAAAAAAAB8AAABUAAAARHLEBf///wEAAAAAAAAAAAAAAAAAAAAAAAAAAAAAAAAAAAAAAAAAAHCtRwx/f38A5+bmA8zMzADAwP8Af39/AAAAAAAAAAAAAAAAAAAAAAAAAAAAIQAAABgAAAAUAAAAtQcAANcXAAB2CgAA1hkAAAAAAAAmAAAACAAAAP//////////MAAAABQAAAAAAAAAAAD//wAAAQAAAP//AAABAA=="/>
+                <pr:smNativeData xmlns:mc="http://schemas.openxmlformats.org/markup-compatibility/2006" xmlns:p14="http://schemas.microsoft.com/office/powerpoint/2010/main" xmlns:p15="http://schemas.microsoft.com/office/powerpoint/2012/main" xmlns:pr="smNativeData" xmlns="smNativeData" val="SMDATA_16_8bPwYBMAAAAlAAAACgAAAA8BAAAAkAAAAEgAAACQAAAASAAAAAAAAAAAAAAAAAAAAAEAAABQAAAAAAAAAAAA4D8AAAAAAADgPwAAAAAAAOA/AAAAAAAA4D8AAAAAAADgPwAAAAAAAOA/AAAAAAAA4D8AAAAAAADgPwAAAAAAAOA/AAAAAAAA4D8CAAAAjAAAAAAAAAAAAAAARHLEDP///wgAAAAAAAAAAAAAAAAAAAAAAAAAAAAAAAAAAAAAZAAAAAEAAABAAAAAAAAAAAAAAAAAAAAAAAAAAAAAAAAAAAAAAAAAAAAAAAAAAAAAAAAAAAAAAAAAAAAAAAAAAAAAAAAAAAAAAAAAAAAAAAAAAAAAAAAAAAAAAAAAAAAAFAAAADwAAAABAAAAAgAAAHCtRwAUAAAAAQAAABQAAAAUAAAAFAAAAAEAAAAAAAAAZAAAAGQAAAABAAAAlgAAAJYAAAAVAAAAYAAAAAAAAAAAAAAADwAAACADAAAAAAAAAAAAAAEAAACgMgAAVgcAAKr4//8BAAAAf39/AAEAAABkAAAAAAAAABQAAABAHwAAAAAAACYAAAAAAAAAwOD//wAAAAAmAAAAZAAAABYAAABMAAAAAAAAAAAAAAAEAAAAAAAAAAEAAADn5uYKAAAAACgAAAAoAAAAZAAAAGQAAAAAAAAAzMzMAAAAAABQAAAAUAAAAGQAAABkAAAAAAAAABcAAAAUAAAAAAAAAAAAAAD/fwAA/38AAAAAAAAJAAAABAAAAP///wAeAAAAaAAAAAAAAAAAAAAAAAAAAAAAAAAAAAAAECcAABAnAAAAAAAAAAAAAAAAAAAAAAAAAAAAAAAAAAAAAAAAAAAAABQAAAAAAAAAwMD/AAAAAABkAAAAMgAAAAAAAABkAAAAAAAAAH9/fwAKAAAAIgAAABgAAAAAAAAAAAAAAAAAAAAAAAAAAAAAAAAAAAAkAAAAJAAAAAAAAAAHAAAAAAAAAAAAAAAAAAAAAAAAAAAAAAAAAAAAf39/ACUAAABYAAAAAAAAAAAAAAAAAAAAAAAAAAAAAAAAAAAAAAAAAAAAAAAAAAAAAAAAAAAAAAA/AAAAAAAAAKCGAQAAAAAAAAAAAAAAAAAMAAAAAQAAAAAAAAAAAAAAAAAAAB8AAABUAAAARHLEBf///wEAAAAAAAAAAAAAAAAAAAAAAAAAAAAAAAAAAAAAAAAAAHCtRwx/f38A5+bmA8zMzADAwP8Af39/AAAAAAAAAAAAAAAAAAAAAAAAAAAAIQAAABgAAAAUAAAAtQcAANcXAAB2CgAA1hkAAAAAAAAmAAAACAAAAP//////////MAAAABQAAAAAAAAAAAD//wAAAQAAAP//AAABAA=="/>
               </a:ext>
             </a:extLst>
           </p:cNvSpPr>
@@ -7754,7 +7419,7 @@
           <p:cNvSpPr>
             <a:extLst>
               <a:ext uri="smNativeData">
-                <pr:smNativeData xmlns="smNativeData" xmlns:pr="smNativeData" xmlns:p15="http://schemas.microsoft.com/office/powerpoint/2012/main" xmlns:p14="http://schemas.microsoft.com/office/powerpoint/2010/main" xmlns:mc="http://schemas.openxmlformats.org/markup-compatibility/2006" val="SMDATA_16_8bPwYBMAAAAlAAAACgAAAA8BAAAAkAAAAEgAAACQAAAASAAAAAAAAAAAAAAAAAAAAAEAAABQAAAAAAAAAAAA4D8AAAAAAADgPwAAAAAAAOA/AAAAAAAA4D8AAAAAAADgPwAAAAAAAOA/AAAAAAAA4D8AAAAAAADgPwAAAAAAAOA/AAAAAAAA4D8CAAAAjAAAAAAAAAAAAAAARHLEDP///wgAAAAAAAAAAAAAAAAAAAAAAAAAAAAAAAAAAAAAZAAAAAEAAABAAAAAAAAAAAAAAAAAAAAAAAAAAAAAAAAAAAAAAAAAAAAAAAAAAAAAAAAAAAAAAAAAAAAAAAAAAAAAAAAAAAAAAAAAAAAAAAAAAAAAAAAAAAAAAAAAAAAAFAAAADwAAAABAAAAAgAAAHCtRwAUAAAAAQAAABQAAAAUAAAAFAAAAAEAAAAAAAAAZAAAAGQAAAABAAAAlgAAAJYAAAAVAAAAYAAAAAAAAAAAAAAADwAAACADAAAAAAAAAAAAAAEAAACgMgAAVgcAAKr4//8BAAAAf39/AAEAAABkAAAAAAAAABQAAABAHwAAAAAAACYAAAAAAAAAwOD//wAAAAAmAAAAZAAAABYAAABMAAAAAAAAAAAAAAAEAAAAAAAAAAEAAADn5uYKAAAAACgAAAAoAAAAZAAAAGQAAAAAAAAAzMzMAAAAAABQAAAAUAAAAGQAAABkAAAAAAAAABcAAAAUAAAAAAAAAAAAAAD/fwAA/38AAAAAAAAJAAAABAAAAAAAAAAeAAAAaAAAAAAAAAAAAAAAAAAAAAAAAAAAAAAAECcAABAnAAAAAAAAAAAAAAAAAAAAAAAAAAAAAAAAAAAAAAAAAAAAABQAAAAAAAAAwMD/AAAAAABkAAAAMgAAAAAAAABkAAAAAAAAAH9/fwAKAAAAIgAAABgAAAAAAAAAAAAAAAAAAAAAAAAAAAAAAAAAAAAkAAAAJAAAAAAAAAAHAAAAAAAAAAAAAAAAAAAAAAAAAAAAAAAAAAAAf39/ACUAAABYAAAAAAAAAAAAAAAAAAAAAAAAAAAAAAAAAAAAAAAAAAAAAAAAAAAAAAAAAAAAAAA/AAAAAAAAAKCGAQAAAAAAAAAAAAAAAAAMAAAAAQAAAAAAAAAAAAAAAAAAAB8AAABUAAAARHLEBf///wEAAAAAAAAAAAAAAAAAAAAAAAAAAAAAAAAAAAAAAAAAAHCtRwx/f38A5+bmA8zMzADAwP8Af39/AAAAAAAAAAAAAAAAAAAAAAAAAAAAIQAAABgAAAAUAAAAYwwAAM0aAAASDwAAjhwAAAAAAAAmAAAACAAAAP//////////MAAAABQAAAAAAAAAAAD//wAAAQAAAP//AAABAA=="/>
+                <pr:smNativeData xmlns:mc="http://schemas.openxmlformats.org/markup-compatibility/2006" xmlns:p14="http://schemas.microsoft.com/office/powerpoint/2010/main" xmlns:p15="http://schemas.microsoft.com/office/powerpoint/2012/main" xmlns:pr="smNativeData" xmlns="smNativeData" val="SMDATA_16_8bPwYBMAAAAlAAAACgAAAA8BAAAAkAAAAEgAAACQAAAASAAAAAAAAAAAAAAAAAAAAAEAAABQAAAAAAAAAAAA4D8AAAAAAADgPwAAAAAAAOA/AAAAAAAA4D8AAAAAAADgPwAAAAAAAOA/AAAAAAAA4D8AAAAAAADgPwAAAAAAAOA/AAAAAAAA4D8CAAAAjAAAAAAAAAAAAAAARHLEDP///wgAAAAAAAAAAAAAAAAAAAAAAAAAAAAAAAAAAAAAZAAAAAEAAABAAAAAAAAAAAAAAAAAAAAAAAAAAAAAAAAAAAAAAAAAAAAAAAAAAAAAAAAAAAAAAAAAAAAAAAAAAAAAAAAAAAAAAAAAAAAAAAAAAAAAAAAAAAAAAAAAAAAAFAAAADwAAAABAAAAAgAAAHCtRwAUAAAAAQAAABQAAAAUAAAAFAAAAAEAAAAAAAAAZAAAAGQAAAABAAAAlgAAAJYAAAAVAAAAYAAAAAAAAAAAAAAADwAAACADAAAAAAAAAAAAAAEAAACgMgAAVgcAAKr4//8BAAAAf39/AAEAAABkAAAAAAAAABQAAABAHwAAAAAAACYAAAAAAAAAwOD//wAAAAAmAAAAZAAAABYAAABMAAAAAAAAAAAAAAAEAAAAAAAAAAEAAADn5uYKAAAAACgAAAAoAAAAZAAAAGQAAAAAAAAAzMzMAAAAAABQAAAAUAAAAGQAAABkAAAAAAAAABcAAAAUAAAAAAAAAAAAAAD/fwAA/38AAAAAAAAJAAAABAAAAAAAAAAeAAAAaAAAAAAAAAAAAAAAAAAAAAAAAAAAAAAAECcAABAnAAAAAAAAAAAAAAAAAAAAAAAAAAAAAAAAAAAAAAAAAAAAABQAAAAAAAAAwMD/AAAAAABkAAAAMgAAAAAAAABkAAAAAAAAAH9/fwAKAAAAIgAAABgAAAAAAAAAAAAAAAAAAAAAAAAAAAAAAAAAAAAkAAAAJAAAAAAAAAAHAAAAAAAAAAAAAAAAAAAAAAAAAAAAAAAAAAAAf39/ACUAAABYAAAAAAAAAAAAAAAAAAAAAAAAAAAAAAAAAAAAAAAAAAAAAAAAAAAAAAAAAAAAAAA/AAAAAAAAAKCGAQAAAAAAAAAAAAAAAAAMAAAAAQAAAAAAAAAAAAAAAAAAAB8AAABUAAAARHLEBf///wEAAAAAAAAAAAAAAAAAAAAAAAAAAAAAAAAAAAAAAAAAAHCtRwx/f38A5+bmA8zMzADAwP8Af39/AAAAAAAAAAAAAAAAAAAAAAAAAAAAIQAAABgAAAAUAAAAYwwAAM0aAAASDwAAjhwAAAAAAAAmAAAACAAAAP//////////MAAAABQAAAAAAAAAAAD//wAAAQAAAP//AAABAA=="/>
               </a:ext>
             </a:extLst>
           </p:cNvSpPr>
@@ -7787,7 +7452,7 @@
             <a:picLocks noChangeAspect="1"/>
             <a:extLst>
               <a:ext uri="smNativeData">
-                <pr:smNativeData xmlns="smNativeData" xmlns:pr="smNativeData" xmlns:p15="http://schemas.microsoft.com/office/powerpoint/2012/main" xmlns:p14="http://schemas.microsoft.com/office/powerpoint/2010/main" xmlns:mc="http://schemas.openxmlformats.org/markup-compatibility/2006" val="SMDATA_18_8bPwYBMAAAAlAAAAEQAAAC8BAAAAkAAAAEgAAACQAAAASAAAAAAAAAAAAAAAAAAAAAEAAABQAAAAAAAAAAAA4D8AAAAAAADgPwAAAAAAAOA/AAAAAAAA4D8AAAAAAADgPwAAAAAAAOA/AAAAAAAA4D8AAAAAAADgPwAAAAAAAOA/AAAAAAAA4D8CAAAAjAAAAAAAAAAAAAAARHLEDP///wgAAAAAAAAAAAAAAAAAAAAAAAAAAAAAAAAAAAAAZAAAAAEAAABAAAAAAAAAAAAAAAAAAAAAAAAAAAAAAAAAAAAAAAAAAAAAAAAAAAAAAAAAAAAAAAAAAAAAAAAAAAAAAAAAAAAAAAAAAAAAAAAAAAAAAAAAAAAAAAAAAAAAFAAAADwAAAAAAAAAAAAAAAAAAAkUAAAAAQAAABQAAAAUAAAAFAAAAAEAAAAAAAAAZAAAAGQAAAAAAAAAZAAAAGQAAAAVAAAAYAAAAAAAAAAAAAAADwAAACADAAAAAAAAAAAAAAEAAACgMgAAVgcAAKr4//8BAAAAf39/AAEAAABkAAAAAAAAABQAAABAHwAAAAAAACYAAAAAAAAAwOD//wAAAAAmAAAAZAAAABYAAABMAAAAAAAAAAAAAAAEAAAAAAAAAAEAAADn5uYKAAAAACgAAAAoAAAAZAAAAGQAAAAAAAAAzMzMAAAAAABQAAAAUAAAAGQAAABkAAAAAAAAAAcAAAA4AAAAAAAAAAAAAAAAAAAA////AAAAAAAAAAAAAAAAAAAAAAAAAAAAAAAAAAAAAABkAAAAZAAAAAAAAAAjAAAABAAAAGQAAAAXAAAAFAAAAAAAAAAAAAAA/38AAP9/AAAAAAAACQAAAAQAAAAgaQUEHgAAAGgAAAAAAAAAAAAAAAAAAAAAAAAAAAAAABAnAAAQJwAAAAAAAAAAAAAAAAAAAAAAAAAAAAAAAAAAAAAAAAAAAAAUAAAAAAAAAMDA/wAAAAAAZAAAADIAAAAAAAAAZAAAAAAAAAB/f38ACgAAACIAAAAYAAAAAAAAAAAAAAAAAAAAAAAAAAAAAAAAAAAAJAAAACQAAAAAAAAABwAAAAAAAAAAAAAAAAAAAAAAAAAAAAAAAAAAAH9/fwAlAAAAWAAAAAAAAAAAAAAAAAAAAAAAAAAAAAAAAAAAAAAAAAAAAAAAAAAAAAAAAAAAAAAAPwAAAAAAAACghgEAAAAAAAAAAAAAAAAADAAAAAEAAAAAAAAAAAAAAAAAAAAfAAAAVAAAAERyxAX///8BAAAAAAAAAAAAAAAAAAAAAAAAAAAAAAAAAAAAAAAAAAAAAAACf39/AOfm5gPMzMwAwMD/AH9/fwAAAAAAAAAAAAAAAAD///8AAAAAACEAAAAYAAAAFAAAAB4UAACEEAAA9B0AABUYAAAAAAAAJgAAAAgAAAD//////////zAAAAAUAAAAAAAAAAAA//8AAAEAAAD//wAAAQA="/>
+                <pr:smNativeData xmlns:mc="http://schemas.openxmlformats.org/markup-compatibility/2006" xmlns:p14="http://schemas.microsoft.com/office/powerpoint/2010/main" xmlns:p15="http://schemas.microsoft.com/office/powerpoint/2012/main" xmlns:pr="smNativeData" xmlns="smNativeData" val="SMDATA_18_8bPwYBMAAAAlAAAAEQAAAC8BAAAAkAAAAEgAAACQAAAASAAAAAAAAAAAAAAAAAAAAAEAAABQAAAAAAAAAAAA4D8AAAAAAADgPwAAAAAAAOA/AAAAAAAA4D8AAAAAAADgPwAAAAAAAOA/AAAAAAAA4D8AAAAAAADgPwAAAAAAAOA/AAAAAAAA4D8CAAAAjAAAAAAAAAAAAAAARHLEDP///wgAAAAAAAAAAAAAAAAAAAAAAAAAAAAAAAAAAAAAZAAAAAEAAABAAAAAAAAAAAAAAAAAAAAAAAAAAAAAAAAAAAAAAAAAAAAAAAAAAAAAAAAAAAAAAAAAAAAAAAAAAAAAAAAAAAAAAAAAAAAAAAAAAAAAAAAAAAAAAAAAAAAAFAAAADwAAAAAAAAAAAAAAAAAAAkUAAAAAQAAABQAAAAUAAAAFAAAAAEAAAAAAAAAZAAAAGQAAAAAAAAAZAAAAGQAAAAVAAAAYAAAAAAAAAAAAAAADwAAACADAAAAAAAAAAAAAAEAAACgMgAAVgcAAKr4//8BAAAAf39/AAEAAABkAAAAAAAAABQAAABAHwAAAAAAACYAAAAAAAAAwOD//wAAAAAmAAAAZAAAABYAAABMAAAAAAAAAAAAAAAEAAAAAAAAAAEAAADn5uYKAAAAACgAAAAoAAAAZAAAAGQAAAAAAAAAzMzMAAAAAABQAAAAUAAAAGQAAABkAAAAAAAAAAcAAAA4AAAAAAAAAAAAAAAAAAAA////AAAAAAAAAAAAAAAAAAAAAAAAAAAAAAAAAAAAAABkAAAAZAAAAAAAAAAjAAAABAAAAGQAAAAXAAAAFAAAAAAAAAAAAAAA/38AAP9/AAAAAAAACQAAAAQAAAAgaQUEHgAAAGgAAAAAAAAAAAAAAAAAAAAAAAAAAAAAABAnAAAQJwAAAAAAAAAAAAAAAAAAAAAAAAAAAAAAAAAAAAAAAAAAAAAUAAAAAAAAAMDA/wAAAAAAZAAAADIAAAAAAAAAZAAAAAAAAAB/f38ACgAAACIAAAAYAAAAAAAAAAAAAAAAAAAAAAAAAAAAAAAAAAAAJAAAACQAAAAAAAAABwAAAAAAAAAAAAAAAAAAAAAAAAAAAAAAAAAAAH9/fwAlAAAAWAAAAAAAAAAAAAAAAAAAAAAAAAAAAAAAAAAAAAAAAAAAAAAAAAAAAAAAAAAAAAAAPwAAAAAAAACghgEAAAAAAAAAAAAAAAAADAAAAAEAAAAAAAAAAAAAAAAAAAAfAAAAVAAAAERyxAX///8BAAAAAAAAAAAAAAAAAAAAAAAAAAAAAAAAAAAAAAAAAAAAAAACf39/AOfm5gPMzMwAwMD/AH9/fwAAAAAAAAAAAAAAAAD///8AAAAAACEAAAAYAAAAFAAAAB4UAACEEAAA9B0AABUYAAAAAAAAJgAAAAgAAAD//////////zAAAAAUAAAAAAAAAAAA//8AAAEAAAD//wAAAQA="/>
               </a:ext>
             </a:extLst>
           </p:cNvPicPr>
@@ -7820,7 +7485,7 @@
           <p:cNvSpPr>
             <a:extLst>
               <a:ext uri="smNativeData">
-                <pr:smNativeData xmlns="smNativeData" xmlns:pr="smNativeData" xmlns:p15="http://schemas.microsoft.com/office/powerpoint/2012/main" xmlns:p14="http://schemas.microsoft.com/office/powerpoint/2010/main" xmlns:mc="http://schemas.openxmlformats.org/markup-compatibility/2006" val="SMDATA_16_8bPwYBMAAAAlAAAACgAAAA8BAAAAkAAAAEgAAACQAAAASAAAAAAAAAAAAAAAAAAAAAEAAABQAAAAAAAAAAAA4D8AAAAAAADgPwAAAAAAAOA/AAAAAAAA4D8AAAAAAADgPwAAAAAAAOA/AAAAAAAA4D8AAAAAAADgPwAAAAAAAOA/AAAAAAAA4D8CAAAAjAAAAAAAAAAAAAAARHLEDP///wgAAAAAAAAAAAAAAAAAAAAAAAAAAAAAAAAAAAAAZAAAAAEAAABAAAAAAAAAAAAAAAAAAAAAAAAAAAAAAAAAAAAAAAAAAAAAAAAAAAAAAAAAAAAAAAAAAAAAAAAAAAAAAAAAAAAAAAAAAAAAAAAAAAAAAAAAAAAAAAAAAAAAFAAAADwAAAABAAAAAgAAAHCtRwAUAAAAAQAAABQAAAAUAAAAFAAAAAEAAAAAAAAAZAAAAGQAAAABAAAAlgAAAJYAAAAVAAAAYAAAAAAAAAAAAAAADwAAACADAAAAAAAAAAAAAAEAAACgMgAAVgcAAKr4//8BAAAAf39/AAEAAABkAAAAAAAAABQAAABAHwAAAAAAACYAAAAAAAAAwOD//wAAAAAmAAAAZAAAABYAAABMAAAAAAAAAAAAAAAEAAAAAAAAAAEAAADn5uYKAAAAACgAAAAoAAAAZAAAAGQAAAAAAAAAzMzMAAAAAABQAAAAUAAAAGQAAABkAAAAAAAAABcAAAAUAAAAAAAAAAAAAAD/fwAA/38AAAAAAAAJAAAABAAAAAAAAAAeAAAAaAAAAAAAAAAAAAAAAAAAAAAAAAAAAAAAECcAABAnAAAAAAAAAAAAAAAAAAAAAAAAAAAAAAAAAAAAAAAAAAAAABQAAAAAAAAAwMD/AAAAAABkAAAAMgAAAAAAAABkAAAAAAAAAH9/fwAKAAAAIgAAABgAAAAAAAAAAAAAAAAAAAAAAAAAAAAAAAAAAAAkAAAAJAAAAAAAAAAHAAAAAAAAAAAAAAAAAAAAAAAAAAAAAAAAAAAAf39/ACUAAABYAAAAAAAAAAAAAAAAAAAAAAAAAAAAAAAAAAAAAAAAAAAAAAAAAAAAAAAAAAAAAAA/AAAAAAAAAKCGAQAAAAAAAAAAAAAAAAAMAAAAAQAAAAAAAAAAAAAAAAAAAB8AAABUAAAARHLEBf///wEAAAAAAAAAAAAAAAAAAAAAAAAAAAAAAAAAAAAAAAAAAHCtRwx/f38A5+bmA8zMzADAwP8Af39/AAAAAAAAAAAAAAAAAAAAAAAAAAAAIQAAABgAAAAUAAAAbBoAAOAXAAAbHQAAvBkAAAAAAAAmAAAACAAAAP//////////MAAAABQAAAAAAAAAAAD//wAAAQAAAP//AAABAA=="/>
+                <pr:smNativeData xmlns:mc="http://schemas.openxmlformats.org/markup-compatibility/2006" xmlns:p14="http://schemas.microsoft.com/office/powerpoint/2010/main" xmlns:p15="http://schemas.microsoft.com/office/powerpoint/2012/main" xmlns:pr="smNativeData" xmlns="smNativeData" val="SMDATA_16_8bPwYBMAAAAlAAAACgAAAA8BAAAAkAAAAEgAAACQAAAASAAAAAAAAAAAAAAAAAAAAAEAAABQAAAAAAAAAAAA4D8AAAAAAADgPwAAAAAAAOA/AAAAAAAA4D8AAAAAAADgPwAAAAAAAOA/AAAAAAAA4D8AAAAAAADgPwAAAAAAAOA/AAAAAAAA4D8CAAAAjAAAAAAAAAAAAAAARHLEDP///wgAAAAAAAAAAAAAAAAAAAAAAAAAAAAAAAAAAAAAZAAAAAEAAABAAAAAAAAAAAAAAAAAAAAAAAAAAAAAAAAAAAAAAAAAAAAAAAAAAAAAAAAAAAAAAAAAAAAAAAAAAAAAAAAAAAAAAAAAAAAAAAAAAAAAAAAAAAAAAAAAAAAAFAAAADwAAAABAAAAAgAAAHCtRwAUAAAAAQAAABQAAAAUAAAAFAAAAAEAAAAAAAAAZAAAAGQAAAABAAAAlgAAAJYAAAAVAAAAYAAAAAAAAAAAAAAADwAAACADAAAAAAAAAAAAAAEAAACgMgAAVgcAAKr4//8BAAAAf39/AAEAAABkAAAAAAAAABQAAABAHwAAAAAAACYAAAAAAAAAwOD//wAAAAAmAAAAZAAAABYAAABMAAAAAAAAAAAAAAAEAAAAAAAAAAEAAADn5uYKAAAAACgAAAAoAAAAZAAAAGQAAAAAAAAAzMzMAAAAAABQAAAAUAAAAGQAAABkAAAAAAAAABcAAAAUAAAAAAAAAAAAAAD/fwAA/38AAAAAAAAJAAAABAAAAAAAAAAeAAAAaAAAAAAAAAAAAAAAAAAAAAAAAAAAAAAAECcAABAnAAAAAAAAAAAAAAAAAAAAAAAAAAAAAAAAAAAAAAAAAAAAABQAAAAAAAAAwMD/AAAAAABkAAAAMgAAAAAAAABkAAAAAAAAAH9/fwAKAAAAIgAAABgAAAAAAAAAAAAAAAAAAAAAAAAAAAAAAAAAAAAkAAAAJAAAAAAAAAAHAAAAAAAAAAAAAAAAAAAAAAAAAAAAAAAAAAAAf39/ACUAAABYAAAAAAAAAAAAAAAAAAAAAAAAAAAAAAAAAAAAAAAAAAAAAAAAAAAAAAAAAAAAAAA/AAAAAAAAAKCGAQAAAAAAAAAAAAAAAAAMAAAAAQAAAAAAAAAAAAAAAAAAAB8AAABUAAAARHLEBf///wEAAAAAAAAAAAAAAAAAAAAAAAAAAAAAAAAAAAAAAAAAAHCtRwx/f38A5+bmA8zMzADAwP8Af39/AAAAAAAAAAAAAAAAAAAAAAAAAAAAIQAAABgAAAAUAAAAbBoAAOAXAAAbHQAAvBkAAAAAAAAmAAAACAAAAP//////////MAAAABQAAAAAAAAAAAD//wAAAQAAAP//AAABAA=="/>
               </a:ext>
             </a:extLst>
           </p:cNvSpPr>
@@ -7852,7 +7517,7 @@
           <p:cNvSpPr>
             <a:extLst>
               <a:ext uri="smNativeData">
-                <pr:smNativeData xmlns="smNativeData" xmlns:pr="smNativeData" xmlns:p15="http://schemas.microsoft.com/office/powerpoint/2012/main" xmlns:p14="http://schemas.microsoft.com/office/powerpoint/2010/main" xmlns:mc="http://schemas.openxmlformats.org/markup-compatibility/2006" val="SMDATA_16_8bPwYBMAAAAlAAAACgAAAA8BAAAAkAAAAEgAAACQAAAASAAAAAAAAAAAAAAAAAAAAAEAAABQAAAAAAAAAAAA4D8AAAAAAADgPwAAAAAAAOA/AAAAAAAA4D8AAAAAAADgPwAAAAAAAOA/AAAAAAAA4D8AAAAAAADgPwAAAAAAAOA/AAAAAAAA4D8CAAAAjAAAAAAAAAAAAAAARHLEDP///wgAAAAAAAAAAAAAAAAAAAAAAAAAAAAAAAAAAAAAZAAAAAEAAABAAAAAAAAAAAAAAAAAAAAAAAAAAAAAAAAAAAAAAAAAAAAAAAAAAAAAAAAAAAAAAAAAAAAAAAAAAAAAAAAAAAAAAAAAAAAAAAAAAAAAAAAAAAAAAAAAAAAAFAAAADwAAAABAAAAAgAAAHCtRwAUAAAAAQAAABQAAAAUAAAAFAAAAAEAAAAAAAAAZAAAAGQAAAABAAAAlgAAAJYAAAAVAAAAYAAAAAAAAAAAAAAADwAAACADAAAAAAAAAAAAAAEAAACgMgAAVgcAAKr4//8BAAAAf39/AAEAAABkAAAAAAAAABQAAABAHwAAAAAAACYAAAAAAAAAwOD//wAAAAAmAAAAZAAAABYAAABMAAAAAAAAAAAAAAAEAAAAAAAAAAEAAADn5uYKAAAAACgAAAAoAAAAZAAAAGQAAAAAAAAAzMzMAAAAAABQAAAAUAAAAGQAAABkAAAAAAAAABcAAAAUAAAAAAAAAAAAAAD/fwAA/38AAAAAAAAJAAAABAAAAP///wAeAAAAaAAAAAAAAAAAAAAAAAAAAAAAAAAAAAAAECcAABAnAAAAAAAAAAAAAAAAAAAAAAAAAAAAAAAAAAAAAAAAAAAAABQAAAAAAAAAwMD/AAAAAABkAAAAMgAAAAAAAABkAAAAAAAAAH9/fwAKAAAAIgAAABgAAAAAAAAAAAAAAAAAAAAAAAAAAAAAAAAAAAAkAAAAJAAAAAAAAAAHAAAAAAAAAAAAAAAAAAAAAAAAAAAAAAAAAAAAf39/ACUAAABYAAAAAAAAAAAAAAAAAAAAAAAAAAAAAAAAAAAAAAAAAAAAAAAAAAAAAAAAAAAAAAA/AAAAAAAAAKCGAQAAAAAAAAAAAAAAAAAMAAAAAQAAAAAAAAAAAAAAAAAAAB8AAABUAAAARHLEBf///wEAAAAAAAAAAAAAAAAAAAAAAAAAAAAAAAAAAAAAAAAAAHCtRwx/f38A5+bmA8zMzADAwP8Af39/AAAAAAAAAAAAAAAAAAAAAAAAAAAAIQAAABgAAAAUAAAA4hwAAM0aAACnHwAAAR0AAAAAAAAmAAAACAAAAP//////////MAAAABQAAAAAAAAAAAD//wAAAQAAAP//AAABAA=="/>
+                <pr:smNativeData xmlns:mc="http://schemas.openxmlformats.org/markup-compatibility/2006" xmlns:p14="http://schemas.microsoft.com/office/powerpoint/2010/main" xmlns:p15="http://schemas.microsoft.com/office/powerpoint/2012/main" xmlns:pr="smNativeData" xmlns="smNativeData" val="SMDATA_16_8bPwYBMAAAAlAAAACgAAAA8BAAAAkAAAAEgAAACQAAAASAAAAAAAAAAAAAAAAAAAAAEAAABQAAAAAAAAAAAA4D8AAAAAAADgPwAAAAAAAOA/AAAAAAAA4D8AAAAAAADgPwAAAAAAAOA/AAAAAAAA4D8AAAAAAADgPwAAAAAAAOA/AAAAAAAA4D8CAAAAjAAAAAAAAAAAAAAARHLEDP///wgAAAAAAAAAAAAAAAAAAAAAAAAAAAAAAAAAAAAAZAAAAAEAAABAAAAAAAAAAAAAAAAAAAAAAAAAAAAAAAAAAAAAAAAAAAAAAAAAAAAAAAAAAAAAAAAAAAAAAAAAAAAAAAAAAAAAAAAAAAAAAAAAAAAAAAAAAAAAAAAAAAAAFAAAADwAAAABAAAAAgAAAHCtRwAUAAAAAQAAABQAAAAUAAAAFAAAAAEAAAAAAAAAZAAAAGQAAAABAAAAlgAAAJYAAAAVAAAAYAAAAAAAAAAAAAAADwAAACADAAAAAAAAAAAAAAEAAACgMgAAVgcAAKr4//8BAAAAf39/AAEAAABkAAAAAAAAABQAAABAHwAAAAAAACYAAAAAAAAAwOD//wAAAAAmAAAAZAAAABYAAABMAAAAAAAAAAAAAAAEAAAAAAAAAAEAAADn5uYKAAAAACgAAAAoAAAAZAAAAGQAAAAAAAAAzMzMAAAAAABQAAAAUAAAAGQAAABkAAAAAAAAABcAAAAUAAAAAAAAAAAAAAD/fwAA/38AAAAAAAAJAAAABAAAAP///wAeAAAAaAAAAAAAAAAAAAAAAAAAAAAAAAAAAAAAECcAABAnAAAAAAAAAAAAAAAAAAAAAAAAAAAAAAAAAAAAAAAAAAAAABQAAAAAAAAAwMD/AAAAAABkAAAAMgAAAAAAAABkAAAAAAAAAH9/fwAKAAAAIgAAABgAAAAAAAAAAAAAAAAAAAAAAAAAAAAAAAAAAAAkAAAAJAAAAAAAAAAHAAAAAAAAAAAAAAAAAAAAAAAAAAAAAAAAAAAAf39/ACUAAABYAAAAAAAAAAAAAAAAAAAAAAAAAAAAAAAAAAAAAAAAAAAAAAAAAAAAAAAAAAAAAAA/AAAAAAAAAKCGAQAAAAAAAAAAAAAAAAAMAAAAAQAAAAAAAAAAAAAAAAAAAB8AAABUAAAARHLEBf///wEAAAAAAAAAAAAAAAAAAAAAAAAAAAAAAAAAAAAAAAAAAHCtRwx/f38A5+bmA8zMzADAwP8Af39/AAAAAAAAAAAAAAAAAAAAAAAAAAAAIQAAABgAAAAUAAAA4hwAAM0aAACnHwAAAR0AAAAAAAAmAAAACAAAAP//////////MAAAABQAAAAAAAAAAAD//wAAAQAAAP//AAABAA=="/>
               </a:ext>
             </a:extLst>
           </p:cNvSpPr>
@@ -7884,7 +7549,7 @@
           <p:cNvSpPr>
             <a:extLst>
               <a:ext uri="smNativeData">
-                <pr:smNativeData xmlns="smNativeData" xmlns:pr="smNativeData" xmlns:p15="http://schemas.microsoft.com/office/powerpoint/2012/main" xmlns:p14="http://schemas.microsoft.com/office/powerpoint/2010/main" xmlns:mc="http://schemas.openxmlformats.org/markup-compatibility/2006" val="SMDATA_16_8bPwYBMAAAAlAAAACgAAAA8BAAAAkAAAAEgAAACQAAAASAAAAAAAAAAAAAAAAAAAAAEAAABQAAAAAAAAAAAA4D8AAAAAAADgPwAAAAAAAOA/AAAAAAAA4D8AAAAAAADgPwAAAAAAAOA/AAAAAAAA4D8AAAAAAADgPwAAAAAAAOA/AAAAAAAA4D8CAAAAjAAAAAAAAAAAAAAARHLEDP///wgAAAAAAAAAAAAAAAAAAAAAAAAAAAAAAAAAAAAAZAAAAAEAAABAAAAAAAAAAAAAAAAAAAAAAAAAAAAAAAAAAAAAAAAAAAAAAAAAAAAAAAAAAAAAAAAAAAAAAAAAAAAAAAAAAAAAAAAAAAAAAAAAAAAAAAAAAAAAAAAAAAAAFAAAADwAAAABAAAAAgAAAHCtRwAUAAAAAQAAABQAAAAUAAAAFAAAAAEAAAAAAAAAZAAAAGQAAAABAAAAlgAAAJYAAAAVAAAAYAAAAAAAAAAAAAAADwAAACADAAAAAAAAAAAAAAEAAACgMgAAVgcAAKr4//8BAAAAf39/AAEAAABkAAAAAAAAABQAAABAHwAAAAAAACYAAAAAAAAAwOD//wAAAAAmAAAAZAAAABYAAABMAAAAAAAAAAAAAAAEAAAAAAAAAAEAAADn5uYKAAAAACgAAAAoAAAAZAAAAGQAAAAAAAAAzMzMAAAAAABQAAAAUAAAAGQAAABkAAAAAAAAABcAAAAUAAAAAAAAAAAAAAD/fwAA/38AAAAAAAAJAAAABAAAAAAAAAAeAAAAaAAAAAAAAAAAAAAAAAAAAAAAAAAAAAAAECcAABAnAAAAAAAAAAAAAAAAAAAAAAAAAAAAAAAAAAAAAAAAAAAAABQAAAAAAAAAwMD/AAAAAABkAAAAMgAAAAAAAABkAAAAAAAAAH9/fwAKAAAAIgAAABgAAAAAAAAAAAAAAAAAAAAAAAAAAAAAAAAAAAAkAAAAJAAAAAAAAAAHAAAAAAAAAAAAAAAAAAAAAAAAAAAAAAAAAAAAf39/ACUAAABYAAAAAAAAAAAAAAAAAAAAAAAAAAAAAAAAAAAAAAAAAAAAAAAAAAAAAAAAAAAAAAA/AAAAAAAAAKCGAQAAAAAAAAAAAAAAAAAMAAAAAQAAAAAAAAAAAAAAAAAAAB8AAABUAAAARHLEBf///wEAAAAAAAAAAAAAAAAAAAAAAAAAAAAAAAAAAAAAAAAAAHCtRwx/f38A5+bmA8zMzADAwP8Af39/AAAAAAAAAAAAAAAAAAAAAAAAAAAAIQAAABgAAAAUAAAAxCkAAOAXAAA6LAAAfhkAAAAAAAAmAAAACAAAAP//////////MAAAABQAAAAAAAAAAAD//wAAAQAAAP//AAABAA=="/>
+                <pr:smNativeData xmlns:mc="http://schemas.openxmlformats.org/markup-compatibility/2006" xmlns:p14="http://schemas.microsoft.com/office/powerpoint/2010/main" xmlns:p15="http://schemas.microsoft.com/office/powerpoint/2012/main" xmlns:pr="smNativeData" xmlns="smNativeData" val="SMDATA_16_8bPwYBMAAAAlAAAACgAAAA8BAAAAkAAAAEgAAACQAAAASAAAAAAAAAAAAAAAAAAAAAEAAABQAAAAAAAAAAAA4D8AAAAAAADgPwAAAAAAAOA/AAAAAAAA4D8AAAAAAADgPwAAAAAAAOA/AAAAAAAA4D8AAAAAAADgPwAAAAAAAOA/AAAAAAAA4D8CAAAAjAAAAAAAAAAAAAAARHLEDP///wgAAAAAAAAAAAAAAAAAAAAAAAAAAAAAAAAAAAAAZAAAAAEAAABAAAAAAAAAAAAAAAAAAAAAAAAAAAAAAAAAAAAAAAAAAAAAAAAAAAAAAAAAAAAAAAAAAAAAAAAAAAAAAAAAAAAAAAAAAAAAAAAAAAAAAAAAAAAAAAAAAAAAFAAAADwAAAABAAAAAgAAAHCtRwAUAAAAAQAAABQAAAAUAAAAFAAAAAEAAAAAAAAAZAAAAGQAAAABAAAAlgAAAJYAAAAVAAAAYAAAAAAAAAAAAAAADwAAACADAAAAAAAAAAAAAAEAAACgMgAAVgcAAKr4//8BAAAAf39/AAEAAABkAAAAAAAAABQAAABAHwAAAAAAACYAAAAAAAAAwOD//wAAAAAmAAAAZAAAABYAAABMAAAAAAAAAAAAAAAEAAAAAAAAAAEAAADn5uYKAAAAACgAAAAoAAAAZAAAAGQAAAAAAAAAzMzMAAAAAABQAAAAUAAAAGQAAABkAAAAAAAAABcAAAAUAAAAAAAAAAAAAAD/fwAA/38AAAAAAAAJAAAABAAAAAAAAAAeAAAAaAAAAAAAAAAAAAAAAAAAAAAAAAAAAAAAECcAABAnAAAAAAAAAAAAAAAAAAAAAAAAAAAAAAAAAAAAAAAAAAAAABQAAAAAAAAAwMD/AAAAAABkAAAAMgAAAAAAAABkAAAAAAAAAH9/fwAKAAAAIgAAABgAAAAAAAAAAAAAAAAAAAAAAAAAAAAAAAAAAAAkAAAAJAAAAAAAAAAHAAAAAAAAAAAAAAAAAAAAAAAAAAAAAAAAAAAAf39/ACUAAABYAAAAAAAAAAAAAAAAAAAAAAAAAAAAAAAAAAAAAAAAAAAAAAAAAAAAAAAAAAAAAAA/AAAAAAAAAKCGAQAAAAAAAAAAAAAAAAAMAAAAAQAAAAAAAAAAAAAAAAAAAB8AAABUAAAARHLEBf///wEAAAAAAAAAAAAAAAAAAAAAAAAAAAAAAAAAAAAAAAAAAHCtRwx/f38A5+bmA8zMzADAwP8Af39/AAAAAAAAAAAAAAAAAAAAAAAAAAAAIQAAABgAAAAUAAAAxCkAAOAXAAA6LAAAfhkAAAAAAAAmAAAACAAAAP//////////MAAAABQAAAAAAAAAAAD//wAAAQAAAP//AAABAA=="/>
               </a:ext>
             </a:extLst>
           </p:cNvSpPr>
@@ -7916,7 +7581,7 @@
           <p:cNvSpPr>
             <a:extLst>
               <a:ext uri="smNativeData">
-                <pr:smNativeData xmlns="smNativeData" xmlns:pr="smNativeData" xmlns:p15="http://schemas.microsoft.com/office/powerpoint/2012/main" xmlns:p14="http://schemas.microsoft.com/office/powerpoint/2010/main" xmlns:mc="http://schemas.openxmlformats.org/markup-compatibility/2006" val="SMDATA_16_8bPwYBMAAAAlAAAACgAAAA8BAAAAkAAAAEgAAACQAAAASAAAAAAAAAAAAAAAAAAAAAEAAABQAAAAAAAAAAAA4D8AAAAAAADgPwAAAAAAAOA/AAAAAAAA4D8AAAAAAADgPwAAAAAAAOA/AAAAAAAA4D8AAAAAAADgPwAAAAAAAOA/AAAAAAAA4D8CAAAAjAAAAAAAAAAAAAAARHLEDP///wgAAAAAAAAAAAAAAAAAAAAAAAAAAAAAAAAAAAAAZAAAAAEAAABAAAAAAAAAAAAAAAAAAAAAAAAAAAAAAAAAAAAAAAAAAAAAAAAAAAAAAAAAAAAAAAAAAAAAAAAAAAAAAAAAAAAAAAAAAAAAAAAAAAAAAAAAAAAAAAAAAAAAFAAAADwAAAABAAAAAAAAAAAAAAkUAAAAAQAAABQAAAAUAAAAFAAAAAEAAAAAAAAAZAAAAGQAAAABAAAAlgAAAJYAAAAVAAAAYAAAAAAAAAAAAAAADwAAACADAAAAAAAAAAAAAAEAAACgMgAAVgcAAKr4//8BAAAAf39/AAEAAABkAAAAAAAAABQAAABAHwAAAAAAACYAAAAAAAAAwOD//wAAAAAmAAAAZAAAABYAAABMAAAAAAAAAAAAAAAEAAAAAAAAAAEAAADn5uYKAAAAACgAAAAoAAAAZAAAAGQAAAAAAAAAzMzMAAAAAABQAAAAUAAAAGQAAABkAAAAAAAAABcAAAAUAAAAAAAAAAAAAAD/fwAA/38AAAAAAAAJAAAABAAAAAAAAAAeAAAAaAAAAAAAAAAAAAAAAAAAAAAAAAAAAAAAECcAABAnAAAAAAAAAAAAAAAAAAAAAAAAAAAAAAAAAAAAAAAAAAAAABQAAAAAAAAAwMD/AAAAAABkAAAAMgAAAAAAAABkAAAAAAAAAH9/fwAKAAAAIgAAABgAAAAAAAAAAAAAAAAAAAAAAAAAAAAAAAAAAAAkAAAAJAAAAAAAAAAHAAAAAAAAAAAAAAAAAAAAAAAAAAAAAAAAAAAAf39/ACUAAABYAAAAAAAAAAAAAAAAAAAAAAAAAAAAAAAAAAAAAAAAAAAAAAAAAAAAAAAAAAAAAAA/AAAAAAAAAKCGAQAAAAAAAAAAAAAAAAAMAAAAAQAAAAAAAAAAAAAAAAAAAB8AAABUAAAARHLEBf///wEAAAAAAAAAAAAAAAAAAAAAAAAAAAAAAAAAAAAAAAAAAAAAAAJ/f38A5+bmA8zMzADAwP8Af39/AAAAAAAAAAAAAAAAAAAAAAAAAAAAIQAAABgAAAAUAAAA+goAACESAACbFQAAIxIAAAAAAAAmAAAACAAAAP//////////MAAAABQAAAAAAAAAAAD//wAAAQAAAP//AAABAA=="/>
+                <pr:smNativeData xmlns:mc="http://schemas.openxmlformats.org/markup-compatibility/2006" xmlns:p14="http://schemas.microsoft.com/office/powerpoint/2010/main" xmlns:p15="http://schemas.microsoft.com/office/powerpoint/2012/main" xmlns:pr="smNativeData" xmlns="smNativeData" val="SMDATA_16_8bPwYBMAAAAlAAAACgAAAA8BAAAAkAAAAEgAAACQAAAASAAAAAAAAAAAAAAAAAAAAAEAAABQAAAAAAAAAAAA4D8AAAAAAADgPwAAAAAAAOA/AAAAAAAA4D8AAAAAAADgPwAAAAAAAOA/AAAAAAAA4D8AAAAAAADgPwAAAAAAAOA/AAAAAAAA4D8CAAAAjAAAAAAAAAAAAAAARHLEDP///wgAAAAAAAAAAAAAAAAAAAAAAAAAAAAAAAAAAAAAZAAAAAEAAABAAAAAAAAAAAAAAAAAAAAAAAAAAAAAAAAAAAAAAAAAAAAAAAAAAAAAAAAAAAAAAAAAAAAAAAAAAAAAAAAAAAAAAAAAAAAAAAAAAAAAAAAAAAAAAAAAAAAAFAAAADwAAAABAAAAAAAAAAAAAAkUAAAAAQAAABQAAAAUAAAAFAAAAAEAAAAAAAAAZAAAAGQAAAABAAAAlgAAAJYAAAAVAAAAYAAAAAAAAAAAAAAADwAAACADAAAAAAAAAAAAAAEAAACgMgAAVgcAAKr4//8BAAAAf39/AAEAAABkAAAAAAAAABQAAABAHwAAAAAAACYAAAAAAAAAwOD//wAAAAAmAAAAZAAAABYAAABMAAAAAAAAAAAAAAAEAAAAAAAAAAEAAADn5uYKAAAAACgAAAAoAAAAZAAAAGQAAAAAAAAAzMzMAAAAAABQAAAAUAAAAGQAAABkAAAAAAAAABcAAAAUAAAAAAAAAAAAAAD/fwAA/38AAAAAAAAJAAAABAAAAAAAAAAeAAAAaAAAAAAAAAAAAAAAAAAAAAAAAAAAAAAAECcAABAnAAAAAAAAAAAAAAAAAAAAAAAAAAAAAAAAAAAAAAAAAAAAABQAAAAAAAAAwMD/AAAAAABkAAAAMgAAAAAAAABkAAAAAAAAAH9/fwAKAAAAIgAAABgAAAAAAAAAAAAAAAAAAAAAAAAAAAAAAAAAAAAkAAAAJAAAAAAAAAAHAAAAAAAAAAAAAAAAAAAAAAAAAAAAAAAAAAAAf39/ACUAAABYAAAAAAAAAAAAAAAAAAAAAAAAAAAAAAAAAAAAAAAAAAAAAAAAAAAAAAAAAAAAAAA/AAAAAAAAAKCGAQAAAAAAAAAAAAAAAAAMAAAAAQAAAAAAAAAAAAAAAAAAAB8AAABUAAAARHLEBf///wEAAAAAAAAAAAAAAAAAAAAAAAAAAAAAAAAAAAAAAAAAAAAAAAJ/f38A5+bmA8zMzADAwP8Af39/AAAAAAAAAAAAAAAAAAAAAAAAAAAAIQAAABgAAAAUAAAA+goAACESAACbFQAAIxIAAAAAAAAmAAAACAAAAP//////////MAAAABQAAAAAAAAAAAD//wAAAQAAAP//AAABAA=="/>
               </a:ext>
             </a:extLst>
           </p:cNvSpPr>
@@ -7948,7 +7613,7 @@
           <p:cNvSpPr>
             <a:extLst>
               <a:ext uri="smNativeData">
-                <pr:smNativeData xmlns="smNativeData" xmlns:pr="smNativeData" xmlns:p15="http://schemas.microsoft.com/office/powerpoint/2012/main" xmlns:p14="http://schemas.microsoft.com/office/powerpoint/2010/main" xmlns:mc="http://schemas.openxmlformats.org/markup-compatibility/2006" val="SMDATA_16_8bPwYBMAAAAlAAAACgAAAA8BAAAAkAAAAEgAAACQAAAASAAAAAAAAAAAAAAAAAAAAAEAAABQAAAAAAAAAAAA4D8AAAAAAADgPwAAAAAAAOA/AAAAAAAA4D8AAAAAAADgPwAAAAAAAOA/AAAAAAAA4D8AAAAAAADgPwAAAAAAAOA/AAAAAAAA4D8CAAAAjAAAAAAAAAAAAAAARHLEDP///wgAAAAAAAAAAAAAAAAAAAAAAAAAAAAAAAAAAAAAZAAAAAEAAABAAAAAAAAAAAAAAAAAAAAAAAAAAAAAAAAAAAAAAAAAAAAAAAAAAAAAAAAAAAAAAAAAAAAAAAAAAAAAAAAAAAAAAAAAAAAAAAAAAAAAAAAAAAAAAAAAAAAAFAAAADwAAAABAAAAAAAAAAAAAAkUAAAAAQAAABQAAAAUAAAAFAAAAAEAAAAAAAAAZAAAAGQAAAABAAAAlgAAAJYAAAAVAAAAYAAAAAAAAAAAAAAADwAAACADAAAAAAAAAAAAAAEAAACgMgAAVgcAAKr4//8BAAAAf39/AAEAAABkAAAAAAAAABQAAABAHwAAAAAAACYAAAAAAAAAwOD//wAAAAAmAAAAZAAAABYAAABMAAAAAAAAAAAAAAAEAAAAAAAAAAEAAADn5uYKAAAAACgAAAAoAAAAZAAAAGQAAAAAAAAAzMzMAAAAAABQAAAAUAAAAGQAAABkAAAAAAAAABcAAAAUAAAAAAAAAAAAAAD/fwAA/38AAAAAAAAJAAAABAAAAAAAAAAeAAAAaAAAAAAAAAAAAAAAAAAAAAAAAAAAAAAAECcAABAnAAAAAAAAAAAAAAAAAAAAAAAAAAAAAAAAAAAAAAAAAAAAABQAAAAAAAAAwMD/AAAAAABkAAAAMgAAAAAAAABkAAAAAAAAAH9/fwAKAAAAIgAAABgAAAAAAAAAAAAAAAAAAAAAAAAAAAAAAAAAAAAkAAAAJAAAAAAAAAAHAAAAAAAAAAAAAAAAAAAAAAAAAAAAAAAAAAAAf39/ACUAAABYAAAAAAAAAAAAAAAAAAAAAAAAAAAAAAAAAAAAAAAAAAAAAAAAAAAAAAAAAAAAAAA/AAAAAAAAAKCGAQAAAAAAAAAAAAAAAAAMAAAAAQAAAAAAAAAAAAAAAAAAAB8AAABUAAAARHLEBf///wEAAAAAAAAAAAAAAAAAAAAAAAAAAAAAAAAAAAAAAAAAAAAAAAJ/f38A5+bmA8zMzADAwP8Af39/AAAAAAAAAAAAAAAAAAAAAAAAAAAAIQAAABgAAAAUAAAAqB0AACESAADGJgAAIxIAAAAAAAAmAAAACAAAAP//////////MAAAABQAAAAAAAAAAAD//wAAAQAAAP//AAABAA=="/>
+                <pr:smNativeData xmlns:mc="http://schemas.openxmlformats.org/markup-compatibility/2006" xmlns:p14="http://schemas.microsoft.com/office/powerpoint/2010/main" xmlns:p15="http://schemas.microsoft.com/office/powerpoint/2012/main" xmlns:pr="smNativeData" xmlns="smNativeData" val="SMDATA_16_8bPwYBMAAAAlAAAACgAAAA8BAAAAkAAAAEgAAACQAAAASAAAAAAAAAAAAAAAAAAAAAEAAABQAAAAAAAAAAAA4D8AAAAAAADgPwAAAAAAAOA/AAAAAAAA4D8AAAAAAADgPwAAAAAAAOA/AAAAAAAA4D8AAAAAAADgPwAAAAAAAOA/AAAAAAAA4D8CAAAAjAAAAAAAAAAAAAAARHLEDP///wgAAAAAAAAAAAAAAAAAAAAAAAAAAAAAAAAAAAAAZAAAAAEAAABAAAAAAAAAAAAAAAAAAAAAAAAAAAAAAAAAAAAAAAAAAAAAAAAAAAAAAAAAAAAAAAAAAAAAAAAAAAAAAAAAAAAAAAAAAAAAAAAAAAAAAAAAAAAAAAAAAAAAFAAAADwAAAABAAAAAAAAAAAAAAkUAAAAAQAAABQAAAAUAAAAFAAAAAEAAAAAAAAAZAAAAGQAAAABAAAAlgAAAJYAAAAVAAAAYAAAAAAAAAAAAAAADwAAACADAAAAAAAAAAAAAAEAAACgMgAAVgcAAKr4//8BAAAAf39/AAEAAABkAAAAAAAAABQAAABAHwAAAAAAACYAAAAAAAAAwOD//wAAAAAmAAAAZAAAABYAAABMAAAAAAAAAAAAAAAEAAAAAAAAAAEAAADn5uYKAAAAACgAAAAoAAAAZAAAAGQAAAAAAAAAzMzMAAAAAABQAAAAUAAAAGQAAABkAAAAAAAAABcAAAAUAAAAAAAAAAAAAAD/fwAA/38AAAAAAAAJAAAABAAAAAAAAAAeAAAAaAAAAAAAAAAAAAAAAAAAAAAAAAAAAAAAECcAABAnAAAAAAAAAAAAAAAAAAAAAAAAAAAAAAAAAAAAAAAAAAAAABQAAAAAAAAAwMD/AAAAAABkAAAAMgAAAAAAAABkAAAAAAAAAH9/fwAKAAAAIgAAABgAAAAAAAAAAAAAAAAAAAAAAAAAAAAAAAAAAAAkAAAAJAAAAAAAAAAHAAAAAAAAAAAAAAAAAAAAAAAAAAAAAAAAAAAAf39/ACUAAABYAAAAAAAAAAAAAAAAAAAAAAAAAAAAAAAAAAAAAAAAAAAAAAAAAAAAAAAAAAAAAAA/AAAAAAAAAKCGAQAAAAAAAAAAAAAAAAAMAAAAAQAAAAAAAAAAAAAAAAAAAB8AAABUAAAARHLEBf///wEAAAAAAAAAAAAAAAAAAAAAAAAAAAAAAAAAAAAAAAAAAAAAAAJ/f38A5+bmA8zMzADAwP8Af39/AAAAAAAAAAAAAAAAAAAAAAAAAAAAIQAAABgAAAAUAAAAqB0AACESAADGJgAAIxIAAAAAAAAmAAAACAAAAP//////////MAAAABQAAAAAAAAAAAD//wAAAQAAAP//AAABAA=="/>
               </a:ext>
             </a:extLst>
           </p:cNvSpPr>
@@ -7980,7 +7645,7 @@
           <p:cNvSpPr txBox="1">
             <a:extLst>
               <a:ext uri="smNativeData">
-                <pr:smNativeData xmlns="smNativeData" xmlns:pr="smNativeData" xmlns:p15="http://schemas.microsoft.com/office/powerpoint/2012/main" xmlns:p14="http://schemas.microsoft.com/office/powerpoint/2010/main" xmlns:mc="http://schemas.openxmlformats.org/markup-compatibility/2006" val="SMDATA_16_8bPwYBMAAAAlAAAAEgAAAE8BAAAAkAAAAEgAAACQAAAASAAAAAAAAAAAAAAAAAAAAAEAAABQAAAAAAAAAAAA4D8AAAAAAADgPwAAAAAAAOA/AAAAAAAA4D8AAAAAAADgPwAAAAAAAOA/AAAAAAAA4D8AAAAAAADgPwAAAAAAAOA/AAAAAAAA4D8CAAAAjAAAAAAAAAAAAAAARHLEDP///wgAAAAAAAAAAAAAAAAAAAAAAAAAAAAAAAAAAAAAZAAAAAEAAABAAAAAAAAAAAAAAAAAAAAAAAAAAAAAAAAAAAAAAAAAAAAAAAAAAAAAAAAAAAAAAAAAAAAAAAAAAAAAAAAAAAAAAAAAAAAAAAAAAAAAAAAAAAAAAAAAAAAAFAAAADwAAAAAAAAAAAAAAAAAAAkUAAAAAQAAABQAAAAUAAAAFAAAAAEAAAAAAAAAZAAAAGQAAAAAAAAAZAAAAGQAAAAVAAAAYAAAAAAAAAAAAAAADwAAACADAAAAAAAAAAAAAAEAAACgMgAAVgcAAKr4//8BAAAAf39/AAEAAABkAAAAAAAAABQAAABAHwAAAAAAACYAAAAAAAAAwOD//wAAAAAmAAAAZAAAABYAAABMAAAAAAAAAAAAAAAEAAAAAAAAAAEAAADn5uYKAAAAACgAAAAoAAAAZAAAAGQAAAAAAAAAzMzMAAAAAABQAAAAUAAAAGQAAABkAAAAAAAAABcAAAAUAAAAAAAAAFgBAAD/fwAA/38AAAAAAAAJAAAABAAAAAABAAEeAAAAaAAAAAAAAAAAAAAAAAAAAAAAAAAAAAAAECcAABAnAAAAAAAAAAAAAAAAAAAAAAAAAAAAAAAAAAAAAAAAAAAAABQAAAAAAAAAwMD/AAAAAABkAAAAMgAAAAAAAABkAAAAAAAAAH9/fwAKAAAAIgAAABgAAAAAAAAAAAAAAAAAAAAAAAAAAAAAAAAAAAAkAAAAJAAAAAAAAAAHAAAAAAAAAAAAAAAAAAAAAAAAAAAAAAAAAAAAf39/ACUAAABYAAAAAAAAAAAAAAAAAAAAAAAAAAAAAAAAAAAAAAAAAAAAAAAAAAAAAAAAAAAAAAA/AAAAAAAAAKCGAQAAAAAAAAAAAAAAAAAMAAAAAQAAAAAAAAAAAAAAAAAAAB8AAABUAAAARHLEBf///wEAAAAAAAAAAAAAAAAAAAAAAAAAAAAAAAAAAAAAAAAAAAAAAAJ/f38A5+bmA8zMzADAwP8Af39/AAAAAAAAAAAAAAAAAAAAAAAAAAAAIQAAABgAAAAUAAAAlA0AANcQAAAeFAAApxMAAAAgAAAmAAAACAAAAP//////////MAAAABQAAAAAAAAAAAD//wAAAQAAAP//AAABAA=="/>
+                <pr:smNativeData xmlns:mc="http://schemas.openxmlformats.org/markup-compatibility/2006" xmlns:p14="http://schemas.microsoft.com/office/powerpoint/2010/main" xmlns:p15="http://schemas.microsoft.com/office/powerpoint/2012/main" xmlns:pr="smNativeData" xmlns="smNativeData" val="SMDATA_16_8bPwYBMAAAAlAAAAEgAAAE8BAAAAkAAAAEgAAACQAAAASAAAAAAAAAAAAAAAAAAAAAEAAABQAAAAAAAAAAAA4D8AAAAAAADgPwAAAAAAAOA/AAAAAAAA4D8AAAAAAADgPwAAAAAAAOA/AAAAAAAA4D8AAAAAAADgPwAAAAAAAOA/AAAAAAAA4D8CAAAAjAAAAAAAAAAAAAAARHLEDP///wgAAAAAAAAAAAAAAAAAAAAAAAAAAAAAAAAAAAAAZAAAAAEAAABAAAAAAAAAAAAAAAAAAAAAAAAAAAAAAAAAAAAAAAAAAAAAAAAAAAAAAAAAAAAAAAAAAAAAAAAAAAAAAAAAAAAAAAAAAAAAAAAAAAAAAAAAAAAAAAAAAAAAFAAAADwAAAAAAAAAAAAAAAAAAAkUAAAAAQAAABQAAAAUAAAAFAAAAAEAAAAAAAAAZAAAAGQAAAAAAAAAZAAAAGQAAAAVAAAAYAAAAAAAAAAAAAAADwAAACADAAAAAAAAAAAAAAEAAACgMgAAVgcAAKr4//8BAAAAf39/AAEAAABkAAAAAAAAABQAAABAHwAAAAAAACYAAAAAAAAAwOD//wAAAAAmAAAAZAAAABYAAABMAAAAAAAAAAAAAAAEAAAAAAAAAAEAAADn5uYKAAAAACgAAAAoAAAAZAAAAGQAAAAAAAAAzMzMAAAAAABQAAAAUAAAAGQAAABkAAAAAAAAABcAAAAUAAAAAAAAAFgBAAD/fwAA/38AAAAAAAAJAAAABAAAAAABAAEeAAAAaAAAAAAAAAAAAAAAAAAAAAAAAAAAAAAAECcAABAnAAAAAAAAAAAAAAAAAAAAAAAAAAAAAAAAAAAAAAAAAAAAABQAAAAAAAAAwMD/AAAAAABkAAAAMgAAAAAAAABkAAAAAAAAAH9/fwAKAAAAIgAAABgAAAAAAAAAAAAAAAAAAAAAAAAAAAAAAAAAAAAkAAAAJAAAAAAAAAAHAAAAAAAAAAAAAAAAAAAAAAAAAAAAAAAAAAAAf39/ACUAAABYAAAAAAAAAAAAAAAAAAAAAAAAAAAAAAAAAAAAAAAAAAAAAAAAAAAAAAAAAAAAAAA/AAAAAAAAAKCGAQAAAAAAAAAAAAAAAAAMAAAAAQAAAAAAAAAAAAAAAAAAAB8AAABUAAAARHLEBf///wEAAAAAAAAAAAAAAAAAAAAAAAAAAAAAAAAAAAAAAAAAAAAAAAJ/f38A5+bmA8zMzADAwP8Af39/AAAAAAAAAAAAAAAAAAAAAAAAAAAAIQAAABgAAAAUAAAAlA0AANcQAAAeFAAApxMAAAAgAAAmAAAACAAAAP//////////MAAAABQAAAAAAAAAAAD//wAAAQAAAP//AAABAA=="/>
               </a:ext>
             </a:extLst>
           </p:cNvSpPr>
@@ -8027,7 +7692,7 @@
           <p:cNvSpPr txBox="1">
             <a:extLst>
               <a:ext uri="smNativeData">
-                <pr:smNativeData xmlns="smNativeData" xmlns:pr="smNativeData" xmlns:p15="http://schemas.microsoft.com/office/powerpoint/2012/main" xmlns:p14="http://schemas.microsoft.com/office/powerpoint/2010/main" xmlns:mc="http://schemas.openxmlformats.org/markup-compatibility/2006" val="SMDATA_16_8bPwYBMAAAAlAAAAEgAAAE8BAAAAkAAAAEgAAACQAAAASAAAAAAAAAAAAAAAAAAAAAEAAABQAAAAAAAAAAAA4D8AAAAAAADgPwAAAAAAAOA/AAAAAAAA4D8AAAAAAADgPwAAAAAAAOA/AAAAAAAA4D8AAAAAAADgPwAAAAAAAOA/AAAAAAAA4D8CAAAAjAAAAAAAAAAAAAAARHLEDP///wgAAAAAAAAAAAAAAAAAAAAAAAAAAAAAAAAAAAAAZAAAAAEAAABAAAAAAAAAAAAAAAAAAAAAAAAAAAAAAAAAAAAAAAAAAAAAAAAAAAAAAAAAAAAAAAAAAAAAAAAAAAAAAAAAAAAAAAAAAAAAAAAAAAAAAAAAAAAAAAAAAAAAFAAAADwAAAAAAAAAAAAAAAAAAAkUAAAAAQAAABQAAAAUAAAAFAAAAAEAAAAAAAAAZAAAAGQAAAAAAAAAZAAAAGQAAAAVAAAAYAAAAAAAAAAAAAAADwAAACADAAAAAAAAAAAAAAEAAACgMgAAVgcAAKr4//8BAAAAf39/AAEAAABkAAAAAAAAABQAAABAHwAAAAAAACYAAAAAAAAAwOD//wAAAAAmAAAAZAAAABYAAABMAAAAAAAAAAAAAAAEAAAAAAAAAAEAAADn5uYKAAAAACgAAAAoAAAAZAAAAGQAAAAAAAAAzMzMAAAAAABQAAAAUAAAAGQAAABkAAAAAAAAABcAAAAUAAAAAAAAAFgBAAD/fwAA/38AAAAAAAAJAAAABAAAAAABAAEeAAAAaAAAAAAAAAAAAAAAAAAAAAAAAAAAAAAAECcAABAnAAAAAAAAAAAAAAAAAAAAAAAAAAAAAAAAAAAAAAAAAAAAABQAAAAAAAAAwMD/AAAAAABkAAAAMgAAAAAAAABkAAAAAAAAAH9/fwAKAAAAIgAAABgAAAAAAAAAAAAAAAAAAAAAAAAAAAAAAAAAAAAkAAAAJAAAAAAAAAAHAAAAAAAAAAAAAAAAAAAAAAAAAAAAAAAAAAAAf39/ACUAAABYAAAAAAAAAAAAAAAAAAAAAAAAAAAAAAAAAAAAAAAAAAAAAAAAAAAAAAAAAAAAAAA/AAAAAAAAAKCGAQAAAAAAAAAAAAAAAAAMAAAAAQAAAAAAAAAAAAAAAAAAAB8AAABUAAAARHLEBf///wEAAAAAAAAAAAAAAAAAAAAAAAAAAAAAAAAAAAAAAAAAAAAAAAJ/f38A5+bmA8zMzADAwP8Af39/AAAAAAAAAAAAAAAAAAAAAAAAAAAAIQAAABgAAAAUAAAAVR8AALoQAADfJQAAihMAAAAgAAAmAAAACAAAAP//////////MAAAABQAAAAAAAAAAAD//wAAAQAAAP//AAABAA=="/>
+                <pr:smNativeData xmlns:mc="http://schemas.openxmlformats.org/markup-compatibility/2006" xmlns:p14="http://schemas.microsoft.com/office/powerpoint/2010/main" xmlns:p15="http://schemas.microsoft.com/office/powerpoint/2012/main" xmlns:pr="smNativeData" xmlns="smNativeData" val="SMDATA_16_8bPwYBMAAAAlAAAAEgAAAE8BAAAAkAAAAEgAAACQAAAASAAAAAAAAAAAAAAAAAAAAAEAAABQAAAAAAAAAAAA4D8AAAAAAADgPwAAAAAAAOA/AAAAAAAA4D8AAAAAAADgPwAAAAAAAOA/AAAAAAAA4D8AAAAAAADgPwAAAAAAAOA/AAAAAAAA4D8CAAAAjAAAAAAAAAAAAAAARHLEDP///wgAAAAAAAAAAAAAAAAAAAAAAAAAAAAAAAAAAAAAZAAAAAEAAABAAAAAAAAAAAAAAAAAAAAAAAAAAAAAAAAAAAAAAAAAAAAAAAAAAAAAAAAAAAAAAAAAAAAAAAAAAAAAAAAAAAAAAAAAAAAAAAAAAAAAAAAAAAAAAAAAAAAAFAAAADwAAAAAAAAAAAAAAAAAAAkUAAAAAQAAABQAAAAUAAAAFAAAAAEAAAAAAAAAZAAAAGQAAAAAAAAAZAAAAGQAAAAVAAAAYAAAAAAAAAAAAAAADwAAACADAAAAAAAAAAAAAAEAAACgMgAAVgcAAKr4//8BAAAAf39/AAEAAABkAAAAAAAAABQAAABAHwAAAAAAACYAAAAAAAAAwOD//wAAAAAmAAAAZAAAABYAAABMAAAAAAAAAAAAAAAEAAAAAAAAAAEAAADn5uYKAAAAACgAAAAoAAAAZAAAAGQAAAAAAAAAzMzMAAAAAABQAAAAUAAAAGQAAABkAAAAAAAAABcAAAAUAAAAAAAAAFgBAAD/fwAA/38AAAAAAAAJAAAABAAAAAABAAEeAAAAaAAAAAAAAAAAAAAAAAAAAAAAAAAAAAAAECcAABAnAAAAAAAAAAAAAAAAAAAAAAAAAAAAAAAAAAAAAAAAAAAAABQAAAAAAAAAwMD/AAAAAABkAAAAMgAAAAAAAABkAAAAAAAAAH9/fwAKAAAAIgAAABgAAAAAAAAAAAAAAAAAAAAAAAAAAAAAAAAAAAAkAAAAJAAAAAAAAAAHAAAAAAAAAAAAAAAAAAAAAAAAAAAAAAAAAAAAf39/ACUAAABYAAAAAAAAAAAAAAAAAAAAAAAAAAAAAAAAAAAAAAAAAAAAAAAAAAAAAAAAAAAAAAA/AAAAAAAAAKCGAQAAAAAAAAAAAAAAAAAMAAAAAQAAAAAAAAAAAAAAAAAAAB8AAABUAAAARHLEBf///wEAAAAAAAAAAAAAAAAAAAAAAAAAAAAAAAAAAAAAAAAAAAAAAAJ/f38A5+bmA8zMzADAwP8Af39/AAAAAAAAAAAAAAAAAAAAAAAAAAAAIQAAABgAAAAUAAAAVR8AALoQAADfJQAAihMAAAAgAAAmAAAACAAAAP//////////MAAAABQAAAAAAAAAAAD//wAAAQAAAP//AAABAA=="/>
               </a:ext>
             </a:extLst>
           </p:cNvSpPr>
@@ -8074,7 +7739,7 @@
           <p:cNvSpPr txBox="1">
             <a:extLst>
               <a:ext uri="smNativeData">
-                <pr:smNativeData xmlns="smNativeData" xmlns:pr="smNativeData" xmlns:p15="http://schemas.microsoft.com/office/powerpoint/2012/main" xmlns:p14="http://schemas.microsoft.com/office/powerpoint/2010/main" xmlns:mc="http://schemas.openxmlformats.org/markup-compatibility/2006" val="SMDATA_16_8bPwYBMAAAAlAAAAEgAAAA8BAAAAkAAAAEgAAACQAAAASAAAAAAAAAAAAAAAAAAAAAEAAABQAAAAAAAAAAAA4D8AAAAAAADgPwAAAAAAAOA/AAAAAAAA4D8AAAAAAADgPwAAAAAAAOA/AAAAAAAA4D8AAAAAAADgPwAAAAAAAOA/AAAAAAAA4D8CAAAAjAAAAAAAAAAAAAAARHLEDP///wgAAAAAAAAAAAAAAAAAAAAAAAAAAAAAAAAAAAAAZAAAAAEAAABAAAAAAAAAAAAAAAAAAAAAAAAAAAAAAAAAAAAAAAAAAAAAAAAAAAAAAAAAAAAAAAAAAAAAAAAAAAAAAAAAAAAAAAAAAAAAAAAAAAAAAAAAAAAAAAAAAAAAFAAAADwAAAAAAAAAAAAAAAAAAAkUAAAAAQAAABQAAAAUAAAAFAAAAAEAAAAAAAAAZAAAAGQAAAAAAAAAZAAAAGQAAAAVAAAAYAAAAAAAAAAAAAAADwAAACADAAAAAAAAAAAAAAEAAACgMgAAVgcAAKr4//8BAAAAf39/AAEAAABkAAAAAAAAABQAAABAHwAAAAAAACYAAAAAAAAAwOD//wAAAAAmAAAAZAAAABYAAABMAAAAAAAAAAAAAAAEAAAAAAAAAAEAAADn5uYKAAAAACgAAAAoAAAAZAAAAGQAAAAAAAAAzMzMAAAAAABQAAAAUAAAAGQAAABkAAAAAAAAABcAAAAUAAAAAAAAAAAAAAD/fwAA/38AAAAAAAAJAAAABAAAAAABAAEeAAAAaAAAAAAAAAAAAAAAAAAAAAAAAAAAAAAAECcAABAnAAAAAAAAAAAAAAAAAAAAAAAAAAAAAAAAAAAAAAAAAAAAABQAAAAAAAAAwMD/AAAAAABkAAAAMgAAAAAAAABkAAAAAAAAAH9/fwAKAAAAIgAAABgAAAAAAAAAAAAAAAAAAAAAAAAAAAAAAAAAAAAkAAAAJAAAAAAAAAAHAAAAAAAAAAAAAAAAAAAAAAAAAAAAAAAAAAAAf39/ACUAAABYAAAAAAAAAAAAAAAAAAAAAAAAAAAAAAAAAAAAAAAAAAAAAAAAAAAAAAAAAAAAAAA/AAAAAAAAAKCGAQAAAAAAAAAAAAAAAAAMAAAAAQAAAAAAAAAAAAAAAAAAAB8AAABUAAAARHLEBf///wEAAAAAAAAAAAAAAAAAAAAAAAAAAAAAAAAAAAAAAAAAAAAAAAJ/f38A5+bmA8zMzADAwP8Af39/AAAAAAAAAAAAAAAAAAAAAAAAAAAAIQAAABgAAAAUAAAAngEAADIfAACjNgAAJigAAAAAAAAmAAAACAAAAP//////////MAAAABQAAAAAAAAAAAD//wAAAQAAAP//AAABAA=="/>
+                <pr:smNativeData xmlns:mc="http://schemas.openxmlformats.org/markup-compatibility/2006" xmlns:p14="http://schemas.microsoft.com/office/powerpoint/2010/main" xmlns:p15="http://schemas.microsoft.com/office/powerpoint/2012/main" xmlns:pr="smNativeData" xmlns="smNativeData" val="SMDATA_16_8bPwYBMAAAAlAAAAEgAAAA8BAAAAkAAAAEgAAACQAAAASAAAAAAAAAAAAAAAAAAAAAEAAABQAAAAAAAAAAAA4D8AAAAAAADgPwAAAAAAAOA/AAAAAAAA4D8AAAAAAADgPwAAAAAAAOA/AAAAAAAA4D8AAAAAAADgPwAAAAAAAOA/AAAAAAAA4D8CAAAAjAAAAAAAAAAAAAAARHLEDP///wgAAAAAAAAAAAAAAAAAAAAAAAAAAAAAAAAAAAAAZAAAAAEAAABAAAAAAAAAAAAAAAAAAAAAAAAAAAAAAAAAAAAAAAAAAAAAAAAAAAAAAAAAAAAAAAAAAAAAAAAAAAAAAAAAAAAAAAAAAAAAAAAAAAAAAAAAAAAAAAAAAAAAFAAAADwAAAAAAAAAAAAAAAAAAAkUAAAAAQAAABQAAAAUAAAAFAAAAAEAAAAAAAAAZAAAAGQAAAAAAAAAZAAAAGQAAAAVAAAAYAAAAAAAAAAAAAAADwAAACADAAAAAAAAAAAAAAEAAACgMgAAVgcAAKr4//8BAAAAf39/AAEAAABkAAAAAAAAABQAAABAHwAAAAAAACYAAAAAAAAAwOD//wAAAAAmAAAAZAAAABYAAABMAAAAAAAAAAAAAAAEAAAAAAAAAAEAAADn5uYKAAAAACgAAAAoAAAAZAAAAGQAAAAAAAAAzMzMAAAAAABQAAAAUAAAAGQAAABkAAAAAAAAABcAAAAUAAAAAAAAAAAAAAD/fwAA/38AAAAAAAAJAAAABAAAAAABAAEeAAAAaAAAAAAAAAAAAAAAAAAAAAAAAAAAAAAAECcAABAnAAAAAAAAAAAAAAAAAAAAAAAAAAAAAAAAAAAAAAAAAAAAABQAAAAAAAAAwMD/AAAAAABkAAAAMgAAAAAAAABkAAAAAAAAAH9/fwAKAAAAIgAAABgAAAAAAAAAAAAAAAAAAAAAAAAAAAAAAAAAAAAkAAAAJAAAAAAAAAAHAAAAAAAAAAAAAAAAAAAAAAAAAAAAAAAAAAAAf39/ACUAAABYAAAAAAAAAAAAAAAAAAAAAAAAAAAAAAAAAAAAAAAAAAAAAAAAAAAAAAAAAAAAAAA/AAAAAAAAAKCGAQAAAAAAAAAAAAAAAAAMAAAAAQAAAAAAAAAAAAAAAAAAAB8AAABUAAAARHLEBf///wEAAAAAAAAAAAAAAAAAAAAAAAAAAAAAAAAAAAAAAAAAAAAAAAJ/f38A5+bmA8zMzADAwP8Af39/AAAAAAAAAAAAAAAAAAAAAAAAAAAAIQAAABgAAAAUAAAAngEAADIfAACjNgAAJigAAAAAAAAmAAAACAAAAP//////////MAAAABQAAAAAAAAAAAD//wAAAQAAAP//AAABAA=="/>
               </a:ext>
             </a:extLst>
           </p:cNvSpPr>
@@ -8098,7 +7763,7 @@
           <a:bodyPr vert="horz" wrap="square" numCol="1" spcCol="215900" anchor="t"/>
           <a:lstStyle/>
           <a:p>
-            <a:pPr algn="l">
+            <a:pPr marL="173038" indent="-173038" algn="l">
               <a:lnSpc>
                 <a:spcPct val="100000"/>
               </a:lnSpc>
@@ -8117,7 +7782,16 @@
               </a:defRPr>
             </a:pPr>
             <a:r>
-              <a:t>Unawareness structures: studied in game theory wrt unintentional unawareness</a:t>
+              <a:rPr dirty="0"/>
+              <a:t>Unawareness structures: studied in game theory </a:t>
+            </a:r>
+            <a:r>
+              <a:rPr dirty="0" err="1"/>
+              <a:t>wrt</a:t>
+            </a:r>
+            <a:r>
+              <a:rPr dirty="0"/>
+              <a:t> unintentional unawareness</a:t>
             </a:r>
           </a:p>
           <a:p>
@@ -8142,11 +7816,12 @@
               </a:defRPr>
             </a:pPr>
             <a:r>
+              <a:rPr dirty="0"/>
               <a:t>Map objective states to subjective states that reflect unawareness</a:t>
             </a:r>
           </a:p>
           <a:p>
-            <a:pPr algn="l">
+            <a:pPr marL="173038" indent="-173038" algn="l">
               <a:lnSpc>
                 <a:spcPct val="100000"/>
               </a:lnSpc>
@@ -8165,6 +7840,7 @@
               </a:defRPr>
             </a:pPr>
             <a:r>
+              <a:rPr dirty="0"/>
               <a:t>Here, the intention determines what aspects of the world do not register with the decision maker</a:t>
             </a:r>
           </a:p>
@@ -8190,7 +7866,8 @@
               </a:defRPr>
             </a:pPr>
             <a:r>
-              <a:t>Note: if A is really best, Brian’s infant gets second-best ... which is better than nothing at all!</a:t>
+              <a:rPr dirty="0"/>
+              <a:t>Note: if A is really best, toddler gets second-best ... which is better than nothing at all!</a:t>
             </a:r>
           </a:p>
         </p:txBody>
@@ -8201,7 +7878,7 @@
           <p:cNvSpPr>
             <a:extLst>
               <a:ext uri="smNativeData">
-                <pr:smNativeData xmlns="smNativeData" xmlns:pr="smNativeData" xmlns:p15="http://schemas.microsoft.com/office/powerpoint/2012/main" xmlns:p14="http://schemas.microsoft.com/office/powerpoint/2010/main" xmlns:mc="http://schemas.openxmlformats.org/markup-compatibility/2006" val="SMDATA_16_8bPwYBMAAAAlAAAACgAAAA8BAAAAkAAAAEgAAACQAAAASAAAAAAAAAAAAAAAAAAAAAEAAABQAAAAAAAAAAAA4D8AAAAAAADgPwAAAAAAAOA/AAAAAAAA4D8AAAAAAADgPwAAAAAAAOA/AAAAAAAA4D8AAAAAAADgPwAAAAAAAOA/AAAAAAAA4D8CAAAAjAAAAAAAAAAAAAAARHLEDP///wgAAAAAAAAAAAAAAAAAAAAAAAAAAAAAAAAAAAAAZAAAAAEAAABAAAAAAAAAAAAAAAAAAAAAAAAAAAAAAAAAAAAAAAAAAAAAAAAAAAAAAAAAAAAAAAAAAAAAAAAAAAAAAAAAAAAAAAAAAAAAAAAAAAAAAAAAAAAAAAAAAAAAFAAAADwAAAABAAAAAAAAAAAA/wAUAAAAAQAAABQAAAAUAAAAFAAAAAEAAAAAAAAAZAAAAGQAAAABAAAAlgAAAJYAAAAVAAAAYAAAAAAAAAAAAAAADwAAACADAAAAAAAAAAAAAAEAAACgMgAAVgcAAKr4//8BAAAAf39/AAEAAABkAAAAAAAAABQAAABAHwAAAAAAACYAAAAAAAAAwOD//wAAAAAmAAAAZAAAABYAAABMAAAAAAAAAAAAAAAEAAAAAAAAAAEAAADn5uYKAAAAACgAAAAoAAAAZAAAAGQAAAAAAAAAzMzMAAAAAABQAAAAUAAAAGQAAABkAAAAAAAAABcAAAAUAAAAAAAAAAAAAAD/fwAA/38AAAAAAAAJAAAABAAAAAAAAAAeAAAAaAAAAAAAAAAAAAAAAAAAAAAAAAAAAAAAECcAABAnAAAAAAAAAAAAAAAAAAAAAAAAAAAAAAAAAAAAAAAAAAAAABQAAAAAAAAAwMD/AAAAAABkAAAAMgAAAAAAAABkAAAAAAAAAH9/fwAKAAAAIgAAABgAAAAAAAAAAAAAAAAAAAAAAAAAAAAAAAAAAAAkAAAAJAAAAAAAAAAHAAAAAAAAAAAAAAAAAAAAAAAAAAAAAAAAAAAAf39/ACUAAABYAAAAAAAAAAAAAAAAAAAAAAAAAAAAAAAAAAAAAAAAAAAAAAAAAAAAAAAAAAAAAAA/AAAAAAAAAKCGAQAAAAAAAAAAAAAAAAAMAAAAAQAAAAAAAAAAAAAAAAAAAB8AAABUAAAARHLEBf///wEAAAAAAAAAAAAAAAAAAAAAAAAAAAAAAAAAAAAAAAAAAAAA/wB/f38A5+bmA8zMzADAwP8Af39/AAAAAAAAAAAAAAAAAAAAAAAAAAAAIQAAABgAAAAUAAAATAsAAG4WAADiFQAAcBYAAAAAAAAmAAAACAAAAP//////////MAAAABQAAAAAAAAAAAD//wAAAQAAAP//AAABAA=="/>
+                <pr:smNativeData xmlns:mc="http://schemas.openxmlformats.org/markup-compatibility/2006" xmlns:p14="http://schemas.microsoft.com/office/powerpoint/2010/main" xmlns:p15="http://schemas.microsoft.com/office/powerpoint/2012/main" xmlns:pr="smNativeData" xmlns="smNativeData" val="SMDATA_16_8bPwYBMAAAAlAAAACgAAAA8BAAAAkAAAAEgAAACQAAAASAAAAAAAAAAAAAAAAAAAAAEAAABQAAAAAAAAAAAA4D8AAAAAAADgPwAAAAAAAOA/AAAAAAAA4D8AAAAAAADgPwAAAAAAAOA/AAAAAAAA4D8AAAAAAADgPwAAAAAAAOA/AAAAAAAA4D8CAAAAjAAAAAAAAAAAAAAARHLEDP///wgAAAAAAAAAAAAAAAAAAAAAAAAAAAAAAAAAAAAAZAAAAAEAAABAAAAAAAAAAAAAAAAAAAAAAAAAAAAAAAAAAAAAAAAAAAAAAAAAAAAAAAAAAAAAAAAAAAAAAAAAAAAAAAAAAAAAAAAAAAAAAAAAAAAAAAAAAAAAAAAAAAAAFAAAADwAAAABAAAAAAAAAAAA/wAUAAAAAQAAABQAAAAUAAAAFAAAAAEAAAAAAAAAZAAAAGQAAAABAAAAlgAAAJYAAAAVAAAAYAAAAAAAAAAAAAAADwAAACADAAAAAAAAAAAAAAEAAACgMgAAVgcAAKr4//8BAAAAf39/AAEAAABkAAAAAAAAABQAAABAHwAAAAAAACYAAAAAAAAAwOD//wAAAAAmAAAAZAAAABYAAABMAAAAAAAAAAAAAAAEAAAAAAAAAAEAAADn5uYKAAAAACgAAAAoAAAAZAAAAGQAAAAAAAAAzMzMAAAAAABQAAAAUAAAAGQAAABkAAAAAAAAABcAAAAUAAAAAAAAAAAAAAD/fwAA/38AAAAAAAAJAAAABAAAAAAAAAAeAAAAaAAAAAAAAAAAAAAAAAAAAAAAAAAAAAAAECcAABAnAAAAAAAAAAAAAAAAAAAAAAAAAAAAAAAAAAAAAAAAAAAAABQAAAAAAAAAwMD/AAAAAABkAAAAMgAAAAAAAABkAAAAAAAAAH9/fwAKAAAAIgAAABgAAAAAAAAAAAAAAAAAAAAAAAAAAAAAAAAAAAAkAAAAJAAAAAAAAAAHAAAAAAAAAAAAAAAAAAAAAAAAAAAAAAAAAAAAf39/ACUAAABYAAAAAAAAAAAAAAAAAAAAAAAAAAAAAAAAAAAAAAAAAAAAAAAAAAAAAAAAAAAAAAA/AAAAAAAAAKCGAQAAAAAAAAAAAAAAAAAMAAAAAQAAAAAAAAAAAAAAAAAAAB8AAABUAAAARHLEBf///wEAAAAAAAAAAAAAAAAAAAAAAAAAAAAAAAAAAAAAAAAAAAAA/wB/f38A5+bmA8zMzADAwP8Af39/AAAAAAAAAAAAAAAAAAAAAAAAAAAAIQAAABgAAAAUAAAATAsAAG4WAADiFQAAcBYAAAAAAAAmAAAACAAAAP//////////MAAAABQAAAAAAAAAAAD//wAAAQAAAP//AAABAA=="/>
               </a:ext>
             </a:extLst>
           </p:cNvSpPr>
@@ -8233,7 +7910,7 @@
           <p:cNvSpPr txBox="1">
             <a:extLst>
               <a:ext uri="smNativeData">
-                <pr:smNativeData xmlns="smNativeData" xmlns:pr="smNativeData" xmlns:p15="http://schemas.microsoft.com/office/powerpoint/2012/main" xmlns:p14="http://schemas.microsoft.com/office/powerpoint/2010/main" xmlns:mc="http://schemas.openxmlformats.org/markup-compatibility/2006" val="SMDATA_16_8bPwYBMAAAAlAAAAEgAAAE8BAAAAkAAAAEgAAACQAAAASAAAAAAAAAAAAAAAAAAAAAEAAABQAAAAAAAAAAAA4D8AAAAAAADgPwAAAAAAAOA/AAAAAAAA4D8AAAAAAADgPwAAAAAAAOA/AAAAAAAA4D8AAAAAAADgPwAAAAAAAOA/AAAAAAAA4D8CAAAAjAAAAAAAAAAAAAAARHLEDP///wgAAAAAAAAAAAAAAAAAAAAAAAAAAAAAAAAAAAAAZAAAAAEAAABAAAAAAAAAAAAAAAAAAAAAAAAAAAAAAAAAAAAAAAAAAAAAAAAAAAAAAAAAAAAAAAAAAAAAAAAAAAAAAAAAAAAAAAAAAAAAAAAAAAAAAAAAAAAAAAAAAAAAFAAAADwAAAAAAAAAAAAAAAAAAAkUAAAAAQAAABQAAAAUAAAAFAAAAAEAAAAAAAAAZAAAAGQAAAAAAAAAZAAAAGQAAAAVAAAAYAAAAAAAAAAAAAAADwAAACADAAAAAAAAAAAAAAEAAACgMgAAVgcAAKr4//8BAAAAf39/AAEAAABkAAAAAAAAABQAAABAHwAAAAAAACYAAAAAAAAAwOD//wAAAAAmAAAAZAAAABYAAABMAAAAAAAAAAAAAAAEAAAAAAAAAAEAAADn5uYKAAAAACgAAAAoAAAAZAAAAGQAAAAAAAAAzMzMAAAAAABQAAAAUAAAAGQAAABkAAAAAAAAABcAAAAUAAAAAAAAAFgBAAD/fwAA/38AAAAAAAAJAAAABAAAAAABAAEeAAAAaAAAAAAAAAAAAAAAAAAAAAAAAAAAAAAAECcAABAnAAAAAAAAAAAAAAAAAAAAAAAAAAAAAAAAAAAAAAAAAAAAABQAAAAAAAAAwMD/AAAAAABkAAAAMgAAAAAAAABkAAAAAAAAAH9/fwAKAAAAIgAAABgAAAAAAAAAAAAAAAAAAAAAAAAAAAAAAAAAAAAkAAAAJAAAAAAAAAAHAAAAAAAAAAAAAAAAAAAAAAAAAAAAAAAAAAAAf39/ACUAAABYAAAAAAAAAAAAAAAAAAAAAAAAAAAAAAAAAAAAAAAAAAAAAAAAAAAAAAAAAAAAAAA/AAAAAAAAAKCGAQAAAAAAAAAAAAAAAAAMAAAAAQAAAAAAAAAAAAAAAAAAAB8AAABUAAAARHLEBf///wEAAAAAAAAAAAAAAAAAAAAAAAAAAAAAAAAAAAAAAAAAAAAAAAJ/f38A5+bmA8zMzADAwP8Af39/AAAAAAAAAAAAAAAAAAAAAAAAAAAAIQAAABgAAAAUAAAABQwAABAVAACPEgAA4BcAAAAgAAAmAAAACAAAAP//////////MAAAABQAAAAAAAAAAAD//wAAAQAAAP//AAABAA=="/>
+                <pr:smNativeData xmlns:mc="http://schemas.openxmlformats.org/markup-compatibility/2006" xmlns:p14="http://schemas.microsoft.com/office/powerpoint/2010/main" xmlns:p15="http://schemas.microsoft.com/office/powerpoint/2012/main" xmlns:pr="smNativeData" xmlns="smNativeData" val="SMDATA_16_8bPwYBMAAAAlAAAAEgAAAE8BAAAAkAAAAEgAAACQAAAASAAAAAAAAAAAAAAAAAAAAAEAAABQAAAAAAAAAAAA4D8AAAAAAADgPwAAAAAAAOA/AAAAAAAA4D8AAAAAAADgPwAAAAAAAOA/AAAAAAAA4D8AAAAAAADgPwAAAAAAAOA/AAAAAAAA4D8CAAAAjAAAAAAAAAAAAAAARHLEDP///wgAAAAAAAAAAAAAAAAAAAAAAAAAAAAAAAAAAAAAZAAAAAEAAABAAAAAAAAAAAAAAAAAAAAAAAAAAAAAAAAAAAAAAAAAAAAAAAAAAAAAAAAAAAAAAAAAAAAAAAAAAAAAAAAAAAAAAAAAAAAAAAAAAAAAAAAAAAAAAAAAAAAAFAAAADwAAAAAAAAAAAAAAAAAAAkUAAAAAQAAABQAAAAUAAAAFAAAAAEAAAAAAAAAZAAAAGQAAAAAAAAAZAAAAGQAAAAVAAAAYAAAAAAAAAAAAAAADwAAACADAAAAAAAAAAAAAAEAAACgMgAAVgcAAKr4//8BAAAAf39/AAEAAABkAAAAAAAAABQAAABAHwAAAAAAACYAAAAAAAAAwOD//wAAAAAmAAAAZAAAABYAAABMAAAAAAAAAAAAAAAEAAAAAAAAAAEAAADn5uYKAAAAACgAAAAoAAAAZAAAAGQAAAAAAAAAzMzMAAAAAABQAAAAUAAAAGQAAABkAAAAAAAAABcAAAAUAAAAAAAAAFgBAAD/fwAA/38AAAAAAAAJAAAABAAAAAABAAEeAAAAaAAAAAAAAAAAAAAAAAAAAAAAAAAAAAAAECcAABAnAAAAAAAAAAAAAAAAAAAAAAAAAAAAAAAAAAAAAAAAAAAAABQAAAAAAAAAwMD/AAAAAABkAAAAMgAAAAAAAABkAAAAAAAAAH9/fwAKAAAAIgAAABgAAAAAAAAAAAAAAAAAAAAAAAAAAAAAAAAAAAAkAAAAJAAAAAAAAAAHAAAAAAAAAAAAAAAAAAAAAAAAAAAAAAAAAAAAf39/ACUAAABYAAAAAAAAAAAAAAAAAAAAAAAAAAAAAAAAAAAAAAAAAAAAAAAAAAAAAAAAAAAAAAA/AAAAAAAAAKCGAQAAAAAAAAAAAAAAAAAMAAAAAQAAAAAAAAAAAAAAAAAAAB8AAABUAAAARHLEBf///wEAAAAAAAAAAAAAAAAAAAAAAAAAAAAAAAAAAAAAAAAAAAAAAAJ/f38A5+bmA8zMzADAwP8Af39/AAAAAAAAAAAAAAAAAAAAAAAAAAAAIQAAABgAAAAUAAAABQwAABAVAACPEgAA4BcAAAAgAAAmAAAACAAAAP//////////MAAAABQAAAAAAAAAAAD//wAAAQAAAP//AAABAA=="/>
               </a:ext>
             </a:extLst>
           </p:cNvSpPr>
@@ -8277,7 +7954,7 @@
             <a:picLocks noChangeAspect="1"/>
             <a:extLst>
               <a:ext uri="smNativeData">
-                <pr:smNativeData xmlns="smNativeData" xmlns:pr="smNativeData" xmlns:p15="http://schemas.microsoft.com/office/powerpoint/2012/main" xmlns:p14="http://schemas.microsoft.com/office/powerpoint/2010/main" xmlns:mc="http://schemas.openxmlformats.org/markup-compatibility/2006" val="SMDATA_18_8bPwYBMAAAAlAAAAEQAAAC8BAAAAkAAAAEgAAACQAAAASAAAAAAAAAAAAAAAAAAAAAEAAABQAAAAAAAAAAAA4D8AAAAAAADgPwAAAAAAAOA/AAAAAAAA4D8AAAAAAADgPwAAAAAAAOA/AAAAAAAA4D8AAAAAAADgPwAAAAAAAOA/AAAAAAAA4D8CAAAAjAAAAAAAAAAAAAAARHLEDP///wgAAAAAAAAAAAAAAAAAAAAAAAAAAAAAAAAAAAAAZAAAAAEAAABAAAAAAAAAAAAAAAAAAAAAAAAAAAAAAAAAAAAAAAAAAAAAAAAAAAAAAAAAAAAAAAAAAAAAAAAAAAAAAAAAAAAAAAAAAAAAAAAAAAAAAAAAAAAAAAAAAAAAFAAAADwAAAAAAAAAAAAAAAAAAAkUAAAAAQAAABQAAAAUAAAAFAAAAAEAAAAAAAAAZAAAAGQAAAAAAAAAZAAAAGQAAAAVAAAAYAAAAAAAAAAAAAAADwAAACADAAAAAAAAAAAAAAEAAACgMgAAVgcAAKr4//8BAAAAf39/AAEAAABkAAAAAAAAABQAAABAHwAAAAAAACYAAAAAAAAAwOD//wAAAAAmAAAAZAAAABYAAABMAAAAAAAAAAAAAAAEAAAAAAAAAAEAAADn5uYKAAAAACgAAAAoAAAAZAAAAGQAAAAAAAAAzMzMAAAAAABQAAAAUAAAAGQAAABkAAAAAAAAAAcAAAA4AAAAAAAAAAAAAAAAAAAA////AAAAAAAAAAAAAAAAAAAAAAAAAAAAAAAAAAAAAABkAAAAZAAAAAAAAAAjAAAABAAAAGQAAAAXAAAAFAAAAAAAAAAAAAAA/38AAP9/AAAAAAAACQAAAAQAAADgfQIFHgAAAGgAAAAAAAAAAAAAAAAAAAAAAAAAAAAAABAnAAAQJwAAAAAAAAAAAAAAAAAAAAAAAAAAAAAAAAAAAAAAAAAAAAAUAAAAAAAAAMDA/wAAAAAAZAAAADIAAAAAAAAAZAAAAAAAAAB/f38ACgAAACIAAAAYAAAAAAAAAAAAAAAAAAAAAAAAAAAAAAAAAAAAJAAAACQAAAAAAAAABwAAAAAAAAAAAAAAAAAAAAAAAAAAAAAAAAAAAH9/fwAlAAAAWAAAAAAAAAAAAAAAAAAAAAAAAAAAAAAAAAAAAAAAAAAAAAAAAAAAAAAAAAAAAAAAPwAAAAAAAACghgEAAAAAAAAAAAAAAAAADAAAAAEAAAAAAAAAAAAAAAAAAAAfAAAAVAAAAERyxAX///8BAAAAAAAAAAAAAAAAAAAAAAAAAAAAAAAAAAAAAAAAAAAAAAACf39/AOfm5gPMzMwAwMD/AH9/fwAAAAAAAAAAAAAAAAD///8AAAAAACEAAAAYAAAAFAAAAAIZAABrGQAAgyAAAPsaAAAAAAAAJgAAAAgAAAD//////////zAAAAAUAAAAAAAAAAAA//8AAAEAAAD//wAAAQA="/>
+                <pr:smNativeData xmlns:mc="http://schemas.openxmlformats.org/markup-compatibility/2006" xmlns:p14="http://schemas.microsoft.com/office/powerpoint/2010/main" xmlns:p15="http://schemas.microsoft.com/office/powerpoint/2012/main" xmlns:pr="smNativeData" xmlns="smNativeData" val="SMDATA_18_8bPwYBMAAAAlAAAAEQAAAC8BAAAAkAAAAEgAAACQAAAASAAAAAAAAAAAAAAAAAAAAAEAAABQAAAAAAAAAAAA4D8AAAAAAADgPwAAAAAAAOA/AAAAAAAA4D8AAAAAAADgPwAAAAAAAOA/AAAAAAAA4D8AAAAAAADgPwAAAAAAAOA/AAAAAAAA4D8CAAAAjAAAAAAAAAAAAAAARHLEDP///wgAAAAAAAAAAAAAAAAAAAAAAAAAAAAAAAAAAAAAZAAAAAEAAABAAAAAAAAAAAAAAAAAAAAAAAAAAAAAAAAAAAAAAAAAAAAAAAAAAAAAAAAAAAAAAAAAAAAAAAAAAAAAAAAAAAAAAAAAAAAAAAAAAAAAAAAAAAAAAAAAAAAAFAAAADwAAAAAAAAAAAAAAAAAAAkUAAAAAQAAABQAAAAUAAAAFAAAAAEAAAAAAAAAZAAAAGQAAAAAAAAAZAAAAGQAAAAVAAAAYAAAAAAAAAAAAAAADwAAACADAAAAAAAAAAAAAAEAAACgMgAAVgcAAKr4//8BAAAAf39/AAEAAABkAAAAAAAAABQAAABAHwAAAAAAACYAAAAAAAAAwOD//wAAAAAmAAAAZAAAABYAAABMAAAAAAAAAAAAAAAEAAAAAAAAAAEAAADn5uYKAAAAACgAAAAoAAAAZAAAAGQAAAAAAAAAzMzMAAAAAABQAAAAUAAAAGQAAABkAAAAAAAAAAcAAAA4AAAAAAAAAAAAAAAAAAAA////AAAAAAAAAAAAAAAAAAAAAAAAAAAAAAAAAAAAAABkAAAAZAAAAAAAAAAjAAAABAAAAGQAAAAXAAAAFAAAAAAAAAAAAAAA/38AAP9/AAAAAAAACQAAAAQAAADgfQIFHgAAAGgAAAAAAAAAAAAAAAAAAAAAAAAAAAAAABAnAAAQJwAAAAAAAAAAAAAAAAAAAAAAAAAAAAAAAAAAAAAAAAAAAAAUAAAAAAAAAMDA/wAAAAAAZAAAADIAAAAAAAAAZAAAAAAAAAB/f38ACgAAACIAAAAYAAAAAAAAAAAAAAAAAAAAAAAAAAAAAAAAAAAAJAAAACQAAAAAAAAABwAAAAAAAAAAAAAAAAAAAAAAAAAAAAAAAAAAAH9/fwAlAAAAWAAAAAAAAAAAAAAAAAAAAAAAAAAAAAAAAAAAAAAAAAAAAAAAAAAAAAAAAAAAAAAAPwAAAAAAAACghgEAAAAAAAAAAAAAAAAADAAAAAEAAAAAAAAAAAAAAAAAAAAfAAAAVAAAAERyxAX///8BAAAAAAAAAAAAAAAAAAAAAAAAAAAAAAAAAAAAAAAAAAAAAAACf39/AOfm5gPMzMwAwMD/AH9/fwAAAAAAAAAAAAAAAAD///8AAAAAACEAAAAYAAAAFAAAAAIZAABrGQAAgyAAAPsaAAAAAAAAJgAAAAgAAAD//////////zAAAAAUAAAAAAAAAAAA//8AAAEAAAD//wAAAQA="/>
               </a:ext>
             </a:extLst>
           </p:cNvPicPr>
@@ -8310,7 +7987,7 @@
           <p:cNvSpPr>
             <a:extLst>
               <a:ext uri="smNativeData">
-                <pr:smNativeData xmlns="smNativeData" xmlns:pr="smNativeData" xmlns:p15="http://schemas.microsoft.com/office/powerpoint/2012/main" xmlns:p14="http://schemas.microsoft.com/office/powerpoint/2010/main" xmlns:mc="http://schemas.openxmlformats.org/markup-compatibility/2006" val="SMDATA_16_8bPwYBMAAAAlAAAACgAAAA8BAAAAkAAAAEgAAACQAAAASAAAAAAAAAAAAAAAAAAAAAEAAABQAAAAAAAAAAAA4D8AAAAAAADgPwAAAAAAAOA/AAAAAAAA4D8AAAAAAADgPwAAAAAAAOA/AAAAAAAA4D8AAAAAAADgPwAAAAAAAOA/AAAAAAAA4D8CAAAAjAAAAAAAAAAAAAAARHLEDP///wgAAAAAAAAAAAAAAAAAAAAAAAAAAAAAAAAAAAAAZAAAAAEAAABAAAAAAAAAAAAAAAAAAAAAAAAAAAAAAAAAAAAAAAAAAAAAAAAAAAAAAAAAAAAAAAAAAAAAAAAAAAAAAAAAAAAAAAAAAAAAAAAAAAAAAAAAAAAAAAAAAAAAFAAAADwAAAABAAAAAAAAAAAA/wAUAAAAAQAAABQAAAAUAAAAFAAAAAEAAAAAAAAAZAAAAGQAAAABAAAAlgAAAJYAAAAVAAAAYAAAAAAAAAAAAAAADwAAACADAAAAAAAAAAAAAAEAAACgMgAAVgcAAKr4//8BAAAAf39/AAEAAABkAAAAAAAAABQAAABAHwAAAAAAACYAAAAAAAAAwOD//wAAAAAmAAAAZAAAABYAAABMAAAAAAAAAAAAAAAEAAAAAAAAAAEAAADn5uYKAAAAACgAAAAoAAAAZAAAAGQAAAAAAAAAzMzMAAAAAABQAAAAUAAAAGQAAABkAAAAAAAAABcAAAAUAAAAAAAAAAAAAAD/fwAA/38AAAAAAAAJAAAABAAAAEAAAAAeAAAAaAAAAAAAAAAAAAAAAAAAAAAAAAAAAAAAECcAABAnAAAAAAAAAAAAAAAAAAAAAAAAAAAAAAAAAAAAAAAAAAAAABQAAAAAAAAAwMD/AAAAAABkAAAAMgAAAAAAAABkAAAAAAAAAH9/fwAKAAAAIgAAABgAAAAAAAAAAAAAAAAAAAAAAAAAAAAAAAAAAAAkAAAAJAAAAAAAAAAHAAAAAAAAAAAAAAAAAAAAAAAAAAAAAAAAAAAAf39/ACUAAABYAAAAAAAAAAAAAAAAAAAAAAAAAAAAAAAAAAAAAAAAAAAAAAAAAAAAAAAAAAAAAAA/AAAAAAAAAKCGAQAAAAAAAAAAAAAAAAAMAAAAAQAAAAAAAAAAAAAAAAAAAB8AAABUAAAARHLEBf///wEAAAAAAAAAAAAAAAAAAAAAAAAAAAAAAAAAAAAAAAAAAAAA/wB/f38A5+bmA8zMzADAwP8Af39/AAAAAAAAAAAAAAAAAAAAAAAAAAAAIQAAABgAAAAUAAAA9B0AAG4WAABBJwAAcBYAAAAAAAAmAAAACAAAAP//////////MAAAABQAAAAAAAAAAAD//wAAAQAAAP//AAABAA=="/>
+                <pr:smNativeData xmlns:mc="http://schemas.openxmlformats.org/markup-compatibility/2006" xmlns:p14="http://schemas.microsoft.com/office/powerpoint/2010/main" xmlns:p15="http://schemas.microsoft.com/office/powerpoint/2012/main" xmlns:pr="smNativeData" xmlns="smNativeData" val="SMDATA_16_8bPwYBMAAAAlAAAACgAAAA8BAAAAkAAAAEgAAACQAAAASAAAAAAAAAAAAAAAAAAAAAEAAABQAAAAAAAAAAAA4D8AAAAAAADgPwAAAAAAAOA/AAAAAAAA4D8AAAAAAADgPwAAAAAAAOA/AAAAAAAA4D8AAAAAAADgPwAAAAAAAOA/AAAAAAAA4D8CAAAAjAAAAAAAAAAAAAAARHLEDP///wgAAAAAAAAAAAAAAAAAAAAAAAAAAAAAAAAAAAAAZAAAAAEAAABAAAAAAAAAAAAAAAAAAAAAAAAAAAAAAAAAAAAAAAAAAAAAAAAAAAAAAAAAAAAAAAAAAAAAAAAAAAAAAAAAAAAAAAAAAAAAAAAAAAAAAAAAAAAAAAAAAAAAFAAAADwAAAABAAAAAAAAAAAA/wAUAAAAAQAAABQAAAAUAAAAFAAAAAEAAAAAAAAAZAAAAGQAAAABAAAAlgAAAJYAAAAVAAAAYAAAAAAAAAAAAAAADwAAACADAAAAAAAAAAAAAAEAAACgMgAAVgcAAKr4//8BAAAAf39/AAEAAABkAAAAAAAAABQAAABAHwAAAAAAACYAAAAAAAAAwOD//wAAAAAmAAAAZAAAABYAAABMAAAAAAAAAAAAAAAEAAAAAAAAAAEAAADn5uYKAAAAACgAAAAoAAAAZAAAAGQAAAAAAAAAzMzMAAAAAABQAAAAUAAAAGQAAABkAAAAAAAAABcAAAAUAAAAAAAAAAAAAAD/fwAA/38AAAAAAAAJAAAABAAAAEAAAAAeAAAAaAAAAAAAAAAAAAAAAAAAAAAAAAAAAAAAECcAABAnAAAAAAAAAAAAAAAAAAAAAAAAAAAAAAAAAAAAAAAAAAAAABQAAAAAAAAAwMD/AAAAAABkAAAAMgAAAAAAAABkAAAAAAAAAH9/fwAKAAAAIgAAABgAAAAAAAAAAAAAAAAAAAAAAAAAAAAAAAAAAAAkAAAAJAAAAAAAAAAHAAAAAAAAAAAAAAAAAAAAAAAAAAAAAAAAAAAAf39/ACUAAABYAAAAAAAAAAAAAAAAAAAAAAAAAAAAAAAAAAAAAAAAAAAAAAAAAAAAAAAAAAAAAAA/AAAAAAAAAKCGAQAAAAAAAAAAAAAAAAAMAAAAAQAAAAAAAAAAAAAAAAAAAB8AAABUAAAARHLEBf///wEAAAAAAAAAAAAAAAAAAAAAAAAAAAAAAAAAAAAAAAAAAAAA/wB/f38A5+bmA8zMzADAwP8Af39/AAAAAAAAAAAAAAAAAAAAAAAAAAAAIQAAABgAAAAUAAAA9B0AAG4WAABBJwAAcBYAAAAAAAAmAAAACAAAAP//////////MAAAABQAAAAAAAAAAAD//wAAAQAAAP//AAABAA=="/>
               </a:ext>
             </a:extLst>
           </p:cNvSpPr>
@@ -8342,7 +8019,7 @@
           <p:cNvSpPr txBox="1">
             <a:extLst>
               <a:ext uri="smNativeData">
-                <pr:smNativeData xmlns="smNativeData" xmlns:pr="smNativeData" xmlns:p15="http://schemas.microsoft.com/office/powerpoint/2012/main" xmlns:p14="http://schemas.microsoft.com/office/powerpoint/2010/main" xmlns:mc="http://schemas.openxmlformats.org/markup-compatibility/2006" val="SMDATA_16_8bPwYBMAAAAlAAAAEgAAAE8BAAAAkAAAAEgAAACQAAAASAAAAAAAAAAAAAAAAAAAAAEAAABQAAAAAAAAAAAA4D8AAAAAAADgPwAAAAAAAOA/AAAAAAAA4D8AAAAAAADgPwAAAAAAAOA/AAAAAAAA4D8AAAAAAADgPwAAAAAAAOA/AAAAAAAA4D8CAAAAjAAAAAAAAAAAAAAARHLEDP///wgAAAAAAAAAAAAAAAAAAAAAAAAAAAAAAAAAAAAAZAAAAAEAAABAAAAAAAAAAAAAAAAAAAAAAAAAAAAAAAAAAAAAAAAAAAAAAAAAAAAAAAAAAAAAAAAAAAAAAAAAAAAAAAAAAAAAAAAAAAAAAAAAAAAAAAAAAAAAAAAAAAAAFAAAADwAAAAAAAAAAAAAAAAAAAkUAAAAAQAAABQAAAAUAAAAFAAAAAEAAAAAAAAAZAAAAGQAAAAAAAAAZAAAAGQAAAAVAAAAYAAAAAAAAAAAAAAADwAAACADAAAAAAAAAAAAAAEAAACgMgAAVgcAAKr4//8BAAAAf39/AAEAAABkAAAAAAAAABQAAABAHwAAAAAAACYAAAAAAAAAwOD//wAAAAAmAAAAZAAAABYAAABMAAAAAAAAAAAAAAAEAAAAAAAAAAEAAADn5uYKAAAAACgAAAAoAAAAZAAAAGQAAAAAAAAAzMzMAAAAAABQAAAAUAAAAGQAAABkAAAAAAAAABcAAAAUAAAAAAAAAFgBAAD/fwAA/38AAAAAAAAJAAAABAAAAAABAAEeAAAAaAAAAAAAAAAAAAAAAAAAAAAAAAAAAAAAECcAABAnAAAAAAAAAAAAAAAAAAAAAAAAAAAAAAAAAAAAAAAAAAAAABQAAAAAAAAAwMD/AAAAAABkAAAAMgAAAAAAAABkAAAAAAAAAH9/fwAKAAAAIgAAABgAAAAAAAAAAAAAAAAAAAAAAAAAAAAAAAAAAAAkAAAAJAAAAAAAAAAHAAAAAAAAAAAAAAAAAAAAAAAAAAAAAAAAAAAAf39/ACUAAABYAAAAAAAAAAAAAAAAAAAAAAAAAAAAAAAAAAAAAAAAAAAAAAAAAAAAAAAAAAAAAAA/AAAAAAAAAKCGAQAAAAAAAAAAAAAAAAAMAAAAAQAAAAAAAAAAAAAAAAAAAB8AAABUAAAARHLEBf///wEAAAAAAAAAAAAAAAAAAAAAAAAAAAAAAAAAAAAAAAAAAAAAAAJ/f38A5+bmA8zMzADAwP8Af39/AAAAAAAAAAAAAAAAAAAAAAAAAAAAIQAAABgAAAAUAAAAjB4AACAVAAAWJQAA8BcAAAAgAAAmAAAACAAAAP//////////MAAAABQAAAAAAAAAAAD//wAAAQAAAP//AAABAA=="/>
+                <pr:smNativeData xmlns:mc="http://schemas.openxmlformats.org/markup-compatibility/2006" xmlns:p14="http://schemas.microsoft.com/office/powerpoint/2010/main" xmlns:p15="http://schemas.microsoft.com/office/powerpoint/2012/main" xmlns:pr="smNativeData" xmlns="smNativeData" val="SMDATA_16_8bPwYBMAAAAlAAAAEgAAAE8BAAAAkAAAAEgAAACQAAAASAAAAAAAAAAAAAAAAAAAAAEAAABQAAAAAAAAAAAA4D8AAAAAAADgPwAAAAAAAOA/AAAAAAAA4D8AAAAAAADgPwAAAAAAAOA/AAAAAAAA4D8AAAAAAADgPwAAAAAAAOA/AAAAAAAA4D8CAAAAjAAAAAAAAAAAAAAARHLEDP///wgAAAAAAAAAAAAAAAAAAAAAAAAAAAAAAAAAAAAAZAAAAAEAAABAAAAAAAAAAAAAAAAAAAAAAAAAAAAAAAAAAAAAAAAAAAAAAAAAAAAAAAAAAAAAAAAAAAAAAAAAAAAAAAAAAAAAAAAAAAAAAAAAAAAAAAAAAAAAAAAAAAAAFAAAADwAAAAAAAAAAAAAAAAAAAkUAAAAAQAAABQAAAAUAAAAFAAAAAEAAAAAAAAAZAAAAGQAAAAAAAAAZAAAAGQAAAAVAAAAYAAAAAAAAAAAAAAADwAAACADAAAAAAAAAAAAAAEAAACgMgAAVgcAAKr4//8BAAAAf39/AAEAAABkAAAAAAAAABQAAABAHwAAAAAAACYAAAAAAAAAwOD//wAAAAAmAAAAZAAAABYAAABMAAAAAAAAAAAAAAAEAAAAAAAAAAEAAADn5uYKAAAAACgAAAAoAAAAZAAAAGQAAAAAAAAAzMzMAAAAAABQAAAAUAAAAGQAAABkAAAAAAAAABcAAAAUAAAAAAAAAFgBAAD/fwAA/38AAAAAAAAJAAAABAAAAAABAAEeAAAAaAAAAAAAAAAAAAAAAAAAAAAAAAAAAAAAECcAABAnAAAAAAAAAAAAAAAAAAAAAAAAAAAAAAAAAAAAAAAAAAAAABQAAAAAAAAAwMD/AAAAAABkAAAAMgAAAAAAAABkAAAAAAAAAH9/fwAKAAAAIgAAABgAAAAAAAAAAAAAAAAAAAAAAAAAAAAAAAAAAAAkAAAAJAAAAAAAAAAHAAAAAAAAAAAAAAAAAAAAAAAAAAAAAAAAAAAAf39/ACUAAABYAAAAAAAAAAAAAAAAAAAAAAAAAAAAAAAAAAAAAAAAAAAAAAAAAAAAAAAAAAAAAAA/AAAAAAAAAKCGAQAAAAAAAAAAAAAAAAAMAAAAAQAAAAAAAAAAAAAAAAAAAB8AAABUAAAARHLEBf///wEAAAAAAAAAAAAAAAAAAAAAAAAAAAAAAAAAAAAAAAAAAAAAAAJ/f38A5+bmA8zMzADAwP8Af39/AAAAAAAAAAAAAAAAAAAAAAAAAAAAIQAAABgAAAAUAAAAjB4AACAVAAAWJQAA8BcAAAAgAAAmAAAACAAAAP//////////MAAAABQAAAAAAAAAAAD//wAAAQAAAP//AAABAA=="/>
               </a:ext>
             </a:extLst>
           </p:cNvSpPr>
@@ -8389,7 +8066,7 @@
           <p:cNvSpPr>
             <a:extLst>
               <a:ext uri="smNativeData">
-                <pr:smNativeData xmlns="smNativeData" xmlns:pr="smNativeData" xmlns:p15="http://schemas.microsoft.com/office/powerpoint/2012/main" xmlns:p14="http://schemas.microsoft.com/office/powerpoint/2010/main" xmlns:mc="http://schemas.openxmlformats.org/markup-compatibility/2006" val="SMDATA_16_8bPwYBMAAAAlAAAACgAAAA8BAAAAkAAAAEgAAACQAAAASAAAAAAAAAAAAAAAAAAAAAEAAABQAAAAAAAAAAAA4D8AAAAAAADgPwAAAAAAAOA/AAAAAAAA4D8AAAAAAADgPwAAAAAAAOA/AAAAAAAA4D8AAAAAAADgPwAAAAAAAOA/AAAAAAAA4D8CAAAAjAAAAAAAAAAAAAAARHLEDP///wgAAAAAAAAAAAAAAAAAAAAAAAAAAAAAAAAAAAAAZAAAAAEAAABAAAAAAAAAAAAAAAAAAAAAAAAAAAAAAAAAAAAAAAAAAAAAAAAAAAAAAAAAAAAAAAAAAAAAAAAAAAAAAAAAAAAAAAAAAAAAAAAAAAAAAAAAAAAAAAAAAAAAFAAAADwAAAABAAAAAAAAAAAA/wAUAAAAAQAAABQAAAAUAAAAFAAAAAEAAAAAAAAAZAAAAGQAAAABAAAAlgAAAJYAAAAVAAAAYAAAAAAAAAAAAAAADwAAACADAAAAAAAAAAAAAAEAAACgMgAAVgcAAKr4//8BAAAAf39/AAEAAABkAAAAAAAAABQAAABAHwAAAAAAACYAAAAAAAAAwOD//wAAAAAmAAAAZAAAABYAAABMAAAAAAAAAAAAAAAEAAAAAAAAAAEAAADn5uYKAAAAACgAAAAoAAAAZAAAAGQAAAAAAAAAzMzMAAAAAABQAAAAUAAAAGQAAABkAAAAAAAAABcAAAAUAAAAAAAAAAAAAAD/fwAA/38AAAAAAAAJAAAABAAAAAABAAEeAAAAaAAAAAAAAAAAAAAAAAAAAAAAAAAAAAAAECcAABAnAAAAAAAAAAAAAAAAAAAAAAAAAAAAAAAAAAAAAAAAAAAAABQAAAAAAAAAwMD/AAAAAABkAAAAMgAAAAAAAABkAAAAAAAAAH9/fwAKAAAAIgAAABgAAAAAAAAAAAAAAAAAAAAAAAAAAAAAAAAAAAAkAAAAJAAAAAAAAAAHAAAAAAAAAAAAAAAAAAAAAAAAAAAAAAAAAAAAf39/ACUAAABYAAAAAAAAAAAAAAAAAAAAAAAAAAAAAAAAAAAAAAAAAAAAAAAAAAAAAAAAAAAAAAA/AAAAAAAAAKCGAQAAAAAAAAAAAAAAAAAMAAAAAQAAAAAAAAAAAAAAAAAAAB8AAABUAAAARHLEBf///wEAAAAAAAAAAAAAAAAAAAAAAAAAAAAAAAAAAAAAAAAAAAAA/wB/f38A5+bmA8zMzADAwP8Af39/AAAAAAAAAAAAAAAAAAAAAAAAAAAAIQAAABgAAAAUAAAAHCsAAFMWAAA6NAAAVRYAAAAAAAAmAAAACAAAAP//////////MAAAABQAAAAAAAAAAAD//wAAAQAAAP//AAABAA=="/>
+                <pr:smNativeData xmlns:mc="http://schemas.openxmlformats.org/markup-compatibility/2006" xmlns:p14="http://schemas.microsoft.com/office/powerpoint/2010/main" xmlns:p15="http://schemas.microsoft.com/office/powerpoint/2012/main" xmlns:pr="smNativeData" xmlns="smNativeData" val="SMDATA_16_8bPwYBMAAAAlAAAACgAAAA8BAAAAkAAAAEgAAACQAAAASAAAAAAAAAAAAAAAAAAAAAEAAABQAAAAAAAAAAAA4D8AAAAAAADgPwAAAAAAAOA/AAAAAAAA4D8AAAAAAADgPwAAAAAAAOA/AAAAAAAA4D8AAAAAAADgPwAAAAAAAOA/AAAAAAAA4D8CAAAAjAAAAAAAAAAAAAAARHLEDP///wgAAAAAAAAAAAAAAAAAAAAAAAAAAAAAAAAAAAAAZAAAAAEAAABAAAAAAAAAAAAAAAAAAAAAAAAAAAAAAAAAAAAAAAAAAAAAAAAAAAAAAAAAAAAAAAAAAAAAAAAAAAAAAAAAAAAAAAAAAAAAAAAAAAAAAAAAAAAAAAAAAAAAFAAAADwAAAABAAAAAAAAAAAA/wAUAAAAAQAAABQAAAAUAAAAFAAAAAEAAAAAAAAAZAAAAGQAAAABAAAAlgAAAJYAAAAVAAAAYAAAAAAAAAAAAAAADwAAACADAAAAAAAAAAAAAAEAAACgMgAAVgcAAKr4//8BAAAAf39/AAEAAABkAAAAAAAAABQAAABAHwAAAAAAACYAAAAAAAAAwOD//wAAAAAmAAAAZAAAABYAAABMAAAAAAAAAAAAAAAEAAAAAAAAAAEAAADn5uYKAAAAACgAAAAoAAAAZAAAAGQAAAAAAAAAzMzMAAAAAABQAAAAUAAAAGQAAABkAAAAAAAAABcAAAAUAAAAAAAAAAAAAAD/fwAA/38AAAAAAAAJAAAABAAAAAABAAEeAAAAaAAAAAAAAAAAAAAAAAAAAAAAAAAAAAAAECcAABAnAAAAAAAAAAAAAAAAAAAAAAAAAAAAAAAAAAAAAAAAAAAAABQAAAAAAAAAwMD/AAAAAABkAAAAMgAAAAAAAABkAAAAAAAAAH9/fwAKAAAAIgAAABgAAAAAAAAAAAAAAAAAAAAAAAAAAAAAAAAAAAAkAAAAJAAAAAAAAAAHAAAAAAAAAAAAAAAAAAAAAAAAAAAAAAAAAAAAf39/ACUAAABYAAAAAAAAAAAAAAAAAAAAAAAAAAAAAAAAAAAAAAAAAAAAAAAAAAAAAAAAAAAAAAA/AAAAAAAAAKCGAQAAAAAAAAAAAAAAAAAMAAAAAQAAAAAAAAAAAAAAAAAAAB8AAABUAAAARHLEBf///wEAAAAAAAAAAAAAAAAAAAAAAAAAAAAAAAAAAAAAAAAAAAAA/wB/f38A5+bmA8zMzADAwP8Af39/AAAAAAAAAAAAAAAAAAAAAAAAAAAAIQAAABgAAAAUAAAAHCsAAFMWAAA6NAAAVRYAAAAAAAAmAAAACAAAAP//////////MAAAABQAAAAAAAAAAAD//wAAAQAAAP//AAABAA=="/>
               </a:ext>
             </a:extLst>
           </p:cNvSpPr>
@@ -8421,7 +8098,7 @@
           <p:cNvSpPr txBox="1">
             <a:extLst>
               <a:ext uri="smNativeData">
-                <pr:smNativeData xmlns="smNativeData" xmlns:pr="smNativeData" xmlns:p15="http://schemas.microsoft.com/office/powerpoint/2012/main" xmlns:p14="http://schemas.microsoft.com/office/powerpoint/2010/main" xmlns:mc="http://schemas.openxmlformats.org/markup-compatibility/2006" val="SMDATA_16_8bPwYBMAAAAlAAAAEgAAAE8BAAAAkAAAAEgAAACQAAAASAAAAAAAAAAAAAAAAAAAAAEAAABQAAAAAAAAAAAA4D8AAAAAAADgPwAAAAAAAOA/AAAAAAAA4D8AAAAAAADgPwAAAAAAAOA/AAAAAAAA4D8AAAAAAADgPwAAAAAAAOA/AAAAAAAA4D8CAAAAjAAAAAAAAAAAAAAARHLEDP///wgAAAAAAAAAAAAAAAAAAAAAAAAAAAAAAAAAAAAAZAAAAAEAAABAAAAAAAAAAAAAAAAAAAAAAAAAAAAAAAAAAAAAAAAAAAAAAAAAAAAAAAAAAAAAAAAAAAAAAAAAAAAAAAAAAAAAAAAAAAAAAAAAAAAAAAAAAAAAAAAAAAAAFAAAADwAAAAAAAAAAAAAAAAAAAkUAAAAAQAAABQAAAAUAAAAFAAAAAEAAAAAAAAAZAAAAGQAAAAAAAAAZAAAAGQAAAAVAAAAYAAAAAAAAAAAAAAADwAAACADAAAAAAAAAAAAAAEAAACgMgAAVgcAAKr4//8BAAAAf39/AAEAAABkAAAAAAAAABQAAABAHwAAAAAAACYAAAAAAAAAwOD//wAAAAAmAAAAZAAAABYAAABMAAAAAAAAAAAAAAAEAAAAAAAAAAEAAADn5uYKAAAAACgAAAAoAAAAZAAAAGQAAAAAAAAAzMzMAAAAAABQAAAAUAAAAGQAAABkAAAAAAAAABcAAAAUAAAAAAAAAFgBAAD/fwAA/38AAAAAAAAJAAAABAAAAP///wAeAAAAaAAAAAAAAAAAAAAAAAAAAAAAAAAAAAAAECcAABAnAAAAAAAAAAAAAAAAAAAAAAAAAAAAAAAAAAAAAAAAAAAAABQAAAAAAAAAwMD/AAAAAABkAAAAMgAAAAAAAABkAAAAAAAAAH9/fwAKAAAAIgAAABgAAAAAAAAAAAAAAAAAAAAAAAAAAAAAAAAAAAAkAAAAJAAAAAAAAAAHAAAAAAAAAAAAAAAAAAAAAAAAAAAAAAAAAAAAf39/ACUAAABYAAAAAAAAAAAAAAAAAAAAAAAAAAAAAAAAAAAAAAAAAAAAAAAAAAAAAAAAAAAAAAA/AAAAAAAAAKCGAQAAAAAAAAAAAAAAAAAMAAAAAQAAAAAAAAAAAAAAAAAAAB8AAABUAAAARHLEBf///wEAAAAAAAAAAAAAAAAAAAAAAAAAAAAAAAAAAAAAAAAAAAAAAAJ/f38A5+bmA8zMzADAwP8Af39/AAAAAAAAAAAAAAAAAAAAAAAAAAAAIQAAABgAAAAUAAAAPy8AAAcVAAC2MgAA1xcAAAAgAAAmAAAACAAAAP//////////MAAAABQAAAAAAAAAAAD//wAAAQAAAP//AAABAA=="/>
+                <pr:smNativeData xmlns:mc="http://schemas.openxmlformats.org/markup-compatibility/2006" xmlns:p14="http://schemas.microsoft.com/office/powerpoint/2010/main" xmlns:p15="http://schemas.microsoft.com/office/powerpoint/2012/main" xmlns:pr="smNativeData" xmlns="smNativeData" val="SMDATA_16_8bPwYBMAAAAlAAAAEgAAAE8BAAAAkAAAAEgAAACQAAAASAAAAAAAAAAAAAAAAAAAAAEAAABQAAAAAAAAAAAA4D8AAAAAAADgPwAAAAAAAOA/AAAAAAAA4D8AAAAAAADgPwAAAAAAAOA/AAAAAAAA4D8AAAAAAADgPwAAAAAAAOA/AAAAAAAA4D8CAAAAjAAAAAAAAAAAAAAARHLEDP///wgAAAAAAAAAAAAAAAAAAAAAAAAAAAAAAAAAAAAAZAAAAAEAAABAAAAAAAAAAAAAAAAAAAAAAAAAAAAAAAAAAAAAAAAAAAAAAAAAAAAAAAAAAAAAAAAAAAAAAAAAAAAAAAAAAAAAAAAAAAAAAAAAAAAAAAAAAAAAAAAAAAAAFAAAADwAAAAAAAAAAAAAAAAAAAkUAAAAAQAAABQAAAAUAAAAFAAAAAEAAAAAAAAAZAAAAGQAAAAAAAAAZAAAAGQAAAAVAAAAYAAAAAAAAAAAAAAADwAAACADAAAAAAAAAAAAAAEAAACgMgAAVgcAAKr4//8BAAAAf39/AAEAAABkAAAAAAAAABQAAABAHwAAAAAAACYAAAAAAAAAwOD//wAAAAAmAAAAZAAAABYAAABMAAAAAAAAAAAAAAAEAAAAAAAAAAEAAADn5uYKAAAAACgAAAAoAAAAZAAAAGQAAAAAAAAAzMzMAAAAAABQAAAAUAAAAGQAAABkAAAAAAAAABcAAAAUAAAAAAAAAFgBAAD/fwAA/38AAAAAAAAJAAAABAAAAP///wAeAAAAaAAAAAAAAAAAAAAAAAAAAAAAAAAAAAAAECcAABAnAAAAAAAAAAAAAAAAAAAAAAAAAAAAAAAAAAAAAAAAAAAAABQAAAAAAAAAwMD/AAAAAABkAAAAMgAAAAAAAABkAAAAAAAAAH9/fwAKAAAAIgAAABgAAAAAAAAAAAAAAAAAAAAAAAAAAAAAAAAAAAAkAAAAJAAAAAAAAAAHAAAAAAAAAAAAAAAAAAAAAAAAAAAAAAAAAAAAf39/ACUAAABYAAAAAAAAAAAAAAAAAAAAAAAAAAAAAAAAAAAAAAAAAAAAAAAAAAAAAAAAAAAAAAA/AAAAAAAAAKCGAQAAAAAAAAAAAAAAAAAMAAAAAQAAAAAAAAAAAAAAAAAAAB8AAABUAAAARHLEBf///wEAAAAAAAAAAAAAAAAAAAAAAAAAAAAAAAAAAAAAAAAAAAAAAAJ/f38A5+bmA8zMzADAwP8Af39/AAAAAAAAAAAAAAAAAAAAAAAAAAAAIQAAABgAAAAUAAAAPy8AAAcVAAC2MgAA1xcAAAAgAAAmAAAACAAAAP//////////MAAAABQAAAAAAAAAAAD//wAAAQAAAP//AAABAA=="/>
               </a:ext>
             </a:extLst>
           </p:cNvSpPr>
@@ -8468,7 +8145,7 @@
           <p:cNvSpPr>
             <a:extLst>
               <a:ext uri="smNativeData">
-                <pr:smNativeData xmlns="smNativeData" xmlns:pr="smNativeData" xmlns:p15="http://schemas.microsoft.com/office/powerpoint/2012/main" xmlns:p14="http://schemas.microsoft.com/office/powerpoint/2010/main" xmlns:mc="http://schemas.openxmlformats.org/markup-compatibility/2006" val="SMDATA_16_8bPwYBMAAAAlAAAACgAAAA8BAAAAkAAAAEgAAACQAAAASAAAAAAAAAAAAAAAAAAAAAEAAABQAAAAAAAAAAAA4D8AAAAAAADgPwAAAAAAAOA/AAAAAAAA4D8AAAAAAADgPwAAAAAAAOA/AAAAAAAA4D8AAAAAAADgPwAAAAAAAOA/AAAAAAAA4D8CAAAAjAAAAAAAAAAAAAAARHLEDP///wgAAAAAAAAAAAAAAAAAAAAAAAAAAAAAAAAAAAAAZAAAAAEAAABAAAAAAAAAAAAAAAAAAAAAAAAAAAAAAAAAAAAAAAAAAAAAAAAAAAAAAAAAAAAAAAAAAAAAAAAAAAAAAAAAAAAAAAAAAAAAAAAAAAAAAAAAAAAAAAAAAAAAFAAAADwAAAABAAAAAgAAAHCtRwAUAAAAAQAAABQAAAAUAAAAFAAAAAEAAAAAAAAAZAAAAGQAAAABAAAAlgAAAJYAAAAVAAAAYAAAAAAAAAAAAAAADwAAACADAAAAAAAAAAAAAAEAAACgMgAAVgcAAKr4//8BAAAAf39/AAEAAABkAAAAAAAAABQAAABAHwAAAAAAACYAAAAAAAAAwOD//wAAAAAmAAAAZAAAABYAAABMAAAAAAAAAAAAAAAEAAAAAAAAAAEAAADn5uYKAAAAACgAAAAoAAAAZAAAAGQAAAAAAAAAzMzMAAAAAABQAAAAUAAAAGQAAABkAAAAAAAAABcAAAAUAAAAAAAAAAAAAAD/fwAA/38AAAAAAAAJAAAABAAAAABxnQweAAAAaAAAAAAAAAAAAAAAAAAAAAAAAAAAAAAAECcAABAnAAAAAAAAAAAAAAAAAAAAAAAAAAAAAAAAAAAAAAAAAAAAABQAAAAAAAAAwMD/AAAAAABkAAAAMgAAAAAAAABkAAAAAAAAAH9/fwAKAAAAIgAAABgAAAAAAAAAAAAAAAAAAAAAAAAAAAAAAAAAAAAkAAAAJAAAAAAAAAAHAAAAAAAAAAAAAAAAAAAAAAAAAAAAAAAAAAAAf39/ACUAAABYAAAAAAAAAAAAAAAAAAAAAAAAAAAAAAAAAAAAAAAAAAAAAAAAAAAAAAAAAAAAAAA/AAAAAAAAAKCGAQAAAAAAAAAAAAAAAAAMAAAAAQAAAAAAAAAAAAAAAAAAAB8AAABUAAAARHLEBf///wEAAAAAAAAAAAAAAAAAAAAAAAAAAAAAAAAAAAAAAAAAAHCtRwx/f38A5+bmA8zMzADAwP8Af39/AAAAAAAAAAAAAAAAAAAAAAAAAAAAIQAAABgAAAAUAAAAWS0AAM0aAAAeMAAAAR0AAAAAAAAmAAAACAAAAP//////////MAAAABQAAAAAAAAAAAD//wAAAQAAAP//AAABAA=="/>
+                <pr:smNativeData xmlns:mc="http://schemas.openxmlformats.org/markup-compatibility/2006" xmlns:p14="http://schemas.microsoft.com/office/powerpoint/2010/main" xmlns:p15="http://schemas.microsoft.com/office/powerpoint/2012/main" xmlns:pr="smNativeData" xmlns="smNativeData" val="SMDATA_16_8bPwYBMAAAAlAAAACgAAAA8BAAAAkAAAAEgAAACQAAAASAAAAAAAAAAAAAAAAAAAAAEAAABQAAAAAAAAAAAA4D8AAAAAAADgPwAAAAAAAOA/AAAAAAAA4D8AAAAAAADgPwAAAAAAAOA/AAAAAAAA4D8AAAAAAADgPwAAAAAAAOA/AAAAAAAA4D8CAAAAjAAAAAAAAAAAAAAARHLEDP///wgAAAAAAAAAAAAAAAAAAAAAAAAAAAAAAAAAAAAAZAAAAAEAAABAAAAAAAAAAAAAAAAAAAAAAAAAAAAAAAAAAAAAAAAAAAAAAAAAAAAAAAAAAAAAAAAAAAAAAAAAAAAAAAAAAAAAAAAAAAAAAAAAAAAAAAAAAAAAAAAAAAAAFAAAADwAAAABAAAAAgAAAHCtRwAUAAAAAQAAABQAAAAUAAAAFAAAAAEAAAAAAAAAZAAAAGQAAAABAAAAlgAAAJYAAAAVAAAAYAAAAAAAAAAAAAAADwAAACADAAAAAAAAAAAAAAEAAACgMgAAVgcAAKr4//8BAAAAf39/AAEAAABkAAAAAAAAABQAAABAHwAAAAAAACYAAAAAAAAAwOD//wAAAAAmAAAAZAAAABYAAABMAAAAAAAAAAAAAAAEAAAAAAAAAAEAAADn5uYKAAAAACgAAAAoAAAAZAAAAGQAAAAAAAAAzMzMAAAAAABQAAAAUAAAAGQAAABkAAAAAAAAABcAAAAUAAAAAAAAAAAAAAD/fwAA/38AAAAAAAAJAAAABAAAAABxnQweAAAAaAAAAAAAAAAAAAAAAAAAAAAAAAAAAAAAECcAABAnAAAAAAAAAAAAAAAAAAAAAAAAAAAAAAAAAAAAAAAAAAAAABQAAAAAAAAAwMD/AAAAAABkAAAAMgAAAAAAAABkAAAAAAAAAH9/fwAKAAAAIgAAABgAAAAAAAAAAAAAAAAAAAAAAAAAAAAAAAAAAAAkAAAAJAAAAAAAAAAHAAAAAAAAAAAAAAAAAAAAAAAAAAAAAAAAAAAAf39/ACUAAABYAAAAAAAAAAAAAAAAAAAAAAAAAAAAAAAAAAAAAAAAAAAAAAAAAAAAAAAAAAAAAAA/AAAAAAAAAKCGAQAAAAAAAAAAAAAAAAAMAAAAAQAAAAAAAAAAAAAAAAAAAB8AAABUAAAARHLEBf///wEAAAAAAAAAAAAAAAAAAAAAAAAAAAAAAAAAAAAAAAAAAHCtRwx/f38A5+bmA8zMzADAwP8Af39/AAAAAAAAAAAAAAAAAAAAAAAAAAAAIQAAABgAAAAUAAAAWS0AAM0aAAAeMAAAAR0AAAAAAAAmAAAACAAAAP//////////MAAAABQAAAAAAAAAAAD//wAAAQAAAP//AAABAA=="/>
               </a:ext>
             </a:extLst>
           </p:cNvSpPr>
@@ -8501,7 +8178,7 @@
             <a:picLocks noChangeAspect="1"/>
             <a:extLst>
               <a:ext uri="smNativeData">
-                <pr:smNativeData xmlns="smNativeData" xmlns:pr="smNativeData" xmlns:p15="http://schemas.microsoft.com/office/powerpoint/2012/main" xmlns:p14="http://schemas.microsoft.com/office/powerpoint/2010/main" xmlns:mc="http://schemas.openxmlformats.org/markup-compatibility/2006" val="SMDATA_18_8bPwYBMAAAAlAAAAEQAAAC8BAAAAkAAAAEgAAACQAAAASAAAAAAAAAAAAAAAAAAAAAEAAABQAAAAAAAAAAAA4D8AAAAAAADgPwAAAAAAAOA/AAAAAAAA4D8AAAAAAADgPwAAAAAAAOA/AAAAAAAA4D8AAAAAAADgPwAAAAAAAOA/AAAAAAAA4D8CAAAAjAAAAAAAAAAAAAAARHLEDP///wgAAAAAAAAAAAAAAAAAAAAAAAAAAAAAAAAAAAAAZAAAAAEAAABAAAAAAAAAAAAAAAAAAAAAAAAAAAAAAAAAAAAAAAAAAAAAAAAAAAAAAAAAAAAAAAAAAAAAAAAAAAAAAAAAAAAAAAAAAAAAAAAAAAAAAAAAAAAAAAAAAAAAFAAAADwAAAAAAAAAAAAAAAAAAAkUAAAAAQAAABQAAAAUAAAAFAAAAAEAAAAAAAAAZAAAAGQAAAAAAAAAZAAAAGQAAAAVAAAAYAAAAAAAAAAAAAAADwAAACADAAAAAAAAAAAAAAEAAACgMgAAVgcAAKr4//8BAAAAf39/AAEAAABkAAAAAAAAABQAAABAHwAAAAAAACYAAAAAAAAAwOD//wAAAAAmAAAAZAAAABYAAABMAAAAAAAAAAAAAAAEAAAAAAAAAAEAAADn5uYKAAAAACgAAAAoAAAAZAAAAGQAAAAAAAAAzMzMAAAAAABQAAAAUAAAAGQAAABkAAAAAAAAAAcAAAA4AAAAAAAAAAAAAAAAAAAA////AAAAAAAAAAAAAAAAAAAAAAAAAAAAAAAAAAAAAABkAAAAZAAAAAAAAAAjAAAABAAAAGQAAAAXAAAAFAAAAAAAAAAAAAAA/38AAP9/AAAAAAAACQAAAAQAAADgE+ILHgAAAGgAAAAAAAAAAAAAAAAAAAAAAAAAAAAAABAnAAAQJwAAAAAAAAAAAAAAAAAAAAAAAAAAAAAAAAAAAAAAAAAAAAAUAAAAAAAAAMDA/wAAAAAAZAAAADIAAAAAAAAAZAAAAAAAAAB/f38ACgAAACIAAAAYAAAAAAAAAAAAAAAAAAAAAAAAAAAAAAAAAAAAJAAAACQAAAAAAAAABwAAAAAAAAAAAAAAAAAAAAAAAAAAAAAAAAAAAH9/fwAlAAAAWAAAAAAAAAAAAAAAAAAAAAAAAAAAAAAAAAAAAAAAAAAAAAAAAAAAAAAAAAAAAAAAPwAAAAAAAACghgEAAAAAAAAAAAAAAAAADAAAAAEAAAAAAAAAAAAAAAAAAAAfAAAAVAAAAERyxAX///8BAAAAAAAAAAAAAAAAAAAAAAAAAAAAAAAAAAAAAAAAAAAAAAACf39/AOfm5gPMzMwAwMD/AH9/fwAAAAAAAAAAAAAAAAD///8AAAAAACEAAAAYAAAAFAAAAG0VAAAjGAAAhxYAAIkZAAAAAAAAJgAAAAgAAAD//////////zAAAAAUAAAAAAAAAAAA//8AAAEAAAD//wAAAQA="/>
+                <pr:smNativeData xmlns:mc="http://schemas.openxmlformats.org/markup-compatibility/2006" xmlns:p14="http://schemas.microsoft.com/office/powerpoint/2010/main" xmlns:p15="http://schemas.microsoft.com/office/powerpoint/2012/main" xmlns:pr="smNativeData" xmlns="smNativeData" val="SMDATA_18_8bPwYBMAAAAlAAAAEQAAAC8BAAAAkAAAAEgAAACQAAAASAAAAAAAAAAAAAAAAAAAAAEAAABQAAAAAAAAAAAA4D8AAAAAAADgPwAAAAAAAOA/AAAAAAAA4D8AAAAAAADgPwAAAAAAAOA/AAAAAAAA4D8AAAAAAADgPwAAAAAAAOA/AAAAAAAA4D8CAAAAjAAAAAAAAAAAAAAARHLEDP///wgAAAAAAAAAAAAAAAAAAAAAAAAAAAAAAAAAAAAAZAAAAAEAAABAAAAAAAAAAAAAAAAAAAAAAAAAAAAAAAAAAAAAAAAAAAAAAAAAAAAAAAAAAAAAAAAAAAAAAAAAAAAAAAAAAAAAAAAAAAAAAAAAAAAAAAAAAAAAAAAAAAAAFAAAADwAAAAAAAAAAAAAAAAAAAkUAAAAAQAAABQAAAAUAAAAFAAAAAEAAAAAAAAAZAAAAGQAAAAAAAAAZAAAAGQAAAAVAAAAYAAAAAAAAAAAAAAADwAAACADAAAAAAAAAAAAAAEAAACgMgAAVgcAAKr4//8BAAAAf39/AAEAAABkAAAAAAAAABQAAABAHwAAAAAAACYAAAAAAAAAwOD//wAAAAAmAAAAZAAAABYAAABMAAAAAAAAAAAAAAAEAAAAAAAAAAEAAADn5uYKAAAAACgAAAAoAAAAZAAAAGQAAAAAAAAAzMzMAAAAAABQAAAAUAAAAGQAAABkAAAAAAAAAAcAAAA4AAAAAAAAAAAAAAAAAAAA////AAAAAAAAAAAAAAAAAAAAAAAAAAAAAAAAAAAAAABkAAAAZAAAAAAAAAAjAAAABAAAAGQAAAAXAAAAFAAAAAAAAAAAAAAA/38AAP9/AAAAAAAACQAAAAQAAADgE+ILHgAAAGgAAAAAAAAAAAAAAAAAAAAAAAAAAAAAABAnAAAQJwAAAAAAAAAAAAAAAAAAAAAAAAAAAAAAAAAAAAAAAAAAAAAUAAAAAAAAAMDA/wAAAAAAZAAAADIAAAAAAAAAZAAAAAAAAAB/f38ACgAAACIAAAAYAAAAAAAAAAAAAAAAAAAAAAAAAAAAAAAAAAAAJAAAACQAAAAAAAAABwAAAAAAAAAAAAAAAAAAAAAAAAAAAAAAAAAAAH9/fwAlAAAAWAAAAAAAAAAAAAAAAAAAAAAAAAAAAAAAAAAAAAAAAAAAAAAAAAAAAAAAAAAAAAAAPwAAAAAAAACghgEAAAAAAAAAAAAAAAAADAAAAAEAAAAAAAAAAAAAAAAAAAAfAAAAVAAAAERyxAX///8BAAAAAAAAAAAAAAAAAAAAAAAAAAAAAAAAAAAAAAAAAAAAAAACf39/AOfm5gPMzMwAwMD/AH9/fwAAAAAAAAAAAAAAAAD///8AAAAAACEAAAAYAAAAFAAAAG0VAAAjGAAAhxYAAIkZAAAAAAAAJgAAAAgAAAD//////////zAAAAAUAAAAAAAAAAAA//8AAAEAAAD//wAAAQA="/>
               </a:ext>
             </a:extLst>
           </p:cNvPicPr>
@@ -8535,7 +8212,7 @@
             <a:picLocks noChangeAspect="1"/>
             <a:extLst>
               <a:ext uri="smNativeData">
-                <pr:smNativeData xmlns="smNativeData" xmlns:pr="smNativeData" xmlns:p15="http://schemas.microsoft.com/office/powerpoint/2012/main" xmlns:p14="http://schemas.microsoft.com/office/powerpoint/2010/main" xmlns:mc="http://schemas.openxmlformats.org/markup-compatibility/2006" val="SMDATA_18_8bPwYBMAAAAlAAAAEQAAAC8BAAAAkAAAAEgAAACQAAAASAAAAAAAAAAAAAAAAAAAAAEAAABQAAAAAAAAAAAA4D8AAAAAAADgPwAAAAAAAOA/AAAAAAAA4D8AAAAAAADgPwAAAAAAAOA/AAAAAAAA4D8AAAAAAADgPwAAAAAAAOA/AAAAAAAA4D8CAAAAjAAAAAAAAAAAAAAARHLEDP///wgAAAAAAAAAAAAAAAAAAAAAAAAAAAAAAAAAAAAAZAAAAAEAAABAAAAAAAAAAAAAAAAAAAAAAAAAAAAAAAAAAAAAAAAAAAAAAAAAAAAAAAAAAAAAAAAAAAAAAAAAAAAAAAAAAAAAAAAAAAAAAAAAAAAAAAAAAAAAAAAAAAAAFAAAADwAAAAAAAAAAAAAAAAAAAkUAAAAAQAAABQAAAAUAAAAFAAAAAEAAAAAAAAAZAAAAGQAAAAAAAAAZAAAAGQAAAAVAAAAYAAAAAAAAAAAAAAADwAAACADAAAAAAAAAAAAAAEAAACgMgAAVgcAAKr4//8BAAAAf39/AAEAAABkAAAAAAAAABQAAABAHwAAAAAAACYAAAAAAAAAwOD//wAAAAAmAAAAZAAAABYAAABMAAAAAAAAAAAAAAAEAAAAAAAAAAEAAADn5uYKAAAAACgAAAAoAAAAZAAAAGQAAAAAAAAAzMzMAAAAAABQAAAAUAAAAGQAAABkAAAAAAAAAAcAAAA4AAAAAAAAAAAAAAAAAAAA////AAAAAAAAAAAAAAAAAAAAAAAAAAAAAAAAAAAAAABkAAAAZAAAAAAAAAAjAAAABAAAAGQAAAAXAAAAFAAAAAAAAAAAAAAA/38AAP9/AAAAAAAACQAAAAQAAADQJuILHgAAAGgAAAAAAAAAAAAAAAAAAAAAAAAAAAAAABAnAAAQJwAAAAAAAAAAAAAAAAAAAAAAAAAAAAAAAAAAAAAAAAAAAAAUAAAAAAAAAMDA/wAAAAAAZAAAADIAAAAAAAAAZAAAAAAAAAB/f38ACgAAACIAAAAYAAAAAAAAAAAAAAAAAAAAAAAAAAAAAAAAAAAAJAAAACQAAAAAAAAABwAAAAAAAAAAAAAAAAAAAAAAAAAAAAAAAAAAAH9/fwAlAAAAWAAAAAAAAAAAAAAAAAAAAAAAAAAAAAAAAAAAAAAAAAAAAAAAAAAAAAAAAAAAAAAAPwAAAAAAAACghgEAAAAAAAAAAAAAAAAADAAAAAEAAAAAAAAAAAAAAAAAAAAfAAAAVAAAAERyxAX///8BAAAAAAAAAAAAAAAAAAAAAAAAAAAAAAAAAAAAAAAAAAAAAAACf39/AOfm5gPMzMwAwMD/AH9/fwAAAAAAAAAAAAAAAAD///8AAAAAACEAAAAYAAAAFAAAAH4VAACnEwAA8xYAAP8UAAAAAAAAJgAAAAgAAAD//////////zAAAAAUAAAAAAAAAAAA//8AAAEAAAD//wAAAQA="/>
+                <pr:smNativeData xmlns:mc="http://schemas.openxmlformats.org/markup-compatibility/2006" xmlns:p14="http://schemas.microsoft.com/office/powerpoint/2010/main" xmlns:p15="http://schemas.microsoft.com/office/powerpoint/2012/main" xmlns:pr="smNativeData" xmlns="smNativeData" val="SMDATA_18_8bPwYBMAAAAlAAAAEQAAAC8BAAAAkAAAAEgAAACQAAAASAAAAAAAAAAAAAAAAAAAAAEAAABQAAAAAAAAAAAA4D8AAAAAAADgPwAAAAAAAOA/AAAAAAAA4D8AAAAAAADgPwAAAAAAAOA/AAAAAAAA4D8AAAAAAADgPwAAAAAAAOA/AAAAAAAA4D8CAAAAjAAAAAAAAAAAAAAARHLEDP///wgAAAAAAAAAAAAAAAAAAAAAAAAAAAAAAAAAAAAAZAAAAAEAAABAAAAAAAAAAAAAAAAAAAAAAAAAAAAAAAAAAAAAAAAAAAAAAAAAAAAAAAAAAAAAAAAAAAAAAAAAAAAAAAAAAAAAAAAAAAAAAAAAAAAAAAAAAAAAAAAAAAAAFAAAADwAAAAAAAAAAAAAAAAAAAkUAAAAAQAAABQAAAAUAAAAFAAAAAEAAAAAAAAAZAAAAGQAAAAAAAAAZAAAAGQAAAAVAAAAYAAAAAAAAAAAAAAADwAAACADAAAAAAAAAAAAAAEAAACgMgAAVgcAAKr4//8BAAAAf39/AAEAAABkAAAAAAAAABQAAABAHwAAAAAAACYAAAAAAAAAwOD//wAAAAAmAAAAZAAAABYAAABMAAAAAAAAAAAAAAAEAAAAAAAAAAEAAADn5uYKAAAAACgAAAAoAAAAZAAAAGQAAAAAAAAAzMzMAAAAAABQAAAAUAAAAGQAAABkAAAAAAAAAAcAAAA4AAAAAAAAAAAAAAAAAAAA////AAAAAAAAAAAAAAAAAAAAAAAAAAAAAAAAAAAAAABkAAAAZAAAAAAAAAAjAAAABAAAAGQAAAAXAAAAFAAAAAAAAAAAAAAA/38AAP9/AAAAAAAACQAAAAQAAADQJuILHgAAAGgAAAAAAAAAAAAAAAAAAAAAAAAAAAAAABAnAAAQJwAAAAAAAAAAAAAAAAAAAAAAAAAAAAAAAAAAAAAAAAAAAAAUAAAAAAAAAMDA/wAAAAAAZAAAADIAAAAAAAAAZAAAAAAAAAB/f38ACgAAACIAAAAYAAAAAAAAAAAAAAAAAAAAAAAAAAAAAAAAAAAAJAAAACQAAAAAAAAABwAAAAAAAAAAAAAAAAAAAAAAAAAAAAAAAAAAAH9/fwAlAAAAWAAAAAAAAAAAAAAAAAAAAAAAAAAAAAAAAAAAAAAAAAAAAAAAAAAAAAAAAAAAAAAAPwAAAAAAAACghgEAAAAAAAAAAAAAAAAADAAAAAEAAAAAAAAAAAAAAAAAAAAfAAAAVAAAAERyxAX///8BAAAAAAAAAAAAAAAAAAAAAAAAAAAAAAAAAAAAAAAAAAAAAAACf39/AOfm5gPMzMwAwMD/AH9/fwAAAAAAAAAAAAAAAAD///8AAAAAACEAAAAYAAAAFAAAAH4VAACnEwAA8xYAAP8UAAAAAAAAJgAAAAgAAAD//////////zAAAAAUAAAAAAAAAAAA//8AAAEAAAD//wAAAQA="/>
               </a:ext>
             </a:extLst>
           </p:cNvPicPr>
@@ -8569,7 +8246,7 @@
             <a:picLocks noChangeAspect="1"/>
             <a:extLst>
               <a:ext uri="smNativeData">
-                <pr:smNativeData xmlns="smNativeData" xmlns:pr="smNativeData" xmlns:p15="http://schemas.microsoft.com/office/powerpoint/2012/main" xmlns:p14="http://schemas.microsoft.com/office/powerpoint/2010/main" xmlns:mc="http://schemas.openxmlformats.org/markup-compatibility/2006" val="SMDATA_18_8bPwYBMAAAAlAAAAEQAAAC8BAAAAkAAAAEgAAACQAAAASAAAAAAAAAAAAAAAAAAAAAEAAABQAAAAAAAAAAAA4D8AAAAAAADgPwAAAAAAAOA/AAAAAAAA4D8AAAAAAADgPwAAAAAAAOA/AAAAAAAA4D8AAAAAAADgPwAAAAAAAOA/AAAAAAAA4D8CAAAAjAAAAAAAAAAAAAAARHLEDP///wgAAAAAAAAAAAAAAAAAAAAAAAAAAAAAAAAAAAAAZAAAAAEAAABAAAAAAAAAAAAAAAAAAAAAAAAAAAAAAAAAAAAAAAAAAAAAAAAAAAAAAAAAAAAAAAAAAAAAAAAAAAAAAAAAAAAAAAAAAAAAAAAAAAAAAAAAAAAAAAAAAAAAFAAAADwAAAAAAAAAAAAAAAAAAAkUAAAAAQAAABQAAAAUAAAAFAAAAAEAAAAAAAAAZAAAAGQAAAAAAAAAZAAAAGQAAAAVAAAAYAAAAAAAAAAAAAAADwAAACADAAAAAAAAAAAAAAEAAACgMgAAVgcAAKr4//8BAAAAf39/AAEAAABkAAAAAAAAABQAAABAHwAAAAAAACYAAAAAAAAAwOD//wAAAAAmAAAAZAAAABYAAABMAAAAAAAAAAAAAAAEAAAAAAAAAAEAAADn5uYKAAAAACgAAAAoAAAAZAAAAGQAAAAAAAAAzMzMAAAAAABQAAAAUAAAAGQAAABkAAAAAAAAAAcAAAA4AAAAAAAAAAAAAAAAAAAA////AAAAAAAAAAAAAAAAAAAAAAAAAAAAAAAAAAAAAABkAAAAZAAAAAAAAAAjAAAABAAAAGQAAAAXAAAAFAAAAAAAAAAAAAAA/38AAP9/AAAAAAAACQAAAAQAAAAAAAAAHgAAAGgAAAAAAAAAAAAAAAAAAAAAAAAAAAAAABAnAAAQJwAAAAAAAAAAAAAAAAAAAAAAAAAAAAAAAAAAAAAAAAAAAAAUAAAAAAAAAMDA/wAAAAAAZAAAADIAAAAAAAAAZAAAAAAAAAB/f38ACgAAACIAAAAYAAAAAAAAAAAAAAAAAAAAAAAAAAAAAAAAAAAAJAAAACQAAAAAAAAABwAAAAAAAAAAAAAAAAAAAAAAAAAAAAAAAAAAAH9/fwAlAAAAWAAAAAAAAAAAAAAAAAAAAAAAAAAAAAAAAAAAAAAAAAAAAAAAAAAAAAAAAAAAAAAAPwAAAAAAAACghgEAAAAAAAAAAAAAAAAADAAAAAEAAAAAAAAAAAAAAAAAAAAfAAAAVAAAAERyxAX///8BAAAAAAAAAAAAAAAAAAAAAAAAAAAAAAAAAAAAAAAAAAAAAAACf39/AOfm5gPMzMwAwMD/AH9/fwAAAAAAAAAAAAAAAAD///8AAAAAACEAAAAYAAAAFAAAAH0mAAAVEwAAYCcAAB4UAAAAAAAAJgAAAAgAAAD//////////zAAAAAUAAAAAAAAAAAA//8AAAEAAAD//wAAAQA="/>
+                <pr:smNativeData xmlns:mc="http://schemas.openxmlformats.org/markup-compatibility/2006" xmlns:p14="http://schemas.microsoft.com/office/powerpoint/2010/main" xmlns:p15="http://schemas.microsoft.com/office/powerpoint/2012/main" xmlns:pr="smNativeData" xmlns="smNativeData" val="SMDATA_18_8bPwYBMAAAAlAAAAEQAAAC8BAAAAkAAAAEgAAACQAAAASAAAAAAAAAAAAAAAAAAAAAEAAABQAAAAAAAAAAAA4D8AAAAAAADgPwAAAAAAAOA/AAAAAAAA4D8AAAAAAADgPwAAAAAAAOA/AAAAAAAA4D8AAAAAAADgPwAAAAAAAOA/AAAAAAAA4D8CAAAAjAAAAAAAAAAAAAAARHLEDP///wgAAAAAAAAAAAAAAAAAAAAAAAAAAAAAAAAAAAAAZAAAAAEAAABAAAAAAAAAAAAAAAAAAAAAAAAAAAAAAAAAAAAAAAAAAAAAAAAAAAAAAAAAAAAAAAAAAAAAAAAAAAAAAAAAAAAAAAAAAAAAAAAAAAAAAAAAAAAAAAAAAAAAFAAAADwAAAAAAAAAAAAAAAAAAAkUAAAAAQAAABQAAAAUAAAAFAAAAAEAAAAAAAAAZAAAAGQAAAAAAAAAZAAAAGQAAAAVAAAAYAAAAAAAAAAAAAAADwAAACADAAAAAAAAAAAAAAEAAACgMgAAVgcAAKr4//8BAAAAf39/AAEAAABkAAAAAAAAABQAAABAHwAAAAAAACYAAAAAAAAAwOD//wAAAAAmAAAAZAAAABYAAABMAAAAAAAAAAAAAAAEAAAAAAAAAAEAAADn5uYKAAAAACgAAAAoAAAAZAAAAGQAAAAAAAAAzMzMAAAAAABQAAAAUAAAAGQAAABkAAAAAAAAAAcAAAA4AAAAAAAAAAAAAAAAAAAA////AAAAAAAAAAAAAAAAAAAAAAAAAAAAAAAAAAAAAABkAAAAZAAAAAAAAAAjAAAABAAAAGQAAAAXAAAAFAAAAAAAAAAAAAAA/38AAP9/AAAAAAAACQAAAAQAAAAAAAAAHgAAAGgAAAAAAAAAAAAAAAAAAAAAAAAAAAAAABAnAAAQJwAAAAAAAAAAAAAAAAAAAAAAAAAAAAAAAAAAAAAAAAAAAAAUAAAAAAAAAMDA/wAAAAAAZAAAADIAAAAAAAAAZAAAAAAAAAB/f38ACgAAACIAAAAYAAAAAAAAAAAAAAAAAAAAAAAAAAAAAAAAAAAAJAAAACQAAAAAAAAABwAAAAAAAAAAAAAAAAAAAAAAAAAAAAAAAAAAAH9/fwAlAAAAWAAAAAAAAAAAAAAAAAAAAAAAAAAAAAAAAAAAAAAAAAAAAAAAAAAAAAAAAAAAAAAAPwAAAAAAAACghgEAAAAAAAAAAAAAAAAADAAAAAEAAAAAAAAAAAAAAAAAAAAfAAAAVAAAAERyxAX///8BAAAAAAAAAAAAAAAAAAAAAAAAAAAAAAAAAAAAAAAAAAAAAAACf39/AOfm5gPMzMwAwMD/AH9/fwAAAAAAAAAAAAAAAAD///8AAAAAACEAAAAYAAAAFAAAAH0mAAAVEwAAYCcAAB4UAAAAAAAAJgAAAAgAAAD//////////zAAAAAUAAAAAAAAAAAA//8AAAEAAAD//wAAAQA="/>
               </a:ext>
             </a:extLst>
           </p:cNvPicPr>
@@ -8603,7 +8280,7 @@
             <a:picLocks noChangeAspect="1"/>
             <a:extLst>
               <a:ext uri="smNativeData">
-                <pr:smNativeData xmlns="smNativeData" xmlns:pr="smNativeData" xmlns:p15="http://schemas.microsoft.com/office/powerpoint/2012/main" xmlns:p14="http://schemas.microsoft.com/office/powerpoint/2010/main" xmlns:mc="http://schemas.openxmlformats.org/markup-compatibility/2006" val="SMDATA_18_8bPwYBMAAAAlAAAAEQAAAC8BAAAAkAAAAEgAAACQAAAASAAAAAAAAAAAAAAAAAAAAAEAAABQAAAAAAAAAAAA4D8AAAAAAADgPwAAAAAAAOA/AAAAAAAA4D8AAAAAAADgPwAAAAAAAOA/AAAAAAAA4D8AAAAAAADgPwAAAAAAAOA/AAAAAAAA4D8CAAAAjAAAAAAAAAAAAAAARHLEDP///wgAAAAAAAAAAAAAAAAAAAAAAAAAAAAAAAAAAAAAZAAAAAEAAABAAAAAAAAAAAAAAAAAAAAAAAAAAAAAAAAAAAAAAAAAAAAAAAAAAAAAAAAAAAAAAAAAAAAAAAAAAAAAAAAAAAAAAAAAAAAAAAAAAAAAAAAAAAAAAAAAAAAAFAAAADwAAAAAAAAAAAAAAAAAAAkUAAAAAQAAABQAAAAUAAAAFAAAAAEAAAAAAAAAZAAAAGQAAAAAAAAAZAAAAGQAAAAVAAAAYAAAAAAAAAAAAAAADwAAACADAAAAAAAAAAAAAAEAAACgMgAAVgcAAKr4//8BAAAAf39/AAEAAABkAAAAAAAAABQAAABAHwAAAAAAACYAAAAAAAAAwOD//wAAAAAmAAAAZAAAABYAAABMAAAAAAAAAAAAAAAEAAAAAAAAAAEAAADn5uYKAAAAACgAAAAoAAAAZAAAAGQAAAAAAAAAzMzMAAAAAABQAAAAUAAAAGQAAABkAAAAAAAAAAcAAAA4AAAAAAAAAAAAAAAAAAAA////AAAAAAAAAAAAAAAAAAAAAAAAAAAAAAAAAAAAAABkAAAAZAAAAAAAAAAjAAAABAAAAGQAAAAXAAAAFAAAAAAAAAAAAAAA/38AAP9/AAAAAAAACQAAAAQAAAAAAAAAHgAAAGgAAAAAAAAAAAAAAAAAAAAAAAAAAAAAABAnAAAQJwAAAAAAAAAAAAAAAAAAAAAAAAAAAAAAAAAAAAAAAAAAAAAUAAAAAAAAAMDA/wAAAAAAZAAAADIAAAAAAAAAZAAAAAAAAAB/f38ACgAAACIAAAAYAAAAAAAAAAAAAAAAAAAAAAAAAAAAAAAAAAAAJAAAACQAAAAAAAAABwAAAAAAAAAAAAAAAAAAAAAAAAAAAAAAAAAAAH9/fwAlAAAAWAAAAAAAAAAAAAAAAAAAAAAAAAAAAAAAAAAAAAAAAAAAAAAAAAAAAAAAAAAAAAAAPwAAAAAAAACghgEAAAAAAAAAAAAAAAAADAAAAAEAAAAAAAAAAAAAAAAAAAAfAAAAVAAAAERyxAX///8BAAAAAAAAAAAAAAAAAAAAAAAAAAAAAAAAAAAAAAAAAAAAAAACf39/AOfm5gPMzMwAwMD/AH9/fwAAAAAAAAAAAAAAAAD///8AAAAAACEAAAAYAAAAFAAAAMYmAAAVGAAAsicAAEEZAAAAAAAAJgAAAAgAAAD//////////zAAAAAUAAAAAAAAAAAA//8AAAEAAAD//wAAAQA="/>
+                <pr:smNativeData xmlns:mc="http://schemas.openxmlformats.org/markup-compatibility/2006" xmlns:p14="http://schemas.microsoft.com/office/powerpoint/2010/main" xmlns:p15="http://schemas.microsoft.com/office/powerpoint/2012/main" xmlns:pr="smNativeData" xmlns="smNativeData" val="SMDATA_18_8bPwYBMAAAAlAAAAEQAAAC8BAAAAkAAAAEgAAACQAAAASAAAAAAAAAAAAAAAAAAAAAEAAABQAAAAAAAAAAAA4D8AAAAAAADgPwAAAAAAAOA/AAAAAAAA4D8AAAAAAADgPwAAAAAAAOA/AAAAAAAA4D8AAAAAAADgPwAAAAAAAOA/AAAAAAAA4D8CAAAAjAAAAAAAAAAAAAAARHLEDP///wgAAAAAAAAAAAAAAAAAAAAAAAAAAAAAAAAAAAAAZAAAAAEAAABAAAAAAAAAAAAAAAAAAAAAAAAAAAAAAAAAAAAAAAAAAAAAAAAAAAAAAAAAAAAAAAAAAAAAAAAAAAAAAAAAAAAAAAAAAAAAAAAAAAAAAAAAAAAAAAAAAAAAFAAAADwAAAAAAAAAAAAAAAAAAAkUAAAAAQAAABQAAAAUAAAAFAAAAAEAAAAAAAAAZAAAAGQAAAAAAAAAZAAAAGQAAAAVAAAAYAAAAAAAAAAAAAAADwAAACADAAAAAAAAAAAAAAEAAACgMgAAVgcAAKr4//8BAAAAf39/AAEAAABkAAAAAAAAABQAAABAHwAAAAAAACYAAAAAAAAAwOD//wAAAAAmAAAAZAAAABYAAABMAAAAAAAAAAAAAAAEAAAAAAAAAAEAAADn5uYKAAAAACgAAAAoAAAAZAAAAGQAAAAAAAAAzMzMAAAAAABQAAAAUAAAAGQAAABkAAAAAAAAAAcAAAA4AAAAAAAAAAAAAAAAAAAA////AAAAAAAAAAAAAAAAAAAAAAAAAAAAAAAAAAAAAABkAAAAZAAAAAAAAAAjAAAABAAAAGQAAAAXAAAAFAAAAAAAAAAAAAAA/38AAP9/AAAAAAAACQAAAAQAAAAAAAAAHgAAAGgAAAAAAAAAAAAAAAAAAAAAAAAAAAAAABAnAAAQJwAAAAAAAAAAAAAAAAAAAAAAAAAAAAAAAAAAAAAAAAAAAAAUAAAAAAAAAMDA/wAAAAAAZAAAADIAAAAAAAAAZAAAAAAAAAB/f38ACgAAACIAAAAYAAAAAAAAAAAAAAAAAAAAAAAAAAAAAAAAAAAAJAAAACQAAAAAAAAABwAAAAAAAAAAAAAAAAAAAAAAAAAAAAAAAAAAAH9/fwAlAAAAWAAAAAAAAAAAAAAAAAAAAAAAAAAAAAAAAAAAAAAAAAAAAAAAAAAAAAAAAAAAAAAAPwAAAAAAAACghgEAAAAAAAAAAAAAAAAADAAAAAEAAAAAAAAAAAAAAAAAAAAfAAAAVAAAAERyxAX///8BAAAAAAAAAAAAAAAAAAAAAAAAAAAAAAAAAAAAAAAAAAAAAAACf39/AOfm5gPMzMwAwMD/AH9/fwAAAAAAAAAAAAAAAAD///8AAAAAACEAAAAYAAAAFAAAAMYmAAAVGAAAsicAAEEZAAAAAAAAJgAAAAgAAAD//////////zAAAAAUAAAAAAAAAAAA//8AAAEAAAD//wAAAQA="/>
               </a:ext>
             </a:extLst>
           </p:cNvPicPr>
@@ -8637,7 +8314,7 @@
             <a:picLocks noChangeAspect="1"/>
             <a:extLst>
               <a:ext uri="smNativeData">
-                <pr:smNativeData xmlns="smNativeData" xmlns:pr="smNativeData" xmlns:p15="http://schemas.microsoft.com/office/powerpoint/2012/main" xmlns:p14="http://schemas.microsoft.com/office/powerpoint/2010/main" xmlns:mc="http://schemas.openxmlformats.org/markup-compatibility/2006" val="SMDATA_18_8bPwYBMAAAAlAAAAEQAAAC8BAAAAkAAAAEgAAACQAAAASAAAAAAAAAAAAAAAAAAAAAEAAABQAAAAAAAAAAAA4D8AAAAAAADgPwAAAAAAAOA/AAAAAAAA4D8AAAAAAADgPwAAAAAAAOA/AAAAAAAA4D8AAAAAAADgPwAAAAAAAOA/AAAAAAAA4D8CAAAAjAAAAAAAAAAAAAAARHLEDP///wgAAAAAAAAAAAAAAAAAAAAAAAAAAAAAAAAAAAAAZAAAAAEAAABAAAAAAAAAAAAAAAAAAAAAAAAAAAAAAAAAAAAAAAAAAAAAAAAAAAAAAAAAAAAAAAAAAAAAAAAAAAAAAAAAAAAAAAAAAAAAAAAAAAAAAAAAAAAAAAAAAAAAFAAAADwAAAAAAAAAAAAAAAAAAAkUAAAAAQAAABQAAAAUAAAAFAAAAAEAAAAAAAAAZAAAAGQAAAAAAAAAZAAAAGQAAAAVAAAAYAAAAAAAAAAAAAAADwAAACADAAAAAAAAAAAAAAEAAACgMgAAVgcAAKr4//8BAAAAf39/AAEAAABkAAAAAAAAABQAAABAHwAAAAAAACYAAAAAAAAAwOD//wAAAAAmAAAAZAAAABYAAABMAAAAAAAAAAAAAAAEAAAAAAAAAAEAAADn5uYKAAAAACgAAAAoAAAAZAAAAGQAAAAAAAAAzMzMAAAAAABQAAAAUAAAAGQAAABkAAAAAAAAAAcAAAA4AAAAAAAAAAAAAAAAAAAA////AAAAAAAAAAAAAAAAAAAAAAAAAAAAAAAAAAAAAABkAAAAZAAAAAAAAAAjAAAABAAAAGQAAAAXAAAAFAAAAAAAAAAAAAAA/38AAP9/AAAAAAAACQAAAAQAAAAAAAAAHgAAAGgAAAAAAAAAAAAAAAAAAAAAAAAAAAAAABAnAAAQJwAAAAAAAAAAAAAAAAAAAAAAAAAAAAAAAAAAAAAAAAAAAAAUAAAAAAAAAMDA/wAAAAAAZAAAADIAAAAAAAAAZAAAAAAAAAB/f38ACgAAACIAAAAYAAAAAAAAAAAAAAAAAAAAAAAAAAAAAAAAAAAAJAAAACQAAAAAAAAABwAAAAAAAAAAAAAAAAAAAAAAAAAAAAAAAAAAAH9/fwAlAAAAWAAAAAAAAAAAAAAAAAAAAAAAAAAAAAAAAAAAAAAAAAAAAAAAAAAAAAAAAAAAAAAAPwAAAAAAAACghgEAAAAAAAAAAAAAAAAADAAAAAEAAAAAAAAAAAAAAAAAAAAfAAAAVAAAAERyxAX///8BAAAAAAAAAAAAAAAAAAAAAAAAAAAAAAAAAAAAAAAAAAAAAAACf39/AOfm5gPMzMwAwMD/AH9/fwAAAAAAAAAAAAAAAAD///8AAAAAACEAAAAYAAAAFAAAAEgmAAAUEAAAYi8AACcYAAAAAAAAJgAAAAgAAAD//////////zAAAAAUAAAAAAAAAAAA//8AAAEAAAD//wAAAQA="/>
+                <pr:smNativeData xmlns:mc="http://schemas.openxmlformats.org/markup-compatibility/2006" xmlns:p14="http://schemas.microsoft.com/office/powerpoint/2010/main" xmlns:p15="http://schemas.microsoft.com/office/powerpoint/2012/main" xmlns:pr="smNativeData" xmlns="smNativeData" val="SMDATA_18_8bPwYBMAAAAlAAAAEQAAAC8BAAAAkAAAAEgAAACQAAAASAAAAAAAAAAAAAAAAAAAAAEAAABQAAAAAAAAAAAA4D8AAAAAAADgPwAAAAAAAOA/AAAAAAAA4D8AAAAAAADgPwAAAAAAAOA/AAAAAAAA4D8AAAAAAADgPwAAAAAAAOA/AAAAAAAA4D8CAAAAjAAAAAAAAAAAAAAARHLEDP///wgAAAAAAAAAAAAAAAAAAAAAAAAAAAAAAAAAAAAAZAAAAAEAAABAAAAAAAAAAAAAAAAAAAAAAAAAAAAAAAAAAAAAAAAAAAAAAAAAAAAAAAAAAAAAAAAAAAAAAAAAAAAAAAAAAAAAAAAAAAAAAAAAAAAAAAAAAAAAAAAAAAAAFAAAADwAAAAAAAAAAAAAAAAAAAkUAAAAAQAAABQAAAAUAAAAFAAAAAEAAAAAAAAAZAAAAGQAAAAAAAAAZAAAAGQAAAAVAAAAYAAAAAAAAAAAAAAADwAAACADAAAAAAAAAAAAAAEAAACgMgAAVgcAAKr4//8BAAAAf39/AAEAAABkAAAAAAAAABQAAABAHwAAAAAAACYAAAAAAAAAwOD//wAAAAAmAAAAZAAAABYAAABMAAAAAAAAAAAAAAAEAAAAAAAAAAEAAADn5uYKAAAAACgAAAAoAAAAZAAAAGQAAAAAAAAAzMzMAAAAAABQAAAAUAAAAGQAAABkAAAAAAAAAAcAAAA4AAAAAAAAAAAAAAAAAAAA////AAAAAAAAAAAAAAAAAAAAAAAAAAAAAAAAAAAAAABkAAAAZAAAAAAAAAAjAAAABAAAAGQAAAAXAAAAFAAAAAAAAAAAAAAA/38AAP9/AAAAAAAACQAAAAQAAAAAAAAAHgAAAGgAAAAAAAAAAAAAAAAAAAAAAAAAAAAAABAnAAAQJwAAAAAAAAAAAAAAAAAAAAAAAAAAAAAAAAAAAAAAAAAAAAAUAAAAAAAAAMDA/wAAAAAAZAAAADIAAAAAAAAAZAAAAAAAAAB/f38ACgAAACIAAAAYAAAAAAAAAAAAAAAAAAAAAAAAAAAAAAAAAAAAJAAAACQAAAAAAAAABwAAAAAAAAAAAAAAAAAAAAAAAAAAAAAAAAAAAH9/fwAlAAAAWAAAAAAAAAAAAAAAAAAAAAAAAAAAAAAAAAAAAAAAAAAAAAAAAAAAAAAAAAAAAAAAPwAAAAAAAACghgEAAAAAAAAAAAAAAAAADAAAAAEAAAAAAAAAAAAAAAAAAAAfAAAAVAAAAERyxAX///8BAAAAAAAAAAAAAAAAAAAAAAAAAAAAAAAAAAAAAAAAAAAAAAACf39/AOfm5gPMzMwAwMD/AH9/fwAAAAAAAAAAAAAAAAD///8AAAAAACEAAAAYAAAAFAAAAEgmAAAUEAAAYi8AACcYAAAAAAAAJgAAAAgAAAD//////////zAAAAAUAAAAAAAAAAAA//8AAAEAAAD//wAAAQA="/>
               </a:ext>
             </a:extLst>
           </p:cNvPicPr>
@@ -8671,7 +8348,7 @@
             <a:picLocks noChangeAspect="1"/>
             <a:extLst>
               <a:ext uri="smNativeData">
-                <pr:smNativeData xmlns="smNativeData" xmlns:pr="smNativeData" xmlns:p15="http://schemas.microsoft.com/office/powerpoint/2012/main" xmlns:p14="http://schemas.microsoft.com/office/powerpoint/2010/main" xmlns:mc="http://schemas.openxmlformats.org/markup-compatibility/2006" val="SMDATA_18_8bPwYBMAAAAlAAAAEQAAAC8BAAAAkAAAAEgAAACQAAAASAAAAAAAAAAAAAAAAAAAAAEAAABQAAAAAAAAAAAA4D8AAAAAAADgPwAAAAAAAOA/AAAAAAAA4D8AAAAAAADgPwAAAAAAAOA/AAAAAAAA4D8AAAAAAADgPwAAAAAAAOA/AAAAAAAA4D8CAAAAjAAAAAAAAAAAAAAARHLEDP///wgAAAAAAAAAAAAAAAAAAAAAAAAAAAAAAAAAAAAAZAAAAAEAAABAAAAAAAAAAAAAAAAAAAAAAAAAAAAAAAAAAAAAAAAAAAAAAAAAAAAAAAAAAAAAAAAAAAAAAAAAAAAAAAAAAAAAAAAAAAAAAAAAAAAAAAAAAAAAAAAAAAAAFAAAADwAAAAAAAAAAAAAAAAAAAkUAAAAAQAAABQAAAAUAAAAFAAAAAEAAAAAAAAAZAAAAGQAAAAAAAAAZAAAAGQAAAAVAAAAYAAAAAAAAAAAAAAADwAAACADAAAAAAAAAAAAAAEAAACgMgAAVgcAAKr4//8BAAAAf39/AAEAAABkAAAAAAAAABQAAABAHwAAAAAAACYAAAAAAAAAwOD//wAAAAAmAAAAZAAAABYAAABMAAAAAAAAAAAAAAAEAAAAAAAAAAEAAADn5uYKAAAAACgAAAAoAAAAZAAAAGQAAAAAAAAAzMzMAAAAAABQAAAAUAAAAGQAAABkAAAAAAAAAAcAAAA4AAAAAAAAAAAAAAAAAAAA////AAAAAAAAAAAAAAAAAAAAAAAAAAAAAAAAAAAAAABkAAAAZAAAAAAAAAAjAAAABAAAAGQAAAAXAAAAFAAAAAAAAAAAAAAA/38AAP9/AAAAAAAACQAAAAQAAAAAAP8NHgAAAGgAAAAAAAAAAAAAAAAAAAAAAAAAAAAAABAnAAAQJwAAAAAAAAAAAAAAAAAAAAAAAAAAAAAAAAAAAAAAAAAAAAAUAAAAAAAAAMDA/wAAAAAAZAAAADIAAAAAAAAAZAAAAAAAAAB/f38ACgAAACIAAAAYAAAAAAAAAAAAAAAAAAAAAAAAAAAAAAAAAAAAJAAAACQAAAAAAAAABwAAAAAAAAAAAAAAAAAAAAAAAAAAAAAAAAAAAH9/fwAlAAAAWAAAAAAAAAAAAAAAAAAAAAAAAAAAAAAAAAAAAAAAAAAAAAAAAAAAAAAAAAAAAAAAPwAAAAAAAACghgEAAAAAAAAAAAAAAAAADAAAAAEAAAAAAAAAAAAAAAAAAAAfAAAAVAAAAERyxAX///8BAAAAAAAAAAAAAAAAAAAAAAAAAAAAAAAAAAAAAAAAAAAAAAACf39/AOfm5gPMzMwAwMD/AH9/fwAAAAAAAAAAAAAAAAD///8AAAAAACEAAAAYAAAAFAAAALQoAABqGQAACDAAAOQaAAAAAAAAJgAAAAgAAAD//////////zAAAAAUAAAAAAAAAAAA//8AAAEAAAD//wAAAQA="/>
+                <pr:smNativeData xmlns:mc="http://schemas.openxmlformats.org/markup-compatibility/2006" xmlns:p14="http://schemas.microsoft.com/office/powerpoint/2010/main" xmlns:p15="http://schemas.microsoft.com/office/powerpoint/2012/main" xmlns:pr="smNativeData" xmlns="smNativeData" val="SMDATA_18_8bPwYBMAAAAlAAAAEQAAAC8BAAAAkAAAAEgAAACQAAAASAAAAAAAAAAAAAAAAAAAAAEAAABQAAAAAAAAAAAA4D8AAAAAAADgPwAAAAAAAOA/AAAAAAAA4D8AAAAAAADgPwAAAAAAAOA/AAAAAAAA4D8AAAAAAADgPwAAAAAAAOA/AAAAAAAA4D8CAAAAjAAAAAAAAAAAAAAARHLEDP///wgAAAAAAAAAAAAAAAAAAAAAAAAAAAAAAAAAAAAAZAAAAAEAAABAAAAAAAAAAAAAAAAAAAAAAAAAAAAAAAAAAAAAAAAAAAAAAAAAAAAAAAAAAAAAAAAAAAAAAAAAAAAAAAAAAAAAAAAAAAAAAAAAAAAAAAAAAAAAAAAAAAAAFAAAADwAAAAAAAAAAAAAAAAAAAkUAAAAAQAAABQAAAAUAAAAFAAAAAEAAAAAAAAAZAAAAGQAAAAAAAAAZAAAAGQAAAAVAAAAYAAAAAAAAAAAAAAADwAAACADAAAAAAAAAAAAAAEAAACgMgAAVgcAAKr4//8BAAAAf39/AAEAAABkAAAAAAAAABQAAABAHwAAAAAAACYAAAAAAAAAwOD//wAAAAAmAAAAZAAAABYAAABMAAAAAAAAAAAAAAAEAAAAAAAAAAEAAADn5uYKAAAAACgAAAAoAAAAZAAAAGQAAAAAAAAAzMzMAAAAAABQAAAAUAAAAGQAAABkAAAAAAAAAAcAAAA4AAAAAAAAAAAAAAAAAAAA////AAAAAAAAAAAAAAAAAAAAAAAAAAAAAAAAAAAAAABkAAAAZAAAAAAAAAAjAAAABAAAAGQAAAAXAAAAFAAAAAAAAAAAAAAA/38AAP9/AAAAAAAACQAAAAQAAAAAAP8NHgAAAGgAAAAAAAAAAAAAAAAAAAAAAAAAAAAAABAnAAAQJwAAAAAAAAAAAAAAAAAAAAAAAAAAAAAAAAAAAAAAAAAAAAAUAAAAAAAAAMDA/wAAAAAAZAAAADIAAAAAAAAAZAAAAAAAAAB/f38ACgAAACIAAAAYAAAAAAAAAAAAAAAAAAAAAAAAAAAAAAAAAAAAJAAAACQAAAAAAAAABwAAAAAAAAAAAAAAAAAAAAAAAAAAAAAAAAAAAH9/fwAlAAAAWAAAAAAAAAAAAAAAAAAAAAAAAAAAAAAAAAAAAAAAAAAAAAAAAAAAAAAAAAAAAAAAPwAAAAAAAACghgEAAAAAAAAAAAAAAAAADAAAAAEAAAAAAAAAAAAAAAAAAAAfAAAAVAAAAERyxAX///8BAAAAAAAAAAAAAAAAAAAAAAAAAAAAAAAAAAAAAAAAAAAAAAACf39/AOfm5gPMzMwAwMD/AH9/fwAAAAAAAAAAAAAAAAD///8AAAAAACEAAAAYAAAAFAAAALQoAABqGQAACDAAAOQaAAAAAAAAJgAAAAgAAAD//////////zAAAAAUAAAAAAAAAAAA//8AAAEAAAD//wAAAQA="/>
               </a:ext>
             </a:extLst>
           </p:cNvPicPr>
@@ -8703,6 +8380,327 @@
   <p:clrMapOvr>
     <a:masterClrMapping/>
   </p:clrMapOvr>
+  <p:timing>
+    <p:tnLst>
+      <p:par>
+        <p:cTn id="1" dur="indefinite" restart="never" nodeType="tmRoot">
+          <p:childTnLst>
+            <p:seq concurrent="1" nextAc="seek">
+              <p:cTn id="2" dur="indefinite" nodeType="mainSeq">
+                <p:childTnLst>
+                  <p:par>
+                    <p:cTn id="3" fill="hold">
+                      <p:stCondLst>
+                        <p:cond delay="indefinite"/>
+                      </p:stCondLst>
+                      <p:childTnLst>
+                        <p:par>
+                          <p:cTn id="4" fill="hold">
+                            <p:stCondLst>
+                              <p:cond delay="0"/>
+                            </p:stCondLst>
+                            <p:childTnLst>
+                              <p:par>
+                                <p:cTn id="5" presetID="1" presetClass="entr" presetSubtype="0" fill="hold" grpId="0" nodeType="clickEffect">
+                                  <p:stCondLst>
+                                    <p:cond delay="0"/>
+                                  </p:stCondLst>
+                                  <p:childTnLst>
+                                    <p:set>
+                                      <p:cBhvr>
+                                        <p:cTn id="6" dur="1" fill="hold">
+                                          <p:stCondLst>
+                                            <p:cond delay="0"/>
+                                          </p:stCondLst>
+                                        </p:cTn>
+                                        <p:tgtEl>
+                                          <p:spTgt spid="18"/>
+                                        </p:tgtEl>
+                                        <p:attrNameLst>
+                                          <p:attrName>style.visibility</p:attrName>
+                                        </p:attrNameLst>
+                                      </p:cBhvr>
+                                      <p:to>
+                                        <p:strVal val="visible"/>
+                                      </p:to>
+                                    </p:set>
+                                  </p:childTnLst>
+                                </p:cTn>
+                              </p:par>
+                            </p:childTnLst>
+                          </p:cTn>
+                        </p:par>
+                      </p:childTnLst>
+                    </p:cTn>
+                  </p:par>
+                </p:childTnLst>
+              </p:cTn>
+              <p:prevCondLst>
+                <p:cond evt="onPrev" delay="0">
+                  <p:tgtEl>
+                    <p:sldTgt/>
+                  </p:tgtEl>
+                </p:cond>
+              </p:prevCondLst>
+              <p:nextCondLst>
+                <p:cond evt="onNext" delay="0">
+                  <p:tgtEl>
+                    <p:sldTgt/>
+                  </p:tgtEl>
+                </p:cond>
+              </p:nextCondLst>
+            </p:seq>
+          </p:childTnLst>
+        </p:cTn>
+      </p:par>
+    </p:tnLst>
+    <p:bldLst>
+      <p:bldP spid="18" grpId="0"/>
+    </p:bldLst>
+  </p:timing>
+</p:sld>
+</file>
+
+<file path=ppt/slides/slide16.xml><?xml version="1.0" encoding="utf-8"?>
+<p:sld xmlns:a="http://schemas.openxmlformats.org/drawingml/2006/main" xmlns:r="http://schemas.openxmlformats.org/officeDocument/2006/relationships" xmlns:p="http://schemas.openxmlformats.org/presentationml/2006/main">
+  <p:cSld>
+    <p:spTree>
+      <p:nvGrpSpPr>
+        <p:cNvPr id="1" name=""/>
+        <p:cNvGrpSpPr/>
+        <p:nvPr/>
+      </p:nvGrpSpPr>
+      <p:grpSpPr>
+        <a:xfrm>
+          <a:off x="0" y="0"/>
+          <a:ext cx="0" cy="0"/>
+          <a:chOff x="0" y="0"/>
+          <a:chExt cx="0" cy="0"/>
+        </a:xfrm>
+      </p:grpSpPr>
+      <p:sp>
+        <p:nvSpPr>
+          <p:cNvPr id="2" name="Title 1"/>
+          <p:cNvSpPr>
+            <a:spLocks noGrp="1" noChangeArrowheads="1"/>
+            <a:extLst>
+              <a:ext uri="smNativeData">
+                <pr:smNativeData xmlns:mc="http://schemas.openxmlformats.org/markup-compatibility/2006" xmlns:p14="http://schemas.microsoft.com/office/powerpoint/2010/main" xmlns:p15="http://schemas.microsoft.com/office/powerpoint/2012/main" xmlns:pr="smNativeData" xmlns="smNativeData" val="SMDATA_16_8bPwYBMAAAAlAAAAZAAAAA0AAAAAkAAAAEgAAACQAAAASAAAAAAAAAABAAAAAAAAAAEAAABQAAAAAAAAAAAA4D8AAAAAAADgPwAAAAAAAOA/AAAAAAAA4D8AAAAAAADgPwAAAAAAAOA/AAAAAAAA4D8AAAAAAADgPwAAAAAAAOA/AAAAAAAA4D8CAAAAjAAAAAAAAAAAAAAARHLEDP///wgAAAAAAAAAAAAAAAAAAAAAAAAAAAAAAAAAAAAAZAAAAAEAAABAAAAAAAAAAAAAAAAAAAAAAAAAAAAAAAAAAAAAAAAAAAAAAAAAAAAAAAAAAAAAAAAAAAAAAAAAAAAAAAAAAAAAAAAAAAAAAAAAAAAAAAAAAAAAAAAAAAAAFAAAADwAAAAAAAAAAAAAAAAAAAkUAAAAAQAAABQAAAAUAAAAFAAAAAEAAAAAAAAAZAAAAGQAAAAAAAAAZAAAAGQAAAAVAAAAYAAAAAAAAAAAAAAADwAAACADAAAAAAAAAAAAAAEAAACgMgAAVgcAAKr4//8BAAAAf39/AAEAAABkAAAAAAAAABQAAABAHwAAAAAAACYAAAAAAAAAwOD//wAAAAAmAAAAZAAAABYAAABMAAAAAAAAAAAAAAAEAAAAAAAAAAEAAADn5uYKAAAAACgAAAAoAAAAZAAAAGQAAAAAAAAAzMzMAAAAAABQAAAAUAAAAGQAAABkAAAAAAAAABcAAAAUAAAAAAAAAAAAAAD/fwAA/38AAAAAAAAJAAAABAAAAJB8AQYeAAAAaAAAAAAAAAAAAAAAAAAAAAAAAAAAAAAAECcAABAnAAAAAAAAAAAAAAAAAAAAAAAAAAAAAAAAAAAAAAAAAAAAABQAAAAAAAAAwMD/AAAAAABkAAAAMgAAAAAAAABkAAAAAAAAAH9/fwAKAAAAIgAAABgAAAAAAAAAAAAAAAAAAAAAAAAAAAAAAAAAAAAkAAAAJAAAAAAAAAAHAAAAAAAAAAAAAAAAAAAAAAAAAAAAAAAAAAAAf39/ACUAAABYAAAAAAAAAAAAAAAAAAAAAAAAAAAAAAAAAAAAAAAAAAAAAAAAAAAAAAAAAAAAAAA/AAAAAAAAAKCGAQAAAAAAAAAAAAAAAAAMAAAAAQAAAAAAAAAAAAAAAAAAAB8AAABUAAAARHLEBf///wEAAAAAAAAAAAAAAAAAAAAAAAAAAAAAAAAAAAAAAAAAAAAAAAJ/f38A5+bmA8zMzADAwP8Af39/AAAAAAAAAAAAAAAAAAAAAAAAAAAAIQAAABgAAAAUAAAA3gMAAD8CAABiNAAAZwoAABAAAAAmAAAACAAAAAAAAAAAAAAAMAAAABQAAAAAAAAAAAD//wAAAQAAAP//AAABAA=="/>
+              </a:ext>
+            </a:extLst>
+          </p:cNvSpPr>
+          <p:nvPr>
+            <p:ph type="title"/>
+          </p:nvPr>
+        </p:nvSpPr>
+        <p:spPr/>
+        <p:txBody>
+          <a:bodyPr/>
+          <a:lstStyle/>
+          <a:p>
+            <a:pPr>
+              <a:defRPr lang="en-us"/>
+            </a:pPr>
+            <a:r>
+              <a:t>Takeaways, next steps</a:t>
+            </a:r>
+          </a:p>
+        </p:txBody>
+      </p:sp>
+      <p:sp>
+        <p:nvSpPr>
+          <p:cNvPr id="3" name="Content Placeholder 2"/>
+          <p:cNvSpPr>
+            <a:spLocks noGrp="1" noChangeArrowheads="1"/>
+            <a:extLst>
+              <a:ext uri="smNativeData">
+                <pr:smNativeData xmlns:mc="http://schemas.openxmlformats.org/markup-compatibility/2006" xmlns:p14="http://schemas.microsoft.com/office/powerpoint/2010/main" xmlns:p15="http://schemas.microsoft.com/office/powerpoint/2012/main" xmlns:pr="smNativeData" xmlns="smNativeData" val="SMDATA_16_8bPwYBMAAAAlAAAAZAAAAA0AAAAAkAAAAEgAAACQAAAASAAAAAAAAAAAAAAAAAAAAAEAAABQAAAAAAAAAAAA4D8AAAAAAADgPwAAAAAAAOA/AAAAAAAA4D8AAAAAAADgPwAAAAAAAOA/AAAAAAAA4D8AAAAAAADgPwAAAAAAAOA/AAAAAAAA4D8CAAAAjAAAAAAAAAAAAAAARHLEDP///wgAAAAAAAAAAAAAAAAAAAAAAAAAAAAAAAAAAAAAZAAAAAEAAABAAAAAAAAAAAAAAAAAAAAAAAAAAAAAAAAAAAAAAAAAAAAAAAAAAAAAAAAAAAAAAAAAAAAAAAAAAAAAAAAAAAAAAAAAAAAAAAAAAAAAAAAAAAAAAAAAAAAAFAAAADwAAAAAAAAAAAAAAAAAAAkUAAAAAQAAABQAAAAUAAAAFAAAAAEAAAAAAAAAZAAAAGQAAAAAAAAAZAAAAGQAAAAVAAAAYAAAAAAAAAAAAAAADwAAACADAAAAAAAAAAAAAAEAAACgMgAAVgcAAKr4//8BAAAAf39/AAEAAABkAAAAAAAAABQAAABAHwAAAAAAACYAAAAAAAAAwOD//wAAAAAmAAAAZAAAABYAAABMAAAAAAAAAAAAAAAEAAAAAAAAAAEAAADn5uYKAAAAACgAAAAoAAAAZAAAAGQAAAAAAAAAzMzMAAAAAABQAAAAUAAAAGQAAABkAAAAAAAAABcAAAAUAAAAAAAAAAAAAAD/fwAA/38AAAAAAAAJAAAABAAAAKCIAQYeAAAAaAAAAAAAAAAAAAAAAAAAAAAAAAAAAAAAECcAABAnAAAAAAAAAAAAAAAAAAAAAAAAAAAAAAAAAAAAAAAAAAAAABQAAAAAAAAAwMD/AAAAAABkAAAAMgAAAAAAAABkAAAAAAAAAH9/fwAKAAAAIgAAABgAAAAAAAAAAAAAAAAAAAAAAAAAAAAAAAAAAAAkAAAAJAAAAAAAAAAHAAAAAAAAAAAAAAAAAAAAAAAAAAAAAAAAAAAAf39/ACUAAABYAAAAAAAAAAAAAAAAAAAAAAAAAAAAAAAAAAAAAAAAAAAAAAAAAAAAAAAAAAAAAAA/AAAAAAAAAKCGAQAAAAAAAAAAAAAAAAAMAAAAAQAAAAAAAAAAAAAAAAAAAB8AAABUAAAARHLEBf///wEAAAAAAAAAAAAAAAAAAAAAAAAAAAAAAAAAAAAAAAAAAAAAAAJ/f38A5+bmA8zMzADAwP8Af39/AAAAAAAAAAAAAAAAAAAAAAAAAAAAIQAAABgAAAAUAAAA3gMAADsLAABiNAAAACYAAAAAAAAmAAAACAAAAAEAAAAAAAAAMAAAABQAAAAAAAAAAAD//wAAAQAAAP//AAABAA=="/>
+              </a:ext>
+            </a:extLst>
+          </p:cNvSpPr>
+          <p:nvPr>
+            <p:ph type="body" idx="1"/>
+          </p:nvPr>
+        </p:nvSpPr>
+        <p:spPr>
+          <a:xfrm>
+            <a:off x="628650" y="1825625"/>
+            <a:ext cx="7886700" cy="4351655"/>
+          </a:xfrm>
+        </p:spPr>
+        <p:txBody>
+          <a:bodyPr/>
+          <a:lstStyle/>
+          <a:p>
+            <a:pPr>
+              <a:defRPr lang="en-us"/>
+            </a:pPr>
+            <a:r>
+              <a:rPr lang="en-US" dirty="0"/>
+              <a:t>If intention involves internal commitment, what makes such commitments “credible”?</a:t>
+            </a:r>
+          </a:p>
+          <a:p>
+            <a:pPr>
+              <a:defRPr lang="en-us"/>
+            </a:pPr>
+            <a:r>
+              <a:rPr dirty="0"/>
+              <a:t>Intentional unawareness is one possible mechanism</a:t>
+            </a:r>
+          </a:p>
+          <a:p>
+            <a:pPr>
+              <a:defRPr lang="en-us"/>
+            </a:pPr>
+            <a:r>
+              <a:rPr dirty="0"/>
+              <a:t>Interesting questions</a:t>
+            </a:r>
+          </a:p>
+          <a:p>
+            <a:pPr lvl="1">
+              <a:defRPr lang="en-us"/>
+            </a:pPr>
+            <a:r>
+              <a:rPr dirty="0"/>
+              <a:t>How and when are plans revised or disrupted?</a:t>
+            </a:r>
+          </a:p>
+          <a:p>
+            <a:pPr lvl="1">
+              <a:defRPr lang="en-us"/>
+            </a:pPr>
+            <a:r>
+              <a:rPr dirty="0"/>
+              <a:t>Internal commitment in multi-agent settings? </a:t>
+            </a:r>
+          </a:p>
+          <a:p>
+            <a:pPr>
+              <a:defRPr lang="en-us"/>
+            </a:pPr>
+            <a:r>
+              <a:rPr dirty="0"/>
+              <a:t>Pivot to organizations </a:t>
+            </a:r>
+          </a:p>
+          <a:p>
+            <a:pPr lvl="1">
+              <a:defRPr lang="en-us"/>
+            </a:pPr>
+            <a:r>
+              <a:rPr dirty="0"/>
+              <a:t>Requires work</a:t>
+            </a:r>
+          </a:p>
+          <a:p>
+            <a:pPr lvl="1">
+              <a:defRPr lang="en-us"/>
+            </a:pPr>
+            <a:r>
+              <a:rPr dirty="0"/>
+              <a:t>Nevertheless, this model does seem </a:t>
+            </a:r>
+            <a:r>
+              <a:rPr dirty="0" err="1"/>
+              <a:t>scaleable</a:t>
+            </a:r>
+            <a:endParaRPr dirty="0"/>
+          </a:p>
+        </p:txBody>
+      </p:sp>
+    </p:spTree>
+  </p:cSld>
+  <p:clrMapOvr>
+    <a:masterClrMapping/>
+  </p:clrMapOvr>
+</p:sld>
+</file>
+
+<file path=ppt/slides/slide17.xml><?xml version="1.0" encoding="utf-8"?>
+<p:sld xmlns:a="http://schemas.openxmlformats.org/drawingml/2006/main" xmlns:r="http://schemas.openxmlformats.org/officeDocument/2006/relationships" xmlns:p="http://schemas.openxmlformats.org/presentationml/2006/main">
+  <p:cSld>
+    <p:spTree>
+      <p:nvGrpSpPr>
+        <p:cNvPr id="1" name=""/>
+        <p:cNvGrpSpPr/>
+        <p:nvPr/>
+      </p:nvGrpSpPr>
+      <p:grpSpPr>
+        <a:xfrm>
+          <a:off x="0" y="0"/>
+          <a:ext cx="0" cy="0"/>
+          <a:chOff x="0" y="0"/>
+          <a:chExt cx="0" cy="0"/>
+        </a:xfrm>
+      </p:grpSpPr>
+      <p:sp>
+        <p:nvSpPr>
+          <p:cNvPr id="2" name="Title 1"/>
+          <p:cNvSpPr>
+            <a:spLocks noGrp="1" noChangeArrowheads="1"/>
+            <a:extLst>
+              <a:ext uri="smNativeData">
+                <pr:smNativeData xmlns:mc="http://schemas.openxmlformats.org/markup-compatibility/2006" xmlns:p14="http://schemas.microsoft.com/office/powerpoint/2010/main" xmlns:p15="http://schemas.microsoft.com/office/powerpoint/2012/main" xmlns:pr="smNativeData" xmlns="smNativeData" val="SMDATA_16_8bPwYBMAAAAlAAAAZAAAAA0AAAAAkAAAAEgAAACQAAAASAAAAAAAAAABAAAAAAAAAAEAAABQAAAAAAAAAAAA4D8AAAAAAADgPwAAAAAAAOA/AAAAAAAA4D8AAAAAAADgPwAAAAAAAOA/AAAAAAAA4D8AAAAAAADgPwAAAAAAAOA/AAAAAAAA4D8CAAAAjAAAAAAAAAAAAAAARHLEDP///wgAAAAAAAAAAAAAAAAAAAAAAAAAAAAAAAAAAAAAZAAAAAEAAABAAAAAAAAAAAAAAAAAAAAAAAAAAAAAAAAAAAAAAAAAAAAAAAAAAAAAAAAAAAAAAAAAAAAAAAAAAAAAAAAAAAAAAAAAAAAAAAAAAAAAAAAAAAAAAAAAAAAAFAAAADwAAAAAAAAAAAAAAAAAAAkUAAAAAQAAABQAAAAUAAAAFAAAAAEAAAAAAAAAZAAAAGQAAAAAAAAAZAAAAGQAAAAVAAAAYAAAAAAAAAAAAAAADwAAACADAAAAAAAAAAAAAAEAAACgMgAAVgcAAKr4//8BAAAAf39/AAEAAABkAAAAAAAAABQAAABAHwAAAAAAACYAAAAAAAAAwOD//wAAAAAmAAAAZAAAABYAAABMAAAAAAAAAAAAAAAEAAAAAAAAAAEAAADn5uYKAAAAACgAAAAoAAAAZAAAAGQAAAAAAAAAzMzMAAAAAABQAAAAUAAAAGQAAABkAAAAAAAAABcAAAAUAAAAAAAAAAAAAAD/fwAA/38AAAAAAAAJAAAABAAAAAAAAAAeAAAAaAAAAAAAAAAAAAAAAAAAAAAAAAAAAAAAECcAABAnAAAAAAAAAAAAAAAAAAAAAAAAAAAAAAAAAAAAAAAAAAAAABQAAAAAAAAAwMD/AAAAAABkAAAAMgAAAAAAAABkAAAAAAAAAH9/fwAKAAAAIgAAABgAAAAAAAAAAAAAAAAAAAAAAAAAAAAAAAAAAAAkAAAAJAAAAAAAAAAHAAAAAAAAAAAAAAAAAAAAAAAAAAAAAAAAAAAAf39/ACUAAABYAAAAAAAAAAAAAAAAAAAAAAAAAAAAAAAAAAAAAAAAAAAAAAAAAAAAAAAAAAAAAAA/AAAAAAAAAKCGAQAAAAAAAAAAAAAAAAAMAAAAAQAAAAAAAAAAAAAAAAAAAB8AAABUAAAARHLEBf///wEAAAAAAAAAAAAAAAAAAAAAAAAAAAAAAAAAAAAAAAAAAAAAAAJ/f38A5+bmA8zMzADAwP8Af39/AAAAAAAAAAAAAAAAAAAAAAAAAAAAIQAAABgAAAAUAAAA3gMAAD8CAABiNAAAZwoAAAAAAAAmAAAACAAAAAEAAAAAAAAAMAAAABQAAAAAAAAAAAD//wAAAQAAAP//AAABAA=="/>
+              </a:ext>
+            </a:extLst>
+          </p:cNvSpPr>
+          <p:nvPr>
+            <p:ph type="title"/>
+          </p:nvPr>
+        </p:nvSpPr>
+        <p:spPr>
+          <a:xfrm>
+            <a:off x="628650" y="365125"/>
+            <a:ext cx="7886700" cy="1325880"/>
+          </a:xfrm>
+        </p:spPr>
+        <p:txBody>
+          <a:bodyPr/>
+          <a:lstStyle/>
+          <a:p>
+            <a:pPr algn="ctr">
+              <a:defRPr lang="en-us"/>
+            </a:pPr>
+            <a:r>
+              <a:t>FIN</a:t>
+            </a:r>
+          </a:p>
+        </p:txBody>
+      </p:sp>
+      <p:sp>
+        <p:nvSpPr>
+          <p:cNvPr id="3" name="Content Placeholder 2"/>
+          <p:cNvSpPr>
+            <a:spLocks noGrp="1" noChangeArrowheads="1"/>
+            <a:extLst>
+              <a:ext uri="smNativeData">
+                <pr:smNativeData xmlns:mc="http://schemas.openxmlformats.org/markup-compatibility/2006" xmlns:p14="http://schemas.microsoft.com/office/powerpoint/2010/main" xmlns:p15="http://schemas.microsoft.com/office/powerpoint/2012/main" xmlns:pr="smNativeData" xmlns="smNativeData" val="SMDATA_16_8bPwYBMAAAAlAAAAZAAAAA0AAAAAkAAAAEgAAACQAAAASAAAAAAAAAAAAAAAAAAAAAEAAABQAAAAAAAAAAAA4D8AAAAAAADgPwAAAAAAAOA/AAAAAAAA4D8AAAAAAADgPwAAAAAAAOA/AAAAAAAA4D8AAAAAAADgPwAAAAAAAOA/AAAAAAAA4D8CAAAAjAAAAAAAAAAAAAAARHLEDP///wgAAAAAAAAAAAAAAAAAAAAAAAAAAAAAAAAAAAAAZAAAAAEAAABAAAAAAAAAAAAAAAAAAAAAAAAAAAAAAAAAAAAAAAAAAAAAAAAAAAAAAAAAAAAAAAAAAAAAAAAAAAAAAAAAAAAAAAAAAAAAAAAAAAAAAAAAAAAAAAAAAAAAFAAAADwAAAAAAAAAAAAAAAAAAAkUAAAAAQAAABQAAAAUAAAAFAAAAAEAAAAAAAAAZAAAAGQAAAAAAAAAZAAAAGQAAAAVAAAAYAAAAAAAAAAAAAAADwAAACADAAAAAAAAAAAAAAEAAACgMgAAVgcAAKr4//8BAAAAf39/AAEAAABkAAAAAAAAABQAAABAHwAAAAAAACYAAAAAAAAAwOD//wAAAAAmAAAAZAAAABYAAABMAAAAAAAAAAAAAAAEAAAAAAAAAAEAAADn5uYKAAAAACgAAAAoAAAAZAAAAGQAAAAAAAAAzMzMAAAAAABQAAAAUAAAAGQAAABkAAAAAAAAABcAAAAUAAAAAAAAAAAAAAD/fwAA/38AAAAAAAAJAAAABAAAAAUAAAAeAAAAaAAAAAAAAAAAAAAAAAAAAAAAAAAAAAAAECcAABAnAAAAAAAAAAAAAAAAAAAAAAAAAAAAAAAAAAAAAAAAAAAAABQAAAAAAAAAwMD/AAAAAABkAAAAMgAAAAAAAABkAAAAAAAAAH9/fwAKAAAAIgAAABgAAAAAAAAAAAAAAAAAAAAAAAAAAAAAAAAAAAAkAAAAJAAAAAAAAAAHAAAAAAAAAAAAAAAAAAAAAAAAAAAAAAAAAAAAf39/ACUAAABYAAAAAAAAAAAAAAAAAAAAAAAAAAAAAAAAAAAAAAAAAAAAAAAAAAAAAAAAAAAAAAA/AAAAAAAAAKCGAQAAAAAAAAAAAAAAAAAMAAAAAQAAAAAAAAAAAAAAAAAAAB8AAABUAAAARHLEBf///wEAAAAAAAAAAAAAAAAAAAAAAAAAAAAAAAAAAAAAAAAAAAAAAAJ/f38A5+bmA8zMzADAwP8Af39/AAAAAAAAAAAAAAAAAAAAAAAAAAAAIQAAABgAAAAUAAAA3gMAADsLAABiNAAAACYAABAAAAAmAAAACAAAAAAAAAAAAAAAMAAAABQAAAAAAAAAAAD//wAAAQAAAP//AAABAA=="/>
+              </a:ext>
+            </a:extLst>
+          </p:cNvSpPr>
+          <p:nvPr>
+            <p:ph type="body" idx="1"/>
+          </p:nvPr>
+        </p:nvSpPr>
+        <p:spPr/>
+        <p:txBody>
+          <a:bodyPr/>
+          <a:lstStyle/>
+          <a:p>
+            <a:pPr>
+              <a:defRPr lang="en-us"/>
+            </a:pPr>
+            <a:endParaRPr/>
+          </a:p>
+        </p:txBody>
+      </p:sp>
+    </p:spTree>
+  </p:cSld>
+  <p:clrMapOvr>
+    <a:masterClrMapping/>
+  </p:clrMapOvr>
 </p:sld>
 </file>
 
@@ -8730,7 +8728,7 @@
             <a:spLocks noGrp="1" noChangeArrowheads="1"/>
             <a:extLst>
               <a:ext uri="smNativeData">
-                <pr:smNativeData xmlns="smNativeData" xmlns:pr="smNativeData" xmlns:p15="http://schemas.microsoft.com/office/powerpoint/2012/main" xmlns:p14="http://schemas.microsoft.com/office/powerpoint/2010/main" xmlns:mc="http://schemas.openxmlformats.org/markup-compatibility/2006" val="SMDATA_16_8bPwYBMAAAAlAAAAZAAAAA0AAAAAkAAAAEgAAACQAAAASAAAAAAAAAABAAAAAAAAAAEAAABQAAAAAAAAAAAA4D8AAAAAAADgPwAAAAAAAOA/AAAAAAAA4D8AAAAAAADgPwAAAAAAAOA/AAAAAAAA4D8AAAAAAADgPwAAAAAAAOA/AAAAAAAA4D8CAAAAjAAAAAAAAAAAAAAARHLEDP///wgAAAAAAAAAAAAAAAAAAAAAAAAAAAAAAAAAAAAAZAAAAAEAAABAAAAAAAAAAAAAAAAAAAAAAAAAAAAAAAAAAAAAAAAAAAAAAAAAAAAAAAAAAAAAAAAAAAAAAAAAAAAAAAAAAAAAAAAAAAAAAAAAAAAAAAAAAAAAAAAAAAAAFAAAADwAAAAAAAAAAAAAAAAAAAkUAAAAAQAAABQAAAAUAAAAFAAAAAEAAAAAAAAAZAAAAGQAAAAAAAAAZAAAAGQAAAAVAAAAYAAAAAAAAAAAAAAADwAAACADAAAAAAAAAAAAAAEAAACgMgAAVgcAAKr4//8BAAAAf39/AAEAAABkAAAAAAAAABQAAABAHwAAAAAAACYAAAAAAAAAwOD//wAAAAAmAAAAZAAAABYAAABMAAAAAAAAAAAAAAAEAAAAAAAAAAEAAADn5uYKAAAAACgAAAAoAAAAZAAAAGQAAAAAAAAAzMzMAAAAAABQAAAAUAAAAGQAAABkAAAAAAAAABcAAAAUAAAAAAAAAAAAAAD/fwAA/38AAAAAAAAJAAAABAAAAJB8AQYeAAAAaAAAAAAAAAAAAAAAAAAAAAAAAAAAAAAAECcAABAnAAAAAAAAAAAAAAAAAAAAAAAAAAAAAAAAAAAAAAAAAAAAABQAAAAAAAAAwMD/AAAAAABkAAAAMgAAAAAAAABkAAAAAAAAAH9/fwAKAAAAIgAAABgAAAAAAAAAAAAAAAAAAAAAAAAAAAAAAAAAAAAkAAAAJAAAAAAAAAAHAAAAAAAAAAAAAAAAAAAAAAAAAAAAAAAAAAAAf39/ACUAAABYAAAAAAAAAAAAAAAAAAAAAAAAAAAAAAAAAAAAAAAAAAAAAAAAAAAAAAAAAAAAAAA/AAAAAAAAAKCGAQAAAAAAAAAAAAAAAAAMAAAAAQAAAAAAAAAAAAAAAAAAAB8AAABUAAAARHLEBf///wEAAAAAAAAAAAAAAAAAAAAAAAAAAAAAAAAAAAAAAAAAAAAAAAJ/f38A5+bmA8zMzADAwP8Af39/AAAAAAAAAAAAAAAAAAAAAAAAAAAAIQAAABgAAAAUAAAA3gMAAD8CAABiNAAAZwoAABAAAAAmAAAACAAAAAAAAAAAAAAAMAAAABQAAAAAAAAAAAD//wAAAQAAAP//AAABAA=="/>
+                <pr:smNativeData xmlns="smNativeData" xmlns:pr="smNativeData" xmlns:p15="http://schemas.microsoft.com/office/powerpoint/2012/main" xmlns:p14="http://schemas.microsoft.com/office/powerpoint/2010/main" xmlns:mc="http://schemas.openxmlformats.org/markup-compatibility/2006" val="SMDATA_16_OZjwYBMAAAAlAAAAZAAAAA0AAAAAkAAAAEgAAACQAAAASAAAAAAAAAABAAAAAAAAAAEAAABQAAAAAAAAAAAA4D8AAAAAAADgPwAAAAAAAOA/AAAAAAAA4D8AAAAAAADgPwAAAAAAAOA/AAAAAAAA4D8AAAAAAADgPwAAAAAAAOA/AAAAAAAA4D8CAAAAjAAAAAAAAAAAAAAARHLEDP///wgAAAAAAAAAAAAAAAAAAAAAAAAAAAAAAAAAAAAAZAAAAAEAAABAAAAAAAAAAAAAAAAAAAAAAAAAAAAAAAAAAAAAAAAAAAAAAAAAAAAAAAAAAAAAAAAAAAAAAAAAAAAAAAAAAAAAAAAAAAAAAAAAAAAAAAAAAAAAAAAAAAAAFAAAADwAAAAAAAAAAAAAAAAAAAkUAAAAAQAAABQAAAAUAAAAFAAAAAEAAAAAAAAAZAAAAGQAAAAAAAAAZAAAAGQAAAAVAAAAYAAAAAAAAAAAAAAADwAAACADAAAAAAAAAAAAAAEAAACgMgAAVgcAAKr4//8BAAAAf39/AAEAAABkAAAAAAAAABQAAABAHwAAAAAAACYAAAAAAAAAwOD//wAAAAAmAAAAZAAAABYAAABMAAAAAAAAAAAAAAAEAAAAAAAAAAEAAADn5uYKAAAAACgAAAAoAAAAZAAAAGQAAAAAAAAAzMzMAAAAAABQAAAAUAAAAGQAAABkAAAAAAAAABcAAAAUAAAAAAAAAAAAAAD/fwAA/38AAAAAAAAJAAAABAAAAAAAAAAeAAAAaAAAAAAAAAAAAAAAAAAAAAAAAAAAAAAAECcAABAnAAAAAAAAAAAAAAAAAAAAAAAAAAAAAAAAAAAAAAAAAAAAABQAAAAAAAAAwMD/AAAAAABkAAAAMgAAAAAAAABkAAAAAAAAAH9/fwAKAAAAIgAAABgAAAAAAAAAAAAAAAAAAAAAAAAAAAAAAAAAAAAkAAAAJAAAAAAAAAAHAAAAAAAAAAAAAAAAAAAAAAAAAAAAAAAAAAAAf39/ACUAAABYAAAAAAAAAAAAAAAAAAAAAAAAAAAAAAAAAAAAAAAAAAAAAAAAAAAAAAAAAAAAAAA/AAAAAAAAAKCGAQAAAAAAAAAAAAAAAAAMAAAAAQAAAAAAAAAAAAAAAAAAAB8AAABUAAAARHLEBf///wEAAAAAAAAAAAAAAAAAAAAAAAAAAAAAAAAAAAAAAAAAAAAAAAJ/f38A5+bmA8zMzADAwP8Af39/AAAAAAAAAAAAAAAAAAAAAAAAAAAAIQAAABgAAAAUAAAA3gMAAD8CAABiNAAAZwoAABAAAAAmAAAACAAAAAAAAAAAAAAAMAAAABQAAAAAAAAAAAD//wAAAQAAAP//AAABAA=="/>
               </a:ext>
             </a:extLst>
           </p:cNvSpPr>
@@ -8746,9 +8744,7 @@
             <a:pPr>
               <a:defRPr lang="en-us"/>
             </a:pPr>
-            <a:r>
-              <a:t>Takeaways, next steps</a:t>
-            </a:r>
+            <a:endParaRPr/>
           </a:p>
         </p:txBody>
       </p:sp>
@@ -8759,7 +8755,7 @@
             <a:spLocks noGrp="1" noChangeArrowheads="1"/>
             <a:extLst>
               <a:ext uri="smNativeData">
-                <pr:smNativeData xmlns="smNativeData" xmlns:pr="smNativeData" xmlns:p15="http://schemas.microsoft.com/office/powerpoint/2012/main" xmlns:p14="http://schemas.microsoft.com/office/powerpoint/2010/main" xmlns:mc="http://schemas.openxmlformats.org/markup-compatibility/2006" val="SMDATA_16_8bPwYBMAAAAlAAAAZAAAAA0AAAAAkAAAAEgAAACQAAAASAAAAAAAAAAAAAAAAAAAAAEAAABQAAAAAAAAAAAA4D8AAAAAAADgPwAAAAAAAOA/AAAAAAAA4D8AAAAAAADgPwAAAAAAAOA/AAAAAAAA4D8AAAAAAADgPwAAAAAAAOA/AAAAAAAA4D8CAAAAjAAAAAAAAAAAAAAARHLEDP///wgAAAAAAAAAAAAAAAAAAAAAAAAAAAAAAAAAAAAAZAAAAAEAAABAAAAAAAAAAAAAAAAAAAAAAAAAAAAAAAAAAAAAAAAAAAAAAAAAAAAAAAAAAAAAAAAAAAAAAAAAAAAAAAAAAAAAAAAAAAAAAAAAAAAAAAAAAAAAAAAAAAAAFAAAADwAAAAAAAAAAAAAAAAAAAkUAAAAAQAAABQAAAAUAAAAFAAAAAEAAAAAAAAAZAAAAGQAAAAAAAAAZAAAAGQAAAAVAAAAYAAAAAAAAAAAAAAADwAAACADAAAAAAAAAAAAAAEAAACgMgAAVgcAAKr4//8BAAAAf39/AAEAAABkAAAAAAAAABQAAABAHwAAAAAAACYAAAAAAAAAwOD//wAAAAAmAAAAZAAAABYAAABMAAAAAAAAAAAAAAAEAAAAAAAAAAEAAADn5uYKAAAAACgAAAAoAAAAZAAAAGQAAAAAAAAAzMzMAAAAAABQAAAAUAAAAGQAAABkAAAAAAAAABcAAAAUAAAAAAAAAAAAAAD/fwAA/38AAAAAAAAJAAAABAAAAKCIAQYeAAAAaAAAAAAAAAAAAAAAAAAAAAAAAAAAAAAAECcAABAnAAAAAAAAAAAAAAAAAAAAAAAAAAAAAAAAAAAAAAAAAAAAABQAAAAAAAAAwMD/AAAAAABkAAAAMgAAAAAAAABkAAAAAAAAAH9/fwAKAAAAIgAAABgAAAAAAAAAAAAAAAAAAAAAAAAAAAAAAAAAAAAkAAAAJAAAAAAAAAAHAAAAAAAAAAAAAAAAAAAAAAAAAAAAAAAAAAAAf39/ACUAAABYAAAAAAAAAAAAAAAAAAAAAAAAAAAAAAAAAAAAAAAAAAAAAAAAAAAAAAAAAAAAAAA/AAAAAAAAAKCGAQAAAAAAAAAAAAAAAAAMAAAAAQAAAAAAAAAAAAAAAAAAAB8AAABUAAAARHLEBf///wEAAAAAAAAAAAAAAAAAAAAAAAAAAAAAAAAAAAAAAAAAAAAAAAJ/f38A5+bmA8zMzADAwP8Af39/AAAAAAAAAAAAAAAAAAAAAAAAAAAAIQAAABgAAAAUAAAA3gMAADsLAABiNAAAACYAAAAAAAAmAAAACAAAAAEAAAAAAAAAMAAAABQAAAAAAAAAAAD//wAAAQAAAP//AAABAA=="/>
+                <pr:smNativeData xmlns="smNativeData" xmlns:pr="smNativeData" xmlns:p15="http://schemas.microsoft.com/office/powerpoint/2012/main" xmlns:p14="http://schemas.microsoft.com/office/powerpoint/2010/main" xmlns:mc="http://schemas.openxmlformats.org/markup-compatibility/2006" val="SMDATA_16_OZjwYBMAAAAlAAAAZAAAAA0AAAAAkAAAAEgAAACQAAAASAAAAAAAAAAAAAAAAAAAAAEAAABQAAAAAAAAAAAA4D8AAAAAAADgPwAAAAAAAOA/AAAAAAAA4D8AAAAAAADgPwAAAAAAAOA/AAAAAAAA4D8AAAAAAADgPwAAAAAAAOA/AAAAAAAA4D8CAAAAjAAAAAAAAAAAAAAARHLEDP///wgAAAAAAAAAAAAAAAAAAAAAAAAAAAAAAAAAAAAAZAAAAAEAAABAAAAAAAAAAAAAAAAAAAAAAAAAAAAAAAAAAAAAAAAAAAAAAAAAAAAAAAAAAAAAAAAAAAAAAAAAAAAAAAAAAAAAAAAAAAAAAAAAAAAAAAAAAAAAAAAAAAAAFAAAADwAAAAAAAAAAAAAAAAAAAkUAAAAAQAAABQAAAAUAAAAFAAAAAEAAAAAAAAAZAAAAGQAAAAAAAAAZAAAAGQAAAAVAAAAYAAAAAAAAAAAAAAADwAAACADAAAAAAAAAAAAAAEAAACgMgAAVgcAAKr4//8BAAAAf39/AAEAAABkAAAAAAAAABQAAABAHwAAAAAAACYAAAAAAAAAwOD//wAAAAAmAAAAZAAAABYAAABMAAAAAAAAAAAAAAAEAAAAAAAAAAEAAADn5uYKAAAAACgAAAAoAAAAZAAAAGQAAAAAAAAAzMzMAAAAAABQAAAAUAAAAGQAAABkAAAAAAAAABcAAAAUAAAAAAAAAAAAAAD/fwAA/38AAAAAAAAJAAAABAAAAAUAAAAeAAAAaAAAAAAAAAAAAAAAAAAAAAAAAAAAAAAAECcAABAnAAAAAAAAAAAAAAAAAAAAAAAAAAAAAAAAAAAAAAAAAAAAABQAAAAAAAAAwMD/AAAAAABkAAAAMgAAAAAAAABkAAAAAAAAAH9/fwAKAAAAIgAAABgAAAAAAAAAAAAAAAAAAAAAAAAAAAAAAAAAAAAkAAAAJAAAAAAAAAAHAAAAAAAAAAAAAAAAAAAAAAAAAAAAAAAAAAAAf39/ACUAAABYAAAAAAAAAAAAAAAAAAAAAAAAAAAAAAAAAAAAAAAAAAAAAAAAAAAAAAAAAAAAAAA/AAAAAAAAAKCGAQAAAAAAAAAAAAAAAAAMAAAAAQAAAAAAAAAAAAAAAAAAAB8AAABUAAAARHLEBf///wEAAAAAAAAAAAAAAAAAAAAAAAAAAAAAAAAAAAAAAAAAAAAAAAJ/f38A5+bmA8zMzADAwP8Af39/AAAAAAAAAAAAAAAAAAAAAAAAAAAAIQAAABgAAAAUAAAA3gMAADsLAABiNAAAACYAABAAAAAmAAAACAAAAAAAAAAAAAAAMAAAABQAAAAAAAAAAAD//wAAAQAAAP//AAABAA=="/>
               </a:ext>
             </a:extLst>
           </p:cNvSpPr>
@@ -8767,12 +8763,7 @@
             <p:ph type="body" idx="1"/>
           </p:nvPr>
         </p:nvSpPr>
-        <p:spPr>
-          <a:xfrm>
-            <a:off x="628650" y="1825625"/>
-            <a:ext cx="7886700" cy="4351655"/>
-          </a:xfrm>
-        </p:spPr>
+        <p:spPr/>
         <p:txBody>
           <a:bodyPr/>
           <a:lstStyle/>
@@ -8780,73 +8771,7 @@
             <a:pPr>
               <a:defRPr lang="en-us"/>
             </a:pPr>
-            <a:r>
-              <a:t>Intention is a form of internal commitment</a:t>
-            </a:r>
-          </a:p>
-          <a:p>
-            <a:pPr>
-              <a:defRPr lang="en-us"/>
-            </a:pPr>
-            <a:r>
-              <a:t>What makes such commitments “credible”? </a:t>
-            </a:r>
-          </a:p>
-          <a:p>
-            <a:pPr>
-              <a:defRPr lang="en-us"/>
-            </a:pPr>
-            <a:r>
-              <a:t>Intentional unawareness is one possible mechanism</a:t>
-            </a:r>
-          </a:p>
-          <a:p>
-            <a:pPr>
-              <a:defRPr lang="en-us"/>
-            </a:pPr>
-            <a:r>
-              <a:t>Interesting questions</a:t>
-            </a:r>
-          </a:p>
-          <a:p>
-            <a:pPr lvl="1">
-              <a:defRPr lang="en-us"/>
-            </a:pPr>
-            <a:r>
-              <a:t>How and when are plans revised or disrupted?</a:t>
-            </a:r>
-          </a:p>
-          <a:p>
-            <a:pPr lvl="1">
-              <a:defRPr lang="en-us"/>
-            </a:pPr>
-            <a:r>
-              <a:t>Internal commitment in multi-agent settings? </a:t>
-            </a:r>
-          </a:p>
-          <a:p>
-            <a:pPr>
-              <a:defRPr lang="en-us"/>
-            </a:pPr>
-            <a:r>
-              <a:t>Pivot to organizations </a:t>
-            </a:r>
-          </a:p>
-          <a:p>
-            <a:pPr lvl="1">
-              <a:defRPr lang="en-us"/>
-            </a:pPr>
-            <a:r>
-              <a:t>Requires work</a:t>
-            </a:r>
-          </a:p>
-          <a:p>
-            <a:pPr lvl="1">
-              <a:defRPr lang="en-us"/>
-            </a:pPr>
-            <a:r>
-              <a:t>Nevertheless, this model does seem scaleable</a:t>
-            </a:r>
+            <a:endParaRPr/>
           </a:p>
         </p:txBody>
       </p:sp>
@@ -8882,46 +8807,12 @@
             <a:spLocks noGrp="1" noChangeArrowheads="1"/>
             <a:extLst>
               <a:ext uri="smNativeData">
-                <pr:smNativeData xmlns="smNativeData" xmlns:pr="smNativeData" xmlns:p15="http://schemas.microsoft.com/office/powerpoint/2012/main" xmlns:p14="http://schemas.microsoft.com/office/powerpoint/2010/main" xmlns:mc="http://schemas.openxmlformats.org/markup-compatibility/2006" val="SMDATA_16_8bPwYBMAAAAlAAAAZAAAAA0AAAAAkAAAAEgAAACQAAAASAAAAAAAAAABAAAAAAAAAAEAAABQAAAAAAAAAAAA4D8AAAAAAADgPwAAAAAAAOA/AAAAAAAA4D8AAAAAAADgPwAAAAAAAOA/AAAAAAAA4D8AAAAAAADgPwAAAAAAAOA/AAAAAAAA4D8CAAAAjAAAAAAAAAAAAAAARHLEDP///wgAAAAAAAAAAAAAAAAAAAAAAAAAAAAAAAAAAAAAZAAAAAEAAABAAAAAAAAAAAAAAAAAAAAAAAAAAAAAAAAAAAAAAAAAAAAAAAAAAAAAAAAAAAAAAAAAAAAAAAAAAAAAAAAAAAAAAAAAAAAAAAAAAAAAAAAAAAAAAAAAAAAAFAAAADwAAAAAAAAAAAAAAAAAAAkUAAAAAQAAABQAAAAUAAAAFAAAAAEAAAAAAAAAZAAAAGQAAAAAAAAAZAAAAGQAAAAVAAAAYAAAAAAAAAAAAAAADwAAACADAAAAAAAAAAAAAAEAAACgMgAAVgcAAKr4//8BAAAAf39/AAEAAABkAAAAAAAAABQAAABAHwAAAAAAACYAAAAAAAAAwOD//wAAAAAmAAAAZAAAABYAAABMAAAAAAAAAAAAAAAEAAAAAAAAAAEAAADn5uYKAAAAACgAAAAoAAAAZAAAAGQAAAAAAAAAzMzMAAAAAABQAAAAUAAAAGQAAABkAAAAAAAAABcAAAAUAAAAAAAAAAAAAAD/fwAA/38AAAAAAAAJAAAABAAAAAAAAAAeAAAAaAAAAAAAAAAAAAAAAAAAAAAAAAAAAAAAECcAABAnAAAAAAAAAAAAAAAAAAAAAAAAAAAAAAAAAAAAAAAAAAAAABQAAAAAAAAAwMD/AAAAAABkAAAAMgAAAAAAAABkAAAAAAAAAH9/fwAKAAAAIgAAABgAAAAAAAAAAAAAAAAAAAAAAAAAAAAAAAAAAAAkAAAAJAAAAAAAAAAHAAAAAAAAAAAAAAAAAAAAAAAAAAAAAAAAAAAAf39/ACUAAABYAAAAAAAAAAAAAAAAAAAAAAAAAAAAAAAAAAAAAAAAAAAAAAAAAAAAAAAAAAAAAAA/AAAAAAAAAKCGAQAAAAAAAAAAAAAAAAAMAAAAAQAAAAAAAAAAAAAAAAAAAB8AAABUAAAARHLEBf///wEAAAAAAAAAAAAAAAAAAAAAAAAAAAAAAAAAAAAAAAAAAAAAAAJ/f38A5+bmA8zMzADAwP8Af39/AAAAAAAAAAAAAAAAAAAAAAAAAAAAIQAAABgAAAAUAAAA3gMAAD8CAABiNAAAZwoAAAAAAAAmAAAACAAAAAEAAAAAAAAAMAAAABQAAAAAAAAAAAD//wAAAQAAAP//AAABAA=="/>
+                <pr:smNativeData xmlns="smNativeData" xmlns:pr="smNativeData" xmlns:p15="http://schemas.microsoft.com/office/powerpoint/2012/main" xmlns:p14="http://schemas.microsoft.com/office/powerpoint/2010/main" xmlns:mc="http://schemas.openxmlformats.org/markup-compatibility/2006" val="SMDATA_16_OZjwYBMAAAAlAAAAZAAAAA0AAAAAkAAAAEgAAACQAAAASAAAAAAAAAABAAAAAAAAAAEAAABQAAAAAAAAAAAA4D8AAAAAAADgPwAAAAAAAOA/AAAAAAAA4D8AAAAAAADgPwAAAAAAAOA/AAAAAAAA4D8AAAAAAADgPwAAAAAAAOA/AAAAAAAA4D8CAAAAjAAAAAAAAAAAAAAARHLEDP///wgAAAAAAAAAAAAAAAAAAAAAAAAAAAAAAAAAAAAAZAAAAAEAAABAAAAAAAAAAAAAAAAAAAAAAAAAAAAAAAAAAAAAAAAAAAAAAAAAAAAAAAAAAAAAAAAAAAAAAAAAAAAAAAAAAAAAAAAAAAAAAAAAAAAAAAAAAAAAAAAAAAAAFAAAADwAAAAAAAAAAAAAAAAAAAkUAAAAAQAAABQAAAAUAAAAFAAAAAEAAAAAAAAAZAAAAGQAAAAAAAAAZAAAAGQAAAAVAAAAYAAAAAAAAAAAAAAADwAAACADAAAAAAAAAAAAAAEAAACgMgAAVgcAAKr4//8BAAAAf39/AAEAAABkAAAAAAAAABQAAABAHwAAAAAAACYAAAAAAAAAwOD//wAAAAAmAAAAZAAAABYAAABMAAAAAAAAAAAAAAAEAAAAAAAAAAEAAADn5uYKAAAAACgAAAAoAAAAZAAAAGQAAAAAAAAAzMzMAAAAAABQAAAAUAAAAGQAAABkAAAAAAAAABcAAAAUAAAAAAAAAAAAAAD/fwAA/38AAAAAAAAJAAAABAAAADUYGDUeAAAAaAAAAAAAAAAAAAAAAAAAAAAAAAAAAAAAECcAABAnAAAAAAAAAAAAAAAAAAAAAAAAAAAAAAAAAAAAAAAAAAAAABQAAAAAAAAAwMD/AAAAAABkAAAAMgAAAAAAAABkAAAAAAAAAH9/fwAKAAAAIgAAABgAAAAAAAAAAAAAAAAAAAAAAAAAAAAAAAAAAAAkAAAAJAAAAAAAAAAHAAAAAAAAAAAAAAAAAAAAAAAAAAAAAAAAAAAAf39/ACUAAABYAAAAAAAAAAAAAAAAAAAAAAAAAAAAAAAAAAAAAAAAAAAAAAAAAAAAAAAAAAAAAAA/AAAAAAAAAKCGAQAAAAAAAAAAAAAAAAAMAAAAAQAAAAAAAAAAAAAAAAAAAB8AAABUAAAARHLEBf///wEAAAAAAAAAAAAAAAAAAAAAAAAAAAAAAAAAAAAAAAAAAAAAAAJ/f38A5+bmA8zMzADAwP8Af39/AAAAAAAAAAAAAAAAAAAAAAAAAAAAIQAAABgAAAAUAAAA3gMAAD8CAABiNAAAZwoAABAAAAAmAAAACAAAAAAAAAAAAAAAMAAAABQAAAAAAAAAAAD//wAAAQAAAP//AAABAA=="/>
               </a:ext>
             </a:extLst>
           </p:cNvSpPr>
           <p:nvPr>
             <p:ph type="title"/>
-          </p:nvPr>
-        </p:nvSpPr>
-        <p:spPr>
-          <a:xfrm>
-            <a:off x="628650" y="365125"/>
-            <a:ext cx="7886700" cy="1325880"/>
-          </a:xfrm>
-        </p:spPr>
-        <p:txBody>
-          <a:bodyPr/>
-          <a:lstStyle/>
-          <a:p>
-            <a:pPr algn="ctr">
-              <a:defRPr lang="en-us"/>
-            </a:pPr>
-            <a:r>
-              <a:t>FIN</a:t>
-            </a:r>
-          </a:p>
-        </p:txBody>
-      </p:sp>
-      <p:sp>
-        <p:nvSpPr>
-          <p:cNvPr id="3" name="Content Placeholder 2"/>
-          <p:cNvSpPr>
-            <a:spLocks noGrp="1" noChangeArrowheads="1"/>
-            <a:extLst>
-              <a:ext uri="smNativeData">
-                <pr:smNativeData xmlns="smNativeData" xmlns:pr="smNativeData" xmlns:p15="http://schemas.microsoft.com/office/powerpoint/2012/main" xmlns:p14="http://schemas.microsoft.com/office/powerpoint/2010/main" xmlns:mc="http://schemas.openxmlformats.org/markup-compatibility/2006" val="SMDATA_16_8bPwYBMAAAAlAAAAZAAAAA0AAAAAkAAAAEgAAACQAAAASAAAAAAAAAAAAAAAAAAAAAEAAABQAAAAAAAAAAAA4D8AAAAAAADgPwAAAAAAAOA/AAAAAAAA4D8AAAAAAADgPwAAAAAAAOA/AAAAAAAA4D8AAAAAAADgPwAAAAAAAOA/AAAAAAAA4D8CAAAAjAAAAAAAAAAAAAAARHLEDP///wgAAAAAAAAAAAAAAAAAAAAAAAAAAAAAAAAAAAAAZAAAAAEAAABAAAAAAAAAAAAAAAAAAAAAAAAAAAAAAAAAAAAAAAAAAAAAAAAAAAAAAAAAAAAAAAAAAAAAAAAAAAAAAAAAAAAAAAAAAAAAAAAAAAAAAAAAAAAAAAAAAAAAFAAAADwAAAAAAAAAAAAAAAAAAAkUAAAAAQAAABQAAAAUAAAAFAAAAAEAAAAAAAAAZAAAAGQAAAAAAAAAZAAAAGQAAAAVAAAAYAAAAAAAAAAAAAAADwAAACADAAAAAAAAAAAAAAEAAACgMgAAVgcAAKr4//8BAAAAf39/AAEAAABkAAAAAAAAABQAAABAHwAAAAAAACYAAAAAAAAAwOD//wAAAAAmAAAAZAAAABYAAABMAAAAAAAAAAAAAAAEAAAAAAAAAAEAAADn5uYKAAAAACgAAAAoAAAAZAAAAGQAAAAAAAAAzMzMAAAAAABQAAAAUAAAAGQAAABkAAAAAAAAABcAAAAUAAAAAAAAAAAAAAD/fwAA/38AAAAAAAAJAAAABAAAAAUAAAAeAAAAaAAAAAAAAAAAAAAAAAAAAAAAAAAAAAAAECcAABAnAAAAAAAAAAAAAAAAAAAAAAAAAAAAAAAAAAAAAAAAAAAAABQAAAAAAAAAwMD/AAAAAABkAAAAMgAAAAAAAABkAAAAAAAAAH9/fwAKAAAAIgAAABgAAAAAAAAAAAAAAAAAAAAAAAAAAAAAAAAAAAAkAAAAJAAAAAAAAAAHAAAAAAAAAAAAAAAAAAAAAAAAAAAAAAAAAAAAf39/ACUAAABYAAAAAAAAAAAAAAAAAAAAAAAAAAAAAAAAAAAAAAAAAAAAAAAAAAAAAAAAAAAAAAA/AAAAAAAAAKCGAQAAAAAAAAAAAAAAAAAMAAAAAQAAAAAAAAAAAAAAAAAAAB8AAABUAAAARHLEBf///wEAAAAAAAAAAAAAAAAAAAAAAAAAAAAAAAAAAAAAAAAAAAAAAAJ/f38A5+bmA8zMzADAwP8Af39/AAAAAAAAAAAAAAAAAAAAAAAAAAAAIQAAABgAAAAUAAAA3gMAADsLAABiNAAAACYAABAAAAAmAAAACAAAAAAAAAAAAAAAMAAAABQAAAAAAAAAAAD//wAAAQAAAP//AAABAA=="/>
-              </a:ext>
-            </a:extLst>
-          </p:cNvSpPr>
-          <p:nvPr>
-            <p:ph type="body" idx="1"/>
           </p:nvPr>
         </p:nvSpPr>
         <p:spPr/>
@@ -8933,6 +8824,366 @@
               <a:defRPr lang="en-us"/>
             </a:pPr>
             <a:endParaRPr/>
+          </a:p>
+        </p:txBody>
+      </p:sp>
+      <p:sp>
+        <p:nvSpPr>
+          <p:cNvPr id="3" name="Content Placeholder 2"/>
+          <p:cNvSpPr>
+            <a:spLocks noGrp="1" noChangeArrowheads="1"/>
+            <a:extLst>
+              <a:ext uri="smNativeData">
+                <pr:smNativeData xmlns="smNativeData" xmlns:pr="smNativeData" xmlns:p15="http://schemas.microsoft.com/office/powerpoint/2012/main" xmlns:p14="http://schemas.microsoft.com/office/powerpoint/2010/main" xmlns:mc="http://schemas.openxmlformats.org/markup-compatibility/2006" val="SMDATA_16_OZjwYBMAAAAlAAAAZAAAAA0AAAAAkAAAAEgAAACQAAAASAAAAAAAAAAAAAAAAAAAAAEAAABQAAAAAAAAAAAA4D8AAAAAAADgPwAAAAAAAOA/AAAAAAAA4D8AAAAAAADgPwAAAAAAAOA/AAAAAAAA4D8AAAAAAADgPwAAAAAAAOA/AAAAAAAA4D8CAAAAjAAAAAAAAAAAAAAARHLEDP///wgAAAAAAAAAAAAAAAAAAAAAAAAAAAAAAAAAAAAAZAAAAAEAAABAAAAAAAAAAAAAAAAAAAAAAAAAAAAAAAAAAAAAAAAAAAAAAAAAAAAAAAAAAAAAAAAAAAAAAAAAAAAAAAAAAAAAAAAAAAAAAAAAAAAAAAAAAAAAAAAAAAAAFAAAADwAAAAAAAAAAAAAAAAAAAkUAAAAAQAAABQAAAAUAAAAFAAAAAEAAAAAAAAAZAAAAGQAAAAAAAAAZAAAAGQAAAAVAAAAYAAAAAAAAAAAAAAADwAAACADAAAAAAAAAAAAAAEAAACgMgAAVgcAAKr4//8BAAAAf39/AAEAAABkAAAAAAAAABQAAABAHwAAAAAAACYAAAAAAAAAwOD//wAAAAAmAAAAZAAAABYAAABMAAAAAAAAAAAAAAAEAAAAAAAAAAEAAADn5uYKAAAAACgAAAAoAAAAZAAAAGQAAAAAAAAAzMzMAAAAAABQAAAAUAAAAGQAAABkAAAAAAAAABcAAAAUAAAAAAAAAAAAAAD/fwAA/38AAAAAAAAJAAAABAAAAAAAAAAeAAAAaAAAAAAAAAAAAAAAAAAAAAAAAAAAAAAAECcAABAnAAAAAAAAAAAAAAAAAAAAAAAAAAAAAAAAAAAAAAAAAAAAABQAAAAAAAAAwMD/AAAAAABkAAAAMgAAAAAAAABkAAAAAAAAAH9/fwAKAAAAIgAAABgAAAAAAAAAAAAAAAAAAAAAAAAAAAAAAAAAAAAkAAAAJAAAAAAAAAAHAAAAAAAAAAAAAAAAAAAAAAAAAAAAAAAAAAAAf39/ACUAAABYAAAAAAAAAAAAAAAAAAAAAAAAAAAAAAAAAAAAAAAAAAAAAAAAAAAAAAAAAAAAAAA/AAAAAAAAAKCGAQAAAAAAAAAAAAAAAAAMAAAAAQAAAAAAAAAAAAAAAAAAAB8AAABUAAAARHLEBf///wEAAAAAAAAAAAAAAAAAAAAAAAAAAAAAAAAAAAAAAAAAAAAAAAJ/f38A5+bmA8zMzADAwP8Af39/AAAAAAAAAAAAAAAAAAAAAAAAAAAAIQAAABgAAAAUAAAA3gMAADsLAABiNAAAACYAABAAAAAmAAAACAAAAAAgAAAAAAAAMAAAABQAAAAAAAAAAAD//wAAAQAAAP//AAABAA=="/>
+              </a:ext>
+            </a:extLst>
+          </p:cNvSpPr>
+          <p:nvPr>
+            <p:ph type="body" idx="1"/>
+          </p:nvPr>
+        </p:nvSpPr>
+        <p:spPr/>
+        <p:txBody>
+          <a:bodyPr vert="horz" wrap="square" lIns="91440" tIns="45720" rIns="91440" bIns="45720" numCol="1" spcCol="215900" anchor="t">
+            <a:prstTxWarp prst="textNoShape">
+              <a:avLst/>
+            </a:prstTxWarp>
+          </a:bodyPr>
+          <a:lstStyle/>
+          <a:p>
+            <a:pPr>
+              <a:lnSpc>
+                <a:spcPct val="70000"/>
+              </a:lnSpc>
+              <a:spcBef>
+                <a:spcPts val="400"/>
+              </a:spcBef>
+              <a:defRPr lang="en-us" sz="1120"/>
+            </a:pPr>
+            <a:r>
+              <a:t>Challenge:</a:t>
+            </a:r>
+          </a:p>
+          <a:p>
+            <a:pPr lvl="1">
+              <a:lnSpc>
+                <a:spcPct val="70000"/>
+              </a:lnSpc>
+              <a:spcBef>
+                <a:spcPts val="200"/>
+              </a:spcBef>
+              <a:defRPr lang="en-us" sz="960"/>
+            </a:pPr>
+            <a:endParaRPr/>
+          </a:p>
+          <a:p>
+            <a:pPr>
+              <a:lnSpc>
+                <a:spcPct val="70000"/>
+              </a:lnSpc>
+              <a:spcBef>
+                <a:spcPts val="400"/>
+              </a:spcBef>
+              <a:defRPr lang="en-us" sz="1120"/>
+            </a:pPr>
+            <a:r>
+              <a:t>Richer formal models of cognition, like BDI, have no clear path to treating group cognition</a:t>
+            </a:r>
+          </a:p>
+          <a:p>
+            <a:pPr>
+              <a:lnSpc>
+                <a:spcPct val="70000"/>
+              </a:lnSpc>
+              <a:spcBef>
+                <a:spcPts val="400"/>
+              </a:spcBef>
+              <a:defRPr lang="en-us" sz="1120"/>
+            </a:pPr>
+            <a:r>
+              <a:t>In thinking about organizational cognition, build on this model? That would create an odd dissonance between individual and organizational agents</a:t>
+            </a:r>
+          </a:p>
+          <a:p>
+            <a:pPr>
+              <a:lnSpc>
+                <a:spcPct val="70000"/>
+              </a:lnSpc>
+              <a:spcBef>
+                <a:spcPts val="400"/>
+              </a:spcBef>
+              <a:defRPr lang="en-us" sz="1120"/>
+            </a:pPr>
+            <a:r>
+              <a:t>Game theoretic models have little impetus to enrich models of cognition</a:t>
+            </a:r>
+          </a:p>
+          <a:p>
+            <a:pPr>
+              <a:lnSpc>
+                <a:spcPct val="70000"/>
+              </a:lnSpc>
+              <a:spcBef>
+                <a:spcPts val="400"/>
+              </a:spcBef>
+              <a:defRPr lang="en-us" sz="1120"/>
+            </a:pPr>
+            <a:r>
+              <a:t>Yet it seems problematic to </a:t>
+            </a:r>
+          </a:p>
+          <a:p>
+            <a:pPr>
+              <a:lnSpc>
+                <a:spcPct val="70000"/>
+              </a:lnSpc>
+              <a:spcBef>
+                <a:spcPts val="400"/>
+              </a:spcBef>
+              <a:defRPr lang="en-us" sz="1120"/>
+            </a:pPr>
+            <a:r>
+              <a:t>Puzzle in connection with game theory</a:t>
+            </a:r>
+          </a:p>
+          <a:p>
+            <a:pPr lvl="1">
+              <a:lnSpc>
+                <a:spcPct val="70000"/>
+              </a:lnSpc>
+              <a:spcBef>
+                <a:spcPts val="200"/>
+              </a:spcBef>
+              <a:defRPr lang="en-us" sz="960"/>
+            </a:pPr>
+            <a:r>
+              <a:t>No internal pull from game theorists to enrich models of cognition</a:t>
+            </a:r>
+          </a:p>
+          <a:p>
+            <a:pPr lvl="2">
+              <a:lnSpc>
+                <a:spcPct val="70000"/>
+              </a:lnSpc>
+              <a:spcBef>
+                <a:spcPts val="200"/>
+              </a:spcBef>
+              <a:defRPr lang="en-us" sz="800"/>
+            </a:pPr>
+            <a:r>
+              <a:t>In fact, active resistance</a:t>
+            </a:r>
+          </a:p>
+          <a:p>
+            <a:pPr lvl="1">
+              <a:lnSpc>
+                <a:spcPct val="70000"/>
+              </a:lnSpc>
+              <a:spcBef>
+                <a:spcPts val="200"/>
+              </a:spcBef>
+              <a:defRPr lang="en-us" sz="960"/>
+            </a:pPr>
+            <a:r>
+              <a:t>Lots of success with parsimonious models of agents</a:t>
+            </a:r>
+          </a:p>
+          <a:p>
+            <a:pPr lvl="2">
+              <a:lnSpc>
+                <a:spcPct val="70000"/>
+              </a:lnSpc>
+              <a:spcBef>
+                <a:spcPts val="200"/>
+              </a:spcBef>
+              <a:defRPr lang="en-us" sz="800"/>
+            </a:pPr>
+            <a:r>
+              <a:t>Simple version of belief-desire psychology</a:t>
+            </a:r>
+          </a:p>
+          <a:p>
+            <a:pPr lvl="1">
+              <a:lnSpc>
+                <a:spcPct val="70000"/>
+              </a:lnSpc>
+              <a:spcBef>
+                <a:spcPts val="200"/>
+              </a:spcBef>
+              <a:defRPr lang="en-us" sz="960"/>
+            </a:pPr>
+            <a:r>
+              <a:t>No clear role for a richer cognitive system</a:t>
+            </a:r>
+          </a:p>
+          <a:p>
+            <a:pPr lvl="2">
+              <a:lnSpc>
+                <a:spcPct val="70000"/>
+              </a:lnSpc>
+              <a:spcBef>
+                <a:spcPts val="200"/>
+              </a:spcBef>
+              <a:defRPr lang="en-us" sz="800"/>
+            </a:pPr>
+            <a:r>
+              <a:t>In particular, one involving non-cognitivist states such as Bratman-style intentions</a:t>
+            </a:r>
+          </a:p>
+          <a:p>
+            <a:pPr lvl="1">
+              <a:lnSpc>
+                <a:spcPct val="70000"/>
+              </a:lnSpc>
+              <a:spcBef>
+                <a:spcPts val="200"/>
+              </a:spcBef>
+              <a:defRPr lang="en-us" sz="960"/>
+            </a:pPr>
+            <a:r>
+              <a:t>Possible implications:</a:t>
+            </a:r>
+          </a:p>
+          <a:p>
+            <a:pPr lvl="2">
+              <a:lnSpc>
+                <a:spcPct val="70000"/>
+              </a:lnSpc>
+              <a:spcBef>
+                <a:spcPts val="200"/>
+              </a:spcBef>
+              <a:defRPr lang="en-us" sz="800"/>
+            </a:pPr>
+            <a:r>
+              <a:t>No important functional role for intentions</a:t>
+            </a:r>
+          </a:p>
+          <a:p>
+            <a:pPr lvl="2">
+              <a:lnSpc>
+                <a:spcPct val="70000"/>
+              </a:lnSpc>
+              <a:spcBef>
+                <a:spcPts val="200"/>
+              </a:spcBef>
+              <a:defRPr lang="en-us" sz="800"/>
+            </a:pPr>
+            <a:r>
+              <a:t>Cognitivism</a:t>
+            </a:r>
+          </a:p>
+          <a:p>
+            <a:pPr lvl="2">
+              <a:lnSpc>
+                <a:spcPct val="70000"/>
+              </a:lnSpc>
+              <a:spcBef>
+                <a:spcPts val="200"/>
+              </a:spcBef>
+              <a:defRPr lang="en-us" sz="800"/>
+            </a:pPr>
+            <a:r>
+              <a:t>A missing element, perhaps obscured by the choice of phenomena to model</a:t>
+            </a:r>
+          </a:p>
+          <a:p>
+            <a:pPr>
+              <a:lnSpc>
+                <a:spcPct val="70000"/>
+              </a:lnSpc>
+              <a:spcBef>
+                <a:spcPts val="400"/>
+              </a:spcBef>
+              <a:defRPr lang="en-us" sz="1120"/>
+            </a:pPr>
+            <a:r>
+              <a:rPr lang="en-us" sz="960"/>
+              <a:t>Wanted to pull stuff off the shelf and apply it to organizations</a:t>
+            </a:r>
+          </a:p>
+          <a:p>
+            <a:pPr lvl="1">
+              <a:lnSpc>
+                <a:spcPct val="70000"/>
+              </a:lnSpc>
+              <a:spcBef>
+                <a:spcPts val="200"/>
+              </a:spcBef>
+              <a:defRPr lang="en-us" sz="960"/>
+            </a:pPr>
+            <a:r>
+              <a:rPr lang="en-us" sz="800"/>
+              <a:t>But having to build it more from scratch</a:t>
+            </a:r>
+          </a:p>
+          <a:p>
+            <a:pPr>
+              <a:lnSpc>
+                <a:spcPct val="70000"/>
+              </a:lnSpc>
+              <a:spcBef>
+                <a:spcPts val="400"/>
+              </a:spcBef>
+              <a:defRPr lang="en-us" sz="1120"/>
+            </a:pPr>
+            <a:r>
+              <a:rPr lang="en-us" sz="960"/>
+              <a:t>Virtues of this work</a:t>
+            </a:r>
+          </a:p>
+          <a:p>
+            <a:pPr lvl="1">
+              <a:lnSpc>
+                <a:spcPct val="70000"/>
+              </a:lnSpc>
+              <a:spcBef>
+                <a:spcPts val="200"/>
+              </a:spcBef>
+              <a:defRPr lang="en-us" sz="960"/>
+            </a:pPr>
+            <a:r>
+              <a:rPr lang="en-us" sz="800"/>
+              <a:t>Much clarification of alternative models, functions intention can perform</a:t>
+            </a:r>
+          </a:p>
+          <a:p>
+            <a:pPr>
+              <a:lnSpc>
+                <a:spcPct val="70000"/>
+              </a:lnSpc>
+              <a:spcBef>
+                <a:spcPts val="400"/>
+              </a:spcBef>
+              <a:defRPr lang="en-us" sz="1120"/>
+            </a:pPr>
+            <a:r>
+              <a:rPr lang="en-us" sz="960"/>
+              <a:t>Resources that the parsimonious models have to accommodate these phenomena</a:t>
+            </a:r>
+          </a:p>
+          <a:p>
+            <a:pPr>
+              <a:lnSpc>
+                <a:spcPct val="70000"/>
+              </a:lnSpc>
+              <a:spcBef>
+                <a:spcPts val="400"/>
+              </a:spcBef>
+              <a:defRPr lang="en-us" sz="1120"/>
+            </a:pPr>
+            <a:endParaRPr lang="en-us" sz="960"/>
+          </a:p>
+          <a:p>
+            <a:pPr>
+              <a:lnSpc>
+                <a:spcPct val="70000"/>
+              </a:lnSpc>
+              <a:spcBef>
+                <a:spcPts val="400"/>
+              </a:spcBef>
+              <a:defRPr lang="en-us" sz="1120"/>
+            </a:pPr>
+            <a:endParaRPr lang="en-us" sz="960"/>
           </a:p>
         </p:txBody>
       </p:sp>
@@ -8968,7 +9219,7 @@
             <a:spLocks noGrp="1" noChangeArrowheads="1"/>
             <a:extLst>
               <a:ext uri="smNativeData">
-                <pr:smNativeData xmlns:mc="http://schemas.openxmlformats.org/markup-compatibility/2006" xmlns:p14="http://schemas.microsoft.com/office/powerpoint/2010/main" xmlns:p15="http://schemas.microsoft.com/office/powerpoint/2012/main" xmlns:pr="smNativeData" xmlns="smNativeData" val="SMDATA_16_OZjwYBMAAAAlAAAAZAAAAA0AAAAAkAAAAEgAAACQAAAASAAAAAAAAAABAAAAAAAAAAEAAABQAAAAAAAAAAAA4D8AAAAAAADgPwAAAAAAAOA/AAAAAAAA4D8AAAAAAADgPwAAAAAAAOA/AAAAAAAA4D8AAAAAAADgPwAAAAAAAOA/AAAAAAAA4D8CAAAAjAAAAAAAAAAAAAAARHLEDP///wgAAAAAAAAAAAAAAAAAAAAAAAAAAAAAAAAAAAAAZAAAAAEAAABAAAAAAAAAAAAAAAAAAAAAAAAAAAAAAAAAAAAAAAAAAAAAAAAAAAAAAAAAAAAAAAAAAAAAAAAAAAAAAAAAAAAAAAAAAAAAAAAAAAAAAAAAAAAAAAAAAAAAFAAAADwAAAAAAAAAAAAAAAAAAAkUAAAAAQAAABQAAAAUAAAAFAAAAAEAAAAAAAAAZAAAAGQAAAAAAAAAZAAAAGQAAAAVAAAAYAAAAAAAAAAAAAAADwAAACADAAAAAAAAAAAAAAEAAACgMgAAVgcAAKr4//8BAAAAf39/AAEAAABkAAAAAAAAABQAAABAHwAAAAAAACYAAAAAAAAAwOD//wAAAAAmAAAAZAAAABYAAABMAAAAAAAAAAAAAAAEAAAAAAAAAAEAAADn5uYKAAAAACgAAAAoAAAAZAAAAGQAAAAAAAAAzMzMAAAAAABQAAAAUAAAAGQAAABkAAAAAAAAABcAAAAUAAAAAAAAAAAAAAD/fwAA/38AAAAAAAAJAAAABAAAAOUAAAAeAAAAaAAAAAAAAAAAAAAAAAAAAAAAAAAAAAAAECcAABAnAAAAAAAAAAAAAAAAAAAAAAAAAAAAAAAAAAAAAAAAAAAAABQAAAAAAAAAwMD/AAAAAABkAAAAMgAAAAAAAABkAAAAAAAAAH9/fwAKAAAAIgAAABgAAAAAAAAAAAAAAAAAAAAAAAAAAAAAAAAAAAAkAAAAJAAAAAAAAAAHAAAAAAAAAAAAAAAAAAAAAAAAAAAAAAAAAAAAf39/ACUAAABYAAAAAAAAAAAAAAAAAAAAAAAAAAAAAAAAAAAAAAAAAAAAAAAAAAAAAAAAAAAAAAA/AAAAAAAAAKCGAQAAAAAAAAAAAAAAAAAMAAAAAQAAAAAAAAAAAAAAAAAAAB8AAABUAAAARHLEBf///wEAAAAAAAAAAAAAAAAAAAAAAAAAAAAAAAAAAAAAAAAAAAAAAAJ/f38A5+bmA8zMzADAwP8Af39/AAAAAAAAAAAAAAAAAAAAAAAAAAAAIQAAABgAAAAUAAAA3gMAAD8CAABiNAAAZwoAABAAAAAmAAAACAAAAAAAAAAAAAAAMAAAABQAAAAAAAAAAAD//wAAAQAAAP//AAABAA=="/>
+                <pr:smNativeData xmlns="smNativeData" xmlns:pr="smNativeData" xmlns:p15="http://schemas.microsoft.com/office/powerpoint/2012/main" xmlns:p14="http://schemas.microsoft.com/office/powerpoint/2010/main" xmlns:mc="http://schemas.openxmlformats.org/markup-compatibility/2006" val="SMDATA_16_OZjwYBMAAAAlAAAAZAAAAA0AAAAAkAAAAEgAAACQAAAASAAAAAAAAAABAAAAAAAAAAEAAABQAAAAAAAAAAAA4D8AAAAAAADgPwAAAAAAAOA/AAAAAAAA4D8AAAAAAADgPwAAAAAAAOA/AAAAAAAA4D8AAAAAAADgPwAAAAAAAOA/AAAAAAAA4D8CAAAAjAAAAAAAAAAAAAAARHLEDP///wgAAAAAAAAAAAAAAAAAAAAAAAAAAAAAAAAAAAAAZAAAAAEAAABAAAAAAAAAAAAAAAAAAAAAAAAAAAAAAAAAAAAAAAAAAAAAAAAAAAAAAAAAAAAAAAAAAAAAAAAAAAAAAAAAAAAAAAAAAAAAAAAAAAAAAAAAAAAAAAAAAAAAFAAAADwAAAAAAAAAAAAAAAAAAAkUAAAAAQAAABQAAAAUAAAAFAAAAAEAAAAAAAAAZAAAAGQAAAAAAAAAZAAAAGQAAAAVAAAAYAAAAAAAAAAAAAAADwAAACADAAAAAAAAAAAAAAEAAACgMgAAVgcAAKr4//8BAAAAf39/AAEAAABkAAAAAAAAABQAAABAHwAAAAAAACYAAAAAAAAAwOD//wAAAAAmAAAAZAAAABYAAABMAAAAAAAAAAAAAAAEAAAAAAAAAAEAAADn5uYKAAAAACgAAAAoAAAAZAAAAGQAAAAAAAAAzMzMAAAAAABQAAAAUAAAAGQAAABkAAAAAAAAABcAAAAUAAAAAAAAAAAAAAD/fwAA/38AAAAAAAAJAAAABAAAAOUAAAAeAAAAaAAAAAAAAAAAAAAAAAAAAAAAAAAAAAAAECcAABAnAAAAAAAAAAAAAAAAAAAAAAAAAAAAAAAAAAAAAAAAAAAAABQAAAAAAAAAwMD/AAAAAABkAAAAMgAAAAAAAABkAAAAAAAAAH9/fwAKAAAAIgAAABgAAAAAAAAAAAAAAAAAAAAAAAAAAAAAAAAAAAAkAAAAJAAAAAAAAAAHAAAAAAAAAAAAAAAAAAAAAAAAAAAAAAAAAAAAf39/ACUAAABYAAAAAAAAAAAAAAAAAAAAAAAAAAAAAAAAAAAAAAAAAAAAAAAAAAAAAAAAAAAAAAA/AAAAAAAAAKCGAQAAAAAAAAAAAAAAAAAMAAAAAQAAAAAAAAAAAAAAAAAAAB8AAABUAAAARHLEBf///wEAAAAAAAAAAAAAAAAAAAAAAAAAAAAAAAAAAAAAAAAAAAAAAAJ/f38A5+bmA8zMzADAwP8Af39/AAAAAAAAAAAAAAAAAAAAAAAAAAAAIQAAABgAAAAUAAAA3gMAAD8CAABiNAAAZwoAABAAAAAmAAAACAAAAAAAAAAAAAAAMAAAABQAAAAAAAAAAAD//wAAAQAAAP//AAABAA=="/>
               </a:ext>
             </a:extLst>
           </p:cNvSpPr>
@@ -8997,7 +9248,7 @@
             <a:spLocks noGrp="1" noChangeArrowheads="1"/>
             <a:extLst>
               <a:ext uri="smNativeData">
-                <pr:smNativeData xmlns:mc="http://schemas.openxmlformats.org/markup-compatibility/2006" xmlns:p14="http://schemas.microsoft.com/office/powerpoint/2010/main" xmlns:p15="http://schemas.microsoft.com/office/powerpoint/2012/main" xmlns:pr="smNativeData" xmlns="smNativeData" val="SMDATA_16_OZjwYBMAAAAlAAAAZAAAAA0AAAAAkAAAAEgAAACQAAAASAAAAAAAAAAAAAAAAAAAAAEAAABQAAAAAAAAAAAA4D8AAAAAAADgPwAAAAAAAOA/AAAAAAAA4D8AAAAAAADgPwAAAAAAAOA/AAAAAAAA4D8AAAAAAADgPwAAAAAAAOA/AAAAAAAA4D8CAAAAjAAAAAAAAAAAAAAARHLEDP///wgAAAAAAAAAAAAAAAAAAAAAAAAAAAAAAAAAAAAAZAAAAAEAAABAAAAAAAAAAAAAAAAAAAAAAAAAAAAAAAAAAAAAAAAAAAAAAAAAAAAAAAAAAAAAAAAAAAAAAAAAAAAAAAAAAAAAAAAAAAAAAAAAAAAAAAAAAAAAAAAAAAAAFAAAADwAAAAAAAAAAAAAAAAAAAkUAAAAAQAAABQAAAAUAAAAFAAAAAEAAAAAAAAAZAAAAGQAAAAAAAAAZAAAAGQAAAAVAAAAYAAAAAAAAAAAAAAADwAAACADAAAAAAAAAAAAAAEAAACgMgAAVgcAAKr4//8BAAAAf39/AAEAAABkAAAAAAAAABQAAABAHwAAAAAAACYAAAAAAAAAwOD//wAAAAAmAAAAZAAAABYAAABMAAAAAAAAAAAAAAAEAAAAAAAAAAEAAADn5uYKAAAAACgAAAAoAAAAZAAAAGQAAAAAAAAAzMzMAAAAAABQAAAAUAAAAGQAAABkAAAAAAAAABcAAAAUAAAAAAAAAAAAAAD/fwAA/38AAAAAAAAJAAAABAAAAAAAcQAeAAAAaAAAAAAAAAAAAAAAAAAAAAAAAAAAAAAAECcAABAnAAAAAAAAAAAAAAAAAAAAAAAAAAAAAAAAAAAAAAAAAAAAABQAAAAAAAAAwMD/AAAAAABkAAAAMgAAAAAAAABkAAAAAAAAAH9/fwAKAAAAIgAAABgAAAAAAAAAAAAAAAAAAAAAAAAAAAAAAAAAAAAkAAAAJAAAAAAAAAAHAAAAAAAAAAAAAAAAAAAAAAAAAAAAAAAAAAAAf39/ACUAAABYAAAAAAAAAAAAAAAAAAAAAAAAAAAAAAAAAAAAAAAAAAAAAAAAAAAAAAAAAAAAAAA/AAAAAAAAAKCGAQAAAAAAAAAAAAAAAAAMAAAAAQAAAAAAAAAAAAAAAAAAAB8AAABUAAAARHLEBf///wEAAAAAAAAAAAAAAAAAAAAAAAAAAAAAAAAAAAAAAAAAAAAAAAJ/f38A5+bmA8zMzADAwP8Af39/AAAAAAAAAAAAAAAAAAAAAAAAAAAAIQAAABgAAAAUAAAA3gMAADsLAABiNAAAACYAABAAAAAmAAAACAAAAAAgAAAAAAAAMAAAABQAAAAAAAAAAAD//wAAAQAAAP//AAABAA=="/>
+                <pr:smNativeData xmlns="smNativeData" xmlns:pr="smNativeData" xmlns:p15="http://schemas.microsoft.com/office/powerpoint/2012/main" xmlns:p14="http://schemas.microsoft.com/office/powerpoint/2010/main" xmlns:mc="http://schemas.openxmlformats.org/markup-compatibility/2006" val="SMDATA_16_OZjwYBMAAAAlAAAAZAAAAA0AAAAAkAAAAEgAAACQAAAASAAAAAAAAAAAAAAAAAAAAAEAAABQAAAAAAAAAAAA4D8AAAAAAADgPwAAAAAAAOA/AAAAAAAA4D8AAAAAAADgPwAAAAAAAOA/AAAAAAAA4D8AAAAAAADgPwAAAAAAAOA/AAAAAAAA4D8CAAAAjAAAAAAAAAAAAAAARHLEDP///wgAAAAAAAAAAAAAAAAAAAAAAAAAAAAAAAAAAAAAZAAAAAEAAABAAAAAAAAAAAAAAAAAAAAAAAAAAAAAAAAAAAAAAAAAAAAAAAAAAAAAAAAAAAAAAAAAAAAAAAAAAAAAAAAAAAAAAAAAAAAAAAAAAAAAAAAAAAAAAAAAAAAAFAAAADwAAAAAAAAAAAAAAAAAAAkUAAAAAQAAABQAAAAUAAAAFAAAAAEAAAAAAAAAZAAAAGQAAAAAAAAAZAAAAGQAAAAVAAAAYAAAAAAAAAAAAAAADwAAACADAAAAAAAAAAAAAAEAAACgMgAAVgcAAKr4//8BAAAAf39/AAEAAABkAAAAAAAAABQAAABAHwAAAAAAACYAAAAAAAAAwOD//wAAAAAmAAAAZAAAABYAAABMAAAAAAAAAAAAAAAEAAAAAAAAAAEAAADn5uYKAAAAACgAAAAoAAAAZAAAAGQAAAAAAAAAzMzMAAAAAABQAAAAUAAAAGQAAABkAAAAAAAAABcAAAAUAAAAAAAAAAAAAAD/fwAA/38AAAAAAAAJAAAABAAAAAAAcQAeAAAAaAAAAAAAAAAAAAAAAAAAAAAAAAAAAAAAECcAABAnAAAAAAAAAAAAAAAAAAAAAAAAAAAAAAAAAAAAAAAAAAAAABQAAAAAAAAAwMD/AAAAAABkAAAAMgAAAAAAAABkAAAAAAAAAH9/fwAKAAAAIgAAABgAAAAAAAAAAAAAAAAAAAAAAAAAAAAAAAAAAAAkAAAAJAAAAAAAAAAHAAAAAAAAAAAAAAAAAAAAAAAAAAAAAAAAAAAAf39/ACUAAABYAAAAAAAAAAAAAAAAAAAAAAAAAAAAAAAAAAAAAAAAAAAAAAAAAAAAAAAAAAAAAAA/AAAAAAAAAKCGAQAAAAAAAAAAAAAAAAAMAAAAAQAAAAAAAAAAAAAAAAAAAB8AAABUAAAARHLEBf///wEAAAAAAAAAAAAAAAAAAAAAAAAAAAAAAAAAAAAAAAAAAAAAAAJ/f38A5+bmA8zMzADAwP8Af39/AAAAAAAAAAAAAAAAAAAAAAAAAAAAIQAAABgAAAAUAAAA3gMAADsLAABiNAAAACYAABAAAAAmAAAACAAAAAAgAAAAAAAAMAAAABQAAAAAAAAAAAD//wAAAQAAAP//AAABAA=="/>
               </a:ext>
             </a:extLst>
           </p:cNvSpPr>
@@ -9382,7 +9633,7 @@
             <a:spLocks noGrp="1" noChangeArrowheads="1"/>
             <a:extLst>
               <a:ext uri="smNativeData">
-                <pr:smNativeData xmlns:mc="http://schemas.openxmlformats.org/markup-compatibility/2006" xmlns:p14="http://schemas.microsoft.com/office/powerpoint/2010/main" xmlns:p15="http://schemas.microsoft.com/office/powerpoint/2012/main" xmlns:pr="smNativeData" xmlns="smNativeData" val="SMDATA_16_OZjwYBMAAAAlAAAAZAAAAA0AAAAAkAAAAEgAAACQAAAASAAAAAAAAAABAAAAAAAAAAEAAABQAAAAAAAAAAAA4D8AAAAAAADgPwAAAAAAAOA/AAAAAAAA4D8AAAAAAADgPwAAAAAAAOA/AAAAAAAA4D8AAAAAAADgPwAAAAAAAOA/AAAAAAAA4D8CAAAAjAAAAAAAAAAAAAAARHLEDP///wgAAAAAAAAAAAAAAAAAAAAAAAAAAAAAAAAAAAAAZAAAAAEAAABAAAAAAAAAAAAAAAAAAAAAAAAAAAAAAAAAAAAAAAAAAAAAAAAAAAAAAAAAAAAAAAAAAAAAAAAAAAAAAAAAAAAAAAAAAAAAAAAAAAAAAAAAAAAAAAAAAAAAFAAAADwAAAAAAAAAAAAAAAAAAAkUAAAAAQAAABQAAAAUAAAAFAAAAAEAAAAAAAAAZAAAAGQAAAAAAAAAZAAAAGQAAAAVAAAAYAAAAAAAAAAAAAAADwAAACADAAAAAAAAAAAAAAEAAACgMgAAVgcAAKr4//8BAAAAf39/AAEAAABkAAAAAAAAABQAAABAHwAAAAAAACYAAAAAAAAAwOD//wAAAAAmAAAAZAAAABYAAABMAAAAAAAAAAAAAAAEAAAAAAAAAAEAAADn5uYKAAAAACgAAAAoAAAAZAAAAGQAAAAAAAAAzMzMAAAAAABQAAAAUAAAAGQAAABkAAAAAAAAABcAAAAUAAAAAAAAAAAAAAD/fwAA/38AAAAAAAAJAAAABAAAAAAAAAAeAAAAaAAAAAAAAAAAAAAAAAAAAAAAAAAAAAAAECcAABAnAAAAAAAAAAAAAAAAAAAAAAAAAAAAAAAAAAAAAAAAAAAAABQAAAAAAAAAwMD/AAAAAABkAAAAMgAAAAAAAABkAAAAAAAAAH9/fwAKAAAAIgAAABgAAAAAAAAAAAAAAAAAAAAAAAAAAAAAAAAAAAAkAAAAJAAAAAAAAAAHAAAAAAAAAAAAAAAAAAAAAAAAAAAAAAAAAAAAf39/ACUAAABYAAAAAAAAAAAAAAAAAAAAAAAAAAAAAAAAAAAAAAAAAAAAAAAAAAAAAAAAAAAAAAA/AAAAAAAAAKCGAQAAAAAAAAAAAAAAAAAMAAAAAQAAAAAAAAAAAAAAAAAAAB8AAABUAAAARHLEBf///wEAAAAAAAAAAAAAAAAAAAAAAAAAAAAAAAAAAAAAAAAAAAAAAAJ/f38A5+bmA8zMzADAwP8Af39/AAAAAAAAAAAAAAAAAAAAAAAAAAAAIQAAABgAAAAUAAAA3gMAAD8CAABiNAAAZwoAABAAAAAmAAAACAAAAAAAAAAAAAAAMAAAABQAAAAAAAAAAAD//wAAAQAAAP//AAABAA=="/>
+                <pr:smNativeData xmlns="smNativeData" xmlns:pr="smNativeData" xmlns:p15="http://schemas.microsoft.com/office/powerpoint/2012/main" xmlns:p14="http://schemas.microsoft.com/office/powerpoint/2010/main" xmlns:mc="http://schemas.openxmlformats.org/markup-compatibility/2006" val="SMDATA_16_OZjwYBMAAAAlAAAAZAAAAA0AAAAAkAAAAEgAAACQAAAASAAAAAAAAAABAAAAAAAAAAEAAABQAAAAAAAAAAAA4D8AAAAAAADgPwAAAAAAAOA/AAAAAAAA4D8AAAAAAADgPwAAAAAAAOA/AAAAAAAA4D8AAAAAAADgPwAAAAAAAOA/AAAAAAAA4D8CAAAAjAAAAAAAAAAAAAAARHLEDP///wgAAAAAAAAAAAAAAAAAAAAAAAAAAAAAAAAAAAAAZAAAAAEAAABAAAAAAAAAAAAAAAAAAAAAAAAAAAAAAAAAAAAAAAAAAAAAAAAAAAAAAAAAAAAAAAAAAAAAAAAAAAAAAAAAAAAAAAAAAAAAAAAAAAAAAAAAAAAAAAAAAAAAFAAAADwAAAAAAAAAAAAAAAAAAAkUAAAAAQAAABQAAAAUAAAAFAAAAAEAAAAAAAAAZAAAAGQAAAAAAAAAZAAAAGQAAAAVAAAAYAAAAAAAAAAAAAAADwAAACADAAAAAAAAAAAAAAEAAACgMgAAVgcAAKr4//8BAAAAf39/AAEAAABkAAAAAAAAABQAAABAHwAAAAAAACYAAAAAAAAAwOD//wAAAAAmAAAAZAAAABYAAABMAAAAAAAAAAAAAAAEAAAAAAAAAAEAAADn5uYKAAAAACgAAAAoAAAAZAAAAGQAAAAAAAAAzMzMAAAAAABQAAAAUAAAAGQAAABkAAAAAAAAABcAAAAUAAAAAAAAAAAAAAD/fwAA/38AAAAAAAAJAAAABAAAANBC/gUeAAAAaAAAAAAAAAAAAAAAAAAAAAAAAAAAAAAAECcAABAnAAAAAAAAAAAAAAAAAAAAAAAAAAAAAAAAAAAAAAAAAAAAABQAAAAAAAAAwMD/AAAAAABkAAAAMgAAAAAAAABkAAAAAAAAAH9/fwAKAAAAIgAAABgAAAAAAAAAAAAAAAAAAAAAAAAAAAAAAAAAAAAkAAAAJAAAAAAAAAAHAAAAAAAAAAAAAAAAAAAAAAAAAAAAAAAAAAAAf39/ACUAAABYAAAAAAAAAAAAAAAAAAAAAAAAAAAAAAAAAAAAAAAAAAAAAAAAAAAAAAAAAAAAAAA/AAAAAAAAAKCGAQAAAAAAAAAAAAAAAAAMAAAAAQAAAAAAAAAAAAAAAAAAAB8AAABUAAAARHLEBf///wEAAAAAAAAAAAAAAAAAAAAAAAAAAAAAAAAAAAAAAAAAAAAAAAJ/f38A5+bmA8zMzADAwP8Af39/AAAAAAAAAAAAAAAAAAAAAAAAAAAAIQAAABgAAAAUAAAA3gMAAD8CAABiNAAAZwoAABAAAAAmAAAACAAAAAAAAAAAAAAAMAAAABQAAAAAAAAAAAD//wAAAQAAAP//AAABAA=="/>
               </a:ext>
             </a:extLst>
           </p:cNvSpPr>
@@ -9409,7 +9660,7 @@
             <a:spLocks noGrp="1" noChangeArrowheads="1"/>
             <a:extLst>
               <a:ext uri="smNativeData">
-                <pr:smNativeData xmlns:mc="http://schemas.openxmlformats.org/markup-compatibility/2006" xmlns:p14="http://schemas.microsoft.com/office/powerpoint/2010/main" xmlns:p15="http://schemas.microsoft.com/office/powerpoint/2012/main" xmlns:pr="smNativeData" xmlns="smNativeData" val="SMDATA_16_OZjwYBMAAAAlAAAAZAAAAA0AAAAAkAAAAEgAAACQAAAASAAAAAAAAAAAAAAAAAAAAAEAAABQAAAAAAAAAAAA4D8AAAAAAADgPwAAAAAAAOA/AAAAAAAA4D8AAAAAAADgPwAAAAAAAOA/AAAAAAAA4D8AAAAAAADgPwAAAAAAAOA/AAAAAAAA4D8CAAAAjAAAAAAAAAAAAAAARHLEDP///wgAAAAAAAAAAAAAAAAAAAAAAAAAAAAAAAAAAAAAZAAAAAEAAABAAAAAAAAAAAAAAAAAAAAAAAAAAAAAAAAAAAAAAAAAAAAAAAAAAAAAAAAAAAAAAAAAAAAAAAAAAAAAAAAAAAAAAAAAAAAAAAAAAAAAAAAAAAAAAAAAAAAAFAAAADwAAAAAAAAAAAAAAAAAAAkUAAAAAQAAABQAAAAUAAAAFAAAAAEAAAAAAAAAZAAAAGQAAAAAAAAAZAAAAGQAAAAVAAAAYAAAAAAAAAAAAAAADwAAACADAAAAAAAAAAAAAAEAAACgMgAAVgcAAKr4//8BAAAAf39/AAEAAABkAAAAAAAAABQAAABAHwAAAAAAACYAAAAAAAAAwOD//wAAAAAmAAAAZAAAABYAAABMAAAAAAAAAAAAAAAEAAAAAAAAAAEAAADn5uYKAAAAACgAAAAoAAAAZAAAAGQAAAAAAAAAzMzMAAAAAABQAAAAUAAAAGQAAABkAAAAAAAAABcAAAAUAAAAAAAAAAAAAAD/fwAA/38AAAAAAAAJAAAABAAAAAUAAAAeAAAAaAAAAAAAAAAAAAAAAAAAAAAAAAAAAAAAECcAABAnAAAAAAAAAAAAAAAAAAAAAAAAAAAAAAAAAAAAAAAAAAAAABQAAAAAAAAAwMD/AAAAAABkAAAAMgAAAAAAAABkAAAAAAAAAH9/fwAKAAAAIgAAABgAAAAAAAAAAAAAAAAAAAAAAAAAAAAAAAAAAAAkAAAAJAAAAAAAAAAHAAAAAAAAAAAAAAAAAAAAAAAAAAAAAAAAAAAAf39/ACUAAABYAAAAAAAAAAAAAAAAAAAAAAAAAAAAAAAAAAAAAAAAAAAAAAAAAAAAAAAAAAAAAAA/AAAAAAAAAKCGAQAAAAAAAAAAAAAAAAAMAAAAAQAAAAAAAAAAAAAAAAAAAB8AAABUAAAARHLEBf///wEAAAAAAAAAAAAAAAAAAAAAAAAAAAAAAAAAAAAAAAAAAAAAAAJ/f38A5+bmA8zMzADAwP8Af39/AAAAAAAAAAAAAAAAAAAAAAAAAAAAIQAAABgAAAAUAAAA3gMAADsLAABiNAAAACYAABAAAAAmAAAACAAAAAAAAAAAAAAAMAAAABQAAAAAAAAAAAD//wAAAQAAAP//AAABAA=="/>
+                <pr:smNativeData xmlns="smNativeData" xmlns:pr="smNativeData" xmlns:p15="http://schemas.microsoft.com/office/powerpoint/2012/main" xmlns:p14="http://schemas.microsoft.com/office/powerpoint/2010/main" xmlns:mc="http://schemas.openxmlformats.org/markup-compatibility/2006" val="SMDATA_16_OZjwYBMAAAAlAAAAZAAAAA0AAAAAkAAAAEgAAACQAAAASAAAAAAAAAAAAAAAAAAAAAEAAABQAAAAAAAAAAAA4D8AAAAAAADgPwAAAAAAAOA/AAAAAAAA4D8AAAAAAADgPwAAAAAAAOA/AAAAAAAA4D8AAAAAAADgPwAAAAAAAOA/AAAAAAAA4D8CAAAAjAAAAAAAAAAAAAAARHLEDP///wgAAAAAAAAAAAAAAAAAAAAAAAAAAAAAAAAAAAAAZAAAAAEAAABAAAAAAAAAAAAAAAAAAAAAAAAAAAAAAAAAAAAAAAAAAAAAAAAAAAAAAAAAAAAAAAAAAAAAAAAAAAAAAAAAAAAAAAAAAAAAAAAAAAAAAAAAAAAAAAAAAAAAFAAAADwAAAAAAAAAAAAAAAAAAAkUAAAAAQAAABQAAAAUAAAAFAAAAAEAAAAAAAAAZAAAAGQAAAAAAAAAZAAAAGQAAAAVAAAAYAAAAAAAAAAAAAAADwAAACADAAAAAAAAAAAAAAEAAACgMgAAVgcAAKr4//8BAAAAf39/AAEAAABkAAAAAAAAABQAAABAHwAAAAAAACYAAAAAAAAAwOD//wAAAAAmAAAAZAAAABYAAABMAAAAAAAAAAAAAAAEAAAAAAAAAAEAAADn5uYKAAAAACgAAAAoAAAAZAAAAGQAAAAAAAAAzMzMAAAAAABQAAAAUAAAAGQAAABkAAAAAAAAABcAAAAUAAAAAAAAAAAAAAD/fwAA/38AAAAAAAAJAAAABAAAAAAAAAAeAAAAaAAAAAAAAAAAAAAAAAAAAAAAAAAAAAAAECcAABAnAAAAAAAAAAAAAAAAAAAAAAAAAAAAAAAAAAAAAAAAAAAAABQAAAAAAAAAwMD/AAAAAABkAAAAMgAAAAAAAABkAAAAAAAAAH9/fwAKAAAAIgAAABgAAAAAAAAAAAAAAAAAAAAAAAAAAAAAAAAAAAAkAAAAJAAAAAAAAAAHAAAAAAAAAAAAAAAAAAAAAAAAAAAAAAAAAAAAf39/ACUAAABYAAAAAAAAAAAAAAAAAAAAAAAAAAAAAAAAAAAAAAAAAAAAAAAAAAAAAAAAAAAAAAA/AAAAAAAAAKCGAQAAAAAAAAAAAAAAAAAMAAAAAQAAAAAAAAAAAAAAAAAAAB8AAABUAAAARHLEBf///wEAAAAAAAAAAAAAAAAAAAAAAAAAAAAAAAAAAAAAAAAAAAAAAAJ/f38A5+bmA8zMzADAwP8Af39/AAAAAAAAAAAAAAAAAAAAAAAAAAAAIQAAABgAAAAUAAAA3gMAADsLAABiNAAAACYAABAAAAAmAAAACAAAAAAgAAAAAAAAMAAAABQAAAAAAAAAAAD//wAAAQAAAP//AAABAA=="/>
               </a:ext>
             </a:extLst>
           </p:cNvSpPr>
@@ -9419,11 +9670,265 @@
         </p:nvSpPr>
         <p:spPr/>
         <p:txBody>
-          <a:bodyPr/>
+          <a:bodyPr vert="horz" wrap="square" lIns="91440" tIns="45720" rIns="91440" bIns="45720" numCol="1" spcCol="215900" anchor="t">
+            <a:prstTxWarp prst="textNoShape">
+              <a:avLst/>
+            </a:prstTxWarp>
+          </a:bodyPr>
           <a:lstStyle/>
           <a:p>
-            <a:pPr>
-              <a:defRPr lang="en-us"/>
+            <a:pPr lvl="1">
+              <a:lnSpc>
+                <a:spcPct val="70000"/>
+              </a:lnSpc>
+              <a:spcBef>
+                <a:spcPts val="275"/>
+              </a:spcBef>
+              <a:defRPr lang="en-us" sz="1320"/>
+            </a:pPr>
+            <a:endParaRPr/>
+          </a:p>
+          <a:p>
+            <a:pPr lvl="1">
+              <a:lnSpc>
+                <a:spcPct val="70000"/>
+              </a:lnSpc>
+              <a:spcBef>
+                <a:spcPts val="275"/>
+              </a:spcBef>
+              <a:defRPr lang="en-us" sz="1320"/>
+            </a:pPr>
+            <a:r>
+              <a:t>Develop a model of individual intentionality that does something that can’t be done with just a BD model</a:t>
+            </a:r>
+          </a:p>
+          <a:p>
+            <a:pPr lvl="1">
+              <a:lnSpc>
+                <a:spcPct val="70000"/>
+              </a:lnSpc>
+              <a:spcBef>
+                <a:spcPts val="275"/>
+              </a:spcBef>
+              <a:defRPr lang="en-us" sz="1320"/>
+            </a:pPr>
+            <a:r>
+              <a:t>As conservative as possible with regard to standard game theory</a:t>
+            </a:r>
+          </a:p>
+          <a:p>
+            <a:pPr lvl="1">
+              <a:lnSpc>
+                <a:spcPct val="70000"/>
+              </a:lnSpc>
+              <a:spcBef>
+                <a:spcPts val="275"/>
+              </a:spcBef>
+              <a:defRPr lang="en-us" sz="1320"/>
+            </a:pPr>
+            <a:endParaRPr/>
+          </a:p>
+          <a:p>
+            <a:pPr lvl="1">
+              <a:lnSpc>
+                <a:spcPct val="70000"/>
+              </a:lnSpc>
+              <a:spcBef>
+                <a:spcPts val="275"/>
+              </a:spcBef>
+              <a:defRPr lang="en-us" sz="1320"/>
+            </a:pPr>
+            <a:r>
+              <a:t>Game theory has gone on for 70 years without it, and thinking they don’t need it</a:t>
+            </a:r>
+          </a:p>
+          <a:p>
+            <a:pPr>
+              <a:lnSpc>
+                <a:spcPct val="70000"/>
+              </a:lnSpc>
+              <a:spcBef>
+                <a:spcPts val="550"/>
+              </a:spcBef>
+              <a:defRPr lang="en-us" sz="1540"/>
+            </a:pPr>
+            <a:r>
+              <a:t>Organizational behavior and powers deriving from the parts</a:t>
+            </a:r>
+          </a:p>
+          <a:p>
+            <a:pPr lvl="1">
+              <a:lnSpc>
+                <a:spcPct val="70000"/>
+              </a:lnSpc>
+              <a:spcBef>
+                <a:spcPts val="275"/>
+              </a:spcBef>
+              <a:defRPr lang="en-us" sz="1320"/>
+            </a:pPr>
+            <a:r>
+              <a:t>Yield organizational level powers</a:t>
+            </a:r>
+          </a:p>
+          <a:p>
+            <a:pPr lvl="1">
+              <a:lnSpc>
+                <a:spcPct val="70000"/>
+              </a:lnSpc>
+              <a:spcBef>
+                <a:spcPts val="275"/>
+              </a:spcBef>
+              <a:defRPr lang="en-us" sz="1320"/>
+            </a:pPr>
+            <a:endParaRPr/>
+          </a:p>
+          <a:p>
+            <a:pPr lvl="1">
+              <a:lnSpc>
+                <a:spcPct val="70000"/>
+              </a:lnSpc>
+              <a:spcBef>
+                <a:spcPts val="275"/>
+              </a:spcBef>
+              <a:defRPr lang="en-us" sz="1320"/>
+            </a:pPr>
+            <a:r>
+              <a:t>Forward-looking agents acting interactively with one another</a:t>
+            </a:r>
+          </a:p>
+          <a:p>
+            <a:pPr>
+              <a:lnSpc>
+                <a:spcPct val="70000"/>
+              </a:lnSpc>
+              <a:spcBef>
+                <a:spcPts val="550"/>
+              </a:spcBef>
+              <a:defRPr lang="en-us" sz="1540"/>
+            </a:pPr>
+            <a:r>
+              <a:t>General methodology for arbitrarily sized groups of agents interacting in general settings</a:t>
+            </a:r>
+          </a:p>
+          <a:p>
+            <a:pPr lvl="1">
+              <a:lnSpc>
+                <a:spcPct val="70000"/>
+              </a:lnSpc>
+              <a:spcBef>
+                <a:spcPts val="275"/>
+              </a:spcBef>
+              <a:defRPr lang="en-us" sz="1320"/>
+            </a:pPr>
+            <a:r>
+              <a:t>Stock market bubbles: global markets with lots of information</a:t>
+            </a:r>
+          </a:p>
+          <a:p>
+            <a:pPr lvl="1">
+              <a:lnSpc>
+                <a:spcPct val="70000"/>
+              </a:lnSpc>
+              <a:spcBef>
+                <a:spcPts val="275"/>
+              </a:spcBef>
+              <a:defRPr lang="en-us" sz="1320"/>
+            </a:pPr>
+            <a:r>
+              <a:t>Firms and organizations; how organizational cultures figure</a:t>
+            </a:r>
+          </a:p>
+          <a:p>
+            <a:pPr lvl="1">
+              <a:lnSpc>
+                <a:spcPct val="70000"/>
+              </a:lnSpc>
+              <a:spcBef>
+                <a:spcPts val="275"/>
+              </a:spcBef>
+              <a:defRPr lang="en-us" sz="1320"/>
+            </a:pPr>
+            <a:r>
+              <a:t>Common knowledge, attitudes about attitudes, belief hierarchies</a:t>
+            </a:r>
+          </a:p>
+          <a:p>
+            <a:pPr>
+              <a:lnSpc>
+                <a:spcPct val="70000"/>
+              </a:lnSpc>
+              <a:spcBef>
+                <a:spcPts val="550"/>
+              </a:spcBef>
+              <a:defRPr lang="en-us" sz="1540"/>
+            </a:pPr>
+            <a:r>
+              <a:t>Challenge to philosophy:</a:t>
+            </a:r>
+          </a:p>
+          <a:p>
+            <a:pPr lvl="1">
+              <a:lnSpc>
+                <a:spcPct val="70000"/>
+              </a:lnSpc>
+              <a:spcBef>
+                <a:spcPts val="275"/>
+              </a:spcBef>
+              <a:defRPr lang="en-us" sz="1320"/>
+            </a:pPr>
+            <a:r>
+              <a:t>Social scientists seem to be doing fine on a belief-desire model</a:t>
+            </a:r>
+          </a:p>
+          <a:p>
+            <a:pPr lvl="1">
+              <a:lnSpc>
+                <a:spcPct val="70000"/>
+              </a:lnSpc>
+              <a:spcBef>
+                <a:spcPts val="275"/>
+              </a:spcBef>
+              <a:defRPr lang="en-us" sz="1320"/>
+            </a:pPr>
+            <a:r>
+              <a:t>For formal approaches to the explanation of human behavior, game theory is the go-to thing</a:t>
+            </a:r>
+          </a:p>
+          <a:p>
+            <a:pPr lvl="1">
+              <a:lnSpc>
+                <a:spcPct val="70000"/>
+              </a:lnSpc>
+              <a:spcBef>
+                <a:spcPts val="275"/>
+              </a:spcBef>
+              <a:defRPr lang="en-us" sz="1320"/>
+            </a:pPr>
+            <a:r>
+              <a:t>To argue that a cognitive story (e.g., involving intention) makes a difference, key to show that models neglecting it aren’t sufficient in a behaviorally significant way</a:t>
+            </a:r>
+          </a:p>
+          <a:p>
+            <a:pPr>
+              <a:lnSpc>
+                <a:spcPct val="70000"/>
+              </a:lnSpc>
+              <a:spcBef>
+                <a:spcPts val="550"/>
+              </a:spcBef>
+              <a:defRPr lang="en-us" sz="1540"/>
+            </a:pPr>
+            <a:endParaRPr/>
+          </a:p>
+          <a:p>
+            <a:pPr>
+              <a:lnSpc>
+                <a:spcPct val="70000"/>
+              </a:lnSpc>
+              <a:spcBef>
+                <a:spcPts val="550"/>
+              </a:spcBef>
+              <a:defRPr lang="en-us" sz="1540"/>
             </a:pPr>
             <a:endParaRPr/>
           </a:p>
@@ -9461,7 +9966,7 @@
             <a:spLocks noGrp="1" noChangeArrowheads="1"/>
             <a:extLst>
               <a:ext uri="smNativeData">
-                <pr:smNativeData xmlns:mc="http://schemas.openxmlformats.org/markup-compatibility/2006" xmlns:p14="http://schemas.microsoft.com/office/powerpoint/2010/main" xmlns:p15="http://schemas.microsoft.com/office/powerpoint/2012/main" xmlns:pr="smNativeData" xmlns="smNativeData" val="SMDATA_16_OZjwYBMAAAAlAAAAZAAAAA0AAAAAkAAAAEgAAACQAAAASAAAAAAAAAABAAAAAAAAAAEAAABQAAAAAAAAAAAA4D8AAAAAAADgPwAAAAAAAOA/AAAAAAAA4D8AAAAAAADgPwAAAAAAAOA/AAAAAAAA4D8AAAAAAADgPwAAAAAAAOA/AAAAAAAA4D8CAAAAjAAAAAAAAAAAAAAARHLEDP///wgAAAAAAAAAAAAAAAAAAAAAAAAAAAAAAAAAAAAAZAAAAAEAAABAAAAAAAAAAAAAAAAAAAAAAAAAAAAAAAAAAAAAAAAAAAAAAAAAAAAAAAAAAAAAAAAAAAAAAAAAAAAAAAAAAAAAAAAAAAAAAAAAAAAAAAAAAAAAAAAAAAAAFAAAADwAAAAAAAAAAAAAAAAAAAkUAAAAAQAAABQAAAAUAAAAFAAAAAEAAAAAAAAAZAAAAGQAAAAAAAAAZAAAAGQAAAAVAAAAYAAAAAAAAAAAAAAADwAAACADAAAAAAAAAAAAAAEAAACgMgAAVgcAAKr4//8BAAAAf39/AAEAAABkAAAAAAAAABQAAABAHwAAAAAAACYAAAAAAAAAwOD//wAAAAAmAAAAZAAAABYAAABMAAAAAAAAAAAAAAAEAAAAAAAAAAEAAADn5uYKAAAAACgAAAAoAAAAZAAAAGQAAAAAAAAAzMzMAAAAAABQAAAAUAAAAGQAAABkAAAAAAAAABcAAAAUAAAAAAAAAAAAAAD/fwAA/38AAAAAAAAJAAAABAAAADUYGDUeAAAAaAAAAAAAAAAAAAAAAAAAAAAAAAAAAAAAECcAABAnAAAAAAAAAAAAAAAAAAAAAAAAAAAAAAAAAAAAAAAAAAAAABQAAAAAAAAAwMD/AAAAAABkAAAAMgAAAAAAAABkAAAAAAAAAH9/fwAKAAAAIgAAABgAAAAAAAAAAAAAAAAAAAAAAAAAAAAAAAAAAAAkAAAAJAAAAAAAAAAHAAAAAAAAAAAAAAAAAAAAAAAAAAAAAAAAAAAAf39/ACUAAABYAAAAAAAAAAAAAAAAAAAAAAAAAAAAAAAAAAAAAAAAAAAAAAAAAAAAAAAAAAAAAAA/AAAAAAAAAKCGAQAAAAAAAAAAAAAAAAAMAAAAAQAAAAAAAAAAAAAAAAAAAB8AAABUAAAARHLEBf///wEAAAAAAAAAAAAAAAAAAAAAAAAAAAAAAAAAAAAAAAAAAAAAAAJ/f38A5+bmA8zMzADAwP8Af39/AAAAAAAAAAAAAAAAAAAAAAAAAAAAIQAAABgAAAAUAAAA3gMAAD8CAABiNAAAZwoAABAAAAAmAAAACAAAAAAAAAAAAAAAMAAAABQAAAAAAAAAAAD//wAAAQAAAP//AAABAA=="/>
+                <pr:smNativeData xmlns="smNativeData" xmlns:pr="smNativeData" xmlns:p15="http://schemas.microsoft.com/office/powerpoint/2012/main" xmlns:p14="http://schemas.microsoft.com/office/powerpoint/2010/main" xmlns:mc="http://schemas.openxmlformats.org/markup-compatibility/2006" val="SMDATA_16_OZjwYBMAAAAlAAAAZAAAAA0AAAAAkAAAAEgAAACQAAAASAAAAAAAAAABAAAAAAAAAAEAAABQAAAAAAAAAAAA4D8AAAAAAADgPwAAAAAAAOA/AAAAAAAA4D8AAAAAAADgPwAAAAAAAOA/AAAAAAAA4D8AAAAAAADgPwAAAAAAAOA/AAAAAAAA4D8CAAAAjAAAAAAAAAAAAAAARHLEDP///wgAAAAAAAAAAAAAAAAAAAAAAAAAAAAAAAAAAAAAZAAAAAEAAABAAAAAAAAAAAAAAAAAAAAAAAAAAAAAAAAAAAAAAAAAAAAAAAAAAAAAAAAAAAAAAAAAAAAAAAAAAAAAAAAAAAAAAAAAAAAAAAAAAAAAAAAAAAAAAAAAAAAAFAAAADwAAAAAAAAAAAAAAAAAAAkUAAAAAQAAABQAAAAUAAAAFAAAAAEAAAAAAAAAZAAAAGQAAAAAAAAAZAAAAGQAAAAVAAAAYAAAAAAAAAAAAAAADwAAACADAAAAAAAAAAAAAAEAAACgMgAAVgcAAKr4//8BAAAAf39/AAEAAABkAAAAAAAAABQAAABAHwAAAAAAACYAAAAAAAAAwOD//wAAAAAmAAAAZAAAABYAAABMAAAAAAAAAAAAAAAEAAAAAAAAAAEAAADn5uYKAAAAACgAAAAoAAAAZAAAAGQAAAAAAAAAzMzMAAAAAABQAAAAUAAAAGQAAABkAAAAAAAAABcAAAAUAAAAAAAAAAAAAAD/fwAA/38AAAAAAAAJAAAABAAAAAUAAAAeAAAAaAAAAAAAAAAAAAAAAAAAAAAAAAAAAAAAECcAABAnAAAAAAAAAAAAAAAAAAAAAAAAAAAAAAAAAAAAAAAAAAAAABQAAAAAAAAAwMD/AAAAAABkAAAAMgAAAAAAAABkAAAAAAAAAH9/fwAKAAAAIgAAABgAAAAAAAAAAAAAAAAAAAAAAAAAAAAAAAAAAAAkAAAAJAAAAAAAAAAHAAAAAAAAAAAAAAAAAAAAAAAAAAAAAAAAAAAAf39/ACUAAABYAAAAAAAAAAAAAAAAAAAAAAAAAAAAAAAAAAAAAAAAAAAAAAAAAAAAAAAAAAAAAAA/AAAAAAAAAKCGAQAAAAAAAAAAAAAAAAAMAAAAAQAAAAAAAAAAAAAAAAAAAB8AAABUAAAAAAAABQAAAAEAAAAAAAAAAAAAAAAAAAAAAAAAAAAAAAAAAAAAAAAAAAAAAAJ/f38AAAAAA8zMzADAwP8Af39/AAAAAAAAAAAAAAAAAAAAAAAAAAAAIQAAABgAAAAUAAAA3gMAAD8CAABiNAAAZwoAABAAAAAmAAAACAAAAAAAAAAAAAAAMAAAABQAAAAAAAAAAAD//wAAAQAAAP//AAABAA=="/>
               </a:ext>
             </a:extLst>
           </p:cNvSpPr>
@@ -9477,7 +9982,9 @@
             <a:pPr>
               <a:defRPr lang="en-us"/>
             </a:pPr>
-            <a:endParaRPr/>
+            <a:r>
+              <a:t>Three areas of inquiry</a:t>
+            </a:r>
           </a:p>
         </p:txBody>
       </p:sp>
@@ -9488,7 +9995,7 @@
             <a:spLocks noGrp="1" noChangeArrowheads="1"/>
             <a:extLst>
               <a:ext uri="smNativeData">
-                <pr:smNativeData xmlns:mc="http://schemas.openxmlformats.org/markup-compatibility/2006" xmlns:p14="http://schemas.microsoft.com/office/powerpoint/2010/main" xmlns:p15="http://schemas.microsoft.com/office/powerpoint/2012/main" xmlns:pr="smNativeData" xmlns="smNativeData" val="SMDATA_16_OZjwYBMAAAAlAAAAZAAAAA0AAAAAkAAAAEgAAACQAAAASAAAAAAAAAAAAAAAAAAAAAEAAABQAAAAAAAAAAAA4D8AAAAAAADgPwAAAAAAAOA/AAAAAAAA4D8AAAAAAADgPwAAAAAAAOA/AAAAAAAA4D8AAAAAAADgPwAAAAAAAOA/AAAAAAAA4D8CAAAAjAAAAAAAAAAAAAAARHLEDP///wgAAAAAAAAAAAAAAAAAAAAAAAAAAAAAAAAAAAAAZAAAAAEAAABAAAAAAAAAAAAAAAAAAAAAAAAAAAAAAAAAAAAAAAAAAAAAAAAAAAAAAAAAAAAAAAAAAAAAAAAAAAAAAAAAAAAAAAAAAAAAAAAAAAAAAAAAAAAAAAAAAAAAFAAAADwAAAAAAAAAAAAAAAAAAAkUAAAAAQAAABQAAAAUAAAAFAAAAAEAAAAAAAAAZAAAAGQAAAAAAAAAZAAAAGQAAAAVAAAAYAAAAAAAAAAAAAAADwAAACADAAAAAAAAAAAAAAEAAACgMgAAVgcAAKr4//8BAAAAf39/AAEAAABkAAAAAAAAABQAAABAHwAAAAAAACYAAAAAAAAAwOD//wAAAAAmAAAAZAAAABYAAABMAAAAAAAAAAAAAAAEAAAAAAAAAAEAAADn5uYKAAAAACgAAAAoAAAAZAAAAGQAAAAAAAAAzMzMAAAAAABQAAAAUAAAAGQAAABkAAAAAAAAABcAAAAUAAAAAAAAAAAAAAD/fwAA/38AAAAAAAAJAAAABAAAAAAAAAAeAAAAaAAAAAAAAAAAAAAAAAAAAAAAAAAAAAAAECcAABAnAAAAAAAAAAAAAAAAAAAAAAAAAAAAAAAAAAAAAAAAAAAAABQAAAAAAAAAwMD/AAAAAABkAAAAMgAAAAAAAABkAAAAAAAAAH9/fwAKAAAAIgAAABgAAAAAAAAAAAAAAAAAAAAAAAAAAAAAAAAAAAAkAAAAJAAAAAAAAAAHAAAAAAAAAAAAAAAAAAAAAAAAAAAAAAAAAAAAf39/ACUAAABYAAAAAAAAAAAAAAAAAAAAAAAAAAAAAAAAAAAAAAAAAAAAAAAAAAAAAAAAAAAAAAA/AAAAAAAAAKCGAQAAAAAAAAAAAAAAAAAMAAAAAQAAAAAAAAAAAAAAAAAAAB8AAABUAAAARHLEBf///wEAAAAAAAAAAAAAAAAAAAAAAAAAAAAAAAAAAAAAAAAAAAAAAAJ/f38A5+bmA8zMzADAwP8Af39/AAAAAAAAAAAAAAAAAAAAAAAAAAAAIQAAABgAAAAUAAAA3gMAADsLAABiNAAAACYAABAAAAAmAAAACAAAAAAgAAAAAAAAMAAAABQAAAAAAAAAAAD//wAAAQAAAP//AAABAA=="/>
+                <pr:smNativeData xmlns="smNativeData" xmlns:pr="smNativeData" xmlns:p15="http://schemas.microsoft.com/office/powerpoint/2012/main" xmlns:p14="http://schemas.microsoft.com/office/powerpoint/2010/main" xmlns:mc="http://schemas.openxmlformats.org/markup-compatibility/2006" val="SMDATA_16_OZjwYBMAAAAlAAAAZAAAAA0AAAAAkAAAAEgAAACQAAAASAAAAAAAAAAAAAAAAAAAAAEAAABQAAAAAAAAAAAA4D8AAAAAAADgPwAAAAAAAOA/AAAAAAAA4D8AAAAAAADgPwAAAAAAAOA/AAAAAAAA4D8AAAAAAADgPwAAAAAAAOA/AAAAAAAA4D8CAAAAjAAAAAAAAAAAAAAARHLEDP///wgAAAAAAAAAAAAAAAAAAAAAAAAAAAAAAAAAAAAAZAAAAAEAAABAAAAAAAAAAAAAAAAAAAAAAAAAAAAAAAAAAAAAAAAAAAAAAAAAAAAAAAAAAAAAAAAAAAAAAAAAAAAAAAAAAAAAAAAAAAAAAAAAAAAAAAAAAAAAAAAAAAAAFAAAADwAAAAAAAAAAAAAAAAAAAkUAAAAAQAAABQAAAAUAAAAFAAAAAEAAAAAAAAAZAAAAGQAAAAAAAAAZAAAAGQAAAAVAAAAYAAAAAAAAAAAAAAADwAAACADAAAAAAAAAAAAAAEAAACgMgAAVgcAAKr4//8BAAAAf39/AAEAAABkAAAAAAAAABQAAABAHwAAAAAAACYAAAAAAAAAwOD//wAAAAAmAAAAZAAAABYAAABMAAAAAAAAAAAAAAAEAAAAAAAAAAEAAADn5uYKAAAAACgAAAAoAAAAZAAAAGQAAAAAAAAAzMzMAAAAAABQAAAAUAAAAGQAAABkAAAAAAAAABcAAAAUAAAAAAAAAAAAAAD/fwAA/38AAAAAAAAJAAAABAAAAAAAAAAeAAAAaAAAAAAAAAAAAAAAAAAAAAAAAAAAAAAAECcAABAnAAAAAAAAAAAAAAAAAAAAAAAAAAAAAAAAAAAAAAAAAAAAABQAAAAAAAAAwMD/AAAAAABkAAAAMgAAAAAAAABkAAAAAAAAAH9/fwAKAAAAIgAAABgAAAAAAAAAAAAAAAAAAAAAAAAAAAAAAAAAAAAkAAAAJAAAAAAAAAAHAAAAAAAAAAAAAAAAAAAAAAAAAAAAAAAAAAAAf39/ACUAAABYAAAAAAAAAAAAAAAAAAAAAAAAAAAAAAAAAAAAAAAAAAAAAAAAAAAAAAAAAAAAAAA/AAAAAAAAAKCGAQAAAAAAAAAAAAAAAAAMAAAAAQAAAAAAAAAAAAAAAAAAAB8AAABUAAAAAAAABQAAAAEAAAAAAAAAAAAAAAAAAAAAAAAAAAAAAAAAAAAAAAAAAAAAAAJ/f38AAAAAA8zMzADAwP8Af39/AAAAAAAAAAAAAAAAAAAAAAAAAAAAIQAAABgAAAAUAAAA3gMAADsLAABiNAAAACYAABAAAAAmAAAACAAAAAAgAAAAAAAAMAAAABQAAAAAAAAAAAD//wAAAQAAAP//AAABAA=="/>
               </a:ext>
             </a:extLst>
           </p:cNvSpPr>
@@ -9506,338 +10013,43 @@
           <a:lstStyle/>
           <a:p>
             <a:pPr>
-              <a:lnSpc>
-                <a:spcPct val="70000"/>
-              </a:lnSpc>
-              <a:spcBef>
-                <a:spcPts val="400"/>
-              </a:spcBef>
-              <a:defRPr lang="en-us" sz="1120"/>
-            </a:pPr>
-            <a:r>
-              <a:t>Challenge:</a:t>
+              <a:defRPr lang="en-us"/>
+            </a:pPr>
+            <a:r>
+              <a:t>Cognitive role of intention (and its accompanying commitment)</a:t>
             </a:r>
           </a:p>
           <a:p>
             <a:pPr lvl="1">
-              <a:lnSpc>
-                <a:spcPct val="70000"/>
-              </a:lnSpc>
-              <a:spcBef>
-                <a:spcPts val="200"/>
-              </a:spcBef>
-              <a:defRPr lang="en-us" sz="960"/>
-            </a:pPr>
-            <a:endParaRPr/>
-          </a:p>
-          <a:p>
-            <a:pPr>
-              <a:lnSpc>
-                <a:spcPct val="70000"/>
-              </a:lnSpc>
-              <a:spcBef>
-                <a:spcPts val="400"/>
-              </a:spcBef>
-              <a:defRPr lang="en-us" sz="1120"/>
-            </a:pPr>
-            <a:r>
-              <a:t>Richer formal models of cognition, like BDI, have no clear path to treating group cognition</a:t>
-            </a:r>
-          </a:p>
-          <a:p>
-            <a:pPr>
-              <a:lnSpc>
-                <a:spcPct val="70000"/>
-              </a:lnSpc>
-              <a:spcBef>
-                <a:spcPts val="400"/>
-              </a:spcBef>
-              <a:defRPr lang="en-us" sz="1120"/>
-            </a:pPr>
-            <a:r>
-              <a:t>In thinking about organizational cognition, build on this model? That would create an odd dissonance between individual and organizational agents</a:t>
-            </a:r>
-          </a:p>
-          <a:p>
-            <a:pPr>
-              <a:lnSpc>
-                <a:spcPct val="70000"/>
-              </a:lnSpc>
-              <a:spcBef>
-                <a:spcPts val="400"/>
-              </a:spcBef>
-              <a:defRPr lang="en-us" sz="1120"/>
-            </a:pPr>
-            <a:r>
-              <a:t>Game theoretic models have little impetus to enrich models of cognition</a:t>
-            </a:r>
-          </a:p>
-          <a:p>
-            <a:pPr>
-              <a:lnSpc>
-                <a:spcPct val="70000"/>
-              </a:lnSpc>
-              <a:spcBef>
-                <a:spcPts val="400"/>
-              </a:spcBef>
-              <a:defRPr lang="en-us" sz="1120"/>
-            </a:pPr>
-            <a:r>
-              <a:t>Yet it seems problematic to </a:t>
-            </a:r>
-          </a:p>
-          <a:p>
-            <a:pPr>
-              <a:lnSpc>
-                <a:spcPct val="70000"/>
-              </a:lnSpc>
-              <a:spcBef>
-                <a:spcPts val="400"/>
-              </a:spcBef>
-              <a:defRPr lang="en-us" sz="1120"/>
-            </a:pPr>
-            <a:r>
-              <a:t>Puzzle in connection with game theory</a:t>
+              <a:defRPr lang="en-us"/>
+            </a:pPr>
+            <a:r>
+              <a:t>In particular, solving problems for the successful functioning of bounded agents (Bratman 1987)</a:t>
+            </a:r>
+          </a:p>
+          <a:p>
+            <a:pPr>
+              <a:defRPr lang="en-us"/>
+            </a:pPr>
+            <a:r>
+              <a:t>Organizations as agents; organizational commitment</a:t>
+            </a:r>
+          </a:p>
+          <a:p>
+            <a:pPr>
+              <a:defRPr lang="en-us"/>
+            </a:pPr>
+            <a:r>
+              <a:t>Modeling of forward-looking rational agents</a:t>
             </a:r>
           </a:p>
           <a:p>
             <a:pPr lvl="1">
-              <a:lnSpc>
-                <a:spcPct val="70000"/>
-              </a:lnSpc>
-              <a:spcBef>
-                <a:spcPts val="200"/>
-              </a:spcBef>
-              <a:defRPr lang="en-us" sz="960"/>
-            </a:pPr>
-            <a:r>
-              <a:t>No internal pull from game theorists to enrich models of cognition</a:t>
-            </a:r>
-          </a:p>
-          <a:p>
-            <a:pPr lvl="2">
-              <a:lnSpc>
-                <a:spcPct val="70000"/>
-              </a:lnSpc>
-              <a:spcBef>
-                <a:spcPts val="200"/>
-              </a:spcBef>
-              <a:defRPr lang="en-us" sz="800"/>
-            </a:pPr>
-            <a:r>
-              <a:t>In fact, active resistance</a:t>
-            </a:r>
-          </a:p>
-          <a:p>
-            <a:pPr lvl="1">
-              <a:lnSpc>
-                <a:spcPct val="70000"/>
-              </a:lnSpc>
-              <a:spcBef>
-                <a:spcPts val="200"/>
-              </a:spcBef>
-              <a:defRPr lang="en-us" sz="960"/>
-            </a:pPr>
-            <a:r>
-              <a:t>Lots of success with parsimonious models of agents</a:t>
-            </a:r>
-          </a:p>
-          <a:p>
-            <a:pPr lvl="2">
-              <a:lnSpc>
-                <a:spcPct val="70000"/>
-              </a:lnSpc>
-              <a:spcBef>
-                <a:spcPts val="200"/>
-              </a:spcBef>
-              <a:defRPr lang="en-us" sz="800"/>
-            </a:pPr>
-            <a:r>
-              <a:t>Simple version of belief-desire psychology</a:t>
-            </a:r>
-          </a:p>
-          <a:p>
-            <a:pPr lvl="1">
-              <a:lnSpc>
-                <a:spcPct val="70000"/>
-              </a:lnSpc>
-              <a:spcBef>
-                <a:spcPts val="200"/>
-              </a:spcBef>
-              <a:defRPr lang="en-us" sz="960"/>
-            </a:pPr>
-            <a:r>
-              <a:t>No clear role for a richer cognitive system</a:t>
-            </a:r>
-          </a:p>
-          <a:p>
-            <a:pPr lvl="2">
-              <a:lnSpc>
-                <a:spcPct val="70000"/>
-              </a:lnSpc>
-              <a:spcBef>
-                <a:spcPts val="200"/>
-              </a:spcBef>
-              <a:defRPr lang="en-us" sz="800"/>
-            </a:pPr>
-            <a:r>
-              <a:t>In particular, one involving non-cognitivist states such as Bratman-style intentions</a:t>
-            </a:r>
-          </a:p>
-          <a:p>
-            <a:pPr lvl="1">
-              <a:lnSpc>
-                <a:spcPct val="70000"/>
-              </a:lnSpc>
-              <a:spcBef>
-                <a:spcPts val="200"/>
-              </a:spcBef>
-              <a:defRPr lang="en-us" sz="960"/>
-            </a:pPr>
-            <a:r>
-              <a:t>Possible implications:</a:t>
-            </a:r>
-          </a:p>
-          <a:p>
-            <a:pPr lvl="2">
-              <a:lnSpc>
-                <a:spcPct val="70000"/>
-              </a:lnSpc>
-              <a:spcBef>
-                <a:spcPts val="200"/>
-              </a:spcBef>
-              <a:defRPr lang="en-us" sz="800"/>
-            </a:pPr>
-            <a:r>
-              <a:t>No important functional role for intentions</a:t>
-            </a:r>
-          </a:p>
-          <a:p>
-            <a:pPr lvl="2">
-              <a:lnSpc>
-                <a:spcPct val="70000"/>
-              </a:lnSpc>
-              <a:spcBef>
-                <a:spcPts val="200"/>
-              </a:spcBef>
-              <a:defRPr lang="en-us" sz="800"/>
-            </a:pPr>
-            <a:r>
-              <a:t>Cognitivism</a:t>
-            </a:r>
-          </a:p>
-          <a:p>
-            <a:pPr lvl="2">
-              <a:lnSpc>
-                <a:spcPct val="70000"/>
-              </a:lnSpc>
-              <a:spcBef>
-                <a:spcPts val="200"/>
-              </a:spcBef>
-              <a:defRPr lang="en-us" sz="800"/>
-            </a:pPr>
-            <a:r>
-              <a:t>A missing element, perhaps obscured by the choice of phenomena to model</a:t>
-            </a:r>
-          </a:p>
-          <a:p>
-            <a:pPr>
-              <a:lnSpc>
-                <a:spcPct val="70000"/>
-              </a:lnSpc>
-              <a:spcBef>
-                <a:spcPts val="400"/>
-              </a:spcBef>
-              <a:defRPr lang="en-us" sz="1120"/>
-            </a:pPr>
-            <a:r>
-              <a:rPr lang="en-us" sz="960"/>
-              <a:t>Wanted to pull stuff off the shelf and apply it to organizations</a:t>
-            </a:r>
-          </a:p>
-          <a:p>
-            <a:pPr lvl="1">
-              <a:lnSpc>
-                <a:spcPct val="70000"/>
-              </a:lnSpc>
-              <a:spcBef>
-                <a:spcPts val="200"/>
-              </a:spcBef>
-              <a:defRPr lang="en-us" sz="960"/>
-            </a:pPr>
-            <a:r>
-              <a:rPr lang="en-us" sz="800"/>
-              <a:t>But having to build it more from scratch</a:t>
-            </a:r>
-          </a:p>
-          <a:p>
-            <a:pPr>
-              <a:lnSpc>
-                <a:spcPct val="70000"/>
-              </a:lnSpc>
-              <a:spcBef>
-                <a:spcPts val="400"/>
-              </a:spcBef>
-              <a:defRPr lang="en-us" sz="1120"/>
-            </a:pPr>
-            <a:r>
-              <a:rPr lang="en-us" sz="960"/>
-              <a:t>Virtues of this work</a:t>
-            </a:r>
-          </a:p>
-          <a:p>
-            <a:pPr lvl="1">
-              <a:lnSpc>
-                <a:spcPct val="70000"/>
-              </a:lnSpc>
-              <a:spcBef>
-                <a:spcPts val="200"/>
-              </a:spcBef>
-              <a:defRPr lang="en-us" sz="960"/>
-            </a:pPr>
-            <a:r>
-              <a:rPr lang="en-us" sz="800"/>
-              <a:t>Much clarification of alternative models, functions intention can perform</a:t>
-            </a:r>
-          </a:p>
-          <a:p>
-            <a:pPr>
-              <a:lnSpc>
-                <a:spcPct val="70000"/>
-              </a:lnSpc>
-              <a:spcBef>
-                <a:spcPts val="400"/>
-              </a:spcBef>
-              <a:defRPr lang="en-us" sz="1120"/>
-            </a:pPr>
-            <a:r>
-              <a:rPr lang="en-us" sz="960"/>
-              <a:t>Resources that the parsimonious models have to accommodate these phenomena</a:t>
-            </a:r>
-          </a:p>
-          <a:p>
-            <a:pPr>
-              <a:lnSpc>
-                <a:spcPct val="70000"/>
-              </a:lnSpc>
-              <a:spcBef>
-                <a:spcPts val="400"/>
-              </a:spcBef>
-              <a:defRPr lang="en-us" sz="1120"/>
-            </a:pPr>
-            <a:endParaRPr lang="en-us" sz="960"/>
-          </a:p>
-          <a:p>
-            <a:pPr>
-              <a:lnSpc>
-                <a:spcPct val="70000"/>
-              </a:lnSpc>
-              <a:spcBef>
-                <a:spcPts val="400"/>
-              </a:spcBef>
-              <a:defRPr lang="en-us" sz="1120"/>
-            </a:pPr>
-            <a:endParaRPr lang="en-us" sz="960"/>
+              <a:defRPr lang="en-us"/>
+            </a:pPr>
+            <a:r>
+              <a:t>Unexplored opportunity in applying game theory</a:t>
+            </a:r>
           </a:p>
         </p:txBody>
       </p:sp>
@@ -9873,7 +10085,7 @@
             <a:spLocks noGrp="1" noChangeArrowheads="1"/>
             <a:extLst>
               <a:ext uri="smNativeData">
-                <pr:smNativeData xmlns:mc="http://schemas.openxmlformats.org/markup-compatibility/2006" xmlns:p14="http://schemas.microsoft.com/office/powerpoint/2010/main" xmlns:p15="http://schemas.microsoft.com/office/powerpoint/2012/main" xmlns:pr="smNativeData" xmlns="smNativeData" val="SMDATA_16_OZjwYBMAAAAlAAAAZAAAAA0AAAAAkAAAAEgAAACQAAAASAAAAAAAAAABAAAAAAAAAAEAAABQAAAAAAAAAAAA4D8AAAAAAADgPwAAAAAAAOA/AAAAAAAA4D8AAAAAAADgPwAAAAAAAOA/AAAAAAAA4D8AAAAAAADgPwAAAAAAAOA/AAAAAAAA4D8CAAAAjAAAAAAAAAAAAAAARHLEDP///wgAAAAAAAAAAAAAAAAAAAAAAAAAAAAAAAAAAAAAZAAAAAEAAABAAAAAAAAAAAAAAAAAAAAAAAAAAAAAAAAAAAAAAAAAAAAAAAAAAAAAAAAAAAAAAAAAAAAAAAAAAAAAAAAAAAAAAAAAAAAAAAAAAAAAAAAAAAAAAAAAAAAAFAAAADwAAAAAAAAAAAAAAAAAAAkUAAAAAQAAABQAAAAUAAAAFAAAAAEAAAAAAAAAZAAAAGQAAAAAAAAAZAAAAGQAAAAVAAAAYAAAAAAAAAAAAAAADwAAACADAAAAAAAAAAAAAAEAAACgMgAAVgcAAKr4//8BAAAAf39/AAEAAABkAAAAAAAAABQAAABAHwAAAAAAACYAAAAAAAAAwOD//wAAAAAmAAAAZAAAABYAAABMAAAAAAAAAAAAAAAEAAAAAAAAAAEAAADn5uYKAAAAACgAAAAoAAAAZAAAAGQAAAAAAAAAzMzMAAAAAABQAAAAUAAAAGQAAABkAAAAAAAAABcAAAAUAAAAAAAAAAAAAAD/fwAA/38AAAAAAAAJAAAABAAAANBC/gUeAAAAaAAAAAAAAAAAAAAAAAAAAAAAAAAAAAAAECcAABAnAAAAAAAAAAAAAAAAAAAAAAAAAAAAAAAAAAAAAAAAAAAAABQAAAAAAAAAwMD/AAAAAABkAAAAMgAAAAAAAABkAAAAAAAAAH9/fwAKAAAAIgAAABgAAAAAAAAAAAAAAAAAAAAAAAAAAAAAAAAAAAAkAAAAJAAAAAAAAAAHAAAAAAAAAAAAAAAAAAAAAAAAAAAAAAAAAAAAf39/ACUAAABYAAAAAAAAAAAAAAAAAAAAAAAAAAAAAAAAAAAAAAAAAAAAAAAAAAAAAAAAAAAAAAA/AAAAAAAAAKCGAQAAAAAAAAAAAAAAAAAMAAAAAQAAAAAAAAAAAAAAAAAAAB8AAABUAAAARHLEBf///wEAAAAAAAAAAAAAAAAAAAAAAAAAAAAAAAAAAAAAAAAAAAAAAAJ/f38A5+bmA8zMzADAwP8Af39/AAAAAAAAAAAAAAAAAAAAAAAAAAAAIQAAABgAAAAUAAAA3gMAAD8CAABiNAAAZwoAABAAAAAmAAAACAAAAAAAAAAAAAAAMAAAABQAAAAAAAAAAAD//wAAAQAAAP//AAABAA=="/>
+                <pr:smNativeData xmlns="smNativeData" xmlns:pr="smNativeData" xmlns:p15="http://schemas.microsoft.com/office/powerpoint/2012/main" xmlns:p14="http://schemas.microsoft.com/office/powerpoint/2010/main" xmlns:mc="http://schemas.openxmlformats.org/markup-compatibility/2006" val="SMDATA_16_OZjwYBMAAAAlAAAAZAAAAA0AAAAAkAAAAEgAAACQAAAASAAAAAAAAAABAAAAAAAAAAEAAABQAAAAAAAAAAAA4D8AAAAAAADgPwAAAAAAAOA/AAAAAAAA4D8AAAAAAADgPwAAAAAAAOA/AAAAAAAA4D8AAAAAAADgPwAAAAAAAOA/AAAAAAAA4D8CAAAAjAAAAAAAAAAAAAAARHLEDP///wgAAAAAAAAAAAAAAAAAAAAAAAAAAAAAAAAAAAAAZAAAAAEAAABAAAAAAAAAAAAAAAAAAAAAAAAAAAAAAAAAAAAAAAAAAAAAAAAAAAAAAAAAAAAAAAAAAAAAAAAAAAAAAAAAAAAAAAAAAAAAAAAAAAAAAAAAAAAAAAAAAAAAFAAAADwAAAAAAAAAAAAAAAAAAAkUAAAAAQAAABQAAAAUAAAAFAAAAAEAAAAAAAAAZAAAAGQAAAAAAAAAZAAAAGQAAAAVAAAAYAAAAAAAAAAAAAAADwAAACADAAAAAAAAAAAAAAEAAACgMgAAVgcAAKr4//8BAAAAf39/AAEAAABkAAAAAAAAABQAAABAHwAAAAAAACYAAAAAAAAAwOD//wAAAAAmAAAAZAAAABYAAABMAAAAAAAAAAAAAAAEAAAAAAAAAAEAAADn5uYKAAAAACgAAAAoAAAAZAAAAGQAAAAAAAAAzMzMAAAAAABQAAAAUAAAAGQAAABkAAAAAAAAABcAAAAUAAAAAAAAAAAAAAD/fwAA/38AAAAAAAAJAAAABAAAAAUAAAAeAAAAaAAAAAAAAAAAAAAAAAAAAAAAAAAAAAAAECcAABAnAAAAAAAAAAAAAAAAAAAAAAAAAAAAAAAAAAAAAAAAAAAAABQAAAAAAAAAwMD/AAAAAABkAAAAMgAAAAAAAABkAAAAAAAAAH9/fwAKAAAAIgAAABgAAAAAAAAAAAAAAAAAAAAAAAAAAAAAAAAAAAAkAAAAJAAAAAAAAAAHAAAAAAAAAAAAAAAAAAAAAAAAAAAAAAAAAAAAf39/ACUAAABYAAAAAAAAAAAAAAAAAAAAAAAAAAAAAAAAAAAAAAAAAAAAAAAAAAAAAAAAAAAAAAA/AAAAAAAAAKCGAQAAAAAAAAAAAAAAAAAMAAAAAQAAAAAAAAAAAAAAAAAAAB8AAABUAAAAAAAABQAAAAEAAAAAAAAAAAAAAAAAAAAAAAAAAAAAAAAAAAAAAAAAAAAAAAJ/f38AAAAAA8zMzADAwP8Af39/AAAAAAAAAAAAAAAAAAAAAAAAAAAAIQAAABgAAAAUAAAA3gMAAD8CAABiNAAAZwoAABAAAAAmAAAACAAAAAAAAAAAAAAAMAAAABQAAAAAAAAAAAD//wAAAQAAAP//AAABAA=="/>
               </a:ext>
             </a:extLst>
           </p:cNvSpPr>
@@ -9889,7 +10101,9 @@
             <a:pPr>
               <a:defRPr lang="en-us"/>
             </a:pPr>
-            <a:endParaRPr/>
+            <a:r>
+              <a:t>Bounded rationality in game theory and action theory</a:t>
+            </a:r>
           </a:p>
         </p:txBody>
       </p:sp>
@@ -9900,7 +10114,7 @@
             <a:spLocks noGrp="1" noChangeArrowheads="1"/>
             <a:extLst>
               <a:ext uri="smNativeData">
-                <pr:smNativeData xmlns:mc="http://schemas.openxmlformats.org/markup-compatibility/2006" xmlns:p14="http://schemas.microsoft.com/office/powerpoint/2010/main" xmlns:p15="http://schemas.microsoft.com/office/powerpoint/2012/main" xmlns:pr="smNativeData" xmlns="smNativeData" val="SMDATA_16_OZjwYBMAAAAlAAAAZAAAAA0AAAAAkAAAAEgAAACQAAAASAAAAAAAAAAAAAAAAAAAAAEAAABQAAAAAAAAAAAA4D8AAAAAAADgPwAAAAAAAOA/AAAAAAAA4D8AAAAAAADgPwAAAAAAAOA/AAAAAAAA4D8AAAAAAADgPwAAAAAAAOA/AAAAAAAA4D8CAAAAjAAAAAAAAAAAAAAARHLEDP///wgAAAAAAAAAAAAAAAAAAAAAAAAAAAAAAAAAAAAAZAAAAAEAAABAAAAAAAAAAAAAAAAAAAAAAAAAAAAAAAAAAAAAAAAAAAAAAAAAAAAAAAAAAAAAAAAAAAAAAAAAAAAAAAAAAAAAAAAAAAAAAAAAAAAAAAAAAAAAAAAAAAAAFAAAADwAAAAAAAAAAAAAAAAAAAkUAAAAAQAAABQAAAAUAAAAFAAAAAEAAAAAAAAAZAAAAGQAAAAAAAAAZAAAAGQAAAAVAAAAYAAAAAAAAAAAAAAADwAAACADAAAAAAAAAAAAAAEAAACgMgAAVgcAAKr4//8BAAAAf39/AAEAAABkAAAAAAAAABQAAABAHwAAAAAAACYAAAAAAAAAwOD//wAAAAAmAAAAZAAAABYAAABMAAAAAAAAAAAAAAAEAAAAAAAAAAEAAADn5uYKAAAAACgAAAAoAAAAZAAAAGQAAAAAAAAAzMzMAAAAAABQAAAAUAAAAGQAAABkAAAAAAAAABcAAAAUAAAAAAAAAAAAAAD/fwAA/38AAAAAAAAJAAAABAAAAAAAAAAeAAAAaAAAAAAAAAAAAAAAAAAAAAAAAAAAAAAAECcAABAnAAAAAAAAAAAAAAAAAAAAAAAAAAAAAAAAAAAAAAAAAAAAABQAAAAAAAAAwMD/AAAAAABkAAAAMgAAAAAAAABkAAAAAAAAAH9/fwAKAAAAIgAAABgAAAAAAAAAAAAAAAAAAAAAAAAAAAAAAAAAAAAkAAAAJAAAAAAAAAAHAAAAAAAAAAAAAAAAAAAAAAAAAAAAAAAAAAAAf39/ACUAAABYAAAAAAAAAAAAAAAAAAAAAAAAAAAAAAAAAAAAAAAAAAAAAAAAAAAAAAAAAAAAAAA/AAAAAAAAAKCGAQAAAAAAAAAAAAAAAAAMAAAAAQAAAAAAAAAAAAAAAAAAAB8AAABUAAAARHLEBf///wEAAAAAAAAAAAAAAAAAAAAAAAAAAAAAAAAAAAAAAAAAAAAAAAJ/f38A5+bmA8zMzADAwP8Af39/AAAAAAAAAAAAAAAAAAAAAAAAAAAAIQAAABgAAAAUAAAA3gMAADsLAABiNAAAACYAABAAAAAmAAAACAAAAAAgAAAAAAAAMAAAABQAAAAAAAAAAAD//wAAAQAAAP//AAABAA=="/>
+                <pr:smNativeData xmlns="smNativeData" xmlns:pr="smNativeData" xmlns:p15="http://schemas.microsoft.com/office/powerpoint/2012/main" xmlns:p14="http://schemas.microsoft.com/office/powerpoint/2010/main" xmlns:mc="http://schemas.openxmlformats.org/markup-compatibility/2006" val="SMDATA_16_OZjwYBMAAAAlAAAAZAAAAA0AAAAAkAAAAEgAAACQAAAASAAAAAAAAAAAAAAAAAAAAAEAAABQAAAAAAAAAAAA4D8AAAAAAADgPwAAAAAAAOA/AAAAAAAA4D8AAAAAAADgPwAAAAAAAOA/AAAAAAAA4D8AAAAAAADgPwAAAAAAAOA/AAAAAAAA4D8CAAAAjAAAAAAAAAAAAAAARHLEDP///wgAAAAAAAAAAAAAAAAAAAAAAAAAAAAAAAAAAAAAZAAAAAEAAABAAAAAAAAAAAAAAAAAAAAAAAAAAAAAAAAAAAAAAAAAAAAAAAAAAAAAAAAAAAAAAAAAAAAAAAAAAAAAAAAAAAAAAAAAAAAAAAAAAAAAAAAAAAAAAAAAAAAAFAAAADwAAAAAAAAAAAAAAAAAAAkUAAAAAQAAABQAAAAUAAAAFAAAAAEAAAAAAAAAZAAAAGQAAAAAAAAAZAAAAGQAAAAVAAAAYAAAAAAAAAAAAAAADwAAACADAAAAAAAAAAAAAAEAAACgMgAAVgcAAKr4//8BAAAAf39/AAEAAABkAAAAAAAAABQAAABAHwAAAAAAACYAAAAAAAAAwOD//wAAAAAmAAAAZAAAABYAAABMAAAAAAAAAAAAAAAEAAAAAAAAAAEAAADn5uYKAAAAACgAAAAoAAAAZAAAAGQAAAAAAAAAzMzMAAAAAABQAAAAUAAAAGQAAABkAAAAAAAAABcAAAAUAAAAAAAAAAAAAAD/fwAA/38AAAAAAAAJAAAABAAAAAAAAAAeAAAAaAAAAAAAAAAAAAAAAAAAAAAAAAAAAAAAECcAABAnAAAAAAAAAAAAAAAAAAAAAAAAAAAAAAAAAAAAAAAAAAAAABQAAAAAAAAAwMD/AAAAAABkAAAAMgAAAAAAAABkAAAAAAAAAH9/fwAKAAAAIgAAABgAAAAAAAAAAAAAAAAAAAAAAAAAAAAAAAAAAAAkAAAAJAAAAAAAAAAHAAAAAAAAAAAAAAAAAAAAAAAAAAAAAAAAAAAAf39/ACUAAABYAAAAAAAAAAAAAAAAAAAAAAAAAAAAAAAAAAAAAAAAAAAAAAAAAAAAAAAAAAAAAAA/AAAAAAAAAKCGAQAAAAAAAAAAAAAAAAAMAAAAAQAAAAAAAAAAAAAAAAAAAB8AAABUAAAAAAAABQAAAAEAAAAAAAAAAAAAAAAAAAAAAAAAAAAAAAAAAAAAAAAAAAAAAAJ/f38AAAAAA8zMzADAwP8Af39/AAAAAAAAAAAAAAAAAAAAAAAAAAAAIQAAABgAAAAUAAAA3gMAADsLAABiNAAAACYAABAAAAAmAAAACAAAAAAgAAAAAAAAMAAAABQAAAAAAAAAAAD//wAAAQAAAP//AAABAA=="/>
               </a:ext>
             </a:extLst>
           </p:cNvSpPr>
@@ -9917,16 +10131,32 @@
           </a:bodyPr>
           <a:lstStyle/>
           <a:p>
+            <a:pPr>
+              <a:lnSpc>
+                <a:spcPct val="70000"/>
+              </a:lnSpc>
+              <a:spcBef>
+                <a:spcPts val="700"/>
+              </a:spcBef>
+              <a:defRPr lang="en-us" sz="1960"/>
+            </a:pPr>
+            <a:r>
+              <a:t>Treating boundedness in game theory</a:t>
+            </a:r>
+          </a:p>
+          <a:p>
             <a:pPr lvl="1">
               <a:lnSpc>
                 <a:spcPct val="70000"/>
               </a:lnSpc>
               <a:spcBef>
-                <a:spcPts val="275"/>
+                <a:spcPts val="350"/>
               </a:spcBef>
-              <a:defRPr lang="en-us" sz="1320"/>
-            </a:pPr>
-            <a:endParaRPr/>
+              <a:defRPr lang="en-us" sz="1680"/>
+            </a:pPr>
+            <a:r>
+              <a:t>Parsimonious ontology</a:t>
+            </a:r>
           </a:p>
           <a:p>
             <a:pPr lvl="1">
@@ -9934,12 +10164,26 @@
                 <a:spcPct val="70000"/>
               </a:lnSpc>
               <a:spcBef>
-                <a:spcPts val="275"/>
+                <a:spcPts val="350"/>
               </a:spcBef>
-              <a:defRPr lang="en-us" sz="1320"/>
-            </a:pPr>
-            <a:r>
-              <a:t>Develop a model of individual intentionality that does something that can’t be done with just a BD model</a:t>
+              <a:defRPr lang="en-us" sz="1680"/>
+            </a:pPr>
+            <a:r>
+              <a:t>Incorporate boundedness into rational action</a:t>
+            </a:r>
+          </a:p>
+          <a:p>
+            <a:pPr>
+              <a:lnSpc>
+                <a:spcPct val="70000"/>
+              </a:lnSpc>
+              <a:spcBef>
+                <a:spcPts val="700"/>
+              </a:spcBef>
+              <a:defRPr lang="en-us" sz="1960"/>
+            </a:pPr>
+            <a:r>
+              <a:t>Treating boundedness in action theory</a:t>
             </a:r>
           </a:p>
           <a:p>
@@ -9948,12 +10192,12 @@
                 <a:spcPct val="70000"/>
               </a:lnSpc>
               <a:spcBef>
-                <a:spcPts val="275"/>
+                <a:spcPts val="350"/>
               </a:spcBef>
-              <a:defRPr lang="en-us" sz="1320"/>
-            </a:pPr>
-            <a:r>
-              <a:t>As conservative as possible with regard to standard game theory</a:t>
+              <a:defRPr lang="en-us" sz="1680"/>
+            </a:pPr>
+            <a:r>
+              <a:t>Cognitive mechanisms for addressing bounded agents</a:t>
             </a:r>
           </a:p>
           <a:p>
@@ -9962,11 +10206,41 @@
                 <a:spcPct val="70000"/>
               </a:lnSpc>
               <a:spcBef>
-                <a:spcPts val="275"/>
+                <a:spcPts val="350"/>
               </a:spcBef>
-              <a:defRPr lang="en-us" sz="1320"/>
-            </a:pPr>
-            <a:endParaRPr/>
+              <a:defRPr lang="en-us" sz="1680"/>
+            </a:pPr>
+            <a:r>
+              <a:t>Roles of intention (Bratman 1987)</a:t>
+            </a:r>
+          </a:p>
+          <a:p>
+            <a:pPr>
+              <a:lnSpc>
+                <a:spcPct val="70000"/>
+              </a:lnSpc>
+              <a:spcBef>
+                <a:spcPts val="700"/>
+              </a:spcBef>
+              <a:defRPr lang="en-us" sz="1960"/>
+            </a:pPr>
+            <a:r>
+              <a:t>Different approaches, virtues to each</a:t>
+            </a:r>
+          </a:p>
+          <a:p>
+            <a:pPr>
+              <a:lnSpc>
+                <a:spcPct val="70000"/>
+              </a:lnSpc>
+              <a:spcBef>
+                <a:spcPts val="700"/>
+              </a:spcBef>
+              <a:defRPr lang="en-us" sz="1960"/>
+            </a:pPr>
+            <a:r>
+              <a:t>Formal applications of action theory:</a:t>
+            </a:r>
           </a:p>
           <a:p>
             <a:pPr lvl="1">
@@ -9974,26 +10248,12 @@
                 <a:spcPct val="70000"/>
               </a:lnSpc>
               <a:spcBef>
-                <a:spcPts val="275"/>
+                <a:spcPts val="350"/>
               </a:spcBef>
-              <a:defRPr lang="en-us" sz="1320"/>
-            </a:pPr>
-            <a:r>
-              <a:t>Game theory has gone on for 70 years without it, and thinking they don’t need it</a:t>
-            </a:r>
-          </a:p>
-          <a:p>
-            <a:pPr>
-              <a:lnSpc>
-                <a:spcPct val="70000"/>
-              </a:lnSpc>
-              <a:spcBef>
-                <a:spcPts val="550"/>
-              </a:spcBef>
-              <a:defRPr lang="en-us" sz="1540"/>
-            </a:pPr>
-            <a:r>
-              <a:t>Organizational behavior and powers deriving from the parts</a:t>
+              <a:defRPr lang="en-us" sz="1680"/>
+            </a:pPr>
+            <a:r>
+              <a:t>BDI logics, multi-agent systems</a:t>
             </a:r>
           </a:p>
           <a:p>
@@ -10002,12 +10262,54 @@
                 <a:spcPct val="70000"/>
               </a:lnSpc>
               <a:spcBef>
-                <a:spcPts val="275"/>
+                <a:spcPts val="350"/>
               </a:spcBef>
-              <a:defRPr lang="en-us" sz="1320"/>
-            </a:pPr>
-            <a:r>
-              <a:t>Yield organizational level powers</a:t>
+              <a:defRPr lang="en-us" sz="1680"/>
+            </a:pPr>
+            <a:r>
+              <a:t>Limitations:</a:t>
+            </a:r>
+          </a:p>
+          <a:p>
+            <a:pPr lvl="2">
+              <a:lnSpc>
+                <a:spcPct val="70000"/>
+              </a:lnSpc>
+              <a:spcBef>
+                <a:spcPts val="350"/>
+              </a:spcBef>
+              <a:defRPr lang="en-us" sz="1400"/>
+            </a:pPr>
+            <a:r>
+              <a:t>Limited explanatory power for treatment of bounds</a:t>
+            </a:r>
+          </a:p>
+          <a:p>
+            <a:pPr lvl="2">
+              <a:lnSpc>
+                <a:spcPct val="70000"/>
+              </a:lnSpc>
+              <a:spcBef>
+                <a:spcPts val="350"/>
+              </a:spcBef>
+              <a:defRPr lang="en-us" sz="1400"/>
+            </a:pPr>
+            <a:r>
+              <a:t>Not clear how to apply to organizations</a:t>
+            </a:r>
+          </a:p>
+          <a:p>
+            <a:pPr>
+              <a:lnSpc>
+                <a:spcPct val="70000"/>
+              </a:lnSpc>
+              <a:spcBef>
+                <a:spcPts val="700"/>
+              </a:spcBef>
+              <a:defRPr lang="en-us" sz="1960"/>
+            </a:pPr>
+            <a:r>
+              <a:t>Game theory:</a:t>
             </a:r>
           </a:p>
           <a:p>
@@ -10016,11 +10318,13 @@
                 <a:spcPct val="70000"/>
               </a:lnSpc>
               <a:spcBef>
-                <a:spcPts val="275"/>
+                <a:spcPts val="350"/>
               </a:spcBef>
-              <a:defRPr lang="en-us" sz="1320"/>
-            </a:pPr>
-            <a:endParaRPr/>
+              <a:defRPr lang="en-us" sz="1680"/>
+            </a:pPr>
+            <a:r>
+              <a:t>Ad hoc treatments of boundedness</a:t>
+            </a:r>
           </a:p>
           <a:p>
             <a:pPr lvl="1">
@@ -10028,149 +10332,13 @@
                 <a:spcPct val="70000"/>
               </a:lnSpc>
               <a:spcBef>
-                <a:spcPts val="275"/>
+                <a:spcPts val="350"/>
               </a:spcBef>
-              <a:defRPr lang="en-us" sz="1320"/>
-            </a:pPr>
-            <a:r>
-              <a:t>Forward-looking agents acting interactively with one another</a:t>
-            </a:r>
-          </a:p>
-          <a:p>
-            <a:pPr>
-              <a:lnSpc>
-                <a:spcPct val="70000"/>
-              </a:lnSpc>
-              <a:spcBef>
-                <a:spcPts val="550"/>
-              </a:spcBef>
-              <a:defRPr lang="en-us" sz="1540"/>
-            </a:pPr>
-            <a:r>
-              <a:t>General methodology for arbitrarily sized groups of agents interacting in general settings</a:t>
-            </a:r>
-          </a:p>
-          <a:p>
-            <a:pPr lvl="1">
-              <a:lnSpc>
-                <a:spcPct val="70000"/>
-              </a:lnSpc>
-              <a:spcBef>
-                <a:spcPts val="275"/>
-              </a:spcBef>
-              <a:defRPr lang="en-us" sz="1320"/>
-            </a:pPr>
-            <a:r>
-              <a:t>Stock market bubbles: global markets with lots of information</a:t>
-            </a:r>
-          </a:p>
-          <a:p>
-            <a:pPr lvl="1">
-              <a:lnSpc>
-                <a:spcPct val="70000"/>
-              </a:lnSpc>
-              <a:spcBef>
-                <a:spcPts val="275"/>
-              </a:spcBef>
-              <a:defRPr lang="en-us" sz="1320"/>
-            </a:pPr>
-            <a:r>
-              <a:t>Firms and organizations; how organizational cultures figure</a:t>
-            </a:r>
-          </a:p>
-          <a:p>
-            <a:pPr lvl="1">
-              <a:lnSpc>
-                <a:spcPct val="70000"/>
-              </a:lnSpc>
-              <a:spcBef>
-                <a:spcPts val="275"/>
-              </a:spcBef>
-              <a:defRPr lang="en-us" sz="1320"/>
-            </a:pPr>
-            <a:r>
-              <a:t>Common knowledge, attitudes about attitudes, belief hierarchies</a:t>
-            </a:r>
-          </a:p>
-          <a:p>
-            <a:pPr>
-              <a:lnSpc>
-                <a:spcPct val="70000"/>
-              </a:lnSpc>
-              <a:spcBef>
-                <a:spcPts val="550"/>
-              </a:spcBef>
-              <a:defRPr lang="en-us" sz="1540"/>
-            </a:pPr>
-            <a:r>
-              <a:t>Challenge to philosophy:</a:t>
-            </a:r>
-          </a:p>
-          <a:p>
-            <a:pPr lvl="1">
-              <a:lnSpc>
-                <a:spcPct val="70000"/>
-              </a:lnSpc>
-              <a:spcBef>
-                <a:spcPts val="275"/>
-              </a:spcBef>
-              <a:defRPr lang="en-us" sz="1320"/>
-            </a:pPr>
-            <a:r>
-              <a:t>Social scientists seem to be doing fine on a belief-desire model</a:t>
-            </a:r>
-          </a:p>
-          <a:p>
-            <a:pPr lvl="1">
-              <a:lnSpc>
-                <a:spcPct val="70000"/>
-              </a:lnSpc>
-              <a:spcBef>
-                <a:spcPts val="275"/>
-              </a:spcBef>
-              <a:defRPr lang="en-us" sz="1320"/>
-            </a:pPr>
-            <a:r>
-              <a:t>For formal approaches to the explanation of human behavior, game theory is the go-to thing</a:t>
-            </a:r>
-          </a:p>
-          <a:p>
-            <a:pPr lvl="1">
-              <a:lnSpc>
-                <a:spcPct val="70000"/>
-              </a:lnSpc>
-              <a:spcBef>
-                <a:spcPts val="275"/>
-              </a:spcBef>
-              <a:defRPr lang="en-us" sz="1320"/>
-            </a:pPr>
-            <a:r>
-              <a:t>To argue that a cognitive story (e.g., involving intention) makes a difference, key to show that models neglecting it aren’t sufficient in a behaviorally significant way</a:t>
-            </a:r>
-          </a:p>
-          <a:p>
-            <a:pPr>
-              <a:lnSpc>
-                <a:spcPct val="70000"/>
-              </a:lnSpc>
-              <a:spcBef>
-                <a:spcPts val="550"/>
-              </a:spcBef>
-              <a:defRPr lang="en-us" sz="1540"/>
-            </a:pPr>
-            <a:endParaRPr/>
-          </a:p>
-          <a:p>
-            <a:pPr>
-              <a:lnSpc>
-                <a:spcPct val="70000"/>
-              </a:lnSpc>
-              <a:spcBef>
-                <a:spcPts val="550"/>
-              </a:spcBef>
-              <a:defRPr lang="en-us" sz="1540"/>
-            </a:pPr>
-            <a:endParaRPr/>
+              <a:defRPr lang="en-us" sz="1680"/>
+            </a:pPr>
+            <a:r>
+              <a:t>Insufficient</a:t>
+            </a:r>
           </a:p>
         </p:txBody>
       </p:sp>
@@ -10206,7 +10374,7 @@
             <a:spLocks noGrp="1" noChangeArrowheads="1"/>
             <a:extLst>
               <a:ext uri="smNativeData">
-                <pr:smNativeData xmlns:mc="http://schemas.openxmlformats.org/markup-compatibility/2006" xmlns:p14="http://schemas.microsoft.com/office/powerpoint/2010/main" xmlns:p15="http://schemas.microsoft.com/office/powerpoint/2012/main" xmlns:pr="smNativeData" xmlns="smNativeData" val="SMDATA_16_OZjwYBMAAAAlAAAAZAAAAA0AAAAAkAAAAEgAAACQAAAASAAAAAAAAAABAAAAAAAAAAEAAABQAAAAAAAAAAAA4D8AAAAAAADgPwAAAAAAAOA/AAAAAAAA4D8AAAAAAADgPwAAAAAAAOA/AAAAAAAA4D8AAAAAAADgPwAAAAAAAOA/AAAAAAAA4D8CAAAAjAAAAAAAAAAAAAAARHLEDP///wgAAAAAAAAAAAAAAAAAAAAAAAAAAAAAAAAAAAAAZAAAAAEAAABAAAAAAAAAAAAAAAAAAAAAAAAAAAAAAAAAAAAAAAAAAAAAAAAAAAAAAAAAAAAAAAAAAAAAAAAAAAAAAAAAAAAAAAAAAAAAAAAAAAAAAAAAAAAAAAAAAAAAFAAAADwAAAAAAAAAAAAAAAAAAAkUAAAAAQAAABQAAAAUAAAAFAAAAAEAAAAAAAAAZAAAAGQAAAAAAAAAZAAAAGQAAAAVAAAAYAAAAAAAAAAAAAAADwAAACADAAAAAAAAAAAAAAEAAACgMgAAVgcAAKr4//8BAAAAf39/AAEAAABkAAAAAAAAABQAAABAHwAAAAAAACYAAAAAAAAAwOD//wAAAAAmAAAAZAAAABYAAABMAAAAAAAAAAAAAAAEAAAAAAAAAAEAAADn5uYKAAAAACgAAAAoAAAAZAAAAGQAAAAAAAAAzMzMAAAAAABQAAAAUAAAAGQAAABkAAAAAAAAABcAAAAUAAAAAAAAAAAAAAD/fwAA/38AAAAAAAAJAAAABAAAAAUAAAAeAAAAaAAAAAAAAAAAAAAAAAAAAAAAAAAAAAAAECcAABAnAAAAAAAAAAAAAAAAAAAAAAAAAAAAAAAAAAAAAAAAAAAAABQAAAAAAAAAwMD/AAAAAABkAAAAMgAAAAAAAABkAAAAAAAAAH9/fwAKAAAAIgAAABgAAAAAAAAAAAAAAAAAAAAAAAAAAAAAAAAAAAAkAAAAJAAAAAAAAAAHAAAAAAAAAAAAAAAAAAAAAAAAAAAAAAAAAAAAf39/ACUAAABYAAAAAAAAAAAAAAAAAAAAAAAAAAAAAAAAAAAAAAAAAAAAAAAAAAAAAAAAAAAAAAA/AAAAAAAAAKCGAQAAAAAAAAAAAAAAAAAMAAAAAQAAAAAAAAAAAAAAAAAAAB8AAABUAAAAAAAABQAAAAEAAAAAAAAAAAAAAAAAAAAAAAAAAAAAAAAAAAAAAAAAAAAAAAJ/f38AAAAAA8zMzADAwP8Af39/AAAAAAAAAAAAAAAAAAAAAAAAAAAAIQAAABgAAAAUAAAA3gMAAD8CAABiNAAAZwoAABAAAAAmAAAACAAAAAAAAAAAAAAAMAAAABQAAAAAAAAAAAD//wAAAQAAAP//AAABAA=="/>
+                <pr:smNativeData xmlns="smNativeData" xmlns:pr="smNativeData" xmlns:p15="http://schemas.microsoft.com/office/powerpoint/2012/main" xmlns:p14="http://schemas.microsoft.com/office/powerpoint/2010/main" xmlns:mc="http://schemas.openxmlformats.org/markup-compatibility/2006" val="SMDATA_16_OZjwYBMAAAAlAAAAZAAAAA0AAAAAkAAAAEgAAACQAAAASAAAAAAAAAABAAAAAAAAAAEAAABQAAAAAAAAAAAA4D8AAAAAAADgPwAAAAAAAOA/AAAAAAAA4D8AAAAAAADgPwAAAAAAAOA/AAAAAAAA4D8AAAAAAADgPwAAAAAAAOA/AAAAAAAA4D8CAAAAjAAAAAAAAAAAAAAARHLEDP///wgAAAAAAAAAAAAAAAAAAAAAAAAAAAAAAAAAAAAAZAAAAAEAAABAAAAAAAAAAAAAAAAAAAAAAAAAAAAAAAAAAAAAAAAAAAAAAAAAAAAAAAAAAAAAAAAAAAAAAAAAAAAAAAAAAAAAAAAAAAAAAAAAAAAAAAAAAAAAAAAAAAAAFAAAADwAAAAAAAAAAAAAAAAAAAkUAAAAAQAAABQAAAAUAAAAFAAAAAEAAAAAAAAAZAAAAGQAAAAAAAAAZAAAAGQAAAAVAAAAYAAAAAAAAAAAAAAADwAAACADAAAAAAAAAAAAAAEAAACgMgAAVgcAAKr4//8BAAAAf39/AAEAAABkAAAAAAAAABQAAABAHwAAAAAAACYAAAAAAAAAwOD//wAAAAAmAAAAZAAAABYAAABMAAAAAAAAAAAAAAAEAAAAAAAAAAEAAADn5uYKAAAAACgAAAAoAAAAZAAAAGQAAAAAAAAAzMzMAAAAAABQAAAAUAAAAGQAAABkAAAAAAAAABcAAAAUAAAAAAAAAAAAAAD/fwAA/38AAAAAAAAJAAAABAAAAAAAAAAeAAAAaAAAAAAAAAAAAAAAAAAAAAAAAAAAAAAAECcAABAnAAAAAAAAAAAAAAAAAAAAAAAAAAAAAAAAAAAAAAAAAAAAABQAAAAAAAAAwMD/AAAAAABkAAAAMgAAAAAAAABkAAAAAAAAAH9/fwAKAAAAIgAAABgAAAAAAAAAAAAAAAAAAAAAAAAAAAAAAAAAAAAkAAAAJAAAAAAAAAAHAAAAAAAAAAAAAAAAAAAAAAAAAAAAAAAAAAAAf39/ACUAAABYAAAAAAAAAAAAAAAAAAAAAAAAAAAAAAAAAAAAAAAAAAAAAAAAAAAAAAAAAAAAAAA/AAAAAAAAAKCGAQAAAAAAAAAAAAAAAAAMAAAAAQAAAAAAAAAAAAAAAAAAAB8AAABUAAAAAAAABQAAAAEAAAAAAAAAAAAAAAAAAAAAAAAAAAAAAAAAAAAAAAAAAAAAAAJ/f38AAAAAA8zMzADAwP8Af39/AAAAAAAAAAAAAAAAAAAAAAAAAAAAIQAAABgAAAAUAAAA3gMAAD8CAABiNAAAZwoAABAAAAAmAAAACAAAAAAAAAAAAAAAMAAAABQAAAAAAAAAAAD//wAAAQAAAP//AAABAA=="/>
               </a:ext>
             </a:extLst>
           </p:cNvSpPr>
@@ -10223,7 +10391,7 @@
               <a:defRPr lang="en-us"/>
             </a:pPr>
             <a:r>
-              <a:t>Three areas of inquiry</a:t>
+              <a:t>Bratman on roles of intention in planning agency</a:t>
             </a:r>
           </a:p>
         </p:txBody>
@@ -10235,7 +10403,7 @@
             <a:spLocks noGrp="1" noChangeArrowheads="1"/>
             <a:extLst>
               <a:ext uri="smNativeData">
-                <pr:smNativeData xmlns:mc="http://schemas.openxmlformats.org/markup-compatibility/2006" xmlns:p14="http://schemas.microsoft.com/office/powerpoint/2010/main" xmlns:p15="http://schemas.microsoft.com/office/powerpoint/2012/main" xmlns:pr="smNativeData" xmlns="smNativeData" val="SMDATA_16_OZjwYBMAAAAlAAAAZAAAAA0AAAAAkAAAAEgAAACQAAAASAAAAAAAAAAAAAAAAAAAAAEAAABQAAAAAAAAAAAA4D8AAAAAAADgPwAAAAAAAOA/AAAAAAAA4D8AAAAAAADgPwAAAAAAAOA/AAAAAAAA4D8AAAAAAADgPwAAAAAAAOA/AAAAAAAA4D8CAAAAjAAAAAAAAAAAAAAARHLEDP///wgAAAAAAAAAAAAAAAAAAAAAAAAAAAAAAAAAAAAAZAAAAAEAAABAAAAAAAAAAAAAAAAAAAAAAAAAAAAAAAAAAAAAAAAAAAAAAAAAAAAAAAAAAAAAAAAAAAAAAAAAAAAAAAAAAAAAAAAAAAAAAAAAAAAAAAAAAAAAAAAAAAAAFAAAADwAAAAAAAAAAAAAAAAAAAkUAAAAAQAAABQAAAAUAAAAFAAAAAEAAAAAAAAAZAAAAGQAAAAAAAAAZAAAAGQAAAAVAAAAYAAAAAAAAAAAAAAADwAAACADAAAAAAAAAAAAAAEAAACgMgAAVgcAAKr4//8BAAAAf39/AAEAAABkAAAAAAAAABQAAABAHwAAAAAAACYAAAAAAAAAwOD//wAAAAAmAAAAZAAAABYAAABMAAAAAAAAAAAAAAAEAAAAAAAAAAEAAADn5uYKAAAAACgAAAAoAAAAZAAAAGQAAAAAAAAAzMzMAAAAAABQAAAAUAAAAGQAAABkAAAAAAAAABcAAAAUAAAAAAAAAAAAAAD/fwAA/38AAAAAAAAJAAAABAAAAAAAAAAeAAAAaAAAAAAAAAAAAAAAAAAAAAAAAAAAAAAAECcAABAnAAAAAAAAAAAAAAAAAAAAAAAAAAAAAAAAAAAAAAAAAAAAABQAAAAAAAAAwMD/AAAAAABkAAAAMgAAAAAAAABkAAAAAAAAAH9/fwAKAAAAIgAAABgAAAAAAAAAAAAAAAAAAAAAAAAAAAAAAAAAAAAkAAAAJAAAAAAAAAAHAAAAAAAAAAAAAAAAAAAAAAAAAAAAAAAAAAAAf39/ACUAAABYAAAAAAAAAAAAAAAAAAAAAAAAAAAAAAAAAAAAAAAAAAAAAAAAAAAAAAAAAAAAAAA/AAAAAAAAAKCGAQAAAAAAAAAAAAAAAAAMAAAAAQAAAAAAAAAAAAAAAAAAAB8AAABUAAAAAAAABQAAAAEAAAAAAAAAAAAAAAAAAAAAAAAAAAAAAAAAAAAAAAAAAAAAAAJ/f38AAAAAA8zMzADAwP8Af39/AAAAAAAAAAAAAAAAAAAAAAAAAAAAIQAAABgAAAAUAAAA3gMAADsLAABiNAAAACYAABAAAAAmAAAACAAAAAAgAAAAAAAAMAAAABQAAAAAAAAAAAD//wAAAQAAAP//AAABAA=="/>
+                <pr:smNativeData xmlns="smNativeData" xmlns:pr="smNativeData" xmlns:p15="http://schemas.microsoft.com/office/powerpoint/2012/main" xmlns:p14="http://schemas.microsoft.com/office/powerpoint/2010/main" xmlns:mc="http://schemas.openxmlformats.org/markup-compatibility/2006" val="SMDATA_16_OZjwYBMAAAAlAAAAZAAAAA0AAAAAkAAAAEgAAACQAAAASAAAAAAAAAAAAAAAAAAAAAEAAABQAAAAAAAAAAAA4D8AAAAAAADgPwAAAAAAAOA/AAAAAAAA4D8AAAAAAADgPwAAAAAAAOA/AAAAAAAA4D8AAAAAAADgPwAAAAAAAOA/AAAAAAAA4D8CAAAAjAAAAAAAAAAAAAAARHLEDP///wgAAAAAAAAAAAAAAAAAAAAAAAAAAAAAAAAAAAAAZAAAAAEAAABAAAAAAAAAAAAAAAAAAAAAAAAAAAAAAAAAAAAAAAAAAAAAAAAAAAAAAAAAAAAAAAAAAAAAAAAAAAAAAAAAAAAAAAAAAAAAAAAAAAAAAAAAAAAAAAAAAAAAFAAAADwAAAAAAAAAAAAAAAAAAAkUAAAAAQAAABQAAAAUAAAAFAAAAAEAAAAAAAAAZAAAAGQAAAAAAAAAZAAAAGQAAAAVAAAAYAAAAAAAAAAAAAAADwAAACADAAAAAAAAAAAAAAEAAACgMgAAVgcAAKr4//8BAAAAf39/AAEAAABkAAAAAAAAABQAAABAHwAAAAAAACYAAAAAAAAAwOD//wAAAAAmAAAAZAAAABYAAABMAAAAAAAAAAAAAAAEAAAAAAAAAAEAAADn5uYKAAAAACgAAAAoAAAAZAAAAGQAAAAAAAAAzMzMAAAAAABQAAAAUAAAAGQAAABkAAAAAAAAABcAAAAUAAAAAAAAAAAAAAD/fwAA/38AAAAAAAAJAAAABAAAAAAAAAAeAAAAaAAAAAAAAAAAAAAAAAAAAAAAAAAAAAAAECcAABAnAAAAAAAAAAAAAAAAAAAAAAAAAAAAAAAAAAAAAAAAAAAAABQAAAAAAAAAwMD/AAAAAABkAAAAMgAAAAAAAABkAAAAAAAAAH9/fwAKAAAAIgAAABgAAAAAAAAAAAAAAAAAAAAAAAAAAAAAAAAAAAAkAAAAJAAAAAAAAAAHAAAAAAAAAAAAAAAAAAAAAAAAAAAAAAAAAAAAf39/ACUAAABYAAAAAAAAAAAAAAAAAAAAAAAAAAAAAAAAAAAAAAAAAAAAAAAAAAAAAAAAAAAAAAA/AAAAAAAAAKCGAQAAAAAAAAAAAAAAAAAMAAAAAQAAAAAAAAAAAAAAAAAAAB8AAABUAAAAAAAABQAAAAEAAAAAAAAAAAAAAAAAAAAAAAAAAAAAAAAAAAAAAAAAAAAAAAJ/f38AAAAAA8zMzADAwP8Af39/AAAAAAAAAAAAAAAAAAAAAAAAAAAAIQAAABgAAAAUAAAA3gMAADsLAABiNAAAACYAABAAAAAmAAAACAAAAAAAAAAAAAAAMAAAABQAAAAAAAAAAAD//wAAAQAAAP//AAABAA=="/>
               </a:ext>
             </a:extLst>
           </p:cNvSpPr>
@@ -10245,51 +10413,13 @@
         </p:nvSpPr>
         <p:spPr/>
         <p:txBody>
-          <a:bodyPr vert="horz" wrap="square" lIns="91440" tIns="45720" rIns="91440" bIns="45720" numCol="1" spcCol="215900" anchor="t">
-            <a:prstTxWarp prst="textNoShape">
-              <a:avLst/>
-            </a:prstTxWarp>
-          </a:bodyPr>
+          <a:bodyPr/>
           <a:lstStyle/>
           <a:p>
             <a:pPr>
               <a:defRPr lang="en-us"/>
             </a:pPr>
-            <a:r>
-              <a:t>Cognitive role of intention (and its accompanying commitment)</a:t>
-            </a:r>
-          </a:p>
-          <a:p>
-            <a:pPr lvl="1">
-              <a:defRPr lang="en-us"/>
-            </a:pPr>
-            <a:r>
-              <a:t>In particular, solving problems for the successful functioning of bounded agents (Bratman 1987)</a:t>
-            </a:r>
-          </a:p>
-          <a:p>
-            <a:pPr>
-              <a:defRPr lang="en-us"/>
-            </a:pPr>
-            <a:r>
-              <a:t>Organizations as agents; organizational commitment</a:t>
-            </a:r>
-          </a:p>
-          <a:p>
-            <a:pPr>
-              <a:defRPr lang="en-us"/>
-            </a:pPr>
-            <a:r>
-              <a:t>Modeling of forward-looking rational agents</a:t>
-            </a:r>
-          </a:p>
-          <a:p>
-            <a:pPr lvl="1">
-              <a:defRPr lang="en-us"/>
-            </a:pPr>
-            <a:r>
-              <a:t>Unexplored opportunity in applying game theory</a:t>
-            </a:r>
+            <a:endParaRPr/>
           </a:p>
         </p:txBody>
       </p:sp>
@@ -10325,7 +10455,7 @@
             <a:spLocks noGrp="1" noChangeArrowheads="1"/>
             <a:extLst>
               <a:ext uri="smNativeData">
-                <pr:smNativeData xmlns:mc="http://schemas.openxmlformats.org/markup-compatibility/2006" xmlns:p14="http://schemas.microsoft.com/office/powerpoint/2010/main" xmlns:p15="http://schemas.microsoft.com/office/powerpoint/2012/main" xmlns:pr="smNativeData" xmlns="smNativeData" val="SMDATA_16_OZjwYBMAAAAlAAAAZAAAAA0AAAAAkAAAAEgAAACQAAAASAAAAAAAAAABAAAAAAAAAAEAAABQAAAAAAAAAAAA4D8AAAAAAADgPwAAAAAAAOA/AAAAAAAA4D8AAAAAAADgPwAAAAAAAOA/AAAAAAAA4D8AAAAAAADgPwAAAAAAAOA/AAAAAAAA4D8CAAAAjAAAAAAAAAAAAAAARHLEDP///wgAAAAAAAAAAAAAAAAAAAAAAAAAAAAAAAAAAAAAZAAAAAEAAABAAAAAAAAAAAAAAAAAAAAAAAAAAAAAAAAAAAAAAAAAAAAAAAAAAAAAAAAAAAAAAAAAAAAAAAAAAAAAAAAAAAAAAAAAAAAAAAAAAAAAAAAAAAAAAAAAAAAAFAAAADwAAAAAAAAAAAAAAAAAAAkUAAAAAQAAABQAAAAUAAAAFAAAAAEAAAAAAAAAZAAAAGQAAAAAAAAAZAAAAGQAAAAVAAAAYAAAAAAAAAAAAAAADwAAACADAAAAAAAAAAAAAAEAAACgMgAAVgcAAKr4//8BAAAAf39/AAEAAABkAAAAAAAAABQAAABAHwAAAAAAACYAAAAAAAAAwOD//wAAAAAmAAAAZAAAABYAAABMAAAAAAAAAAAAAAAEAAAAAAAAAAEAAADn5uYKAAAAACgAAAAoAAAAZAAAAGQAAAAAAAAAzMzMAAAAAABQAAAAUAAAAGQAAABkAAAAAAAAABcAAAAUAAAAAAAAAAAAAAD/fwAA/38AAAAAAAAJAAAABAAAAAUAAAAeAAAAaAAAAAAAAAAAAAAAAAAAAAAAAAAAAAAAECcAABAnAAAAAAAAAAAAAAAAAAAAAAAAAAAAAAAAAAAAAAAAAAAAABQAAAAAAAAAwMD/AAAAAABkAAAAMgAAAAAAAABkAAAAAAAAAH9/fwAKAAAAIgAAABgAAAAAAAAAAAAAAAAAAAAAAAAAAAAAAAAAAAAkAAAAJAAAAAAAAAAHAAAAAAAAAAAAAAAAAAAAAAAAAAAAAAAAAAAAf39/ACUAAABYAAAAAAAAAAAAAAAAAAAAAAAAAAAAAAAAAAAAAAAAAAAAAAAAAAAAAAAAAAAAAAA/AAAAAAAAAKCGAQAAAAAAAAAAAAAAAAAMAAAAAQAAAAAAAAAAAAAAAAAAAB8AAABUAAAAAAAABQAAAAEAAAAAAAAAAAAAAAAAAAAAAAAAAAAAAAAAAAAAAAAAAAAAAAJ/f38AAAAAA8zMzADAwP8Af39/AAAAAAAAAAAAAAAAAAAAAAAAAAAAIQAAABgAAAAUAAAA3gMAAD8CAABiNAAAZwoAABAAAAAmAAAACAAAAAAAAAAAAAAAMAAAABQAAAAAAAAAAAD//wAAAQAAAP//AAABAA=="/>
+                <pr:smNativeData xmlns="smNativeData" xmlns:pr="smNativeData" xmlns:p15="http://schemas.microsoft.com/office/powerpoint/2012/main" xmlns:p14="http://schemas.microsoft.com/office/powerpoint/2010/main" xmlns:mc="http://schemas.openxmlformats.org/markup-compatibility/2006" val="SMDATA_16_OZjwYBMAAAAlAAAAZAAAAA0AAAAAkAAAAEgAAACQAAAASAAAAAAAAAABAAAAAAAAAAEAAABQAAAAAAAAAAAA4D8AAAAAAADgPwAAAAAAAOA/AAAAAAAA4D8AAAAAAADgPwAAAAAAAOA/AAAAAAAA4D8AAAAAAADgPwAAAAAAAOA/AAAAAAAA4D8CAAAAjAAAAAAAAAAAAAAARHLEDP///wgAAAAAAAAAAAAAAAAAAAAAAAAAAAAAAAAAAAAAZAAAAAEAAABAAAAAAAAAAAAAAAAAAAAAAAAAAAAAAAAAAAAAAAAAAAAAAAAAAAAAAAAAAAAAAAAAAAAAAAAAAAAAAAAAAAAAAAAAAAAAAAAAAAAAAAAAAAAAAAAAAAAAFAAAADwAAAAAAAAAAAAAAAAAAAkUAAAAAQAAABQAAAAUAAAAFAAAAAEAAAAAAAAAZAAAAGQAAAAAAAAAZAAAAGQAAAAVAAAAYAAAAAAAAAAAAAAADwAAACADAAAAAAAAAAAAAAEAAACgMgAAVgcAAKr4//8BAAAAf39/AAEAAABkAAAAAAAAABQAAABAHwAAAAAAACYAAAAAAAAAwOD//wAAAAAmAAAAZAAAABYAAABMAAAAAAAAAAAAAAAEAAAAAAAAAAEAAADn5uYKAAAAACgAAAAoAAAAZAAAAGQAAAAAAAAAzMzMAAAAAABQAAAAUAAAAGQAAABkAAAAAAAAABcAAAAUAAAAAAAAAAAAAAD/fwAA/38AAAAAAAAJAAAABAAAAAAAAAAeAAAAaAAAAAAAAAAAAAAAAAAAAAAAAAAAAAAAECcAABAnAAAAAAAAAAAAAAAAAAAAAAAAAAAAAAAAAAAAAAAAAAAAABQAAAAAAAAAwMD/AAAAAABkAAAAMgAAAAAAAABkAAAAAAAAAH9/fwAKAAAAIgAAABgAAAAAAAAAAAAAAAAAAAAAAAAAAAAAAAAAAAAkAAAAJAAAAAAAAAAHAAAAAAAAAAAAAAAAAAAAAAAAAAAAAAAAAAAAf39/ACUAAABYAAAAAAAAAAAAAAAAAAAAAAAAAAAAAAAAAAAAAAAAAAAAAAAAAAAAAAAAAAAAAAA/AAAAAAAAAKCGAQAAAAAAAAAAAAAAAAAMAAAAAQAAAAAAAAAAAAAAAAAAAB8AAABUAAAAAAAABQAAAAEAAAAAAAAAAAAAAAAAAAAAAAAAAAAAAAAAAAAAAAAAAAAAAAJ/f38AAAAAA8zMzADAwP8Af39/AAAAAAAAAAAAAAAAAAAAAAAAAAAAIQAAABgAAAAUAAAA3gMAAD8CAABiNAAAZwoAABAAAAAmAAAACAAAAAAAAAAAAAAAMAAAABQAAAAAAAAAAAD//wAAAQAAAP//AAABAA=="/>
               </a:ext>
             </a:extLst>
           </p:cNvSpPr>
@@ -10342,7 +10472,7 @@
               <a:defRPr lang="en-us"/>
             </a:pPr>
             <a:r>
-              <a:t>Bounded rationality in game theory and action theory</a:t>
+              <a:t>Ways the literature has investigated this claim</a:t>
             </a:r>
           </a:p>
         </p:txBody>
@@ -10354,7 +10484,7 @@
             <a:spLocks noGrp="1" noChangeArrowheads="1"/>
             <a:extLst>
               <a:ext uri="smNativeData">
-                <pr:smNativeData xmlns:mc="http://schemas.openxmlformats.org/markup-compatibility/2006" xmlns:p14="http://schemas.microsoft.com/office/powerpoint/2010/main" xmlns:p15="http://schemas.microsoft.com/office/powerpoint/2012/main" xmlns:pr="smNativeData" xmlns="smNativeData" val="SMDATA_16_OZjwYBMAAAAlAAAAZAAAAA0AAAAAkAAAAEgAAACQAAAASAAAAAAAAAAAAAAAAAAAAAEAAABQAAAAAAAAAAAA4D8AAAAAAADgPwAAAAAAAOA/AAAAAAAA4D8AAAAAAADgPwAAAAAAAOA/AAAAAAAA4D8AAAAAAADgPwAAAAAAAOA/AAAAAAAA4D8CAAAAjAAAAAAAAAAAAAAARHLEDP///wgAAAAAAAAAAAAAAAAAAAAAAAAAAAAAAAAAAAAAZAAAAAEAAABAAAAAAAAAAAAAAAAAAAAAAAAAAAAAAAAAAAAAAAAAAAAAAAAAAAAAAAAAAAAAAAAAAAAAAAAAAAAAAAAAAAAAAAAAAAAAAAAAAAAAAAAAAAAAAAAAAAAAFAAAADwAAAAAAAAAAAAAAAAAAAkUAAAAAQAAABQAAAAUAAAAFAAAAAEAAAAAAAAAZAAAAGQAAAAAAAAAZAAAAGQAAAAVAAAAYAAAAAAAAAAAAAAADwAAACADAAAAAAAAAAAAAAEAAACgMgAAVgcAAKr4//8BAAAAf39/AAEAAABkAAAAAAAAABQAAABAHwAAAAAAACYAAAAAAAAAwOD//wAAAAAmAAAAZAAAABYAAABMAAAAAAAAAAAAAAAEAAAAAAAAAAEAAADn5uYKAAAAACgAAAAoAAAAZAAAAGQAAAAAAAAAzMzMAAAAAABQAAAAUAAAAGQAAABkAAAAAAAAABcAAAAUAAAAAAAAAAAAAAD/fwAA/38AAAAAAAAJAAAABAAAAAAAAAAeAAAAaAAAAAAAAAAAAAAAAAAAAAAAAAAAAAAAECcAABAnAAAAAAAAAAAAAAAAAAAAAAAAAAAAAAAAAAAAAAAAAAAAABQAAAAAAAAAwMD/AAAAAABkAAAAMgAAAAAAAABkAAAAAAAAAH9/fwAKAAAAIgAAABgAAAAAAAAAAAAAAAAAAAAAAAAAAAAAAAAAAAAkAAAAJAAAAAAAAAAHAAAAAAAAAAAAAAAAAAAAAAAAAAAAAAAAAAAAf39/ACUAAABYAAAAAAAAAAAAAAAAAAAAAAAAAAAAAAAAAAAAAAAAAAAAAAAAAAAAAAAAAAAAAAA/AAAAAAAAAKCGAQAAAAAAAAAAAAAAAAAMAAAAAQAAAAAAAAAAAAAAAAAAAB8AAABUAAAAAAAABQAAAAEAAAAAAAAAAAAAAAAAAAAAAAAAAAAAAAAAAAAAAAAAAAAAAAJ/f38AAAAAA8zMzADAwP8Af39/AAAAAAAAAAAAAAAAAAAAAAAAAAAAIQAAABgAAAAUAAAA3gMAADsLAABiNAAAACYAABAAAAAmAAAACAAAAAAgAAAAAAAAMAAAABQAAAAAAAAAAAD//wAAAQAAAP//AAABAA=="/>
+                <pr:smNativeData xmlns="smNativeData" xmlns:pr="smNativeData" xmlns:p15="http://schemas.microsoft.com/office/powerpoint/2012/main" xmlns:p14="http://schemas.microsoft.com/office/powerpoint/2010/main" xmlns:mc="http://schemas.openxmlformats.org/markup-compatibility/2006" val="SMDATA_16_OZjwYBMAAAAlAAAAZAAAAA0AAAAAkAAAAEgAAACQAAAASAAAAAAAAAAAAAAAAAAAAAEAAABQAAAAAAAAAAAA4D8AAAAAAADgPwAAAAAAAOA/AAAAAAAA4D8AAAAAAADgPwAAAAAAAOA/AAAAAAAA4D8AAAAAAADgPwAAAAAAAOA/AAAAAAAA4D8CAAAAjAAAAAAAAAAAAAAARHLEDP///wgAAAAAAAAAAAAAAAAAAAAAAAAAAAAAAAAAAAAAZAAAAAEAAABAAAAAAAAAAAAAAAAAAAAAAAAAAAAAAAAAAAAAAAAAAAAAAAAAAAAAAAAAAAAAAAAAAAAAAAAAAAAAAAAAAAAAAAAAAAAAAAAAAAAAAAAAAAAAAAAAAAAAFAAAADwAAAAAAAAAAAAAAAAAAAkUAAAAAQAAABQAAAAUAAAAFAAAAAEAAAAAAAAAZAAAAGQAAAAAAAAAZAAAAGQAAAAVAAAAYAAAAAAAAAAAAAAADwAAACADAAAAAAAAAAAAAAEAAACgMgAAVgcAAKr4//8BAAAAf39/AAEAAABkAAAAAAAAABQAAABAHwAAAAAAACYAAAAAAAAAwOD//wAAAAAmAAAAZAAAABYAAABMAAAAAAAAAAAAAAAEAAAAAAAAAAEAAADn5uYKAAAAACgAAAAoAAAAZAAAAGQAAAAAAAAAzMzMAAAAAABQAAAAUAAAAGQAAABkAAAAAAAAABcAAAAUAAAAAAAAAAAAAAD/fwAA/38AAAAAAAAJAAAABAAAAAUAAAAeAAAAaAAAAAAAAAAAAAAAAAAAAAAAAAAAAAAAECcAABAnAAAAAAAAAAAAAAAAAAAAAAAAAAAAAAAAAAAAAAAAAAAAABQAAAAAAAAAwMD/AAAAAABkAAAAMgAAAAAAAABkAAAAAAAAAH9/fwAKAAAAIgAAABgAAAAAAAAAAAAAAAAAAAAAAAAAAAAAAAAAAAAkAAAAJAAAAAAAAAAHAAAAAAAAAAAAAAAAAAAAAAAAAAAAAAAAAAAAf39/ACUAAABYAAAAAAAAAAAAAAAAAAAAAAAAAAAAAAAAAAAAAAAAAAAAAAAAAAAAAAAAAAAAAAA/AAAAAAAAAKCGAQAAAAAAAAAAAAAAAAAMAAAAAQAAAAAAAAAAAAAAAAAAAB8AAABUAAAAAAAABQAAAAEAAAAAAAAAAAAAAAAAAAAAAAAAAAAAAAAAAAAAAAAAAAAAAAJ/f38AAAAAA8zMzADAwP8Af39/AAAAAAAAAAAAAAAAAAAAAAAAAAAAIQAAABgAAAAUAAAA3gMAADsLAABiNAAAACYAABAAAAAmAAAACAAAAAAAAAAAAAAAMAAAABQAAAAAAAAAAAD//wAAAQAAAP//AAABAA=="/>
               </a:ext>
             </a:extLst>
           </p:cNvSpPr>
@@ -10364,221 +10494,13 @@
         </p:nvSpPr>
         <p:spPr/>
         <p:txBody>
-          <a:bodyPr vert="horz" wrap="square" lIns="91440" tIns="45720" rIns="91440" bIns="45720" numCol="1" spcCol="215900" anchor="t">
-            <a:prstTxWarp prst="textNoShape">
-              <a:avLst/>
-            </a:prstTxWarp>
-          </a:bodyPr>
+          <a:bodyPr/>
           <a:lstStyle/>
           <a:p>
             <a:pPr>
-              <a:lnSpc>
-                <a:spcPct val="70000"/>
-              </a:lnSpc>
-              <a:spcBef>
-                <a:spcPts val="700"/>
-              </a:spcBef>
-              <a:defRPr lang="en-us" sz="1960"/>
-            </a:pPr>
-            <a:r>
-              <a:t>Treating boundedness in game theory</a:t>
-            </a:r>
-          </a:p>
-          <a:p>
-            <a:pPr lvl="1">
-              <a:lnSpc>
-                <a:spcPct val="70000"/>
-              </a:lnSpc>
-              <a:spcBef>
-                <a:spcPts val="350"/>
-              </a:spcBef>
-              <a:defRPr lang="en-us" sz="1680"/>
-            </a:pPr>
-            <a:r>
-              <a:t>Parsimonious ontology</a:t>
-            </a:r>
-          </a:p>
-          <a:p>
-            <a:pPr lvl="1">
-              <a:lnSpc>
-                <a:spcPct val="70000"/>
-              </a:lnSpc>
-              <a:spcBef>
-                <a:spcPts val="350"/>
-              </a:spcBef>
-              <a:defRPr lang="en-us" sz="1680"/>
-            </a:pPr>
-            <a:r>
-              <a:t>Incorporate boundedness into rational action</a:t>
-            </a:r>
-          </a:p>
-          <a:p>
-            <a:pPr>
-              <a:lnSpc>
-                <a:spcPct val="70000"/>
-              </a:lnSpc>
-              <a:spcBef>
-                <a:spcPts val="700"/>
-              </a:spcBef>
-              <a:defRPr lang="en-us" sz="1960"/>
-            </a:pPr>
-            <a:r>
-              <a:t>Treating boundedness in action theory</a:t>
-            </a:r>
-          </a:p>
-          <a:p>
-            <a:pPr lvl="1">
-              <a:lnSpc>
-                <a:spcPct val="70000"/>
-              </a:lnSpc>
-              <a:spcBef>
-                <a:spcPts val="350"/>
-              </a:spcBef>
-              <a:defRPr lang="en-us" sz="1680"/>
-            </a:pPr>
-            <a:r>
-              <a:t>Cognitive mechanisms for addressing bounded agents</a:t>
-            </a:r>
-          </a:p>
-          <a:p>
-            <a:pPr lvl="1">
-              <a:lnSpc>
-                <a:spcPct val="70000"/>
-              </a:lnSpc>
-              <a:spcBef>
-                <a:spcPts val="350"/>
-              </a:spcBef>
-              <a:defRPr lang="en-us" sz="1680"/>
-            </a:pPr>
-            <a:r>
-              <a:t>Roles of intention (Bratman 1987)</a:t>
-            </a:r>
-          </a:p>
-          <a:p>
-            <a:pPr>
-              <a:lnSpc>
-                <a:spcPct val="70000"/>
-              </a:lnSpc>
-              <a:spcBef>
-                <a:spcPts val="700"/>
-              </a:spcBef>
-              <a:defRPr lang="en-us" sz="1960"/>
-            </a:pPr>
-            <a:r>
-              <a:t>Different approaches, virtues to each</a:t>
-            </a:r>
-          </a:p>
-          <a:p>
-            <a:pPr>
-              <a:lnSpc>
-                <a:spcPct val="70000"/>
-              </a:lnSpc>
-              <a:spcBef>
-                <a:spcPts val="700"/>
-              </a:spcBef>
-              <a:defRPr lang="en-us" sz="1960"/>
-            </a:pPr>
-            <a:r>
-              <a:t>Formal applications of action theory:</a:t>
-            </a:r>
-          </a:p>
-          <a:p>
-            <a:pPr lvl="1">
-              <a:lnSpc>
-                <a:spcPct val="70000"/>
-              </a:lnSpc>
-              <a:spcBef>
-                <a:spcPts val="350"/>
-              </a:spcBef>
-              <a:defRPr lang="en-us" sz="1680"/>
-            </a:pPr>
-            <a:r>
-              <a:t>BDI logics, multi-agent systems</a:t>
-            </a:r>
-          </a:p>
-          <a:p>
-            <a:pPr lvl="1">
-              <a:lnSpc>
-                <a:spcPct val="70000"/>
-              </a:lnSpc>
-              <a:spcBef>
-                <a:spcPts val="350"/>
-              </a:spcBef>
-              <a:defRPr lang="en-us" sz="1680"/>
-            </a:pPr>
-            <a:r>
-              <a:t>Limitations:</a:t>
-            </a:r>
-          </a:p>
-          <a:p>
-            <a:pPr lvl="2">
-              <a:lnSpc>
-                <a:spcPct val="70000"/>
-              </a:lnSpc>
-              <a:spcBef>
-                <a:spcPts val="350"/>
-              </a:spcBef>
-              <a:defRPr lang="en-us" sz="1400"/>
-            </a:pPr>
-            <a:r>
-              <a:t>Limited explanatory power for treatment of bounds</a:t>
-            </a:r>
-          </a:p>
-          <a:p>
-            <a:pPr lvl="2">
-              <a:lnSpc>
-                <a:spcPct val="70000"/>
-              </a:lnSpc>
-              <a:spcBef>
-                <a:spcPts val="350"/>
-              </a:spcBef>
-              <a:defRPr lang="en-us" sz="1400"/>
-            </a:pPr>
-            <a:r>
-              <a:t>Not clear how to apply to organizations</a:t>
-            </a:r>
-          </a:p>
-          <a:p>
-            <a:pPr>
-              <a:lnSpc>
-                <a:spcPct val="70000"/>
-              </a:lnSpc>
-              <a:spcBef>
-                <a:spcPts val="700"/>
-              </a:spcBef>
-              <a:defRPr lang="en-us" sz="1960"/>
-            </a:pPr>
-            <a:r>
-              <a:t>Game theory:</a:t>
-            </a:r>
-          </a:p>
-          <a:p>
-            <a:pPr lvl="1">
-              <a:lnSpc>
-                <a:spcPct val="70000"/>
-              </a:lnSpc>
-              <a:spcBef>
-                <a:spcPts val="350"/>
-              </a:spcBef>
-              <a:defRPr lang="en-us" sz="1680"/>
-            </a:pPr>
-            <a:r>
-              <a:t>Ad hoc treatments of boundedness</a:t>
-            </a:r>
-          </a:p>
-          <a:p>
-            <a:pPr lvl="1">
-              <a:lnSpc>
-                <a:spcPct val="70000"/>
-              </a:lnSpc>
-              <a:spcBef>
-                <a:spcPts val="350"/>
-              </a:spcBef>
-              <a:defRPr lang="en-us" sz="1680"/>
-            </a:pPr>
-            <a:r>
-              <a:t>Insufficient</a:t>
-            </a:r>
+              <a:defRPr lang="en-us"/>
+            </a:pPr>
+            <a:endParaRPr/>
           </a:p>
         </p:txBody>
       </p:sp>
@@ -10614,7 +10536,7 @@
             <a:spLocks noGrp="1" noChangeArrowheads="1"/>
             <a:extLst>
               <a:ext uri="smNativeData">
-                <pr:smNativeData xmlns:mc="http://schemas.openxmlformats.org/markup-compatibility/2006" xmlns:p14="http://schemas.microsoft.com/office/powerpoint/2010/main" xmlns:p15="http://schemas.microsoft.com/office/powerpoint/2012/main" xmlns:pr="smNativeData" xmlns="smNativeData" val="SMDATA_16_OZjwYBMAAAAlAAAAZAAAAA0AAAAAkAAAAEgAAACQAAAASAAAAAAAAAABAAAAAAAAAAEAAABQAAAAAAAAAAAA4D8AAAAAAADgPwAAAAAAAOA/AAAAAAAA4D8AAAAAAADgPwAAAAAAAOA/AAAAAAAA4D8AAAAAAADgPwAAAAAAAOA/AAAAAAAA4D8CAAAAjAAAAAAAAAAAAAAARHLEDP///wgAAAAAAAAAAAAAAAAAAAAAAAAAAAAAAAAAAAAAZAAAAAEAAABAAAAAAAAAAAAAAAAAAAAAAAAAAAAAAAAAAAAAAAAAAAAAAAAAAAAAAAAAAAAAAAAAAAAAAAAAAAAAAAAAAAAAAAAAAAAAAAAAAAAAAAAAAAAAAAAAAAAAFAAAADwAAAAAAAAAAAAAAAAAAAkUAAAAAQAAABQAAAAUAAAAFAAAAAEAAAAAAAAAZAAAAGQAAAAAAAAAZAAAAGQAAAAVAAAAYAAAAAAAAAAAAAAADwAAACADAAAAAAAAAAAAAAEAAACgMgAAVgcAAKr4//8BAAAAf39/AAEAAABkAAAAAAAAABQAAABAHwAAAAAAACYAAAAAAAAAwOD//wAAAAAmAAAAZAAAABYAAABMAAAAAAAAAAAAAAAEAAAAAAAAAAEAAADn5uYKAAAAACgAAAAoAAAAZAAAAGQAAAAAAAAAzMzMAAAAAABQAAAAUAAAAGQAAABkAAAAAAAAABcAAAAUAAAAAAAAAAAAAAD/fwAA/38AAAAAAAAJAAAABAAAAAAAAAAeAAAAaAAAAAAAAAAAAAAAAAAAAAAAAAAAAAAAECcAABAnAAAAAAAAAAAAAAAAAAAAAAAAAAAAAAAAAAAAAAAAAAAAABQAAAAAAAAAwMD/AAAAAABkAAAAMgAAAAAAAABkAAAAAAAAAH9/fwAKAAAAIgAAABgAAAAAAAAAAAAAAAAAAAAAAAAAAAAAAAAAAAAkAAAAJAAAAAAAAAAHAAAAAAAAAAAAAAAAAAAAAAAAAAAAAAAAAAAAf39/ACUAAABYAAAAAAAAAAAAAAAAAAAAAAAAAAAAAAAAAAAAAAAAAAAAAAAAAAAAAAAAAAAAAAA/AAAAAAAAAKCGAQAAAAAAAAAAAAAAAAAMAAAAAQAAAAAAAAAAAAAAAAAAAB8AAABUAAAAAAAABQAAAAEAAAAAAAAAAAAAAAAAAAAAAAAAAAAAAAAAAAAAAAAAAAAAAAJ/f38AAAAAA8zMzADAwP8Af39/AAAAAAAAAAAAAAAAAAAAAAAAAAAAIQAAABgAAAAUAAAA3gMAAD8CAABiNAAAZwoAABAAAAAmAAAACAAAAAAAAAAAAAAAMAAAABQAAAAAAAAAAAD//wAAAQAAAP//AAABAA=="/>
+                <pr:smNativeData xmlns="smNativeData" xmlns:pr="smNativeData" xmlns:p15="http://schemas.microsoft.com/office/powerpoint/2012/main" xmlns:p14="http://schemas.microsoft.com/office/powerpoint/2010/main" xmlns:mc="http://schemas.openxmlformats.org/markup-compatibility/2006" val="SMDATA_16_OZjwYBMAAAAlAAAAZAAAAA0AAAAAkAAAAEgAAACQAAAASAAAAAAAAAABAAAAAAAAAAEAAABQAAAAAAAAAAAA4D8AAAAAAADgPwAAAAAAAOA/AAAAAAAA4D8AAAAAAADgPwAAAAAAAOA/AAAAAAAA4D8AAAAAAADgPwAAAAAAAOA/AAAAAAAA4D8CAAAAjAAAAAAAAAAAAAAARHLEDP///wgAAAAAAAAAAAAAAAAAAAAAAAAAAAAAAAAAAAAAZAAAAAEAAABAAAAAAAAAAAAAAAAAAAAAAAAAAAAAAAAAAAAAAAAAAAAAAAAAAAAAAAAAAAAAAAAAAAAAAAAAAAAAAAAAAAAAAAAAAAAAAAAAAAAAAAAAAAAAAAAAAAAAFAAAADwAAAAAAAAAAAAAAAAAAAkUAAAAAQAAABQAAAAUAAAAFAAAAAEAAAAAAAAAZAAAAGQAAAAAAAAAZAAAAGQAAAAVAAAAYAAAAAAAAAAAAAAADwAAACADAAAAAAAAAAAAAAEAAACgMgAAVgcAAKr4//8BAAAAf39/AAEAAABkAAAAAAAAABQAAABAHwAAAAAAACYAAAAAAAAAwOD//wAAAAAmAAAAZAAAABYAAABMAAAAAAAAAAAAAAAEAAAAAAAAAAEAAADn5uYKAAAAACgAAAAoAAAAZAAAAGQAAAAAAAAAzMzMAAAAAABQAAAAUAAAAGQAAABkAAAAAAAAABcAAAAUAAAAAAAAAAAAAAD/fwAA/38AAAAAAAAJAAAABAAAAAUAAAAeAAAAaAAAAAAAAAAAAAAAAAAAAAAAAAAAAAAAECcAABAnAAAAAAAAAAAAAAAAAAAAAAAAAAAAAAAAAAAAAAAAAAAAABQAAAAAAAAAwMD/AAAAAABkAAAAMgAAAAAAAABkAAAAAAAAAH9/fwAKAAAAIgAAABgAAAAAAAAAAAAAAAAAAAAAAAAAAAAAAAAAAAAkAAAAJAAAAAAAAAAHAAAAAAAAAAAAAAAAAAAAAAAAAAAAAAAAAAAAf39/ACUAAABYAAAAAAAAAAAAAAAAAAAAAAAAAAAAAAAAAAAAAAAAAAAAAAAAAAAAAAAAAAAAAAA/AAAAAAAAAKCGAQAAAAAAAAAAAAAAAAAMAAAAAQAAAAAAAAAAAAAAAAAAAB8AAABUAAAAAAAABQAAAAEAAAAAAAAAAAAAAAAAAAAAAAAAAAAAAAAAAAAAAAAAAAAAAAJ/f38AAAAAA8zMzADAwP8Af39/AAAAAAAAAAAAAAAAAAAAAAAAAAAAIQAAABgAAAAUAAAA3gMAAD8CAABiNAAAZwoAABAAAAAmAAAACAAAAAAAAAAAAAAAMAAAABQAAAAAAAAAAAD//wAAAQAAAP//AAABAA=="/>
               </a:ext>
             </a:extLst>
           </p:cNvSpPr>
@@ -10631,7 +10553,7 @@
               <a:defRPr lang="en-us"/>
             </a:pPr>
             <a:r>
-              <a:t>Bratman on roles of intention in planning agency</a:t>
+              <a:t>Game theory as technology for modeling forward-looking agency</a:t>
             </a:r>
           </a:p>
         </p:txBody>
@@ -10643,7 +10565,7 @@
             <a:spLocks noGrp="1" noChangeArrowheads="1"/>
             <a:extLst>
               <a:ext uri="smNativeData">
-                <pr:smNativeData xmlns:mc="http://schemas.openxmlformats.org/markup-compatibility/2006" xmlns:p14="http://schemas.microsoft.com/office/powerpoint/2010/main" xmlns:p15="http://schemas.microsoft.com/office/powerpoint/2012/main" xmlns:pr="smNativeData" xmlns="smNativeData" val="SMDATA_16_OZjwYBMAAAAlAAAAZAAAAA0AAAAAkAAAAEgAAACQAAAASAAAAAAAAAAAAAAAAAAAAAEAAABQAAAAAAAAAAAA4D8AAAAAAADgPwAAAAAAAOA/AAAAAAAA4D8AAAAAAADgPwAAAAAAAOA/AAAAAAAA4D8AAAAAAADgPwAAAAAAAOA/AAAAAAAA4D8CAAAAjAAAAAAAAAAAAAAARHLEDP///wgAAAAAAAAAAAAAAAAAAAAAAAAAAAAAAAAAAAAAZAAAAAEAAABAAAAAAAAAAAAAAAAAAAAAAAAAAAAAAAAAAAAAAAAAAAAAAAAAAAAAAAAAAAAAAAAAAAAAAAAAAAAAAAAAAAAAAAAAAAAAAAAAAAAAAAAAAAAAAAAAAAAAFAAAADwAAAAAAAAAAAAAAAAAAAkUAAAAAQAAABQAAAAUAAAAFAAAAAEAAAAAAAAAZAAAAGQAAAAAAAAAZAAAAGQAAAAVAAAAYAAAAAAAAAAAAAAADwAAACADAAAAAAAAAAAAAAEAAACgMgAAVgcAAKr4//8BAAAAf39/AAEAAABkAAAAAAAAABQAAABAHwAAAAAAACYAAAAAAAAAwOD//wAAAAAmAAAAZAAAABYAAABMAAAAAAAAAAAAAAAEAAAAAAAAAAEAAADn5uYKAAAAACgAAAAoAAAAZAAAAGQAAAAAAAAAzMzMAAAAAABQAAAAUAAAAGQAAABkAAAAAAAAABcAAAAUAAAAAAAAAAAAAAD/fwAA/38AAAAAAAAJAAAABAAAAAAAAAAeAAAAaAAAAAAAAAAAAAAAAAAAAAAAAAAAAAAAECcAABAnAAAAAAAAAAAAAAAAAAAAAAAAAAAAAAAAAAAAAAAAAAAAABQAAAAAAAAAwMD/AAAAAABkAAAAMgAAAAAAAABkAAAAAAAAAH9/fwAKAAAAIgAAABgAAAAAAAAAAAAAAAAAAAAAAAAAAAAAAAAAAAAkAAAAJAAAAAAAAAAHAAAAAAAAAAAAAAAAAAAAAAAAAAAAAAAAAAAAf39/ACUAAABYAAAAAAAAAAAAAAAAAAAAAAAAAAAAAAAAAAAAAAAAAAAAAAAAAAAAAAAAAAAAAAA/AAAAAAAAAKCGAQAAAAAAAAAAAAAAAAAMAAAAAQAAAAAAAAAAAAAAAAAAAB8AAABUAAAAAAAABQAAAAEAAAAAAAAAAAAAAAAAAAAAAAAAAAAAAAAAAAAAAAAAAAAAAAJ/f38AAAAAA8zMzADAwP8Af39/AAAAAAAAAAAAAAAAAAAAAAAAAAAAIQAAABgAAAAUAAAA3gMAADsLAABiNAAAACYAABAAAAAmAAAACAAAAAAAAAAAAAAAMAAAABQAAAAAAAAAAAD//wAAAQAAAP//AAABAA=="/>
+                <pr:smNativeData xmlns="smNativeData" xmlns:pr="smNativeData" xmlns:p15="http://schemas.microsoft.com/office/powerpoint/2012/main" xmlns:p14="http://schemas.microsoft.com/office/powerpoint/2010/main" xmlns:mc="http://schemas.openxmlformats.org/markup-compatibility/2006" val="SMDATA_16_OZjwYBMAAAAlAAAAZAAAAA0AAAAAkAAAAEgAAACQAAAASAAAAAAAAAAAAAAAAAAAAAEAAABQAAAAAAAAAAAA4D8AAAAAAADgPwAAAAAAAOA/AAAAAAAA4D8AAAAAAADgPwAAAAAAAOA/AAAAAAAA4D8AAAAAAADgPwAAAAAAAOA/AAAAAAAA4D8CAAAAjAAAAAAAAAAAAAAARHLEDP///wgAAAAAAAAAAAAAAAAAAAAAAAAAAAAAAAAAAAAAZAAAAAEAAABAAAAAAAAAAAAAAAAAAAAAAAAAAAAAAAAAAAAAAAAAAAAAAAAAAAAAAAAAAAAAAAAAAAAAAAAAAAAAAAAAAAAAAAAAAAAAAAAAAAAAAAAAAAAAAAAAAAAAFAAAADwAAAAAAAAAAAAAAAAAAAkUAAAAAQAAABQAAAAUAAAAFAAAAAEAAAAAAAAAZAAAAGQAAAAAAAAAZAAAAGQAAAAVAAAAYAAAAAAAAAAAAAAADwAAACADAAAAAAAAAAAAAAEAAACgMgAAVgcAAKr4//8BAAAAf39/AAEAAABkAAAAAAAAABQAAABAHwAAAAAAACYAAAAAAAAAwOD//wAAAAAmAAAAZAAAABYAAABMAAAAAAAAAAAAAAAEAAAAAAAAAAEAAADn5uYKAAAAACgAAAAoAAAAZAAAAGQAAAAAAAAAzMzMAAAAAABQAAAAUAAAAGQAAABkAAAAAAAAABcAAAAUAAAAAAAAAAAAAAD/fwAA/38AAAAAAAAJAAAABAAAAAAAAAAeAAAAaAAAAAAAAAAAAAAAAAAAAAAAAAAAAAAAECcAABAnAAAAAAAAAAAAAAAAAAAAAAAAAAAAAAAAAAAAAAAAAAAAABQAAAAAAAAAwMD/AAAAAABkAAAAMgAAAAAAAABkAAAAAAAAAH9/fwAKAAAAIgAAABgAAAAAAAAAAAAAAAAAAAAAAAAAAAAAAAAAAAAkAAAAJAAAAAAAAAAHAAAAAAAAAAAAAAAAAAAAAAAAAAAAAAAAAAAAf39/ACUAAABYAAAAAAAAAAAAAAAAAAAAAAAAAAAAAAAAAAAAAAAAAAAAAAAAAAAAAAAAAAAAAAA/AAAAAAAAAKCGAQAAAAAAAAAAAAAAAAAMAAAAAQAAAAAAAAAAAAAAAAAAAB8AAABUAAAAAAAABQAAAAEAAAAAAAAAAAAAAAAAAAAAAAAAAAAAAAAAAAAAAAAAAAAAAAJ/f38AAAAAA8zMzADAwP8Af39/AAAAAAAAAAAAAAAAAAAAAAAAAAAAIQAAABgAAAAUAAAA3gMAADsLAABiNAAAACYAABAAAAAmAAAACAAAAAAAAAAAAAAAMAAAABQAAAAAAAAAAAD//wAAAQAAAP//AAABAA=="/>
               </a:ext>
             </a:extLst>
           </p:cNvSpPr>
@@ -10695,7 +10617,7 @@
             <a:spLocks noGrp="1" noChangeArrowheads="1"/>
             <a:extLst>
               <a:ext uri="smNativeData">
-                <pr:smNativeData xmlns:mc="http://schemas.openxmlformats.org/markup-compatibility/2006" xmlns:p14="http://schemas.microsoft.com/office/powerpoint/2010/main" xmlns:p15="http://schemas.microsoft.com/office/powerpoint/2012/main" xmlns:pr="smNativeData" xmlns="smNativeData" val="SMDATA_16_OZjwYBMAAAAlAAAAZAAAAA0AAAAAkAAAAEgAAACQAAAASAAAAAAAAAABAAAAAAAAAAEAAABQAAAAAAAAAAAA4D8AAAAAAADgPwAAAAAAAOA/AAAAAAAA4D8AAAAAAADgPwAAAAAAAOA/AAAAAAAA4D8AAAAAAADgPwAAAAAAAOA/AAAAAAAA4D8CAAAAjAAAAAAAAAAAAAAARHLEDP///wgAAAAAAAAAAAAAAAAAAAAAAAAAAAAAAAAAAAAAZAAAAAEAAABAAAAAAAAAAAAAAAAAAAAAAAAAAAAAAAAAAAAAAAAAAAAAAAAAAAAAAAAAAAAAAAAAAAAAAAAAAAAAAAAAAAAAAAAAAAAAAAAAAAAAAAAAAAAAAAAAAAAAFAAAADwAAAAAAAAAAAAAAAAAAAkUAAAAAQAAABQAAAAUAAAAFAAAAAEAAAAAAAAAZAAAAGQAAAAAAAAAZAAAAGQAAAAVAAAAYAAAAAAAAAAAAAAADwAAACADAAAAAAAAAAAAAAEAAACgMgAAVgcAAKr4//8BAAAAf39/AAEAAABkAAAAAAAAABQAAABAHwAAAAAAACYAAAAAAAAAwOD//wAAAAAmAAAAZAAAABYAAABMAAAAAAAAAAAAAAAEAAAAAAAAAAEAAADn5uYKAAAAACgAAAAoAAAAZAAAAGQAAAAAAAAAzMzMAAAAAABQAAAAUAAAAGQAAABkAAAAAAAAABcAAAAUAAAAAAAAAAAAAAD/fwAA/38AAAAAAAAJAAAABAAAAAAAAAAeAAAAaAAAAAAAAAAAAAAAAAAAAAAAAAAAAAAAECcAABAnAAAAAAAAAAAAAAAAAAAAAAAAAAAAAAAAAAAAAAAAAAAAABQAAAAAAAAAwMD/AAAAAABkAAAAMgAAAAAAAABkAAAAAAAAAH9/fwAKAAAAIgAAABgAAAAAAAAAAAAAAAAAAAAAAAAAAAAAAAAAAAAkAAAAJAAAAAAAAAAHAAAAAAAAAAAAAAAAAAAAAAAAAAAAAAAAAAAAf39/ACUAAABYAAAAAAAAAAAAAAAAAAAAAAAAAAAAAAAAAAAAAAAAAAAAAAAAAAAAAAAAAAAAAAA/AAAAAAAAAKCGAQAAAAAAAAAAAAAAAAAMAAAAAQAAAAAAAAAAAAAAAAAAAB8AAABUAAAAAAAABQAAAAEAAAAAAAAAAAAAAAAAAAAAAAAAAAAAAAAAAAAAAAAAAAAAAAJ/f38AAAAAA8zMzADAwP8Af39/AAAAAAAAAAAAAAAAAAAAAAAAAAAAIQAAABgAAAAUAAAA3gMAAD8CAABiNAAAZwoAABAAAAAmAAAACAAAAAAAAAAAAAAAMAAAABQAAAAAAAAAAAD//wAAAQAAAP//AAABAA=="/>
+                <pr:smNativeData xmlns="smNativeData" xmlns:pr="smNativeData" xmlns:p15="http://schemas.microsoft.com/office/powerpoint/2012/main" xmlns:p14="http://schemas.microsoft.com/office/powerpoint/2010/main" xmlns:mc="http://schemas.openxmlformats.org/markup-compatibility/2006" val="SMDATA_16_OZjwYBMAAAAlAAAAZAAAAA0AAAAAkAAAAEgAAACQAAAASAAAAAAAAAABAAAAAAAAAAEAAABQAAAAAAAAAAAA4D8AAAAAAADgPwAAAAAAAOA/AAAAAAAA4D8AAAAAAADgPwAAAAAAAOA/AAAAAAAA4D8AAAAAAADgPwAAAAAAAOA/AAAAAAAA4D8CAAAAjAAAAAAAAAAAAAAARHLEDP///wgAAAAAAAAAAAAAAAAAAAAAAAAAAAAAAAAAAAAAZAAAAAEAAABAAAAAAAAAAAAAAAAAAAAAAAAAAAAAAAAAAAAAAAAAAAAAAAAAAAAAAAAAAAAAAAAAAAAAAAAAAAAAAAAAAAAAAAAAAAAAAAAAAAAAAAAAAAAAAAAAAAAAFAAAADwAAAAAAAAAAAAAAAAAAAkUAAAAAQAAABQAAAAUAAAAFAAAAAEAAAAAAAAAZAAAAGQAAAAAAAAAZAAAAGQAAAAVAAAAYAAAAAAAAAAAAAAADwAAACADAAAAAAAAAAAAAAEAAACgMgAAVgcAAKr4//8BAAAAf39/AAEAAABkAAAAAAAAABQAAABAHwAAAAAAACYAAAAAAAAAwOD//wAAAAAmAAAAZAAAABYAAABMAAAAAAAAAAAAAAAEAAAAAAAAAAEAAADn5uYKAAAAACgAAAAoAAAAZAAAAGQAAAAAAAAAzMzMAAAAAABQAAAAUAAAAGQAAABkAAAAAAAAABcAAAAUAAAAAAAAAAAAAAD/fwAA/38AAAAAAAAJAAAABAAAAAAAAAAeAAAAaAAAAAAAAAAAAAAAAAAAAAAAAAAAAAAAECcAABAnAAAAAAAAAAAAAAAAAAAAAAAAAAAAAAAAAAAAAAAAAAAAABQAAAAAAAAAwMD/AAAAAABkAAAAMgAAAAAAAABkAAAAAAAAAH9/fwAKAAAAIgAAABgAAAAAAAAAAAAAAAAAAAAAAAAAAAAAAAAAAAAkAAAAJAAAAAAAAAAHAAAAAAAAAAAAAAAAAAAAAAAAAAAAAAAAAAAAf39/ACUAAABYAAAAAAAAAAAAAAAAAAAAAAAAAAAAAAAAAAAAAAAAAAAAAAAAAAAAAAAAAAAAAAA/AAAAAAAAAKCGAQAAAAAAAAAAAAAAAAAMAAAAAQAAAAAAAAAAAAAAAAAAAB8AAABUAAAAAAAABQAAAAEAAAAAAAAAAAAAAAAAAAAAAAAAAAAAAAAAAAAAAAAAAAAAAAJ/f38AAAAAA8zMzADAwP8Af39/AAAAAAAAAAAAAAAAAAAAAAAAAAAAIQAAABgAAAAUAAAA3gMAAD8CAABiNAAAZwoAABAAAAAmAAAACAAAAAAAAAAAAAAAMAAAABQAAAAAAAAAAAD//wAAAQAAAP//AAABAA=="/>
               </a:ext>
             </a:extLst>
           </p:cNvSpPr>
@@ -10711,9 +10633,7 @@
             <a:pPr>
               <a:defRPr lang="en-us"/>
             </a:pPr>
-            <a:r>
-              <a:t>Ways the literature has investigated this claim</a:t>
-            </a:r>
+            <a:endParaRPr/>
           </a:p>
         </p:txBody>
       </p:sp>
@@ -10724,7 +10644,7 @@
             <a:spLocks noGrp="1" noChangeArrowheads="1"/>
             <a:extLst>
               <a:ext uri="smNativeData">
-                <pr:smNativeData xmlns:mc="http://schemas.openxmlformats.org/markup-compatibility/2006" xmlns:p14="http://schemas.microsoft.com/office/powerpoint/2010/main" xmlns:p15="http://schemas.microsoft.com/office/powerpoint/2012/main" xmlns:pr="smNativeData" xmlns="smNativeData" val="SMDATA_16_OZjwYBMAAAAlAAAAZAAAAA0AAAAAkAAAAEgAAACQAAAASAAAAAAAAAAAAAAAAAAAAAEAAABQAAAAAAAAAAAA4D8AAAAAAADgPwAAAAAAAOA/AAAAAAAA4D8AAAAAAADgPwAAAAAAAOA/AAAAAAAA4D8AAAAAAADgPwAAAAAAAOA/AAAAAAAA4D8CAAAAjAAAAAAAAAAAAAAARHLEDP///wgAAAAAAAAAAAAAAAAAAAAAAAAAAAAAAAAAAAAAZAAAAAEAAABAAAAAAAAAAAAAAAAAAAAAAAAAAAAAAAAAAAAAAAAAAAAAAAAAAAAAAAAAAAAAAAAAAAAAAAAAAAAAAAAAAAAAAAAAAAAAAAAAAAAAAAAAAAAAAAAAAAAAFAAAADwAAAAAAAAAAAAAAAAAAAkUAAAAAQAAABQAAAAUAAAAFAAAAAEAAAAAAAAAZAAAAGQAAAAAAAAAZAAAAGQAAAAVAAAAYAAAAAAAAAAAAAAADwAAACADAAAAAAAAAAAAAAEAAACgMgAAVgcAAKr4//8BAAAAf39/AAEAAABkAAAAAAAAABQAAABAHwAAAAAAACYAAAAAAAAAwOD//wAAAAAmAAAAZAAAABYAAABMAAAAAAAAAAAAAAAEAAAAAAAAAAEAAADn5uYKAAAAACgAAAAoAAAAZAAAAGQAAAAAAAAAzMzMAAAAAABQAAAAUAAAAGQAAABkAAAAAAAAABcAAAAUAAAAAAAAAAAAAAD/fwAA/38AAAAAAAAJAAAABAAAAAUAAAAeAAAAaAAAAAAAAAAAAAAAAAAAAAAAAAAAAAAAECcAABAnAAAAAAAAAAAAAAAAAAAAAAAAAAAAAAAAAAAAAAAAAAAAABQAAAAAAAAAwMD/AAAAAABkAAAAMgAAAAAAAABkAAAAAAAAAH9/fwAKAAAAIgAAABgAAAAAAAAAAAAAAAAAAAAAAAAAAAAAAAAAAAAkAAAAJAAAAAAAAAAHAAAAAAAAAAAAAAAAAAAAAAAAAAAAAAAAAAAAf39/ACUAAABYAAAAAAAAAAAAAAAAAAAAAAAAAAAAAAAAAAAAAAAAAAAAAAAAAAAAAAAAAAAAAAA/AAAAAAAAAKCGAQAAAAAAAAAAAAAAAAAMAAAAAQAAAAAAAAAAAAAAAAAAAB8AAABUAAAAAAAABQAAAAEAAAAAAAAAAAAAAAAAAAAAAAAAAAAAAAAAAAAAAAAAAAAAAAJ/f38AAAAAA8zMzADAwP8Af39/AAAAAAAAAAAAAAAAAAAAAAAAAAAAIQAAABgAAAAUAAAA3gMAADsLAABiNAAAACYAABAAAAAmAAAACAAAAAAAAAAAAAAAMAAAABQAAAAAAAAAAAD//wAAAQAAAP//AAABAA=="/>
+                <pr:smNativeData xmlns="smNativeData" xmlns:pr="smNativeData" xmlns:p15="http://schemas.microsoft.com/office/powerpoint/2012/main" xmlns:p14="http://schemas.microsoft.com/office/powerpoint/2010/main" xmlns:mc="http://schemas.openxmlformats.org/markup-compatibility/2006" val="SMDATA_16_OZjwYBMAAAAlAAAAZAAAAA0AAAAAkAAAAEgAAACQAAAASAAAAAAAAAAAAAAAAAAAAAEAAABQAAAAAAAAAAAA4D8AAAAAAADgPwAAAAAAAOA/AAAAAAAA4D8AAAAAAADgPwAAAAAAAOA/AAAAAAAA4D8AAAAAAADgPwAAAAAAAOA/AAAAAAAA4D8CAAAAjAAAAAAAAAAAAAAARHLEDP///wgAAAAAAAAAAAAAAAAAAAAAAAAAAAAAAAAAAAAAZAAAAAEAAABAAAAAAAAAAAAAAAAAAAAAAAAAAAAAAAAAAAAAAAAAAAAAAAAAAAAAAAAAAAAAAAAAAAAAAAAAAAAAAAAAAAAAAAAAAAAAAAAAAAAAAAAAAAAAAAAAAAAAFAAAADwAAAAAAAAAAAAAAAAAAAkUAAAAAQAAABQAAAAUAAAAFAAAAAEAAAAAAAAAZAAAAGQAAAAAAAAAZAAAAGQAAAAVAAAAYAAAAAAAAAAAAAAADwAAACADAAAAAAAAAAAAAAEAAACgMgAAVgcAAKr4//8BAAAAf39/AAEAAABkAAAAAAAAABQAAABAHwAAAAAAACYAAAAAAAAAwOD//wAAAAAmAAAAZAAAABYAAABMAAAAAAAAAAAAAAAEAAAAAAAAAAEAAADn5uYKAAAAACgAAAAoAAAAZAAAAGQAAAAAAAAAzMzMAAAAAABQAAAAUAAAAGQAAABkAAAAAAAAABcAAAAUAAAAAAAAAAAAAAD/fwAA/38AAAAAAAAJAAAABAAAAAAAAAAeAAAAaAAAAAAAAAAAAAAAAAAAAAAAAAAAAAAAECcAABAnAAAAAAAAAAAAAAAAAAAAAAAAAAAAAAAAAAAAAAAAAAAAABQAAAAAAAAAwMD/AAAAAABkAAAAMgAAAAAAAABkAAAAAAAAAH9/fwAKAAAAIgAAABgAAAAAAAAAAAAAAAAAAAAAAAAAAAAAAAAAAAAkAAAAJAAAAAAAAAAHAAAAAAAAAAAAAAAAAAAAAAAAAAAAAAAAAAAAf39/ACUAAABYAAAAAAAAAAAAAAAAAAAAAAAAAAAAAAAAAAAAAAAAAAAAAAAAAAAAAAAAAAAAAAA/AAAAAAAAAKCGAQAAAAAAAAAAAAAAAAAMAAAAAQAAAAAAAAAAAAAAAAAAAB8AAABUAAAAAAAABQAAAAEAAAAAAAAAAAAAAAAAAAAAAAAAAAAAAAAAAAAAAAAAAAAAAAJ/f38AAAAAA8zMzADAwP8Af39/AAAAAAAAAAAAAAAAAAAAAAAAAAAAIQAAABgAAAAUAAAA3gMAADsLAABiNAAAACYAABAAAAAmAAAACAAAAAAAAAAAAAAAMAAAABQAAAAAAAAAAAD//wAAAQAAAP//AAABAA=="/>
               </a:ext>
             </a:extLst>
           </p:cNvSpPr>
@@ -10740,7 +10660,41 @@
             <a:pPr>
               <a:defRPr lang="en-us"/>
             </a:pPr>
-            <a:endParaRPr/>
+            <a:r>
+              <a:t>Group cognition</a:t>
+            </a:r>
+          </a:p>
+          <a:p>
+            <a:pPr>
+              <a:defRPr lang="en-us"/>
+            </a:pPr>
+            <a:r>
+              <a:t>Modeling it, problems with making sense of groups as having cognitive states</a:t>
+            </a:r>
+          </a:p>
+          <a:p>
+            <a:pPr>
+              <a:defRPr lang="en-us"/>
+            </a:pPr>
+            <a:r>
+              <a:t>Many people take a broadly functionalist approach, but lots of problems with this</a:t>
+            </a:r>
+          </a:p>
+          <a:p>
+            <a:pPr lvl="1">
+              <a:defRPr lang="en-us"/>
+            </a:pPr>
+            <a:r>
+              <a:t>Not clear whether this is right, and how close the functions need to conform to recognizable ones, and when they do fall short, what to do about that</a:t>
+            </a:r>
+          </a:p>
+          <a:p>
+            <a:pPr lvl="1">
+              <a:defRPr lang="en-us"/>
+            </a:pPr>
+            <a:r>
+              <a:t>Worse: not clear what the functions of cognitive states are, either in the group or the individual case</a:t>
+            </a:r>
           </a:p>
         </p:txBody>
       </p:sp>
@@ -10776,7 +10730,7 @@
             <a:spLocks noGrp="1" noChangeArrowheads="1"/>
             <a:extLst>
               <a:ext uri="smNativeData">
-                <pr:smNativeData xmlns:mc="http://schemas.openxmlformats.org/markup-compatibility/2006" xmlns:p14="http://schemas.microsoft.com/office/powerpoint/2010/main" xmlns:p15="http://schemas.microsoft.com/office/powerpoint/2012/main" xmlns:pr="smNativeData" xmlns="smNativeData" val="SMDATA_16_OZjwYBMAAAAlAAAAZAAAAA0AAAAAkAAAAEgAAACQAAAASAAAAAAAAAABAAAAAAAAAAEAAABQAAAAAAAAAAAA4D8AAAAAAADgPwAAAAAAAOA/AAAAAAAA4D8AAAAAAADgPwAAAAAAAOA/AAAAAAAA4D8AAAAAAADgPwAAAAAAAOA/AAAAAAAA4D8CAAAAjAAAAAAAAAAAAAAARHLEDP///wgAAAAAAAAAAAAAAAAAAAAAAAAAAAAAAAAAAAAAZAAAAAEAAABAAAAAAAAAAAAAAAAAAAAAAAAAAAAAAAAAAAAAAAAAAAAAAAAAAAAAAAAAAAAAAAAAAAAAAAAAAAAAAAAAAAAAAAAAAAAAAAAAAAAAAAAAAAAAAAAAAAAAFAAAADwAAAAAAAAAAAAAAAAAAAkUAAAAAQAAABQAAAAUAAAAFAAAAAEAAAAAAAAAZAAAAGQAAAAAAAAAZAAAAGQAAAAVAAAAYAAAAAAAAAAAAAAADwAAACADAAAAAAAAAAAAAAEAAACgMgAAVgcAAKr4//8BAAAAf39/AAEAAABkAAAAAAAAABQAAABAHwAAAAAAACYAAAAAAAAAwOD//wAAAAAmAAAAZAAAABYAAABMAAAAAAAAAAAAAAAEAAAAAAAAAAEAAADn5uYKAAAAACgAAAAoAAAAZAAAAGQAAAAAAAAAzMzMAAAAAABQAAAAUAAAAGQAAABkAAAAAAAAABcAAAAUAAAAAAAAAAAAAAD/fwAA/38AAAAAAAAJAAAABAAAAAUAAAAeAAAAaAAAAAAAAAAAAAAAAAAAAAAAAAAAAAAAECcAABAnAAAAAAAAAAAAAAAAAAAAAAAAAAAAAAAAAAAAAAAAAAAAABQAAAAAAAAAwMD/AAAAAABkAAAAMgAAAAAAAABkAAAAAAAAAH9/fwAKAAAAIgAAABgAAAAAAAAAAAAAAAAAAAAAAAAAAAAAAAAAAAAkAAAAJAAAAAAAAAAHAAAAAAAAAAAAAAAAAAAAAAAAAAAAAAAAAAAAf39/ACUAAABYAAAAAAAAAAAAAAAAAAAAAAAAAAAAAAAAAAAAAAAAAAAAAAAAAAAAAAAAAAAAAAA/AAAAAAAAAKCGAQAAAAAAAAAAAAAAAAAMAAAAAQAAAAAAAAAAAAAAAAAAAB8AAABUAAAAAAAABQAAAAEAAAAAAAAAAAAAAAAAAAAAAAAAAAAAAAAAAAAAAAAAAAAAAAJ/f38AAAAAA8zMzADAwP8Af39/AAAAAAAAAAAAAAAAAAAAAAAAAAAAIQAAABgAAAAUAAAA3gMAAD8CAABiNAAAZwoAABAAAAAmAAAACAAAAAAAAAAAAAAAMAAAABQAAAAAAAAAAAD//wAAAQAAAP//AAABAA=="/>
+                <pr:smNativeData xmlns="smNativeData" xmlns:pr="smNativeData" xmlns:p15="http://schemas.microsoft.com/office/powerpoint/2012/main" xmlns:p14="http://schemas.microsoft.com/office/powerpoint/2010/main" xmlns:mc="http://schemas.openxmlformats.org/markup-compatibility/2006" val="SMDATA_16_OZjwYBMAAAAlAAAAZAAAAA0AAAAAkAAAAEgAAACQAAAASAAAAAAAAAABAAAAAAAAAAEAAABQAAAAAAAAAAAA4D8AAAAAAADgPwAAAAAAAOA/AAAAAAAA4D8AAAAAAADgPwAAAAAAAOA/AAAAAAAA4D8AAAAAAADgPwAAAAAAAOA/AAAAAAAA4D8CAAAAjAAAAAAAAAAAAAAARHLEDP///wgAAAAAAAAAAAAAAAAAAAAAAAAAAAAAAAAAAAAAZAAAAAEAAABAAAAAAAAAAAAAAAAAAAAAAAAAAAAAAAAAAAAAAAAAAAAAAAAAAAAAAAAAAAAAAAAAAAAAAAAAAAAAAAAAAAAAAAAAAAAAAAAAAAAAAAAAAAAAAAAAAAAAFAAAADwAAAAAAAAAAAAAAAAAAAkUAAAAAQAAABQAAAAUAAAAFAAAAAEAAAAAAAAAZAAAAGQAAAAAAAAAZAAAAGQAAAAVAAAAYAAAAAAAAAAAAAAADwAAACADAAAAAAAAAAAAAAEAAACgMgAAVgcAAKr4//8BAAAAf39/AAEAAABkAAAAAAAAABQAAABAHwAAAAAAACYAAAAAAAAAwOD//wAAAAAmAAAAZAAAABYAAABMAAAAAAAAAAAAAAAEAAAAAAAAAAEAAADn5uYKAAAAACgAAAAoAAAAZAAAAGQAAAAAAAAAzMzMAAAAAABQAAAAUAAAAGQAAABkAAAAAAAAABcAAAAUAAAAAAAAAAAAAAD/fwAA/38AAAAAAAAJAAAABAAAAAUAAAAeAAAAaAAAAAAAAAAAAAAAAAAAAAAAAAAAAAAAECcAABAnAAAAAAAAAAAAAAAAAAAAAAAAAAAAAAAAAAAAAAAAAAAAABQAAAAAAAAAwMD/AAAAAABkAAAAMgAAAAAAAABkAAAAAAAAAH9/fwAKAAAAIgAAABgAAAAAAAAAAAAAAAAAAAAAAAAAAAAAAAAAAAAkAAAAJAAAAAAAAAAHAAAAAAAAAAAAAAAAAAAAAAAAAAAAAAAAAAAAf39/ACUAAABYAAAAAAAAAAAAAAAAAAAAAAAAAAAAAAAAAAAAAAAAAAAAAAAAAAAAAAAAAAAAAAA/AAAAAAAAAKCGAQAAAAAAAAAAAAAAAAAMAAAAAQAAAAAAAAAAAAAAAAAAAB8AAABUAAAAAAAABQAAAAEAAAAAAAAAAAAAAAAAAAAAAAAAAAAAAAAAAAAAAAAAAAAAAAJ/f38AAAAAA8zMzADAwP8Af39/AAAAAAAAAAAAAAAAAAAAAAAAAAAAIQAAABgAAAAUAAAA3gMAAD8CAABiNAAAZwoAABAAAAAmAAAACAAAAAAAAAAAAAAAMAAAABQAAAAAAAAAAAD//wAAAQAAAP//AAABAA=="/>
               </a:ext>
             </a:extLst>
           </p:cNvSpPr>
@@ -10792,9 +10746,7 @@
             <a:pPr>
               <a:defRPr lang="en-us"/>
             </a:pPr>
-            <a:r>
-              <a:t>Game theory as technology for modeling forward-looking agency</a:t>
-            </a:r>
+            <a:endParaRPr/>
           </a:p>
         </p:txBody>
       </p:sp>
@@ -10805,7 +10757,7 @@
             <a:spLocks noGrp="1" noChangeArrowheads="1"/>
             <a:extLst>
               <a:ext uri="smNativeData">
-                <pr:smNativeData xmlns:mc="http://schemas.openxmlformats.org/markup-compatibility/2006" xmlns:p14="http://schemas.microsoft.com/office/powerpoint/2010/main" xmlns:p15="http://schemas.microsoft.com/office/powerpoint/2012/main" xmlns:pr="smNativeData" xmlns="smNativeData" val="SMDATA_16_OZjwYBMAAAAlAAAAZAAAAA0AAAAAkAAAAEgAAACQAAAASAAAAAAAAAAAAAAAAAAAAAEAAABQAAAAAAAAAAAA4D8AAAAAAADgPwAAAAAAAOA/AAAAAAAA4D8AAAAAAADgPwAAAAAAAOA/AAAAAAAA4D8AAAAAAADgPwAAAAAAAOA/AAAAAAAA4D8CAAAAjAAAAAAAAAAAAAAARHLEDP///wgAAAAAAAAAAAAAAAAAAAAAAAAAAAAAAAAAAAAAZAAAAAEAAABAAAAAAAAAAAAAAAAAAAAAAAAAAAAAAAAAAAAAAAAAAAAAAAAAAAAAAAAAAAAAAAAAAAAAAAAAAAAAAAAAAAAAAAAAAAAAAAAAAAAAAAAAAAAAAAAAAAAAFAAAADwAAAAAAAAAAAAAAAAAAAkUAAAAAQAAABQAAAAUAAAAFAAAAAEAAAAAAAAAZAAAAGQAAAAAAAAAZAAAAGQAAAAVAAAAYAAAAAAAAAAAAAAADwAAACADAAAAAAAAAAAAAAEAAACgMgAAVgcAAKr4//8BAAAAf39/AAEAAABkAAAAAAAAABQAAABAHwAAAAAAACYAAAAAAAAAwOD//wAAAAAmAAAAZAAAABYAAABMAAAAAAAAAAAAAAAEAAAAAAAAAAEAAADn5uYKAAAAACgAAAAoAAAAZAAAAGQAAAAAAAAAzMzMAAAAAABQAAAAUAAAAGQAAABkAAAAAAAAABcAAAAUAAAAAAAAAAAAAAD/fwAA/38AAAAAAAAJAAAABAAAAAAAAAAeAAAAaAAAAAAAAAAAAAAAAAAAAAAAAAAAAAAAECcAABAnAAAAAAAAAAAAAAAAAAAAAAAAAAAAAAAAAAAAAAAAAAAAABQAAAAAAAAAwMD/AAAAAABkAAAAMgAAAAAAAABkAAAAAAAAAH9/fwAKAAAAIgAAABgAAAAAAAAAAAAAAAAAAAAAAAAAAAAAAAAAAAAkAAAAJAAAAAAAAAAHAAAAAAAAAAAAAAAAAAAAAAAAAAAAAAAAAAAAf39/ACUAAABYAAAAAAAAAAAAAAAAAAAAAAAAAAAAAAAAAAAAAAAAAAAAAAAAAAAAAAAAAAAAAAA/AAAAAAAAAKCGAQAAAAAAAAAAAAAAAAAMAAAAAQAAAAAAAAAAAAAAAAAAAB8AAABUAAAAAAAABQAAAAEAAAAAAAAAAAAAAAAAAAAAAAAAAAAAAAAAAAAAAAAAAAAAAAJ/f38AAAAAA8zMzADAwP8Af39/AAAAAAAAAAAAAAAAAAAAAAAAAAAAIQAAABgAAAAUAAAA3gMAADsLAABiNAAAACYAABAAAAAmAAAACAAAAAAAAAAAAAAAMAAAABQAAAAAAAAAAAD//wAAAQAAAP//AAABAA=="/>
+                <pr:smNativeData xmlns="smNativeData" xmlns:pr="smNativeData" xmlns:p15="http://schemas.microsoft.com/office/powerpoint/2012/main" xmlns:p14="http://schemas.microsoft.com/office/powerpoint/2010/main" xmlns:mc="http://schemas.openxmlformats.org/markup-compatibility/2006" val="SMDATA_16_OZjwYBMAAAAlAAAAZAAAAA0AAAAAkAAAAEgAAACQAAAASAAAAAAAAAAAAAAAAAAAAAEAAABQAAAAAAAAAAAA4D8AAAAAAADgPwAAAAAAAOA/AAAAAAAA4D8AAAAAAADgPwAAAAAAAOA/AAAAAAAA4D8AAAAAAADgPwAAAAAAAOA/AAAAAAAA4D8CAAAAjAAAAAAAAAAAAAAARHLEDP///wgAAAAAAAAAAAAAAAAAAAAAAAAAAAAAAAAAAAAAZAAAAAEAAABAAAAAAAAAAAAAAAAAAAAAAAAAAAAAAAAAAAAAAAAAAAAAAAAAAAAAAAAAAAAAAAAAAAAAAAAAAAAAAAAAAAAAAAAAAAAAAAAAAAAAAAAAAAAAAAAAAAAAFAAAADwAAAAAAAAAAAAAAAAAAAkUAAAAAQAAABQAAAAUAAAAFAAAAAEAAAAAAAAAZAAAAGQAAAAAAAAAZAAAAGQAAAAVAAAAYAAAAAAAAAAAAAAADwAAACADAAAAAAAAAAAAAAEAAACgMgAAVgcAAKr4//8BAAAAf39/AAEAAABkAAAAAAAAABQAAABAHwAAAAAAACYAAAAAAAAAwOD//wAAAAAmAAAAZAAAABYAAABMAAAAAAAAAAAAAAAEAAAAAAAAAAEAAADn5uYKAAAAACgAAAAoAAAAZAAAAGQAAAAAAAAAzMzMAAAAAABQAAAAUAAAAGQAAABkAAAAAAAAABcAAAAUAAAAAAAAAAAAAAD/fwAA/38AAAAAAAAJAAAABAAAAAAAAAAeAAAAaAAAAAAAAAAAAAAAAAAAAAAAAAAAAAAAECcAABAnAAAAAAAAAAAAAAAAAAAAAAAAAAAAAAAAAAAAAAAAAAAAABQAAAAAAAAAwMD/AAAAAABkAAAAMgAAAAAAAABkAAAAAAAAAH9/fwAKAAAAIgAAABgAAAAAAAAAAAAAAAAAAAAAAAAAAAAAAAAAAAAkAAAAJAAAAAAAAAAHAAAAAAAAAAAAAAAAAAAAAAAAAAAAAAAAAAAAf39/ACUAAABYAAAAAAAAAAAAAAAAAAAAAAAAAAAAAAAAAAAAAAAAAAAAAAAAAAAAAAAAAAAAAAA/AAAAAAAAAKCGAQAAAAAAAAAAAAAAAAAMAAAAAQAAAAAAAAAAAAAAAAAAAB8AAABUAAAAAAAABQAAAAEAAAAAAAAAAAAAAAAAAAAAAAAAAAAAAAAAAAAAAAAAAAAAAAJ/f38AAAAAA8zMzADAwP8Af39/AAAAAAAAAAAAAAAAAAAAAAAAAAAAIQAAABgAAAAUAAAA3gMAADsLAABiNAAAACYAABAAAAAmAAAACAAAAAAgAAAAAAAAMAAAABQAAAAAAAAAAAD//wAAAQAAAP//AAABAA=="/>
               </a:ext>
             </a:extLst>
           </p:cNvSpPr>
@@ -10815,11 +10767,145 @@
         </p:nvSpPr>
         <p:spPr/>
         <p:txBody>
-          <a:bodyPr/>
+          <a:bodyPr vert="horz" wrap="square" lIns="91440" tIns="45720" rIns="91440" bIns="45720" numCol="1" spcCol="215900" anchor="t">
+            <a:prstTxWarp prst="textNoShape">
+              <a:avLst/>
+            </a:prstTxWarp>
+          </a:bodyPr>
           <a:lstStyle/>
           <a:p>
             <a:pPr>
-              <a:defRPr lang="en-us"/>
+              <a:lnSpc>
+                <a:spcPct val="70000"/>
+              </a:lnSpc>
+              <a:spcBef>
+                <a:spcPts val="850"/>
+              </a:spcBef>
+              <a:defRPr lang="en-us" sz="2380"/>
+            </a:pPr>
+            <a:r>
+              <a:t>Action theory</a:t>
+            </a:r>
+          </a:p>
+          <a:p>
+            <a:pPr lvl="1">
+              <a:lnSpc>
+                <a:spcPct val="70000"/>
+              </a:lnSpc>
+              <a:spcBef>
+                <a:spcPts val="425"/>
+              </a:spcBef>
+              <a:defRPr lang="en-us" sz="2040"/>
+            </a:pPr>
+            <a:r>
+              <a:t>One off; norms and regularities, some desiderata, but not enough to specify functions</a:t>
+            </a:r>
+          </a:p>
+          <a:p>
+            <a:pPr lvl="1">
+              <a:lnSpc>
+                <a:spcPct val="70000"/>
+              </a:lnSpc>
+              <a:spcBef>
+                <a:spcPts val="425"/>
+              </a:spcBef>
+              <a:defRPr lang="en-us" sz="2040"/>
+            </a:pPr>
+            <a:r>
+              <a:t>Even bigger problem with multifunctionality</a:t>
+            </a:r>
+          </a:p>
+          <a:p>
+            <a:pPr>
+              <a:lnSpc>
+                <a:spcPct val="70000"/>
+              </a:lnSpc>
+              <a:spcBef>
+                <a:spcPts val="850"/>
+              </a:spcBef>
+              <a:defRPr lang="en-us" sz="2380"/>
+            </a:pPr>
+            <a:r>
+              <a:t>Formal models</a:t>
+            </a:r>
+          </a:p>
+          <a:p>
+            <a:pPr lvl="1">
+              <a:lnSpc>
+                <a:spcPct val="70000"/>
+              </a:lnSpc>
+              <a:spcBef>
+                <a:spcPts val="425"/>
+              </a:spcBef>
+              <a:defRPr lang="en-us" sz="2040"/>
+            </a:pPr>
+            <a:r>
+              <a:t>BDI logics and architectures</a:t>
+            </a:r>
+          </a:p>
+          <a:p>
+            <a:pPr>
+              <a:lnSpc>
+                <a:spcPct val="70000"/>
+              </a:lnSpc>
+              <a:spcBef>
+                <a:spcPts val="850"/>
+              </a:spcBef>
+              <a:defRPr lang="en-us" sz="2380"/>
+            </a:pPr>
+            <a:r>
+              <a:t>Address functional role in a sense, but don’t really tell us what intentions and other cognitive states are for, i.e., how they benefit the system</a:t>
+            </a:r>
+          </a:p>
+          <a:p>
+            <a:pPr lvl="1">
+              <a:lnSpc>
+                <a:spcPct val="70000"/>
+              </a:lnSpc>
+              <a:spcBef>
+                <a:spcPts val="425"/>
+              </a:spcBef>
+              <a:defRPr lang="en-us" sz="2040"/>
+            </a:pPr>
+            <a:r>
+              <a:t>Some hypotheses: bounded agents</a:t>
+            </a:r>
+          </a:p>
+          <a:p>
+            <a:pPr>
+              <a:lnSpc>
+                <a:spcPct val="70000"/>
+              </a:lnSpc>
+              <a:spcBef>
+                <a:spcPts val="850"/>
+              </a:spcBef>
+              <a:defRPr lang="en-us" sz="2380"/>
+            </a:pPr>
+            <a:endParaRPr/>
+          </a:p>
+          <a:p>
+            <a:pPr>
+              <a:lnSpc>
+                <a:spcPct val="70000"/>
+              </a:lnSpc>
+              <a:spcBef>
+                <a:spcPts val="850"/>
+              </a:spcBef>
+              <a:defRPr lang="en-us" sz="2380"/>
+            </a:pPr>
+            <a:r>
+              <a:t>One of the insights of Bratman’s work on intention is the forward-looking nature</a:t>
+            </a:r>
+          </a:p>
+          <a:p>
+            <a:pPr lvl="1">
+              <a:lnSpc>
+                <a:spcPct val="70000"/>
+              </a:lnSpc>
+              <a:spcBef>
+                <a:spcPts val="425"/>
+              </a:spcBef>
+              <a:defRPr lang="en-us" sz="2040"/>
             </a:pPr>
             <a:endParaRPr/>
           </a:p>
@@ -10857,7 +10943,7 @@
             <a:spLocks noGrp="1" noChangeArrowheads="1"/>
             <a:extLst>
               <a:ext uri="smNativeData">
-                <pr:smNativeData xmlns:mc="http://schemas.openxmlformats.org/markup-compatibility/2006" xmlns:p14="http://schemas.microsoft.com/office/powerpoint/2010/main" xmlns:p15="http://schemas.microsoft.com/office/powerpoint/2012/main" xmlns:pr="smNativeData" xmlns="smNativeData" val="SMDATA_16_OZjwYBMAAAAlAAAAZAAAAA0AAAAAkAAAAEgAAACQAAAASAAAAAAAAAABAAAAAAAAAAEAAABQAAAAAAAAAAAA4D8AAAAAAADgPwAAAAAAAOA/AAAAAAAA4D8AAAAAAADgPwAAAAAAAOA/AAAAAAAA4D8AAAAAAADgPwAAAAAAAOA/AAAAAAAA4D8CAAAAjAAAAAAAAAAAAAAARHLEDP///wgAAAAAAAAAAAAAAAAAAAAAAAAAAAAAAAAAAAAAZAAAAAEAAABAAAAAAAAAAAAAAAAAAAAAAAAAAAAAAAAAAAAAAAAAAAAAAAAAAAAAAAAAAAAAAAAAAAAAAAAAAAAAAAAAAAAAAAAAAAAAAAAAAAAAAAAAAAAAAAAAAAAAFAAAADwAAAAAAAAAAAAAAAAAAAkUAAAAAQAAABQAAAAUAAAAFAAAAAEAAAAAAAAAZAAAAGQAAAAAAAAAZAAAAGQAAAAVAAAAYAAAAAAAAAAAAAAADwAAACADAAAAAAAAAAAAAAEAAACgMgAAVgcAAKr4//8BAAAAf39/AAEAAABkAAAAAAAAABQAAABAHwAAAAAAACYAAAAAAAAAwOD//wAAAAAmAAAAZAAAABYAAABMAAAAAAAAAAAAAAAEAAAAAAAAAAEAAADn5uYKAAAAACgAAAAoAAAAZAAAAGQAAAAAAAAAzMzMAAAAAABQAAAAUAAAAGQAAABkAAAAAAAAABcAAAAUAAAAAAAAAAAAAAD/fwAA/38AAAAAAAAJAAAABAAAAAAAAAAeAAAAaAAAAAAAAAAAAAAAAAAAAAAAAAAAAAAAECcAABAnAAAAAAAAAAAAAAAAAAAAAAAAAAAAAAAAAAAAAAAAAAAAABQAAAAAAAAAwMD/AAAAAABkAAAAMgAAAAAAAABkAAAAAAAAAH9/fwAKAAAAIgAAABgAAAAAAAAAAAAAAAAAAAAAAAAAAAAAAAAAAAAkAAAAJAAAAAAAAAAHAAAAAAAAAAAAAAAAAAAAAAAAAAAAAAAAAAAAf39/ACUAAABYAAAAAAAAAAAAAAAAAAAAAAAAAAAAAAAAAAAAAAAAAAAAAAAAAAAAAAAAAAAAAAA/AAAAAAAAAKCGAQAAAAAAAAAAAAAAAAAMAAAAAQAAAAAAAAAAAAAAAAAAAB8AAABUAAAAAAAABQAAAAEAAAAAAAAAAAAAAAAAAAAAAAAAAAAAAAAAAAAAAAAAAAAAAAJ/f38AAAAAA8zMzADAwP8Af39/AAAAAAAAAAAAAAAAAAAAAAAAAAAAIQAAABgAAAAUAAAA3gMAAD8CAABiNAAAZwoAABAAAAAmAAAACAAAAAAAAAAAAAAAMAAAABQAAAAAAAAAAAD//wAAAQAAAP//AAABAA=="/>
+                <pr:smNativeData xmlns="smNativeData" xmlns:pr="smNativeData" xmlns:p15="http://schemas.microsoft.com/office/powerpoint/2012/main" xmlns:p14="http://schemas.microsoft.com/office/powerpoint/2010/main" xmlns:mc="http://schemas.openxmlformats.org/markup-compatibility/2006" val="SMDATA_16_OZjwYBMAAAAlAAAAZAAAAA0AAAAAkAAAAEgAAACQAAAASAAAAAAAAAABAAAAAAAAAAEAAABQAAAAAAAAAAAA4D8AAAAAAADgPwAAAAAAAOA/AAAAAAAA4D8AAAAAAADgPwAAAAAAAOA/AAAAAAAA4D8AAAAAAADgPwAAAAAAAOA/AAAAAAAA4D8CAAAAjAAAAAAAAAAAAAAARHLEDP///wgAAAAAAAAAAAAAAAAAAAAAAAAAAAAAAAAAAAAAZAAAAAEAAABAAAAAAAAAAAAAAAAAAAAAAAAAAAAAAAAAAAAAAAAAAAAAAAAAAAAAAAAAAAAAAAAAAAAAAAAAAAAAAAAAAAAAAAAAAAAAAAAAAAAAAAAAAAAAAAAAAAAAFAAAADwAAAAAAAAAAAAAAAAAAAkUAAAAAQAAABQAAAAUAAAAFAAAAAEAAAAAAAAAZAAAAGQAAAAAAAAAZAAAAGQAAAAVAAAAYAAAAAAAAAAAAAAADwAAACADAAAAAAAAAAAAAAEAAACgMgAAVgcAAKr4//8BAAAAf39/AAEAAABkAAAAAAAAABQAAABAHwAAAAAAACYAAAAAAAAAwOD//wAAAAAmAAAAZAAAABYAAABMAAAAAAAAAAAAAAAEAAAAAAAAAAEAAADn5uYKAAAAACgAAAAoAAAAZAAAAGQAAAAAAAAAzMzMAAAAAABQAAAAUAAAAGQAAABkAAAAAAAAABcAAAAUAAAAAAAAAAAAAAD/fwAA/38AAAAAAAAJAAAABAAAAAUAAAAeAAAAaAAAAAAAAAAAAAAAAAAAAAAAAAAAAAAAECcAABAnAAAAAAAAAAAAAAAAAAAAAAAAAAAAAAAAAAAAAAAAAAAAABQAAAAAAAAAwMD/AAAAAABkAAAAMgAAAAAAAABkAAAAAAAAAH9/fwAKAAAAIgAAABgAAAAAAAAAAAAAAAAAAAAAAAAAAAAAAAAAAAAkAAAAJAAAAAAAAAAHAAAAAAAAAAAAAAAAAAAAAAAAAAAAAAAAAAAAf39/ACUAAABYAAAAAAAAAAAAAAAAAAAAAAAAAAAAAAAAAAAAAAAAAAAAAAAAAAAAAAAAAAAAAAA/AAAAAAAAAKCGAQAAAAAAAAAAAAAAAAAMAAAAAQAAAAAAAAAAAAAAAAAAAB8AAABUAAAAAAAABQAAAAEAAAAAAAAAAAAAAAAAAAAAAAAAAAAAAAAAAAAAAAAAAAAAAAJ/f38AAAAAA8zMzADAwP8Af39/AAAAAAAAAAAAAAAAAAAAAAAAAAAAIQAAABgAAAAUAAAA3gMAAD8CAABiNAAAZwoAABAAAAAmAAAACAAAAAAAAAAAAAAAMAAAABQAAAAAAAAAAAD//wAAAQAAAP//AAABAA=="/>
               </a:ext>
             </a:extLst>
           </p:cNvSpPr>
@@ -10873,7 +10959,9 @@
             <a:pPr>
               <a:defRPr lang="en-us"/>
             </a:pPr>
-            <a:endParaRPr/>
+            <a:r>
+              <a:t>Game theory</a:t>
+            </a:r>
           </a:p>
         </p:txBody>
       </p:sp>
@@ -10884,7 +10972,7 @@
             <a:spLocks noGrp="1" noChangeArrowheads="1"/>
             <a:extLst>
               <a:ext uri="smNativeData">
-                <pr:smNativeData xmlns:mc="http://schemas.openxmlformats.org/markup-compatibility/2006" xmlns:p14="http://schemas.microsoft.com/office/powerpoint/2010/main" xmlns:p15="http://schemas.microsoft.com/office/powerpoint/2012/main" xmlns:pr="smNativeData" xmlns="smNativeData" val="SMDATA_16_OZjwYBMAAAAlAAAAZAAAAA0AAAAAkAAAAEgAAACQAAAASAAAAAAAAAAAAAAAAAAAAAEAAABQAAAAAAAAAAAA4D8AAAAAAADgPwAAAAAAAOA/AAAAAAAA4D8AAAAAAADgPwAAAAAAAOA/AAAAAAAA4D8AAAAAAADgPwAAAAAAAOA/AAAAAAAA4D8CAAAAjAAAAAAAAAAAAAAARHLEDP///wgAAAAAAAAAAAAAAAAAAAAAAAAAAAAAAAAAAAAAZAAAAAEAAABAAAAAAAAAAAAAAAAAAAAAAAAAAAAAAAAAAAAAAAAAAAAAAAAAAAAAAAAAAAAAAAAAAAAAAAAAAAAAAAAAAAAAAAAAAAAAAAAAAAAAAAAAAAAAAAAAAAAAFAAAADwAAAAAAAAAAAAAAAAAAAkUAAAAAQAAABQAAAAUAAAAFAAAAAEAAAAAAAAAZAAAAGQAAAAAAAAAZAAAAGQAAAAVAAAAYAAAAAAAAAAAAAAADwAAACADAAAAAAAAAAAAAAEAAACgMgAAVgcAAKr4//8BAAAAf39/AAEAAABkAAAAAAAAABQAAABAHwAAAAAAACYAAAAAAAAAwOD//wAAAAAmAAAAZAAAABYAAABMAAAAAAAAAAAAAAAEAAAAAAAAAAEAAADn5uYKAAAAACgAAAAoAAAAZAAAAGQAAAAAAAAAzMzMAAAAAABQAAAAUAAAAGQAAABkAAAAAAAAABcAAAAUAAAAAAAAAAAAAAD/fwAA/38AAAAAAAAJAAAABAAAAAAAAAAeAAAAaAAAAAAAAAAAAAAAAAAAAAAAAAAAAAAAECcAABAnAAAAAAAAAAAAAAAAAAAAAAAAAAAAAAAAAAAAAAAAAAAAABQAAAAAAAAAwMD/AAAAAABkAAAAMgAAAAAAAABkAAAAAAAAAH9/fwAKAAAAIgAAABgAAAAAAAAAAAAAAAAAAAAAAAAAAAAAAAAAAAAkAAAAJAAAAAAAAAAHAAAAAAAAAAAAAAAAAAAAAAAAAAAAAAAAAAAAf39/ACUAAABYAAAAAAAAAAAAAAAAAAAAAAAAAAAAAAAAAAAAAAAAAAAAAAAAAAAAAAAAAAAAAAA/AAAAAAAAAKCGAQAAAAAAAAAAAAAAAAAMAAAAAQAAAAAAAAAAAAAAAAAAAB8AAABUAAAAAAAABQAAAAEAAAAAAAAAAAAAAAAAAAAAAAAAAAAAAAAAAAAAAAAAAAAAAAJ/f38AAAAAA8zMzADAwP8Af39/AAAAAAAAAAAAAAAAAAAAAAAAAAAAIQAAABgAAAAUAAAA3gMAADsLAABiNAAAACYAABAAAAAmAAAACAAAAAAAAAAAAAAAMAAAABQAAAAAAAAAAAD//wAAAQAAAP//AAABAA=="/>
+                <pr:smNativeData xmlns="smNativeData" xmlns:pr="smNativeData" xmlns:p15="http://schemas.microsoft.com/office/powerpoint/2012/main" xmlns:p14="http://schemas.microsoft.com/office/powerpoint/2010/main" xmlns:mc="http://schemas.openxmlformats.org/markup-compatibility/2006" val="SMDATA_16_OZjwYBMAAAAlAAAAZAAAAA0AAAAAkAAAAEgAAACQAAAASAAAAAAAAAAAAAAAAAAAAAEAAABQAAAAAAAAAAAA4D8AAAAAAADgPwAAAAAAAOA/AAAAAAAA4D8AAAAAAADgPwAAAAAAAOA/AAAAAAAA4D8AAAAAAADgPwAAAAAAAOA/AAAAAAAA4D8CAAAAjAAAAAAAAAAAAAAARHLEDP///wgAAAAAAAAAAAAAAAAAAAAAAAAAAAAAAAAAAAAAZAAAAAEAAABAAAAAAAAAAAAAAAAAAAAAAAAAAAAAAAAAAAAAAAAAAAAAAAAAAAAAAAAAAAAAAAAAAAAAAAAAAAAAAAAAAAAAAAAAAAAAAAAAAAAAAAAAAAAAAAAAAAAAFAAAADwAAAAAAAAAAAAAAAAAAAkUAAAAAQAAABQAAAAUAAAAFAAAAAEAAAAAAAAAZAAAAGQAAAAAAAAAZAAAAGQAAAAVAAAAYAAAAAAAAAAAAAAADwAAACADAAAAAAAAAAAAAAEAAACgMgAAVgcAAKr4//8BAAAAf39/AAEAAABkAAAAAAAAABQAAABAHwAAAAAAACYAAAAAAAAAwOD//wAAAAAmAAAAZAAAABYAAABMAAAAAAAAAAAAAAAEAAAAAAAAAAEAAADn5uYKAAAAACgAAAAoAAAAZAAAAGQAAAAAAAAAzMzMAAAAAABQAAAAUAAAAGQAAABkAAAAAAAAABcAAAAUAAAAAAAAAAAAAAD/fwAA/38AAAAAAAAJAAAABAAAAEAHAAAeAAAAaAAAAAAAAAAAAAAAAAAAAAAAAAAAAAAAECcAABAnAAAAAAAAAAAAAAAAAAAAAAAAAAAAAAAAAAAAAAAAAAAAABQAAAAAAAAAwMD/AAAAAABkAAAAMgAAAAAAAABkAAAAAAAAAH9/fwAKAAAAIgAAABgAAAAAAAAAAAAAAAAAAAAAAAAAAAAAAAAAAAAkAAAAJAAAAAAAAAAHAAAAAAAAAAAAAAAAAAAAAAAAAAAAAAAAAAAAf39/ACUAAABYAAAAAAAAAAAAAAAAAAAAAAAAAAAAAAAAAAAAAAAAAAAAAAAAAAAAAAAAAAAAAAA/AAAAAAAAAKCGAQAAAAAAAAAAAAAAAAAMAAAAAQAAAAAAAAAAAAAAAAAAAB8AAABUAAAAAAAABQAAAAEAAAAAAAAAAAAAAAAAAAAAAAAAAAAAAAAAAAAAAAAAAAAAAAJ/f38AAAAAA8zMzADAwP8Af39/AAAAAAAAAAAAAAAAAAAAAAAAAAAAIQAAABgAAAAUAAAA3gMAADsLAABiNAAAACYAABAAAAAmAAAACAAAAAAAAAAAAAAAMAAAABQAAAAAAAAAAAD//wAAAQAAAP//AAABAA=="/>
               </a:ext>
             </a:extLst>
           </p:cNvSpPr>
@@ -10901,253 +10989,8 @@
               <a:defRPr lang="en-us"/>
             </a:pPr>
             <a:r>
-              <a:t>Group cognition</a:t>
-            </a:r>
-          </a:p>
-          <a:p>
-            <a:pPr>
-              <a:defRPr lang="en-us"/>
-            </a:pPr>
-            <a:r>
-              <a:t>Modeling it, problems with making sense of groups as having cognitive states</a:t>
-            </a:r>
-          </a:p>
-          <a:p>
-            <a:pPr>
-              <a:defRPr lang="en-us"/>
-            </a:pPr>
-            <a:r>
-              <a:t>Many people take a broadly functionalist approach, but lots of problems with this</a:t>
-            </a:r>
-          </a:p>
-          <a:p>
-            <a:pPr lvl="1">
-              <a:defRPr lang="en-us"/>
-            </a:pPr>
-            <a:r>
-              <a:t>Not clear whether this is right, and how close the functions need to conform to recognizable ones, and when they do fall short, what to do about that</a:t>
-            </a:r>
-          </a:p>
-          <a:p>
-            <a:pPr lvl="1">
-              <a:defRPr lang="en-us"/>
-            </a:pPr>
-            <a:r>
-              <a:t>Worse: not clear what the functions of cognitive states are, either in the group or the individual case</a:t>
-            </a:r>
-          </a:p>
-        </p:txBody>
-      </p:sp>
-    </p:spTree>
-  </p:cSld>
-  <p:clrMapOvr>
-    <a:masterClrMapping/>
-  </p:clrMapOvr>
-</p:sld>
-</file>
-
-<file path=ppt/slides/slide29.xml><?xml version="1.0" encoding="utf-8"?>
-<p:sld xmlns:a="http://schemas.openxmlformats.org/drawingml/2006/main" xmlns:r="http://schemas.openxmlformats.org/officeDocument/2006/relationships" xmlns:p="http://schemas.openxmlformats.org/presentationml/2006/main">
-  <p:cSld>
-    <p:spTree>
-      <p:nvGrpSpPr>
-        <p:cNvPr id="1" name=""/>
-        <p:cNvGrpSpPr/>
-        <p:nvPr/>
-      </p:nvGrpSpPr>
-      <p:grpSpPr>
-        <a:xfrm>
-          <a:off x="0" y="0"/>
-          <a:ext cx="0" cy="0"/>
-          <a:chOff x="0" y="0"/>
-          <a:chExt cx="0" cy="0"/>
-        </a:xfrm>
-      </p:grpSpPr>
-      <p:sp>
-        <p:nvSpPr>
-          <p:cNvPr id="2" name="Title 1"/>
-          <p:cNvSpPr>
-            <a:spLocks noGrp="1" noChangeArrowheads="1"/>
-            <a:extLst>
-              <a:ext uri="smNativeData">
-                <pr:smNativeData xmlns:mc="http://schemas.openxmlformats.org/markup-compatibility/2006" xmlns:p14="http://schemas.microsoft.com/office/powerpoint/2010/main" xmlns:p15="http://schemas.microsoft.com/office/powerpoint/2012/main" xmlns:pr="smNativeData" xmlns="smNativeData" val="SMDATA_16_OZjwYBMAAAAlAAAAZAAAAA0AAAAAkAAAAEgAAACQAAAASAAAAAAAAAABAAAAAAAAAAEAAABQAAAAAAAAAAAA4D8AAAAAAADgPwAAAAAAAOA/AAAAAAAA4D8AAAAAAADgPwAAAAAAAOA/AAAAAAAA4D8AAAAAAADgPwAAAAAAAOA/AAAAAAAA4D8CAAAAjAAAAAAAAAAAAAAARHLEDP///wgAAAAAAAAAAAAAAAAAAAAAAAAAAAAAAAAAAAAAZAAAAAEAAABAAAAAAAAAAAAAAAAAAAAAAAAAAAAAAAAAAAAAAAAAAAAAAAAAAAAAAAAAAAAAAAAAAAAAAAAAAAAAAAAAAAAAAAAAAAAAAAAAAAAAAAAAAAAAAAAAAAAAFAAAADwAAAAAAAAAAAAAAAAAAAkUAAAAAQAAABQAAAAUAAAAFAAAAAEAAAAAAAAAZAAAAGQAAAAAAAAAZAAAAGQAAAAVAAAAYAAAAAAAAAAAAAAADwAAACADAAAAAAAAAAAAAAEAAACgMgAAVgcAAKr4//8BAAAAf39/AAEAAABkAAAAAAAAABQAAABAHwAAAAAAACYAAAAAAAAAwOD//wAAAAAmAAAAZAAAABYAAABMAAAAAAAAAAAAAAAEAAAAAAAAAAEAAADn5uYKAAAAACgAAAAoAAAAZAAAAGQAAAAAAAAAzMzMAAAAAABQAAAAUAAAAGQAAABkAAAAAAAAABcAAAAUAAAAAAAAAAAAAAD/fwAA/38AAAAAAAAJAAAABAAAAAUAAAAeAAAAaAAAAAAAAAAAAAAAAAAAAAAAAAAAAAAAECcAABAnAAAAAAAAAAAAAAAAAAAAAAAAAAAAAAAAAAAAAAAAAAAAABQAAAAAAAAAwMD/AAAAAABkAAAAMgAAAAAAAABkAAAAAAAAAH9/fwAKAAAAIgAAABgAAAAAAAAAAAAAAAAAAAAAAAAAAAAAAAAAAAAkAAAAJAAAAAAAAAAHAAAAAAAAAAAAAAAAAAAAAAAAAAAAAAAAAAAAf39/ACUAAABYAAAAAAAAAAAAAAAAAAAAAAAAAAAAAAAAAAAAAAAAAAAAAAAAAAAAAAAAAAAAAAA/AAAAAAAAAKCGAQAAAAAAAAAAAAAAAAAMAAAAAQAAAAAAAAAAAAAAAAAAAB8AAABUAAAAAAAABQAAAAEAAAAAAAAAAAAAAAAAAAAAAAAAAAAAAAAAAAAAAAAAAAAAAAJ/f38AAAAAA8zMzADAwP8Af39/AAAAAAAAAAAAAAAAAAAAAAAAAAAAIQAAABgAAAAUAAAA3gMAAD8CAABiNAAAZwoAABAAAAAmAAAACAAAAAAAAAAAAAAAMAAAABQAAAAAAAAAAAD//wAAAQAAAP//AAABAA=="/>
-              </a:ext>
-            </a:extLst>
-          </p:cNvSpPr>
-          <p:nvPr>
-            <p:ph type="title"/>
-          </p:nvPr>
-        </p:nvSpPr>
-        <p:spPr/>
-        <p:txBody>
-          <a:bodyPr/>
-          <a:lstStyle/>
-          <a:p>
-            <a:pPr>
-              <a:defRPr lang="en-us"/>
-            </a:pPr>
-            <a:endParaRPr/>
-          </a:p>
-        </p:txBody>
-      </p:sp>
-      <p:sp>
-        <p:nvSpPr>
-          <p:cNvPr id="3" name="Content Placeholder 2"/>
-          <p:cNvSpPr>
-            <a:spLocks noGrp="1" noChangeArrowheads="1"/>
-            <a:extLst>
-              <a:ext uri="smNativeData">
-                <pr:smNativeData xmlns:mc="http://schemas.openxmlformats.org/markup-compatibility/2006" xmlns:p14="http://schemas.microsoft.com/office/powerpoint/2010/main" xmlns:p15="http://schemas.microsoft.com/office/powerpoint/2012/main" xmlns:pr="smNativeData" xmlns="smNativeData" val="SMDATA_16_OZjwYBMAAAAlAAAAZAAAAA0AAAAAkAAAAEgAAACQAAAASAAAAAAAAAAAAAAAAAAAAAEAAABQAAAAAAAAAAAA4D8AAAAAAADgPwAAAAAAAOA/AAAAAAAA4D8AAAAAAADgPwAAAAAAAOA/AAAAAAAA4D8AAAAAAADgPwAAAAAAAOA/AAAAAAAA4D8CAAAAjAAAAAAAAAAAAAAARHLEDP///wgAAAAAAAAAAAAAAAAAAAAAAAAAAAAAAAAAAAAAZAAAAAEAAABAAAAAAAAAAAAAAAAAAAAAAAAAAAAAAAAAAAAAAAAAAAAAAAAAAAAAAAAAAAAAAAAAAAAAAAAAAAAAAAAAAAAAAAAAAAAAAAAAAAAAAAAAAAAAAAAAAAAAFAAAADwAAAAAAAAAAAAAAAAAAAkUAAAAAQAAABQAAAAUAAAAFAAAAAEAAAAAAAAAZAAAAGQAAAAAAAAAZAAAAGQAAAAVAAAAYAAAAAAAAAAAAAAADwAAACADAAAAAAAAAAAAAAEAAACgMgAAVgcAAKr4//8BAAAAf39/AAEAAABkAAAAAAAAABQAAABAHwAAAAAAACYAAAAAAAAAwOD//wAAAAAmAAAAZAAAABYAAABMAAAAAAAAAAAAAAAEAAAAAAAAAAEAAADn5uYKAAAAACgAAAAoAAAAZAAAAGQAAAAAAAAAzMzMAAAAAABQAAAAUAAAAGQAAABkAAAAAAAAABcAAAAUAAAAAAAAAAAAAAD/fwAA/38AAAAAAAAJAAAABAAAAAAAAAAeAAAAaAAAAAAAAAAAAAAAAAAAAAAAAAAAAAAAECcAABAnAAAAAAAAAAAAAAAAAAAAAAAAAAAAAAAAAAAAAAAAAAAAABQAAAAAAAAAwMD/AAAAAABkAAAAMgAAAAAAAABkAAAAAAAAAH9/fwAKAAAAIgAAABgAAAAAAAAAAAAAAAAAAAAAAAAAAAAAAAAAAAAkAAAAJAAAAAAAAAAHAAAAAAAAAAAAAAAAAAAAAAAAAAAAAAAAAAAAf39/ACUAAABYAAAAAAAAAAAAAAAAAAAAAAAAAAAAAAAAAAAAAAAAAAAAAAAAAAAAAAAAAAAAAAA/AAAAAAAAAKCGAQAAAAAAAAAAAAAAAAAMAAAAAQAAAAAAAAAAAAAAAAAAAB8AAABUAAAAAAAABQAAAAEAAAAAAAAAAAAAAAAAAAAAAAAAAAAAAAAAAAAAAAAAAAAAAAJ/f38AAAAAA8zMzADAwP8Af39/AAAAAAAAAAAAAAAAAAAAAAAAAAAAIQAAABgAAAAUAAAA3gMAADsLAABiNAAAACYAABAAAAAmAAAACAAAAAAgAAAAAAAAMAAAABQAAAAAAAAAAAD//wAAAQAAAP//AAABAA=="/>
-              </a:ext>
-            </a:extLst>
-          </p:cNvSpPr>
-          <p:nvPr>
-            <p:ph type="body" idx="1"/>
-          </p:nvPr>
-        </p:nvSpPr>
-        <p:spPr/>
-        <p:txBody>
-          <a:bodyPr vert="horz" wrap="square" lIns="91440" tIns="45720" rIns="91440" bIns="45720" numCol="1" spcCol="215900" anchor="t">
-            <a:prstTxWarp prst="textNoShape">
-              <a:avLst/>
-            </a:prstTxWarp>
-          </a:bodyPr>
-          <a:lstStyle/>
-          <a:p>
-            <a:pPr>
-              <a:lnSpc>
-                <a:spcPct val="70000"/>
-              </a:lnSpc>
-              <a:spcBef>
-                <a:spcPts val="850"/>
-              </a:spcBef>
-              <a:defRPr lang="en-us" sz="2380"/>
-            </a:pPr>
-            <a:r>
-              <a:t>Action theory</a:t>
-            </a:r>
-          </a:p>
-          <a:p>
-            <a:pPr lvl="1">
-              <a:lnSpc>
-                <a:spcPct val="70000"/>
-              </a:lnSpc>
-              <a:spcBef>
-                <a:spcPts val="425"/>
-              </a:spcBef>
-              <a:defRPr lang="en-us" sz="2040"/>
-            </a:pPr>
-            <a:r>
-              <a:t>One off; norms and regularities, some desiderata, but not enough to specify functions</a:t>
-            </a:r>
-          </a:p>
-          <a:p>
-            <a:pPr lvl="1">
-              <a:lnSpc>
-                <a:spcPct val="70000"/>
-              </a:lnSpc>
-              <a:spcBef>
-                <a:spcPts val="425"/>
-              </a:spcBef>
-              <a:defRPr lang="en-us" sz="2040"/>
-            </a:pPr>
-            <a:r>
-              <a:t>Even bigger problem with multifunctionality</a:t>
-            </a:r>
-          </a:p>
-          <a:p>
-            <a:pPr>
-              <a:lnSpc>
-                <a:spcPct val="70000"/>
-              </a:lnSpc>
-              <a:spcBef>
-                <a:spcPts val="850"/>
-              </a:spcBef>
-              <a:defRPr lang="en-us" sz="2380"/>
-            </a:pPr>
-            <a:r>
-              <a:t>Formal models</a:t>
-            </a:r>
-          </a:p>
-          <a:p>
-            <a:pPr lvl="1">
-              <a:lnSpc>
-                <a:spcPct val="70000"/>
-              </a:lnSpc>
-              <a:spcBef>
-                <a:spcPts val="425"/>
-              </a:spcBef>
-              <a:defRPr lang="en-us" sz="2040"/>
-            </a:pPr>
-            <a:r>
-              <a:t>BDI logics and architectures</a:t>
-            </a:r>
-          </a:p>
-          <a:p>
-            <a:pPr>
-              <a:lnSpc>
-                <a:spcPct val="70000"/>
-              </a:lnSpc>
-              <a:spcBef>
-                <a:spcPts val="850"/>
-              </a:spcBef>
-              <a:defRPr lang="en-us" sz="2380"/>
-            </a:pPr>
-            <a:r>
-              <a:t>Address functional role in a sense, but don’t really tell us what intentions and other cognitive states are for, i.e., how they benefit the system</a:t>
-            </a:r>
-          </a:p>
-          <a:p>
-            <a:pPr lvl="1">
-              <a:lnSpc>
-                <a:spcPct val="70000"/>
-              </a:lnSpc>
-              <a:spcBef>
-                <a:spcPts val="425"/>
-              </a:spcBef>
-              <a:defRPr lang="en-us" sz="2040"/>
-            </a:pPr>
-            <a:r>
-              <a:t>Some hypotheses: bounded agents</a:t>
-            </a:r>
-          </a:p>
-          <a:p>
-            <a:pPr>
-              <a:lnSpc>
-                <a:spcPct val="70000"/>
-              </a:lnSpc>
-              <a:spcBef>
-                <a:spcPts val="850"/>
-              </a:spcBef>
-              <a:defRPr lang="en-us" sz="2380"/>
-            </a:pPr>
-            <a:endParaRPr/>
-          </a:p>
-          <a:p>
-            <a:pPr>
-              <a:lnSpc>
-                <a:spcPct val="70000"/>
-              </a:lnSpc>
-              <a:spcBef>
-                <a:spcPts val="850"/>
-              </a:spcBef>
-              <a:defRPr lang="en-us" sz="2380"/>
-            </a:pPr>
-            <a:r>
-              <a:t>One of the insights of Bratman’s work on intention is the forward-looking nature</a:t>
-            </a:r>
-          </a:p>
-          <a:p>
-            <a:pPr lvl="1">
-              <a:lnSpc>
-                <a:spcPct val="70000"/>
-              </a:lnSpc>
-              <a:spcBef>
-                <a:spcPts val="425"/>
-              </a:spcBef>
-              <a:defRPr lang="en-us" sz="2040"/>
-            </a:pPr>
-            <a:endParaRPr/>
+              <a:t>Forward-looking</a:t>
+            </a:r>
           </a:p>
         </p:txBody>
       </p:sp>
@@ -11183,7 +11026,7 @@
             <a:spLocks noGrp="1" noChangeArrowheads="1"/>
             <a:extLst>
               <a:ext uri="smNativeData">
-                <pr:smNativeData xmlns:mc="http://schemas.openxmlformats.org/markup-compatibility/2006" xmlns:p14="http://schemas.microsoft.com/office/powerpoint/2010/main" xmlns:p15="http://schemas.microsoft.com/office/powerpoint/2012/main" xmlns:pr="smNativeData" xmlns="smNativeData" val="SMDATA_16_OZjwYBMAAAAlAAAAZAAAAA0AAAAAkAAAAEgAAACQAAAASAAAAAAAAAABAAAAAAAAAAEAAABQAAAAAAAAAAAA4D8AAAAAAADgPwAAAAAAAOA/AAAAAAAA4D8AAAAAAADgPwAAAAAAAOA/AAAAAAAA4D8AAAAAAADgPwAAAAAAAOA/AAAAAAAA4D8CAAAAjAAAAAAAAAAAAAAARHLEDP///wgAAAAAAAAAAAAAAAAAAAAAAAAAAAAAAAAAAAAAZAAAAAEAAABAAAAAAAAAAAAAAAAAAAAAAAAAAAAAAAAAAAAAAAAAAAAAAAAAAAAAAAAAAAAAAAAAAAAAAAAAAAAAAAAAAAAAAAAAAAAAAAAAAAAAAAAAAAAAAAAAAAAAFAAAADwAAAAAAAAAAAAAAAAAAAkUAAAAAQAAABQAAAAUAAAAFAAAAAEAAAAAAAAAZAAAAGQAAAAAAAAAZAAAAGQAAAAVAAAAYAAAAAAAAAAAAAAADwAAACADAAAAAAAAAAAAAAEAAACgMgAAVgcAAKr4//8BAAAAf39/AAEAAABkAAAAAAAAABQAAABAHwAAAAAAACYAAAAAAAAAwOD//wAAAAAmAAAAZAAAABYAAABMAAAAAAAAAAAAAAAEAAAAAAAAAAEAAADn5uYKAAAAACgAAAAoAAAAZAAAAGQAAAAAAAAAzMzMAAAAAABQAAAAUAAAAGQAAABkAAAAAAAAABcAAAAUAAAAAAAAAAAAAAD/fwAA/38AAAAAAAAJAAAABAAAAAAAAAAeAAAAaAAAAAAAAAAAAAAAAAAAAAAAAAAAAAAAECcAABAnAAAAAAAAAAAAAAAAAAAAAAAAAAAAAAAAAAAAAAAAAAAAABQAAAAAAAAAwMD/AAAAAABkAAAAMgAAAAAAAABkAAAAAAAAAH9/fwAKAAAAIgAAABgAAAAAAAAAAAAAAAAAAAAAAAAAAAAAAAAAAAAkAAAAJAAAAAAAAAAHAAAAAAAAAAAAAAAAAAAAAAAAAAAAAAAAAAAAf39/ACUAAABYAAAAAAAAAAAAAAAAAAAAAAAAAAAAAAAAAAAAAAAAAAAAAAAAAAAAAAAAAAAAAAA/AAAAAAAAAKCGAQAAAAAAAAAAAAAAAAAMAAAAAQAAAAAAAAAAAAAAAAAAAB8AAABUAAAARHLEBf///wEAAAAAAAAAAAAAAAAAAAAAAAAAAAAAAAAAAAAAAAAAAAAAAAJ/f38A5+bmA8zMzADAwP8Af39/AAAAAAAAAAAAAAAAAAAAAAAAAAAAIQAAABgAAAAUAAAA3gMAAD8CAABiNAAAZwoAABAAAAAmAAAACAAAAAAAAAAAAAAAMAAAABQAAAAAAAAAAAD//wAAAQAAAP//AAABAA=="/>
+                <pr:smNativeData xmlns="smNativeData" xmlns:pr="smNativeData" xmlns:p15="http://schemas.microsoft.com/office/powerpoint/2012/main" xmlns:p14="http://schemas.microsoft.com/office/powerpoint/2010/main" xmlns:mc="http://schemas.openxmlformats.org/markup-compatibility/2006" val="SMDATA_16_OZjwYBMAAAAlAAAAZAAAAA0AAAAAkAAAAEgAAACQAAAASAAAAAAAAAABAAAAAAAAAAEAAABQAAAAAAAAAAAA4D8AAAAAAADgPwAAAAAAAOA/AAAAAAAA4D8AAAAAAADgPwAAAAAAAOA/AAAAAAAA4D8AAAAAAADgPwAAAAAAAOA/AAAAAAAA4D8CAAAAjAAAAAAAAAAAAAAARHLEDP///wgAAAAAAAAAAAAAAAAAAAAAAAAAAAAAAAAAAAAAZAAAAAEAAABAAAAAAAAAAAAAAAAAAAAAAAAAAAAAAAAAAAAAAAAAAAAAAAAAAAAAAAAAAAAAAAAAAAAAAAAAAAAAAAAAAAAAAAAAAAAAAAAAAAAAAAAAAAAAAAAAAAAAFAAAADwAAAAAAAAAAAAAAAAAAAkUAAAAAQAAABQAAAAUAAAAFAAAAAEAAAAAAAAAZAAAAGQAAAAAAAAAZAAAAGQAAAAVAAAAYAAAAAAAAAAAAAAADwAAACADAAAAAAAAAAAAAAEAAACgMgAAVgcAAKr4//8BAAAAf39/AAEAAABkAAAAAAAAABQAAABAHwAAAAAAACYAAAAAAAAAwOD//wAAAAAmAAAAZAAAABYAAABMAAAAAAAAAAAAAAAEAAAAAAAAAAEAAADn5uYKAAAAACgAAAAoAAAAZAAAAGQAAAAAAAAAzMzMAAAAAABQAAAAUAAAAGQAAABkAAAAAAAAABcAAAAUAAAAAAAAAAAAAAD/fwAA/38AAAAAAAAJAAAABAAAAAAAAAAeAAAAaAAAAAAAAAAAAAAAAAAAAAAAAAAAAAAAECcAABAnAAAAAAAAAAAAAAAAAAAAAAAAAAAAAAAAAAAAAAAAAAAAABQAAAAAAAAAwMD/AAAAAABkAAAAMgAAAAAAAABkAAAAAAAAAH9/fwAKAAAAIgAAABgAAAAAAAAAAAAAAAAAAAAAAAAAAAAAAAAAAAAkAAAAJAAAAAAAAAAHAAAAAAAAAAAAAAAAAAAAAAAAAAAAAAAAAAAAf39/ACUAAABYAAAAAAAAAAAAAAAAAAAAAAAAAAAAAAAAAAAAAAAAAAAAAAAAAAAAAAAAAAAAAAA/AAAAAAAAAKCGAQAAAAAAAAAAAAAAAAAMAAAAAQAAAAAAAAAAAAAAAAAAAB8AAABUAAAARHLEBf///wEAAAAAAAAAAAAAAAAAAAAAAAAAAAAAAAAAAAAAAAAAAAAAAAJ/f38A5+bmA8zMzADAwP8Af39/AAAAAAAAAAAAAAAAAAAAAAAAAAAAIQAAABgAAAAUAAAA3gMAAD8CAABiNAAAZwoAABAAAAAmAAAACAAAAAAAAAAAAAAAMAAAABQAAAAAAAAAAAD//wAAAQAAAP//AAABAA=="/>
               </a:ext>
             </a:extLst>
           </p:cNvSpPr>
@@ -11212,7 +11055,7 @@
             <a:spLocks noGrp="1" noChangeArrowheads="1"/>
             <a:extLst>
               <a:ext uri="smNativeData">
-                <pr:smNativeData xmlns:mc="http://schemas.openxmlformats.org/markup-compatibility/2006" xmlns:p14="http://schemas.microsoft.com/office/powerpoint/2010/main" xmlns:p15="http://schemas.microsoft.com/office/powerpoint/2012/main" xmlns:pr="smNativeData" xmlns="smNativeData" val="SMDATA_16_OZjwYBMAAAAlAAAAZAAAAA0AAAAAkAAAAEgAAACQAAAASAAAAAAAAAAAAAAAAAAAAAEAAABQAAAAAAAAAAAA4D8AAAAAAADgPwAAAAAAAOA/AAAAAAAA4D8AAAAAAADgPwAAAAAAAOA/AAAAAAAA4D8AAAAAAADgPwAAAAAAAOA/AAAAAAAA4D8CAAAAjAAAAAAAAAAAAAAARHLEDP///wgAAAAAAAAAAAAAAAAAAAAAAAAAAAAAAAAAAAAAZAAAAAEAAABAAAAAAAAAAAAAAAAAAAAAAAAAAAAAAAAAAAAAAAAAAAAAAAAAAAAAAAAAAAAAAAAAAAAAAAAAAAAAAAAAAAAAAAAAAAAAAAAAAAAAAAAAAAAAAAAAAAAAFAAAADwAAAAAAAAAAAAAAAAAAAkUAAAAAQAAABQAAAAUAAAAFAAAAAEAAAAAAAAAZAAAAGQAAAAAAAAAZAAAAGQAAAAVAAAAYAAAAAAAAAAAAAAADwAAACADAAAAAAAAAAAAAAEAAACgMgAAVgcAAKr4//8BAAAAf39/AAEAAABkAAAAAAAAABQAAABAHwAAAAAAACYAAAAAAAAAwOD//wAAAAAmAAAAZAAAABYAAABMAAAAAAAAAAAAAAAEAAAAAAAAAAEAAADn5uYKAAAAACgAAAAoAAAAZAAAAGQAAAAAAAAAzMzMAAAAAABQAAAAUAAAAGQAAABkAAAAAAAAABcAAAAUAAAAAAAAAAAAAAD/fwAA/38AAAAAAAAJAAAABAAAAAAAAAAeAAAAaAAAAAAAAAAAAAAAAAAAAAAAAAAAAAAAECcAABAnAAAAAAAAAAAAAAAAAAAAAAAAAAAAAAAAAAAAAAAAAAAAABQAAAAAAAAAwMD/AAAAAABkAAAAMgAAAAAAAABkAAAAAAAAAH9/fwAKAAAAIgAAABgAAAAAAAAAAAAAAAAAAAAAAAAAAAAAAAAAAAAkAAAAJAAAAAAAAAAHAAAAAAAAAAAAAAAAAAAAAAAAAAAAAAAAAAAAf39/ACUAAABYAAAAAAAAAAAAAAAAAAAAAAAAAAAAAAAAAAAAAAAAAAAAAAAAAAAAAAAAAAAAAAA/AAAAAAAAAKCGAQAAAAAAAAAAAAAAAAAMAAAAAQAAAAAAAAAAAAAAAAAAAB8AAABUAAAARHLEBf///wEAAAAAAAAAAAAAAAAAAAAAAAAAAAAAAAAAAAAAAAAAAAAAAAJ/f38A5+bmA8zMzADAwP8Af39/AAAAAAAAAAAAAAAAAAAAAAAAAAAAIQAAABgAAAAUAAAA3gMAADsLAABiNAAAACYAABAAAAAmAAAACAAAAAAgAAAAAAAAMAAAABQAAAAAAAAAAAD//wAAAQAAAP//AAABAA=="/>
+                <pr:smNativeData xmlns="smNativeData" xmlns:pr="smNativeData" xmlns:p15="http://schemas.microsoft.com/office/powerpoint/2012/main" xmlns:p14="http://schemas.microsoft.com/office/powerpoint/2010/main" xmlns:mc="http://schemas.openxmlformats.org/markup-compatibility/2006" val="SMDATA_16_OZjwYBMAAAAlAAAAZAAAAA0AAAAAkAAAAEgAAACQAAAASAAAAAAAAAAAAAAAAAAAAAEAAABQAAAAAAAAAAAA4D8AAAAAAADgPwAAAAAAAOA/AAAAAAAA4D8AAAAAAADgPwAAAAAAAOA/AAAAAAAA4D8AAAAAAADgPwAAAAAAAOA/AAAAAAAA4D8CAAAAjAAAAAAAAAAAAAAARHLEDP///wgAAAAAAAAAAAAAAAAAAAAAAAAAAAAAAAAAAAAAZAAAAAEAAABAAAAAAAAAAAAAAAAAAAAAAAAAAAAAAAAAAAAAAAAAAAAAAAAAAAAAAAAAAAAAAAAAAAAAAAAAAAAAAAAAAAAAAAAAAAAAAAAAAAAAAAAAAAAAAAAAAAAAFAAAADwAAAAAAAAAAAAAAAAAAAkUAAAAAQAAABQAAAAUAAAAFAAAAAEAAAAAAAAAZAAAAGQAAAAAAAAAZAAAAGQAAAAVAAAAYAAAAAAAAAAAAAAADwAAACADAAAAAAAAAAAAAAEAAACgMgAAVgcAAKr4//8BAAAAf39/AAEAAABkAAAAAAAAABQAAABAHwAAAAAAACYAAAAAAAAAwOD//wAAAAAmAAAAZAAAABYAAABMAAAAAAAAAAAAAAAEAAAAAAAAAAEAAADn5uYKAAAAACgAAAAoAAAAZAAAAGQAAAAAAAAAzMzMAAAAAABQAAAAUAAAAGQAAABkAAAAAAAAABcAAAAUAAAAAAAAAAAAAAD/fwAA/38AAAAAAAAJAAAABAAAAAAAAAAeAAAAaAAAAAAAAAAAAAAAAAAAAAAAAAAAAAAAECcAABAnAAAAAAAAAAAAAAAAAAAAAAAAAAAAAAAAAAAAAAAAAAAAABQAAAAAAAAAwMD/AAAAAABkAAAAMgAAAAAAAABkAAAAAAAAAH9/fwAKAAAAIgAAABgAAAAAAAAAAAAAAAAAAAAAAAAAAAAAAAAAAAAkAAAAJAAAAAAAAAAHAAAAAAAAAAAAAAAAAAAAAAAAAAAAAAAAAAAAf39/ACUAAABYAAAAAAAAAAAAAAAAAAAAAAAAAAAAAAAAAAAAAAAAAAAAAAAAAAAAAAAAAAAAAAA/AAAAAAAAAKCGAQAAAAAAAAAAAAAAAAAMAAAAAQAAAAAAAAAAAAAAAAAAAB8AAABUAAAARHLEBf///wEAAAAAAAAAAAAAAAAAAAAAAAAAAAAAAAAAAAAAAAAAAAAAAAJ/f38A5+bmA8zMzADAwP8Af39/AAAAAAAAAAAAAAAAAAAAAAAAAAAAIQAAABgAAAAUAAAA3gMAADsLAABiNAAAACYAABAAAAAmAAAACAAAAAAgAAAAAAAAMAAAABQAAAAAAAAAAAD//wAAAQAAAP//AAABAA=="/>
               </a:ext>
             </a:extLst>
           </p:cNvSpPr>
@@ -11611,89 +11454,6 @@
 </p:sld>
 </file>
 
-<file path=ppt/slides/slide30.xml><?xml version="1.0" encoding="utf-8"?>
-<p:sld xmlns:a="http://schemas.openxmlformats.org/drawingml/2006/main" xmlns:r="http://schemas.openxmlformats.org/officeDocument/2006/relationships" xmlns:p="http://schemas.openxmlformats.org/presentationml/2006/main">
-  <p:cSld>
-    <p:spTree>
-      <p:nvGrpSpPr>
-        <p:cNvPr id="1" name=""/>
-        <p:cNvGrpSpPr/>
-        <p:nvPr/>
-      </p:nvGrpSpPr>
-      <p:grpSpPr>
-        <a:xfrm>
-          <a:off x="0" y="0"/>
-          <a:ext cx="0" cy="0"/>
-          <a:chOff x="0" y="0"/>
-          <a:chExt cx="0" cy="0"/>
-        </a:xfrm>
-      </p:grpSpPr>
-      <p:sp>
-        <p:nvSpPr>
-          <p:cNvPr id="2" name="Title 1"/>
-          <p:cNvSpPr>
-            <a:spLocks noGrp="1" noChangeArrowheads="1"/>
-            <a:extLst>
-              <a:ext uri="smNativeData">
-                <pr:smNativeData xmlns:mc="http://schemas.openxmlformats.org/markup-compatibility/2006" xmlns:p14="http://schemas.microsoft.com/office/powerpoint/2010/main" xmlns:p15="http://schemas.microsoft.com/office/powerpoint/2012/main" xmlns:pr="smNativeData" xmlns="smNativeData" val="SMDATA_16_OZjwYBMAAAAlAAAAZAAAAA0AAAAAkAAAAEgAAACQAAAASAAAAAAAAAABAAAAAAAAAAEAAABQAAAAAAAAAAAA4D8AAAAAAADgPwAAAAAAAOA/AAAAAAAA4D8AAAAAAADgPwAAAAAAAOA/AAAAAAAA4D8AAAAAAADgPwAAAAAAAOA/AAAAAAAA4D8CAAAAjAAAAAAAAAAAAAAARHLEDP///wgAAAAAAAAAAAAAAAAAAAAAAAAAAAAAAAAAAAAAZAAAAAEAAABAAAAAAAAAAAAAAAAAAAAAAAAAAAAAAAAAAAAAAAAAAAAAAAAAAAAAAAAAAAAAAAAAAAAAAAAAAAAAAAAAAAAAAAAAAAAAAAAAAAAAAAAAAAAAAAAAAAAAFAAAADwAAAAAAAAAAAAAAAAAAAkUAAAAAQAAABQAAAAUAAAAFAAAAAEAAAAAAAAAZAAAAGQAAAAAAAAAZAAAAGQAAAAVAAAAYAAAAAAAAAAAAAAADwAAACADAAAAAAAAAAAAAAEAAACgMgAAVgcAAKr4//8BAAAAf39/AAEAAABkAAAAAAAAABQAAABAHwAAAAAAACYAAAAAAAAAwOD//wAAAAAmAAAAZAAAABYAAABMAAAAAAAAAAAAAAAEAAAAAAAAAAEAAADn5uYKAAAAACgAAAAoAAAAZAAAAGQAAAAAAAAAzMzMAAAAAABQAAAAUAAAAGQAAABkAAAAAAAAABcAAAAUAAAAAAAAAAAAAAD/fwAA/38AAAAAAAAJAAAABAAAAAUAAAAeAAAAaAAAAAAAAAAAAAAAAAAAAAAAAAAAAAAAECcAABAnAAAAAAAAAAAAAAAAAAAAAAAAAAAAAAAAAAAAAAAAAAAAABQAAAAAAAAAwMD/AAAAAABkAAAAMgAAAAAAAABkAAAAAAAAAH9/fwAKAAAAIgAAABgAAAAAAAAAAAAAAAAAAAAAAAAAAAAAAAAAAAAkAAAAJAAAAAAAAAAHAAAAAAAAAAAAAAAAAAAAAAAAAAAAAAAAAAAAf39/ACUAAABYAAAAAAAAAAAAAAAAAAAAAAAAAAAAAAAAAAAAAAAAAAAAAAAAAAAAAAAAAAAAAAA/AAAAAAAAAKCGAQAAAAAAAAAAAAAAAAAMAAAAAQAAAAAAAAAAAAAAAAAAAB8AAABUAAAAAAAABQAAAAEAAAAAAAAAAAAAAAAAAAAAAAAAAAAAAAAAAAAAAAAAAAAAAAJ/f38AAAAAA8zMzADAwP8Af39/AAAAAAAAAAAAAAAAAAAAAAAAAAAAIQAAABgAAAAUAAAA3gMAAD8CAABiNAAAZwoAABAAAAAmAAAACAAAAAAAAAAAAAAAMAAAABQAAAAAAAAAAAD//wAAAQAAAP//AAABAA=="/>
-              </a:ext>
-            </a:extLst>
-          </p:cNvSpPr>
-          <p:nvPr>
-            <p:ph type="title"/>
-          </p:nvPr>
-        </p:nvSpPr>
-        <p:spPr/>
-        <p:txBody>
-          <a:bodyPr/>
-          <a:lstStyle/>
-          <a:p>
-            <a:pPr>
-              <a:defRPr lang="en-us"/>
-            </a:pPr>
-            <a:r>
-              <a:t>Game theory</a:t>
-            </a:r>
-          </a:p>
-        </p:txBody>
-      </p:sp>
-      <p:sp>
-        <p:nvSpPr>
-          <p:cNvPr id="3" name="Content Placeholder 2"/>
-          <p:cNvSpPr>
-            <a:spLocks noGrp="1" noChangeArrowheads="1"/>
-            <a:extLst>
-              <a:ext uri="smNativeData">
-                <pr:smNativeData xmlns:mc="http://schemas.openxmlformats.org/markup-compatibility/2006" xmlns:p14="http://schemas.microsoft.com/office/powerpoint/2010/main" xmlns:p15="http://schemas.microsoft.com/office/powerpoint/2012/main" xmlns:pr="smNativeData" xmlns="smNativeData" val="SMDATA_16_OZjwYBMAAAAlAAAAZAAAAA0AAAAAkAAAAEgAAACQAAAASAAAAAAAAAAAAAAAAAAAAAEAAABQAAAAAAAAAAAA4D8AAAAAAADgPwAAAAAAAOA/AAAAAAAA4D8AAAAAAADgPwAAAAAAAOA/AAAAAAAA4D8AAAAAAADgPwAAAAAAAOA/AAAAAAAA4D8CAAAAjAAAAAAAAAAAAAAARHLEDP///wgAAAAAAAAAAAAAAAAAAAAAAAAAAAAAAAAAAAAAZAAAAAEAAABAAAAAAAAAAAAAAAAAAAAAAAAAAAAAAAAAAAAAAAAAAAAAAAAAAAAAAAAAAAAAAAAAAAAAAAAAAAAAAAAAAAAAAAAAAAAAAAAAAAAAAAAAAAAAAAAAAAAAFAAAADwAAAAAAAAAAAAAAAAAAAkUAAAAAQAAABQAAAAUAAAAFAAAAAEAAAAAAAAAZAAAAGQAAAAAAAAAZAAAAGQAAAAVAAAAYAAAAAAAAAAAAAAADwAAACADAAAAAAAAAAAAAAEAAACgMgAAVgcAAKr4//8BAAAAf39/AAEAAABkAAAAAAAAABQAAABAHwAAAAAAACYAAAAAAAAAwOD//wAAAAAmAAAAZAAAABYAAABMAAAAAAAAAAAAAAAEAAAAAAAAAAEAAADn5uYKAAAAACgAAAAoAAAAZAAAAGQAAAAAAAAAzMzMAAAAAABQAAAAUAAAAGQAAABkAAAAAAAAABcAAAAUAAAAAAAAAAAAAAD/fwAA/38AAAAAAAAJAAAABAAAAEAHAAAeAAAAaAAAAAAAAAAAAAAAAAAAAAAAAAAAAAAAECcAABAnAAAAAAAAAAAAAAAAAAAAAAAAAAAAAAAAAAAAAAAAAAAAABQAAAAAAAAAwMD/AAAAAABkAAAAMgAAAAAAAABkAAAAAAAAAH9/fwAKAAAAIgAAABgAAAAAAAAAAAAAAAAAAAAAAAAAAAAAAAAAAAAkAAAAJAAAAAAAAAAHAAAAAAAAAAAAAAAAAAAAAAAAAAAAAAAAAAAAf39/ACUAAABYAAAAAAAAAAAAAAAAAAAAAAAAAAAAAAAAAAAAAAAAAAAAAAAAAAAAAAAAAAAAAAA/AAAAAAAAAKCGAQAAAAAAAAAAAAAAAAAMAAAAAQAAAAAAAAAAAAAAAAAAAB8AAABUAAAAAAAABQAAAAEAAAAAAAAAAAAAAAAAAAAAAAAAAAAAAAAAAAAAAAAAAAAAAAJ/f38AAAAAA8zMzADAwP8Af39/AAAAAAAAAAAAAAAAAAAAAAAAAAAAIQAAABgAAAAUAAAA3gMAADsLAABiNAAAACYAABAAAAAmAAAACAAAAAAAAAAAAAAAMAAAABQAAAAAAAAAAAD//wAAAQAAAP//AAABAA=="/>
-              </a:ext>
-            </a:extLst>
-          </p:cNvSpPr>
-          <p:nvPr>
-            <p:ph type="body" idx="1"/>
-          </p:nvPr>
-        </p:nvSpPr>
-        <p:spPr/>
-        <p:txBody>
-          <a:bodyPr/>
-          <a:lstStyle/>
-          <a:p>
-            <a:pPr>
-              <a:defRPr lang="en-us"/>
-            </a:pPr>
-            <a:r>
-              <a:t>Forward-looking</a:t>
-            </a:r>
-          </a:p>
-        </p:txBody>
-      </p:sp>
-    </p:spTree>
-  </p:cSld>
-  <p:clrMapOvr>
-    <a:masterClrMapping/>
-  </p:clrMapOvr>
-</p:sld>
-</file>
-
 <file path=ppt/slides/slide4.xml><?xml version="1.0" encoding="utf-8"?>
 <p:sld xmlns:a="http://schemas.openxmlformats.org/drawingml/2006/main" xmlns:r="http://schemas.openxmlformats.org/officeDocument/2006/relationships" xmlns:p="http://schemas.openxmlformats.org/presentationml/2006/main">
   <p:cSld>
@@ -11718,7 +11478,7 @@
             <a:spLocks noGrp="1" noChangeArrowheads="1"/>
             <a:extLst>
               <a:ext uri="smNativeData">
-                <pr:smNativeData xmlns:mc="http://schemas.openxmlformats.org/markup-compatibility/2006" xmlns:p14="http://schemas.microsoft.com/office/powerpoint/2010/main" xmlns:p15="http://schemas.microsoft.com/office/powerpoint/2012/main" xmlns:pr="smNativeData" xmlns="smNativeData" val="SMDATA_16_OZjwYBMAAAAlAAAAZAAAAA0AAAAAkAAAAEgAAACQAAAASAAAAAAAAAABAAAAAAAAAAEAAABQAAAAAAAAAAAA4D8AAAAAAADgPwAAAAAAAOA/AAAAAAAA4D8AAAAAAADgPwAAAAAAAOA/AAAAAAAA4D8AAAAAAADgPwAAAAAAAOA/AAAAAAAA4D8CAAAAjAAAAAAAAAAAAAAARHLEDP///wgAAAAAAAAAAAAAAAAAAAAAAAAAAAAAAAAAAAAAZAAAAAEAAABAAAAAAAAAAAAAAAAAAAAAAAAAAAAAAAAAAAAAAAAAAAAAAAAAAAAAAAAAAAAAAAAAAAAAAAAAAAAAAAAAAAAAAAAAAAAAAAAAAAAAAAAAAAAAAAAAAAAAFAAAADwAAAAAAAAAAAAAAAAAAAkUAAAAAQAAABQAAAAUAAAAFAAAAAEAAAAAAAAAZAAAAGQAAAAAAAAAZAAAAGQAAAAVAAAAYAAAAAAAAAAAAAAADwAAACADAAAAAAAAAAAAAAEAAACgMgAAVgcAAKr4//8BAAAAf39/AAEAAABkAAAAAAAAABQAAABAHwAAAAAAACYAAAAAAAAAwOD//wAAAAAmAAAAZAAAABYAAABMAAAAAAAAAAAAAAAEAAAAAAAAAAEAAADn5uYKAAAAACgAAAAoAAAAZAAAAGQAAAAAAAAAzMzMAAAAAABQAAAAUAAAAGQAAABkAAAAAAAAABcAAAAUAAAAAAAAAAAAAAD/fwAA/38AAAAAAAAJAAAABAAAAAAAAAAeAAAAaAAAAAAAAAAAAAAAAAAAAAAAAAAAAAAAECcAABAnAAAAAAAAAAAAAAAAAAAAAAAAAAAAAAAAAAAAAAAAAAAAABQAAAAAAAAAwMD/AAAAAABkAAAAMgAAAAAAAABkAAAAAAAAAH9/fwAKAAAAIgAAABgAAAAAAAAAAAAAAAAAAAAAAAAAAAAAAAAAAAAkAAAAJAAAAAAAAAAHAAAAAAAAAAAAAAAAAAAAAAAAAAAAAAAAAAAAf39/ACUAAABYAAAAAAAAAAAAAAAAAAAAAAAAAAAAAAAAAAAAAAAAAAAAAAAAAAAAAAAAAAAAAAA/AAAAAAAAAKCGAQAAAAAAAAAAAAAAAAAMAAAAAQAAAAAAAAAAAAAAAAAAAB8AAABUAAAARHLEBf///wEAAAAAAAAAAAAAAAAAAAAAAAAAAAAAAAAAAAAAAAAAAAAAAAJ/f38A5+bmA8zMzADAwP8Af39/AAAAAAAAAAAAAAAAAAAAAAAAAAAAIQAAABgAAAAUAAAA3gMAAD8CAABiNAAAZwoAABAAAAAmAAAACAAAAAAAAAAAAAAAMAAAABQAAAAAAAAAAAD//wAAAQAAAP//AAABAA=="/>
+                <pr:smNativeData xmlns="smNativeData" xmlns:pr="smNativeData" xmlns:p15="http://schemas.microsoft.com/office/powerpoint/2012/main" xmlns:p14="http://schemas.microsoft.com/office/powerpoint/2010/main" xmlns:mc="http://schemas.openxmlformats.org/markup-compatibility/2006" val="SMDATA_16_OZjwYBMAAAAlAAAAZAAAAA0AAAAAkAAAAEgAAACQAAAASAAAAAAAAAABAAAAAAAAAAEAAABQAAAAAAAAAAAA4D8AAAAAAADgPwAAAAAAAOA/AAAAAAAA4D8AAAAAAADgPwAAAAAAAOA/AAAAAAAA4D8AAAAAAADgPwAAAAAAAOA/AAAAAAAA4D8CAAAAjAAAAAAAAAAAAAAARHLEDP///wgAAAAAAAAAAAAAAAAAAAAAAAAAAAAAAAAAAAAAZAAAAAEAAABAAAAAAAAAAAAAAAAAAAAAAAAAAAAAAAAAAAAAAAAAAAAAAAAAAAAAAAAAAAAAAAAAAAAAAAAAAAAAAAAAAAAAAAAAAAAAAAAAAAAAAAAAAAAAAAAAAAAAFAAAADwAAAAAAAAAAAAAAAAAAAkUAAAAAQAAABQAAAAUAAAAFAAAAAEAAAAAAAAAZAAAAGQAAAAAAAAAZAAAAGQAAAAVAAAAYAAAAAAAAAAAAAAADwAAACADAAAAAAAAAAAAAAEAAACgMgAAVgcAAKr4//8BAAAAf39/AAEAAABkAAAAAAAAABQAAABAHwAAAAAAACYAAAAAAAAAwOD//wAAAAAmAAAAZAAAABYAAABMAAAAAAAAAAAAAAAEAAAAAAAAAAEAAADn5uYKAAAAACgAAAAoAAAAZAAAAGQAAAAAAAAAzMzMAAAAAABQAAAAUAAAAGQAAABkAAAAAAAAABcAAAAUAAAAAAAAAAAAAAD/fwAA/38AAAAAAAAJAAAABAAAAAAAAAAeAAAAaAAAAAAAAAAAAAAAAAAAAAAAAAAAAAAAECcAABAnAAAAAAAAAAAAAAAAAAAAAAAAAAAAAAAAAAAAAAAAAAAAABQAAAAAAAAAwMD/AAAAAABkAAAAMgAAAAAAAABkAAAAAAAAAH9/fwAKAAAAIgAAABgAAAAAAAAAAAAAAAAAAAAAAAAAAAAAAAAAAAAkAAAAJAAAAAAAAAAHAAAAAAAAAAAAAAAAAAAAAAAAAAAAAAAAAAAAf39/ACUAAABYAAAAAAAAAAAAAAAAAAAAAAAAAAAAAAAAAAAAAAAAAAAAAAAAAAAAAAAAAAAAAAA/AAAAAAAAAKCGAQAAAAAAAAAAAAAAAAAMAAAAAQAAAAAAAAAAAAAAAAAAAB8AAABUAAAARHLEBf///wEAAAAAAAAAAAAAAAAAAAAAAAAAAAAAAAAAAAAAAAAAAAAAAAJ/f38A5+bmA8zMzADAwP8Af39/AAAAAAAAAAAAAAAAAAAAAAAAAAAAIQAAABgAAAAUAAAA3gMAAD8CAABiNAAAZwoAABAAAAAmAAAACAAAAAAAAAAAAAAAMAAAABQAAAAAAAAAAAD//wAAAQAAAP//AAABAA=="/>
               </a:ext>
             </a:extLst>
           </p:cNvSpPr>
@@ -11753,7 +11513,7 @@
             <a:spLocks noGrp="1" noChangeArrowheads="1"/>
             <a:extLst>
               <a:ext uri="smNativeData">
-                <pr:smNativeData xmlns:mc="http://schemas.openxmlformats.org/markup-compatibility/2006" xmlns:p14="http://schemas.microsoft.com/office/powerpoint/2010/main" xmlns:p15="http://schemas.microsoft.com/office/powerpoint/2012/main" xmlns:pr="smNativeData" xmlns="smNativeData" val="SMDATA_16_OZjwYBMAAAAlAAAAZAAAAA0AAAAAkAAAAEgAAACQAAAASAAAAAAAAAAAAAAAAAAAAAEAAABQAAAAAAAAAAAA4D8AAAAAAADgPwAAAAAAAOA/AAAAAAAA4D8AAAAAAADgPwAAAAAAAOA/AAAAAAAA4D8AAAAAAADgPwAAAAAAAOA/AAAAAAAA4D8CAAAAjAAAAAAAAAAAAAAARHLEDP///wgAAAAAAAAAAAAAAAAAAAAAAAAAAAAAAAAAAAAAZAAAAAEAAABAAAAAAAAAAAAAAAAAAAAAAAAAAAAAAAAAAAAAAAAAAAAAAAAAAAAAAAAAAAAAAAAAAAAAAAAAAAAAAAAAAAAAAAAAAAAAAAAAAAAAAAAAAAAAAAAAAAAAFAAAADwAAAAAAAAAAAAAAAAAAAkUAAAAAQAAABQAAAAUAAAAFAAAAAEAAAAAAAAAZAAAAGQAAAAAAAAAZAAAAGQAAAAVAAAAYAAAAAAAAAAAAAAADwAAACADAAAAAAAAAAAAAAEAAACgMgAAVgcAAKr4//8BAAAAf39/AAEAAABkAAAAAAAAABQAAABAHwAAAAAAACYAAAAAAAAAwOD//wAAAAAmAAAAZAAAABYAAABMAAAAAAAAAAAAAAAEAAAAAAAAAAEAAADn5uYKAAAAACgAAAAoAAAAZAAAAGQAAAAAAAAAzMzMAAAAAABQAAAAUAAAAGQAAABkAAAAAAAAABcAAAAUAAAAAAAAAAAAAAD/fwAA/38AAAAAAAAJAAAABAAAAAAAAAAeAAAAaAAAAAAAAAAAAAAAAAAAAAAAAAAAAAAAECcAABAnAAAAAAAAAAAAAAAAAAAAAAAAAAAAAAAAAAAAAAAAAAAAABQAAAAAAAAAwMD/AAAAAABkAAAAMgAAAAAAAABkAAAAAAAAAH9/fwAKAAAAIgAAABgAAAAAAAAAAAAAAAAAAAAAAAAAAAAAAAAAAAAkAAAAJAAAAAAAAAAHAAAAAAAAAAAAAAAAAAAAAAAAAAAAAAAAAAAAf39/ACUAAABYAAAAAAAAAAAAAAAAAAAAAAAAAAAAAAAAAAAAAAAAAAAAAAAAAAAAAAAAAAAAAAA/AAAAAAAAAKCGAQAAAAAAAAAAAAAAAAAMAAAAAQAAAAAAAAAAAAAAAAAAAB8AAABUAAAARHLEBf///wEAAAAAAAAAAAAAAAAAAAAAAAAAAAAAAAAAAAAAAAAAAAAAAAJ/f38A5+bmA8zMzADAwP8Af39/AAAAAAAAAAAAAAAAAAAAAAAAAAAAIQAAABgAAAAUAAAA3gMAADsLAABiNAAAACYAABAAAAAmAAAACAAAAAAgAAAAAAAAMAAAABQAAAAAAAAAAAD//wAAAQAAAP//AAABAA=="/>
+                <pr:smNativeData xmlns="smNativeData" xmlns:pr="smNativeData" xmlns:p15="http://schemas.microsoft.com/office/powerpoint/2012/main" xmlns:p14="http://schemas.microsoft.com/office/powerpoint/2010/main" xmlns:mc="http://schemas.openxmlformats.org/markup-compatibility/2006" val="SMDATA_16_OZjwYBMAAAAlAAAAZAAAAA0AAAAAkAAAAEgAAACQAAAASAAAAAAAAAAAAAAAAAAAAAEAAABQAAAAAAAAAAAA4D8AAAAAAADgPwAAAAAAAOA/AAAAAAAA4D8AAAAAAADgPwAAAAAAAOA/AAAAAAAA4D8AAAAAAADgPwAAAAAAAOA/AAAAAAAA4D8CAAAAjAAAAAAAAAAAAAAARHLEDP///wgAAAAAAAAAAAAAAAAAAAAAAAAAAAAAAAAAAAAAZAAAAAEAAABAAAAAAAAAAAAAAAAAAAAAAAAAAAAAAAAAAAAAAAAAAAAAAAAAAAAAAAAAAAAAAAAAAAAAAAAAAAAAAAAAAAAAAAAAAAAAAAAAAAAAAAAAAAAAAAAAAAAAFAAAADwAAAAAAAAAAAAAAAAAAAkUAAAAAQAAABQAAAAUAAAAFAAAAAEAAAAAAAAAZAAAAGQAAAAAAAAAZAAAAGQAAAAVAAAAYAAAAAAAAAAAAAAADwAAACADAAAAAAAAAAAAAAEAAACgMgAAVgcAAKr4//8BAAAAf39/AAEAAABkAAAAAAAAABQAAABAHwAAAAAAACYAAAAAAAAAwOD//wAAAAAmAAAAZAAAABYAAABMAAAAAAAAAAAAAAAEAAAAAAAAAAEAAADn5uYKAAAAACgAAAAoAAAAZAAAAGQAAAAAAAAAzMzMAAAAAABQAAAAUAAAAGQAAABkAAAAAAAAABcAAAAUAAAAAAAAAAAAAAD/fwAA/38AAAAAAAAJAAAABAAAAAAAAAAeAAAAaAAAAAAAAAAAAAAAAAAAAAAAAAAAAAAAECcAABAnAAAAAAAAAAAAAAAAAAAAAAAAAAAAAAAAAAAAAAAAAAAAABQAAAAAAAAAwMD/AAAAAABkAAAAMgAAAAAAAABkAAAAAAAAAH9/fwAKAAAAIgAAABgAAAAAAAAAAAAAAAAAAAAAAAAAAAAAAAAAAAAkAAAAJAAAAAAAAAAHAAAAAAAAAAAAAAAAAAAAAAAAAAAAAAAAAAAAf39/ACUAAABYAAAAAAAAAAAAAAAAAAAAAAAAAAAAAAAAAAAAAAAAAAAAAAAAAAAAAAAAAAAAAAA/AAAAAAAAAKCGAQAAAAAAAAAAAAAAAAAMAAAAAQAAAAAAAAAAAAAAAAAAAB8AAABUAAAARHLEBf///wEAAAAAAAAAAAAAAAAAAAAAAAAAAAAAAAAAAAAAAAAAAAAAAAJ/f38A5+bmA8zMzADAwP8Af39/AAAAAAAAAAAAAAAAAAAAAAAAAAAAIQAAABgAAAAUAAAA3gMAADsLAABiNAAAACYAABAAAAAmAAAACAAAAAAgAAAAAAAAMAAAABQAAAAAAAAAAAD//wAAAQAAAP//AAABAA=="/>
               </a:ext>
             </a:extLst>
           </p:cNvSpPr>
@@ -12610,7 +12370,7 @@
             <a:spLocks noGrp="1" noChangeArrowheads="1"/>
             <a:extLst>
               <a:ext uri="smNativeData">
-                <pr:smNativeData xmlns:mc="http://schemas.openxmlformats.org/markup-compatibility/2006" xmlns:p14="http://schemas.microsoft.com/office/powerpoint/2010/main" xmlns:p15="http://schemas.microsoft.com/office/powerpoint/2012/main" xmlns:pr="smNativeData" xmlns="smNativeData" val="SMDATA_16_OZjwYBMAAAAlAAAAZAAAAA0AAAAAkAAAAEgAAACQAAAASAAAAAAAAAABAAAAAAAAAAEAAABQAAAAAAAAAAAA4D8AAAAAAADgPwAAAAAAAOA/AAAAAAAA4D8AAAAAAADgPwAAAAAAAOA/AAAAAAAA4D8AAAAAAADgPwAAAAAAAOA/AAAAAAAA4D8CAAAAjAAAAAAAAAAAAAAARHLEDP///wgAAAAAAAAAAAAAAAAAAAAAAAAAAAAAAAAAAAAAZAAAAAEAAABAAAAAAAAAAAAAAAAAAAAAAAAAAAAAAAAAAAAAAAAAAAAAAAAAAAAAAAAAAAAAAAAAAAAAAAAAAAAAAAAAAAAAAAAAAAAAAAAAAAAAAAAAAAAAAAAAAAAAFAAAADwAAAAAAAAAAAAAAAAAAAkUAAAAAQAAABQAAAAUAAAAFAAAAAEAAAAAAAAAZAAAAGQAAAAAAAAAZAAAAGQAAAAVAAAAYAAAAAAAAAAAAAAADwAAACADAAAAAAAAAAAAAAEAAACgMgAAVgcAAKr4//8BAAAAf39/AAEAAABkAAAAAAAAABQAAABAHwAAAAAAACYAAAAAAAAAwOD//wAAAAAmAAAAZAAAABYAAABMAAAAAAAAAAAAAAAEAAAAAAAAAAEAAADn5uYKAAAAACgAAAAoAAAAZAAAAGQAAAAAAAAAzMzMAAAAAABQAAAAUAAAAGQAAABkAAAAAAAAABcAAAAUAAAAAAAAAAAAAAD/fwAA/38AAAAAAAAJAAAABAAAAAUAAAAeAAAAaAAAAAAAAAAAAAAAAAAAAAAAAAAAAAAAECcAABAnAAAAAAAAAAAAAAAAAAAAAAAAAAAAAAAAAAAAAAAAAAAAABQAAAAAAAAAwMD/AAAAAABkAAAAMgAAAAAAAABkAAAAAAAAAH9/fwAKAAAAIgAAABgAAAAAAAAAAAAAAAAAAAAAAAAAAAAAAAAAAAAkAAAAJAAAAAAAAAAHAAAAAAAAAAAAAAAAAAAAAAAAAAAAAAAAAAAAf39/ACUAAABYAAAAAAAAAAAAAAAAAAAAAAAAAAAAAAAAAAAAAAAAAAAAAAAAAAAAAAAAAAAAAAA/AAAAAAAAAKCGAQAAAAAAAAAAAAAAAAAMAAAAAQAAAAAAAAAAAAAAAAAAAB8AAABUAAAARHLEBf///wEAAAAAAAAAAAAAAAAAAAAAAAAAAAAAAAAAAAAAAAAAAAAAAAJ/f38A5+bmA8zMzADAwP8Af39/AAAAAAAAAAAAAAAAAAAAAAAAAAAAIQAAABgAAAAUAAAA3gMAAD8CAABiNAAAZwoAABAAAAAmAAAACAAAAAAAAAAAAAAAMAAAABQAAAAAAAAAAAD//wAAAQAAAP//AAABAA=="/>
+                <pr:smNativeData xmlns="smNativeData" xmlns:pr="smNativeData" xmlns:p15="http://schemas.microsoft.com/office/powerpoint/2012/main" xmlns:p14="http://schemas.microsoft.com/office/powerpoint/2010/main" xmlns:mc="http://schemas.openxmlformats.org/markup-compatibility/2006" val="SMDATA_16_OZjwYBMAAAAlAAAAZAAAAA0AAAAAkAAAAEgAAACQAAAASAAAAAAAAAABAAAAAAAAAAEAAABQAAAAAAAAAAAA4D8AAAAAAADgPwAAAAAAAOA/AAAAAAAA4D8AAAAAAADgPwAAAAAAAOA/AAAAAAAA4D8AAAAAAADgPwAAAAAAAOA/AAAAAAAA4D8CAAAAjAAAAAAAAAAAAAAARHLEDP///wgAAAAAAAAAAAAAAAAAAAAAAAAAAAAAAAAAAAAAZAAAAAEAAABAAAAAAAAAAAAAAAAAAAAAAAAAAAAAAAAAAAAAAAAAAAAAAAAAAAAAAAAAAAAAAAAAAAAAAAAAAAAAAAAAAAAAAAAAAAAAAAAAAAAAAAAAAAAAAAAAAAAAFAAAADwAAAAAAAAAAAAAAAAAAAkUAAAAAQAAABQAAAAUAAAAFAAAAAEAAAAAAAAAZAAAAGQAAAAAAAAAZAAAAGQAAAAVAAAAYAAAAAAAAAAAAAAADwAAACADAAAAAAAAAAAAAAEAAACgMgAAVgcAAKr4//8BAAAAf39/AAEAAABkAAAAAAAAABQAAABAHwAAAAAAACYAAAAAAAAAwOD//wAAAAAmAAAAZAAAABYAAABMAAAAAAAAAAAAAAAEAAAAAAAAAAEAAADn5uYKAAAAACgAAAAoAAAAZAAAAGQAAAAAAAAAzMzMAAAAAABQAAAAUAAAAGQAAABkAAAAAAAAABcAAAAUAAAAAAAAAAAAAAD/fwAA/38AAAAAAAAJAAAABAAAAAUAAAAeAAAAaAAAAAAAAAAAAAAAAAAAAAAAAAAAAAAAECcAABAnAAAAAAAAAAAAAAAAAAAAAAAAAAAAAAAAAAAAAAAAAAAAABQAAAAAAAAAwMD/AAAAAABkAAAAMgAAAAAAAABkAAAAAAAAAH9/fwAKAAAAIgAAABgAAAAAAAAAAAAAAAAAAAAAAAAAAAAAAAAAAAAkAAAAJAAAAAAAAAAHAAAAAAAAAAAAAAAAAAAAAAAAAAAAAAAAAAAAf39/ACUAAABYAAAAAAAAAAAAAAAAAAAAAAAAAAAAAAAAAAAAAAAAAAAAAAAAAAAAAAAAAAAAAAA/AAAAAAAAAKCGAQAAAAAAAAAAAAAAAAAMAAAAAQAAAAAAAAAAAAAAAAAAAB8AAABUAAAARHLEBf///wEAAAAAAAAAAAAAAAAAAAAAAAAAAAAAAAAAAAAAAAAAAAAAAAJ/f38A5+bmA8zMzADAwP8Af39/AAAAAAAAAAAAAAAAAAAAAAAAAAAAIQAAABgAAAAUAAAA3gMAAD8CAABiNAAAZwoAABAAAAAmAAAACAAAAAAAAAAAAAAAMAAAABQAAAAAAAAAAAD//wAAAQAAAP//AAABAA=="/>
               </a:ext>
             </a:extLst>
           </p:cNvSpPr>
@@ -12645,7 +12405,7 @@
             <a:spLocks noGrp="1" noChangeArrowheads="1"/>
             <a:extLst>
               <a:ext uri="smNativeData">
-                <pr:smNativeData xmlns:mc="http://schemas.openxmlformats.org/markup-compatibility/2006" xmlns:p14="http://schemas.microsoft.com/office/powerpoint/2010/main" xmlns:p15="http://schemas.microsoft.com/office/powerpoint/2012/main" xmlns:pr="smNativeData" xmlns="smNativeData" val="SMDATA_16_OZjwYBMAAAAlAAAAZAAAAA0AAAAAkAAAAEgAAACQAAAASAAAAAAAAAAAAAAAAAAAAAEAAABQAAAAAAAAAAAA4D8AAAAAAADgPwAAAAAAAOA/AAAAAAAA4D8AAAAAAADgPwAAAAAAAOA/AAAAAAAA4D8AAAAAAADgPwAAAAAAAOA/AAAAAAAA4D8CAAAAjAAAAAAAAAAAAAAARHLEDP///wgAAAAAAAAAAAAAAAAAAAAAAAAAAAAAAAAAAAAAZAAAAAEAAABAAAAAAAAAAAAAAAAAAAAAAAAAAAAAAAAAAAAAAAAAAAAAAAAAAAAAAAAAAAAAAAAAAAAAAAAAAAAAAAAAAAAAAAAAAAAAAAAAAAAAAAAAAAAAAAAAAAAAFAAAADwAAAAAAAAAAAAAAAAAAAkUAAAAAQAAABQAAAAUAAAAFAAAAAEAAAAAAAAAZAAAAGQAAAAAAAAAZAAAAGQAAAAVAAAAYAAAAAAAAAAAAAAADwAAACADAAAAAAAAAAAAAAEAAACgMgAAVgcAAKr4//8BAAAAf39/AAEAAABkAAAAAAAAABQAAABAHwAAAAAAACYAAAAAAAAAwOD//wAAAAAmAAAAZAAAABYAAABMAAAAAAAAAAAAAAAEAAAAAAAAAAEAAADn5uYKAAAAACgAAAAoAAAAZAAAAGQAAAAAAAAAzMzMAAAAAABQAAAAUAAAAGQAAABkAAAAAAAAABcAAAAUAAAAAAAAAAAAAAD/fwAA/38AAAAAAAAJAAAABAAAAAAAAAAeAAAAaAAAAAAAAAAAAAAAAAAAAAAAAAAAAAAAECcAABAnAAAAAAAAAAAAAAAAAAAAAAAAAAAAAAAAAAAAAAAAAAAAABQAAAAAAAAAwMD/AAAAAABkAAAAMgAAAAAAAABkAAAAAAAAAH9/fwAKAAAAIgAAABgAAAAAAAAAAAAAAAAAAAAAAAAAAAAAAAAAAAAkAAAAJAAAAAAAAAAHAAAAAAAAAAAAAAAAAAAAAAAAAAAAAAAAAAAAf39/ACUAAABYAAAAAAAAAAAAAAAAAAAAAAAAAAAAAAAAAAAAAAAAAAAAAAAAAAAAAAAAAAAAAAA/AAAAAAAAAKCGAQAAAAAAAAAAAAAAAAAMAAAAAQAAAAAAAAAAAAAAAAAAAB8AAABUAAAARHLEBf///wEAAAAAAAAAAAAAAAAAAAAAAAAAAAAAAAAAAAAAAAAAAAAAAAJ/f38A5+bmA8zMzADAwP8Af39/AAAAAAAAAAAAAAAAAAAAAAAAAAAAIQAAABgAAAAUAAAA3gMAADsLAABiNAAA8ScAABAAAAAmAAAACAAAAAEgAAAAAAAAMAAAABQAAAAAAAAAAAD//wAAAQAAAP//AAABAA=="/>
+                <pr:smNativeData xmlns="smNativeData" xmlns:pr="smNativeData" xmlns:p15="http://schemas.microsoft.com/office/powerpoint/2012/main" xmlns:p14="http://schemas.microsoft.com/office/powerpoint/2010/main" xmlns:mc="http://schemas.openxmlformats.org/markup-compatibility/2006" val="SMDATA_16_OZjwYBMAAAAlAAAAZAAAAA0AAAAAkAAAAEgAAACQAAAASAAAAAAAAAAAAAAAAAAAAAEAAABQAAAAAAAAAAAA4D8AAAAAAADgPwAAAAAAAOA/AAAAAAAA4D8AAAAAAADgPwAAAAAAAOA/AAAAAAAA4D8AAAAAAADgPwAAAAAAAOA/AAAAAAAA4D8CAAAAjAAAAAAAAAAAAAAARHLEDP///wgAAAAAAAAAAAAAAAAAAAAAAAAAAAAAAAAAAAAAZAAAAAEAAABAAAAAAAAAAAAAAAAAAAAAAAAAAAAAAAAAAAAAAAAAAAAAAAAAAAAAAAAAAAAAAAAAAAAAAAAAAAAAAAAAAAAAAAAAAAAAAAAAAAAAAAAAAAAAAAAAAAAAFAAAADwAAAAAAAAAAAAAAAAAAAkUAAAAAQAAABQAAAAUAAAAFAAAAAEAAAAAAAAAZAAAAGQAAAAAAAAAZAAAAGQAAAAVAAAAYAAAAAAAAAAAAAAADwAAACADAAAAAAAAAAAAAAEAAACgMgAAVgcAAKr4//8BAAAAf39/AAEAAABkAAAAAAAAABQAAABAHwAAAAAAACYAAAAAAAAAwOD//wAAAAAmAAAAZAAAABYAAABMAAAAAAAAAAAAAAAEAAAAAAAAAAEAAADn5uYKAAAAACgAAAAoAAAAZAAAAGQAAAAAAAAAzMzMAAAAAABQAAAAUAAAAGQAAABkAAAAAAAAABcAAAAUAAAAAAAAAAAAAAD/fwAA/38AAAAAAAAJAAAABAAAAAAAAAAeAAAAaAAAAAAAAAAAAAAAAAAAAAAAAAAAAAAAECcAABAnAAAAAAAAAAAAAAAAAAAAAAAAAAAAAAAAAAAAAAAAAAAAABQAAAAAAAAAwMD/AAAAAABkAAAAMgAAAAAAAABkAAAAAAAAAH9/fwAKAAAAIgAAABgAAAAAAAAAAAAAAAAAAAAAAAAAAAAAAAAAAAAkAAAAJAAAAAAAAAAHAAAAAAAAAAAAAAAAAAAAAAAAAAAAAAAAAAAAf39/ACUAAABYAAAAAAAAAAAAAAAAAAAAAAAAAAAAAAAAAAAAAAAAAAAAAAAAAAAAAAAAAAAAAAA/AAAAAAAAAKCGAQAAAAAAAAAAAAAAAAAMAAAAAQAAAAAAAAAAAAAAAAAAAB8AAABUAAAARHLEBf///wEAAAAAAAAAAAAAAAAAAAAAAAAAAAAAAAAAAAAAAAAAAAAAAAJ/f38A5+bmA8zMzADAwP8Af39/AAAAAAAAAAAAAAAAAAAAAAAAAAAAIQAAABgAAAAUAAAA3gMAADsLAABiNAAA8ScAABAAAAAmAAAACAAAAAEgAAAAAAAAMAAAABQAAAAAAAAAAAD//wAAAQAAAP//AAABAA=="/>
               </a:ext>
             </a:extLst>
           </p:cNvSpPr>
@@ -12697,29 +12457,29 @@
             </a:r>
           </a:p>
           <a:p>
+            <a:pPr lvl="1">
+              <a:defRPr lang="en-us" sz="1320"/>
+            </a:pPr>
+            <a:r>
+              <a:rPr lang="en-US" sz="2000" dirty="0"/>
+              <a:t>We agree, contra the parsimonious approach, that commitment-deficient bounded </a:t>
+            </a:r>
+            <a:r>
+              <a:rPr lang="en-US" sz="2000" dirty="0" err="1"/>
+              <a:t>cognizers</a:t>
+            </a:r>
+            <a:r>
+              <a:rPr lang="en-US" sz="2000" dirty="0"/>
+              <a:t> could have deficient outcomes</a:t>
+            </a:r>
+          </a:p>
+          <a:p>
             <a:pPr lvl="2">
               <a:defRPr lang="en-us" sz="1320"/>
             </a:pPr>
             <a:r>
               <a:rPr lang="en-US" sz="1800" dirty="0"/>
-              <a:t>We agree that intention- or commitment-deficient bounded </a:t>
-            </a:r>
-            <a:r>
-              <a:rPr lang="en-US" sz="1800" dirty="0" err="1"/>
-              <a:t>cognizers</a:t>
-            </a:r>
-            <a:r>
-              <a:rPr lang="en-US" sz="1800" dirty="0"/>
-              <a:t> would have deficient outcomes</a:t>
-            </a:r>
-          </a:p>
-          <a:p>
-            <a:pPr lvl="2">
-              <a:defRPr lang="en-us" sz="1320"/>
-            </a:pPr>
-            <a:r>
-              <a:rPr lang="en-US" sz="1800" dirty="0"/>
-              <a:t>But not precise why and how </a:t>
+              <a:t>But disagree that the informal models prove this point, or show how</a:t>
             </a:r>
           </a:p>
           <a:p>
@@ -12740,7 +12500,15 @@
             </a:pPr>
             <a:r>
               <a:rPr lang="en-US" sz="2000" dirty="0"/>
-              <a:t>Yet, addition of cognitive state seems ad hoc, or at least, imprecise</a:t>
+              <a:t>Yet, addition of cognitive state seems </a:t>
+            </a:r>
+            <a:r>
+              <a:rPr lang="en-US" sz="2000" i="1" dirty="0"/>
+              <a:t>ad hoc,</a:t>
+            </a:r>
+            <a:r>
+              <a:rPr lang="en-US" sz="2000" dirty="0"/>
+              <a:t> or at least, imprecise</a:t>
             </a:r>
           </a:p>
           <a:p>
@@ -13169,7 +12937,7 @@
             <a:spLocks noGrp="1" noChangeArrowheads="1"/>
             <a:extLst>
               <a:ext uri="smNativeData">
-                <pr:smNativeData xmlns:mc="http://schemas.openxmlformats.org/markup-compatibility/2006" xmlns:p14="http://schemas.microsoft.com/office/powerpoint/2010/main" xmlns:p15="http://schemas.microsoft.com/office/powerpoint/2012/main" xmlns:pr="smNativeData" xmlns="smNativeData" val="SMDATA_16_OZjwYBMAAAAlAAAAZAAAAA0AAAAAkAAAAEgAAACQAAAASAAAAAAAAAABAAAAAAAAAAEAAABQAAAAAAAAAAAA4D8AAAAAAADgPwAAAAAAAOA/AAAAAAAA4D8AAAAAAADgPwAAAAAAAOA/AAAAAAAA4D8AAAAAAADgPwAAAAAAAOA/AAAAAAAA4D8CAAAAjAAAAAAAAAAAAAAARHLEDP///wgAAAAAAAAAAAAAAAAAAAAAAAAAAAAAAAAAAAAAZAAAAAEAAABAAAAAAAAAAAAAAAAAAAAAAAAAAAAAAAAAAAAAAAAAAAAAAAAAAAAAAAAAAAAAAAAAAAAAAAAAAAAAAAAAAAAAAAAAAAAAAAAAAAAAAAAAAAAAAAAAAAAAFAAAADwAAAAAAAAAAAAAAAAAAAkUAAAAAQAAABQAAAAUAAAAFAAAAAEAAAAAAAAAZAAAAGQAAAAAAAAAZAAAAGQAAAAVAAAAYAAAAAAAAAAAAAAADwAAACADAAAAAAAAAAAAAAEAAACgMgAAVgcAAKr4//8BAAAAf39/AAEAAABkAAAAAAAAABQAAABAHwAAAAAAACYAAAAAAAAAwOD//wAAAAAmAAAAZAAAABYAAABMAAAAAAAAAAAAAAAEAAAAAAAAAAEAAADn5uYKAAAAACgAAAAoAAAAZAAAAGQAAAAAAAAAzMzMAAAAAABQAAAAUAAAAGQAAABkAAAAAAAAABcAAAAUAAAAAAAAAAAAAAD/fwAA/38AAAAAAAAJAAAABAAAAAUAAAAeAAAAaAAAAAAAAAAAAAAAAAAAAAAAAAAAAAAAECcAABAnAAAAAAAAAAAAAAAAAAAAAAAAAAAAAAAAAAAAAAAAAAAAABQAAAAAAAAAwMD/AAAAAABkAAAAMgAAAAAAAABkAAAAAAAAAH9/fwAKAAAAIgAAABgAAAAAAAAAAAAAAAAAAAAAAAAAAAAAAAAAAAAkAAAAJAAAAAAAAAAHAAAAAAAAAAAAAAAAAAAAAAAAAAAAAAAAAAAAf39/ACUAAABYAAAAAAAAAAAAAAAAAAAAAAAAAAAAAAAAAAAAAAAAAAAAAAAAAAAAAAAAAAAAAAA/AAAAAAAAAKCGAQAAAAAAAAAAAAAAAAAMAAAAAQAAAAAAAAAAAAAAAAAAAB8AAABUAAAARHLEBf///wEAAAAAAAAAAAAAAAAAAAAAAAAAAAAAAAAAAAAAAAAAAAAAAAJ/f38A5+bmA8zMzADAwP8Af39/AAAAAAAAAAAAAAAAAAAAAAAAAAAAIQAAABgAAAAUAAAA3gMAAD8CAABiNAAAZwoAABAAAAAmAAAACAAAAAAAAAAAAAAAMAAAABQAAAAAAAAAAAD//wAAAQAAAP//AAABAA=="/>
+                <pr:smNativeData xmlns="smNativeData" xmlns:pr="smNativeData" xmlns:p15="http://schemas.microsoft.com/office/powerpoint/2012/main" xmlns:p14="http://schemas.microsoft.com/office/powerpoint/2010/main" xmlns:mc="http://schemas.openxmlformats.org/markup-compatibility/2006" val="SMDATA_16_OZjwYBMAAAAlAAAAZAAAAA0AAAAAkAAAAEgAAACQAAAASAAAAAAAAAABAAAAAAAAAAEAAABQAAAAAAAAAAAA4D8AAAAAAADgPwAAAAAAAOA/AAAAAAAA4D8AAAAAAADgPwAAAAAAAOA/AAAAAAAA4D8AAAAAAADgPwAAAAAAAOA/AAAAAAAA4D8CAAAAjAAAAAAAAAAAAAAARHLEDP///wgAAAAAAAAAAAAAAAAAAAAAAAAAAAAAAAAAAAAAZAAAAAEAAABAAAAAAAAAAAAAAAAAAAAAAAAAAAAAAAAAAAAAAAAAAAAAAAAAAAAAAAAAAAAAAAAAAAAAAAAAAAAAAAAAAAAAAAAAAAAAAAAAAAAAAAAAAAAAAAAAAAAAFAAAADwAAAAAAAAAAAAAAAAAAAkUAAAAAQAAABQAAAAUAAAAFAAAAAEAAAAAAAAAZAAAAGQAAAAAAAAAZAAAAGQAAAAVAAAAYAAAAAAAAAAAAAAADwAAACADAAAAAAAAAAAAAAEAAACgMgAAVgcAAKr4//8BAAAAf39/AAEAAABkAAAAAAAAABQAAABAHwAAAAAAACYAAAAAAAAAwOD//wAAAAAmAAAAZAAAABYAAABMAAAAAAAAAAAAAAAEAAAAAAAAAAEAAADn5uYKAAAAACgAAAAoAAAAZAAAAGQAAAAAAAAAzMzMAAAAAABQAAAAUAAAAGQAAABkAAAAAAAAABcAAAAUAAAAAAAAAAAAAAD/fwAA/38AAAAAAAAJAAAABAAAAAUAAAAeAAAAaAAAAAAAAAAAAAAAAAAAAAAAAAAAAAAAECcAABAnAAAAAAAAAAAAAAAAAAAAAAAAAAAAAAAAAAAAAAAAAAAAABQAAAAAAAAAwMD/AAAAAABkAAAAMgAAAAAAAABkAAAAAAAAAH9/fwAKAAAAIgAAABgAAAAAAAAAAAAAAAAAAAAAAAAAAAAAAAAAAAAkAAAAJAAAAAAAAAAHAAAAAAAAAAAAAAAAAAAAAAAAAAAAAAAAAAAAf39/ACUAAABYAAAAAAAAAAAAAAAAAAAAAAAAAAAAAAAAAAAAAAAAAAAAAAAAAAAAAAAAAAAAAAA/AAAAAAAAAKCGAQAAAAAAAAAAAAAAAAAMAAAAAQAAAAAAAAAAAAAAAAAAAB8AAABUAAAARHLEBf///wEAAAAAAAAAAAAAAAAAAAAAAAAAAAAAAAAAAAAAAAAAAAAAAAJ/f38A5+bmA8zMzADAwP8Af39/AAAAAAAAAAAAAAAAAAAAAAAAAAAAIQAAABgAAAAUAAAA3gMAAD8CAABiNAAAZwoAABAAAAAmAAAACAAAAAAAAAAAAAAAMAAAABQAAAAAAAAAAAD//wAAAQAAAP//AAABAA=="/>
               </a:ext>
             </a:extLst>
           </p:cNvSpPr>
@@ -13192,7 +12960,7 @@
             </a:pPr>
             <a:r>
               <a:rPr sz="3600" dirty="0"/>
-              <a:t>Other shortcomings and opportunities</a:t>
+              <a:t>This issue is not really treated in the literature on these topics</a:t>
             </a:r>
           </a:p>
         </p:txBody>
@@ -13204,7 +12972,7 @@
             <a:spLocks noGrp="1" noChangeArrowheads="1"/>
             <a:extLst>
               <a:ext uri="smNativeData">
-                <pr:smNativeData xmlns:mc="http://schemas.openxmlformats.org/markup-compatibility/2006" xmlns:p14="http://schemas.microsoft.com/office/powerpoint/2010/main" xmlns:p15="http://schemas.microsoft.com/office/powerpoint/2012/main" xmlns:pr="smNativeData" xmlns="smNativeData" val="SMDATA_16_OZjwYBMAAAAlAAAAZAAAAA0AAAAAkAAAAEgAAACQAAAASAAAAAAAAAAAAAAAAAAAAAEAAABQAAAAAAAAAAAA4D8AAAAAAADgPwAAAAAAAOA/AAAAAAAA4D8AAAAAAADgPwAAAAAAAOA/AAAAAAAA4D8AAAAAAADgPwAAAAAAAOA/AAAAAAAA4D8CAAAAjAAAAAAAAAAAAAAARHLEDP///wgAAAAAAAAAAAAAAAAAAAAAAAAAAAAAAAAAAAAAZAAAAAEAAABAAAAAAAAAAAAAAAAAAAAAAAAAAAAAAAAAAAAAAAAAAAAAAAAAAAAAAAAAAAAAAAAAAAAAAAAAAAAAAAAAAAAAAAAAAAAAAAAAAAAAAAAAAAAAAAAAAAAAFAAAADwAAAAAAAAAAAAAAAAAAAkUAAAAAQAAABQAAAAUAAAAFAAAAAEAAAAAAAAAZAAAAGQAAAAAAAAAZAAAAGQAAAAVAAAAYAAAAAAAAAAAAAAADwAAACADAAAAAAAAAAAAAAEAAACgMgAAVgcAAKr4//8BAAAAf39/AAEAAABkAAAAAAAAABQAAABAHwAAAAAAACYAAAAAAAAAwOD//wAAAAAmAAAAZAAAABYAAABMAAAAAAAAAAAAAAAEAAAAAAAAAAEAAADn5uYKAAAAACgAAAAoAAAAZAAAAGQAAAAAAAAAzMzMAAAAAABQAAAAUAAAAGQAAABkAAAAAAAAABcAAAAUAAAAAAAAAAAAAAD/fwAA/38AAAAAAAAJAAAABAAAAAAAAAAeAAAAaAAAAAAAAAAAAAAAAAAAAAAAAAAAAAAAECcAABAnAAAAAAAAAAAAAAAAAAAAAAAAAAAAAAAAAAAAAAAAAAAAABQAAAAAAAAAwMD/AAAAAABkAAAAMgAAAAAAAABkAAAAAAAAAH9/fwAKAAAAIgAAABgAAAAAAAAAAAAAAAAAAAAAAAAAAAAAAAAAAAAkAAAAJAAAAAAAAAAHAAAAAAAAAAAAAAAAAAAAAAAAAAAAAAAAAAAAf39/ACUAAABYAAAAAAAAAAAAAAAAAAAAAAAAAAAAAAAAAAAAAAAAAAAAAAAAAAAAAAAAAAAAAAA/AAAAAAAAAKCGAQAAAAAAAAAAAAAAAAAMAAAAAQAAAAAAAAAAAAAAAAAAAB8AAABUAAAARHLEBf///wEAAAAAAAAAAAAAAAAAAAAAAAAAAAAAAAAAAAAAAAAAAAAAAAJ/f38A5+bmA8zMzADAwP8Af39/AAAAAAAAAAAAAAAAAAAAAAAAAAAAIQAAABgAAAAUAAAA3gMAADsLAABiNAAA8ScAABAAAAAmAAAACAAAAAEgAAAAAAAAMAAAABQAAAAAAAAAAAD//wAAAQAAAP//AAABAA=="/>
+                <pr:smNativeData xmlns="smNativeData" xmlns:pr="smNativeData" xmlns:p15="http://schemas.microsoft.com/office/powerpoint/2012/main" xmlns:p14="http://schemas.microsoft.com/office/powerpoint/2010/main" xmlns:mc="http://schemas.openxmlformats.org/markup-compatibility/2006" val="SMDATA_16_OZjwYBMAAAAlAAAAZAAAAA0AAAAAkAAAAEgAAACQAAAASAAAAAAAAAAAAAAAAAAAAAEAAABQAAAAAAAAAAAA4D8AAAAAAADgPwAAAAAAAOA/AAAAAAAA4D8AAAAAAADgPwAAAAAAAOA/AAAAAAAA4D8AAAAAAADgPwAAAAAAAOA/AAAAAAAA4D8CAAAAjAAAAAAAAAAAAAAARHLEDP///wgAAAAAAAAAAAAAAAAAAAAAAAAAAAAAAAAAAAAAZAAAAAEAAABAAAAAAAAAAAAAAAAAAAAAAAAAAAAAAAAAAAAAAAAAAAAAAAAAAAAAAAAAAAAAAAAAAAAAAAAAAAAAAAAAAAAAAAAAAAAAAAAAAAAAAAAAAAAAAAAAAAAAFAAAADwAAAAAAAAAAAAAAAAAAAkUAAAAAQAAABQAAAAUAAAAFAAAAAEAAAAAAAAAZAAAAGQAAAAAAAAAZAAAAGQAAAAVAAAAYAAAAAAAAAAAAAAADwAAACADAAAAAAAAAAAAAAEAAACgMgAAVgcAAKr4//8BAAAAf39/AAEAAABkAAAAAAAAABQAAABAHwAAAAAAACYAAAAAAAAAwOD//wAAAAAmAAAAZAAAABYAAABMAAAAAAAAAAAAAAAEAAAAAAAAAAEAAADn5uYKAAAAACgAAAAoAAAAZAAAAGQAAAAAAAAAzMzMAAAAAABQAAAAUAAAAGQAAABkAAAAAAAAABcAAAAUAAAAAAAAAAAAAAD/fwAA/38AAAAAAAAJAAAABAAAAAAAAAAeAAAAaAAAAAAAAAAAAAAAAAAAAAAAAAAAAAAAECcAABAnAAAAAAAAAAAAAAAAAAAAAAAAAAAAAAAAAAAAAAAAAAAAABQAAAAAAAAAwMD/AAAAAABkAAAAMgAAAAAAAABkAAAAAAAAAH9/fwAKAAAAIgAAABgAAAAAAAAAAAAAAAAAAAAAAAAAAAAAAAAAAAAkAAAAJAAAAAAAAAAHAAAAAAAAAAAAAAAAAAAAAAAAAAAAAAAAAAAAf39/ACUAAABYAAAAAAAAAAAAAAAAAAAAAAAAAAAAAAAAAAAAAAAAAAAAAAAAAAAAAAAAAAAAAAA/AAAAAAAAAKCGAQAAAAAAAAAAAAAAAAAMAAAAAQAAAAAAAAAAAAAAAAAAAB8AAABUAAAARHLEBf///wEAAAAAAAAAAAAAAAAAAAAAAAAAAAAAAAAAAAAAAAAAAAAAAAJ/f38A5+bmA8zMzADAwP8Af39/AAAAAAAAAAAAAAAAAAAAAAAAAAAAIQAAABgAAAAUAAAA3gMAADsLAABiNAAA8ScAABAAAAAmAAAACAAAAAEgAAAAAAAAMAAAABQAAAAAAAAAAAD//wAAAQAAAP//AAABAA=="/>
               </a:ext>
             </a:extLst>
           </p:cNvSpPr>
@@ -13214,7 +12982,7 @@
         </p:nvSpPr>
         <p:spPr>
           <a:xfrm>
-            <a:off x="628650" y="1389207"/>
+            <a:off x="628650" y="1562389"/>
             <a:ext cx="7886700" cy="4667250"/>
           </a:xfrm>
         </p:spPr>
@@ -13235,7 +13003,7 @@
               <a:defRPr lang="en-us" sz="1540"/>
             </a:pPr>
             <a:r>
-              <a:rPr dirty="0"/>
+              <a:rPr sz="1800" dirty="0"/>
               <a:t>Literatures are not integrated</a:t>
             </a:r>
           </a:p>
@@ -13245,7 +13013,7 @@
               <a:defRPr lang="en-us" sz="1320"/>
             </a:pPr>
             <a:r>
-              <a:rPr dirty="0"/>
+              <a:rPr sz="1600" dirty="0"/>
               <a:t>Herzig et al. on the opportunity to develop formal theories of intention in action and game theory:</a:t>
             </a:r>
           </a:p>
@@ -13255,7 +13023,7 @@
               <a:defRPr lang="en-us" sz="1100"/>
             </a:pPr>
             <a:r>
-              <a:rPr lang="en-us" sz="990" b="1" dirty="0"/>
+              <a:rPr lang="en-us" sz="1050" b="1" dirty="0"/>
               <a:t>Just as the BDI model, decision theory and game theory are also about the behavior of agents given their goals and their information state. The relationship has however not been clarified up to now…</a:t>
             </a:r>
           </a:p>
@@ -13265,10 +13033,10 @@
               <a:defRPr lang="en-us" sz="1100"/>
             </a:pPr>
             <a:r>
-              <a:rPr lang="en-us" sz="990" b="1" dirty="0"/>
+              <a:rPr lang="en-us" sz="1050" b="1" dirty="0"/>
               <a:t>We believe that extending classical decision theory and game theory with the concept of intention might be relevant when trying to model resource-bounded agents who need to plan their future actions in advance since they have limited cognitive capacities and limited time for deliberation.</a:t>
             </a:r>
-            <a:endParaRPr lang="en-us" b="1" dirty="0"/>
+            <a:endParaRPr lang="en-us" sz="1400" b="1" dirty="0"/>
           </a:p>
           <a:p>
             <a:pPr marL="914400" lvl="2" indent="0">
@@ -13276,7 +13044,7 @@
               <a:defRPr lang="en-us" sz="1100"/>
             </a:pPr>
             <a:r>
-              <a:rPr dirty="0"/>
+              <a:rPr sz="1400" dirty="0"/>
               <a:t>Herzig et al. 2017, “BDI logics for BDI architectures: Old Problems, New Perspectives”</a:t>
             </a:r>
           </a:p>
@@ -13290,7 +13058,7 @@
               <a:defRPr lang="en-us" sz="1540"/>
             </a:pPr>
             <a:r>
-              <a:rPr lang="en-us" dirty="0"/>
+              <a:rPr lang="en-us" sz="1800" dirty="0"/>
               <a:t>BDI: very individual focused; strangely, not forward-looking</a:t>
             </a:r>
           </a:p>
@@ -13299,7 +13067,7 @@
               <a:defRPr lang="en-us" sz="1320"/>
             </a:pPr>
             <a:r>
-              <a:rPr dirty="0"/>
+              <a:rPr sz="1600" dirty="0"/>
               <a:t>Implementations, not really explanatory</a:t>
             </a:r>
           </a:p>
@@ -13313,8 +13081,8 @@
               <a:defRPr lang="en-us" sz="1540"/>
             </a:pPr>
             <a:r>
-              <a:rPr lang="en-US" dirty="0"/>
-              <a:t>Not clear how or whether richer models of cognition should figure into game theory</a:t>
+              <a:rPr lang="en-US" sz="1800" dirty="0"/>
+              <a:t>Not clear how these features of cognition should figure into game theory</a:t>
             </a:r>
           </a:p>
           <a:p>
@@ -13322,8 +13090,8 @@
               <a:defRPr lang="en-us" sz="1320"/>
             </a:pPr>
             <a:r>
-              <a:rPr lang="en-US" dirty="0"/>
-              <a:t>Parsimonious models of agent cognition; simple version of belief-desire model</a:t>
+              <a:rPr lang="en-US" sz="1600" dirty="0"/>
+              <a:t>Parsimonious models of agent cognition; straightforward belief-desire models seem to work well for applications</a:t>
             </a:r>
           </a:p>
           <a:p>
@@ -13331,7 +13099,7 @@
               <a:defRPr lang="en-us" sz="1320"/>
             </a:pPr>
             <a:r>
-              <a:rPr lang="en-US" dirty="0"/>
+              <a:rPr lang="en-US" sz="1600" dirty="0"/>
               <a:t>No obvious role for, e.g., Bratman-style intentions in these models</a:t>
             </a:r>
           </a:p>
@@ -13344,19 +13112,7 @@
               <a:buAutoNum type="arabicPeriod"/>
               <a:defRPr lang="en-us" sz="1540"/>
             </a:pPr>
-            <a:r>
-              <a:rPr lang="en-us" dirty="0"/>
-              <a:t>Game theory: no real role for organizational cognition</a:t>
-            </a:r>
-          </a:p>
-          <a:p>
-            <a:pPr lvl="1">
-              <a:defRPr lang="en-us" sz="1320"/>
-            </a:pPr>
-            <a:r>
-              <a:rPr dirty="0"/>
-              <a:t>List and Pettit a slight exception, but not clear that it really gets at organizational cognition</a:t>
-            </a:r>
+            <a:endParaRPr sz="1800" dirty="0"/>
           </a:p>
           <a:p>
             <a:pPr>
@@ -13365,7 +13121,10 @@
               </a:spcBef>
               <a:defRPr lang="en-us" sz="1540"/>
             </a:pPr>
-            <a:endParaRPr dirty="0"/>
+            <a:r>
+              <a:rPr sz="1800" dirty="0"/>
+              <a:t>The challenge isn’t just in treating organizational agency</a:t>
+            </a:r>
           </a:p>
           <a:p>
             <a:pPr>
@@ -13375,20 +13134,8 @@
               <a:defRPr lang="en-us" sz="1540"/>
             </a:pPr>
             <a:r>
-              <a:rPr dirty="0"/>
-              <a:t>The challenge isn’t just in treating organizational cognition</a:t>
-            </a:r>
-          </a:p>
-          <a:p>
-            <a:pPr>
-              <a:spcBef>
-                <a:spcPts val="500"/>
-              </a:spcBef>
-              <a:defRPr lang="en-us" sz="1540"/>
-            </a:pPr>
-            <a:r>
-              <a:rPr dirty="0"/>
-              <a:t>Need foundational work in richer treatment of individual cognition to connect theory of action</a:t>
+              <a:rPr sz="1800" dirty="0"/>
+              <a:t>Need a richer treatment of individual cognition to connect theory of action</a:t>
             </a:r>
           </a:p>
         </p:txBody>
@@ -13798,7 +13545,7 @@
                                         <p:tgtEl>
                                           <p:spTgt spid="3">
                                             <p:txEl>
-                                              <p:pRg st="10" end="10"/>
+                                              <p:pRg st="11" end="11"/>
                                             </p:txEl>
                                           </p:spTgt>
                                         </p:tgtEl>
@@ -13829,87 +13576,7 @@
                                         <p:tgtEl>
                                           <p:spTgt spid="3">
                                             <p:txEl>
-                                              <p:pRg st="11" end="11"/>
-                                            </p:txEl>
-                                          </p:spTgt>
-                                        </p:tgtEl>
-                                        <p:attrNameLst>
-                                          <p:attrName>style.visibility</p:attrName>
-                                        </p:attrNameLst>
-                                      </p:cBhvr>
-                                      <p:to>
-                                        <p:strVal val="visible"/>
-                                      </p:to>
-                                    </p:set>
-                                  </p:childTnLst>
-                                </p:cTn>
-                              </p:par>
-                            </p:childTnLst>
-                          </p:cTn>
-                        </p:par>
-                      </p:childTnLst>
-                    </p:cTn>
-                  </p:par>
-                  <p:par>
-                    <p:cTn id="35" fill="hold">
-                      <p:stCondLst>
-                        <p:cond delay="indefinite"/>
-                      </p:stCondLst>
-                      <p:childTnLst>
-                        <p:par>
-                          <p:cTn id="36" fill="hold">
-                            <p:stCondLst>
-                              <p:cond delay="0"/>
-                            </p:stCondLst>
-                            <p:childTnLst>
-                              <p:par>
-                                <p:cTn id="37" presetID="1" presetClass="entr" presetSubtype="0" fill="hold" grpId="0" nodeType="clickEffect">
-                                  <p:stCondLst>
-                                    <p:cond delay="0"/>
-                                  </p:stCondLst>
-                                  <p:childTnLst>
-                                    <p:set>
-                                      <p:cBhvr>
-                                        <p:cTn id="38" dur="1" fill="hold">
-                                          <p:stCondLst>
-                                            <p:cond delay="0"/>
-                                          </p:stCondLst>
-                                        </p:cTn>
-                                        <p:tgtEl>
-                                          <p:spTgt spid="3">
-                                            <p:txEl>
-                                              <p:pRg st="13" end="13"/>
-                                            </p:txEl>
-                                          </p:spTgt>
-                                        </p:tgtEl>
-                                        <p:attrNameLst>
-                                          <p:attrName>style.visibility</p:attrName>
-                                        </p:attrNameLst>
-                                      </p:cBhvr>
-                                      <p:to>
-                                        <p:strVal val="visible"/>
-                                      </p:to>
-                                    </p:set>
-                                  </p:childTnLst>
-                                </p:cTn>
-                              </p:par>
-                              <p:par>
-                                <p:cTn id="39" presetID="1" presetClass="entr" presetSubtype="0" fill="hold" grpId="0" nodeType="withEffect">
-                                  <p:stCondLst>
-                                    <p:cond delay="0"/>
-                                  </p:stCondLst>
-                                  <p:childTnLst>
-                                    <p:set>
-                                      <p:cBhvr>
-                                        <p:cTn id="40" dur="1" fill="hold">
-                                          <p:stCondLst>
-                                            <p:cond delay="0"/>
-                                          </p:stCondLst>
-                                        </p:cTn>
-                                        <p:tgtEl>
-                                          <p:spTgt spid="3">
-                                            <p:txEl>
-                                              <p:pRg st="14" end="14"/>
+                                              <p:pRg st="12" end="12"/>
                                             </p:txEl>
                                           </p:spTgt>
                                         </p:tgtEl>
@@ -13982,7 +13649,7 @@
             <a:spLocks noGrp="1" noChangeArrowheads="1"/>
             <a:extLst>
               <a:ext uri="smNativeData">
-                <pr:smNativeData xmlns:mc="http://schemas.openxmlformats.org/markup-compatibility/2006" xmlns:p14="http://schemas.microsoft.com/office/powerpoint/2010/main" xmlns:p15="http://schemas.microsoft.com/office/powerpoint/2012/main" xmlns:pr="smNativeData" xmlns="smNativeData" val="SMDATA_16_OZjwYBMAAAAlAAAAZAAAAA0AAAAAkAAAAEgAAACQAAAASAAAAAAAAAABAAAAAAAAAAEAAABQAAAAAAAAAAAA4D8AAAAAAADgPwAAAAAAAOA/AAAAAAAA4D8AAAAAAADgPwAAAAAAAOA/AAAAAAAA4D8AAAAAAADgPwAAAAAAAOA/AAAAAAAA4D8CAAAAjAAAAAAAAAAAAAAARHLEDP///wgAAAAAAAAAAAAAAAAAAAAAAAAAAAAAAAAAAAAAZAAAAAEAAABAAAAAAAAAAAAAAAAAAAAAAAAAAAAAAAAAAAAAAAAAAAAAAAAAAAAAAAAAAAAAAAAAAAAAAAAAAAAAAAAAAAAAAAAAAAAAAAAAAAAAAAAAAAAAAAAAAAAAFAAAADwAAAAAAAAAAAAAAAAAAAkUAAAAAQAAABQAAAAUAAAAFAAAAAEAAAAAAAAAZAAAAGQAAAAAAAAAZAAAAGQAAAAVAAAAYAAAAAAAAAAAAAAADwAAACADAAAAAAAAAAAAAAEAAACgMgAAVgcAAKr4//8BAAAAf39/AAEAAABkAAAAAAAAABQAAABAHwAAAAAAACYAAAAAAAAAwOD//wAAAAAmAAAAZAAAABYAAABMAAAAAAAAAAAAAAAEAAAAAAAAAAEAAADn5uYKAAAAACgAAAAoAAAAZAAAAGQAAAAAAAAAzMzMAAAAAABQAAAAUAAAAGQAAABkAAAAAAAAABcAAAAUAAAAAAAAAAAAAAD/fwAA/38AAAAAAAAJAAAABAAAAAUAAAAeAAAAaAAAAAAAAAAAAAAAAAAAAAAAAAAAAAAAECcAABAnAAAAAAAAAAAAAAAAAAAAAAAAAAAAAAAAAAAAAAAAAAAAABQAAAAAAAAAwMD/AAAAAABkAAAAMgAAAAAAAABkAAAAAAAAAH9/fwAKAAAAIgAAABgAAAAAAAAAAAAAAAAAAAAAAAAAAAAAAAAAAAAkAAAAJAAAAAAAAAAHAAAAAAAAAAAAAAAAAAAAAAAAAAAAAAAAAAAAf39/ACUAAABYAAAAAAAAAAAAAAAAAAAAAAAAAAAAAAAAAAAAAAAAAAAAAAAAAAAAAAAAAAAAAAA/AAAAAAAAAKCGAQAAAAAAAAAAAAAAAAAMAAAAAQAAAAAAAAAAAAAAAAAAAB8AAABUAAAARHLEBf///wEAAAAAAAAAAAAAAAAAAAAAAAAAAAAAAAAAAAAAAAAAAAAAAAJ/f38A5+bmA8zMzADAwP8Af39/AAAAAAAAAAAAAAAAAAAAAAAAAAAAIQAAABgAAAAUAAAA3gMAAD8CAABiNAAAZwoAABAAAAAmAAAACAAAAAAgAAAAAAAAMAAAABQAAAAAAAAAAAD//wAAAQAAAP//AAABAA=="/>
+                <pr:smNativeData xmlns="smNativeData" xmlns:pr="smNativeData" xmlns:p15="http://schemas.microsoft.com/office/powerpoint/2012/main" xmlns:p14="http://schemas.microsoft.com/office/powerpoint/2010/main" xmlns:mc="http://schemas.openxmlformats.org/markup-compatibility/2006" val="SMDATA_16_OZjwYBMAAAAlAAAAZAAAAA0AAAAAkAAAAEgAAACQAAAASAAAAAAAAAABAAAAAAAAAAEAAABQAAAAAAAAAAAA4D8AAAAAAADgPwAAAAAAAOA/AAAAAAAA4D8AAAAAAADgPwAAAAAAAOA/AAAAAAAA4D8AAAAAAADgPwAAAAAAAOA/AAAAAAAA4D8CAAAAjAAAAAAAAAAAAAAARHLEDP///wgAAAAAAAAAAAAAAAAAAAAAAAAAAAAAAAAAAAAAZAAAAAEAAABAAAAAAAAAAAAAAAAAAAAAAAAAAAAAAAAAAAAAAAAAAAAAAAAAAAAAAAAAAAAAAAAAAAAAAAAAAAAAAAAAAAAAAAAAAAAAAAAAAAAAAAAAAAAAAAAAAAAAFAAAADwAAAAAAAAAAAAAAAAAAAkUAAAAAQAAABQAAAAUAAAAFAAAAAEAAAAAAAAAZAAAAGQAAAAAAAAAZAAAAGQAAAAVAAAAYAAAAAAAAAAAAAAADwAAACADAAAAAAAAAAAAAAEAAACgMgAAVgcAAKr4//8BAAAAf39/AAEAAABkAAAAAAAAABQAAABAHwAAAAAAACYAAAAAAAAAwOD//wAAAAAmAAAAZAAAABYAAABMAAAAAAAAAAAAAAAEAAAAAAAAAAEAAADn5uYKAAAAACgAAAAoAAAAZAAAAGQAAAAAAAAAzMzMAAAAAABQAAAAUAAAAGQAAABkAAAAAAAAABcAAAAUAAAAAAAAAAAAAAD/fwAA/38AAAAAAAAJAAAABAAAAAUAAAAeAAAAaAAAAAAAAAAAAAAAAAAAAAAAAAAAAAAAECcAABAnAAAAAAAAAAAAAAAAAAAAAAAAAAAAAAAAAAAAAAAAAAAAABQAAAAAAAAAwMD/AAAAAABkAAAAMgAAAAAAAABkAAAAAAAAAH9/fwAKAAAAIgAAABgAAAAAAAAAAAAAAAAAAAAAAAAAAAAAAAAAAAAkAAAAJAAAAAAAAAAHAAAAAAAAAAAAAAAAAAAAAAAAAAAAAAAAAAAAf39/ACUAAABYAAAAAAAAAAAAAAAAAAAAAAAAAAAAAAAAAAAAAAAAAAAAAAAAAAAAAAAAAAAAAAA/AAAAAAAAAKCGAQAAAAAAAAAAAAAAAAAMAAAAAQAAAAAAAAAAAAAAAAAAAB8AAABUAAAARHLEBf///wEAAAAAAAAAAAAAAAAAAAAAAAAAAAAAAAAAAAAAAAAAAAAAAAJ/f38A5+bmA8zMzADAwP8Af39/AAAAAAAAAAAAAAAAAAAAAAAAAAAAIQAAABgAAAAUAAAA3gMAAD8CAABiNAAAZwoAABAAAAAmAAAACAAAAAAgAAAAAAAAMAAAABQAAAAAAAAAAAD//wAAAQAAAP//AAABAA=="/>
               </a:ext>
             </a:extLst>
           </p:cNvSpPr>
@@ -14016,7 +13683,7 @@
             <a:spLocks noGrp="1" noChangeArrowheads="1"/>
             <a:extLst>
               <a:ext uri="smNativeData">
-                <pr:smNativeData xmlns:mc="http://schemas.openxmlformats.org/markup-compatibility/2006" xmlns:p14="http://schemas.microsoft.com/office/powerpoint/2010/main" xmlns:p15="http://schemas.microsoft.com/office/powerpoint/2012/main" xmlns:pr="smNativeData" xmlns="smNativeData" val="SMDATA_16_OZjwYBMAAAAlAAAAZAAAAA0AAAAAkAAAAEgAAACQAAAASAAAAAAAAAAAAAAAAAAAAAEAAABQAAAAAAAAAAAA4D8AAAAAAADgPwAAAAAAAOA/AAAAAAAA4D8AAAAAAADgPwAAAAAAAOA/AAAAAAAA4D8AAAAAAADgPwAAAAAAAOA/AAAAAAAA4D8CAAAAjAAAAAAAAAAAAAAARHLEDP///wgAAAAAAAAAAAAAAAAAAAAAAAAAAAAAAAAAAAAAZAAAAAEAAABAAAAAAAAAAAAAAAAAAAAAAAAAAAAAAAAAAAAAAAAAAAAAAAAAAAAAAAAAAAAAAAAAAAAAAAAAAAAAAAAAAAAAAAAAAAAAAAAAAAAAAAAAAAAAAAAAAAAAFAAAADwAAAAAAAAAAAAAAAAAAAkUAAAAAQAAABQAAAAUAAAAFAAAAAEAAAAAAAAAZAAAAGQAAAAAAAAAZAAAAGQAAAAVAAAAYAAAAAAAAAAAAAAADwAAACADAAAAAAAAAAAAAAEAAACgMgAAVgcAAKr4//8BAAAAf39/AAEAAABkAAAAAAAAABQAAABAHwAAAAAAACYAAAAAAAAAwOD//wAAAAAmAAAAZAAAABYAAABMAAAAAAAAAAAAAAAEAAAAAAAAAAEAAADn5uYKAAAAACgAAAAoAAAAZAAAAGQAAAAAAAAAzMzMAAAAAABQAAAAUAAAAGQAAABkAAAAAAAAABcAAAAUAAAAAAAAAAAAAAD/fwAA/38AAAAAAAAJAAAABAAAAAAAAAAeAAAAaAAAAAAAAAAAAAAAAAAAAAAAAAAAAAAAECcAABAnAAAAAAAAAAAAAAAAAAAAAAAAAAAAAAAAAAAAAAAAAAAAABQAAAAAAAAAwMD/AAAAAABkAAAAMgAAAAAAAABkAAAAAAAAAH9/fwAKAAAAIgAAABgAAAAAAAAAAAAAAAAAAAAAAAAAAAAAAAAAAAAkAAAAJAAAAAAAAAAHAAAAAAAAAAAAAAAAAAAAAAAAAAAAAAAAAAAAf39/ACUAAABYAAAAAAAAAAAAAAAAAAAAAAAAAAAAAAAAAAAAAAAAAAAAAAAAAAAAAAAAAAAAAAA/AAAAAAAAAKCGAQAAAAAAAAAAAAAAAAAMAAAAAQAAAAAAAAAAAAAAAAAAAB8AAABUAAAARHLEBf///wEAAAAAAAAAAAAAAAAAAAAAAAAAAAAAAAAAAAAAAAAAAAAAAAJ/f38A5+bmA8zMzADAwP8Af39/AAAAAAAAAAAAAAAAAAAAAAAAAAAAIQAAABgAAAAUAAAA3gMAADsLAABiNAAAACYAABAAAAAmAAAACAAAAAAgAAAAAAAAMAAAABQAAAAAAAAAAAD//wAAAQAAAP//AAABAA=="/>
+                <pr:smNativeData xmlns="smNativeData" xmlns:pr="smNativeData" xmlns:p15="http://schemas.microsoft.com/office/powerpoint/2012/main" xmlns:p14="http://schemas.microsoft.com/office/powerpoint/2010/main" xmlns:mc="http://schemas.openxmlformats.org/markup-compatibility/2006" val="SMDATA_16_OZjwYBMAAAAlAAAAZAAAAA0AAAAAkAAAAEgAAACQAAAASAAAAAAAAAAAAAAAAAAAAAEAAABQAAAAAAAAAAAA4D8AAAAAAADgPwAAAAAAAOA/AAAAAAAA4D8AAAAAAADgPwAAAAAAAOA/AAAAAAAA4D8AAAAAAADgPwAAAAAAAOA/AAAAAAAA4D8CAAAAjAAAAAAAAAAAAAAARHLEDP///wgAAAAAAAAAAAAAAAAAAAAAAAAAAAAAAAAAAAAAZAAAAAEAAABAAAAAAAAAAAAAAAAAAAAAAAAAAAAAAAAAAAAAAAAAAAAAAAAAAAAAAAAAAAAAAAAAAAAAAAAAAAAAAAAAAAAAAAAAAAAAAAAAAAAAAAAAAAAAAAAAAAAAFAAAADwAAAAAAAAAAAAAAAAAAAkUAAAAAQAAABQAAAAUAAAAFAAAAAEAAAAAAAAAZAAAAGQAAAAAAAAAZAAAAGQAAAAVAAAAYAAAAAAAAAAAAAAADwAAACADAAAAAAAAAAAAAAEAAACgMgAAVgcAAKr4//8BAAAAf39/AAEAAABkAAAAAAAAABQAAABAHwAAAAAAACYAAAAAAAAAwOD//wAAAAAmAAAAZAAAABYAAABMAAAAAAAAAAAAAAAEAAAAAAAAAAEAAADn5uYKAAAAACgAAAAoAAAAZAAAAGQAAAAAAAAAzMzMAAAAAABQAAAAUAAAAGQAAABkAAAAAAAAABcAAAAUAAAAAAAAAAAAAAD/fwAA/38AAAAAAAAJAAAABAAAAAAAAAAeAAAAaAAAAAAAAAAAAAAAAAAAAAAAAAAAAAAAECcAABAnAAAAAAAAAAAAAAAAAAAAAAAAAAAAAAAAAAAAAAAAAAAAABQAAAAAAAAAwMD/AAAAAABkAAAAMgAAAAAAAABkAAAAAAAAAH9/fwAKAAAAIgAAABgAAAAAAAAAAAAAAAAAAAAAAAAAAAAAAAAAAAAkAAAAJAAAAAAAAAAHAAAAAAAAAAAAAAAAAAAAAAAAAAAAAAAAAAAAf39/ACUAAABYAAAAAAAAAAAAAAAAAAAAAAAAAAAAAAAAAAAAAAAAAAAAAAAAAAAAAAAAAAAAAAA/AAAAAAAAAKCGAQAAAAAAAAAAAAAAAAAMAAAAAQAAAAAAAAAAAAAAAAAAAB8AAABUAAAARHLEBf///wEAAAAAAAAAAAAAAAAAAAAAAAAAAAAAAAAAAAAAAAAAAAAAAAJ/f38A5+bmA8zMzADAwP8Af39/AAAAAAAAAAAAAAAAAAAAAAAAAAAAIQAAABgAAAAUAAAA3gMAADsLAABiNAAAACYAABAAAAAmAAAACAAAAAAgAAAAAAAAMAAAABQAAAAAAAAAAAD//wAAAQAAAP//AAABAA=="/>
               </a:ext>
             </a:extLst>
           </p:cNvSpPr>
@@ -14049,7 +13716,7 @@
             </a:pPr>
             <a:r>
               <a:rPr lang="en-us" sz="1800" dirty="0"/>
-              <a:t>Extend model of individual in game theory to take account of cognitive features that cannot be treated in current simple belief-desire model</a:t>
+              <a:t>Build model of individual agency to take account of cognitive features that are not treated in belief-desire models</a:t>
             </a:r>
           </a:p>
           <a:p>
@@ -14069,25 +13736,33 @@
             </a:pPr>
             <a:r>
               <a:rPr lang="en-us" sz="1800" dirty="0"/>
-              <a:t>Develop model of organizational cognition with appropriate analogies to (and differences from) individual case</a:t>
-            </a:r>
-          </a:p>
-          <a:p>
-            <a:pPr lvl="2">
+              <a:t>Develop model of organizational agency with appropriate analogies to </a:t>
+            </a:r>
+            <a:r>
+              <a:rPr lang="en-us" sz="1800" b="1" dirty="0"/>
+              <a:t>(and disanalogies from)</a:t>
+            </a:r>
+            <a:r>
+              <a:rPr lang="en-us" sz="1800" dirty="0"/>
+              <a:t> individual case</a:t>
+            </a:r>
+          </a:p>
+          <a:p>
+            <a:pPr>
+              <a:defRPr lang="en-us"/>
+            </a:pPr>
+            <a:r>
+              <a:rPr lang="en-us" sz="2000" dirty="0"/>
+              <a:t>Relation between models of individual and organizational cognition</a:t>
+            </a:r>
+          </a:p>
+          <a:p>
+            <a:pPr lvl="1">
               <a:defRPr lang="en-us"/>
             </a:pPr>
             <a:r>
               <a:rPr lang="en-us" sz="1600" dirty="0"/>
-              <a:t>Grounded in individuals and nature, but taking organizational cognition appropriately seriously</a:t>
-            </a:r>
-          </a:p>
-          <a:p>
-            <a:pPr>
-              <a:defRPr lang="en-us"/>
-            </a:pPr>
-            <a:r>
-              <a:rPr lang="en-us" sz="2000" dirty="0"/>
-              <a:t>Relation between models individual and organizational cognition</a:t>
+              <a:t>Grounded in individuals and nature, but taking organizational agency seriously</a:t>
             </a:r>
           </a:p>
           <a:p>
@@ -14096,16 +13771,7 @@
             </a:pPr>
             <a:r>
               <a:rPr lang="en-us" sz="1600" dirty="0"/>
-              <a:t>Need a compelling role for richer cognitive states at the individual level</a:t>
-            </a:r>
-          </a:p>
-          <a:p>
-            <a:pPr lvl="2">
-              <a:defRPr lang="en-us"/>
-            </a:pPr>
-            <a:r>
-              <a:rPr lang="en-us" sz="1200" dirty="0"/>
-              <a:t>If there isn’t such a role for game-theoretic treatment of individual cognition, not likely it’ll be necessary at the organizational level</a:t>
+              <a:t>Calls for demonstrating a compelling role for richer cognitive states at the individual level</a:t>
             </a:r>
           </a:p>
           <a:p>
@@ -14117,14 +13783,500 @@
               <a:t>In this discussion, we will focus on functions and models of intention in individual cognition</a:t>
             </a:r>
           </a:p>
-          <a:p>
-            <a:pPr lvl="2">
-              <a:defRPr lang="en-us"/>
-            </a:pPr>
-            <a:r>
-              <a:rPr lang="en-us" sz="1200" dirty="0"/>
-              <a:t>But we expect that similar points will be extensible to organizations</a:t>
-            </a:r>
+        </p:txBody>
+      </p:sp>
+    </p:spTree>
+  </p:cSld>
+  <p:clrMapOvr>
+    <a:masterClrMapping/>
+  </p:clrMapOvr>
+  <p:timing>
+    <p:tnLst>
+      <p:par>
+        <p:cTn id="1" dur="indefinite" restart="never" nodeType="tmRoot">
+          <p:childTnLst>
+            <p:seq concurrent="1" nextAc="seek">
+              <p:cTn id="2" dur="indefinite" nodeType="mainSeq">
+                <p:childTnLst>
+                  <p:par>
+                    <p:cTn id="3" fill="hold">
+                      <p:stCondLst>
+                        <p:cond delay="indefinite"/>
+                      </p:stCondLst>
+                      <p:childTnLst>
+                        <p:par>
+                          <p:cTn id="4" fill="hold">
+                            <p:stCondLst>
+                              <p:cond delay="0"/>
+                            </p:stCondLst>
+                            <p:childTnLst>
+                              <p:par>
+                                <p:cTn id="5" presetID="1" presetClass="entr" presetSubtype="0" fill="hold" grpId="0" nodeType="clickEffect">
+                                  <p:stCondLst>
+                                    <p:cond delay="0"/>
+                                  </p:stCondLst>
+                                  <p:childTnLst>
+                                    <p:set>
+                                      <p:cBhvr>
+                                        <p:cTn id="6" dur="1" fill="hold">
+                                          <p:stCondLst>
+                                            <p:cond delay="0"/>
+                                          </p:stCondLst>
+                                        </p:cTn>
+                                        <p:tgtEl>
+                                          <p:spTgt spid="3">
+                                            <p:txEl>
+                                              <p:pRg st="0" end="0"/>
+                                            </p:txEl>
+                                          </p:spTgt>
+                                        </p:tgtEl>
+                                        <p:attrNameLst>
+                                          <p:attrName>style.visibility</p:attrName>
+                                        </p:attrNameLst>
+                                      </p:cBhvr>
+                                      <p:to>
+                                        <p:strVal val="visible"/>
+                                      </p:to>
+                                    </p:set>
+                                  </p:childTnLst>
+                                </p:cTn>
+                              </p:par>
+                              <p:par>
+                                <p:cTn id="7" presetID="1" presetClass="entr" presetSubtype="0" fill="hold" grpId="0" nodeType="withEffect">
+                                  <p:stCondLst>
+                                    <p:cond delay="0"/>
+                                  </p:stCondLst>
+                                  <p:childTnLst>
+                                    <p:set>
+                                      <p:cBhvr>
+                                        <p:cTn id="8" dur="1" fill="hold">
+                                          <p:stCondLst>
+                                            <p:cond delay="0"/>
+                                          </p:stCondLst>
+                                        </p:cTn>
+                                        <p:tgtEl>
+                                          <p:spTgt spid="3">
+                                            <p:txEl>
+                                              <p:pRg st="1" end="1"/>
+                                            </p:txEl>
+                                          </p:spTgt>
+                                        </p:tgtEl>
+                                        <p:attrNameLst>
+                                          <p:attrName>style.visibility</p:attrName>
+                                        </p:attrNameLst>
+                                      </p:cBhvr>
+                                      <p:to>
+                                        <p:strVal val="visible"/>
+                                      </p:to>
+                                    </p:set>
+                                  </p:childTnLst>
+                                </p:cTn>
+                              </p:par>
+                              <p:par>
+                                <p:cTn id="9" presetID="1" presetClass="entr" presetSubtype="0" fill="hold" grpId="0" nodeType="withEffect">
+                                  <p:stCondLst>
+                                    <p:cond delay="0"/>
+                                  </p:stCondLst>
+                                  <p:childTnLst>
+                                    <p:set>
+                                      <p:cBhvr>
+                                        <p:cTn id="10" dur="1" fill="hold">
+                                          <p:stCondLst>
+                                            <p:cond delay="0"/>
+                                          </p:stCondLst>
+                                        </p:cTn>
+                                        <p:tgtEl>
+                                          <p:spTgt spid="3">
+                                            <p:txEl>
+                                              <p:pRg st="2" end="2"/>
+                                            </p:txEl>
+                                          </p:spTgt>
+                                        </p:tgtEl>
+                                        <p:attrNameLst>
+                                          <p:attrName>style.visibility</p:attrName>
+                                        </p:attrNameLst>
+                                      </p:cBhvr>
+                                      <p:to>
+                                        <p:strVal val="visible"/>
+                                      </p:to>
+                                    </p:set>
+                                  </p:childTnLst>
+                                </p:cTn>
+                              </p:par>
+                            </p:childTnLst>
+                          </p:cTn>
+                        </p:par>
+                      </p:childTnLst>
+                    </p:cTn>
+                  </p:par>
+                  <p:par>
+                    <p:cTn id="11" fill="hold">
+                      <p:stCondLst>
+                        <p:cond delay="indefinite"/>
+                      </p:stCondLst>
+                      <p:childTnLst>
+                        <p:par>
+                          <p:cTn id="12" fill="hold">
+                            <p:stCondLst>
+                              <p:cond delay="0"/>
+                            </p:stCondLst>
+                            <p:childTnLst>
+                              <p:par>
+                                <p:cTn id="13" presetID="1" presetClass="entr" presetSubtype="0" fill="hold" grpId="0" nodeType="clickEffect">
+                                  <p:stCondLst>
+                                    <p:cond delay="0"/>
+                                  </p:stCondLst>
+                                  <p:childTnLst>
+                                    <p:set>
+                                      <p:cBhvr>
+                                        <p:cTn id="14" dur="1" fill="hold">
+                                          <p:stCondLst>
+                                            <p:cond delay="0"/>
+                                          </p:stCondLst>
+                                        </p:cTn>
+                                        <p:tgtEl>
+                                          <p:spTgt spid="3">
+                                            <p:txEl>
+                                              <p:pRg st="3" end="3"/>
+                                            </p:txEl>
+                                          </p:spTgt>
+                                        </p:tgtEl>
+                                        <p:attrNameLst>
+                                          <p:attrName>style.visibility</p:attrName>
+                                        </p:attrNameLst>
+                                      </p:cBhvr>
+                                      <p:to>
+                                        <p:strVal val="visible"/>
+                                      </p:to>
+                                    </p:set>
+                                  </p:childTnLst>
+                                </p:cTn>
+                              </p:par>
+                            </p:childTnLst>
+                          </p:cTn>
+                        </p:par>
+                      </p:childTnLst>
+                    </p:cTn>
+                  </p:par>
+                  <p:par>
+                    <p:cTn id="15" fill="hold">
+                      <p:stCondLst>
+                        <p:cond delay="indefinite"/>
+                      </p:stCondLst>
+                      <p:childTnLst>
+                        <p:par>
+                          <p:cTn id="16" fill="hold">
+                            <p:stCondLst>
+                              <p:cond delay="0"/>
+                            </p:stCondLst>
+                            <p:childTnLst>
+                              <p:par>
+                                <p:cTn id="17" presetID="1" presetClass="entr" presetSubtype="0" fill="hold" grpId="0" nodeType="clickEffect">
+                                  <p:stCondLst>
+                                    <p:cond delay="0"/>
+                                  </p:stCondLst>
+                                  <p:childTnLst>
+                                    <p:set>
+                                      <p:cBhvr>
+                                        <p:cTn id="18" dur="1" fill="hold">
+                                          <p:stCondLst>
+                                            <p:cond delay="0"/>
+                                          </p:stCondLst>
+                                        </p:cTn>
+                                        <p:tgtEl>
+                                          <p:spTgt spid="3">
+                                            <p:txEl>
+                                              <p:pRg st="4" end="4"/>
+                                            </p:txEl>
+                                          </p:spTgt>
+                                        </p:tgtEl>
+                                        <p:attrNameLst>
+                                          <p:attrName>style.visibility</p:attrName>
+                                        </p:attrNameLst>
+                                      </p:cBhvr>
+                                      <p:to>
+                                        <p:strVal val="visible"/>
+                                      </p:to>
+                                    </p:set>
+                                  </p:childTnLst>
+                                </p:cTn>
+                              </p:par>
+                              <p:par>
+                                <p:cTn id="19" presetID="1" presetClass="entr" presetSubtype="0" fill="hold" grpId="0" nodeType="withEffect">
+                                  <p:stCondLst>
+                                    <p:cond delay="0"/>
+                                  </p:stCondLst>
+                                  <p:childTnLst>
+                                    <p:set>
+                                      <p:cBhvr>
+                                        <p:cTn id="20" dur="1" fill="hold">
+                                          <p:stCondLst>
+                                            <p:cond delay="0"/>
+                                          </p:stCondLst>
+                                        </p:cTn>
+                                        <p:tgtEl>
+                                          <p:spTgt spid="3">
+                                            <p:txEl>
+                                              <p:pRg st="5" end="5"/>
+                                            </p:txEl>
+                                          </p:spTgt>
+                                        </p:tgtEl>
+                                        <p:attrNameLst>
+                                          <p:attrName>style.visibility</p:attrName>
+                                        </p:attrNameLst>
+                                      </p:cBhvr>
+                                      <p:to>
+                                        <p:strVal val="visible"/>
+                                      </p:to>
+                                    </p:set>
+                                  </p:childTnLst>
+                                </p:cTn>
+                              </p:par>
+                              <p:par>
+                                <p:cTn id="21" presetID="1" presetClass="entr" presetSubtype="0" fill="hold" grpId="0" nodeType="withEffect">
+                                  <p:stCondLst>
+                                    <p:cond delay="0"/>
+                                  </p:stCondLst>
+                                  <p:childTnLst>
+                                    <p:set>
+                                      <p:cBhvr>
+                                        <p:cTn id="22" dur="1" fill="hold">
+                                          <p:stCondLst>
+                                            <p:cond delay="0"/>
+                                          </p:stCondLst>
+                                        </p:cTn>
+                                        <p:tgtEl>
+                                          <p:spTgt spid="3">
+                                            <p:txEl>
+                                              <p:pRg st="6" end="6"/>
+                                            </p:txEl>
+                                          </p:spTgt>
+                                        </p:tgtEl>
+                                        <p:attrNameLst>
+                                          <p:attrName>style.visibility</p:attrName>
+                                        </p:attrNameLst>
+                                      </p:cBhvr>
+                                      <p:to>
+                                        <p:strVal val="visible"/>
+                                      </p:to>
+                                    </p:set>
+                                  </p:childTnLst>
+                                </p:cTn>
+                              </p:par>
+                              <p:par>
+                                <p:cTn id="23" presetID="1" presetClass="entr" presetSubtype="0" fill="hold" grpId="0" nodeType="withEffect">
+                                  <p:stCondLst>
+                                    <p:cond delay="0"/>
+                                  </p:stCondLst>
+                                  <p:childTnLst>
+                                    <p:set>
+                                      <p:cBhvr>
+                                        <p:cTn id="24" dur="1" fill="hold">
+                                          <p:stCondLst>
+                                            <p:cond delay="0"/>
+                                          </p:stCondLst>
+                                        </p:cTn>
+                                        <p:tgtEl>
+                                          <p:spTgt spid="3">
+                                            <p:txEl>
+                                              <p:pRg st="7" end="7"/>
+                                            </p:txEl>
+                                          </p:spTgt>
+                                        </p:tgtEl>
+                                        <p:attrNameLst>
+                                          <p:attrName>style.visibility</p:attrName>
+                                        </p:attrNameLst>
+                                      </p:cBhvr>
+                                      <p:to>
+                                        <p:strVal val="visible"/>
+                                      </p:to>
+                                    </p:set>
+                                  </p:childTnLst>
+                                </p:cTn>
+                              </p:par>
+                            </p:childTnLst>
+                          </p:cTn>
+                        </p:par>
+                      </p:childTnLst>
+                    </p:cTn>
+                  </p:par>
+                </p:childTnLst>
+              </p:cTn>
+              <p:prevCondLst>
+                <p:cond evt="onPrev" delay="0">
+                  <p:tgtEl>
+                    <p:sldTgt/>
+                  </p:tgtEl>
+                </p:cond>
+              </p:prevCondLst>
+              <p:nextCondLst>
+                <p:cond evt="onNext" delay="0">
+                  <p:tgtEl>
+                    <p:sldTgt/>
+                  </p:tgtEl>
+                </p:cond>
+              </p:nextCondLst>
+            </p:seq>
+          </p:childTnLst>
+        </p:cTn>
+      </p:par>
+    </p:tnLst>
+    <p:bldLst>
+      <p:bldP spid="3" grpId="0" uiExpand="1" build="p"/>
+    </p:bldLst>
+  </p:timing>
+</p:sld>
+</file>
+
+<file path=ppt/slides/slide8.xml><?xml version="1.0" encoding="utf-8"?>
+<p:sld xmlns:a="http://schemas.openxmlformats.org/drawingml/2006/main" xmlns:r="http://schemas.openxmlformats.org/officeDocument/2006/relationships" xmlns:p="http://schemas.openxmlformats.org/presentationml/2006/main">
+  <p:cSld>
+    <p:spTree>
+      <p:nvGrpSpPr>
+        <p:cNvPr id="1" name=""/>
+        <p:cNvGrpSpPr/>
+        <p:nvPr/>
+      </p:nvGrpSpPr>
+      <p:grpSpPr>
+        <a:xfrm>
+          <a:off x="0" y="0"/>
+          <a:ext cx="0" cy="0"/>
+          <a:chOff x="0" y="0"/>
+          <a:chExt cx="0" cy="0"/>
+        </a:xfrm>
+      </p:grpSpPr>
+      <p:sp>
+        <p:nvSpPr>
+          <p:cNvPr id="2" name="Title 1"/>
+          <p:cNvSpPr>
+            <a:spLocks noGrp="1" noChangeArrowheads="1"/>
+            <a:extLst>
+              <a:ext uri="smNativeData">
+                <pr:smNativeData xmlns="smNativeData" xmlns:pr="smNativeData" xmlns:p15="http://schemas.microsoft.com/office/powerpoint/2012/main" xmlns:p14="http://schemas.microsoft.com/office/powerpoint/2010/main" xmlns:mc="http://schemas.openxmlformats.org/markup-compatibility/2006" val="SMDATA_16_OZjwYBMAAAAlAAAAZAAAAA0AAAAAkAAAAEgAAACQAAAASAAAAAAAAAABAAAAAAAAAAEAAABQAAAAAAAAAAAA4D8AAAAAAADgPwAAAAAAAOA/AAAAAAAA4D8AAAAAAADgPwAAAAAAAOA/AAAAAAAA4D8AAAAAAADgPwAAAAAAAOA/AAAAAAAA4D8CAAAAjAAAAAAAAAAAAAAARHLEDP///wgAAAAAAAAAAAAAAAAAAAAAAAAAAAAAAAAAAAAAZAAAAAEAAABAAAAAAAAAAAAAAAAAAAAAAAAAAAAAAAAAAAAAAAAAAAAAAAAAAAAAAAAAAAAAAAAAAAAAAAAAAAAAAAAAAAAAAAAAAAAAAAAAAAAAAAAAAAAAAAAAAAAAFAAAADwAAAAAAAAAAAAAAAAAAAkUAAAAAQAAABQAAAAUAAAAFAAAAAEAAAAAAAAAZAAAAGQAAAAAAAAAZAAAAGQAAAAVAAAAYAAAAAAAAAAAAAAADwAAACADAAAAAAAAAAAAAAEAAACgMgAAVgcAAKr4//8BAAAAf39/AAEAAABkAAAAAAAAABQAAABAHwAAAAAAACYAAAAAAAAAwOD//wAAAAAmAAAAZAAAABYAAABMAAAAAAAAAAAAAAAEAAAAAAAAAAEAAADn5uYKAAAAACgAAAAoAAAAZAAAAGQAAAAAAAAAzMzMAAAAAABQAAAAUAAAAGQAAABkAAAAAAAAABcAAAAUAAAAAAAAAAAAAAD/fwAA/38AAAAAAAAJAAAABAAAAAAAAAAeAAAAaAAAAAAAAAAAAAAAAAAAAAAAAAAAAAAAECcAABAnAAAAAAAAAAAAAAAAAAAAAAAAAAAAAAAAAAAAAAAAAAAAABQAAAAAAAAAwMD/AAAAAABkAAAAMgAAAAAAAABkAAAAAAAAAH9/fwAKAAAAIgAAABgAAAAAAAAAAAAAAAAAAAAAAAAAAAAAAAAAAAAkAAAAJAAAAAAAAAAHAAAAAAAAAAAAAAAAAAAAAAAAAAAAAAAAAAAAf39/ACUAAABYAAAAAAAAAAAAAAAAAAAAAAAAAAAAAAAAAAAAAAAAAAAAAAAAAAAAAAAAAAAAAAA/AAAAAAAAAKCGAQAAAAAAAAAAAAAAAAAMAAAAAQAAAAAAAAAAAAAAAAAAAB8AAABUAAAARHLEBf///wEAAAAAAAAAAAAAAAAAAAAAAAAAAAAAAAAAAAAAAAAAAAAAAAJ/f38A5+bmA8zMzADAwP8Af39/AAAAAAAAAAAAAAAAAAAAAAAAAAAAIQAAABgAAAAUAAAA3gMAAD8CAABiNAAAZwoAABAAAAAmAAAACAAAAAAAAAAAAAAAMAAAABQAAAAAAAAAAAD//wAAAQAAAP//AAABAA=="/>
+              </a:ext>
+            </a:extLst>
+          </p:cNvSpPr>
+          <p:nvPr>
+            <p:ph type="title"/>
+          </p:nvPr>
+        </p:nvSpPr>
+        <p:spPr/>
+        <p:txBody>
+          <a:bodyPr/>
+          <a:lstStyle/>
+          <a:p>
+            <a:pPr>
+              <a:defRPr lang="en-us"/>
+            </a:pPr>
+            <a:r>
+              <a:t>Central claim</a:t>
+            </a:r>
+          </a:p>
+        </p:txBody>
+      </p:sp>
+      <p:sp>
+        <p:nvSpPr>
+          <p:cNvPr id="3" name="Content Placeholder 2"/>
+          <p:cNvSpPr>
+            <a:spLocks noGrp="1" noChangeArrowheads="1"/>
+            <a:extLst>
+              <a:ext uri="smNativeData">
+                <pr:smNativeData xmlns="smNativeData" xmlns:pr="smNativeData" xmlns:p15="http://schemas.microsoft.com/office/powerpoint/2012/main" xmlns:p14="http://schemas.microsoft.com/office/powerpoint/2010/main" xmlns:mc="http://schemas.openxmlformats.org/markup-compatibility/2006" val="SMDATA_16_OZjwYBMAAAAlAAAAZAAAAA0AAAAAkAAAAEgAAACQAAAASAAAAAAAAAAAAAAAAAAAAAEAAABQAAAAAAAAAAAA4D8AAAAAAADgPwAAAAAAAOA/AAAAAAAA4D8AAAAAAADgPwAAAAAAAOA/AAAAAAAA4D8AAAAAAADgPwAAAAAAAOA/AAAAAAAA4D8CAAAAjAAAAAAAAAAAAAAARHLEDP///wgAAAAAAAAAAAAAAAAAAAAAAAAAAAAAAAAAAAAAZAAAAAEAAABAAAAAAAAAAAAAAAAAAAAAAAAAAAAAAAAAAAAAAAAAAAAAAAAAAAAAAAAAAAAAAAAAAAAAAAAAAAAAAAAAAAAAAAAAAAAAAAAAAAAAAAAAAAAAAAAAAAAAFAAAADwAAAAAAAAAAAAAAAAAAAkUAAAAAQAAABQAAAAUAAAAFAAAAAEAAAAAAAAAZAAAAGQAAAAAAAAAZAAAAGQAAAAVAAAAYAAAAAAAAAAAAAAADwAAACADAAAAAAAAAAAAAAEAAACgMgAAVgcAAKr4//8BAAAAf39/AAEAAABkAAAAAAAAABQAAABAHwAAAAAAACYAAAAAAAAAwOD//wAAAAAmAAAAZAAAABYAAABMAAAAAAAAAAAAAAAEAAAAAAAAAAEAAADn5uYKAAAAACgAAAAoAAAAZAAAAGQAAAAAAAAAzMzMAAAAAABQAAAAUAAAAGQAAABkAAAAAAAAABcAAAAUAAAAAAAAAAAAAAD/fwAA/38AAAAAAAAJAAAABAAAAAAAAAAeAAAAaAAAAAAAAAAAAAAAAAAAAAAAAAAAAAAAECcAABAnAAAAAAAAAAAAAAAAAAAAAAAAAAAAAAAAAAAAAAAAAAAAABQAAAAAAAAAwMD/AAAAAABkAAAAMgAAAAAAAABkAAAAAAAAAH9/fwAKAAAAIgAAABgAAAAAAAAAAAAAAAAAAAAAAAAAAAAAAAAAAAAkAAAAJAAAAAAAAAAHAAAAAAAAAAAAAAAAAAAAAAAAAAAAAAAAAAAAf39/ACUAAABYAAAAAAAAAAAAAAAAAAAAAAAAAAAAAAAAAAAAAAAAAAAAAAAAAAAAAAAAAAAAAAA/AAAAAAAAAKCGAQAAAAAAAAAAAAAAAAAMAAAAAQAAAAAAAAAAAAAAAAAAAB8AAABUAAAARHLEBf///wEAAAAAAAAAAAAAAAAAAAAAAAAAAAAAAAAAAAAAAAAAAAAAAAJ/f38A5+bmA8zMzADAwP8Af39/AAAAAAAAAAAAAAAAAAAAAAAAAAAAIQAAABgAAAAUAAAA3gMAADsLAABiNAAAACYAABAAAAAmAAAACAAAAAAgAAAAAAAAMAAAABQAAAAAAAAAAAD//wAAAQAAAP//AAABAA=="/>
+              </a:ext>
+            </a:extLst>
+          </p:cNvSpPr>
+          <p:nvPr>
+            <p:ph type="body" idx="1"/>
+          </p:nvPr>
+        </p:nvSpPr>
+        <p:spPr/>
+        <p:txBody>
+          <a:bodyPr vert="horz" wrap="square" lIns="91440" tIns="45720" rIns="91440" bIns="45720" numCol="1" spcCol="215900" anchor="t">
+            <a:prstTxWarp prst="textNoShape">
+              <a:avLst/>
+            </a:prstTxWarp>
+          </a:bodyPr>
+          <a:lstStyle/>
+          <a:p>
+            <a:pPr>
+              <a:defRPr lang="en-us"/>
+            </a:pPr>
+            <a:r>
+              <a:rPr sz="2400" dirty="0"/>
+              <a:t>Crucial features are:</a:t>
+            </a:r>
+          </a:p>
+          <a:p>
+            <a:pPr lvl="1">
+              <a:defRPr lang="en-us"/>
+            </a:pPr>
+            <a:r>
+              <a:rPr sz="2000" dirty="0"/>
+              <a:t>The agent inhabiting a dynamically changing world</a:t>
+            </a:r>
+          </a:p>
+          <a:p>
+            <a:pPr lvl="1">
+              <a:defRPr lang="en-us"/>
+            </a:pPr>
+            <a:r>
+              <a:rPr sz="2000" dirty="0"/>
+              <a:t>The agent deploying </a:t>
+            </a:r>
+            <a:r>
+              <a:rPr lang="en-us" sz="2000" i="1" dirty="0"/>
+              <a:t>unawareness—</a:t>
+            </a:r>
+            <a:r>
+              <a:rPr sz="2000" dirty="0"/>
+              <a:t>either “triggered” or “intentional” unawareness</a:t>
+            </a:r>
+            <a:r>
+              <a:rPr lang="en-us" sz="2000" i="1" dirty="0"/>
+              <a:t>—</a:t>
+            </a:r>
+            <a:r>
+              <a:rPr sz="2000" dirty="0"/>
+              <a:t>in unfolding choice and action</a:t>
+            </a:r>
+          </a:p>
+          <a:p>
+            <a:pPr>
+              <a:defRPr lang="en-us"/>
+            </a:pPr>
+            <a:r>
+              <a:rPr sz="2400" dirty="0"/>
+              <a:t>Develop more fundamental understanding of commitment, and thereby of key features of intention</a:t>
+            </a:r>
+          </a:p>
+          <a:p>
+            <a:pPr lvl="1">
+              <a:defRPr lang="en-us"/>
+            </a:pPr>
+            <a:r>
+              <a:rPr lang="en-US" sz="2000" dirty="0"/>
+              <a:t>Explain an internal commitment mechanism</a:t>
+            </a:r>
+            <a:endParaRPr sz="2000" dirty="0"/>
+          </a:p>
+          <a:p>
+            <a:pPr lvl="1">
+              <a:defRPr lang="en-us"/>
+            </a:pPr>
+            <a:r>
+              <a:rPr lang="en-US" sz="2000" dirty="0"/>
+              <a:t>Show why commitment is needed in a rational agent</a:t>
+            </a:r>
+          </a:p>
+          <a:p>
+            <a:pPr lvl="1">
+              <a:defRPr lang="en-us"/>
+            </a:pPr>
+            <a:r>
+              <a:rPr lang="en-US" sz="2000" dirty="0"/>
+              <a:t>Show how to derive features of commitment and planning, e.g., what triggers the rational abandonment of a plan</a:t>
+            </a:r>
+            <a:endParaRPr sz="2000" dirty="0"/>
           </a:p>
         </p:txBody>
       </p:sp>
@@ -14326,33 +14478,15 @@
                                   </p:childTnLst>
                                 </p:cTn>
                               </p:par>
-                            </p:childTnLst>
-                          </p:cTn>
-                        </p:par>
-                      </p:childTnLst>
-                    </p:cTn>
-                  </p:par>
-                  <p:par>
-                    <p:cTn id="17" fill="hold">
-                      <p:stCondLst>
-                        <p:cond delay="indefinite"/>
-                      </p:stCondLst>
-                      <p:childTnLst>
-                        <p:par>
-                          <p:cTn id="18" fill="hold">
-                            <p:stCondLst>
-                              <p:cond delay="0"/>
-                            </p:stCondLst>
-                            <p:childTnLst>
                               <p:par>
-                                <p:cTn id="19" presetID="1" presetClass="entr" presetSubtype="0" fill="hold" grpId="0" nodeType="clickEffect">
+                                <p:cTn id="17" presetID="1" presetClass="entr" presetSubtype="0" fill="hold" grpId="0" nodeType="withEffect">
                                   <p:stCondLst>
                                     <p:cond delay="0"/>
                                   </p:stCondLst>
                                   <p:childTnLst>
                                     <p:set>
                                       <p:cBhvr>
-                                        <p:cTn id="20" dur="1" fill="hold">
+                                        <p:cTn id="18" dur="1" fill="hold">
                                           <p:stCondLst>
                                             <p:cond delay="0"/>
                                           </p:stCondLst>
@@ -14376,524 +14510,7 @@
                                 </p:cTn>
                               </p:par>
                               <p:par>
-                                <p:cTn id="21" presetID="1" presetClass="entr" presetSubtype="0" fill="hold" grpId="0" nodeType="withEffect">
-                                  <p:stCondLst>
-                                    <p:cond delay="0"/>
-                                  </p:stCondLst>
-                                  <p:childTnLst>
-                                    <p:set>
-                                      <p:cBhvr>
-                                        <p:cTn id="22" dur="1" fill="hold">
-                                          <p:stCondLst>
-                                            <p:cond delay="0"/>
-                                          </p:stCondLst>
-                                        </p:cTn>
-                                        <p:tgtEl>
-                                          <p:spTgt spid="3">
-                                            <p:txEl>
-                                              <p:pRg st="6" end="6"/>
-                                            </p:txEl>
-                                          </p:spTgt>
-                                        </p:tgtEl>
-                                        <p:attrNameLst>
-                                          <p:attrName>style.visibility</p:attrName>
-                                        </p:attrNameLst>
-                                      </p:cBhvr>
-                                      <p:to>
-                                        <p:strVal val="visible"/>
-                                      </p:to>
-                                    </p:set>
-                                  </p:childTnLst>
-                                </p:cTn>
-                              </p:par>
-                              <p:par>
-                                <p:cTn id="23" presetID="1" presetClass="entr" presetSubtype="0" fill="hold" grpId="0" nodeType="withEffect">
-                                  <p:stCondLst>
-                                    <p:cond delay="0"/>
-                                  </p:stCondLst>
-                                  <p:childTnLst>
-                                    <p:set>
-                                      <p:cBhvr>
-                                        <p:cTn id="24" dur="1" fill="hold">
-                                          <p:stCondLst>
-                                            <p:cond delay="0"/>
-                                          </p:stCondLst>
-                                        </p:cTn>
-                                        <p:tgtEl>
-                                          <p:spTgt spid="3">
-                                            <p:txEl>
-                                              <p:pRg st="7" end="7"/>
-                                            </p:txEl>
-                                          </p:spTgt>
-                                        </p:tgtEl>
-                                        <p:attrNameLst>
-                                          <p:attrName>style.visibility</p:attrName>
-                                        </p:attrNameLst>
-                                      </p:cBhvr>
-                                      <p:to>
-                                        <p:strVal val="visible"/>
-                                      </p:to>
-                                    </p:set>
-                                  </p:childTnLst>
-                                </p:cTn>
-                              </p:par>
-                              <p:par>
-                                <p:cTn id="25" presetID="1" presetClass="entr" presetSubtype="0" fill="hold" grpId="0" nodeType="withEffect">
-                                  <p:stCondLst>
-                                    <p:cond delay="0"/>
-                                  </p:stCondLst>
-                                  <p:childTnLst>
-                                    <p:set>
-                                      <p:cBhvr>
-                                        <p:cTn id="26" dur="1" fill="hold">
-                                          <p:stCondLst>
-                                            <p:cond delay="0"/>
-                                          </p:stCondLst>
-                                        </p:cTn>
-                                        <p:tgtEl>
-                                          <p:spTgt spid="3">
-                                            <p:txEl>
-                                              <p:pRg st="8" end="8"/>
-                                            </p:txEl>
-                                          </p:spTgt>
-                                        </p:tgtEl>
-                                        <p:attrNameLst>
-                                          <p:attrName>style.visibility</p:attrName>
-                                        </p:attrNameLst>
-                                      </p:cBhvr>
-                                      <p:to>
-                                        <p:strVal val="visible"/>
-                                      </p:to>
-                                    </p:set>
-                                  </p:childTnLst>
-                                </p:cTn>
-                              </p:par>
-                              <p:par>
-                                <p:cTn id="27" presetID="1" presetClass="entr" presetSubtype="0" fill="hold" grpId="0" nodeType="withEffect">
-                                  <p:stCondLst>
-                                    <p:cond delay="0"/>
-                                  </p:stCondLst>
-                                  <p:childTnLst>
-                                    <p:set>
-                                      <p:cBhvr>
-                                        <p:cTn id="28" dur="1" fill="hold">
-                                          <p:stCondLst>
-                                            <p:cond delay="0"/>
-                                          </p:stCondLst>
-                                        </p:cTn>
-                                        <p:tgtEl>
-                                          <p:spTgt spid="3">
-                                            <p:txEl>
-                                              <p:pRg st="9" end="9"/>
-                                            </p:txEl>
-                                          </p:spTgt>
-                                        </p:tgtEl>
-                                        <p:attrNameLst>
-                                          <p:attrName>style.visibility</p:attrName>
-                                        </p:attrNameLst>
-                                      </p:cBhvr>
-                                      <p:to>
-                                        <p:strVal val="visible"/>
-                                      </p:to>
-                                    </p:set>
-                                  </p:childTnLst>
-                                </p:cTn>
-                              </p:par>
-                            </p:childTnLst>
-                          </p:cTn>
-                        </p:par>
-                      </p:childTnLst>
-                    </p:cTn>
-                  </p:par>
-                </p:childTnLst>
-              </p:cTn>
-              <p:prevCondLst>
-                <p:cond evt="onPrev" delay="0">
-                  <p:tgtEl>
-                    <p:sldTgt/>
-                  </p:tgtEl>
-                </p:cond>
-              </p:prevCondLst>
-              <p:nextCondLst>
-                <p:cond evt="onNext" delay="0">
-                  <p:tgtEl>
-                    <p:sldTgt/>
-                  </p:tgtEl>
-                </p:cond>
-              </p:nextCondLst>
-            </p:seq>
-          </p:childTnLst>
-        </p:cTn>
-      </p:par>
-    </p:tnLst>
-    <p:bldLst>
-      <p:bldP spid="3" grpId="0" uiExpand="1" build="p"/>
-    </p:bldLst>
-  </p:timing>
-</p:sld>
-</file>
-
-<file path=ppt/slides/slide8.xml><?xml version="1.0" encoding="utf-8"?>
-<p:sld xmlns:a="http://schemas.openxmlformats.org/drawingml/2006/main" xmlns:r="http://schemas.openxmlformats.org/officeDocument/2006/relationships" xmlns:p="http://schemas.openxmlformats.org/presentationml/2006/main">
-  <p:cSld>
-    <p:spTree>
-      <p:nvGrpSpPr>
-        <p:cNvPr id="1" name=""/>
-        <p:cNvGrpSpPr/>
-        <p:nvPr/>
-      </p:nvGrpSpPr>
-      <p:grpSpPr>
-        <a:xfrm>
-          <a:off x="0" y="0"/>
-          <a:ext cx="0" cy="0"/>
-          <a:chOff x="0" y="0"/>
-          <a:chExt cx="0" cy="0"/>
-        </a:xfrm>
-      </p:grpSpPr>
-      <p:sp>
-        <p:nvSpPr>
-          <p:cNvPr id="2" name="Title 1"/>
-          <p:cNvSpPr>
-            <a:spLocks noGrp="1" noChangeArrowheads="1"/>
-            <a:extLst>
-              <a:ext uri="smNativeData">
-                <pr:smNativeData xmlns:mc="http://schemas.openxmlformats.org/markup-compatibility/2006" xmlns:p14="http://schemas.microsoft.com/office/powerpoint/2010/main" xmlns:p15="http://schemas.microsoft.com/office/powerpoint/2012/main" xmlns:pr="smNativeData" xmlns="smNativeData" val="SMDATA_16_OZjwYBMAAAAlAAAAZAAAAA0AAAAAkAAAAEgAAACQAAAASAAAAAAAAAABAAAAAAAAAAEAAABQAAAAAAAAAAAA4D8AAAAAAADgPwAAAAAAAOA/AAAAAAAA4D8AAAAAAADgPwAAAAAAAOA/AAAAAAAA4D8AAAAAAADgPwAAAAAAAOA/AAAAAAAA4D8CAAAAjAAAAAAAAAAAAAAARHLEDP///wgAAAAAAAAAAAAAAAAAAAAAAAAAAAAAAAAAAAAAZAAAAAEAAABAAAAAAAAAAAAAAAAAAAAAAAAAAAAAAAAAAAAAAAAAAAAAAAAAAAAAAAAAAAAAAAAAAAAAAAAAAAAAAAAAAAAAAAAAAAAAAAAAAAAAAAAAAAAAAAAAAAAAFAAAADwAAAAAAAAAAAAAAAAAAAkUAAAAAQAAABQAAAAUAAAAFAAAAAEAAAAAAAAAZAAAAGQAAAAAAAAAZAAAAGQAAAAVAAAAYAAAAAAAAAAAAAAADwAAACADAAAAAAAAAAAAAAEAAACgMgAAVgcAAKr4//8BAAAAf39/AAEAAABkAAAAAAAAABQAAABAHwAAAAAAACYAAAAAAAAAwOD//wAAAAAmAAAAZAAAABYAAABMAAAAAAAAAAAAAAAEAAAAAAAAAAEAAADn5uYKAAAAACgAAAAoAAAAZAAAAGQAAAAAAAAAzMzMAAAAAABQAAAAUAAAAGQAAABkAAAAAAAAABcAAAAUAAAAAAAAAAAAAAD/fwAA/38AAAAAAAAJAAAABAAAAAAAAAAeAAAAaAAAAAAAAAAAAAAAAAAAAAAAAAAAAAAAECcAABAnAAAAAAAAAAAAAAAAAAAAAAAAAAAAAAAAAAAAAAAAAAAAABQAAAAAAAAAwMD/AAAAAABkAAAAMgAAAAAAAABkAAAAAAAAAH9/fwAKAAAAIgAAABgAAAAAAAAAAAAAAAAAAAAAAAAAAAAAAAAAAAAkAAAAJAAAAAAAAAAHAAAAAAAAAAAAAAAAAAAAAAAAAAAAAAAAAAAAf39/ACUAAABYAAAAAAAAAAAAAAAAAAAAAAAAAAAAAAAAAAAAAAAAAAAAAAAAAAAAAAAAAAAAAAA/AAAAAAAAAKCGAQAAAAAAAAAAAAAAAAAMAAAAAQAAAAAAAAAAAAAAAAAAAB8AAABUAAAARHLEBf///wEAAAAAAAAAAAAAAAAAAAAAAAAAAAAAAAAAAAAAAAAAAAAAAAJ/f38A5+bmA8zMzADAwP8Af39/AAAAAAAAAAAAAAAAAAAAAAAAAAAAIQAAABgAAAAUAAAA3gMAAD8CAABiNAAAZwoAABAAAAAmAAAACAAAAAAAAAAAAAAAMAAAABQAAAAAAAAAAAD//wAAAQAAAP//AAABAA=="/>
-              </a:ext>
-            </a:extLst>
-          </p:cNvSpPr>
-          <p:nvPr>
-            <p:ph type="title"/>
-          </p:nvPr>
-        </p:nvSpPr>
-        <p:spPr/>
-        <p:txBody>
-          <a:bodyPr/>
-          <a:lstStyle/>
-          <a:p>
-            <a:pPr>
-              <a:defRPr lang="en-us"/>
-            </a:pPr>
-            <a:r>
-              <a:t>Central claim</a:t>
-            </a:r>
-          </a:p>
-        </p:txBody>
-      </p:sp>
-      <p:sp>
-        <p:nvSpPr>
-          <p:cNvPr id="3" name="Content Placeholder 2"/>
-          <p:cNvSpPr>
-            <a:spLocks noGrp="1" noChangeArrowheads="1"/>
-            <a:extLst>
-              <a:ext uri="smNativeData">
-                <pr:smNativeData xmlns:mc="http://schemas.openxmlformats.org/markup-compatibility/2006" xmlns:p14="http://schemas.microsoft.com/office/powerpoint/2010/main" xmlns:p15="http://schemas.microsoft.com/office/powerpoint/2012/main" xmlns:pr="smNativeData" xmlns="smNativeData" val="SMDATA_16_OZjwYBMAAAAlAAAAZAAAAA0AAAAAkAAAAEgAAACQAAAASAAAAAAAAAAAAAAAAAAAAAEAAABQAAAAAAAAAAAA4D8AAAAAAADgPwAAAAAAAOA/AAAAAAAA4D8AAAAAAADgPwAAAAAAAOA/AAAAAAAA4D8AAAAAAADgPwAAAAAAAOA/AAAAAAAA4D8CAAAAjAAAAAAAAAAAAAAARHLEDP///wgAAAAAAAAAAAAAAAAAAAAAAAAAAAAAAAAAAAAAZAAAAAEAAABAAAAAAAAAAAAAAAAAAAAAAAAAAAAAAAAAAAAAAAAAAAAAAAAAAAAAAAAAAAAAAAAAAAAAAAAAAAAAAAAAAAAAAAAAAAAAAAAAAAAAAAAAAAAAAAAAAAAAFAAAADwAAAAAAAAAAAAAAAAAAAkUAAAAAQAAABQAAAAUAAAAFAAAAAEAAAAAAAAAZAAAAGQAAAAAAAAAZAAAAGQAAAAVAAAAYAAAAAAAAAAAAAAADwAAACADAAAAAAAAAAAAAAEAAACgMgAAVgcAAKr4//8BAAAAf39/AAEAAABkAAAAAAAAABQAAABAHwAAAAAAACYAAAAAAAAAwOD//wAAAAAmAAAAZAAAABYAAABMAAAAAAAAAAAAAAAEAAAAAAAAAAEAAADn5uYKAAAAACgAAAAoAAAAZAAAAGQAAAAAAAAAzMzMAAAAAABQAAAAUAAAAGQAAABkAAAAAAAAABcAAAAUAAAAAAAAAAAAAAD/fwAA/38AAAAAAAAJAAAABAAAAAAAAAAeAAAAaAAAAAAAAAAAAAAAAAAAAAAAAAAAAAAAECcAABAnAAAAAAAAAAAAAAAAAAAAAAAAAAAAAAAAAAAAAAAAAAAAABQAAAAAAAAAwMD/AAAAAABkAAAAMgAAAAAAAABkAAAAAAAAAH9/fwAKAAAAIgAAABgAAAAAAAAAAAAAAAAAAAAAAAAAAAAAAAAAAAAkAAAAJAAAAAAAAAAHAAAAAAAAAAAAAAAAAAAAAAAAAAAAAAAAAAAAf39/ACUAAABYAAAAAAAAAAAAAAAAAAAAAAAAAAAAAAAAAAAAAAAAAAAAAAAAAAAAAAAAAAAAAAA/AAAAAAAAAKCGAQAAAAAAAAAAAAAAAAAMAAAAAQAAAAAAAAAAAAAAAAAAAB8AAABUAAAARHLEBf///wEAAAAAAAAAAAAAAAAAAAAAAAAAAAAAAAAAAAAAAAAAAAAAAAJ/f38A5+bmA8zMzADAwP8Af39/AAAAAAAAAAAAAAAAAAAAAAAAAAAAIQAAABgAAAAUAAAA3gMAADsLAABiNAAAACYAABAAAAAmAAAACAAAAAAgAAAAAAAAMAAAABQAAAAAAAAAAAD//wAAAQAAAP//AAABAA=="/>
-              </a:ext>
-            </a:extLst>
-          </p:cNvSpPr>
-          <p:nvPr>
-            <p:ph type="body" idx="1"/>
-          </p:nvPr>
-        </p:nvSpPr>
-        <p:spPr/>
-        <p:txBody>
-          <a:bodyPr vert="horz" wrap="square" lIns="91440" tIns="45720" rIns="91440" bIns="45720" numCol="1" spcCol="215900" anchor="t">
-            <a:prstTxWarp prst="textNoShape">
-              <a:avLst/>
-            </a:prstTxWarp>
-          </a:bodyPr>
-          <a:lstStyle/>
-          <a:p>
-            <a:pPr>
-              <a:defRPr lang="en-us"/>
-            </a:pPr>
-            <a:r>
-              <a:rPr sz="2400" dirty="0"/>
-              <a:t>Crucial features are:</a:t>
-            </a:r>
-          </a:p>
-          <a:p>
-            <a:pPr lvl="1">
-              <a:defRPr lang="en-us"/>
-            </a:pPr>
-            <a:r>
-              <a:rPr sz="2000" dirty="0"/>
-              <a:t>The agent inhabiting a dynamically changing world</a:t>
-            </a:r>
-          </a:p>
-          <a:p>
-            <a:pPr lvl="1">
-              <a:defRPr lang="en-us"/>
-            </a:pPr>
-            <a:r>
-              <a:rPr sz="2000" dirty="0"/>
-              <a:t>The agent deploying </a:t>
-            </a:r>
-            <a:r>
-              <a:rPr lang="en-us" sz="2000" i="1" dirty="0"/>
-              <a:t>unawareness—</a:t>
-            </a:r>
-            <a:r>
-              <a:rPr sz="2000" dirty="0"/>
-              <a:t>either “triggered” or “intentional” unawareness in unfolding choice and action</a:t>
-            </a:r>
-          </a:p>
-          <a:p>
-            <a:pPr>
-              <a:defRPr lang="en-us"/>
-            </a:pPr>
-            <a:r>
-              <a:rPr sz="2400" dirty="0"/>
-              <a:t>The literature’s inquiry into planning is related, but not sufficient</a:t>
-            </a:r>
-          </a:p>
-          <a:p>
-            <a:pPr lvl="1">
-              <a:defRPr lang="en-us"/>
-            </a:pPr>
-            <a:r>
-              <a:rPr sz="2000" dirty="0"/>
-              <a:t>A standard simple B-D model of cognition is sufficient to model plans</a:t>
-            </a:r>
-          </a:p>
-          <a:p>
-            <a:pPr>
-              <a:defRPr lang="en-us"/>
-            </a:pPr>
-            <a:r>
-              <a:rPr sz="2400" dirty="0"/>
-              <a:t>Develop more fundamental understanding of commitment, and thereby of key features of intention</a:t>
-            </a:r>
-          </a:p>
-          <a:p>
-            <a:pPr lvl="1">
-              <a:defRPr lang="en-us"/>
-            </a:pPr>
-            <a:r>
-              <a:rPr lang="en-US" sz="2000" dirty="0"/>
-              <a:t>Focus on individual case</a:t>
-            </a:r>
-            <a:endParaRPr sz="2000" dirty="0"/>
-          </a:p>
-        </p:txBody>
-      </p:sp>
-    </p:spTree>
-  </p:cSld>
-  <p:clrMapOvr>
-    <a:masterClrMapping/>
-  </p:clrMapOvr>
-  <p:timing>
-    <p:tnLst>
-      <p:par>
-        <p:cTn id="1" dur="indefinite" restart="never" nodeType="tmRoot">
-          <p:childTnLst>
-            <p:seq concurrent="1" nextAc="seek">
-              <p:cTn id="2" dur="indefinite" nodeType="mainSeq">
-                <p:childTnLst>
-                  <p:par>
-                    <p:cTn id="3" fill="hold">
-                      <p:stCondLst>
-                        <p:cond delay="indefinite"/>
-                      </p:stCondLst>
-                      <p:childTnLst>
-                        <p:par>
-                          <p:cTn id="4" fill="hold">
-                            <p:stCondLst>
-                              <p:cond delay="0"/>
-                            </p:stCondLst>
-                            <p:childTnLst>
-                              <p:par>
-                                <p:cTn id="5" presetID="1" presetClass="entr" presetSubtype="0" fill="hold" grpId="0" nodeType="clickEffect">
-                                  <p:stCondLst>
-                                    <p:cond delay="0"/>
-                                  </p:stCondLst>
-                                  <p:childTnLst>
-                                    <p:set>
-                                      <p:cBhvr>
-                                        <p:cTn id="6" dur="1" fill="hold">
-                                          <p:stCondLst>
-                                            <p:cond delay="0"/>
-                                          </p:stCondLst>
-                                        </p:cTn>
-                                        <p:tgtEl>
-                                          <p:spTgt spid="3">
-                                            <p:txEl>
-                                              <p:pRg st="0" end="0"/>
-                                            </p:txEl>
-                                          </p:spTgt>
-                                        </p:tgtEl>
-                                        <p:attrNameLst>
-                                          <p:attrName>style.visibility</p:attrName>
-                                        </p:attrNameLst>
-                                      </p:cBhvr>
-                                      <p:to>
-                                        <p:strVal val="visible"/>
-                                      </p:to>
-                                    </p:set>
-                                  </p:childTnLst>
-                                </p:cTn>
-                              </p:par>
-                              <p:par>
-                                <p:cTn id="7" presetID="1" presetClass="entr" presetSubtype="0" fill="hold" grpId="0" nodeType="withEffect">
-                                  <p:stCondLst>
-                                    <p:cond delay="0"/>
-                                  </p:stCondLst>
-                                  <p:childTnLst>
-                                    <p:set>
-                                      <p:cBhvr>
-                                        <p:cTn id="8" dur="1" fill="hold">
-                                          <p:stCondLst>
-                                            <p:cond delay="0"/>
-                                          </p:stCondLst>
-                                        </p:cTn>
-                                        <p:tgtEl>
-                                          <p:spTgt spid="3">
-                                            <p:txEl>
-                                              <p:pRg st="1" end="1"/>
-                                            </p:txEl>
-                                          </p:spTgt>
-                                        </p:tgtEl>
-                                        <p:attrNameLst>
-                                          <p:attrName>style.visibility</p:attrName>
-                                        </p:attrNameLst>
-                                      </p:cBhvr>
-                                      <p:to>
-                                        <p:strVal val="visible"/>
-                                      </p:to>
-                                    </p:set>
-                                  </p:childTnLst>
-                                </p:cTn>
-                              </p:par>
-                              <p:par>
-                                <p:cTn id="9" presetID="1" presetClass="entr" presetSubtype="0" fill="hold" grpId="0" nodeType="withEffect">
-                                  <p:stCondLst>
-                                    <p:cond delay="0"/>
-                                  </p:stCondLst>
-                                  <p:childTnLst>
-                                    <p:set>
-                                      <p:cBhvr>
-                                        <p:cTn id="10" dur="1" fill="hold">
-                                          <p:stCondLst>
-                                            <p:cond delay="0"/>
-                                          </p:stCondLst>
-                                        </p:cTn>
-                                        <p:tgtEl>
-                                          <p:spTgt spid="3">
-                                            <p:txEl>
-                                              <p:pRg st="2" end="2"/>
-                                            </p:txEl>
-                                          </p:spTgt>
-                                        </p:tgtEl>
-                                        <p:attrNameLst>
-                                          <p:attrName>style.visibility</p:attrName>
-                                        </p:attrNameLst>
-                                      </p:cBhvr>
-                                      <p:to>
-                                        <p:strVal val="visible"/>
-                                      </p:to>
-                                    </p:set>
-                                  </p:childTnLst>
-                                </p:cTn>
-                              </p:par>
-                            </p:childTnLst>
-                          </p:cTn>
-                        </p:par>
-                      </p:childTnLst>
-                    </p:cTn>
-                  </p:par>
-                  <p:par>
-                    <p:cTn id="11" fill="hold">
-                      <p:stCondLst>
-                        <p:cond delay="indefinite"/>
-                      </p:stCondLst>
-                      <p:childTnLst>
-                        <p:par>
-                          <p:cTn id="12" fill="hold">
-                            <p:stCondLst>
-                              <p:cond delay="0"/>
-                            </p:stCondLst>
-                            <p:childTnLst>
-                              <p:par>
-                                <p:cTn id="13" presetID="1" presetClass="entr" presetSubtype="0" fill="hold" grpId="0" nodeType="clickEffect">
-                                  <p:stCondLst>
-                                    <p:cond delay="0"/>
-                                  </p:stCondLst>
-                                  <p:childTnLst>
-                                    <p:set>
-                                      <p:cBhvr>
-                                        <p:cTn id="14" dur="1" fill="hold">
-                                          <p:stCondLst>
-                                            <p:cond delay="0"/>
-                                          </p:stCondLst>
-                                        </p:cTn>
-                                        <p:tgtEl>
-                                          <p:spTgt spid="3">
-                                            <p:txEl>
-                                              <p:pRg st="3" end="3"/>
-                                            </p:txEl>
-                                          </p:spTgt>
-                                        </p:tgtEl>
-                                        <p:attrNameLst>
-                                          <p:attrName>style.visibility</p:attrName>
-                                        </p:attrNameLst>
-                                      </p:cBhvr>
-                                      <p:to>
-                                        <p:strVal val="visible"/>
-                                      </p:to>
-                                    </p:set>
-                                  </p:childTnLst>
-                                </p:cTn>
-                              </p:par>
-                              <p:par>
-                                <p:cTn id="15" presetID="1" presetClass="entr" presetSubtype="0" fill="hold" grpId="0" nodeType="withEffect">
-                                  <p:stCondLst>
-                                    <p:cond delay="0"/>
-                                  </p:stCondLst>
-                                  <p:childTnLst>
-                                    <p:set>
-                                      <p:cBhvr>
-                                        <p:cTn id="16" dur="1" fill="hold">
-                                          <p:stCondLst>
-                                            <p:cond delay="0"/>
-                                          </p:stCondLst>
-                                        </p:cTn>
-                                        <p:tgtEl>
-                                          <p:spTgt spid="3">
-                                            <p:txEl>
-                                              <p:pRg st="4" end="4"/>
-                                            </p:txEl>
-                                          </p:spTgt>
-                                        </p:tgtEl>
-                                        <p:attrNameLst>
-                                          <p:attrName>style.visibility</p:attrName>
-                                        </p:attrNameLst>
-                                      </p:cBhvr>
-                                      <p:to>
-                                        <p:strVal val="visible"/>
-                                      </p:to>
-                                    </p:set>
-                                  </p:childTnLst>
-                                </p:cTn>
-                              </p:par>
-                            </p:childTnLst>
-                          </p:cTn>
-                        </p:par>
-                      </p:childTnLst>
-                    </p:cTn>
-                  </p:par>
-                  <p:par>
-                    <p:cTn id="17" fill="hold">
-                      <p:stCondLst>
-                        <p:cond delay="indefinite"/>
-                      </p:stCondLst>
-                      <p:childTnLst>
-                        <p:par>
-                          <p:cTn id="18" fill="hold">
-                            <p:stCondLst>
-                              <p:cond delay="0"/>
-                            </p:stCondLst>
-                            <p:childTnLst>
-                              <p:par>
-                                <p:cTn id="19" presetID="1" presetClass="entr" presetSubtype="0" fill="hold" grpId="0" nodeType="clickEffect">
+                                <p:cTn id="19" presetID="1" presetClass="entr" presetSubtype="0" fill="hold" grpId="0" nodeType="withEffect">
                                   <p:stCondLst>
                                     <p:cond delay="0"/>
                                   </p:stCondLst>
@@ -14901,37 +14518,6 @@
                                     <p:set>
                                       <p:cBhvr>
                                         <p:cTn id="20" dur="1" fill="hold">
-                                          <p:stCondLst>
-                                            <p:cond delay="0"/>
-                                          </p:stCondLst>
-                                        </p:cTn>
-                                        <p:tgtEl>
-                                          <p:spTgt spid="3">
-                                            <p:txEl>
-                                              <p:pRg st="5" end="5"/>
-                                            </p:txEl>
-                                          </p:spTgt>
-                                        </p:tgtEl>
-                                        <p:attrNameLst>
-                                          <p:attrName>style.visibility</p:attrName>
-                                        </p:attrNameLst>
-                                      </p:cBhvr>
-                                      <p:to>
-                                        <p:strVal val="visible"/>
-                                      </p:to>
-                                    </p:set>
-                                  </p:childTnLst>
-                                </p:cTn>
-                              </p:par>
-                              <p:par>
-                                <p:cTn id="21" presetID="1" presetClass="entr" presetSubtype="0" fill="hold" grpId="0" nodeType="withEffect">
-                                  <p:stCondLst>
-                                    <p:cond delay="0"/>
-                                  </p:stCondLst>
-                                  <p:childTnLst>
-                                    <p:set>
-                                      <p:cBhvr>
-                                        <p:cTn id="22" dur="1" fill="hold">
                                           <p:stCondLst>
                                             <p:cond delay="0"/>
                                           </p:stCondLst>
@@ -15012,7 +14598,7 @@
             <a:spLocks noGrp="1" noChangeArrowheads="1"/>
             <a:extLst>
               <a:ext uri="smNativeData">
-                <pr:smNativeData xmlns="smNativeData" xmlns:pr="smNativeData" xmlns:p15="http://schemas.microsoft.com/office/powerpoint/2012/main" xmlns:p14="http://schemas.microsoft.com/office/powerpoint/2010/main" xmlns:mc="http://schemas.openxmlformats.org/markup-compatibility/2006" val="SMDATA_16_8bPwYBMAAAAlAAAAZAAAAA0AAAAAkAAAAEgAAACQAAAASAAAAAAAAAABAAAAAAAAAAEAAABQAAAAAAAAAAAA4D8AAAAAAADgPwAAAAAAAOA/AAAAAAAA4D8AAAAAAADgPwAAAAAAAOA/AAAAAAAA4D8AAAAAAADgPwAAAAAAAOA/AAAAAAAA4D8CAAAAjAAAAAAAAAAAAAAARHLEDP///wgAAAAAAAAAAAAAAAAAAAAAAAAAAAAAAAAAAAAAZAAAAAEAAABAAAAAAAAAAAAAAAAAAAAAAAAAAAAAAAAAAAAAAAAAAAAAAAAAAAAAAAAAAAAAAAAAAAAAAAAAAAAAAAAAAAAAAAAAAAAAAAAAAAAAAAAAAAAAAAAAAAAAFAAAADwAAAAAAAAAAAAAAAAAAAkUAAAAAQAAABQAAAAUAAAAFAAAAAEAAAAAAAAAZAAAAGQAAAAAAAAAZAAAAGQAAAAVAAAAYAAAAAAAAAAAAAAADwAAACADAAAAAAAAAAAAAAEAAACgMgAAVgcAAKr4//8BAAAAf39/AAEAAABkAAAAAAAAABQAAABAHwAAAAAAACYAAAAAAAAAwOD//wAAAAAmAAAAZAAAABYAAABMAAAAAAAAAAAAAAAEAAAAAAAAAAEAAADn5uYKAAAAACgAAAAoAAAAZAAAAGQAAAAAAAAAzMzMAAAAAABQAAAAUAAAAGQAAABkAAAAAAAAABcAAAAUAAAAAAAAAAAAAAD/fwAA/38AAAAAAAAJAAAABAAAAAUAAAAeAAAAaAAAAAAAAAAAAAAAAAAAAAAAAAAAAAAAECcAABAnAAAAAAAAAAAAAAAAAAAAAAAAAAAAAAAAAAAAAAAAAAAAABQAAAAAAAAAwMD/AAAAAABkAAAAMgAAAAAAAABkAAAAAAAAAH9/fwAKAAAAIgAAABgAAAAAAAAAAAAAAAAAAAAAAAAAAAAAAAAAAAAkAAAAJAAAAAAAAAAHAAAAAAAAAAAAAAAAAAAAAAAAAAAAAAAAAAAAf39/ACUAAABYAAAAAAAAAAAAAAAAAAAAAAAAAAAAAAAAAAAAAAAAAAAAAAAAAAAAAAAAAAAAAAA/AAAAAAAAAKCGAQAAAAAAAAAAAAAAAAAMAAAAAQAAAAAAAAAAAAAAAAAAAB8AAABUAAAARHLEBf///wEAAAAAAAAAAAAAAAAAAAAAAAAAAAAAAAAAAAAAAAAAAAAAAAJ/f38A5+bmA8zMzADAwP8Af39/AAAAAAAAAAAAAAAAAAAAAAAAAAAAIQAAABgAAAAUAAAA3gMAAD8CAABiNAAAZwoAABAAAAAmAAAACAAAAAAgAAAAAAAAMAAAABQAAAAAAAAAAAD//wAAAQAAAP//AAABAA=="/>
+                <pr:smNativeData xmlns:mc="http://schemas.openxmlformats.org/markup-compatibility/2006" xmlns:p14="http://schemas.microsoft.com/office/powerpoint/2010/main" xmlns:p15="http://schemas.microsoft.com/office/powerpoint/2012/main" xmlns:pr="smNativeData" xmlns="smNativeData" val="SMDATA_16_8bPwYBMAAAAlAAAAZAAAAA0AAAAAkAAAAEgAAACQAAAASAAAAAAAAAABAAAAAAAAAAEAAABQAAAAAAAAAAAA4D8AAAAAAADgPwAAAAAAAOA/AAAAAAAA4D8AAAAAAADgPwAAAAAAAOA/AAAAAAAA4D8AAAAAAADgPwAAAAAAAOA/AAAAAAAA4D8CAAAAjAAAAAAAAAAAAAAARHLEDP///wgAAAAAAAAAAAAAAAAAAAAAAAAAAAAAAAAAAAAAZAAAAAEAAABAAAAAAAAAAAAAAAAAAAAAAAAAAAAAAAAAAAAAAAAAAAAAAAAAAAAAAAAAAAAAAAAAAAAAAAAAAAAAAAAAAAAAAAAAAAAAAAAAAAAAAAAAAAAAAAAAAAAAFAAAADwAAAAAAAAAAAAAAAAAAAkUAAAAAQAAABQAAAAUAAAAFAAAAAEAAAAAAAAAZAAAAGQAAAAAAAAAZAAAAGQAAAAVAAAAYAAAAAAAAAAAAAAADwAAACADAAAAAAAAAAAAAAEAAACgMgAAVgcAAKr4//8BAAAAf39/AAEAAABkAAAAAAAAABQAAABAHwAAAAAAACYAAAAAAAAAwOD//wAAAAAmAAAAZAAAABYAAABMAAAAAAAAAAAAAAAEAAAAAAAAAAEAAADn5uYKAAAAACgAAAAoAAAAZAAAAGQAAAAAAAAAzMzMAAAAAABQAAAAUAAAAGQAAABkAAAAAAAAABcAAAAUAAAAAAAAAAAAAAD/fwAA/38AAAAAAAAJAAAABAAAAAUAAAAeAAAAaAAAAAAAAAAAAAAAAAAAAAAAAAAAAAAAECcAABAnAAAAAAAAAAAAAAAAAAAAAAAAAAAAAAAAAAAAAAAAAAAAABQAAAAAAAAAwMD/AAAAAABkAAAAMgAAAAAAAABkAAAAAAAAAH9/fwAKAAAAIgAAABgAAAAAAAAAAAAAAAAAAAAAAAAAAAAAAAAAAAAkAAAAJAAAAAAAAAAHAAAAAAAAAAAAAAAAAAAAAAAAAAAAAAAAAAAAf39/ACUAAABYAAAAAAAAAAAAAAAAAAAAAAAAAAAAAAAAAAAAAAAAAAAAAAAAAAAAAAAAAAAAAAA/AAAAAAAAAKCGAQAAAAAAAAAAAAAAAAAMAAAAAQAAAAAAAAAAAAAAAAAAAB8AAABUAAAARHLEBf///wEAAAAAAAAAAAAAAAAAAAAAAAAAAAAAAAAAAAAAAAAAAAAAAAJ/f38A5+bmA8zMzADAwP8Af39/AAAAAAAAAAAAAAAAAAAAAAAAAAAAIQAAABgAAAAUAAAA3gMAAD8CAABiNAAAZwoAAAAAAAAmAAAACAAAAAEAAAAAAAAAMAAAABQAAAAAAAAAAAD//wAAAQAAAP//AAABAA=="/>
               </a:ext>
             </a:extLst>
           </p:cNvSpPr>
@@ -15020,21 +14606,30 @@
             <p:ph type="title"/>
           </p:nvPr>
         </p:nvSpPr>
-        <p:spPr/>
+        <p:spPr>
+          <a:xfrm>
+            <a:off x="628650" y="365125"/>
+            <a:ext cx="7886700" cy="1325880"/>
+          </a:xfrm>
+        </p:spPr>
         <p:txBody>
-          <a:bodyPr vert="horz" wrap="square" lIns="91440" tIns="45720" rIns="91440" bIns="45720" numCol="1" spcCol="215900" anchor="ctr">
-            <a:prstTxWarp prst="textNoShape">
-              <a:avLst/>
-            </a:prstTxWarp>
-          </a:bodyPr>
+          <a:bodyPr/>
           <a:lstStyle/>
           <a:p>
             <a:pPr>
               <a:defRPr lang="en-us"/>
             </a:pPr>
             <a:r>
-              <a:rPr lang="en-us" sz="4000"/>
-              <a:t>Project at intersection of game theory and theory of action</a:t>
+              <a:rPr dirty="0"/>
+              <a:t>The toddler</a:t>
+            </a:r>
+            <a:r>
+              <a:rPr lang="en-US" dirty="0"/>
+              <a:t>’</a:t>
+            </a:r>
+            <a:r>
+              <a:rPr dirty="0"/>
+              <a:t>s toy problem</a:t>
             </a:r>
           </a:p>
         </p:txBody>
@@ -15046,7 +14641,7 @@
             <a:spLocks noGrp="1" noChangeArrowheads="1"/>
             <a:extLst>
               <a:ext uri="smNativeData">
-                <pr:smNativeData xmlns="smNativeData" xmlns:pr="smNativeData" xmlns:p15="http://schemas.microsoft.com/office/powerpoint/2012/main" xmlns:p14="http://schemas.microsoft.com/office/powerpoint/2010/main" xmlns:mc="http://schemas.openxmlformats.org/markup-compatibility/2006" val="SMDATA_16_8bPwYBMAAAAlAAAAZAAAAA0AAAAAkAAAAEgAAACQAAAASAAAAAAAAAAAAAAAAAAAAAEAAABQAAAAAAAAAAAA4D8AAAAAAADgPwAAAAAAAOA/AAAAAAAA4D8AAAAAAADgPwAAAAAAAOA/AAAAAAAA4D8AAAAAAADgPwAAAAAAAOA/AAAAAAAA4D8CAAAAjAAAAAAAAAAAAAAARHLEDP///wgAAAAAAAAAAAAAAAAAAAAAAAAAAAAAAAAAAAAAZAAAAAEAAABAAAAAAAAAAAAAAAAAAAAAAAAAAAAAAAAAAAAAAAAAAAAAAAAAAAAAAAAAAAAAAAAAAAAAAAAAAAAAAAAAAAAAAAAAAAAAAAAAAAAAAAAAAAAAAAAAAAAAFAAAADwAAAAAAAAAAAAAAAAAAAkUAAAAAQAAABQAAAAUAAAAFAAAAAEAAAAAAAAAZAAAAGQAAAAAAAAAZAAAAGQAAAAVAAAAYAAAAAAAAAAAAAAADwAAACADAAAAAAAAAAAAAAEAAACgMgAAVgcAAKr4//8BAAAAf39/AAEAAABkAAAAAAAAABQAAABAHwAAAAAAACYAAAAAAAAAwOD//wAAAAAmAAAAZAAAABYAAABMAAAAAAAAAAAAAAAEAAAAAAAAAAEAAADn5uYKAAAAACgAAAAoAAAAZAAAAGQAAAAAAAAAzMzMAAAAAABQAAAAUAAAAGQAAABkAAAAAAAAABcAAAAUAAAAAAAAAAAAAAD/fwAA/38AAAAAAAAJAAAABAAAAAAAAAAeAAAAaAAAAAAAAAAAAAAAAAAAAAAAAAAAAAAAECcAABAnAAAAAAAAAAAAAAAAAAAAAAAAAAAAAAAAAAAAAAAAAAAAABQAAAAAAAAAwMD/AAAAAABkAAAAMgAAAAAAAABkAAAAAAAAAH9/fwAKAAAAIgAAABgAAAAAAAAAAAAAAAAAAAAAAAAAAAAAAAAAAAAkAAAAJAAAAAAAAAAHAAAAAAAAAAAAAAAAAAAAAAAAAAAAAAAAAAAAf39/ACUAAABYAAAAAAAAAAAAAAAAAAAAAAAAAAAAAAAAAAAAAAAAAAAAAAAAAAAAAAAAAAAAAAA/AAAAAAAAAKCGAQAAAAAAAAAAAAAAAAAMAAAAAQAAAAAAAAAAAAAAAAAAAB8AAABUAAAARHLEBf///wEAAAAAAAAAAAAAAAAAAAAAAAAAAAAAAAAAAAAAAAAAAAAAAAJ/f38A5+bmA8zMzADAwP8Af39/AAAAAAAAAAAAAAAAAAAAAAAAAAAAIQAAABgAAAAUAAAA3gMAADsLAABiNAAAACYAABAAAAAmAAAACAAAAAAgAAAAAAAAMAAAABQAAAAAAAAAAAD//wAAAQAAAP//AAABAA=="/>
+                <pr:smNativeData xmlns:mc="http://schemas.openxmlformats.org/markup-compatibility/2006" xmlns:p14="http://schemas.microsoft.com/office/powerpoint/2010/main" xmlns:p15="http://schemas.microsoft.com/office/powerpoint/2012/main" xmlns:pr="smNativeData" xmlns="smNativeData" val="SMDATA_16_8bPwYBMAAAAlAAAAZAAAAA0AAAAAkAAAAEgAAACQAAAASAAAAAAAAAAAAAAAAAAAAAEAAABQAAAAAAAAAAAA4D8AAAAAAADgPwAAAAAAAOA/AAAAAAAA4D8AAAAAAADgPwAAAAAAAOA/AAAAAAAA4D8AAAAAAADgPwAAAAAAAOA/AAAAAAAA4D8CAAAAjAAAAAAAAAAAAAAARHLEDP///wgAAAAAAAAAAAAAAAAAAAAAAAAAAAAAAAAAAAAAZAAAAAEAAABAAAAAAAAAAAAAAAAAAAAAAAAAAAAAAAAAAAAAAAAAAAAAAAAAAAAAAAAAAAAAAAAAAAAAAAAAAAAAAAAAAAAAAAAAAAAAAAAAAAAAAAAAAAAAAAAAAAAAFAAAADwAAAAAAAAAAAAAAAAAAAkUAAAAAQAAABQAAAAUAAAAFAAAAAEAAAAAAAAAZAAAAGQAAAAAAAAAZAAAAGQAAAAVAAAAYAAAAAAAAAAAAAAADwAAACADAAAAAAAAAAAAAAEAAACgMgAAVgcAAKr4//8BAAAAf39/AAEAAABkAAAAAAAAABQAAABAHwAAAAAAACYAAAAAAAAAwOD//wAAAAAmAAAAZAAAABYAAABMAAAAAAAAAAAAAAAEAAAAAAAAAAEAAADn5uYKAAAAACgAAAAoAAAAZAAAAGQAAAAAAAAAzMzMAAAAAABQAAAAUAAAAGQAAABkAAAAAAAAABcAAAAUAAAAAAAAAAAAAAD/fwAA/38AAAAAAAAJAAAABAAAAAAAAAAeAAAAaAAAAAAAAAAAAAAAAAAAAAAAAAAAAAAAECcAABAnAAAAAAAAAAAAAAAAAAAAAAAAAAAAAAAAAAAAAAAAAAAAABQAAAAAAAAAwMD/AAAAAABkAAAAMgAAAAAAAABkAAAAAAAAAH9/fwAKAAAAIgAAABgAAAAAAAAAAAAAAAAAAAAAAAAAAAAAAAAAAAAkAAAAJAAAAAAAAAAHAAAAAAAAAAAAAAAAAAAAAAAAAAAAAAAAAAAAf39/ACUAAABYAAAAAAAAAAAAAAAAAAAAAAAAAAAAAAAAAAAAAAAAAAAAAAAAAAAAAAAAAAAAAAA/AAAAAAAAAKCGAQAAAAAAAAAAAAAAAAAMAAAAAQAAAAAAAAAAAAAAAAAAAB8AAABUAAAARHLEBf///wEAAAAAAAAAAAAAAAAAAAAAAAAAAAAAAAAAAAAAAAAAAAAAAAJ/f38A5+bmA8zMzADAwP8Af39/AAAAAAAAAAAAAAAAAAAAAAAAAAAAIQAAABgAAAAUAAAAmAMAAOMJAAAcNAAAZCgAAAAAAAAmAAAACAAAAAEgAAAAAAAAMAAAABQAAAAAAAAAAAD//wAAAQAAAP//AAABAA=="/>
               </a:ext>
             </a:extLst>
           </p:cNvSpPr>
@@ -15054,7 +14649,12 @@
             <p:ph type="body" idx="1"/>
           </p:nvPr>
         </p:nvSpPr>
-        <p:spPr/>
+        <p:spPr>
+          <a:xfrm>
+            <a:off x="584200" y="1607185"/>
+            <a:ext cx="7886700" cy="4958715"/>
+          </a:xfrm>
+        </p:spPr>
         <p:txBody>
           <a:bodyPr vert="horz" wrap="square" lIns="91440" tIns="45720" rIns="91440" bIns="45720" numCol="1" spcCol="215900" anchor="t">
             <a:prstTxWarp prst="textNoShape">
@@ -15064,97 +14664,215 @@
           <a:lstStyle/>
           <a:p>
             <a:pPr>
-              <a:defRPr lang="en-us"/>
-            </a:pPr>
-            <a:r>
-              <a:rPr lang="en-us" sz="2000"/>
-              <a:t>Two-step process:</a:t>
-            </a:r>
-          </a:p>
-          <a:p>
-            <a:pPr marL="746125" lvl="1" indent="-288925">
-              <a:buFontTx/>
-              <a:buAutoNum type="arabicPeriod"/>
-              <a:defRPr lang="en-us"/>
-            </a:pPr>
-            <a:r>
-              <a:rPr lang="en-us" sz="1800"/>
-              <a:t>Extend model of individual in game theory to take account of cognitive features that cannot be treated in current simple belief-desire model</a:t>
-            </a:r>
-          </a:p>
-          <a:p>
-            <a:pPr lvl="2">
-              <a:defRPr lang="en-us"/>
-            </a:pPr>
-            <a:r>
-              <a:rPr lang="en-us" sz="1600"/>
-              <a:t>As conservative as possible, to make use of mathematical resources and retain tractability</a:t>
-            </a:r>
-          </a:p>
-          <a:p>
-            <a:pPr marL="746125" lvl="1" indent="-288925">
-              <a:buFontTx/>
-              <a:buAutoNum type="arabicPeriod"/>
-              <a:defRPr lang="en-us"/>
-            </a:pPr>
-            <a:r>
-              <a:rPr lang="en-us" sz="1800"/>
-              <a:t>Develop model of organizational cognition with appropriate analogies to (and differences from) individual case</a:t>
-            </a:r>
-          </a:p>
-          <a:p>
-            <a:pPr lvl="2">
-              <a:defRPr lang="en-us"/>
-            </a:pPr>
-            <a:r>
-              <a:rPr lang="en-us" sz="1600"/>
-              <a:t>Grounded in individuals and nature, but taking organizational cognition appropriately seriously</a:t>
-            </a:r>
-          </a:p>
-          <a:p>
-            <a:pPr>
-              <a:defRPr lang="en-us"/>
-            </a:pPr>
-            <a:r>
-              <a:rPr lang="en-us" sz="2000"/>
-              <a:t>Relation between models individual and organizational cognition</a:t>
+              <a:lnSpc>
+                <a:spcPct val="100000"/>
+              </a:lnSpc>
+              <a:spcBef>
+                <a:spcPts val="600"/>
+              </a:spcBef>
+              <a:spcAft>
+                <a:spcPts val="600"/>
+              </a:spcAft>
+              <a:buFont typeface="Wingdings" pitchFamily="2" charset="2"/>
+              <a:buChar char=""/>
+              <a:defRPr lang="en-us" sz="2400"/>
+            </a:pPr>
+            <a:r>
+              <a:rPr dirty="0"/>
+              <a:t>The time is </a:t>
+            </a:r>
+            <a:r>
+              <a:rPr lang="en-us" i="1" dirty="0">
+                <a:latin typeface="DejaVu Math TeX Gyre" pitchFamily="1" charset="0"/>
+                <a:ea typeface="DejaVu Math TeX Gyre" pitchFamily="1" charset="0"/>
+                <a:cs typeface="DejaVu Math TeX Gyre" pitchFamily="1" charset="0"/>
+              </a:rPr>
+              <a:t>t </a:t>
+            </a:r>
+            <a:r>
+              <a:rPr lang="en-us" dirty="0">
+                <a:latin typeface="DejaVu Math TeX Gyre" pitchFamily="1" charset="0"/>
+                <a:ea typeface="DejaVu Math TeX Gyre" pitchFamily="1" charset="0"/>
+                <a:cs typeface="DejaVu Math TeX Gyre" pitchFamily="1" charset="0"/>
+              </a:rPr>
+              <a:t>=</a:t>
+            </a:r>
+            <a:r>
+              <a:rPr lang="en-us" i="1" dirty="0">
+                <a:latin typeface="DejaVu Math TeX Gyre" pitchFamily="1" charset="0"/>
+                <a:ea typeface="DejaVu Math TeX Gyre" pitchFamily="1" charset="0"/>
+                <a:cs typeface="DejaVu Math TeX Gyre" pitchFamily="1" charset="0"/>
+              </a:rPr>
+              <a:t> 0</a:t>
+            </a:r>
+          </a:p>
+          <a:p>
+            <a:pPr>
+              <a:lnSpc>
+                <a:spcPct val="100000"/>
+              </a:lnSpc>
+              <a:spcBef>
+                <a:spcPts val="600"/>
+              </a:spcBef>
+              <a:spcAft>
+                <a:spcPts val="600"/>
+              </a:spcAft>
+              <a:buFont typeface="Wingdings" pitchFamily="2" charset="2"/>
+              <a:buChar char=""/>
+              <a:defRPr lang="en-us" sz="2400"/>
+            </a:pPr>
+            <a:r>
+              <a:rPr dirty="0"/>
+              <a:t>Brian’s toddler is sitting in the family room</a:t>
+            </a:r>
+          </a:p>
+          <a:p>
+            <a:pPr>
+              <a:lnSpc>
+                <a:spcPct val="100000"/>
+              </a:lnSpc>
+              <a:spcBef>
+                <a:spcPts val="600"/>
+              </a:spcBef>
+              <a:spcAft>
+                <a:spcPts val="600"/>
+              </a:spcAft>
+              <a:buFont typeface="Wingdings" pitchFamily="2" charset="2"/>
+              <a:buChar char=""/>
+              <a:defRPr lang="en-us" sz="2400"/>
+            </a:pPr>
+            <a:r>
+              <a:rPr dirty="0"/>
+              <a:t>Some distance in front of her are two toys, A and B</a:t>
+            </a:r>
+          </a:p>
+          <a:p>
+            <a:pPr>
+              <a:lnSpc>
+                <a:spcPct val="100000"/>
+              </a:lnSpc>
+              <a:spcBef>
+                <a:spcPts val="600"/>
+              </a:spcBef>
+              <a:spcAft>
+                <a:spcPts val="600"/>
+              </a:spcAft>
+              <a:buFont typeface="Wingdings" pitchFamily="2" charset="2"/>
+              <a:buChar char=""/>
+              <a:defRPr lang="en-us" sz="2400"/>
+            </a:pPr>
+            <a:r>
+              <a:rPr dirty="0"/>
+              <a:t>Things are going on around her: adults are chatting in the next room, the TV is on, the dog is barking outside</a:t>
+            </a:r>
+          </a:p>
+          <a:p>
+            <a:pPr>
+              <a:lnSpc>
+                <a:spcPct val="100000"/>
+              </a:lnSpc>
+              <a:spcBef>
+                <a:spcPts val="600"/>
+              </a:spcBef>
+              <a:spcAft>
+                <a:spcPts val="600"/>
+              </a:spcAft>
+              <a:buFont typeface="Wingdings" pitchFamily="2" charset="2"/>
+              <a:buChar char=""/>
+              <a:defRPr lang="en-us" sz="2400"/>
+            </a:pPr>
+            <a:r>
+              <a:rPr dirty="0"/>
+              <a:t>Toddler desires the best toy</a:t>
             </a:r>
           </a:p>
           <a:p>
             <a:pPr lvl="1">
-              <a:defRPr lang="en-us"/>
-            </a:pPr>
-            <a:r>
-              <a:rPr lang="en-us" sz="1600"/>
-              <a:t>Need a compelling role for richer cognitive states at the individual level</a:t>
-            </a:r>
-          </a:p>
-          <a:p>
-            <a:pPr lvl="2">
-              <a:defRPr lang="en-us"/>
-            </a:pPr>
-            <a:r>
-              <a:rPr lang="en-us" sz="1200"/>
-              <a:t>If there isn’t such a role for game-theoretic treatment of individual cognition, not likely it’ll be necessary at the organizational level</a:t>
+              <a:lnSpc>
+                <a:spcPct val="100000"/>
+              </a:lnSpc>
+              <a:spcBef>
+                <a:spcPts val="600"/>
+              </a:spcBef>
+              <a:spcAft>
+                <a:spcPts val="600"/>
+              </a:spcAft>
+              <a:defRPr lang="en-us" sz="2400"/>
+            </a:pPr>
+            <a:r>
+              <a:rPr dirty="0"/>
+              <a:t>Best toy &gt; second-best toy &gt; no toy</a:t>
             </a:r>
           </a:p>
           <a:p>
             <a:pPr lvl="1">
-              <a:defRPr lang="en-us"/>
-            </a:pPr>
-            <a:r>
-              <a:rPr lang="en-us" sz="1600"/>
-              <a:t>In this discussion, we will focus on functions and models of intention in individual cognition</a:t>
-            </a:r>
-          </a:p>
-          <a:p>
-            <a:pPr lvl="2">
-              <a:defRPr lang="en-us"/>
-            </a:pPr>
-            <a:r>
-              <a:rPr lang="en-us" sz="1200"/>
-              <a:t>But we expect that similar points will be extensible to organizations</a:t>
-            </a:r>
+              <a:lnSpc>
+                <a:spcPct val="100000"/>
+              </a:lnSpc>
+              <a:spcBef>
+                <a:spcPts val="600"/>
+              </a:spcBef>
+              <a:spcAft>
+                <a:spcPts val="600"/>
+              </a:spcAft>
+              <a:defRPr lang="en-us" sz="2400"/>
+            </a:pPr>
+            <a:r>
+              <a:rPr dirty="0"/>
+              <a:t>Uncertain whether A or B is best</a:t>
+            </a:r>
+          </a:p>
+          <a:p>
+            <a:pPr lvl="1">
+              <a:lnSpc>
+                <a:spcPct val="100000"/>
+              </a:lnSpc>
+              <a:spcBef>
+                <a:spcPts val="600"/>
+              </a:spcBef>
+              <a:spcAft>
+                <a:spcPts val="600"/>
+              </a:spcAft>
+              <a:defRPr lang="en-us" sz="2400"/>
+            </a:pPr>
+            <a:r>
+              <a:rPr dirty="0"/>
+              <a:t>Tune-playing taken as signal of best</a:t>
+            </a:r>
+          </a:p>
+          <a:p>
+            <a:pPr>
+              <a:lnSpc>
+                <a:spcPct val="100000"/>
+              </a:lnSpc>
+              <a:spcBef>
+                <a:spcPts val="600"/>
+              </a:spcBef>
+              <a:spcAft>
+                <a:spcPts val="600"/>
+              </a:spcAft>
+              <a:buFont typeface="Wingdings" pitchFamily="2" charset="2"/>
+              <a:buChar char=""/>
+              <a:defRPr lang="en-us" sz="2400"/>
+            </a:pPr>
+            <a:r>
+              <a:rPr dirty="0"/>
+              <a:t>What happens</a:t>
+            </a:r>
+          </a:p>
+          <a:p>
+            <a:pPr>
+              <a:lnSpc>
+                <a:spcPct val="70000"/>
+              </a:lnSpc>
+              <a:spcBef>
+                <a:spcPts val="320"/>
+              </a:spcBef>
+              <a:buFont typeface="Wingdings" pitchFamily="2" charset="2"/>
+              <a:buChar char=""/>
+              <a:defRPr lang="en-us" sz="1400"/>
+            </a:pPr>
+            <a:endParaRPr dirty="0"/>
           </a:p>
         </p:txBody>
       </p:sp>
